--- a/Dependency Injection - the right way.pptx
+++ b/Dependency Injection - the right way.pptx
@@ -4,8 +4,34 @@
   <p:sldMasterIdLst>
     <p:sldMasterId id="2147483648" r:id="rId1"/>
   </p:sldMasterIdLst>
+  <p:notesMasterIdLst>
+    <p:notesMasterId r:id="rId26"/>
+  </p:notesMasterIdLst>
   <p:sldIdLst>
-    <p:sldId id="256" r:id="rId2"/>
+    <p:sldId id="258" r:id="rId2"/>
+    <p:sldId id="256" r:id="rId3"/>
+    <p:sldId id="257" r:id="rId4"/>
+    <p:sldId id="260" r:id="rId5"/>
+    <p:sldId id="261" r:id="rId6"/>
+    <p:sldId id="262" r:id="rId7"/>
+    <p:sldId id="263" r:id="rId8"/>
+    <p:sldId id="264" r:id="rId9"/>
+    <p:sldId id="265" r:id="rId10"/>
+    <p:sldId id="266" r:id="rId11"/>
+    <p:sldId id="267" r:id="rId12"/>
+    <p:sldId id="268" r:id="rId13"/>
+    <p:sldId id="269" r:id="rId14"/>
+    <p:sldId id="270" r:id="rId15"/>
+    <p:sldId id="271" r:id="rId16"/>
+    <p:sldId id="272" r:id="rId17"/>
+    <p:sldId id="273" r:id="rId18"/>
+    <p:sldId id="274" r:id="rId19"/>
+    <p:sldId id="275" r:id="rId20"/>
+    <p:sldId id="276" r:id="rId21"/>
+    <p:sldId id="277" r:id="rId22"/>
+    <p:sldId id="278" r:id="rId23"/>
+    <p:sldId id="279" r:id="rId24"/>
+    <p:sldId id="259" r:id="rId25"/>
   </p:sldIdLst>
   <p:sldSz cx="9144000" cy="6858000" type="screen4x3"/>
   <p:notesSz cx="6858000" cy="9144000"/>
@@ -104,7 +130,837 @@
       </a:defRPr>
     </a:lvl9pPr>
   </p:defaultTextStyle>
+  <p:extLst>
+    <p:ext uri="{521415D9-36F7-43E2-AB2F-B90AF26B5E84}">
+      <p14:sectionLst xmlns:p14="http://schemas.microsoft.com/office/powerpoint/2010/main">
+        <p14:section name="Title" id="{5D8A7F3B-E75F-48D1-9C50-68184AB01CF2}">
+          <p14:sldIdLst>
+            <p14:sldId id="258"/>
+            <p14:sldId id="256"/>
+          </p14:sldIdLst>
+        </p14:section>
+        <p14:section name="Intro" id="{7EB5D48E-E099-4EEA-B848-264FD53877E0}">
+          <p14:sldIdLst>
+            <p14:sldId id="257"/>
+            <p14:sldId id="260"/>
+            <p14:sldId id="261"/>
+            <p14:sldId id="262"/>
+            <p14:sldId id="263"/>
+            <p14:sldId id="264"/>
+            <p14:sldId id="265"/>
+            <p14:sldId id="266"/>
+            <p14:sldId id="267"/>
+            <p14:sldId id="268"/>
+            <p14:sldId id="269"/>
+            <p14:sldId id="270"/>
+            <p14:sldId id="271"/>
+            <p14:sldId id="272"/>
+            <p14:sldId id="273"/>
+            <p14:sldId id="274"/>
+            <p14:sldId id="275"/>
+            <p14:sldId id="276"/>
+            <p14:sldId id="277"/>
+          </p14:sldIdLst>
+        </p14:section>
+        <p14:section name="Ending" id="{ABFE2192-66D0-45D8-95C8-D54249131523}">
+          <p14:sldIdLst>
+            <p14:sldId id="278"/>
+            <p14:sldId id="279"/>
+            <p14:sldId id="259"/>
+          </p14:sldIdLst>
+        </p14:section>
+      </p14:sectionLst>
+    </p:ext>
+  </p:extLst>
 </p:presentation>
+</file>
+
+<file path=ppt/notesMasters/notesMaster1.xml><?xml version="1.0" encoding="utf-8"?>
+<p:notesMaster xmlns:a="http://schemas.openxmlformats.org/drawingml/2006/main" xmlns:r="http://schemas.openxmlformats.org/officeDocument/2006/relationships" xmlns:p="http://schemas.openxmlformats.org/presentationml/2006/main">
+  <p:cSld>
+    <p:bg>
+      <p:bgRef idx="1001">
+        <a:schemeClr val="bg1"/>
+      </p:bgRef>
+    </p:bg>
+    <p:spTree>
+      <p:nvGrpSpPr>
+        <p:cNvPr id="1" name=""/>
+        <p:cNvGrpSpPr/>
+        <p:nvPr/>
+      </p:nvGrpSpPr>
+      <p:grpSpPr>
+        <a:xfrm>
+          <a:off x="0" y="0"/>
+          <a:ext cx="0" cy="0"/>
+          <a:chOff x="0" y="0"/>
+          <a:chExt cx="0" cy="0"/>
+        </a:xfrm>
+      </p:grpSpPr>
+      <p:sp>
+        <p:nvSpPr>
+          <p:cNvPr id="2" name="Header Placeholder 1"/>
+          <p:cNvSpPr>
+            <a:spLocks noGrp="1"/>
+          </p:cNvSpPr>
+          <p:nvPr>
+            <p:ph type="hdr" sz="quarter"/>
+          </p:nvPr>
+        </p:nvSpPr>
+        <p:spPr>
+          <a:xfrm>
+            <a:off x="0" y="0"/>
+            <a:ext cx="2971800" cy="457200"/>
+          </a:xfrm>
+          <a:prstGeom prst="rect">
+            <a:avLst/>
+          </a:prstGeom>
+        </p:spPr>
+        <p:txBody>
+          <a:bodyPr vert="horz" lIns="91440" tIns="45720" rIns="91440" bIns="45720" rtlCol="0"/>
+          <a:lstStyle>
+            <a:lvl1pPr algn="l">
+              <a:defRPr sz="1200"/>
+            </a:lvl1pPr>
+          </a:lstStyle>
+          <a:p>
+            <a:endParaRPr lang="en-US"/>
+          </a:p>
+        </p:txBody>
+      </p:sp>
+      <p:sp>
+        <p:nvSpPr>
+          <p:cNvPr id="3" name="Date Placeholder 2"/>
+          <p:cNvSpPr>
+            <a:spLocks noGrp="1"/>
+          </p:cNvSpPr>
+          <p:nvPr>
+            <p:ph type="dt" idx="1"/>
+          </p:nvPr>
+        </p:nvSpPr>
+        <p:spPr>
+          <a:xfrm>
+            <a:off x="3884613" y="0"/>
+            <a:ext cx="2971800" cy="457200"/>
+          </a:xfrm>
+          <a:prstGeom prst="rect">
+            <a:avLst/>
+          </a:prstGeom>
+        </p:spPr>
+        <p:txBody>
+          <a:bodyPr vert="horz" lIns="91440" tIns="45720" rIns="91440" bIns="45720" rtlCol="0"/>
+          <a:lstStyle>
+            <a:lvl1pPr algn="r">
+              <a:defRPr sz="1200"/>
+            </a:lvl1pPr>
+          </a:lstStyle>
+          <a:p>
+            <a:fld id="{6A832646-E780-4C51-894A-E10A6307E83D}" type="datetimeFigureOut">
+              <a:rPr lang="en-US" smtClean="0"/>
+              <a:t>10/17/2014</a:t>
+            </a:fld>
+            <a:endParaRPr lang="en-US"/>
+          </a:p>
+        </p:txBody>
+      </p:sp>
+      <p:sp>
+        <p:nvSpPr>
+          <p:cNvPr id="4" name="Slide Image Placeholder 3"/>
+          <p:cNvSpPr>
+            <a:spLocks noGrp="1" noRot="1" noChangeAspect="1"/>
+          </p:cNvSpPr>
+          <p:nvPr>
+            <p:ph type="sldImg" idx="2"/>
+          </p:nvPr>
+        </p:nvSpPr>
+        <p:spPr>
+          <a:xfrm>
+            <a:off x="1143000" y="685800"/>
+            <a:ext cx="4572000" cy="3429000"/>
+          </a:xfrm>
+          <a:prstGeom prst="rect">
+            <a:avLst/>
+          </a:prstGeom>
+          <a:noFill/>
+          <a:ln w="12700">
+            <a:solidFill>
+              <a:prstClr val="black"/>
+            </a:solidFill>
+          </a:ln>
+        </p:spPr>
+        <p:txBody>
+          <a:bodyPr vert="horz" lIns="91440" tIns="45720" rIns="91440" bIns="45720" rtlCol="0" anchor="ctr"/>
+          <a:lstStyle/>
+          <a:p>
+            <a:endParaRPr lang="en-US"/>
+          </a:p>
+        </p:txBody>
+      </p:sp>
+      <p:sp>
+        <p:nvSpPr>
+          <p:cNvPr id="5" name="Notes Placeholder 4"/>
+          <p:cNvSpPr>
+            <a:spLocks noGrp="1"/>
+          </p:cNvSpPr>
+          <p:nvPr>
+            <p:ph type="body" sz="quarter" idx="3"/>
+          </p:nvPr>
+        </p:nvSpPr>
+        <p:spPr>
+          <a:xfrm>
+            <a:off x="685800" y="4343400"/>
+            <a:ext cx="5486400" cy="4114800"/>
+          </a:xfrm>
+          <a:prstGeom prst="rect">
+            <a:avLst/>
+          </a:prstGeom>
+        </p:spPr>
+        <p:txBody>
+          <a:bodyPr vert="horz" lIns="91440" tIns="45720" rIns="91440" bIns="45720" rtlCol="0"/>
+          <a:lstStyle/>
+          <a:p>
+            <a:pPr lvl="0"/>
+            <a:r>
+              <a:rPr lang="en-US" smtClean="0"/>
+              <a:t>Click to edit Master text styles</a:t>
+            </a:r>
+          </a:p>
+          <a:p>
+            <a:pPr lvl="1"/>
+            <a:r>
+              <a:rPr lang="en-US" smtClean="0"/>
+              <a:t>Second level</a:t>
+            </a:r>
+          </a:p>
+          <a:p>
+            <a:pPr lvl="2"/>
+            <a:r>
+              <a:rPr lang="en-US" smtClean="0"/>
+              <a:t>Third level</a:t>
+            </a:r>
+          </a:p>
+          <a:p>
+            <a:pPr lvl="3"/>
+            <a:r>
+              <a:rPr lang="en-US" smtClean="0"/>
+              <a:t>Fourth level</a:t>
+            </a:r>
+          </a:p>
+          <a:p>
+            <a:pPr lvl="4"/>
+            <a:r>
+              <a:rPr lang="en-US" smtClean="0"/>
+              <a:t>Fifth level</a:t>
+            </a:r>
+            <a:endParaRPr lang="en-US"/>
+          </a:p>
+        </p:txBody>
+      </p:sp>
+      <p:sp>
+        <p:nvSpPr>
+          <p:cNvPr id="6" name="Footer Placeholder 5"/>
+          <p:cNvSpPr>
+            <a:spLocks noGrp="1"/>
+          </p:cNvSpPr>
+          <p:nvPr>
+            <p:ph type="ftr" sz="quarter" idx="4"/>
+          </p:nvPr>
+        </p:nvSpPr>
+        <p:spPr>
+          <a:xfrm>
+            <a:off x="0" y="8685213"/>
+            <a:ext cx="2971800" cy="457200"/>
+          </a:xfrm>
+          <a:prstGeom prst="rect">
+            <a:avLst/>
+          </a:prstGeom>
+        </p:spPr>
+        <p:txBody>
+          <a:bodyPr vert="horz" lIns="91440" tIns="45720" rIns="91440" bIns="45720" rtlCol="0" anchor="b"/>
+          <a:lstStyle>
+            <a:lvl1pPr algn="l">
+              <a:defRPr sz="1200"/>
+            </a:lvl1pPr>
+          </a:lstStyle>
+          <a:p>
+            <a:endParaRPr lang="en-US"/>
+          </a:p>
+        </p:txBody>
+      </p:sp>
+      <p:sp>
+        <p:nvSpPr>
+          <p:cNvPr id="7" name="Slide Number Placeholder 6"/>
+          <p:cNvSpPr>
+            <a:spLocks noGrp="1"/>
+          </p:cNvSpPr>
+          <p:nvPr>
+            <p:ph type="sldNum" sz="quarter" idx="5"/>
+          </p:nvPr>
+        </p:nvSpPr>
+        <p:spPr>
+          <a:xfrm>
+            <a:off x="3884613" y="8685213"/>
+            <a:ext cx="2971800" cy="457200"/>
+          </a:xfrm>
+          <a:prstGeom prst="rect">
+            <a:avLst/>
+          </a:prstGeom>
+        </p:spPr>
+        <p:txBody>
+          <a:bodyPr vert="horz" lIns="91440" tIns="45720" rIns="91440" bIns="45720" rtlCol="0" anchor="b"/>
+          <a:lstStyle>
+            <a:lvl1pPr algn="r">
+              <a:defRPr sz="1200"/>
+            </a:lvl1pPr>
+          </a:lstStyle>
+          <a:p>
+            <a:fld id="{33F0961A-48D7-4871-86EB-F9831811C96F}" type="slidenum">
+              <a:rPr lang="en-US" smtClean="0"/>
+              <a:t>‹#›</a:t>
+            </a:fld>
+            <a:endParaRPr lang="en-US"/>
+          </a:p>
+        </p:txBody>
+      </p:sp>
+    </p:spTree>
+    <p:extLst>
+      <p:ext uri="{BB962C8B-B14F-4D97-AF65-F5344CB8AC3E}">
+        <p14:creationId xmlns:p14="http://schemas.microsoft.com/office/powerpoint/2010/main" val="1441476479"/>
+      </p:ext>
+    </p:extLst>
+  </p:cSld>
+  <p:clrMap bg1="lt1" tx1="dk1" bg2="lt2" tx2="dk2" accent1="accent1" accent2="accent2" accent3="accent3" accent4="accent4" accent5="accent5" accent6="accent6" hlink="hlink" folHlink="folHlink"/>
+  <p:notesStyle>
+    <a:lvl1pPr marL="0" algn="l" defTabSz="914400" rtl="0" eaLnBrk="1" latinLnBrk="0" hangingPunct="1">
+      <a:defRPr sz="1200" kern="1200">
+        <a:solidFill>
+          <a:schemeClr val="tx1"/>
+        </a:solidFill>
+        <a:latin typeface="+mn-lt"/>
+        <a:ea typeface="+mn-ea"/>
+        <a:cs typeface="+mn-cs"/>
+      </a:defRPr>
+    </a:lvl1pPr>
+    <a:lvl2pPr marL="457200" algn="l" defTabSz="914400" rtl="0" eaLnBrk="1" latinLnBrk="0" hangingPunct="1">
+      <a:defRPr sz="1200" kern="1200">
+        <a:solidFill>
+          <a:schemeClr val="tx1"/>
+        </a:solidFill>
+        <a:latin typeface="+mn-lt"/>
+        <a:ea typeface="+mn-ea"/>
+        <a:cs typeface="+mn-cs"/>
+      </a:defRPr>
+    </a:lvl2pPr>
+    <a:lvl3pPr marL="914400" algn="l" defTabSz="914400" rtl="0" eaLnBrk="1" latinLnBrk="0" hangingPunct="1">
+      <a:defRPr sz="1200" kern="1200">
+        <a:solidFill>
+          <a:schemeClr val="tx1"/>
+        </a:solidFill>
+        <a:latin typeface="+mn-lt"/>
+        <a:ea typeface="+mn-ea"/>
+        <a:cs typeface="+mn-cs"/>
+      </a:defRPr>
+    </a:lvl3pPr>
+    <a:lvl4pPr marL="1371600" algn="l" defTabSz="914400" rtl="0" eaLnBrk="1" latinLnBrk="0" hangingPunct="1">
+      <a:defRPr sz="1200" kern="1200">
+        <a:solidFill>
+          <a:schemeClr val="tx1"/>
+        </a:solidFill>
+        <a:latin typeface="+mn-lt"/>
+        <a:ea typeface="+mn-ea"/>
+        <a:cs typeface="+mn-cs"/>
+      </a:defRPr>
+    </a:lvl4pPr>
+    <a:lvl5pPr marL="1828800" algn="l" defTabSz="914400" rtl="0" eaLnBrk="1" latinLnBrk="0" hangingPunct="1">
+      <a:defRPr sz="1200" kern="1200">
+        <a:solidFill>
+          <a:schemeClr val="tx1"/>
+        </a:solidFill>
+        <a:latin typeface="+mn-lt"/>
+        <a:ea typeface="+mn-ea"/>
+        <a:cs typeface="+mn-cs"/>
+      </a:defRPr>
+    </a:lvl5pPr>
+    <a:lvl6pPr marL="2286000" algn="l" defTabSz="914400" rtl="0" eaLnBrk="1" latinLnBrk="0" hangingPunct="1">
+      <a:defRPr sz="1200" kern="1200">
+        <a:solidFill>
+          <a:schemeClr val="tx1"/>
+        </a:solidFill>
+        <a:latin typeface="+mn-lt"/>
+        <a:ea typeface="+mn-ea"/>
+        <a:cs typeface="+mn-cs"/>
+      </a:defRPr>
+    </a:lvl6pPr>
+    <a:lvl7pPr marL="2743200" algn="l" defTabSz="914400" rtl="0" eaLnBrk="1" latinLnBrk="0" hangingPunct="1">
+      <a:defRPr sz="1200" kern="1200">
+        <a:solidFill>
+          <a:schemeClr val="tx1"/>
+        </a:solidFill>
+        <a:latin typeface="+mn-lt"/>
+        <a:ea typeface="+mn-ea"/>
+        <a:cs typeface="+mn-cs"/>
+      </a:defRPr>
+    </a:lvl7pPr>
+    <a:lvl8pPr marL="3200400" algn="l" defTabSz="914400" rtl="0" eaLnBrk="1" latinLnBrk="0" hangingPunct="1">
+      <a:defRPr sz="1200" kern="1200">
+        <a:solidFill>
+          <a:schemeClr val="tx1"/>
+        </a:solidFill>
+        <a:latin typeface="+mn-lt"/>
+        <a:ea typeface="+mn-ea"/>
+        <a:cs typeface="+mn-cs"/>
+      </a:defRPr>
+    </a:lvl8pPr>
+    <a:lvl9pPr marL="3657600" algn="l" defTabSz="914400" rtl="0" eaLnBrk="1" latinLnBrk="0" hangingPunct="1">
+      <a:defRPr sz="1200" kern="1200">
+        <a:solidFill>
+          <a:schemeClr val="tx1"/>
+        </a:solidFill>
+        <a:latin typeface="+mn-lt"/>
+        <a:ea typeface="+mn-ea"/>
+        <a:cs typeface="+mn-cs"/>
+      </a:defRPr>
+    </a:lvl9pPr>
+  </p:notesStyle>
+</p:notesMaster>
+</file>
+
+<file path=ppt/notesSlides/notesSlide1.xml><?xml version="1.0" encoding="utf-8"?>
+<p:notes xmlns:a="http://schemas.openxmlformats.org/drawingml/2006/main" xmlns:r="http://schemas.openxmlformats.org/officeDocument/2006/relationships" xmlns:p="http://schemas.openxmlformats.org/presentationml/2006/main">
+  <p:cSld>
+    <p:spTree>
+      <p:nvGrpSpPr>
+        <p:cNvPr id="1" name=""/>
+        <p:cNvGrpSpPr/>
+        <p:nvPr/>
+      </p:nvGrpSpPr>
+      <p:grpSpPr>
+        <a:xfrm>
+          <a:off x="0" y="0"/>
+          <a:ext cx="0" cy="0"/>
+          <a:chOff x="0" y="0"/>
+          <a:chExt cx="0" cy="0"/>
+        </a:xfrm>
+      </p:grpSpPr>
+      <p:sp>
+        <p:nvSpPr>
+          <p:cNvPr id="2" name="Slide Image Placeholder 1"/>
+          <p:cNvSpPr>
+            <a:spLocks noGrp="1" noRot="1" noChangeAspect="1"/>
+          </p:cNvSpPr>
+          <p:nvPr>
+            <p:ph type="sldImg"/>
+          </p:nvPr>
+        </p:nvSpPr>
+        <p:spPr/>
+      </p:sp>
+      <p:sp>
+        <p:nvSpPr>
+          <p:cNvPr id="3" name="Notes Placeholder 2"/>
+          <p:cNvSpPr>
+            <a:spLocks noGrp="1"/>
+          </p:cNvSpPr>
+          <p:nvPr>
+            <p:ph type="body" idx="1"/>
+          </p:nvPr>
+        </p:nvSpPr>
+        <p:spPr/>
+        <p:txBody>
+          <a:bodyPr/>
+          <a:lstStyle/>
+          <a:p>
+            <a:r>
+              <a:rPr lang="en-US" dirty="0" smtClean="0"/>
+              <a:t>TODO : add screenshot from </a:t>
+            </a:r>
+            <a:r>
+              <a:rPr lang="en-US" dirty="0" err="1" smtClean="0"/>
+              <a:t>StackOverflow</a:t>
+            </a:r>
+            <a:endParaRPr lang="en-US" dirty="0"/>
+          </a:p>
+        </p:txBody>
+      </p:sp>
+      <p:sp>
+        <p:nvSpPr>
+          <p:cNvPr id="4" name="Slide Number Placeholder 3"/>
+          <p:cNvSpPr>
+            <a:spLocks noGrp="1"/>
+          </p:cNvSpPr>
+          <p:nvPr>
+            <p:ph type="sldNum" sz="quarter" idx="10"/>
+          </p:nvPr>
+        </p:nvSpPr>
+        <p:spPr/>
+        <p:txBody>
+          <a:bodyPr/>
+          <a:lstStyle/>
+          <a:p>
+            <a:fld id="{33F0961A-48D7-4871-86EB-F9831811C96F}" type="slidenum">
+              <a:rPr lang="en-US" smtClean="0"/>
+              <a:t>1</a:t>
+            </a:fld>
+            <a:endParaRPr lang="en-US"/>
+          </a:p>
+        </p:txBody>
+      </p:sp>
+    </p:spTree>
+    <p:extLst>
+      <p:ext uri="{BB962C8B-B14F-4D97-AF65-F5344CB8AC3E}">
+        <p14:creationId xmlns:p14="http://schemas.microsoft.com/office/powerpoint/2010/main" val="2459266740"/>
+      </p:ext>
+    </p:extLst>
+  </p:cSld>
+  <p:clrMapOvr>
+    <a:masterClrMapping/>
+  </p:clrMapOvr>
+</p:notes>
+</file>
+
+<file path=ppt/notesSlides/notesSlide2.xml><?xml version="1.0" encoding="utf-8"?>
+<p:notes xmlns:a="http://schemas.openxmlformats.org/drawingml/2006/main" xmlns:r="http://schemas.openxmlformats.org/officeDocument/2006/relationships" xmlns:p="http://schemas.openxmlformats.org/presentationml/2006/main">
+  <p:cSld>
+    <p:spTree>
+      <p:nvGrpSpPr>
+        <p:cNvPr id="1" name=""/>
+        <p:cNvGrpSpPr/>
+        <p:nvPr/>
+      </p:nvGrpSpPr>
+      <p:grpSpPr>
+        <a:xfrm>
+          <a:off x="0" y="0"/>
+          <a:ext cx="0" cy="0"/>
+          <a:chOff x="0" y="0"/>
+          <a:chExt cx="0" cy="0"/>
+        </a:xfrm>
+      </p:grpSpPr>
+      <p:sp>
+        <p:nvSpPr>
+          <p:cNvPr id="2" name="Slide Image Placeholder 1"/>
+          <p:cNvSpPr>
+            <a:spLocks noGrp="1" noRot="1" noChangeAspect="1"/>
+          </p:cNvSpPr>
+          <p:nvPr>
+            <p:ph type="sldImg"/>
+          </p:nvPr>
+        </p:nvSpPr>
+        <p:spPr/>
+      </p:sp>
+      <p:sp>
+        <p:nvSpPr>
+          <p:cNvPr id="3" name="Notes Placeholder 2"/>
+          <p:cNvSpPr>
+            <a:spLocks noGrp="1"/>
+          </p:cNvSpPr>
+          <p:nvPr>
+            <p:ph type="body" idx="1"/>
+          </p:nvPr>
+        </p:nvSpPr>
+        <p:spPr/>
+        <p:txBody>
+          <a:bodyPr/>
+          <a:lstStyle/>
+          <a:p>
+            <a:r>
+              <a:rPr lang="en-US" dirty="0" smtClean="0"/>
+              <a:t>TODO :add </a:t>
+            </a:r>
+            <a:r>
+              <a:rPr lang="en-US" dirty="0" err="1" smtClean="0"/>
+              <a:t>SoftShake</a:t>
+            </a:r>
+            <a:r>
+              <a:rPr lang="en-US" baseline="0" dirty="0" smtClean="0"/>
+              <a:t> Logo</a:t>
+            </a:r>
+          </a:p>
+          <a:p>
+            <a:endParaRPr lang="en-US" baseline="0" dirty="0" smtClean="0"/>
+          </a:p>
+          <a:p>
+            <a:r>
+              <a:rPr lang="en-US" baseline="0" dirty="0" smtClean="0"/>
+              <a:t>Present you self</a:t>
+            </a:r>
+          </a:p>
+          <a:p>
+            <a:endParaRPr lang="en-US" dirty="0"/>
+          </a:p>
+        </p:txBody>
+      </p:sp>
+      <p:sp>
+        <p:nvSpPr>
+          <p:cNvPr id="4" name="Slide Number Placeholder 3"/>
+          <p:cNvSpPr>
+            <a:spLocks noGrp="1"/>
+          </p:cNvSpPr>
+          <p:nvPr>
+            <p:ph type="sldNum" sz="quarter" idx="10"/>
+          </p:nvPr>
+        </p:nvSpPr>
+        <p:spPr/>
+        <p:txBody>
+          <a:bodyPr/>
+          <a:lstStyle/>
+          <a:p>
+            <a:fld id="{33F0961A-48D7-4871-86EB-F9831811C96F}" type="slidenum">
+              <a:rPr lang="en-US" smtClean="0"/>
+              <a:t>2</a:t>
+            </a:fld>
+            <a:endParaRPr lang="en-US"/>
+          </a:p>
+        </p:txBody>
+      </p:sp>
+    </p:spTree>
+    <p:extLst>
+      <p:ext uri="{BB962C8B-B14F-4D97-AF65-F5344CB8AC3E}">
+        <p14:creationId xmlns:p14="http://schemas.microsoft.com/office/powerpoint/2010/main" val="2180593580"/>
+      </p:ext>
+    </p:extLst>
+  </p:cSld>
+  <p:clrMapOvr>
+    <a:masterClrMapping/>
+  </p:clrMapOvr>
+</p:notes>
+</file>
+
+<file path=ppt/notesSlides/notesSlide3.xml><?xml version="1.0" encoding="utf-8"?>
+<p:notes xmlns:a="http://schemas.openxmlformats.org/drawingml/2006/main" xmlns:r="http://schemas.openxmlformats.org/officeDocument/2006/relationships" xmlns:p="http://schemas.openxmlformats.org/presentationml/2006/main">
+  <p:cSld>
+    <p:spTree>
+      <p:nvGrpSpPr>
+        <p:cNvPr id="1" name=""/>
+        <p:cNvGrpSpPr/>
+        <p:nvPr/>
+      </p:nvGrpSpPr>
+      <p:grpSpPr>
+        <a:xfrm>
+          <a:off x="0" y="0"/>
+          <a:ext cx="0" cy="0"/>
+          <a:chOff x="0" y="0"/>
+          <a:chExt cx="0" cy="0"/>
+        </a:xfrm>
+      </p:grpSpPr>
+      <p:sp>
+        <p:nvSpPr>
+          <p:cNvPr id="2" name="Slide Image Placeholder 1"/>
+          <p:cNvSpPr>
+            <a:spLocks noGrp="1" noRot="1" noChangeAspect="1"/>
+          </p:cNvSpPr>
+          <p:nvPr>
+            <p:ph type="sldImg"/>
+          </p:nvPr>
+        </p:nvSpPr>
+        <p:spPr/>
+      </p:sp>
+      <p:sp>
+        <p:nvSpPr>
+          <p:cNvPr id="3" name="Notes Placeholder 2"/>
+          <p:cNvSpPr>
+            <a:spLocks noGrp="1"/>
+          </p:cNvSpPr>
+          <p:nvPr>
+            <p:ph type="body" idx="1"/>
+          </p:nvPr>
+        </p:nvSpPr>
+        <p:spPr/>
+        <p:txBody>
+          <a:bodyPr/>
+          <a:lstStyle/>
+          <a:p>
+            <a:r>
+              <a:rPr lang="en-US" dirty="0" smtClean="0"/>
+              <a:t>Talk about</a:t>
+            </a:r>
+            <a:r>
+              <a:rPr lang="en-US" baseline="0" dirty="0" smtClean="0"/>
+              <a:t> Dependency Injection </a:t>
+            </a:r>
+          </a:p>
+          <a:p>
+            <a:r>
+              <a:rPr lang="en-US" baseline="0" dirty="0" smtClean="0"/>
+              <a:t>You may know about it under a form or another, or ay have used tools</a:t>
+            </a:r>
+          </a:p>
+          <a:p>
+            <a:r>
+              <a:rPr lang="en-US" baseline="0" dirty="0" smtClean="0"/>
+              <a:t>Who has ? </a:t>
+            </a:r>
+          </a:p>
+          <a:p>
+            <a:r>
+              <a:rPr lang="en-US" baseline="0" dirty="0" smtClean="0"/>
+              <a:t>You must unlearn ! Need to understand the philosophy and concepts in order to use the tools properly</a:t>
+            </a:r>
+          </a:p>
+          <a:p>
+            <a:r>
+              <a:rPr lang="en-US" baseline="0" dirty="0" smtClean="0"/>
+              <a:t>It’s easy to misuse the tools and miss some benefits </a:t>
+            </a:r>
+          </a:p>
+        </p:txBody>
+      </p:sp>
+      <p:sp>
+        <p:nvSpPr>
+          <p:cNvPr id="4" name="Slide Number Placeholder 3"/>
+          <p:cNvSpPr>
+            <a:spLocks noGrp="1"/>
+          </p:cNvSpPr>
+          <p:nvPr>
+            <p:ph type="sldNum" sz="quarter" idx="10"/>
+          </p:nvPr>
+        </p:nvSpPr>
+        <p:spPr/>
+        <p:txBody>
+          <a:bodyPr/>
+          <a:lstStyle/>
+          <a:p>
+            <a:fld id="{33F0961A-48D7-4871-86EB-F9831811C96F}" type="slidenum">
+              <a:rPr lang="en-US" smtClean="0"/>
+              <a:t>3</a:t>
+            </a:fld>
+            <a:endParaRPr lang="en-US"/>
+          </a:p>
+        </p:txBody>
+      </p:sp>
+    </p:spTree>
+    <p:extLst>
+      <p:ext uri="{BB962C8B-B14F-4D97-AF65-F5344CB8AC3E}">
+        <p14:creationId xmlns:p14="http://schemas.microsoft.com/office/powerpoint/2010/main" val="4007451006"/>
+      </p:ext>
+    </p:extLst>
+  </p:cSld>
+  <p:clrMapOvr>
+    <a:masterClrMapping/>
+  </p:clrMapOvr>
+</p:notes>
+</file>
+
+<file path=ppt/notesSlides/notesSlide4.xml><?xml version="1.0" encoding="utf-8"?>
+<p:notes xmlns:a="http://schemas.openxmlformats.org/drawingml/2006/main" xmlns:r="http://schemas.openxmlformats.org/officeDocument/2006/relationships" xmlns:p="http://schemas.openxmlformats.org/presentationml/2006/main">
+  <p:cSld>
+    <p:spTree>
+      <p:nvGrpSpPr>
+        <p:cNvPr id="1" name=""/>
+        <p:cNvGrpSpPr/>
+        <p:nvPr/>
+      </p:nvGrpSpPr>
+      <p:grpSpPr>
+        <a:xfrm>
+          <a:off x="0" y="0"/>
+          <a:ext cx="0" cy="0"/>
+          <a:chOff x="0" y="0"/>
+          <a:chExt cx="0" cy="0"/>
+        </a:xfrm>
+      </p:grpSpPr>
+      <p:sp>
+        <p:nvSpPr>
+          <p:cNvPr id="2" name="Slide Image Placeholder 1"/>
+          <p:cNvSpPr>
+            <a:spLocks noGrp="1" noRot="1" noChangeAspect="1"/>
+          </p:cNvSpPr>
+          <p:nvPr>
+            <p:ph type="sldImg"/>
+          </p:nvPr>
+        </p:nvSpPr>
+        <p:spPr/>
+      </p:sp>
+      <p:sp>
+        <p:nvSpPr>
+          <p:cNvPr id="3" name="Notes Placeholder 2"/>
+          <p:cNvSpPr>
+            <a:spLocks noGrp="1"/>
+          </p:cNvSpPr>
+          <p:nvPr>
+            <p:ph type="body" idx="1"/>
+          </p:nvPr>
+        </p:nvSpPr>
+        <p:spPr/>
+        <p:txBody>
+          <a:bodyPr/>
+          <a:lstStyle/>
+          <a:p>
+            <a:r>
+              <a:rPr lang="en-US" dirty="0" smtClean="0"/>
+              <a:t>Comment : </a:t>
+            </a:r>
+          </a:p>
+          <a:p>
+            <a:r>
+              <a:rPr lang="en-US" dirty="0" smtClean="0"/>
+              <a:t>First encounter with need for loosely coupled code</a:t>
+            </a:r>
+            <a:r>
+              <a:rPr lang="en-US" baseline="0" dirty="0" smtClean="0"/>
+              <a:t> came from unit tests</a:t>
+            </a:r>
+          </a:p>
+          <a:p>
+            <a:r>
+              <a:rPr lang="en-US" baseline="0" dirty="0" smtClean="0"/>
+              <a:t>Who write unit tests here ? Anybody who writes unit tests first ? </a:t>
+            </a:r>
+            <a:endParaRPr lang="en-US" dirty="0" smtClean="0"/>
+          </a:p>
+          <a:p>
+            <a:r>
+              <a:rPr lang="en-US" dirty="0" smtClean="0"/>
+              <a:t>First encounter where you code MUST</a:t>
+            </a:r>
+            <a:r>
+              <a:rPr lang="en-US" baseline="0" dirty="0" smtClean="0"/>
+              <a:t> BE loosely coupled : unit tests ! Actually consume components out of the scope of the application</a:t>
+            </a:r>
+          </a:p>
+          <a:p>
+            <a:endParaRPr lang="en-US" baseline="0" dirty="0" smtClean="0"/>
+          </a:p>
+          <a:p>
+            <a:r>
+              <a:rPr lang="en-US" baseline="0" dirty="0" smtClean="0"/>
+              <a:t>Tightly coupled code is hard to test or not testable at all … if it’s testable it’s not too tightly coupled</a:t>
+            </a:r>
+            <a:endParaRPr lang="en-US" dirty="0"/>
+          </a:p>
+        </p:txBody>
+      </p:sp>
+      <p:sp>
+        <p:nvSpPr>
+          <p:cNvPr id="4" name="Slide Number Placeholder 3"/>
+          <p:cNvSpPr>
+            <a:spLocks noGrp="1"/>
+          </p:cNvSpPr>
+          <p:nvPr>
+            <p:ph type="sldNum" sz="quarter" idx="10"/>
+          </p:nvPr>
+        </p:nvSpPr>
+        <p:spPr/>
+        <p:txBody>
+          <a:bodyPr/>
+          <a:lstStyle/>
+          <a:p>
+            <a:fld id="{33F0961A-48D7-4871-86EB-F9831811C96F}" type="slidenum">
+              <a:rPr lang="en-US" smtClean="0"/>
+              <a:t>6</a:t>
+            </a:fld>
+            <a:endParaRPr lang="en-US"/>
+          </a:p>
+        </p:txBody>
+      </p:sp>
+    </p:spTree>
+    <p:extLst>
+      <p:ext uri="{BB962C8B-B14F-4D97-AF65-F5344CB8AC3E}">
+        <p14:creationId xmlns:p14="http://schemas.microsoft.com/office/powerpoint/2010/main" val="421099581"/>
+      </p:ext>
+    </p:extLst>
+  </p:cSld>
+  <p:clrMapOvr>
+    <a:masterClrMapping/>
+  </p:clrMapOvr>
+</p:notes>
 </file>
 
 <file path=ppt/slideLayouts/slideLayout1.xml><?xml version="1.0" encoding="utf-8"?>
@@ -288,7 +1144,7 @@
           <a:p>
             <a:fld id="{3206313D-9189-437E-85E6-0FAD01F6BF8A}" type="datetimeFigureOut">
               <a:rPr lang="en-US" smtClean="0"/>
-              <a:t>10/13/2014</a:t>
+              <a:t>10/17/2014</a:t>
             </a:fld>
             <a:endParaRPr lang="en-US"/>
           </a:p>
@@ -458,7 +1314,7 @@
           <a:p>
             <a:fld id="{3206313D-9189-437E-85E6-0FAD01F6BF8A}" type="datetimeFigureOut">
               <a:rPr lang="en-US" smtClean="0"/>
-              <a:t>10/13/2014</a:t>
+              <a:t>10/17/2014</a:t>
             </a:fld>
             <a:endParaRPr lang="en-US"/>
           </a:p>
@@ -638,7 +1494,7 @@
           <a:p>
             <a:fld id="{3206313D-9189-437E-85E6-0FAD01F6BF8A}" type="datetimeFigureOut">
               <a:rPr lang="en-US" smtClean="0"/>
-              <a:t>10/13/2014</a:t>
+              <a:t>10/17/2014</a:t>
             </a:fld>
             <a:endParaRPr lang="en-US"/>
           </a:p>
@@ -808,7 +1664,7 @@
           <a:p>
             <a:fld id="{3206313D-9189-437E-85E6-0FAD01F6BF8A}" type="datetimeFigureOut">
               <a:rPr lang="en-US" smtClean="0"/>
-              <a:t>10/13/2014</a:t>
+              <a:t>10/17/2014</a:t>
             </a:fld>
             <a:endParaRPr lang="en-US"/>
           </a:p>
@@ -1054,7 +1910,7 @@
           <a:p>
             <a:fld id="{3206313D-9189-437E-85E6-0FAD01F6BF8A}" type="datetimeFigureOut">
               <a:rPr lang="en-US" smtClean="0"/>
-              <a:t>10/13/2014</a:t>
+              <a:t>10/17/2014</a:t>
             </a:fld>
             <a:endParaRPr lang="en-US"/>
           </a:p>
@@ -1342,7 +2198,7 @@
           <a:p>
             <a:fld id="{3206313D-9189-437E-85E6-0FAD01F6BF8A}" type="datetimeFigureOut">
               <a:rPr lang="en-US" smtClean="0"/>
-              <a:t>10/13/2014</a:t>
+              <a:t>10/17/2014</a:t>
             </a:fld>
             <a:endParaRPr lang="en-US"/>
           </a:p>
@@ -1764,7 +2620,7 @@
           <a:p>
             <a:fld id="{3206313D-9189-437E-85E6-0FAD01F6BF8A}" type="datetimeFigureOut">
               <a:rPr lang="en-US" smtClean="0"/>
-              <a:t>10/13/2014</a:t>
+              <a:t>10/17/2014</a:t>
             </a:fld>
             <a:endParaRPr lang="en-US"/>
           </a:p>
@@ -1882,7 +2738,7 @@
           <a:p>
             <a:fld id="{3206313D-9189-437E-85E6-0FAD01F6BF8A}" type="datetimeFigureOut">
               <a:rPr lang="en-US" smtClean="0"/>
-              <a:t>10/13/2014</a:t>
+              <a:t>10/17/2014</a:t>
             </a:fld>
             <a:endParaRPr lang="en-US"/>
           </a:p>
@@ -1977,7 +2833,7 @@
           <a:p>
             <a:fld id="{3206313D-9189-437E-85E6-0FAD01F6BF8A}" type="datetimeFigureOut">
               <a:rPr lang="en-US" smtClean="0"/>
-              <a:t>10/13/2014</a:t>
+              <a:t>10/17/2014</a:t>
             </a:fld>
             <a:endParaRPr lang="en-US"/>
           </a:p>
@@ -2254,7 +3110,7 @@
           <a:p>
             <a:fld id="{3206313D-9189-437E-85E6-0FAD01F6BF8A}" type="datetimeFigureOut">
               <a:rPr lang="en-US" smtClean="0"/>
-              <a:t>10/13/2014</a:t>
+              <a:t>10/17/2014</a:t>
             </a:fld>
             <a:endParaRPr lang="en-US"/>
           </a:p>
@@ -2507,7 +3363,7 @@
           <a:p>
             <a:fld id="{3206313D-9189-437E-85E6-0FAD01F6BF8A}" type="datetimeFigureOut">
               <a:rPr lang="en-US" smtClean="0"/>
-              <a:t>10/13/2014</a:t>
+              <a:t>10/17/2014</a:t>
             </a:fld>
             <a:endParaRPr lang="en-US"/>
           </a:p>
@@ -2720,7 +3576,7 @@
           <a:p>
             <a:fld id="{3206313D-9189-437E-85E6-0FAD01F6BF8A}" type="datetimeFigureOut">
               <a:rPr lang="en-US" smtClean="0"/>
-              <a:t>10/13/2014</a:t>
+              <a:t>10/17/2014</a:t>
             </a:fld>
             <a:endParaRPr lang="en-US"/>
           </a:p>
@@ -3095,6 +3951,209 @@
           <a:chExt cx="0" cy="0"/>
         </a:xfrm>
       </p:grpSpPr>
+      <p:pic>
+        <p:nvPicPr>
+          <p:cNvPr id="2050" name="Picture 2"/>
+          <p:cNvPicPr>
+            <a:picLocks noChangeAspect="1" noChangeArrowheads="1"/>
+          </p:cNvPicPr>
+          <p:nvPr/>
+        </p:nvPicPr>
+        <p:blipFill>
+          <a:blip r:embed="rId3">
+            <a:extLst>
+              <a:ext uri="{28A0092B-C50C-407E-A947-70E740481C1C}">
+                <a14:useLocalDpi xmlns:a14="http://schemas.microsoft.com/office/drawing/2010/main" val="0"/>
+              </a:ext>
+            </a:extLst>
+          </a:blip>
+          <a:srcRect/>
+          <a:stretch>
+            <a:fillRect/>
+          </a:stretch>
+        </p:blipFill>
+        <p:spPr bwMode="auto">
+          <a:xfrm>
+            <a:off x="683568" y="908720"/>
+            <a:ext cx="8020613" cy="1656184"/>
+          </a:xfrm>
+          <a:prstGeom prst="rect">
+            <a:avLst/>
+          </a:prstGeom>
+          <a:noFill/>
+          <a:ln>
+            <a:noFill/>
+          </a:ln>
+          <a:effectLst/>
+          <a:extLst>
+            <a:ext uri="{909E8E84-426E-40DD-AFC4-6F175D3DCCD1}">
+              <a14:hiddenFill xmlns:a14="http://schemas.microsoft.com/office/drawing/2010/main">
+                <a:solidFill>
+                  <a:schemeClr val="accent1"/>
+                </a:solidFill>
+              </a14:hiddenFill>
+            </a:ext>
+            <a:ext uri="{91240B29-F687-4F45-9708-019B960494DF}">
+              <a14:hiddenLine xmlns:a14="http://schemas.microsoft.com/office/drawing/2010/main" w="9525">
+                <a:solidFill>
+                  <a:schemeClr val="tx1"/>
+                </a:solidFill>
+                <a:miter lim="800000"/>
+                <a:headEnd/>
+                <a:tailEnd/>
+              </a14:hiddenLine>
+            </a:ext>
+            <a:ext uri="{AF507438-7753-43E0-B8FC-AC1667EBCBE1}">
+              <a14:hiddenEffects xmlns:a14="http://schemas.microsoft.com/office/drawing/2010/main">
+                <a:effectLst>
+                  <a:outerShdw dist="35921" dir="2700000" algn="ctr" rotWithShape="0">
+                    <a:schemeClr val="bg2"/>
+                  </a:outerShdw>
+                </a:effectLst>
+              </a14:hiddenEffects>
+            </a:ext>
+          </a:extLst>
+        </p:spPr>
+      </p:pic>
+      <p:pic>
+        <p:nvPicPr>
+          <p:cNvPr id="2051" name="Picture 3"/>
+          <p:cNvPicPr>
+            <a:picLocks noChangeAspect="1" noChangeArrowheads="1"/>
+          </p:cNvPicPr>
+          <p:nvPr/>
+        </p:nvPicPr>
+        <p:blipFill>
+          <a:blip r:embed="rId4">
+            <a:extLst>
+              <a:ext uri="{28A0092B-C50C-407E-A947-70E740481C1C}">
+                <a14:useLocalDpi xmlns:a14="http://schemas.microsoft.com/office/drawing/2010/main" val="0"/>
+              </a:ext>
+            </a:extLst>
+          </a:blip>
+          <a:srcRect/>
+          <a:stretch>
+            <a:fillRect/>
+          </a:stretch>
+        </p:blipFill>
+        <p:spPr bwMode="auto">
+          <a:xfrm>
+            <a:off x="179512" y="2896604"/>
+            <a:ext cx="8750045" cy="3128529"/>
+          </a:xfrm>
+          <a:prstGeom prst="rect">
+            <a:avLst/>
+          </a:prstGeom>
+          <a:noFill/>
+          <a:ln>
+            <a:noFill/>
+          </a:ln>
+          <a:effectLst>
+            <a:outerShdw dist="35921" dir="2700000" algn="ctr" rotWithShape="0">
+              <a:schemeClr val="bg2"/>
+            </a:outerShdw>
+          </a:effectLst>
+          <a:extLst>
+            <a:ext uri="{909E8E84-426E-40DD-AFC4-6F175D3DCCD1}">
+              <a14:hiddenFill xmlns:a14="http://schemas.microsoft.com/office/drawing/2010/main">
+                <a:solidFill>
+                  <a:schemeClr val="accent1"/>
+                </a:solidFill>
+              </a14:hiddenFill>
+            </a:ext>
+            <a:ext uri="{91240B29-F687-4F45-9708-019B960494DF}">
+              <a14:hiddenLine xmlns:a14="http://schemas.microsoft.com/office/drawing/2010/main" w="9525">
+                <a:solidFill>
+                  <a:schemeClr val="tx1"/>
+                </a:solidFill>
+                <a:miter lim="800000"/>
+                <a:headEnd/>
+                <a:tailEnd/>
+              </a14:hiddenLine>
+            </a:ext>
+          </a:extLst>
+        </p:spPr>
+      </p:pic>
+      <p:sp>
+        <p:nvSpPr>
+          <p:cNvPr id="4" name="TextBox 3"/>
+          <p:cNvSpPr txBox="1"/>
+          <p:nvPr/>
+        </p:nvSpPr>
+        <p:spPr>
+          <a:xfrm>
+            <a:off x="251520" y="6159787"/>
+            <a:ext cx="8712968" cy="276999"/>
+          </a:xfrm>
+          <a:prstGeom prst="rect">
+            <a:avLst/>
+          </a:prstGeom>
+          <a:noFill/>
+        </p:spPr>
+        <p:txBody>
+          <a:bodyPr wrap="square" rtlCol="0">
+            <a:spAutoFit/>
+          </a:bodyPr>
+          <a:lstStyle/>
+          <a:p>
+            <a:pPr algn="r"/>
+            <a:r>
+              <a:rPr lang="en-US" sz="1200" dirty="0">
+                <a:hlinkClick r:id="rId5"/>
+              </a:rPr>
+              <a:t>http://</a:t>
+            </a:r>
+            <a:r>
+              <a:rPr lang="en-US" sz="1200" dirty="0" smtClean="0">
+                <a:hlinkClick r:id="rId5"/>
+              </a:rPr>
+              <a:t>stackoverflow.com/questions/1638919/how-to-explain-dependency-injection-to-a-5-year-old/1638961#1638961</a:t>
+            </a:r>
+            <a:r>
+              <a:rPr lang="en-US" sz="1200" dirty="0" smtClean="0"/>
+              <a:t> </a:t>
+            </a:r>
+            <a:endParaRPr lang="en-US" sz="1200" dirty="0"/>
+          </a:p>
+        </p:txBody>
+      </p:sp>
+    </p:spTree>
+    <p:extLst>
+      <p:ext uri="{BB962C8B-B14F-4D97-AF65-F5344CB8AC3E}">
+        <p14:creationId xmlns:p14="http://schemas.microsoft.com/office/powerpoint/2010/main" val="412848238"/>
+      </p:ext>
+    </p:extLst>
+  </p:cSld>
+  <p:clrMapOvr>
+    <a:masterClrMapping/>
+  </p:clrMapOvr>
+  <p:timing>
+    <p:tnLst>
+      <p:par>
+        <p:cTn id="1" dur="indefinite" restart="never" nodeType="tmRoot"/>
+      </p:par>
+    </p:tnLst>
+  </p:timing>
+</p:sld>
+</file>
+
+<file path=ppt/slides/slide10.xml><?xml version="1.0" encoding="utf-8"?>
+<p:sld xmlns:a="http://schemas.openxmlformats.org/drawingml/2006/main" xmlns:r="http://schemas.openxmlformats.org/officeDocument/2006/relationships" xmlns:p="http://schemas.openxmlformats.org/presentationml/2006/main">
+  <p:cSld>
+    <p:spTree>
+      <p:nvGrpSpPr>
+        <p:cNvPr id="1" name=""/>
+        <p:cNvGrpSpPr/>
+        <p:nvPr/>
+      </p:nvGrpSpPr>
+      <p:grpSpPr>
+        <a:xfrm>
+          <a:off x="0" y="0"/>
+          <a:ext cx="0" cy="0"/>
+          <a:chOff x="0" y="0"/>
+          <a:chExt cx="0" cy="0"/>
+        </a:xfrm>
+      </p:grpSpPr>
       <p:sp>
         <p:nvSpPr>
           <p:cNvPr id="2" name="Title 1"/>
@@ -3102,15 +4161,828 @@
             <a:spLocks noGrp="1"/>
           </p:cNvSpPr>
           <p:nvPr>
+            <p:ph type="title"/>
+          </p:nvPr>
+        </p:nvSpPr>
+        <p:spPr/>
+        <p:txBody>
+          <a:bodyPr/>
+          <a:lstStyle/>
+          <a:p>
+            <a:r>
+              <a:rPr lang="en-US" dirty="0" smtClean="0"/>
+              <a:t>Program to an abstraction</a:t>
+            </a:r>
+            <a:endParaRPr lang="en-US" dirty="0"/>
+          </a:p>
+        </p:txBody>
+      </p:sp>
+      <p:sp>
+        <p:nvSpPr>
+          <p:cNvPr id="3" name="Content Placeholder 2"/>
+          <p:cNvSpPr>
+            <a:spLocks noGrp="1"/>
+          </p:cNvSpPr>
+          <p:nvPr>
+            <p:ph idx="1"/>
+          </p:nvPr>
+        </p:nvSpPr>
+        <p:spPr/>
+        <p:txBody>
+          <a:bodyPr/>
+          <a:lstStyle/>
+          <a:p>
+            <a:endParaRPr lang="en-US"/>
+          </a:p>
+        </p:txBody>
+      </p:sp>
+    </p:spTree>
+    <p:extLst>
+      <p:ext uri="{BB962C8B-B14F-4D97-AF65-F5344CB8AC3E}">
+        <p14:creationId xmlns:p14="http://schemas.microsoft.com/office/powerpoint/2010/main" val="2273883719"/>
+      </p:ext>
+    </p:extLst>
+  </p:cSld>
+  <p:clrMapOvr>
+    <a:masterClrMapping/>
+  </p:clrMapOvr>
+</p:sld>
+</file>
+
+<file path=ppt/slides/slide11.xml><?xml version="1.0" encoding="utf-8"?>
+<p:sld xmlns:a="http://schemas.openxmlformats.org/drawingml/2006/main" xmlns:r="http://schemas.openxmlformats.org/officeDocument/2006/relationships" xmlns:p="http://schemas.openxmlformats.org/presentationml/2006/main">
+  <p:cSld>
+    <p:spTree>
+      <p:nvGrpSpPr>
+        <p:cNvPr id="1" name=""/>
+        <p:cNvGrpSpPr/>
+        <p:nvPr/>
+      </p:nvGrpSpPr>
+      <p:grpSpPr>
+        <a:xfrm>
+          <a:off x="0" y="0"/>
+          <a:ext cx="0" cy="0"/>
+          <a:chOff x="0" y="0"/>
+          <a:chExt cx="0" cy="0"/>
+        </a:xfrm>
+      </p:grpSpPr>
+      <p:sp>
+        <p:nvSpPr>
+          <p:cNvPr id="2" name="Title 1"/>
+          <p:cNvSpPr>
+            <a:spLocks noGrp="1"/>
+          </p:cNvSpPr>
+          <p:nvPr>
+            <p:ph type="title"/>
+          </p:nvPr>
+        </p:nvSpPr>
+        <p:spPr/>
+        <p:txBody>
+          <a:bodyPr/>
+          <a:lstStyle/>
+          <a:p>
+            <a:r>
+              <a:rPr lang="en-US" dirty="0" smtClean="0"/>
+              <a:t>Making it testable - Properties</a:t>
+            </a:r>
+            <a:endParaRPr lang="en-US" dirty="0"/>
+          </a:p>
+        </p:txBody>
+      </p:sp>
+      <p:sp>
+        <p:nvSpPr>
+          <p:cNvPr id="3" name="Content Placeholder 2"/>
+          <p:cNvSpPr>
+            <a:spLocks noGrp="1"/>
+          </p:cNvSpPr>
+          <p:nvPr>
+            <p:ph idx="1"/>
+          </p:nvPr>
+        </p:nvSpPr>
+        <p:spPr/>
+        <p:txBody>
+          <a:bodyPr/>
+          <a:lstStyle/>
+          <a:p>
+            <a:endParaRPr lang="en-US"/>
+          </a:p>
+        </p:txBody>
+      </p:sp>
+    </p:spTree>
+    <p:extLst>
+      <p:ext uri="{BB962C8B-B14F-4D97-AF65-F5344CB8AC3E}">
+        <p14:creationId xmlns:p14="http://schemas.microsoft.com/office/powerpoint/2010/main" val="2460160534"/>
+      </p:ext>
+    </p:extLst>
+  </p:cSld>
+  <p:clrMapOvr>
+    <a:masterClrMapping/>
+  </p:clrMapOvr>
+</p:sld>
+</file>
+
+<file path=ppt/slides/slide12.xml><?xml version="1.0" encoding="utf-8"?>
+<p:sld xmlns:a="http://schemas.openxmlformats.org/drawingml/2006/main" xmlns:r="http://schemas.openxmlformats.org/officeDocument/2006/relationships" xmlns:p="http://schemas.openxmlformats.org/presentationml/2006/main">
+  <p:cSld>
+    <p:spTree>
+      <p:nvGrpSpPr>
+        <p:cNvPr id="1" name=""/>
+        <p:cNvGrpSpPr/>
+        <p:nvPr/>
+      </p:nvGrpSpPr>
+      <p:grpSpPr>
+        <a:xfrm>
+          <a:off x="0" y="0"/>
+          <a:ext cx="0" cy="0"/>
+          <a:chOff x="0" y="0"/>
+          <a:chExt cx="0" cy="0"/>
+        </a:xfrm>
+      </p:grpSpPr>
+      <p:sp>
+        <p:nvSpPr>
+          <p:cNvPr id="2" name="Title 1"/>
+          <p:cNvSpPr>
+            <a:spLocks noGrp="1"/>
+          </p:cNvSpPr>
+          <p:nvPr>
+            <p:ph type="title"/>
+          </p:nvPr>
+        </p:nvSpPr>
+        <p:spPr/>
+        <p:txBody>
+          <a:bodyPr/>
+          <a:lstStyle/>
+          <a:p>
+            <a:r>
+              <a:rPr lang="en-US" dirty="0" smtClean="0"/>
+              <a:t>Making it testable - Constructor</a:t>
+            </a:r>
+            <a:endParaRPr lang="en-US" dirty="0"/>
+          </a:p>
+        </p:txBody>
+      </p:sp>
+      <p:sp>
+        <p:nvSpPr>
+          <p:cNvPr id="3" name="Content Placeholder 2"/>
+          <p:cNvSpPr>
+            <a:spLocks noGrp="1"/>
+          </p:cNvSpPr>
+          <p:nvPr>
+            <p:ph idx="1"/>
+          </p:nvPr>
+        </p:nvSpPr>
+        <p:spPr/>
+        <p:txBody>
+          <a:bodyPr/>
+          <a:lstStyle/>
+          <a:p>
+            <a:endParaRPr lang="en-US"/>
+          </a:p>
+        </p:txBody>
+      </p:sp>
+    </p:spTree>
+    <p:extLst>
+      <p:ext uri="{BB962C8B-B14F-4D97-AF65-F5344CB8AC3E}">
+        <p14:creationId xmlns:p14="http://schemas.microsoft.com/office/powerpoint/2010/main" val="1108926905"/>
+      </p:ext>
+    </p:extLst>
+  </p:cSld>
+  <p:clrMapOvr>
+    <a:masterClrMapping/>
+  </p:clrMapOvr>
+</p:sld>
+</file>
+
+<file path=ppt/slides/slide13.xml><?xml version="1.0" encoding="utf-8"?>
+<p:sld xmlns:a="http://schemas.openxmlformats.org/drawingml/2006/main" xmlns:r="http://schemas.openxmlformats.org/officeDocument/2006/relationships" xmlns:p="http://schemas.openxmlformats.org/presentationml/2006/main">
+  <p:cSld>
+    <p:spTree>
+      <p:nvGrpSpPr>
+        <p:cNvPr id="1" name=""/>
+        <p:cNvGrpSpPr/>
+        <p:nvPr/>
+      </p:nvGrpSpPr>
+      <p:grpSpPr>
+        <a:xfrm>
+          <a:off x="0" y="0"/>
+          <a:ext cx="0" cy="0"/>
+          <a:chOff x="0" y="0"/>
+          <a:chExt cx="0" cy="0"/>
+        </a:xfrm>
+      </p:grpSpPr>
+      <p:sp>
+        <p:nvSpPr>
+          <p:cNvPr id="2" name="Title 1"/>
+          <p:cNvSpPr>
+            <a:spLocks noGrp="1"/>
+          </p:cNvSpPr>
+          <p:nvPr>
+            <p:ph type="title"/>
+          </p:nvPr>
+        </p:nvSpPr>
+        <p:spPr/>
+        <p:txBody>
+          <a:bodyPr/>
+          <a:lstStyle/>
+          <a:p>
+            <a:r>
+              <a:rPr lang="en-US" dirty="0" smtClean="0"/>
+              <a:t>Inversion of Control</a:t>
+            </a:r>
+            <a:endParaRPr lang="en-US" dirty="0"/>
+          </a:p>
+        </p:txBody>
+      </p:sp>
+      <p:sp>
+        <p:nvSpPr>
+          <p:cNvPr id="3" name="Content Placeholder 2"/>
+          <p:cNvSpPr>
+            <a:spLocks noGrp="1"/>
+          </p:cNvSpPr>
+          <p:nvPr>
+            <p:ph idx="1"/>
+          </p:nvPr>
+        </p:nvSpPr>
+        <p:spPr/>
+        <p:txBody>
+          <a:bodyPr/>
+          <a:lstStyle/>
+          <a:p>
+            <a:endParaRPr lang="en-US"/>
+          </a:p>
+        </p:txBody>
+      </p:sp>
+    </p:spTree>
+    <p:extLst>
+      <p:ext uri="{BB962C8B-B14F-4D97-AF65-F5344CB8AC3E}">
+        <p14:creationId xmlns:p14="http://schemas.microsoft.com/office/powerpoint/2010/main" val="4108550095"/>
+      </p:ext>
+    </p:extLst>
+  </p:cSld>
+  <p:clrMapOvr>
+    <a:masterClrMapping/>
+  </p:clrMapOvr>
+</p:sld>
+</file>
+
+<file path=ppt/slides/slide14.xml><?xml version="1.0" encoding="utf-8"?>
+<p:sld xmlns:a="http://schemas.openxmlformats.org/drawingml/2006/main" xmlns:r="http://schemas.openxmlformats.org/officeDocument/2006/relationships" xmlns:p="http://schemas.openxmlformats.org/presentationml/2006/main">
+  <p:cSld>
+    <p:spTree>
+      <p:nvGrpSpPr>
+        <p:cNvPr id="1" name=""/>
+        <p:cNvGrpSpPr/>
+        <p:nvPr/>
+      </p:nvGrpSpPr>
+      <p:grpSpPr>
+        <a:xfrm>
+          <a:off x="0" y="0"/>
+          <a:ext cx="0" cy="0"/>
+          <a:chOff x="0" y="0"/>
+          <a:chExt cx="0" cy="0"/>
+        </a:xfrm>
+      </p:grpSpPr>
+      <p:sp>
+        <p:nvSpPr>
+          <p:cNvPr id="2" name="Title 1"/>
+          <p:cNvSpPr>
+            <a:spLocks noGrp="1"/>
+          </p:cNvSpPr>
+          <p:nvPr>
+            <p:ph type="title"/>
+          </p:nvPr>
+        </p:nvSpPr>
+        <p:spPr/>
+        <p:txBody>
+          <a:bodyPr/>
+          <a:lstStyle/>
+          <a:p>
+            <a:r>
+              <a:rPr lang="en-US" dirty="0" smtClean="0"/>
+              <a:t>It’s viral !</a:t>
+            </a:r>
+            <a:endParaRPr lang="en-US" dirty="0"/>
+          </a:p>
+        </p:txBody>
+      </p:sp>
+      <p:sp>
+        <p:nvSpPr>
+          <p:cNvPr id="3" name="Content Placeholder 2"/>
+          <p:cNvSpPr>
+            <a:spLocks noGrp="1"/>
+          </p:cNvSpPr>
+          <p:nvPr>
+            <p:ph idx="1"/>
+          </p:nvPr>
+        </p:nvSpPr>
+        <p:spPr/>
+        <p:txBody>
+          <a:bodyPr/>
+          <a:lstStyle/>
+          <a:p>
+            <a:r>
+              <a:rPr lang="en-US" dirty="0" smtClean="0"/>
+              <a:t>Composition Root</a:t>
+            </a:r>
+            <a:endParaRPr lang="en-US" dirty="0"/>
+          </a:p>
+        </p:txBody>
+      </p:sp>
+    </p:spTree>
+    <p:extLst>
+      <p:ext uri="{BB962C8B-B14F-4D97-AF65-F5344CB8AC3E}">
+        <p14:creationId xmlns:p14="http://schemas.microsoft.com/office/powerpoint/2010/main" val="1394666143"/>
+      </p:ext>
+    </p:extLst>
+  </p:cSld>
+  <p:clrMapOvr>
+    <a:masterClrMapping/>
+  </p:clrMapOvr>
+</p:sld>
+</file>
+
+<file path=ppt/slides/slide15.xml><?xml version="1.0" encoding="utf-8"?>
+<p:sld xmlns:a="http://schemas.openxmlformats.org/drawingml/2006/main" xmlns:r="http://schemas.openxmlformats.org/officeDocument/2006/relationships" xmlns:p="http://schemas.openxmlformats.org/presentationml/2006/main">
+  <p:cSld>
+    <p:spTree>
+      <p:nvGrpSpPr>
+        <p:cNvPr id="1" name=""/>
+        <p:cNvGrpSpPr/>
+        <p:nvPr/>
+      </p:nvGrpSpPr>
+      <p:grpSpPr>
+        <a:xfrm>
+          <a:off x="0" y="0"/>
+          <a:ext cx="0" cy="0"/>
+          <a:chOff x="0" y="0"/>
+          <a:chExt cx="0" cy="0"/>
+        </a:xfrm>
+      </p:grpSpPr>
+      <p:sp>
+        <p:nvSpPr>
+          <p:cNvPr id="2" name="Title 1"/>
+          <p:cNvSpPr>
+            <a:spLocks noGrp="1"/>
+          </p:cNvSpPr>
+          <p:nvPr>
+            <p:ph type="title"/>
+          </p:nvPr>
+        </p:nvSpPr>
+        <p:spPr/>
+        <p:txBody>
+          <a:bodyPr/>
+          <a:lstStyle/>
+          <a:p>
+            <a:r>
+              <a:rPr lang="en-US" dirty="0" smtClean="0"/>
+              <a:t>Pure DI aka Poor Man’s DI</a:t>
+            </a:r>
+            <a:endParaRPr lang="en-US" dirty="0"/>
+          </a:p>
+        </p:txBody>
+      </p:sp>
+      <p:sp>
+        <p:nvSpPr>
+          <p:cNvPr id="3" name="Content Placeholder 2"/>
+          <p:cNvSpPr>
+            <a:spLocks noGrp="1"/>
+          </p:cNvSpPr>
+          <p:nvPr>
+            <p:ph idx="1"/>
+          </p:nvPr>
+        </p:nvSpPr>
+        <p:spPr/>
+        <p:txBody>
+          <a:bodyPr/>
+          <a:lstStyle/>
+          <a:p>
+            <a:endParaRPr lang="en-US"/>
+          </a:p>
+        </p:txBody>
+      </p:sp>
+    </p:spTree>
+    <p:extLst>
+      <p:ext uri="{BB962C8B-B14F-4D97-AF65-F5344CB8AC3E}">
+        <p14:creationId xmlns:p14="http://schemas.microsoft.com/office/powerpoint/2010/main" val="550091921"/>
+      </p:ext>
+    </p:extLst>
+  </p:cSld>
+  <p:clrMapOvr>
+    <a:masterClrMapping/>
+  </p:clrMapOvr>
+</p:sld>
+</file>
+
+<file path=ppt/slides/slide16.xml><?xml version="1.0" encoding="utf-8"?>
+<p:sld xmlns:a="http://schemas.openxmlformats.org/drawingml/2006/main" xmlns:r="http://schemas.openxmlformats.org/officeDocument/2006/relationships" xmlns:p="http://schemas.openxmlformats.org/presentationml/2006/main">
+  <p:cSld>
+    <p:spTree>
+      <p:nvGrpSpPr>
+        <p:cNvPr id="1" name=""/>
+        <p:cNvGrpSpPr/>
+        <p:nvPr/>
+      </p:nvGrpSpPr>
+      <p:grpSpPr>
+        <a:xfrm>
+          <a:off x="0" y="0"/>
+          <a:ext cx="0" cy="0"/>
+          <a:chOff x="0" y="0"/>
+          <a:chExt cx="0" cy="0"/>
+        </a:xfrm>
+      </p:grpSpPr>
+      <p:sp>
+        <p:nvSpPr>
+          <p:cNvPr id="2" name="Title 1"/>
+          <p:cNvSpPr>
+            <a:spLocks noGrp="1"/>
+          </p:cNvSpPr>
+          <p:nvPr>
+            <p:ph type="title"/>
+          </p:nvPr>
+        </p:nvSpPr>
+        <p:spPr/>
+        <p:txBody>
+          <a:bodyPr/>
+          <a:lstStyle/>
+          <a:p>
+            <a:r>
+              <a:rPr lang="en-US" dirty="0" smtClean="0"/>
+              <a:t>Extensibility with DI</a:t>
+            </a:r>
+            <a:endParaRPr lang="en-US" dirty="0"/>
+          </a:p>
+        </p:txBody>
+      </p:sp>
+      <p:sp>
+        <p:nvSpPr>
+          <p:cNvPr id="3" name="Content Placeholder 2"/>
+          <p:cNvSpPr>
+            <a:spLocks noGrp="1"/>
+          </p:cNvSpPr>
+          <p:nvPr>
+            <p:ph idx="1"/>
+          </p:nvPr>
+        </p:nvSpPr>
+        <p:spPr/>
+        <p:txBody>
+          <a:bodyPr/>
+          <a:lstStyle/>
+          <a:p>
+            <a:r>
+              <a:rPr lang="en-US" dirty="0" err="1" smtClean="0"/>
+              <a:t>Composability</a:t>
+            </a:r>
+            <a:r>
+              <a:rPr lang="en-US" dirty="0" smtClean="0"/>
+              <a:t> </a:t>
+            </a:r>
+          </a:p>
+          <a:p>
+            <a:r>
+              <a:rPr lang="en-US" dirty="0" smtClean="0"/>
+              <a:t>Testability</a:t>
+            </a:r>
+          </a:p>
+          <a:p>
+            <a:r>
+              <a:rPr lang="en-US" dirty="0" smtClean="0"/>
+              <a:t>Decorator</a:t>
+            </a:r>
+          </a:p>
+          <a:p>
+            <a:endParaRPr lang="en-US" dirty="0"/>
+          </a:p>
+          <a:p>
+            <a:r>
+              <a:rPr lang="en-US" dirty="0" smtClean="0"/>
+              <a:t>Late binding</a:t>
+            </a:r>
+          </a:p>
+          <a:p>
+            <a:endParaRPr lang="en-US" dirty="0"/>
+          </a:p>
+          <a:p>
+            <a:r>
+              <a:rPr lang="en-US" dirty="0" smtClean="0"/>
+              <a:t>Examples ? </a:t>
+            </a:r>
+          </a:p>
+          <a:p>
+            <a:endParaRPr lang="en-US" dirty="0"/>
+          </a:p>
+        </p:txBody>
+      </p:sp>
+    </p:spTree>
+    <p:extLst>
+      <p:ext uri="{BB962C8B-B14F-4D97-AF65-F5344CB8AC3E}">
+        <p14:creationId xmlns:p14="http://schemas.microsoft.com/office/powerpoint/2010/main" val="3162647260"/>
+      </p:ext>
+    </p:extLst>
+  </p:cSld>
+  <p:clrMapOvr>
+    <a:masterClrMapping/>
+  </p:clrMapOvr>
+</p:sld>
+</file>
+
+<file path=ppt/slides/slide17.xml><?xml version="1.0" encoding="utf-8"?>
+<p:sld xmlns:a="http://schemas.openxmlformats.org/drawingml/2006/main" xmlns:r="http://schemas.openxmlformats.org/officeDocument/2006/relationships" xmlns:p="http://schemas.openxmlformats.org/presentationml/2006/main">
+  <p:cSld>
+    <p:spTree>
+      <p:nvGrpSpPr>
+        <p:cNvPr id="1" name=""/>
+        <p:cNvGrpSpPr/>
+        <p:nvPr/>
+      </p:nvGrpSpPr>
+      <p:grpSpPr>
+        <a:xfrm>
+          <a:off x="0" y="0"/>
+          <a:ext cx="0" cy="0"/>
+          <a:chOff x="0" y="0"/>
+          <a:chExt cx="0" cy="0"/>
+        </a:xfrm>
+      </p:grpSpPr>
+      <p:sp>
+        <p:nvSpPr>
+          <p:cNvPr id="2" name="Title 1"/>
+          <p:cNvSpPr>
+            <a:spLocks noGrp="1"/>
+          </p:cNvSpPr>
+          <p:nvPr>
+            <p:ph type="title"/>
+          </p:nvPr>
+        </p:nvSpPr>
+        <p:spPr/>
+        <p:txBody>
+          <a:bodyPr/>
+          <a:lstStyle/>
+          <a:p>
+            <a:r>
+              <a:rPr lang="en-US" dirty="0" smtClean="0"/>
+              <a:t>DI Container</a:t>
+            </a:r>
+            <a:endParaRPr lang="en-US" dirty="0"/>
+          </a:p>
+        </p:txBody>
+      </p:sp>
+      <p:sp>
+        <p:nvSpPr>
+          <p:cNvPr id="3" name="Content Placeholder 2"/>
+          <p:cNvSpPr>
+            <a:spLocks noGrp="1"/>
+          </p:cNvSpPr>
+          <p:nvPr>
+            <p:ph idx="1"/>
+          </p:nvPr>
+        </p:nvSpPr>
+        <p:spPr/>
+        <p:txBody>
+          <a:bodyPr/>
+          <a:lstStyle/>
+          <a:p>
+            <a:r>
+              <a:rPr lang="en-US" dirty="0" smtClean="0"/>
+              <a:t>How it works / what it does</a:t>
+            </a:r>
+            <a:endParaRPr lang="en-US" dirty="0"/>
+          </a:p>
+        </p:txBody>
+      </p:sp>
+    </p:spTree>
+    <p:extLst>
+      <p:ext uri="{BB962C8B-B14F-4D97-AF65-F5344CB8AC3E}">
+        <p14:creationId xmlns:p14="http://schemas.microsoft.com/office/powerpoint/2010/main" val="3753203453"/>
+      </p:ext>
+    </p:extLst>
+  </p:cSld>
+  <p:clrMapOvr>
+    <a:masterClrMapping/>
+  </p:clrMapOvr>
+</p:sld>
+</file>
+
+<file path=ppt/slides/slide18.xml><?xml version="1.0" encoding="utf-8"?>
+<p:sld xmlns:a="http://schemas.openxmlformats.org/drawingml/2006/main" xmlns:r="http://schemas.openxmlformats.org/officeDocument/2006/relationships" xmlns:p="http://schemas.openxmlformats.org/presentationml/2006/main">
+  <p:cSld>
+    <p:spTree>
+      <p:nvGrpSpPr>
+        <p:cNvPr id="1" name=""/>
+        <p:cNvGrpSpPr/>
+        <p:nvPr/>
+      </p:nvGrpSpPr>
+      <p:grpSpPr>
+        <a:xfrm>
+          <a:off x="0" y="0"/>
+          <a:ext cx="0" cy="0"/>
+          <a:chOff x="0" y="0"/>
+          <a:chExt cx="0" cy="0"/>
+        </a:xfrm>
+      </p:grpSpPr>
+      <p:sp>
+        <p:nvSpPr>
+          <p:cNvPr id="2" name="Title 1"/>
+          <p:cNvSpPr>
+            <a:spLocks noGrp="1"/>
+          </p:cNvSpPr>
+          <p:nvPr>
+            <p:ph type="title"/>
+          </p:nvPr>
+        </p:nvSpPr>
+        <p:spPr/>
+        <p:txBody>
+          <a:bodyPr>
+            <a:normAutofit fontScale="90000"/>
+          </a:bodyPr>
+          <a:lstStyle/>
+          <a:p>
+            <a:r>
+              <a:rPr lang="en-US" dirty="0" smtClean="0"/>
+              <a:t>Service Locator – DI container misusage</a:t>
+            </a:r>
+            <a:endParaRPr lang="en-US" dirty="0"/>
+          </a:p>
+        </p:txBody>
+      </p:sp>
+      <p:sp>
+        <p:nvSpPr>
+          <p:cNvPr id="3" name="Content Placeholder 2"/>
+          <p:cNvSpPr>
+            <a:spLocks noGrp="1"/>
+          </p:cNvSpPr>
+          <p:nvPr>
+            <p:ph idx="1"/>
+          </p:nvPr>
+        </p:nvSpPr>
+        <p:spPr/>
+        <p:txBody>
+          <a:bodyPr/>
+          <a:lstStyle/>
+          <a:p>
+            <a:endParaRPr lang="en-US"/>
+          </a:p>
+        </p:txBody>
+      </p:sp>
+    </p:spTree>
+    <p:extLst>
+      <p:ext uri="{BB962C8B-B14F-4D97-AF65-F5344CB8AC3E}">
+        <p14:creationId xmlns:p14="http://schemas.microsoft.com/office/powerpoint/2010/main" val="1148450113"/>
+      </p:ext>
+    </p:extLst>
+  </p:cSld>
+  <p:clrMapOvr>
+    <a:masterClrMapping/>
+  </p:clrMapOvr>
+</p:sld>
+</file>
+
+<file path=ppt/slides/slide19.xml><?xml version="1.0" encoding="utf-8"?>
+<p:sld xmlns:a="http://schemas.openxmlformats.org/drawingml/2006/main" xmlns:r="http://schemas.openxmlformats.org/officeDocument/2006/relationships" xmlns:p="http://schemas.openxmlformats.org/presentationml/2006/main">
+  <p:cSld>
+    <p:spTree>
+      <p:nvGrpSpPr>
+        <p:cNvPr id="1" name=""/>
+        <p:cNvGrpSpPr/>
+        <p:nvPr/>
+      </p:nvGrpSpPr>
+      <p:grpSpPr>
+        <a:xfrm>
+          <a:off x="0" y="0"/>
+          <a:ext cx="0" cy="0"/>
+          <a:chOff x="0" y="0"/>
+          <a:chExt cx="0" cy="0"/>
+        </a:xfrm>
+      </p:grpSpPr>
+      <p:sp>
+        <p:nvSpPr>
+          <p:cNvPr id="2" name="Title 1"/>
+          <p:cNvSpPr>
+            <a:spLocks noGrp="1"/>
+          </p:cNvSpPr>
+          <p:nvPr>
+            <p:ph type="title"/>
+          </p:nvPr>
+        </p:nvSpPr>
+        <p:spPr/>
+        <p:txBody>
+          <a:bodyPr/>
+          <a:lstStyle/>
+          <a:p>
+            <a:r>
+              <a:rPr lang="en-US" dirty="0" smtClean="0"/>
+              <a:t>Composition, but not only</a:t>
+            </a:r>
+            <a:endParaRPr lang="en-US" dirty="0"/>
+          </a:p>
+        </p:txBody>
+      </p:sp>
+      <p:sp>
+        <p:nvSpPr>
+          <p:cNvPr id="3" name="Content Placeholder 2"/>
+          <p:cNvSpPr>
+            <a:spLocks noGrp="1"/>
+          </p:cNvSpPr>
+          <p:nvPr>
+            <p:ph idx="1"/>
+          </p:nvPr>
+        </p:nvSpPr>
+        <p:spPr/>
+        <p:txBody>
+          <a:bodyPr/>
+          <a:lstStyle/>
+          <a:p>
+            <a:r>
+              <a:rPr lang="en-US" dirty="0" smtClean="0"/>
+              <a:t>Object creation and composition</a:t>
+            </a:r>
+          </a:p>
+          <a:p>
+            <a:r>
+              <a:rPr lang="en-US" dirty="0" smtClean="0"/>
+              <a:t>Other important parts of DI</a:t>
+            </a:r>
+          </a:p>
+          <a:p>
+            <a:endParaRPr lang="en-US" dirty="0"/>
+          </a:p>
+        </p:txBody>
+      </p:sp>
+    </p:spTree>
+    <p:extLst>
+      <p:ext uri="{BB962C8B-B14F-4D97-AF65-F5344CB8AC3E}">
+        <p14:creationId xmlns:p14="http://schemas.microsoft.com/office/powerpoint/2010/main" val="2294633566"/>
+      </p:ext>
+    </p:extLst>
+  </p:cSld>
+  <p:clrMapOvr>
+    <a:masterClrMapping/>
+  </p:clrMapOvr>
+</p:sld>
+</file>
+
+<file path=ppt/slides/slide2.xml><?xml version="1.0" encoding="utf-8"?>
+<p:sld xmlns:a="http://schemas.openxmlformats.org/drawingml/2006/main" xmlns:r="http://schemas.openxmlformats.org/officeDocument/2006/relationships" xmlns:p="http://schemas.openxmlformats.org/presentationml/2006/main">
+  <p:cSld>
+    <p:spTree>
+      <p:nvGrpSpPr>
+        <p:cNvPr id="1" name=""/>
+        <p:cNvGrpSpPr/>
+        <p:nvPr/>
+      </p:nvGrpSpPr>
+      <p:grpSpPr>
+        <a:xfrm>
+          <a:off x="0" y="0"/>
+          <a:ext cx="0" cy="0"/>
+          <a:chOff x="0" y="0"/>
+          <a:chExt cx="0" cy="0"/>
+        </a:xfrm>
+      </p:grpSpPr>
+      <p:sp>
+        <p:nvSpPr>
+          <p:cNvPr id="2" name="Title 1"/>
+          <p:cNvSpPr>
+            <a:spLocks noGrp="1"/>
+          </p:cNvSpPr>
+          <p:nvPr>
             <p:ph type="ctrTitle"/>
           </p:nvPr>
         </p:nvSpPr>
-        <p:spPr/>
-        <p:txBody>
-          <a:bodyPr/>
-          <a:lstStyle/>
-          <a:p>
-            <a:endParaRPr lang="en-US"/>
+        <p:spPr>
+          <a:xfrm>
+            <a:off x="0" y="2348880"/>
+            <a:ext cx="9144000" cy="1470025"/>
+          </a:xfrm>
+        </p:spPr>
+        <p:txBody>
+          <a:bodyPr>
+            <a:normAutofit/>
+          </a:bodyPr>
+          <a:lstStyle/>
+          <a:p>
+            <a:r>
+              <a:rPr lang="en-US" dirty="0" smtClean="0">
+                <a:latin typeface="Arial" panose="020B0604020202020204" pitchFamily="34" charset="0"/>
+                <a:cs typeface="Arial" panose="020B0604020202020204" pitchFamily="34" charset="0"/>
+              </a:rPr>
+              <a:t>Dependency </a:t>
+            </a:r>
+            <a:r>
+              <a:rPr lang="en-US" dirty="0" smtClean="0">
+                <a:latin typeface="Arial" panose="020B0604020202020204" pitchFamily="34" charset="0"/>
+                <a:cs typeface="Arial" panose="020B0604020202020204" pitchFamily="34" charset="0"/>
+              </a:rPr>
+              <a:t>Injection, the </a:t>
+            </a:r>
+            <a:r>
+              <a:rPr lang="en-US" dirty="0" smtClean="0">
+                <a:latin typeface="Arial" panose="020B0604020202020204" pitchFamily="34" charset="0"/>
+                <a:cs typeface="Arial" panose="020B0604020202020204" pitchFamily="34" charset="0"/>
+              </a:rPr>
+              <a:t>right way</a:t>
+            </a:r>
+            <a:endParaRPr lang="en-US" dirty="0">
+              <a:latin typeface="Arial" panose="020B0604020202020204" pitchFamily="34" charset="0"/>
+              <a:cs typeface="Arial" panose="020B0604020202020204" pitchFamily="34" charset="0"/>
+            </a:endParaRPr>
           </a:p>
         </p:txBody>
       </p:sp>
@@ -3124,19 +4996,1337 @@
             <p:ph type="subTitle" idx="1"/>
           </p:nvPr>
         </p:nvSpPr>
-        <p:spPr/>
-        <p:txBody>
-          <a:bodyPr/>
-          <a:lstStyle/>
-          <a:p>
-            <a:endParaRPr lang="en-US"/>
-          </a:p>
-        </p:txBody>
-      </p:sp>
+        <p:spPr>
+          <a:xfrm>
+            <a:off x="179511" y="4005064"/>
+            <a:ext cx="8784977" cy="648072"/>
+          </a:xfrm>
+        </p:spPr>
+        <p:txBody>
+          <a:bodyPr>
+            <a:normAutofit fontScale="92500" lnSpcReduction="20000"/>
+          </a:bodyPr>
+          <a:lstStyle/>
+          <a:p>
+            <a:pPr algn="r"/>
+            <a:r>
+              <a:rPr lang="en-US" sz="2400" dirty="0" err="1" smtClean="0">
+                <a:solidFill>
+                  <a:schemeClr val="bg1">
+                    <a:lumMod val="65000"/>
+                  </a:schemeClr>
+                </a:solidFill>
+              </a:rPr>
+              <a:t>Thibaud</a:t>
+            </a:r>
+            <a:r>
+              <a:rPr lang="en-US" sz="2400" dirty="0" smtClean="0">
+                <a:solidFill>
+                  <a:schemeClr val="bg1">
+                    <a:lumMod val="65000"/>
+                  </a:schemeClr>
+                </a:solidFill>
+              </a:rPr>
+              <a:t> DESODT</a:t>
+            </a:r>
+          </a:p>
+          <a:p>
+            <a:pPr algn="r"/>
+            <a:r>
+              <a:rPr lang="en-US" sz="1700" dirty="0" smtClean="0">
+                <a:solidFill>
+                  <a:schemeClr val="bg1">
+                    <a:lumMod val="65000"/>
+                  </a:schemeClr>
+                </a:solidFill>
+              </a:rPr>
+              <a:t>@</a:t>
+            </a:r>
+            <a:r>
+              <a:rPr lang="en-US" sz="1700" dirty="0" err="1" smtClean="0">
+                <a:solidFill>
+                  <a:schemeClr val="bg1">
+                    <a:lumMod val="65000"/>
+                  </a:schemeClr>
+                </a:solidFill>
+              </a:rPr>
+              <a:t>tsimbalar</a:t>
+            </a:r>
+            <a:endParaRPr lang="en-US" sz="2400" dirty="0">
+              <a:solidFill>
+                <a:schemeClr val="bg1">
+                  <a:lumMod val="65000"/>
+                </a:schemeClr>
+              </a:solidFill>
+            </a:endParaRPr>
+          </a:p>
+        </p:txBody>
+      </p:sp>
+      <p:pic>
+        <p:nvPicPr>
+          <p:cNvPr id="3074" name="Picture 2" descr="C:\Users\tibal\Downloads\sos14-slide-banner.png"/>
+          <p:cNvPicPr>
+            <a:picLocks noChangeAspect="1" noChangeArrowheads="1"/>
+          </p:cNvPicPr>
+          <p:nvPr/>
+        </p:nvPicPr>
+        <p:blipFill>
+          <a:blip r:embed="rId3">
+            <a:extLst>
+              <a:ext uri="{28A0092B-C50C-407E-A947-70E740481C1C}">
+                <a14:useLocalDpi xmlns:a14="http://schemas.microsoft.com/office/drawing/2010/main" val="0"/>
+              </a:ext>
+            </a:extLst>
+          </a:blip>
+          <a:srcRect/>
+          <a:stretch>
+            <a:fillRect/>
+          </a:stretch>
+        </p:blipFill>
+        <p:spPr bwMode="auto">
+          <a:xfrm>
+            <a:off x="-1" y="5513784"/>
+            <a:ext cx="9144001" cy="1371600"/>
+          </a:xfrm>
+          <a:prstGeom prst="rect">
+            <a:avLst/>
+          </a:prstGeom>
+          <a:noFill/>
+          <a:extLst>
+            <a:ext uri="{909E8E84-426E-40DD-AFC4-6F175D3DCCD1}">
+              <a14:hiddenFill xmlns:a14="http://schemas.microsoft.com/office/drawing/2010/main">
+                <a:solidFill>
+                  <a:srgbClr val="FFFFFF"/>
+                </a:solidFill>
+              </a14:hiddenFill>
+            </a:ext>
+          </a:extLst>
+        </p:spPr>
+      </p:pic>
     </p:spTree>
     <p:extLst>
       <p:ext uri="{BB962C8B-B14F-4D97-AF65-F5344CB8AC3E}">
         <p14:creationId xmlns:p14="http://schemas.microsoft.com/office/powerpoint/2010/main" val="2322596108"/>
+      </p:ext>
+    </p:extLst>
+  </p:cSld>
+  <p:clrMapOvr>
+    <a:masterClrMapping/>
+  </p:clrMapOvr>
+  <p:timing>
+    <p:tnLst>
+      <p:par>
+        <p:cTn id="1" dur="indefinite" restart="never" nodeType="tmRoot"/>
+      </p:par>
+    </p:tnLst>
+  </p:timing>
+</p:sld>
+</file>
+
+<file path=ppt/slides/slide20.xml><?xml version="1.0" encoding="utf-8"?>
+<p:sld xmlns:a="http://schemas.openxmlformats.org/drawingml/2006/main" xmlns:r="http://schemas.openxmlformats.org/officeDocument/2006/relationships" xmlns:p="http://schemas.openxmlformats.org/presentationml/2006/main">
+  <p:cSld>
+    <p:spTree>
+      <p:nvGrpSpPr>
+        <p:cNvPr id="1" name=""/>
+        <p:cNvGrpSpPr/>
+        <p:nvPr/>
+      </p:nvGrpSpPr>
+      <p:grpSpPr>
+        <a:xfrm>
+          <a:off x="0" y="0"/>
+          <a:ext cx="0" cy="0"/>
+          <a:chOff x="0" y="0"/>
+          <a:chExt cx="0" cy="0"/>
+        </a:xfrm>
+      </p:grpSpPr>
+      <p:sp>
+        <p:nvSpPr>
+          <p:cNvPr id="2" name="Title 1"/>
+          <p:cNvSpPr>
+            <a:spLocks noGrp="1"/>
+          </p:cNvSpPr>
+          <p:nvPr>
+            <p:ph type="title"/>
+          </p:nvPr>
+        </p:nvSpPr>
+        <p:spPr/>
+        <p:txBody>
+          <a:bodyPr/>
+          <a:lstStyle/>
+          <a:p>
+            <a:r>
+              <a:rPr lang="en-US" dirty="0" err="1" smtClean="0"/>
+              <a:t>LifeTime</a:t>
+            </a:r>
+            <a:r>
+              <a:rPr lang="en-US" dirty="0" smtClean="0"/>
+              <a:t> Management</a:t>
+            </a:r>
+            <a:endParaRPr lang="en-US" dirty="0"/>
+          </a:p>
+        </p:txBody>
+      </p:sp>
+      <p:sp>
+        <p:nvSpPr>
+          <p:cNvPr id="3" name="Content Placeholder 2"/>
+          <p:cNvSpPr>
+            <a:spLocks noGrp="1"/>
+          </p:cNvSpPr>
+          <p:nvPr>
+            <p:ph idx="1"/>
+          </p:nvPr>
+        </p:nvSpPr>
+        <p:spPr/>
+        <p:txBody>
+          <a:bodyPr/>
+          <a:lstStyle/>
+          <a:p>
+            <a:endParaRPr lang="en-US" dirty="0"/>
+          </a:p>
+        </p:txBody>
+      </p:sp>
+    </p:spTree>
+    <p:extLst>
+      <p:ext uri="{BB962C8B-B14F-4D97-AF65-F5344CB8AC3E}">
+        <p14:creationId xmlns:p14="http://schemas.microsoft.com/office/powerpoint/2010/main" val="3458786066"/>
+      </p:ext>
+    </p:extLst>
+  </p:cSld>
+  <p:clrMapOvr>
+    <a:masterClrMapping/>
+  </p:clrMapOvr>
+</p:sld>
+</file>
+
+<file path=ppt/slides/slide21.xml><?xml version="1.0" encoding="utf-8"?>
+<p:sld xmlns:a="http://schemas.openxmlformats.org/drawingml/2006/main" xmlns:r="http://schemas.openxmlformats.org/officeDocument/2006/relationships" xmlns:p="http://schemas.openxmlformats.org/presentationml/2006/main">
+  <p:cSld>
+    <p:spTree>
+      <p:nvGrpSpPr>
+        <p:cNvPr id="1" name=""/>
+        <p:cNvGrpSpPr/>
+        <p:nvPr/>
+      </p:nvGrpSpPr>
+      <p:grpSpPr>
+        <a:xfrm>
+          <a:off x="0" y="0"/>
+          <a:ext cx="0" cy="0"/>
+          <a:chOff x="0" y="0"/>
+          <a:chExt cx="0" cy="0"/>
+        </a:xfrm>
+      </p:grpSpPr>
+      <p:sp>
+        <p:nvSpPr>
+          <p:cNvPr id="2" name="Title 1"/>
+          <p:cNvSpPr>
+            <a:spLocks noGrp="1"/>
+          </p:cNvSpPr>
+          <p:nvPr>
+            <p:ph type="title"/>
+          </p:nvPr>
+        </p:nvSpPr>
+        <p:spPr/>
+        <p:txBody>
+          <a:bodyPr/>
+          <a:lstStyle/>
+          <a:p>
+            <a:r>
+              <a:rPr lang="en-US" dirty="0" smtClean="0"/>
+              <a:t>Interception</a:t>
+            </a:r>
+            <a:endParaRPr lang="en-US" dirty="0"/>
+          </a:p>
+        </p:txBody>
+      </p:sp>
+      <p:sp>
+        <p:nvSpPr>
+          <p:cNvPr id="3" name="Content Placeholder 2"/>
+          <p:cNvSpPr>
+            <a:spLocks noGrp="1"/>
+          </p:cNvSpPr>
+          <p:nvPr>
+            <p:ph idx="1"/>
+          </p:nvPr>
+        </p:nvSpPr>
+        <p:spPr/>
+        <p:txBody>
+          <a:bodyPr/>
+          <a:lstStyle/>
+          <a:p>
+            <a:endParaRPr lang="en-US" dirty="0"/>
+          </a:p>
+        </p:txBody>
+      </p:sp>
+    </p:spTree>
+    <p:extLst>
+      <p:ext uri="{BB962C8B-B14F-4D97-AF65-F5344CB8AC3E}">
+        <p14:creationId xmlns:p14="http://schemas.microsoft.com/office/powerpoint/2010/main" val="4036849652"/>
+      </p:ext>
+    </p:extLst>
+  </p:cSld>
+  <p:clrMapOvr>
+    <a:masterClrMapping/>
+  </p:clrMapOvr>
+</p:sld>
+</file>
+
+<file path=ppt/slides/slide22.xml><?xml version="1.0" encoding="utf-8"?>
+<p:sld xmlns:a="http://schemas.openxmlformats.org/drawingml/2006/main" xmlns:r="http://schemas.openxmlformats.org/officeDocument/2006/relationships" xmlns:p="http://schemas.openxmlformats.org/presentationml/2006/main">
+  <p:cSld>
+    <p:spTree>
+      <p:nvGrpSpPr>
+        <p:cNvPr id="1" name=""/>
+        <p:cNvGrpSpPr/>
+        <p:nvPr/>
+      </p:nvGrpSpPr>
+      <p:grpSpPr>
+        <a:xfrm>
+          <a:off x="0" y="0"/>
+          <a:ext cx="0" cy="0"/>
+          <a:chOff x="0" y="0"/>
+          <a:chExt cx="0" cy="0"/>
+        </a:xfrm>
+      </p:grpSpPr>
+      <p:sp>
+        <p:nvSpPr>
+          <p:cNvPr id="2" name="Title 1"/>
+          <p:cNvSpPr>
+            <a:spLocks noGrp="1"/>
+          </p:cNvSpPr>
+          <p:nvPr>
+            <p:ph type="title"/>
+          </p:nvPr>
+        </p:nvSpPr>
+        <p:spPr/>
+        <p:txBody>
+          <a:bodyPr>
+            <a:normAutofit/>
+          </a:bodyPr>
+          <a:lstStyle/>
+          <a:p>
+            <a:r>
+              <a:rPr lang="en-US" dirty="0" smtClean="0"/>
+              <a:t>Conclusion</a:t>
+            </a:r>
+            <a:endParaRPr lang="en-US" dirty="0"/>
+          </a:p>
+        </p:txBody>
+      </p:sp>
+      <p:sp>
+        <p:nvSpPr>
+          <p:cNvPr id="3" name="Content Placeholder 2"/>
+          <p:cNvSpPr>
+            <a:spLocks noGrp="1"/>
+          </p:cNvSpPr>
+          <p:nvPr>
+            <p:ph idx="1"/>
+          </p:nvPr>
+        </p:nvSpPr>
+        <p:spPr/>
+        <p:txBody>
+          <a:bodyPr/>
+          <a:lstStyle/>
+          <a:p>
+            <a:endParaRPr lang="en-US"/>
+          </a:p>
+        </p:txBody>
+      </p:sp>
+    </p:spTree>
+    <p:extLst>
+      <p:ext uri="{BB962C8B-B14F-4D97-AF65-F5344CB8AC3E}">
+        <p14:creationId xmlns:p14="http://schemas.microsoft.com/office/powerpoint/2010/main" val="308607750"/>
+      </p:ext>
+    </p:extLst>
+  </p:cSld>
+  <p:clrMapOvr>
+    <a:masterClrMapping/>
+  </p:clrMapOvr>
+</p:sld>
+</file>
+
+<file path=ppt/slides/slide23.xml><?xml version="1.0" encoding="utf-8"?>
+<p:sld xmlns:a="http://schemas.openxmlformats.org/drawingml/2006/main" xmlns:r="http://schemas.openxmlformats.org/officeDocument/2006/relationships" xmlns:p="http://schemas.openxmlformats.org/presentationml/2006/main">
+  <p:cSld>
+    <p:spTree>
+      <p:nvGrpSpPr>
+        <p:cNvPr id="1" name=""/>
+        <p:cNvGrpSpPr/>
+        <p:nvPr/>
+      </p:nvGrpSpPr>
+      <p:grpSpPr>
+        <a:xfrm>
+          <a:off x="0" y="0"/>
+          <a:ext cx="0" cy="0"/>
+          <a:chOff x="0" y="0"/>
+          <a:chExt cx="0" cy="0"/>
+        </a:xfrm>
+      </p:grpSpPr>
+      <p:sp>
+        <p:nvSpPr>
+          <p:cNvPr id="2" name="Title 1"/>
+          <p:cNvSpPr>
+            <a:spLocks noGrp="1"/>
+          </p:cNvSpPr>
+          <p:nvPr>
+            <p:ph type="title"/>
+          </p:nvPr>
+        </p:nvSpPr>
+        <p:spPr/>
+        <p:txBody>
+          <a:bodyPr/>
+          <a:lstStyle/>
+          <a:p>
+            <a:r>
+              <a:rPr lang="en-US" dirty="0" smtClean="0"/>
+              <a:t>Remember</a:t>
+            </a:r>
+            <a:endParaRPr lang="en-US" dirty="0"/>
+          </a:p>
+        </p:txBody>
+      </p:sp>
+      <p:sp>
+        <p:nvSpPr>
+          <p:cNvPr id="3" name="Content Placeholder 2"/>
+          <p:cNvSpPr>
+            <a:spLocks noGrp="1"/>
+          </p:cNvSpPr>
+          <p:nvPr>
+            <p:ph idx="1"/>
+          </p:nvPr>
+        </p:nvSpPr>
+        <p:spPr/>
+        <p:txBody>
+          <a:bodyPr/>
+          <a:lstStyle/>
+          <a:p>
+            <a:endParaRPr lang="en-US"/>
+          </a:p>
+        </p:txBody>
+      </p:sp>
+    </p:spTree>
+    <p:extLst>
+      <p:ext uri="{BB962C8B-B14F-4D97-AF65-F5344CB8AC3E}">
+        <p14:creationId xmlns:p14="http://schemas.microsoft.com/office/powerpoint/2010/main" val="1019461660"/>
+      </p:ext>
+    </p:extLst>
+  </p:cSld>
+  <p:clrMapOvr>
+    <a:masterClrMapping/>
+  </p:clrMapOvr>
+</p:sld>
+</file>
+
+<file path=ppt/slides/slide24.xml><?xml version="1.0" encoding="utf-8"?>
+<p:sld xmlns:a="http://schemas.openxmlformats.org/drawingml/2006/main" xmlns:r="http://schemas.openxmlformats.org/officeDocument/2006/relationships" xmlns:p="http://schemas.openxmlformats.org/presentationml/2006/main">
+  <p:cSld>
+    <p:spTree>
+      <p:nvGrpSpPr>
+        <p:cNvPr id="1" name=""/>
+        <p:cNvGrpSpPr/>
+        <p:nvPr/>
+      </p:nvGrpSpPr>
+      <p:grpSpPr>
+        <a:xfrm>
+          <a:off x="0" y="0"/>
+          <a:ext cx="0" cy="0"/>
+          <a:chOff x="0" y="0"/>
+          <a:chExt cx="0" cy="0"/>
+        </a:xfrm>
+      </p:grpSpPr>
+      <p:sp>
+        <p:nvSpPr>
+          <p:cNvPr id="2" name="Title 1"/>
+          <p:cNvSpPr>
+            <a:spLocks noGrp="1"/>
+          </p:cNvSpPr>
+          <p:nvPr>
+            <p:ph type="title"/>
+          </p:nvPr>
+        </p:nvSpPr>
+        <p:spPr/>
+        <p:txBody>
+          <a:bodyPr/>
+          <a:lstStyle/>
+          <a:p>
+            <a:r>
+              <a:rPr lang="en-US" dirty="0" smtClean="0"/>
+              <a:t>Going further …</a:t>
+            </a:r>
+            <a:endParaRPr lang="en-US" dirty="0"/>
+          </a:p>
+        </p:txBody>
+      </p:sp>
+      <p:sp>
+        <p:nvSpPr>
+          <p:cNvPr id="3" name="Content Placeholder 2"/>
+          <p:cNvSpPr>
+            <a:spLocks noGrp="1"/>
+          </p:cNvSpPr>
+          <p:nvPr>
+            <p:ph idx="1"/>
+          </p:nvPr>
+        </p:nvSpPr>
+        <p:spPr/>
+        <p:txBody>
+          <a:bodyPr/>
+          <a:lstStyle/>
+          <a:p>
+            <a:r>
+              <a:rPr lang="en-US" dirty="0" smtClean="0"/>
+              <a:t>Mark </a:t>
+            </a:r>
+            <a:r>
+              <a:rPr lang="en-US" dirty="0" err="1" smtClean="0"/>
+              <a:t>Seemann’s</a:t>
+            </a:r>
+            <a:r>
+              <a:rPr lang="en-US" dirty="0" smtClean="0"/>
+              <a:t> book and blog posts</a:t>
+            </a:r>
+          </a:p>
+          <a:p>
+            <a:r>
+              <a:rPr lang="en-US" dirty="0" smtClean="0"/>
+              <a:t>Conversation about DI in </a:t>
+            </a:r>
+            <a:r>
+              <a:rPr lang="en-US" dirty="0" err="1" smtClean="0"/>
+              <a:t>aspnet</a:t>
+            </a:r>
+            <a:r>
+              <a:rPr lang="en-US" dirty="0" smtClean="0"/>
+              <a:t> </a:t>
+            </a:r>
+            <a:r>
+              <a:rPr lang="en-US" dirty="0" err="1" smtClean="0"/>
+              <a:t>vNext</a:t>
+            </a:r>
+            <a:endParaRPr lang="en-US" dirty="0" smtClean="0"/>
+          </a:p>
+          <a:p>
+            <a:r>
+              <a:rPr lang="en-US" dirty="0" smtClean="0"/>
+              <a:t>SOLID</a:t>
+            </a:r>
+            <a:endParaRPr lang="en-US" dirty="0"/>
+          </a:p>
+        </p:txBody>
+      </p:sp>
+    </p:spTree>
+    <p:extLst>
+      <p:ext uri="{BB962C8B-B14F-4D97-AF65-F5344CB8AC3E}">
+        <p14:creationId xmlns:p14="http://schemas.microsoft.com/office/powerpoint/2010/main" val="3179521032"/>
+      </p:ext>
+    </p:extLst>
+  </p:cSld>
+  <p:clrMapOvr>
+    <a:masterClrMapping/>
+  </p:clrMapOvr>
+</p:sld>
+</file>
+
+<file path=ppt/slides/slide3.xml><?xml version="1.0" encoding="utf-8"?>
+<p:sld xmlns:a="http://schemas.openxmlformats.org/drawingml/2006/main" xmlns:r="http://schemas.openxmlformats.org/officeDocument/2006/relationships" xmlns:p="http://schemas.openxmlformats.org/presentationml/2006/main">
+  <p:cSld>
+    <p:spTree>
+      <p:nvGrpSpPr>
+        <p:cNvPr id="1" name=""/>
+        <p:cNvGrpSpPr/>
+        <p:nvPr/>
+      </p:nvGrpSpPr>
+      <p:grpSpPr>
+        <a:xfrm>
+          <a:off x="0" y="0"/>
+          <a:ext cx="0" cy="0"/>
+          <a:chOff x="0" y="0"/>
+          <a:chExt cx="0" cy="0"/>
+        </a:xfrm>
+      </p:grpSpPr>
+      <p:sp>
+        <p:nvSpPr>
+          <p:cNvPr id="2" name="Title 1"/>
+          <p:cNvSpPr>
+            <a:spLocks noGrp="1"/>
+          </p:cNvSpPr>
+          <p:nvPr>
+            <p:ph type="title"/>
+          </p:nvPr>
+        </p:nvSpPr>
+        <p:spPr/>
+        <p:txBody>
+          <a:bodyPr/>
+          <a:lstStyle/>
+          <a:p>
+            <a:r>
+              <a:rPr lang="en-US" dirty="0" smtClean="0"/>
+              <a:t>About</a:t>
+            </a:r>
+            <a:endParaRPr lang="en-US" dirty="0"/>
+          </a:p>
+        </p:txBody>
+      </p:sp>
+      <p:sp>
+        <p:nvSpPr>
+          <p:cNvPr id="3" name="Content Placeholder 2"/>
+          <p:cNvSpPr>
+            <a:spLocks noGrp="1"/>
+          </p:cNvSpPr>
+          <p:nvPr>
+            <p:ph idx="1"/>
+          </p:nvPr>
+        </p:nvSpPr>
+        <p:spPr/>
+        <p:txBody>
+          <a:bodyPr/>
+          <a:lstStyle/>
+          <a:p>
+            <a:r>
+              <a:rPr lang="en-US" dirty="0" smtClean="0"/>
+              <a:t>Who am I</a:t>
+            </a:r>
+          </a:p>
+          <a:p>
+            <a:r>
+              <a:rPr lang="en-US" dirty="0" smtClean="0"/>
+              <a:t>What I’ll talk about</a:t>
+            </a:r>
+          </a:p>
+          <a:p>
+            <a:r>
+              <a:rPr lang="en-US" dirty="0" smtClean="0"/>
+              <a:t>What I won’t talk about</a:t>
+            </a:r>
+          </a:p>
+          <a:p>
+            <a:r>
+              <a:rPr lang="en-US" dirty="0" smtClean="0"/>
+              <a:t>Expectations</a:t>
+            </a:r>
+          </a:p>
+          <a:p>
+            <a:r>
+              <a:rPr lang="en-US" dirty="0" smtClean="0"/>
+              <a:t>Not about specific containers .. Will mention the general idea though</a:t>
+            </a:r>
+          </a:p>
+          <a:p>
+            <a:r>
+              <a:rPr lang="en-US" dirty="0" smtClean="0"/>
+              <a:t>Try to show it mostly with example</a:t>
+            </a:r>
+          </a:p>
+          <a:p>
+            <a:endParaRPr lang="en-US" dirty="0"/>
+          </a:p>
+        </p:txBody>
+      </p:sp>
+    </p:spTree>
+    <p:extLst>
+      <p:ext uri="{BB962C8B-B14F-4D97-AF65-F5344CB8AC3E}">
+        <p14:creationId xmlns:p14="http://schemas.microsoft.com/office/powerpoint/2010/main" val="4304517"/>
+      </p:ext>
+    </p:extLst>
+  </p:cSld>
+  <p:clrMapOvr>
+    <a:masterClrMapping/>
+  </p:clrMapOvr>
+  <p:timing>
+    <p:tnLst>
+      <p:par>
+        <p:cTn id="1" dur="indefinite" restart="never" nodeType="tmRoot"/>
+      </p:par>
+    </p:tnLst>
+  </p:timing>
+</p:sld>
+</file>
+
+<file path=ppt/slides/slide4.xml><?xml version="1.0" encoding="utf-8"?>
+<p:sld xmlns:a="http://schemas.openxmlformats.org/drawingml/2006/main" xmlns:r="http://schemas.openxmlformats.org/officeDocument/2006/relationships" xmlns:p="http://schemas.openxmlformats.org/presentationml/2006/main">
+  <p:cSld>
+    <p:spTree>
+      <p:nvGrpSpPr>
+        <p:cNvPr id="1" name=""/>
+        <p:cNvGrpSpPr/>
+        <p:nvPr/>
+      </p:nvGrpSpPr>
+      <p:grpSpPr>
+        <a:xfrm>
+          <a:off x="0" y="0"/>
+          <a:ext cx="0" cy="0"/>
+          <a:chOff x="0" y="0"/>
+          <a:chExt cx="0" cy="0"/>
+        </a:xfrm>
+      </p:grpSpPr>
+      <p:sp>
+        <p:nvSpPr>
+          <p:cNvPr id="2" name="Title 1"/>
+          <p:cNvSpPr>
+            <a:spLocks noGrp="1"/>
+          </p:cNvSpPr>
+          <p:nvPr>
+            <p:ph type="title"/>
+          </p:nvPr>
+        </p:nvSpPr>
+        <p:spPr/>
+        <p:txBody>
+          <a:bodyPr/>
+          <a:lstStyle/>
+          <a:p>
+            <a:endParaRPr lang="en-US" dirty="0"/>
+          </a:p>
+        </p:txBody>
+      </p:sp>
+      <p:sp>
+        <p:nvSpPr>
+          <p:cNvPr id="3" name="Content Placeholder 2"/>
+          <p:cNvSpPr>
+            <a:spLocks noGrp="1"/>
+          </p:cNvSpPr>
+          <p:nvPr>
+            <p:ph idx="1"/>
+          </p:nvPr>
+        </p:nvSpPr>
+        <p:spPr/>
+        <p:txBody>
+          <a:bodyPr/>
+          <a:lstStyle/>
+          <a:p>
+            <a:r>
+              <a:rPr lang="en-US" dirty="0" smtClean="0"/>
+              <a:t>YOU MUST UNLEARN !</a:t>
+            </a:r>
+          </a:p>
+          <a:p>
+            <a:r>
+              <a:rPr lang="fr-FR" dirty="0"/>
+              <a:t> </a:t>
+            </a:r>
+          </a:p>
+          <a:p>
+            <a:r>
+              <a:rPr lang="fr-FR" dirty="0" err="1"/>
+              <a:t>Who</a:t>
+            </a:r>
+            <a:r>
+              <a:rPr lang="fr-FR" dirty="0"/>
+              <a:t> has </a:t>
+            </a:r>
+            <a:r>
+              <a:rPr lang="fr-FR" dirty="0" err="1"/>
+              <a:t>used</a:t>
+            </a:r>
+            <a:r>
+              <a:rPr lang="fr-FR" dirty="0"/>
+              <a:t> </a:t>
+            </a:r>
+            <a:r>
+              <a:rPr lang="fr-FR" dirty="0" err="1"/>
+              <a:t>some</a:t>
+            </a:r>
+            <a:r>
+              <a:rPr lang="fr-FR" dirty="0"/>
+              <a:t> sort of </a:t>
+            </a:r>
+            <a:r>
+              <a:rPr lang="fr-FR" dirty="0" err="1"/>
+              <a:t>IoC</a:t>
+            </a:r>
+            <a:r>
+              <a:rPr lang="fr-FR" dirty="0"/>
+              <a:t> Container / DI Container </a:t>
+            </a:r>
+            <a:r>
+              <a:rPr lang="fr-FR" dirty="0" err="1"/>
+              <a:t>like</a:t>
+            </a:r>
+            <a:r>
+              <a:rPr lang="fr-FR" dirty="0"/>
+              <a:t> </a:t>
+            </a:r>
+            <a:r>
+              <a:rPr lang="fr-FR" dirty="0" err="1"/>
+              <a:t>Unity</a:t>
+            </a:r>
+            <a:r>
+              <a:rPr lang="fr-FR" dirty="0"/>
+              <a:t>, </a:t>
+            </a:r>
+            <a:r>
+              <a:rPr lang="fr-FR" dirty="0" err="1"/>
+              <a:t>Ninject</a:t>
+            </a:r>
+            <a:r>
+              <a:rPr lang="fr-FR" dirty="0"/>
+              <a:t>, </a:t>
+            </a:r>
+            <a:r>
+              <a:rPr lang="fr-FR" dirty="0" err="1"/>
+              <a:t>Autofac</a:t>
+            </a:r>
+            <a:r>
+              <a:rPr lang="fr-FR" dirty="0"/>
+              <a:t> … ?</a:t>
+            </a:r>
+          </a:p>
+          <a:p>
+            <a:endParaRPr lang="en-US" dirty="0"/>
+          </a:p>
+        </p:txBody>
+      </p:sp>
+      <p:pic>
+        <p:nvPicPr>
+          <p:cNvPr id="1026" name="Picture 2" descr="http://2.bp.blogspot.com/-wFAM1wOjtSA/UrPXBNzJTsI/AAAAAAAACgk/xackmNcLQzI/s1600/Master-Yoda.opt_.2.png"/>
+          <p:cNvPicPr>
+            <a:picLocks noChangeAspect="1" noChangeArrowheads="1"/>
+          </p:cNvPicPr>
+          <p:nvPr/>
+        </p:nvPicPr>
+        <p:blipFill>
+          <a:blip r:embed="rId2">
+            <a:extLst>
+              <a:ext uri="{28A0092B-C50C-407E-A947-70E740481C1C}">
+                <a14:useLocalDpi xmlns:a14="http://schemas.microsoft.com/office/drawing/2010/main" val="0"/>
+              </a:ext>
+            </a:extLst>
+          </a:blip>
+          <a:srcRect/>
+          <a:stretch>
+            <a:fillRect/>
+          </a:stretch>
+        </p:blipFill>
+        <p:spPr bwMode="auto">
+          <a:xfrm>
+            <a:off x="1619672" y="836712"/>
+            <a:ext cx="5715000" cy="5715000"/>
+          </a:xfrm>
+          <a:prstGeom prst="rect">
+            <a:avLst/>
+          </a:prstGeom>
+          <a:noFill/>
+          <a:extLst>
+            <a:ext uri="{909E8E84-426E-40DD-AFC4-6F175D3DCCD1}">
+              <a14:hiddenFill xmlns:a14="http://schemas.microsoft.com/office/drawing/2010/main">
+                <a:solidFill>
+                  <a:srgbClr val="FFFFFF"/>
+                </a:solidFill>
+              </a14:hiddenFill>
+            </a:ext>
+          </a:extLst>
+        </p:spPr>
+      </p:pic>
+    </p:spTree>
+    <p:extLst>
+      <p:ext uri="{BB962C8B-B14F-4D97-AF65-F5344CB8AC3E}">
+        <p14:creationId xmlns:p14="http://schemas.microsoft.com/office/powerpoint/2010/main" val="3195109615"/>
+      </p:ext>
+    </p:extLst>
+  </p:cSld>
+  <p:clrMapOvr>
+    <a:masterClrMapping/>
+  </p:clrMapOvr>
+  <p:timing>
+    <p:tnLst>
+      <p:par>
+        <p:cTn id="1" dur="indefinite" restart="never" nodeType="tmRoot"/>
+      </p:par>
+    </p:tnLst>
+  </p:timing>
+</p:sld>
+</file>
+
+<file path=ppt/slides/slide5.xml><?xml version="1.0" encoding="utf-8"?>
+<p:sld xmlns:a="http://schemas.openxmlformats.org/drawingml/2006/main" xmlns:r="http://schemas.openxmlformats.org/officeDocument/2006/relationships" xmlns:p="http://schemas.openxmlformats.org/presentationml/2006/main">
+  <p:cSld>
+    <p:spTree>
+      <p:nvGrpSpPr>
+        <p:cNvPr id="1" name=""/>
+        <p:cNvGrpSpPr/>
+        <p:nvPr/>
+      </p:nvGrpSpPr>
+      <p:grpSpPr>
+        <a:xfrm>
+          <a:off x="0" y="0"/>
+          <a:ext cx="0" cy="0"/>
+          <a:chOff x="0" y="0"/>
+          <a:chExt cx="0" cy="0"/>
+        </a:xfrm>
+      </p:grpSpPr>
+      <p:sp>
+        <p:nvSpPr>
+          <p:cNvPr id="2" name="Title 1"/>
+          <p:cNvSpPr>
+            <a:spLocks noGrp="1"/>
+          </p:cNvSpPr>
+          <p:nvPr>
+            <p:ph type="title"/>
+          </p:nvPr>
+        </p:nvSpPr>
+        <p:spPr/>
+        <p:txBody>
+          <a:bodyPr/>
+          <a:lstStyle/>
+          <a:p>
+            <a:r>
+              <a:rPr lang="en-US" dirty="0" smtClean="0"/>
+              <a:t>Dependency Injectio</a:t>
+            </a:r>
+            <a:r>
+              <a:rPr lang="en-US" dirty="0"/>
+              <a:t>n</a:t>
+            </a:r>
+          </a:p>
+        </p:txBody>
+      </p:sp>
+      <p:sp>
+        <p:nvSpPr>
+          <p:cNvPr id="3" name="Content Placeholder 2"/>
+          <p:cNvSpPr>
+            <a:spLocks noGrp="1"/>
+          </p:cNvSpPr>
+          <p:nvPr>
+            <p:ph idx="1"/>
+          </p:nvPr>
+        </p:nvSpPr>
+        <p:spPr/>
+        <p:txBody>
+          <a:bodyPr/>
+          <a:lstStyle/>
+          <a:p>
+            <a:r>
+              <a:rPr lang="fr-FR" dirty="0" err="1"/>
+              <a:t>Dependency</a:t>
+            </a:r>
+            <a:r>
+              <a:rPr lang="fr-FR" dirty="0"/>
+              <a:t> Injection </a:t>
+            </a:r>
+            <a:r>
+              <a:rPr lang="fr-FR" dirty="0" err="1"/>
+              <a:t>is</a:t>
+            </a:r>
+            <a:r>
+              <a:rPr lang="fr-FR" dirty="0"/>
+              <a:t> a set of practices </a:t>
+            </a:r>
+            <a:r>
+              <a:rPr lang="fr-FR" dirty="0" err="1"/>
+              <a:t>that</a:t>
+            </a:r>
+            <a:r>
+              <a:rPr lang="fr-FR" dirty="0"/>
+              <a:t> </a:t>
+            </a:r>
+            <a:r>
+              <a:rPr lang="fr-FR" dirty="0" err="1"/>
+              <a:t>allow</a:t>
+            </a:r>
+            <a:r>
+              <a:rPr lang="fr-FR" dirty="0"/>
+              <a:t> to </a:t>
+            </a:r>
+            <a:r>
+              <a:rPr lang="fr-FR" dirty="0" err="1"/>
+              <a:t>build</a:t>
+            </a:r>
+            <a:r>
+              <a:rPr lang="fr-FR" dirty="0"/>
+              <a:t> </a:t>
+            </a:r>
+            <a:r>
+              <a:rPr lang="fr-FR" dirty="0" err="1"/>
+              <a:t>loosely</a:t>
+            </a:r>
+            <a:r>
+              <a:rPr lang="fr-FR" dirty="0"/>
+              <a:t> </a:t>
+            </a:r>
+            <a:r>
+              <a:rPr lang="fr-FR" dirty="0" err="1"/>
+              <a:t>coupled</a:t>
+            </a:r>
+            <a:r>
+              <a:rPr lang="fr-FR" dirty="0"/>
+              <a:t> applications </a:t>
+            </a:r>
+            <a:endParaRPr lang="fr-FR" dirty="0" smtClean="0"/>
+          </a:p>
+          <a:p>
+            <a:endParaRPr lang="fr-FR" dirty="0"/>
+          </a:p>
+          <a:p>
+            <a:r>
+              <a:rPr lang="fr-FR" dirty="0" smtClean="0"/>
+              <a:t>Not a </a:t>
+            </a:r>
+            <a:r>
+              <a:rPr lang="fr-FR" dirty="0" err="1" smtClean="0"/>
+              <a:t>tool</a:t>
+            </a:r>
+            <a:endParaRPr lang="fr-FR" dirty="0" smtClean="0"/>
+          </a:p>
+          <a:p>
+            <a:r>
+              <a:rPr lang="fr-FR" dirty="0" smtClean="0"/>
+              <a:t>Not a </a:t>
+            </a:r>
+            <a:r>
+              <a:rPr lang="fr-FR" dirty="0" err="1" smtClean="0"/>
+              <a:t>framework</a:t>
+            </a:r>
+            <a:endParaRPr lang="en-US" dirty="0" smtClean="0"/>
+          </a:p>
+        </p:txBody>
+      </p:sp>
+    </p:spTree>
+    <p:extLst>
+      <p:ext uri="{BB962C8B-B14F-4D97-AF65-F5344CB8AC3E}">
+        <p14:creationId xmlns:p14="http://schemas.microsoft.com/office/powerpoint/2010/main" val="1627036358"/>
+      </p:ext>
+    </p:extLst>
+  </p:cSld>
+  <p:clrMapOvr>
+    <a:masterClrMapping/>
+  </p:clrMapOvr>
+  <p:timing>
+    <p:tnLst>
+      <p:par>
+        <p:cTn id="1" dur="indefinite" restart="never" nodeType="tmRoot"/>
+      </p:par>
+    </p:tnLst>
+  </p:timing>
+</p:sld>
+</file>
+
+<file path=ppt/slides/slide6.xml><?xml version="1.0" encoding="utf-8"?>
+<p:sld xmlns:a="http://schemas.openxmlformats.org/drawingml/2006/main" xmlns:r="http://schemas.openxmlformats.org/officeDocument/2006/relationships" xmlns:p="http://schemas.openxmlformats.org/presentationml/2006/main">
+  <p:cSld>
+    <p:spTree>
+      <p:nvGrpSpPr>
+        <p:cNvPr id="1" name=""/>
+        <p:cNvGrpSpPr/>
+        <p:nvPr/>
+      </p:nvGrpSpPr>
+      <p:grpSpPr>
+        <a:xfrm>
+          <a:off x="0" y="0"/>
+          <a:ext cx="0" cy="0"/>
+          <a:chOff x="0" y="0"/>
+          <a:chExt cx="0" cy="0"/>
+        </a:xfrm>
+      </p:grpSpPr>
+      <p:sp>
+        <p:nvSpPr>
+          <p:cNvPr id="2" name="Title 1"/>
+          <p:cNvSpPr>
+            <a:spLocks noGrp="1"/>
+          </p:cNvSpPr>
+          <p:nvPr>
+            <p:ph type="title"/>
+          </p:nvPr>
+        </p:nvSpPr>
+        <p:spPr/>
+        <p:txBody>
+          <a:bodyPr/>
+          <a:lstStyle/>
+          <a:p>
+            <a:r>
+              <a:rPr lang="en-US" dirty="0" smtClean="0"/>
+              <a:t>Loosely coupled code</a:t>
+            </a:r>
+            <a:endParaRPr lang="en-US" dirty="0"/>
+          </a:p>
+        </p:txBody>
+      </p:sp>
+      <p:sp>
+        <p:nvSpPr>
+          <p:cNvPr id="3" name="Content Placeholder 2"/>
+          <p:cNvSpPr>
+            <a:spLocks noGrp="1"/>
+          </p:cNvSpPr>
+          <p:nvPr>
+            <p:ph idx="1"/>
+          </p:nvPr>
+        </p:nvSpPr>
+        <p:spPr/>
+        <p:txBody>
+          <a:bodyPr>
+            <a:normAutofit fontScale="92500" lnSpcReduction="20000"/>
+          </a:bodyPr>
+          <a:lstStyle/>
+          <a:p>
+            <a:r>
+              <a:rPr lang="en-US" dirty="0" smtClean="0"/>
+              <a:t>Independent components</a:t>
+            </a:r>
+          </a:p>
+          <a:p>
+            <a:r>
+              <a:rPr lang="en-US" dirty="0" smtClean="0"/>
+              <a:t>Reusable</a:t>
+            </a:r>
+          </a:p>
+          <a:p>
+            <a:r>
+              <a:rPr lang="en-US" dirty="0" smtClean="0"/>
+              <a:t>Interchangeable</a:t>
+            </a:r>
+          </a:p>
+          <a:p>
+            <a:r>
+              <a:rPr lang="en-US" dirty="0" smtClean="0"/>
+              <a:t>Glued together to form a bigger system</a:t>
+            </a:r>
+          </a:p>
+          <a:p>
+            <a:r>
+              <a:rPr lang="en-US" dirty="0" smtClean="0"/>
+              <a:t> TODO: image ? Big containing application + components that do not really know each other’s internals</a:t>
+            </a:r>
+          </a:p>
+          <a:p>
+            <a:r>
+              <a:rPr lang="en-US" dirty="0" smtClean="0"/>
+              <a:t>Ultimate goal : </a:t>
+            </a:r>
+          </a:p>
+          <a:p>
+            <a:pPr lvl="1"/>
+            <a:r>
+              <a:rPr lang="en-US" dirty="0" smtClean="0"/>
+              <a:t>Maintainability : change should impact only a module</a:t>
+            </a:r>
+          </a:p>
+          <a:p>
+            <a:pPr lvl="1"/>
+            <a:r>
+              <a:rPr lang="en-US" dirty="0" smtClean="0"/>
+              <a:t>Make the system evolve without pain</a:t>
+            </a:r>
+            <a:endParaRPr lang="en-US" dirty="0"/>
+          </a:p>
+        </p:txBody>
+      </p:sp>
+    </p:spTree>
+    <p:extLst>
+      <p:ext uri="{BB962C8B-B14F-4D97-AF65-F5344CB8AC3E}">
+        <p14:creationId xmlns:p14="http://schemas.microsoft.com/office/powerpoint/2010/main" val="155522706"/>
+      </p:ext>
+    </p:extLst>
+  </p:cSld>
+  <p:clrMapOvr>
+    <a:masterClrMapping/>
+  </p:clrMapOvr>
+</p:sld>
+</file>
+
+<file path=ppt/slides/slide7.xml><?xml version="1.0" encoding="utf-8"?>
+<p:sld xmlns:a="http://schemas.openxmlformats.org/drawingml/2006/main" xmlns:r="http://schemas.openxmlformats.org/officeDocument/2006/relationships" xmlns:p="http://schemas.openxmlformats.org/presentationml/2006/main">
+  <p:cSld>
+    <p:spTree>
+      <p:nvGrpSpPr>
+        <p:cNvPr id="1" name=""/>
+        <p:cNvGrpSpPr/>
+        <p:nvPr/>
+      </p:nvGrpSpPr>
+      <p:grpSpPr>
+        <a:xfrm>
+          <a:off x="0" y="0"/>
+          <a:ext cx="0" cy="0"/>
+          <a:chOff x="0" y="0"/>
+          <a:chExt cx="0" cy="0"/>
+        </a:xfrm>
+      </p:grpSpPr>
+      <p:sp>
+        <p:nvSpPr>
+          <p:cNvPr id="2" name="Title 1"/>
+          <p:cNvSpPr>
+            <a:spLocks noGrp="1"/>
+          </p:cNvSpPr>
+          <p:nvPr>
+            <p:ph type="title"/>
+          </p:nvPr>
+        </p:nvSpPr>
+        <p:spPr/>
+        <p:txBody>
+          <a:bodyPr/>
+          <a:lstStyle/>
+          <a:p>
+            <a:r>
+              <a:rPr lang="en-US" dirty="0" smtClean="0"/>
+              <a:t>Example</a:t>
+            </a:r>
+            <a:endParaRPr lang="en-US" dirty="0"/>
+          </a:p>
+        </p:txBody>
+      </p:sp>
+      <p:sp>
+        <p:nvSpPr>
+          <p:cNvPr id="3" name="Content Placeholder 2"/>
+          <p:cNvSpPr>
+            <a:spLocks noGrp="1"/>
+          </p:cNvSpPr>
+          <p:nvPr>
+            <p:ph idx="1"/>
+          </p:nvPr>
+        </p:nvSpPr>
+        <p:spPr/>
+        <p:txBody>
+          <a:bodyPr/>
+          <a:lstStyle/>
+          <a:p>
+            <a:endParaRPr lang="en-US" dirty="0" smtClean="0"/>
+          </a:p>
+        </p:txBody>
+      </p:sp>
+    </p:spTree>
+    <p:extLst>
+      <p:ext uri="{BB962C8B-B14F-4D97-AF65-F5344CB8AC3E}">
+        <p14:creationId xmlns:p14="http://schemas.microsoft.com/office/powerpoint/2010/main" val="3704436838"/>
+      </p:ext>
+    </p:extLst>
+  </p:cSld>
+  <p:clrMapOvr>
+    <a:masterClrMapping/>
+  </p:clrMapOvr>
+</p:sld>
+</file>
+
+<file path=ppt/slides/slide8.xml><?xml version="1.0" encoding="utf-8"?>
+<p:sld xmlns:a="http://schemas.openxmlformats.org/drawingml/2006/main" xmlns:r="http://schemas.openxmlformats.org/officeDocument/2006/relationships" xmlns:p="http://schemas.openxmlformats.org/presentationml/2006/main">
+  <p:cSld>
+    <p:spTree>
+      <p:nvGrpSpPr>
+        <p:cNvPr id="1" name=""/>
+        <p:cNvGrpSpPr/>
+        <p:nvPr/>
+      </p:nvGrpSpPr>
+      <p:grpSpPr>
+        <a:xfrm>
+          <a:off x="0" y="0"/>
+          <a:ext cx="0" cy="0"/>
+          <a:chOff x="0" y="0"/>
+          <a:chExt cx="0" cy="0"/>
+        </a:xfrm>
+      </p:grpSpPr>
+      <p:sp>
+        <p:nvSpPr>
+          <p:cNvPr id="2" name="Title 1"/>
+          <p:cNvSpPr>
+            <a:spLocks noGrp="1"/>
+          </p:cNvSpPr>
+          <p:nvPr>
+            <p:ph type="title"/>
+          </p:nvPr>
+        </p:nvSpPr>
+        <p:spPr/>
+        <p:txBody>
+          <a:bodyPr/>
+          <a:lstStyle/>
+          <a:p>
+            <a:r>
+              <a:rPr lang="en-US" dirty="0" smtClean="0"/>
+              <a:t>Tightly coupled code</a:t>
+            </a:r>
+            <a:endParaRPr lang="en-US" dirty="0"/>
+          </a:p>
+        </p:txBody>
+      </p:sp>
+      <p:sp>
+        <p:nvSpPr>
+          <p:cNvPr id="3" name="Content Placeholder 2"/>
+          <p:cNvSpPr>
+            <a:spLocks noGrp="1"/>
+          </p:cNvSpPr>
+          <p:nvPr>
+            <p:ph idx="1"/>
+          </p:nvPr>
+        </p:nvSpPr>
+        <p:spPr/>
+        <p:txBody>
+          <a:bodyPr/>
+          <a:lstStyle/>
+          <a:p>
+            <a:endParaRPr lang="en-US"/>
+          </a:p>
+        </p:txBody>
+      </p:sp>
+    </p:spTree>
+    <p:extLst>
+      <p:ext uri="{BB962C8B-B14F-4D97-AF65-F5344CB8AC3E}">
+        <p14:creationId xmlns:p14="http://schemas.microsoft.com/office/powerpoint/2010/main" val="304151210"/>
+      </p:ext>
+    </p:extLst>
+  </p:cSld>
+  <p:clrMapOvr>
+    <a:masterClrMapping/>
+  </p:clrMapOvr>
+</p:sld>
+</file>
+
+<file path=ppt/slides/slide9.xml><?xml version="1.0" encoding="utf-8"?>
+<p:sld xmlns:a="http://schemas.openxmlformats.org/drawingml/2006/main" xmlns:r="http://schemas.openxmlformats.org/officeDocument/2006/relationships" xmlns:p="http://schemas.openxmlformats.org/presentationml/2006/main">
+  <p:cSld>
+    <p:spTree>
+      <p:nvGrpSpPr>
+        <p:cNvPr id="1" name=""/>
+        <p:cNvGrpSpPr/>
+        <p:nvPr/>
+      </p:nvGrpSpPr>
+      <p:grpSpPr>
+        <a:xfrm>
+          <a:off x="0" y="0"/>
+          <a:ext cx="0" cy="0"/>
+          <a:chOff x="0" y="0"/>
+          <a:chExt cx="0" cy="0"/>
+        </a:xfrm>
+      </p:grpSpPr>
+      <p:sp>
+        <p:nvSpPr>
+          <p:cNvPr id="2" name="Title 1"/>
+          <p:cNvSpPr>
+            <a:spLocks noGrp="1"/>
+          </p:cNvSpPr>
+          <p:nvPr>
+            <p:ph type="title"/>
+          </p:nvPr>
+        </p:nvSpPr>
+        <p:spPr/>
+        <p:txBody>
+          <a:bodyPr/>
+          <a:lstStyle/>
+          <a:p>
+            <a:r>
+              <a:rPr lang="en-US" dirty="0" smtClean="0"/>
+              <a:t>Separation of Concerns (SRP)</a:t>
+            </a:r>
+            <a:endParaRPr lang="en-US" dirty="0"/>
+          </a:p>
+        </p:txBody>
+      </p:sp>
+      <p:sp>
+        <p:nvSpPr>
+          <p:cNvPr id="3" name="Content Placeholder 2"/>
+          <p:cNvSpPr>
+            <a:spLocks noGrp="1"/>
+          </p:cNvSpPr>
+          <p:nvPr>
+            <p:ph idx="1"/>
+          </p:nvPr>
+        </p:nvSpPr>
+        <p:spPr/>
+        <p:txBody>
+          <a:bodyPr/>
+          <a:lstStyle/>
+          <a:p>
+            <a:endParaRPr lang="en-US"/>
+          </a:p>
+        </p:txBody>
+      </p:sp>
+    </p:spTree>
+    <p:extLst>
+      <p:ext uri="{BB962C8B-B14F-4D97-AF65-F5344CB8AC3E}">
+        <p14:creationId xmlns:p14="http://schemas.microsoft.com/office/powerpoint/2010/main" val="774879577"/>
       </p:ext>
     </p:extLst>
   </p:cSld>
@@ -3429,4 +6619,289 @@
   <a:objectDefaults/>
   <a:extraClrSchemeLst/>
 </a:theme>
+</file>
+
+<file path=ppt/theme/theme2.xml><?xml version="1.0" encoding="utf-8"?>
+<a:theme xmlns:a="http://schemas.openxmlformats.org/drawingml/2006/main" name="Office Theme">
+  <a:themeElements>
+    <a:clrScheme name="Office">
+      <a:dk1>
+        <a:sysClr val="windowText" lastClr="000000"/>
+      </a:dk1>
+      <a:lt1>
+        <a:sysClr val="window" lastClr="FFFFFF"/>
+      </a:lt1>
+      <a:dk2>
+        <a:srgbClr val="1F497D"/>
+      </a:dk2>
+      <a:lt2>
+        <a:srgbClr val="EEECE1"/>
+      </a:lt2>
+      <a:accent1>
+        <a:srgbClr val="4F81BD"/>
+      </a:accent1>
+      <a:accent2>
+        <a:srgbClr val="C0504D"/>
+      </a:accent2>
+      <a:accent3>
+        <a:srgbClr val="9BBB59"/>
+      </a:accent3>
+      <a:accent4>
+        <a:srgbClr val="8064A2"/>
+      </a:accent4>
+      <a:accent5>
+        <a:srgbClr val="4BACC6"/>
+      </a:accent5>
+      <a:accent6>
+        <a:srgbClr val="F79646"/>
+      </a:accent6>
+      <a:hlink>
+        <a:srgbClr val="0000FF"/>
+      </a:hlink>
+      <a:folHlink>
+        <a:srgbClr val="800080"/>
+      </a:folHlink>
+    </a:clrScheme>
+    <a:fontScheme name="Office">
+      <a:majorFont>
+        <a:latin typeface="Calibri"/>
+        <a:ea typeface=""/>
+        <a:cs typeface=""/>
+        <a:font script="Jpan" typeface="ＭＳ Ｐゴシック"/>
+        <a:font script="Hang" typeface="맑은 고딕"/>
+        <a:font script="Hans" typeface="宋体"/>
+        <a:font script="Hant" typeface="新細明體"/>
+        <a:font script="Arab" typeface="Times New Roman"/>
+        <a:font script="Hebr" typeface="Times New Roman"/>
+        <a:font script="Thai" typeface="Angsana New"/>
+        <a:font script="Ethi" typeface="Nyala"/>
+        <a:font script="Beng" typeface="Vrinda"/>
+        <a:font script="Gujr" typeface="Shruti"/>
+        <a:font script="Khmr" typeface="MoolBoran"/>
+        <a:font script="Knda" typeface="Tunga"/>
+        <a:font script="Guru" typeface="Raavi"/>
+        <a:font script="Cans" typeface="Euphemia"/>
+        <a:font script="Cher" typeface="Plantagenet Cherokee"/>
+        <a:font script="Yiii" typeface="Microsoft Yi Baiti"/>
+        <a:font script="Tibt" typeface="Microsoft Himalaya"/>
+        <a:font script="Thaa" typeface="MV Boli"/>
+        <a:font script="Deva" typeface="Mangal"/>
+        <a:font script="Telu" typeface="Gautami"/>
+        <a:font script="Taml" typeface="Latha"/>
+        <a:font script="Syrc" typeface="Estrangelo Edessa"/>
+        <a:font script="Orya" typeface="Kalinga"/>
+        <a:font script="Mlym" typeface="Kartika"/>
+        <a:font script="Laoo" typeface="DokChampa"/>
+        <a:font script="Sinh" typeface="Iskoola Pota"/>
+        <a:font script="Mong" typeface="Mongolian Baiti"/>
+        <a:font script="Viet" typeface="Times New Roman"/>
+        <a:font script="Uigh" typeface="Microsoft Uighur"/>
+        <a:font script="Geor" typeface="Sylfaen"/>
+      </a:majorFont>
+      <a:minorFont>
+        <a:latin typeface="Calibri"/>
+        <a:ea typeface=""/>
+        <a:cs typeface=""/>
+        <a:font script="Jpan" typeface="ＭＳ Ｐゴシック"/>
+        <a:font script="Hang" typeface="맑은 고딕"/>
+        <a:font script="Hans" typeface="宋体"/>
+        <a:font script="Hant" typeface="新細明體"/>
+        <a:font script="Arab" typeface="Arial"/>
+        <a:font script="Hebr" typeface="Arial"/>
+        <a:font script="Thai" typeface="Cordia New"/>
+        <a:font script="Ethi" typeface="Nyala"/>
+        <a:font script="Beng" typeface="Vrinda"/>
+        <a:font script="Gujr" typeface="Shruti"/>
+        <a:font script="Khmr" typeface="DaunPenh"/>
+        <a:font script="Knda" typeface="Tunga"/>
+        <a:font script="Guru" typeface="Raavi"/>
+        <a:font script="Cans" typeface="Euphemia"/>
+        <a:font script="Cher" typeface="Plantagenet Cherokee"/>
+        <a:font script="Yiii" typeface="Microsoft Yi Baiti"/>
+        <a:font script="Tibt" typeface="Microsoft Himalaya"/>
+        <a:font script="Thaa" typeface="MV Boli"/>
+        <a:font script="Deva" typeface="Mangal"/>
+        <a:font script="Telu" typeface="Gautami"/>
+        <a:font script="Taml" typeface="Latha"/>
+        <a:font script="Syrc" typeface="Estrangelo Edessa"/>
+        <a:font script="Orya" typeface="Kalinga"/>
+        <a:font script="Mlym" typeface="Kartika"/>
+        <a:font script="Laoo" typeface="DokChampa"/>
+        <a:font script="Sinh" typeface="Iskoola Pota"/>
+        <a:font script="Mong" typeface="Mongolian Baiti"/>
+        <a:font script="Viet" typeface="Arial"/>
+        <a:font script="Uigh" typeface="Microsoft Uighur"/>
+        <a:font script="Geor" typeface="Sylfaen"/>
+      </a:minorFont>
+    </a:fontScheme>
+    <a:fmtScheme name="Office">
+      <a:fillStyleLst>
+        <a:solidFill>
+          <a:schemeClr val="phClr"/>
+        </a:solidFill>
+        <a:gradFill rotWithShape="1">
+          <a:gsLst>
+            <a:gs pos="0">
+              <a:schemeClr val="phClr">
+                <a:tint val="50000"/>
+                <a:satMod val="300000"/>
+              </a:schemeClr>
+            </a:gs>
+            <a:gs pos="35000">
+              <a:schemeClr val="phClr">
+                <a:tint val="37000"/>
+                <a:satMod val="300000"/>
+              </a:schemeClr>
+            </a:gs>
+            <a:gs pos="100000">
+              <a:schemeClr val="phClr">
+                <a:tint val="15000"/>
+                <a:satMod val="350000"/>
+              </a:schemeClr>
+            </a:gs>
+          </a:gsLst>
+          <a:lin ang="16200000" scaled="1"/>
+        </a:gradFill>
+        <a:gradFill rotWithShape="1">
+          <a:gsLst>
+            <a:gs pos="0">
+              <a:schemeClr val="phClr">
+                <a:shade val="51000"/>
+                <a:satMod val="130000"/>
+              </a:schemeClr>
+            </a:gs>
+            <a:gs pos="80000">
+              <a:schemeClr val="phClr">
+                <a:shade val="93000"/>
+                <a:satMod val="130000"/>
+              </a:schemeClr>
+            </a:gs>
+            <a:gs pos="100000">
+              <a:schemeClr val="phClr">
+                <a:shade val="94000"/>
+                <a:satMod val="135000"/>
+              </a:schemeClr>
+            </a:gs>
+          </a:gsLst>
+          <a:lin ang="16200000" scaled="0"/>
+        </a:gradFill>
+      </a:fillStyleLst>
+      <a:lnStyleLst>
+        <a:ln w="9525" cap="flat" cmpd="sng" algn="ctr">
+          <a:solidFill>
+            <a:schemeClr val="phClr">
+              <a:shade val="95000"/>
+              <a:satMod val="105000"/>
+            </a:schemeClr>
+          </a:solidFill>
+          <a:prstDash val="solid"/>
+        </a:ln>
+        <a:ln w="25400" cap="flat" cmpd="sng" algn="ctr">
+          <a:solidFill>
+            <a:schemeClr val="phClr"/>
+          </a:solidFill>
+          <a:prstDash val="solid"/>
+        </a:ln>
+        <a:ln w="38100" cap="flat" cmpd="sng" algn="ctr">
+          <a:solidFill>
+            <a:schemeClr val="phClr"/>
+          </a:solidFill>
+          <a:prstDash val="solid"/>
+        </a:ln>
+      </a:lnStyleLst>
+      <a:effectStyleLst>
+        <a:effectStyle>
+          <a:effectLst>
+            <a:outerShdw blurRad="40000" dist="20000" dir="5400000" rotWithShape="0">
+              <a:srgbClr val="000000">
+                <a:alpha val="38000"/>
+              </a:srgbClr>
+            </a:outerShdw>
+          </a:effectLst>
+        </a:effectStyle>
+        <a:effectStyle>
+          <a:effectLst>
+            <a:outerShdw blurRad="40000" dist="23000" dir="5400000" rotWithShape="0">
+              <a:srgbClr val="000000">
+                <a:alpha val="35000"/>
+              </a:srgbClr>
+            </a:outerShdw>
+          </a:effectLst>
+        </a:effectStyle>
+        <a:effectStyle>
+          <a:effectLst>
+            <a:outerShdw blurRad="40000" dist="23000" dir="5400000" rotWithShape="0">
+              <a:srgbClr val="000000">
+                <a:alpha val="35000"/>
+              </a:srgbClr>
+            </a:outerShdw>
+          </a:effectLst>
+          <a:scene3d>
+            <a:camera prst="orthographicFront">
+              <a:rot lat="0" lon="0" rev="0"/>
+            </a:camera>
+            <a:lightRig rig="threePt" dir="t">
+              <a:rot lat="0" lon="0" rev="1200000"/>
+            </a:lightRig>
+          </a:scene3d>
+          <a:sp3d>
+            <a:bevelT w="63500" h="25400"/>
+          </a:sp3d>
+        </a:effectStyle>
+      </a:effectStyleLst>
+      <a:bgFillStyleLst>
+        <a:solidFill>
+          <a:schemeClr val="phClr"/>
+        </a:solidFill>
+        <a:gradFill rotWithShape="1">
+          <a:gsLst>
+            <a:gs pos="0">
+              <a:schemeClr val="phClr">
+                <a:tint val="40000"/>
+                <a:satMod val="350000"/>
+              </a:schemeClr>
+            </a:gs>
+            <a:gs pos="40000">
+              <a:schemeClr val="phClr">
+                <a:tint val="45000"/>
+                <a:shade val="99000"/>
+                <a:satMod val="350000"/>
+              </a:schemeClr>
+            </a:gs>
+            <a:gs pos="100000">
+              <a:schemeClr val="phClr">
+                <a:shade val="20000"/>
+                <a:satMod val="255000"/>
+              </a:schemeClr>
+            </a:gs>
+          </a:gsLst>
+          <a:path path="circle">
+            <a:fillToRect l="50000" t="-80000" r="50000" b="180000"/>
+          </a:path>
+        </a:gradFill>
+        <a:gradFill rotWithShape="1">
+          <a:gsLst>
+            <a:gs pos="0">
+              <a:schemeClr val="phClr">
+                <a:tint val="80000"/>
+                <a:satMod val="300000"/>
+              </a:schemeClr>
+            </a:gs>
+            <a:gs pos="100000">
+              <a:schemeClr val="phClr">
+                <a:shade val="30000"/>
+                <a:satMod val="200000"/>
+              </a:schemeClr>
+            </a:gs>
+          </a:gsLst>
+          <a:path path="circle">
+            <a:fillToRect l="50000" t="50000" r="50000" b="50000"/>
+          </a:path>
+        </a:gradFill>
+      </a:bgFillStyleLst>
+    </a:fmtScheme>
+  </a:themeElements>
+  <a:objectDefaults/>
+  <a:extraClrSchemeLst/>
+</a:theme>
 </file>
--- a/Dependency Injection - the right way.pptx
+++ b/Dependency Injection - the right way.pptx
@@ -5,33 +5,36 @@
     <p:sldMasterId id="2147483648" r:id="rId1"/>
   </p:sldMasterIdLst>
   <p:notesMasterIdLst>
-    <p:notesMasterId r:id="rId26"/>
+    <p:notesMasterId r:id="rId29"/>
   </p:notesMasterIdLst>
   <p:sldIdLst>
     <p:sldId id="258" r:id="rId2"/>
     <p:sldId id="256" r:id="rId3"/>
     <p:sldId id="257" r:id="rId4"/>
     <p:sldId id="260" r:id="rId5"/>
-    <p:sldId id="261" r:id="rId6"/>
-    <p:sldId id="262" r:id="rId7"/>
-    <p:sldId id="263" r:id="rId8"/>
-    <p:sldId id="264" r:id="rId9"/>
-    <p:sldId id="265" r:id="rId10"/>
-    <p:sldId id="266" r:id="rId11"/>
-    <p:sldId id="267" r:id="rId12"/>
-    <p:sldId id="268" r:id="rId13"/>
-    <p:sldId id="269" r:id="rId14"/>
-    <p:sldId id="270" r:id="rId15"/>
-    <p:sldId id="271" r:id="rId16"/>
-    <p:sldId id="272" r:id="rId17"/>
-    <p:sldId id="273" r:id="rId18"/>
-    <p:sldId id="274" r:id="rId19"/>
-    <p:sldId id="275" r:id="rId20"/>
-    <p:sldId id="276" r:id="rId21"/>
-    <p:sldId id="277" r:id="rId22"/>
-    <p:sldId id="278" r:id="rId23"/>
-    <p:sldId id="279" r:id="rId24"/>
-    <p:sldId id="259" r:id="rId25"/>
+    <p:sldId id="281" r:id="rId6"/>
+    <p:sldId id="280" r:id="rId7"/>
+    <p:sldId id="261" r:id="rId8"/>
+    <p:sldId id="282" r:id="rId9"/>
+    <p:sldId id="262" r:id="rId10"/>
+    <p:sldId id="263" r:id="rId11"/>
+    <p:sldId id="264" r:id="rId12"/>
+    <p:sldId id="265" r:id="rId13"/>
+    <p:sldId id="266" r:id="rId14"/>
+    <p:sldId id="267" r:id="rId15"/>
+    <p:sldId id="268" r:id="rId16"/>
+    <p:sldId id="269" r:id="rId17"/>
+    <p:sldId id="270" r:id="rId18"/>
+    <p:sldId id="271" r:id="rId19"/>
+    <p:sldId id="272" r:id="rId20"/>
+    <p:sldId id="273" r:id="rId21"/>
+    <p:sldId id="274" r:id="rId22"/>
+    <p:sldId id="275" r:id="rId23"/>
+    <p:sldId id="276" r:id="rId24"/>
+    <p:sldId id="277" r:id="rId25"/>
+    <p:sldId id="278" r:id="rId26"/>
+    <p:sldId id="279" r:id="rId27"/>
+    <p:sldId id="259" r:id="rId28"/>
   </p:sldIdLst>
   <p:sldSz cx="9144000" cy="6858000" type="screen4x3"/>
   <p:notesSz cx="6858000" cy="9144000"/>
@@ -143,7 +146,10 @@
           <p14:sldIdLst>
             <p14:sldId id="257"/>
             <p14:sldId id="260"/>
+            <p14:sldId id="281"/>
+            <p14:sldId id="280"/>
             <p14:sldId id="261"/>
+            <p14:sldId id="282"/>
             <p14:sldId id="262"/>
             <p14:sldId id="263"/>
             <p14:sldId id="264"/>
@@ -569,14 +575,6 @@
           <a:bodyPr/>
           <a:lstStyle/>
           <a:p>
-            <a:r>
-              <a:rPr lang="en-US" dirty="0" smtClean="0"/>
-              <a:t>TODO : add screenshot from </a:t>
-            </a:r>
-            <a:r>
-              <a:rPr lang="en-US" dirty="0" err="1" smtClean="0"/>
-              <a:t>StackOverflow</a:t>
-            </a:r>
             <a:endParaRPr lang="en-US" dirty="0"/>
           </a:p>
         </p:txBody>
@@ -662,23 +660,6 @@
           <a:lstStyle/>
           <a:p>
             <a:r>
-              <a:rPr lang="en-US" dirty="0" smtClean="0"/>
-              <a:t>TODO :add </a:t>
-            </a:r>
-            <a:r>
-              <a:rPr lang="en-US" dirty="0" err="1" smtClean="0"/>
-              <a:t>SoftShake</a:t>
-            </a:r>
-            <a:r>
-              <a:rPr lang="en-US" baseline="0" dirty="0" smtClean="0"/>
-              <a:t> Logo</a:t>
-            </a:r>
-          </a:p>
-          <a:p>
-            <a:endParaRPr lang="en-US" baseline="0" dirty="0" smtClean="0"/>
-          </a:p>
-          <a:p>
-            <a:r>
               <a:rPr lang="en-US" baseline="0" dirty="0" smtClean="0"/>
               <a:t>Present you self</a:t>
             </a:r>
@@ -780,6 +761,12 @@
           <a:p>
             <a:r>
               <a:rPr lang="en-US" baseline="0" dirty="0" smtClean="0"/>
+              <a:t>Dependency Injection patterns</a:t>
+            </a:r>
+          </a:p>
+          <a:p>
+            <a:r>
+              <a:rPr lang="en-US" baseline="0" dirty="0" smtClean="0"/>
               <a:t>You may know about it under a form or another, or ay have used tools</a:t>
             </a:r>
           </a:p>
@@ -944,7 +931,7 @@
           <a:p>
             <a:fld id="{33F0961A-48D7-4871-86EB-F9831811C96F}" type="slidenum">
               <a:rPr lang="en-US" smtClean="0"/>
-              <a:t>6</a:t>
+              <a:t>9</a:t>
             </a:fld>
             <a:endParaRPr lang="en-US"/>
           </a:p>
@@ -4171,7 +4158,7 @@
           <a:p>
             <a:r>
               <a:rPr lang="en-US" dirty="0" smtClean="0"/>
-              <a:t>Program to an abstraction</a:t>
+              <a:t>Example</a:t>
             </a:r>
             <a:endParaRPr lang="en-US" dirty="0"/>
           </a:p>
@@ -4192,20 +4179,27 @@
           <a:bodyPr/>
           <a:lstStyle/>
           <a:p>
-            <a:endParaRPr lang="en-US"/>
+            <a:endParaRPr lang="en-US" dirty="0" smtClean="0"/>
           </a:p>
         </p:txBody>
       </p:sp>
     </p:spTree>
     <p:extLst>
       <p:ext uri="{BB962C8B-B14F-4D97-AF65-F5344CB8AC3E}">
-        <p14:creationId xmlns:p14="http://schemas.microsoft.com/office/powerpoint/2010/main" val="2273883719"/>
+        <p14:creationId xmlns:p14="http://schemas.microsoft.com/office/powerpoint/2010/main" val="3704436838"/>
       </p:ext>
     </p:extLst>
   </p:cSld>
   <p:clrMapOvr>
     <a:masterClrMapping/>
   </p:clrMapOvr>
+  <p:timing>
+    <p:tnLst>
+      <p:par>
+        <p:cTn id="1" dur="indefinite" restart="never" nodeType="tmRoot"/>
+      </p:par>
+    </p:tnLst>
+  </p:timing>
 </p:sld>
 </file>
 
@@ -4243,7 +4237,7 @@
           <a:p>
             <a:r>
               <a:rPr lang="en-US" dirty="0" smtClean="0"/>
-              <a:t>Making it testable - Properties</a:t>
+              <a:t>Tightly coupled code</a:t>
             </a:r>
             <a:endParaRPr lang="en-US" dirty="0"/>
           </a:p>
@@ -4271,13 +4265,20 @@
     </p:spTree>
     <p:extLst>
       <p:ext uri="{BB962C8B-B14F-4D97-AF65-F5344CB8AC3E}">
-        <p14:creationId xmlns:p14="http://schemas.microsoft.com/office/powerpoint/2010/main" val="2460160534"/>
+        <p14:creationId xmlns:p14="http://schemas.microsoft.com/office/powerpoint/2010/main" val="304151210"/>
       </p:ext>
     </p:extLst>
   </p:cSld>
   <p:clrMapOvr>
     <a:masterClrMapping/>
   </p:clrMapOvr>
+  <p:timing>
+    <p:tnLst>
+      <p:par>
+        <p:cTn id="1" dur="indefinite" restart="never" nodeType="tmRoot"/>
+      </p:par>
+    </p:tnLst>
+  </p:timing>
 </p:sld>
 </file>
 
@@ -4315,7 +4316,7 @@
           <a:p>
             <a:r>
               <a:rPr lang="en-US" dirty="0" smtClean="0"/>
-              <a:t>Making it testable - Constructor</a:t>
+              <a:t>Separation of Concerns (SRP)</a:t>
             </a:r>
             <a:endParaRPr lang="en-US" dirty="0"/>
           </a:p>
@@ -4343,7 +4344,7 @@
     </p:spTree>
     <p:extLst>
       <p:ext uri="{BB962C8B-B14F-4D97-AF65-F5344CB8AC3E}">
-        <p14:creationId xmlns:p14="http://schemas.microsoft.com/office/powerpoint/2010/main" val="1108926905"/>
+        <p14:creationId xmlns:p14="http://schemas.microsoft.com/office/powerpoint/2010/main" val="774879577"/>
       </p:ext>
     </p:extLst>
   </p:cSld>
@@ -4387,7 +4388,7 @@
           <a:p>
             <a:r>
               <a:rPr lang="en-US" dirty="0" smtClean="0"/>
-              <a:t>Inversion of Control</a:t>
+              <a:t>Program to an abstraction</a:t>
             </a:r>
             <a:endParaRPr lang="en-US" dirty="0"/>
           </a:p>
@@ -4415,7 +4416,7 @@
     </p:spTree>
     <p:extLst>
       <p:ext uri="{BB962C8B-B14F-4D97-AF65-F5344CB8AC3E}">
-        <p14:creationId xmlns:p14="http://schemas.microsoft.com/office/powerpoint/2010/main" val="4108550095"/>
+        <p14:creationId xmlns:p14="http://schemas.microsoft.com/office/powerpoint/2010/main" val="2273883719"/>
       </p:ext>
     </p:extLst>
   </p:cSld>
@@ -4459,7 +4460,7 @@
           <a:p>
             <a:r>
               <a:rPr lang="en-US" dirty="0" smtClean="0"/>
-              <a:t>It’s viral !</a:t>
+              <a:t>Making it testable - Properties</a:t>
             </a:r>
             <a:endParaRPr lang="en-US" dirty="0"/>
           </a:p>
@@ -4480,18 +4481,14 @@
           <a:bodyPr/>
           <a:lstStyle/>
           <a:p>
-            <a:r>
-              <a:rPr lang="en-US" dirty="0" smtClean="0"/>
-              <a:t>Composition Root</a:t>
-            </a:r>
-            <a:endParaRPr lang="en-US" dirty="0"/>
+            <a:endParaRPr lang="en-US"/>
           </a:p>
         </p:txBody>
       </p:sp>
     </p:spTree>
     <p:extLst>
       <p:ext uri="{BB962C8B-B14F-4D97-AF65-F5344CB8AC3E}">
-        <p14:creationId xmlns:p14="http://schemas.microsoft.com/office/powerpoint/2010/main" val="1394666143"/>
+        <p14:creationId xmlns:p14="http://schemas.microsoft.com/office/powerpoint/2010/main" val="2460160534"/>
       </p:ext>
     </p:extLst>
   </p:cSld>
@@ -4535,7 +4532,7 @@
           <a:p>
             <a:r>
               <a:rPr lang="en-US" dirty="0" smtClean="0"/>
-              <a:t>Pure DI aka Poor Man’s DI</a:t>
+              <a:t>Making it testable - Constructor</a:t>
             </a:r>
             <a:endParaRPr lang="en-US" dirty="0"/>
           </a:p>
@@ -4563,7 +4560,7 @@
     </p:spTree>
     <p:extLst>
       <p:ext uri="{BB962C8B-B14F-4D97-AF65-F5344CB8AC3E}">
-        <p14:creationId xmlns:p14="http://schemas.microsoft.com/office/powerpoint/2010/main" val="550091921"/>
+        <p14:creationId xmlns:p14="http://schemas.microsoft.com/office/powerpoint/2010/main" val="1108926905"/>
       </p:ext>
     </p:extLst>
   </p:cSld>
@@ -4607,7 +4604,7 @@
           <a:p>
             <a:r>
               <a:rPr lang="en-US" dirty="0" smtClean="0"/>
-              <a:t>Extensibility with DI</a:t>
+              <a:t>Inversion of Control</a:t>
             </a:r>
             <a:endParaRPr lang="en-US" dirty="0"/>
           </a:p>
@@ -4628,54 +4625,14 @@
           <a:bodyPr/>
           <a:lstStyle/>
           <a:p>
-            <a:r>
-              <a:rPr lang="en-US" dirty="0" err="1" smtClean="0"/>
-              <a:t>Composability</a:t>
-            </a:r>
-            <a:r>
-              <a:rPr lang="en-US" dirty="0" smtClean="0"/>
-              <a:t> </a:t>
-            </a:r>
-          </a:p>
-          <a:p>
-            <a:r>
-              <a:rPr lang="en-US" dirty="0" smtClean="0"/>
-              <a:t>Testability</a:t>
-            </a:r>
-          </a:p>
-          <a:p>
-            <a:r>
-              <a:rPr lang="en-US" dirty="0" smtClean="0"/>
-              <a:t>Decorator</a:t>
-            </a:r>
-          </a:p>
-          <a:p>
-            <a:endParaRPr lang="en-US" dirty="0"/>
-          </a:p>
-          <a:p>
-            <a:r>
-              <a:rPr lang="en-US" dirty="0" smtClean="0"/>
-              <a:t>Late binding</a:t>
-            </a:r>
-          </a:p>
-          <a:p>
-            <a:endParaRPr lang="en-US" dirty="0"/>
-          </a:p>
-          <a:p>
-            <a:r>
-              <a:rPr lang="en-US" dirty="0" smtClean="0"/>
-              <a:t>Examples ? </a:t>
-            </a:r>
-          </a:p>
-          <a:p>
-            <a:endParaRPr lang="en-US" dirty="0"/>
+            <a:endParaRPr lang="en-US"/>
           </a:p>
         </p:txBody>
       </p:sp>
     </p:spTree>
     <p:extLst>
       <p:ext uri="{BB962C8B-B14F-4D97-AF65-F5344CB8AC3E}">
-        <p14:creationId xmlns:p14="http://schemas.microsoft.com/office/powerpoint/2010/main" val="3162647260"/>
+        <p14:creationId xmlns:p14="http://schemas.microsoft.com/office/powerpoint/2010/main" val="4108550095"/>
       </p:ext>
     </p:extLst>
   </p:cSld>
@@ -4719,7 +4676,7 @@
           <a:p>
             <a:r>
               <a:rPr lang="en-US" dirty="0" smtClean="0"/>
-              <a:t>DI Container</a:t>
+              <a:t>It’s viral !</a:t>
             </a:r>
             <a:endParaRPr lang="en-US" dirty="0"/>
           </a:p>
@@ -4742,7 +4699,7 @@
           <a:p>
             <a:r>
               <a:rPr lang="en-US" dirty="0" smtClean="0"/>
-              <a:t>How it works / what it does</a:t>
+              <a:t>Composition Root</a:t>
             </a:r>
             <a:endParaRPr lang="en-US" dirty="0"/>
           </a:p>
@@ -4751,7 +4708,7 @@
     </p:spTree>
     <p:extLst>
       <p:ext uri="{BB962C8B-B14F-4D97-AF65-F5344CB8AC3E}">
-        <p14:creationId xmlns:p14="http://schemas.microsoft.com/office/powerpoint/2010/main" val="3753203453"/>
+        <p14:creationId xmlns:p14="http://schemas.microsoft.com/office/powerpoint/2010/main" val="1394666143"/>
       </p:ext>
     </p:extLst>
   </p:cSld>
@@ -4790,14 +4747,12 @@
         </p:nvSpPr>
         <p:spPr/>
         <p:txBody>
-          <a:bodyPr>
-            <a:normAutofit fontScale="90000"/>
-          </a:bodyPr>
+          <a:bodyPr/>
           <a:lstStyle/>
           <a:p>
             <a:r>
               <a:rPr lang="en-US" dirty="0" smtClean="0"/>
-              <a:t>Service Locator – DI container misusage</a:t>
+              <a:t>Pure DI aka Poor Man’s DI</a:t>
             </a:r>
             <a:endParaRPr lang="en-US" dirty="0"/>
           </a:p>
@@ -4825,7 +4780,7 @@
     </p:spTree>
     <p:extLst>
       <p:ext uri="{BB962C8B-B14F-4D97-AF65-F5344CB8AC3E}">
-        <p14:creationId xmlns:p14="http://schemas.microsoft.com/office/powerpoint/2010/main" val="1148450113"/>
+        <p14:creationId xmlns:p14="http://schemas.microsoft.com/office/powerpoint/2010/main" val="550091921"/>
       </p:ext>
     </p:extLst>
   </p:cSld>
@@ -4869,7 +4824,7 @@
           <a:p>
             <a:r>
               <a:rPr lang="en-US" dirty="0" smtClean="0"/>
-              <a:t>Composition, but not only</a:t>
+              <a:t>Extensibility with DI</a:t>
             </a:r>
             <a:endParaRPr lang="en-US" dirty="0"/>
           </a:p>
@@ -4891,14 +4846,42 @@
           <a:lstStyle/>
           <a:p>
             <a:r>
+              <a:rPr lang="en-US" dirty="0" err="1" smtClean="0"/>
+              <a:t>Composability</a:t>
+            </a:r>
+            <a:r>
               <a:rPr lang="en-US" dirty="0" smtClean="0"/>
-              <a:t>Object creation and composition</a:t>
+              <a:t> </a:t>
             </a:r>
           </a:p>
           <a:p>
             <a:r>
               <a:rPr lang="en-US" dirty="0" smtClean="0"/>
-              <a:t>Other important parts of DI</a:t>
+              <a:t>Testability</a:t>
+            </a:r>
+          </a:p>
+          <a:p>
+            <a:r>
+              <a:rPr lang="en-US" dirty="0" smtClean="0"/>
+              <a:t>Decorator</a:t>
+            </a:r>
+          </a:p>
+          <a:p>
+            <a:endParaRPr lang="en-US" dirty="0"/>
+          </a:p>
+          <a:p>
+            <a:r>
+              <a:rPr lang="en-US" dirty="0" smtClean="0"/>
+              <a:t>Late binding</a:t>
+            </a:r>
+          </a:p>
+          <a:p>
+            <a:endParaRPr lang="en-US" dirty="0"/>
+          </a:p>
+          <a:p>
+            <a:r>
+              <a:rPr lang="en-US" dirty="0" smtClean="0"/>
+              <a:t>Examples ? </a:t>
             </a:r>
           </a:p>
           <a:p>
@@ -4909,7 +4892,7 @@
     </p:spTree>
     <p:extLst>
       <p:ext uri="{BB962C8B-B14F-4D97-AF65-F5344CB8AC3E}">
-        <p14:creationId xmlns:p14="http://schemas.microsoft.com/office/powerpoint/2010/main" val="2294633566"/>
+        <p14:creationId xmlns:p14="http://schemas.microsoft.com/office/powerpoint/2010/main" val="3162647260"/>
       </p:ext>
     </p:extLst>
   </p:cSld>
@@ -4970,7 +4953,20 @@
                 <a:latin typeface="Arial" panose="020B0604020202020204" pitchFamily="34" charset="0"/>
                 <a:cs typeface="Arial" panose="020B0604020202020204" pitchFamily="34" charset="0"/>
               </a:rPr>
-              <a:t>Injection, the </a:t>
+              <a:t>Injection, </a:t>
+            </a:r>
+            <a:br>
+              <a:rPr lang="en-US" dirty="0" smtClean="0">
+                <a:latin typeface="Arial" panose="020B0604020202020204" pitchFamily="34" charset="0"/>
+                <a:cs typeface="Arial" panose="020B0604020202020204" pitchFamily="34" charset="0"/>
+              </a:rPr>
+            </a:br>
+            <a:r>
+              <a:rPr lang="en-US" dirty="0" smtClean="0">
+                <a:latin typeface="Arial" panose="020B0604020202020204" pitchFamily="34" charset="0"/>
+                <a:cs typeface="Arial" panose="020B0604020202020204" pitchFamily="34" charset="0"/>
+              </a:rPr>
+              <a:t>the </a:t>
             </a:r>
             <a:r>
               <a:rPr lang="en-US" dirty="0" smtClean="0">
@@ -4998,8 +4994,8 @@
         </p:nvSpPr>
         <p:spPr>
           <a:xfrm>
-            <a:off x="179511" y="4005064"/>
-            <a:ext cx="8784977" cy="648072"/>
+            <a:off x="323528" y="4005064"/>
+            <a:ext cx="8496944" cy="648072"/>
           </a:xfrm>
         </p:spPr>
         <p:txBody>
@@ -5013,7 +5009,7 @@
               <a:rPr lang="en-US" sz="2400" dirty="0" err="1" smtClean="0">
                 <a:solidFill>
                   <a:schemeClr val="bg1">
-                    <a:lumMod val="65000"/>
+                    <a:lumMod val="50000"/>
                   </a:schemeClr>
                 </a:solidFill>
               </a:rPr>
@@ -5023,7 +5019,7 @@
               <a:rPr lang="en-US" sz="2400" dirty="0" smtClean="0">
                 <a:solidFill>
                   <a:schemeClr val="bg1">
-                    <a:lumMod val="65000"/>
+                    <a:lumMod val="50000"/>
                   </a:schemeClr>
                 </a:solidFill>
               </a:rPr>
@@ -5036,7 +5032,7 @@
               <a:rPr lang="en-US" sz="1700" dirty="0" smtClean="0">
                 <a:solidFill>
                   <a:schemeClr val="bg1">
-                    <a:lumMod val="65000"/>
+                    <a:lumMod val="50000"/>
                   </a:schemeClr>
                 </a:solidFill>
               </a:rPr>
@@ -5046,7 +5042,7 @@
               <a:rPr lang="en-US" sz="1700" dirty="0" err="1" smtClean="0">
                 <a:solidFill>
                   <a:schemeClr val="bg1">
-                    <a:lumMod val="65000"/>
+                    <a:lumMod val="50000"/>
                   </a:schemeClr>
                 </a:solidFill>
               </a:rPr>
@@ -5055,7 +5051,7 @@
             <a:endParaRPr lang="en-US" sz="2400" dirty="0">
               <a:solidFill>
                 <a:schemeClr val="bg1">
-                  <a:lumMod val="65000"/>
+                  <a:lumMod val="50000"/>
                 </a:schemeClr>
               </a:solidFill>
             </a:endParaRPr>
@@ -5156,12 +5152,8 @@
           <a:lstStyle/>
           <a:p>
             <a:r>
-              <a:rPr lang="en-US" dirty="0" err="1" smtClean="0"/>
-              <a:t>LifeTime</a:t>
-            </a:r>
-            <a:r>
               <a:rPr lang="en-US" dirty="0" smtClean="0"/>
-              <a:t> Management</a:t>
+              <a:t>DI Container</a:t>
             </a:r>
             <a:endParaRPr lang="en-US" dirty="0"/>
           </a:p>
@@ -5182,6 +5174,10 @@
           <a:bodyPr/>
           <a:lstStyle/>
           <a:p>
+            <a:r>
+              <a:rPr lang="en-US" dirty="0" smtClean="0"/>
+              <a:t>How it works / what it does</a:t>
+            </a:r>
             <a:endParaRPr lang="en-US" dirty="0"/>
           </a:p>
         </p:txBody>
@@ -5189,7 +5185,7 @@
     </p:spTree>
     <p:extLst>
       <p:ext uri="{BB962C8B-B14F-4D97-AF65-F5344CB8AC3E}">
-        <p14:creationId xmlns:p14="http://schemas.microsoft.com/office/powerpoint/2010/main" val="3458786066"/>
+        <p14:creationId xmlns:p14="http://schemas.microsoft.com/office/powerpoint/2010/main" val="3753203453"/>
       </p:ext>
     </p:extLst>
   </p:cSld>
@@ -5228,12 +5224,14 @@
         </p:nvSpPr>
         <p:spPr/>
         <p:txBody>
-          <a:bodyPr/>
+          <a:bodyPr>
+            <a:normAutofit fontScale="90000"/>
+          </a:bodyPr>
           <a:lstStyle/>
           <a:p>
             <a:r>
               <a:rPr lang="en-US" dirty="0" smtClean="0"/>
-              <a:t>Interception</a:t>
+              <a:t>Service Locator – DI container misusage</a:t>
             </a:r>
             <a:endParaRPr lang="en-US" dirty="0"/>
           </a:p>
@@ -5254,14 +5252,14 @@
           <a:bodyPr/>
           <a:lstStyle/>
           <a:p>
-            <a:endParaRPr lang="en-US" dirty="0"/>
+            <a:endParaRPr lang="en-US"/>
           </a:p>
         </p:txBody>
       </p:sp>
     </p:spTree>
     <p:extLst>
       <p:ext uri="{BB962C8B-B14F-4D97-AF65-F5344CB8AC3E}">
-        <p14:creationId xmlns:p14="http://schemas.microsoft.com/office/powerpoint/2010/main" val="4036849652"/>
+        <p14:creationId xmlns:p14="http://schemas.microsoft.com/office/powerpoint/2010/main" val="1148450113"/>
       </p:ext>
     </p:extLst>
   </p:cSld>
@@ -5300,14 +5298,12 @@
         </p:nvSpPr>
         <p:spPr/>
         <p:txBody>
-          <a:bodyPr>
-            <a:normAutofit/>
-          </a:bodyPr>
+          <a:bodyPr/>
           <a:lstStyle/>
           <a:p>
             <a:r>
               <a:rPr lang="en-US" dirty="0" smtClean="0"/>
-              <a:t>Conclusion</a:t>
+              <a:t>Composition, but not only</a:t>
             </a:r>
             <a:endParaRPr lang="en-US" dirty="0"/>
           </a:p>
@@ -5328,14 +5324,26 @@
           <a:bodyPr/>
           <a:lstStyle/>
           <a:p>
-            <a:endParaRPr lang="en-US"/>
+            <a:r>
+              <a:rPr lang="en-US" dirty="0" smtClean="0"/>
+              <a:t>Object creation and composition</a:t>
+            </a:r>
+          </a:p>
+          <a:p>
+            <a:r>
+              <a:rPr lang="en-US" dirty="0" smtClean="0"/>
+              <a:t>Other important parts of DI</a:t>
+            </a:r>
+          </a:p>
+          <a:p>
+            <a:endParaRPr lang="en-US" dirty="0"/>
           </a:p>
         </p:txBody>
       </p:sp>
     </p:spTree>
     <p:extLst>
       <p:ext uri="{BB962C8B-B14F-4D97-AF65-F5344CB8AC3E}">
-        <p14:creationId xmlns:p14="http://schemas.microsoft.com/office/powerpoint/2010/main" val="308607750"/>
+        <p14:creationId xmlns:p14="http://schemas.microsoft.com/office/powerpoint/2010/main" val="2294633566"/>
       </p:ext>
     </p:extLst>
   </p:cSld>
@@ -5378,6 +5386,228 @@
           <a:lstStyle/>
           <a:p>
             <a:r>
+              <a:rPr lang="en-US" dirty="0" err="1" smtClean="0"/>
+              <a:t>LifeTime</a:t>
+            </a:r>
+            <a:r>
+              <a:rPr lang="en-US" dirty="0" smtClean="0"/>
+              <a:t> Management</a:t>
+            </a:r>
+            <a:endParaRPr lang="en-US" dirty="0"/>
+          </a:p>
+        </p:txBody>
+      </p:sp>
+      <p:sp>
+        <p:nvSpPr>
+          <p:cNvPr id="3" name="Content Placeholder 2"/>
+          <p:cNvSpPr>
+            <a:spLocks noGrp="1"/>
+          </p:cNvSpPr>
+          <p:nvPr>
+            <p:ph idx="1"/>
+          </p:nvPr>
+        </p:nvSpPr>
+        <p:spPr/>
+        <p:txBody>
+          <a:bodyPr/>
+          <a:lstStyle/>
+          <a:p>
+            <a:endParaRPr lang="en-US" dirty="0"/>
+          </a:p>
+        </p:txBody>
+      </p:sp>
+    </p:spTree>
+    <p:extLst>
+      <p:ext uri="{BB962C8B-B14F-4D97-AF65-F5344CB8AC3E}">
+        <p14:creationId xmlns:p14="http://schemas.microsoft.com/office/powerpoint/2010/main" val="3458786066"/>
+      </p:ext>
+    </p:extLst>
+  </p:cSld>
+  <p:clrMapOvr>
+    <a:masterClrMapping/>
+  </p:clrMapOvr>
+</p:sld>
+</file>
+
+<file path=ppt/slides/slide24.xml><?xml version="1.0" encoding="utf-8"?>
+<p:sld xmlns:a="http://schemas.openxmlformats.org/drawingml/2006/main" xmlns:r="http://schemas.openxmlformats.org/officeDocument/2006/relationships" xmlns:p="http://schemas.openxmlformats.org/presentationml/2006/main">
+  <p:cSld>
+    <p:spTree>
+      <p:nvGrpSpPr>
+        <p:cNvPr id="1" name=""/>
+        <p:cNvGrpSpPr/>
+        <p:nvPr/>
+      </p:nvGrpSpPr>
+      <p:grpSpPr>
+        <a:xfrm>
+          <a:off x="0" y="0"/>
+          <a:ext cx="0" cy="0"/>
+          <a:chOff x="0" y="0"/>
+          <a:chExt cx="0" cy="0"/>
+        </a:xfrm>
+      </p:grpSpPr>
+      <p:sp>
+        <p:nvSpPr>
+          <p:cNvPr id="2" name="Title 1"/>
+          <p:cNvSpPr>
+            <a:spLocks noGrp="1"/>
+          </p:cNvSpPr>
+          <p:nvPr>
+            <p:ph type="title"/>
+          </p:nvPr>
+        </p:nvSpPr>
+        <p:spPr/>
+        <p:txBody>
+          <a:bodyPr/>
+          <a:lstStyle/>
+          <a:p>
+            <a:r>
+              <a:rPr lang="en-US" dirty="0" smtClean="0"/>
+              <a:t>Interception</a:t>
+            </a:r>
+            <a:endParaRPr lang="en-US" dirty="0"/>
+          </a:p>
+        </p:txBody>
+      </p:sp>
+      <p:sp>
+        <p:nvSpPr>
+          <p:cNvPr id="3" name="Content Placeholder 2"/>
+          <p:cNvSpPr>
+            <a:spLocks noGrp="1"/>
+          </p:cNvSpPr>
+          <p:nvPr>
+            <p:ph idx="1"/>
+          </p:nvPr>
+        </p:nvSpPr>
+        <p:spPr/>
+        <p:txBody>
+          <a:bodyPr/>
+          <a:lstStyle/>
+          <a:p>
+            <a:endParaRPr lang="en-US" dirty="0"/>
+          </a:p>
+        </p:txBody>
+      </p:sp>
+    </p:spTree>
+    <p:extLst>
+      <p:ext uri="{BB962C8B-B14F-4D97-AF65-F5344CB8AC3E}">
+        <p14:creationId xmlns:p14="http://schemas.microsoft.com/office/powerpoint/2010/main" val="4036849652"/>
+      </p:ext>
+    </p:extLst>
+  </p:cSld>
+  <p:clrMapOvr>
+    <a:masterClrMapping/>
+  </p:clrMapOvr>
+</p:sld>
+</file>
+
+<file path=ppt/slides/slide25.xml><?xml version="1.0" encoding="utf-8"?>
+<p:sld xmlns:a="http://schemas.openxmlformats.org/drawingml/2006/main" xmlns:r="http://schemas.openxmlformats.org/officeDocument/2006/relationships" xmlns:p="http://schemas.openxmlformats.org/presentationml/2006/main">
+  <p:cSld>
+    <p:spTree>
+      <p:nvGrpSpPr>
+        <p:cNvPr id="1" name=""/>
+        <p:cNvGrpSpPr/>
+        <p:nvPr/>
+      </p:nvGrpSpPr>
+      <p:grpSpPr>
+        <a:xfrm>
+          <a:off x="0" y="0"/>
+          <a:ext cx="0" cy="0"/>
+          <a:chOff x="0" y="0"/>
+          <a:chExt cx="0" cy="0"/>
+        </a:xfrm>
+      </p:grpSpPr>
+      <p:sp>
+        <p:nvSpPr>
+          <p:cNvPr id="2" name="Title 1"/>
+          <p:cNvSpPr>
+            <a:spLocks noGrp="1"/>
+          </p:cNvSpPr>
+          <p:nvPr>
+            <p:ph type="title"/>
+          </p:nvPr>
+        </p:nvSpPr>
+        <p:spPr/>
+        <p:txBody>
+          <a:bodyPr>
+            <a:normAutofit/>
+          </a:bodyPr>
+          <a:lstStyle/>
+          <a:p>
+            <a:r>
+              <a:rPr lang="en-US" dirty="0" smtClean="0"/>
+              <a:t>Conclusion</a:t>
+            </a:r>
+            <a:endParaRPr lang="en-US" dirty="0"/>
+          </a:p>
+        </p:txBody>
+      </p:sp>
+      <p:sp>
+        <p:nvSpPr>
+          <p:cNvPr id="3" name="Content Placeholder 2"/>
+          <p:cNvSpPr>
+            <a:spLocks noGrp="1"/>
+          </p:cNvSpPr>
+          <p:nvPr>
+            <p:ph idx="1"/>
+          </p:nvPr>
+        </p:nvSpPr>
+        <p:spPr/>
+        <p:txBody>
+          <a:bodyPr/>
+          <a:lstStyle/>
+          <a:p>
+            <a:endParaRPr lang="en-US"/>
+          </a:p>
+        </p:txBody>
+      </p:sp>
+    </p:spTree>
+    <p:extLst>
+      <p:ext uri="{BB962C8B-B14F-4D97-AF65-F5344CB8AC3E}">
+        <p14:creationId xmlns:p14="http://schemas.microsoft.com/office/powerpoint/2010/main" val="308607750"/>
+      </p:ext>
+    </p:extLst>
+  </p:cSld>
+  <p:clrMapOvr>
+    <a:masterClrMapping/>
+  </p:clrMapOvr>
+</p:sld>
+</file>
+
+<file path=ppt/slides/slide26.xml><?xml version="1.0" encoding="utf-8"?>
+<p:sld xmlns:a="http://schemas.openxmlformats.org/drawingml/2006/main" xmlns:r="http://schemas.openxmlformats.org/officeDocument/2006/relationships" xmlns:p="http://schemas.openxmlformats.org/presentationml/2006/main">
+  <p:cSld>
+    <p:spTree>
+      <p:nvGrpSpPr>
+        <p:cNvPr id="1" name=""/>
+        <p:cNvGrpSpPr/>
+        <p:nvPr/>
+      </p:nvGrpSpPr>
+      <p:grpSpPr>
+        <a:xfrm>
+          <a:off x="0" y="0"/>
+          <a:ext cx="0" cy="0"/>
+          <a:chOff x="0" y="0"/>
+          <a:chExt cx="0" cy="0"/>
+        </a:xfrm>
+      </p:grpSpPr>
+      <p:sp>
+        <p:nvSpPr>
+          <p:cNvPr id="2" name="Title 1"/>
+          <p:cNvSpPr>
+            <a:spLocks noGrp="1"/>
+          </p:cNvSpPr>
+          <p:nvPr>
+            <p:ph type="title"/>
+          </p:nvPr>
+        </p:nvSpPr>
+        <p:spPr/>
+        <p:txBody>
+          <a:bodyPr/>
+          <a:lstStyle/>
+          <a:p>
+            <a:r>
               <a:rPr lang="en-US" dirty="0" smtClean="0"/>
               <a:t>Remember</a:t>
             </a:r>
@@ -5417,7 +5647,7 @@
 </p:sld>
 </file>
 
-<file path=ppt/slides/slide24.xml><?xml version="1.0" encoding="utf-8"?>
+<file path=ppt/slides/slide27.xml><?xml version="1.0" encoding="utf-8"?>
 <p:sld xmlns:a="http://schemas.openxmlformats.org/drawingml/2006/main" xmlns:r="http://schemas.openxmlformats.org/officeDocument/2006/relationships" xmlns:p="http://schemas.openxmlformats.org/presentationml/2006/main">
   <p:cSld>
     <p:spTree>
@@ -5560,7 +5790,7 @@
           <a:p>
             <a:r>
               <a:rPr lang="en-US" dirty="0" smtClean="0"/>
-              <a:t>About</a:t>
+              <a:t>This talk</a:t>
             </a:r>
             <a:endParaRPr lang="en-US" dirty="0"/>
           </a:p>
@@ -5578,43 +5808,91 @@
         </p:nvSpPr>
         <p:spPr/>
         <p:txBody>
-          <a:bodyPr/>
+          <a:bodyPr>
+            <a:normAutofit fontScale="92500" lnSpcReduction="20000"/>
+          </a:bodyPr>
           <a:lstStyle/>
           <a:p>
             <a:r>
               <a:rPr lang="en-US" dirty="0" smtClean="0"/>
-              <a:t>Who am I</a:t>
-            </a:r>
-          </a:p>
-          <a:p>
+              <a:t>What it is about</a:t>
+            </a:r>
+          </a:p>
+          <a:p>
+            <a:pPr lvl="1"/>
             <a:r>
               <a:rPr lang="en-US" dirty="0" smtClean="0"/>
-              <a:t>What I’ll talk about</a:t>
-            </a:r>
-          </a:p>
-          <a:p>
+              <a:t>Dependency Injection patterns</a:t>
+            </a:r>
+            <a:endParaRPr lang="en-US" dirty="0" smtClean="0"/>
+          </a:p>
+          <a:p>
+            <a:pPr lvl="1"/>
             <a:r>
               <a:rPr lang="en-US" dirty="0" smtClean="0"/>
-              <a:t>What I won’t talk about</a:t>
-            </a:r>
-          </a:p>
-          <a:p>
+              <a:t>Benefits</a:t>
+            </a:r>
+          </a:p>
+          <a:p>
+            <a:pPr lvl="1"/>
             <a:r>
               <a:rPr lang="en-US" dirty="0" smtClean="0"/>
-              <a:t>Expectations</a:t>
-            </a:r>
+              <a:t>Common pitfalls</a:t>
+            </a:r>
+            <a:endParaRPr lang="en-US" dirty="0" smtClean="0"/>
           </a:p>
           <a:p>
             <a:r>
               <a:rPr lang="en-US" dirty="0" smtClean="0"/>
-              <a:t>Not about specific containers .. Will mention the general idea though</a:t>
-            </a:r>
-          </a:p>
-          <a:p>
+              <a:t>What it is not about</a:t>
+            </a:r>
+          </a:p>
+          <a:p>
+            <a:pPr lvl="1"/>
             <a:r>
               <a:rPr lang="en-US" dirty="0" smtClean="0"/>
-              <a:t>Try to show it mostly with example</a:t>
-            </a:r>
+              <a:t>Specific </a:t>
+            </a:r>
+            <a:r>
+              <a:rPr lang="en-US" dirty="0" err="1" smtClean="0"/>
+              <a:t>IoC</a:t>
+            </a:r>
+            <a:r>
+              <a:rPr lang="en-US" dirty="0" smtClean="0"/>
+              <a:t>/DI Container implementations</a:t>
+            </a:r>
+          </a:p>
+          <a:p>
+            <a:r>
+              <a:rPr lang="en-US" dirty="0" smtClean="0"/>
+              <a:t>Pre-requisites</a:t>
+            </a:r>
+          </a:p>
+          <a:p>
+            <a:pPr lvl="1"/>
+            <a:r>
+              <a:rPr lang="en-US" dirty="0" smtClean="0"/>
+              <a:t>OOP</a:t>
+            </a:r>
+          </a:p>
+          <a:p>
+            <a:pPr lvl="1"/>
+            <a:r>
+              <a:rPr lang="en-US" dirty="0" smtClean="0"/>
+              <a:t>Class-based statically-typed languages</a:t>
+            </a:r>
+          </a:p>
+          <a:p>
+            <a:r>
+              <a:rPr lang="en-US" dirty="0" smtClean="0"/>
+              <a:t>Based on examples</a:t>
+            </a:r>
+          </a:p>
+          <a:p>
+            <a:pPr marL="0" indent="0">
+              <a:buNone/>
+            </a:pPr>
+            <a:endParaRPr lang="en-US" dirty="0" smtClean="0"/>
           </a:p>
           <a:p>
             <a:endParaRPr lang="en-US" dirty="0"/>
@@ -5658,122 +5936,6 @@
           <a:chExt cx="0" cy="0"/>
         </a:xfrm>
       </p:grpSpPr>
-      <p:sp>
-        <p:nvSpPr>
-          <p:cNvPr id="2" name="Title 1"/>
-          <p:cNvSpPr>
-            <a:spLocks noGrp="1"/>
-          </p:cNvSpPr>
-          <p:nvPr>
-            <p:ph type="title"/>
-          </p:nvPr>
-        </p:nvSpPr>
-        <p:spPr/>
-        <p:txBody>
-          <a:bodyPr/>
-          <a:lstStyle/>
-          <a:p>
-            <a:endParaRPr lang="en-US" dirty="0"/>
-          </a:p>
-        </p:txBody>
-      </p:sp>
-      <p:sp>
-        <p:nvSpPr>
-          <p:cNvPr id="3" name="Content Placeholder 2"/>
-          <p:cNvSpPr>
-            <a:spLocks noGrp="1"/>
-          </p:cNvSpPr>
-          <p:nvPr>
-            <p:ph idx="1"/>
-          </p:nvPr>
-        </p:nvSpPr>
-        <p:spPr/>
-        <p:txBody>
-          <a:bodyPr/>
-          <a:lstStyle/>
-          <a:p>
-            <a:r>
-              <a:rPr lang="en-US" dirty="0" smtClean="0"/>
-              <a:t>YOU MUST UNLEARN !</a:t>
-            </a:r>
-          </a:p>
-          <a:p>
-            <a:r>
-              <a:rPr lang="fr-FR" dirty="0"/>
-              <a:t> </a:t>
-            </a:r>
-          </a:p>
-          <a:p>
-            <a:r>
-              <a:rPr lang="fr-FR" dirty="0" err="1"/>
-              <a:t>Who</a:t>
-            </a:r>
-            <a:r>
-              <a:rPr lang="fr-FR" dirty="0"/>
-              <a:t> has </a:t>
-            </a:r>
-            <a:r>
-              <a:rPr lang="fr-FR" dirty="0" err="1"/>
-              <a:t>used</a:t>
-            </a:r>
-            <a:r>
-              <a:rPr lang="fr-FR" dirty="0"/>
-              <a:t> </a:t>
-            </a:r>
-            <a:r>
-              <a:rPr lang="fr-FR" dirty="0" err="1"/>
-              <a:t>some</a:t>
-            </a:r>
-            <a:r>
-              <a:rPr lang="fr-FR" dirty="0"/>
-              <a:t> sort of </a:t>
-            </a:r>
-            <a:r>
-              <a:rPr lang="fr-FR" dirty="0" err="1"/>
-              <a:t>IoC</a:t>
-            </a:r>
-            <a:r>
-              <a:rPr lang="fr-FR" dirty="0"/>
-              <a:t> Container / DI Container </a:t>
-            </a:r>
-            <a:r>
-              <a:rPr lang="fr-FR" dirty="0" err="1"/>
-              <a:t>like</a:t>
-            </a:r>
-            <a:r>
-              <a:rPr lang="fr-FR" dirty="0"/>
-              <a:t> </a:t>
-            </a:r>
-            <a:r>
-              <a:rPr lang="fr-FR" dirty="0" err="1"/>
-              <a:t>Unity</a:t>
-            </a:r>
-            <a:r>
-              <a:rPr lang="fr-FR" dirty="0"/>
-              <a:t>, </a:t>
-            </a:r>
-            <a:r>
-              <a:rPr lang="fr-FR" dirty="0" err="1"/>
-              <a:t>Ninject</a:t>
-            </a:r>
-            <a:r>
-              <a:rPr lang="fr-FR" dirty="0"/>
-              <a:t>, </a:t>
-            </a:r>
-            <a:r>
-              <a:rPr lang="fr-FR" dirty="0" err="1"/>
-              <a:t>Autofac</a:t>
-            </a:r>
-            <a:r>
-              <a:rPr lang="fr-FR" dirty="0"/>
-              <a:t> … ?</a:t>
-            </a:r>
-          </a:p>
-          <a:p>
-            <a:endParaRPr lang="en-US" dirty="0"/>
-          </a:p>
-        </p:txBody>
-      </p:sp>
       <p:pic>
         <p:nvPicPr>
           <p:cNvPr id="1026" name="Picture 2" descr="http://2.bp.blogspot.com/-wFAM1wOjtSA/UrPXBNzJTsI/AAAAAAAACgk/xackmNcLQzI/s1600/Master-Yoda.opt_.2.png"/>
@@ -5797,7 +5959,7 @@
         </p:blipFill>
         <p:spPr bwMode="auto">
           <a:xfrm>
-            <a:off x="1619672" y="836712"/>
+            <a:off x="1763688" y="577264"/>
             <a:ext cx="5715000" cy="5715000"/>
           </a:xfrm>
           <a:prstGeom prst="rect">
@@ -5869,119 +6031,39 @@
           <a:p>
             <a:r>
               <a:rPr lang="en-US" dirty="0" smtClean="0"/>
-              <a:t>Dependency Injectio</a:t>
-            </a:r>
-            <a:r>
-              <a:rPr lang="en-US" dirty="0"/>
-              <a:t>n</a:t>
-            </a:r>
-          </a:p>
-        </p:txBody>
-      </p:sp>
-      <p:sp>
-        <p:nvSpPr>
-          <p:cNvPr id="3" name="Content Placeholder 2"/>
-          <p:cNvSpPr>
-            <a:spLocks noGrp="1"/>
-          </p:cNvSpPr>
-          <p:nvPr>
-            <p:ph idx="1"/>
-          </p:nvPr>
-        </p:nvSpPr>
-        <p:spPr/>
-        <p:txBody>
-          <a:bodyPr/>
-          <a:lstStyle/>
-          <a:p>
-            <a:r>
-              <a:rPr lang="fr-FR" dirty="0" err="1"/>
-              <a:t>Dependency</a:t>
-            </a:r>
-            <a:r>
-              <a:rPr lang="fr-FR" dirty="0"/>
-              <a:t> Injection </a:t>
-            </a:r>
-            <a:r>
-              <a:rPr lang="fr-FR" dirty="0" err="1"/>
-              <a:t>is</a:t>
-            </a:r>
-            <a:r>
-              <a:rPr lang="fr-FR" dirty="0"/>
-              <a:t> a set of practices </a:t>
-            </a:r>
-            <a:r>
-              <a:rPr lang="fr-FR" dirty="0" err="1"/>
-              <a:t>that</a:t>
-            </a:r>
-            <a:r>
-              <a:rPr lang="fr-FR" dirty="0"/>
-              <a:t> </a:t>
-            </a:r>
-            <a:r>
-              <a:rPr lang="fr-FR" dirty="0" err="1"/>
-              <a:t>allow</a:t>
-            </a:r>
-            <a:r>
-              <a:rPr lang="fr-FR" dirty="0"/>
-              <a:t> to </a:t>
-            </a:r>
-            <a:r>
-              <a:rPr lang="fr-FR" dirty="0" err="1"/>
-              <a:t>build</a:t>
-            </a:r>
-            <a:r>
-              <a:rPr lang="fr-FR" dirty="0"/>
-              <a:t> </a:t>
-            </a:r>
-            <a:r>
-              <a:rPr lang="fr-FR" dirty="0" err="1"/>
-              <a:t>loosely</a:t>
-            </a:r>
-            <a:r>
-              <a:rPr lang="fr-FR" dirty="0"/>
-              <a:t> </a:t>
-            </a:r>
-            <a:r>
-              <a:rPr lang="fr-FR" dirty="0" err="1"/>
-              <a:t>coupled</a:t>
-            </a:r>
-            <a:r>
-              <a:rPr lang="fr-FR" dirty="0"/>
-              <a:t> applications </a:t>
-            </a:r>
-            <a:endParaRPr lang="fr-FR" dirty="0" smtClean="0"/>
-          </a:p>
-          <a:p>
-            <a:endParaRPr lang="fr-FR" dirty="0"/>
-          </a:p>
-          <a:p>
-            <a:r>
-              <a:rPr lang="fr-FR" dirty="0" smtClean="0"/>
-              <a:t>Not a </a:t>
-            </a:r>
-            <a:r>
-              <a:rPr lang="fr-FR" dirty="0" err="1" smtClean="0"/>
-              <a:t>tool</a:t>
-            </a:r>
-            <a:endParaRPr lang="fr-FR" dirty="0" smtClean="0"/>
-          </a:p>
-          <a:p>
-            <a:r>
-              <a:rPr lang="fr-FR" dirty="0" smtClean="0"/>
-              <a:t>Not a </a:t>
-            </a:r>
-            <a:r>
-              <a:rPr lang="fr-FR" dirty="0" err="1" smtClean="0"/>
-              <a:t>framework</a:t>
-            </a:r>
-            <a:endParaRPr lang="en-US" dirty="0" smtClean="0"/>
+              <a:t>Dependency Injection</a:t>
+            </a:r>
+            <a:endParaRPr lang="en-US" dirty="0"/>
+          </a:p>
+        </p:txBody>
+      </p:sp>
+      <p:sp>
+        <p:nvSpPr>
+          <p:cNvPr id="3" name="Text Placeholder 2"/>
+          <p:cNvSpPr>
+            <a:spLocks noGrp="1"/>
+          </p:cNvSpPr>
+          <p:nvPr>
+            <p:ph type="body" idx="1"/>
+          </p:nvPr>
+        </p:nvSpPr>
+        <p:spPr/>
+        <p:txBody>
+          <a:bodyPr/>
+          <a:lstStyle/>
+          <a:p>
+            <a:r>
+              <a:rPr lang="en-US" dirty="0" smtClean="0"/>
+              <a:t>What ?</a:t>
+            </a:r>
+            <a:endParaRPr lang="en-US" dirty="0"/>
           </a:p>
         </p:txBody>
       </p:sp>
     </p:spTree>
     <p:extLst>
       <p:ext uri="{BB962C8B-B14F-4D97-AF65-F5344CB8AC3E}">
-        <p14:creationId xmlns:p14="http://schemas.microsoft.com/office/powerpoint/2010/main" val="1627036358"/>
+        <p14:creationId xmlns:p14="http://schemas.microsoft.com/office/powerpoint/2010/main" val="201948384"/>
       </p:ext>
     </p:extLst>
   </p:cSld>
@@ -6032,91 +6114,123 @@
           <a:p>
             <a:r>
               <a:rPr lang="en-US" dirty="0" smtClean="0"/>
-              <a:t>Loosely coupled code</a:t>
-            </a:r>
-            <a:endParaRPr lang="en-US" dirty="0"/>
-          </a:p>
-        </p:txBody>
-      </p:sp>
-      <p:sp>
-        <p:nvSpPr>
-          <p:cNvPr id="3" name="Content Placeholder 2"/>
-          <p:cNvSpPr>
-            <a:spLocks noGrp="1"/>
-          </p:cNvSpPr>
-          <p:nvPr>
-            <p:ph idx="1"/>
-          </p:nvPr>
-        </p:nvSpPr>
-        <p:spPr/>
-        <p:txBody>
-          <a:bodyPr>
-            <a:normAutofit fontScale="92500" lnSpcReduction="20000"/>
+              <a:t>Dependency Injectio</a:t>
+            </a:r>
+            <a:r>
+              <a:rPr lang="en-US" dirty="0"/>
+              <a:t>n</a:t>
+            </a:r>
+          </a:p>
+        </p:txBody>
+      </p:sp>
+      <p:sp>
+        <p:nvSpPr>
+          <p:cNvPr id="4" name="Rectangle 3"/>
+          <p:cNvSpPr/>
+          <p:nvPr/>
+        </p:nvSpPr>
+        <p:spPr>
+          <a:xfrm>
+            <a:off x="323528" y="1534642"/>
+            <a:ext cx="8424936" cy="1077218"/>
+          </a:xfrm>
+          <a:prstGeom prst="rect">
+            <a:avLst/>
+          </a:prstGeom>
+          <a:ln>
+            <a:solidFill>
+              <a:schemeClr val="accent1"/>
+            </a:solidFill>
+          </a:ln>
+        </p:spPr>
+        <p:txBody>
+          <a:bodyPr wrap="square">
+            <a:spAutoFit/>
           </a:bodyPr>
           <a:lstStyle/>
           <a:p>
-            <a:r>
-              <a:rPr lang="en-US" dirty="0" smtClean="0"/>
-              <a:t>Independent components</a:t>
-            </a:r>
-          </a:p>
-          <a:p>
-            <a:r>
-              <a:rPr lang="en-US" dirty="0" smtClean="0"/>
-              <a:t>Reusable</a:t>
-            </a:r>
-          </a:p>
-          <a:p>
-            <a:r>
-              <a:rPr lang="en-US" dirty="0" smtClean="0"/>
-              <a:t>Interchangeable</a:t>
-            </a:r>
-          </a:p>
-          <a:p>
-            <a:r>
-              <a:rPr lang="en-US" dirty="0" smtClean="0"/>
-              <a:t>Glued together to form a bigger system</a:t>
-            </a:r>
-          </a:p>
-          <a:p>
-            <a:r>
-              <a:rPr lang="en-US" dirty="0" smtClean="0"/>
-              <a:t> TODO: image ? Big containing application + components that do not really know each other’s internals</a:t>
-            </a:r>
-          </a:p>
-          <a:p>
-            <a:r>
-              <a:rPr lang="en-US" dirty="0" smtClean="0"/>
-              <a:t>Ultimate goal : </a:t>
-            </a:r>
-          </a:p>
-          <a:p>
-            <a:pPr lvl="1"/>
-            <a:r>
-              <a:rPr lang="en-US" dirty="0" smtClean="0"/>
-              <a:t>Maintainability : change should impact only a module</a:t>
-            </a:r>
-          </a:p>
-          <a:p>
-            <a:pPr lvl="1"/>
-            <a:r>
-              <a:rPr lang="en-US" dirty="0" smtClean="0"/>
-              <a:t>Make the system evolve without pain</a:t>
-            </a:r>
-            <a:endParaRPr lang="en-US" dirty="0"/>
+            <a:pPr algn="ctr"/>
+            <a:r>
+              <a:rPr lang="fr-FR" sz="3200" b="1" i="1" dirty="0" err="1"/>
+              <a:t>Dependency</a:t>
+            </a:r>
+            <a:r>
+              <a:rPr lang="fr-FR" sz="3200" b="1" i="1" dirty="0"/>
+              <a:t> Injection </a:t>
+            </a:r>
+            <a:r>
+              <a:rPr lang="fr-FR" sz="3200" i="1" dirty="0" err="1"/>
+              <a:t>is</a:t>
+            </a:r>
+            <a:r>
+              <a:rPr lang="fr-FR" sz="3200" i="1" dirty="0"/>
+              <a:t> a set of practices </a:t>
+            </a:r>
+            <a:r>
+              <a:rPr lang="fr-FR" sz="3200" i="1" dirty="0" err="1"/>
+              <a:t>that</a:t>
+            </a:r>
+            <a:r>
+              <a:rPr lang="fr-FR" sz="3200" i="1" dirty="0"/>
+              <a:t> </a:t>
+            </a:r>
+            <a:r>
+              <a:rPr lang="fr-FR" sz="3200" i="1" dirty="0" err="1"/>
+              <a:t>allow</a:t>
+            </a:r>
+            <a:r>
+              <a:rPr lang="fr-FR" sz="3200" i="1" dirty="0"/>
+              <a:t> to </a:t>
+            </a:r>
+            <a:r>
+              <a:rPr lang="fr-FR" sz="3200" i="1" dirty="0" err="1"/>
+              <a:t>build</a:t>
+            </a:r>
+            <a:r>
+              <a:rPr lang="fr-FR" sz="3200" i="1" dirty="0"/>
+              <a:t> </a:t>
+            </a:r>
+            <a:r>
+              <a:rPr lang="fr-FR" sz="3200" i="1" dirty="0" err="1"/>
+              <a:t>loosely</a:t>
+            </a:r>
+            <a:r>
+              <a:rPr lang="fr-FR" sz="3200" i="1" dirty="0"/>
+              <a:t> </a:t>
+            </a:r>
+            <a:r>
+              <a:rPr lang="fr-FR" sz="3200" i="1" dirty="0" err="1"/>
+              <a:t>coupled</a:t>
+            </a:r>
+            <a:r>
+              <a:rPr lang="fr-FR" sz="3200" i="1" dirty="0"/>
+              <a:t> </a:t>
+            </a:r>
+            <a:r>
+              <a:rPr lang="fr-FR" sz="3200" i="1" dirty="0" smtClean="0"/>
+              <a:t>applications</a:t>
+            </a:r>
+            <a:endParaRPr lang="fr-FR" sz="3200" i="1" dirty="0"/>
           </a:p>
         </p:txBody>
       </p:sp>
     </p:spTree>
     <p:extLst>
       <p:ext uri="{BB962C8B-B14F-4D97-AF65-F5344CB8AC3E}">
-        <p14:creationId xmlns:p14="http://schemas.microsoft.com/office/powerpoint/2010/main" val="155522706"/>
+        <p14:creationId xmlns:p14="http://schemas.microsoft.com/office/powerpoint/2010/main" val="2306193518"/>
       </p:ext>
     </p:extLst>
   </p:cSld>
   <p:clrMapOvr>
     <a:masterClrMapping/>
   </p:clrMapOvr>
+  <p:timing>
+    <p:tnLst>
+      <p:par>
+        <p:cTn id="1" dur="indefinite" restart="never" nodeType="tmRoot"/>
+      </p:par>
+    </p:tnLst>
+  </p:timing>
 </p:sld>
 </file>
 
@@ -6154,41 +6268,302 @@
           <a:p>
             <a:r>
               <a:rPr lang="en-US" dirty="0" smtClean="0"/>
-              <a:t>Example</a:t>
+              <a:t>Dependency Injectio</a:t>
+            </a:r>
+            <a:r>
+              <a:rPr lang="en-US" dirty="0"/>
+              <a:t>n</a:t>
+            </a:r>
+          </a:p>
+        </p:txBody>
+      </p:sp>
+      <p:sp>
+        <p:nvSpPr>
+          <p:cNvPr id="3" name="Content Placeholder 2"/>
+          <p:cNvSpPr>
+            <a:spLocks noGrp="1"/>
+          </p:cNvSpPr>
+          <p:nvPr>
+            <p:ph sz="half" idx="1"/>
+          </p:nvPr>
+        </p:nvSpPr>
+        <p:spPr>
+          <a:xfrm>
+            <a:off x="457200" y="2996952"/>
+            <a:ext cx="4038600" cy="3129211"/>
+          </a:xfrm>
+        </p:spPr>
+        <p:txBody>
+          <a:bodyPr numCol="1">
+            <a:normAutofit/>
+          </a:bodyPr>
+          <a:lstStyle/>
+          <a:p>
+            <a:pPr marL="0" indent="0">
+              <a:buNone/>
+            </a:pPr>
+            <a:r>
+              <a:rPr lang="fr-FR" dirty="0" err="1" smtClean="0"/>
+              <a:t>It’s</a:t>
+            </a:r>
+            <a:r>
+              <a:rPr lang="fr-FR" dirty="0" smtClean="0"/>
+              <a:t> NOT : </a:t>
+            </a:r>
+          </a:p>
+          <a:p>
+            <a:pPr lvl="1"/>
+            <a:r>
+              <a:rPr lang="fr-FR" dirty="0"/>
+              <a:t>A</a:t>
+            </a:r>
+            <a:r>
+              <a:rPr lang="fr-FR" dirty="0" smtClean="0"/>
+              <a:t> </a:t>
+            </a:r>
+            <a:r>
+              <a:rPr lang="fr-FR" dirty="0" err="1" smtClean="0"/>
+              <a:t>library</a:t>
+            </a:r>
+            <a:endParaRPr lang="fr-FR" dirty="0" smtClean="0"/>
+          </a:p>
+          <a:p>
+            <a:pPr lvl="1"/>
+            <a:r>
+              <a:rPr lang="fr-FR" dirty="0" smtClean="0"/>
+              <a:t>A </a:t>
+            </a:r>
+            <a:r>
+              <a:rPr lang="fr-FR" dirty="0" err="1" smtClean="0"/>
+              <a:t>framework</a:t>
+            </a:r>
+            <a:endParaRPr lang="fr-FR" dirty="0" smtClean="0"/>
+          </a:p>
+          <a:p>
+            <a:pPr lvl="1"/>
+            <a:r>
+              <a:rPr lang="fr-FR" dirty="0"/>
+              <a:t>A</a:t>
+            </a:r>
+            <a:r>
+              <a:rPr lang="fr-FR" dirty="0" smtClean="0"/>
+              <a:t> </a:t>
+            </a:r>
+            <a:r>
+              <a:rPr lang="fr-FR" dirty="0" err="1" smtClean="0"/>
+              <a:t>tool</a:t>
+            </a:r>
+            <a:endParaRPr lang="fr-FR" dirty="0" smtClean="0"/>
+          </a:p>
+        </p:txBody>
+      </p:sp>
+      <p:sp>
+        <p:nvSpPr>
+          <p:cNvPr id="9" name="Content Placeholder 8"/>
+          <p:cNvSpPr>
+            <a:spLocks noGrp="1"/>
+          </p:cNvSpPr>
+          <p:nvPr>
+            <p:ph sz="half" idx="2"/>
+          </p:nvPr>
+        </p:nvSpPr>
+        <p:spPr>
+          <a:xfrm>
+            <a:off x="4648200" y="2996952"/>
+            <a:ext cx="4038600" cy="3129211"/>
+          </a:xfrm>
+        </p:spPr>
+        <p:txBody>
+          <a:bodyPr>
+            <a:normAutofit/>
+          </a:bodyPr>
+          <a:lstStyle/>
+          <a:p>
+            <a:pPr marL="0" indent="0">
+              <a:buNone/>
+            </a:pPr>
+            <a:r>
+              <a:rPr lang="fr-FR" dirty="0" smtClean="0"/>
+              <a:t>It IS : </a:t>
+            </a:r>
+          </a:p>
+          <a:p>
+            <a:r>
+              <a:rPr lang="fr-FR" dirty="0" smtClean="0"/>
+              <a:t>A </a:t>
+            </a:r>
+            <a:r>
+              <a:rPr lang="fr-FR" dirty="0" err="1" smtClean="0"/>
+              <a:t>way</a:t>
+            </a:r>
+            <a:r>
+              <a:rPr lang="fr-FR" dirty="0" smtClean="0"/>
+              <a:t> of </a:t>
+            </a:r>
+            <a:r>
+              <a:rPr lang="fr-FR" dirty="0" err="1" smtClean="0"/>
+              <a:t>thinking</a:t>
+            </a:r>
+            <a:endParaRPr lang="fr-FR" dirty="0" smtClean="0"/>
+          </a:p>
+          <a:p>
+            <a:r>
+              <a:rPr lang="fr-FR" dirty="0" smtClean="0"/>
+              <a:t>A </a:t>
+            </a:r>
+            <a:r>
+              <a:rPr lang="fr-FR" dirty="0" err="1"/>
+              <a:t>way</a:t>
+            </a:r>
+            <a:r>
+              <a:rPr lang="fr-FR" dirty="0"/>
+              <a:t> of </a:t>
+            </a:r>
+            <a:r>
+              <a:rPr lang="fr-FR" dirty="0" err="1"/>
+              <a:t>designing</a:t>
+            </a:r>
+            <a:r>
+              <a:rPr lang="fr-FR" dirty="0"/>
+              <a:t> code</a:t>
+            </a:r>
+          </a:p>
+          <a:p>
+            <a:r>
+              <a:rPr lang="fr-FR" dirty="0"/>
+              <a:t>General </a:t>
+            </a:r>
+            <a:r>
+              <a:rPr lang="fr-FR" dirty="0" smtClean="0"/>
+              <a:t>guidelines</a:t>
             </a:r>
             <a:endParaRPr lang="en-US" dirty="0"/>
           </a:p>
-        </p:txBody>
-      </p:sp>
-      <p:sp>
-        <p:nvSpPr>
-          <p:cNvPr id="3" name="Content Placeholder 2"/>
-          <p:cNvSpPr>
-            <a:spLocks noGrp="1"/>
-          </p:cNvSpPr>
-          <p:nvPr>
-            <p:ph idx="1"/>
-          </p:nvPr>
-        </p:nvSpPr>
-        <p:spPr/>
-        <p:txBody>
-          <a:bodyPr/>
-          <a:lstStyle/>
-          <a:p>
-            <a:endParaRPr lang="en-US" dirty="0" smtClean="0"/>
+          <a:p>
+            <a:endParaRPr lang="en-US" dirty="0"/>
+          </a:p>
+        </p:txBody>
+      </p:sp>
+      <p:sp>
+        <p:nvSpPr>
+          <p:cNvPr id="4" name="Rectangle 3"/>
+          <p:cNvSpPr/>
+          <p:nvPr/>
+        </p:nvSpPr>
+        <p:spPr>
+          <a:xfrm>
+            <a:off x="323528" y="1534642"/>
+            <a:ext cx="8424936" cy="1077218"/>
+          </a:xfrm>
+          <a:prstGeom prst="rect">
+            <a:avLst/>
+          </a:prstGeom>
+          <a:ln>
+            <a:solidFill>
+              <a:schemeClr val="accent1"/>
+            </a:solidFill>
+          </a:ln>
+        </p:spPr>
+        <p:txBody>
+          <a:bodyPr wrap="square">
+            <a:spAutoFit/>
+          </a:bodyPr>
+          <a:lstStyle/>
+          <a:p>
+            <a:pPr algn="ctr"/>
+            <a:r>
+              <a:rPr lang="fr-FR" sz="3200" b="1" i="1" dirty="0" err="1"/>
+              <a:t>Dependency</a:t>
+            </a:r>
+            <a:r>
+              <a:rPr lang="fr-FR" sz="3200" b="1" i="1" dirty="0"/>
+              <a:t> Injection</a:t>
+            </a:r>
+            <a:r>
+              <a:rPr lang="fr-FR" sz="3200" i="1" dirty="0"/>
+              <a:t> </a:t>
+            </a:r>
+            <a:r>
+              <a:rPr lang="fr-FR" sz="3200" i="1" dirty="0" err="1"/>
+              <a:t>is</a:t>
+            </a:r>
+            <a:r>
+              <a:rPr lang="fr-FR" sz="3200" i="1" dirty="0"/>
+              <a:t> a </a:t>
+            </a:r>
+            <a:r>
+              <a:rPr lang="fr-FR" sz="3200" b="1" i="1" dirty="0"/>
+              <a:t>set of practices</a:t>
+            </a:r>
+            <a:r>
+              <a:rPr lang="fr-FR" sz="3200" i="1" dirty="0"/>
+              <a:t> </a:t>
+            </a:r>
+            <a:r>
+              <a:rPr lang="fr-FR" sz="3200" i="1" dirty="0" err="1"/>
+              <a:t>that</a:t>
+            </a:r>
+            <a:r>
+              <a:rPr lang="fr-FR" sz="3200" i="1" dirty="0"/>
+              <a:t> </a:t>
+            </a:r>
+            <a:r>
+              <a:rPr lang="fr-FR" sz="3200" i="1" dirty="0" err="1"/>
+              <a:t>allow</a:t>
+            </a:r>
+            <a:r>
+              <a:rPr lang="fr-FR" sz="3200" i="1" dirty="0"/>
+              <a:t> to </a:t>
+            </a:r>
+            <a:r>
+              <a:rPr lang="fr-FR" sz="3200" i="1" dirty="0" err="1"/>
+              <a:t>build</a:t>
+            </a:r>
+            <a:r>
+              <a:rPr lang="fr-FR" sz="3200" i="1" dirty="0"/>
+              <a:t> </a:t>
+            </a:r>
+            <a:r>
+              <a:rPr lang="fr-FR" sz="3200" i="1" dirty="0" err="1"/>
+              <a:t>loosely</a:t>
+            </a:r>
+            <a:r>
+              <a:rPr lang="fr-FR" sz="3200" i="1" dirty="0"/>
+              <a:t> </a:t>
+            </a:r>
+            <a:r>
+              <a:rPr lang="fr-FR" sz="3200" i="1" dirty="0" err="1"/>
+              <a:t>coupled</a:t>
+            </a:r>
+            <a:r>
+              <a:rPr lang="fr-FR" sz="3200" i="1" dirty="0"/>
+              <a:t> </a:t>
+            </a:r>
+            <a:r>
+              <a:rPr lang="fr-FR" sz="3200" i="1" dirty="0" smtClean="0"/>
+              <a:t>applications</a:t>
+            </a:r>
+            <a:endParaRPr lang="fr-FR" sz="3200" i="1" dirty="0"/>
           </a:p>
         </p:txBody>
       </p:sp>
     </p:spTree>
     <p:extLst>
       <p:ext uri="{BB962C8B-B14F-4D97-AF65-F5344CB8AC3E}">
-        <p14:creationId xmlns:p14="http://schemas.microsoft.com/office/powerpoint/2010/main" val="3704436838"/>
+        <p14:creationId xmlns:p14="http://schemas.microsoft.com/office/powerpoint/2010/main" val="1627036358"/>
       </p:ext>
     </p:extLst>
   </p:cSld>
   <p:clrMapOvr>
     <a:masterClrMapping/>
   </p:clrMapOvr>
+  <p:timing>
+    <p:tnLst>
+      <p:par>
+        <p:cTn id="1" dur="indefinite" restart="never" nodeType="tmRoot"/>
+      </p:par>
+    </p:tnLst>
+  </p:timing>
 </p:sld>
 </file>
 
@@ -6226,9 +6601,12 @@
           <a:p>
             <a:r>
               <a:rPr lang="en-US" dirty="0" smtClean="0"/>
-              <a:t>Tightly coupled code</a:t>
-            </a:r>
-            <a:endParaRPr lang="en-US" dirty="0"/>
+              <a:t>Dependency Injectio</a:t>
+            </a:r>
+            <a:r>
+              <a:rPr lang="en-US" dirty="0"/>
+              <a:t>n</a:t>
+            </a:r>
           </a:p>
         </p:txBody>
       </p:sp>
@@ -6242,25 +6620,188 @@
             <p:ph idx="1"/>
           </p:nvPr>
         </p:nvSpPr>
-        <p:spPr/>
-        <p:txBody>
-          <a:bodyPr/>
-          <a:lstStyle/>
-          <a:p>
-            <a:endParaRPr lang="en-US"/>
+        <p:spPr>
+          <a:xfrm>
+            <a:off x="457200" y="2924944"/>
+            <a:ext cx="8229600" cy="3201219"/>
+          </a:xfrm>
+        </p:spPr>
+        <p:txBody>
+          <a:bodyPr numCol="1">
+            <a:normAutofit/>
+          </a:bodyPr>
+          <a:lstStyle/>
+          <a:p>
+            <a:pPr marL="0" indent="0">
+              <a:buNone/>
+            </a:pPr>
+            <a:r>
+              <a:rPr lang="fr-FR" dirty="0" err="1" smtClean="0"/>
+              <a:t>It’s</a:t>
+            </a:r>
+            <a:r>
+              <a:rPr lang="fr-FR" dirty="0" smtClean="0"/>
+              <a:t> NOT : </a:t>
+            </a:r>
+          </a:p>
+          <a:p>
+            <a:pPr lvl="1"/>
+            <a:r>
+              <a:rPr lang="fr-FR" dirty="0"/>
+              <a:t>A</a:t>
+            </a:r>
+            <a:r>
+              <a:rPr lang="fr-FR" dirty="0" smtClean="0"/>
+              <a:t> </a:t>
+            </a:r>
+            <a:r>
+              <a:rPr lang="fr-FR" dirty="0" err="1" smtClean="0"/>
+              <a:t>library</a:t>
+            </a:r>
+            <a:endParaRPr lang="fr-FR" dirty="0" smtClean="0"/>
+          </a:p>
+          <a:p>
+            <a:pPr lvl="1"/>
+            <a:r>
+              <a:rPr lang="fr-FR" dirty="0" smtClean="0"/>
+              <a:t>A </a:t>
+            </a:r>
+            <a:r>
+              <a:rPr lang="fr-FR" dirty="0" err="1" smtClean="0"/>
+              <a:t>framework</a:t>
+            </a:r>
+            <a:endParaRPr lang="fr-FR" dirty="0" smtClean="0"/>
+          </a:p>
+          <a:p>
+            <a:pPr lvl="1"/>
+            <a:r>
+              <a:rPr lang="fr-FR" dirty="0"/>
+              <a:t>A</a:t>
+            </a:r>
+            <a:r>
+              <a:rPr lang="fr-FR" dirty="0" smtClean="0"/>
+              <a:t> </a:t>
+            </a:r>
+            <a:r>
+              <a:rPr lang="fr-FR" dirty="0" err="1" smtClean="0"/>
+              <a:t>tool</a:t>
+            </a:r>
+            <a:endParaRPr lang="fr-FR" dirty="0" smtClean="0"/>
+          </a:p>
+        </p:txBody>
+      </p:sp>
+      <p:sp>
+        <p:nvSpPr>
+          <p:cNvPr id="4" name="Rectangle 3"/>
+          <p:cNvSpPr/>
+          <p:nvPr/>
+        </p:nvSpPr>
+        <p:spPr>
+          <a:xfrm>
+            <a:off x="323528" y="1534642"/>
+            <a:ext cx="8424936" cy="1077218"/>
+          </a:xfrm>
+          <a:prstGeom prst="rect">
+            <a:avLst/>
+          </a:prstGeom>
+          <a:ln>
+            <a:solidFill>
+              <a:schemeClr val="accent1"/>
+            </a:solidFill>
+          </a:ln>
+        </p:spPr>
+        <p:txBody>
+          <a:bodyPr wrap="square">
+            <a:spAutoFit/>
+          </a:bodyPr>
+          <a:lstStyle/>
+          <a:p>
+            <a:pPr algn="ctr"/>
+            <a:r>
+              <a:rPr lang="fr-FR" sz="3200" b="1" i="1" dirty="0" err="1"/>
+              <a:t>Dependency</a:t>
+            </a:r>
+            <a:r>
+              <a:rPr lang="fr-FR" sz="3200" b="1" i="1" dirty="0"/>
+              <a:t> Injection</a:t>
+            </a:r>
+            <a:r>
+              <a:rPr lang="fr-FR" sz="3200" i="1" dirty="0"/>
+              <a:t> </a:t>
+            </a:r>
+            <a:r>
+              <a:rPr lang="fr-FR" sz="3200" i="1" dirty="0" err="1"/>
+              <a:t>is</a:t>
+            </a:r>
+            <a:r>
+              <a:rPr lang="fr-FR" sz="3200" i="1" dirty="0"/>
+              <a:t> a set of practices </a:t>
+            </a:r>
+            <a:r>
+              <a:rPr lang="fr-FR" sz="3200" i="1" dirty="0" err="1"/>
+              <a:t>that</a:t>
+            </a:r>
+            <a:r>
+              <a:rPr lang="fr-FR" sz="3200" i="1" dirty="0"/>
+              <a:t> </a:t>
+            </a:r>
+            <a:r>
+              <a:rPr lang="fr-FR" sz="3200" i="1" dirty="0" err="1"/>
+              <a:t>allow</a:t>
+            </a:r>
+            <a:r>
+              <a:rPr lang="fr-FR" sz="3200" i="1" dirty="0"/>
+              <a:t> to </a:t>
+            </a:r>
+            <a:r>
+              <a:rPr lang="fr-FR" sz="3200" i="1" dirty="0" err="1"/>
+              <a:t>build</a:t>
+            </a:r>
+            <a:r>
+              <a:rPr lang="fr-FR" sz="3200" i="1" dirty="0"/>
+              <a:t> </a:t>
+            </a:r>
+            <a:r>
+              <a:rPr lang="fr-FR" sz="3200" b="1" i="1" dirty="0" err="1"/>
+              <a:t>loosely</a:t>
+            </a:r>
+            <a:r>
+              <a:rPr lang="fr-FR" sz="3200" b="1" i="1" dirty="0"/>
+              <a:t> </a:t>
+            </a:r>
+            <a:r>
+              <a:rPr lang="fr-FR" sz="3200" b="1" i="1" dirty="0" err="1"/>
+              <a:t>coupled</a:t>
+            </a:r>
+            <a:r>
+              <a:rPr lang="fr-FR" sz="3200" b="1" i="1" dirty="0"/>
+              <a:t> </a:t>
+            </a:r>
+            <a:r>
+              <a:rPr lang="fr-FR" sz="3200" b="1" i="1" dirty="0" smtClean="0"/>
+              <a:t>applications</a:t>
+            </a:r>
+            <a:endParaRPr lang="fr-FR" sz="3200" b="1" i="1" dirty="0"/>
           </a:p>
         </p:txBody>
       </p:sp>
     </p:spTree>
     <p:extLst>
       <p:ext uri="{BB962C8B-B14F-4D97-AF65-F5344CB8AC3E}">
-        <p14:creationId xmlns:p14="http://schemas.microsoft.com/office/powerpoint/2010/main" val="304151210"/>
+        <p14:creationId xmlns:p14="http://schemas.microsoft.com/office/powerpoint/2010/main" val="2660933576"/>
       </p:ext>
     </p:extLst>
   </p:cSld>
   <p:clrMapOvr>
     <a:masterClrMapping/>
   </p:clrMapOvr>
+  <p:timing>
+    <p:tnLst>
+      <p:par>
+        <p:cTn id="1" dur="indefinite" restart="never" nodeType="tmRoot"/>
+      </p:par>
+    </p:tnLst>
+  </p:timing>
 </p:sld>
 </file>
 
@@ -6298,7 +6839,7 @@
           <a:p>
             <a:r>
               <a:rPr lang="en-US" dirty="0" smtClean="0"/>
-              <a:t>Separation of Concerns (SRP)</a:t>
+              <a:t>Loosely coupled code</a:t>
             </a:r>
             <a:endParaRPr lang="en-US" dirty="0"/>
           </a:p>
@@ -6316,23 +6857,80 @@
         </p:nvSpPr>
         <p:spPr/>
         <p:txBody>
-          <a:bodyPr/>
-          <a:lstStyle/>
-          <a:p>
-            <a:endParaRPr lang="en-US"/>
+          <a:bodyPr>
+            <a:normAutofit fontScale="92500" lnSpcReduction="20000"/>
+          </a:bodyPr>
+          <a:lstStyle/>
+          <a:p>
+            <a:r>
+              <a:rPr lang="en-US" dirty="0" smtClean="0"/>
+              <a:t>Independent components</a:t>
+            </a:r>
+          </a:p>
+          <a:p>
+            <a:r>
+              <a:rPr lang="en-US" dirty="0" smtClean="0"/>
+              <a:t>Reusable</a:t>
+            </a:r>
+          </a:p>
+          <a:p>
+            <a:r>
+              <a:rPr lang="en-US" dirty="0" smtClean="0"/>
+              <a:t>Interchangeable</a:t>
+            </a:r>
+          </a:p>
+          <a:p>
+            <a:r>
+              <a:rPr lang="en-US" dirty="0" smtClean="0"/>
+              <a:t>Glued together to form a bigger system</a:t>
+            </a:r>
+          </a:p>
+          <a:p>
+            <a:r>
+              <a:rPr lang="en-US" dirty="0" smtClean="0"/>
+              <a:t> TODO: image ? Big containing application + components that do not really know each other’s internals</a:t>
+            </a:r>
+          </a:p>
+          <a:p>
+            <a:r>
+              <a:rPr lang="en-US" dirty="0" smtClean="0"/>
+              <a:t>Ultimate goal : </a:t>
+            </a:r>
+          </a:p>
+          <a:p>
+            <a:pPr lvl="1"/>
+            <a:r>
+              <a:rPr lang="en-US" dirty="0" smtClean="0"/>
+              <a:t>Maintainability : change should impact only a module</a:t>
+            </a:r>
+          </a:p>
+          <a:p>
+            <a:pPr lvl="1"/>
+            <a:r>
+              <a:rPr lang="en-US" dirty="0" smtClean="0"/>
+              <a:t>Make the system evolve without pain</a:t>
+            </a:r>
+            <a:endParaRPr lang="en-US" dirty="0"/>
           </a:p>
         </p:txBody>
       </p:sp>
     </p:spTree>
     <p:extLst>
       <p:ext uri="{BB962C8B-B14F-4D97-AF65-F5344CB8AC3E}">
-        <p14:creationId xmlns:p14="http://schemas.microsoft.com/office/powerpoint/2010/main" val="774879577"/>
+        <p14:creationId xmlns:p14="http://schemas.microsoft.com/office/powerpoint/2010/main" val="155522706"/>
       </p:ext>
     </p:extLst>
   </p:cSld>
   <p:clrMapOvr>
     <a:masterClrMapping/>
   </p:clrMapOvr>
+  <p:timing>
+    <p:tnLst>
+      <p:par>
+        <p:cTn id="1" dur="indefinite" restart="never" nodeType="tmRoot"/>
+      </p:par>
+    </p:tnLst>
+  </p:timing>
 </p:sld>
 </file>
 

--- a/Dependency Injection - the right way.pptx
+++ b/Dependency Injection - the right way.pptx
@@ -5,7 +5,7 @@
     <p:sldMasterId id="2147483648" r:id="rId1"/>
   </p:sldMasterIdLst>
   <p:notesMasterIdLst>
-    <p:notesMasterId r:id="rId29"/>
+    <p:notesMasterId r:id="rId30"/>
   </p:notesMasterIdLst>
   <p:sldIdLst>
     <p:sldId id="258" r:id="rId2"/>
@@ -17,24 +17,25 @@
     <p:sldId id="261" r:id="rId8"/>
     <p:sldId id="282" r:id="rId9"/>
     <p:sldId id="262" r:id="rId10"/>
-    <p:sldId id="263" r:id="rId11"/>
-    <p:sldId id="264" r:id="rId12"/>
-    <p:sldId id="265" r:id="rId13"/>
-    <p:sldId id="266" r:id="rId14"/>
-    <p:sldId id="267" r:id="rId15"/>
-    <p:sldId id="268" r:id="rId16"/>
-    <p:sldId id="269" r:id="rId17"/>
-    <p:sldId id="270" r:id="rId18"/>
-    <p:sldId id="271" r:id="rId19"/>
-    <p:sldId id="272" r:id="rId20"/>
-    <p:sldId id="273" r:id="rId21"/>
-    <p:sldId id="274" r:id="rId22"/>
-    <p:sldId id="275" r:id="rId23"/>
-    <p:sldId id="276" r:id="rId24"/>
-    <p:sldId id="277" r:id="rId25"/>
-    <p:sldId id="278" r:id="rId26"/>
-    <p:sldId id="279" r:id="rId27"/>
-    <p:sldId id="259" r:id="rId28"/>
+    <p:sldId id="283" r:id="rId11"/>
+    <p:sldId id="263" r:id="rId12"/>
+    <p:sldId id="264" r:id="rId13"/>
+    <p:sldId id="265" r:id="rId14"/>
+    <p:sldId id="266" r:id="rId15"/>
+    <p:sldId id="267" r:id="rId16"/>
+    <p:sldId id="268" r:id="rId17"/>
+    <p:sldId id="269" r:id="rId18"/>
+    <p:sldId id="270" r:id="rId19"/>
+    <p:sldId id="271" r:id="rId20"/>
+    <p:sldId id="272" r:id="rId21"/>
+    <p:sldId id="273" r:id="rId22"/>
+    <p:sldId id="274" r:id="rId23"/>
+    <p:sldId id="275" r:id="rId24"/>
+    <p:sldId id="276" r:id="rId25"/>
+    <p:sldId id="277" r:id="rId26"/>
+    <p:sldId id="278" r:id="rId27"/>
+    <p:sldId id="279" r:id="rId28"/>
+    <p:sldId id="259" r:id="rId29"/>
   </p:sldIdLst>
   <p:sldSz cx="9144000" cy="6858000" type="screen4x3"/>
   <p:notesSz cx="6858000" cy="9144000"/>
@@ -151,6 +152,7 @@
             <p14:sldId id="261"/>
             <p14:sldId id="282"/>
             <p14:sldId id="262"/>
+            <p14:sldId id="283"/>
             <p14:sldId id="263"/>
             <p14:sldId id="264"/>
             <p14:sldId id="265"/>
@@ -827,6 +829,133 @@
 </file>
 
 <file path=ppt/notesSlides/notesSlide4.xml><?xml version="1.0" encoding="utf-8"?>
+<p:notes xmlns:a="http://schemas.openxmlformats.org/drawingml/2006/main" xmlns:r="http://schemas.openxmlformats.org/officeDocument/2006/relationships" xmlns:p="http://schemas.openxmlformats.org/presentationml/2006/main">
+  <p:cSld>
+    <p:spTree>
+      <p:nvGrpSpPr>
+        <p:cNvPr id="1" name=""/>
+        <p:cNvGrpSpPr/>
+        <p:nvPr/>
+      </p:nvGrpSpPr>
+      <p:grpSpPr>
+        <a:xfrm>
+          <a:off x="0" y="0"/>
+          <a:ext cx="0" cy="0"/>
+          <a:chOff x="0" y="0"/>
+          <a:chExt cx="0" cy="0"/>
+        </a:xfrm>
+      </p:grpSpPr>
+      <p:sp>
+        <p:nvSpPr>
+          <p:cNvPr id="2" name="Slide Image Placeholder 1"/>
+          <p:cNvSpPr>
+            <a:spLocks noGrp="1" noRot="1" noChangeAspect="1"/>
+          </p:cNvSpPr>
+          <p:nvPr>
+            <p:ph type="sldImg"/>
+          </p:nvPr>
+        </p:nvSpPr>
+        <p:spPr/>
+      </p:sp>
+      <p:sp>
+        <p:nvSpPr>
+          <p:cNvPr id="3" name="Notes Placeholder 2"/>
+          <p:cNvSpPr>
+            <a:spLocks noGrp="1"/>
+          </p:cNvSpPr>
+          <p:nvPr>
+            <p:ph type="body" idx="1"/>
+          </p:nvPr>
+        </p:nvSpPr>
+        <p:spPr/>
+        <p:txBody>
+          <a:bodyPr/>
+          <a:lstStyle/>
+          <a:p>
+            <a:r>
+              <a:rPr lang="en-US" dirty="0" smtClean="0"/>
+              <a:t>Comment : </a:t>
+            </a:r>
+          </a:p>
+          <a:p>
+            <a:r>
+              <a:rPr lang="en-US" dirty="0" smtClean="0"/>
+              <a:t>First encounter with need for loosely coupled code</a:t>
+            </a:r>
+            <a:r>
+              <a:rPr lang="en-US" baseline="0" dirty="0" smtClean="0"/>
+              <a:t> came from unit tests</a:t>
+            </a:r>
+          </a:p>
+          <a:p>
+            <a:r>
+              <a:rPr lang="en-US" baseline="0" dirty="0" smtClean="0"/>
+              <a:t>Who write unit tests here ? Anybody who writes unit tests first ? </a:t>
+            </a:r>
+            <a:endParaRPr lang="en-US" dirty="0" smtClean="0"/>
+          </a:p>
+          <a:p>
+            <a:r>
+              <a:rPr lang="en-US" dirty="0" smtClean="0"/>
+              <a:t>First encounter where you code MUST</a:t>
+            </a:r>
+            <a:r>
+              <a:rPr lang="en-US" baseline="0" dirty="0" smtClean="0"/>
+              <a:t> BE loosely coupled : unit tests ! Actually consume components out of the scope of the application</a:t>
+            </a:r>
+          </a:p>
+          <a:p>
+            <a:endParaRPr lang="en-US" baseline="0" dirty="0" smtClean="0"/>
+          </a:p>
+          <a:p>
+            <a:r>
+              <a:rPr lang="en-US" baseline="0" dirty="0" smtClean="0"/>
+              <a:t>Tightly coupled code is hard to test or not testable at all … if it’s testable it’s not too tightly coupled</a:t>
+            </a:r>
+            <a:endParaRPr lang="en-US" dirty="0" smtClean="0"/>
+          </a:p>
+          <a:p>
+            <a:endParaRPr lang="en-US" dirty="0"/>
+          </a:p>
+        </p:txBody>
+      </p:sp>
+      <p:sp>
+        <p:nvSpPr>
+          <p:cNvPr id="4" name="Slide Number Placeholder 3"/>
+          <p:cNvSpPr>
+            <a:spLocks noGrp="1"/>
+          </p:cNvSpPr>
+          <p:nvPr>
+            <p:ph type="sldNum" sz="quarter" idx="10"/>
+          </p:nvPr>
+        </p:nvSpPr>
+        <p:spPr/>
+        <p:txBody>
+          <a:bodyPr/>
+          <a:lstStyle/>
+          <a:p>
+            <a:fld id="{33F0961A-48D7-4871-86EB-F9831811C96F}" type="slidenum">
+              <a:rPr lang="en-US" smtClean="0"/>
+              <a:t>8</a:t>
+            </a:fld>
+            <a:endParaRPr lang="en-US"/>
+          </a:p>
+        </p:txBody>
+      </p:sp>
+    </p:spTree>
+    <p:extLst>
+      <p:ext uri="{BB962C8B-B14F-4D97-AF65-F5344CB8AC3E}">
+        <p14:creationId xmlns:p14="http://schemas.microsoft.com/office/powerpoint/2010/main" val="998928377"/>
+      </p:ext>
+    </p:extLst>
+  </p:cSld>
+  <p:clrMapOvr>
+    <a:masterClrMapping/>
+  </p:clrMapOvr>
+</p:notes>
+</file>
+
+<file path=ppt/notesSlides/notesSlide5.xml><?xml version="1.0" encoding="utf-8"?>
 <p:notes xmlns:a="http://schemas.openxmlformats.org/drawingml/2006/main" xmlns:r="http://schemas.openxmlformats.org/officeDocument/2006/relationships" xmlns:p="http://schemas.openxmlformats.org/presentationml/2006/main">
   <p:cSld>
     <p:spTree>
@@ -4158,7 +4287,7 @@
           <a:p>
             <a:r>
               <a:rPr lang="en-US" dirty="0" smtClean="0"/>
-              <a:t>Example</a:t>
+              <a:t>From Tightly to Loosely Coupled</a:t>
             </a:r>
             <a:endParaRPr lang="en-US" dirty="0"/>
           </a:p>
@@ -4166,27 +4295,31 @@
       </p:sp>
       <p:sp>
         <p:nvSpPr>
-          <p:cNvPr id="3" name="Content Placeholder 2"/>
-          <p:cNvSpPr>
-            <a:spLocks noGrp="1"/>
-          </p:cNvSpPr>
-          <p:nvPr>
-            <p:ph idx="1"/>
-          </p:nvPr>
-        </p:nvSpPr>
-        <p:spPr/>
-        <p:txBody>
-          <a:bodyPr/>
-          <a:lstStyle/>
-          <a:p>
-            <a:endParaRPr lang="en-US" dirty="0" smtClean="0"/>
+          <p:cNvPr id="3" name="Text Placeholder 2"/>
+          <p:cNvSpPr>
+            <a:spLocks noGrp="1"/>
+          </p:cNvSpPr>
+          <p:nvPr>
+            <p:ph type="body" idx="1"/>
+          </p:nvPr>
+        </p:nvSpPr>
+        <p:spPr/>
+        <p:txBody>
+          <a:bodyPr/>
+          <a:lstStyle/>
+          <a:p>
+            <a:r>
+              <a:rPr lang="en-US" dirty="0" smtClean="0"/>
+              <a:t>Show me the code !</a:t>
+            </a:r>
+            <a:endParaRPr lang="en-US" dirty="0"/>
           </a:p>
         </p:txBody>
       </p:sp>
     </p:spTree>
     <p:extLst>
       <p:ext uri="{BB962C8B-B14F-4D97-AF65-F5344CB8AC3E}">
-        <p14:creationId xmlns:p14="http://schemas.microsoft.com/office/powerpoint/2010/main" val="3704436838"/>
+        <p14:creationId xmlns:p14="http://schemas.microsoft.com/office/powerpoint/2010/main" val="2941395999"/>
       </p:ext>
     </p:extLst>
   </p:cSld>
@@ -4237,7 +4370,7 @@
           <a:p>
             <a:r>
               <a:rPr lang="en-US" dirty="0" smtClean="0"/>
-              <a:t>Tightly coupled code</a:t>
+              <a:t>Example : Boring Banking System</a:t>
             </a:r>
             <a:endParaRPr lang="en-US" dirty="0"/>
           </a:p>
@@ -4258,14 +4391,22 @@
           <a:bodyPr/>
           <a:lstStyle/>
           <a:p>
-            <a:endParaRPr lang="en-US"/>
+            <a:r>
+              <a:rPr lang="en-US" dirty="0" smtClean="0"/>
+              <a:t>User can list </a:t>
+            </a:r>
+            <a:r>
+              <a:rPr lang="en-US" smtClean="0"/>
+              <a:t>his accounts</a:t>
+            </a:r>
+            <a:endParaRPr lang="en-US" dirty="0" smtClean="0"/>
           </a:p>
         </p:txBody>
       </p:sp>
     </p:spTree>
     <p:extLst>
       <p:ext uri="{BB962C8B-B14F-4D97-AF65-F5344CB8AC3E}">
-        <p14:creationId xmlns:p14="http://schemas.microsoft.com/office/powerpoint/2010/main" val="304151210"/>
+        <p14:creationId xmlns:p14="http://schemas.microsoft.com/office/powerpoint/2010/main" val="3704436838"/>
       </p:ext>
     </p:extLst>
   </p:cSld>
@@ -4316,7 +4457,7 @@
           <a:p>
             <a:r>
               <a:rPr lang="en-US" dirty="0" smtClean="0"/>
-              <a:t>Separation of Concerns (SRP)</a:t>
+              <a:t>Tightly coupled code</a:t>
             </a:r>
             <a:endParaRPr lang="en-US" dirty="0"/>
           </a:p>
@@ -4344,13 +4485,20 @@
     </p:spTree>
     <p:extLst>
       <p:ext uri="{BB962C8B-B14F-4D97-AF65-F5344CB8AC3E}">
-        <p14:creationId xmlns:p14="http://schemas.microsoft.com/office/powerpoint/2010/main" val="774879577"/>
+        <p14:creationId xmlns:p14="http://schemas.microsoft.com/office/powerpoint/2010/main" val="304151210"/>
       </p:ext>
     </p:extLst>
   </p:cSld>
   <p:clrMapOvr>
     <a:masterClrMapping/>
   </p:clrMapOvr>
+  <p:timing>
+    <p:tnLst>
+      <p:par>
+        <p:cTn id="1" dur="indefinite" restart="never" nodeType="tmRoot"/>
+      </p:par>
+    </p:tnLst>
+  </p:timing>
 </p:sld>
 </file>
 
@@ -4388,7 +4536,7 @@
           <a:p>
             <a:r>
               <a:rPr lang="en-US" dirty="0" smtClean="0"/>
-              <a:t>Program to an abstraction</a:t>
+              <a:t>Separation of Concerns (SRP)</a:t>
             </a:r>
             <a:endParaRPr lang="en-US" dirty="0"/>
           </a:p>
@@ -4416,7 +4564,7 @@
     </p:spTree>
     <p:extLst>
       <p:ext uri="{BB962C8B-B14F-4D97-AF65-F5344CB8AC3E}">
-        <p14:creationId xmlns:p14="http://schemas.microsoft.com/office/powerpoint/2010/main" val="2273883719"/>
+        <p14:creationId xmlns:p14="http://schemas.microsoft.com/office/powerpoint/2010/main" val="774879577"/>
       </p:ext>
     </p:extLst>
   </p:cSld>
@@ -4460,7 +4608,7 @@
           <a:p>
             <a:r>
               <a:rPr lang="en-US" dirty="0" smtClean="0"/>
-              <a:t>Making it testable - Properties</a:t>
+              <a:t>Program to an abstraction</a:t>
             </a:r>
             <a:endParaRPr lang="en-US" dirty="0"/>
           </a:p>
@@ -4488,7 +4636,7 @@
     </p:spTree>
     <p:extLst>
       <p:ext uri="{BB962C8B-B14F-4D97-AF65-F5344CB8AC3E}">
-        <p14:creationId xmlns:p14="http://schemas.microsoft.com/office/powerpoint/2010/main" val="2460160534"/>
+        <p14:creationId xmlns:p14="http://schemas.microsoft.com/office/powerpoint/2010/main" val="2273883719"/>
       </p:ext>
     </p:extLst>
   </p:cSld>
@@ -4532,7 +4680,7 @@
           <a:p>
             <a:r>
               <a:rPr lang="en-US" dirty="0" smtClean="0"/>
-              <a:t>Making it testable - Constructor</a:t>
+              <a:t>Making it testable - Properties</a:t>
             </a:r>
             <a:endParaRPr lang="en-US" dirty="0"/>
           </a:p>
@@ -4560,7 +4708,7 @@
     </p:spTree>
     <p:extLst>
       <p:ext uri="{BB962C8B-B14F-4D97-AF65-F5344CB8AC3E}">
-        <p14:creationId xmlns:p14="http://schemas.microsoft.com/office/powerpoint/2010/main" val="1108926905"/>
+        <p14:creationId xmlns:p14="http://schemas.microsoft.com/office/powerpoint/2010/main" val="2460160534"/>
       </p:ext>
     </p:extLst>
   </p:cSld>
@@ -4604,7 +4752,7 @@
           <a:p>
             <a:r>
               <a:rPr lang="en-US" dirty="0" smtClean="0"/>
-              <a:t>Inversion of Control</a:t>
+              <a:t>Making it testable - Constructor</a:t>
             </a:r>
             <a:endParaRPr lang="en-US" dirty="0"/>
           </a:p>
@@ -4632,7 +4780,7 @@
     </p:spTree>
     <p:extLst>
       <p:ext uri="{BB962C8B-B14F-4D97-AF65-F5344CB8AC3E}">
-        <p14:creationId xmlns:p14="http://schemas.microsoft.com/office/powerpoint/2010/main" val="4108550095"/>
+        <p14:creationId xmlns:p14="http://schemas.microsoft.com/office/powerpoint/2010/main" val="1108926905"/>
       </p:ext>
     </p:extLst>
   </p:cSld>
@@ -4676,7 +4824,7 @@
           <a:p>
             <a:r>
               <a:rPr lang="en-US" dirty="0" smtClean="0"/>
-              <a:t>It’s viral !</a:t>
+              <a:t>Inversion of Control</a:t>
             </a:r>
             <a:endParaRPr lang="en-US" dirty="0"/>
           </a:p>
@@ -4697,18 +4845,14 @@
           <a:bodyPr/>
           <a:lstStyle/>
           <a:p>
-            <a:r>
-              <a:rPr lang="en-US" dirty="0" smtClean="0"/>
-              <a:t>Composition Root</a:t>
-            </a:r>
-            <a:endParaRPr lang="en-US" dirty="0"/>
+            <a:endParaRPr lang="en-US"/>
           </a:p>
         </p:txBody>
       </p:sp>
     </p:spTree>
     <p:extLst>
       <p:ext uri="{BB962C8B-B14F-4D97-AF65-F5344CB8AC3E}">
-        <p14:creationId xmlns:p14="http://schemas.microsoft.com/office/powerpoint/2010/main" val="1394666143"/>
+        <p14:creationId xmlns:p14="http://schemas.microsoft.com/office/powerpoint/2010/main" val="4108550095"/>
       </p:ext>
     </p:extLst>
   </p:cSld>
@@ -4752,7 +4896,7 @@
           <a:p>
             <a:r>
               <a:rPr lang="en-US" dirty="0" smtClean="0"/>
-              <a:t>Pure DI aka Poor Man’s DI</a:t>
+              <a:t>It’s viral !</a:t>
             </a:r>
             <a:endParaRPr lang="en-US" dirty="0"/>
           </a:p>
@@ -4773,14 +4917,18 @@
           <a:bodyPr/>
           <a:lstStyle/>
           <a:p>
-            <a:endParaRPr lang="en-US"/>
+            <a:r>
+              <a:rPr lang="en-US" dirty="0" smtClean="0"/>
+              <a:t>Composition Root</a:t>
+            </a:r>
+            <a:endParaRPr lang="en-US" dirty="0"/>
           </a:p>
         </p:txBody>
       </p:sp>
     </p:spTree>
     <p:extLst>
       <p:ext uri="{BB962C8B-B14F-4D97-AF65-F5344CB8AC3E}">
-        <p14:creationId xmlns:p14="http://schemas.microsoft.com/office/powerpoint/2010/main" val="550091921"/>
+        <p14:creationId xmlns:p14="http://schemas.microsoft.com/office/powerpoint/2010/main" val="1394666143"/>
       </p:ext>
     </p:extLst>
   </p:cSld>
@@ -4824,7 +4972,7 @@
           <a:p>
             <a:r>
               <a:rPr lang="en-US" dirty="0" smtClean="0"/>
-              <a:t>Extensibility with DI</a:t>
+              <a:t>Pure DI aka Poor Man’s DI</a:t>
             </a:r>
             <a:endParaRPr lang="en-US" dirty="0"/>
           </a:p>
@@ -4845,54 +4993,14 @@
           <a:bodyPr/>
           <a:lstStyle/>
           <a:p>
-            <a:r>
-              <a:rPr lang="en-US" dirty="0" err="1" smtClean="0"/>
-              <a:t>Composability</a:t>
-            </a:r>
-            <a:r>
-              <a:rPr lang="en-US" dirty="0" smtClean="0"/>
-              <a:t> </a:t>
-            </a:r>
-          </a:p>
-          <a:p>
-            <a:r>
-              <a:rPr lang="en-US" dirty="0" smtClean="0"/>
-              <a:t>Testability</a:t>
-            </a:r>
-          </a:p>
-          <a:p>
-            <a:r>
-              <a:rPr lang="en-US" dirty="0" smtClean="0"/>
-              <a:t>Decorator</a:t>
-            </a:r>
-          </a:p>
-          <a:p>
-            <a:endParaRPr lang="en-US" dirty="0"/>
-          </a:p>
-          <a:p>
-            <a:r>
-              <a:rPr lang="en-US" dirty="0" smtClean="0"/>
-              <a:t>Late binding</a:t>
-            </a:r>
-          </a:p>
-          <a:p>
-            <a:endParaRPr lang="en-US" dirty="0"/>
-          </a:p>
-          <a:p>
-            <a:r>
-              <a:rPr lang="en-US" dirty="0" smtClean="0"/>
-              <a:t>Examples ? </a:t>
-            </a:r>
-          </a:p>
-          <a:p>
-            <a:endParaRPr lang="en-US" dirty="0"/>
+            <a:endParaRPr lang="en-US"/>
           </a:p>
         </p:txBody>
       </p:sp>
     </p:spTree>
     <p:extLst>
       <p:ext uri="{BB962C8B-B14F-4D97-AF65-F5344CB8AC3E}">
-        <p14:creationId xmlns:p14="http://schemas.microsoft.com/office/powerpoint/2010/main" val="3162647260"/>
+        <p14:creationId xmlns:p14="http://schemas.microsoft.com/office/powerpoint/2010/main" val="550091921"/>
       </p:ext>
     </p:extLst>
   </p:cSld>
@@ -4942,18 +5050,25 @@
           <a:lstStyle/>
           <a:p>
             <a:r>
+              <a:rPr lang="en-US" b="1" dirty="0" smtClean="0">
+                <a:latin typeface="Arial" panose="020B0604020202020204" pitchFamily="34" charset="0"/>
+                <a:cs typeface="Arial" panose="020B0604020202020204" pitchFamily="34" charset="0"/>
+              </a:rPr>
+              <a:t>Dependency </a:t>
+            </a:r>
+            <a:r>
+              <a:rPr lang="en-US" b="1" dirty="0" smtClean="0">
+                <a:latin typeface="Arial" panose="020B0604020202020204" pitchFamily="34" charset="0"/>
+                <a:cs typeface="Arial" panose="020B0604020202020204" pitchFamily="34" charset="0"/>
+              </a:rPr>
+              <a:t>Injection</a:t>
+            </a:r>
+            <a:r>
               <a:rPr lang="en-US" dirty="0" smtClean="0">
                 <a:latin typeface="Arial" panose="020B0604020202020204" pitchFamily="34" charset="0"/>
                 <a:cs typeface="Arial" panose="020B0604020202020204" pitchFamily="34" charset="0"/>
               </a:rPr>
-              <a:t>Dependency </a:t>
-            </a:r>
-            <a:r>
-              <a:rPr lang="en-US" dirty="0" smtClean="0">
-                <a:latin typeface="Arial" panose="020B0604020202020204" pitchFamily="34" charset="0"/>
-                <a:cs typeface="Arial" panose="020B0604020202020204" pitchFamily="34" charset="0"/>
-              </a:rPr>
-              <a:t>Injection, </a:t>
+              <a:t>, </a:t>
             </a:r>
             <a:br>
               <a:rPr lang="en-US" dirty="0" smtClean="0">
@@ -5153,7 +5268,7 @@
           <a:p>
             <a:r>
               <a:rPr lang="en-US" dirty="0" smtClean="0"/>
-              <a:t>DI Container</a:t>
+              <a:t>Extensibility with DI</a:t>
             </a:r>
             <a:endParaRPr lang="en-US" dirty="0"/>
           </a:p>
@@ -5175,9 +5290,45 @@
           <a:lstStyle/>
           <a:p>
             <a:r>
+              <a:rPr lang="en-US" dirty="0" err="1" smtClean="0"/>
+              <a:t>Composability</a:t>
+            </a:r>
+            <a:r>
               <a:rPr lang="en-US" dirty="0" smtClean="0"/>
-              <a:t>How it works / what it does</a:t>
-            </a:r>
+              <a:t> </a:t>
+            </a:r>
+          </a:p>
+          <a:p>
+            <a:r>
+              <a:rPr lang="en-US" dirty="0" smtClean="0"/>
+              <a:t>Testability</a:t>
+            </a:r>
+          </a:p>
+          <a:p>
+            <a:r>
+              <a:rPr lang="en-US" dirty="0" smtClean="0"/>
+              <a:t>Decorator</a:t>
+            </a:r>
+          </a:p>
+          <a:p>
+            <a:endParaRPr lang="en-US" dirty="0"/>
+          </a:p>
+          <a:p>
+            <a:r>
+              <a:rPr lang="en-US" dirty="0" smtClean="0"/>
+              <a:t>Late binding</a:t>
+            </a:r>
+          </a:p>
+          <a:p>
+            <a:endParaRPr lang="en-US" dirty="0"/>
+          </a:p>
+          <a:p>
+            <a:r>
+              <a:rPr lang="en-US" dirty="0" smtClean="0"/>
+              <a:t>Examples ? </a:t>
+            </a:r>
+          </a:p>
+          <a:p>
             <a:endParaRPr lang="en-US" dirty="0"/>
           </a:p>
         </p:txBody>
@@ -5185,7 +5336,7 @@
     </p:spTree>
     <p:extLst>
       <p:ext uri="{BB962C8B-B14F-4D97-AF65-F5344CB8AC3E}">
-        <p14:creationId xmlns:p14="http://schemas.microsoft.com/office/powerpoint/2010/main" val="3753203453"/>
+        <p14:creationId xmlns:p14="http://schemas.microsoft.com/office/powerpoint/2010/main" val="3162647260"/>
       </p:ext>
     </p:extLst>
   </p:cSld>
@@ -5224,14 +5375,12 @@
         </p:nvSpPr>
         <p:spPr/>
         <p:txBody>
-          <a:bodyPr>
-            <a:normAutofit fontScale="90000"/>
-          </a:bodyPr>
+          <a:bodyPr/>
           <a:lstStyle/>
           <a:p>
             <a:r>
               <a:rPr lang="en-US" dirty="0" smtClean="0"/>
-              <a:t>Service Locator – DI container misusage</a:t>
+              <a:t>DI Container</a:t>
             </a:r>
             <a:endParaRPr lang="en-US" dirty="0"/>
           </a:p>
@@ -5252,14 +5401,18 @@
           <a:bodyPr/>
           <a:lstStyle/>
           <a:p>
-            <a:endParaRPr lang="en-US"/>
+            <a:r>
+              <a:rPr lang="en-US" dirty="0" smtClean="0"/>
+              <a:t>How it works / what it does</a:t>
+            </a:r>
+            <a:endParaRPr lang="en-US" dirty="0"/>
           </a:p>
         </p:txBody>
       </p:sp>
     </p:spTree>
     <p:extLst>
       <p:ext uri="{BB962C8B-B14F-4D97-AF65-F5344CB8AC3E}">
-        <p14:creationId xmlns:p14="http://schemas.microsoft.com/office/powerpoint/2010/main" val="1148450113"/>
+        <p14:creationId xmlns:p14="http://schemas.microsoft.com/office/powerpoint/2010/main" val="3753203453"/>
       </p:ext>
     </p:extLst>
   </p:cSld>
@@ -5298,12 +5451,14 @@
         </p:nvSpPr>
         <p:spPr/>
         <p:txBody>
-          <a:bodyPr/>
+          <a:bodyPr>
+            <a:normAutofit fontScale="90000"/>
+          </a:bodyPr>
           <a:lstStyle/>
           <a:p>
             <a:r>
               <a:rPr lang="en-US" dirty="0" smtClean="0"/>
-              <a:t>Composition, but not only</a:t>
+              <a:t>Service Locator – DI container misusage</a:t>
             </a:r>
             <a:endParaRPr lang="en-US" dirty="0"/>
           </a:p>
@@ -5324,26 +5479,14 @@
           <a:bodyPr/>
           <a:lstStyle/>
           <a:p>
-            <a:r>
-              <a:rPr lang="en-US" dirty="0" smtClean="0"/>
-              <a:t>Object creation and composition</a:t>
-            </a:r>
-          </a:p>
-          <a:p>
-            <a:r>
-              <a:rPr lang="en-US" dirty="0" smtClean="0"/>
-              <a:t>Other important parts of DI</a:t>
-            </a:r>
-          </a:p>
-          <a:p>
-            <a:endParaRPr lang="en-US" dirty="0"/>
+            <a:endParaRPr lang="en-US"/>
           </a:p>
         </p:txBody>
       </p:sp>
     </p:spTree>
     <p:extLst>
       <p:ext uri="{BB962C8B-B14F-4D97-AF65-F5344CB8AC3E}">
-        <p14:creationId xmlns:p14="http://schemas.microsoft.com/office/powerpoint/2010/main" val="2294633566"/>
+        <p14:creationId xmlns:p14="http://schemas.microsoft.com/office/powerpoint/2010/main" val="1148450113"/>
       </p:ext>
     </p:extLst>
   </p:cSld>
@@ -5386,12 +5529,8 @@
           <a:lstStyle/>
           <a:p>
             <a:r>
-              <a:rPr lang="en-US" dirty="0" err="1" smtClean="0"/>
-              <a:t>LifeTime</a:t>
-            </a:r>
-            <a:r>
               <a:rPr lang="en-US" dirty="0" smtClean="0"/>
-              <a:t> Management</a:t>
+              <a:t>Composition, but not only</a:t>
             </a:r>
             <a:endParaRPr lang="en-US" dirty="0"/>
           </a:p>
@@ -5411,6 +5550,18 @@
         <p:txBody>
           <a:bodyPr/>
           <a:lstStyle/>
+          <a:p>
+            <a:r>
+              <a:rPr lang="en-US" dirty="0" smtClean="0"/>
+              <a:t>Object creation and composition</a:t>
+            </a:r>
+          </a:p>
+          <a:p>
+            <a:r>
+              <a:rPr lang="en-US" dirty="0" smtClean="0"/>
+              <a:t>Other important parts of DI</a:t>
+            </a:r>
+          </a:p>
           <a:p>
             <a:endParaRPr lang="en-US" dirty="0"/>
           </a:p>
@@ -5419,7 +5570,7 @@
     </p:spTree>
     <p:extLst>
       <p:ext uri="{BB962C8B-B14F-4D97-AF65-F5344CB8AC3E}">
-        <p14:creationId xmlns:p14="http://schemas.microsoft.com/office/powerpoint/2010/main" val="3458786066"/>
+        <p14:creationId xmlns:p14="http://schemas.microsoft.com/office/powerpoint/2010/main" val="2294633566"/>
       </p:ext>
     </p:extLst>
   </p:cSld>
@@ -5462,8 +5613,12 @@
           <a:lstStyle/>
           <a:p>
             <a:r>
+              <a:rPr lang="en-US" dirty="0" err="1" smtClean="0"/>
+              <a:t>LifeTime</a:t>
+            </a:r>
+            <a:r>
               <a:rPr lang="en-US" dirty="0" smtClean="0"/>
-              <a:t>Interception</a:t>
+              <a:t> Management</a:t>
             </a:r>
             <a:endParaRPr lang="en-US" dirty="0"/>
           </a:p>
@@ -5491,7 +5646,7 @@
     </p:spTree>
     <p:extLst>
       <p:ext uri="{BB962C8B-B14F-4D97-AF65-F5344CB8AC3E}">
-        <p14:creationId xmlns:p14="http://schemas.microsoft.com/office/powerpoint/2010/main" val="4036849652"/>
+        <p14:creationId xmlns:p14="http://schemas.microsoft.com/office/powerpoint/2010/main" val="3458786066"/>
       </p:ext>
     </p:extLst>
   </p:cSld>
@@ -5530,14 +5685,12 @@
         </p:nvSpPr>
         <p:spPr/>
         <p:txBody>
-          <a:bodyPr>
-            <a:normAutofit/>
-          </a:bodyPr>
+          <a:bodyPr/>
           <a:lstStyle/>
           <a:p>
             <a:r>
               <a:rPr lang="en-US" dirty="0" smtClean="0"/>
-              <a:t>Conclusion</a:t>
+              <a:t>Interception</a:t>
             </a:r>
             <a:endParaRPr lang="en-US" dirty="0"/>
           </a:p>
@@ -5558,14 +5711,14 @@
           <a:bodyPr/>
           <a:lstStyle/>
           <a:p>
-            <a:endParaRPr lang="en-US"/>
+            <a:endParaRPr lang="en-US" dirty="0"/>
           </a:p>
         </p:txBody>
       </p:sp>
     </p:spTree>
     <p:extLst>
       <p:ext uri="{BB962C8B-B14F-4D97-AF65-F5344CB8AC3E}">
-        <p14:creationId xmlns:p14="http://schemas.microsoft.com/office/powerpoint/2010/main" val="308607750"/>
+        <p14:creationId xmlns:p14="http://schemas.microsoft.com/office/powerpoint/2010/main" val="4036849652"/>
       </p:ext>
     </p:extLst>
   </p:cSld>
@@ -5604,6 +5757,80 @@
         </p:nvSpPr>
         <p:spPr/>
         <p:txBody>
+          <a:bodyPr>
+            <a:normAutofit/>
+          </a:bodyPr>
+          <a:lstStyle/>
+          <a:p>
+            <a:r>
+              <a:rPr lang="en-US" dirty="0" smtClean="0"/>
+              <a:t>Conclusion</a:t>
+            </a:r>
+            <a:endParaRPr lang="en-US" dirty="0"/>
+          </a:p>
+        </p:txBody>
+      </p:sp>
+      <p:sp>
+        <p:nvSpPr>
+          <p:cNvPr id="3" name="Content Placeholder 2"/>
+          <p:cNvSpPr>
+            <a:spLocks noGrp="1"/>
+          </p:cNvSpPr>
+          <p:nvPr>
+            <p:ph idx="1"/>
+          </p:nvPr>
+        </p:nvSpPr>
+        <p:spPr/>
+        <p:txBody>
+          <a:bodyPr/>
+          <a:lstStyle/>
+          <a:p>
+            <a:endParaRPr lang="en-US"/>
+          </a:p>
+        </p:txBody>
+      </p:sp>
+    </p:spTree>
+    <p:extLst>
+      <p:ext uri="{BB962C8B-B14F-4D97-AF65-F5344CB8AC3E}">
+        <p14:creationId xmlns:p14="http://schemas.microsoft.com/office/powerpoint/2010/main" val="308607750"/>
+      </p:ext>
+    </p:extLst>
+  </p:cSld>
+  <p:clrMapOvr>
+    <a:masterClrMapping/>
+  </p:clrMapOvr>
+</p:sld>
+</file>
+
+<file path=ppt/slides/slide27.xml><?xml version="1.0" encoding="utf-8"?>
+<p:sld xmlns:a="http://schemas.openxmlformats.org/drawingml/2006/main" xmlns:r="http://schemas.openxmlformats.org/officeDocument/2006/relationships" xmlns:p="http://schemas.openxmlformats.org/presentationml/2006/main">
+  <p:cSld>
+    <p:spTree>
+      <p:nvGrpSpPr>
+        <p:cNvPr id="1" name=""/>
+        <p:cNvGrpSpPr/>
+        <p:nvPr/>
+      </p:nvGrpSpPr>
+      <p:grpSpPr>
+        <a:xfrm>
+          <a:off x="0" y="0"/>
+          <a:ext cx="0" cy="0"/>
+          <a:chOff x="0" y="0"/>
+          <a:chExt cx="0" cy="0"/>
+        </a:xfrm>
+      </p:grpSpPr>
+      <p:sp>
+        <p:nvSpPr>
+          <p:cNvPr id="2" name="Title 1"/>
+          <p:cNvSpPr>
+            <a:spLocks noGrp="1"/>
+          </p:cNvSpPr>
+          <p:nvPr>
+            <p:ph type="title"/>
+          </p:nvPr>
+        </p:nvSpPr>
+        <p:spPr/>
+        <p:txBody>
           <a:bodyPr/>
           <a:lstStyle/>
           <a:p>
@@ -5647,7 +5874,7 @@
 </p:sld>
 </file>
 
-<file path=ppt/slides/slide27.xml><?xml version="1.0" encoding="utf-8"?>
+<file path=ppt/slides/slide28.xml><?xml version="1.0" encoding="utf-8"?>
 <p:sld xmlns:a="http://schemas.openxmlformats.org/drawingml/2006/main" xmlns:r="http://schemas.openxmlformats.org/officeDocument/2006/relationships" xmlns:p="http://schemas.openxmlformats.org/presentationml/2006/main">
   <p:cSld>
     <p:spTree>
@@ -6617,13 +6844,13 @@
             <a:spLocks noGrp="1"/>
           </p:cNvSpPr>
           <p:nvPr>
-            <p:ph idx="1"/>
+            <p:ph sz="half" idx="1"/>
           </p:nvPr>
         </p:nvSpPr>
         <p:spPr>
           <a:xfrm>
-            <a:off x="457200" y="2924944"/>
-            <a:ext cx="8229600" cy="3201219"/>
+            <a:off x="457200" y="2964085"/>
+            <a:ext cx="4038600" cy="3417243"/>
           </a:xfrm>
         </p:spPr>
         <p:txBody>
@@ -6636,19 +6863,56 @@
               <a:buNone/>
             </a:pPr>
             <a:r>
+              <a:rPr lang="fr-FR" dirty="0" smtClean="0"/>
+              <a:t>Small components …</a:t>
+            </a:r>
+          </a:p>
+          <a:p>
+            <a:pPr>
+              <a:buFontTx/>
+              <a:buChar char="-"/>
+            </a:pPr>
+            <a:r>
+              <a:rPr lang="fr-FR" dirty="0" smtClean="0"/>
+              <a:t>Independent</a:t>
+            </a:r>
+          </a:p>
+          <a:p>
+            <a:pPr>
+              <a:buFontTx/>
+              <a:buChar char="-"/>
+            </a:pPr>
+            <a:r>
               <a:rPr lang="fr-FR" dirty="0" err="1" smtClean="0"/>
-              <a:t>It’s</a:t>
-            </a:r>
+              <a:t>Reusable</a:t>
+            </a:r>
+            <a:endParaRPr lang="fr-FR" dirty="0" smtClean="0"/>
+          </a:p>
+          <a:p>
+            <a:pPr>
+              <a:buFontTx/>
+              <a:buChar char="-"/>
+            </a:pPr>
             <a:r>
               <a:rPr lang="fr-FR" dirty="0" smtClean="0"/>
-              <a:t> NOT : </a:t>
-            </a:r>
-          </a:p>
-          <a:p>
-            <a:pPr lvl="1"/>
-            <a:r>
-              <a:rPr lang="fr-FR" dirty="0"/>
-              <a:t>A</a:t>
+              <a:t>Interchangeable</a:t>
+            </a:r>
+          </a:p>
+          <a:p>
+            <a:pPr marL="0" indent="0">
+              <a:buNone/>
+            </a:pPr>
+            <a:r>
+              <a:rPr lang="fr-FR" dirty="0" smtClean="0"/>
+              <a:t>… </a:t>
+            </a:r>
+            <a:r>
+              <a:rPr lang="fr-FR" dirty="0" err="1"/>
+              <a:t>p</a:t>
+            </a:r>
+            <a:r>
+              <a:rPr lang="fr-FR" dirty="0" err="1" smtClean="0"/>
+              <a:t>lugged</a:t>
             </a:r>
             <a:r>
               <a:rPr lang="fr-FR" dirty="0" smtClean="0"/>
@@ -6656,37 +6920,131 @@
             </a:r>
             <a:r>
               <a:rPr lang="fr-FR" dirty="0" err="1" smtClean="0"/>
-              <a:t>library</a:t>
-            </a:r>
+              <a:t>together</a:t>
+            </a:r>
+            <a:r>
+              <a:rPr lang="fr-FR" dirty="0" smtClean="0"/>
+              <a:t> to </a:t>
+            </a:r>
+            <a:r>
+              <a:rPr lang="fr-FR" dirty="0" err="1" smtClean="0"/>
+              <a:t>form</a:t>
+            </a:r>
+            <a:r>
+              <a:rPr lang="fr-FR" dirty="0" smtClean="0"/>
+              <a:t> a </a:t>
+            </a:r>
+            <a:r>
+              <a:rPr lang="fr-FR" dirty="0" err="1" smtClean="0"/>
+              <a:t>bigger</a:t>
+            </a:r>
+            <a:r>
+              <a:rPr lang="fr-FR" dirty="0" smtClean="0"/>
+              <a:t> system</a:t>
+            </a:r>
+          </a:p>
+          <a:p>
+            <a:pPr lvl="1">
+              <a:buFontTx/>
+              <a:buChar char="-"/>
+            </a:pPr>
             <a:endParaRPr lang="fr-FR" dirty="0" smtClean="0"/>
           </a:p>
           <a:p>
-            <a:pPr lvl="1"/>
-            <a:r>
-              <a:rPr lang="fr-FR" dirty="0" smtClean="0"/>
-              <a:t>A </a:t>
-            </a:r>
-            <a:r>
-              <a:rPr lang="fr-FR" dirty="0" err="1" smtClean="0"/>
-              <a:t>framework</a:t>
-            </a:r>
+            <a:pPr>
+              <a:buFontTx/>
+              <a:buChar char="-"/>
+            </a:pPr>
             <a:endParaRPr lang="fr-FR" dirty="0" smtClean="0"/>
           </a:p>
           <a:p>
-            <a:pPr lvl="1"/>
-            <a:r>
-              <a:rPr lang="fr-FR" dirty="0"/>
-              <a:t>A</a:t>
-            </a:r>
-            <a:r>
-              <a:rPr lang="fr-FR" dirty="0" smtClean="0"/>
-              <a:t> </a:t>
-            </a:r>
-            <a:r>
-              <a:rPr lang="fr-FR" dirty="0" err="1" smtClean="0"/>
-              <a:t>tool</a:t>
-            </a:r>
+            <a:pPr>
+              <a:buFontTx/>
+              <a:buChar char="-"/>
+            </a:pPr>
             <a:endParaRPr lang="fr-FR" dirty="0" smtClean="0"/>
+          </a:p>
+        </p:txBody>
+      </p:sp>
+      <p:sp>
+        <p:nvSpPr>
+          <p:cNvPr id="5" name="Content Placeholder 4"/>
+          <p:cNvSpPr>
+            <a:spLocks noGrp="1"/>
+          </p:cNvSpPr>
+          <p:nvPr>
+            <p:ph sz="half" idx="2"/>
+          </p:nvPr>
+        </p:nvSpPr>
+        <p:spPr>
+          <a:xfrm>
+            <a:off x="4648200" y="2964085"/>
+            <a:ext cx="4038600" cy="3417243"/>
+          </a:xfrm>
+        </p:spPr>
+        <p:txBody>
+          <a:bodyPr>
+            <a:normAutofit/>
+          </a:bodyPr>
+          <a:lstStyle/>
+          <a:p>
+            <a:pPr marL="0" indent="0">
+              <a:buNone/>
+            </a:pPr>
+            <a:r>
+              <a:rPr lang="en-US" dirty="0" smtClean="0"/>
+              <a:t>Benefits : </a:t>
+            </a:r>
+          </a:p>
+          <a:p>
+            <a:pPr>
+              <a:buFontTx/>
+              <a:buChar char="-"/>
+            </a:pPr>
+            <a:r>
+              <a:rPr lang="en-US" dirty="0" smtClean="0"/>
+              <a:t>Small classes with single responsibility</a:t>
+            </a:r>
+          </a:p>
+          <a:p>
+            <a:pPr>
+              <a:buFontTx/>
+              <a:buChar char="-"/>
+            </a:pPr>
+            <a:r>
+              <a:rPr lang="en-US" dirty="0" smtClean="0"/>
+              <a:t>Easier maintenance</a:t>
+            </a:r>
+          </a:p>
+          <a:p>
+            <a:pPr>
+              <a:buFontTx/>
+              <a:buChar char="-"/>
+            </a:pPr>
+            <a:r>
+              <a:rPr lang="en-US" dirty="0" smtClean="0"/>
+              <a:t>Extensibility</a:t>
+            </a:r>
+          </a:p>
+          <a:p>
+            <a:pPr>
+              <a:buFontTx/>
+              <a:buChar char="-"/>
+            </a:pPr>
+            <a:r>
+              <a:rPr lang="en-US" dirty="0" smtClean="0"/>
+              <a:t>Testable by definition</a:t>
+            </a:r>
+          </a:p>
+          <a:p>
+            <a:pPr>
+              <a:buFontTx/>
+              <a:buChar char="-"/>
+            </a:pPr>
+            <a:endParaRPr lang="en-US" dirty="0" smtClean="0"/>
+          </a:p>
+          <a:p>
+            <a:endParaRPr lang="en-US" dirty="0" smtClean="0"/>
           </a:p>
         </p:txBody>
       </p:sp>
@@ -6806,7 +7164,7 @@
 </file>
 
 <file path=ppt/slides/slide9.xml><?xml version="1.0" encoding="utf-8"?>
-<p:sld xmlns:a="http://schemas.openxmlformats.org/drawingml/2006/main" xmlns:r="http://schemas.openxmlformats.org/officeDocument/2006/relationships" xmlns:p="http://schemas.openxmlformats.org/presentationml/2006/main">
+<p:sld xmlns:a="http://schemas.openxmlformats.org/drawingml/2006/main" xmlns:r="http://schemas.openxmlformats.org/officeDocument/2006/relationships" xmlns:p="http://schemas.openxmlformats.org/presentationml/2006/main" show="0">
   <p:cSld>
     <p:spTree>
       <p:nvGrpSpPr>
@@ -6858,9 +7216,12 @@
         <p:spPr/>
         <p:txBody>
           <a:bodyPr>
-            <a:normAutofit fontScale="92500" lnSpcReduction="20000"/>
+            <a:normAutofit fontScale="85000" lnSpcReduction="20000"/>
           </a:bodyPr>
           <a:lstStyle/>
+          <a:p>
+            <a:endParaRPr lang="en-US" dirty="0" smtClean="0"/>
+          </a:p>
           <a:p>
             <a:r>
               <a:rPr lang="en-US" dirty="0" smtClean="0"/>
@@ -6924,6 +7285,14 @@
   <p:clrMapOvr>
     <a:masterClrMapping/>
   </p:clrMapOvr>
+  <mc:AlternateContent xmlns:mc="http://schemas.openxmlformats.org/markup-compatibility/2006">
+    <mc:Choice xmlns:p14="http://schemas.microsoft.com/office/powerpoint/2010/main" Requires="p14">
+      <p:transition spd="slow" p14:dur="2000"/>
+    </mc:Choice>
+    <mc:Fallback>
+      <p:transition spd="slow"/>
+    </mc:Fallback>
+  </mc:AlternateContent>
   <p:timing>
     <p:tnLst>
       <p:par>

--- a/Dependency Injection - the right way.pptx
+++ b/Dependency Injection - the right way.pptx
@@ -5,7 +5,7 @@
     <p:sldMasterId id="2147483648" r:id="rId1"/>
   </p:sldMasterIdLst>
   <p:notesMasterIdLst>
-    <p:notesMasterId r:id="rId34"/>
+    <p:notesMasterId r:id="rId35"/>
   </p:notesMasterIdLst>
   <p:sldIdLst>
     <p:sldId id="258" r:id="rId2"/>
@@ -27,19 +27,20 @@
     <p:sldId id="287" r:id="rId18"/>
     <p:sldId id="266" r:id="rId19"/>
     <p:sldId id="267" r:id="rId20"/>
-    <p:sldId id="268" r:id="rId21"/>
-    <p:sldId id="269" r:id="rId22"/>
-    <p:sldId id="270" r:id="rId23"/>
-    <p:sldId id="271" r:id="rId24"/>
-    <p:sldId id="272" r:id="rId25"/>
-    <p:sldId id="273" r:id="rId26"/>
-    <p:sldId id="274" r:id="rId27"/>
-    <p:sldId id="275" r:id="rId28"/>
-    <p:sldId id="276" r:id="rId29"/>
-    <p:sldId id="277" r:id="rId30"/>
-    <p:sldId id="278" r:id="rId31"/>
-    <p:sldId id="279" r:id="rId32"/>
-    <p:sldId id="259" r:id="rId33"/>
+    <p:sldId id="288" r:id="rId21"/>
+    <p:sldId id="268" r:id="rId22"/>
+    <p:sldId id="269" r:id="rId23"/>
+    <p:sldId id="270" r:id="rId24"/>
+    <p:sldId id="271" r:id="rId25"/>
+    <p:sldId id="272" r:id="rId26"/>
+    <p:sldId id="273" r:id="rId27"/>
+    <p:sldId id="274" r:id="rId28"/>
+    <p:sldId id="275" r:id="rId29"/>
+    <p:sldId id="276" r:id="rId30"/>
+    <p:sldId id="277" r:id="rId31"/>
+    <p:sldId id="278" r:id="rId32"/>
+    <p:sldId id="279" r:id="rId33"/>
+    <p:sldId id="259" r:id="rId34"/>
   </p:sldIdLst>
   <p:sldSz cx="9144000" cy="6858000" type="screen4x3"/>
   <p:notesSz cx="6858000" cy="9144000"/>
@@ -166,6 +167,7 @@
             <p14:sldId id="287"/>
             <p14:sldId id="266"/>
             <p14:sldId id="267"/>
+            <p14:sldId id="288"/>
             <p14:sldId id="268"/>
             <p14:sldId id="269"/>
             <p14:sldId id="270"/>
@@ -1450,6 +1452,94 @@
     <p:extLst>
       <p:ext uri="{BB962C8B-B14F-4D97-AF65-F5344CB8AC3E}">
         <p14:creationId xmlns:p14="http://schemas.microsoft.com/office/powerpoint/2010/main" val="2955305723"/>
+      </p:ext>
+    </p:extLst>
+  </p:cSld>
+  <p:clrMapOvr>
+    <a:masterClrMapping/>
+  </p:clrMapOvr>
+</p:notes>
+</file>
+
+<file path=ppt/notesSlides/notesSlide9.xml><?xml version="1.0" encoding="utf-8"?>
+<p:notes xmlns:a="http://schemas.openxmlformats.org/drawingml/2006/main" xmlns:r="http://schemas.openxmlformats.org/officeDocument/2006/relationships" xmlns:p="http://schemas.openxmlformats.org/presentationml/2006/main">
+  <p:cSld>
+    <p:spTree>
+      <p:nvGrpSpPr>
+        <p:cNvPr id="1" name=""/>
+        <p:cNvGrpSpPr/>
+        <p:nvPr/>
+      </p:nvGrpSpPr>
+      <p:grpSpPr>
+        <a:xfrm>
+          <a:off x="0" y="0"/>
+          <a:ext cx="0" cy="0"/>
+          <a:chOff x="0" y="0"/>
+          <a:chExt cx="0" cy="0"/>
+        </a:xfrm>
+      </p:grpSpPr>
+      <p:sp>
+        <p:nvSpPr>
+          <p:cNvPr id="2" name="Slide Image Placeholder 1"/>
+          <p:cNvSpPr>
+            <a:spLocks noGrp="1" noRot="1" noChangeAspect="1"/>
+          </p:cNvSpPr>
+          <p:nvPr>
+            <p:ph type="sldImg"/>
+          </p:nvPr>
+        </p:nvSpPr>
+        <p:spPr/>
+      </p:sp>
+      <p:sp>
+        <p:nvSpPr>
+          <p:cNvPr id="3" name="Notes Placeholder 2"/>
+          <p:cNvSpPr>
+            <a:spLocks noGrp="1"/>
+          </p:cNvSpPr>
+          <p:nvPr>
+            <p:ph type="body" idx="1"/>
+          </p:nvPr>
+        </p:nvSpPr>
+        <p:spPr/>
+        <p:txBody>
+          <a:bodyPr/>
+          <a:lstStyle/>
+          <a:p>
+            <a:r>
+              <a:rPr lang="en-US" dirty="0" smtClean="0"/>
+              <a:t>Interface of abstract class ….</a:t>
+            </a:r>
+            <a:endParaRPr lang="en-US" dirty="0"/>
+          </a:p>
+        </p:txBody>
+      </p:sp>
+      <p:sp>
+        <p:nvSpPr>
+          <p:cNvPr id="4" name="Slide Number Placeholder 3"/>
+          <p:cNvSpPr>
+            <a:spLocks noGrp="1"/>
+          </p:cNvSpPr>
+          <p:nvPr>
+            <p:ph type="sldNum" sz="quarter" idx="10"/>
+          </p:nvPr>
+        </p:nvSpPr>
+        <p:spPr/>
+        <p:txBody>
+          <a:bodyPr/>
+          <a:lstStyle/>
+          <a:p>
+            <a:fld id="{33F0961A-48D7-4871-86EB-F9831811C96F}" type="slidenum">
+              <a:rPr lang="en-US" smtClean="0"/>
+              <a:t>20</a:t>
+            </a:fld>
+            <a:endParaRPr lang="en-US"/>
+          </a:p>
+        </p:txBody>
+      </p:sp>
+    </p:spTree>
+    <p:extLst>
+      <p:ext uri="{BB962C8B-B14F-4D97-AF65-F5344CB8AC3E}">
+        <p14:creationId xmlns:p14="http://schemas.microsoft.com/office/powerpoint/2010/main" val="1594396032"/>
       </p:ext>
     </p:extLst>
   </p:cSld>
@@ -14944,7 +15034,7 @@
           <a:p>
             <a:r>
               <a:rPr lang="en-US" dirty="0" smtClean="0"/>
-              <a:t>Making it testable</a:t>
+              <a:t>Making it less-tightly coupled</a:t>
             </a:r>
             <a:endParaRPr lang="en-US" dirty="0"/>
           </a:p>
@@ -15041,20 +15131,1979 @@
       </p:sp>
       <p:sp>
         <p:nvSpPr>
-          <p:cNvPr id="3" name="Content Placeholder 2"/>
-          <p:cNvSpPr>
-            <a:spLocks noGrp="1"/>
-          </p:cNvSpPr>
-          <p:nvPr>
-            <p:ph idx="1"/>
-          </p:nvPr>
+          <p:cNvPr id="4" name="TextBox 3"/>
+          <p:cNvSpPr txBox="1"/>
+          <p:nvPr/>
         </p:nvSpPr>
-        <p:spPr/>
+        <p:spPr>
+          <a:xfrm>
+            <a:off x="35496" y="1124744"/>
+            <a:ext cx="8424936" cy="3490186"/>
+          </a:xfrm>
+          <a:prstGeom prst="rect">
+            <a:avLst/>
+          </a:prstGeom>
+          <a:solidFill>
+            <a:schemeClr val="bg1"/>
+          </a:solidFill>
+          <a:ln>
+            <a:solidFill>
+              <a:schemeClr val="accent1"/>
+            </a:solidFill>
+          </a:ln>
+        </p:spPr>
         <p:txBody>
-          <a:bodyPr/>
+          <a:bodyPr wrap="square" rtlCol="0">
+            <a:spAutoFit/>
+          </a:bodyPr>
           <a:lstStyle/>
           <a:p>
-            <a:endParaRPr lang="en-US"/>
+            <a:pPr>
+              <a:lnSpc>
+                <a:spcPct val="115000"/>
+              </a:lnSpc>
+              <a:spcAft>
+                <a:spcPts val="0"/>
+              </a:spcAft>
+            </a:pPr>
+            <a:r>
+              <a:rPr lang="en-US" sz="1600" dirty="0">
+                <a:solidFill>
+                  <a:srgbClr val="0000FF"/>
+                </a:solidFill>
+                <a:highlight>
+                  <a:srgbClr val="FFFFFF"/>
+                </a:highlight>
+                <a:latin typeface="Consolas"/>
+                <a:ea typeface="Calibri"/>
+                <a:cs typeface="Times New Roman"/>
+              </a:rPr>
+              <a:t>public</a:t>
+            </a:r>
+            <a:r>
+              <a:rPr lang="en-US" sz="1600" dirty="0">
+                <a:solidFill>
+                  <a:srgbClr val="000000"/>
+                </a:solidFill>
+                <a:highlight>
+                  <a:srgbClr val="FFFFFF"/>
+                </a:highlight>
+                <a:latin typeface="Consolas"/>
+                <a:ea typeface="Calibri"/>
+                <a:cs typeface="Times New Roman"/>
+              </a:rPr>
+              <a:t> </a:t>
+            </a:r>
+            <a:r>
+              <a:rPr lang="en-US" sz="1600" dirty="0">
+                <a:solidFill>
+                  <a:srgbClr val="0000FF"/>
+                </a:solidFill>
+                <a:highlight>
+                  <a:srgbClr val="FFFFFF"/>
+                </a:highlight>
+                <a:latin typeface="Consolas"/>
+                <a:ea typeface="Calibri"/>
+                <a:cs typeface="Times New Roman"/>
+              </a:rPr>
+              <a:t>class</a:t>
+            </a:r>
+            <a:r>
+              <a:rPr lang="en-US" sz="1600" dirty="0">
+                <a:solidFill>
+                  <a:srgbClr val="000000"/>
+                </a:solidFill>
+                <a:highlight>
+                  <a:srgbClr val="FFFFFF"/>
+                </a:highlight>
+                <a:latin typeface="Consolas"/>
+                <a:ea typeface="Calibri"/>
+                <a:cs typeface="Times New Roman"/>
+              </a:rPr>
+              <a:t> </a:t>
+            </a:r>
+            <a:r>
+              <a:rPr lang="en-US" sz="1600" dirty="0" err="1">
+                <a:solidFill>
+                  <a:srgbClr val="2B91AF"/>
+                </a:solidFill>
+                <a:highlight>
+                  <a:srgbClr val="FFFFFF"/>
+                </a:highlight>
+                <a:latin typeface="Consolas"/>
+                <a:ea typeface="Calibri"/>
+                <a:cs typeface="Times New Roman"/>
+              </a:rPr>
+              <a:t>UserAccountService</a:t>
+            </a:r>
+            <a:endParaRPr lang="en-US" sz="1600" dirty="0">
+              <a:ea typeface="Calibri"/>
+              <a:cs typeface="Times New Roman"/>
+            </a:endParaRPr>
+          </a:p>
+          <a:p>
+            <a:pPr>
+              <a:lnSpc>
+                <a:spcPct val="115000"/>
+              </a:lnSpc>
+              <a:spcAft>
+                <a:spcPts val="0"/>
+              </a:spcAft>
+            </a:pPr>
+            <a:r>
+              <a:rPr lang="en-US" sz="1600" dirty="0">
+                <a:solidFill>
+                  <a:srgbClr val="000000"/>
+                </a:solidFill>
+                <a:highlight>
+                  <a:srgbClr val="FFFFFF"/>
+                </a:highlight>
+                <a:latin typeface="Consolas"/>
+                <a:ea typeface="Calibri"/>
+                <a:cs typeface="Times New Roman"/>
+              </a:rPr>
+              <a:t>    {</a:t>
+            </a:r>
+            <a:endParaRPr lang="en-US" sz="1600" dirty="0">
+              <a:ea typeface="Calibri"/>
+              <a:cs typeface="Times New Roman"/>
+            </a:endParaRPr>
+          </a:p>
+          <a:p>
+            <a:pPr>
+              <a:lnSpc>
+                <a:spcPct val="115000"/>
+              </a:lnSpc>
+              <a:spcAft>
+                <a:spcPts val="0"/>
+              </a:spcAft>
+            </a:pPr>
+            <a:r>
+              <a:rPr lang="en-US" sz="1600" dirty="0">
+                <a:solidFill>
+                  <a:srgbClr val="000000"/>
+                </a:solidFill>
+                <a:highlight>
+                  <a:srgbClr val="FFFFFF"/>
+                </a:highlight>
+                <a:latin typeface="Consolas"/>
+                <a:ea typeface="Calibri"/>
+                <a:cs typeface="Times New Roman"/>
+              </a:rPr>
+              <a:t>        </a:t>
+            </a:r>
+            <a:r>
+              <a:rPr lang="en-US" sz="1600" dirty="0">
+                <a:solidFill>
+                  <a:srgbClr val="0000FF"/>
+                </a:solidFill>
+                <a:highlight>
+                  <a:srgbClr val="FFFFFF"/>
+                </a:highlight>
+                <a:latin typeface="Consolas"/>
+                <a:ea typeface="Calibri"/>
+                <a:cs typeface="Times New Roman"/>
+              </a:rPr>
+              <a:t>public</a:t>
+            </a:r>
+            <a:r>
+              <a:rPr lang="en-US" sz="1600" dirty="0">
+                <a:solidFill>
+                  <a:srgbClr val="000000"/>
+                </a:solidFill>
+                <a:highlight>
+                  <a:srgbClr val="FFFFFF"/>
+                </a:highlight>
+                <a:latin typeface="Consolas"/>
+                <a:ea typeface="Calibri"/>
+                <a:cs typeface="Times New Roman"/>
+              </a:rPr>
+              <a:t> </a:t>
+            </a:r>
+            <a:r>
+              <a:rPr lang="en-US" sz="1600" dirty="0" err="1">
+                <a:solidFill>
+                  <a:srgbClr val="000000"/>
+                </a:solidFill>
+                <a:highlight>
+                  <a:srgbClr val="FFFFFF"/>
+                </a:highlight>
+                <a:latin typeface="Consolas"/>
+                <a:ea typeface="Calibri"/>
+                <a:cs typeface="Times New Roman"/>
+              </a:rPr>
+              <a:t>UserAccountService</a:t>
+            </a:r>
+            <a:r>
+              <a:rPr lang="en-US" sz="1600" dirty="0">
+                <a:solidFill>
+                  <a:srgbClr val="000000"/>
+                </a:solidFill>
+                <a:highlight>
+                  <a:srgbClr val="FFFFFF"/>
+                </a:highlight>
+                <a:latin typeface="Consolas"/>
+                <a:ea typeface="Calibri"/>
+                <a:cs typeface="Times New Roman"/>
+              </a:rPr>
+              <a:t>()</a:t>
+            </a:r>
+            <a:endParaRPr lang="en-US" sz="1600" dirty="0">
+              <a:ea typeface="Calibri"/>
+              <a:cs typeface="Times New Roman"/>
+            </a:endParaRPr>
+          </a:p>
+          <a:p>
+            <a:pPr>
+              <a:lnSpc>
+                <a:spcPct val="115000"/>
+              </a:lnSpc>
+              <a:spcAft>
+                <a:spcPts val="0"/>
+              </a:spcAft>
+            </a:pPr>
+            <a:r>
+              <a:rPr lang="en-US" sz="1600" dirty="0">
+                <a:solidFill>
+                  <a:srgbClr val="000000"/>
+                </a:solidFill>
+                <a:highlight>
+                  <a:srgbClr val="FFFFFF"/>
+                </a:highlight>
+                <a:latin typeface="Consolas"/>
+                <a:ea typeface="Calibri"/>
+                <a:cs typeface="Times New Roman"/>
+              </a:rPr>
+              <a:t>        {</a:t>
+            </a:r>
+            <a:endParaRPr lang="en-US" sz="1600" dirty="0">
+              <a:ea typeface="Calibri"/>
+              <a:cs typeface="Times New Roman"/>
+            </a:endParaRPr>
+          </a:p>
+          <a:p>
+            <a:pPr>
+              <a:lnSpc>
+                <a:spcPct val="115000"/>
+              </a:lnSpc>
+              <a:spcAft>
+                <a:spcPts val="0"/>
+              </a:spcAft>
+            </a:pPr>
+            <a:r>
+              <a:rPr lang="en-US" sz="1600" dirty="0">
+                <a:solidFill>
+                  <a:srgbClr val="000000"/>
+                </a:solidFill>
+                <a:highlight>
+                  <a:srgbClr val="FFFFFF"/>
+                </a:highlight>
+                <a:latin typeface="Consolas"/>
+                <a:ea typeface="Calibri"/>
+                <a:cs typeface="Times New Roman"/>
+              </a:rPr>
+              <a:t>            </a:t>
+            </a:r>
+            <a:r>
+              <a:rPr lang="en-US" sz="1600" dirty="0" err="1">
+                <a:solidFill>
+                  <a:srgbClr val="000000"/>
+                </a:solidFill>
+                <a:highlight>
+                  <a:srgbClr val="FFFFFF"/>
+                </a:highlight>
+                <a:latin typeface="Consolas"/>
+                <a:ea typeface="Calibri"/>
+                <a:cs typeface="Times New Roman"/>
+              </a:rPr>
+              <a:t>AccountRepository</a:t>
+            </a:r>
+            <a:r>
+              <a:rPr lang="en-US" sz="1600" dirty="0">
+                <a:solidFill>
+                  <a:srgbClr val="000000"/>
+                </a:solidFill>
+                <a:highlight>
+                  <a:srgbClr val="FFFFFF"/>
+                </a:highlight>
+                <a:latin typeface="Consolas"/>
+                <a:ea typeface="Calibri"/>
+                <a:cs typeface="Times New Roman"/>
+              </a:rPr>
+              <a:t> = </a:t>
+            </a:r>
+            <a:r>
+              <a:rPr lang="en-US" sz="1600" dirty="0">
+                <a:solidFill>
+                  <a:srgbClr val="0000FF"/>
+                </a:solidFill>
+                <a:highlight>
+                  <a:srgbClr val="FFFFFF"/>
+                </a:highlight>
+                <a:latin typeface="Consolas"/>
+                <a:ea typeface="Calibri"/>
+                <a:cs typeface="Times New Roman"/>
+              </a:rPr>
+              <a:t>new</a:t>
+            </a:r>
+            <a:r>
+              <a:rPr lang="en-US" sz="1600" dirty="0">
+                <a:solidFill>
+                  <a:srgbClr val="000000"/>
+                </a:solidFill>
+                <a:highlight>
+                  <a:srgbClr val="FFFFFF"/>
+                </a:highlight>
+                <a:latin typeface="Consolas"/>
+                <a:ea typeface="Calibri"/>
+                <a:cs typeface="Times New Roman"/>
+              </a:rPr>
+              <a:t> </a:t>
+            </a:r>
+            <a:r>
+              <a:rPr lang="en-US" sz="1600" dirty="0" err="1">
+                <a:solidFill>
+                  <a:srgbClr val="2B91AF"/>
+                </a:solidFill>
+                <a:highlight>
+                  <a:srgbClr val="FFFFFF"/>
+                </a:highlight>
+                <a:latin typeface="Consolas"/>
+                <a:ea typeface="Calibri"/>
+                <a:cs typeface="Times New Roman"/>
+              </a:rPr>
+              <a:t>AccountRepository</a:t>
+            </a:r>
+            <a:r>
+              <a:rPr lang="en-US" sz="1600" dirty="0">
+                <a:solidFill>
+                  <a:srgbClr val="000000"/>
+                </a:solidFill>
+                <a:highlight>
+                  <a:srgbClr val="FFFFFF"/>
+                </a:highlight>
+                <a:latin typeface="Consolas"/>
+                <a:ea typeface="Calibri"/>
+                <a:cs typeface="Times New Roman"/>
+              </a:rPr>
+              <a:t>(</a:t>
+            </a:r>
+            <a:r>
+              <a:rPr lang="en-US" sz="1600" dirty="0">
+                <a:solidFill>
+                  <a:srgbClr val="A31515"/>
+                </a:solidFill>
+                <a:highlight>
+                  <a:srgbClr val="FFFFFF"/>
+                </a:highlight>
+                <a:latin typeface="Consolas"/>
+                <a:ea typeface="Calibri"/>
+                <a:cs typeface="Times New Roman"/>
+              </a:rPr>
+              <a:t>"</a:t>
+            </a:r>
+            <a:r>
+              <a:rPr lang="en-US" sz="1600" dirty="0" err="1">
+                <a:solidFill>
+                  <a:srgbClr val="A31515"/>
+                </a:solidFill>
+                <a:highlight>
+                  <a:srgbClr val="FFFFFF"/>
+                </a:highlight>
+                <a:latin typeface="Consolas"/>
+                <a:ea typeface="Calibri"/>
+                <a:cs typeface="Times New Roman"/>
+              </a:rPr>
+              <a:t>BankingContext</a:t>
+            </a:r>
+            <a:r>
+              <a:rPr lang="en-US" sz="1600" dirty="0">
+                <a:solidFill>
+                  <a:srgbClr val="A31515"/>
+                </a:solidFill>
+                <a:highlight>
+                  <a:srgbClr val="FFFFFF"/>
+                </a:highlight>
+                <a:latin typeface="Consolas"/>
+                <a:ea typeface="Calibri"/>
+                <a:cs typeface="Times New Roman"/>
+              </a:rPr>
+              <a:t>"</a:t>
+            </a:r>
+            <a:r>
+              <a:rPr lang="en-US" sz="1600" dirty="0">
+                <a:solidFill>
+                  <a:srgbClr val="000000"/>
+                </a:solidFill>
+                <a:highlight>
+                  <a:srgbClr val="FFFFFF"/>
+                </a:highlight>
+                <a:latin typeface="Consolas"/>
+                <a:ea typeface="Calibri"/>
+                <a:cs typeface="Times New Roman"/>
+              </a:rPr>
+              <a:t>);</a:t>
+            </a:r>
+            <a:endParaRPr lang="en-US" sz="1600" dirty="0">
+              <a:ea typeface="Calibri"/>
+              <a:cs typeface="Times New Roman"/>
+            </a:endParaRPr>
+          </a:p>
+          <a:p>
+            <a:pPr>
+              <a:lnSpc>
+                <a:spcPct val="115000"/>
+              </a:lnSpc>
+              <a:spcAft>
+                <a:spcPts val="0"/>
+              </a:spcAft>
+            </a:pPr>
+            <a:r>
+              <a:rPr lang="en-US" sz="1600" dirty="0">
+                <a:solidFill>
+                  <a:srgbClr val="000000"/>
+                </a:solidFill>
+                <a:highlight>
+                  <a:srgbClr val="FFFFFF"/>
+                </a:highlight>
+                <a:latin typeface="Consolas"/>
+                <a:ea typeface="Calibri"/>
+                <a:cs typeface="Times New Roman"/>
+              </a:rPr>
+              <a:t>        }</a:t>
+            </a:r>
+            <a:endParaRPr lang="en-US" sz="1600" dirty="0">
+              <a:ea typeface="Calibri"/>
+              <a:cs typeface="Times New Roman"/>
+            </a:endParaRPr>
+          </a:p>
+          <a:p>
+            <a:pPr>
+              <a:lnSpc>
+                <a:spcPct val="115000"/>
+              </a:lnSpc>
+              <a:spcAft>
+                <a:spcPts val="0"/>
+              </a:spcAft>
+            </a:pPr>
+            <a:r>
+              <a:rPr lang="en-US" sz="1600" dirty="0">
+                <a:solidFill>
+                  <a:srgbClr val="000000"/>
+                </a:solidFill>
+                <a:highlight>
+                  <a:srgbClr val="FFFFFF"/>
+                </a:highlight>
+                <a:latin typeface="Consolas"/>
+                <a:ea typeface="Calibri"/>
+                <a:cs typeface="Times New Roman"/>
+              </a:rPr>
+              <a:t> </a:t>
+            </a:r>
+            <a:endParaRPr lang="en-US" sz="1600" dirty="0">
+              <a:ea typeface="Calibri"/>
+              <a:cs typeface="Times New Roman"/>
+            </a:endParaRPr>
+          </a:p>
+          <a:p>
+            <a:pPr>
+              <a:lnSpc>
+                <a:spcPct val="115000"/>
+              </a:lnSpc>
+              <a:spcAft>
+                <a:spcPts val="0"/>
+              </a:spcAft>
+            </a:pPr>
+            <a:r>
+              <a:rPr lang="en-US" sz="1600" dirty="0">
+                <a:solidFill>
+                  <a:srgbClr val="0000FF"/>
+                </a:solidFill>
+                <a:highlight>
+                  <a:srgbClr val="FFFFFF"/>
+                </a:highlight>
+                <a:latin typeface="Consolas"/>
+                <a:ea typeface="Calibri"/>
+                <a:cs typeface="Times New Roman"/>
+              </a:rPr>
+              <a:t>        #region</a:t>
+            </a:r>
+            <a:r>
+              <a:rPr lang="en-US" sz="1600" dirty="0">
+                <a:solidFill>
+                  <a:srgbClr val="000000"/>
+                </a:solidFill>
+                <a:highlight>
+                  <a:srgbClr val="FFFFFF"/>
+                </a:highlight>
+                <a:latin typeface="Consolas"/>
+                <a:ea typeface="Calibri"/>
+                <a:cs typeface="Times New Roman"/>
+              </a:rPr>
+              <a:t> Dependency Management</a:t>
+            </a:r>
+            <a:endParaRPr lang="en-US" sz="1600" dirty="0">
+              <a:ea typeface="Calibri"/>
+              <a:cs typeface="Times New Roman"/>
+            </a:endParaRPr>
+          </a:p>
+          <a:p>
+            <a:pPr>
+              <a:lnSpc>
+                <a:spcPct val="115000"/>
+              </a:lnSpc>
+              <a:spcAft>
+                <a:spcPts val="0"/>
+              </a:spcAft>
+            </a:pPr>
+            <a:r>
+              <a:rPr lang="en-US" sz="1600" dirty="0">
+                <a:solidFill>
+                  <a:srgbClr val="000000"/>
+                </a:solidFill>
+                <a:highlight>
+                  <a:srgbClr val="FFFFFF"/>
+                </a:highlight>
+                <a:latin typeface="Consolas"/>
+                <a:ea typeface="Calibri"/>
+                <a:cs typeface="Times New Roman"/>
+              </a:rPr>
+              <a:t> </a:t>
+            </a:r>
+            <a:endParaRPr lang="en-US" sz="1600" dirty="0">
+              <a:ea typeface="Calibri"/>
+              <a:cs typeface="Times New Roman"/>
+            </a:endParaRPr>
+          </a:p>
+          <a:p>
+            <a:pPr>
+              <a:lnSpc>
+                <a:spcPct val="115000"/>
+              </a:lnSpc>
+              <a:spcAft>
+                <a:spcPts val="0"/>
+              </a:spcAft>
+            </a:pPr>
+            <a:r>
+              <a:rPr lang="en-US" sz="1600" dirty="0">
+                <a:solidFill>
+                  <a:srgbClr val="000000"/>
+                </a:solidFill>
+                <a:highlight>
+                  <a:srgbClr val="FFFFFF"/>
+                </a:highlight>
+                <a:latin typeface="Consolas"/>
+                <a:ea typeface="Calibri"/>
+                <a:cs typeface="Times New Roman"/>
+              </a:rPr>
+              <a:t>        </a:t>
+            </a:r>
+            <a:r>
+              <a:rPr lang="en-US" sz="1600" dirty="0">
+                <a:solidFill>
+                  <a:srgbClr val="0000FF"/>
+                </a:solidFill>
+                <a:highlight>
+                  <a:srgbClr val="FFFFFF"/>
+                </a:highlight>
+                <a:latin typeface="Consolas"/>
+                <a:ea typeface="Calibri"/>
+                <a:cs typeface="Times New Roman"/>
+              </a:rPr>
+              <a:t>public</a:t>
+            </a:r>
+            <a:r>
+              <a:rPr lang="en-US" sz="1600" dirty="0">
+                <a:solidFill>
+                  <a:srgbClr val="000000"/>
+                </a:solidFill>
+                <a:highlight>
+                  <a:srgbClr val="FFFFFF"/>
+                </a:highlight>
+                <a:latin typeface="Consolas"/>
+                <a:ea typeface="Calibri"/>
+                <a:cs typeface="Times New Roman"/>
+              </a:rPr>
+              <a:t> </a:t>
+            </a:r>
+            <a:r>
+              <a:rPr lang="en-US" sz="1600" dirty="0" err="1">
+                <a:solidFill>
+                  <a:srgbClr val="2B91AF"/>
+                </a:solidFill>
+                <a:highlight>
+                  <a:srgbClr val="FFFFFF"/>
+                </a:highlight>
+                <a:latin typeface="Consolas"/>
+                <a:ea typeface="Calibri"/>
+                <a:cs typeface="Times New Roman"/>
+              </a:rPr>
+              <a:t>AccountRepository</a:t>
+            </a:r>
+            <a:r>
+              <a:rPr lang="en-US" sz="1600" dirty="0">
+                <a:solidFill>
+                  <a:srgbClr val="000000"/>
+                </a:solidFill>
+                <a:highlight>
+                  <a:srgbClr val="FFFFFF"/>
+                </a:highlight>
+                <a:latin typeface="Consolas"/>
+                <a:ea typeface="Calibri"/>
+                <a:cs typeface="Times New Roman"/>
+              </a:rPr>
+              <a:t> </a:t>
+            </a:r>
+            <a:r>
+              <a:rPr lang="en-US" sz="1600" dirty="0" err="1">
+                <a:solidFill>
+                  <a:srgbClr val="000000"/>
+                </a:solidFill>
+                <a:highlight>
+                  <a:srgbClr val="FFFFFF"/>
+                </a:highlight>
+                <a:latin typeface="Consolas"/>
+                <a:ea typeface="Calibri"/>
+                <a:cs typeface="Times New Roman"/>
+              </a:rPr>
+              <a:t>AccountRepository</a:t>
+            </a:r>
+            <a:r>
+              <a:rPr lang="en-US" sz="1600" dirty="0">
+                <a:solidFill>
+                  <a:srgbClr val="000000"/>
+                </a:solidFill>
+                <a:highlight>
+                  <a:srgbClr val="FFFFFF"/>
+                </a:highlight>
+                <a:latin typeface="Consolas"/>
+                <a:ea typeface="Calibri"/>
+                <a:cs typeface="Times New Roman"/>
+              </a:rPr>
+              <a:t> { </a:t>
+            </a:r>
+            <a:r>
+              <a:rPr lang="en-US" sz="1600" dirty="0">
+                <a:solidFill>
+                  <a:srgbClr val="0000FF"/>
+                </a:solidFill>
+                <a:highlight>
+                  <a:srgbClr val="FFFFFF"/>
+                </a:highlight>
+                <a:latin typeface="Consolas"/>
+                <a:ea typeface="Calibri"/>
+                <a:cs typeface="Times New Roman"/>
+              </a:rPr>
+              <a:t>get</a:t>
+            </a:r>
+            <a:r>
+              <a:rPr lang="en-US" sz="1600" dirty="0">
+                <a:solidFill>
+                  <a:srgbClr val="000000"/>
+                </a:solidFill>
+                <a:highlight>
+                  <a:srgbClr val="FFFFFF"/>
+                </a:highlight>
+                <a:latin typeface="Consolas"/>
+                <a:ea typeface="Calibri"/>
+                <a:cs typeface="Times New Roman"/>
+              </a:rPr>
+              <a:t>; </a:t>
+            </a:r>
+            <a:r>
+              <a:rPr lang="en-US" sz="1600" dirty="0">
+                <a:solidFill>
+                  <a:srgbClr val="0000FF"/>
+                </a:solidFill>
+                <a:highlight>
+                  <a:srgbClr val="FFFFFF"/>
+                </a:highlight>
+                <a:latin typeface="Consolas"/>
+                <a:ea typeface="Calibri"/>
+                <a:cs typeface="Times New Roman"/>
+              </a:rPr>
+              <a:t>set</a:t>
+            </a:r>
+            <a:r>
+              <a:rPr lang="en-US" sz="1600" dirty="0">
+                <a:solidFill>
+                  <a:srgbClr val="000000"/>
+                </a:solidFill>
+                <a:highlight>
+                  <a:srgbClr val="FFFFFF"/>
+                </a:highlight>
+                <a:latin typeface="Consolas"/>
+                <a:ea typeface="Calibri"/>
+                <a:cs typeface="Times New Roman"/>
+              </a:rPr>
+              <a:t>; }</a:t>
+            </a:r>
+            <a:endParaRPr lang="en-US" sz="1600" dirty="0">
+              <a:ea typeface="Calibri"/>
+              <a:cs typeface="Times New Roman"/>
+            </a:endParaRPr>
+          </a:p>
+          <a:p>
+            <a:pPr>
+              <a:lnSpc>
+                <a:spcPct val="115000"/>
+              </a:lnSpc>
+              <a:spcAft>
+                <a:spcPts val="0"/>
+              </a:spcAft>
+            </a:pPr>
+            <a:r>
+              <a:rPr lang="en-US" sz="1600" dirty="0">
+                <a:solidFill>
+                  <a:srgbClr val="000000"/>
+                </a:solidFill>
+                <a:highlight>
+                  <a:srgbClr val="FFFFFF"/>
+                </a:highlight>
+                <a:latin typeface="Consolas"/>
+                <a:ea typeface="Calibri"/>
+                <a:cs typeface="Times New Roman"/>
+              </a:rPr>
+              <a:t> </a:t>
+            </a:r>
+            <a:endParaRPr lang="en-US" sz="1600" dirty="0">
+              <a:ea typeface="Calibri"/>
+              <a:cs typeface="Times New Roman"/>
+            </a:endParaRPr>
+          </a:p>
+          <a:p>
+            <a:pPr>
+              <a:lnSpc>
+                <a:spcPct val="115000"/>
+              </a:lnSpc>
+              <a:spcAft>
+                <a:spcPts val="0"/>
+              </a:spcAft>
+            </a:pPr>
+            <a:r>
+              <a:rPr lang="en-US" sz="1600" dirty="0">
+                <a:solidFill>
+                  <a:srgbClr val="0000FF"/>
+                </a:solidFill>
+                <a:highlight>
+                  <a:srgbClr val="FFFFFF"/>
+                </a:highlight>
+                <a:latin typeface="Consolas"/>
+                <a:ea typeface="Calibri"/>
+                <a:cs typeface="Times New Roman"/>
+              </a:rPr>
+              <a:t>        #</a:t>
+            </a:r>
+            <a:r>
+              <a:rPr lang="en-US" sz="1600" dirty="0" err="1" smtClean="0">
+                <a:solidFill>
+                  <a:srgbClr val="0000FF"/>
+                </a:solidFill>
+                <a:highlight>
+                  <a:srgbClr val="FFFFFF"/>
+                </a:highlight>
+                <a:latin typeface="Consolas"/>
+                <a:ea typeface="Calibri"/>
+                <a:cs typeface="Times New Roman"/>
+              </a:rPr>
+              <a:t>endregion</a:t>
+            </a:r>
+            <a:r>
+              <a:rPr lang="en-US" sz="1600" dirty="0">
+                <a:ea typeface="Calibri"/>
+                <a:cs typeface="Times New Roman"/>
+              </a:rPr>
+              <a:t> </a:t>
+            </a:r>
+          </a:p>
+        </p:txBody>
+      </p:sp>
+      <p:sp>
+        <p:nvSpPr>
+          <p:cNvPr id="5" name="TextBox 4"/>
+          <p:cNvSpPr txBox="1"/>
+          <p:nvPr/>
+        </p:nvSpPr>
+        <p:spPr>
+          <a:xfrm>
+            <a:off x="251520" y="1196752"/>
+            <a:ext cx="8784976" cy="5388142"/>
+          </a:xfrm>
+          <a:prstGeom prst="rect">
+            <a:avLst/>
+          </a:prstGeom>
+          <a:solidFill>
+            <a:schemeClr val="bg1"/>
+          </a:solidFill>
+          <a:ln>
+            <a:solidFill>
+              <a:schemeClr val="accent1"/>
+            </a:solidFill>
+          </a:ln>
+        </p:spPr>
+        <p:txBody>
+          <a:bodyPr wrap="square" rtlCol="0">
+            <a:spAutoFit/>
+          </a:bodyPr>
+          <a:lstStyle/>
+          <a:p>
+            <a:pPr>
+              <a:lnSpc>
+                <a:spcPct val="115000"/>
+              </a:lnSpc>
+              <a:spcAft>
+                <a:spcPts val="0"/>
+              </a:spcAft>
+            </a:pPr>
+            <a:r>
+              <a:rPr lang="en-US" sz="1600" dirty="0" smtClean="0">
+                <a:solidFill>
+                  <a:srgbClr val="000000"/>
+                </a:solidFill>
+                <a:highlight>
+                  <a:srgbClr val="FFFFFF"/>
+                </a:highlight>
+                <a:latin typeface="Consolas"/>
+                <a:ea typeface="Calibri"/>
+                <a:cs typeface="Times New Roman"/>
+              </a:rPr>
+              <a:t>	[</a:t>
+            </a:r>
+            <a:r>
+              <a:rPr lang="en-US" sz="1600" dirty="0" err="1">
+                <a:solidFill>
+                  <a:srgbClr val="2B91AF"/>
+                </a:solidFill>
+                <a:highlight>
+                  <a:srgbClr val="FFFFFF"/>
+                </a:highlight>
+                <a:latin typeface="Consolas"/>
+                <a:ea typeface="Calibri"/>
+                <a:cs typeface="Times New Roman"/>
+              </a:rPr>
+              <a:t>TestMethod</a:t>
+            </a:r>
+            <a:r>
+              <a:rPr lang="en-US" sz="1600" dirty="0">
+                <a:solidFill>
+                  <a:srgbClr val="000000"/>
+                </a:solidFill>
+                <a:highlight>
+                  <a:srgbClr val="FFFFFF"/>
+                </a:highlight>
+                <a:latin typeface="Consolas"/>
+                <a:ea typeface="Calibri"/>
+                <a:cs typeface="Times New Roman"/>
+              </a:rPr>
+              <a:t>]</a:t>
+            </a:r>
+            <a:endParaRPr lang="en-US" sz="2000" dirty="0">
+              <a:ea typeface="Calibri"/>
+              <a:cs typeface="Times New Roman"/>
+            </a:endParaRPr>
+          </a:p>
+          <a:p>
+            <a:pPr>
+              <a:lnSpc>
+                <a:spcPct val="115000"/>
+              </a:lnSpc>
+              <a:spcAft>
+                <a:spcPts val="0"/>
+              </a:spcAft>
+            </a:pPr>
+            <a:r>
+              <a:rPr lang="en-US" sz="1600" dirty="0">
+                <a:solidFill>
+                  <a:srgbClr val="000000"/>
+                </a:solidFill>
+                <a:highlight>
+                  <a:srgbClr val="FFFFFF"/>
+                </a:highlight>
+                <a:latin typeface="Consolas"/>
+                <a:ea typeface="Calibri"/>
+                <a:cs typeface="Times New Roman"/>
+              </a:rPr>
+              <a:t>        </a:t>
+            </a:r>
+            <a:r>
+              <a:rPr lang="en-US" sz="1600" dirty="0">
+                <a:solidFill>
+                  <a:srgbClr val="0000FF"/>
+                </a:solidFill>
+                <a:highlight>
+                  <a:srgbClr val="FFFFFF"/>
+                </a:highlight>
+                <a:latin typeface="Consolas"/>
+                <a:ea typeface="Calibri"/>
+                <a:cs typeface="Times New Roman"/>
+              </a:rPr>
+              <a:t>public</a:t>
+            </a:r>
+            <a:r>
+              <a:rPr lang="en-US" sz="1600" dirty="0">
+                <a:solidFill>
+                  <a:srgbClr val="000000"/>
+                </a:solidFill>
+                <a:highlight>
+                  <a:srgbClr val="FFFFFF"/>
+                </a:highlight>
+                <a:latin typeface="Consolas"/>
+                <a:ea typeface="Calibri"/>
+                <a:cs typeface="Times New Roman"/>
+              </a:rPr>
+              <a:t> </a:t>
+            </a:r>
+            <a:r>
+              <a:rPr lang="en-US" sz="1600" dirty="0">
+                <a:solidFill>
+                  <a:srgbClr val="0000FF"/>
+                </a:solidFill>
+                <a:highlight>
+                  <a:srgbClr val="FFFFFF"/>
+                </a:highlight>
+                <a:latin typeface="Consolas"/>
+                <a:ea typeface="Calibri"/>
+                <a:cs typeface="Times New Roman"/>
+              </a:rPr>
+              <a:t>void</a:t>
+            </a:r>
+            <a:r>
+              <a:rPr lang="en-US" sz="1600" dirty="0">
+                <a:solidFill>
+                  <a:srgbClr val="000000"/>
+                </a:solidFill>
+                <a:highlight>
+                  <a:srgbClr val="FFFFFF"/>
+                </a:highlight>
+                <a:latin typeface="Consolas"/>
+                <a:ea typeface="Calibri"/>
+                <a:cs typeface="Times New Roman"/>
+              </a:rPr>
+              <a:t> </a:t>
+            </a:r>
+            <a:r>
+              <a:rPr lang="en-US" sz="1600" dirty="0" err="1">
+                <a:solidFill>
+                  <a:srgbClr val="000000"/>
+                </a:solidFill>
+                <a:highlight>
+                  <a:srgbClr val="FFFFFF"/>
+                </a:highlight>
+                <a:latin typeface="Consolas"/>
+                <a:ea typeface="Calibri"/>
+                <a:cs typeface="Times New Roman"/>
+              </a:rPr>
+              <a:t>RenameAccount_with_StateTesting_must_UpdateAccountName</a:t>
+            </a:r>
+            <a:r>
+              <a:rPr lang="en-US" sz="1600" dirty="0">
+                <a:solidFill>
+                  <a:srgbClr val="000000"/>
+                </a:solidFill>
+                <a:highlight>
+                  <a:srgbClr val="FFFFFF"/>
+                </a:highlight>
+                <a:latin typeface="Consolas"/>
+                <a:ea typeface="Calibri"/>
+                <a:cs typeface="Times New Roman"/>
+              </a:rPr>
+              <a:t>()</a:t>
+            </a:r>
+            <a:endParaRPr lang="en-US" sz="2000" dirty="0">
+              <a:ea typeface="Calibri"/>
+              <a:cs typeface="Times New Roman"/>
+            </a:endParaRPr>
+          </a:p>
+          <a:p>
+            <a:pPr>
+              <a:lnSpc>
+                <a:spcPct val="115000"/>
+              </a:lnSpc>
+              <a:spcAft>
+                <a:spcPts val="0"/>
+              </a:spcAft>
+            </a:pPr>
+            <a:r>
+              <a:rPr lang="en-US" sz="1600" dirty="0">
+                <a:solidFill>
+                  <a:srgbClr val="000000"/>
+                </a:solidFill>
+                <a:highlight>
+                  <a:srgbClr val="FFFFFF"/>
+                </a:highlight>
+                <a:latin typeface="Consolas"/>
+                <a:ea typeface="Calibri"/>
+                <a:cs typeface="Times New Roman"/>
+              </a:rPr>
+              <a:t>        {</a:t>
+            </a:r>
+            <a:endParaRPr lang="en-US" sz="2000" dirty="0">
+              <a:ea typeface="Calibri"/>
+              <a:cs typeface="Times New Roman"/>
+            </a:endParaRPr>
+          </a:p>
+          <a:p>
+            <a:pPr>
+              <a:lnSpc>
+                <a:spcPct val="115000"/>
+              </a:lnSpc>
+              <a:spcAft>
+                <a:spcPts val="0"/>
+              </a:spcAft>
+            </a:pPr>
+            <a:r>
+              <a:rPr lang="en-US" sz="1600" dirty="0">
+                <a:solidFill>
+                  <a:srgbClr val="000000"/>
+                </a:solidFill>
+                <a:highlight>
+                  <a:srgbClr val="FFFFFF"/>
+                </a:highlight>
+                <a:latin typeface="Consolas"/>
+                <a:ea typeface="Calibri"/>
+                <a:cs typeface="Times New Roman"/>
+              </a:rPr>
+              <a:t>            </a:t>
+            </a:r>
+            <a:r>
+              <a:rPr lang="en-US" sz="1600" dirty="0">
+                <a:solidFill>
+                  <a:srgbClr val="008000"/>
+                </a:solidFill>
+                <a:highlight>
+                  <a:srgbClr val="FFFFFF"/>
+                </a:highlight>
+                <a:latin typeface="Consolas"/>
+                <a:ea typeface="Calibri"/>
+                <a:cs typeface="Times New Roman"/>
+              </a:rPr>
+              <a:t>// Arrange		</a:t>
+            </a:r>
+            <a:endParaRPr lang="en-US" sz="2000" dirty="0">
+              <a:ea typeface="Calibri"/>
+              <a:cs typeface="Times New Roman"/>
+            </a:endParaRPr>
+          </a:p>
+          <a:p>
+            <a:pPr>
+              <a:lnSpc>
+                <a:spcPct val="115000"/>
+              </a:lnSpc>
+              <a:spcAft>
+                <a:spcPts val="0"/>
+              </a:spcAft>
+            </a:pPr>
+            <a:r>
+              <a:rPr lang="en-US" sz="1600" dirty="0">
+                <a:solidFill>
+                  <a:srgbClr val="000000"/>
+                </a:solidFill>
+                <a:highlight>
+                  <a:srgbClr val="FFFFFF"/>
+                </a:highlight>
+                <a:latin typeface="Consolas"/>
+                <a:ea typeface="Calibri"/>
+                <a:cs typeface="Times New Roman"/>
+              </a:rPr>
+              <a:t>            </a:t>
+            </a:r>
+            <a:r>
+              <a:rPr lang="en-US" sz="1600" dirty="0" err="1">
+                <a:solidFill>
+                  <a:srgbClr val="0000FF"/>
+                </a:solidFill>
+                <a:highlight>
+                  <a:srgbClr val="FFFFFF"/>
+                </a:highlight>
+                <a:latin typeface="Consolas"/>
+                <a:ea typeface="Calibri"/>
+                <a:cs typeface="Times New Roman"/>
+              </a:rPr>
+              <a:t>var</a:t>
+            </a:r>
+            <a:r>
+              <a:rPr lang="en-US" sz="1600" dirty="0">
+                <a:solidFill>
+                  <a:srgbClr val="000000"/>
+                </a:solidFill>
+                <a:highlight>
+                  <a:srgbClr val="FFFFFF"/>
+                </a:highlight>
+                <a:latin typeface="Consolas"/>
+                <a:ea typeface="Calibri"/>
+                <a:cs typeface="Times New Roman"/>
+              </a:rPr>
+              <a:t> </a:t>
+            </a:r>
+            <a:r>
+              <a:rPr lang="en-US" sz="1600" dirty="0" err="1">
+                <a:solidFill>
+                  <a:srgbClr val="000000"/>
+                </a:solidFill>
+                <a:highlight>
+                  <a:srgbClr val="FFFFFF"/>
+                </a:highlight>
+                <a:latin typeface="Consolas"/>
+                <a:ea typeface="Calibri"/>
+                <a:cs typeface="Times New Roman"/>
+              </a:rPr>
+              <a:t>newName</a:t>
+            </a:r>
+            <a:r>
+              <a:rPr lang="en-US" sz="1600" dirty="0">
+                <a:solidFill>
+                  <a:srgbClr val="000000"/>
+                </a:solidFill>
+                <a:highlight>
+                  <a:srgbClr val="FFFFFF"/>
+                </a:highlight>
+                <a:latin typeface="Consolas"/>
+                <a:ea typeface="Calibri"/>
+                <a:cs typeface="Times New Roman"/>
+              </a:rPr>
+              <a:t> = </a:t>
+            </a:r>
+            <a:r>
+              <a:rPr lang="en-US" sz="1600" dirty="0">
+                <a:solidFill>
+                  <a:srgbClr val="A31515"/>
+                </a:solidFill>
+                <a:highlight>
+                  <a:srgbClr val="FFFFFF"/>
+                </a:highlight>
+                <a:latin typeface="Consolas"/>
+                <a:ea typeface="Calibri"/>
+                <a:cs typeface="Times New Roman"/>
+              </a:rPr>
+              <a:t>"</a:t>
+            </a:r>
+            <a:r>
+              <a:rPr lang="en-US" sz="1600" dirty="0" err="1">
+                <a:solidFill>
+                  <a:srgbClr val="A31515"/>
+                </a:solidFill>
+                <a:highlight>
+                  <a:srgbClr val="FFFFFF"/>
+                </a:highlight>
+                <a:latin typeface="Consolas"/>
+                <a:ea typeface="Calibri"/>
+                <a:cs typeface="Times New Roman"/>
+              </a:rPr>
+              <a:t>someName</a:t>
+            </a:r>
+            <a:r>
+              <a:rPr lang="en-US" sz="1600" dirty="0">
+                <a:solidFill>
+                  <a:srgbClr val="A31515"/>
+                </a:solidFill>
+                <a:highlight>
+                  <a:srgbClr val="FFFFFF"/>
+                </a:highlight>
+                <a:latin typeface="Consolas"/>
+                <a:ea typeface="Calibri"/>
+                <a:cs typeface="Times New Roman"/>
+              </a:rPr>
+              <a:t>"</a:t>
+            </a:r>
+            <a:r>
+              <a:rPr lang="en-US" sz="1600" dirty="0">
+                <a:solidFill>
+                  <a:srgbClr val="000000"/>
+                </a:solidFill>
+                <a:highlight>
+                  <a:srgbClr val="FFFFFF"/>
+                </a:highlight>
+                <a:latin typeface="Consolas"/>
+                <a:ea typeface="Calibri"/>
+                <a:cs typeface="Times New Roman"/>
+              </a:rPr>
+              <a:t>;</a:t>
+            </a:r>
+            <a:endParaRPr lang="en-US" sz="2000" dirty="0">
+              <a:ea typeface="Calibri"/>
+              <a:cs typeface="Times New Roman"/>
+            </a:endParaRPr>
+          </a:p>
+          <a:p>
+            <a:pPr>
+              <a:lnSpc>
+                <a:spcPct val="115000"/>
+              </a:lnSpc>
+              <a:spcAft>
+                <a:spcPts val="0"/>
+              </a:spcAft>
+            </a:pPr>
+            <a:r>
+              <a:rPr lang="en-US" sz="1600" dirty="0">
+                <a:solidFill>
+                  <a:srgbClr val="000000"/>
+                </a:solidFill>
+                <a:highlight>
+                  <a:srgbClr val="FFFFFF"/>
+                </a:highlight>
+                <a:latin typeface="Consolas"/>
+                <a:ea typeface="Calibri"/>
+                <a:cs typeface="Times New Roman"/>
+              </a:rPr>
+              <a:t>            </a:t>
+            </a:r>
+            <a:r>
+              <a:rPr lang="en-US" sz="1600" dirty="0" err="1">
+                <a:solidFill>
+                  <a:srgbClr val="0000FF"/>
+                </a:solidFill>
+                <a:highlight>
+                  <a:srgbClr val="FFFFFF"/>
+                </a:highlight>
+                <a:latin typeface="Consolas"/>
+                <a:ea typeface="Calibri"/>
+                <a:cs typeface="Times New Roman"/>
+              </a:rPr>
+              <a:t>var</a:t>
+            </a:r>
+            <a:r>
+              <a:rPr lang="en-US" sz="1600" dirty="0">
+                <a:solidFill>
+                  <a:srgbClr val="000000"/>
+                </a:solidFill>
+                <a:highlight>
+                  <a:srgbClr val="FFFFFF"/>
+                </a:highlight>
+                <a:latin typeface="Consolas"/>
+                <a:ea typeface="Calibri"/>
+                <a:cs typeface="Times New Roman"/>
+              </a:rPr>
+              <a:t> </a:t>
+            </a:r>
+            <a:r>
+              <a:rPr lang="en-US" sz="1600" dirty="0" err="1">
+                <a:solidFill>
+                  <a:srgbClr val="000000"/>
+                </a:solidFill>
+                <a:highlight>
+                  <a:srgbClr val="FFFFFF"/>
+                </a:highlight>
+                <a:latin typeface="Consolas"/>
+                <a:ea typeface="Calibri"/>
+                <a:cs typeface="Times New Roman"/>
+              </a:rPr>
+              <a:t>existingAccount</a:t>
+            </a:r>
+            <a:r>
+              <a:rPr lang="en-US" sz="1600" dirty="0">
+                <a:solidFill>
+                  <a:srgbClr val="000000"/>
+                </a:solidFill>
+                <a:highlight>
+                  <a:srgbClr val="FFFFFF"/>
+                </a:highlight>
+                <a:latin typeface="Consolas"/>
+                <a:ea typeface="Calibri"/>
+                <a:cs typeface="Times New Roman"/>
+              </a:rPr>
+              <a:t> = </a:t>
+            </a:r>
+            <a:r>
+              <a:rPr lang="en-US" sz="1600" dirty="0" err="1">
+                <a:solidFill>
+                  <a:srgbClr val="000000"/>
+                </a:solidFill>
+                <a:highlight>
+                  <a:srgbClr val="FFFFFF"/>
+                </a:highlight>
+                <a:latin typeface="Consolas"/>
+                <a:ea typeface="Calibri"/>
+                <a:cs typeface="Times New Roman"/>
+              </a:rPr>
+              <a:t>AnAccount</a:t>
+            </a:r>
+            <a:r>
+              <a:rPr lang="en-US" sz="1600" dirty="0">
+                <a:solidFill>
+                  <a:srgbClr val="000000"/>
+                </a:solidFill>
+                <a:highlight>
+                  <a:srgbClr val="FFFFFF"/>
+                </a:highlight>
+                <a:latin typeface="Consolas"/>
+                <a:ea typeface="Calibri"/>
+                <a:cs typeface="Times New Roman"/>
+              </a:rPr>
+              <a:t>();</a:t>
+            </a:r>
+            <a:endParaRPr lang="en-US" sz="2000" dirty="0">
+              <a:ea typeface="Calibri"/>
+              <a:cs typeface="Times New Roman"/>
+            </a:endParaRPr>
+          </a:p>
+          <a:p>
+            <a:pPr>
+              <a:lnSpc>
+                <a:spcPct val="115000"/>
+              </a:lnSpc>
+              <a:spcAft>
+                <a:spcPts val="0"/>
+              </a:spcAft>
+            </a:pPr>
+            <a:r>
+              <a:rPr lang="en-US" sz="1600" dirty="0">
+                <a:solidFill>
+                  <a:srgbClr val="000000"/>
+                </a:solidFill>
+                <a:highlight>
+                  <a:srgbClr val="FFFFFF"/>
+                </a:highlight>
+                <a:latin typeface="Consolas"/>
+                <a:ea typeface="Calibri"/>
+                <a:cs typeface="Times New Roman"/>
+              </a:rPr>
+              <a:t> </a:t>
+            </a:r>
+            <a:endParaRPr lang="en-US" sz="2000" dirty="0">
+              <a:ea typeface="Calibri"/>
+              <a:cs typeface="Times New Roman"/>
+            </a:endParaRPr>
+          </a:p>
+          <a:p>
+            <a:pPr>
+              <a:lnSpc>
+                <a:spcPct val="115000"/>
+              </a:lnSpc>
+              <a:spcAft>
+                <a:spcPts val="0"/>
+              </a:spcAft>
+            </a:pPr>
+            <a:r>
+              <a:rPr lang="en-US" sz="1600" dirty="0">
+                <a:solidFill>
+                  <a:srgbClr val="000000"/>
+                </a:solidFill>
+                <a:highlight>
+                  <a:srgbClr val="FFFFFF"/>
+                </a:highlight>
+                <a:latin typeface="Consolas"/>
+                <a:ea typeface="Calibri"/>
+                <a:cs typeface="Times New Roman"/>
+              </a:rPr>
+              <a:t>            </a:t>
+            </a:r>
+            <a:r>
+              <a:rPr lang="en-US" sz="1600" dirty="0" err="1">
+                <a:solidFill>
+                  <a:srgbClr val="0000FF"/>
+                </a:solidFill>
+                <a:highlight>
+                  <a:srgbClr val="FFFFFF"/>
+                </a:highlight>
+                <a:latin typeface="Consolas"/>
+                <a:ea typeface="Calibri"/>
+                <a:cs typeface="Times New Roman"/>
+              </a:rPr>
+              <a:t>var</a:t>
+            </a:r>
+            <a:r>
+              <a:rPr lang="en-US" sz="1600" dirty="0">
+                <a:solidFill>
+                  <a:srgbClr val="000000"/>
+                </a:solidFill>
+                <a:highlight>
+                  <a:srgbClr val="FFFFFF"/>
+                </a:highlight>
+                <a:latin typeface="Consolas"/>
+                <a:ea typeface="Calibri"/>
+                <a:cs typeface="Times New Roman"/>
+              </a:rPr>
+              <a:t> </a:t>
+            </a:r>
+            <a:r>
+              <a:rPr lang="en-US" sz="1600" dirty="0" err="1">
+                <a:solidFill>
+                  <a:srgbClr val="000000"/>
+                </a:solidFill>
+                <a:highlight>
+                  <a:srgbClr val="FFFFFF"/>
+                </a:highlight>
+                <a:latin typeface="Consolas"/>
+                <a:ea typeface="Calibri"/>
+                <a:cs typeface="Times New Roman"/>
+              </a:rPr>
+              <a:t>sut</a:t>
+            </a:r>
+            <a:r>
+              <a:rPr lang="en-US" sz="1600" dirty="0">
+                <a:solidFill>
+                  <a:srgbClr val="000000"/>
+                </a:solidFill>
+                <a:highlight>
+                  <a:srgbClr val="FFFFFF"/>
+                </a:highlight>
+                <a:latin typeface="Consolas"/>
+                <a:ea typeface="Calibri"/>
+                <a:cs typeface="Times New Roman"/>
+              </a:rPr>
+              <a:t> = </a:t>
+            </a:r>
+            <a:r>
+              <a:rPr lang="en-US" sz="1600" dirty="0">
+                <a:solidFill>
+                  <a:srgbClr val="0000FF"/>
+                </a:solidFill>
+                <a:highlight>
+                  <a:srgbClr val="FFFFFF"/>
+                </a:highlight>
+                <a:latin typeface="Consolas"/>
+                <a:ea typeface="Calibri"/>
+                <a:cs typeface="Times New Roman"/>
+              </a:rPr>
+              <a:t>new</a:t>
+            </a:r>
+            <a:r>
+              <a:rPr lang="en-US" sz="1600" dirty="0">
+                <a:solidFill>
+                  <a:srgbClr val="000000"/>
+                </a:solidFill>
+                <a:highlight>
+                  <a:srgbClr val="FFFFFF"/>
+                </a:highlight>
+                <a:latin typeface="Consolas"/>
+                <a:ea typeface="Calibri"/>
+                <a:cs typeface="Times New Roman"/>
+              </a:rPr>
+              <a:t> </a:t>
+            </a:r>
+            <a:r>
+              <a:rPr lang="en-US" sz="1600" dirty="0" err="1">
+                <a:solidFill>
+                  <a:srgbClr val="2B91AF"/>
+                </a:solidFill>
+                <a:highlight>
+                  <a:srgbClr val="FFFFFF"/>
+                </a:highlight>
+                <a:latin typeface="Consolas"/>
+                <a:ea typeface="Calibri"/>
+                <a:cs typeface="Times New Roman"/>
+              </a:rPr>
+              <a:t>UserAccountService</a:t>
+            </a:r>
+            <a:r>
+              <a:rPr lang="en-US" sz="1600" dirty="0">
+                <a:solidFill>
+                  <a:srgbClr val="000000"/>
+                </a:solidFill>
+                <a:highlight>
+                  <a:srgbClr val="FFFFFF"/>
+                </a:highlight>
+                <a:latin typeface="Consolas"/>
+                <a:ea typeface="Calibri"/>
+                <a:cs typeface="Times New Roman"/>
+              </a:rPr>
+              <a:t>();</a:t>
+            </a:r>
+            <a:endParaRPr lang="en-US" sz="2000" dirty="0">
+              <a:ea typeface="Calibri"/>
+              <a:cs typeface="Times New Roman"/>
+            </a:endParaRPr>
+          </a:p>
+          <a:p>
+            <a:pPr>
+              <a:lnSpc>
+                <a:spcPct val="115000"/>
+              </a:lnSpc>
+              <a:spcAft>
+                <a:spcPts val="0"/>
+              </a:spcAft>
+            </a:pPr>
+            <a:r>
+              <a:rPr lang="en-US" sz="1600" dirty="0">
+                <a:solidFill>
+                  <a:srgbClr val="000000"/>
+                </a:solidFill>
+                <a:highlight>
+                  <a:srgbClr val="FFFFFF"/>
+                </a:highlight>
+                <a:latin typeface="Consolas"/>
+                <a:ea typeface="Calibri"/>
+                <a:cs typeface="Times New Roman"/>
+              </a:rPr>
+              <a:t>            </a:t>
+            </a:r>
+            <a:r>
+              <a:rPr lang="en-US" sz="1600" dirty="0" err="1">
+                <a:solidFill>
+                  <a:srgbClr val="000000"/>
+                </a:solidFill>
+                <a:highlight>
+                  <a:srgbClr val="FFFFFF"/>
+                </a:highlight>
+                <a:latin typeface="Consolas"/>
+                <a:ea typeface="Calibri"/>
+                <a:cs typeface="Times New Roman"/>
+              </a:rPr>
+              <a:t>sut.AccountRepository</a:t>
+            </a:r>
+            <a:r>
+              <a:rPr lang="en-US" sz="1600" dirty="0">
+                <a:solidFill>
+                  <a:srgbClr val="000000"/>
+                </a:solidFill>
+                <a:highlight>
+                  <a:srgbClr val="FFFFFF"/>
+                </a:highlight>
+                <a:latin typeface="Consolas"/>
+                <a:ea typeface="Calibri"/>
+                <a:cs typeface="Times New Roman"/>
+              </a:rPr>
+              <a:t> = </a:t>
+            </a:r>
+            <a:r>
+              <a:rPr lang="en-US" sz="1600" dirty="0">
+                <a:solidFill>
+                  <a:srgbClr val="008000"/>
+                </a:solidFill>
+                <a:highlight>
+                  <a:srgbClr val="FFFFFF"/>
+                </a:highlight>
+                <a:latin typeface="Consolas"/>
+                <a:ea typeface="Calibri"/>
+                <a:cs typeface="Times New Roman"/>
+              </a:rPr>
+              <a:t>//I want to put a fake here !</a:t>
+            </a:r>
+            <a:endParaRPr lang="en-US" sz="2000" dirty="0">
+              <a:ea typeface="Calibri"/>
+              <a:cs typeface="Times New Roman"/>
+            </a:endParaRPr>
+          </a:p>
+          <a:p>
+            <a:pPr>
+              <a:lnSpc>
+                <a:spcPct val="115000"/>
+              </a:lnSpc>
+              <a:spcAft>
+                <a:spcPts val="0"/>
+              </a:spcAft>
+            </a:pPr>
+            <a:r>
+              <a:rPr lang="en-US" sz="1600" dirty="0">
+                <a:solidFill>
+                  <a:srgbClr val="000000"/>
+                </a:solidFill>
+                <a:highlight>
+                  <a:srgbClr val="FFFFFF"/>
+                </a:highlight>
+                <a:latin typeface="Consolas"/>
+                <a:ea typeface="Calibri"/>
+                <a:cs typeface="Times New Roman"/>
+              </a:rPr>
+              <a:t> </a:t>
+            </a:r>
+            <a:endParaRPr lang="en-US" sz="2000" dirty="0">
+              <a:ea typeface="Calibri"/>
+              <a:cs typeface="Times New Roman"/>
+            </a:endParaRPr>
+          </a:p>
+          <a:p>
+            <a:pPr>
+              <a:lnSpc>
+                <a:spcPct val="115000"/>
+              </a:lnSpc>
+              <a:spcAft>
+                <a:spcPts val="0"/>
+              </a:spcAft>
+            </a:pPr>
+            <a:r>
+              <a:rPr lang="en-US" sz="1600" dirty="0">
+                <a:solidFill>
+                  <a:srgbClr val="000000"/>
+                </a:solidFill>
+                <a:highlight>
+                  <a:srgbClr val="FFFFFF"/>
+                </a:highlight>
+                <a:latin typeface="Consolas"/>
+                <a:ea typeface="Calibri"/>
+                <a:cs typeface="Times New Roman"/>
+              </a:rPr>
+              <a:t>            </a:t>
+            </a:r>
+            <a:r>
+              <a:rPr lang="en-US" sz="1600" dirty="0">
+                <a:solidFill>
+                  <a:srgbClr val="008000"/>
+                </a:solidFill>
+                <a:highlight>
+                  <a:srgbClr val="FFFFFF"/>
+                </a:highlight>
+                <a:latin typeface="Consolas"/>
+                <a:ea typeface="Calibri"/>
+                <a:cs typeface="Times New Roman"/>
+              </a:rPr>
+              <a:t>// Act</a:t>
+            </a:r>
+            <a:endParaRPr lang="en-US" sz="2000" dirty="0">
+              <a:ea typeface="Calibri"/>
+              <a:cs typeface="Times New Roman"/>
+            </a:endParaRPr>
+          </a:p>
+          <a:p>
+            <a:pPr>
+              <a:lnSpc>
+                <a:spcPct val="115000"/>
+              </a:lnSpc>
+              <a:spcAft>
+                <a:spcPts val="0"/>
+              </a:spcAft>
+            </a:pPr>
+            <a:r>
+              <a:rPr lang="en-US" sz="1600" dirty="0">
+                <a:solidFill>
+                  <a:srgbClr val="000000"/>
+                </a:solidFill>
+                <a:highlight>
+                  <a:srgbClr val="FFFFFF"/>
+                </a:highlight>
+                <a:latin typeface="Consolas"/>
+                <a:ea typeface="Calibri"/>
+                <a:cs typeface="Times New Roman"/>
+              </a:rPr>
+              <a:t>            </a:t>
+            </a:r>
+            <a:r>
+              <a:rPr lang="en-US" sz="1600" dirty="0" err="1">
+                <a:solidFill>
+                  <a:srgbClr val="000000"/>
+                </a:solidFill>
+                <a:highlight>
+                  <a:srgbClr val="FFFFFF"/>
+                </a:highlight>
+                <a:latin typeface="Consolas"/>
+                <a:ea typeface="Calibri"/>
+                <a:cs typeface="Times New Roman"/>
+              </a:rPr>
+              <a:t>sut.RenameAccount</a:t>
+            </a:r>
+            <a:r>
+              <a:rPr lang="en-US" sz="1600" dirty="0">
+                <a:solidFill>
+                  <a:srgbClr val="000000"/>
+                </a:solidFill>
+                <a:highlight>
+                  <a:srgbClr val="FFFFFF"/>
+                </a:highlight>
+                <a:latin typeface="Consolas"/>
+                <a:ea typeface="Calibri"/>
+                <a:cs typeface="Times New Roman"/>
+              </a:rPr>
+              <a:t>(</a:t>
+            </a:r>
+            <a:r>
+              <a:rPr lang="en-US" sz="1600" dirty="0" err="1">
+                <a:solidFill>
+                  <a:srgbClr val="000000"/>
+                </a:solidFill>
+                <a:highlight>
+                  <a:srgbClr val="FFFFFF"/>
+                </a:highlight>
+                <a:latin typeface="Consolas"/>
+                <a:ea typeface="Calibri"/>
+                <a:cs typeface="Times New Roman"/>
+              </a:rPr>
+              <a:t>existingAccount.CustomerId</a:t>
+            </a:r>
+            <a:r>
+              <a:rPr lang="en-US" sz="1600" dirty="0">
+                <a:solidFill>
+                  <a:srgbClr val="000000"/>
+                </a:solidFill>
+                <a:highlight>
+                  <a:srgbClr val="FFFFFF"/>
+                </a:highlight>
+                <a:latin typeface="Consolas"/>
+                <a:ea typeface="Calibri"/>
+                <a:cs typeface="Times New Roman"/>
+              </a:rPr>
+              <a:t>, </a:t>
+            </a:r>
+            <a:r>
+              <a:rPr lang="en-US" sz="1600" dirty="0" err="1">
+                <a:solidFill>
+                  <a:srgbClr val="000000"/>
+                </a:solidFill>
+                <a:highlight>
+                  <a:srgbClr val="FFFFFF"/>
+                </a:highlight>
+                <a:latin typeface="Consolas"/>
+                <a:ea typeface="Calibri"/>
+                <a:cs typeface="Times New Roman"/>
+              </a:rPr>
+              <a:t>existingAccount.Id</a:t>
+            </a:r>
+            <a:r>
+              <a:rPr lang="en-US" sz="1600" dirty="0">
+                <a:solidFill>
+                  <a:srgbClr val="000000"/>
+                </a:solidFill>
+                <a:highlight>
+                  <a:srgbClr val="FFFFFF"/>
+                </a:highlight>
+                <a:latin typeface="Consolas"/>
+                <a:ea typeface="Calibri"/>
+                <a:cs typeface="Times New Roman"/>
+              </a:rPr>
+              <a:t>, </a:t>
+            </a:r>
+            <a:r>
+              <a:rPr lang="en-US" sz="1600" dirty="0" err="1">
+                <a:solidFill>
+                  <a:srgbClr val="000000"/>
+                </a:solidFill>
+                <a:highlight>
+                  <a:srgbClr val="FFFFFF"/>
+                </a:highlight>
+                <a:latin typeface="Consolas"/>
+                <a:ea typeface="Calibri"/>
+                <a:cs typeface="Times New Roman"/>
+              </a:rPr>
+              <a:t>newName</a:t>
+            </a:r>
+            <a:r>
+              <a:rPr lang="en-US" sz="1600" dirty="0">
+                <a:solidFill>
+                  <a:srgbClr val="000000"/>
+                </a:solidFill>
+                <a:highlight>
+                  <a:srgbClr val="FFFFFF"/>
+                </a:highlight>
+                <a:latin typeface="Consolas"/>
+                <a:ea typeface="Calibri"/>
+                <a:cs typeface="Times New Roman"/>
+              </a:rPr>
+              <a:t>);</a:t>
+            </a:r>
+            <a:endParaRPr lang="en-US" sz="2000" dirty="0">
+              <a:ea typeface="Calibri"/>
+              <a:cs typeface="Times New Roman"/>
+            </a:endParaRPr>
+          </a:p>
+          <a:p>
+            <a:pPr>
+              <a:lnSpc>
+                <a:spcPct val="115000"/>
+              </a:lnSpc>
+              <a:spcAft>
+                <a:spcPts val="0"/>
+              </a:spcAft>
+            </a:pPr>
+            <a:r>
+              <a:rPr lang="en-US" sz="1600" dirty="0">
+                <a:solidFill>
+                  <a:srgbClr val="000000"/>
+                </a:solidFill>
+                <a:highlight>
+                  <a:srgbClr val="FFFFFF"/>
+                </a:highlight>
+                <a:latin typeface="Consolas"/>
+                <a:ea typeface="Calibri"/>
+                <a:cs typeface="Times New Roman"/>
+              </a:rPr>
+              <a:t> </a:t>
+            </a:r>
+            <a:endParaRPr lang="en-US" sz="2000" dirty="0">
+              <a:ea typeface="Calibri"/>
+              <a:cs typeface="Times New Roman"/>
+            </a:endParaRPr>
+          </a:p>
+          <a:p>
+            <a:pPr>
+              <a:lnSpc>
+                <a:spcPct val="115000"/>
+              </a:lnSpc>
+              <a:spcAft>
+                <a:spcPts val="0"/>
+              </a:spcAft>
+            </a:pPr>
+            <a:r>
+              <a:rPr lang="en-US" sz="1600" dirty="0">
+                <a:solidFill>
+                  <a:srgbClr val="000000"/>
+                </a:solidFill>
+                <a:highlight>
+                  <a:srgbClr val="FFFFFF"/>
+                </a:highlight>
+                <a:latin typeface="Consolas"/>
+                <a:ea typeface="Calibri"/>
+                <a:cs typeface="Times New Roman"/>
+              </a:rPr>
+              <a:t>            </a:t>
+            </a:r>
+            <a:r>
+              <a:rPr lang="en-US" sz="1600" dirty="0">
+                <a:solidFill>
+                  <a:srgbClr val="008000"/>
+                </a:solidFill>
+                <a:highlight>
+                  <a:srgbClr val="FFFFFF"/>
+                </a:highlight>
+                <a:latin typeface="Consolas"/>
+                <a:ea typeface="Calibri"/>
+                <a:cs typeface="Times New Roman"/>
+              </a:rPr>
+              <a:t>// Assert		</a:t>
+            </a:r>
+            <a:endParaRPr lang="en-US" sz="2000" dirty="0">
+              <a:ea typeface="Calibri"/>
+              <a:cs typeface="Times New Roman"/>
+            </a:endParaRPr>
+          </a:p>
+          <a:p>
+            <a:pPr>
+              <a:lnSpc>
+                <a:spcPct val="115000"/>
+              </a:lnSpc>
+              <a:spcAft>
+                <a:spcPts val="0"/>
+              </a:spcAft>
+            </a:pPr>
+            <a:r>
+              <a:rPr lang="en-US" sz="1600" dirty="0">
+                <a:solidFill>
+                  <a:srgbClr val="000000"/>
+                </a:solidFill>
+                <a:highlight>
+                  <a:srgbClr val="FFFFFF"/>
+                </a:highlight>
+                <a:latin typeface="Consolas"/>
+                <a:ea typeface="Calibri"/>
+                <a:cs typeface="Times New Roman"/>
+              </a:rPr>
+              <a:t>            </a:t>
+            </a:r>
+            <a:r>
+              <a:rPr lang="en-US" sz="1600" dirty="0">
+                <a:solidFill>
+                  <a:srgbClr val="008000"/>
+                </a:solidFill>
+                <a:highlight>
+                  <a:srgbClr val="FFFFFF"/>
+                </a:highlight>
+                <a:latin typeface="Consolas"/>
+                <a:ea typeface="Calibri"/>
+                <a:cs typeface="Times New Roman"/>
+              </a:rPr>
+              <a:t>// I want to verify what happened ..</a:t>
+            </a:r>
+            <a:endParaRPr lang="en-US" sz="2000" dirty="0">
+              <a:ea typeface="Calibri"/>
+              <a:cs typeface="Times New Roman"/>
+            </a:endParaRPr>
+          </a:p>
+          <a:p>
+            <a:pPr>
+              <a:lnSpc>
+                <a:spcPct val="115000"/>
+              </a:lnSpc>
+              <a:spcAft>
+                <a:spcPts val="1000"/>
+              </a:spcAft>
+            </a:pPr>
+            <a:r>
+              <a:rPr lang="en-US" sz="1600" dirty="0">
+                <a:solidFill>
+                  <a:srgbClr val="000000"/>
+                </a:solidFill>
+                <a:highlight>
+                  <a:srgbClr val="FFFFFF"/>
+                </a:highlight>
+                <a:latin typeface="Consolas"/>
+                <a:ea typeface="Calibri"/>
+                <a:cs typeface="Times New Roman"/>
+              </a:rPr>
+              <a:t>        </a:t>
+            </a:r>
+            <a:r>
+              <a:rPr lang="en-US" sz="1600" dirty="0" smtClean="0">
+                <a:solidFill>
+                  <a:srgbClr val="000000"/>
+                </a:solidFill>
+                <a:highlight>
+                  <a:srgbClr val="FFFFFF"/>
+                </a:highlight>
+                <a:latin typeface="Consolas"/>
+                <a:ea typeface="Calibri"/>
+                <a:cs typeface="Times New Roman"/>
+              </a:rPr>
+              <a:t>}</a:t>
+            </a:r>
+          </a:p>
+          <a:p>
+            <a:pPr>
+              <a:lnSpc>
+                <a:spcPct val="115000"/>
+              </a:lnSpc>
+              <a:spcAft>
+                <a:spcPts val="1000"/>
+              </a:spcAft>
+            </a:pPr>
+            <a:r>
+              <a:rPr lang="en-US" sz="1600" i="1" dirty="0" smtClean="0">
+                <a:solidFill>
+                  <a:srgbClr val="000000"/>
+                </a:solidFill>
+                <a:highlight>
+                  <a:srgbClr val="FFFFFF"/>
+                </a:highlight>
+                <a:latin typeface="+mj-lt"/>
+                <a:ea typeface="Calibri"/>
+                <a:cs typeface="Times New Roman"/>
+              </a:rPr>
+              <a:t>In </a:t>
+            </a:r>
+            <a:r>
+              <a:rPr lang="en-US" sz="1600" i="1" dirty="0" err="1" smtClean="0">
+                <a:solidFill>
+                  <a:srgbClr val="000000"/>
+                </a:solidFill>
+                <a:highlight>
+                  <a:srgbClr val="FFFFFF"/>
+                </a:highlight>
+                <a:latin typeface="+mj-lt"/>
+                <a:ea typeface="Calibri"/>
+                <a:cs typeface="Times New Roman"/>
+              </a:rPr>
+              <a:t>UserAccountServiceTest.cs</a:t>
+            </a:r>
+            <a:r>
+              <a:rPr lang="en-US" sz="1600" i="1" dirty="0" smtClean="0">
+                <a:solidFill>
+                  <a:srgbClr val="000000"/>
+                </a:solidFill>
+                <a:highlight>
+                  <a:srgbClr val="FFFFFF"/>
+                </a:highlight>
+                <a:latin typeface="+mj-lt"/>
+                <a:ea typeface="Calibri"/>
+                <a:cs typeface="Times New Roman"/>
+              </a:rPr>
+              <a:t> , in test project </a:t>
+            </a:r>
+            <a:r>
+              <a:rPr lang="en-US" sz="1600" i="1" dirty="0" err="1" smtClean="0">
+                <a:solidFill>
+                  <a:srgbClr val="000000"/>
+                </a:solidFill>
+                <a:highlight>
+                  <a:srgbClr val="FFFFFF"/>
+                </a:highlight>
+                <a:latin typeface="+mj-lt"/>
+                <a:ea typeface="Calibri"/>
+                <a:cs typeface="Times New Roman"/>
+              </a:rPr>
+              <a:t>Business.Tests</a:t>
+            </a:r>
+            <a:endParaRPr lang="en-US" sz="2000" i="1" dirty="0">
+              <a:latin typeface="+mj-lt"/>
+              <a:ea typeface="Calibri"/>
+              <a:cs typeface="Times New Roman"/>
+            </a:endParaRPr>
           </a:p>
         </p:txBody>
       </p:sp>
@@ -15071,9 +17120,126 @@
   <p:timing>
     <p:tnLst>
       <p:par>
-        <p:cTn id="1" dur="indefinite" restart="never" nodeType="tmRoot"/>
+        <p:cTn id="1" dur="indefinite" restart="never" nodeType="tmRoot">
+          <p:childTnLst>
+            <p:seq concurrent="1" nextAc="seek">
+              <p:cTn id="2" dur="indefinite" nodeType="mainSeq">
+                <p:childTnLst>
+                  <p:par>
+                    <p:cTn id="3" fill="hold">
+                      <p:stCondLst>
+                        <p:cond delay="indefinite"/>
+                      </p:stCondLst>
+                      <p:childTnLst>
+                        <p:par>
+                          <p:cTn id="4" fill="hold">
+                            <p:stCondLst>
+                              <p:cond delay="0"/>
+                            </p:stCondLst>
+                            <p:childTnLst>
+                              <p:par>
+                                <p:cTn id="5" presetID="1" presetClass="entr" presetSubtype="0" fill="hold" grpId="0" nodeType="clickEffect">
+                                  <p:stCondLst>
+                                    <p:cond delay="0"/>
+                                  </p:stCondLst>
+                                  <p:childTnLst>
+                                    <p:set>
+                                      <p:cBhvr>
+                                        <p:cTn id="6" dur="1" fill="hold">
+                                          <p:stCondLst>
+                                            <p:cond delay="0"/>
+                                          </p:stCondLst>
+                                        </p:cTn>
+                                        <p:tgtEl>
+                                          <p:spTgt spid="4"/>
+                                        </p:tgtEl>
+                                        <p:attrNameLst>
+                                          <p:attrName>style.visibility</p:attrName>
+                                        </p:attrNameLst>
+                                      </p:cBhvr>
+                                      <p:to>
+                                        <p:strVal val="visible"/>
+                                      </p:to>
+                                    </p:set>
+                                  </p:childTnLst>
+                                </p:cTn>
+                              </p:par>
+                            </p:childTnLst>
+                          </p:cTn>
+                        </p:par>
+                      </p:childTnLst>
+                    </p:cTn>
+                  </p:par>
+                  <p:par>
+                    <p:cTn id="7" fill="hold">
+                      <p:stCondLst>
+                        <p:cond delay="indefinite"/>
+                      </p:stCondLst>
+                      <p:childTnLst>
+                        <p:par>
+                          <p:cTn id="8" fill="hold">
+                            <p:stCondLst>
+                              <p:cond delay="0"/>
+                            </p:stCondLst>
+                            <p:childTnLst>
+                              <p:par>
+                                <p:cTn id="9" presetID="1" presetClass="entr" presetSubtype="0" fill="hold" grpId="0" nodeType="clickEffect">
+                                  <p:stCondLst>
+                                    <p:cond delay="0"/>
+                                  </p:stCondLst>
+                                  <p:childTnLst>
+                                    <p:set>
+                                      <p:cBhvr>
+                                        <p:cTn id="10" dur="1" fill="hold">
+                                          <p:stCondLst>
+                                            <p:cond delay="0"/>
+                                          </p:stCondLst>
+                                        </p:cTn>
+                                        <p:tgtEl>
+                                          <p:spTgt spid="5"/>
+                                        </p:tgtEl>
+                                        <p:attrNameLst>
+                                          <p:attrName>style.visibility</p:attrName>
+                                        </p:attrNameLst>
+                                      </p:cBhvr>
+                                      <p:to>
+                                        <p:strVal val="visible"/>
+                                      </p:to>
+                                    </p:set>
+                                  </p:childTnLst>
+                                </p:cTn>
+                              </p:par>
+                            </p:childTnLst>
+                          </p:cTn>
+                        </p:par>
+                      </p:childTnLst>
+                    </p:cTn>
+                  </p:par>
+                </p:childTnLst>
+              </p:cTn>
+              <p:prevCondLst>
+                <p:cond evt="onPrev" delay="0">
+                  <p:tgtEl>
+                    <p:sldTgt/>
+                  </p:tgtEl>
+                </p:cond>
+              </p:prevCondLst>
+              <p:nextCondLst>
+                <p:cond evt="onNext" delay="0">
+                  <p:tgtEl>
+                    <p:sldTgt/>
+                  </p:tgtEl>
+                </p:cond>
+              </p:nextCondLst>
+            </p:seq>
+          </p:childTnLst>
+        </p:cTn>
       </p:par>
     </p:tnLst>
+    <p:bldLst>
+      <p:bldP spid="4" grpId="0" animBg="1"/>
+      <p:bldP spid="5" grpId="0" animBg="1"/>
+    </p:bldLst>
   </p:timing>
 </p:sld>
 </file>
@@ -15322,7 +17488,7 @@
           <a:p>
             <a:r>
               <a:rPr lang="en-US" dirty="0" smtClean="0"/>
-              <a:t>Making it testable - Constructor</a:t>
+              <a:t>Programming to an interface</a:t>
             </a:r>
             <a:endParaRPr lang="en-US" dirty="0"/>
           </a:p>
@@ -15347,10 +17513,2674 @@
           </a:p>
         </p:txBody>
       </p:sp>
+      <p:pic>
+        <p:nvPicPr>
+          <p:cNvPr id="4098" name="Picture 2"/>
+          <p:cNvPicPr>
+            <a:picLocks noChangeAspect="1" noChangeArrowheads="1"/>
+          </p:cNvPicPr>
+          <p:nvPr/>
+        </p:nvPicPr>
+        <p:blipFill>
+          <a:blip r:embed="rId3">
+            <a:extLst>
+              <a:ext uri="{28A0092B-C50C-407E-A947-70E740481C1C}">
+                <a14:useLocalDpi xmlns:a14="http://schemas.microsoft.com/office/drawing/2010/main" val="0"/>
+              </a:ext>
+            </a:extLst>
+          </a:blip>
+          <a:srcRect/>
+          <a:stretch>
+            <a:fillRect/>
+          </a:stretch>
+        </p:blipFill>
+        <p:spPr bwMode="auto">
+          <a:xfrm>
+            <a:off x="65851" y="1196752"/>
+            <a:ext cx="9042653" cy="3320008"/>
+          </a:xfrm>
+          <a:prstGeom prst="rect">
+            <a:avLst/>
+          </a:prstGeom>
+          <a:noFill/>
+          <a:ln>
+            <a:noFill/>
+          </a:ln>
+          <a:extLst>
+            <a:ext uri="{909E8E84-426E-40DD-AFC4-6F175D3DCCD1}">
+              <a14:hiddenFill xmlns:a14="http://schemas.microsoft.com/office/drawing/2010/main">
+                <a:solidFill>
+                  <a:schemeClr val="accent1"/>
+                </a:solidFill>
+              </a14:hiddenFill>
+            </a:ext>
+            <a:ext uri="{91240B29-F687-4F45-9708-019B960494DF}">
+              <a14:hiddenLine xmlns:a14="http://schemas.microsoft.com/office/drawing/2010/main" w="9525">
+                <a:solidFill>
+                  <a:schemeClr val="tx1"/>
+                </a:solidFill>
+                <a:miter lim="800000"/>
+                <a:headEnd/>
+                <a:tailEnd/>
+              </a14:hiddenLine>
+            </a:ext>
+          </a:extLst>
+        </p:spPr>
+      </p:pic>
+      <p:sp>
+        <p:nvSpPr>
+          <p:cNvPr id="5" name="TextBox 4"/>
+          <p:cNvSpPr txBox="1"/>
+          <p:nvPr/>
+        </p:nvSpPr>
+        <p:spPr>
+          <a:xfrm>
+            <a:off x="69399" y="1162950"/>
+            <a:ext cx="8784976" cy="3490186"/>
+          </a:xfrm>
+          <a:prstGeom prst="rect">
+            <a:avLst/>
+          </a:prstGeom>
+          <a:solidFill>
+            <a:schemeClr val="bg1"/>
+          </a:solidFill>
+          <a:ln>
+            <a:solidFill>
+              <a:schemeClr val="accent1"/>
+            </a:solidFill>
+          </a:ln>
+        </p:spPr>
+        <p:txBody>
+          <a:bodyPr wrap="square" rtlCol="0">
+            <a:spAutoFit/>
+          </a:bodyPr>
+          <a:lstStyle/>
+          <a:p>
+            <a:pPr>
+              <a:lnSpc>
+                <a:spcPct val="115000"/>
+              </a:lnSpc>
+              <a:spcAft>
+                <a:spcPts val="0"/>
+              </a:spcAft>
+            </a:pPr>
+            <a:r>
+              <a:rPr lang="en-US" sz="1600" dirty="0">
+                <a:solidFill>
+                  <a:srgbClr val="000000"/>
+                </a:solidFill>
+                <a:highlight>
+                  <a:srgbClr val="FFFFFF"/>
+                </a:highlight>
+                <a:latin typeface="Consolas"/>
+                <a:ea typeface="Calibri"/>
+                <a:cs typeface="Times New Roman"/>
+              </a:rPr>
+              <a:t> </a:t>
+            </a:r>
+            <a:r>
+              <a:rPr lang="en-US" sz="1600" dirty="0">
+                <a:solidFill>
+                  <a:srgbClr val="0000FF"/>
+                </a:solidFill>
+                <a:highlight>
+                  <a:srgbClr val="FFFFFF"/>
+                </a:highlight>
+                <a:latin typeface="Consolas"/>
+                <a:ea typeface="Calibri"/>
+                <a:cs typeface="Times New Roman"/>
+              </a:rPr>
+              <a:t>public</a:t>
+            </a:r>
+            <a:r>
+              <a:rPr lang="en-US" sz="1600" dirty="0">
+                <a:solidFill>
+                  <a:srgbClr val="000000"/>
+                </a:solidFill>
+                <a:highlight>
+                  <a:srgbClr val="FFFFFF"/>
+                </a:highlight>
+                <a:latin typeface="Consolas"/>
+                <a:ea typeface="Calibri"/>
+                <a:cs typeface="Times New Roman"/>
+              </a:rPr>
+              <a:t> </a:t>
+            </a:r>
+            <a:r>
+              <a:rPr lang="en-US" sz="1600" dirty="0">
+                <a:solidFill>
+                  <a:srgbClr val="0000FF"/>
+                </a:solidFill>
+                <a:highlight>
+                  <a:srgbClr val="FFFFFF"/>
+                </a:highlight>
+                <a:latin typeface="Consolas"/>
+                <a:ea typeface="Calibri"/>
+                <a:cs typeface="Times New Roman"/>
+              </a:rPr>
+              <a:t>class</a:t>
+            </a:r>
+            <a:r>
+              <a:rPr lang="en-US" sz="1600" dirty="0">
+                <a:solidFill>
+                  <a:srgbClr val="000000"/>
+                </a:solidFill>
+                <a:highlight>
+                  <a:srgbClr val="FFFFFF"/>
+                </a:highlight>
+                <a:latin typeface="Consolas"/>
+                <a:ea typeface="Calibri"/>
+                <a:cs typeface="Times New Roman"/>
+              </a:rPr>
+              <a:t> </a:t>
+            </a:r>
+            <a:r>
+              <a:rPr lang="en-US" sz="1600" dirty="0" err="1">
+                <a:solidFill>
+                  <a:srgbClr val="2B91AF"/>
+                </a:solidFill>
+                <a:highlight>
+                  <a:srgbClr val="FFFFFF"/>
+                </a:highlight>
+                <a:latin typeface="Consolas"/>
+                <a:ea typeface="Calibri"/>
+                <a:cs typeface="Times New Roman"/>
+              </a:rPr>
+              <a:t>UserAccountService</a:t>
+            </a:r>
+            <a:r>
+              <a:rPr lang="en-US" sz="1600" dirty="0">
+                <a:solidFill>
+                  <a:srgbClr val="000000"/>
+                </a:solidFill>
+                <a:highlight>
+                  <a:srgbClr val="FFFFFF"/>
+                </a:highlight>
+                <a:latin typeface="Consolas"/>
+                <a:ea typeface="Calibri"/>
+                <a:cs typeface="Times New Roman"/>
+              </a:rPr>
+              <a:t> : </a:t>
+            </a:r>
+            <a:r>
+              <a:rPr lang="en-US" sz="1600" dirty="0" err="1">
+                <a:solidFill>
+                  <a:srgbClr val="2B91AF"/>
+                </a:solidFill>
+                <a:highlight>
+                  <a:srgbClr val="FFFFFF"/>
+                </a:highlight>
+                <a:latin typeface="Consolas"/>
+                <a:ea typeface="Calibri"/>
+                <a:cs typeface="Times New Roman"/>
+              </a:rPr>
+              <a:t>IUserAccountService</a:t>
+            </a:r>
+            <a:endParaRPr lang="en-US" sz="2000" dirty="0">
+              <a:ea typeface="Calibri"/>
+              <a:cs typeface="Times New Roman"/>
+            </a:endParaRPr>
+          </a:p>
+          <a:p>
+            <a:pPr>
+              <a:lnSpc>
+                <a:spcPct val="115000"/>
+              </a:lnSpc>
+              <a:spcAft>
+                <a:spcPts val="0"/>
+              </a:spcAft>
+            </a:pPr>
+            <a:r>
+              <a:rPr lang="en-US" sz="1600" dirty="0">
+                <a:solidFill>
+                  <a:srgbClr val="000000"/>
+                </a:solidFill>
+                <a:highlight>
+                  <a:srgbClr val="FFFFFF"/>
+                </a:highlight>
+                <a:latin typeface="Consolas"/>
+                <a:ea typeface="Calibri"/>
+                <a:cs typeface="Times New Roman"/>
+              </a:rPr>
+              <a:t>    {</a:t>
+            </a:r>
+            <a:endParaRPr lang="en-US" sz="2000" dirty="0">
+              <a:ea typeface="Calibri"/>
+              <a:cs typeface="Times New Roman"/>
+            </a:endParaRPr>
+          </a:p>
+          <a:p>
+            <a:pPr>
+              <a:lnSpc>
+                <a:spcPct val="115000"/>
+              </a:lnSpc>
+              <a:spcAft>
+                <a:spcPts val="0"/>
+              </a:spcAft>
+            </a:pPr>
+            <a:r>
+              <a:rPr lang="en-US" sz="1600" dirty="0">
+                <a:solidFill>
+                  <a:srgbClr val="000000"/>
+                </a:solidFill>
+                <a:highlight>
+                  <a:srgbClr val="FFFFFF"/>
+                </a:highlight>
+                <a:latin typeface="Consolas"/>
+                <a:ea typeface="Calibri"/>
+                <a:cs typeface="Times New Roman"/>
+              </a:rPr>
+              <a:t>        </a:t>
+            </a:r>
+            <a:r>
+              <a:rPr lang="en-US" sz="1600" dirty="0">
+                <a:solidFill>
+                  <a:srgbClr val="0000FF"/>
+                </a:solidFill>
+                <a:highlight>
+                  <a:srgbClr val="FFFFFF"/>
+                </a:highlight>
+                <a:latin typeface="Consolas"/>
+                <a:ea typeface="Calibri"/>
+                <a:cs typeface="Times New Roman"/>
+              </a:rPr>
+              <a:t>public</a:t>
+            </a:r>
+            <a:r>
+              <a:rPr lang="en-US" sz="1600" dirty="0">
+                <a:solidFill>
+                  <a:srgbClr val="000000"/>
+                </a:solidFill>
+                <a:highlight>
+                  <a:srgbClr val="FFFFFF"/>
+                </a:highlight>
+                <a:latin typeface="Consolas"/>
+                <a:ea typeface="Calibri"/>
+                <a:cs typeface="Times New Roman"/>
+              </a:rPr>
+              <a:t> </a:t>
+            </a:r>
+            <a:r>
+              <a:rPr lang="en-US" sz="1600" dirty="0" err="1">
+                <a:solidFill>
+                  <a:srgbClr val="000000"/>
+                </a:solidFill>
+                <a:highlight>
+                  <a:srgbClr val="FFFFFF"/>
+                </a:highlight>
+                <a:latin typeface="Consolas"/>
+                <a:ea typeface="Calibri"/>
+                <a:cs typeface="Times New Roman"/>
+              </a:rPr>
+              <a:t>UserAccountService</a:t>
+            </a:r>
+            <a:r>
+              <a:rPr lang="en-US" sz="1600" dirty="0">
+                <a:solidFill>
+                  <a:srgbClr val="000000"/>
+                </a:solidFill>
+                <a:highlight>
+                  <a:srgbClr val="FFFFFF"/>
+                </a:highlight>
+                <a:latin typeface="Consolas"/>
+                <a:ea typeface="Calibri"/>
+                <a:cs typeface="Times New Roman"/>
+              </a:rPr>
+              <a:t>()</a:t>
+            </a:r>
+            <a:endParaRPr lang="en-US" sz="2000" dirty="0">
+              <a:ea typeface="Calibri"/>
+              <a:cs typeface="Times New Roman"/>
+            </a:endParaRPr>
+          </a:p>
+          <a:p>
+            <a:pPr>
+              <a:lnSpc>
+                <a:spcPct val="115000"/>
+              </a:lnSpc>
+              <a:spcAft>
+                <a:spcPts val="0"/>
+              </a:spcAft>
+            </a:pPr>
+            <a:r>
+              <a:rPr lang="en-US" sz="1600" dirty="0">
+                <a:solidFill>
+                  <a:srgbClr val="000000"/>
+                </a:solidFill>
+                <a:highlight>
+                  <a:srgbClr val="FFFFFF"/>
+                </a:highlight>
+                <a:latin typeface="Consolas"/>
+                <a:ea typeface="Calibri"/>
+                <a:cs typeface="Times New Roman"/>
+              </a:rPr>
+              <a:t>        {</a:t>
+            </a:r>
+            <a:endParaRPr lang="en-US" sz="2000" dirty="0">
+              <a:ea typeface="Calibri"/>
+              <a:cs typeface="Times New Roman"/>
+            </a:endParaRPr>
+          </a:p>
+          <a:p>
+            <a:pPr>
+              <a:lnSpc>
+                <a:spcPct val="115000"/>
+              </a:lnSpc>
+              <a:spcAft>
+                <a:spcPts val="0"/>
+              </a:spcAft>
+            </a:pPr>
+            <a:r>
+              <a:rPr lang="en-US" sz="1600" dirty="0">
+                <a:solidFill>
+                  <a:srgbClr val="000000"/>
+                </a:solidFill>
+                <a:highlight>
+                  <a:srgbClr val="FFFFFF"/>
+                </a:highlight>
+                <a:latin typeface="Consolas"/>
+                <a:ea typeface="Calibri"/>
+                <a:cs typeface="Times New Roman"/>
+              </a:rPr>
+              <a:t>            </a:t>
+            </a:r>
+            <a:r>
+              <a:rPr lang="en-US" sz="1600" dirty="0" err="1">
+                <a:solidFill>
+                  <a:srgbClr val="000000"/>
+                </a:solidFill>
+                <a:highlight>
+                  <a:srgbClr val="FFFFFF"/>
+                </a:highlight>
+                <a:latin typeface="Consolas"/>
+                <a:ea typeface="Calibri"/>
+                <a:cs typeface="Times New Roman"/>
+              </a:rPr>
+              <a:t>AccountRepository</a:t>
+            </a:r>
+            <a:r>
+              <a:rPr lang="en-US" sz="1600" dirty="0">
+                <a:solidFill>
+                  <a:srgbClr val="000000"/>
+                </a:solidFill>
+                <a:highlight>
+                  <a:srgbClr val="FFFFFF"/>
+                </a:highlight>
+                <a:latin typeface="Consolas"/>
+                <a:ea typeface="Calibri"/>
+                <a:cs typeface="Times New Roman"/>
+              </a:rPr>
+              <a:t> = </a:t>
+            </a:r>
+            <a:r>
+              <a:rPr lang="en-US" sz="1600" dirty="0">
+                <a:solidFill>
+                  <a:srgbClr val="0000FF"/>
+                </a:solidFill>
+                <a:highlight>
+                  <a:srgbClr val="FFFFFF"/>
+                </a:highlight>
+                <a:latin typeface="Consolas"/>
+                <a:ea typeface="Calibri"/>
+                <a:cs typeface="Times New Roman"/>
+              </a:rPr>
+              <a:t>new</a:t>
+            </a:r>
+            <a:r>
+              <a:rPr lang="en-US" sz="1600" dirty="0">
+                <a:solidFill>
+                  <a:srgbClr val="000000"/>
+                </a:solidFill>
+                <a:highlight>
+                  <a:srgbClr val="FFFFFF"/>
+                </a:highlight>
+                <a:latin typeface="Consolas"/>
+                <a:ea typeface="Calibri"/>
+                <a:cs typeface="Times New Roman"/>
+              </a:rPr>
+              <a:t> </a:t>
+            </a:r>
+            <a:r>
+              <a:rPr lang="en-US" sz="1600" dirty="0" err="1">
+                <a:solidFill>
+                  <a:srgbClr val="2B91AF"/>
+                </a:solidFill>
+                <a:highlight>
+                  <a:srgbClr val="FFFFFF"/>
+                </a:highlight>
+                <a:latin typeface="Consolas"/>
+                <a:ea typeface="Calibri"/>
+                <a:cs typeface="Times New Roman"/>
+              </a:rPr>
+              <a:t>AccountRepository</a:t>
+            </a:r>
+            <a:r>
+              <a:rPr lang="en-US" sz="1600" dirty="0">
+                <a:solidFill>
+                  <a:srgbClr val="000000"/>
+                </a:solidFill>
+                <a:highlight>
+                  <a:srgbClr val="FFFFFF"/>
+                </a:highlight>
+                <a:latin typeface="Consolas"/>
+                <a:ea typeface="Calibri"/>
+                <a:cs typeface="Times New Roman"/>
+              </a:rPr>
+              <a:t>(</a:t>
+            </a:r>
+            <a:r>
+              <a:rPr lang="en-US" sz="1600" dirty="0">
+                <a:solidFill>
+                  <a:srgbClr val="A31515"/>
+                </a:solidFill>
+                <a:highlight>
+                  <a:srgbClr val="FFFFFF"/>
+                </a:highlight>
+                <a:latin typeface="Consolas"/>
+                <a:ea typeface="Calibri"/>
+                <a:cs typeface="Times New Roman"/>
+              </a:rPr>
+              <a:t>"</a:t>
+            </a:r>
+            <a:r>
+              <a:rPr lang="en-US" sz="1600" dirty="0" err="1">
+                <a:solidFill>
+                  <a:srgbClr val="A31515"/>
+                </a:solidFill>
+                <a:highlight>
+                  <a:srgbClr val="FFFFFF"/>
+                </a:highlight>
+                <a:latin typeface="Consolas"/>
+                <a:ea typeface="Calibri"/>
+                <a:cs typeface="Times New Roman"/>
+              </a:rPr>
+              <a:t>BankingContext</a:t>
+            </a:r>
+            <a:r>
+              <a:rPr lang="en-US" sz="1600" dirty="0">
+                <a:solidFill>
+                  <a:srgbClr val="A31515"/>
+                </a:solidFill>
+                <a:highlight>
+                  <a:srgbClr val="FFFFFF"/>
+                </a:highlight>
+                <a:latin typeface="Consolas"/>
+                <a:ea typeface="Calibri"/>
+                <a:cs typeface="Times New Roman"/>
+              </a:rPr>
+              <a:t>"</a:t>
+            </a:r>
+            <a:r>
+              <a:rPr lang="en-US" sz="1600" dirty="0">
+                <a:solidFill>
+                  <a:srgbClr val="000000"/>
+                </a:solidFill>
+                <a:highlight>
+                  <a:srgbClr val="FFFFFF"/>
+                </a:highlight>
+                <a:latin typeface="Consolas"/>
+                <a:ea typeface="Calibri"/>
+                <a:cs typeface="Times New Roman"/>
+              </a:rPr>
+              <a:t>);</a:t>
+            </a:r>
+            <a:endParaRPr lang="en-US" sz="2000" dirty="0">
+              <a:ea typeface="Calibri"/>
+              <a:cs typeface="Times New Roman"/>
+            </a:endParaRPr>
+          </a:p>
+          <a:p>
+            <a:pPr>
+              <a:lnSpc>
+                <a:spcPct val="115000"/>
+              </a:lnSpc>
+              <a:spcAft>
+                <a:spcPts val="0"/>
+              </a:spcAft>
+            </a:pPr>
+            <a:r>
+              <a:rPr lang="en-US" sz="1600" dirty="0">
+                <a:solidFill>
+                  <a:srgbClr val="000000"/>
+                </a:solidFill>
+                <a:highlight>
+                  <a:srgbClr val="FFFFFF"/>
+                </a:highlight>
+                <a:latin typeface="Consolas"/>
+                <a:ea typeface="Calibri"/>
+                <a:cs typeface="Times New Roman"/>
+              </a:rPr>
+              <a:t>        }</a:t>
+            </a:r>
+            <a:endParaRPr lang="en-US" sz="2000" dirty="0">
+              <a:ea typeface="Calibri"/>
+              <a:cs typeface="Times New Roman"/>
+            </a:endParaRPr>
+          </a:p>
+          <a:p>
+            <a:pPr>
+              <a:lnSpc>
+                <a:spcPct val="115000"/>
+              </a:lnSpc>
+              <a:spcAft>
+                <a:spcPts val="0"/>
+              </a:spcAft>
+            </a:pPr>
+            <a:r>
+              <a:rPr lang="en-US" sz="1600" dirty="0">
+                <a:solidFill>
+                  <a:srgbClr val="000000"/>
+                </a:solidFill>
+                <a:highlight>
+                  <a:srgbClr val="FFFFFF"/>
+                </a:highlight>
+                <a:latin typeface="Consolas"/>
+                <a:ea typeface="Calibri"/>
+                <a:cs typeface="Times New Roman"/>
+              </a:rPr>
+              <a:t> </a:t>
+            </a:r>
+            <a:endParaRPr lang="en-US" sz="2000" dirty="0">
+              <a:ea typeface="Calibri"/>
+              <a:cs typeface="Times New Roman"/>
+            </a:endParaRPr>
+          </a:p>
+          <a:p>
+            <a:pPr>
+              <a:lnSpc>
+                <a:spcPct val="115000"/>
+              </a:lnSpc>
+              <a:spcAft>
+                <a:spcPts val="0"/>
+              </a:spcAft>
+            </a:pPr>
+            <a:r>
+              <a:rPr lang="en-US" sz="1600" dirty="0">
+                <a:solidFill>
+                  <a:srgbClr val="0000FF"/>
+                </a:solidFill>
+                <a:highlight>
+                  <a:srgbClr val="FFFFFF"/>
+                </a:highlight>
+                <a:latin typeface="Consolas"/>
+                <a:ea typeface="Calibri"/>
+                <a:cs typeface="Times New Roman"/>
+              </a:rPr>
+              <a:t>        #region</a:t>
+            </a:r>
+            <a:r>
+              <a:rPr lang="en-US" sz="1600" dirty="0">
+                <a:solidFill>
+                  <a:srgbClr val="000000"/>
+                </a:solidFill>
+                <a:highlight>
+                  <a:srgbClr val="FFFFFF"/>
+                </a:highlight>
+                <a:latin typeface="Consolas"/>
+                <a:ea typeface="Calibri"/>
+                <a:cs typeface="Times New Roman"/>
+              </a:rPr>
+              <a:t> Dependency Management</a:t>
+            </a:r>
+            <a:endParaRPr lang="en-US" sz="2000" dirty="0">
+              <a:ea typeface="Calibri"/>
+              <a:cs typeface="Times New Roman"/>
+            </a:endParaRPr>
+          </a:p>
+          <a:p>
+            <a:pPr>
+              <a:lnSpc>
+                <a:spcPct val="115000"/>
+              </a:lnSpc>
+              <a:spcAft>
+                <a:spcPts val="0"/>
+              </a:spcAft>
+            </a:pPr>
+            <a:r>
+              <a:rPr lang="en-US" sz="1600" dirty="0">
+                <a:solidFill>
+                  <a:srgbClr val="000000"/>
+                </a:solidFill>
+                <a:highlight>
+                  <a:srgbClr val="FFFFFF"/>
+                </a:highlight>
+                <a:latin typeface="Consolas"/>
+                <a:ea typeface="Calibri"/>
+                <a:cs typeface="Times New Roman"/>
+              </a:rPr>
+              <a:t> </a:t>
+            </a:r>
+            <a:endParaRPr lang="en-US" sz="2000" dirty="0">
+              <a:ea typeface="Calibri"/>
+              <a:cs typeface="Times New Roman"/>
+            </a:endParaRPr>
+          </a:p>
+          <a:p>
+            <a:pPr>
+              <a:lnSpc>
+                <a:spcPct val="115000"/>
+              </a:lnSpc>
+              <a:spcAft>
+                <a:spcPts val="0"/>
+              </a:spcAft>
+            </a:pPr>
+            <a:r>
+              <a:rPr lang="en-US" sz="1600" dirty="0">
+                <a:solidFill>
+                  <a:srgbClr val="000000"/>
+                </a:solidFill>
+                <a:highlight>
+                  <a:srgbClr val="FFFFFF"/>
+                </a:highlight>
+                <a:latin typeface="Consolas"/>
+                <a:ea typeface="Calibri"/>
+                <a:cs typeface="Times New Roman"/>
+              </a:rPr>
+              <a:t>        </a:t>
+            </a:r>
+            <a:r>
+              <a:rPr lang="en-US" sz="1600" dirty="0">
+                <a:solidFill>
+                  <a:srgbClr val="0000FF"/>
+                </a:solidFill>
+                <a:highlight>
+                  <a:srgbClr val="FFFFFF"/>
+                </a:highlight>
+                <a:latin typeface="Consolas"/>
+                <a:ea typeface="Calibri"/>
+                <a:cs typeface="Times New Roman"/>
+              </a:rPr>
+              <a:t>public</a:t>
+            </a:r>
+            <a:r>
+              <a:rPr lang="en-US" sz="1600" dirty="0">
+                <a:solidFill>
+                  <a:srgbClr val="000000"/>
+                </a:solidFill>
+                <a:highlight>
+                  <a:srgbClr val="FFFFFF"/>
+                </a:highlight>
+                <a:latin typeface="Consolas"/>
+                <a:ea typeface="Calibri"/>
+                <a:cs typeface="Times New Roman"/>
+              </a:rPr>
+              <a:t> </a:t>
+            </a:r>
+            <a:r>
+              <a:rPr lang="en-US" sz="1600" dirty="0" err="1">
+                <a:solidFill>
+                  <a:srgbClr val="2B91AF"/>
+                </a:solidFill>
+                <a:highlight>
+                  <a:srgbClr val="FFFFFF"/>
+                </a:highlight>
+                <a:latin typeface="Consolas"/>
+                <a:ea typeface="Calibri"/>
+                <a:cs typeface="Times New Roman"/>
+              </a:rPr>
+              <a:t>IAccountRepository</a:t>
+            </a:r>
+            <a:r>
+              <a:rPr lang="en-US" sz="1600" dirty="0">
+                <a:solidFill>
+                  <a:srgbClr val="000000"/>
+                </a:solidFill>
+                <a:highlight>
+                  <a:srgbClr val="FFFFFF"/>
+                </a:highlight>
+                <a:latin typeface="Consolas"/>
+                <a:ea typeface="Calibri"/>
+                <a:cs typeface="Times New Roman"/>
+              </a:rPr>
+              <a:t> </a:t>
+            </a:r>
+            <a:r>
+              <a:rPr lang="en-US" sz="1600" dirty="0" err="1">
+                <a:solidFill>
+                  <a:srgbClr val="000000"/>
+                </a:solidFill>
+                <a:highlight>
+                  <a:srgbClr val="FFFFFF"/>
+                </a:highlight>
+                <a:latin typeface="Consolas"/>
+                <a:ea typeface="Calibri"/>
+                <a:cs typeface="Times New Roman"/>
+              </a:rPr>
+              <a:t>AccountRepository</a:t>
+            </a:r>
+            <a:r>
+              <a:rPr lang="en-US" sz="1600" dirty="0">
+                <a:solidFill>
+                  <a:srgbClr val="000000"/>
+                </a:solidFill>
+                <a:highlight>
+                  <a:srgbClr val="FFFFFF"/>
+                </a:highlight>
+                <a:latin typeface="Consolas"/>
+                <a:ea typeface="Calibri"/>
+                <a:cs typeface="Times New Roman"/>
+              </a:rPr>
+              <a:t> { </a:t>
+            </a:r>
+            <a:r>
+              <a:rPr lang="en-US" sz="1600" dirty="0">
+                <a:solidFill>
+                  <a:srgbClr val="0000FF"/>
+                </a:solidFill>
+                <a:highlight>
+                  <a:srgbClr val="FFFFFF"/>
+                </a:highlight>
+                <a:latin typeface="Consolas"/>
+                <a:ea typeface="Calibri"/>
+                <a:cs typeface="Times New Roman"/>
+              </a:rPr>
+              <a:t>get</a:t>
+            </a:r>
+            <a:r>
+              <a:rPr lang="en-US" sz="1600" dirty="0">
+                <a:solidFill>
+                  <a:srgbClr val="000000"/>
+                </a:solidFill>
+                <a:highlight>
+                  <a:srgbClr val="FFFFFF"/>
+                </a:highlight>
+                <a:latin typeface="Consolas"/>
+                <a:ea typeface="Calibri"/>
+                <a:cs typeface="Times New Roman"/>
+              </a:rPr>
+              <a:t>; </a:t>
+            </a:r>
+            <a:r>
+              <a:rPr lang="en-US" sz="1600" dirty="0">
+                <a:solidFill>
+                  <a:srgbClr val="0000FF"/>
+                </a:solidFill>
+                <a:highlight>
+                  <a:srgbClr val="FFFFFF"/>
+                </a:highlight>
+                <a:latin typeface="Consolas"/>
+                <a:ea typeface="Calibri"/>
+                <a:cs typeface="Times New Roman"/>
+              </a:rPr>
+              <a:t>set</a:t>
+            </a:r>
+            <a:r>
+              <a:rPr lang="en-US" sz="1600" dirty="0">
+                <a:solidFill>
+                  <a:srgbClr val="000000"/>
+                </a:solidFill>
+                <a:highlight>
+                  <a:srgbClr val="FFFFFF"/>
+                </a:highlight>
+                <a:latin typeface="Consolas"/>
+                <a:ea typeface="Calibri"/>
+                <a:cs typeface="Times New Roman"/>
+              </a:rPr>
+              <a:t>; }</a:t>
+            </a:r>
+            <a:endParaRPr lang="en-US" sz="2000" dirty="0">
+              <a:ea typeface="Calibri"/>
+              <a:cs typeface="Times New Roman"/>
+            </a:endParaRPr>
+          </a:p>
+          <a:p>
+            <a:pPr>
+              <a:lnSpc>
+                <a:spcPct val="115000"/>
+              </a:lnSpc>
+              <a:spcAft>
+                <a:spcPts val="0"/>
+              </a:spcAft>
+            </a:pPr>
+            <a:r>
+              <a:rPr lang="en-US" sz="1600" dirty="0">
+                <a:solidFill>
+                  <a:srgbClr val="000000"/>
+                </a:solidFill>
+                <a:highlight>
+                  <a:srgbClr val="FFFFFF"/>
+                </a:highlight>
+                <a:latin typeface="Consolas"/>
+                <a:ea typeface="Calibri"/>
+                <a:cs typeface="Times New Roman"/>
+              </a:rPr>
+              <a:t> </a:t>
+            </a:r>
+            <a:endParaRPr lang="en-US" sz="2000" dirty="0">
+              <a:ea typeface="Calibri"/>
+              <a:cs typeface="Times New Roman"/>
+            </a:endParaRPr>
+          </a:p>
+          <a:p>
+            <a:pPr>
+              <a:lnSpc>
+                <a:spcPct val="115000"/>
+              </a:lnSpc>
+              <a:spcAft>
+                <a:spcPts val="1000"/>
+              </a:spcAft>
+            </a:pPr>
+            <a:r>
+              <a:rPr lang="en-US" sz="1600" dirty="0">
+                <a:solidFill>
+                  <a:srgbClr val="0000FF"/>
+                </a:solidFill>
+                <a:highlight>
+                  <a:srgbClr val="FFFFFF"/>
+                </a:highlight>
+                <a:latin typeface="Consolas"/>
+                <a:ea typeface="Calibri"/>
+                <a:cs typeface="Times New Roman"/>
+              </a:rPr>
+              <a:t>        #</a:t>
+            </a:r>
+            <a:r>
+              <a:rPr lang="en-US" sz="1600" dirty="0" err="1">
+                <a:solidFill>
+                  <a:srgbClr val="0000FF"/>
+                </a:solidFill>
+                <a:highlight>
+                  <a:srgbClr val="FFFFFF"/>
+                </a:highlight>
+                <a:latin typeface="Consolas"/>
+                <a:ea typeface="Calibri"/>
+                <a:cs typeface="Times New Roman"/>
+              </a:rPr>
+              <a:t>endregion</a:t>
+            </a:r>
+            <a:endParaRPr lang="en-US" sz="2000" i="1" dirty="0">
+              <a:latin typeface="+mj-lt"/>
+              <a:ea typeface="Calibri"/>
+              <a:cs typeface="Times New Roman"/>
+            </a:endParaRPr>
+          </a:p>
+        </p:txBody>
+      </p:sp>
+      <p:sp>
+        <p:nvSpPr>
+          <p:cNvPr id="6" name="TextBox 5"/>
+          <p:cNvSpPr txBox="1"/>
+          <p:nvPr/>
+        </p:nvSpPr>
+        <p:spPr>
+          <a:xfrm>
+            <a:off x="-252536" y="1196752"/>
+            <a:ext cx="10656868" cy="5472267"/>
+          </a:xfrm>
+          <a:prstGeom prst="rect">
+            <a:avLst/>
+          </a:prstGeom>
+          <a:solidFill>
+            <a:schemeClr val="bg1"/>
+          </a:solidFill>
+          <a:ln>
+            <a:solidFill>
+              <a:schemeClr val="accent1"/>
+            </a:solidFill>
+          </a:ln>
+        </p:spPr>
+        <p:txBody>
+          <a:bodyPr wrap="square" rtlCol="0">
+            <a:spAutoFit/>
+          </a:bodyPr>
+          <a:lstStyle/>
+          <a:p>
+            <a:pPr>
+              <a:lnSpc>
+                <a:spcPct val="115000"/>
+              </a:lnSpc>
+              <a:spcAft>
+                <a:spcPts val="0"/>
+              </a:spcAft>
+            </a:pPr>
+            <a:r>
+              <a:rPr lang="en-US" sz="1600" dirty="0">
+                <a:solidFill>
+                  <a:srgbClr val="000000"/>
+                </a:solidFill>
+                <a:highlight>
+                  <a:srgbClr val="FFFFFF"/>
+                </a:highlight>
+                <a:latin typeface="Consolas"/>
+                <a:ea typeface="Calibri"/>
+                <a:cs typeface="Times New Roman"/>
+              </a:rPr>
+              <a:t> </a:t>
+            </a:r>
+            <a:r>
+              <a:rPr lang="en-US" sz="1600" dirty="0" smtClean="0">
+                <a:solidFill>
+                  <a:srgbClr val="000000"/>
+                </a:solidFill>
+                <a:highlight>
+                  <a:srgbClr val="FFFFFF"/>
+                </a:highlight>
+                <a:latin typeface="Consolas"/>
+                <a:ea typeface="Calibri"/>
+                <a:cs typeface="Times New Roman"/>
+              </a:rPr>
+              <a:t>	[</a:t>
+            </a:r>
+            <a:r>
+              <a:rPr lang="en-US" sz="1600" dirty="0" err="1">
+                <a:solidFill>
+                  <a:srgbClr val="2B91AF"/>
+                </a:solidFill>
+                <a:highlight>
+                  <a:srgbClr val="FFFFFF"/>
+                </a:highlight>
+                <a:latin typeface="Consolas"/>
+                <a:ea typeface="Calibri"/>
+                <a:cs typeface="Times New Roman"/>
+              </a:rPr>
+              <a:t>TestMethod</a:t>
+            </a:r>
+            <a:r>
+              <a:rPr lang="en-US" sz="1600" dirty="0">
+                <a:solidFill>
+                  <a:srgbClr val="000000"/>
+                </a:solidFill>
+                <a:highlight>
+                  <a:srgbClr val="FFFFFF"/>
+                </a:highlight>
+                <a:latin typeface="Consolas"/>
+                <a:ea typeface="Calibri"/>
+                <a:cs typeface="Times New Roman"/>
+              </a:rPr>
+              <a:t>]</a:t>
+            </a:r>
+            <a:endParaRPr lang="en-US" sz="2000" dirty="0">
+              <a:ea typeface="Calibri"/>
+              <a:cs typeface="Times New Roman"/>
+            </a:endParaRPr>
+          </a:p>
+          <a:p>
+            <a:pPr>
+              <a:lnSpc>
+                <a:spcPct val="115000"/>
+              </a:lnSpc>
+              <a:spcAft>
+                <a:spcPts val="0"/>
+              </a:spcAft>
+            </a:pPr>
+            <a:r>
+              <a:rPr lang="en-US" sz="1600" dirty="0">
+                <a:solidFill>
+                  <a:srgbClr val="000000"/>
+                </a:solidFill>
+                <a:highlight>
+                  <a:srgbClr val="FFFFFF"/>
+                </a:highlight>
+                <a:latin typeface="Consolas"/>
+                <a:ea typeface="Calibri"/>
+                <a:cs typeface="Times New Roman"/>
+              </a:rPr>
+              <a:t>        </a:t>
+            </a:r>
+            <a:r>
+              <a:rPr lang="en-US" sz="1600" dirty="0">
+                <a:solidFill>
+                  <a:srgbClr val="0000FF"/>
+                </a:solidFill>
+                <a:highlight>
+                  <a:srgbClr val="FFFFFF"/>
+                </a:highlight>
+                <a:latin typeface="Consolas"/>
+                <a:ea typeface="Calibri"/>
+                <a:cs typeface="Times New Roman"/>
+              </a:rPr>
+              <a:t>public</a:t>
+            </a:r>
+            <a:r>
+              <a:rPr lang="en-US" sz="1600" dirty="0">
+                <a:solidFill>
+                  <a:srgbClr val="000000"/>
+                </a:solidFill>
+                <a:highlight>
+                  <a:srgbClr val="FFFFFF"/>
+                </a:highlight>
+                <a:latin typeface="Consolas"/>
+                <a:ea typeface="Calibri"/>
+                <a:cs typeface="Times New Roman"/>
+              </a:rPr>
+              <a:t> </a:t>
+            </a:r>
+            <a:r>
+              <a:rPr lang="en-US" sz="1600" dirty="0">
+                <a:solidFill>
+                  <a:srgbClr val="0000FF"/>
+                </a:solidFill>
+                <a:highlight>
+                  <a:srgbClr val="FFFFFF"/>
+                </a:highlight>
+                <a:latin typeface="Consolas"/>
+                <a:ea typeface="Calibri"/>
+                <a:cs typeface="Times New Roman"/>
+              </a:rPr>
+              <a:t>void</a:t>
+            </a:r>
+            <a:r>
+              <a:rPr lang="en-US" sz="1600" dirty="0">
+                <a:solidFill>
+                  <a:srgbClr val="000000"/>
+                </a:solidFill>
+                <a:highlight>
+                  <a:srgbClr val="FFFFFF"/>
+                </a:highlight>
+                <a:latin typeface="Consolas"/>
+                <a:ea typeface="Calibri"/>
+                <a:cs typeface="Times New Roman"/>
+              </a:rPr>
+              <a:t> </a:t>
+            </a:r>
+            <a:r>
+              <a:rPr lang="en-US" sz="1600" dirty="0" err="1">
+                <a:solidFill>
+                  <a:srgbClr val="000000"/>
+                </a:solidFill>
+                <a:highlight>
+                  <a:srgbClr val="FFFFFF"/>
+                </a:highlight>
+                <a:latin typeface="Consolas"/>
+                <a:ea typeface="Calibri"/>
+                <a:cs typeface="Times New Roman"/>
+              </a:rPr>
+              <a:t>RenameAccount_must_UpdateAccountName</a:t>
+            </a:r>
+            <a:r>
+              <a:rPr lang="en-US" sz="1600" dirty="0">
+                <a:solidFill>
+                  <a:srgbClr val="000000"/>
+                </a:solidFill>
+                <a:highlight>
+                  <a:srgbClr val="FFFFFF"/>
+                </a:highlight>
+                <a:latin typeface="Consolas"/>
+                <a:ea typeface="Calibri"/>
+                <a:cs typeface="Times New Roman"/>
+              </a:rPr>
+              <a:t>()</a:t>
+            </a:r>
+            <a:endParaRPr lang="en-US" sz="2000" dirty="0">
+              <a:ea typeface="Calibri"/>
+              <a:cs typeface="Times New Roman"/>
+            </a:endParaRPr>
+          </a:p>
+          <a:p>
+            <a:pPr>
+              <a:lnSpc>
+                <a:spcPct val="115000"/>
+              </a:lnSpc>
+              <a:spcAft>
+                <a:spcPts val="0"/>
+              </a:spcAft>
+            </a:pPr>
+            <a:r>
+              <a:rPr lang="en-US" sz="1600" dirty="0">
+                <a:solidFill>
+                  <a:srgbClr val="000000"/>
+                </a:solidFill>
+                <a:highlight>
+                  <a:srgbClr val="FFFFFF"/>
+                </a:highlight>
+                <a:latin typeface="Consolas"/>
+                <a:ea typeface="Calibri"/>
+                <a:cs typeface="Times New Roman"/>
+              </a:rPr>
+              <a:t>        {</a:t>
+            </a:r>
+            <a:endParaRPr lang="en-US" sz="2000" dirty="0">
+              <a:ea typeface="Calibri"/>
+              <a:cs typeface="Times New Roman"/>
+            </a:endParaRPr>
+          </a:p>
+          <a:p>
+            <a:pPr>
+              <a:lnSpc>
+                <a:spcPct val="115000"/>
+              </a:lnSpc>
+              <a:spcAft>
+                <a:spcPts val="0"/>
+              </a:spcAft>
+            </a:pPr>
+            <a:r>
+              <a:rPr lang="en-US" sz="1600" dirty="0">
+                <a:solidFill>
+                  <a:srgbClr val="000000"/>
+                </a:solidFill>
+                <a:highlight>
+                  <a:srgbClr val="FFFFFF"/>
+                </a:highlight>
+                <a:latin typeface="Consolas"/>
+                <a:ea typeface="Calibri"/>
+                <a:cs typeface="Times New Roman"/>
+              </a:rPr>
+              <a:t>            </a:t>
+            </a:r>
+            <a:r>
+              <a:rPr lang="en-US" sz="1600" dirty="0">
+                <a:solidFill>
+                  <a:srgbClr val="008000"/>
+                </a:solidFill>
+                <a:highlight>
+                  <a:srgbClr val="FFFFFF"/>
+                </a:highlight>
+                <a:latin typeface="Consolas"/>
+                <a:ea typeface="Calibri"/>
+                <a:cs typeface="Times New Roman"/>
+              </a:rPr>
+              <a:t>// Arrange		</a:t>
+            </a:r>
+            <a:endParaRPr lang="en-US" sz="2000" dirty="0">
+              <a:ea typeface="Calibri"/>
+              <a:cs typeface="Times New Roman"/>
+            </a:endParaRPr>
+          </a:p>
+          <a:p>
+            <a:pPr>
+              <a:lnSpc>
+                <a:spcPct val="115000"/>
+              </a:lnSpc>
+              <a:spcAft>
+                <a:spcPts val="0"/>
+              </a:spcAft>
+            </a:pPr>
+            <a:r>
+              <a:rPr lang="en-US" sz="1600" dirty="0">
+                <a:solidFill>
+                  <a:srgbClr val="000000"/>
+                </a:solidFill>
+                <a:highlight>
+                  <a:srgbClr val="FFFFFF"/>
+                </a:highlight>
+                <a:latin typeface="Consolas"/>
+                <a:ea typeface="Calibri"/>
+                <a:cs typeface="Times New Roman"/>
+              </a:rPr>
+              <a:t>            </a:t>
+            </a:r>
+            <a:r>
+              <a:rPr lang="en-US" sz="1600" dirty="0" err="1">
+                <a:solidFill>
+                  <a:srgbClr val="0000FF"/>
+                </a:solidFill>
+                <a:highlight>
+                  <a:srgbClr val="FFFFFF"/>
+                </a:highlight>
+                <a:latin typeface="Consolas"/>
+                <a:ea typeface="Calibri"/>
+                <a:cs typeface="Times New Roman"/>
+              </a:rPr>
+              <a:t>var</a:t>
+            </a:r>
+            <a:r>
+              <a:rPr lang="en-US" sz="1600" dirty="0">
+                <a:solidFill>
+                  <a:srgbClr val="000000"/>
+                </a:solidFill>
+                <a:highlight>
+                  <a:srgbClr val="FFFFFF"/>
+                </a:highlight>
+                <a:latin typeface="Consolas"/>
+                <a:ea typeface="Calibri"/>
+                <a:cs typeface="Times New Roman"/>
+              </a:rPr>
+              <a:t> </a:t>
+            </a:r>
+            <a:r>
+              <a:rPr lang="en-US" sz="1600" dirty="0" err="1">
+                <a:solidFill>
+                  <a:srgbClr val="000000"/>
+                </a:solidFill>
+                <a:highlight>
+                  <a:srgbClr val="FFFFFF"/>
+                </a:highlight>
+                <a:latin typeface="Consolas"/>
+                <a:ea typeface="Calibri"/>
+                <a:cs typeface="Times New Roman"/>
+              </a:rPr>
+              <a:t>newName</a:t>
+            </a:r>
+            <a:r>
+              <a:rPr lang="en-US" sz="1600" dirty="0">
+                <a:solidFill>
+                  <a:srgbClr val="000000"/>
+                </a:solidFill>
+                <a:highlight>
+                  <a:srgbClr val="FFFFFF"/>
+                </a:highlight>
+                <a:latin typeface="Consolas"/>
+                <a:ea typeface="Calibri"/>
+                <a:cs typeface="Times New Roman"/>
+              </a:rPr>
+              <a:t> = </a:t>
+            </a:r>
+            <a:r>
+              <a:rPr lang="en-US" sz="1600" dirty="0">
+                <a:solidFill>
+                  <a:srgbClr val="A31515"/>
+                </a:solidFill>
+                <a:highlight>
+                  <a:srgbClr val="FFFFFF"/>
+                </a:highlight>
+                <a:latin typeface="Consolas"/>
+                <a:ea typeface="Calibri"/>
+                <a:cs typeface="Times New Roman"/>
+              </a:rPr>
+              <a:t>"</a:t>
+            </a:r>
+            <a:r>
+              <a:rPr lang="en-US" sz="1600" dirty="0" err="1">
+                <a:solidFill>
+                  <a:srgbClr val="A31515"/>
+                </a:solidFill>
+                <a:highlight>
+                  <a:srgbClr val="FFFFFF"/>
+                </a:highlight>
+                <a:latin typeface="Consolas"/>
+                <a:ea typeface="Calibri"/>
+                <a:cs typeface="Times New Roman"/>
+              </a:rPr>
+              <a:t>someName</a:t>
+            </a:r>
+            <a:r>
+              <a:rPr lang="en-US" sz="1600" dirty="0">
+                <a:solidFill>
+                  <a:srgbClr val="A31515"/>
+                </a:solidFill>
+                <a:highlight>
+                  <a:srgbClr val="FFFFFF"/>
+                </a:highlight>
+                <a:latin typeface="Consolas"/>
+                <a:ea typeface="Calibri"/>
+                <a:cs typeface="Times New Roman"/>
+              </a:rPr>
+              <a:t>"</a:t>
+            </a:r>
+            <a:r>
+              <a:rPr lang="en-US" sz="1600" dirty="0">
+                <a:solidFill>
+                  <a:srgbClr val="000000"/>
+                </a:solidFill>
+                <a:highlight>
+                  <a:srgbClr val="FFFFFF"/>
+                </a:highlight>
+                <a:latin typeface="Consolas"/>
+                <a:ea typeface="Calibri"/>
+                <a:cs typeface="Times New Roman"/>
+              </a:rPr>
+              <a:t>;</a:t>
+            </a:r>
+            <a:endParaRPr lang="en-US" sz="2000" dirty="0">
+              <a:ea typeface="Calibri"/>
+              <a:cs typeface="Times New Roman"/>
+            </a:endParaRPr>
+          </a:p>
+          <a:p>
+            <a:pPr>
+              <a:lnSpc>
+                <a:spcPct val="115000"/>
+              </a:lnSpc>
+              <a:spcAft>
+                <a:spcPts val="0"/>
+              </a:spcAft>
+            </a:pPr>
+            <a:r>
+              <a:rPr lang="en-US" sz="1600" dirty="0">
+                <a:solidFill>
+                  <a:srgbClr val="000000"/>
+                </a:solidFill>
+                <a:highlight>
+                  <a:srgbClr val="FFFFFF"/>
+                </a:highlight>
+                <a:latin typeface="Consolas"/>
+                <a:ea typeface="Calibri"/>
+                <a:cs typeface="Times New Roman"/>
+              </a:rPr>
+              <a:t>            </a:t>
+            </a:r>
+            <a:endParaRPr lang="en-US" sz="2000" dirty="0">
+              <a:ea typeface="Calibri"/>
+              <a:cs typeface="Times New Roman"/>
+            </a:endParaRPr>
+          </a:p>
+          <a:p>
+            <a:pPr>
+              <a:lnSpc>
+                <a:spcPct val="115000"/>
+              </a:lnSpc>
+              <a:spcAft>
+                <a:spcPts val="0"/>
+              </a:spcAft>
+            </a:pPr>
+            <a:r>
+              <a:rPr lang="en-US" sz="1600" dirty="0">
+                <a:solidFill>
+                  <a:srgbClr val="000000"/>
+                </a:solidFill>
+                <a:highlight>
+                  <a:srgbClr val="FFFFFF"/>
+                </a:highlight>
+                <a:latin typeface="Consolas"/>
+                <a:ea typeface="Calibri"/>
+                <a:cs typeface="Times New Roman"/>
+              </a:rPr>
+              <a:t>            </a:t>
+            </a:r>
+            <a:r>
+              <a:rPr lang="en-US" sz="1600" dirty="0" err="1">
+                <a:solidFill>
+                  <a:srgbClr val="0000FF"/>
+                </a:solidFill>
+                <a:highlight>
+                  <a:srgbClr val="FFFFFF"/>
+                </a:highlight>
+                <a:latin typeface="Consolas"/>
+                <a:ea typeface="Calibri"/>
+                <a:cs typeface="Times New Roman"/>
+              </a:rPr>
+              <a:t>var</a:t>
+            </a:r>
+            <a:r>
+              <a:rPr lang="en-US" sz="1600" dirty="0">
+                <a:solidFill>
+                  <a:srgbClr val="000000"/>
+                </a:solidFill>
+                <a:highlight>
+                  <a:srgbClr val="FFFFFF"/>
+                </a:highlight>
+                <a:latin typeface="Consolas"/>
+                <a:ea typeface="Calibri"/>
+                <a:cs typeface="Times New Roman"/>
+              </a:rPr>
+              <a:t> </a:t>
+            </a:r>
+            <a:r>
+              <a:rPr lang="en-US" sz="1600" dirty="0" err="1">
+                <a:solidFill>
+                  <a:srgbClr val="000000"/>
+                </a:solidFill>
+                <a:highlight>
+                  <a:srgbClr val="FFFFFF"/>
+                </a:highlight>
+                <a:latin typeface="Consolas"/>
+                <a:ea typeface="Calibri"/>
+                <a:cs typeface="Times New Roman"/>
+              </a:rPr>
+              <a:t>existingAccount</a:t>
+            </a:r>
+            <a:r>
+              <a:rPr lang="en-US" sz="1600" dirty="0">
+                <a:solidFill>
+                  <a:srgbClr val="000000"/>
+                </a:solidFill>
+                <a:highlight>
+                  <a:srgbClr val="FFFFFF"/>
+                </a:highlight>
+                <a:latin typeface="Consolas"/>
+                <a:ea typeface="Calibri"/>
+                <a:cs typeface="Times New Roman"/>
+              </a:rPr>
+              <a:t> = </a:t>
+            </a:r>
+            <a:r>
+              <a:rPr lang="en-US" sz="1600" dirty="0" err="1">
+                <a:solidFill>
+                  <a:srgbClr val="000000"/>
+                </a:solidFill>
+                <a:highlight>
+                  <a:srgbClr val="FFFFFF"/>
+                </a:highlight>
+                <a:latin typeface="Consolas"/>
+                <a:ea typeface="Calibri"/>
+                <a:cs typeface="Times New Roman"/>
+              </a:rPr>
+              <a:t>AnAccount</a:t>
+            </a:r>
+            <a:r>
+              <a:rPr lang="en-US" sz="1600" dirty="0">
+                <a:solidFill>
+                  <a:srgbClr val="000000"/>
+                </a:solidFill>
+                <a:highlight>
+                  <a:srgbClr val="FFFFFF"/>
+                </a:highlight>
+                <a:latin typeface="Consolas"/>
+                <a:ea typeface="Calibri"/>
+                <a:cs typeface="Times New Roman"/>
+              </a:rPr>
+              <a:t>();</a:t>
+            </a:r>
+            <a:endParaRPr lang="en-US" sz="2000" dirty="0">
+              <a:ea typeface="Calibri"/>
+              <a:cs typeface="Times New Roman"/>
+            </a:endParaRPr>
+          </a:p>
+          <a:p>
+            <a:pPr>
+              <a:lnSpc>
+                <a:spcPct val="115000"/>
+              </a:lnSpc>
+              <a:spcAft>
+                <a:spcPts val="0"/>
+              </a:spcAft>
+            </a:pPr>
+            <a:r>
+              <a:rPr lang="en-US" sz="1600" dirty="0">
+                <a:solidFill>
+                  <a:srgbClr val="000000"/>
+                </a:solidFill>
+                <a:highlight>
+                  <a:srgbClr val="FFFFFF"/>
+                </a:highlight>
+                <a:latin typeface="Consolas"/>
+                <a:ea typeface="Calibri"/>
+                <a:cs typeface="Times New Roman"/>
+              </a:rPr>
+              <a:t>            </a:t>
+            </a:r>
+            <a:r>
+              <a:rPr lang="en-US" sz="1600" dirty="0" err="1">
+                <a:solidFill>
+                  <a:srgbClr val="0000FF"/>
+                </a:solidFill>
+                <a:highlight>
+                  <a:srgbClr val="FFFFFF"/>
+                </a:highlight>
+                <a:latin typeface="Consolas"/>
+                <a:ea typeface="Calibri"/>
+                <a:cs typeface="Times New Roman"/>
+              </a:rPr>
+              <a:t>var</a:t>
+            </a:r>
+            <a:r>
+              <a:rPr lang="en-US" sz="1600" dirty="0">
+                <a:solidFill>
+                  <a:srgbClr val="000000"/>
+                </a:solidFill>
+                <a:highlight>
+                  <a:srgbClr val="FFFFFF"/>
+                </a:highlight>
+                <a:latin typeface="Consolas"/>
+                <a:ea typeface="Calibri"/>
+                <a:cs typeface="Times New Roman"/>
+              </a:rPr>
+              <a:t> </a:t>
+            </a:r>
+            <a:r>
+              <a:rPr lang="en-US" sz="1600" dirty="0" err="1">
+                <a:solidFill>
+                  <a:srgbClr val="000000"/>
+                </a:solidFill>
+                <a:highlight>
+                  <a:srgbClr val="FFFFFF"/>
+                </a:highlight>
+                <a:latin typeface="Consolas"/>
+                <a:ea typeface="Calibri"/>
+                <a:cs typeface="Times New Roman"/>
+              </a:rPr>
+              <a:t>mockRepo</a:t>
+            </a:r>
+            <a:r>
+              <a:rPr lang="en-US" sz="1600" dirty="0">
+                <a:solidFill>
+                  <a:srgbClr val="000000"/>
+                </a:solidFill>
+                <a:highlight>
+                  <a:srgbClr val="FFFFFF"/>
+                </a:highlight>
+                <a:latin typeface="Consolas"/>
+                <a:ea typeface="Calibri"/>
+                <a:cs typeface="Times New Roman"/>
+              </a:rPr>
+              <a:t> = </a:t>
+            </a:r>
+            <a:r>
+              <a:rPr lang="en-US" sz="1600" dirty="0">
+                <a:solidFill>
+                  <a:srgbClr val="0000FF"/>
+                </a:solidFill>
+                <a:highlight>
+                  <a:srgbClr val="FFFFFF"/>
+                </a:highlight>
+                <a:latin typeface="Consolas"/>
+                <a:ea typeface="Calibri"/>
+                <a:cs typeface="Times New Roman"/>
+              </a:rPr>
+              <a:t>new</a:t>
+            </a:r>
+            <a:r>
+              <a:rPr lang="en-US" sz="1600" dirty="0">
+                <a:solidFill>
+                  <a:srgbClr val="000000"/>
+                </a:solidFill>
+                <a:highlight>
+                  <a:srgbClr val="FFFFFF"/>
+                </a:highlight>
+                <a:latin typeface="Consolas"/>
+                <a:ea typeface="Calibri"/>
+                <a:cs typeface="Times New Roman"/>
+              </a:rPr>
+              <a:t> </a:t>
+            </a:r>
+            <a:r>
+              <a:rPr lang="en-US" sz="1600" dirty="0">
+                <a:solidFill>
+                  <a:srgbClr val="2B91AF"/>
+                </a:solidFill>
+                <a:highlight>
+                  <a:srgbClr val="FFFFFF"/>
+                </a:highlight>
+                <a:latin typeface="Consolas"/>
+                <a:ea typeface="Calibri"/>
+                <a:cs typeface="Times New Roman"/>
+              </a:rPr>
+              <a:t>Mock</a:t>
+            </a:r>
+            <a:r>
+              <a:rPr lang="en-US" sz="1600" dirty="0">
+                <a:solidFill>
+                  <a:srgbClr val="000000"/>
+                </a:solidFill>
+                <a:highlight>
+                  <a:srgbClr val="FFFFFF"/>
+                </a:highlight>
+                <a:latin typeface="Consolas"/>
+                <a:ea typeface="Calibri"/>
+                <a:cs typeface="Times New Roman"/>
+              </a:rPr>
+              <a:t>&lt;</a:t>
+            </a:r>
+            <a:r>
+              <a:rPr lang="en-US" sz="1600" dirty="0" err="1">
+                <a:solidFill>
+                  <a:srgbClr val="2B91AF"/>
+                </a:solidFill>
+                <a:highlight>
+                  <a:srgbClr val="FFFFFF"/>
+                </a:highlight>
+                <a:latin typeface="Consolas"/>
+                <a:ea typeface="Calibri"/>
+                <a:cs typeface="Times New Roman"/>
+              </a:rPr>
+              <a:t>IAccountRepository</a:t>
+            </a:r>
+            <a:r>
+              <a:rPr lang="en-US" sz="1600" dirty="0">
+                <a:solidFill>
+                  <a:srgbClr val="000000"/>
+                </a:solidFill>
+                <a:highlight>
+                  <a:srgbClr val="FFFFFF"/>
+                </a:highlight>
+                <a:latin typeface="Consolas"/>
+                <a:ea typeface="Calibri"/>
+                <a:cs typeface="Times New Roman"/>
+              </a:rPr>
+              <a:t>&gt;();</a:t>
+            </a:r>
+            <a:endParaRPr lang="en-US" sz="2000" dirty="0">
+              <a:ea typeface="Calibri"/>
+              <a:cs typeface="Times New Roman"/>
+            </a:endParaRPr>
+          </a:p>
+          <a:p>
+            <a:pPr>
+              <a:lnSpc>
+                <a:spcPct val="115000"/>
+              </a:lnSpc>
+              <a:spcAft>
+                <a:spcPts val="0"/>
+              </a:spcAft>
+            </a:pPr>
+            <a:r>
+              <a:rPr lang="en-US" sz="1600" dirty="0">
+                <a:solidFill>
+                  <a:srgbClr val="000000"/>
+                </a:solidFill>
+                <a:highlight>
+                  <a:srgbClr val="FFFFFF"/>
+                </a:highlight>
+                <a:latin typeface="Consolas"/>
+                <a:ea typeface="Calibri"/>
+                <a:cs typeface="Times New Roman"/>
+              </a:rPr>
+              <a:t>            </a:t>
+            </a:r>
+            <a:r>
+              <a:rPr lang="en-US" sz="1600" dirty="0" err="1">
+                <a:solidFill>
+                  <a:srgbClr val="000000"/>
+                </a:solidFill>
+                <a:highlight>
+                  <a:srgbClr val="FFFFFF"/>
+                </a:highlight>
+                <a:latin typeface="Consolas"/>
+                <a:ea typeface="Calibri"/>
+                <a:cs typeface="Times New Roman"/>
+              </a:rPr>
+              <a:t>mockRepo.Setup</a:t>
+            </a:r>
+            <a:r>
+              <a:rPr lang="en-US" sz="1600" dirty="0">
+                <a:solidFill>
+                  <a:srgbClr val="000000"/>
+                </a:solidFill>
+                <a:highlight>
+                  <a:srgbClr val="FFFFFF"/>
+                </a:highlight>
+                <a:latin typeface="Consolas"/>
+                <a:ea typeface="Calibri"/>
+                <a:cs typeface="Times New Roman"/>
+              </a:rPr>
+              <a:t>(r =&gt; </a:t>
+            </a:r>
+            <a:r>
+              <a:rPr lang="en-US" sz="1600" dirty="0" err="1">
+                <a:solidFill>
+                  <a:srgbClr val="000000"/>
+                </a:solidFill>
+                <a:highlight>
+                  <a:srgbClr val="FFFFFF"/>
+                </a:highlight>
+                <a:latin typeface="Consolas"/>
+                <a:ea typeface="Calibri"/>
+                <a:cs typeface="Times New Roman"/>
+              </a:rPr>
+              <a:t>r.GetAccountForCustomer</a:t>
+            </a:r>
+            <a:r>
+              <a:rPr lang="en-US" sz="1600" dirty="0">
+                <a:solidFill>
+                  <a:srgbClr val="000000"/>
+                </a:solidFill>
+                <a:highlight>
+                  <a:srgbClr val="FFFFFF"/>
+                </a:highlight>
+                <a:latin typeface="Consolas"/>
+                <a:ea typeface="Calibri"/>
+                <a:cs typeface="Times New Roman"/>
+              </a:rPr>
+              <a:t>(</a:t>
+            </a:r>
+            <a:r>
+              <a:rPr lang="en-US" sz="1600" dirty="0" err="1">
+                <a:solidFill>
+                  <a:srgbClr val="2B91AF"/>
+                </a:solidFill>
+                <a:highlight>
+                  <a:srgbClr val="FFFFFF"/>
+                </a:highlight>
+                <a:latin typeface="Consolas"/>
+                <a:ea typeface="Calibri"/>
+                <a:cs typeface="Times New Roman"/>
+              </a:rPr>
+              <a:t>It</a:t>
+            </a:r>
+            <a:r>
+              <a:rPr lang="en-US" sz="1600" dirty="0" err="1">
+                <a:solidFill>
+                  <a:srgbClr val="000000"/>
+                </a:solidFill>
+                <a:highlight>
+                  <a:srgbClr val="FFFFFF"/>
+                </a:highlight>
+                <a:latin typeface="Consolas"/>
+                <a:ea typeface="Calibri"/>
+                <a:cs typeface="Times New Roman"/>
+              </a:rPr>
+              <a:t>.IsAny</a:t>
+            </a:r>
+            <a:r>
+              <a:rPr lang="en-US" sz="1600" dirty="0">
+                <a:solidFill>
+                  <a:srgbClr val="000000"/>
+                </a:solidFill>
+                <a:highlight>
+                  <a:srgbClr val="FFFFFF"/>
+                </a:highlight>
+                <a:latin typeface="Consolas"/>
+                <a:ea typeface="Calibri"/>
+                <a:cs typeface="Times New Roman"/>
+              </a:rPr>
+              <a:t>&lt;</a:t>
+            </a:r>
+            <a:r>
+              <a:rPr lang="en-US" sz="1600" dirty="0" err="1">
+                <a:solidFill>
+                  <a:srgbClr val="0000FF"/>
+                </a:solidFill>
+                <a:highlight>
+                  <a:srgbClr val="FFFFFF"/>
+                </a:highlight>
+                <a:latin typeface="Consolas"/>
+                <a:ea typeface="Calibri"/>
+                <a:cs typeface="Times New Roman"/>
+              </a:rPr>
+              <a:t>int</a:t>
+            </a:r>
+            <a:r>
+              <a:rPr lang="en-US" sz="1600" dirty="0">
+                <a:solidFill>
+                  <a:srgbClr val="000000"/>
+                </a:solidFill>
+                <a:highlight>
+                  <a:srgbClr val="FFFFFF"/>
+                </a:highlight>
+                <a:latin typeface="Consolas"/>
+                <a:ea typeface="Calibri"/>
+                <a:cs typeface="Times New Roman"/>
+              </a:rPr>
+              <a:t>&gt;(), </a:t>
+            </a:r>
+            <a:r>
+              <a:rPr lang="en-US" sz="1600" dirty="0" err="1">
+                <a:solidFill>
+                  <a:srgbClr val="2B91AF"/>
+                </a:solidFill>
+                <a:highlight>
+                  <a:srgbClr val="FFFFFF"/>
+                </a:highlight>
+                <a:latin typeface="Consolas"/>
+                <a:ea typeface="Calibri"/>
+                <a:cs typeface="Times New Roman"/>
+              </a:rPr>
+              <a:t>It</a:t>
+            </a:r>
+            <a:r>
+              <a:rPr lang="en-US" sz="1600" dirty="0" err="1">
+                <a:solidFill>
+                  <a:srgbClr val="000000"/>
+                </a:solidFill>
+                <a:highlight>
+                  <a:srgbClr val="FFFFFF"/>
+                </a:highlight>
+                <a:latin typeface="Consolas"/>
+                <a:ea typeface="Calibri"/>
+                <a:cs typeface="Times New Roman"/>
+              </a:rPr>
+              <a:t>.IsAny</a:t>
+            </a:r>
+            <a:r>
+              <a:rPr lang="en-US" sz="1600" dirty="0">
+                <a:solidFill>
+                  <a:srgbClr val="000000"/>
+                </a:solidFill>
+                <a:highlight>
+                  <a:srgbClr val="FFFFFF"/>
+                </a:highlight>
+                <a:latin typeface="Consolas"/>
+                <a:ea typeface="Calibri"/>
+                <a:cs typeface="Times New Roman"/>
+              </a:rPr>
+              <a:t>&lt;</a:t>
+            </a:r>
+            <a:r>
+              <a:rPr lang="en-US" sz="1600" dirty="0" err="1">
+                <a:solidFill>
+                  <a:srgbClr val="0000FF"/>
+                </a:solidFill>
+                <a:highlight>
+                  <a:srgbClr val="FFFFFF"/>
+                </a:highlight>
+                <a:latin typeface="Consolas"/>
+                <a:ea typeface="Calibri"/>
+                <a:cs typeface="Times New Roman"/>
+              </a:rPr>
+              <a:t>int</a:t>
+            </a:r>
+            <a:r>
+              <a:rPr lang="en-US" sz="1600" dirty="0">
+                <a:solidFill>
+                  <a:srgbClr val="000000"/>
+                </a:solidFill>
+                <a:highlight>
+                  <a:srgbClr val="FFFFFF"/>
+                </a:highlight>
+                <a:latin typeface="Consolas"/>
+                <a:ea typeface="Calibri"/>
+                <a:cs typeface="Times New Roman"/>
+              </a:rPr>
+              <a:t>&gt;()))</a:t>
+            </a:r>
+            <a:endParaRPr lang="en-US" sz="2000" dirty="0">
+              <a:ea typeface="Calibri"/>
+              <a:cs typeface="Times New Roman"/>
+            </a:endParaRPr>
+          </a:p>
+          <a:p>
+            <a:pPr>
+              <a:lnSpc>
+                <a:spcPct val="115000"/>
+              </a:lnSpc>
+              <a:spcAft>
+                <a:spcPts val="0"/>
+              </a:spcAft>
+            </a:pPr>
+            <a:r>
+              <a:rPr lang="en-US" sz="1600" dirty="0">
+                <a:solidFill>
+                  <a:srgbClr val="000000"/>
+                </a:solidFill>
+                <a:highlight>
+                  <a:srgbClr val="FFFFFF"/>
+                </a:highlight>
+                <a:latin typeface="Consolas"/>
+                <a:ea typeface="Calibri"/>
+                <a:cs typeface="Times New Roman"/>
+              </a:rPr>
+              <a:t>                .Returns(</a:t>
+            </a:r>
+            <a:r>
+              <a:rPr lang="en-US" sz="1600" dirty="0" err="1">
+                <a:solidFill>
+                  <a:srgbClr val="000000"/>
+                </a:solidFill>
+                <a:highlight>
+                  <a:srgbClr val="FFFFFF"/>
+                </a:highlight>
+                <a:latin typeface="Consolas"/>
+                <a:ea typeface="Calibri"/>
+                <a:cs typeface="Times New Roman"/>
+              </a:rPr>
+              <a:t>existingAccount</a:t>
+            </a:r>
+            <a:r>
+              <a:rPr lang="en-US" sz="1600" dirty="0">
+                <a:solidFill>
+                  <a:srgbClr val="000000"/>
+                </a:solidFill>
+                <a:highlight>
+                  <a:srgbClr val="FFFFFF"/>
+                </a:highlight>
+                <a:latin typeface="Consolas"/>
+                <a:ea typeface="Calibri"/>
+                <a:cs typeface="Times New Roman"/>
+              </a:rPr>
+              <a:t>);</a:t>
+            </a:r>
+            <a:endParaRPr lang="en-US" sz="2000" dirty="0">
+              <a:ea typeface="Calibri"/>
+              <a:cs typeface="Times New Roman"/>
+            </a:endParaRPr>
+          </a:p>
+          <a:p>
+            <a:pPr>
+              <a:lnSpc>
+                <a:spcPct val="115000"/>
+              </a:lnSpc>
+              <a:spcAft>
+                <a:spcPts val="0"/>
+              </a:spcAft>
+            </a:pPr>
+            <a:r>
+              <a:rPr lang="en-US" sz="1600" dirty="0">
+                <a:solidFill>
+                  <a:srgbClr val="000000"/>
+                </a:solidFill>
+                <a:highlight>
+                  <a:srgbClr val="FFFFFF"/>
+                </a:highlight>
+                <a:latin typeface="Consolas"/>
+                <a:ea typeface="Calibri"/>
+                <a:cs typeface="Times New Roman"/>
+              </a:rPr>
+              <a:t>            </a:t>
+            </a:r>
+            <a:r>
+              <a:rPr lang="en-US" sz="1600" dirty="0" err="1">
+                <a:solidFill>
+                  <a:srgbClr val="0000FF"/>
+                </a:solidFill>
+                <a:highlight>
+                  <a:srgbClr val="FFFFFF"/>
+                </a:highlight>
+                <a:latin typeface="Consolas"/>
+                <a:ea typeface="Calibri"/>
+                <a:cs typeface="Times New Roman"/>
+              </a:rPr>
+              <a:t>var</a:t>
+            </a:r>
+            <a:r>
+              <a:rPr lang="en-US" sz="1600" dirty="0">
+                <a:solidFill>
+                  <a:srgbClr val="000000"/>
+                </a:solidFill>
+                <a:highlight>
+                  <a:srgbClr val="FFFFFF"/>
+                </a:highlight>
+                <a:latin typeface="Consolas"/>
+                <a:ea typeface="Calibri"/>
+                <a:cs typeface="Times New Roman"/>
+              </a:rPr>
+              <a:t> </a:t>
+            </a:r>
+            <a:r>
+              <a:rPr lang="en-US" sz="1600" dirty="0" err="1">
+                <a:solidFill>
+                  <a:srgbClr val="000000"/>
+                </a:solidFill>
+                <a:highlight>
+                  <a:srgbClr val="FFFFFF"/>
+                </a:highlight>
+                <a:latin typeface="Consolas"/>
+                <a:ea typeface="Calibri"/>
+                <a:cs typeface="Times New Roman"/>
+              </a:rPr>
+              <a:t>sut</a:t>
+            </a:r>
+            <a:r>
+              <a:rPr lang="en-US" sz="1600" dirty="0">
+                <a:solidFill>
+                  <a:srgbClr val="000000"/>
+                </a:solidFill>
+                <a:highlight>
+                  <a:srgbClr val="FFFFFF"/>
+                </a:highlight>
+                <a:latin typeface="Consolas"/>
+                <a:ea typeface="Calibri"/>
+                <a:cs typeface="Times New Roman"/>
+              </a:rPr>
+              <a:t> = </a:t>
+            </a:r>
+            <a:r>
+              <a:rPr lang="en-US" sz="1600" dirty="0">
+                <a:solidFill>
+                  <a:srgbClr val="0000FF"/>
+                </a:solidFill>
+                <a:highlight>
+                  <a:srgbClr val="FFFFFF"/>
+                </a:highlight>
+                <a:latin typeface="Consolas"/>
+                <a:ea typeface="Calibri"/>
+                <a:cs typeface="Times New Roman"/>
+              </a:rPr>
+              <a:t>new</a:t>
+            </a:r>
+            <a:r>
+              <a:rPr lang="en-US" sz="1600" dirty="0">
+                <a:solidFill>
+                  <a:srgbClr val="000000"/>
+                </a:solidFill>
+                <a:highlight>
+                  <a:srgbClr val="FFFFFF"/>
+                </a:highlight>
+                <a:latin typeface="Consolas"/>
+                <a:ea typeface="Calibri"/>
+                <a:cs typeface="Times New Roman"/>
+              </a:rPr>
+              <a:t> </a:t>
+            </a:r>
+            <a:r>
+              <a:rPr lang="en-US" sz="1600" dirty="0" err="1">
+                <a:solidFill>
+                  <a:srgbClr val="2B91AF"/>
+                </a:solidFill>
+                <a:highlight>
+                  <a:srgbClr val="FFFFFF"/>
+                </a:highlight>
+                <a:latin typeface="Consolas"/>
+                <a:ea typeface="Calibri"/>
+                <a:cs typeface="Times New Roman"/>
+              </a:rPr>
+              <a:t>UserAccountService</a:t>
+            </a:r>
+            <a:r>
+              <a:rPr lang="en-US" sz="1600" dirty="0">
+                <a:solidFill>
+                  <a:srgbClr val="000000"/>
+                </a:solidFill>
+                <a:highlight>
+                  <a:srgbClr val="FFFFFF"/>
+                </a:highlight>
+                <a:latin typeface="Consolas"/>
+                <a:ea typeface="Calibri"/>
+                <a:cs typeface="Times New Roman"/>
+              </a:rPr>
+              <a:t>();</a:t>
+            </a:r>
+            <a:endParaRPr lang="en-US" sz="2000" dirty="0">
+              <a:ea typeface="Calibri"/>
+              <a:cs typeface="Times New Roman"/>
+            </a:endParaRPr>
+          </a:p>
+          <a:p>
+            <a:pPr>
+              <a:lnSpc>
+                <a:spcPct val="115000"/>
+              </a:lnSpc>
+              <a:spcAft>
+                <a:spcPts val="0"/>
+              </a:spcAft>
+            </a:pPr>
+            <a:r>
+              <a:rPr lang="en-US" sz="1600" dirty="0">
+                <a:solidFill>
+                  <a:srgbClr val="000000"/>
+                </a:solidFill>
+                <a:highlight>
+                  <a:srgbClr val="FFFFFF"/>
+                </a:highlight>
+                <a:latin typeface="Consolas"/>
+                <a:ea typeface="Calibri"/>
+                <a:cs typeface="Times New Roman"/>
+              </a:rPr>
+              <a:t>            </a:t>
+            </a:r>
+            <a:r>
+              <a:rPr lang="en-US" sz="1600" dirty="0" err="1">
+                <a:solidFill>
+                  <a:srgbClr val="000000"/>
+                </a:solidFill>
+                <a:highlight>
+                  <a:srgbClr val="FFFFFF"/>
+                </a:highlight>
+                <a:latin typeface="Consolas"/>
+                <a:ea typeface="Calibri"/>
+                <a:cs typeface="Times New Roman"/>
+              </a:rPr>
+              <a:t>sut.AccountRepository</a:t>
+            </a:r>
+            <a:r>
+              <a:rPr lang="en-US" sz="1600" dirty="0">
+                <a:solidFill>
+                  <a:srgbClr val="000000"/>
+                </a:solidFill>
+                <a:highlight>
+                  <a:srgbClr val="FFFFFF"/>
+                </a:highlight>
+                <a:latin typeface="Consolas"/>
+                <a:ea typeface="Calibri"/>
+                <a:cs typeface="Times New Roman"/>
+              </a:rPr>
+              <a:t> = </a:t>
+            </a:r>
+            <a:r>
+              <a:rPr lang="en-US" sz="1600" dirty="0" err="1">
+                <a:solidFill>
+                  <a:srgbClr val="000000"/>
+                </a:solidFill>
+                <a:highlight>
+                  <a:srgbClr val="FFFFFF"/>
+                </a:highlight>
+                <a:latin typeface="Consolas"/>
+                <a:ea typeface="Calibri"/>
+                <a:cs typeface="Times New Roman"/>
+              </a:rPr>
+              <a:t>mockRepo.Object</a:t>
+            </a:r>
+            <a:r>
+              <a:rPr lang="en-US" sz="1600" dirty="0">
+                <a:solidFill>
+                  <a:srgbClr val="000000"/>
+                </a:solidFill>
+                <a:highlight>
+                  <a:srgbClr val="FFFFFF"/>
+                </a:highlight>
+                <a:latin typeface="Consolas"/>
+                <a:ea typeface="Calibri"/>
+                <a:cs typeface="Times New Roman"/>
+              </a:rPr>
+              <a:t>; </a:t>
+            </a:r>
+            <a:r>
+              <a:rPr lang="en-US" sz="1600" dirty="0">
+                <a:solidFill>
+                  <a:srgbClr val="008000"/>
+                </a:solidFill>
+                <a:highlight>
+                  <a:srgbClr val="FFFFFF"/>
+                </a:highlight>
+                <a:latin typeface="Consolas"/>
+                <a:ea typeface="Calibri"/>
+                <a:cs typeface="Times New Roman"/>
+              </a:rPr>
+              <a:t>//I want to put a fake here !</a:t>
+            </a:r>
+            <a:endParaRPr lang="en-US" sz="2000" dirty="0">
+              <a:ea typeface="Calibri"/>
+              <a:cs typeface="Times New Roman"/>
+            </a:endParaRPr>
+          </a:p>
+          <a:p>
+            <a:pPr>
+              <a:lnSpc>
+                <a:spcPct val="115000"/>
+              </a:lnSpc>
+              <a:spcAft>
+                <a:spcPts val="0"/>
+              </a:spcAft>
+            </a:pPr>
+            <a:r>
+              <a:rPr lang="en-US" sz="1600" dirty="0">
+                <a:solidFill>
+                  <a:srgbClr val="000000"/>
+                </a:solidFill>
+                <a:highlight>
+                  <a:srgbClr val="FFFFFF"/>
+                </a:highlight>
+                <a:latin typeface="Consolas"/>
+                <a:ea typeface="Calibri"/>
+                <a:cs typeface="Times New Roman"/>
+              </a:rPr>
+              <a:t> </a:t>
+            </a:r>
+            <a:endParaRPr lang="en-US" sz="2000" dirty="0">
+              <a:ea typeface="Calibri"/>
+              <a:cs typeface="Times New Roman"/>
+            </a:endParaRPr>
+          </a:p>
+          <a:p>
+            <a:pPr>
+              <a:lnSpc>
+                <a:spcPct val="115000"/>
+              </a:lnSpc>
+              <a:spcAft>
+                <a:spcPts val="0"/>
+              </a:spcAft>
+            </a:pPr>
+            <a:r>
+              <a:rPr lang="en-US" sz="1600" dirty="0">
+                <a:solidFill>
+                  <a:srgbClr val="000000"/>
+                </a:solidFill>
+                <a:highlight>
+                  <a:srgbClr val="FFFFFF"/>
+                </a:highlight>
+                <a:latin typeface="Consolas"/>
+                <a:ea typeface="Calibri"/>
+                <a:cs typeface="Times New Roman"/>
+              </a:rPr>
+              <a:t>            </a:t>
+            </a:r>
+            <a:r>
+              <a:rPr lang="en-US" sz="1600" dirty="0">
+                <a:solidFill>
+                  <a:srgbClr val="008000"/>
+                </a:solidFill>
+                <a:highlight>
+                  <a:srgbClr val="FFFFFF"/>
+                </a:highlight>
+                <a:latin typeface="Consolas"/>
+                <a:ea typeface="Calibri"/>
+                <a:cs typeface="Times New Roman"/>
+              </a:rPr>
+              <a:t>// Act</a:t>
+            </a:r>
+            <a:endParaRPr lang="en-US" sz="2000" dirty="0">
+              <a:ea typeface="Calibri"/>
+              <a:cs typeface="Times New Roman"/>
+            </a:endParaRPr>
+          </a:p>
+          <a:p>
+            <a:pPr>
+              <a:lnSpc>
+                <a:spcPct val="115000"/>
+              </a:lnSpc>
+              <a:spcAft>
+                <a:spcPts val="0"/>
+              </a:spcAft>
+            </a:pPr>
+            <a:r>
+              <a:rPr lang="en-US" sz="1600" dirty="0">
+                <a:solidFill>
+                  <a:srgbClr val="000000"/>
+                </a:solidFill>
+                <a:highlight>
+                  <a:srgbClr val="FFFFFF"/>
+                </a:highlight>
+                <a:latin typeface="Consolas"/>
+                <a:ea typeface="Calibri"/>
+                <a:cs typeface="Times New Roman"/>
+              </a:rPr>
+              <a:t>            </a:t>
+            </a:r>
+            <a:r>
+              <a:rPr lang="en-US" sz="1600" dirty="0" err="1">
+                <a:solidFill>
+                  <a:srgbClr val="000000"/>
+                </a:solidFill>
+                <a:highlight>
+                  <a:srgbClr val="FFFFFF"/>
+                </a:highlight>
+                <a:latin typeface="Consolas"/>
+                <a:ea typeface="Calibri"/>
+                <a:cs typeface="Times New Roman"/>
+              </a:rPr>
+              <a:t>sut.RenameAccount</a:t>
+            </a:r>
+            <a:r>
+              <a:rPr lang="en-US" sz="1600" dirty="0">
+                <a:solidFill>
+                  <a:srgbClr val="000000"/>
+                </a:solidFill>
+                <a:highlight>
+                  <a:srgbClr val="FFFFFF"/>
+                </a:highlight>
+                <a:latin typeface="Consolas"/>
+                <a:ea typeface="Calibri"/>
+                <a:cs typeface="Times New Roman"/>
+              </a:rPr>
+              <a:t>(</a:t>
+            </a:r>
+            <a:r>
+              <a:rPr lang="en-US" sz="1600" dirty="0" err="1">
+                <a:solidFill>
+                  <a:srgbClr val="000000"/>
+                </a:solidFill>
+                <a:highlight>
+                  <a:srgbClr val="FFFFFF"/>
+                </a:highlight>
+                <a:latin typeface="Consolas"/>
+                <a:ea typeface="Calibri"/>
+                <a:cs typeface="Times New Roman"/>
+              </a:rPr>
+              <a:t>existingAccount.CustomerId</a:t>
+            </a:r>
+            <a:r>
+              <a:rPr lang="en-US" sz="1600" dirty="0">
+                <a:solidFill>
+                  <a:srgbClr val="000000"/>
+                </a:solidFill>
+                <a:highlight>
+                  <a:srgbClr val="FFFFFF"/>
+                </a:highlight>
+                <a:latin typeface="Consolas"/>
+                <a:ea typeface="Calibri"/>
+                <a:cs typeface="Times New Roman"/>
+              </a:rPr>
+              <a:t>, </a:t>
+            </a:r>
+            <a:r>
+              <a:rPr lang="en-US" sz="1600" dirty="0" err="1">
+                <a:solidFill>
+                  <a:srgbClr val="000000"/>
+                </a:solidFill>
+                <a:highlight>
+                  <a:srgbClr val="FFFFFF"/>
+                </a:highlight>
+                <a:latin typeface="Consolas"/>
+                <a:ea typeface="Calibri"/>
+                <a:cs typeface="Times New Roman"/>
+              </a:rPr>
+              <a:t>existingAccount.Id</a:t>
+            </a:r>
+            <a:r>
+              <a:rPr lang="en-US" sz="1600" dirty="0">
+                <a:solidFill>
+                  <a:srgbClr val="000000"/>
+                </a:solidFill>
+                <a:highlight>
+                  <a:srgbClr val="FFFFFF"/>
+                </a:highlight>
+                <a:latin typeface="Consolas"/>
+                <a:ea typeface="Calibri"/>
+                <a:cs typeface="Times New Roman"/>
+              </a:rPr>
+              <a:t>, </a:t>
+            </a:r>
+            <a:r>
+              <a:rPr lang="en-US" sz="1600" dirty="0" err="1">
+                <a:solidFill>
+                  <a:srgbClr val="000000"/>
+                </a:solidFill>
+                <a:highlight>
+                  <a:srgbClr val="FFFFFF"/>
+                </a:highlight>
+                <a:latin typeface="Consolas"/>
+                <a:ea typeface="Calibri"/>
+                <a:cs typeface="Times New Roman"/>
+              </a:rPr>
+              <a:t>newName</a:t>
+            </a:r>
+            <a:r>
+              <a:rPr lang="en-US" sz="1600" dirty="0">
+                <a:solidFill>
+                  <a:srgbClr val="000000"/>
+                </a:solidFill>
+                <a:highlight>
+                  <a:srgbClr val="FFFFFF"/>
+                </a:highlight>
+                <a:latin typeface="Consolas"/>
+                <a:ea typeface="Calibri"/>
+                <a:cs typeface="Times New Roman"/>
+              </a:rPr>
+              <a:t>);</a:t>
+            </a:r>
+            <a:endParaRPr lang="en-US" sz="2000" dirty="0">
+              <a:ea typeface="Calibri"/>
+              <a:cs typeface="Times New Roman"/>
+            </a:endParaRPr>
+          </a:p>
+          <a:p>
+            <a:pPr>
+              <a:lnSpc>
+                <a:spcPct val="115000"/>
+              </a:lnSpc>
+              <a:spcAft>
+                <a:spcPts val="0"/>
+              </a:spcAft>
+            </a:pPr>
+            <a:r>
+              <a:rPr lang="en-US" sz="1600" dirty="0">
+                <a:solidFill>
+                  <a:srgbClr val="000000"/>
+                </a:solidFill>
+                <a:highlight>
+                  <a:srgbClr val="FFFFFF"/>
+                </a:highlight>
+                <a:latin typeface="Consolas"/>
+                <a:ea typeface="Calibri"/>
+                <a:cs typeface="Times New Roman"/>
+              </a:rPr>
+              <a:t> </a:t>
+            </a:r>
+            <a:endParaRPr lang="en-US" sz="2000" dirty="0">
+              <a:ea typeface="Calibri"/>
+              <a:cs typeface="Times New Roman"/>
+            </a:endParaRPr>
+          </a:p>
+          <a:p>
+            <a:pPr>
+              <a:lnSpc>
+                <a:spcPct val="115000"/>
+              </a:lnSpc>
+              <a:spcAft>
+                <a:spcPts val="0"/>
+              </a:spcAft>
+            </a:pPr>
+            <a:r>
+              <a:rPr lang="en-US" sz="1600" dirty="0">
+                <a:solidFill>
+                  <a:srgbClr val="000000"/>
+                </a:solidFill>
+                <a:highlight>
+                  <a:srgbClr val="FFFFFF"/>
+                </a:highlight>
+                <a:latin typeface="Consolas"/>
+                <a:ea typeface="Calibri"/>
+                <a:cs typeface="Times New Roman"/>
+              </a:rPr>
+              <a:t>            </a:t>
+            </a:r>
+            <a:r>
+              <a:rPr lang="en-US" sz="1600" dirty="0">
+                <a:solidFill>
+                  <a:srgbClr val="008000"/>
+                </a:solidFill>
+                <a:highlight>
+                  <a:srgbClr val="FFFFFF"/>
+                </a:highlight>
+                <a:latin typeface="Consolas"/>
+                <a:ea typeface="Calibri"/>
+                <a:cs typeface="Times New Roman"/>
+              </a:rPr>
+              <a:t>// Assert		</a:t>
+            </a:r>
+            <a:endParaRPr lang="en-US" sz="2000" dirty="0">
+              <a:ea typeface="Calibri"/>
+              <a:cs typeface="Times New Roman"/>
+            </a:endParaRPr>
+          </a:p>
+          <a:p>
+            <a:pPr>
+              <a:lnSpc>
+                <a:spcPct val="115000"/>
+              </a:lnSpc>
+              <a:spcAft>
+                <a:spcPts val="0"/>
+              </a:spcAft>
+            </a:pPr>
+            <a:r>
+              <a:rPr lang="en-US" sz="1600" dirty="0">
+                <a:solidFill>
+                  <a:srgbClr val="000000"/>
+                </a:solidFill>
+                <a:highlight>
+                  <a:srgbClr val="FFFFFF"/>
+                </a:highlight>
+                <a:latin typeface="Consolas"/>
+                <a:ea typeface="Calibri"/>
+                <a:cs typeface="Times New Roman"/>
+              </a:rPr>
+              <a:t>            </a:t>
+            </a:r>
+            <a:r>
+              <a:rPr lang="en-US" sz="1600" dirty="0" err="1">
+                <a:solidFill>
+                  <a:srgbClr val="000000"/>
+                </a:solidFill>
+                <a:highlight>
+                  <a:srgbClr val="FFFFFF"/>
+                </a:highlight>
+                <a:latin typeface="Consolas"/>
+                <a:ea typeface="Calibri"/>
+                <a:cs typeface="Times New Roman"/>
+              </a:rPr>
+              <a:t>mockRepo.Verify</a:t>
+            </a:r>
+            <a:r>
+              <a:rPr lang="en-US" sz="1600" dirty="0">
+                <a:solidFill>
+                  <a:srgbClr val="000000"/>
+                </a:solidFill>
+                <a:highlight>
+                  <a:srgbClr val="FFFFFF"/>
+                </a:highlight>
+                <a:latin typeface="Consolas"/>
+                <a:ea typeface="Calibri"/>
+                <a:cs typeface="Times New Roman"/>
+              </a:rPr>
+              <a:t>(r=&gt; </a:t>
+            </a:r>
+            <a:r>
+              <a:rPr lang="en-US" sz="1600" dirty="0" err="1">
+                <a:solidFill>
+                  <a:srgbClr val="000000"/>
+                </a:solidFill>
+                <a:highlight>
+                  <a:srgbClr val="FFFFFF"/>
+                </a:highlight>
+                <a:latin typeface="Consolas"/>
+                <a:ea typeface="Calibri"/>
+                <a:cs typeface="Times New Roman"/>
+              </a:rPr>
+              <a:t>r.Update</a:t>
+            </a:r>
+            <a:r>
+              <a:rPr lang="en-US" sz="1600" dirty="0">
+                <a:solidFill>
+                  <a:srgbClr val="000000"/>
+                </a:solidFill>
+                <a:highlight>
+                  <a:srgbClr val="FFFFFF"/>
+                </a:highlight>
+                <a:latin typeface="Consolas"/>
+                <a:ea typeface="Calibri"/>
+                <a:cs typeface="Times New Roman"/>
+              </a:rPr>
+              <a:t>(</a:t>
+            </a:r>
+            <a:r>
+              <a:rPr lang="en-US" sz="1600" dirty="0" err="1">
+                <a:solidFill>
+                  <a:srgbClr val="2B91AF"/>
+                </a:solidFill>
+                <a:highlight>
+                  <a:srgbClr val="FFFFFF"/>
+                </a:highlight>
+                <a:latin typeface="Consolas"/>
+                <a:ea typeface="Calibri"/>
+                <a:cs typeface="Times New Roman"/>
+              </a:rPr>
+              <a:t>It</a:t>
+            </a:r>
+            <a:r>
+              <a:rPr lang="en-US" sz="1600" dirty="0" err="1">
+                <a:solidFill>
+                  <a:srgbClr val="000000"/>
+                </a:solidFill>
+                <a:highlight>
+                  <a:srgbClr val="FFFFFF"/>
+                </a:highlight>
+                <a:latin typeface="Consolas"/>
+                <a:ea typeface="Calibri"/>
+                <a:cs typeface="Times New Roman"/>
+              </a:rPr>
+              <a:t>.Is</a:t>
+            </a:r>
+            <a:r>
+              <a:rPr lang="en-US" sz="1600" dirty="0">
+                <a:solidFill>
+                  <a:srgbClr val="000000"/>
+                </a:solidFill>
+                <a:highlight>
+                  <a:srgbClr val="FFFFFF"/>
+                </a:highlight>
+                <a:latin typeface="Consolas"/>
+                <a:ea typeface="Calibri"/>
+                <a:cs typeface="Times New Roman"/>
+              </a:rPr>
+              <a:t>&lt;</a:t>
+            </a:r>
+            <a:r>
+              <a:rPr lang="en-US" sz="1600" dirty="0" err="1">
+                <a:solidFill>
+                  <a:srgbClr val="000000"/>
+                </a:solidFill>
+                <a:highlight>
+                  <a:srgbClr val="FFFFFF"/>
+                </a:highlight>
+                <a:latin typeface="Consolas"/>
+                <a:ea typeface="Calibri"/>
+                <a:cs typeface="Times New Roman"/>
+              </a:rPr>
+              <a:t>Data.</a:t>
+            </a:r>
+            <a:r>
+              <a:rPr lang="en-US" sz="1600" dirty="0" err="1">
+                <a:solidFill>
+                  <a:srgbClr val="2B91AF"/>
+                </a:solidFill>
+                <a:highlight>
+                  <a:srgbClr val="FFFFFF"/>
+                </a:highlight>
+                <a:latin typeface="Consolas"/>
+                <a:ea typeface="Calibri"/>
+                <a:cs typeface="Times New Roman"/>
+              </a:rPr>
+              <a:t>Account</a:t>
+            </a:r>
+            <a:r>
+              <a:rPr lang="en-US" sz="1600" dirty="0">
+                <a:solidFill>
+                  <a:srgbClr val="000000"/>
+                </a:solidFill>
+                <a:highlight>
+                  <a:srgbClr val="FFFFFF"/>
+                </a:highlight>
+                <a:latin typeface="Consolas"/>
+                <a:ea typeface="Calibri"/>
+                <a:cs typeface="Times New Roman"/>
+              </a:rPr>
+              <a:t>&gt;(a=&gt; </a:t>
+            </a:r>
+            <a:r>
+              <a:rPr lang="en-US" sz="1600" dirty="0" err="1">
+                <a:solidFill>
+                  <a:srgbClr val="000000"/>
+                </a:solidFill>
+                <a:highlight>
+                  <a:srgbClr val="FFFFFF"/>
+                </a:highlight>
+                <a:latin typeface="Consolas"/>
+                <a:ea typeface="Calibri"/>
+                <a:cs typeface="Times New Roman"/>
+              </a:rPr>
+              <a:t>a.Title</a:t>
+            </a:r>
+            <a:r>
+              <a:rPr lang="en-US" sz="1600" dirty="0">
+                <a:solidFill>
+                  <a:srgbClr val="000000"/>
+                </a:solidFill>
+                <a:highlight>
+                  <a:srgbClr val="FFFFFF"/>
+                </a:highlight>
+                <a:latin typeface="Consolas"/>
+                <a:ea typeface="Calibri"/>
+                <a:cs typeface="Times New Roman"/>
+              </a:rPr>
+              <a:t> == </a:t>
+            </a:r>
+            <a:r>
+              <a:rPr lang="en-US" sz="1600" dirty="0" err="1">
+                <a:solidFill>
+                  <a:srgbClr val="000000"/>
+                </a:solidFill>
+                <a:highlight>
+                  <a:srgbClr val="FFFFFF"/>
+                </a:highlight>
+                <a:latin typeface="Consolas"/>
+                <a:ea typeface="Calibri"/>
+                <a:cs typeface="Times New Roman"/>
+              </a:rPr>
+              <a:t>newName</a:t>
+            </a:r>
+            <a:r>
+              <a:rPr lang="en-US" sz="1600" dirty="0">
+                <a:solidFill>
+                  <a:srgbClr val="000000"/>
+                </a:solidFill>
+                <a:highlight>
+                  <a:srgbClr val="FFFFFF"/>
+                </a:highlight>
+                <a:latin typeface="Consolas"/>
+                <a:ea typeface="Calibri"/>
+                <a:cs typeface="Times New Roman"/>
+              </a:rPr>
+              <a:t>)));</a:t>
+            </a:r>
+            <a:endParaRPr lang="en-US" sz="2000" dirty="0">
+              <a:ea typeface="Calibri"/>
+              <a:cs typeface="Times New Roman"/>
+            </a:endParaRPr>
+          </a:p>
+          <a:p>
+            <a:pPr>
+              <a:lnSpc>
+                <a:spcPct val="115000"/>
+              </a:lnSpc>
+              <a:spcAft>
+                <a:spcPts val="1000"/>
+              </a:spcAft>
+            </a:pPr>
+            <a:r>
+              <a:rPr lang="en-US" sz="1600" dirty="0">
+                <a:solidFill>
+                  <a:srgbClr val="000000"/>
+                </a:solidFill>
+                <a:highlight>
+                  <a:srgbClr val="FFFFFF"/>
+                </a:highlight>
+                <a:latin typeface="Consolas"/>
+                <a:ea typeface="Calibri"/>
+                <a:cs typeface="Times New Roman"/>
+              </a:rPr>
+              <a:t>        }</a:t>
+            </a:r>
+            <a:endParaRPr lang="en-US" sz="2000" i="1" dirty="0">
+              <a:latin typeface="+mj-lt"/>
+              <a:ea typeface="Calibri"/>
+              <a:cs typeface="Times New Roman"/>
+            </a:endParaRPr>
+          </a:p>
+        </p:txBody>
+      </p:sp>
     </p:spTree>
     <p:extLst>
       <p:ext uri="{BB962C8B-B14F-4D97-AF65-F5344CB8AC3E}">
-        <p14:creationId xmlns:p14="http://schemas.microsoft.com/office/powerpoint/2010/main" val="1108926905"/>
+        <p14:creationId xmlns:p14="http://schemas.microsoft.com/office/powerpoint/2010/main" val="2620739582"/>
       </p:ext>
     </p:extLst>
   </p:cSld>
@@ -15360,9 +20190,171 @@
   <p:timing>
     <p:tnLst>
       <p:par>
-        <p:cTn id="1" dur="indefinite" restart="never" nodeType="tmRoot"/>
+        <p:cTn id="1" dur="indefinite" restart="never" nodeType="tmRoot">
+          <p:childTnLst>
+            <p:seq concurrent="1" nextAc="seek">
+              <p:cTn id="2" dur="indefinite" nodeType="mainSeq">
+                <p:childTnLst>
+                  <p:par>
+                    <p:cTn id="3" fill="hold">
+                      <p:stCondLst>
+                        <p:cond delay="indefinite"/>
+                      </p:stCondLst>
+                      <p:childTnLst>
+                        <p:par>
+                          <p:cTn id="4" fill="hold">
+                            <p:stCondLst>
+                              <p:cond delay="0"/>
+                            </p:stCondLst>
+                            <p:childTnLst>
+                              <p:par>
+                                <p:cTn id="5" presetID="1" presetClass="entr" presetSubtype="0" fill="hold" nodeType="clickEffect">
+                                  <p:stCondLst>
+                                    <p:cond delay="0"/>
+                                  </p:stCondLst>
+                                  <p:childTnLst>
+                                    <p:set>
+                                      <p:cBhvr>
+                                        <p:cTn id="6" dur="1" fill="hold">
+                                          <p:stCondLst>
+                                            <p:cond delay="0"/>
+                                          </p:stCondLst>
+                                        </p:cTn>
+                                        <p:tgtEl>
+                                          <p:spTgt spid="4098"/>
+                                        </p:tgtEl>
+                                        <p:attrNameLst>
+                                          <p:attrName>style.visibility</p:attrName>
+                                        </p:attrNameLst>
+                                      </p:cBhvr>
+                                      <p:to>
+                                        <p:strVal val="visible"/>
+                                      </p:to>
+                                    </p:set>
+                                  </p:childTnLst>
+                                </p:cTn>
+                              </p:par>
+                            </p:childTnLst>
+                          </p:cTn>
+                        </p:par>
+                      </p:childTnLst>
+                    </p:cTn>
+                  </p:par>
+                  <p:par>
+                    <p:cTn id="7" fill="hold">
+                      <p:stCondLst>
+                        <p:cond delay="indefinite"/>
+                      </p:stCondLst>
+                      <p:childTnLst>
+                        <p:par>
+                          <p:cTn id="8" fill="hold">
+                            <p:stCondLst>
+                              <p:cond delay="0"/>
+                            </p:stCondLst>
+                            <p:childTnLst>
+                              <p:par>
+                                <p:cTn id="9" presetID="1" presetClass="entr" presetSubtype="0" fill="hold" grpId="0" nodeType="clickEffect">
+                                  <p:stCondLst>
+                                    <p:cond delay="0"/>
+                                  </p:stCondLst>
+                                  <p:childTnLst>
+                                    <p:set>
+                                      <p:cBhvr>
+                                        <p:cTn id="10" dur="1" fill="hold">
+                                          <p:stCondLst>
+                                            <p:cond delay="0"/>
+                                          </p:stCondLst>
+                                        </p:cTn>
+                                        <p:tgtEl>
+                                          <p:spTgt spid="5"/>
+                                        </p:tgtEl>
+                                        <p:attrNameLst>
+                                          <p:attrName>style.visibility</p:attrName>
+                                        </p:attrNameLst>
+                                      </p:cBhvr>
+                                      <p:to>
+                                        <p:strVal val="visible"/>
+                                      </p:to>
+                                    </p:set>
+                                  </p:childTnLst>
+                                </p:cTn>
+                              </p:par>
+                            </p:childTnLst>
+                          </p:cTn>
+                        </p:par>
+                      </p:childTnLst>
+                    </p:cTn>
+                  </p:par>
+                  <p:par>
+                    <p:cTn id="11" fill="hold">
+                      <p:stCondLst>
+                        <p:cond delay="indefinite"/>
+                      </p:stCondLst>
+                      <p:childTnLst>
+                        <p:par>
+                          <p:cTn id="12" fill="hold">
+                            <p:stCondLst>
+                              <p:cond delay="0"/>
+                            </p:stCondLst>
+                            <p:childTnLst>
+                              <p:par>
+                                <p:cTn id="13" presetID="1" presetClass="entr" presetSubtype="0" fill="hold" grpId="0" nodeType="clickEffect">
+                                  <p:stCondLst>
+                                    <p:cond delay="0"/>
+                                  </p:stCondLst>
+                                  <p:childTnLst>
+                                    <p:set>
+                                      <p:cBhvr>
+                                        <p:cTn id="14" dur="1" fill="hold">
+                                          <p:stCondLst>
+                                            <p:cond delay="0"/>
+                                          </p:stCondLst>
+                                        </p:cTn>
+                                        <p:tgtEl>
+                                          <p:spTgt spid="6"/>
+                                        </p:tgtEl>
+                                        <p:attrNameLst>
+                                          <p:attrName>style.visibility</p:attrName>
+                                        </p:attrNameLst>
+                                      </p:cBhvr>
+                                      <p:to>
+                                        <p:strVal val="visible"/>
+                                      </p:to>
+                                    </p:set>
+                                  </p:childTnLst>
+                                </p:cTn>
+                              </p:par>
+                            </p:childTnLst>
+                          </p:cTn>
+                        </p:par>
+                      </p:childTnLst>
+                    </p:cTn>
+                  </p:par>
+                </p:childTnLst>
+              </p:cTn>
+              <p:prevCondLst>
+                <p:cond evt="onPrev" delay="0">
+                  <p:tgtEl>
+                    <p:sldTgt/>
+                  </p:tgtEl>
+                </p:cond>
+              </p:prevCondLst>
+              <p:nextCondLst>
+                <p:cond evt="onNext" delay="0">
+                  <p:tgtEl>
+                    <p:sldTgt/>
+                  </p:tgtEl>
+                </p:cond>
+              </p:nextCondLst>
+            </p:seq>
+          </p:childTnLst>
+        </p:cTn>
       </p:par>
     </p:tnLst>
+    <p:bldLst>
+      <p:bldP spid="5" grpId="0" animBg="1"/>
+      <p:bldP spid="6" grpId="0" animBg="1"/>
+    </p:bldLst>
   </p:timing>
 </p:sld>
 </file>
@@ -15401,7 +20393,7 @@
           <a:p>
             <a:r>
               <a:rPr lang="en-US" dirty="0" smtClean="0"/>
-              <a:t>Inversion of Control</a:t>
+              <a:t>Making it testable - Constructor</a:t>
             </a:r>
             <a:endParaRPr lang="en-US" dirty="0"/>
           </a:p>
@@ -15429,13 +20421,20 @@
     </p:spTree>
     <p:extLst>
       <p:ext uri="{BB962C8B-B14F-4D97-AF65-F5344CB8AC3E}">
-        <p14:creationId xmlns:p14="http://schemas.microsoft.com/office/powerpoint/2010/main" val="4108550095"/>
+        <p14:creationId xmlns:p14="http://schemas.microsoft.com/office/powerpoint/2010/main" val="1108926905"/>
       </p:ext>
     </p:extLst>
   </p:cSld>
   <p:clrMapOvr>
     <a:masterClrMapping/>
   </p:clrMapOvr>
+  <p:timing>
+    <p:tnLst>
+      <p:par>
+        <p:cTn id="1" dur="indefinite" restart="never" nodeType="tmRoot"/>
+      </p:par>
+    </p:tnLst>
+  </p:timing>
 </p:sld>
 </file>
 
@@ -15473,7 +20472,7 @@
           <a:p>
             <a:r>
               <a:rPr lang="en-US" dirty="0" smtClean="0"/>
-              <a:t>It’s viral !</a:t>
+              <a:t>Inversion of Control</a:t>
             </a:r>
             <a:endParaRPr lang="en-US" dirty="0"/>
           </a:p>
@@ -15494,24 +20493,27 @@
           <a:bodyPr/>
           <a:lstStyle/>
           <a:p>
-            <a:r>
-              <a:rPr lang="en-US" dirty="0" smtClean="0"/>
-              <a:t>Composition Root</a:t>
-            </a:r>
-            <a:endParaRPr lang="en-US" dirty="0"/>
+            <a:endParaRPr lang="en-US"/>
           </a:p>
         </p:txBody>
       </p:sp>
     </p:spTree>
     <p:extLst>
       <p:ext uri="{BB962C8B-B14F-4D97-AF65-F5344CB8AC3E}">
-        <p14:creationId xmlns:p14="http://schemas.microsoft.com/office/powerpoint/2010/main" val="1394666143"/>
+        <p14:creationId xmlns:p14="http://schemas.microsoft.com/office/powerpoint/2010/main" val="4108550095"/>
       </p:ext>
     </p:extLst>
   </p:cSld>
   <p:clrMapOvr>
     <a:masterClrMapping/>
   </p:clrMapOvr>
+  <p:timing>
+    <p:tnLst>
+      <p:par>
+        <p:cTn id="1" dur="indefinite" restart="never" nodeType="tmRoot"/>
+      </p:par>
+    </p:tnLst>
+  </p:timing>
 </p:sld>
 </file>
 
@@ -15549,7 +20551,7 @@
           <a:p>
             <a:r>
               <a:rPr lang="en-US" dirty="0" smtClean="0"/>
-              <a:t>Pure DI aka Poor Man’s DI</a:t>
+              <a:t>It’s viral !</a:t>
             </a:r>
             <a:endParaRPr lang="en-US" dirty="0"/>
           </a:p>
@@ -15570,20 +20572,31 @@
           <a:bodyPr/>
           <a:lstStyle/>
           <a:p>
-            <a:endParaRPr lang="en-US"/>
+            <a:r>
+              <a:rPr lang="en-US" dirty="0" smtClean="0"/>
+              <a:t>Composition Root</a:t>
+            </a:r>
+            <a:endParaRPr lang="en-US" dirty="0"/>
           </a:p>
         </p:txBody>
       </p:sp>
     </p:spTree>
     <p:extLst>
       <p:ext uri="{BB962C8B-B14F-4D97-AF65-F5344CB8AC3E}">
-        <p14:creationId xmlns:p14="http://schemas.microsoft.com/office/powerpoint/2010/main" val="550091921"/>
+        <p14:creationId xmlns:p14="http://schemas.microsoft.com/office/powerpoint/2010/main" val="1394666143"/>
       </p:ext>
     </p:extLst>
   </p:cSld>
   <p:clrMapOvr>
     <a:masterClrMapping/>
   </p:clrMapOvr>
+  <p:timing>
+    <p:tnLst>
+      <p:par>
+        <p:cTn id="1" dur="indefinite" restart="never" nodeType="tmRoot"/>
+      </p:par>
+    </p:tnLst>
+  </p:timing>
 </p:sld>
 </file>
 
@@ -15621,7 +20634,7 @@
           <a:p>
             <a:r>
               <a:rPr lang="en-US" dirty="0" smtClean="0"/>
-              <a:t>Extensibility with DI</a:t>
+              <a:t>Pure DI aka Poor Man’s DI</a:t>
             </a:r>
             <a:endParaRPr lang="en-US" dirty="0"/>
           </a:p>
@@ -15642,54 +20655,14 @@
           <a:bodyPr/>
           <a:lstStyle/>
           <a:p>
-            <a:r>
-              <a:rPr lang="en-US" dirty="0" err="1" smtClean="0"/>
-              <a:t>Composability</a:t>
-            </a:r>
-            <a:r>
-              <a:rPr lang="en-US" dirty="0" smtClean="0"/>
-              <a:t> </a:t>
-            </a:r>
-          </a:p>
-          <a:p>
-            <a:r>
-              <a:rPr lang="en-US" dirty="0" smtClean="0"/>
-              <a:t>Testability</a:t>
-            </a:r>
-          </a:p>
-          <a:p>
-            <a:r>
-              <a:rPr lang="en-US" dirty="0" smtClean="0"/>
-              <a:t>Decorator</a:t>
-            </a:r>
-          </a:p>
-          <a:p>
-            <a:endParaRPr lang="en-US" dirty="0"/>
-          </a:p>
-          <a:p>
-            <a:r>
-              <a:rPr lang="en-US" dirty="0" smtClean="0"/>
-              <a:t>Late binding</a:t>
-            </a:r>
-          </a:p>
-          <a:p>
-            <a:endParaRPr lang="en-US" dirty="0"/>
-          </a:p>
-          <a:p>
-            <a:r>
-              <a:rPr lang="en-US" dirty="0" smtClean="0"/>
-              <a:t>Examples ? </a:t>
-            </a:r>
-          </a:p>
-          <a:p>
-            <a:endParaRPr lang="en-US" dirty="0"/>
+            <a:endParaRPr lang="en-US"/>
           </a:p>
         </p:txBody>
       </p:sp>
     </p:spTree>
     <p:extLst>
       <p:ext uri="{BB962C8B-B14F-4D97-AF65-F5344CB8AC3E}">
-        <p14:creationId xmlns:p14="http://schemas.microsoft.com/office/powerpoint/2010/main" val="3162647260"/>
+        <p14:creationId xmlns:p14="http://schemas.microsoft.com/office/powerpoint/2010/main" val="550091921"/>
       </p:ext>
     </p:extLst>
   </p:cSld>
@@ -15733,7 +20706,7 @@
           <a:p>
             <a:r>
               <a:rPr lang="en-US" dirty="0" smtClean="0"/>
-              <a:t>DI Container</a:t>
+              <a:t>Extensibility with DI</a:t>
             </a:r>
             <a:endParaRPr lang="en-US" dirty="0"/>
           </a:p>
@@ -15755,9 +20728,45 @@
           <a:lstStyle/>
           <a:p>
             <a:r>
+              <a:rPr lang="en-US" dirty="0" err="1" smtClean="0"/>
+              <a:t>Composability</a:t>
+            </a:r>
+            <a:r>
               <a:rPr lang="en-US" dirty="0" smtClean="0"/>
-              <a:t>How it works / what it does</a:t>
-            </a:r>
+              <a:t> </a:t>
+            </a:r>
+          </a:p>
+          <a:p>
+            <a:r>
+              <a:rPr lang="en-US" dirty="0" smtClean="0"/>
+              <a:t>Testability</a:t>
+            </a:r>
+          </a:p>
+          <a:p>
+            <a:r>
+              <a:rPr lang="en-US" dirty="0" smtClean="0"/>
+              <a:t>Decorator</a:t>
+            </a:r>
+          </a:p>
+          <a:p>
+            <a:endParaRPr lang="en-US" dirty="0"/>
+          </a:p>
+          <a:p>
+            <a:r>
+              <a:rPr lang="en-US" dirty="0" smtClean="0"/>
+              <a:t>Late binding</a:t>
+            </a:r>
+          </a:p>
+          <a:p>
+            <a:endParaRPr lang="en-US" dirty="0"/>
+          </a:p>
+          <a:p>
+            <a:r>
+              <a:rPr lang="en-US" dirty="0" smtClean="0"/>
+              <a:t>Examples ? </a:t>
+            </a:r>
+          </a:p>
+          <a:p>
             <a:endParaRPr lang="en-US" dirty="0"/>
           </a:p>
         </p:txBody>
@@ -15765,7 +20774,7 @@
     </p:spTree>
     <p:extLst>
       <p:ext uri="{BB962C8B-B14F-4D97-AF65-F5344CB8AC3E}">
-        <p14:creationId xmlns:p14="http://schemas.microsoft.com/office/powerpoint/2010/main" val="3753203453"/>
+        <p14:creationId xmlns:p14="http://schemas.microsoft.com/office/powerpoint/2010/main" val="3162647260"/>
       </p:ext>
     </p:extLst>
   </p:cSld>
@@ -15804,14 +20813,12 @@
         </p:nvSpPr>
         <p:spPr/>
         <p:txBody>
-          <a:bodyPr>
-            <a:normAutofit fontScale="90000"/>
-          </a:bodyPr>
+          <a:bodyPr/>
           <a:lstStyle/>
           <a:p>
             <a:r>
               <a:rPr lang="en-US" dirty="0" smtClean="0"/>
-              <a:t>Service Locator – DI container misusage</a:t>
+              <a:t>DI Container</a:t>
             </a:r>
             <a:endParaRPr lang="en-US" dirty="0"/>
           </a:p>
@@ -15832,14 +20839,18 @@
           <a:bodyPr/>
           <a:lstStyle/>
           <a:p>
-            <a:endParaRPr lang="en-US"/>
+            <a:r>
+              <a:rPr lang="en-US" dirty="0" smtClean="0"/>
+              <a:t>How it works / what it does</a:t>
+            </a:r>
+            <a:endParaRPr lang="en-US" dirty="0"/>
           </a:p>
         </p:txBody>
       </p:sp>
     </p:spTree>
     <p:extLst>
       <p:ext uri="{BB962C8B-B14F-4D97-AF65-F5344CB8AC3E}">
-        <p14:creationId xmlns:p14="http://schemas.microsoft.com/office/powerpoint/2010/main" val="1148450113"/>
+        <p14:creationId xmlns:p14="http://schemas.microsoft.com/office/powerpoint/2010/main" val="3753203453"/>
       </p:ext>
     </p:extLst>
   </p:cSld>
@@ -15878,12 +20889,14 @@
         </p:nvSpPr>
         <p:spPr/>
         <p:txBody>
-          <a:bodyPr/>
+          <a:bodyPr>
+            <a:normAutofit fontScale="90000"/>
+          </a:bodyPr>
           <a:lstStyle/>
           <a:p>
             <a:r>
               <a:rPr lang="en-US" dirty="0" smtClean="0"/>
-              <a:t>Composition, but not only</a:t>
+              <a:t>Service Locator – DI container misusage</a:t>
             </a:r>
             <a:endParaRPr lang="en-US" dirty="0"/>
           </a:p>
@@ -15904,26 +20917,14 @@
           <a:bodyPr/>
           <a:lstStyle/>
           <a:p>
-            <a:r>
-              <a:rPr lang="en-US" dirty="0" smtClean="0"/>
-              <a:t>Object creation and composition</a:t>
-            </a:r>
-          </a:p>
-          <a:p>
-            <a:r>
-              <a:rPr lang="en-US" dirty="0" smtClean="0"/>
-              <a:t>Other important parts of DI</a:t>
-            </a:r>
-          </a:p>
-          <a:p>
-            <a:endParaRPr lang="en-US" dirty="0"/>
+            <a:endParaRPr lang="en-US"/>
           </a:p>
         </p:txBody>
       </p:sp>
     </p:spTree>
     <p:extLst>
       <p:ext uri="{BB962C8B-B14F-4D97-AF65-F5344CB8AC3E}">
-        <p14:creationId xmlns:p14="http://schemas.microsoft.com/office/powerpoint/2010/main" val="2294633566"/>
+        <p14:creationId xmlns:p14="http://schemas.microsoft.com/office/powerpoint/2010/main" val="1148450113"/>
       </p:ext>
     </p:extLst>
   </p:cSld>
@@ -15966,12 +20967,8 @@
           <a:lstStyle/>
           <a:p>
             <a:r>
-              <a:rPr lang="en-US" dirty="0" err="1" smtClean="0"/>
-              <a:t>LifeTime</a:t>
-            </a:r>
-            <a:r>
               <a:rPr lang="en-US" dirty="0" smtClean="0"/>
-              <a:t> Management</a:t>
+              <a:t>Composition, but not only</a:t>
             </a:r>
             <a:endParaRPr lang="en-US" dirty="0"/>
           </a:p>
@@ -15992,6 +20989,18 @@
           <a:bodyPr/>
           <a:lstStyle/>
           <a:p>
+            <a:r>
+              <a:rPr lang="en-US" dirty="0" smtClean="0"/>
+              <a:t>Object creation and composition</a:t>
+            </a:r>
+          </a:p>
+          <a:p>
+            <a:r>
+              <a:rPr lang="en-US" dirty="0" smtClean="0"/>
+              <a:t>Other important parts of DI</a:t>
+            </a:r>
+          </a:p>
+          <a:p>
             <a:endParaRPr lang="en-US" dirty="0"/>
           </a:p>
         </p:txBody>
@@ -15999,7 +21008,7 @@
     </p:spTree>
     <p:extLst>
       <p:ext uri="{BB962C8B-B14F-4D97-AF65-F5344CB8AC3E}">
-        <p14:creationId xmlns:p14="http://schemas.microsoft.com/office/powerpoint/2010/main" val="3458786066"/>
+        <p14:creationId xmlns:p14="http://schemas.microsoft.com/office/powerpoint/2010/main" val="2294633566"/>
       </p:ext>
     </p:extLst>
   </p:cSld>
@@ -16042,8 +21051,12 @@
           <a:lstStyle/>
           <a:p>
             <a:r>
+              <a:rPr lang="en-US" dirty="0" err="1" smtClean="0"/>
+              <a:t>LifeTime</a:t>
+            </a:r>
+            <a:r>
               <a:rPr lang="en-US" dirty="0" smtClean="0"/>
-              <a:t>Interception</a:t>
+              <a:t> Management</a:t>
             </a:r>
             <a:endParaRPr lang="en-US" dirty="0"/>
           </a:p>
@@ -16071,7 +21084,7 @@
     </p:spTree>
     <p:extLst>
       <p:ext uri="{BB962C8B-B14F-4D97-AF65-F5344CB8AC3E}">
-        <p14:creationId xmlns:p14="http://schemas.microsoft.com/office/powerpoint/2010/main" val="4036849652"/>
+        <p14:creationId xmlns:p14="http://schemas.microsoft.com/office/powerpoint/2010/main" val="3458786066"/>
       </p:ext>
     </p:extLst>
   </p:cSld>
@@ -16271,14 +21284,12 @@
         </p:nvSpPr>
         <p:spPr/>
         <p:txBody>
-          <a:bodyPr>
-            <a:normAutofit/>
-          </a:bodyPr>
+          <a:bodyPr/>
           <a:lstStyle/>
           <a:p>
             <a:r>
               <a:rPr lang="en-US" dirty="0" smtClean="0"/>
-              <a:t>Conclusion</a:t>
+              <a:t>Interception</a:t>
             </a:r>
             <a:endParaRPr lang="en-US" dirty="0"/>
           </a:p>
@@ -16299,14 +21310,14 @@
           <a:bodyPr/>
           <a:lstStyle/>
           <a:p>
-            <a:endParaRPr lang="en-US"/>
+            <a:endParaRPr lang="en-US" dirty="0"/>
           </a:p>
         </p:txBody>
       </p:sp>
     </p:spTree>
     <p:extLst>
       <p:ext uri="{BB962C8B-B14F-4D97-AF65-F5344CB8AC3E}">
-        <p14:creationId xmlns:p14="http://schemas.microsoft.com/office/powerpoint/2010/main" val="308607750"/>
+        <p14:creationId xmlns:p14="http://schemas.microsoft.com/office/powerpoint/2010/main" val="4036849652"/>
       </p:ext>
     </p:extLst>
   </p:cSld>
@@ -16345,12 +21356,14 @@
         </p:nvSpPr>
         <p:spPr/>
         <p:txBody>
-          <a:bodyPr/>
+          <a:bodyPr>
+            <a:normAutofit/>
+          </a:bodyPr>
           <a:lstStyle/>
           <a:p>
             <a:r>
               <a:rPr lang="en-US" dirty="0" smtClean="0"/>
-              <a:t>Remember</a:t>
+              <a:t>Conclusion</a:t>
             </a:r>
             <a:endParaRPr lang="en-US" dirty="0"/>
           </a:p>
@@ -16378,6 +21391,78 @@
     </p:spTree>
     <p:extLst>
       <p:ext uri="{BB962C8B-B14F-4D97-AF65-F5344CB8AC3E}">
+        <p14:creationId xmlns:p14="http://schemas.microsoft.com/office/powerpoint/2010/main" val="308607750"/>
+      </p:ext>
+    </p:extLst>
+  </p:cSld>
+  <p:clrMapOvr>
+    <a:masterClrMapping/>
+  </p:clrMapOvr>
+</p:sld>
+</file>
+
+<file path=ppt/slides/slide32.xml><?xml version="1.0" encoding="utf-8"?>
+<p:sld xmlns:a="http://schemas.openxmlformats.org/drawingml/2006/main" xmlns:r="http://schemas.openxmlformats.org/officeDocument/2006/relationships" xmlns:p="http://schemas.openxmlformats.org/presentationml/2006/main">
+  <p:cSld>
+    <p:spTree>
+      <p:nvGrpSpPr>
+        <p:cNvPr id="1" name=""/>
+        <p:cNvGrpSpPr/>
+        <p:nvPr/>
+      </p:nvGrpSpPr>
+      <p:grpSpPr>
+        <a:xfrm>
+          <a:off x="0" y="0"/>
+          <a:ext cx="0" cy="0"/>
+          <a:chOff x="0" y="0"/>
+          <a:chExt cx="0" cy="0"/>
+        </a:xfrm>
+      </p:grpSpPr>
+      <p:sp>
+        <p:nvSpPr>
+          <p:cNvPr id="2" name="Title 1"/>
+          <p:cNvSpPr>
+            <a:spLocks noGrp="1"/>
+          </p:cNvSpPr>
+          <p:nvPr>
+            <p:ph type="title"/>
+          </p:nvPr>
+        </p:nvSpPr>
+        <p:spPr/>
+        <p:txBody>
+          <a:bodyPr/>
+          <a:lstStyle/>
+          <a:p>
+            <a:r>
+              <a:rPr lang="en-US" dirty="0" smtClean="0"/>
+              <a:t>Remember</a:t>
+            </a:r>
+            <a:endParaRPr lang="en-US" dirty="0"/>
+          </a:p>
+        </p:txBody>
+      </p:sp>
+      <p:sp>
+        <p:nvSpPr>
+          <p:cNvPr id="3" name="Content Placeholder 2"/>
+          <p:cNvSpPr>
+            <a:spLocks noGrp="1"/>
+          </p:cNvSpPr>
+          <p:nvPr>
+            <p:ph idx="1"/>
+          </p:nvPr>
+        </p:nvSpPr>
+        <p:spPr/>
+        <p:txBody>
+          <a:bodyPr/>
+          <a:lstStyle/>
+          <a:p>
+            <a:endParaRPr lang="en-US"/>
+          </a:p>
+        </p:txBody>
+      </p:sp>
+    </p:spTree>
+    <p:extLst>
+      <p:ext uri="{BB962C8B-B14F-4D97-AF65-F5344CB8AC3E}">
         <p14:creationId xmlns:p14="http://schemas.microsoft.com/office/powerpoint/2010/main" val="1019461660"/>
       </p:ext>
     </p:extLst>
@@ -16388,7 +21473,7 @@
 </p:sld>
 </file>
 
-<file path=ppt/slides/slide32.xml><?xml version="1.0" encoding="utf-8"?>
+<file path=ppt/slides/slide33.xml><?xml version="1.0" encoding="utf-8"?>
 <p:sld xmlns:a="http://schemas.openxmlformats.org/drawingml/2006/main" xmlns:r="http://schemas.openxmlformats.org/officeDocument/2006/relationships" xmlns:p="http://schemas.openxmlformats.org/presentationml/2006/main">
   <p:cSld>
     <p:spTree>

--- a/Dependency Injection - the right way.pptx
+++ b/Dependency Injection - the right way.pptx
@@ -5,7 +5,7 @@
     <p:sldMasterId id="2147483648" r:id="rId1"/>
   </p:sldMasterIdLst>
   <p:notesMasterIdLst>
-    <p:notesMasterId r:id="rId35"/>
+    <p:notesMasterId r:id="rId37"/>
   </p:notesMasterIdLst>
   <p:sldIdLst>
     <p:sldId id="258" r:id="rId2"/>
@@ -28,19 +28,21 @@
     <p:sldId id="266" r:id="rId19"/>
     <p:sldId id="267" r:id="rId20"/>
     <p:sldId id="288" r:id="rId21"/>
-    <p:sldId id="268" r:id="rId22"/>
-    <p:sldId id="269" r:id="rId23"/>
-    <p:sldId id="270" r:id="rId24"/>
-    <p:sldId id="271" r:id="rId25"/>
-    <p:sldId id="272" r:id="rId26"/>
-    <p:sldId id="273" r:id="rId27"/>
-    <p:sldId id="274" r:id="rId28"/>
-    <p:sldId id="275" r:id="rId29"/>
-    <p:sldId id="276" r:id="rId30"/>
-    <p:sldId id="277" r:id="rId31"/>
-    <p:sldId id="278" r:id="rId32"/>
-    <p:sldId id="279" r:id="rId33"/>
-    <p:sldId id="259" r:id="rId34"/>
+    <p:sldId id="289" r:id="rId22"/>
+    <p:sldId id="268" r:id="rId23"/>
+    <p:sldId id="291" r:id="rId24"/>
+    <p:sldId id="269" r:id="rId25"/>
+    <p:sldId id="270" r:id="rId26"/>
+    <p:sldId id="271" r:id="rId27"/>
+    <p:sldId id="272" r:id="rId28"/>
+    <p:sldId id="273" r:id="rId29"/>
+    <p:sldId id="274" r:id="rId30"/>
+    <p:sldId id="275" r:id="rId31"/>
+    <p:sldId id="276" r:id="rId32"/>
+    <p:sldId id="277" r:id="rId33"/>
+    <p:sldId id="278" r:id="rId34"/>
+    <p:sldId id="279" r:id="rId35"/>
+    <p:sldId id="259" r:id="rId36"/>
   </p:sldIdLst>
   <p:sldSz cx="9144000" cy="6858000" type="screen4x3"/>
   <p:notesSz cx="6858000" cy="9144000"/>
@@ -168,7 +170,9 @@
             <p14:sldId id="266"/>
             <p14:sldId id="267"/>
             <p14:sldId id="288"/>
+            <p14:sldId id="289"/>
             <p14:sldId id="268"/>
+            <p14:sldId id="291"/>
             <p14:sldId id="269"/>
             <p14:sldId id="270"/>
             <p14:sldId id="271"/>
@@ -627,6 +631,214 @@
 </p:notes>
 </file>
 
+<file path=ppt/notesSlides/notesSlide10.xml><?xml version="1.0" encoding="utf-8"?>
+<p:notes xmlns:a="http://schemas.openxmlformats.org/drawingml/2006/main" xmlns:r="http://schemas.openxmlformats.org/officeDocument/2006/relationships" xmlns:p="http://schemas.openxmlformats.org/presentationml/2006/main">
+  <p:cSld>
+    <p:spTree>
+      <p:nvGrpSpPr>
+        <p:cNvPr id="1" name=""/>
+        <p:cNvGrpSpPr/>
+        <p:nvPr/>
+      </p:nvGrpSpPr>
+      <p:grpSpPr>
+        <a:xfrm>
+          <a:off x="0" y="0"/>
+          <a:ext cx="0" cy="0"/>
+          <a:chOff x="0" y="0"/>
+          <a:chExt cx="0" cy="0"/>
+        </a:xfrm>
+      </p:grpSpPr>
+      <p:sp>
+        <p:nvSpPr>
+          <p:cNvPr id="2" name="Slide Image Placeholder 1"/>
+          <p:cNvSpPr>
+            <a:spLocks noGrp="1" noRot="1" noChangeAspect="1"/>
+          </p:cNvSpPr>
+          <p:nvPr>
+            <p:ph type="sldImg"/>
+          </p:nvPr>
+        </p:nvSpPr>
+        <p:spPr/>
+      </p:sp>
+      <p:sp>
+        <p:nvSpPr>
+          <p:cNvPr id="3" name="Notes Placeholder 2"/>
+          <p:cNvSpPr>
+            <a:spLocks noGrp="1"/>
+          </p:cNvSpPr>
+          <p:nvPr>
+            <p:ph type="body" idx="1"/>
+          </p:nvPr>
+        </p:nvSpPr>
+        <p:spPr/>
+        <p:txBody>
+          <a:bodyPr/>
+          <a:lstStyle/>
+          <a:p>
+            <a:r>
+              <a:rPr lang="en-US" dirty="0" smtClean="0"/>
+              <a:t>Interface of abstract class ….</a:t>
+            </a:r>
+            <a:endParaRPr lang="en-US" dirty="0"/>
+          </a:p>
+        </p:txBody>
+      </p:sp>
+      <p:sp>
+        <p:nvSpPr>
+          <p:cNvPr id="4" name="Slide Number Placeholder 3"/>
+          <p:cNvSpPr>
+            <a:spLocks noGrp="1"/>
+          </p:cNvSpPr>
+          <p:nvPr>
+            <p:ph type="sldNum" sz="quarter" idx="10"/>
+          </p:nvPr>
+        </p:nvSpPr>
+        <p:spPr/>
+        <p:txBody>
+          <a:bodyPr/>
+          <a:lstStyle/>
+          <a:p>
+            <a:fld id="{33F0961A-48D7-4871-86EB-F9831811C96F}" type="slidenum">
+              <a:rPr lang="en-US" smtClean="0"/>
+              <a:t>20</a:t>
+            </a:fld>
+            <a:endParaRPr lang="en-US"/>
+          </a:p>
+        </p:txBody>
+      </p:sp>
+    </p:spTree>
+    <p:extLst>
+      <p:ext uri="{BB962C8B-B14F-4D97-AF65-F5344CB8AC3E}">
+        <p14:creationId xmlns:p14="http://schemas.microsoft.com/office/powerpoint/2010/main" val="1594396032"/>
+      </p:ext>
+    </p:extLst>
+  </p:cSld>
+  <p:clrMapOvr>
+    <a:masterClrMapping/>
+  </p:clrMapOvr>
+</p:notes>
+</file>
+
+<file path=ppt/notesSlides/notesSlide11.xml><?xml version="1.0" encoding="utf-8"?>
+<p:notes xmlns:a="http://schemas.openxmlformats.org/drawingml/2006/main" xmlns:r="http://schemas.openxmlformats.org/officeDocument/2006/relationships" xmlns:p="http://schemas.openxmlformats.org/presentationml/2006/main">
+  <p:cSld>
+    <p:spTree>
+      <p:nvGrpSpPr>
+        <p:cNvPr id="1" name=""/>
+        <p:cNvGrpSpPr/>
+        <p:nvPr/>
+      </p:nvGrpSpPr>
+      <p:grpSpPr>
+        <a:xfrm>
+          <a:off x="0" y="0"/>
+          <a:ext cx="0" cy="0"/>
+          <a:chOff x="0" y="0"/>
+          <a:chExt cx="0" cy="0"/>
+        </a:xfrm>
+      </p:grpSpPr>
+      <p:sp>
+        <p:nvSpPr>
+          <p:cNvPr id="2" name="Slide Image Placeholder 1"/>
+          <p:cNvSpPr>
+            <a:spLocks noGrp="1" noRot="1" noChangeAspect="1"/>
+          </p:cNvSpPr>
+          <p:nvPr>
+            <p:ph type="sldImg"/>
+          </p:nvPr>
+        </p:nvSpPr>
+        <p:spPr/>
+      </p:sp>
+      <p:sp>
+        <p:nvSpPr>
+          <p:cNvPr id="3" name="Notes Placeholder 2"/>
+          <p:cNvSpPr>
+            <a:spLocks noGrp="1"/>
+          </p:cNvSpPr>
+          <p:nvPr>
+            <p:ph type="body" idx="1"/>
+          </p:nvPr>
+        </p:nvSpPr>
+        <p:spPr/>
+        <p:txBody>
+          <a:bodyPr/>
+          <a:lstStyle/>
+          <a:p>
+            <a:r>
+              <a:rPr lang="fr-FR" dirty="0" err="1" smtClean="0"/>
+              <a:t>Used</a:t>
+            </a:r>
+            <a:r>
+              <a:rPr lang="fr-FR" baseline="0" dirty="0" smtClean="0"/>
+              <a:t> in default Visual Studio Template for MVC </a:t>
+            </a:r>
+            <a:r>
+              <a:rPr lang="fr-FR" baseline="0" dirty="0" err="1" smtClean="0"/>
+              <a:t>apps</a:t>
+            </a:r>
+            <a:r>
+              <a:rPr lang="fr-FR" baseline="0" dirty="0" smtClean="0"/>
+              <a:t> </a:t>
+            </a:r>
+            <a:r>
+              <a:rPr lang="fr-FR" baseline="0" dirty="0" err="1" smtClean="0"/>
+              <a:t>until</a:t>
+            </a:r>
+            <a:r>
+              <a:rPr lang="fr-FR" baseline="0" dirty="0" smtClean="0"/>
+              <a:t> not </a:t>
+            </a:r>
+            <a:r>
+              <a:rPr lang="fr-FR" baseline="0" dirty="0" err="1" smtClean="0"/>
+              <a:t>so</a:t>
+            </a:r>
+            <a:r>
+              <a:rPr lang="fr-FR" baseline="0" dirty="0" smtClean="0"/>
+              <a:t> long </a:t>
+            </a:r>
+            <a:r>
+              <a:rPr lang="fr-FR" baseline="0" dirty="0" err="1" smtClean="0"/>
+              <a:t>ago</a:t>
+            </a:r>
+            <a:endParaRPr lang="en-US" dirty="0"/>
+          </a:p>
+        </p:txBody>
+      </p:sp>
+      <p:sp>
+        <p:nvSpPr>
+          <p:cNvPr id="4" name="Slide Number Placeholder 3"/>
+          <p:cNvSpPr>
+            <a:spLocks noGrp="1"/>
+          </p:cNvSpPr>
+          <p:nvPr>
+            <p:ph type="sldNum" sz="quarter" idx="10"/>
+          </p:nvPr>
+        </p:nvSpPr>
+        <p:spPr/>
+        <p:txBody>
+          <a:bodyPr/>
+          <a:lstStyle/>
+          <a:p>
+            <a:fld id="{33F0961A-48D7-4871-86EB-F9831811C96F}" type="slidenum">
+              <a:rPr lang="en-US" smtClean="0"/>
+              <a:t>23</a:t>
+            </a:fld>
+            <a:endParaRPr lang="en-US"/>
+          </a:p>
+        </p:txBody>
+      </p:sp>
+    </p:spTree>
+    <p:extLst>
+      <p:ext uri="{BB962C8B-B14F-4D97-AF65-F5344CB8AC3E}">
+        <p14:creationId xmlns:p14="http://schemas.microsoft.com/office/powerpoint/2010/main" val="1926364492"/>
+      </p:ext>
+    </p:extLst>
+  </p:cSld>
+  <p:clrMapOvr>
+    <a:masterClrMapping/>
+  </p:clrMapOvr>
+</p:notes>
+</file>
+
 <file path=ppt/notesSlides/notesSlide2.xml><?xml version="1.0" encoding="utf-8"?>
 <p:notes xmlns:a="http://schemas.openxmlformats.org/drawingml/2006/main" xmlns:r="http://schemas.openxmlformats.org/officeDocument/2006/relationships" xmlns:p="http://schemas.openxmlformats.org/presentationml/2006/main">
   <p:cSld>
@@ -1507,8 +1719,10 @@
           <a:p>
             <a:r>
               <a:rPr lang="en-US" dirty="0" smtClean="0"/>
-              <a:t>Interface of abstract class ….</a:t>
-            </a:r>
+              <a:t>Note that even though we introduced interfaces, we still have a hard reference between all projects</a:t>
+            </a:r>
+          </a:p>
+          <a:p>
             <a:endParaRPr lang="en-US" dirty="0"/>
           </a:p>
         </p:txBody>
@@ -1530,7 +1744,7 @@
           <a:p>
             <a:fld id="{33F0961A-48D7-4871-86EB-F9831811C96F}" type="slidenum">
               <a:rPr lang="en-US" smtClean="0"/>
-              <a:t>20</a:t>
+              <a:t>19</a:t>
             </a:fld>
             <a:endParaRPr lang="en-US"/>
           </a:p>
@@ -1539,7 +1753,7 @@
     </p:spTree>
     <p:extLst>
       <p:ext uri="{BB962C8B-B14F-4D97-AF65-F5344CB8AC3E}">
-        <p14:creationId xmlns:p14="http://schemas.microsoft.com/office/powerpoint/2010/main" val="1594396032"/>
+        <p14:creationId xmlns:p14="http://schemas.microsoft.com/office/powerpoint/2010/main" val="914723511"/>
       </p:ext>
     </p:extLst>
   </p:cSld>
@@ -5938,26 +6152,68 @@
         </p:spPr>
         <p:txBody>
           <a:bodyPr>
-            <a:normAutofit/>
+            <a:normAutofit lnSpcReduction="10000"/>
           </a:bodyPr>
           <a:lstStyle/>
           <a:p>
             <a:r>
               <a:rPr lang="en-US" sz="2800" dirty="0" smtClean="0"/>
-              <a:t>User can list his accounts</a:t>
+              <a:t>Features</a:t>
+            </a:r>
+          </a:p>
+          <a:p>
+            <a:pPr lvl="1"/>
+            <a:r>
+              <a:rPr lang="en-US" sz="2400" dirty="0" smtClean="0"/>
+              <a:t>User </a:t>
+            </a:r>
+            <a:r>
+              <a:rPr lang="en-US" sz="2400" dirty="0" smtClean="0"/>
+              <a:t>can list his accounts</a:t>
+            </a:r>
+          </a:p>
+          <a:p>
+            <a:pPr lvl="1"/>
+            <a:r>
+              <a:rPr lang="en-US" sz="2400" dirty="0" smtClean="0"/>
+              <a:t>User can rename his accounts</a:t>
+            </a:r>
+          </a:p>
+          <a:p>
+            <a:pPr lvl="1"/>
+            <a:r>
+              <a:rPr lang="en-US" sz="2400" dirty="0" smtClean="0"/>
+              <a:t>User can transfer money from an account to the </a:t>
+            </a:r>
+            <a:r>
+              <a:rPr lang="en-US" sz="2400" dirty="0" smtClean="0"/>
+              <a:t>other</a:t>
             </a:r>
           </a:p>
           <a:p>
             <a:r>
               <a:rPr lang="en-US" sz="2800" dirty="0" smtClean="0"/>
-              <a:t>User can rename his accounts</a:t>
-            </a:r>
-          </a:p>
-          <a:p>
-            <a:r>
-              <a:rPr lang="en-US" sz="2800" dirty="0" smtClean="0"/>
-              <a:t>User can transfer money from an account to the other</a:t>
-            </a:r>
+              <a:t>Tech</a:t>
+            </a:r>
+            <a:r>
+              <a:rPr lang="en-US" dirty="0" smtClean="0"/>
+              <a:t> : </a:t>
+            </a:r>
+          </a:p>
+          <a:p>
+            <a:pPr lvl="1"/>
+            <a:r>
+              <a:rPr lang="en-US" sz="2400" dirty="0" smtClean="0"/>
+              <a:t>Web front-end</a:t>
+            </a:r>
+          </a:p>
+          <a:p>
+            <a:pPr lvl="1"/>
+            <a:r>
+              <a:rPr lang="en-US" sz="2400" dirty="0" smtClean="0"/>
+              <a:t>Relational database</a:t>
+            </a:r>
+            <a:endParaRPr lang="en-US" sz="2400" dirty="0" smtClean="0"/>
           </a:p>
         </p:txBody>
       </p:sp>
@@ -5984,7 +6240,7 @@
         </p:blipFill>
         <p:spPr bwMode="auto">
           <a:xfrm>
-            <a:off x="3779912" y="1248148"/>
+            <a:off x="4032448" y="1248148"/>
             <a:ext cx="5076056" cy="2900932"/>
           </a:xfrm>
           <a:prstGeom prst="rect">
@@ -6203,7 +6459,7 @@
                                 </p:cTn>
                               </p:par>
                               <p:par>
-                                <p:cTn id="11" presetID="1" presetClass="entr" presetSubtype="0" fill="hold" nodeType="withEffect">
+                                <p:cTn id="11" presetID="1" presetClass="entr" presetSubtype="0" fill="hold" grpId="0" nodeType="withEffect">
                                   <p:stCondLst>
                                     <p:cond delay="0"/>
                                   </p:stCondLst>
@@ -6211,6 +6467,130 @@
                                     <p:set>
                                       <p:cBhvr>
                                         <p:cTn id="12" dur="1" fill="hold">
+                                          <p:stCondLst>
+                                            <p:cond delay="0"/>
+                                          </p:stCondLst>
+                                        </p:cTn>
+                                        <p:tgtEl>
+                                          <p:spTgt spid="3">
+                                            <p:txEl>
+                                              <p:pRg st="3" end="3"/>
+                                            </p:txEl>
+                                          </p:spTgt>
+                                        </p:tgtEl>
+                                        <p:attrNameLst>
+                                          <p:attrName>style.visibility</p:attrName>
+                                        </p:attrNameLst>
+                                      </p:cBhvr>
+                                      <p:to>
+                                        <p:strVal val="visible"/>
+                                      </p:to>
+                                    </p:set>
+                                  </p:childTnLst>
+                                </p:cTn>
+                              </p:par>
+                              <p:par>
+                                <p:cTn id="13" presetID="1" presetClass="entr" presetSubtype="0" fill="hold" grpId="0" nodeType="withEffect">
+                                  <p:stCondLst>
+                                    <p:cond delay="0"/>
+                                  </p:stCondLst>
+                                  <p:childTnLst>
+                                    <p:set>
+                                      <p:cBhvr>
+                                        <p:cTn id="14" dur="1" fill="hold">
+                                          <p:stCondLst>
+                                            <p:cond delay="0"/>
+                                          </p:stCondLst>
+                                        </p:cTn>
+                                        <p:tgtEl>
+                                          <p:spTgt spid="3">
+                                            <p:txEl>
+                                              <p:pRg st="4" end="4"/>
+                                            </p:txEl>
+                                          </p:spTgt>
+                                        </p:tgtEl>
+                                        <p:attrNameLst>
+                                          <p:attrName>style.visibility</p:attrName>
+                                        </p:attrNameLst>
+                                      </p:cBhvr>
+                                      <p:to>
+                                        <p:strVal val="visible"/>
+                                      </p:to>
+                                    </p:set>
+                                  </p:childTnLst>
+                                </p:cTn>
+                              </p:par>
+                              <p:par>
+                                <p:cTn id="15" presetID="1" presetClass="entr" presetSubtype="0" fill="hold" grpId="0" nodeType="withEffect">
+                                  <p:stCondLst>
+                                    <p:cond delay="0"/>
+                                  </p:stCondLst>
+                                  <p:childTnLst>
+                                    <p:set>
+                                      <p:cBhvr>
+                                        <p:cTn id="16" dur="1" fill="hold">
+                                          <p:stCondLst>
+                                            <p:cond delay="0"/>
+                                          </p:stCondLst>
+                                        </p:cTn>
+                                        <p:tgtEl>
+                                          <p:spTgt spid="3">
+                                            <p:txEl>
+                                              <p:pRg st="5" end="5"/>
+                                            </p:txEl>
+                                          </p:spTgt>
+                                        </p:tgtEl>
+                                        <p:attrNameLst>
+                                          <p:attrName>style.visibility</p:attrName>
+                                        </p:attrNameLst>
+                                      </p:cBhvr>
+                                      <p:to>
+                                        <p:strVal val="visible"/>
+                                      </p:to>
+                                    </p:set>
+                                  </p:childTnLst>
+                                </p:cTn>
+                              </p:par>
+                              <p:par>
+                                <p:cTn id="17" presetID="1" presetClass="entr" presetSubtype="0" fill="hold" grpId="0" nodeType="withEffect">
+                                  <p:stCondLst>
+                                    <p:cond delay="0"/>
+                                  </p:stCondLst>
+                                  <p:childTnLst>
+                                    <p:set>
+                                      <p:cBhvr>
+                                        <p:cTn id="18" dur="1" fill="hold">
+                                          <p:stCondLst>
+                                            <p:cond delay="0"/>
+                                          </p:stCondLst>
+                                        </p:cTn>
+                                        <p:tgtEl>
+                                          <p:spTgt spid="3">
+                                            <p:txEl>
+                                              <p:pRg st="6" end="6"/>
+                                            </p:txEl>
+                                          </p:spTgt>
+                                        </p:tgtEl>
+                                        <p:attrNameLst>
+                                          <p:attrName>style.visibility</p:attrName>
+                                        </p:attrNameLst>
+                                      </p:cBhvr>
+                                      <p:to>
+                                        <p:strVal val="visible"/>
+                                      </p:to>
+                                    </p:set>
+                                  </p:childTnLst>
+                                </p:cTn>
+                              </p:par>
+                              <p:par>
+                                <p:cTn id="19" presetID="1" presetClass="entr" presetSubtype="0" fill="hold" nodeType="withEffect">
+                                  <p:stCondLst>
+                                    <p:cond delay="0"/>
+                                  </p:stCondLst>
+                                  <p:childTnLst>
+                                    <p:set>
+                                      <p:cBhvr>
+                                        <p:cTn id="20" dur="1" fill="hold">
                                           <p:stCondLst>
                                             <p:cond delay="0"/>
                                           </p:stCondLst>
@@ -6230,14 +6610,14 @@
                                 </p:cTn>
                               </p:par>
                               <p:par>
-                                <p:cTn id="13" presetID="1" presetClass="entr" presetSubtype="0" fill="hold" nodeType="withEffect">
+                                <p:cTn id="21" presetID="1" presetClass="entr" presetSubtype="0" fill="hold" nodeType="withEffect">
                                   <p:stCondLst>
                                     <p:cond delay="0"/>
                                   </p:stCondLst>
                                   <p:childTnLst>
                                     <p:set>
                                       <p:cBhvr>
-                                        <p:cTn id="14" dur="1" fill="hold">
+                                        <p:cTn id="22" dur="1" fill="hold">
                                           <p:stCondLst>
                                             <p:cond delay="0"/>
                                           </p:stCondLst>
@@ -9059,9 +9439,9 @@
         <p:grpSpPr>
           <a:xfrm>
             <a:off x="2595605" y="2852936"/>
-            <a:ext cx="1688363" cy="2748226"/>
+            <a:ext cx="1688363" cy="2820234"/>
             <a:chOff x="2595605" y="2852936"/>
-            <a:chExt cx="1688363" cy="2748226"/>
+            <a:chExt cx="1688363" cy="2820234"/>
           </a:xfrm>
         </p:grpSpPr>
         <p:sp>
@@ -9158,7 +9538,7 @@
           </p:nvSpPr>
           <p:spPr>
             <a:xfrm>
-              <a:off x="3937101" y="5229200"/>
+              <a:off x="3937101" y="5301208"/>
               <a:ext cx="346867" cy="371962"/>
             </a:xfrm>
             <a:prstGeom prst="leftBrace">
@@ -9277,7 +9657,7 @@
           </p:nvSpPr>
           <p:spPr>
             <a:xfrm>
-              <a:off x="2595605" y="5231830"/>
+              <a:off x="2595605" y="5291916"/>
               <a:ext cx="1403526" cy="369332"/>
             </a:xfrm>
             <a:prstGeom prst="rect">
@@ -9621,13 +10001,13 @@
         <p:spPr/>
         <p:txBody>
           <a:bodyPr>
-            <a:normAutofit fontScale="90000"/>
+            <a:normAutofit/>
           </a:bodyPr>
           <a:lstStyle/>
           <a:p>
             <a:r>
               <a:rPr lang="en-US" dirty="0" smtClean="0"/>
-              <a:t>Refactoring #1 : Separation </a:t>
+              <a:t>Separation </a:t>
             </a:r>
             <a:r>
               <a:rPr lang="en-US" dirty="0" smtClean="0"/>
@@ -11684,6 +12064,151 @@
           </a:p>
         </p:txBody>
       </p:sp>
+      <p:grpSp>
+        <p:nvGrpSpPr>
+          <p:cNvPr id="10" name="Group 9"/>
+          <p:cNvGrpSpPr/>
+          <p:nvPr/>
+        </p:nvGrpSpPr>
+        <p:grpSpPr>
+          <a:xfrm>
+            <a:off x="683568" y="1916832"/>
+            <a:ext cx="7416824" cy="3384376"/>
+            <a:chOff x="683568" y="1916832"/>
+            <a:chExt cx="7416824" cy="3384376"/>
+          </a:xfrm>
+        </p:grpSpPr>
+        <p:sp>
+          <p:nvSpPr>
+            <p:cNvPr id="7" name="Rounded Rectangle 6"/>
+            <p:cNvSpPr/>
+            <p:nvPr/>
+          </p:nvSpPr>
+          <p:spPr>
+            <a:xfrm>
+              <a:off x="683568" y="1916832"/>
+              <a:ext cx="7416824" cy="792088"/>
+            </a:xfrm>
+            <a:prstGeom prst="roundRect">
+              <a:avLst/>
+            </a:prstGeom>
+            <a:noFill/>
+            <a:ln>
+              <a:solidFill>
+                <a:srgbClr val="FF0000"/>
+              </a:solidFill>
+            </a:ln>
+          </p:spPr>
+          <p:style>
+            <a:lnRef idx="2">
+              <a:schemeClr val="accent1">
+                <a:shade val="50000"/>
+              </a:schemeClr>
+            </a:lnRef>
+            <a:fillRef idx="1">
+              <a:schemeClr val="accent1"/>
+            </a:fillRef>
+            <a:effectRef idx="0">
+              <a:schemeClr val="accent1"/>
+            </a:effectRef>
+            <a:fontRef idx="minor">
+              <a:schemeClr val="lt1"/>
+            </a:fontRef>
+          </p:style>
+          <p:txBody>
+            <a:bodyPr rtlCol="0" anchor="ctr"/>
+            <a:lstStyle/>
+            <a:p>
+              <a:pPr algn="ctr"/>
+              <a:endParaRPr lang="en-US"/>
+            </a:p>
+          </p:txBody>
+        </p:sp>
+        <p:sp>
+          <p:nvSpPr>
+            <p:cNvPr id="8" name="Rounded Rectangle 7"/>
+            <p:cNvSpPr/>
+            <p:nvPr/>
+          </p:nvSpPr>
+          <p:spPr>
+            <a:xfrm>
+              <a:off x="1115616" y="4509120"/>
+              <a:ext cx="5760640" cy="792088"/>
+            </a:xfrm>
+            <a:prstGeom prst="roundRect">
+              <a:avLst/>
+            </a:prstGeom>
+            <a:noFill/>
+            <a:ln>
+              <a:solidFill>
+                <a:srgbClr val="FF0000"/>
+              </a:solidFill>
+            </a:ln>
+          </p:spPr>
+          <p:style>
+            <a:lnRef idx="2">
+              <a:schemeClr val="accent1">
+                <a:shade val="50000"/>
+              </a:schemeClr>
+            </a:lnRef>
+            <a:fillRef idx="1">
+              <a:schemeClr val="accent1"/>
+            </a:fillRef>
+            <a:effectRef idx="0">
+              <a:schemeClr val="accent1"/>
+            </a:effectRef>
+            <a:fontRef idx="minor">
+              <a:schemeClr val="lt1"/>
+            </a:fontRef>
+          </p:style>
+          <p:txBody>
+            <a:bodyPr rtlCol="0" anchor="ctr"/>
+            <a:lstStyle/>
+            <a:p>
+              <a:pPr algn="ctr"/>
+              <a:endParaRPr lang="en-US"/>
+            </a:p>
+          </p:txBody>
+        </p:sp>
+        <p:sp>
+          <p:nvSpPr>
+            <p:cNvPr id="9" name="TextBox 8"/>
+            <p:cNvSpPr txBox="1"/>
+            <p:nvPr/>
+          </p:nvSpPr>
+          <p:spPr>
+            <a:xfrm>
+              <a:off x="5724128" y="3140968"/>
+              <a:ext cx="2235805" cy="400110"/>
+            </a:xfrm>
+            <a:prstGeom prst="rect">
+              <a:avLst/>
+            </a:prstGeom>
+            <a:noFill/>
+          </p:spPr>
+          <p:txBody>
+            <a:bodyPr wrap="none" rtlCol="0">
+              <a:spAutoFit/>
+            </a:bodyPr>
+            <a:lstStyle/>
+            <a:p>
+              <a:r>
+                <a:rPr lang="en-US" sz="2000" b="1" dirty="0" smtClean="0">
+                  <a:solidFill>
+                    <a:srgbClr val="FF0000"/>
+                  </a:solidFill>
+                </a:rPr>
+                <a:t>UI talks to Business</a:t>
+              </a:r>
+              <a:endParaRPr lang="en-US" sz="2000" b="1" dirty="0">
+                <a:solidFill>
+                  <a:srgbClr val="FF0000"/>
+                </a:solidFill>
+              </a:endParaRPr>
+            </a:p>
+          </p:txBody>
+        </p:sp>
+      </p:grpSp>
       <p:sp>
         <p:nvSpPr>
           <p:cNvPr id="5" name="TextBox 4"/>
@@ -11692,7 +12217,7 @@
         </p:nvSpPr>
         <p:spPr>
           <a:xfrm>
-            <a:off x="179512" y="1196752"/>
+            <a:off x="-36512" y="1556792"/>
             <a:ext cx="9433048" cy="3816429"/>
           </a:xfrm>
           <a:prstGeom prst="rect">
@@ -12789,6 +13314,151 @@
           </a:p>
         </p:txBody>
       </p:sp>
+      <p:grpSp>
+        <p:nvGrpSpPr>
+          <p:cNvPr id="14" name="Group 13"/>
+          <p:cNvGrpSpPr/>
+          <p:nvPr/>
+        </p:nvGrpSpPr>
+        <p:grpSpPr>
+          <a:xfrm>
+            <a:off x="899592" y="2420888"/>
+            <a:ext cx="8352928" cy="2304256"/>
+            <a:chOff x="899592" y="2420888"/>
+            <a:chExt cx="8352928" cy="2304256"/>
+          </a:xfrm>
+        </p:grpSpPr>
+        <p:sp>
+          <p:nvSpPr>
+            <p:cNvPr id="11" name="Rounded Rectangle 10"/>
+            <p:cNvSpPr/>
+            <p:nvPr/>
+          </p:nvSpPr>
+          <p:spPr>
+            <a:xfrm>
+              <a:off x="899592" y="2420888"/>
+              <a:ext cx="8352928" cy="828092"/>
+            </a:xfrm>
+            <a:prstGeom prst="roundRect">
+              <a:avLst/>
+            </a:prstGeom>
+            <a:noFill/>
+            <a:ln>
+              <a:solidFill>
+                <a:srgbClr val="FF0000"/>
+              </a:solidFill>
+            </a:ln>
+          </p:spPr>
+          <p:style>
+            <a:lnRef idx="2">
+              <a:schemeClr val="accent1">
+                <a:shade val="50000"/>
+              </a:schemeClr>
+            </a:lnRef>
+            <a:fillRef idx="1">
+              <a:schemeClr val="accent1"/>
+            </a:fillRef>
+            <a:effectRef idx="0">
+              <a:schemeClr val="accent1"/>
+            </a:effectRef>
+            <a:fontRef idx="minor">
+              <a:schemeClr val="lt1"/>
+            </a:fontRef>
+          </p:style>
+          <p:txBody>
+            <a:bodyPr rtlCol="0" anchor="ctr"/>
+            <a:lstStyle/>
+            <a:p>
+              <a:pPr algn="ctr"/>
+              <a:endParaRPr lang="en-US"/>
+            </a:p>
+          </p:txBody>
+        </p:sp>
+        <p:sp>
+          <p:nvSpPr>
+            <p:cNvPr id="12" name="Rounded Rectangle 11"/>
+            <p:cNvSpPr/>
+            <p:nvPr/>
+          </p:nvSpPr>
+          <p:spPr>
+            <a:xfrm>
+              <a:off x="1115616" y="4074585"/>
+              <a:ext cx="4104456" cy="650559"/>
+            </a:xfrm>
+            <a:prstGeom prst="roundRect">
+              <a:avLst/>
+            </a:prstGeom>
+            <a:noFill/>
+            <a:ln>
+              <a:solidFill>
+                <a:srgbClr val="FF0000"/>
+              </a:solidFill>
+            </a:ln>
+          </p:spPr>
+          <p:style>
+            <a:lnRef idx="2">
+              <a:schemeClr val="accent1">
+                <a:shade val="50000"/>
+              </a:schemeClr>
+            </a:lnRef>
+            <a:fillRef idx="1">
+              <a:schemeClr val="accent1"/>
+            </a:fillRef>
+            <a:effectRef idx="0">
+              <a:schemeClr val="accent1"/>
+            </a:effectRef>
+            <a:fontRef idx="minor">
+              <a:schemeClr val="lt1"/>
+            </a:fontRef>
+          </p:style>
+          <p:txBody>
+            <a:bodyPr rtlCol="0" anchor="ctr"/>
+            <a:lstStyle/>
+            <a:p>
+              <a:pPr algn="ctr"/>
+              <a:endParaRPr lang="en-US"/>
+            </a:p>
+          </p:txBody>
+        </p:sp>
+        <p:sp>
+          <p:nvSpPr>
+            <p:cNvPr id="13" name="TextBox 12"/>
+            <p:cNvSpPr txBox="1"/>
+            <p:nvPr/>
+          </p:nvSpPr>
+          <p:spPr>
+            <a:xfrm>
+              <a:off x="5580112" y="3641329"/>
+              <a:ext cx="2965812" cy="461665"/>
+            </a:xfrm>
+            <a:prstGeom prst="rect">
+              <a:avLst/>
+            </a:prstGeom>
+            <a:noFill/>
+          </p:spPr>
+          <p:txBody>
+            <a:bodyPr wrap="none" rtlCol="0">
+              <a:spAutoFit/>
+            </a:bodyPr>
+            <a:lstStyle/>
+            <a:p>
+              <a:r>
+                <a:rPr lang="en-US" sz="2400" b="1" dirty="0" smtClean="0">
+                  <a:solidFill>
+                    <a:srgbClr val="FF0000"/>
+                  </a:solidFill>
+                </a:rPr>
+                <a:t>Business talks to Data</a:t>
+              </a:r>
+              <a:endParaRPr lang="en-US" sz="2400" b="1" dirty="0">
+                <a:solidFill>
+                  <a:srgbClr val="FF0000"/>
+                </a:solidFill>
+              </a:endParaRPr>
+            </a:p>
+          </p:txBody>
+        </p:sp>
+      </p:grpSp>
       <p:sp>
         <p:nvSpPr>
           <p:cNvPr id="6" name="TextBox 5"/>
@@ -12797,7 +13467,7 @@
         </p:nvSpPr>
         <p:spPr>
           <a:xfrm>
-            <a:off x="827584" y="639118"/>
+            <a:off x="179512" y="201926"/>
             <a:ext cx="8424936" cy="6218882"/>
           </a:xfrm>
           <a:prstGeom prst="rect">
@@ -14647,7 +15317,7 @@
                             </p:stCondLst>
                             <p:childTnLst>
                               <p:par>
-                                <p:cTn id="9" presetID="1" presetClass="entr" presetSubtype="0" fill="hold" grpId="0" nodeType="clickEffect">
+                                <p:cTn id="9" presetID="1" presetClass="entr" presetSubtype="0" fill="hold" nodeType="clickEffect">
                                   <p:stCondLst>
                                     <p:cond delay="0"/>
                                   </p:stCondLst>
@@ -14660,7 +15330,7 @@
                                           </p:stCondLst>
                                         </p:cTn>
                                         <p:tgtEl>
-                                          <p:spTgt spid="5"/>
+                                          <p:spTgt spid="10"/>
                                         </p:tgtEl>
                                         <p:attrNameLst>
                                           <p:attrName>style.visibility</p:attrName>
@@ -14700,6 +15370,96 @@
                                     <p:set>
                                       <p:cBhvr>
                                         <p:cTn id="14" dur="1" fill="hold">
+                                          <p:stCondLst>
+                                            <p:cond delay="0"/>
+                                          </p:stCondLst>
+                                        </p:cTn>
+                                        <p:tgtEl>
+                                          <p:spTgt spid="5"/>
+                                        </p:tgtEl>
+                                        <p:attrNameLst>
+                                          <p:attrName>style.visibility</p:attrName>
+                                        </p:attrNameLst>
+                                      </p:cBhvr>
+                                      <p:to>
+                                        <p:strVal val="visible"/>
+                                      </p:to>
+                                    </p:set>
+                                  </p:childTnLst>
+                                </p:cTn>
+                              </p:par>
+                            </p:childTnLst>
+                          </p:cTn>
+                        </p:par>
+                      </p:childTnLst>
+                    </p:cTn>
+                  </p:par>
+                  <p:par>
+                    <p:cTn id="15" fill="hold">
+                      <p:stCondLst>
+                        <p:cond delay="indefinite"/>
+                      </p:stCondLst>
+                      <p:childTnLst>
+                        <p:par>
+                          <p:cTn id="16" fill="hold">
+                            <p:stCondLst>
+                              <p:cond delay="0"/>
+                            </p:stCondLst>
+                            <p:childTnLst>
+                              <p:par>
+                                <p:cTn id="17" presetID="1" presetClass="entr" presetSubtype="0" fill="hold" nodeType="clickEffect">
+                                  <p:stCondLst>
+                                    <p:cond delay="0"/>
+                                  </p:stCondLst>
+                                  <p:childTnLst>
+                                    <p:set>
+                                      <p:cBhvr>
+                                        <p:cTn id="18" dur="1" fill="hold">
+                                          <p:stCondLst>
+                                            <p:cond delay="0"/>
+                                          </p:stCondLst>
+                                        </p:cTn>
+                                        <p:tgtEl>
+                                          <p:spTgt spid="14"/>
+                                        </p:tgtEl>
+                                        <p:attrNameLst>
+                                          <p:attrName>style.visibility</p:attrName>
+                                        </p:attrNameLst>
+                                      </p:cBhvr>
+                                      <p:to>
+                                        <p:strVal val="visible"/>
+                                      </p:to>
+                                    </p:set>
+                                  </p:childTnLst>
+                                </p:cTn>
+                              </p:par>
+                            </p:childTnLst>
+                          </p:cTn>
+                        </p:par>
+                      </p:childTnLst>
+                    </p:cTn>
+                  </p:par>
+                  <p:par>
+                    <p:cTn id="19" fill="hold">
+                      <p:stCondLst>
+                        <p:cond delay="indefinite"/>
+                      </p:stCondLst>
+                      <p:childTnLst>
+                        <p:par>
+                          <p:cTn id="20" fill="hold">
+                            <p:stCondLst>
+                              <p:cond delay="0"/>
+                            </p:stCondLst>
+                            <p:childTnLst>
+                              <p:par>
+                                <p:cTn id="21" presetID="1" presetClass="entr" presetSubtype="0" fill="hold" grpId="0" nodeType="clickEffect">
+                                  <p:stCondLst>
+                                    <p:cond delay="0"/>
+                                  </p:stCondLst>
+                                  <p:childTnLst>
+                                    <p:set>
+                                      <p:cBhvr>
+                                        <p:cTn id="22" dur="1" fill="hold">
                                           <p:stCondLst>
                                             <p:cond delay="0"/>
                                           </p:stCondLst>
@@ -14909,10 +15669,18 @@
           <a:lstStyle/>
           <a:p>
             <a:r>
+              <a:rPr lang="en-US" dirty="0"/>
+              <a:t>a</a:t>
+            </a:r>
+            <a:r>
               <a:rPr lang="en-US" dirty="0" smtClean="0"/>
-              <a:t>Anti-pattern #1</a:t>
-            </a:r>
-            <a:endParaRPr lang="en-US" dirty="0"/>
+              <a:t>nti-pattern : </a:t>
+            </a:r>
+            <a:r>
+              <a:rPr lang="en-US" b="1" dirty="0" smtClean="0"/>
+              <a:t>Control Freak</a:t>
+            </a:r>
+            <a:endParaRPr lang="en-US" b="1" dirty="0"/>
           </a:p>
         </p:txBody>
       </p:sp>
@@ -14940,7 +15708,7 @@
             <a:pPr lvl="1"/>
             <a:r>
               <a:rPr lang="en-US" dirty="0" smtClean="0"/>
-              <a:t>Code insists on how the code must work</a:t>
+              <a:t>Code insists on how the dependencies are built</a:t>
             </a:r>
           </a:p>
           <a:p>
@@ -15034,7 +15802,7 @@
           <a:p>
             <a:r>
               <a:rPr lang="en-US" dirty="0" smtClean="0"/>
-              <a:t>Making it less-tightly coupled</a:t>
+              <a:t>Unit tests as a Coupling Detector</a:t>
             </a:r>
             <a:endParaRPr lang="en-US" dirty="0"/>
           </a:p>
@@ -15918,6 +16686,115 @@
           </a:p>
         </p:txBody>
       </p:sp>
+      <p:grpSp>
+        <p:nvGrpSpPr>
+          <p:cNvPr id="8" name="Group 7"/>
+          <p:cNvGrpSpPr/>
+          <p:nvPr/>
+        </p:nvGrpSpPr>
+        <p:grpSpPr>
+          <a:xfrm>
+            <a:off x="899592" y="2799416"/>
+            <a:ext cx="7821701" cy="1349664"/>
+            <a:chOff x="899592" y="2799416"/>
+            <a:chExt cx="7821701" cy="1349664"/>
+          </a:xfrm>
+        </p:grpSpPr>
+        <p:sp>
+          <p:nvSpPr>
+            <p:cNvPr id="6" name="Rounded Rectangle 5"/>
+            <p:cNvSpPr/>
+            <p:nvPr/>
+          </p:nvSpPr>
+          <p:spPr>
+            <a:xfrm>
+              <a:off x="899592" y="3501008"/>
+              <a:ext cx="6408712" cy="648072"/>
+            </a:xfrm>
+            <a:prstGeom prst="roundRect">
+              <a:avLst/>
+            </a:prstGeom>
+            <a:noFill/>
+            <a:ln>
+              <a:solidFill>
+                <a:srgbClr val="FF0000"/>
+              </a:solidFill>
+            </a:ln>
+          </p:spPr>
+          <p:style>
+            <a:lnRef idx="2">
+              <a:schemeClr val="accent1">
+                <a:shade val="50000"/>
+              </a:schemeClr>
+            </a:lnRef>
+            <a:fillRef idx="1">
+              <a:schemeClr val="accent1"/>
+            </a:fillRef>
+            <a:effectRef idx="0">
+              <a:schemeClr val="accent1"/>
+            </a:effectRef>
+            <a:fontRef idx="minor">
+              <a:schemeClr val="lt1"/>
+            </a:fontRef>
+          </p:style>
+          <p:txBody>
+            <a:bodyPr rtlCol="0" anchor="ctr"/>
+            <a:lstStyle/>
+            <a:p>
+              <a:pPr algn="ctr"/>
+              <a:endParaRPr lang="en-US"/>
+            </a:p>
+          </p:txBody>
+        </p:sp>
+        <p:sp>
+          <p:nvSpPr>
+            <p:cNvPr id="7" name="TextBox 6"/>
+            <p:cNvSpPr txBox="1"/>
+            <p:nvPr/>
+          </p:nvSpPr>
+          <p:spPr>
+            <a:xfrm>
+              <a:off x="5580112" y="2799416"/>
+              <a:ext cx="3141181" cy="707886"/>
+            </a:xfrm>
+            <a:prstGeom prst="rect">
+              <a:avLst/>
+            </a:prstGeom>
+            <a:noFill/>
+          </p:spPr>
+          <p:txBody>
+            <a:bodyPr wrap="none" rtlCol="0">
+              <a:spAutoFit/>
+            </a:bodyPr>
+            <a:lstStyle/>
+            <a:p>
+              <a:r>
+                <a:rPr lang="en-US" sz="2000" b="1" dirty="0" smtClean="0">
+                  <a:solidFill>
+                    <a:srgbClr val="FF0000"/>
+                  </a:solidFill>
+                </a:rPr>
+                <a:t>Settable property allows </a:t>
+              </a:r>
+            </a:p>
+            <a:p>
+              <a:r>
+                <a:rPr lang="en-US" sz="2000" b="1" dirty="0" smtClean="0">
+                  <a:solidFill>
+                    <a:srgbClr val="FF0000"/>
+                  </a:solidFill>
+                </a:rPr>
+                <a:t>to “inject” another instance</a:t>
+              </a:r>
+              <a:endParaRPr lang="en-US" sz="2000" b="1" dirty="0">
+                <a:solidFill>
+                  <a:srgbClr val="FF0000"/>
+                </a:solidFill>
+              </a:endParaRPr>
+            </a:p>
+          </p:txBody>
+        </p:sp>
+      </p:grpSp>
       <p:sp>
         <p:nvSpPr>
           <p:cNvPr id="5" name="TextBox 4"/>
@@ -15926,8 +16803,8 @@
         </p:nvSpPr>
         <p:spPr>
           <a:xfrm>
-            <a:off x="251520" y="1196752"/>
-            <a:ext cx="8784976" cy="5388142"/>
+            <a:off x="179512" y="1124744"/>
+            <a:ext cx="8784976" cy="5317353"/>
           </a:xfrm>
           <a:prstGeom prst="rect">
             <a:avLst/>
@@ -16082,18 +16959,18 @@
               <a:t> </a:t>
             </a:r>
             <a:r>
-              <a:rPr lang="en-US" sz="1600" dirty="0" err="1">
-                <a:solidFill>
-                  <a:srgbClr val="000000"/>
-                </a:solidFill>
-                <a:highlight>
-                  <a:srgbClr val="FFFFFF"/>
-                </a:highlight>
-                <a:latin typeface="Consolas"/>
-                <a:ea typeface="Calibri"/>
-                <a:cs typeface="Times New Roman"/>
-              </a:rPr>
-              <a:t>RenameAccount_with_StateTesting_must_UpdateAccountName</a:t>
+              <a:rPr lang="en-US" sz="1600" dirty="0" err="1" smtClean="0">
+                <a:solidFill>
+                  <a:srgbClr val="000000"/>
+                </a:solidFill>
+                <a:highlight>
+                  <a:srgbClr val="FFFFFF"/>
+                </a:highlight>
+                <a:latin typeface="Consolas"/>
+                <a:ea typeface="Calibri"/>
+                <a:cs typeface="Times New Roman"/>
+              </a:rPr>
+              <a:t>RenameAccount_must_UpdateAccountName</a:t>
             </a:r>
             <a:r>
               <a:rPr lang="en-US" sz="1600" dirty="0">
@@ -16656,7 +17533,21 @@
               <a:t> = </a:t>
             </a:r>
             <a:r>
-              <a:rPr lang="en-US" sz="1600" dirty="0">
+              <a:rPr lang="en-US" sz="1600" b="1" dirty="0" smtClean="0">
+                <a:solidFill>
+                  <a:srgbClr val="FF0000"/>
+                </a:solidFill>
+                <a:highlight>
+                  <a:srgbClr val="FFFFFF"/>
+                </a:highlight>
+                <a:latin typeface="Consolas"/>
+                <a:ea typeface="Calibri"/>
+                <a:cs typeface="Times New Roman"/>
+              </a:rPr>
+              <a:t>FAIL FAIL</a:t>
+            </a:r>
+            <a:r>
+              <a:rPr lang="en-US" sz="1600" dirty="0" smtClean="0">
                 <a:solidFill>
                   <a:srgbClr val="008000"/>
                 </a:solidFill>
@@ -16667,7 +17558,21 @@
                 <a:ea typeface="Calibri"/>
                 <a:cs typeface="Times New Roman"/>
               </a:rPr>
-              <a:t>//I want to put a fake here !</a:t>
+              <a:t>//</a:t>
+            </a:r>
+            <a:r>
+              <a:rPr lang="en-US" sz="1600" dirty="0">
+                <a:solidFill>
+                  <a:srgbClr val="008000"/>
+                </a:solidFill>
+                <a:highlight>
+                  <a:srgbClr val="FFFFFF"/>
+                </a:highlight>
+                <a:latin typeface="Consolas"/>
+                <a:ea typeface="Calibri"/>
+                <a:cs typeface="Times New Roman"/>
+              </a:rPr>
+              <a:t>I want to put a fake here !</a:t>
             </a:r>
             <a:endParaRPr lang="en-US" sz="2000" dirty="0">
               <a:ea typeface="Calibri"/>
@@ -17509,7 +18414,7 @@
           <a:bodyPr/>
           <a:lstStyle/>
           <a:p>
-            <a:endParaRPr lang="en-US"/>
+            <a:endParaRPr lang="en-US" dirty="0"/>
           </a:p>
         </p:txBody>
       </p:sp>
@@ -18396,6 +19301,105 @@
           </a:p>
         </p:txBody>
       </p:sp>
+      <p:grpSp>
+        <p:nvGrpSpPr>
+          <p:cNvPr id="8" name="Group 7"/>
+          <p:cNvGrpSpPr/>
+          <p:nvPr/>
+        </p:nvGrpSpPr>
+        <p:grpSpPr>
+          <a:xfrm>
+            <a:off x="922284" y="3573016"/>
+            <a:ext cx="7950055" cy="976174"/>
+            <a:chOff x="922284" y="3573016"/>
+            <a:chExt cx="7950055" cy="976174"/>
+          </a:xfrm>
+        </p:grpSpPr>
+        <p:sp>
+          <p:nvSpPr>
+            <p:cNvPr id="7" name="Rounded Rectangle 6"/>
+            <p:cNvSpPr/>
+            <p:nvPr/>
+          </p:nvSpPr>
+          <p:spPr>
+            <a:xfrm>
+              <a:off x="922284" y="3573016"/>
+              <a:ext cx="2929636" cy="576064"/>
+            </a:xfrm>
+            <a:prstGeom prst="roundRect">
+              <a:avLst/>
+            </a:prstGeom>
+            <a:noFill/>
+            <a:ln>
+              <a:solidFill>
+                <a:srgbClr val="FF0000"/>
+              </a:solidFill>
+            </a:ln>
+          </p:spPr>
+          <p:style>
+            <a:lnRef idx="2">
+              <a:schemeClr val="accent1">
+                <a:shade val="50000"/>
+              </a:schemeClr>
+            </a:lnRef>
+            <a:fillRef idx="1">
+              <a:schemeClr val="accent1"/>
+            </a:fillRef>
+            <a:effectRef idx="0">
+              <a:schemeClr val="accent1"/>
+            </a:effectRef>
+            <a:fontRef idx="minor">
+              <a:schemeClr val="lt1"/>
+            </a:fontRef>
+          </p:style>
+          <p:txBody>
+            <a:bodyPr rtlCol="0" anchor="ctr"/>
+            <a:lstStyle/>
+            <a:p>
+              <a:pPr algn="ctr"/>
+              <a:endParaRPr lang="en-US"/>
+            </a:p>
+          </p:txBody>
+        </p:sp>
+        <p:sp>
+          <p:nvSpPr>
+            <p:cNvPr id="4" name="TextBox 3"/>
+            <p:cNvSpPr txBox="1"/>
+            <p:nvPr/>
+          </p:nvSpPr>
+          <p:spPr>
+            <a:xfrm>
+              <a:off x="2387102" y="4149080"/>
+              <a:ext cx="6485237" cy="400110"/>
+            </a:xfrm>
+            <a:prstGeom prst="rect">
+              <a:avLst/>
+            </a:prstGeom>
+            <a:noFill/>
+          </p:spPr>
+          <p:txBody>
+            <a:bodyPr wrap="none" rtlCol="0">
+              <a:spAutoFit/>
+            </a:bodyPr>
+            <a:lstStyle/>
+            <a:p>
+              <a:r>
+                <a:rPr lang="en-US" sz="2000" b="1" dirty="0" smtClean="0">
+                  <a:solidFill>
+                    <a:srgbClr val="FF0000"/>
+                  </a:solidFill>
+                </a:rPr>
+                <a:t>Use an interface (or abstract class) instead of concrete class</a:t>
+              </a:r>
+              <a:endParaRPr lang="en-US" sz="2000" b="1" dirty="0">
+                <a:solidFill>
+                  <a:srgbClr val="FF0000"/>
+                </a:solidFill>
+              </a:endParaRPr>
+            </a:p>
+          </p:txBody>
+        </p:sp>
+      </p:grpSp>
       <p:sp>
         <p:nvSpPr>
           <p:cNvPr id="6" name="TextBox 5"/>
@@ -18404,7 +19408,7 @@
         </p:nvSpPr>
         <p:spPr>
           <a:xfrm>
-            <a:off x="-252536" y="1196752"/>
+            <a:off x="-756592" y="1197093"/>
             <a:ext cx="10656868" cy="5472267"/>
           </a:xfrm>
           <a:prstGeom prst="rect">
@@ -20177,6 +21181,105 @@
           </a:p>
         </p:txBody>
       </p:sp>
+      <p:grpSp>
+        <p:nvGrpSpPr>
+          <p:cNvPr id="11" name="Group 10"/>
+          <p:cNvGrpSpPr/>
+          <p:nvPr/>
+        </p:nvGrpSpPr>
+        <p:grpSpPr>
+          <a:xfrm>
+            <a:off x="611560" y="4349135"/>
+            <a:ext cx="4536504" cy="735143"/>
+            <a:chOff x="611560" y="4349135"/>
+            <a:chExt cx="4536504" cy="735143"/>
+          </a:xfrm>
+        </p:grpSpPr>
+        <p:sp>
+          <p:nvSpPr>
+            <p:cNvPr id="10" name="Rounded Rectangle 9"/>
+            <p:cNvSpPr/>
+            <p:nvPr/>
+          </p:nvSpPr>
+          <p:spPr>
+            <a:xfrm>
+              <a:off x="611560" y="4349135"/>
+              <a:ext cx="4536504" cy="414046"/>
+            </a:xfrm>
+            <a:prstGeom prst="roundRect">
+              <a:avLst/>
+            </a:prstGeom>
+            <a:noFill/>
+            <a:ln>
+              <a:solidFill>
+                <a:srgbClr val="FF0000"/>
+              </a:solidFill>
+            </a:ln>
+          </p:spPr>
+          <p:style>
+            <a:lnRef idx="2">
+              <a:schemeClr val="accent1">
+                <a:shade val="50000"/>
+              </a:schemeClr>
+            </a:lnRef>
+            <a:fillRef idx="1">
+              <a:schemeClr val="accent1"/>
+            </a:fillRef>
+            <a:effectRef idx="0">
+              <a:schemeClr val="accent1"/>
+            </a:effectRef>
+            <a:fontRef idx="minor">
+              <a:schemeClr val="lt1"/>
+            </a:fontRef>
+          </p:style>
+          <p:txBody>
+            <a:bodyPr rtlCol="0" anchor="ctr"/>
+            <a:lstStyle/>
+            <a:p>
+              <a:pPr algn="ctr"/>
+              <a:endParaRPr lang="en-US"/>
+            </a:p>
+          </p:txBody>
+        </p:sp>
+        <p:sp>
+          <p:nvSpPr>
+            <p:cNvPr id="9" name="TextBox 8"/>
+            <p:cNvSpPr txBox="1"/>
+            <p:nvPr/>
+          </p:nvSpPr>
+          <p:spPr>
+            <a:xfrm>
+              <a:off x="2332366" y="4684168"/>
+              <a:ext cx="2236061" cy="400110"/>
+            </a:xfrm>
+            <a:prstGeom prst="rect">
+              <a:avLst/>
+            </a:prstGeom>
+            <a:noFill/>
+          </p:spPr>
+          <p:txBody>
+            <a:bodyPr wrap="none" rtlCol="0">
+              <a:spAutoFit/>
+            </a:bodyPr>
+            <a:lstStyle/>
+            <a:p>
+              <a:r>
+                <a:rPr lang="en-US" sz="2000" b="1" dirty="0" smtClean="0">
+                  <a:solidFill>
+                    <a:srgbClr val="FF0000"/>
+                  </a:solidFill>
+                </a:rPr>
+                <a:t>Inject fake instance</a:t>
+              </a:r>
+              <a:endParaRPr lang="en-US" sz="2000" b="1" dirty="0">
+                <a:solidFill>
+                  <a:srgbClr val="FF0000"/>
+                </a:solidFill>
+              </a:endParaRPr>
+            </a:p>
+          </p:txBody>
+        </p:sp>
+      </p:grpSp>
     </p:spTree>
     <p:extLst>
       <p:ext uri="{BB962C8B-B14F-4D97-AF65-F5344CB8AC3E}">
@@ -20392,10 +21495,18 @@
           <a:lstStyle/>
           <a:p>
             <a:r>
+              <a:rPr lang="en-US" dirty="0"/>
+              <a:t>p</a:t>
+            </a:r>
+            <a:r>
               <a:rPr lang="en-US" dirty="0" smtClean="0"/>
-              <a:t>Making it testable - Constructor</a:t>
-            </a:r>
-            <a:endParaRPr lang="en-US" dirty="0"/>
+              <a:t>attern : </a:t>
+            </a:r>
+            <a:r>
+              <a:rPr lang="en-US" b="1" dirty="0" smtClean="0"/>
+              <a:t>Property Injection</a:t>
+            </a:r>
+            <a:endParaRPr lang="en-US" b="1" dirty="0"/>
           </a:p>
         </p:txBody>
       </p:sp>
@@ -20411,17 +21522,92 @@
         </p:nvSpPr>
         <p:spPr/>
         <p:txBody>
-          <a:bodyPr/>
+          <a:bodyPr>
+            <a:normAutofit fontScale="92500" lnSpcReduction="20000"/>
+          </a:bodyPr>
           <a:lstStyle/>
           <a:p>
-            <a:endParaRPr lang="en-US"/>
+            <a:pPr marL="0" indent="0">
+              <a:buNone/>
+            </a:pPr>
+            <a:r>
+              <a:rPr lang="en-US" b="1" dirty="0" smtClean="0"/>
+              <a:t>Benefits</a:t>
+            </a:r>
+          </a:p>
+          <a:p>
+            <a:r>
+              <a:rPr lang="en-US" dirty="0" smtClean="0"/>
+              <a:t>Useful to provide optional extensibility</a:t>
+            </a:r>
+          </a:p>
+          <a:p>
+            <a:r>
+              <a:rPr lang="en-US" dirty="0" smtClean="0"/>
+              <a:t>There must be a good “local default” implementation</a:t>
+            </a:r>
+          </a:p>
+          <a:p>
+            <a:pPr marL="0" indent="0">
+              <a:buNone/>
+            </a:pPr>
+            <a:endParaRPr lang="en-US" dirty="0"/>
+          </a:p>
+          <a:p>
+            <a:pPr marL="0" indent="0">
+              <a:buNone/>
+            </a:pPr>
+            <a:r>
+              <a:rPr lang="en-US" b="1" dirty="0" smtClean="0"/>
+              <a:t>Caveats</a:t>
+            </a:r>
+            <a:endParaRPr lang="en-US" b="1" dirty="0"/>
+          </a:p>
+          <a:p>
+            <a:r>
+              <a:rPr lang="en-US" dirty="0" smtClean="0"/>
+              <a:t>Not very easy to discover point of extension</a:t>
+            </a:r>
+          </a:p>
+          <a:p>
+            <a:r>
+              <a:rPr lang="en-US" dirty="0" smtClean="0"/>
+              <a:t>Easy to forget</a:t>
+            </a:r>
+          </a:p>
+          <a:p>
+            <a:r>
+              <a:rPr lang="en-US" dirty="0" smtClean="0"/>
+              <a:t>Extra care to avoid </a:t>
+            </a:r>
+            <a:r>
+              <a:rPr lang="en-US" dirty="0" err="1" smtClean="0"/>
+              <a:t>NullReferenceExceptions</a:t>
+            </a:r>
+            <a:r>
+              <a:rPr lang="en-US" dirty="0" smtClean="0"/>
+              <a:t>, handle thread</a:t>
+            </a:r>
+            <a:r>
+              <a:rPr lang="fr-FR" dirty="0" smtClean="0"/>
+              <a:t>-</a:t>
+            </a:r>
+            <a:r>
+              <a:rPr lang="en-US" dirty="0" smtClean="0"/>
+              <a:t>safety </a:t>
+            </a:r>
+            <a:r>
+              <a:rPr lang="en-US" dirty="0" err="1" smtClean="0"/>
+              <a:t>etc</a:t>
+            </a:r>
+            <a:endParaRPr lang="en-US" dirty="0"/>
           </a:p>
         </p:txBody>
       </p:sp>
     </p:spTree>
     <p:extLst>
       <p:ext uri="{BB962C8B-B14F-4D97-AF65-F5344CB8AC3E}">
-        <p14:creationId xmlns:p14="http://schemas.microsoft.com/office/powerpoint/2010/main" val="1108926905"/>
+        <p14:creationId xmlns:p14="http://schemas.microsoft.com/office/powerpoint/2010/main" val="1381063390"/>
       </p:ext>
     </p:extLst>
   </p:cSld>
@@ -20467,12 +21653,22 @@
         </p:nvSpPr>
         <p:spPr/>
         <p:txBody>
-          <a:bodyPr/>
+          <a:bodyPr>
+            <a:normAutofit fontScale="90000"/>
+          </a:bodyPr>
           <a:lstStyle/>
           <a:p>
             <a:r>
               <a:rPr lang="en-US" dirty="0" smtClean="0"/>
-              <a:t>Inversion of Control</a:t>
+              <a:t>Making it </a:t>
+            </a:r>
+            <a:r>
+              <a:rPr lang="en-US" dirty="0" smtClean="0"/>
+              <a:t>more explicit </a:t>
+            </a:r>
+            <a:r>
+              <a:rPr lang="en-US" dirty="0" smtClean="0"/>
+              <a:t>- Constructor</a:t>
             </a:r>
             <a:endParaRPr lang="en-US" dirty="0"/>
           </a:p>
@@ -20497,10 +21693,3812 @@
           </a:p>
         </p:txBody>
       </p:sp>
+      <p:sp>
+        <p:nvSpPr>
+          <p:cNvPr id="4" name="TextBox 3"/>
+          <p:cNvSpPr txBox="1"/>
+          <p:nvPr/>
+        </p:nvSpPr>
+        <p:spPr>
+          <a:xfrm>
+            <a:off x="-468560" y="1124744"/>
+            <a:ext cx="12241360" cy="6109365"/>
+          </a:xfrm>
+          <a:prstGeom prst="rect">
+            <a:avLst/>
+          </a:prstGeom>
+          <a:solidFill>
+            <a:schemeClr val="bg1"/>
+          </a:solidFill>
+          <a:ln>
+            <a:solidFill>
+              <a:schemeClr val="accent1"/>
+            </a:solidFill>
+          </a:ln>
+        </p:spPr>
+        <p:txBody>
+          <a:bodyPr wrap="square" rtlCol="0">
+            <a:spAutoFit/>
+          </a:bodyPr>
+          <a:lstStyle/>
+          <a:p>
+            <a:pPr>
+              <a:lnSpc>
+                <a:spcPct val="115000"/>
+              </a:lnSpc>
+              <a:spcAft>
+                <a:spcPts val="0"/>
+              </a:spcAft>
+            </a:pPr>
+            <a:r>
+              <a:rPr lang="en-US" sz="1600" dirty="0" smtClean="0">
+                <a:solidFill>
+                  <a:srgbClr val="0000FF"/>
+                </a:solidFill>
+                <a:highlight>
+                  <a:srgbClr val="FFFFFF"/>
+                </a:highlight>
+                <a:latin typeface="Consolas"/>
+                <a:ea typeface="Calibri"/>
+                <a:cs typeface="Times New Roman"/>
+              </a:rPr>
+              <a:t>    public</a:t>
+            </a:r>
+            <a:r>
+              <a:rPr lang="en-US" sz="1600" dirty="0" smtClean="0">
+                <a:solidFill>
+                  <a:srgbClr val="000000"/>
+                </a:solidFill>
+                <a:highlight>
+                  <a:srgbClr val="FFFFFF"/>
+                </a:highlight>
+                <a:latin typeface="Consolas"/>
+                <a:ea typeface="Calibri"/>
+                <a:cs typeface="Times New Roman"/>
+              </a:rPr>
+              <a:t> </a:t>
+            </a:r>
+            <a:r>
+              <a:rPr lang="en-US" sz="1600" dirty="0">
+                <a:solidFill>
+                  <a:srgbClr val="0000FF"/>
+                </a:solidFill>
+                <a:highlight>
+                  <a:srgbClr val="FFFFFF"/>
+                </a:highlight>
+                <a:latin typeface="Consolas"/>
+                <a:ea typeface="Calibri"/>
+                <a:cs typeface="Times New Roman"/>
+              </a:rPr>
+              <a:t>class</a:t>
+            </a:r>
+            <a:r>
+              <a:rPr lang="en-US" sz="1600" dirty="0">
+                <a:solidFill>
+                  <a:srgbClr val="000000"/>
+                </a:solidFill>
+                <a:highlight>
+                  <a:srgbClr val="FFFFFF"/>
+                </a:highlight>
+                <a:latin typeface="Consolas"/>
+                <a:ea typeface="Calibri"/>
+                <a:cs typeface="Times New Roman"/>
+              </a:rPr>
+              <a:t> </a:t>
+            </a:r>
+            <a:r>
+              <a:rPr lang="en-US" sz="1600" dirty="0" err="1">
+                <a:solidFill>
+                  <a:srgbClr val="2B91AF"/>
+                </a:solidFill>
+                <a:highlight>
+                  <a:srgbClr val="FFFFFF"/>
+                </a:highlight>
+                <a:latin typeface="Consolas"/>
+                <a:ea typeface="Calibri"/>
+                <a:cs typeface="Times New Roman"/>
+              </a:rPr>
+              <a:t>UserAccountService</a:t>
+            </a:r>
+            <a:r>
+              <a:rPr lang="en-US" sz="1600" dirty="0">
+                <a:solidFill>
+                  <a:srgbClr val="000000"/>
+                </a:solidFill>
+                <a:highlight>
+                  <a:srgbClr val="FFFFFF"/>
+                </a:highlight>
+                <a:latin typeface="Consolas"/>
+                <a:ea typeface="Calibri"/>
+                <a:cs typeface="Times New Roman"/>
+              </a:rPr>
+              <a:t> : </a:t>
+            </a:r>
+            <a:r>
+              <a:rPr lang="en-US" sz="1600" dirty="0" err="1">
+                <a:solidFill>
+                  <a:srgbClr val="2B91AF"/>
+                </a:solidFill>
+                <a:highlight>
+                  <a:srgbClr val="FFFFFF"/>
+                </a:highlight>
+                <a:latin typeface="Consolas"/>
+                <a:ea typeface="Calibri"/>
+                <a:cs typeface="Times New Roman"/>
+              </a:rPr>
+              <a:t>IUserAccountService</a:t>
+            </a:r>
+            <a:endParaRPr lang="en-US" sz="2000" dirty="0">
+              <a:ea typeface="Calibri"/>
+              <a:cs typeface="Times New Roman"/>
+            </a:endParaRPr>
+          </a:p>
+          <a:p>
+            <a:pPr>
+              <a:lnSpc>
+                <a:spcPct val="115000"/>
+              </a:lnSpc>
+              <a:spcAft>
+                <a:spcPts val="0"/>
+              </a:spcAft>
+            </a:pPr>
+            <a:r>
+              <a:rPr lang="en-US" sz="1600" dirty="0">
+                <a:solidFill>
+                  <a:srgbClr val="000000"/>
+                </a:solidFill>
+                <a:highlight>
+                  <a:srgbClr val="FFFFFF"/>
+                </a:highlight>
+                <a:latin typeface="Consolas"/>
+                <a:ea typeface="Calibri"/>
+                <a:cs typeface="Times New Roman"/>
+              </a:rPr>
+              <a:t>    {</a:t>
+            </a:r>
+            <a:endParaRPr lang="en-US" sz="2000" dirty="0">
+              <a:ea typeface="Calibri"/>
+              <a:cs typeface="Times New Roman"/>
+            </a:endParaRPr>
+          </a:p>
+          <a:p>
+            <a:pPr>
+              <a:lnSpc>
+                <a:spcPct val="115000"/>
+              </a:lnSpc>
+              <a:spcAft>
+                <a:spcPts val="0"/>
+              </a:spcAft>
+            </a:pPr>
+            <a:r>
+              <a:rPr lang="en-US" sz="1600" dirty="0">
+                <a:solidFill>
+                  <a:srgbClr val="000000"/>
+                </a:solidFill>
+                <a:highlight>
+                  <a:srgbClr val="FFFFFF"/>
+                </a:highlight>
+                <a:latin typeface="Consolas"/>
+                <a:ea typeface="Calibri"/>
+                <a:cs typeface="Times New Roman"/>
+              </a:rPr>
+              <a:t>        </a:t>
+            </a:r>
+            <a:r>
+              <a:rPr lang="en-US" sz="1600" dirty="0">
+                <a:solidFill>
+                  <a:srgbClr val="0000FF"/>
+                </a:solidFill>
+                <a:highlight>
+                  <a:srgbClr val="FFFFFF"/>
+                </a:highlight>
+                <a:latin typeface="Consolas"/>
+                <a:ea typeface="Calibri"/>
+                <a:cs typeface="Times New Roman"/>
+              </a:rPr>
+              <a:t>private</a:t>
+            </a:r>
+            <a:r>
+              <a:rPr lang="en-US" sz="1600" dirty="0">
+                <a:solidFill>
+                  <a:srgbClr val="000000"/>
+                </a:solidFill>
+                <a:highlight>
+                  <a:srgbClr val="FFFFFF"/>
+                </a:highlight>
+                <a:latin typeface="Consolas"/>
+                <a:ea typeface="Calibri"/>
+                <a:cs typeface="Times New Roman"/>
+              </a:rPr>
+              <a:t> </a:t>
+            </a:r>
+            <a:r>
+              <a:rPr lang="en-US" sz="1600" dirty="0" err="1">
+                <a:solidFill>
+                  <a:srgbClr val="0000FF"/>
+                </a:solidFill>
+                <a:highlight>
+                  <a:srgbClr val="FFFFFF"/>
+                </a:highlight>
+                <a:latin typeface="Consolas"/>
+                <a:ea typeface="Calibri"/>
+                <a:cs typeface="Times New Roman"/>
+              </a:rPr>
+              <a:t>readonly</a:t>
+            </a:r>
+            <a:r>
+              <a:rPr lang="en-US" sz="1600" dirty="0">
+                <a:solidFill>
+                  <a:srgbClr val="000000"/>
+                </a:solidFill>
+                <a:highlight>
+                  <a:srgbClr val="FFFFFF"/>
+                </a:highlight>
+                <a:latin typeface="Consolas"/>
+                <a:ea typeface="Calibri"/>
+                <a:cs typeface="Times New Roman"/>
+              </a:rPr>
+              <a:t> </a:t>
+            </a:r>
+            <a:r>
+              <a:rPr lang="en-US" sz="1600" dirty="0" err="1">
+                <a:solidFill>
+                  <a:srgbClr val="2B91AF"/>
+                </a:solidFill>
+                <a:highlight>
+                  <a:srgbClr val="FFFFFF"/>
+                </a:highlight>
+                <a:latin typeface="Consolas"/>
+                <a:ea typeface="Calibri"/>
+                <a:cs typeface="Times New Roman"/>
+              </a:rPr>
+              <a:t>IAccountRepository</a:t>
+            </a:r>
+            <a:r>
+              <a:rPr lang="en-US" sz="1600" dirty="0">
+                <a:solidFill>
+                  <a:srgbClr val="000000"/>
+                </a:solidFill>
+                <a:highlight>
+                  <a:srgbClr val="FFFFFF"/>
+                </a:highlight>
+                <a:latin typeface="Consolas"/>
+                <a:ea typeface="Calibri"/>
+                <a:cs typeface="Times New Roman"/>
+              </a:rPr>
+              <a:t> _</a:t>
+            </a:r>
+            <a:r>
+              <a:rPr lang="en-US" sz="1600" dirty="0" err="1">
+                <a:solidFill>
+                  <a:srgbClr val="000000"/>
+                </a:solidFill>
+                <a:highlight>
+                  <a:srgbClr val="FFFFFF"/>
+                </a:highlight>
+                <a:latin typeface="Consolas"/>
+                <a:ea typeface="Calibri"/>
+                <a:cs typeface="Times New Roman"/>
+              </a:rPr>
+              <a:t>accountRepository</a:t>
+            </a:r>
+            <a:r>
+              <a:rPr lang="en-US" sz="1600" dirty="0">
+                <a:solidFill>
+                  <a:srgbClr val="000000"/>
+                </a:solidFill>
+                <a:highlight>
+                  <a:srgbClr val="FFFFFF"/>
+                </a:highlight>
+                <a:latin typeface="Consolas"/>
+                <a:ea typeface="Calibri"/>
+                <a:cs typeface="Times New Roman"/>
+              </a:rPr>
+              <a:t>;</a:t>
+            </a:r>
+            <a:endParaRPr lang="en-US" sz="2000" dirty="0">
+              <a:ea typeface="Calibri"/>
+              <a:cs typeface="Times New Roman"/>
+            </a:endParaRPr>
+          </a:p>
+          <a:p>
+            <a:pPr>
+              <a:lnSpc>
+                <a:spcPct val="115000"/>
+              </a:lnSpc>
+              <a:spcAft>
+                <a:spcPts val="0"/>
+              </a:spcAft>
+            </a:pPr>
+            <a:r>
+              <a:rPr lang="en-US" sz="1600" dirty="0">
+                <a:solidFill>
+                  <a:srgbClr val="000000"/>
+                </a:solidFill>
+                <a:highlight>
+                  <a:srgbClr val="FFFFFF"/>
+                </a:highlight>
+                <a:latin typeface="Consolas"/>
+                <a:ea typeface="Calibri"/>
+                <a:cs typeface="Times New Roman"/>
+              </a:rPr>
+              <a:t> </a:t>
+            </a:r>
+            <a:endParaRPr lang="en-US" sz="1600" dirty="0" smtClean="0">
+              <a:solidFill>
+                <a:srgbClr val="000000"/>
+              </a:solidFill>
+              <a:highlight>
+                <a:srgbClr val="FFFFFF"/>
+              </a:highlight>
+              <a:latin typeface="Consolas"/>
+              <a:ea typeface="Calibri"/>
+              <a:cs typeface="Times New Roman"/>
+            </a:endParaRPr>
+          </a:p>
+          <a:p>
+            <a:pPr>
+              <a:lnSpc>
+                <a:spcPct val="115000"/>
+              </a:lnSpc>
+              <a:spcAft>
+                <a:spcPts val="0"/>
+              </a:spcAft>
+            </a:pPr>
+            <a:endParaRPr lang="en-US" sz="2000" dirty="0">
+              <a:ea typeface="Calibri"/>
+              <a:cs typeface="Times New Roman"/>
+            </a:endParaRPr>
+          </a:p>
+          <a:p>
+            <a:pPr>
+              <a:lnSpc>
+                <a:spcPct val="115000"/>
+              </a:lnSpc>
+              <a:spcAft>
+                <a:spcPts val="0"/>
+              </a:spcAft>
+            </a:pPr>
+            <a:r>
+              <a:rPr lang="en-US" sz="1600" dirty="0">
+                <a:solidFill>
+                  <a:srgbClr val="000000"/>
+                </a:solidFill>
+                <a:highlight>
+                  <a:srgbClr val="FFFFFF"/>
+                </a:highlight>
+                <a:latin typeface="Consolas"/>
+                <a:ea typeface="Calibri"/>
+                <a:cs typeface="Times New Roman"/>
+              </a:rPr>
+              <a:t>        </a:t>
+            </a:r>
+            <a:r>
+              <a:rPr lang="en-US" sz="1600" dirty="0">
+                <a:solidFill>
+                  <a:srgbClr val="0000FF"/>
+                </a:solidFill>
+                <a:highlight>
+                  <a:srgbClr val="FFFFFF"/>
+                </a:highlight>
+                <a:latin typeface="Consolas"/>
+                <a:ea typeface="Calibri"/>
+                <a:cs typeface="Times New Roman"/>
+              </a:rPr>
+              <a:t>public</a:t>
+            </a:r>
+            <a:r>
+              <a:rPr lang="en-US" sz="1600" dirty="0">
+                <a:solidFill>
+                  <a:srgbClr val="000000"/>
+                </a:solidFill>
+                <a:highlight>
+                  <a:srgbClr val="FFFFFF"/>
+                </a:highlight>
+                <a:latin typeface="Consolas"/>
+                <a:ea typeface="Calibri"/>
+                <a:cs typeface="Times New Roman"/>
+              </a:rPr>
+              <a:t> </a:t>
+            </a:r>
+            <a:r>
+              <a:rPr lang="en-US" sz="1600" dirty="0" err="1">
+                <a:solidFill>
+                  <a:srgbClr val="000000"/>
+                </a:solidFill>
+                <a:highlight>
+                  <a:srgbClr val="FFFFFF"/>
+                </a:highlight>
+                <a:latin typeface="Consolas"/>
+                <a:ea typeface="Calibri"/>
+                <a:cs typeface="Times New Roman"/>
+              </a:rPr>
+              <a:t>UserAccountService</a:t>
+            </a:r>
+            <a:r>
+              <a:rPr lang="en-US" sz="1600" dirty="0">
+                <a:solidFill>
+                  <a:srgbClr val="000000"/>
+                </a:solidFill>
+                <a:highlight>
+                  <a:srgbClr val="FFFFFF"/>
+                </a:highlight>
+                <a:latin typeface="Consolas"/>
+                <a:ea typeface="Calibri"/>
+                <a:cs typeface="Times New Roman"/>
+              </a:rPr>
+              <a:t>(</a:t>
+            </a:r>
+            <a:r>
+              <a:rPr lang="en-US" sz="1600" dirty="0" err="1">
+                <a:solidFill>
+                  <a:srgbClr val="2B91AF"/>
+                </a:solidFill>
+                <a:highlight>
+                  <a:srgbClr val="FFFFFF"/>
+                </a:highlight>
+                <a:latin typeface="Consolas"/>
+                <a:ea typeface="Calibri"/>
+                <a:cs typeface="Times New Roman"/>
+              </a:rPr>
+              <a:t>IAccountRepository</a:t>
+            </a:r>
+            <a:r>
+              <a:rPr lang="en-US" sz="1600" dirty="0">
+                <a:solidFill>
+                  <a:srgbClr val="000000"/>
+                </a:solidFill>
+                <a:highlight>
+                  <a:srgbClr val="FFFFFF"/>
+                </a:highlight>
+                <a:latin typeface="Consolas"/>
+                <a:ea typeface="Calibri"/>
+                <a:cs typeface="Times New Roman"/>
+              </a:rPr>
+              <a:t> </a:t>
+            </a:r>
+            <a:r>
+              <a:rPr lang="en-US" sz="1600" dirty="0" err="1">
+                <a:solidFill>
+                  <a:srgbClr val="000000"/>
+                </a:solidFill>
+                <a:highlight>
+                  <a:srgbClr val="FFFFFF"/>
+                </a:highlight>
+                <a:latin typeface="Consolas"/>
+                <a:ea typeface="Calibri"/>
+                <a:cs typeface="Times New Roman"/>
+              </a:rPr>
+              <a:t>accountRepository</a:t>
+            </a:r>
+            <a:r>
+              <a:rPr lang="en-US" sz="1600" dirty="0">
+                <a:solidFill>
+                  <a:srgbClr val="000000"/>
+                </a:solidFill>
+                <a:highlight>
+                  <a:srgbClr val="FFFFFF"/>
+                </a:highlight>
+                <a:latin typeface="Consolas"/>
+                <a:ea typeface="Calibri"/>
+                <a:cs typeface="Times New Roman"/>
+              </a:rPr>
+              <a:t>)</a:t>
+            </a:r>
+            <a:endParaRPr lang="en-US" sz="2000" dirty="0">
+              <a:ea typeface="Calibri"/>
+              <a:cs typeface="Times New Roman"/>
+            </a:endParaRPr>
+          </a:p>
+          <a:p>
+            <a:pPr>
+              <a:lnSpc>
+                <a:spcPct val="115000"/>
+              </a:lnSpc>
+              <a:spcAft>
+                <a:spcPts val="0"/>
+              </a:spcAft>
+            </a:pPr>
+            <a:r>
+              <a:rPr lang="en-US" sz="1600" dirty="0">
+                <a:solidFill>
+                  <a:srgbClr val="000000"/>
+                </a:solidFill>
+                <a:highlight>
+                  <a:srgbClr val="FFFFFF"/>
+                </a:highlight>
+                <a:latin typeface="Consolas"/>
+                <a:ea typeface="Calibri"/>
+                <a:cs typeface="Times New Roman"/>
+              </a:rPr>
+              <a:t>        {</a:t>
+            </a:r>
+            <a:endParaRPr lang="en-US" sz="2000" dirty="0">
+              <a:ea typeface="Calibri"/>
+              <a:cs typeface="Times New Roman"/>
+            </a:endParaRPr>
+          </a:p>
+          <a:p>
+            <a:pPr>
+              <a:lnSpc>
+                <a:spcPct val="115000"/>
+              </a:lnSpc>
+              <a:spcAft>
+                <a:spcPts val="0"/>
+              </a:spcAft>
+            </a:pPr>
+            <a:r>
+              <a:rPr lang="en-US" sz="1600" dirty="0">
+                <a:solidFill>
+                  <a:srgbClr val="000000"/>
+                </a:solidFill>
+                <a:highlight>
+                  <a:srgbClr val="FFFFFF"/>
+                </a:highlight>
+                <a:latin typeface="Consolas"/>
+                <a:ea typeface="Calibri"/>
+                <a:cs typeface="Times New Roman"/>
+              </a:rPr>
+              <a:t>            </a:t>
+            </a:r>
+            <a:r>
+              <a:rPr lang="en-US" sz="1600" dirty="0">
+                <a:solidFill>
+                  <a:srgbClr val="0000FF"/>
+                </a:solidFill>
+                <a:highlight>
+                  <a:srgbClr val="FFFFFF"/>
+                </a:highlight>
+                <a:latin typeface="Consolas"/>
+                <a:ea typeface="Calibri"/>
+                <a:cs typeface="Times New Roman"/>
+              </a:rPr>
+              <a:t>if</a:t>
+            </a:r>
+            <a:r>
+              <a:rPr lang="en-US" sz="1600" dirty="0">
+                <a:solidFill>
+                  <a:srgbClr val="000000"/>
+                </a:solidFill>
+                <a:highlight>
+                  <a:srgbClr val="FFFFFF"/>
+                </a:highlight>
+                <a:latin typeface="Consolas"/>
+                <a:ea typeface="Calibri"/>
+                <a:cs typeface="Times New Roman"/>
+              </a:rPr>
+              <a:t> (</a:t>
+            </a:r>
+            <a:r>
+              <a:rPr lang="en-US" sz="1600" dirty="0" err="1">
+                <a:solidFill>
+                  <a:srgbClr val="000000"/>
+                </a:solidFill>
+                <a:highlight>
+                  <a:srgbClr val="FFFFFF"/>
+                </a:highlight>
+                <a:latin typeface="Consolas"/>
+                <a:ea typeface="Calibri"/>
+                <a:cs typeface="Times New Roman"/>
+              </a:rPr>
+              <a:t>accountRepository</a:t>
+            </a:r>
+            <a:r>
+              <a:rPr lang="en-US" sz="1600" dirty="0">
+                <a:solidFill>
+                  <a:srgbClr val="000000"/>
+                </a:solidFill>
+                <a:highlight>
+                  <a:srgbClr val="FFFFFF"/>
+                </a:highlight>
+                <a:latin typeface="Consolas"/>
+                <a:ea typeface="Calibri"/>
+                <a:cs typeface="Times New Roman"/>
+              </a:rPr>
+              <a:t> == </a:t>
+            </a:r>
+            <a:r>
+              <a:rPr lang="en-US" sz="1600" dirty="0">
+                <a:solidFill>
+                  <a:srgbClr val="0000FF"/>
+                </a:solidFill>
+                <a:highlight>
+                  <a:srgbClr val="FFFFFF"/>
+                </a:highlight>
+                <a:latin typeface="Consolas"/>
+                <a:ea typeface="Calibri"/>
+                <a:cs typeface="Times New Roman"/>
+              </a:rPr>
+              <a:t>null</a:t>
+            </a:r>
+            <a:r>
+              <a:rPr lang="en-US" sz="1600" dirty="0">
+                <a:solidFill>
+                  <a:srgbClr val="000000"/>
+                </a:solidFill>
+                <a:highlight>
+                  <a:srgbClr val="FFFFFF"/>
+                </a:highlight>
+                <a:latin typeface="Consolas"/>
+                <a:ea typeface="Calibri"/>
+                <a:cs typeface="Times New Roman"/>
+              </a:rPr>
+              <a:t>) </a:t>
+            </a:r>
+            <a:r>
+              <a:rPr lang="en-US" sz="1600" dirty="0">
+                <a:solidFill>
+                  <a:srgbClr val="0000FF"/>
+                </a:solidFill>
+                <a:highlight>
+                  <a:srgbClr val="FFFFFF"/>
+                </a:highlight>
+                <a:latin typeface="Consolas"/>
+                <a:ea typeface="Calibri"/>
+                <a:cs typeface="Times New Roman"/>
+              </a:rPr>
+              <a:t>throw</a:t>
+            </a:r>
+            <a:r>
+              <a:rPr lang="en-US" sz="1600" dirty="0">
+                <a:solidFill>
+                  <a:srgbClr val="000000"/>
+                </a:solidFill>
+                <a:highlight>
+                  <a:srgbClr val="FFFFFF"/>
+                </a:highlight>
+                <a:latin typeface="Consolas"/>
+                <a:ea typeface="Calibri"/>
+                <a:cs typeface="Times New Roman"/>
+              </a:rPr>
+              <a:t> </a:t>
+            </a:r>
+            <a:r>
+              <a:rPr lang="en-US" sz="1600" dirty="0">
+                <a:solidFill>
+                  <a:srgbClr val="0000FF"/>
+                </a:solidFill>
+                <a:highlight>
+                  <a:srgbClr val="FFFFFF"/>
+                </a:highlight>
+                <a:latin typeface="Consolas"/>
+                <a:ea typeface="Calibri"/>
+                <a:cs typeface="Times New Roman"/>
+              </a:rPr>
+              <a:t>new</a:t>
+            </a:r>
+            <a:r>
+              <a:rPr lang="en-US" sz="1600" dirty="0">
+                <a:solidFill>
+                  <a:srgbClr val="000000"/>
+                </a:solidFill>
+                <a:highlight>
+                  <a:srgbClr val="FFFFFF"/>
+                </a:highlight>
+                <a:latin typeface="Consolas"/>
+                <a:ea typeface="Calibri"/>
+                <a:cs typeface="Times New Roman"/>
+              </a:rPr>
+              <a:t> </a:t>
+            </a:r>
+            <a:r>
+              <a:rPr lang="en-US" sz="1600" dirty="0" err="1">
+                <a:solidFill>
+                  <a:srgbClr val="2B91AF"/>
+                </a:solidFill>
+                <a:highlight>
+                  <a:srgbClr val="FFFFFF"/>
+                </a:highlight>
+                <a:latin typeface="Consolas"/>
+                <a:ea typeface="Calibri"/>
+                <a:cs typeface="Times New Roman"/>
+              </a:rPr>
+              <a:t>ArgumentNullException</a:t>
+            </a:r>
+            <a:r>
+              <a:rPr lang="en-US" sz="1600" dirty="0">
+                <a:solidFill>
+                  <a:srgbClr val="000000"/>
+                </a:solidFill>
+                <a:highlight>
+                  <a:srgbClr val="FFFFFF"/>
+                </a:highlight>
+                <a:latin typeface="Consolas"/>
+                <a:ea typeface="Calibri"/>
+                <a:cs typeface="Times New Roman"/>
+              </a:rPr>
+              <a:t>(</a:t>
+            </a:r>
+            <a:r>
+              <a:rPr lang="en-US" sz="1600" dirty="0">
+                <a:solidFill>
+                  <a:srgbClr val="A31515"/>
+                </a:solidFill>
+                <a:highlight>
+                  <a:srgbClr val="FFFFFF"/>
+                </a:highlight>
+                <a:latin typeface="Consolas"/>
+                <a:ea typeface="Calibri"/>
+                <a:cs typeface="Times New Roman"/>
+              </a:rPr>
+              <a:t>"</a:t>
+            </a:r>
+            <a:r>
+              <a:rPr lang="en-US" sz="1600" dirty="0" err="1">
+                <a:solidFill>
+                  <a:srgbClr val="A31515"/>
+                </a:solidFill>
+                <a:highlight>
+                  <a:srgbClr val="FFFFFF"/>
+                </a:highlight>
+                <a:latin typeface="Consolas"/>
+                <a:ea typeface="Calibri"/>
+                <a:cs typeface="Times New Roman"/>
+              </a:rPr>
+              <a:t>accountRepository</a:t>
+            </a:r>
+            <a:r>
+              <a:rPr lang="en-US" sz="1600" dirty="0">
+                <a:solidFill>
+                  <a:srgbClr val="A31515"/>
+                </a:solidFill>
+                <a:highlight>
+                  <a:srgbClr val="FFFFFF"/>
+                </a:highlight>
+                <a:latin typeface="Consolas"/>
+                <a:ea typeface="Calibri"/>
+                <a:cs typeface="Times New Roman"/>
+              </a:rPr>
+              <a:t>"</a:t>
+            </a:r>
+            <a:r>
+              <a:rPr lang="en-US" sz="1600" dirty="0">
+                <a:solidFill>
+                  <a:srgbClr val="000000"/>
+                </a:solidFill>
+                <a:highlight>
+                  <a:srgbClr val="FFFFFF"/>
+                </a:highlight>
+                <a:latin typeface="Consolas"/>
+                <a:ea typeface="Calibri"/>
+                <a:cs typeface="Times New Roman"/>
+              </a:rPr>
+              <a:t>);</a:t>
+            </a:r>
+            <a:endParaRPr lang="en-US" sz="2000" dirty="0">
+              <a:ea typeface="Calibri"/>
+              <a:cs typeface="Times New Roman"/>
+            </a:endParaRPr>
+          </a:p>
+          <a:p>
+            <a:pPr>
+              <a:lnSpc>
+                <a:spcPct val="115000"/>
+              </a:lnSpc>
+              <a:spcAft>
+                <a:spcPts val="0"/>
+              </a:spcAft>
+            </a:pPr>
+            <a:r>
+              <a:rPr lang="en-US" sz="1600" dirty="0">
+                <a:solidFill>
+                  <a:srgbClr val="000000"/>
+                </a:solidFill>
+                <a:highlight>
+                  <a:srgbClr val="FFFFFF"/>
+                </a:highlight>
+                <a:latin typeface="Consolas"/>
+                <a:ea typeface="Calibri"/>
+                <a:cs typeface="Times New Roman"/>
+              </a:rPr>
+              <a:t>            _</a:t>
+            </a:r>
+            <a:r>
+              <a:rPr lang="en-US" sz="1600" dirty="0" err="1">
+                <a:solidFill>
+                  <a:srgbClr val="000000"/>
+                </a:solidFill>
+                <a:highlight>
+                  <a:srgbClr val="FFFFFF"/>
+                </a:highlight>
+                <a:latin typeface="Consolas"/>
+                <a:ea typeface="Calibri"/>
+                <a:cs typeface="Times New Roman"/>
+              </a:rPr>
+              <a:t>accountRepository</a:t>
+            </a:r>
+            <a:r>
+              <a:rPr lang="en-US" sz="1600" dirty="0">
+                <a:solidFill>
+                  <a:srgbClr val="000000"/>
+                </a:solidFill>
+                <a:highlight>
+                  <a:srgbClr val="FFFFFF"/>
+                </a:highlight>
+                <a:latin typeface="Consolas"/>
+                <a:ea typeface="Calibri"/>
+                <a:cs typeface="Times New Roman"/>
+              </a:rPr>
+              <a:t> = </a:t>
+            </a:r>
+            <a:r>
+              <a:rPr lang="en-US" sz="1600" dirty="0" err="1">
+                <a:solidFill>
+                  <a:srgbClr val="000000"/>
+                </a:solidFill>
+                <a:highlight>
+                  <a:srgbClr val="FFFFFF"/>
+                </a:highlight>
+                <a:latin typeface="Consolas"/>
+                <a:ea typeface="Calibri"/>
+                <a:cs typeface="Times New Roman"/>
+              </a:rPr>
+              <a:t>accountRepository</a:t>
+            </a:r>
+            <a:r>
+              <a:rPr lang="en-US" sz="1600" dirty="0">
+                <a:solidFill>
+                  <a:srgbClr val="000000"/>
+                </a:solidFill>
+                <a:highlight>
+                  <a:srgbClr val="FFFFFF"/>
+                </a:highlight>
+                <a:latin typeface="Consolas"/>
+                <a:ea typeface="Calibri"/>
+                <a:cs typeface="Times New Roman"/>
+              </a:rPr>
+              <a:t>;</a:t>
+            </a:r>
+            <a:endParaRPr lang="en-US" sz="2000" dirty="0">
+              <a:ea typeface="Calibri"/>
+              <a:cs typeface="Times New Roman"/>
+            </a:endParaRPr>
+          </a:p>
+          <a:p>
+            <a:pPr>
+              <a:lnSpc>
+                <a:spcPct val="115000"/>
+              </a:lnSpc>
+              <a:spcAft>
+                <a:spcPts val="0"/>
+              </a:spcAft>
+            </a:pPr>
+            <a:r>
+              <a:rPr lang="en-US" sz="1600" dirty="0">
+                <a:solidFill>
+                  <a:srgbClr val="000000"/>
+                </a:solidFill>
+                <a:highlight>
+                  <a:srgbClr val="FFFFFF"/>
+                </a:highlight>
+                <a:latin typeface="Consolas"/>
+                <a:ea typeface="Calibri"/>
+                <a:cs typeface="Times New Roman"/>
+              </a:rPr>
+              <a:t>        }</a:t>
+            </a:r>
+            <a:endParaRPr lang="en-US" sz="2000" dirty="0">
+              <a:ea typeface="Calibri"/>
+              <a:cs typeface="Times New Roman"/>
+            </a:endParaRPr>
+          </a:p>
+          <a:p>
+            <a:pPr>
+              <a:lnSpc>
+                <a:spcPct val="115000"/>
+              </a:lnSpc>
+              <a:spcAft>
+                <a:spcPts val="0"/>
+              </a:spcAft>
+            </a:pPr>
+            <a:r>
+              <a:rPr lang="en-US" sz="1600" dirty="0">
+                <a:solidFill>
+                  <a:srgbClr val="000000"/>
+                </a:solidFill>
+                <a:highlight>
+                  <a:srgbClr val="FFFFFF"/>
+                </a:highlight>
+                <a:latin typeface="Consolas"/>
+                <a:ea typeface="Calibri"/>
+                <a:cs typeface="Times New Roman"/>
+              </a:rPr>
+              <a:t> </a:t>
+            </a:r>
+            <a:endParaRPr lang="en-US" sz="2000" dirty="0">
+              <a:ea typeface="Calibri"/>
+              <a:cs typeface="Times New Roman"/>
+            </a:endParaRPr>
+          </a:p>
+          <a:p>
+            <a:pPr>
+              <a:lnSpc>
+                <a:spcPct val="115000"/>
+              </a:lnSpc>
+              <a:spcAft>
+                <a:spcPts val="0"/>
+              </a:spcAft>
+            </a:pPr>
+            <a:r>
+              <a:rPr lang="en-US" sz="1600" dirty="0">
+                <a:solidFill>
+                  <a:srgbClr val="000000"/>
+                </a:solidFill>
+                <a:highlight>
+                  <a:srgbClr val="FFFFFF"/>
+                </a:highlight>
+                <a:latin typeface="Consolas"/>
+                <a:ea typeface="Calibri"/>
+                <a:cs typeface="Times New Roman"/>
+              </a:rPr>
+              <a:t>        </a:t>
+            </a:r>
+            <a:r>
+              <a:rPr lang="en-US" sz="1600" dirty="0">
+                <a:solidFill>
+                  <a:srgbClr val="0000FF"/>
+                </a:solidFill>
+                <a:highlight>
+                  <a:srgbClr val="FFFFFF"/>
+                </a:highlight>
+                <a:latin typeface="Consolas"/>
+                <a:ea typeface="Calibri"/>
+                <a:cs typeface="Times New Roman"/>
+              </a:rPr>
+              <a:t>public</a:t>
+            </a:r>
+            <a:r>
+              <a:rPr lang="en-US" sz="1600" dirty="0">
+                <a:solidFill>
+                  <a:srgbClr val="000000"/>
+                </a:solidFill>
+                <a:highlight>
+                  <a:srgbClr val="FFFFFF"/>
+                </a:highlight>
+                <a:latin typeface="Consolas"/>
+                <a:ea typeface="Calibri"/>
+                <a:cs typeface="Times New Roman"/>
+              </a:rPr>
+              <a:t> </a:t>
+            </a:r>
+            <a:r>
+              <a:rPr lang="en-US" sz="1600" dirty="0" err="1">
+                <a:solidFill>
+                  <a:srgbClr val="000000"/>
+                </a:solidFill>
+                <a:highlight>
+                  <a:srgbClr val="FFFFFF"/>
+                </a:highlight>
+                <a:latin typeface="Consolas"/>
+                <a:ea typeface="Calibri"/>
+                <a:cs typeface="Times New Roman"/>
+              </a:rPr>
+              <a:t>UserAccountService</a:t>
+            </a:r>
+            <a:r>
+              <a:rPr lang="en-US" sz="1600" dirty="0">
+                <a:solidFill>
+                  <a:srgbClr val="000000"/>
+                </a:solidFill>
+                <a:highlight>
+                  <a:srgbClr val="FFFFFF"/>
+                </a:highlight>
+                <a:latin typeface="Consolas"/>
+                <a:ea typeface="Calibri"/>
+                <a:cs typeface="Times New Roman"/>
+              </a:rPr>
+              <a:t>()</a:t>
+            </a:r>
+            <a:endParaRPr lang="en-US" sz="2000" dirty="0">
+              <a:ea typeface="Calibri"/>
+              <a:cs typeface="Times New Roman"/>
+            </a:endParaRPr>
+          </a:p>
+          <a:p>
+            <a:pPr>
+              <a:lnSpc>
+                <a:spcPct val="115000"/>
+              </a:lnSpc>
+              <a:spcAft>
+                <a:spcPts val="0"/>
+              </a:spcAft>
+            </a:pPr>
+            <a:r>
+              <a:rPr lang="en-US" sz="1600" dirty="0">
+                <a:solidFill>
+                  <a:srgbClr val="000000"/>
+                </a:solidFill>
+                <a:highlight>
+                  <a:srgbClr val="FFFFFF"/>
+                </a:highlight>
+                <a:latin typeface="Consolas"/>
+                <a:ea typeface="Calibri"/>
+                <a:cs typeface="Times New Roman"/>
+              </a:rPr>
+              <a:t>            :</a:t>
+            </a:r>
+            <a:r>
+              <a:rPr lang="en-US" sz="1600" dirty="0">
+                <a:solidFill>
+                  <a:srgbClr val="0000FF"/>
+                </a:solidFill>
+                <a:highlight>
+                  <a:srgbClr val="FFFFFF"/>
+                </a:highlight>
+                <a:latin typeface="Consolas"/>
+                <a:ea typeface="Calibri"/>
+                <a:cs typeface="Times New Roman"/>
+              </a:rPr>
+              <a:t>this</a:t>
+            </a:r>
+            <a:r>
+              <a:rPr lang="en-US" sz="1600" dirty="0">
+                <a:solidFill>
+                  <a:srgbClr val="000000"/>
+                </a:solidFill>
+                <a:highlight>
+                  <a:srgbClr val="FFFFFF"/>
+                </a:highlight>
+                <a:latin typeface="Consolas"/>
+                <a:ea typeface="Calibri"/>
+                <a:cs typeface="Times New Roman"/>
+              </a:rPr>
+              <a:t>(</a:t>
+            </a:r>
+            <a:r>
+              <a:rPr lang="en-US" sz="1600" dirty="0">
+                <a:solidFill>
+                  <a:srgbClr val="0000FF"/>
+                </a:solidFill>
+                <a:highlight>
+                  <a:srgbClr val="FFFFFF"/>
+                </a:highlight>
+                <a:latin typeface="Consolas"/>
+                <a:ea typeface="Calibri"/>
+                <a:cs typeface="Times New Roman"/>
+              </a:rPr>
+              <a:t>new</a:t>
+            </a:r>
+            <a:r>
+              <a:rPr lang="en-US" sz="1600" dirty="0">
+                <a:solidFill>
+                  <a:srgbClr val="000000"/>
+                </a:solidFill>
+                <a:highlight>
+                  <a:srgbClr val="FFFFFF"/>
+                </a:highlight>
+                <a:latin typeface="Consolas"/>
+                <a:ea typeface="Calibri"/>
+                <a:cs typeface="Times New Roman"/>
+              </a:rPr>
+              <a:t> </a:t>
+            </a:r>
+            <a:r>
+              <a:rPr lang="en-US" sz="1600" dirty="0" err="1">
+                <a:solidFill>
+                  <a:srgbClr val="2B91AF"/>
+                </a:solidFill>
+                <a:highlight>
+                  <a:srgbClr val="FFFFFF"/>
+                </a:highlight>
+                <a:latin typeface="Consolas"/>
+                <a:ea typeface="Calibri"/>
+                <a:cs typeface="Times New Roman"/>
+              </a:rPr>
+              <a:t>AccountRepository</a:t>
+            </a:r>
+            <a:r>
+              <a:rPr lang="en-US" sz="1600" dirty="0">
+                <a:solidFill>
+                  <a:srgbClr val="000000"/>
+                </a:solidFill>
+                <a:highlight>
+                  <a:srgbClr val="FFFFFF"/>
+                </a:highlight>
+                <a:latin typeface="Consolas"/>
+                <a:ea typeface="Calibri"/>
+                <a:cs typeface="Times New Roman"/>
+              </a:rPr>
+              <a:t>(</a:t>
+            </a:r>
+            <a:r>
+              <a:rPr lang="en-US" sz="1600" dirty="0">
+                <a:solidFill>
+                  <a:srgbClr val="A31515"/>
+                </a:solidFill>
+                <a:highlight>
+                  <a:srgbClr val="FFFFFF"/>
+                </a:highlight>
+                <a:latin typeface="Consolas"/>
+                <a:ea typeface="Calibri"/>
+                <a:cs typeface="Times New Roman"/>
+              </a:rPr>
+              <a:t>"</a:t>
+            </a:r>
+            <a:r>
+              <a:rPr lang="en-US" sz="1600" dirty="0" err="1">
+                <a:solidFill>
+                  <a:srgbClr val="A31515"/>
+                </a:solidFill>
+                <a:highlight>
+                  <a:srgbClr val="FFFFFF"/>
+                </a:highlight>
+                <a:latin typeface="Consolas"/>
+                <a:ea typeface="Calibri"/>
+                <a:cs typeface="Times New Roman"/>
+              </a:rPr>
+              <a:t>BankingContext</a:t>
+            </a:r>
+            <a:r>
+              <a:rPr lang="en-US" sz="1600" dirty="0">
+                <a:solidFill>
+                  <a:srgbClr val="A31515"/>
+                </a:solidFill>
+                <a:highlight>
+                  <a:srgbClr val="FFFFFF"/>
+                </a:highlight>
+                <a:latin typeface="Consolas"/>
+                <a:ea typeface="Calibri"/>
+                <a:cs typeface="Times New Roman"/>
+              </a:rPr>
+              <a:t>"</a:t>
+            </a:r>
+            <a:r>
+              <a:rPr lang="en-US" sz="1600" dirty="0">
+                <a:solidFill>
+                  <a:srgbClr val="000000"/>
+                </a:solidFill>
+                <a:highlight>
+                  <a:srgbClr val="FFFFFF"/>
+                </a:highlight>
+                <a:latin typeface="Consolas"/>
+                <a:ea typeface="Calibri"/>
+                <a:cs typeface="Times New Roman"/>
+              </a:rPr>
+              <a:t>))</a:t>
+            </a:r>
+            <a:endParaRPr lang="en-US" sz="2000" dirty="0">
+              <a:ea typeface="Calibri"/>
+              <a:cs typeface="Times New Roman"/>
+            </a:endParaRPr>
+          </a:p>
+          <a:p>
+            <a:pPr>
+              <a:lnSpc>
+                <a:spcPct val="115000"/>
+              </a:lnSpc>
+              <a:spcAft>
+                <a:spcPts val="0"/>
+              </a:spcAft>
+            </a:pPr>
+            <a:r>
+              <a:rPr lang="en-US" sz="1600" dirty="0">
+                <a:solidFill>
+                  <a:srgbClr val="000000"/>
+                </a:solidFill>
+                <a:highlight>
+                  <a:srgbClr val="FFFFFF"/>
+                </a:highlight>
+                <a:latin typeface="Consolas"/>
+                <a:ea typeface="Calibri"/>
+                <a:cs typeface="Times New Roman"/>
+              </a:rPr>
+              <a:t>        {</a:t>
+            </a:r>
+            <a:endParaRPr lang="en-US" sz="2000" dirty="0">
+              <a:ea typeface="Calibri"/>
+              <a:cs typeface="Times New Roman"/>
+            </a:endParaRPr>
+          </a:p>
+          <a:p>
+            <a:pPr>
+              <a:lnSpc>
+                <a:spcPct val="115000"/>
+              </a:lnSpc>
+              <a:spcAft>
+                <a:spcPts val="0"/>
+              </a:spcAft>
+            </a:pPr>
+            <a:r>
+              <a:rPr lang="en-US" sz="1600" dirty="0">
+                <a:solidFill>
+                  <a:srgbClr val="000000"/>
+                </a:solidFill>
+                <a:highlight>
+                  <a:srgbClr val="FFFFFF"/>
+                </a:highlight>
+                <a:latin typeface="Consolas"/>
+                <a:ea typeface="Calibri"/>
+                <a:cs typeface="Times New Roman"/>
+              </a:rPr>
+              <a:t>        }</a:t>
+            </a:r>
+            <a:endParaRPr lang="en-US" sz="2000" dirty="0">
+              <a:ea typeface="Calibri"/>
+              <a:cs typeface="Times New Roman"/>
+            </a:endParaRPr>
+          </a:p>
+          <a:p>
+            <a:pPr>
+              <a:lnSpc>
+                <a:spcPct val="115000"/>
+              </a:lnSpc>
+              <a:spcAft>
+                <a:spcPts val="0"/>
+              </a:spcAft>
+            </a:pPr>
+            <a:r>
+              <a:rPr lang="en-US" sz="1600" dirty="0">
+                <a:solidFill>
+                  <a:srgbClr val="000000"/>
+                </a:solidFill>
+                <a:highlight>
+                  <a:srgbClr val="FFFFFF"/>
+                </a:highlight>
+                <a:latin typeface="Consolas"/>
+                <a:ea typeface="Calibri"/>
+                <a:cs typeface="Times New Roman"/>
+              </a:rPr>
+              <a:t> </a:t>
+            </a:r>
+            <a:endParaRPr lang="en-US" sz="2000" dirty="0">
+              <a:ea typeface="Calibri"/>
+              <a:cs typeface="Times New Roman"/>
+            </a:endParaRPr>
+          </a:p>
+          <a:p>
+            <a:pPr>
+              <a:lnSpc>
+                <a:spcPct val="115000"/>
+              </a:lnSpc>
+              <a:spcAft>
+                <a:spcPts val="0"/>
+              </a:spcAft>
+            </a:pPr>
+            <a:r>
+              <a:rPr lang="en-US" sz="1600" dirty="0">
+                <a:solidFill>
+                  <a:srgbClr val="0000FF"/>
+                </a:solidFill>
+                <a:highlight>
+                  <a:srgbClr val="FFFFFF"/>
+                </a:highlight>
+                <a:latin typeface="Consolas"/>
+                <a:ea typeface="Calibri"/>
+                <a:cs typeface="Times New Roman"/>
+              </a:rPr>
+              <a:t>        #region</a:t>
+            </a:r>
+            <a:r>
+              <a:rPr lang="en-US" sz="1600" dirty="0">
+                <a:solidFill>
+                  <a:srgbClr val="000000"/>
+                </a:solidFill>
+                <a:highlight>
+                  <a:srgbClr val="FFFFFF"/>
+                </a:highlight>
+                <a:latin typeface="Consolas"/>
+                <a:ea typeface="Calibri"/>
+                <a:cs typeface="Times New Roman"/>
+              </a:rPr>
+              <a:t> Dependency Management</a:t>
+            </a:r>
+            <a:endParaRPr lang="en-US" sz="2000" dirty="0">
+              <a:ea typeface="Calibri"/>
+              <a:cs typeface="Times New Roman"/>
+            </a:endParaRPr>
+          </a:p>
+          <a:p>
+            <a:pPr>
+              <a:lnSpc>
+                <a:spcPct val="115000"/>
+              </a:lnSpc>
+              <a:spcAft>
+                <a:spcPts val="0"/>
+              </a:spcAft>
+            </a:pPr>
+            <a:r>
+              <a:rPr lang="en-US" sz="1600" dirty="0">
+                <a:solidFill>
+                  <a:srgbClr val="000000"/>
+                </a:solidFill>
+                <a:highlight>
+                  <a:srgbClr val="FFFFFF"/>
+                </a:highlight>
+                <a:latin typeface="Consolas"/>
+                <a:ea typeface="Calibri"/>
+                <a:cs typeface="Times New Roman"/>
+              </a:rPr>
+              <a:t> </a:t>
+            </a:r>
+            <a:endParaRPr lang="en-US" sz="2000" dirty="0">
+              <a:ea typeface="Calibri"/>
+              <a:cs typeface="Times New Roman"/>
+            </a:endParaRPr>
+          </a:p>
+          <a:p>
+            <a:pPr>
+              <a:lnSpc>
+                <a:spcPct val="115000"/>
+              </a:lnSpc>
+              <a:spcAft>
+                <a:spcPts val="0"/>
+              </a:spcAft>
+            </a:pPr>
+            <a:r>
+              <a:rPr lang="en-US" sz="1600" dirty="0">
+                <a:solidFill>
+                  <a:srgbClr val="000000"/>
+                </a:solidFill>
+                <a:highlight>
+                  <a:srgbClr val="FFFFFF"/>
+                </a:highlight>
+                <a:latin typeface="Consolas"/>
+                <a:ea typeface="Calibri"/>
+                <a:cs typeface="Times New Roman"/>
+              </a:rPr>
+              <a:t>        </a:t>
+            </a:r>
+            <a:r>
+              <a:rPr lang="en-US" sz="1600" dirty="0">
+                <a:solidFill>
+                  <a:srgbClr val="0000FF"/>
+                </a:solidFill>
+                <a:highlight>
+                  <a:srgbClr val="FFFFFF"/>
+                </a:highlight>
+                <a:latin typeface="Consolas"/>
+                <a:ea typeface="Calibri"/>
+                <a:cs typeface="Times New Roman"/>
+              </a:rPr>
+              <a:t>public</a:t>
+            </a:r>
+            <a:r>
+              <a:rPr lang="en-US" sz="1600" dirty="0">
+                <a:solidFill>
+                  <a:srgbClr val="000000"/>
+                </a:solidFill>
+                <a:highlight>
+                  <a:srgbClr val="FFFFFF"/>
+                </a:highlight>
+                <a:latin typeface="Consolas"/>
+                <a:ea typeface="Calibri"/>
+                <a:cs typeface="Times New Roman"/>
+              </a:rPr>
+              <a:t> </a:t>
+            </a:r>
+            <a:r>
+              <a:rPr lang="en-US" sz="1600" dirty="0" err="1">
+                <a:solidFill>
+                  <a:srgbClr val="2B91AF"/>
+                </a:solidFill>
+                <a:highlight>
+                  <a:srgbClr val="FFFFFF"/>
+                </a:highlight>
+                <a:latin typeface="Consolas"/>
+                <a:ea typeface="Calibri"/>
+                <a:cs typeface="Times New Roman"/>
+              </a:rPr>
+              <a:t>IAccountRepository</a:t>
+            </a:r>
+            <a:r>
+              <a:rPr lang="en-US" sz="1600" dirty="0">
+                <a:solidFill>
+                  <a:srgbClr val="000000"/>
+                </a:solidFill>
+                <a:highlight>
+                  <a:srgbClr val="FFFFFF"/>
+                </a:highlight>
+                <a:latin typeface="Consolas"/>
+                <a:ea typeface="Calibri"/>
+                <a:cs typeface="Times New Roman"/>
+              </a:rPr>
+              <a:t> </a:t>
+            </a:r>
+            <a:r>
+              <a:rPr lang="en-US" sz="1600" dirty="0" err="1">
+                <a:solidFill>
+                  <a:srgbClr val="000000"/>
+                </a:solidFill>
+                <a:highlight>
+                  <a:srgbClr val="FFFFFF"/>
+                </a:highlight>
+                <a:latin typeface="Consolas"/>
+                <a:ea typeface="Calibri"/>
+                <a:cs typeface="Times New Roman"/>
+              </a:rPr>
+              <a:t>AccountRepository</a:t>
+            </a:r>
+            <a:r>
+              <a:rPr lang="en-US" sz="1600" dirty="0">
+                <a:solidFill>
+                  <a:srgbClr val="000000"/>
+                </a:solidFill>
+                <a:highlight>
+                  <a:srgbClr val="FFFFFF"/>
+                </a:highlight>
+                <a:latin typeface="Consolas"/>
+                <a:ea typeface="Calibri"/>
+                <a:cs typeface="Times New Roman"/>
+              </a:rPr>
+              <a:t> { </a:t>
+            </a:r>
+            <a:r>
+              <a:rPr lang="en-US" sz="1600" dirty="0">
+                <a:solidFill>
+                  <a:srgbClr val="0000FF"/>
+                </a:solidFill>
+                <a:highlight>
+                  <a:srgbClr val="FFFFFF"/>
+                </a:highlight>
+                <a:latin typeface="Consolas"/>
+                <a:ea typeface="Calibri"/>
+                <a:cs typeface="Times New Roman"/>
+              </a:rPr>
+              <a:t>get</a:t>
+            </a:r>
+            <a:r>
+              <a:rPr lang="en-US" sz="1600" dirty="0">
+                <a:solidFill>
+                  <a:srgbClr val="000000"/>
+                </a:solidFill>
+                <a:highlight>
+                  <a:srgbClr val="FFFFFF"/>
+                </a:highlight>
+                <a:latin typeface="Consolas"/>
+                <a:ea typeface="Calibri"/>
+                <a:cs typeface="Times New Roman"/>
+              </a:rPr>
+              <a:t> { </a:t>
+            </a:r>
+            <a:r>
+              <a:rPr lang="en-US" sz="1600" dirty="0">
+                <a:solidFill>
+                  <a:srgbClr val="0000FF"/>
+                </a:solidFill>
+                <a:highlight>
+                  <a:srgbClr val="FFFFFF"/>
+                </a:highlight>
+                <a:latin typeface="Consolas"/>
+                <a:ea typeface="Calibri"/>
+                <a:cs typeface="Times New Roman"/>
+              </a:rPr>
+              <a:t>return</a:t>
+            </a:r>
+            <a:r>
+              <a:rPr lang="en-US" sz="1600" dirty="0">
+                <a:solidFill>
+                  <a:srgbClr val="000000"/>
+                </a:solidFill>
+                <a:highlight>
+                  <a:srgbClr val="FFFFFF"/>
+                </a:highlight>
+                <a:latin typeface="Consolas"/>
+                <a:ea typeface="Calibri"/>
+                <a:cs typeface="Times New Roman"/>
+              </a:rPr>
+              <a:t> _</a:t>
+            </a:r>
+            <a:r>
+              <a:rPr lang="en-US" sz="1600" dirty="0" err="1">
+                <a:solidFill>
+                  <a:srgbClr val="000000"/>
+                </a:solidFill>
+                <a:highlight>
+                  <a:srgbClr val="FFFFFF"/>
+                </a:highlight>
+                <a:latin typeface="Consolas"/>
+                <a:ea typeface="Calibri"/>
+                <a:cs typeface="Times New Roman"/>
+              </a:rPr>
+              <a:t>accountRepository</a:t>
+            </a:r>
+            <a:r>
+              <a:rPr lang="en-US" sz="1600" dirty="0">
+                <a:solidFill>
+                  <a:srgbClr val="000000"/>
+                </a:solidFill>
+                <a:highlight>
+                  <a:srgbClr val="FFFFFF"/>
+                </a:highlight>
+                <a:latin typeface="Consolas"/>
+                <a:ea typeface="Calibri"/>
+                <a:cs typeface="Times New Roman"/>
+              </a:rPr>
+              <a:t>; } }</a:t>
+            </a:r>
+            <a:endParaRPr lang="en-US" sz="2000" dirty="0">
+              <a:ea typeface="Calibri"/>
+              <a:cs typeface="Times New Roman"/>
+            </a:endParaRPr>
+          </a:p>
+          <a:p>
+            <a:pPr>
+              <a:lnSpc>
+                <a:spcPct val="115000"/>
+              </a:lnSpc>
+              <a:spcAft>
+                <a:spcPts val="0"/>
+              </a:spcAft>
+            </a:pPr>
+            <a:r>
+              <a:rPr lang="en-US" sz="1600" dirty="0">
+                <a:solidFill>
+                  <a:srgbClr val="000000"/>
+                </a:solidFill>
+                <a:highlight>
+                  <a:srgbClr val="FFFFFF"/>
+                </a:highlight>
+                <a:latin typeface="Consolas"/>
+                <a:ea typeface="Calibri"/>
+                <a:cs typeface="Times New Roman"/>
+              </a:rPr>
+              <a:t> </a:t>
+            </a:r>
+            <a:endParaRPr lang="en-US" sz="2000" dirty="0">
+              <a:ea typeface="Calibri"/>
+              <a:cs typeface="Times New Roman"/>
+            </a:endParaRPr>
+          </a:p>
+          <a:p>
+            <a:pPr>
+              <a:lnSpc>
+                <a:spcPct val="115000"/>
+              </a:lnSpc>
+              <a:spcAft>
+                <a:spcPts val="1000"/>
+              </a:spcAft>
+            </a:pPr>
+            <a:r>
+              <a:rPr lang="en-US" sz="1600" dirty="0">
+                <a:solidFill>
+                  <a:srgbClr val="0000FF"/>
+                </a:solidFill>
+                <a:highlight>
+                  <a:srgbClr val="FFFFFF"/>
+                </a:highlight>
+                <a:latin typeface="Consolas"/>
+                <a:ea typeface="Calibri"/>
+                <a:cs typeface="Times New Roman"/>
+              </a:rPr>
+              <a:t>        #</a:t>
+            </a:r>
+            <a:r>
+              <a:rPr lang="en-US" sz="1600" dirty="0" err="1">
+                <a:solidFill>
+                  <a:srgbClr val="0000FF"/>
+                </a:solidFill>
+                <a:highlight>
+                  <a:srgbClr val="FFFFFF"/>
+                </a:highlight>
+                <a:latin typeface="Consolas"/>
+                <a:ea typeface="Calibri"/>
+                <a:cs typeface="Times New Roman"/>
+              </a:rPr>
+              <a:t>endregion</a:t>
+            </a:r>
+            <a:endParaRPr lang="en-US" sz="2000" dirty="0">
+              <a:ea typeface="Calibri"/>
+              <a:cs typeface="Times New Roman"/>
+            </a:endParaRPr>
+          </a:p>
+        </p:txBody>
+      </p:sp>
+      <p:grpSp>
+        <p:nvGrpSpPr>
+          <p:cNvPr id="7" name="Group 6"/>
+          <p:cNvGrpSpPr/>
+          <p:nvPr/>
+        </p:nvGrpSpPr>
+        <p:grpSpPr>
+          <a:xfrm>
+            <a:off x="821420" y="1988840"/>
+            <a:ext cx="9511220" cy="1008112"/>
+            <a:chOff x="821420" y="1988840"/>
+            <a:chExt cx="9511220" cy="1008112"/>
+          </a:xfrm>
+        </p:grpSpPr>
+        <p:sp>
+          <p:nvSpPr>
+            <p:cNvPr id="5" name="Rounded Rectangle 4"/>
+            <p:cNvSpPr/>
+            <p:nvPr/>
+          </p:nvSpPr>
+          <p:spPr>
+            <a:xfrm>
+              <a:off x="1259632" y="2600908"/>
+              <a:ext cx="6336704" cy="396044"/>
+            </a:xfrm>
+            <a:prstGeom prst="roundRect">
+              <a:avLst/>
+            </a:prstGeom>
+            <a:noFill/>
+            <a:ln>
+              <a:solidFill>
+                <a:srgbClr val="FF0000"/>
+              </a:solidFill>
+            </a:ln>
+          </p:spPr>
+          <p:style>
+            <a:lnRef idx="2">
+              <a:schemeClr val="accent1">
+                <a:shade val="50000"/>
+              </a:schemeClr>
+            </a:lnRef>
+            <a:fillRef idx="1">
+              <a:schemeClr val="accent1"/>
+            </a:fillRef>
+            <a:effectRef idx="0">
+              <a:schemeClr val="accent1"/>
+            </a:effectRef>
+            <a:fontRef idx="minor">
+              <a:schemeClr val="lt1"/>
+            </a:fontRef>
+          </p:style>
+          <p:txBody>
+            <a:bodyPr rtlCol="0" anchor="ctr"/>
+            <a:lstStyle/>
+            <a:p>
+              <a:pPr algn="ctr"/>
+              <a:endParaRPr lang="en-US"/>
+            </a:p>
+          </p:txBody>
+        </p:sp>
+        <p:sp>
+          <p:nvSpPr>
+            <p:cNvPr id="6" name="TextBox 5"/>
+            <p:cNvSpPr txBox="1"/>
+            <p:nvPr/>
+          </p:nvSpPr>
+          <p:spPr>
+            <a:xfrm>
+              <a:off x="821420" y="1988840"/>
+              <a:ext cx="9511220" cy="646331"/>
+            </a:xfrm>
+            <a:prstGeom prst="rect">
+              <a:avLst/>
+            </a:prstGeom>
+            <a:noFill/>
+          </p:spPr>
+          <p:txBody>
+            <a:bodyPr wrap="square" rtlCol="0">
+              <a:spAutoFit/>
+            </a:bodyPr>
+            <a:lstStyle/>
+            <a:p>
+              <a:r>
+                <a:rPr lang="fr-FR" b="1" dirty="0" smtClean="0">
+                  <a:solidFill>
+                    <a:srgbClr val="FF0000"/>
+                  </a:solidFill>
+                </a:rPr>
+                <a:t>Injection </a:t>
+              </a:r>
+              <a:r>
+                <a:rPr lang="fr-FR" b="1" dirty="0" err="1" smtClean="0">
+                  <a:solidFill>
+                    <a:srgbClr val="FF0000"/>
+                  </a:solidFill>
+                </a:rPr>
+                <a:t>constructor</a:t>
+              </a:r>
+              <a:r>
+                <a:rPr lang="fr-FR" b="1" dirty="0" smtClean="0">
+                  <a:solidFill>
+                    <a:srgbClr val="FF0000"/>
+                  </a:solidFill>
+                </a:rPr>
+                <a:t> </a:t>
+              </a:r>
+            </a:p>
+            <a:p>
+              <a:r>
+                <a:rPr lang="fr-FR" dirty="0" err="1">
+                  <a:solidFill>
+                    <a:srgbClr val="FF0000"/>
+                  </a:solidFill>
+                </a:rPr>
+                <a:t>u</a:t>
+              </a:r>
+              <a:r>
+                <a:rPr lang="fr-FR" dirty="0" err="1" smtClean="0">
+                  <a:solidFill>
+                    <a:srgbClr val="FF0000"/>
+                  </a:solidFill>
+                </a:rPr>
+                <a:t>sed</a:t>
+              </a:r>
+              <a:r>
+                <a:rPr lang="fr-FR" dirty="0" smtClean="0">
+                  <a:solidFill>
+                    <a:srgbClr val="FF0000"/>
+                  </a:solidFill>
+                </a:rPr>
+                <a:t> in tests - </a:t>
+              </a:r>
+              <a:r>
+                <a:rPr lang="fr-FR" dirty="0" err="1" smtClean="0">
+                  <a:solidFill>
+                    <a:srgbClr val="FF0000"/>
+                  </a:solidFill>
+                </a:rPr>
+                <a:t>declare</a:t>
+              </a:r>
+              <a:r>
+                <a:rPr lang="fr-FR" dirty="0" smtClean="0">
+                  <a:solidFill>
+                    <a:srgbClr val="FF0000"/>
+                  </a:solidFill>
+                </a:rPr>
+                <a:t> </a:t>
+              </a:r>
+              <a:r>
+                <a:rPr lang="fr-FR" dirty="0" err="1" smtClean="0">
+                  <a:solidFill>
+                    <a:srgbClr val="FF0000"/>
+                  </a:solidFill>
+                </a:rPr>
+                <a:t>required</a:t>
+              </a:r>
+              <a:r>
+                <a:rPr lang="fr-FR" dirty="0" smtClean="0">
+                  <a:solidFill>
+                    <a:srgbClr val="FF0000"/>
+                  </a:solidFill>
+                </a:rPr>
+                <a:t> </a:t>
+              </a:r>
+              <a:r>
+                <a:rPr lang="fr-FR" dirty="0" err="1" smtClean="0">
+                  <a:solidFill>
+                    <a:srgbClr val="FF0000"/>
+                  </a:solidFill>
+                </a:rPr>
+                <a:t>dependencies</a:t>
+              </a:r>
+              <a:r>
+                <a:rPr lang="fr-FR" dirty="0" smtClean="0">
+                  <a:solidFill>
+                    <a:srgbClr val="FF0000"/>
+                  </a:solidFill>
+                </a:rPr>
+                <a:t> as </a:t>
+              </a:r>
+              <a:r>
+                <a:rPr lang="fr-FR" dirty="0" err="1" smtClean="0">
+                  <a:solidFill>
+                    <a:srgbClr val="FF0000"/>
+                  </a:solidFill>
+                </a:rPr>
+                <a:t>constructor</a:t>
+              </a:r>
+              <a:r>
+                <a:rPr lang="fr-FR" dirty="0" smtClean="0">
+                  <a:solidFill>
+                    <a:srgbClr val="FF0000"/>
+                  </a:solidFill>
+                </a:rPr>
+                <a:t> </a:t>
+              </a:r>
+              <a:r>
+                <a:rPr lang="fr-FR" dirty="0" err="1" smtClean="0">
+                  <a:solidFill>
+                    <a:srgbClr val="FF0000"/>
+                  </a:solidFill>
+                </a:rPr>
+                <a:t>parameters</a:t>
+              </a:r>
+              <a:endParaRPr lang="en-US" dirty="0">
+                <a:solidFill>
+                  <a:srgbClr val="FF0000"/>
+                </a:solidFill>
+              </a:endParaRPr>
+            </a:p>
+          </p:txBody>
+        </p:sp>
+      </p:grpSp>
+      <p:grpSp>
+        <p:nvGrpSpPr>
+          <p:cNvPr id="8" name="Group 7"/>
+          <p:cNvGrpSpPr/>
+          <p:nvPr/>
+        </p:nvGrpSpPr>
+        <p:grpSpPr>
+          <a:xfrm>
+            <a:off x="496922" y="4329100"/>
+            <a:ext cx="8148177" cy="646331"/>
+            <a:chOff x="3347863" y="2600908"/>
+            <a:chExt cx="8148177" cy="646331"/>
+          </a:xfrm>
+        </p:grpSpPr>
+        <p:sp>
+          <p:nvSpPr>
+            <p:cNvPr id="9" name="Rounded Rectangle 8"/>
+            <p:cNvSpPr/>
+            <p:nvPr/>
+          </p:nvSpPr>
+          <p:spPr>
+            <a:xfrm>
+              <a:off x="3347863" y="2600908"/>
+              <a:ext cx="5731261" cy="612068"/>
+            </a:xfrm>
+            <a:prstGeom prst="roundRect">
+              <a:avLst/>
+            </a:prstGeom>
+            <a:noFill/>
+            <a:ln>
+              <a:solidFill>
+                <a:srgbClr val="FF0000"/>
+              </a:solidFill>
+            </a:ln>
+          </p:spPr>
+          <p:style>
+            <a:lnRef idx="2">
+              <a:schemeClr val="accent1">
+                <a:shade val="50000"/>
+              </a:schemeClr>
+            </a:lnRef>
+            <a:fillRef idx="1">
+              <a:schemeClr val="accent1"/>
+            </a:fillRef>
+            <a:effectRef idx="0">
+              <a:schemeClr val="accent1"/>
+            </a:effectRef>
+            <a:fontRef idx="minor">
+              <a:schemeClr val="lt1"/>
+            </a:fontRef>
+          </p:style>
+          <p:txBody>
+            <a:bodyPr rtlCol="0" anchor="ctr"/>
+            <a:lstStyle/>
+            <a:p>
+              <a:pPr algn="ctr"/>
+              <a:endParaRPr lang="en-US"/>
+            </a:p>
+          </p:txBody>
+        </p:sp>
+        <p:sp>
+          <p:nvSpPr>
+            <p:cNvPr id="10" name="TextBox 9"/>
+            <p:cNvSpPr txBox="1"/>
+            <p:nvPr/>
+          </p:nvSpPr>
+          <p:spPr>
+            <a:xfrm>
+              <a:off x="9039149" y="2600908"/>
+              <a:ext cx="2456891" cy="646331"/>
+            </a:xfrm>
+            <a:prstGeom prst="rect">
+              <a:avLst/>
+            </a:prstGeom>
+            <a:noFill/>
+          </p:spPr>
+          <p:txBody>
+            <a:bodyPr wrap="none" rtlCol="0">
+              <a:spAutoFit/>
+            </a:bodyPr>
+            <a:lstStyle/>
+            <a:p>
+              <a:pPr algn="ctr"/>
+              <a:r>
+                <a:rPr lang="fr-FR" b="1" dirty="0" smtClean="0">
+                  <a:solidFill>
+                    <a:srgbClr val="FF0000"/>
+                  </a:solidFill>
+                </a:rPr>
+                <a:t>Default </a:t>
+              </a:r>
+              <a:r>
+                <a:rPr lang="fr-FR" b="1" dirty="0" err="1" smtClean="0">
+                  <a:solidFill>
+                    <a:srgbClr val="FF0000"/>
+                  </a:solidFill>
+                </a:rPr>
+                <a:t>constructor</a:t>
+              </a:r>
+              <a:r>
+                <a:rPr lang="fr-FR" b="1" dirty="0" smtClean="0">
+                  <a:solidFill>
+                    <a:srgbClr val="FF0000"/>
+                  </a:solidFill>
+                </a:rPr>
+                <a:t> </a:t>
+              </a:r>
+            </a:p>
+            <a:p>
+              <a:pPr algn="ctr"/>
+              <a:r>
+                <a:rPr lang="fr-FR" dirty="0" err="1" smtClean="0">
+                  <a:solidFill>
+                    <a:srgbClr val="FF0000"/>
+                  </a:solidFill>
+                </a:rPr>
+                <a:t>used</a:t>
+              </a:r>
+              <a:r>
+                <a:rPr lang="fr-FR" dirty="0" smtClean="0">
+                  <a:solidFill>
+                    <a:srgbClr val="FF0000"/>
+                  </a:solidFill>
+                </a:rPr>
+                <a:t> in production code</a:t>
+              </a:r>
+              <a:endParaRPr lang="en-US" dirty="0">
+                <a:solidFill>
+                  <a:srgbClr val="FF0000"/>
+                </a:solidFill>
+              </a:endParaRPr>
+            </a:p>
+          </p:txBody>
+        </p:sp>
+      </p:grpSp>
+      <p:sp>
+        <p:nvSpPr>
+          <p:cNvPr id="11" name="TextBox 10"/>
+          <p:cNvSpPr txBox="1"/>
+          <p:nvPr/>
+        </p:nvSpPr>
+        <p:spPr>
+          <a:xfrm>
+            <a:off x="-316160" y="1277144"/>
+            <a:ext cx="12241360" cy="5189113"/>
+          </a:xfrm>
+          <a:prstGeom prst="rect">
+            <a:avLst/>
+          </a:prstGeom>
+          <a:solidFill>
+            <a:schemeClr val="bg1"/>
+          </a:solidFill>
+          <a:ln>
+            <a:solidFill>
+              <a:schemeClr val="accent1"/>
+            </a:solidFill>
+          </a:ln>
+        </p:spPr>
+        <p:txBody>
+          <a:bodyPr wrap="square" rtlCol="0">
+            <a:spAutoFit/>
+          </a:bodyPr>
+          <a:lstStyle/>
+          <a:p>
+            <a:pPr>
+              <a:lnSpc>
+                <a:spcPct val="115000"/>
+              </a:lnSpc>
+              <a:spcAft>
+                <a:spcPts val="0"/>
+              </a:spcAft>
+            </a:pPr>
+            <a:r>
+              <a:rPr lang="en-US" sz="1600" dirty="0">
+                <a:solidFill>
+                  <a:srgbClr val="000000"/>
+                </a:solidFill>
+                <a:highlight>
+                  <a:srgbClr val="FFFFFF"/>
+                </a:highlight>
+                <a:latin typeface="Consolas"/>
+                <a:ea typeface="Calibri"/>
+                <a:cs typeface="Times New Roman"/>
+              </a:rPr>
+              <a:t> </a:t>
+            </a:r>
+            <a:r>
+              <a:rPr lang="en-US" sz="1600" dirty="0" smtClean="0">
+                <a:solidFill>
+                  <a:srgbClr val="000000"/>
+                </a:solidFill>
+                <a:highlight>
+                  <a:srgbClr val="FFFFFF"/>
+                </a:highlight>
+                <a:latin typeface="Consolas"/>
+                <a:ea typeface="Calibri"/>
+                <a:cs typeface="Times New Roman"/>
+              </a:rPr>
+              <a:t>       [</a:t>
+            </a:r>
+            <a:r>
+              <a:rPr lang="en-US" sz="1600" dirty="0" err="1">
+                <a:solidFill>
+                  <a:srgbClr val="2B91AF"/>
+                </a:solidFill>
+                <a:highlight>
+                  <a:srgbClr val="FFFFFF"/>
+                </a:highlight>
+                <a:latin typeface="Consolas"/>
+                <a:ea typeface="Calibri"/>
+                <a:cs typeface="Times New Roman"/>
+              </a:rPr>
+              <a:t>TestMethod</a:t>
+            </a:r>
+            <a:r>
+              <a:rPr lang="en-US" sz="1600" dirty="0">
+                <a:solidFill>
+                  <a:srgbClr val="000000"/>
+                </a:solidFill>
+                <a:highlight>
+                  <a:srgbClr val="FFFFFF"/>
+                </a:highlight>
+                <a:latin typeface="Consolas"/>
+                <a:ea typeface="Calibri"/>
+                <a:cs typeface="Times New Roman"/>
+              </a:rPr>
+              <a:t>]</a:t>
+            </a:r>
+            <a:endParaRPr lang="en-US" sz="2000" dirty="0">
+              <a:ea typeface="Calibri"/>
+              <a:cs typeface="Times New Roman"/>
+            </a:endParaRPr>
+          </a:p>
+          <a:p>
+            <a:pPr>
+              <a:lnSpc>
+                <a:spcPct val="115000"/>
+              </a:lnSpc>
+              <a:spcAft>
+                <a:spcPts val="0"/>
+              </a:spcAft>
+            </a:pPr>
+            <a:r>
+              <a:rPr lang="en-US" sz="1600" dirty="0">
+                <a:solidFill>
+                  <a:srgbClr val="000000"/>
+                </a:solidFill>
+                <a:highlight>
+                  <a:srgbClr val="FFFFFF"/>
+                </a:highlight>
+                <a:latin typeface="Consolas"/>
+                <a:ea typeface="Calibri"/>
+                <a:cs typeface="Times New Roman"/>
+              </a:rPr>
+              <a:t>        </a:t>
+            </a:r>
+            <a:r>
+              <a:rPr lang="en-US" sz="1600" dirty="0">
+                <a:solidFill>
+                  <a:srgbClr val="0000FF"/>
+                </a:solidFill>
+                <a:highlight>
+                  <a:srgbClr val="FFFFFF"/>
+                </a:highlight>
+                <a:latin typeface="Consolas"/>
+                <a:ea typeface="Calibri"/>
+                <a:cs typeface="Times New Roman"/>
+              </a:rPr>
+              <a:t>public</a:t>
+            </a:r>
+            <a:r>
+              <a:rPr lang="en-US" sz="1600" dirty="0">
+                <a:solidFill>
+                  <a:srgbClr val="000000"/>
+                </a:solidFill>
+                <a:highlight>
+                  <a:srgbClr val="FFFFFF"/>
+                </a:highlight>
+                <a:latin typeface="Consolas"/>
+                <a:ea typeface="Calibri"/>
+                <a:cs typeface="Times New Roman"/>
+              </a:rPr>
+              <a:t> </a:t>
+            </a:r>
+            <a:r>
+              <a:rPr lang="en-US" sz="1600" dirty="0">
+                <a:solidFill>
+                  <a:srgbClr val="0000FF"/>
+                </a:solidFill>
+                <a:highlight>
+                  <a:srgbClr val="FFFFFF"/>
+                </a:highlight>
+                <a:latin typeface="Consolas"/>
+                <a:ea typeface="Calibri"/>
+                <a:cs typeface="Times New Roman"/>
+              </a:rPr>
+              <a:t>void</a:t>
+            </a:r>
+            <a:r>
+              <a:rPr lang="en-US" sz="1600" dirty="0">
+                <a:solidFill>
+                  <a:srgbClr val="000000"/>
+                </a:solidFill>
+                <a:highlight>
+                  <a:srgbClr val="FFFFFF"/>
+                </a:highlight>
+                <a:latin typeface="Consolas"/>
+                <a:ea typeface="Calibri"/>
+                <a:cs typeface="Times New Roman"/>
+              </a:rPr>
+              <a:t> </a:t>
+            </a:r>
+            <a:r>
+              <a:rPr lang="en-US" sz="1600" dirty="0" err="1">
+                <a:solidFill>
+                  <a:srgbClr val="000000"/>
+                </a:solidFill>
+                <a:highlight>
+                  <a:srgbClr val="FFFFFF"/>
+                </a:highlight>
+                <a:latin typeface="Consolas"/>
+                <a:ea typeface="Calibri"/>
+                <a:cs typeface="Times New Roman"/>
+              </a:rPr>
+              <a:t>RenameAccount_must_UpdateAccountName</a:t>
+            </a:r>
+            <a:r>
+              <a:rPr lang="en-US" sz="1600" dirty="0">
+                <a:solidFill>
+                  <a:srgbClr val="000000"/>
+                </a:solidFill>
+                <a:highlight>
+                  <a:srgbClr val="FFFFFF"/>
+                </a:highlight>
+                <a:latin typeface="Consolas"/>
+                <a:ea typeface="Calibri"/>
+                <a:cs typeface="Times New Roman"/>
+              </a:rPr>
+              <a:t>()</a:t>
+            </a:r>
+            <a:endParaRPr lang="en-US" sz="2000" dirty="0">
+              <a:ea typeface="Calibri"/>
+              <a:cs typeface="Times New Roman"/>
+            </a:endParaRPr>
+          </a:p>
+          <a:p>
+            <a:pPr>
+              <a:lnSpc>
+                <a:spcPct val="115000"/>
+              </a:lnSpc>
+              <a:spcAft>
+                <a:spcPts val="0"/>
+              </a:spcAft>
+            </a:pPr>
+            <a:r>
+              <a:rPr lang="en-US" sz="1600" dirty="0">
+                <a:solidFill>
+                  <a:srgbClr val="000000"/>
+                </a:solidFill>
+                <a:highlight>
+                  <a:srgbClr val="FFFFFF"/>
+                </a:highlight>
+                <a:latin typeface="Consolas"/>
+                <a:ea typeface="Calibri"/>
+                <a:cs typeface="Times New Roman"/>
+              </a:rPr>
+              <a:t>        {</a:t>
+            </a:r>
+            <a:endParaRPr lang="en-US" sz="2000" dirty="0">
+              <a:ea typeface="Calibri"/>
+              <a:cs typeface="Times New Roman"/>
+            </a:endParaRPr>
+          </a:p>
+          <a:p>
+            <a:pPr>
+              <a:lnSpc>
+                <a:spcPct val="115000"/>
+              </a:lnSpc>
+              <a:spcAft>
+                <a:spcPts val="0"/>
+              </a:spcAft>
+            </a:pPr>
+            <a:r>
+              <a:rPr lang="en-US" sz="1600" dirty="0">
+                <a:solidFill>
+                  <a:srgbClr val="000000"/>
+                </a:solidFill>
+                <a:highlight>
+                  <a:srgbClr val="FFFFFF"/>
+                </a:highlight>
+                <a:latin typeface="Consolas"/>
+                <a:ea typeface="Calibri"/>
+                <a:cs typeface="Times New Roman"/>
+              </a:rPr>
+              <a:t>            </a:t>
+            </a:r>
+            <a:r>
+              <a:rPr lang="en-US" sz="1600" dirty="0">
+                <a:solidFill>
+                  <a:srgbClr val="008000"/>
+                </a:solidFill>
+                <a:highlight>
+                  <a:srgbClr val="FFFFFF"/>
+                </a:highlight>
+                <a:latin typeface="Consolas"/>
+                <a:ea typeface="Calibri"/>
+                <a:cs typeface="Times New Roman"/>
+              </a:rPr>
+              <a:t>// Arrange		</a:t>
+            </a:r>
+            <a:endParaRPr lang="en-US" sz="2000" dirty="0">
+              <a:ea typeface="Calibri"/>
+              <a:cs typeface="Times New Roman"/>
+            </a:endParaRPr>
+          </a:p>
+          <a:p>
+            <a:pPr>
+              <a:lnSpc>
+                <a:spcPct val="115000"/>
+              </a:lnSpc>
+              <a:spcAft>
+                <a:spcPts val="0"/>
+              </a:spcAft>
+            </a:pPr>
+            <a:r>
+              <a:rPr lang="en-US" sz="1600" dirty="0">
+                <a:solidFill>
+                  <a:srgbClr val="000000"/>
+                </a:solidFill>
+                <a:highlight>
+                  <a:srgbClr val="FFFFFF"/>
+                </a:highlight>
+                <a:latin typeface="Consolas"/>
+                <a:ea typeface="Calibri"/>
+                <a:cs typeface="Times New Roman"/>
+              </a:rPr>
+              <a:t>            </a:t>
+            </a:r>
+            <a:r>
+              <a:rPr lang="en-US" sz="1600" dirty="0" err="1">
+                <a:solidFill>
+                  <a:srgbClr val="0000FF"/>
+                </a:solidFill>
+                <a:highlight>
+                  <a:srgbClr val="FFFFFF"/>
+                </a:highlight>
+                <a:latin typeface="Consolas"/>
+                <a:ea typeface="Calibri"/>
+                <a:cs typeface="Times New Roman"/>
+              </a:rPr>
+              <a:t>var</a:t>
+            </a:r>
+            <a:r>
+              <a:rPr lang="en-US" sz="1600" dirty="0">
+                <a:solidFill>
+                  <a:srgbClr val="000000"/>
+                </a:solidFill>
+                <a:highlight>
+                  <a:srgbClr val="FFFFFF"/>
+                </a:highlight>
+                <a:latin typeface="Consolas"/>
+                <a:ea typeface="Calibri"/>
+                <a:cs typeface="Times New Roman"/>
+              </a:rPr>
+              <a:t> </a:t>
+            </a:r>
+            <a:r>
+              <a:rPr lang="en-US" sz="1600" dirty="0" err="1">
+                <a:solidFill>
+                  <a:srgbClr val="000000"/>
+                </a:solidFill>
+                <a:highlight>
+                  <a:srgbClr val="FFFFFF"/>
+                </a:highlight>
+                <a:latin typeface="Consolas"/>
+                <a:ea typeface="Calibri"/>
+                <a:cs typeface="Times New Roman"/>
+              </a:rPr>
+              <a:t>newName</a:t>
+            </a:r>
+            <a:r>
+              <a:rPr lang="en-US" sz="1600" dirty="0">
+                <a:solidFill>
+                  <a:srgbClr val="000000"/>
+                </a:solidFill>
+                <a:highlight>
+                  <a:srgbClr val="FFFFFF"/>
+                </a:highlight>
+                <a:latin typeface="Consolas"/>
+                <a:ea typeface="Calibri"/>
+                <a:cs typeface="Times New Roman"/>
+              </a:rPr>
+              <a:t> = </a:t>
+            </a:r>
+            <a:r>
+              <a:rPr lang="en-US" sz="1600" dirty="0">
+                <a:solidFill>
+                  <a:srgbClr val="A31515"/>
+                </a:solidFill>
+                <a:highlight>
+                  <a:srgbClr val="FFFFFF"/>
+                </a:highlight>
+                <a:latin typeface="Consolas"/>
+                <a:ea typeface="Calibri"/>
+                <a:cs typeface="Times New Roman"/>
+              </a:rPr>
+              <a:t>"</a:t>
+            </a:r>
+            <a:r>
+              <a:rPr lang="en-US" sz="1600" dirty="0" err="1">
+                <a:solidFill>
+                  <a:srgbClr val="A31515"/>
+                </a:solidFill>
+                <a:highlight>
+                  <a:srgbClr val="FFFFFF"/>
+                </a:highlight>
+                <a:latin typeface="Consolas"/>
+                <a:ea typeface="Calibri"/>
+                <a:cs typeface="Times New Roman"/>
+              </a:rPr>
+              <a:t>someName</a:t>
+            </a:r>
+            <a:r>
+              <a:rPr lang="en-US" sz="1600" dirty="0">
+                <a:solidFill>
+                  <a:srgbClr val="A31515"/>
+                </a:solidFill>
+                <a:highlight>
+                  <a:srgbClr val="FFFFFF"/>
+                </a:highlight>
+                <a:latin typeface="Consolas"/>
+                <a:ea typeface="Calibri"/>
+                <a:cs typeface="Times New Roman"/>
+              </a:rPr>
+              <a:t>"</a:t>
+            </a:r>
+            <a:r>
+              <a:rPr lang="en-US" sz="1600" dirty="0">
+                <a:solidFill>
+                  <a:srgbClr val="000000"/>
+                </a:solidFill>
+                <a:highlight>
+                  <a:srgbClr val="FFFFFF"/>
+                </a:highlight>
+                <a:latin typeface="Consolas"/>
+                <a:ea typeface="Calibri"/>
+                <a:cs typeface="Times New Roman"/>
+              </a:rPr>
+              <a:t>;</a:t>
+            </a:r>
+            <a:endParaRPr lang="en-US" sz="2000" dirty="0">
+              <a:ea typeface="Calibri"/>
+              <a:cs typeface="Times New Roman"/>
+            </a:endParaRPr>
+          </a:p>
+          <a:p>
+            <a:pPr>
+              <a:lnSpc>
+                <a:spcPct val="115000"/>
+              </a:lnSpc>
+              <a:spcAft>
+                <a:spcPts val="0"/>
+              </a:spcAft>
+            </a:pPr>
+            <a:r>
+              <a:rPr lang="en-US" sz="1600" dirty="0">
+                <a:solidFill>
+                  <a:srgbClr val="000000"/>
+                </a:solidFill>
+                <a:highlight>
+                  <a:srgbClr val="FFFFFF"/>
+                </a:highlight>
+                <a:latin typeface="Consolas"/>
+                <a:ea typeface="Calibri"/>
+                <a:cs typeface="Times New Roman"/>
+              </a:rPr>
+              <a:t>            </a:t>
+            </a:r>
+            <a:endParaRPr lang="en-US" sz="2000" dirty="0">
+              <a:ea typeface="Calibri"/>
+              <a:cs typeface="Times New Roman"/>
+            </a:endParaRPr>
+          </a:p>
+          <a:p>
+            <a:pPr>
+              <a:lnSpc>
+                <a:spcPct val="115000"/>
+              </a:lnSpc>
+              <a:spcAft>
+                <a:spcPts val="0"/>
+              </a:spcAft>
+            </a:pPr>
+            <a:r>
+              <a:rPr lang="en-US" sz="1600" dirty="0">
+                <a:solidFill>
+                  <a:srgbClr val="000000"/>
+                </a:solidFill>
+                <a:highlight>
+                  <a:srgbClr val="FFFFFF"/>
+                </a:highlight>
+                <a:latin typeface="Consolas"/>
+                <a:ea typeface="Calibri"/>
+                <a:cs typeface="Times New Roman"/>
+              </a:rPr>
+              <a:t>            </a:t>
+            </a:r>
+            <a:r>
+              <a:rPr lang="en-US" sz="1600" dirty="0" err="1">
+                <a:solidFill>
+                  <a:srgbClr val="0000FF"/>
+                </a:solidFill>
+                <a:highlight>
+                  <a:srgbClr val="FFFFFF"/>
+                </a:highlight>
+                <a:latin typeface="Consolas"/>
+                <a:ea typeface="Calibri"/>
+                <a:cs typeface="Times New Roman"/>
+              </a:rPr>
+              <a:t>var</a:t>
+            </a:r>
+            <a:r>
+              <a:rPr lang="en-US" sz="1600" dirty="0">
+                <a:solidFill>
+                  <a:srgbClr val="000000"/>
+                </a:solidFill>
+                <a:highlight>
+                  <a:srgbClr val="FFFFFF"/>
+                </a:highlight>
+                <a:latin typeface="Consolas"/>
+                <a:ea typeface="Calibri"/>
+                <a:cs typeface="Times New Roman"/>
+              </a:rPr>
+              <a:t> </a:t>
+            </a:r>
+            <a:r>
+              <a:rPr lang="en-US" sz="1600" dirty="0" err="1">
+                <a:solidFill>
+                  <a:srgbClr val="000000"/>
+                </a:solidFill>
+                <a:highlight>
+                  <a:srgbClr val="FFFFFF"/>
+                </a:highlight>
+                <a:latin typeface="Consolas"/>
+                <a:ea typeface="Calibri"/>
+                <a:cs typeface="Times New Roman"/>
+              </a:rPr>
+              <a:t>existingAccount</a:t>
+            </a:r>
+            <a:r>
+              <a:rPr lang="en-US" sz="1600" dirty="0">
+                <a:solidFill>
+                  <a:srgbClr val="000000"/>
+                </a:solidFill>
+                <a:highlight>
+                  <a:srgbClr val="FFFFFF"/>
+                </a:highlight>
+                <a:latin typeface="Consolas"/>
+                <a:ea typeface="Calibri"/>
+                <a:cs typeface="Times New Roman"/>
+              </a:rPr>
+              <a:t> = </a:t>
+            </a:r>
+            <a:r>
+              <a:rPr lang="en-US" sz="1600" dirty="0" err="1">
+                <a:solidFill>
+                  <a:srgbClr val="000000"/>
+                </a:solidFill>
+                <a:highlight>
+                  <a:srgbClr val="FFFFFF"/>
+                </a:highlight>
+                <a:latin typeface="Consolas"/>
+                <a:ea typeface="Calibri"/>
+                <a:cs typeface="Times New Roman"/>
+              </a:rPr>
+              <a:t>AnAccount</a:t>
+            </a:r>
+            <a:r>
+              <a:rPr lang="en-US" sz="1600" dirty="0">
+                <a:solidFill>
+                  <a:srgbClr val="000000"/>
+                </a:solidFill>
+                <a:highlight>
+                  <a:srgbClr val="FFFFFF"/>
+                </a:highlight>
+                <a:latin typeface="Consolas"/>
+                <a:ea typeface="Calibri"/>
+                <a:cs typeface="Times New Roman"/>
+              </a:rPr>
+              <a:t>();</a:t>
+            </a:r>
+            <a:endParaRPr lang="en-US" sz="2000" dirty="0">
+              <a:ea typeface="Calibri"/>
+              <a:cs typeface="Times New Roman"/>
+            </a:endParaRPr>
+          </a:p>
+          <a:p>
+            <a:pPr>
+              <a:lnSpc>
+                <a:spcPct val="115000"/>
+              </a:lnSpc>
+              <a:spcAft>
+                <a:spcPts val="0"/>
+              </a:spcAft>
+            </a:pPr>
+            <a:r>
+              <a:rPr lang="en-US" sz="1600" dirty="0">
+                <a:solidFill>
+                  <a:srgbClr val="000000"/>
+                </a:solidFill>
+                <a:highlight>
+                  <a:srgbClr val="FFFFFF"/>
+                </a:highlight>
+                <a:latin typeface="Consolas"/>
+                <a:ea typeface="Calibri"/>
+                <a:cs typeface="Times New Roman"/>
+              </a:rPr>
+              <a:t>            </a:t>
+            </a:r>
+            <a:r>
+              <a:rPr lang="en-US" sz="1600" dirty="0" err="1">
+                <a:solidFill>
+                  <a:srgbClr val="0000FF"/>
+                </a:solidFill>
+                <a:highlight>
+                  <a:srgbClr val="FFFFFF"/>
+                </a:highlight>
+                <a:latin typeface="Consolas"/>
+                <a:ea typeface="Calibri"/>
+                <a:cs typeface="Times New Roman"/>
+              </a:rPr>
+              <a:t>var</a:t>
+            </a:r>
+            <a:r>
+              <a:rPr lang="en-US" sz="1600" dirty="0">
+                <a:solidFill>
+                  <a:srgbClr val="000000"/>
+                </a:solidFill>
+                <a:highlight>
+                  <a:srgbClr val="FFFFFF"/>
+                </a:highlight>
+                <a:latin typeface="Consolas"/>
+                <a:ea typeface="Calibri"/>
+                <a:cs typeface="Times New Roman"/>
+              </a:rPr>
+              <a:t> </a:t>
+            </a:r>
+            <a:r>
+              <a:rPr lang="en-US" sz="1600" dirty="0" err="1">
+                <a:solidFill>
+                  <a:srgbClr val="000000"/>
+                </a:solidFill>
+                <a:highlight>
+                  <a:srgbClr val="FFFFFF"/>
+                </a:highlight>
+                <a:latin typeface="Consolas"/>
+                <a:ea typeface="Calibri"/>
+                <a:cs typeface="Times New Roman"/>
+              </a:rPr>
+              <a:t>mockRepo</a:t>
+            </a:r>
+            <a:r>
+              <a:rPr lang="en-US" sz="1600" dirty="0">
+                <a:solidFill>
+                  <a:srgbClr val="000000"/>
+                </a:solidFill>
+                <a:highlight>
+                  <a:srgbClr val="FFFFFF"/>
+                </a:highlight>
+                <a:latin typeface="Consolas"/>
+                <a:ea typeface="Calibri"/>
+                <a:cs typeface="Times New Roman"/>
+              </a:rPr>
+              <a:t> = </a:t>
+            </a:r>
+            <a:r>
+              <a:rPr lang="en-US" sz="1600" dirty="0">
+                <a:solidFill>
+                  <a:srgbClr val="0000FF"/>
+                </a:solidFill>
+                <a:highlight>
+                  <a:srgbClr val="FFFFFF"/>
+                </a:highlight>
+                <a:latin typeface="Consolas"/>
+                <a:ea typeface="Calibri"/>
+                <a:cs typeface="Times New Roman"/>
+              </a:rPr>
+              <a:t>new</a:t>
+            </a:r>
+            <a:r>
+              <a:rPr lang="en-US" sz="1600" dirty="0">
+                <a:solidFill>
+                  <a:srgbClr val="000000"/>
+                </a:solidFill>
+                <a:highlight>
+                  <a:srgbClr val="FFFFFF"/>
+                </a:highlight>
+                <a:latin typeface="Consolas"/>
+                <a:ea typeface="Calibri"/>
+                <a:cs typeface="Times New Roman"/>
+              </a:rPr>
+              <a:t> </a:t>
+            </a:r>
+            <a:r>
+              <a:rPr lang="en-US" sz="1600" dirty="0">
+                <a:solidFill>
+                  <a:srgbClr val="2B91AF"/>
+                </a:solidFill>
+                <a:highlight>
+                  <a:srgbClr val="FFFFFF"/>
+                </a:highlight>
+                <a:latin typeface="Consolas"/>
+                <a:ea typeface="Calibri"/>
+                <a:cs typeface="Times New Roman"/>
+              </a:rPr>
+              <a:t>Mock</a:t>
+            </a:r>
+            <a:r>
+              <a:rPr lang="en-US" sz="1600" dirty="0">
+                <a:solidFill>
+                  <a:srgbClr val="000000"/>
+                </a:solidFill>
+                <a:highlight>
+                  <a:srgbClr val="FFFFFF"/>
+                </a:highlight>
+                <a:latin typeface="Consolas"/>
+                <a:ea typeface="Calibri"/>
+                <a:cs typeface="Times New Roman"/>
+              </a:rPr>
+              <a:t>&lt;</a:t>
+            </a:r>
+            <a:r>
+              <a:rPr lang="en-US" sz="1600" dirty="0" err="1">
+                <a:solidFill>
+                  <a:srgbClr val="2B91AF"/>
+                </a:solidFill>
+                <a:highlight>
+                  <a:srgbClr val="FFFFFF"/>
+                </a:highlight>
+                <a:latin typeface="Consolas"/>
+                <a:ea typeface="Calibri"/>
+                <a:cs typeface="Times New Roman"/>
+              </a:rPr>
+              <a:t>IAccountRepository</a:t>
+            </a:r>
+            <a:r>
+              <a:rPr lang="en-US" sz="1600" dirty="0">
+                <a:solidFill>
+                  <a:srgbClr val="000000"/>
+                </a:solidFill>
+                <a:highlight>
+                  <a:srgbClr val="FFFFFF"/>
+                </a:highlight>
+                <a:latin typeface="Consolas"/>
+                <a:ea typeface="Calibri"/>
+                <a:cs typeface="Times New Roman"/>
+              </a:rPr>
+              <a:t>&gt;();</a:t>
+            </a:r>
+            <a:endParaRPr lang="en-US" sz="2000" dirty="0">
+              <a:ea typeface="Calibri"/>
+              <a:cs typeface="Times New Roman"/>
+            </a:endParaRPr>
+          </a:p>
+          <a:p>
+            <a:pPr>
+              <a:lnSpc>
+                <a:spcPct val="115000"/>
+              </a:lnSpc>
+              <a:spcAft>
+                <a:spcPts val="0"/>
+              </a:spcAft>
+            </a:pPr>
+            <a:r>
+              <a:rPr lang="en-US" sz="1600" dirty="0">
+                <a:solidFill>
+                  <a:srgbClr val="000000"/>
+                </a:solidFill>
+                <a:highlight>
+                  <a:srgbClr val="FFFFFF"/>
+                </a:highlight>
+                <a:latin typeface="Consolas"/>
+                <a:ea typeface="Calibri"/>
+                <a:cs typeface="Times New Roman"/>
+              </a:rPr>
+              <a:t>            </a:t>
+            </a:r>
+            <a:r>
+              <a:rPr lang="en-US" sz="1600" dirty="0" err="1">
+                <a:solidFill>
+                  <a:srgbClr val="000000"/>
+                </a:solidFill>
+                <a:highlight>
+                  <a:srgbClr val="FFFFFF"/>
+                </a:highlight>
+                <a:latin typeface="Consolas"/>
+                <a:ea typeface="Calibri"/>
+                <a:cs typeface="Times New Roman"/>
+              </a:rPr>
+              <a:t>mockRepo.Setup</a:t>
+            </a:r>
+            <a:r>
+              <a:rPr lang="en-US" sz="1600" dirty="0">
+                <a:solidFill>
+                  <a:srgbClr val="000000"/>
+                </a:solidFill>
+                <a:highlight>
+                  <a:srgbClr val="FFFFFF"/>
+                </a:highlight>
+                <a:latin typeface="Consolas"/>
+                <a:ea typeface="Calibri"/>
+                <a:cs typeface="Times New Roman"/>
+              </a:rPr>
+              <a:t>(r =&gt; </a:t>
+            </a:r>
+            <a:r>
+              <a:rPr lang="en-US" sz="1600" dirty="0" err="1">
+                <a:solidFill>
+                  <a:srgbClr val="000000"/>
+                </a:solidFill>
+                <a:highlight>
+                  <a:srgbClr val="FFFFFF"/>
+                </a:highlight>
+                <a:latin typeface="Consolas"/>
+                <a:ea typeface="Calibri"/>
+                <a:cs typeface="Times New Roman"/>
+              </a:rPr>
+              <a:t>r.GetAccountForCustomer</a:t>
+            </a:r>
+            <a:r>
+              <a:rPr lang="en-US" sz="1600" dirty="0">
+                <a:solidFill>
+                  <a:srgbClr val="000000"/>
+                </a:solidFill>
+                <a:highlight>
+                  <a:srgbClr val="FFFFFF"/>
+                </a:highlight>
+                <a:latin typeface="Consolas"/>
+                <a:ea typeface="Calibri"/>
+                <a:cs typeface="Times New Roman"/>
+              </a:rPr>
+              <a:t>(</a:t>
+            </a:r>
+            <a:r>
+              <a:rPr lang="en-US" sz="1600" dirty="0" err="1">
+                <a:solidFill>
+                  <a:srgbClr val="2B91AF"/>
+                </a:solidFill>
+                <a:highlight>
+                  <a:srgbClr val="FFFFFF"/>
+                </a:highlight>
+                <a:latin typeface="Consolas"/>
+                <a:ea typeface="Calibri"/>
+                <a:cs typeface="Times New Roman"/>
+              </a:rPr>
+              <a:t>It</a:t>
+            </a:r>
+            <a:r>
+              <a:rPr lang="en-US" sz="1600" dirty="0" err="1">
+                <a:solidFill>
+                  <a:srgbClr val="000000"/>
+                </a:solidFill>
+                <a:highlight>
+                  <a:srgbClr val="FFFFFF"/>
+                </a:highlight>
+                <a:latin typeface="Consolas"/>
+                <a:ea typeface="Calibri"/>
+                <a:cs typeface="Times New Roman"/>
+              </a:rPr>
+              <a:t>.IsAny</a:t>
+            </a:r>
+            <a:r>
+              <a:rPr lang="en-US" sz="1600" dirty="0">
+                <a:solidFill>
+                  <a:srgbClr val="000000"/>
+                </a:solidFill>
+                <a:highlight>
+                  <a:srgbClr val="FFFFFF"/>
+                </a:highlight>
+                <a:latin typeface="Consolas"/>
+                <a:ea typeface="Calibri"/>
+                <a:cs typeface="Times New Roman"/>
+              </a:rPr>
+              <a:t>&lt;</a:t>
+            </a:r>
+            <a:r>
+              <a:rPr lang="en-US" sz="1600" dirty="0" err="1">
+                <a:solidFill>
+                  <a:srgbClr val="0000FF"/>
+                </a:solidFill>
+                <a:highlight>
+                  <a:srgbClr val="FFFFFF"/>
+                </a:highlight>
+                <a:latin typeface="Consolas"/>
+                <a:ea typeface="Calibri"/>
+                <a:cs typeface="Times New Roman"/>
+              </a:rPr>
+              <a:t>int</a:t>
+            </a:r>
+            <a:r>
+              <a:rPr lang="en-US" sz="1600" dirty="0">
+                <a:solidFill>
+                  <a:srgbClr val="000000"/>
+                </a:solidFill>
+                <a:highlight>
+                  <a:srgbClr val="FFFFFF"/>
+                </a:highlight>
+                <a:latin typeface="Consolas"/>
+                <a:ea typeface="Calibri"/>
+                <a:cs typeface="Times New Roman"/>
+              </a:rPr>
+              <a:t>&gt;(), </a:t>
+            </a:r>
+            <a:r>
+              <a:rPr lang="en-US" sz="1600" dirty="0" err="1">
+                <a:solidFill>
+                  <a:srgbClr val="2B91AF"/>
+                </a:solidFill>
+                <a:highlight>
+                  <a:srgbClr val="FFFFFF"/>
+                </a:highlight>
+                <a:latin typeface="Consolas"/>
+                <a:ea typeface="Calibri"/>
+                <a:cs typeface="Times New Roman"/>
+              </a:rPr>
+              <a:t>It</a:t>
+            </a:r>
+            <a:r>
+              <a:rPr lang="en-US" sz="1600" dirty="0" err="1">
+                <a:solidFill>
+                  <a:srgbClr val="000000"/>
+                </a:solidFill>
+                <a:highlight>
+                  <a:srgbClr val="FFFFFF"/>
+                </a:highlight>
+                <a:latin typeface="Consolas"/>
+                <a:ea typeface="Calibri"/>
+                <a:cs typeface="Times New Roman"/>
+              </a:rPr>
+              <a:t>.IsAny</a:t>
+            </a:r>
+            <a:r>
+              <a:rPr lang="en-US" sz="1600" dirty="0">
+                <a:solidFill>
+                  <a:srgbClr val="000000"/>
+                </a:solidFill>
+                <a:highlight>
+                  <a:srgbClr val="FFFFFF"/>
+                </a:highlight>
+                <a:latin typeface="Consolas"/>
+                <a:ea typeface="Calibri"/>
+                <a:cs typeface="Times New Roman"/>
+              </a:rPr>
+              <a:t>&lt;</a:t>
+            </a:r>
+            <a:r>
+              <a:rPr lang="en-US" sz="1600" dirty="0" err="1">
+                <a:solidFill>
+                  <a:srgbClr val="0000FF"/>
+                </a:solidFill>
+                <a:highlight>
+                  <a:srgbClr val="FFFFFF"/>
+                </a:highlight>
+                <a:latin typeface="Consolas"/>
+                <a:ea typeface="Calibri"/>
+                <a:cs typeface="Times New Roman"/>
+              </a:rPr>
+              <a:t>int</a:t>
+            </a:r>
+            <a:r>
+              <a:rPr lang="en-US" sz="1600" dirty="0">
+                <a:solidFill>
+                  <a:srgbClr val="000000"/>
+                </a:solidFill>
+                <a:highlight>
+                  <a:srgbClr val="FFFFFF"/>
+                </a:highlight>
+                <a:latin typeface="Consolas"/>
+                <a:ea typeface="Calibri"/>
+                <a:cs typeface="Times New Roman"/>
+              </a:rPr>
+              <a:t>&gt;()))</a:t>
+            </a:r>
+            <a:endParaRPr lang="en-US" sz="2000" dirty="0">
+              <a:ea typeface="Calibri"/>
+              <a:cs typeface="Times New Roman"/>
+            </a:endParaRPr>
+          </a:p>
+          <a:p>
+            <a:pPr>
+              <a:lnSpc>
+                <a:spcPct val="115000"/>
+              </a:lnSpc>
+              <a:spcAft>
+                <a:spcPts val="0"/>
+              </a:spcAft>
+            </a:pPr>
+            <a:r>
+              <a:rPr lang="en-US" sz="1600" dirty="0">
+                <a:solidFill>
+                  <a:srgbClr val="000000"/>
+                </a:solidFill>
+                <a:highlight>
+                  <a:srgbClr val="FFFFFF"/>
+                </a:highlight>
+                <a:latin typeface="Consolas"/>
+                <a:ea typeface="Calibri"/>
+                <a:cs typeface="Times New Roman"/>
+              </a:rPr>
+              <a:t>                .Returns(</a:t>
+            </a:r>
+            <a:r>
+              <a:rPr lang="en-US" sz="1600" dirty="0" err="1">
+                <a:solidFill>
+                  <a:srgbClr val="000000"/>
+                </a:solidFill>
+                <a:highlight>
+                  <a:srgbClr val="FFFFFF"/>
+                </a:highlight>
+                <a:latin typeface="Consolas"/>
+                <a:ea typeface="Calibri"/>
+                <a:cs typeface="Times New Roman"/>
+              </a:rPr>
+              <a:t>existingAccount</a:t>
+            </a:r>
+            <a:r>
+              <a:rPr lang="en-US" sz="1600" dirty="0">
+                <a:solidFill>
+                  <a:srgbClr val="000000"/>
+                </a:solidFill>
+                <a:highlight>
+                  <a:srgbClr val="FFFFFF"/>
+                </a:highlight>
+                <a:latin typeface="Consolas"/>
+                <a:ea typeface="Calibri"/>
+                <a:cs typeface="Times New Roman"/>
+              </a:rPr>
+              <a:t>);</a:t>
+            </a:r>
+            <a:endParaRPr lang="en-US" sz="2000" dirty="0">
+              <a:ea typeface="Calibri"/>
+              <a:cs typeface="Times New Roman"/>
+            </a:endParaRPr>
+          </a:p>
+          <a:p>
+            <a:pPr>
+              <a:lnSpc>
+                <a:spcPct val="115000"/>
+              </a:lnSpc>
+              <a:spcAft>
+                <a:spcPts val="0"/>
+              </a:spcAft>
+            </a:pPr>
+            <a:r>
+              <a:rPr lang="en-US" sz="1600" dirty="0">
+                <a:solidFill>
+                  <a:srgbClr val="000000"/>
+                </a:solidFill>
+                <a:highlight>
+                  <a:srgbClr val="FFFFFF"/>
+                </a:highlight>
+                <a:latin typeface="Consolas"/>
+                <a:ea typeface="Calibri"/>
+                <a:cs typeface="Times New Roman"/>
+              </a:rPr>
+              <a:t>            </a:t>
+            </a:r>
+            <a:r>
+              <a:rPr lang="en-US" sz="1600" dirty="0" err="1">
+                <a:solidFill>
+                  <a:srgbClr val="0000FF"/>
+                </a:solidFill>
+                <a:highlight>
+                  <a:srgbClr val="FFFFFF"/>
+                </a:highlight>
+                <a:latin typeface="Consolas"/>
+                <a:ea typeface="Calibri"/>
+                <a:cs typeface="Times New Roman"/>
+              </a:rPr>
+              <a:t>var</a:t>
+            </a:r>
+            <a:r>
+              <a:rPr lang="en-US" sz="1600" dirty="0">
+                <a:solidFill>
+                  <a:srgbClr val="000000"/>
+                </a:solidFill>
+                <a:highlight>
+                  <a:srgbClr val="FFFFFF"/>
+                </a:highlight>
+                <a:latin typeface="Consolas"/>
+                <a:ea typeface="Calibri"/>
+                <a:cs typeface="Times New Roman"/>
+              </a:rPr>
+              <a:t> </a:t>
+            </a:r>
+            <a:r>
+              <a:rPr lang="en-US" sz="1600" dirty="0" err="1">
+                <a:solidFill>
+                  <a:srgbClr val="000000"/>
+                </a:solidFill>
+                <a:highlight>
+                  <a:srgbClr val="FFFFFF"/>
+                </a:highlight>
+                <a:latin typeface="Consolas"/>
+                <a:ea typeface="Calibri"/>
+                <a:cs typeface="Times New Roman"/>
+              </a:rPr>
+              <a:t>sut</a:t>
+            </a:r>
+            <a:r>
+              <a:rPr lang="en-US" sz="1600" dirty="0">
+                <a:solidFill>
+                  <a:srgbClr val="000000"/>
+                </a:solidFill>
+                <a:highlight>
+                  <a:srgbClr val="FFFFFF"/>
+                </a:highlight>
+                <a:latin typeface="Consolas"/>
+                <a:ea typeface="Calibri"/>
+                <a:cs typeface="Times New Roman"/>
+              </a:rPr>
+              <a:t> = </a:t>
+            </a:r>
+            <a:r>
+              <a:rPr lang="en-US" sz="1600" dirty="0">
+                <a:solidFill>
+                  <a:srgbClr val="0000FF"/>
+                </a:solidFill>
+                <a:highlight>
+                  <a:srgbClr val="FFFFFF"/>
+                </a:highlight>
+                <a:latin typeface="Consolas"/>
+                <a:ea typeface="Calibri"/>
+                <a:cs typeface="Times New Roman"/>
+              </a:rPr>
+              <a:t>new</a:t>
+            </a:r>
+            <a:r>
+              <a:rPr lang="en-US" sz="1600" dirty="0">
+                <a:solidFill>
+                  <a:srgbClr val="000000"/>
+                </a:solidFill>
+                <a:highlight>
+                  <a:srgbClr val="FFFFFF"/>
+                </a:highlight>
+                <a:latin typeface="Consolas"/>
+                <a:ea typeface="Calibri"/>
+                <a:cs typeface="Times New Roman"/>
+              </a:rPr>
+              <a:t> </a:t>
+            </a:r>
+            <a:r>
+              <a:rPr lang="en-US" sz="1600" dirty="0" err="1">
+                <a:solidFill>
+                  <a:srgbClr val="2B91AF"/>
+                </a:solidFill>
+                <a:highlight>
+                  <a:srgbClr val="FFFFFF"/>
+                </a:highlight>
+                <a:latin typeface="Consolas"/>
+                <a:ea typeface="Calibri"/>
+                <a:cs typeface="Times New Roman"/>
+              </a:rPr>
+              <a:t>UserAccountService</a:t>
+            </a:r>
+            <a:r>
+              <a:rPr lang="en-US" sz="1600" dirty="0">
+                <a:solidFill>
+                  <a:srgbClr val="000000"/>
+                </a:solidFill>
+                <a:highlight>
+                  <a:srgbClr val="FFFFFF"/>
+                </a:highlight>
+                <a:latin typeface="Consolas"/>
+                <a:ea typeface="Calibri"/>
+                <a:cs typeface="Times New Roman"/>
+              </a:rPr>
+              <a:t>(</a:t>
+            </a:r>
+            <a:r>
+              <a:rPr lang="en-US" sz="1600" dirty="0" err="1">
+                <a:solidFill>
+                  <a:srgbClr val="000000"/>
+                </a:solidFill>
+                <a:highlight>
+                  <a:srgbClr val="FFFFFF"/>
+                </a:highlight>
+                <a:latin typeface="Consolas"/>
+                <a:ea typeface="Calibri"/>
+                <a:cs typeface="Times New Roman"/>
+              </a:rPr>
+              <a:t>mockRepo.Object</a:t>
+            </a:r>
+            <a:r>
+              <a:rPr lang="en-US" sz="1600" dirty="0">
+                <a:solidFill>
+                  <a:srgbClr val="000000"/>
+                </a:solidFill>
+                <a:highlight>
+                  <a:srgbClr val="FFFFFF"/>
+                </a:highlight>
+                <a:latin typeface="Consolas"/>
+                <a:ea typeface="Calibri"/>
+                <a:cs typeface="Times New Roman"/>
+              </a:rPr>
+              <a:t>);</a:t>
+            </a:r>
+            <a:endParaRPr lang="en-US" sz="2000" dirty="0">
+              <a:ea typeface="Calibri"/>
+              <a:cs typeface="Times New Roman"/>
+            </a:endParaRPr>
+          </a:p>
+          <a:p>
+            <a:pPr>
+              <a:lnSpc>
+                <a:spcPct val="115000"/>
+              </a:lnSpc>
+              <a:spcAft>
+                <a:spcPts val="0"/>
+              </a:spcAft>
+            </a:pPr>
+            <a:r>
+              <a:rPr lang="en-US" sz="1600" dirty="0">
+                <a:solidFill>
+                  <a:srgbClr val="000000"/>
+                </a:solidFill>
+                <a:highlight>
+                  <a:srgbClr val="FFFFFF"/>
+                </a:highlight>
+                <a:latin typeface="Consolas"/>
+                <a:ea typeface="Calibri"/>
+                <a:cs typeface="Times New Roman"/>
+              </a:rPr>
+              <a:t> </a:t>
+            </a:r>
+            <a:endParaRPr lang="en-US" sz="2000" dirty="0">
+              <a:ea typeface="Calibri"/>
+              <a:cs typeface="Times New Roman"/>
+            </a:endParaRPr>
+          </a:p>
+          <a:p>
+            <a:pPr>
+              <a:lnSpc>
+                <a:spcPct val="115000"/>
+              </a:lnSpc>
+              <a:spcAft>
+                <a:spcPts val="0"/>
+              </a:spcAft>
+            </a:pPr>
+            <a:r>
+              <a:rPr lang="en-US" sz="1600" dirty="0">
+                <a:solidFill>
+                  <a:srgbClr val="000000"/>
+                </a:solidFill>
+                <a:highlight>
+                  <a:srgbClr val="FFFFFF"/>
+                </a:highlight>
+                <a:latin typeface="Consolas"/>
+                <a:ea typeface="Calibri"/>
+                <a:cs typeface="Times New Roman"/>
+              </a:rPr>
+              <a:t>            </a:t>
+            </a:r>
+            <a:r>
+              <a:rPr lang="en-US" sz="1600" dirty="0">
+                <a:solidFill>
+                  <a:srgbClr val="008000"/>
+                </a:solidFill>
+                <a:highlight>
+                  <a:srgbClr val="FFFFFF"/>
+                </a:highlight>
+                <a:latin typeface="Consolas"/>
+                <a:ea typeface="Calibri"/>
+                <a:cs typeface="Times New Roman"/>
+              </a:rPr>
+              <a:t>// Act</a:t>
+            </a:r>
+            <a:endParaRPr lang="en-US" sz="2000" dirty="0">
+              <a:ea typeface="Calibri"/>
+              <a:cs typeface="Times New Roman"/>
+            </a:endParaRPr>
+          </a:p>
+          <a:p>
+            <a:pPr>
+              <a:lnSpc>
+                <a:spcPct val="115000"/>
+              </a:lnSpc>
+              <a:spcAft>
+                <a:spcPts val="0"/>
+              </a:spcAft>
+            </a:pPr>
+            <a:r>
+              <a:rPr lang="en-US" sz="1600" dirty="0">
+                <a:solidFill>
+                  <a:srgbClr val="000000"/>
+                </a:solidFill>
+                <a:highlight>
+                  <a:srgbClr val="FFFFFF"/>
+                </a:highlight>
+                <a:latin typeface="Consolas"/>
+                <a:ea typeface="Calibri"/>
+                <a:cs typeface="Times New Roman"/>
+              </a:rPr>
+              <a:t>            </a:t>
+            </a:r>
+            <a:r>
+              <a:rPr lang="en-US" sz="1600" dirty="0" err="1">
+                <a:solidFill>
+                  <a:srgbClr val="000000"/>
+                </a:solidFill>
+                <a:highlight>
+                  <a:srgbClr val="FFFFFF"/>
+                </a:highlight>
+                <a:latin typeface="Consolas"/>
+                <a:ea typeface="Calibri"/>
+                <a:cs typeface="Times New Roman"/>
+              </a:rPr>
+              <a:t>sut.RenameAccount</a:t>
+            </a:r>
+            <a:r>
+              <a:rPr lang="en-US" sz="1600" dirty="0">
+                <a:solidFill>
+                  <a:srgbClr val="000000"/>
+                </a:solidFill>
+                <a:highlight>
+                  <a:srgbClr val="FFFFFF"/>
+                </a:highlight>
+                <a:latin typeface="Consolas"/>
+                <a:ea typeface="Calibri"/>
+                <a:cs typeface="Times New Roman"/>
+              </a:rPr>
+              <a:t>(</a:t>
+            </a:r>
+            <a:r>
+              <a:rPr lang="en-US" sz="1600" dirty="0" err="1">
+                <a:solidFill>
+                  <a:srgbClr val="000000"/>
+                </a:solidFill>
+                <a:highlight>
+                  <a:srgbClr val="FFFFFF"/>
+                </a:highlight>
+                <a:latin typeface="Consolas"/>
+                <a:ea typeface="Calibri"/>
+                <a:cs typeface="Times New Roman"/>
+              </a:rPr>
+              <a:t>existingAccount.CustomerId</a:t>
+            </a:r>
+            <a:r>
+              <a:rPr lang="en-US" sz="1600" dirty="0">
+                <a:solidFill>
+                  <a:srgbClr val="000000"/>
+                </a:solidFill>
+                <a:highlight>
+                  <a:srgbClr val="FFFFFF"/>
+                </a:highlight>
+                <a:latin typeface="Consolas"/>
+                <a:ea typeface="Calibri"/>
+                <a:cs typeface="Times New Roman"/>
+              </a:rPr>
+              <a:t>, </a:t>
+            </a:r>
+            <a:r>
+              <a:rPr lang="en-US" sz="1600" dirty="0" err="1">
+                <a:solidFill>
+                  <a:srgbClr val="000000"/>
+                </a:solidFill>
+                <a:highlight>
+                  <a:srgbClr val="FFFFFF"/>
+                </a:highlight>
+                <a:latin typeface="Consolas"/>
+                <a:ea typeface="Calibri"/>
+                <a:cs typeface="Times New Roman"/>
+              </a:rPr>
+              <a:t>existingAccount.Id</a:t>
+            </a:r>
+            <a:r>
+              <a:rPr lang="en-US" sz="1600" dirty="0">
+                <a:solidFill>
+                  <a:srgbClr val="000000"/>
+                </a:solidFill>
+                <a:highlight>
+                  <a:srgbClr val="FFFFFF"/>
+                </a:highlight>
+                <a:latin typeface="Consolas"/>
+                <a:ea typeface="Calibri"/>
+                <a:cs typeface="Times New Roman"/>
+              </a:rPr>
+              <a:t>, </a:t>
+            </a:r>
+            <a:r>
+              <a:rPr lang="en-US" sz="1600" dirty="0" err="1">
+                <a:solidFill>
+                  <a:srgbClr val="000000"/>
+                </a:solidFill>
+                <a:highlight>
+                  <a:srgbClr val="FFFFFF"/>
+                </a:highlight>
+                <a:latin typeface="Consolas"/>
+                <a:ea typeface="Calibri"/>
+                <a:cs typeface="Times New Roman"/>
+              </a:rPr>
+              <a:t>newName</a:t>
+            </a:r>
+            <a:r>
+              <a:rPr lang="en-US" sz="1600" dirty="0">
+                <a:solidFill>
+                  <a:srgbClr val="000000"/>
+                </a:solidFill>
+                <a:highlight>
+                  <a:srgbClr val="FFFFFF"/>
+                </a:highlight>
+                <a:latin typeface="Consolas"/>
+                <a:ea typeface="Calibri"/>
+                <a:cs typeface="Times New Roman"/>
+              </a:rPr>
+              <a:t>);</a:t>
+            </a:r>
+            <a:endParaRPr lang="en-US" sz="2000" dirty="0">
+              <a:ea typeface="Calibri"/>
+              <a:cs typeface="Times New Roman"/>
+            </a:endParaRPr>
+          </a:p>
+          <a:p>
+            <a:pPr>
+              <a:lnSpc>
+                <a:spcPct val="115000"/>
+              </a:lnSpc>
+              <a:spcAft>
+                <a:spcPts val="0"/>
+              </a:spcAft>
+            </a:pPr>
+            <a:r>
+              <a:rPr lang="en-US" sz="1600" dirty="0">
+                <a:solidFill>
+                  <a:srgbClr val="000000"/>
+                </a:solidFill>
+                <a:highlight>
+                  <a:srgbClr val="FFFFFF"/>
+                </a:highlight>
+                <a:latin typeface="Consolas"/>
+                <a:ea typeface="Calibri"/>
+                <a:cs typeface="Times New Roman"/>
+              </a:rPr>
+              <a:t> </a:t>
+            </a:r>
+            <a:endParaRPr lang="en-US" sz="2000" dirty="0">
+              <a:ea typeface="Calibri"/>
+              <a:cs typeface="Times New Roman"/>
+            </a:endParaRPr>
+          </a:p>
+          <a:p>
+            <a:pPr>
+              <a:lnSpc>
+                <a:spcPct val="115000"/>
+              </a:lnSpc>
+              <a:spcAft>
+                <a:spcPts val="0"/>
+              </a:spcAft>
+            </a:pPr>
+            <a:r>
+              <a:rPr lang="en-US" sz="1600" dirty="0">
+                <a:solidFill>
+                  <a:srgbClr val="000000"/>
+                </a:solidFill>
+                <a:highlight>
+                  <a:srgbClr val="FFFFFF"/>
+                </a:highlight>
+                <a:latin typeface="Consolas"/>
+                <a:ea typeface="Calibri"/>
+                <a:cs typeface="Times New Roman"/>
+              </a:rPr>
+              <a:t>            </a:t>
+            </a:r>
+            <a:r>
+              <a:rPr lang="en-US" sz="1600" dirty="0">
+                <a:solidFill>
+                  <a:srgbClr val="008000"/>
+                </a:solidFill>
+                <a:highlight>
+                  <a:srgbClr val="FFFFFF"/>
+                </a:highlight>
+                <a:latin typeface="Consolas"/>
+                <a:ea typeface="Calibri"/>
+                <a:cs typeface="Times New Roman"/>
+              </a:rPr>
+              <a:t>// Assert		</a:t>
+            </a:r>
+            <a:endParaRPr lang="en-US" sz="2000" dirty="0">
+              <a:ea typeface="Calibri"/>
+              <a:cs typeface="Times New Roman"/>
+            </a:endParaRPr>
+          </a:p>
+          <a:p>
+            <a:pPr>
+              <a:lnSpc>
+                <a:spcPct val="115000"/>
+              </a:lnSpc>
+              <a:spcAft>
+                <a:spcPts val="0"/>
+              </a:spcAft>
+            </a:pPr>
+            <a:r>
+              <a:rPr lang="en-US" sz="1600" dirty="0">
+                <a:solidFill>
+                  <a:srgbClr val="000000"/>
+                </a:solidFill>
+                <a:highlight>
+                  <a:srgbClr val="FFFFFF"/>
+                </a:highlight>
+                <a:latin typeface="Consolas"/>
+                <a:ea typeface="Calibri"/>
+                <a:cs typeface="Times New Roman"/>
+              </a:rPr>
+              <a:t>            </a:t>
+            </a:r>
+            <a:r>
+              <a:rPr lang="en-US" sz="1600" dirty="0" err="1">
+                <a:solidFill>
+                  <a:srgbClr val="000000"/>
+                </a:solidFill>
+                <a:highlight>
+                  <a:srgbClr val="FFFFFF"/>
+                </a:highlight>
+                <a:latin typeface="Consolas"/>
+                <a:ea typeface="Calibri"/>
+                <a:cs typeface="Times New Roman"/>
+              </a:rPr>
+              <a:t>mockRepo.Verify</a:t>
+            </a:r>
+            <a:r>
+              <a:rPr lang="en-US" sz="1600" dirty="0">
+                <a:solidFill>
+                  <a:srgbClr val="000000"/>
+                </a:solidFill>
+                <a:highlight>
+                  <a:srgbClr val="FFFFFF"/>
+                </a:highlight>
+                <a:latin typeface="Consolas"/>
+                <a:ea typeface="Calibri"/>
+                <a:cs typeface="Times New Roman"/>
+              </a:rPr>
+              <a:t>(r=&gt; </a:t>
+            </a:r>
+            <a:r>
+              <a:rPr lang="en-US" sz="1600" dirty="0" err="1">
+                <a:solidFill>
+                  <a:srgbClr val="000000"/>
+                </a:solidFill>
+                <a:highlight>
+                  <a:srgbClr val="FFFFFF"/>
+                </a:highlight>
+                <a:latin typeface="Consolas"/>
+                <a:ea typeface="Calibri"/>
+                <a:cs typeface="Times New Roman"/>
+              </a:rPr>
+              <a:t>r.Update</a:t>
+            </a:r>
+            <a:r>
+              <a:rPr lang="en-US" sz="1600" dirty="0">
+                <a:solidFill>
+                  <a:srgbClr val="000000"/>
+                </a:solidFill>
+                <a:highlight>
+                  <a:srgbClr val="FFFFFF"/>
+                </a:highlight>
+                <a:latin typeface="Consolas"/>
+                <a:ea typeface="Calibri"/>
+                <a:cs typeface="Times New Roman"/>
+              </a:rPr>
+              <a:t>(</a:t>
+            </a:r>
+            <a:r>
+              <a:rPr lang="en-US" sz="1600" dirty="0" err="1">
+                <a:solidFill>
+                  <a:srgbClr val="2B91AF"/>
+                </a:solidFill>
+                <a:highlight>
+                  <a:srgbClr val="FFFFFF"/>
+                </a:highlight>
+                <a:latin typeface="Consolas"/>
+                <a:ea typeface="Calibri"/>
+                <a:cs typeface="Times New Roman"/>
+              </a:rPr>
+              <a:t>It</a:t>
+            </a:r>
+            <a:r>
+              <a:rPr lang="en-US" sz="1600" dirty="0" err="1">
+                <a:solidFill>
+                  <a:srgbClr val="000000"/>
+                </a:solidFill>
+                <a:highlight>
+                  <a:srgbClr val="FFFFFF"/>
+                </a:highlight>
+                <a:latin typeface="Consolas"/>
+                <a:ea typeface="Calibri"/>
+                <a:cs typeface="Times New Roman"/>
+              </a:rPr>
+              <a:t>.Is</a:t>
+            </a:r>
+            <a:r>
+              <a:rPr lang="en-US" sz="1600" dirty="0">
+                <a:solidFill>
+                  <a:srgbClr val="000000"/>
+                </a:solidFill>
+                <a:highlight>
+                  <a:srgbClr val="FFFFFF"/>
+                </a:highlight>
+                <a:latin typeface="Consolas"/>
+                <a:ea typeface="Calibri"/>
+                <a:cs typeface="Times New Roman"/>
+              </a:rPr>
+              <a:t>&lt;</a:t>
+            </a:r>
+            <a:r>
+              <a:rPr lang="en-US" sz="1600" dirty="0" err="1">
+                <a:solidFill>
+                  <a:srgbClr val="000000"/>
+                </a:solidFill>
+                <a:highlight>
+                  <a:srgbClr val="FFFFFF"/>
+                </a:highlight>
+                <a:latin typeface="Consolas"/>
+                <a:ea typeface="Calibri"/>
+                <a:cs typeface="Times New Roman"/>
+              </a:rPr>
+              <a:t>Data.</a:t>
+            </a:r>
+            <a:r>
+              <a:rPr lang="en-US" sz="1600" dirty="0" err="1">
+                <a:solidFill>
+                  <a:srgbClr val="2B91AF"/>
+                </a:solidFill>
+                <a:highlight>
+                  <a:srgbClr val="FFFFFF"/>
+                </a:highlight>
+                <a:latin typeface="Consolas"/>
+                <a:ea typeface="Calibri"/>
+                <a:cs typeface="Times New Roman"/>
+              </a:rPr>
+              <a:t>Account</a:t>
+            </a:r>
+            <a:r>
+              <a:rPr lang="en-US" sz="1600" dirty="0">
+                <a:solidFill>
+                  <a:srgbClr val="000000"/>
+                </a:solidFill>
+                <a:highlight>
+                  <a:srgbClr val="FFFFFF"/>
+                </a:highlight>
+                <a:latin typeface="Consolas"/>
+                <a:ea typeface="Calibri"/>
+                <a:cs typeface="Times New Roman"/>
+              </a:rPr>
+              <a:t>&gt;(a=&gt; </a:t>
+            </a:r>
+            <a:r>
+              <a:rPr lang="en-US" sz="1600" dirty="0" err="1">
+                <a:solidFill>
+                  <a:srgbClr val="000000"/>
+                </a:solidFill>
+                <a:highlight>
+                  <a:srgbClr val="FFFFFF"/>
+                </a:highlight>
+                <a:latin typeface="Consolas"/>
+                <a:ea typeface="Calibri"/>
+                <a:cs typeface="Times New Roman"/>
+              </a:rPr>
+              <a:t>a.Title</a:t>
+            </a:r>
+            <a:r>
+              <a:rPr lang="en-US" sz="1600" dirty="0">
+                <a:solidFill>
+                  <a:srgbClr val="000000"/>
+                </a:solidFill>
+                <a:highlight>
+                  <a:srgbClr val="FFFFFF"/>
+                </a:highlight>
+                <a:latin typeface="Consolas"/>
+                <a:ea typeface="Calibri"/>
+                <a:cs typeface="Times New Roman"/>
+              </a:rPr>
+              <a:t> == </a:t>
+            </a:r>
+            <a:r>
+              <a:rPr lang="en-US" sz="1600" dirty="0" err="1">
+                <a:solidFill>
+                  <a:srgbClr val="000000"/>
+                </a:solidFill>
+                <a:highlight>
+                  <a:srgbClr val="FFFFFF"/>
+                </a:highlight>
+                <a:latin typeface="Consolas"/>
+                <a:ea typeface="Calibri"/>
+                <a:cs typeface="Times New Roman"/>
+              </a:rPr>
+              <a:t>newName</a:t>
+            </a:r>
+            <a:r>
+              <a:rPr lang="en-US" sz="1600" dirty="0">
+                <a:solidFill>
+                  <a:srgbClr val="000000"/>
+                </a:solidFill>
+                <a:highlight>
+                  <a:srgbClr val="FFFFFF"/>
+                </a:highlight>
+                <a:latin typeface="Consolas"/>
+                <a:ea typeface="Calibri"/>
+                <a:cs typeface="Times New Roman"/>
+              </a:rPr>
+              <a:t>)));</a:t>
+            </a:r>
+            <a:endParaRPr lang="en-US" sz="2000" dirty="0">
+              <a:ea typeface="Calibri"/>
+              <a:cs typeface="Times New Roman"/>
+            </a:endParaRPr>
+          </a:p>
+          <a:p>
+            <a:pPr>
+              <a:lnSpc>
+                <a:spcPct val="115000"/>
+              </a:lnSpc>
+              <a:spcAft>
+                <a:spcPts val="1000"/>
+              </a:spcAft>
+            </a:pPr>
+            <a:r>
+              <a:rPr lang="en-US" sz="1600" dirty="0">
+                <a:solidFill>
+                  <a:srgbClr val="000000"/>
+                </a:solidFill>
+                <a:highlight>
+                  <a:srgbClr val="FFFFFF"/>
+                </a:highlight>
+                <a:latin typeface="Consolas"/>
+                <a:ea typeface="Calibri"/>
+                <a:cs typeface="Times New Roman"/>
+              </a:rPr>
+              <a:t>        }</a:t>
+            </a:r>
+            <a:endParaRPr lang="en-US" sz="2000" dirty="0">
+              <a:ea typeface="Calibri"/>
+              <a:cs typeface="Times New Roman"/>
+            </a:endParaRPr>
+          </a:p>
+        </p:txBody>
+      </p:sp>
+      <p:grpSp>
+        <p:nvGrpSpPr>
+          <p:cNvPr id="12" name="Group 11"/>
+          <p:cNvGrpSpPr/>
+          <p:nvPr/>
+        </p:nvGrpSpPr>
+        <p:grpSpPr>
+          <a:xfrm>
+            <a:off x="4458999" y="4104236"/>
+            <a:ext cx="2236061" cy="836932"/>
+            <a:chOff x="282535" y="4349135"/>
+            <a:chExt cx="2236061" cy="836932"/>
+          </a:xfrm>
+        </p:grpSpPr>
+        <p:sp>
+          <p:nvSpPr>
+            <p:cNvPr id="13" name="Rounded Rectangle 12"/>
+            <p:cNvSpPr/>
+            <p:nvPr/>
+          </p:nvSpPr>
+          <p:spPr>
+            <a:xfrm>
+              <a:off x="611560" y="4349135"/>
+              <a:ext cx="1720806" cy="414046"/>
+            </a:xfrm>
+            <a:prstGeom prst="roundRect">
+              <a:avLst/>
+            </a:prstGeom>
+            <a:noFill/>
+            <a:ln>
+              <a:solidFill>
+                <a:srgbClr val="FF0000"/>
+              </a:solidFill>
+            </a:ln>
+          </p:spPr>
+          <p:style>
+            <a:lnRef idx="2">
+              <a:schemeClr val="accent1">
+                <a:shade val="50000"/>
+              </a:schemeClr>
+            </a:lnRef>
+            <a:fillRef idx="1">
+              <a:schemeClr val="accent1"/>
+            </a:fillRef>
+            <a:effectRef idx="0">
+              <a:schemeClr val="accent1"/>
+            </a:effectRef>
+            <a:fontRef idx="minor">
+              <a:schemeClr val="lt1"/>
+            </a:fontRef>
+          </p:style>
+          <p:txBody>
+            <a:bodyPr rtlCol="0" anchor="ctr"/>
+            <a:lstStyle/>
+            <a:p>
+              <a:pPr algn="ctr"/>
+              <a:endParaRPr lang="en-US"/>
+            </a:p>
+          </p:txBody>
+        </p:sp>
+        <p:sp>
+          <p:nvSpPr>
+            <p:cNvPr id="14" name="TextBox 13"/>
+            <p:cNvSpPr txBox="1"/>
+            <p:nvPr/>
+          </p:nvSpPr>
+          <p:spPr>
+            <a:xfrm>
+              <a:off x="282535" y="4785957"/>
+              <a:ext cx="2236061" cy="400110"/>
+            </a:xfrm>
+            <a:prstGeom prst="rect">
+              <a:avLst/>
+            </a:prstGeom>
+            <a:noFill/>
+          </p:spPr>
+          <p:txBody>
+            <a:bodyPr wrap="none" rtlCol="0">
+              <a:spAutoFit/>
+            </a:bodyPr>
+            <a:lstStyle/>
+            <a:p>
+              <a:r>
+                <a:rPr lang="en-US" sz="2000" b="1" dirty="0" smtClean="0">
+                  <a:solidFill>
+                    <a:srgbClr val="FF0000"/>
+                  </a:solidFill>
+                </a:rPr>
+                <a:t>Inject fake instance</a:t>
+              </a:r>
+              <a:endParaRPr lang="en-US" sz="2000" b="1" dirty="0">
+                <a:solidFill>
+                  <a:srgbClr val="FF0000"/>
+                </a:solidFill>
+              </a:endParaRPr>
+            </a:p>
+          </p:txBody>
+        </p:sp>
+      </p:grpSp>
+      <p:pic>
+        <p:nvPicPr>
+          <p:cNvPr id="15" name="Picture 2"/>
+          <p:cNvPicPr>
+            <a:picLocks noChangeAspect="1" noChangeArrowheads="1"/>
+          </p:cNvPicPr>
+          <p:nvPr/>
+        </p:nvPicPr>
+        <p:blipFill>
+          <a:blip r:embed="rId2">
+            <a:extLst>
+              <a:ext uri="{28A0092B-C50C-407E-A947-70E740481C1C}">
+                <a14:useLocalDpi xmlns:a14="http://schemas.microsoft.com/office/drawing/2010/main" val="0"/>
+              </a:ext>
+            </a:extLst>
+          </a:blip>
+          <a:srcRect/>
+          <a:stretch>
+            <a:fillRect/>
+          </a:stretch>
+        </p:blipFill>
+        <p:spPr bwMode="auto">
+          <a:xfrm>
+            <a:off x="539552" y="2125216"/>
+            <a:ext cx="8454272" cy="3103984"/>
+          </a:xfrm>
+          <a:prstGeom prst="rect">
+            <a:avLst/>
+          </a:prstGeom>
+          <a:noFill/>
+          <a:ln>
+            <a:noFill/>
+          </a:ln>
+          <a:extLst>
+            <a:ext uri="{909E8E84-426E-40DD-AFC4-6F175D3DCCD1}">
+              <a14:hiddenFill xmlns:a14="http://schemas.microsoft.com/office/drawing/2010/main">
+                <a:solidFill>
+                  <a:schemeClr val="accent1"/>
+                </a:solidFill>
+              </a14:hiddenFill>
+            </a:ext>
+            <a:ext uri="{91240B29-F687-4F45-9708-019B960494DF}">
+              <a14:hiddenLine xmlns:a14="http://schemas.microsoft.com/office/drawing/2010/main" w="9525">
+                <a:solidFill>
+                  <a:schemeClr val="tx1"/>
+                </a:solidFill>
+                <a:miter lim="800000"/>
+                <a:headEnd/>
+                <a:tailEnd/>
+              </a14:hiddenLine>
+            </a:ext>
+          </a:extLst>
+        </p:spPr>
+      </p:pic>
     </p:spTree>
     <p:extLst>
       <p:ext uri="{BB962C8B-B14F-4D97-AF65-F5344CB8AC3E}">
-        <p14:creationId xmlns:p14="http://schemas.microsoft.com/office/powerpoint/2010/main" val="4108550095"/>
+        <p14:creationId xmlns:p14="http://schemas.microsoft.com/office/powerpoint/2010/main" val="1108926905"/>
       </p:ext>
     </p:extLst>
   </p:cSld>
@@ -20510,9 +25508,306 @@
   <p:timing>
     <p:tnLst>
       <p:par>
-        <p:cTn id="1" dur="indefinite" restart="never" nodeType="tmRoot"/>
+        <p:cTn id="1" dur="indefinite" restart="never" nodeType="tmRoot">
+          <p:childTnLst>
+            <p:seq concurrent="1" nextAc="seek">
+              <p:cTn id="2" dur="indefinite" nodeType="mainSeq">
+                <p:childTnLst>
+                  <p:par>
+                    <p:cTn id="3" fill="hold">
+                      <p:stCondLst>
+                        <p:cond delay="indefinite"/>
+                      </p:stCondLst>
+                      <p:childTnLst>
+                        <p:par>
+                          <p:cTn id="4" fill="hold">
+                            <p:stCondLst>
+                              <p:cond delay="0"/>
+                            </p:stCondLst>
+                            <p:childTnLst>
+                              <p:par>
+                                <p:cTn id="5" presetID="1" presetClass="entr" presetSubtype="0" fill="hold" grpId="0" nodeType="clickEffect">
+                                  <p:stCondLst>
+                                    <p:cond delay="0"/>
+                                  </p:stCondLst>
+                                  <p:childTnLst>
+                                    <p:set>
+                                      <p:cBhvr>
+                                        <p:cTn id="6" dur="1" fill="hold">
+                                          <p:stCondLst>
+                                            <p:cond delay="0"/>
+                                          </p:stCondLst>
+                                        </p:cTn>
+                                        <p:tgtEl>
+                                          <p:spTgt spid="4"/>
+                                        </p:tgtEl>
+                                        <p:attrNameLst>
+                                          <p:attrName>style.visibility</p:attrName>
+                                        </p:attrNameLst>
+                                      </p:cBhvr>
+                                      <p:to>
+                                        <p:strVal val="visible"/>
+                                      </p:to>
+                                    </p:set>
+                                  </p:childTnLst>
+                                </p:cTn>
+                              </p:par>
+                            </p:childTnLst>
+                          </p:cTn>
+                        </p:par>
+                      </p:childTnLst>
+                    </p:cTn>
+                  </p:par>
+                  <p:par>
+                    <p:cTn id="7" fill="hold">
+                      <p:stCondLst>
+                        <p:cond delay="indefinite"/>
+                      </p:stCondLst>
+                      <p:childTnLst>
+                        <p:par>
+                          <p:cTn id="8" fill="hold">
+                            <p:stCondLst>
+                              <p:cond delay="0"/>
+                            </p:stCondLst>
+                            <p:childTnLst>
+                              <p:par>
+                                <p:cTn id="9" presetID="1" presetClass="entr" presetSubtype="0" fill="hold" nodeType="clickEffect">
+                                  <p:stCondLst>
+                                    <p:cond delay="0"/>
+                                  </p:stCondLst>
+                                  <p:childTnLst>
+                                    <p:set>
+                                      <p:cBhvr>
+                                        <p:cTn id="10" dur="1" fill="hold">
+                                          <p:stCondLst>
+                                            <p:cond delay="0"/>
+                                          </p:stCondLst>
+                                        </p:cTn>
+                                        <p:tgtEl>
+                                          <p:spTgt spid="7"/>
+                                        </p:tgtEl>
+                                        <p:attrNameLst>
+                                          <p:attrName>style.visibility</p:attrName>
+                                        </p:attrNameLst>
+                                      </p:cBhvr>
+                                      <p:to>
+                                        <p:strVal val="visible"/>
+                                      </p:to>
+                                    </p:set>
+                                  </p:childTnLst>
+                                </p:cTn>
+                              </p:par>
+                            </p:childTnLst>
+                          </p:cTn>
+                        </p:par>
+                      </p:childTnLst>
+                    </p:cTn>
+                  </p:par>
+                  <p:par>
+                    <p:cTn id="11" fill="hold">
+                      <p:stCondLst>
+                        <p:cond delay="indefinite"/>
+                      </p:stCondLst>
+                      <p:childTnLst>
+                        <p:par>
+                          <p:cTn id="12" fill="hold">
+                            <p:stCondLst>
+                              <p:cond delay="0"/>
+                            </p:stCondLst>
+                            <p:childTnLst>
+                              <p:par>
+                                <p:cTn id="13" presetID="1" presetClass="entr" presetSubtype="0" fill="hold" nodeType="clickEffect">
+                                  <p:stCondLst>
+                                    <p:cond delay="0"/>
+                                  </p:stCondLst>
+                                  <p:childTnLst>
+                                    <p:set>
+                                      <p:cBhvr>
+                                        <p:cTn id="14" dur="1" fill="hold">
+                                          <p:stCondLst>
+                                            <p:cond delay="0"/>
+                                          </p:stCondLst>
+                                        </p:cTn>
+                                        <p:tgtEl>
+                                          <p:spTgt spid="8"/>
+                                        </p:tgtEl>
+                                        <p:attrNameLst>
+                                          <p:attrName>style.visibility</p:attrName>
+                                        </p:attrNameLst>
+                                      </p:cBhvr>
+                                      <p:to>
+                                        <p:strVal val="visible"/>
+                                      </p:to>
+                                    </p:set>
+                                  </p:childTnLst>
+                                </p:cTn>
+                              </p:par>
+                            </p:childTnLst>
+                          </p:cTn>
+                        </p:par>
+                      </p:childTnLst>
+                    </p:cTn>
+                  </p:par>
+                  <p:par>
+                    <p:cTn id="15" fill="hold">
+                      <p:stCondLst>
+                        <p:cond delay="indefinite"/>
+                      </p:stCondLst>
+                      <p:childTnLst>
+                        <p:par>
+                          <p:cTn id="16" fill="hold">
+                            <p:stCondLst>
+                              <p:cond delay="0"/>
+                            </p:stCondLst>
+                            <p:childTnLst>
+                              <p:par>
+                                <p:cTn id="17" presetID="1" presetClass="entr" presetSubtype="0" fill="hold" grpId="0" nodeType="clickEffect">
+                                  <p:stCondLst>
+                                    <p:cond delay="0"/>
+                                  </p:stCondLst>
+                                  <p:childTnLst>
+                                    <p:set>
+                                      <p:cBhvr>
+                                        <p:cTn id="18" dur="1" fill="hold">
+                                          <p:stCondLst>
+                                            <p:cond delay="0"/>
+                                          </p:stCondLst>
+                                        </p:cTn>
+                                        <p:tgtEl>
+                                          <p:spTgt spid="11"/>
+                                        </p:tgtEl>
+                                        <p:attrNameLst>
+                                          <p:attrName>style.visibility</p:attrName>
+                                        </p:attrNameLst>
+                                      </p:cBhvr>
+                                      <p:to>
+                                        <p:strVal val="visible"/>
+                                      </p:to>
+                                    </p:set>
+                                  </p:childTnLst>
+                                </p:cTn>
+                              </p:par>
+                            </p:childTnLst>
+                          </p:cTn>
+                        </p:par>
+                      </p:childTnLst>
+                    </p:cTn>
+                  </p:par>
+                  <p:par>
+                    <p:cTn id="19" fill="hold">
+                      <p:stCondLst>
+                        <p:cond delay="indefinite"/>
+                      </p:stCondLst>
+                      <p:childTnLst>
+                        <p:par>
+                          <p:cTn id="20" fill="hold">
+                            <p:stCondLst>
+                              <p:cond delay="0"/>
+                            </p:stCondLst>
+                            <p:childTnLst>
+                              <p:par>
+                                <p:cTn id="21" presetID="1" presetClass="entr" presetSubtype="0" fill="hold" nodeType="clickEffect">
+                                  <p:stCondLst>
+                                    <p:cond delay="0"/>
+                                  </p:stCondLst>
+                                  <p:childTnLst>
+                                    <p:set>
+                                      <p:cBhvr>
+                                        <p:cTn id="22" dur="1" fill="hold">
+                                          <p:stCondLst>
+                                            <p:cond delay="0"/>
+                                          </p:stCondLst>
+                                        </p:cTn>
+                                        <p:tgtEl>
+                                          <p:spTgt spid="12"/>
+                                        </p:tgtEl>
+                                        <p:attrNameLst>
+                                          <p:attrName>style.visibility</p:attrName>
+                                        </p:attrNameLst>
+                                      </p:cBhvr>
+                                      <p:to>
+                                        <p:strVal val="visible"/>
+                                      </p:to>
+                                    </p:set>
+                                  </p:childTnLst>
+                                </p:cTn>
+                              </p:par>
+                            </p:childTnLst>
+                          </p:cTn>
+                        </p:par>
+                      </p:childTnLst>
+                    </p:cTn>
+                  </p:par>
+                  <p:par>
+                    <p:cTn id="23" fill="hold">
+                      <p:stCondLst>
+                        <p:cond delay="indefinite"/>
+                      </p:stCondLst>
+                      <p:childTnLst>
+                        <p:par>
+                          <p:cTn id="24" fill="hold">
+                            <p:stCondLst>
+                              <p:cond delay="0"/>
+                            </p:stCondLst>
+                            <p:childTnLst>
+                              <p:par>
+                                <p:cTn id="25" presetID="1" presetClass="entr" presetSubtype="0" fill="hold" nodeType="clickEffect">
+                                  <p:stCondLst>
+                                    <p:cond delay="0"/>
+                                  </p:stCondLst>
+                                  <p:childTnLst>
+                                    <p:set>
+                                      <p:cBhvr>
+                                        <p:cTn id="26" dur="1" fill="hold">
+                                          <p:stCondLst>
+                                            <p:cond delay="0"/>
+                                          </p:stCondLst>
+                                        </p:cTn>
+                                        <p:tgtEl>
+                                          <p:spTgt spid="15"/>
+                                        </p:tgtEl>
+                                        <p:attrNameLst>
+                                          <p:attrName>style.visibility</p:attrName>
+                                        </p:attrNameLst>
+                                      </p:cBhvr>
+                                      <p:to>
+                                        <p:strVal val="visible"/>
+                                      </p:to>
+                                    </p:set>
+                                  </p:childTnLst>
+                                </p:cTn>
+                              </p:par>
+                            </p:childTnLst>
+                          </p:cTn>
+                        </p:par>
+                      </p:childTnLst>
+                    </p:cTn>
+                  </p:par>
+                </p:childTnLst>
+              </p:cTn>
+              <p:prevCondLst>
+                <p:cond evt="onPrev" delay="0">
+                  <p:tgtEl>
+                    <p:sldTgt/>
+                  </p:tgtEl>
+                </p:cond>
+              </p:prevCondLst>
+              <p:nextCondLst>
+                <p:cond evt="onNext" delay="0">
+                  <p:tgtEl>
+                    <p:sldTgt/>
+                  </p:tgtEl>
+                </p:cond>
+              </p:nextCondLst>
+            </p:seq>
+          </p:childTnLst>
+        </p:cTn>
       </p:par>
     </p:tnLst>
+    <p:bldLst>
+      <p:bldP spid="4" grpId="0" animBg="1"/>
+      <p:bldP spid="11" grpId="0" animBg="1"/>
+    </p:bldLst>
   </p:timing>
 </p:sld>
 </file>
@@ -20550,8 +25845,16 @@
           <a:lstStyle/>
           <a:p>
             <a:r>
-              <a:rPr lang="en-US" dirty="0" smtClean="0"/>
-              <a:t>It’s viral !</a:t>
+              <a:rPr lang="fr-FR" dirty="0"/>
+              <a:t>anti-pattern : </a:t>
+            </a:r>
+            <a:r>
+              <a:rPr lang="fr-FR" b="1" dirty="0" err="1"/>
+              <a:t>Bastard</a:t>
+            </a:r>
+            <a:r>
+              <a:rPr lang="fr-FR" b="1" dirty="0"/>
+              <a:t> Injection</a:t>
             </a:r>
             <a:endParaRPr lang="en-US" dirty="0"/>
           </a:p>
@@ -20573,9 +25876,79 @@
           <a:lstStyle/>
           <a:p>
             <a:r>
-              <a:rPr lang="en-US" dirty="0" smtClean="0"/>
-              <a:t>Composition Root</a:t>
-            </a:r>
+              <a:rPr lang="fr-FR" dirty="0" err="1" smtClean="0"/>
+              <a:t>Paradox</a:t>
+            </a:r>
+            <a:r>
+              <a:rPr lang="fr-FR" dirty="0" smtClean="0"/>
+              <a:t>:</a:t>
+            </a:r>
+          </a:p>
+          <a:p>
+            <a:pPr lvl="1"/>
+            <a:r>
+              <a:rPr lang="fr-FR" dirty="0" smtClean="0"/>
+              <a:t>Lots of efforts to </a:t>
+            </a:r>
+            <a:r>
+              <a:rPr lang="fr-FR" dirty="0" err="1" smtClean="0"/>
+              <a:t>reduce</a:t>
+            </a:r>
+            <a:r>
+              <a:rPr lang="fr-FR" dirty="0" smtClean="0"/>
+              <a:t> </a:t>
+            </a:r>
+            <a:r>
+              <a:rPr lang="fr-FR" dirty="0" err="1" smtClean="0"/>
+              <a:t>coupling</a:t>
+            </a:r>
+            <a:endParaRPr lang="fr-FR" dirty="0"/>
+          </a:p>
+          <a:p>
+            <a:pPr lvl="1"/>
+            <a:r>
+              <a:rPr lang="fr-FR" dirty="0" smtClean="0"/>
+              <a:t>… but forcing a hard-</a:t>
+            </a:r>
+            <a:r>
+              <a:rPr lang="fr-FR" dirty="0" err="1" smtClean="0"/>
+              <a:t>coded</a:t>
+            </a:r>
+            <a:r>
+              <a:rPr lang="fr-FR" dirty="0" smtClean="0"/>
+              <a:t> value</a:t>
+            </a:r>
+          </a:p>
+          <a:p>
+            <a:r>
+              <a:rPr lang="fr-FR" dirty="0" smtClean="0"/>
+              <a:t>Code </a:t>
+            </a:r>
+            <a:r>
+              <a:rPr lang="fr-FR" dirty="0" err="1" smtClean="0"/>
+              <a:t>just</a:t>
+            </a:r>
+            <a:r>
+              <a:rPr lang="fr-FR" dirty="0" smtClean="0"/>
+              <a:t> </a:t>
+            </a:r>
+            <a:r>
+              <a:rPr lang="fr-FR" dirty="0" err="1" smtClean="0"/>
+              <a:t>there</a:t>
+            </a:r>
+            <a:r>
+              <a:rPr lang="fr-FR" dirty="0" smtClean="0"/>
+              <a:t> for tests but not use in production</a:t>
+            </a:r>
+          </a:p>
+          <a:p>
+            <a:endParaRPr lang="fr-FR" dirty="0" smtClean="0"/>
+          </a:p>
+          <a:p>
+            <a:endParaRPr lang="fr-FR" dirty="0" smtClean="0"/>
+          </a:p>
+          <a:p>
+            <a:pPr lvl="1"/>
             <a:endParaRPr lang="en-US" dirty="0"/>
           </a:p>
         </p:txBody>
@@ -20583,7 +25956,7 @@
     </p:spTree>
     <p:extLst>
       <p:ext uri="{BB962C8B-B14F-4D97-AF65-F5344CB8AC3E}">
-        <p14:creationId xmlns:p14="http://schemas.microsoft.com/office/powerpoint/2010/main" val="1394666143"/>
+        <p14:creationId xmlns:p14="http://schemas.microsoft.com/office/powerpoint/2010/main" val="3099214086"/>
       </p:ext>
     </p:extLst>
   </p:cSld>
@@ -20634,7 +26007,7 @@
           <a:p>
             <a:r>
               <a:rPr lang="en-US" dirty="0" smtClean="0"/>
-              <a:t>Pure DI aka Poor Man’s DI</a:t>
+              <a:t>Cutting the dependency chain</a:t>
             </a:r>
             <a:endParaRPr lang="en-US" dirty="0"/>
           </a:p>
@@ -20659,16 +26032,177 @@
           </a:p>
         </p:txBody>
       </p:sp>
+      <p:pic>
+        <p:nvPicPr>
+          <p:cNvPr id="4" name="Picture 2"/>
+          <p:cNvPicPr>
+            <a:picLocks noChangeAspect="1" noChangeArrowheads="1"/>
+          </p:cNvPicPr>
+          <p:nvPr/>
+        </p:nvPicPr>
+        <p:blipFill>
+          <a:blip r:embed="rId2">
+            <a:extLst>
+              <a:ext uri="{28A0092B-C50C-407E-A947-70E740481C1C}">
+                <a14:useLocalDpi xmlns:a14="http://schemas.microsoft.com/office/drawing/2010/main" val="0"/>
+              </a:ext>
+            </a:extLst>
+          </a:blip>
+          <a:srcRect/>
+          <a:stretch>
+            <a:fillRect/>
+          </a:stretch>
+        </p:blipFill>
+        <p:spPr bwMode="auto">
+          <a:xfrm>
+            <a:off x="0" y="1403931"/>
+            <a:ext cx="8964488" cy="3291310"/>
+          </a:xfrm>
+          <a:prstGeom prst="rect">
+            <a:avLst/>
+          </a:prstGeom>
+          <a:noFill/>
+          <a:ln>
+            <a:noFill/>
+          </a:ln>
+          <a:extLst>
+            <a:ext uri="{909E8E84-426E-40DD-AFC4-6F175D3DCCD1}">
+              <a14:hiddenFill xmlns:a14="http://schemas.microsoft.com/office/drawing/2010/main">
+                <a:solidFill>
+                  <a:schemeClr val="accent1"/>
+                </a:solidFill>
+              </a14:hiddenFill>
+            </a:ext>
+            <a:ext uri="{91240B29-F687-4F45-9708-019B960494DF}">
+              <a14:hiddenLine xmlns:a14="http://schemas.microsoft.com/office/drawing/2010/main" w="9525">
+                <a:solidFill>
+                  <a:schemeClr val="tx1"/>
+                </a:solidFill>
+                <a:miter lim="800000"/>
+                <a:headEnd/>
+                <a:tailEnd/>
+              </a14:hiddenLine>
+            </a:ext>
+          </a:extLst>
+        </p:spPr>
+      </p:pic>
+      <p:sp>
+        <p:nvSpPr>
+          <p:cNvPr id="5" name="&quot;No&quot; Symbol 4"/>
+          <p:cNvSpPr/>
+          <p:nvPr/>
+        </p:nvSpPr>
+        <p:spPr>
+          <a:xfrm>
+            <a:off x="4211960" y="3284984"/>
+            <a:ext cx="432048" cy="432048"/>
+          </a:xfrm>
+          <a:prstGeom prst="noSmoking">
+            <a:avLst/>
+          </a:prstGeom>
+          <a:solidFill>
+            <a:srgbClr val="FF0000"/>
+          </a:solidFill>
+          <a:ln>
+            <a:noFill/>
+          </a:ln>
+        </p:spPr>
+        <p:style>
+          <a:lnRef idx="2">
+            <a:schemeClr val="accent1">
+              <a:shade val="50000"/>
+            </a:schemeClr>
+          </a:lnRef>
+          <a:fillRef idx="1">
+            <a:schemeClr val="accent1"/>
+          </a:fillRef>
+          <a:effectRef idx="0">
+            <a:schemeClr val="accent1"/>
+          </a:effectRef>
+          <a:fontRef idx="minor">
+            <a:schemeClr val="lt1"/>
+          </a:fontRef>
+        </p:style>
+        <p:txBody>
+          <a:bodyPr rtlCol="0" anchor="ctr"/>
+          <a:lstStyle/>
+          <a:p>
+            <a:pPr algn="ctr"/>
+            <a:endParaRPr lang="en-US">
+              <a:solidFill>
+                <a:schemeClr val="tx1"/>
+              </a:solidFill>
+            </a:endParaRPr>
+          </a:p>
+        </p:txBody>
+      </p:sp>
+      <p:sp>
+        <p:nvSpPr>
+          <p:cNvPr id="6" name="&quot;No&quot; Symbol 5"/>
+          <p:cNvSpPr/>
+          <p:nvPr/>
+        </p:nvSpPr>
+        <p:spPr>
+          <a:xfrm>
+            <a:off x="2123728" y="2276872"/>
+            <a:ext cx="432048" cy="432048"/>
+          </a:xfrm>
+          <a:prstGeom prst="noSmoking">
+            <a:avLst/>
+          </a:prstGeom>
+          <a:solidFill>
+            <a:srgbClr val="FF0000"/>
+          </a:solidFill>
+          <a:ln>
+            <a:noFill/>
+          </a:ln>
+        </p:spPr>
+        <p:style>
+          <a:lnRef idx="2">
+            <a:schemeClr val="accent1">
+              <a:shade val="50000"/>
+            </a:schemeClr>
+          </a:lnRef>
+          <a:fillRef idx="1">
+            <a:schemeClr val="accent1"/>
+          </a:fillRef>
+          <a:effectRef idx="0">
+            <a:schemeClr val="accent1"/>
+          </a:effectRef>
+          <a:fontRef idx="minor">
+            <a:schemeClr val="lt1"/>
+          </a:fontRef>
+        </p:style>
+        <p:txBody>
+          <a:bodyPr rtlCol="0" anchor="ctr"/>
+          <a:lstStyle/>
+          <a:p>
+            <a:pPr algn="ctr"/>
+            <a:endParaRPr lang="en-US">
+              <a:solidFill>
+                <a:schemeClr val="tx1"/>
+              </a:solidFill>
+            </a:endParaRPr>
+          </a:p>
+        </p:txBody>
+      </p:sp>
     </p:spTree>
     <p:extLst>
       <p:ext uri="{BB962C8B-B14F-4D97-AF65-F5344CB8AC3E}">
-        <p14:creationId xmlns:p14="http://schemas.microsoft.com/office/powerpoint/2010/main" val="550091921"/>
+        <p14:creationId xmlns:p14="http://schemas.microsoft.com/office/powerpoint/2010/main" val="4108550095"/>
       </p:ext>
     </p:extLst>
   </p:cSld>
   <p:clrMapOvr>
     <a:masterClrMapping/>
   </p:clrMapOvr>
+  <p:timing>
+    <p:tnLst>
+      <p:par>
+        <p:cTn id="1" dur="indefinite" restart="never" nodeType="tmRoot"/>
+      </p:par>
+    </p:tnLst>
+  </p:timing>
 </p:sld>
 </file>
 
@@ -20706,7 +26240,7 @@
           <a:p>
             <a:r>
               <a:rPr lang="en-US" dirty="0" smtClean="0"/>
-              <a:t>Extensibility with DI</a:t>
+              <a:t>It’s viral !</a:t>
             </a:r>
             <a:endParaRPr lang="en-US" dirty="0"/>
           </a:p>
@@ -20728,45 +26262,9 @@
           <a:lstStyle/>
           <a:p>
             <a:r>
-              <a:rPr lang="en-US" dirty="0" err="1" smtClean="0"/>
-              <a:t>Composability</a:t>
-            </a:r>
-            <a:r>
               <a:rPr lang="en-US" dirty="0" smtClean="0"/>
-              <a:t> </a:t>
-            </a:r>
-          </a:p>
-          <a:p>
-            <a:r>
-              <a:rPr lang="en-US" dirty="0" smtClean="0"/>
-              <a:t>Testability</a:t>
-            </a:r>
-          </a:p>
-          <a:p>
-            <a:r>
-              <a:rPr lang="en-US" dirty="0" smtClean="0"/>
-              <a:t>Decorator</a:t>
-            </a:r>
-          </a:p>
-          <a:p>
-            <a:endParaRPr lang="en-US" dirty="0"/>
-          </a:p>
-          <a:p>
-            <a:r>
-              <a:rPr lang="en-US" dirty="0" smtClean="0"/>
-              <a:t>Late binding</a:t>
-            </a:r>
-          </a:p>
-          <a:p>
-            <a:endParaRPr lang="en-US" dirty="0"/>
-          </a:p>
-          <a:p>
-            <a:r>
-              <a:rPr lang="en-US" dirty="0" smtClean="0"/>
-              <a:t>Examples ? </a:t>
-            </a:r>
-          </a:p>
-          <a:p>
+              <a:t>Composition Root</a:t>
+            </a:r>
             <a:endParaRPr lang="en-US" dirty="0"/>
           </a:p>
         </p:txBody>
@@ -20774,13 +26272,20 @@
     </p:spTree>
     <p:extLst>
       <p:ext uri="{BB962C8B-B14F-4D97-AF65-F5344CB8AC3E}">
-        <p14:creationId xmlns:p14="http://schemas.microsoft.com/office/powerpoint/2010/main" val="3162647260"/>
+        <p14:creationId xmlns:p14="http://schemas.microsoft.com/office/powerpoint/2010/main" val="1394666143"/>
       </p:ext>
     </p:extLst>
   </p:cSld>
   <p:clrMapOvr>
     <a:masterClrMapping/>
   </p:clrMapOvr>
+  <p:timing>
+    <p:tnLst>
+      <p:par>
+        <p:cTn id="1" dur="indefinite" restart="never" nodeType="tmRoot"/>
+      </p:par>
+    </p:tnLst>
+  </p:timing>
 </p:sld>
 </file>
 
@@ -20818,7 +26323,7 @@
           <a:p>
             <a:r>
               <a:rPr lang="en-US" dirty="0" smtClean="0"/>
-              <a:t>DI Container</a:t>
+              <a:t>Pure DI aka Poor Man’s DI</a:t>
             </a:r>
             <a:endParaRPr lang="en-US" dirty="0"/>
           </a:p>
@@ -20839,24 +26344,27 @@
           <a:bodyPr/>
           <a:lstStyle/>
           <a:p>
-            <a:r>
-              <a:rPr lang="en-US" dirty="0" smtClean="0"/>
-              <a:t>How it works / what it does</a:t>
-            </a:r>
-            <a:endParaRPr lang="en-US" dirty="0"/>
+            <a:endParaRPr lang="en-US"/>
           </a:p>
         </p:txBody>
       </p:sp>
     </p:spTree>
     <p:extLst>
       <p:ext uri="{BB962C8B-B14F-4D97-AF65-F5344CB8AC3E}">
-        <p14:creationId xmlns:p14="http://schemas.microsoft.com/office/powerpoint/2010/main" val="3753203453"/>
+        <p14:creationId xmlns:p14="http://schemas.microsoft.com/office/powerpoint/2010/main" val="550091921"/>
       </p:ext>
     </p:extLst>
   </p:cSld>
   <p:clrMapOvr>
     <a:masterClrMapping/>
   </p:clrMapOvr>
+  <p:timing>
+    <p:tnLst>
+      <p:par>
+        <p:cTn id="1" dur="indefinite" restart="never" nodeType="tmRoot"/>
+      </p:par>
+    </p:tnLst>
+  </p:timing>
 </p:sld>
 </file>
 
@@ -20889,14 +26397,12 @@
         </p:nvSpPr>
         <p:spPr/>
         <p:txBody>
-          <a:bodyPr>
-            <a:normAutofit fontScale="90000"/>
-          </a:bodyPr>
+          <a:bodyPr/>
           <a:lstStyle/>
           <a:p>
             <a:r>
               <a:rPr lang="en-US" dirty="0" smtClean="0"/>
-              <a:t>Service Locator – DI container misusage</a:t>
+              <a:t>Extensibility with DI</a:t>
             </a:r>
             <a:endParaRPr lang="en-US" dirty="0"/>
           </a:p>
@@ -20917,20 +26423,67 @@
           <a:bodyPr/>
           <a:lstStyle/>
           <a:p>
-            <a:endParaRPr lang="en-US"/>
+            <a:r>
+              <a:rPr lang="en-US" dirty="0" err="1" smtClean="0"/>
+              <a:t>Composability</a:t>
+            </a:r>
+            <a:r>
+              <a:rPr lang="en-US" dirty="0" smtClean="0"/>
+              <a:t> </a:t>
+            </a:r>
+          </a:p>
+          <a:p>
+            <a:r>
+              <a:rPr lang="en-US" dirty="0" smtClean="0"/>
+              <a:t>Testability</a:t>
+            </a:r>
+          </a:p>
+          <a:p>
+            <a:r>
+              <a:rPr lang="en-US" dirty="0" smtClean="0"/>
+              <a:t>Decorator</a:t>
+            </a:r>
+          </a:p>
+          <a:p>
+            <a:endParaRPr lang="en-US" dirty="0"/>
+          </a:p>
+          <a:p>
+            <a:r>
+              <a:rPr lang="en-US" dirty="0" smtClean="0"/>
+              <a:t>Late binding</a:t>
+            </a:r>
+          </a:p>
+          <a:p>
+            <a:endParaRPr lang="en-US" dirty="0"/>
+          </a:p>
+          <a:p>
+            <a:r>
+              <a:rPr lang="en-US" dirty="0" smtClean="0"/>
+              <a:t>Examples ? </a:t>
+            </a:r>
+          </a:p>
+          <a:p>
+            <a:endParaRPr lang="en-US" dirty="0"/>
           </a:p>
         </p:txBody>
       </p:sp>
     </p:spTree>
     <p:extLst>
       <p:ext uri="{BB962C8B-B14F-4D97-AF65-F5344CB8AC3E}">
-        <p14:creationId xmlns:p14="http://schemas.microsoft.com/office/powerpoint/2010/main" val="1148450113"/>
+        <p14:creationId xmlns:p14="http://schemas.microsoft.com/office/powerpoint/2010/main" val="3162647260"/>
       </p:ext>
     </p:extLst>
   </p:cSld>
   <p:clrMapOvr>
     <a:masterClrMapping/>
   </p:clrMapOvr>
+  <p:timing>
+    <p:tnLst>
+      <p:par>
+        <p:cTn id="1" dur="indefinite" restart="never" nodeType="tmRoot"/>
+      </p:par>
+    </p:tnLst>
+  </p:timing>
 </p:sld>
 </file>
 
@@ -20968,7 +26521,7 @@
           <a:p>
             <a:r>
               <a:rPr lang="en-US" dirty="0" smtClean="0"/>
-              <a:t>Composition, but not only</a:t>
+              <a:t>DI Container</a:t>
             </a:r>
             <a:endParaRPr lang="en-US" dirty="0"/>
           </a:p>
@@ -20991,16 +26544,8 @@
           <a:p>
             <a:r>
               <a:rPr lang="en-US" dirty="0" smtClean="0"/>
-              <a:t>Object creation and composition</a:t>
-            </a:r>
-          </a:p>
-          <a:p>
-            <a:r>
-              <a:rPr lang="en-US" dirty="0" smtClean="0"/>
-              <a:t>Other important parts of DI</a:t>
-            </a:r>
-          </a:p>
-          <a:p>
+              <a:t>How it works / what it does</a:t>
+            </a:r>
             <a:endParaRPr lang="en-US" dirty="0"/>
           </a:p>
         </p:txBody>
@@ -21008,13 +26553,20 @@
     </p:spTree>
     <p:extLst>
       <p:ext uri="{BB962C8B-B14F-4D97-AF65-F5344CB8AC3E}">
-        <p14:creationId xmlns:p14="http://schemas.microsoft.com/office/powerpoint/2010/main" val="2294633566"/>
+        <p14:creationId xmlns:p14="http://schemas.microsoft.com/office/powerpoint/2010/main" val="3753203453"/>
       </p:ext>
     </p:extLst>
   </p:cSld>
   <p:clrMapOvr>
     <a:masterClrMapping/>
   </p:clrMapOvr>
+  <p:timing>
+    <p:tnLst>
+      <p:par>
+        <p:cTn id="1" dur="indefinite" restart="never" nodeType="tmRoot"/>
+      </p:par>
+    </p:tnLst>
+  </p:timing>
 </p:sld>
 </file>
 
@@ -21047,16 +26599,14 @@
         </p:nvSpPr>
         <p:spPr/>
         <p:txBody>
-          <a:bodyPr/>
+          <a:bodyPr>
+            <a:normAutofit fontScale="90000"/>
+          </a:bodyPr>
           <a:lstStyle/>
           <a:p>
             <a:r>
-              <a:rPr lang="en-US" dirty="0" err="1" smtClean="0"/>
-              <a:t>LifeTime</a:t>
-            </a:r>
-            <a:r>
               <a:rPr lang="en-US" dirty="0" smtClean="0"/>
-              <a:t> Management</a:t>
+              <a:t>Service Locator – DI container misusage</a:t>
             </a:r>
             <a:endParaRPr lang="en-US" dirty="0"/>
           </a:p>
@@ -21077,20 +26627,27 @@
           <a:bodyPr/>
           <a:lstStyle/>
           <a:p>
-            <a:endParaRPr lang="en-US" dirty="0"/>
+            <a:endParaRPr lang="en-US"/>
           </a:p>
         </p:txBody>
       </p:sp>
     </p:spTree>
     <p:extLst>
       <p:ext uri="{BB962C8B-B14F-4D97-AF65-F5344CB8AC3E}">
-        <p14:creationId xmlns:p14="http://schemas.microsoft.com/office/powerpoint/2010/main" val="3458786066"/>
+        <p14:creationId xmlns:p14="http://schemas.microsoft.com/office/powerpoint/2010/main" val="1148450113"/>
       </p:ext>
     </p:extLst>
   </p:cSld>
   <p:clrMapOvr>
     <a:masterClrMapping/>
   </p:clrMapOvr>
+  <p:timing>
+    <p:tnLst>
+      <p:par>
+        <p:cTn id="1" dur="indefinite" restart="never" nodeType="tmRoot"/>
+      </p:par>
+    </p:tnLst>
+  </p:timing>
 </p:sld>
 </file>
 
@@ -21289,7 +26846,7 @@
           <a:p>
             <a:r>
               <a:rPr lang="en-US" dirty="0" smtClean="0"/>
-              <a:t>Interception</a:t>
+              <a:t>Composition, but not only</a:t>
             </a:r>
             <a:endParaRPr lang="en-US" dirty="0"/>
           </a:p>
@@ -21310,6 +26867,18 @@
           <a:bodyPr/>
           <a:lstStyle/>
           <a:p>
+            <a:r>
+              <a:rPr lang="en-US" dirty="0" smtClean="0"/>
+              <a:t>Object creation and composition</a:t>
+            </a:r>
+          </a:p>
+          <a:p>
+            <a:r>
+              <a:rPr lang="en-US" dirty="0" smtClean="0"/>
+              <a:t>Other important parts of DI</a:t>
+            </a:r>
+          </a:p>
+          <a:p>
             <a:endParaRPr lang="en-US" dirty="0"/>
           </a:p>
         </p:txBody>
@@ -21317,13 +26886,20 @@
     </p:spTree>
     <p:extLst>
       <p:ext uri="{BB962C8B-B14F-4D97-AF65-F5344CB8AC3E}">
-        <p14:creationId xmlns:p14="http://schemas.microsoft.com/office/powerpoint/2010/main" val="4036849652"/>
+        <p14:creationId xmlns:p14="http://schemas.microsoft.com/office/powerpoint/2010/main" val="2294633566"/>
       </p:ext>
     </p:extLst>
   </p:cSld>
   <p:clrMapOvr>
     <a:masterClrMapping/>
   </p:clrMapOvr>
+  <p:timing>
+    <p:tnLst>
+      <p:par>
+        <p:cTn id="1" dur="indefinite" restart="never" nodeType="tmRoot"/>
+      </p:par>
+    </p:tnLst>
+  </p:timing>
 </p:sld>
 </file>
 
@@ -21356,14 +26932,16 @@
         </p:nvSpPr>
         <p:spPr/>
         <p:txBody>
-          <a:bodyPr>
-            <a:normAutofit/>
-          </a:bodyPr>
+          <a:bodyPr/>
           <a:lstStyle/>
           <a:p>
             <a:r>
+              <a:rPr lang="en-US" dirty="0" err="1" smtClean="0"/>
+              <a:t>LifeTime</a:t>
+            </a:r>
+            <a:r>
               <a:rPr lang="en-US" dirty="0" smtClean="0"/>
-              <a:t>Conclusion</a:t>
+              <a:t> Management</a:t>
             </a:r>
             <a:endParaRPr lang="en-US" dirty="0"/>
           </a:p>
@@ -21384,20 +26962,27 @@
           <a:bodyPr/>
           <a:lstStyle/>
           <a:p>
-            <a:endParaRPr lang="en-US"/>
+            <a:endParaRPr lang="en-US" dirty="0"/>
           </a:p>
         </p:txBody>
       </p:sp>
     </p:spTree>
     <p:extLst>
       <p:ext uri="{BB962C8B-B14F-4D97-AF65-F5344CB8AC3E}">
-        <p14:creationId xmlns:p14="http://schemas.microsoft.com/office/powerpoint/2010/main" val="308607750"/>
+        <p14:creationId xmlns:p14="http://schemas.microsoft.com/office/powerpoint/2010/main" val="3458786066"/>
       </p:ext>
     </p:extLst>
   </p:cSld>
   <p:clrMapOvr>
     <a:masterClrMapping/>
   </p:clrMapOvr>
+  <p:timing>
+    <p:tnLst>
+      <p:par>
+        <p:cTn id="1" dur="indefinite" restart="never" nodeType="tmRoot"/>
+      </p:par>
+    </p:tnLst>
+  </p:timing>
 </p:sld>
 </file>
 
@@ -21435,7 +27020,7 @@
           <a:p>
             <a:r>
               <a:rPr lang="en-US" dirty="0" smtClean="0"/>
-              <a:t>Remember</a:t>
+              <a:t>Interception</a:t>
             </a:r>
             <a:endParaRPr lang="en-US" dirty="0"/>
           </a:p>
@@ -21456,6 +27041,166 @@
           <a:bodyPr/>
           <a:lstStyle/>
           <a:p>
+            <a:endParaRPr lang="en-US" dirty="0"/>
+          </a:p>
+        </p:txBody>
+      </p:sp>
+    </p:spTree>
+    <p:extLst>
+      <p:ext uri="{BB962C8B-B14F-4D97-AF65-F5344CB8AC3E}">
+        <p14:creationId xmlns:p14="http://schemas.microsoft.com/office/powerpoint/2010/main" val="4036849652"/>
+      </p:ext>
+    </p:extLst>
+  </p:cSld>
+  <p:clrMapOvr>
+    <a:masterClrMapping/>
+  </p:clrMapOvr>
+  <p:timing>
+    <p:tnLst>
+      <p:par>
+        <p:cTn id="1" dur="indefinite" restart="never" nodeType="tmRoot"/>
+      </p:par>
+    </p:tnLst>
+  </p:timing>
+</p:sld>
+</file>
+
+<file path=ppt/slides/slide33.xml><?xml version="1.0" encoding="utf-8"?>
+<p:sld xmlns:a="http://schemas.openxmlformats.org/drawingml/2006/main" xmlns:r="http://schemas.openxmlformats.org/officeDocument/2006/relationships" xmlns:p="http://schemas.openxmlformats.org/presentationml/2006/main">
+  <p:cSld>
+    <p:spTree>
+      <p:nvGrpSpPr>
+        <p:cNvPr id="1" name=""/>
+        <p:cNvGrpSpPr/>
+        <p:nvPr/>
+      </p:nvGrpSpPr>
+      <p:grpSpPr>
+        <a:xfrm>
+          <a:off x="0" y="0"/>
+          <a:ext cx="0" cy="0"/>
+          <a:chOff x="0" y="0"/>
+          <a:chExt cx="0" cy="0"/>
+        </a:xfrm>
+      </p:grpSpPr>
+      <p:sp>
+        <p:nvSpPr>
+          <p:cNvPr id="2" name="Title 1"/>
+          <p:cNvSpPr>
+            <a:spLocks noGrp="1"/>
+          </p:cNvSpPr>
+          <p:nvPr>
+            <p:ph type="title"/>
+          </p:nvPr>
+        </p:nvSpPr>
+        <p:spPr/>
+        <p:txBody>
+          <a:bodyPr>
+            <a:normAutofit/>
+          </a:bodyPr>
+          <a:lstStyle/>
+          <a:p>
+            <a:r>
+              <a:rPr lang="en-US" dirty="0" smtClean="0"/>
+              <a:t>Conclusion</a:t>
+            </a:r>
+            <a:endParaRPr lang="en-US" dirty="0"/>
+          </a:p>
+        </p:txBody>
+      </p:sp>
+      <p:sp>
+        <p:nvSpPr>
+          <p:cNvPr id="3" name="Content Placeholder 2"/>
+          <p:cNvSpPr>
+            <a:spLocks noGrp="1"/>
+          </p:cNvSpPr>
+          <p:nvPr>
+            <p:ph idx="1"/>
+          </p:nvPr>
+        </p:nvSpPr>
+        <p:spPr/>
+        <p:txBody>
+          <a:bodyPr/>
+          <a:lstStyle/>
+          <a:p>
+            <a:endParaRPr lang="en-US"/>
+          </a:p>
+        </p:txBody>
+      </p:sp>
+    </p:spTree>
+    <p:extLst>
+      <p:ext uri="{BB962C8B-B14F-4D97-AF65-F5344CB8AC3E}">
+        <p14:creationId xmlns:p14="http://schemas.microsoft.com/office/powerpoint/2010/main" val="308607750"/>
+      </p:ext>
+    </p:extLst>
+  </p:cSld>
+  <p:clrMapOvr>
+    <a:masterClrMapping/>
+  </p:clrMapOvr>
+  <p:timing>
+    <p:tnLst>
+      <p:par>
+        <p:cTn id="1" dur="indefinite" restart="never" nodeType="tmRoot"/>
+      </p:par>
+    </p:tnLst>
+  </p:timing>
+</p:sld>
+</file>
+
+<file path=ppt/slides/slide34.xml><?xml version="1.0" encoding="utf-8"?>
+<p:sld xmlns:a="http://schemas.openxmlformats.org/drawingml/2006/main" xmlns:r="http://schemas.openxmlformats.org/officeDocument/2006/relationships" xmlns:p="http://schemas.openxmlformats.org/presentationml/2006/main">
+  <p:cSld>
+    <p:spTree>
+      <p:nvGrpSpPr>
+        <p:cNvPr id="1" name=""/>
+        <p:cNvGrpSpPr/>
+        <p:nvPr/>
+      </p:nvGrpSpPr>
+      <p:grpSpPr>
+        <a:xfrm>
+          <a:off x="0" y="0"/>
+          <a:ext cx="0" cy="0"/>
+          <a:chOff x="0" y="0"/>
+          <a:chExt cx="0" cy="0"/>
+        </a:xfrm>
+      </p:grpSpPr>
+      <p:sp>
+        <p:nvSpPr>
+          <p:cNvPr id="2" name="Title 1"/>
+          <p:cNvSpPr>
+            <a:spLocks noGrp="1"/>
+          </p:cNvSpPr>
+          <p:nvPr>
+            <p:ph type="title"/>
+          </p:nvPr>
+        </p:nvSpPr>
+        <p:spPr/>
+        <p:txBody>
+          <a:bodyPr/>
+          <a:lstStyle/>
+          <a:p>
+            <a:r>
+              <a:rPr lang="en-US" dirty="0" smtClean="0"/>
+              <a:t>Remember</a:t>
+            </a:r>
+            <a:endParaRPr lang="en-US" dirty="0"/>
+          </a:p>
+        </p:txBody>
+      </p:sp>
+      <p:sp>
+        <p:nvSpPr>
+          <p:cNvPr id="3" name="Content Placeholder 2"/>
+          <p:cNvSpPr>
+            <a:spLocks noGrp="1"/>
+          </p:cNvSpPr>
+          <p:nvPr>
+            <p:ph idx="1"/>
+          </p:nvPr>
+        </p:nvSpPr>
+        <p:spPr/>
+        <p:txBody>
+          <a:bodyPr/>
+          <a:lstStyle/>
+          <a:p>
             <a:endParaRPr lang="en-US"/>
           </a:p>
         </p:txBody>
@@ -21470,10 +27215,17 @@
   <p:clrMapOvr>
     <a:masterClrMapping/>
   </p:clrMapOvr>
+  <p:timing>
+    <p:tnLst>
+      <p:par>
+        <p:cTn id="1" dur="indefinite" restart="never" nodeType="tmRoot"/>
+      </p:par>
+    </p:tnLst>
+  </p:timing>
 </p:sld>
 </file>
 
-<file path=ppt/slides/slide33.xml><?xml version="1.0" encoding="utf-8"?>
+<file path=ppt/slides/slide35.xml><?xml version="1.0" encoding="utf-8"?>
 <p:sld xmlns:a="http://schemas.openxmlformats.org/drawingml/2006/main" xmlns:r="http://schemas.openxmlformats.org/officeDocument/2006/relationships" xmlns:p="http://schemas.openxmlformats.org/presentationml/2006/main">
   <p:cSld>
     <p:spTree>

--- a/Dependency Injection - the right way.pptx
+++ b/Dependency Injection - the right way.pptx
@@ -5,7 +5,7 @@
     <p:sldMasterId id="2147483648" r:id="rId1"/>
   </p:sldMasterIdLst>
   <p:notesMasterIdLst>
-    <p:notesMasterId r:id="rId37"/>
+    <p:notesMasterId r:id="rId39"/>
   </p:notesMasterIdLst>
   <p:sldIdLst>
     <p:sldId id="258" r:id="rId2"/>
@@ -32,17 +32,19 @@
     <p:sldId id="268" r:id="rId23"/>
     <p:sldId id="291" r:id="rId24"/>
     <p:sldId id="269" r:id="rId25"/>
-    <p:sldId id="270" r:id="rId26"/>
-    <p:sldId id="271" r:id="rId27"/>
-    <p:sldId id="272" r:id="rId28"/>
-    <p:sldId id="273" r:id="rId29"/>
-    <p:sldId id="274" r:id="rId30"/>
-    <p:sldId id="275" r:id="rId31"/>
-    <p:sldId id="276" r:id="rId32"/>
-    <p:sldId id="277" r:id="rId33"/>
-    <p:sldId id="278" r:id="rId34"/>
-    <p:sldId id="279" r:id="rId35"/>
-    <p:sldId id="259" r:id="rId36"/>
+    <p:sldId id="292" r:id="rId26"/>
+    <p:sldId id="293" r:id="rId27"/>
+    <p:sldId id="270" r:id="rId28"/>
+    <p:sldId id="271" r:id="rId29"/>
+    <p:sldId id="272" r:id="rId30"/>
+    <p:sldId id="273" r:id="rId31"/>
+    <p:sldId id="274" r:id="rId32"/>
+    <p:sldId id="275" r:id="rId33"/>
+    <p:sldId id="276" r:id="rId34"/>
+    <p:sldId id="277" r:id="rId35"/>
+    <p:sldId id="278" r:id="rId36"/>
+    <p:sldId id="279" r:id="rId37"/>
+    <p:sldId id="259" r:id="rId38"/>
   </p:sldIdLst>
   <p:sldSz cx="9144000" cy="6858000" type="screen4x3"/>
   <p:notesSz cx="6858000" cy="9144000"/>
@@ -174,6 +176,8 @@
             <p14:sldId id="268"/>
             <p14:sldId id="291"/>
             <p14:sldId id="269"/>
+            <p14:sldId id="292"/>
+            <p14:sldId id="293"/>
             <p14:sldId id="270"/>
             <p14:sldId id="271"/>
             <p14:sldId id="272"/>
@@ -678,6 +682,77 @@
             <a:r>
               <a:rPr lang="en-US" dirty="0" smtClean="0"/>
               <a:t>Interface of abstract class ….</a:t>
+            </a:r>
+          </a:p>
+          <a:p>
+            <a:endParaRPr lang="fr-FR" dirty="0" smtClean="0"/>
+          </a:p>
+          <a:p>
+            <a:r>
+              <a:rPr lang="fr-FR" dirty="0" smtClean="0"/>
+              <a:t>I </a:t>
+            </a:r>
+            <a:r>
+              <a:rPr lang="fr-FR" dirty="0" err="1" smtClean="0"/>
+              <a:t>can’t</a:t>
+            </a:r>
+            <a:r>
+              <a:rPr lang="fr-FR" dirty="0" smtClean="0"/>
+              <a:t> do new I….. </a:t>
+            </a:r>
+          </a:p>
+          <a:p>
+            <a:r>
+              <a:rPr lang="fr-FR" dirty="0" smtClean="0"/>
+              <a:t>The </a:t>
+            </a:r>
+            <a:r>
+              <a:rPr lang="fr-FR" dirty="0" err="1" smtClean="0"/>
+              <a:t>closest</a:t>
+            </a:r>
+            <a:r>
+              <a:rPr lang="fr-FR" dirty="0" smtClean="0"/>
+              <a:t> </a:t>
+            </a:r>
+            <a:r>
+              <a:rPr lang="fr-FR" dirty="0" err="1" smtClean="0"/>
+              <a:t>we</a:t>
+            </a:r>
+            <a:r>
+              <a:rPr lang="fr-FR" dirty="0" smtClean="0"/>
+              <a:t> </a:t>
+            </a:r>
+            <a:r>
+              <a:rPr lang="fr-FR" dirty="0" err="1" smtClean="0"/>
+              <a:t>can</a:t>
+            </a:r>
+            <a:r>
+              <a:rPr lang="fr-FR" dirty="0" smtClean="0"/>
+              <a:t> </a:t>
+            </a:r>
+            <a:r>
+              <a:rPr lang="fr-FR" dirty="0" err="1" smtClean="0"/>
+              <a:t>get</a:t>
+            </a:r>
+            <a:r>
+              <a:rPr lang="fr-FR" dirty="0" smtClean="0"/>
+              <a:t> </a:t>
+            </a:r>
+            <a:r>
+              <a:rPr lang="fr-FR" dirty="0" err="1" smtClean="0"/>
+              <a:t>is</a:t>
+            </a:r>
+            <a:r>
+              <a:rPr lang="fr-FR" dirty="0" smtClean="0"/>
+              <a:t> </a:t>
+            </a:r>
+            <a:r>
+              <a:rPr lang="fr-FR" dirty="0" err="1" smtClean="0"/>
+              <a:t>this</a:t>
+            </a:r>
+            <a:r>
+              <a:rPr lang="fr-FR" dirty="0" smtClean="0"/>
+              <a:t> ….</a:t>
             </a:r>
             <a:endParaRPr lang="en-US" dirty="0"/>
           </a:p>
@@ -26186,6 +26261,1936 @@
           </a:p>
         </p:txBody>
       </p:sp>
+      <p:sp>
+        <p:nvSpPr>
+          <p:cNvPr id="7" name="TextBox 6"/>
+          <p:cNvSpPr txBox="1"/>
+          <p:nvPr/>
+        </p:nvSpPr>
+        <p:spPr>
+          <a:xfrm>
+            <a:off x="-468560" y="1268760"/>
+            <a:ext cx="12241360" cy="2973891"/>
+          </a:xfrm>
+          <a:prstGeom prst="rect">
+            <a:avLst/>
+          </a:prstGeom>
+          <a:solidFill>
+            <a:schemeClr val="bg1"/>
+          </a:solidFill>
+          <a:ln>
+            <a:solidFill>
+              <a:schemeClr val="accent1"/>
+            </a:solidFill>
+          </a:ln>
+        </p:spPr>
+        <p:txBody>
+          <a:bodyPr wrap="square" rtlCol="0">
+            <a:spAutoFit/>
+          </a:bodyPr>
+          <a:lstStyle/>
+          <a:p>
+            <a:pPr>
+              <a:lnSpc>
+                <a:spcPct val="115000"/>
+              </a:lnSpc>
+              <a:spcAft>
+                <a:spcPts val="0"/>
+              </a:spcAft>
+            </a:pPr>
+            <a:r>
+              <a:rPr lang="en-US" sz="1600" dirty="0">
+                <a:solidFill>
+                  <a:srgbClr val="0000FF"/>
+                </a:solidFill>
+                <a:highlight>
+                  <a:srgbClr val="FFFFFF"/>
+                </a:highlight>
+                <a:latin typeface="Consolas"/>
+                <a:ea typeface="Calibri"/>
+                <a:cs typeface="Times New Roman"/>
+              </a:rPr>
+              <a:t>public</a:t>
+            </a:r>
+            <a:r>
+              <a:rPr lang="en-US" sz="1600" dirty="0">
+                <a:solidFill>
+                  <a:srgbClr val="000000"/>
+                </a:solidFill>
+                <a:highlight>
+                  <a:srgbClr val="FFFFFF"/>
+                </a:highlight>
+                <a:latin typeface="Consolas"/>
+                <a:ea typeface="Calibri"/>
+                <a:cs typeface="Times New Roman"/>
+              </a:rPr>
+              <a:t> </a:t>
+            </a:r>
+            <a:r>
+              <a:rPr lang="en-US" sz="1600" dirty="0">
+                <a:solidFill>
+                  <a:srgbClr val="0000FF"/>
+                </a:solidFill>
+                <a:highlight>
+                  <a:srgbClr val="FFFFFF"/>
+                </a:highlight>
+                <a:latin typeface="Consolas"/>
+                <a:ea typeface="Calibri"/>
+                <a:cs typeface="Times New Roman"/>
+              </a:rPr>
+              <a:t>class</a:t>
+            </a:r>
+            <a:r>
+              <a:rPr lang="en-US" sz="1600" dirty="0">
+                <a:solidFill>
+                  <a:srgbClr val="000000"/>
+                </a:solidFill>
+                <a:highlight>
+                  <a:srgbClr val="FFFFFF"/>
+                </a:highlight>
+                <a:latin typeface="Consolas"/>
+                <a:ea typeface="Calibri"/>
+                <a:cs typeface="Times New Roman"/>
+              </a:rPr>
+              <a:t> </a:t>
+            </a:r>
+            <a:r>
+              <a:rPr lang="en-US" sz="1600" dirty="0" err="1">
+                <a:solidFill>
+                  <a:srgbClr val="2B91AF"/>
+                </a:solidFill>
+                <a:highlight>
+                  <a:srgbClr val="FFFFFF"/>
+                </a:highlight>
+                <a:latin typeface="Consolas"/>
+                <a:ea typeface="Calibri"/>
+                <a:cs typeface="Times New Roman"/>
+              </a:rPr>
+              <a:t>AccountController</a:t>
+            </a:r>
+            <a:r>
+              <a:rPr lang="en-US" sz="1600" dirty="0">
+                <a:solidFill>
+                  <a:srgbClr val="000000"/>
+                </a:solidFill>
+                <a:highlight>
+                  <a:srgbClr val="FFFFFF"/>
+                </a:highlight>
+                <a:latin typeface="Consolas"/>
+                <a:ea typeface="Calibri"/>
+                <a:cs typeface="Times New Roman"/>
+              </a:rPr>
+              <a:t> : </a:t>
+            </a:r>
+            <a:r>
+              <a:rPr lang="en-US" sz="1600" dirty="0" err="1">
+                <a:solidFill>
+                  <a:srgbClr val="2B91AF"/>
+                </a:solidFill>
+                <a:highlight>
+                  <a:srgbClr val="FFFFFF"/>
+                </a:highlight>
+                <a:latin typeface="Consolas"/>
+                <a:ea typeface="Calibri"/>
+                <a:cs typeface="Times New Roman"/>
+              </a:rPr>
+              <a:t>BaseController</a:t>
+            </a:r>
+            <a:endParaRPr lang="en-US" sz="2000" dirty="0">
+              <a:ea typeface="Calibri"/>
+              <a:cs typeface="Times New Roman"/>
+            </a:endParaRPr>
+          </a:p>
+          <a:p>
+            <a:pPr>
+              <a:lnSpc>
+                <a:spcPct val="115000"/>
+              </a:lnSpc>
+              <a:spcAft>
+                <a:spcPts val="0"/>
+              </a:spcAft>
+            </a:pPr>
+            <a:r>
+              <a:rPr lang="en-US" sz="1600" dirty="0">
+                <a:solidFill>
+                  <a:srgbClr val="000000"/>
+                </a:solidFill>
+                <a:highlight>
+                  <a:srgbClr val="FFFFFF"/>
+                </a:highlight>
+                <a:latin typeface="Consolas"/>
+                <a:ea typeface="Calibri"/>
+                <a:cs typeface="Times New Roman"/>
+              </a:rPr>
+              <a:t>    {</a:t>
+            </a:r>
+            <a:endParaRPr lang="en-US" sz="2000" dirty="0">
+              <a:ea typeface="Calibri"/>
+              <a:cs typeface="Times New Roman"/>
+            </a:endParaRPr>
+          </a:p>
+          <a:p>
+            <a:pPr>
+              <a:lnSpc>
+                <a:spcPct val="115000"/>
+              </a:lnSpc>
+              <a:spcAft>
+                <a:spcPts val="0"/>
+              </a:spcAft>
+            </a:pPr>
+            <a:r>
+              <a:rPr lang="en-US" sz="1600" dirty="0">
+                <a:solidFill>
+                  <a:srgbClr val="000000"/>
+                </a:solidFill>
+                <a:highlight>
+                  <a:srgbClr val="FFFFFF"/>
+                </a:highlight>
+                <a:latin typeface="Consolas"/>
+                <a:ea typeface="Calibri"/>
+                <a:cs typeface="Times New Roman"/>
+              </a:rPr>
+              <a:t>        </a:t>
+            </a:r>
+            <a:r>
+              <a:rPr lang="en-US" sz="1600" dirty="0">
+                <a:solidFill>
+                  <a:srgbClr val="0000FF"/>
+                </a:solidFill>
+                <a:highlight>
+                  <a:srgbClr val="FFFFFF"/>
+                </a:highlight>
+                <a:latin typeface="Consolas"/>
+                <a:ea typeface="Calibri"/>
+                <a:cs typeface="Times New Roman"/>
+              </a:rPr>
+              <a:t>private</a:t>
+            </a:r>
+            <a:r>
+              <a:rPr lang="en-US" sz="1600" dirty="0">
+                <a:solidFill>
+                  <a:srgbClr val="000000"/>
+                </a:solidFill>
+                <a:highlight>
+                  <a:srgbClr val="FFFFFF"/>
+                </a:highlight>
+                <a:latin typeface="Consolas"/>
+                <a:ea typeface="Calibri"/>
+                <a:cs typeface="Times New Roman"/>
+              </a:rPr>
+              <a:t> </a:t>
+            </a:r>
+            <a:r>
+              <a:rPr lang="en-US" sz="1600" dirty="0" err="1">
+                <a:solidFill>
+                  <a:srgbClr val="0000FF"/>
+                </a:solidFill>
+                <a:highlight>
+                  <a:srgbClr val="FFFFFF"/>
+                </a:highlight>
+                <a:latin typeface="Consolas"/>
+                <a:ea typeface="Calibri"/>
+                <a:cs typeface="Times New Roman"/>
+              </a:rPr>
+              <a:t>readonly</a:t>
+            </a:r>
+            <a:r>
+              <a:rPr lang="en-US" sz="1600" dirty="0">
+                <a:solidFill>
+                  <a:srgbClr val="000000"/>
+                </a:solidFill>
+                <a:highlight>
+                  <a:srgbClr val="FFFFFF"/>
+                </a:highlight>
+                <a:latin typeface="Consolas"/>
+                <a:ea typeface="Calibri"/>
+                <a:cs typeface="Times New Roman"/>
+              </a:rPr>
+              <a:t> </a:t>
+            </a:r>
+            <a:r>
+              <a:rPr lang="en-US" sz="1600" dirty="0" err="1">
+                <a:solidFill>
+                  <a:srgbClr val="2B91AF"/>
+                </a:solidFill>
+                <a:highlight>
+                  <a:srgbClr val="FFFFFF"/>
+                </a:highlight>
+                <a:latin typeface="Consolas"/>
+                <a:ea typeface="Calibri"/>
+                <a:cs typeface="Times New Roman"/>
+              </a:rPr>
+              <a:t>IUserAccountService</a:t>
+            </a:r>
+            <a:r>
+              <a:rPr lang="en-US" sz="1600" dirty="0">
+                <a:solidFill>
+                  <a:srgbClr val="000000"/>
+                </a:solidFill>
+                <a:highlight>
+                  <a:srgbClr val="FFFFFF"/>
+                </a:highlight>
+                <a:latin typeface="Consolas"/>
+                <a:ea typeface="Calibri"/>
+                <a:cs typeface="Times New Roman"/>
+              </a:rPr>
+              <a:t> _</a:t>
+            </a:r>
+            <a:r>
+              <a:rPr lang="en-US" sz="1600" dirty="0" err="1">
+                <a:solidFill>
+                  <a:srgbClr val="000000"/>
+                </a:solidFill>
+                <a:highlight>
+                  <a:srgbClr val="FFFFFF"/>
+                </a:highlight>
+                <a:latin typeface="Consolas"/>
+                <a:ea typeface="Calibri"/>
+                <a:cs typeface="Times New Roman"/>
+              </a:rPr>
+              <a:t>userAccountService</a:t>
+            </a:r>
+            <a:r>
+              <a:rPr lang="en-US" sz="1600" dirty="0">
+                <a:solidFill>
+                  <a:srgbClr val="000000"/>
+                </a:solidFill>
+                <a:highlight>
+                  <a:srgbClr val="FFFFFF"/>
+                </a:highlight>
+                <a:latin typeface="Consolas"/>
+                <a:ea typeface="Calibri"/>
+                <a:cs typeface="Times New Roman"/>
+              </a:rPr>
+              <a:t>;</a:t>
+            </a:r>
+            <a:endParaRPr lang="en-US" sz="2000" dirty="0">
+              <a:ea typeface="Calibri"/>
+              <a:cs typeface="Times New Roman"/>
+            </a:endParaRPr>
+          </a:p>
+          <a:p>
+            <a:pPr>
+              <a:lnSpc>
+                <a:spcPct val="115000"/>
+              </a:lnSpc>
+              <a:spcAft>
+                <a:spcPts val="0"/>
+              </a:spcAft>
+            </a:pPr>
+            <a:r>
+              <a:rPr lang="en-US" sz="1600" dirty="0">
+                <a:solidFill>
+                  <a:srgbClr val="000000"/>
+                </a:solidFill>
+                <a:highlight>
+                  <a:srgbClr val="FFFFFF"/>
+                </a:highlight>
+                <a:latin typeface="Consolas"/>
+                <a:ea typeface="Calibri"/>
+                <a:cs typeface="Times New Roman"/>
+              </a:rPr>
+              <a:t> </a:t>
+            </a:r>
+            <a:endParaRPr lang="en-US" sz="2000" dirty="0">
+              <a:ea typeface="Calibri"/>
+              <a:cs typeface="Times New Roman"/>
+            </a:endParaRPr>
+          </a:p>
+          <a:p>
+            <a:pPr>
+              <a:lnSpc>
+                <a:spcPct val="115000"/>
+              </a:lnSpc>
+              <a:spcAft>
+                <a:spcPts val="0"/>
+              </a:spcAft>
+            </a:pPr>
+            <a:r>
+              <a:rPr lang="en-US" sz="1600" dirty="0">
+                <a:solidFill>
+                  <a:srgbClr val="000000"/>
+                </a:solidFill>
+                <a:highlight>
+                  <a:srgbClr val="FFFFFF"/>
+                </a:highlight>
+                <a:latin typeface="Consolas"/>
+                <a:ea typeface="Calibri"/>
+                <a:cs typeface="Times New Roman"/>
+              </a:rPr>
+              <a:t>        </a:t>
+            </a:r>
+            <a:r>
+              <a:rPr lang="en-US" sz="1600" dirty="0">
+                <a:solidFill>
+                  <a:srgbClr val="0000FF"/>
+                </a:solidFill>
+                <a:highlight>
+                  <a:srgbClr val="FFFFFF"/>
+                </a:highlight>
+                <a:latin typeface="Consolas"/>
+                <a:ea typeface="Calibri"/>
+                <a:cs typeface="Times New Roman"/>
+              </a:rPr>
+              <a:t>public</a:t>
+            </a:r>
+            <a:r>
+              <a:rPr lang="en-US" sz="1600" dirty="0">
+                <a:solidFill>
+                  <a:srgbClr val="000000"/>
+                </a:solidFill>
+                <a:highlight>
+                  <a:srgbClr val="FFFFFF"/>
+                </a:highlight>
+                <a:latin typeface="Consolas"/>
+                <a:ea typeface="Calibri"/>
+                <a:cs typeface="Times New Roman"/>
+              </a:rPr>
+              <a:t> </a:t>
+            </a:r>
+            <a:r>
+              <a:rPr lang="en-US" sz="1600" dirty="0" err="1">
+                <a:solidFill>
+                  <a:srgbClr val="000000"/>
+                </a:solidFill>
+                <a:highlight>
+                  <a:srgbClr val="FFFFFF"/>
+                </a:highlight>
+                <a:latin typeface="Consolas"/>
+                <a:ea typeface="Calibri"/>
+                <a:cs typeface="Times New Roman"/>
+              </a:rPr>
+              <a:t>AccountController</a:t>
+            </a:r>
+            <a:r>
+              <a:rPr lang="en-US" sz="1600" dirty="0">
+                <a:solidFill>
+                  <a:srgbClr val="000000"/>
+                </a:solidFill>
+                <a:highlight>
+                  <a:srgbClr val="FFFFFF"/>
+                </a:highlight>
+                <a:latin typeface="Consolas"/>
+                <a:ea typeface="Calibri"/>
+                <a:cs typeface="Times New Roman"/>
+              </a:rPr>
+              <a:t>(</a:t>
+            </a:r>
+            <a:r>
+              <a:rPr lang="en-US" sz="1600" dirty="0" err="1">
+                <a:solidFill>
+                  <a:srgbClr val="2B91AF"/>
+                </a:solidFill>
+                <a:highlight>
+                  <a:srgbClr val="FFFFFF"/>
+                </a:highlight>
+                <a:latin typeface="Consolas"/>
+                <a:ea typeface="Calibri"/>
+                <a:cs typeface="Times New Roman"/>
+              </a:rPr>
+              <a:t>IUserAccountService</a:t>
+            </a:r>
+            <a:r>
+              <a:rPr lang="en-US" sz="1600" dirty="0">
+                <a:solidFill>
+                  <a:srgbClr val="000000"/>
+                </a:solidFill>
+                <a:highlight>
+                  <a:srgbClr val="FFFFFF"/>
+                </a:highlight>
+                <a:latin typeface="Consolas"/>
+                <a:ea typeface="Calibri"/>
+                <a:cs typeface="Times New Roman"/>
+              </a:rPr>
+              <a:t> </a:t>
+            </a:r>
+            <a:r>
+              <a:rPr lang="en-US" sz="1600" dirty="0" err="1">
+                <a:solidFill>
+                  <a:srgbClr val="000000"/>
+                </a:solidFill>
+                <a:highlight>
+                  <a:srgbClr val="FFFFFF"/>
+                </a:highlight>
+                <a:latin typeface="Consolas"/>
+                <a:ea typeface="Calibri"/>
+                <a:cs typeface="Times New Roman"/>
+              </a:rPr>
+              <a:t>userAccountService</a:t>
+            </a:r>
+            <a:r>
+              <a:rPr lang="en-US" sz="1600" dirty="0">
+                <a:solidFill>
+                  <a:srgbClr val="000000"/>
+                </a:solidFill>
+                <a:highlight>
+                  <a:srgbClr val="FFFFFF"/>
+                </a:highlight>
+                <a:latin typeface="Consolas"/>
+                <a:ea typeface="Calibri"/>
+                <a:cs typeface="Times New Roman"/>
+              </a:rPr>
+              <a:t>)</a:t>
+            </a:r>
+            <a:endParaRPr lang="en-US" sz="2000" dirty="0">
+              <a:ea typeface="Calibri"/>
+              <a:cs typeface="Times New Roman"/>
+            </a:endParaRPr>
+          </a:p>
+          <a:p>
+            <a:pPr>
+              <a:lnSpc>
+                <a:spcPct val="115000"/>
+              </a:lnSpc>
+              <a:spcAft>
+                <a:spcPts val="0"/>
+              </a:spcAft>
+            </a:pPr>
+            <a:r>
+              <a:rPr lang="en-US" sz="1600" dirty="0">
+                <a:solidFill>
+                  <a:srgbClr val="000000"/>
+                </a:solidFill>
+                <a:highlight>
+                  <a:srgbClr val="FFFFFF"/>
+                </a:highlight>
+                <a:latin typeface="Consolas"/>
+                <a:ea typeface="Calibri"/>
+                <a:cs typeface="Times New Roman"/>
+              </a:rPr>
+              <a:t>        {</a:t>
+            </a:r>
+            <a:endParaRPr lang="en-US" sz="2000" dirty="0">
+              <a:ea typeface="Calibri"/>
+              <a:cs typeface="Times New Roman"/>
+            </a:endParaRPr>
+          </a:p>
+          <a:p>
+            <a:pPr>
+              <a:lnSpc>
+                <a:spcPct val="115000"/>
+              </a:lnSpc>
+              <a:spcAft>
+                <a:spcPts val="0"/>
+              </a:spcAft>
+            </a:pPr>
+            <a:r>
+              <a:rPr lang="en-US" sz="1600" dirty="0">
+                <a:solidFill>
+                  <a:srgbClr val="000000"/>
+                </a:solidFill>
+                <a:highlight>
+                  <a:srgbClr val="FFFFFF"/>
+                </a:highlight>
+                <a:latin typeface="Consolas"/>
+                <a:ea typeface="Calibri"/>
+                <a:cs typeface="Times New Roman"/>
+              </a:rPr>
+              <a:t>            </a:t>
+            </a:r>
+            <a:r>
+              <a:rPr lang="en-US" sz="1600" dirty="0">
+                <a:solidFill>
+                  <a:srgbClr val="0000FF"/>
+                </a:solidFill>
+                <a:highlight>
+                  <a:srgbClr val="FFFFFF"/>
+                </a:highlight>
+                <a:latin typeface="Consolas"/>
+                <a:ea typeface="Calibri"/>
+                <a:cs typeface="Times New Roman"/>
+              </a:rPr>
+              <a:t>if</a:t>
+            </a:r>
+            <a:r>
+              <a:rPr lang="en-US" sz="1600" dirty="0">
+                <a:solidFill>
+                  <a:srgbClr val="000000"/>
+                </a:solidFill>
+                <a:highlight>
+                  <a:srgbClr val="FFFFFF"/>
+                </a:highlight>
+                <a:latin typeface="Consolas"/>
+                <a:ea typeface="Calibri"/>
+                <a:cs typeface="Times New Roman"/>
+              </a:rPr>
+              <a:t> (</a:t>
+            </a:r>
+            <a:r>
+              <a:rPr lang="en-US" sz="1600" dirty="0" err="1">
+                <a:solidFill>
+                  <a:srgbClr val="000000"/>
+                </a:solidFill>
+                <a:highlight>
+                  <a:srgbClr val="FFFFFF"/>
+                </a:highlight>
+                <a:latin typeface="Consolas"/>
+                <a:ea typeface="Calibri"/>
+                <a:cs typeface="Times New Roman"/>
+              </a:rPr>
+              <a:t>userAccountService</a:t>
+            </a:r>
+            <a:r>
+              <a:rPr lang="en-US" sz="1600" dirty="0">
+                <a:solidFill>
+                  <a:srgbClr val="000000"/>
+                </a:solidFill>
+                <a:highlight>
+                  <a:srgbClr val="FFFFFF"/>
+                </a:highlight>
+                <a:latin typeface="Consolas"/>
+                <a:ea typeface="Calibri"/>
+                <a:cs typeface="Times New Roman"/>
+              </a:rPr>
+              <a:t> == </a:t>
+            </a:r>
+            <a:r>
+              <a:rPr lang="en-US" sz="1600" dirty="0">
+                <a:solidFill>
+                  <a:srgbClr val="0000FF"/>
+                </a:solidFill>
+                <a:highlight>
+                  <a:srgbClr val="FFFFFF"/>
+                </a:highlight>
+                <a:latin typeface="Consolas"/>
+                <a:ea typeface="Calibri"/>
+                <a:cs typeface="Times New Roman"/>
+              </a:rPr>
+              <a:t>null</a:t>
+            </a:r>
+            <a:r>
+              <a:rPr lang="en-US" sz="1600" dirty="0">
+                <a:solidFill>
+                  <a:srgbClr val="000000"/>
+                </a:solidFill>
+                <a:highlight>
+                  <a:srgbClr val="FFFFFF"/>
+                </a:highlight>
+                <a:latin typeface="Consolas"/>
+                <a:ea typeface="Calibri"/>
+                <a:cs typeface="Times New Roman"/>
+              </a:rPr>
+              <a:t>) </a:t>
+            </a:r>
+            <a:r>
+              <a:rPr lang="en-US" sz="1600" dirty="0">
+                <a:solidFill>
+                  <a:srgbClr val="0000FF"/>
+                </a:solidFill>
+                <a:highlight>
+                  <a:srgbClr val="FFFFFF"/>
+                </a:highlight>
+                <a:latin typeface="Consolas"/>
+                <a:ea typeface="Calibri"/>
+                <a:cs typeface="Times New Roman"/>
+              </a:rPr>
+              <a:t>throw</a:t>
+            </a:r>
+            <a:r>
+              <a:rPr lang="en-US" sz="1600" dirty="0">
+                <a:solidFill>
+                  <a:srgbClr val="000000"/>
+                </a:solidFill>
+                <a:highlight>
+                  <a:srgbClr val="FFFFFF"/>
+                </a:highlight>
+                <a:latin typeface="Consolas"/>
+                <a:ea typeface="Calibri"/>
+                <a:cs typeface="Times New Roman"/>
+              </a:rPr>
+              <a:t> </a:t>
+            </a:r>
+            <a:r>
+              <a:rPr lang="en-US" sz="1600" dirty="0">
+                <a:solidFill>
+                  <a:srgbClr val="0000FF"/>
+                </a:solidFill>
+                <a:highlight>
+                  <a:srgbClr val="FFFFFF"/>
+                </a:highlight>
+                <a:latin typeface="Consolas"/>
+                <a:ea typeface="Calibri"/>
+                <a:cs typeface="Times New Roman"/>
+              </a:rPr>
+              <a:t>new</a:t>
+            </a:r>
+            <a:r>
+              <a:rPr lang="en-US" sz="1600" dirty="0">
+                <a:solidFill>
+                  <a:srgbClr val="000000"/>
+                </a:solidFill>
+                <a:highlight>
+                  <a:srgbClr val="FFFFFF"/>
+                </a:highlight>
+                <a:latin typeface="Consolas"/>
+                <a:ea typeface="Calibri"/>
+                <a:cs typeface="Times New Roman"/>
+              </a:rPr>
+              <a:t> </a:t>
+            </a:r>
+            <a:r>
+              <a:rPr lang="en-US" sz="1600" dirty="0" err="1">
+                <a:solidFill>
+                  <a:srgbClr val="2B91AF"/>
+                </a:solidFill>
+                <a:highlight>
+                  <a:srgbClr val="FFFFFF"/>
+                </a:highlight>
+                <a:latin typeface="Consolas"/>
+                <a:ea typeface="Calibri"/>
+                <a:cs typeface="Times New Roman"/>
+              </a:rPr>
+              <a:t>ArgumentNullException</a:t>
+            </a:r>
+            <a:r>
+              <a:rPr lang="en-US" sz="1600" dirty="0">
+                <a:solidFill>
+                  <a:srgbClr val="000000"/>
+                </a:solidFill>
+                <a:highlight>
+                  <a:srgbClr val="FFFFFF"/>
+                </a:highlight>
+                <a:latin typeface="Consolas"/>
+                <a:ea typeface="Calibri"/>
+                <a:cs typeface="Times New Roman"/>
+              </a:rPr>
+              <a:t>(</a:t>
+            </a:r>
+            <a:r>
+              <a:rPr lang="en-US" sz="1600" dirty="0">
+                <a:solidFill>
+                  <a:srgbClr val="A31515"/>
+                </a:solidFill>
+                <a:highlight>
+                  <a:srgbClr val="FFFFFF"/>
+                </a:highlight>
+                <a:latin typeface="Consolas"/>
+                <a:ea typeface="Calibri"/>
+                <a:cs typeface="Times New Roman"/>
+              </a:rPr>
+              <a:t>"</a:t>
+            </a:r>
+            <a:r>
+              <a:rPr lang="en-US" sz="1600" dirty="0" err="1">
+                <a:solidFill>
+                  <a:srgbClr val="A31515"/>
+                </a:solidFill>
+                <a:highlight>
+                  <a:srgbClr val="FFFFFF"/>
+                </a:highlight>
+                <a:latin typeface="Consolas"/>
+                <a:ea typeface="Calibri"/>
+                <a:cs typeface="Times New Roman"/>
+              </a:rPr>
+              <a:t>userAccountService</a:t>
+            </a:r>
+            <a:r>
+              <a:rPr lang="en-US" sz="1600" dirty="0">
+                <a:solidFill>
+                  <a:srgbClr val="A31515"/>
+                </a:solidFill>
+                <a:highlight>
+                  <a:srgbClr val="FFFFFF"/>
+                </a:highlight>
+                <a:latin typeface="Consolas"/>
+                <a:ea typeface="Calibri"/>
+                <a:cs typeface="Times New Roman"/>
+              </a:rPr>
+              <a:t>"</a:t>
+            </a:r>
+            <a:r>
+              <a:rPr lang="en-US" sz="1600" dirty="0">
+                <a:solidFill>
+                  <a:srgbClr val="000000"/>
+                </a:solidFill>
+                <a:highlight>
+                  <a:srgbClr val="FFFFFF"/>
+                </a:highlight>
+                <a:latin typeface="Consolas"/>
+                <a:ea typeface="Calibri"/>
+                <a:cs typeface="Times New Roman"/>
+              </a:rPr>
+              <a:t>);</a:t>
+            </a:r>
+            <a:endParaRPr lang="en-US" sz="2000" dirty="0">
+              <a:ea typeface="Calibri"/>
+              <a:cs typeface="Times New Roman"/>
+            </a:endParaRPr>
+          </a:p>
+          <a:p>
+            <a:pPr>
+              <a:lnSpc>
+                <a:spcPct val="115000"/>
+              </a:lnSpc>
+              <a:spcAft>
+                <a:spcPts val="0"/>
+              </a:spcAft>
+            </a:pPr>
+            <a:r>
+              <a:rPr lang="en-US" sz="1600" dirty="0">
+                <a:solidFill>
+                  <a:srgbClr val="000000"/>
+                </a:solidFill>
+                <a:highlight>
+                  <a:srgbClr val="FFFFFF"/>
+                </a:highlight>
+                <a:latin typeface="Consolas"/>
+                <a:ea typeface="Calibri"/>
+                <a:cs typeface="Times New Roman"/>
+              </a:rPr>
+              <a:t>            _</a:t>
+            </a:r>
+            <a:r>
+              <a:rPr lang="en-US" sz="1600" dirty="0" err="1">
+                <a:solidFill>
+                  <a:srgbClr val="000000"/>
+                </a:solidFill>
+                <a:highlight>
+                  <a:srgbClr val="FFFFFF"/>
+                </a:highlight>
+                <a:latin typeface="Consolas"/>
+                <a:ea typeface="Calibri"/>
+                <a:cs typeface="Times New Roman"/>
+              </a:rPr>
+              <a:t>userAccountService</a:t>
+            </a:r>
+            <a:r>
+              <a:rPr lang="en-US" sz="1600" dirty="0">
+                <a:solidFill>
+                  <a:srgbClr val="000000"/>
+                </a:solidFill>
+                <a:highlight>
+                  <a:srgbClr val="FFFFFF"/>
+                </a:highlight>
+                <a:latin typeface="Consolas"/>
+                <a:ea typeface="Calibri"/>
+                <a:cs typeface="Times New Roman"/>
+              </a:rPr>
+              <a:t> = </a:t>
+            </a:r>
+            <a:r>
+              <a:rPr lang="en-US" sz="1600" dirty="0" err="1">
+                <a:solidFill>
+                  <a:srgbClr val="000000"/>
+                </a:solidFill>
+                <a:highlight>
+                  <a:srgbClr val="FFFFFF"/>
+                </a:highlight>
+                <a:latin typeface="Consolas"/>
+                <a:ea typeface="Calibri"/>
+                <a:cs typeface="Times New Roman"/>
+              </a:rPr>
+              <a:t>userAccountService</a:t>
+            </a:r>
+            <a:r>
+              <a:rPr lang="en-US" sz="1600" dirty="0">
+                <a:solidFill>
+                  <a:srgbClr val="000000"/>
+                </a:solidFill>
+                <a:highlight>
+                  <a:srgbClr val="FFFFFF"/>
+                </a:highlight>
+                <a:latin typeface="Consolas"/>
+                <a:ea typeface="Calibri"/>
+                <a:cs typeface="Times New Roman"/>
+              </a:rPr>
+              <a:t>;</a:t>
+            </a:r>
+            <a:endParaRPr lang="en-US" sz="2000" dirty="0">
+              <a:ea typeface="Calibri"/>
+              <a:cs typeface="Times New Roman"/>
+            </a:endParaRPr>
+          </a:p>
+          <a:p>
+            <a:pPr>
+              <a:lnSpc>
+                <a:spcPct val="115000"/>
+              </a:lnSpc>
+              <a:spcAft>
+                <a:spcPts val="0"/>
+              </a:spcAft>
+            </a:pPr>
+            <a:r>
+              <a:rPr lang="en-US" sz="1600" dirty="0">
+                <a:solidFill>
+                  <a:srgbClr val="000000"/>
+                </a:solidFill>
+                <a:highlight>
+                  <a:srgbClr val="FFFFFF"/>
+                </a:highlight>
+                <a:latin typeface="Consolas"/>
+                <a:ea typeface="Calibri"/>
+                <a:cs typeface="Times New Roman"/>
+              </a:rPr>
+              <a:t>        }</a:t>
+            </a:r>
+            <a:endParaRPr lang="en-US" sz="2000" dirty="0">
+              <a:ea typeface="Calibri"/>
+              <a:cs typeface="Times New Roman"/>
+            </a:endParaRPr>
+          </a:p>
+          <a:p>
+            <a:pPr>
+              <a:lnSpc>
+                <a:spcPct val="115000"/>
+              </a:lnSpc>
+              <a:spcAft>
+                <a:spcPts val="1000"/>
+              </a:spcAft>
+            </a:pPr>
+            <a:r>
+              <a:rPr lang="fr-FR" sz="1400" i="1" dirty="0" err="1" smtClean="0">
+                <a:solidFill>
+                  <a:srgbClr val="000000"/>
+                </a:solidFill>
+                <a:highlight>
+                  <a:srgbClr val="FFFFFF"/>
+                </a:highlight>
+                <a:latin typeface="Consolas"/>
+                <a:ea typeface="Calibri"/>
+                <a:cs typeface="Times New Roman"/>
+              </a:rPr>
+              <a:t>AccountController</a:t>
+            </a:r>
+            <a:r>
+              <a:rPr lang="fr-FR" sz="1400" i="1" dirty="0" smtClean="0">
+                <a:solidFill>
+                  <a:srgbClr val="000000"/>
+                </a:solidFill>
+                <a:highlight>
+                  <a:srgbClr val="FFFFFF"/>
+                </a:highlight>
+                <a:latin typeface="Consolas"/>
+                <a:ea typeface="Calibri"/>
+                <a:cs typeface="Times New Roman"/>
+              </a:rPr>
+              <a:t> (</a:t>
+            </a:r>
+            <a:r>
+              <a:rPr lang="fr-FR" sz="1400" i="1" dirty="0" err="1" smtClean="0">
+                <a:solidFill>
+                  <a:srgbClr val="000000"/>
+                </a:solidFill>
+                <a:highlight>
+                  <a:srgbClr val="FFFFFF"/>
+                </a:highlight>
+                <a:latin typeface="Consolas"/>
+                <a:ea typeface="Calibri"/>
+                <a:cs typeface="Times New Roman"/>
+              </a:rPr>
+              <a:t>WebPortal</a:t>
+            </a:r>
+            <a:r>
+              <a:rPr lang="fr-FR" sz="1400" i="1" dirty="0" smtClean="0">
+                <a:solidFill>
+                  <a:srgbClr val="000000"/>
+                </a:solidFill>
+                <a:highlight>
+                  <a:srgbClr val="FFFFFF"/>
+                </a:highlight>
+                <a:latin typeface="Consolas"/>
+                <a:ea typeface="Calibri"/>
+                <a:cs typeface="Times New Roman"/>
+              </a:rPr>
+              <a:t>)</a:t>
+            </a:r>
+            <a:endParaRPr lang="en-US" i="1" dirty="0">
+              <a:ea typeface="Calibri"/>
+              <a:cs typeface="Times New Roman"/>
+            </a:endParaRPr>
+          </a:p>
+        </p:txBody>
+      </p:sp>
+      <p:sp>
+        <p:nvSpPr>
+          <p:cNvPr id="8" name="TextBox 7"/>
+          <p:cNvSpPr txBox="1"/>
+          <p:nvPr/>
+        </p:nvSpPr>
+        <p:spPr>
+          <a:xfrm>
+            <a:off x="107504" y="2880491"/>
+            <a:ext cx="12241360" cy="3068789"/>
+          </a:xfrm>
+          <a:prstGeom prst="rect">
+            <a:avLst/>
+          </a:prstGeom>
+          <a:solidFill>
+            <a:schemeClr val="bg1"/>
+          </a:solidFill>
+          <a:ln>
+            <a:solidFill>
+              <a:schemeClr val="accent1"/>
+            </a:solidFill>
+          </a:ln>
+        </p:spPr>
+        <p:txBody>
+          <a:bodyPr wrap="square" rtlCol="0">
+            <a:spAutoFit/>
+          </a:bodyPr>
+          <a:lstStyle/>
+          <a:p>
+            <a:pPr>
+              <a:lnSpc>
+                <a:spcPct val="115000"/>
+              </a:lnSpc>
+              <a:spcAft>
+                <a:spcPts val="0"/>
+              </a:spcAft>
+            </a:pPr>
+            <a:r>
+              <a:rPr lang="en-US" sz="1600" dirty="0">
+                <a:solidFill>
+                  <a:srgbClr val="000000"/>
+                </a:solidFill>
+                <a:highlight>
+                  <a:srgbClr val="FFFFFF"/>
+                </a:highlight>
+                <a:latin typeface="Consolas"/>
+                <a:ea typeface="Calibri"/>
+                <a:cs typeface="Times New Roman"/>
+              </a:rPr>
+              <a:t> </a:t>
+            </a:r>
+            <a:r>
+              <a:rPr lang="en-US" sz="1600" dirty="0">
+                <a:solidFill>
+                  <a:srgbClr val="0000FF"/>
+                </a:solidFill>
+                <a:highlight>
+                  <a:srgbClr val="FFFFFF"/>
+                </a:highlight>
+                <a:latin typeface="Consolas"/>
+                <a:ea typeface="Calibri"/>
+                <a:cs typeface="Times New Roman"/>
+              </a:rPr>
+              <a:t>public</a:t>
+            </a:r>
+            <a:r>
+              <a:rPr lang="en-US" sz="1600" dirty="0">
+                <a:solidFill>
+                  <a:srgbClr val="000000"/>
+                </a:solidFill>
+                <a:highlight>
+                  <a:srgbClr val="FFFFFF"/>
+                </a:highlight>
+                <a:latin typeface="Consolas"/>
+                <a:ea typeface="Calibri"/>
+                <a:cs typeface="Times New Roman"/>
+              </a:rPr>
+              <a:t> </a:t>
+            </a:r>
+            <a:r>
+              <a:rPr lang="en-US" sz="1600" dirty="0">
+                <a:solidFill>
+                  <a:srgbClr val="0000FF"/>
+                </a:solidFill>
+                <a:highlight>
+                  <a:srgbClr val="FFFFFF"/>
+                </a:highlight>
+                <a:latin typeface="Consolas"/>
+                <a:ea typeface="Calibri"/>
+                <a:cs typeface="Times New Roman"/>
+              </a:rPr>
+              <a:t>class</a:t>
+            </a:r>
+            <a:r>
+              <a:rPr lang="en-US" sz="1600" dirty="0">
+                <a:solidFill>
+                  <a:srgbClr val="000000"/>
+                </a:solidFill>
+                <a:highlight>
+                  <a:srgbClr val="FFFFFF"/>
+                </a:highlight>
+                <a:latin typeface="Consolas"/>
+                <a:ea typeface="Calibri"/>
+                <a:cs typeface="Times New Roman"/>
+              </a:rPr>
+              <a:t> </a:t>
+            </a:r>
+            <a:r>
+              <a:rPr lang="en-US" sz="1600" dirty="0" err="1">
+                <a:solidFill>
+                  <a:srgbClr val="2B91AF"/>
+                </a:solidFill>
+                <a:highlight>
+                  <a:srgbClr val="FFFFFF"/>
+                </a:highlight>
+                <a:latin typeface="Consolas"/>
+                <a:ea typeface="Calibri"/>
+                <a:cs typeface="Times New Roman"/>
+              </a:rPr>
+              <a:t>UserAccountService</a:t>
+            </a:r>
+            <a:r>
+              <a:rPr lang="en-US" sz="1600" dirty="0">
+                <a:solidFill>
+                  <a:srgbClr val="000000"/>
+                </a:solidFill>
+                <a:highlight>
+                  <a:srgbClr val="FFFFFF"/>
+                </a:highlight>
+                <a:latin typeface="Consolas"/>
+                <a:ea typeface="Calibri"/>
+                <a:cs typeface="Times New Roman"/>
+              </a:rPr>
+              <a:t> : </a:t>
+            </a:r>
+            <a:r>
+              <a:rPr lang="en-US" sz="1600" dirty="0" err="1">
+                <a:solidFill>
+                  <a:srgbClr val="2B91AF"/>
+                </a:solidFill>
+                <a:highlight>
+                  <a:srgbClr val="FFFFFF"/>
+                </a:highlight>
+                <a:latin typeface="Consolas"/>
+                <a:ea typeface="Calibri"/>
+                <a:cs typeface="Times New Roman"/>
+              </a:rPr>
+              <a:t>IUserAccountService</a:t>
+            </a:r>
+            <a:endParaRPr lang="en-US" sz="2000" dirty="0">
+              <a:ea typeface="Calibri"/>
+              <a:cs typeface="Times New Roman"/>
+            </a:endParaRPr>
+          </a:p>
+          <a:p>
+            <a:pPr>
+              <a:lnSpc>
+                <a:spcPct val="115000"/>
+              </a:lnSpc>
+              <a:spcAft>
+                <a:spcPts val="0"/>
+              </a:spcAft>
+            </a:pPr>
+            <a:r>
+              <a:rPr lang="en-US" sz="1600" dirty="0">
+                <a:solidFill>
+                  <a:srgbClr val="000000"/>
+                </a:solidFill>
+                <a:highlight>
+                  <a:srgbClr val="FFFFFF"/>
+                </a:highlight>
+                <a:latin typeface="Consolas"/>
+                <a:ea typeface="Calibri"/>
+                <a:cs typeface="Times New Roman"/>
+              </a:rPr>
+              <a:t>    {</a:t>
+            </a:r>
+            <a:endParaRPr lang="en-US" sz="2000" dirty="0">
+              <a:ea typeface="Calibri"/>
+              <a:cs typeface="Times New Roman"/>
+            </a:endParaRPr>
+          </a:p>
+          <a:p>
+            <a:pPr>
+              <a:lnSpc>
+                <a:spcPct val="115000"/>
+              </a:lnSpc>
+              <a:spcAft>
+                <a:spcPts val="0"/>
+              </a:spcAft>
+            </a:pPr>
+            <a:r>
+              <a:rPr lang="en-US" sz="1600" dirty="0">
+                <a:solidFill>
+                  <a:srgbClr val="000000"/>
+                </a:solidFill>
+                <a:highlight>
+                  <a:srgbClr val="FFFFFF"/>
+                </a:highlight>
+                <a:latin typeface="Consolas"/>
+                <a:ea typeface="Calibri"/>
+                <a:cs typeface="Times New Roman"/>
+              </a:rPr>
+              <a:t>        </a:t>
+            </a:r>
+            <a:r>
+              <a:rPr lang="en-US" sz="1600" dirty="0">
+                <a:solidFill>
+                  <a:srgbClr val="0000FF"/>
+                </a:solidFill>
+                <a:highlight>
+                  <a:srgbClr val="FFFFFF"/>
+                </a:highlight>
+                <a:latin typeface="Consolas"/>
+                <a:ea typeface="Calibri"/>
+                <a:cs typeface="Times New Roman"/>
+              </a:rPr>
+              <a:t>private</a:t>
+            </a:r>
+            <a:r>
+              <a:rPr lang="en-US" sz="1600" dirty="0">
+                <a:solidFill>
+                  <a:srgbClr val="000000"/>
+                </a:solidFill>
+                <a:highlight>
+                  <a:srgbClr val="FFFFFF"/>
+                </a:highlight>
+                <a:latin typeface="Consolas"/>
+                <a:ea typeface="Calibri"/>
+                <a:cs typeface="Times New Roman"/>
+              </a:rPr>
+              <a:t> </a:t>
+            </a:r>
+            <a:r>
+              <a:rPr lang="en-US" sz="1600" dirty="0" err="1">
+                <a:solidFill>
+                  <a:srgbClr val="0000FF"/>
+                </a:solidFill>
+                <a:highlight>
+                  <a:srgbClr val="FFFFFF"/>
+                </a:highlight>
+                <a:latin typeface="Consolas"/>
+                <a:ea typeface="Calibri"/>
+                <a:cs typeface="Times New Roman"/>
+              </a:rPr>
+              <a:t>readonly</a:t>
+            </a:r>
+            <a:r>
+              <a:rPr lang="en-US" sz="1600" dirty="0">
+                <a:solidFill>
+                  <a:srgbClr val="000000"/>
+                </a:solidFill>
+                <a:highlight>
+                  <a:srgbClr val="FFFFFF"/>
+                </a:highlight>
+                <a:latin typeface="Consolas"/>
+                <a:ea typeface="Calibri"/>
+                <a:cs typeface="Times New Roman"/>
+              </a:rPr>
+              <a:t> </a:t>
+            </a:r>
+            <a:r>
+              <a:rPr lang="en-US" sz="1600" dirty="0" err="1">
+                <a:solidFill>
+                  <a:srgbClr val="2B91AF"/>
+                </a:solidFill>
+                <a:highlight>
+                  <a:srgbClr val="FFFFFF"/>
+                </a:highlight>
+                <a:latin typeface="Consolas"/>
+                <a:ea typeface="Calibri"/>
+                <a:cs typeface="Times New Roman"/>
+              </a:rPr>
+              <a:t>IAccountRepository</a:t>
+            </a:r>
+            <a:r>
+              <a:rPr lang="en-US" sz="1600" dirty="0">
+                <a:solidFill>
+                  <a:srgbClr val="000000"/>
+                </a:solidFill>
+                <a:highlight>
+                  <a:srgbClr val="FFFFFF"/>
+                </a:highlight>
+                <a:latin typeface="Consolas"/>
+                <a:ea typeface="Calibri"/>
+                <a:cs typeface="Times New Roman"/>
+              </a:rPr>
+              <a:t> _</a:t>
+            </a:r>
+            <a:r>
+              <a:rPr lang="en-US" sz="1600" dirty="0" err="1">
+                <a:solidFill>
+                  <a:srgbClr val="000000"/>
+                </a:solidFill>
+                <a:highlight>
+                  <a:srgbClr val="FFFFFF"/>
+                </a:highlight>
+                <a:latin typeface="Consolas"/>
+                <a:ea typeface="Calibri"/>
+                <a:cs typeface="Times New Roman"/>
+              </a:rPr>
+              <a:t>accountRepository</a:t>
+            </a:r>
+            <a:r>
+              <a:rPr lang="en-US" sz="1600" dirty="0">
+                <a:solidFill>
+                  <a:srgbClr val="000000"/>
+                </a:solidFill>
+                <a:highlight>
+                  <a:srgbClr val="FFFFFF"/>
+                </a:highlight>
+                <a:latin typeface="Consolas"/>
+                <a:ea typeface="Calibri"/>
+                <a:cs typeface="Times New Roman"/>
+              </a:rPr>
+              <a:t>;</a:t>
+            </a:r>
+            <a:endParaRPr lang="en-US" sz="2000" dirty="0">
+              <a:ea typeface="Calibri"/>
+              <a:cs typeface="Times New Roman"/>
+            </a:endParaRPr>
+          </a:p>
+          <a:p>
+            <a:pPr>
+              <a:lnSpc>
+                <a:spcPct val="115000"/>
+              </a:lnSpc>
+              <a:spcAft>
+                <a:spcPts val="0"/>
+              </a:spcAft>
+            </a:pPr>
+            <a:r>
+              <a:rPr lang="en-US" sz="1600" dirty="0">
+                <a:solidFill>
+                  <a:srgbClr val="000000"/>
+                </a:solidFill>
+                <a:highlight>
+                  <a:srgbClr val="FFFFFF"/>
+                </a:highlight>
+                <a:latin typeface="Consolas"/>
+                <a:ea typeface="Calibri"/>
+                <a:cs typeface="Times New Roman"/>
+              </a:rPr>
+              <a:t> </a:t>
+            </a:r>
+            <a:endParaRPr lang="en-US" sz="2000" dirty="0">
+              <a:ea typeface="Calibri"/>
+              <a:cs typeface="Times New Roman"/>
+            </a:endParaRPr>
+          </a:p>
+          <a:p>
+            <a:pPr>
+              <a:lnSpc>
+                <a:spcPct val="115000"/>
+              </a:lnSpc>
+              <a:spcAft>
+                <a:spcPts val="0"/>
+              </a:spcAft>
+            </a:pPr>
+            <a:r>
+              <a:rPr lang="en-US" sz="1600" dirty="0">
+                <a:solidFill>
+                  <a:srgbClr val="000000"/>
+                </a:solidFill>
+                <a:highlight>
+                  <a:srgbClr val="FFFFFF"/>
+                </a:highlight>
+                <a:latin typeface="Consolas"/>
+                <a:ea typeface="Calibri"/>
+                <a:cs typeface="Times New Roman"/>
+              </a:rPr>
+              <a:t>        </a:t>
+            </a:r>
+            <a:r>
+              <a:rPr lang="en-US" sz="1600" dirty="0">
+                <a:solidFill>
+                  <a:srgbClr val="0000FF"/>
+                </a:solidFill>
+                <a:highlight>
+                  <a:srgbClr val="FFFFFF"/>
+                </a:highlight>
+                <a:latin typeface="Consolas"/>
+                <a:ea typeface="Calibri"/>
+                <a:cs typeface="Times New Roman"/>
+              </a:rPr>
+              <a:t>public</a:t>
+            </a:r>
+            <a:r>
+              <a:rPr lang="en-US" sz="1600" dirty="0">
+                <a:solidFill>
+                  <a:srgbClr val="000000"/>
+                </a:solidFill>
+                <a:highlight>
+                  <a:srgbClr val="FFFFFF"/>
+                </a:highlight>
+                <a:latin typeface="Consolas"/>
+                <a:ea typeface="Calibri"/>
+                <a:cs typeface="Times New Roman"/>
+              </a:rPr>
+              <a:t> </a:t>
+            </a:r>
+            <a:r>
+              <a:rPr lang="en-US" sz="1600" dirty="0" err="1">
+                <a:solidFill>
+                  <a:srgbClr val="000000"/>
+                </a:solidFill>
+                <a:highlight>
+                  <a:srgbClr val="FFFFFF"/>
+                </a:highlight>
+                <a:latin typeface="Consolas"/>
+                <a:ea typeface="Calibri"/>
+                <a:cs typeface="Times New Roman"/>
+              </a:rPr>
+              <a:t>UserAccountService</a:t>
+            </a:r>
+            <a:r>
+              <a:rPr lang="en-US" sz="1600" dirty="0">
+                <a:solidFill>
+                  <a:srgbClr val="000000"/>
+                </a:solidFill>
+                <a:highlight>
+                  <a:srgbClr val="FFFFFF"/>
+                </a:highlight>
+                <a:latin typeface="Consolas"/>
+                <a:ea typeface="Calibri"/>
+                <a:cs typeface="Times New Roman"/>
+              </a:rPr>
+              <a:t>(</a:t>
+            </a:r>
+            <a:r>
+              <a:rPr lang="en-US" sz="1600" dirty="0" err="1">
+                <a:solidFill>
+                  <a:srgbClr val="2B91AF"/>
+                </a:solidFill>
+                <a:highlight>
+                  <a:srgbClr val="FFFFFF"/>
+                </a:highlight>
+                <a:latin typeface="Consolas"/>
+                <a:ea typeface="Calibri"/>
+                <a:cs typeface="Times New Roman"/>
+              </a:rPr>
+              <a:t>IAccountRepository</a:t>
+            </a:r>
+            <a:r>
+              <a:rPr lang="en-US" sz="1600" dirty="0">
+                <a:solidFill>
+                  <a:srgbClr val="000000"/>
+                </a:solidFill>
+                <a:highlight>
+                  <a:srgbClr val="FFFFFF"/>
+                </a:highlight>
+                <a:latin typeface="Consolas"/>
+                <a:ea typeface="Calibri"/>
+                <a:cs typeface="Times New Roman"/>
+              </a:rPr>
+              <a:t> </a:t>
+            </a:r>
+            <a:r>
+              <a:rPr lang="en-US" sz="1600" dirty="0" err="1">
+                <a:solidFill>
+                  <a:srgbClr val="000000"/>
+                </a:solidFill>
+                <a:highlight>
+                  <a:srgbClr val="FFFFFF"/>
+                </a:highlight>
+                <a:latin typeface="Consolas"/>
+                <a:ea typeface="Calibri"/>
+                <a:cs typeface="Times New Roman"/>
+              </a:rPr>
+              <a:t>accountRepository</a:t>
+            </a:r>
+            <a:r>
+              <a:rPr lang="en-US" sz="1600" dirty="0">
+                <a:solidFill>
+                  <a:srgbClr val="000000"/>
+                </a:solidFill>
+                <a:highlight>
+                  <a:srgbClr val="FFFFFF"/>
+                </a:highlight>
+                <a:latin typeface="Consolas"/>
+                <a:ea typeface="Calibri"/>
+                <a:cs typeface="Times New Roman"/>
+              </a:rPr>
+              <a:t>)</a:t>
+            </a:r>
+            <a:endParaRPr lang="en-US" sz="2000" dirty="0">
+              <a:ea typeface="Calibri"/>
+              <a:cs typeface="Times New Roman"/>
+            </a:endParaRPr>
+          </a:p>
+          <a:p>
+            <a:pPr>
+              <a:lnSpc>
+                <a:spcPct val="115000"/>
+              </a:lnSpc>
+              <a:spcAft>
+                <a:spcPts val="0"/>
+              </a:spcAft>
+            </a:pPr>
+            <a:r>
+              <a:rPr lang="en-US" sz="1600" dirty="0">
+                <a:solidFill>
+                  <a:srgbClr val="000000"/>
+                </a:solidFill>
+                <a:highlight>
+                  <a:srgbClr val="FFFFFF"/>
+                </a:highlight>
+                <a:latin typeface="Consolas"/>
+                <a:ea typeface="Calibri"/>
+                <a:cs typeface="Times New Roman"/>
+              </a:rPr>
+              <a:t>        {</a:t>
+            </a:r>
+            <a:endParaRPr lang="en-US" sz="2000" dirty="0">
+              <a:ea typeface="Calibri"/>
+              <a:cs typeface="Times New Roman"/>
+            </a:endParaRPr>
+          </a:p>
+          <a:p>
+            <a:pPr>
+              <a:lnSpc>
+                <a:spcPct val="115000"/>
+              </a:lnSpc>
+              <a:spcAft>
+                <a:spcPts val="0"/>
+              </a:spcAft>
+            </a:pPr>
+            <a:r>
+              <a:rPr lang="en-US" sz="1600" dirty="0">
+                <a:solidFill>
+                  <a:srgbClr val="000000"/>
+                </a:solidFill>
+                <a:highlight>
+                  <a:srgbClr val="FFFFFF"/>
+                </a:highlight>
+                <a:latin typeface="Consolas"/>
+                <a:ea typeface="Calibri"/>
+                <a:cs typeface="Times New Roman"/>
+              </a:rPr>
+              <a:t>            </a:t>
+            </a:r>
+            <a:r>
+              <a:rPr lang="en-US" sz="1600" dirty="0">
+                <a:solidFill>
+                  <a:srgbClr val="0000FF"/>
+                </a:solidFill>
+                <a:highlight>
+                  <a:srgbClr val="FFFFFF"/>
+                </a:highlight>
+                <a:latin typeface="Consolas"/>
+                <a:ea typeface="Calibri"/>
+                <a:cs typeface="Times New Roman"/>
+              </a:rPr>
+              <a:t>if</a:t>
+            </a:r>
+            <a:r>
+              <a:rPr lang="en-US" sz="1600" dirty="0">
+                <a:solidFill>
+                  <a:srgbClr val="000000"/>
+                </a:solidFill>
+                <a:highlight>
+                  <a:srgbClr val="FFFFFF"/>
+                </a:highlight>
+                <a:latin typeface="Consolas"/>
+                <a:ea typeface="Calibri"/>
+                <a:cs typeface="Times New Roman"/>
+              </a:rPr>
+              <a:t> (</a:t>
+            </a:r>
+            <a:r>
+              <a:rPr lang="en-US" sz="1600" dirty="0" err="1">
+                <a:solidFill>
+                  <a:srgbClr val="000000"/>
+                </a:solidFill>
+                <a:highlight>
+                  <a:srgbClr val="FFFFFF"/>
+                </a:highlight>
+                <a:latin typeface="Consolas"/>
+                <a:ea typeface="Calibri"/>
+                <a:cs typeface="Times New Roman"/>
+              </a:rPr>
+              <a:t>accountRepository</a:t>
+            </a:r>
+            <a:r>
+              <a:rPr lang="en-US" sz="1600" dirty="0">
+                <a:solidFill>
+                  <a:srgbClr val="000000"/>
+                </a:solidFill>
+                <a:highlight>
+                  <a:srgbClr val="FFFFFF"/>
+                </a:highlight>
+                <a:latin typeface="Consolas"/>
+                <a:ea typeface="Calibri"/>
+                <a:cs typeface="Times New Roman"/>
+              </a:rPr>
+              <a:t> == </a:t>
+            </a:r>
+            <a:r>
+              <a:rPr lang="en-US" sz="1600" dirty="0">
+                <a:solidFill>
+                  <a:srgbClr val="0000FF"/>
+                </a:solidFill>
+                <a:highlight>
+                  <a:srgbClr val="FFFFFF"/>
+                </a:highlight>
+                <a:latin typeface="Consolas"/>
+                <a:ea typeface="Calibri"/>
+                <a:cs typeface="Times New Roman"/>
+              </a:rPr>
+              <a:t>null</a:t>
+            </a:r>
+            <a:r>
+              <a:rPr lang="en-US" sz="1600" dirty="0">
+                <a:solidFill>
+                  <a:srgbClr val="000000"/>
+                </a:solidFill>
+                <a:highlight>
+                  <a:srgbClr val="FFFFFF"/>
+                </a:highlight>
+                <a:latin typeface="Consolas"/>
+                <a:ea typeface="Calibri"/>
+                <a:cs typeface="Times New Roman"/>
+              </a:rPr>
+              <a:t>) </a:t>
+            </a:r>
+            <a:r>
+              <a:rPr lang="en-US" sz="1600" dirty="0">
+                <a:solidFill>
+                  <a:srgbClr val="0000FF"/>
+                </a:solidFill>
+                <a:highlight>
+                  <a:srgbClr val="FFFFFF"/>
+                </a:highlight>
+                <a:latin typeface="Consolas"/>
+                <a:ea typeface="Calibri"/>
+                <a:cs typeface="Times New Roman"/>
+              </a:rPr>
+              <a:t>throw</a:t>
+            </a:r>
+            <a:r>
+              <a:rPr lang="en-US" sz="1600" dirty="0">
+                <a:solidFill>
+                  <a:srgbClr val="000000"/>
+                </a:solidFill>
+                <a:highlight>
+                  <a:srgbClr val="FFFFFF"/>
+                </a:highlight>
+                <a:latin typeface="Consolas"/>
+                <a:ea typeface="Calibri"/>
+                <a:cs typeface="Times New Roman"/>
+              </a:rPr>
+              <a:t> </a:t>
+            </a:r>
+            <a:r>
+              <a:rPr lang="en-US" sz="1600" dirty="0">
+                <a:solidFill>
+                  <a:srgbClr val="0000FF"/>
+                </a:solidFill>
+                <a:highlight>
+                  <a:srgbClr val="FFFFFF"/>
+                </a:highlight>
+                <a:latin typeface="Consolas"/>
+                <a:ea typeface="Calibri"/>
+                <a:cs typeface="Times New Roman"/>
+              </a:rPr>
+              <a:t>new</a:t>
+            </a:r>
+            <a:r>
+              <a:rPr lang="en-US" sz="1600" dirty="0">
+                <a:solidFill>
+                  <a:srgbClr val="000000"/>
+                </a:solidFill>
+                <a:highlight>
+                  <a:srgbClr val="FFFFFF"/>
+                </a:highlight>
+                <a:latin typeface="Consolas"/>
+                <a:ea typeface="Calibri"/>
+                <a:cs typeface="Times New Roman"/>
+              </a:rPr>
+              <a:t> </a:t>
+            </a:r>
+            <a:r>
+              <a:rPr lang="en-US" sz="1600" dirty="0" err="1">
+                <a:solidFill>
+                  <a:srgbClr val="2B91AF"/>
+                </a:solidFill>
+                <a:highlight>
+                  <a:srgbClr val="FFFFFF"/>
+                </a:highlight>
+                <a:latin typeface="Consolas"/>
+                <a:ea typeface="Calibri"/>
+                <a:cs typeface="Times New Roman"/>
+              </a:rPr>
+              <a:t>ArgumentNullException</a:t>
+            </a:r>
+            <a:r>
+              <a:rPr lang="en-US" sz="1600" dirty="0">
+                <a:solidFill>
+                  <a:srgbClr val="000000"/>
+                </a:solidFill>
+                <a:highlight>
+                  <a:srgbClr val="FFFFFF"/>
+                </a:highlight>
+                <a:latin typeface="Consolas"/>
+                <a:ea typeface="Calibri"/>
+                <a:cs typeface="Times New Roman"/>
+              </a:rPr>
+              <a:t>(</a:t>
+            </a:r>
+            <a:r>
+              <a:rPr lang="en-US" sz="1600" dirty="0">
+                <a:solidFill>
+                  <a:srgbClr val="A31515"/>
+                </a:solidFill>
+                <a:highlight>
+                  <a:srgbClr val="FFFFFF"/>
+                </a:highlight>
+                <a:latin typeface="Consolas"/>
+                <a:ea typeface="Calibri"/>
+                <a:cs typeface="Times New Roman"/>
+              </a:rPr>
+              <a:t>"</a:t>
+            </a:r>
+            <a:r>
+              <a:rPr lang="en-US" sz="1600" dirty="0" err="1">
+                <a:solidFill>
+                  <a:srgbClr val="A31515"/>
+                </a:solidFill>
+                <a:highlight>
+                  <a:srgbClr val="FFFFFF"/>
+                </a:highlight>
+                <a:latin typeface="Consolas"/>
+                <a:ea typeface="Calibri"/>
+                <a:cs typeface="Times New Roman"/>
+              </a:rPr>
+              <a:t>accountRepository</a:t>
+            </a:r>
+            <a:r>
+              <a:rPr lang="en-US" sz="1600" dirty="0">
+                <a:solidFill>
+                  <a:srgbClr val="A31515"/>
+                </a:solidFill>
+                <a:highlight>
+                  <a:srgbClr val="FFFFFF"/>
+                </a:highlight>
+                <a:latin typeface="Consolas"/>
+                <a:ea typeface="Calibri"/>
+                <a:cs typeface="Times New Roman"/>
+              </a:rPr>
+              <a:t>"</a:t>
+            </a:r>
+            <a:r>
+              <a:rPr lang="en-US" sz="1600" dirty="0">
+                <a:solidFill>
+                  <a:srgbClr val="000000"/>
+                </a:solidFill>
+                <a:highlight>
+                  <a:srgbClr val="FFFFFF"/>
+                </a:highlight>
+                <a:latin typeface="Consolas"/>
+                <a:ea typeface="Calibri"/>
+                <a:cs typeface="Times New Roman"/>
+              </a:rPr>
+              <a:t>);</a:t>
+            </a:r>
+            <a:endParaRPr lang="en-US" sz="2000" dirty="0">
+              <a:ea typeface="Calibri"/>
+              <a:cs typeface="Times New Roman"/>
+            </a:endParaRPr>
+          </a:p>
+          <a:p>
+            <a:pPr>
+              <a:lnSpc>
+                <a:spcPct val="115000"/>
+              </a:lnSpc>
+              <a:spcAft>
+                <a:spcPts val="0"/>
+              </a:spcAft>
+            </a:pPr>
+            <a:r>
+              <a:rPr lang="en-US" sz="1600" dirty="0">
+                <a:solidFill>
+                  <a:srgbClr val="000000"/>
+                </a:solidFill>
+                <a:highlight>
+                  <a:srgbClr val="FFFFFF"/>
+                </a:highlight>
+                <a:latin typeface="Consolas"/>
+                <a:ea typeface="Calibri"/>
+                <a:cs typeface="Times New Roman"/>
+              </a:rPr>
+              <a:t>            _</a:t>
+            </a:r>
+            <a:r>
+              <a:rPr lang="en-US" sz="1600" dirty="0" err="1">
+                <a:solidFill>
+                  <a:srgbClr val="000000"/>
+                </a:solidFill>
+                <a:highlight>
+                  <a:srgbClr val="FFFFFF"/>
+                </a:highlight>
+                <a:latin typeface="Consolas"/>
+                <a:ea typeface="Calibri"/>
+                <a:cs typeface="Times New Roman"/>
+              </a:rPr>
+              <a:t>accountRepository</a:t>
+            </a:r>
+            <a:r>
+              <a:rPr lang="en-US" sz="1600" dirty="0">
+                <a:solidFill>
+                  <a:srgbClr val="000000"/>
+                </a:solidFill>
+                <a:highlight>
+                  <a:srgbClr val="FFFFFF"/>
+                </a:highlight>
+                <a:latin typeface="Consolas"/>
+                <a:ea typeface="Calibri"/>
+                <a:cs typeface="Times New Roman"/>
+              </a:rPr>
+              <a:t> = </a:t>
+            </a:r>
+            <a:r>
+              <a:rPr lang="en-US" sz="1600" dirty="0" err="1">
+                <a:solidFill>
+                  <a:srgbClr val="000000"/>
+                </a:solidFill>
+                <a:highlight>
+                  <a:srgbClr val="FFFFFF"/>
+                </a:highlight>
+                <a:latin typeface="Consolas"/>
+                <a:ea typeface="Calibri"/>
+                <a:cs typeface="Times New Roman"/>
+              </a:rPr>
+              <a:t>accountRepository</a:t>
+            </a:r>
+            <a:r>
+              <a:rPr lang="en-US" sz="1600" dirty="0">
+                <a:solidFill>
+                  <a:srgbClr val="000000"/>
+                </a:solidFill>
+                <a:highlight>
+                  <a:srgbClr val="FFFFFF"/>
+                </a:highlight>
+                <a:latin typeface="Consolas"/>
+                <a:ea typeface="Calibri"/>
+                <a:cs typeface="Times New Roman"/>
+              </a:rPr>
+              <a:t>;</a:t>
+            </a:r>
+            <a:endParaRPr lang="en-US" sz="2000" dirty="0">
+              <a:ea typeface="Calibri"/>
+              <a:cs typeface="Times New Roman"/>
+            </a:endParaRPr>
+          </a:p>
+          <a:p>
+            <a:pPr>
+              <a:lnSpc>
+                <a:spcPct val="115000"/>
+              </a:lnSpc>
+              <a:spcAft>
+                <a:spcPts val="1000"/>
+              </a:spcAft>
+            </a:pPr>
+            <a:r>
+              <a:rPr lang="en-US" sz="1600" dirty="0">
+                <a:solidFill>
+                  <a:srgbClr val="000000"/>
+                </a:solidFill>
+                <a:highlight>
+                  <a:srgbClr val="FFFFFF"/>
+                </a:highlight>
+                <a:latin typeface="Consolas"/>
+                <a:ea typeface="Calibri"/>
+                <a:cs typeface="Times New Roman"/>
+              </a:rPr>
+              <a:t>        </a:t>
+            </a:r>
+            <a:r>
+              <a:rPr lang="en-US" sz="1600" dirty="0" smtClean="0">
+                <a:solidFill>
+                  <a:srgbClr val="000000"/>
+                </a:solidFill>
+                <a:highlight>
+                  <a:srgbClr val="FFFFFF"/>
+                </a:highlight>
+                <a:latin typeface="Consolas"/>
+                <a:ea typeface="Calibri"/>
+                <a:cs typeface="Times New Roman"/>
+              </a:rPr>
+              <a:t>}</a:t>
+            </a:r>
+          </a:p>
+          <a:p>
+            <a:pPr>
+              <a:lnSpc>
+                <a:spcPct val="115000"/>
+              </a:lnSpc>
+              <a:spcAft>
+                <a:spcPts val="1000"/>
+              </a:spcAft>
+            </a:pPr>
+            <a:r>
+              <a:rPr lang="fr-FR" sz="1600" i="1" dirty="0" err="1" smtClean="0">
+                <a:solidFill>
+                  <a:srgbClr val="000000"/>
+                </a:solidFill>
+                <a:highlight>
+                  <a:srgbClr val="FFFFFF"/>
+                </a:highlight>
+                <a:latin typeface="Consolas"/>
+                <a:ea typeface="Calibri"/>
+                <a:cs typeface="Times New Roman"/>
+              </a:rPr>
+              <a:t>UserAccountService.cs</a:t>
+            </a:r>
+            <a:r>
+              <a:rPr lang="fr-FR" sz="1600" i="1" dirty="0" smtClean="0">
+                <a:solidFill>
+                  <a:srgbClr val="000000"/>
+                </a:solidFill>
+                <a:highlight>
+                  <a:srgbClr val="FFFFFF"/>
+                </a:highlight>
+                <a:latin typeface="Consolas"/>
+                <a:ea typeface="Calibri"/>
+                <a:cs typeface="Times New Roman"/>
+              </a:rPr>
+              <a:t> (Business)</a:t>
+            </a:r>
+            <a:endParaRPr lang="en-US" i="1" dirty="0">
+              <a:ea typeface="Calibri"/>
+              <a:cs typeface="Times New Roman"/>
+            </a:endParaRPr>
+          </a:p>
+        </p:txBody>
+      </p:sp>
+      <p:pic>
+        <p:nvPicPr>
+          <p:cNvPr id="6146" name="Picture 2"/>
+          <p:cNvPicPr>
+            <a:picLocks noChangeAspect="1" noChangeArrowheads="1"/>
+          </p:cNvPicPr>
+          <p:nvPr/>
+        </p:nvPicPr>
+        <p:blipFill>
+          <a:blip r:embed="rId3">
+            <a:extLst>
+              <a:ext uri="{28A0092B-C50C-407E-A947-70E740481C1C}">
+                <a14:useLocalDpi xmlns:a14="http://schemas.microsoft.com/office/drawing/2010/main" val="0"/>
+              </a:ext>
+            </a:extLst>
+          </a:blip>
+          <a:srcRect/>
+          <a:stretch>
+            <a:fillRect/>
+          </a:stretch>
+        </p:blipFill>
+        <p:spPr bwMode="auto">
+          <a:xfrm>
+            <a:off x="0" y="1966913"/>
+            <a:ext cx="9553575" cy="2924175"/>
+          </a:xfrm>
+          <a:prstGeom prst="rect">
+            <a:avLst/>
+          </a:prstGeom>
+          <a:noFill/>
+          <a:ln>
+            <a:noFill/>
+          </a:ln>
+          <a:extLst>
+            <a:ext uri="{909E8E84-426E-40DD-AFC4-6F175D3DCCD1}">
+              <a14:hiddenFill xmlns:a14="http://schemas.microsoft.com/office/drawing/2010/main">
+                <a:solidFill>
+                  <a:schemeClr val="accent1"/>
+                </a:solidFill>
+              </a14:hiddenFill>
+            </a:ext>
+            <a:ext uri="{91240B29-F687-4F45-9708-019B960494DF}">
+              <a14:hiddenLine xmlns:a14="http://schemas.microsoft.com/office/drawing/2010/main" w="9525">
+                <a:solidFill>
+                  <a:schemeClr val="tx1"/>
+                </a:solidFill>
+                <a:miter lim="800000"/>
+                <a:headEnd/>
+                <a:tailEnd/>
+              </a14:hiddenLine>
+            </a:ext>
+          </a:extLst>
+        </p:spPr>
+      </p:pic>
     </p:spTree>
     <p:extLst>
       <p:ext uri="{BB962C8B-B14F-4D97-AF65-F5344CB8AC3E}">
@@ -26199,9 +28204,126 @@
   <p:timing>
     <p:tnLst>
       <p:par>
-        <p:cTn id="1" dur="indefinite" restart="never" nodeType="tmRoot"/>
+        <p:cTn id="1" dur="indefinite" restart="never" nodeType="tmRoot">
+          <p:childTnLst>
+            <p:seq concurrent="1" nextAc="seek">
+              <p:cTn id="2" dur="indefinite" nodeType="mainSeq">
+                <p:childTnLst>
+                  <p:par>
+                    <p:cTn id="3" fill="hold">
+                      <p:stCondLst>
+                        <p:cond delay="indefinite"/>
+                      </p:stCondLst>
+                      <p:childTnLst>
+                        <p:par>
+                          <p:cTn id="4" fill="hold">
+                            <p:stCondLst>
+                              <p:cond delay="0"/>
+                            </p:stCondLst>
+                            <p:childTnLst>
+                              <p:par>
+                                <p:cTn id="5" presetID="1" presetClass="entr" presetSubtype="0" fill="hold" grpId="0" nodeType="clickEffect">
+                                  <p:stCondLst>
+                                    <p:cond delay="0"/>
+                                  </p:stCondLst>
+                                  <p:childTnLst>
+                                    <p:set>
+                                      <p:cBhvr>
+                                        <p:cTn id="6" dur="1" fill="hold">
+                                          <p:stCondLst>
+                                            <p:cond delay="0"/>
+                                          </p:stCondLst>
+                                        </p:cTn>
+                                        <p:tgtEl>
+                                          <p:spTgt spid="7"/>
+                                        </p:tgtEl>
+                                        <p:attrNameLst>
+                                          <p:attrName>style.visibility</p:attrName>
+                                        </p:attrNameLst>
+                                      </p:cBhvr>
+                                      <p:to>
+                                        <p:strVal val="visible"/>
+                                      </p:to>
+                                    </p:set>
+                                  </p:childTnLst>
+                                </p:cTn>
+                              </p:par>
+                            </p:childTnLst>
+                          </p:cTn>
+                        </p:par>
+                      </p:childTnLst>
+                    </p:cTn>
+                  </p:par>
+                  <p:par>
+                    <p:cTn id="7" fill="hold">
+                      <p:stCondLst>
+                        <p:cond delay="indefinite"/>
+                      </p:stCondLst>
+                      <p:childTnLst>
+                        <p:par>
+                          <p:cTn id="8" fill="hold">
+                            <p:stCondLst>
+                              <p:cond delay="0"/>
+                            </p:stCondLst>
+                            <p:childTnLst>
+                              <p:par>
+                                <p:cTn id="9" presetID="1" presetClass="entr" presetSubtype="0" fill="hold" grpId="0" nodeType="clickEffect">
+                                  <p:stCondLst>
+                                    <p:cond delay="0"/>
+                                  </p:stCondLst>
+                                  <p:childTnLst>
+                                    <p:set>
+                                      <p:cBhvr>
+                                        <p:cTn id="10" dur="1" fill="hold">
+                                          <p:stCondLst>
+                                            <p:cond delay="0"/>
+                                          </p:stCondLst>
+                                        </p:cTn>
+                                        <p:tgtEl>
+                                          <p:spTgt spid="8"/>
+                                        </p:tgtEl>
+                                        <p:attrNameLst>
+                                          <p:attrName>style.visibility</p:attrName>
+                                        </p:attrNameLst>
+                                      </p:cBhvr>
+                                      <p:to>
+                                        <p:strVal val="visible"/>
+                                      </p:to>
+                                    </p:set>
+                                  </p:childTnLst>
+                                </p:cTn>
+                              </p:par>
+                            </p:childTnLst>
+                          </p:cTn>
+                        </p:par>
+                      </p:childTnLst>
+                    </p:cTn>
+                  </p:par>
+                </p:childTnLst>
+              </p:cTn>
+              <p:prevCondLst>
+                <p:cond evt="onPrev" delay="0">
+                  <p:tgtEl>
+                    <p:sldTgt/>
+                  </p:tgtEl>
+                </p:cond>
+              </p:prevCondLst>
+              <p:nextCondLst>
+                <p:cond evt="onNext" delay="0">
+                  <p:tgtEl>
+                    <p:sldTgt/>
+                  </p:tgtEl>
+                </p:cond>
+              </p:nextCondLst>
+            </p:seq>
+          </p:childTnLst>
+        </p:cTn>
       </p:par>
     </p:tnLst>
+    <p:bldLst>
+      <p:bldP spid="7" grpId="0" animBg="1"/>
+      <p:bldP spid="8" grpId="0" animBg="1"/>
+    </p:bldLst>
   </p:timing>
 </p:sld>
 </file>
@@ -26239,8 +28361,20 @@
           <a:lstStyle/>
           <a:p>
             <a:r>
-              <a:rPr lang="en-US" dirty="0" smtClean="0"/>
-              <a:t>It’s viral !</a:t>
+              <a:rPr lang="fr-FR" dirty="0" smtClean="0"/>
+              <a:t>pattern : </a:t>
+            </a:r>
+            <a:r>
+              <a:rPr lang="fr-FR" b="1" dirty="0" err="1" smtClean="0"/>
+              <a:t>Constructor</a:t>
+            </a:r>
+            <a:r>
+              <a:rPr lang="fr-FR" b="1" dirty="0" smtClean="0"/>
+              <a:t> Injection</a:t>
+            </a:r>
+            <a:r>
+              <a:rPr lang="fr-FR" dirty="0" smtClean="0"/>
+              <a:t> </a:t>
             </a:r>
             <a:endParaRPr lang="en-US" dirty="0"/>
           </a:p>
@@ -26261,9 +28395,145 @@
           <a:bodyPr/>
           <a:lstStyle/>
           <a:p>
-            <a:r>
-              <a:rPr lang="en-US" dirty="0" smtClean="0"/>
-              <a:t>Composition Root</a:t>
+            <a:pPr marL="0" indent="0">
+              <a:buNone/>
+            </a:pPr>
+            <a:r>
+              <a:rPr lang="fr-FR" b="1" i="1" dirty="0" err="1" smtClean="0"/>
+              <a:t>Declare</a:t>
+            </a:r>
+            <a:r>
+              <a:rPr lang="fr-FR" b="1" i="1" dirty="0" smtClean="0"/>
+              <a:t> </a:t>
+            </a:r>
+            <a:r>
+              <a:rPr lang="fr-FR" b="1" i="1" dirty="0" err="1" smtClean="0"/>
+              <a:t>required</a:t>
+            </a:r>
+            <a:r>
+              <a:rPr lang="fr-FR" b="1" i="1" dirty="0" smtClean="0"/>
+              <a:t> </a:t>
+            </a:r>
+            <a:r>
+              <a:rPr lang="fr-FR" b="1" i="1" dirty="0" err="1" smtClean="0"/>
+              <a:t>dependencies</a:t>
+            </a:r>
+            <a:r>
+              <a:rPr lang="fr-FR" b="1" i="1" dirty="0" smtClean="0"/>
+              <a:t> as </a:t>
+            </a:r>
+            <a:r>
+              <a:rPr lang="fr-FR" b="1" i="1" dirty="0" err="1" smtClean="0"/>
+              <a:t>constructor</a:t>
+            </a:r>
+            <a:r>
+              <a:rPr lang="fr-FR" b="1" i="1" dirty="0" smtClean="0"/>
+              <a:t> </a:t>
+            </a:r>
+            <a:r>
+              <a:rPr lang="fr-FR" b="1" i="1" dirty="0" err="1" smtClean="0"/>
+              <a:t>parameters</a:t>
+            </a:r>
+            <a:endParaRPr lang="fr-FR" b="1" i="1" dirty="0" smtClean="0"/>
+          </a:p>
+          <a:p>
+            <a:r>
+              <a:rPr lang="fr-FR" dirty="0" err="1" smtClean="0"/>
+              <a:t>Declarative</a:t>
+            </a:r>
+            <a:r>
+              <a:rPr lang="fr-FR" dirty="0" smtClean="0"/>
+              <a:t> and </a:t>
+            </a:r>
+            <a:r>
+              <a:rPr lang="fr-FR" dirty="0" err="1" smtClean="0"/>
+              <a:t>discoverable</a:t>
+            </a:r>
+            <a:endParaRPr lang="fr-FR" dirty="0" smtClean="0"/>
+          </a:p>
+          <a:p>
+            <a:r>
+              <a:rPr lang="fr-FR" dirty="0" smtClean="0"/>
+              <a:t>Type-</a:t>
+            </a:r>
+            <a:r>
+              <a:rPr lang="fr-FR" dirty="0" err="1" smtClean="0"/>
+              <a:t>safe</a:t>
+            </a:r>
+            <a:endParaRPr lang="fr-FR" dirty="0" smtClean="0"/>
+          </a:p>
+          <a:p>
+            <a:r>
+              <a:rPr lang="fr-FR" dirty="0" err="1" smtClean="0"/>
+              <a:t>Recommended</a:t>
+            </a:r>
+            <a:r>
+              <a:rPr lang="fr-FR" dirty="0" smtClean="0"/>
+              <a:t> </a:t>
+            </a:r>
+            <a:r>
+              <a:rPr lang="fr-FR" dirty="0" err="1" smtClean="0"/>
+              <a:t>approach</a:t>
+            </a:r>
+            <a:r>
+              <a:rPr lang="fr-FR" dirty="0" smtClean="0"/>
+              <a:t> in 99.9% of cases</a:t>
+            </a:r>
+          </a:p>
+          <a:p>
+            <a:endParaRPr lang="fr-FR" dirty="0"/>
+          </a:p>
+          <a:p>
+            <a:pPr marL="0" indent="0">
+              <a:buNone/>
+            </a:pPr>
+            <a:r>
+              <a:rPr lang="fr-FR" sz="2400" dirty="0" err="1" smtClean="0"/>
+              <a:t>Need</a:t>
+            </a:r>
+            <a:r>
+              <a:rPr lang="fr-FR" sz="2400" dirty="0" smtClean="0"/>
+              <a:t> </a:t>
+            </a:r>
+            <a:r>
+              <a:rPr lang="fr-FR" sz="2400" dirty="0" err="1" smtClean="0"/>
+              <a:t>Guard</a:t>
+            </a:r>
+            <a:r>
+              <a:rPr lang="fr-FR" sz="2400" dirty="0" smtClean="0"/>
+              <a:t> clause </a:t>
+            </a:r>
+            <a:r>
+              <a:rPr lang="fr-FR" sz="2400" dirty="0" err="1" smtClean="0"/>
+              <a:t>because</a:t>
+            </a:r>
+            <a:r>
+              <a:rPr lang="fr-FR" sz="2400" dirty="0" smtClean="0"/>
+              <a:t> C# </a:t>
+            </a:r>
+            <a:r>
+              <a:rPr lang="fr-FR" sz="2400" dirty="0" err="1" smtClean="0"/>
+              <a:t>does</a:t>
+            </a:r>
+            <a:r>
+              <a:rPr lang="fr-FR" sz="2400" dirty="0" smtClean="0"/>
+              <a:t> not support non-</a:t>
+            </a:r>
+            <a:r>
+              <a:rPr lang="fr-FR" sz="2400" dirty="0" err="1" smtClean="0"/>
+              <a:t>nullable</a:t>
+            </a:r>
+            <a:r>
+              <a:rPr lang="fr-FR" sz="2400" dirty="0" smtClean="0"/>
+              <a:t> </a:t>
+            </a:r>
+            <a:r>
+              <a:rPr lang="fr-FR" sz="2400" dirty="0" err="1" smtClean="0"/>
+              <a:t>reference</a:t>
+            </a:r>
+            <a:r>
+              <a:rPr lang="fr-FR" sz="2400" dirty="0" smtClean="0"/>
+              <a:t> types …</a:t>
             </a:r>
             <a:endParaRPr lang="en-US" dirty="0"/>
           </a:p>
@@ -26272,7 +28542,7 @@
     </p:spTree>
     <p:extLst>
       <p:ext uri="{BB962C8B-B14F-4D97-AF65-F5344CB8AC3E}">
-        <p14:creationId xmlns:p14="http://schemas.microsoft.com/office/powerpoint/2010/main" val="1394666143"/>
+        <p14:creationId xmlns:p14="http://schemas.microsoft.com/office/powerpoint/2010/main" val="1596228137"/>
       </p:ext>
     </p:extLst>
   </p:cSld>
@@ -26318,12 +28588,46 @@
         </p:nvSpPr>
         <p:spPr/>
         <p:txBody>
-          <a:bodyPr/>
+          <a:bodyPr>
+            <a:normAutofit fontScale="90000"/>
+          </a:bodyPr>
           <a:lstStyle/>
           <a:p>
             <a:r>
-              <a:rPr lang="en-US" dirty="0" smtClean="0"/>
-              <a:t>Pure DI aka Poor Man’s DI</a:t>
+              <a:rPr lang="fr-FR" dirty="0" smtClean="0"/>
+              <a:t>This </a:t>
+            </a:r>
+            <a:r>
+              <a:rPr lang="fr-FR" dirty="0" err="1" smtClean="0"/>
+              <a:t>is</a:t>
+            </a:r>
+            <a:r>
+              <a:rPr lang="fr-FR" dirty="0" smtClean="0"/>
+              <a:t> </a:t>
+            </a:r>
+            <a:r>
+              <a:rPr lang="fr-FR" dirty="0" err="1" smtClean="0"/>
+              <a:t>great</a:t>
+            </a:r>
+            <a:r>
+              <a:rPr lang="fr-FR" dirty="0" smtClean="0"/>
+              <a:t> and </a:t>
+            </a:r>
+            <a:r>
+              <a:rPr lang="fr-FR" dirty="0" err="1" smtClean="0"/>
+              <a:t>everything</a:t>
+            </a:r>
+            <a:r>
+              <a:rPr lang="fr-FR" dirty="0" smtClean="0"/>
+              <a:t> </a:t>
+            </a:r>
+            <a:r>
+              <a:rPr lang="fr-FR" dirty="0" err="1" smtClean="0"/>
+              <a:t>except</a:t>
+            </a:r>
+            <a:r>
+              <a:rPr lang="fr-FR" dirty="0" smtClean="0"/>
+              <a:t> …</a:t>
             </a:r>
             <a:endParaRPr lang="en-US" dirty="0"/>
           </a:p>
@@ -26351,7 +28655,7 @@
     </p:spTree>
     <p:extLst>
       <p:ext uri="{BB962C8B-B14F-4D97-AF65-F5344CB8AC3E}">
-        <p14:creationId xmlns:p14="http://schemas.microsoft.com/office/powerpoint/2010/main" val="550091921"/>
+        <p14:creationId xmlns:p14="http://schemas.microsoft.com/office/powerpoint/2010/main" val="2030705628"/>
       </p:ext>
     </p:extLst>
   </p:cSld>
@@ -26402,7 +28706,7 @@
           <a:p>
             <a:r>
               <a:rPr lang="en-US" dirty="0" smtClean="0"/>
-              <a:t>Extensibility with DI</a:t>
+              <a:t>It’s viral !</a:t>
             </a:r>
             <a:endParaRPr lang="en-US" dirty="0"/>
           </a:p>
@@ -26424,45 +28728,9 @@
           <a:lstStyle/>
           <a:p>
             <a:r>
-              <a:rPr lang="en-US" dirty="0" err="1" smtClean="0"/>
-              <a:t>Composability</a:t>
-            </a:r>
-            <a:r>
               <a:rPr lang="en-US" dirty="0" smtClean="0"/>
-              <a:t> </a:t>
-            </a:r>
-          </a:p>
-          <a:p>
-            <a:r>
-              <a:rPr lang="en-US" dirty="0" smtClean="0"/>
-              <a:t>Testability</a:t>
-            </a:r>
-          </a:p>
-          <a:p>
-            <a:r>
-              <a:rPr lang="en-US" dirty="0" smtClean="0"/>
-              <a:t>Decorator</a:t>
-            </a:r>
-          </a:p>
-          <a:p>
-            <a:endParaRPr lang="en-US" dirty="0"/>
-          </a:p>
-          <a:p>
-            <a:r>
-              <a:rPr lang="en-US" dirty="0" smtClean="0"/>
-              <a:t>Late binding</a:t>
-            </a:r>
-          </a:p>
-          <a:p>
-            <a:endParaRPr lang="en-US" dirty="0"/>
-          </a:p>
-          <a:p>
-            <a:r>
-              <a:rPr lang="en-US" dirty="0" smtClean="0"/>
-              <a:t>Examples ? </a:t>
-            </a:r>
-          </a:p>
-          <a:p>
+              <a:t>Composition Root</a:t>
+            </a:r>
             <a:endParaRPr lang="en-US" dirty="0"/>
           </a:p>
         </p:txBody>
@@ -26470,7 +28738,7 @@
     </p:spTree>
     <p:extLst>
       <p:ext uri="{BB962C8B-B14F-4D97-AF65-F5344CB8AC3E}">
-        <p14:creationId xmlns:p14="http://schemas.microsoft.com/office/powerpoint/2010/main" val="3162647260"/>
+        <p14:creationId xmlns:p14="http://schemas.microsoft.com/office/powerpoint/2010/main" val="1394666143"/>
       </p:ext>
     </p:extLst>
   </p:cSld>
@@ -26521,7 +28789,7 @@
           <a:p>
             <a:r>
               <a:rPr lang="en-US" dirty="0" smtClean="0"/>
-              <a:t>DI Container</a:t>
+              <a:t>Pure DI aka Poor Man’s DI</a:t>
             </a:r>
             <a:endParaRPr lang="en-US" dirty="0"/>
           </a:p>
@@ -26542,18 +28810,14 @@
           <a:bodyPr/>
           <a:lstStyle/>
           <a:p>
-            <a:r>
-              <a:rPr lang="en-US" dirty="0" smtClean="0"/>
-              <a:t>How it works / what it does</a:t>
-            </a:r>
-            <a:endParaRPr lang="en-US" dirty="0"/>
+            <a:endParaRPr lang="en-US"/>
           </a:p>
         </p:txBody>
       </p:sp>
     </p:spTree>
     <p:extLst>
       <p:ext uri="{BB962C8B-B14F-4D97-AF65-F5344CB8AC3E}">
-        <p14:creationId xmlns:p14="http://schemas.microsoft.com/office/powerpoint/2010/main" val="3753203453"/>
+        <p14:creationId xmlns:p14="http://schemas.microsoft.com/office/powerpoint/2010/main" val="550091921"/>
       </p:ext>
     </p:extLst>
   </p:cSld>
@@ -26599,14 +28863,12 @@
         </p:nvSpPr>
         <p:spPr/>
         <p:txBody>
-          <a:bodyPr>
-            <a:normAutofit fontScale="90000"/>
-          </a:bodyPr>
+          <a:bodyPr/>
           <a:lstStyle/>
           <a:p>
             <a:r>
               <a:rPr lang="en-US" dirty="0" smtClean="0"/>
-              <a:t>Service Locator – DI container misusage</a:t>
+              <a:t>Extensibility with DI</a:t>
             </a:r>
             <a:endParaRPr lang="en-US" dirty="0"/>
           </a:p>
@@ -26627,14 +28889,54 @@
           <a:bodyPr/>
           <a:lstStyle/>
           <a:p>
-            <a:endParaRPr lang="en-US"/>
+            <a:r>
+              <a:rPr lang="en-US" dirty="0" err="1" smtClean="0"/>
+              <a:t>Composability</a:t>
+            </a:r>
+            <a:r>
+              <a:rPr lang="en-US" dirty="0" smtClean="0"/>
+              <a:t> </a:t>
+            </a:r>
+          </a:p>
+          <a:p>
+            <a:r>
+              <a:rPr lang="en-US" dirty="0" smtClean="0"/>
+              <a:t>Testability</a:t>
+            </a:r>
+          </a:p>
+          <a:p>
+            <a:r>
+              <a:rPr lang="en-US" dirty="0" smtClean="0"/>
+              <a:t>Decorator</a:t>
+            </a:r>
+          </a:p>
+          <a:p>
+            <a:endParaRPr lang="en-US" dirty="0"/>
+          </a:p>
+          <a:p>
+            <a:r>
+              <a:rPr lang="en-US" dirty="0" smtClean="0"/>
+              <a:t>Late binding</a:t>
+            </a:r>
+          </a:p>
+          <a:p>
+            <a:endParaRPr lang="en-US" dirty="0"/>
+          </a:p>
+          <a:p>
+            <a:r>
+              <a:rPr lang="en-US" dirty="0" smtClean="0"/>
+              <a:t>Examples ? </a:t>
+            </a:r>
+          </a:p>
+          <a:p>
+            <a:endParaRPr lang="en-US" dirty="0"/>
           </a:p>
         </p:txBody>
       </p:sp>
     </p:spTree>
     <p:extLst>
       <p:ext uri="{BB962C8B-B14F-4D97-AF65-F5344CB8AC3E}">
-        <p14:creationId xmlns:p14="http://schemas.microsoft.com/office/powerpoint/2010/main" val="1148450113"/>
+        <p14:creationId xmlns:p14="http://schemas.microsoft.com/office/powerpoint/2010/main" val="3162647260"/>
       </p:ext>
     </p:extLst>
   </p:cSld>
@@ -26846,7 +29148,7 @@
           <a:p>
             <a:r>
               <a:rPr lang="en-US" dirty="0" smtClean="0"/>
-              <a:t>Composition, but not only</a:t>
+              <a:t>DI Container</a:t>
             </a:r>
             <a:endParaRPr lang="en-US" dirty="0"/>
           </a:p>
@@ -26869,16 +29171,8 @@
           <a:p>
             <a:r>
               <a:rPr lang="en-US" dirty="0" smtClean="0"/>
-              <a:t>Object creation and composition</a:t>
-            </a:r>
-          </a:p>
-          <a:p>
-            <a:r>
-              <a:rPr lang="en-US" dirty="0" smtClean="0"/>
-              <a:t>Other important parts of DI</a:t>
-            </a:r>
-          </a:p>
-          <a:p>
+              <a:t>How it works / what it does</a:t>
+            </a:r>
             <a:endParaRPr lang="en-US" dirty="0"/>
           </a:p>
         </p:txBody>
@@ -26886,7 +29180,7 @@
     </p:spTree>
     <p:extLst>
       <p:ext uri="{BB962C8B-B14F-4D97-AF65-F5344CB8AC3E}">
-        <p14:creationId xmlns:p14="http://schemas.microsoft.com/office/powerpoint/2010/main" val="2294633566"/>
+        <p14:creationId xmlns:p14="http://schemas.microsoft.com/office/powerpoint/2010/main" val="3753203453"/>
       </p:ext>
     </p:extLst>
   </p:cSld>
@@ -26932,16 +29226,14 @@
         </p:nvSpPr>
         <p:spPr/>
         <p:txBody>
-          <a:bodyPr/>
+          <a:bodyPr>
+            <a:normAutofit fontScale="90000"/>
+          </a:bodyPr>
           <a:lstStyle/>
           <a:p>
             <a:r>
-              <a:rPr lang="en-US" dirty="0" err="1" smtClean="0"/>
-              <a:t>LifeTime</a:t>
-            </a:r>
-            <a:r>
               <a:rPr lang="en-US" dirty="0" smtClean="0"/>
-              <a:t> Management</a:t>
+              <a:t>Service Locator – DI container misusage</a:t>
             </a:r>
             <a:endParaRPr lang="en-US" dirty="0"/>
           </a:p>
@@ -26962,14 +29254,14 @@
           <a:bodyPr/>
           <a:lstStyle/>
           <a:p>
-            <a:endParaRPr lang="en-US" dirty="0"/>
+            <a:endParaRPr lang="en-US"/>
           </a:p>
         </p:txBody>
       </p:sp>
     </p:spTree>
     <p:extLst>
       <p:ext uri="{BB962C8B-B14F-4D97-AF65-F5344CB8AC3E}">
-        <p14:creationId xmlns:p14="http://schemas.microsoft.com/office/powerpoint/2010/main" val="3458786066"/>
+        <p14:creationId xmlns:p14="http://schemas.microsoft.com/office/powerpoint/2010/main" val="1148450113"/>
       </p:ext>
     </p:extLst>
   </p:cSld>
@@ -27020,7 +29312,7 @@
           <a:p>
             <a:r>
               <a:rPr lang="en-US" dirty="0" smtClean="0"/>
-              <a:t>Interception</a:t>
+              <a:t>Composition, but not only</a:t>
             </a:r>
             <a:endParaRPr lang="en-US" dirty="0"/>
           </a:p>
@@ -27041,6 +29333,18 @@
           <a:bodyPr/>
           <a:lstStyle/>
           <a:p>
+            <a:r>
+              <a:rPr lang="en-US" dirty="0" smtClean="0"/>
+              <a:t>Object creation and composition</a:t>
+            </a:r>
+          </a:p>
+          <a:p>
+            <a:r>
+              <a:rPr lang="en-US" dirty="0" smtClean="0"/>
+              <a:t>Other important parts of DI</a:t>
+            </a:r>
+          </a:p>
+          <a:p>
             <a:endParaRPr lang="en-US" dirty="0"/>
           </a:p>
         </p:txBody>
@@ -27048,7 +29352,7 @@
     </p:spTree>
     <p:extLst>
       <p:ext uri="{BB962C8B-B14F-4D97-AF65-F5344CB8AC3E}">
-        <p14:creationId xmlns:p14="http://schemas.microsoft.com/office/powerpoint/2010/main" val="4036849652"/>
+        <p14:creationId xmlns:p14="http://schemas.microsoft.com/office/powerpoint/2010/main" val="2294633566"/>
       </p:ext>
     </p:extLst>
   </p:cSld>
@@ -27094,14 +29398,16 @@
         </p:nvSpPr>
         <p:spPr/>
         <p:txBody>
-          <a:bodyPr>
-            <a:normAutofit/>
-          </a:bodyPr>
+          <a:bodyPr/>
           <a:lstStyle/>
           <a:p>
             <a:r>
+              <a:rPr lang="en-US" dirty="0" err="1" smtClean="0"/>
+              <a:t>LifeTime</a:t>
+            </a:r>
+            <a:r>
               <a:rPr lang="en-US" dirty="0" smtClean="0"/>
-              <a:t>Conclusion</a:t>
+              <a:t> Management</a:t>
             </a:r>
             <a:endParaRPr lang="en-US" dirty="0"/>
           </a:p>
@@ -27122,14 +29428,14 @@
           <a:bodyPr/>
           <a:lstStyle/>
           <a:p>
-            <a:endParaRPr lang="en-US"/>
+            <a:endParaRPr lang="en-US" dirty="0"/>
           </a:p>
         </p:txBody>
       </p:sp>
     </p:spTree>
     <p:extLst>
       <p:ext uri="{BB962C8B-B14F-4D97-AF65-F5344CB8AC3E}">
-        <p14:creationId xmlns:p14="http://schemas.microsoft.com/office/powerpoint/2010/main" val="308607750"/>
+        <p14:creationId xmlns:p14="http://schemas.microsoft.com/office/powerpoint/2010/main" val="3458786066"/>
       </p:ext>
     </p:extLst>
   </p:cSld>
@@ -27180,6 +29486,166 @@
           <a:p>
             <a:r>
               <a:rPr lang="en-US" dirty="0" smtClean="0"/>
+              <a:t>Interception</a:t>
+            </a:r>
+            <a:endParaRPr lang="en-US" dirty="0"/>
+          </a:p>
+        </p:txBody>
+      </p:sp>
+      <p:sp>
+        <p:nvSpPr>
+          <p:cNvPr id="3" name="Content Placeholder 2"/>
+          <p:cNvSpPr>
+            <a:spLocks noGrp="1"/>
+          </p:cNvSpPr>
+          <p:nvPr>
+            <p:ph idx="1"/>
+          </p:nvPr>
+        </p:nvSpPr>
+        <p:spPr/>
+        <p:txBody>
+          <a:bodyPr/>
+          <a:lstStyle/>
+          <a:p>
+            <a:endParaRPr lang="en-US" dirty="0"/>
+          </a:p>
+        </p:txBody>
+      </p:sp>
+    </p:spTree>
+    <p:extLst>
+      <p:ext uri="{BB962C8B-B14F-4D97-AF65-F5344CB8AC3E}">
+        <p14:creationId xmlns:p14="http://schemas.microsoft.com/office/powerpoint/2010/main" val="4036849652"/>
+      </p:ext>
+    </p:extLst>
+  </p:cSld>
+  <p:clrMapOvr>
+    <a:masterClrMapping/>
+  </p:clrMapOvr>
+  <p:timing>
+    <p:tnLst>
+      <p:par>
+        <p:cTn id="1" dur="indefinite" restart="never" nodeType="tmRoot"/>
+      </p:par>
+    </p:tnLst>
+  </p:timing>
+</p:sld>
+</file>
+
+<file path=ppt/slides/slide35.xml><?xml version="1.0" encoding="utf-8"?>
+<p:sld xmlns:a="http://schemas.openxmlformats.org/drawingml/2006/main" xmlns:r="http://schemas.openxmlformats.org/officeDocument/2006/relationships" xmlns:p="http://schemas.openxmlformats.org/presentationml/2006/main">
+  <p:cSld>
+    <p:spTree>
+      <p:nvGrpSpPr>
+        <p:cNvPr id="1" name=""/>
+        <p:cNvGrpSpPr/>
+        <p:nvPr/>
+      </p:nvGrpSpPr>
+      <p:grpSpPr>
+        <a:xfrm>
+          <a:off x="0" y="0"/>
+          <a:ext cx="0" cy="0"/>
+          <a:chOff x="0" y="0"/>
+          <a:chExt cx="0" cy="0"/>
+        </a:xfrm>
+      </p:grpSpPr>
+      <p:sp>
+        <p:nvSpPr>
+          <p:cNvPr id="2" name="Title 1"/>
+          <p:cNvSpPr>
+            <a:spLocks noGrp="1"/>
+          </p:cNvSpPr>
+          <p:nvPr>
+            <p:ph type="title"/>
+          </p:nvPr>
+        </p:nvSpPr>
+        <p:spPr/>
+        <p:txBody>
+          <a:bodyPr>
+            <a:normAutofit/>
+          </a:bodyPr>
+          <a:lstStyle/>
+          <a:p>
+            <a:r>
+              <a:rPr lang="en-US" dirty="0" smtClean="0"/>
+              <a:t>Conclusion</a:t>
+            </a:r>
+            <a:endParaRPr lang="en-US" dirty="0"/>
+          </a:p>
+        </p:txBody>
+      </p:sp>
+      <p:sp>
+        <p:nvSpPr>
+          <p:cNvPr id="3" name="Content Placeholder 2"/>
+          <p:cNvSpPr>
+            <a:spLocks noGrp="1"/>
+          </p:cNvSpPr>
+          <p:nvPr>
+            <p:ph idx="1"/>
+          </p:nvPr>
+        </p:nvSpPr>
+        <p:spPr/>
+        <p:txBody>
+          <a:bodyPr/>
+          <a:lstStyle/>
+          <a:p>
+            <a:endParaRPr lang="en-US"/>
+          </a:p>
+        </p:txBody>
+      </p:sp>
+    </p:spTree>
+    <p:extLst>
+      <p:ext uri="{BB962C8B-B14F-4D97-AF65-F5344CB8AC3E}">
+        <p14:creationId xmlns:p14="http://schemas.microsoft.com/office/powerpoint/2010/main" val="308607750"/>
+      </p:ext>
+    </p:extLst>
+  </p:cSld>
+  <p:clrMapOvr>
+    <a:masterClrMapping/>
+  </p:clrMapOvr>
+  <p:timing>
+    <p:tnLst>
+      <p:par>
+        <p:cTn id="1" dur="indefinite" restart="never" nodeType="tmRoot"/>
+      </p:par>
+    </p:tnLst>
+  </p:timing>
+</p:sld>
+</file>
+
+<file path=ppt/slides/slide36.xml><?xml version="1.0" encoding="utf-8"?>
+<p:sld xmlns:a="http://schemas.openxmlformats.org/drawingml/2006/main" xmlns:r="http://schemas.openxmlformats.org/officeDocument/2006/relationships" xmlns:p="http://schemas.openxmlformats.org/presentationml/2006/main">
+  <p:cSld>
+    <p:spTree>
+      <p:nvGrpSpPr>
+        <p:cNvPr id="1" name=""/>
+        <p:cNvGrpSpPr/>
+        <p:nvPr/>
+      </p:nvGrpSpPr>
+      <p:grpSpPr>
+        <a:xfrm>
+          <a:off x="0" y="0"/>
+          <a:ext cx="0" cy="0"/>
+          <a:chOff x="0" y="0"/>
+          <a:chExt cx="0" cy="0"/>
+        </a:xfrm>
+      </p:grpSpPr>
+      <p:sp>
+        <p:nvSpPr>
+          <p:cNvPr id="2" name="Title 1"/>
+          <p:cNvSpPr>
+            <a:spLocks noGrp="1"/>
+          </p:cNvSpPr>
+          <p:nvPr>
+            <p:ph type="title"/>
+          </p:nvPr>
+        </p:nvSpPr>
+        <p:spPr/>
+        <p:txBody>
+          <a:bodyPr/>
+          <a:lstStyle/>
+          <a:p>
+            <a:r>
+              <a:rPr lang="en-US" dirty="0" smtClean="0"/>
               <a:t>Remember</a:t>
             </a:r>
             <a:endParaRPr lang="en-US" dirty="0"/>
@@ -27225,7 +29691,7 @@
 </p:sld>
 </file>
 
-<file path=ppt/slides/slide35.xml><?xml version="1.0" encoding="utf-8"?>
+<file path=ppt/slides/slide37.xml><?xml version="1.0" encoding="utf-8"?>
 <p:sld xmlns:a="http://schemas.openxmlformats.org/drawingml/2006/main" xmlns:r="http://schemas.openxmlformats.org/officeDocument/2006/relationships" xmlns:p="http://schemas.openxmlformats.org/presentationml/2006/main">
   <p:cSld>
     <p:spTree>

--- a/Dependency Injection - the right way.pptx
+++ b/Dependency Injection - the right way.pptx
@@ -5,7 +5,7 @@
     <p:sldMasterId id="2147483648" r:id="rId1"/>
   </p:sldMasterIdLst>
   <p:notesMasterIdLst>
-    <p:notesMasterId r:id="rId39"/>
+    <p:notesMasterId r:id="rId41"/>
   </p:notesMasterIdLst>
   <p:sldIdLst>
     <p:sldId id="258" r:id="rId2"/>
@@ -34,17 +34,19 @@
     <p:sldId id="269" r:id="rId25"/>
     <p:sldId id="292" r:id="rId26"/>
     <p:sldId id="293" r:id="rId27"/>
-    <p:sldId id="270" r:id="rId28"/>
-    <p:sldId id="271" r:id="rId29"/>
-    <p:sldId id="272" r:id="rId30"/>
-    <p:sldId id="273" r:id="rId31"/>
-    <p:sldId id="274" r:id="rId32"/>
-    <p:sldId id="275" r:id="rId33"/>
-    <p:sldId id="276" r:id="rId34"/>
-    <p:sldId id="277" r:id="rId35"/>
-    <p:sldId id="278" r:id="rId36"/>
-    <p:sldId id="279" r:id="rId37"/>
-    <p:sldId id="259" r:id="rId38"/>
+    <p:sldId id="294" r:id="rId28"/>
+    <p:sldId id="295" r:id="rId29"/>
+    <p:sldId id="296" r:id="rId30"/>
+    <p:sldId id="271" r:id="rId31"/>
+    <p:sldId id="272" r:id="rId32"/>
+    <p:sldId id="273" r:id="rId33"/>
+    <p:sldId id="274" r:id="rId34"/>
+    <p:sldId id="275" r:id="rId35"/>
+    <p:sldId id="276" r:id="rId36"/>
+    <p:sldId id="277" r:id="rId37"/>
+    <p:sldId id="278" r:id="rId38"/>
+    <p:sldId id="279" r:id="rId39"/>
+    <p:sldId id="259" r:id="rId40"/>
   </p:sldIdLst>
   <p:sldSz cx="9144000" cy="6858000" type="screen4x3"/>
   <p:notesSz cx="6858000" cy="9144000"/>
@@ -178,7 +180,9 @@
             <p14:sldId id="269"/>
             <p14:sldId id="292"/>
             <p14:sldId id="293"/>
-            <p14:sldId id="270"/>
+            <p14:sldId id="294"/>
+            <p14:sldId id="295"/>
+            <p14:sldId id="296"/>
             <p14:sldId id="271"/>
             <p14:sldId id="272"/>
             <p14:sldId id="273"/>
@@ -905,6 +909,134 @@
     <p:extLst>
       <p:ext uri="{BB962C8B-B14F-4D97-AF65-F5344CB8AC3E}">
         <p14:creationId xmlns:p14="http://schemas.microsoft.com/office/powerpoint/2010/main" val="1926364492"/>
+      </p:ext>
+    </p:extLst>
+  </p:cSld>
+  <p:clrMapOvr>
+    <a:masterClrMapping/>
+  </p:clrMapOvr>
+</p:notes>
+</file>
+
+<file path=ppt/notesSlides/notesSlide12.xml><?xml version="1.0" encoding="utf-8"?>
+<p:notes xmlns:a="http://schemas.openxmlformats.org/drawingml/2006/main" xmlns:r="http://schemas.openxmlformats.org/officeDocument/2006/relationships" xmlns:p="http://schemas.openxmlformats.org/presentationml/2006/main">
+  <p:cSld>
+    <p:spTree>
+      <p:nvGrpSpPr>
+        <p:cNvPr id="1" name=""/>
+        <p:cNvGrpSpPr/>
+        <p:nvPr/>
+      </p:nvGrpSpPr>
+      <p:grpSpPr>
+        <a:xfrm>
+          <a:off x="0" y="0"/>
+          <a:ext cx="0" cy="0"/>
+          <a:chOff x="0" y="0"/>
+          <a:chExt cx="0" cy="0"/>
+        </a:xfrm>
+      </p:grpSpPr>
+      <p:sp>
+        <p:nvSpPr>
+          <p:cNvPr id="2" name="Slide Image Placeholder 1"/>
+          <p:cNvSpPr>
+            <a:spLocks noGrp="1" noRot="1" noChangeAspect="1"/>
+          </p:cNvSpPr>
+          <p:nvPr>
+            <p:ph type="sldImg"/>
+          </p:nvPr>
+        </p:nvSpPr>
+        <p:spPr/>
+      </p:sp>
+      <p:sp>
+        <p:nvSpPr>
+          <p:cNvPr id="3" name="Notes Placeholder 2"/>
+          <p:cNvSpPr>
+            <a:spLocks noGrp="1"/>
+          </p:cNvSpPr>
+          <p:nvPr>
+            <p:ph type="body" idx="1"/>
+          </p:nvPr>
+        </p:nvSpPr>
+        <p:spPr/>
+        <p:txBody>
+          <a:bodyPr/>
+          <a:lstStyle/>
+          <a:p>
+            <a:r>
+              <a:rPr lang="fr-FR" dirty="0" smtClean="0"/>
+              <a:t>If </a:t>
+            </a:r>
+            <a:r>
+              <a:rPr lang="fr-FR" dirty="0" err="1" smtClean="0"/>
+              <a:t>you</a:t>
+            </a:r>
+            <a:r>
+              <a:rPr lang="fr-FR" dirty="0" smtClean="0"/>
+              <a:t> </a:t>
+            </a:r>
+            <a:r>
+              <a:rPr lang="fr-FR" dirty="0" err="1" smtClean="0"/>
+              <a:t>remember</a:t>
+            </a:r>
+            <a:r>
+              <a:rPr lang="fr-FR" dirty="0" smtClean="0"/>
+              <a:t> one </a:t>
+            </a:r>
+            <a:r>
+              <a:rPr lang="fr-FR" dirty="0" err="1" smtClean="0"/>
+              <a:t>thing</a:t>
+            </a:r>
+            <a:r>
+              <a:rPr lang="fr-FR" dirty="0" smtClean="0"/>
+              <a:t>, </a:t>
+            </a:r>
+            <a:r>
+              <a:rPr lang="fr-FR" dirty="0" err="1" smtClean="0"/>
+              <a:t>it’s</a:t>
+            </a:r>
+            <a:r>
+              <a:rPr lang="fr-FR" dirty="0" smtClean="0"/>
+              <a:t> </a:t>
+            </a:r>
+            <a:r>
+              <a:rPr lang="fr-FR" dirty="0" err="1" smtClean="0"/>
+              <a:t>that</a:t>
+            </a:r>
+            <a:r>
+              <a:rPr lang="fr-FR" dirty="0" smtClean="0"/>
+              <a:t> !</a:t>
+            </a:r>
+            <a:endParaRPr lang="en-US" dirty="0"/>
+          </a:p>
+        </p:txBody>
+      </p:sp>
+      <p:sp>
+        <p:nvSpPr>
+          <p:cNvPr id="4" name="Slide Number Placeholder 3"/>
+          <p:cNvSpPr>
+            <a:spLocks noGrp="1"/>
+          </p:cNvSpPr>
+          <p:nvPr>
+            <p:ph type="sldNum" sz="quarter" idx="10"/>
+          </p:nvPr>
+        </p:nvSpPr>
+        <p:spPr/>
+        <p:txBody>
+          <a:bodyPr/>
+          <a:lstStyle/>
+          <a:p>
+            <a:fld id="{33F0961A-48D7-4871-86EB-F9831811C96F}" type="slidenum">
+              <a:rPr lang="en-US" smtClean="0"/>
+              <a:t>25</a:t>
+            </a:fld>
+            <a:endParaRPr lang="en-US"/>
+          </a:p>
+        </p:txBody>
+      </p:sp>
+    </p:spTree>
+    <p:extLst>
+      <p:ext uri="{BB962C8B-B14F-4D97-AF65-F5344CB8AC3E}">
+        <p14:creationId xmlns:p14="http://schemas.microsoft.com/office/powerpoint/2010/main" val="2061991369"/>
       </p:ext>
     </p:extLst>
   </p:cSld>
@@ -21598,9 +21730,47 @@
         <p:spPr/>
         <p:txBody>
           <a:bodyPr>
-            <a:normAutofit fontScale="92500" lnSpcReduction="20000"/>
+            <a:normAutofit fontScale="85000" lnSpcReduction="10000"/>
           </a:bodyPr>
           <a:lstStyle/>
+          <a:p>
+            <a:pPr marL="0" indent="0" algn="ctr">
+              <a:buNone/>
+            </a:pPr>
+            <a:r>
+              <a:rPr lang="fr-FR" sz="3300" i="1" dirty="0" smtClean="0"/>
+              <a:t>Expose </a:t>
+            </a:r>
+            <a:r>
+              <a:rPr lang="fr-FR" sz="3300" i="1" dirty="0" err="1" smtClean="0"/>
+              <a:t>settable</a:t>
+            </a:r>
+            <a:r>
+              <a:rPr lang="fr-FR" sz="3300" i="1" dirty="0" smtClean="0"/>
+              <a:t> </a:t>
+            </a:r>
+            <a:r>
+              <a:rPr lang="fr-FR" sz="3300" i="1" dirty="0" err="1" smtClean="0"/>
+              <a:t>properties</a:t>
+            </a:r>
+            <a:r>
+              <a:rPr lang="fr-FR" sz="3300" i="1" dirty="0" smtClean="0"/>
+              <a:t> to </a:t>
+            </a:r>
+            <a:r>
+              <a:rPr lang="fr-FR" sz="3300" i="1" dirty="0" err="1" smtClean="0"/>
+              <a:t>modify</a:t>
+            </a:r>
+            <a:r>
+              <a:rPr lang="fr-FR" sz="3300" i="1" dirty="0" smtClean="0"/>
+              <a:t> </a:t>
+            </a:r>
+            <a:r>
+              <a:rPr lang="fr-FR" sz="3300" i="1" dirty="0" err="1" smtClean="0"/>
+              <a:t>dependencies</a:t>
+            </a:r>
+            <a:endParaRPr lang="en-US" i="1" dirty="0" smtClean="0"/>
+          </a:p>
           <a:p>
             <a:pPr marL="0" indent="0">
               <a:buNone/>
@@ -28392,64 +28562,84 @@
         </p:nvSpPr>
         <p:spPr/>
         <p:txBody>
-          <a:bodyPr/>
+          <a:bodyPr>
+            <a:normAutofit lnSpcReduction="10000"/>
+          </a:bodyPr>
           <a:lstStyle/>
           <a:p>
-            <a:pPr marL="0" indent="0">
+            <a:pPr marL="0" indent="0" algn="ctr">
               <a:buNone/>
             </a:pPr>
             <a:r>
-              <a:rPr lang="fr-FR" b="1" i="1" dirty="0" err="1" smtClean="0"/>
+              <a:rPr lang="fr-FR" i="1" dirty="0" err="1" smtClean="0"/>
               <a:t>Declare</a:t>
             </a:r>
             <a:r>
-              <a:rPr lang="fr-FR" b="1" i="1" dirty="0" smtClean="0"/>
+              <a:rPr lang="fr-FR" i="1" dirty="0" smtClean="0"/>
               <a:t> </a:t>
             </a:r>
             <a:r>
-              <a:rPr lang="fr-FR" b="1" i="1" dirty="0" err="1" smtClean="0"/>
+              <a:rPr lang="fr-FR" i="1" dirty="0" err="1" smtClean="0"/>
               <a:t>required</a:t>
             </a:r>
             <a:r>
-              <a:rPr lang="fr-FR" b="1" i="1" dirty="0" smtClean="0"/>
+              <a:rPr lang="fr-FR" i="1" dirty="0" smtClean="0"/>
               <a:t> </a:t>
             </a:r>
             <a:r>
-              <a:rPr lang="fr-FR" b="1" i="1" dirty="0" err="1" smtClean="0"/>
+              <a:rPr lang="fr-FR" i="1" dirty="0" err="1" smtClean="0"/>
               <a:t>dependencies</a:t>
             </a:r>
             <a:r>
-              <a:rPr lang="fr-FR" b="1" i="1" dirty="0" smtClean="0"/>
+              <a:rPr lang="fr-FR" i="1" dirty="0" smtClean="0"/>
               <a:t> as </a:t>
             </a:r>
             <a:r>
-              <a:rPr lang="fr-FR" b="1" i="1" dirty="0" err="1" smtClean="0"/>
+              <a:rPr lang="fr-FR" i="1" dirty="0" err="1" smtClean="0"/>
               <a:t>constructor</a:t>
             </a:r>
             <a:r>
-              <a:rPr lang="fr-FR" b="1" i="1" dirty="0" smtClean="0"/>
+              <a:rPr lang="fr-FR" i="1" dirty="0" smtClean="0"/>
               <a:t> </a:t>
             </a:r>
             <a:r>
-              <a:rPr lang="fr-FR" b="1" i="1" dirty="0" err="1" smtClean="0"/>
+              <a:rPr lang="fr-FR" i="1" dirty="0" err="1" smtClean="0"/>
               <a:t>parameters</a:t>
             </a:r>
-            <a:endParaRPr lang="fr-FR" b="1" i="1" dirty="0" smtClean="0"/>
+            <a:endParaRPr lang="fr-FR" i="1" dirty="0" smtClean="0"/>
           </a:p>
           <a:p>
             <a:r>
               <a:rPr lang="fr-FR" dirty="0" err="1" smtClean="0"/>
               <a:t>Declarative</a:t>
             </a:r>
+            <a:endParaRPr lang="fr-FR" dirty="0"/>
+          </a:p>
+          <a:p>
+            <a:r>
+              <a:rPr lang="fr-FR" dirty="0" err="1" smtClean="0"/>
+              <a:t>Discoverable</a:t>
+            </a:r>
             <a:r>
               <a:rPr lang="fr-FR" dirty="0" smtClean="0"/>
-              <a:t> and </a:t>
+              <a:t> (</a:t>
             </a:r>
             <a:r>
               <a:rPr lang="fr-FR" dirty="0" err="1" smtClean="0"/>
-              <a:t>discoverable</a:t>
-            </a:r>
-            <a:endParaRPr lang="fr-FR" dirty="0" smtClean="0"/>
+              <a:t>intellisense</a:t>
+            </a:r>
+            <a:r>
+              <a:rPr lang="fr-FR" dirty="0" smtClean="0"/>
+              <a:t>, </a:t>
+            </a:r>
+            <a:r>
+              <a:rPr lang="fr-FR" dirty="0" err="1" smtClean="0"/>
+              <a:t>Reflection</a:t>
+            </a:r>
+            <a:r>
+              <a:rPr lang="fr-FR" dirty="0" smtClean="0"/>
+              <a:t> …)</a:t>
+            </a:r>
           </a:p>
           <a:p>
             <a:r>
@@ -28652,6 +28842,643 @@
           </a:p>
         </p:txBody>
       </p:sp>
+      <p:pic>
+        <p:nvPicPr>
+          <p:cNvPr id="7170" name="Picture 2"/>
+          <p:cNvPicPr>
+            <a:picLocks noChangeAspect="1" noChangeArrowheads="1"/>
+          </p:cNvPicPr>
+          <p:nvPr/>
+        </p:nvPicPr>
+        <p:blipFill>
+          <a:blip r:embed="rId2">
+            <a:extLst>
+              <a:ext uri="{28A0092B-C50C-407E-A947-70E740481C1C}">
+                <a14:useLocalDpi xmlns:a14="http://schemas.microsoft.com/office/drawing/2010/main" val="0"/>
+              </a:ext>
+            </a:extLst>
+          </a:blip>
+          <a:srcRect/>
+          <a:stretch>
+            <a:fillRect/>
+          </a:stretch>
+        </p:blipFill>
+        <p:spPr bwMode="auto">
+          <a:xfrm>
+            <a:off x="35496" y="44624"/>
+            <a:ext cx="10964863" cy="7078663"/>
+          </a:xfrm>
+          <a:prstGeom prst="rect">
+            <a:avLst/>
+          </a:prstGeom>
+          <a:noFill/>
+          <a:ln>
+            <a:noFill/>
+          </a:ln>
+          <a:effectLst/>
+          <a:extLst>
+            <a:ext uri="{909E8E84-426E-40DD-AFC4-6F175D3DCCD1}">
+              <a14:hiddenFill xmlns:a14="http://schemas.microsoft.com/office/drawing/2010/main">
+                <a:solidFill>
+                  <a:schemeClr val="accent1"/>
+                </a:solidFill>
+              </a14:hiddenFill>
+            </a:ext>
+            <a:ext uri="{91240B29-F687-4F45-9708-019B960494DF}">
+              <a14:hiddenLine xmlns:a14="http://schemas.microsoft.com/office/drawing/2010/main" w="9525">
+                <a:solidFill>
+                  <a:schemeClr val="tx1"/>
+                </a:solidFill>
+                <a:miter lim="800000"/>
+                <a:headEnd/>
+                <a:tailEnd/>
+              </a14:hiddenLine>
+            </a:ext>
+            <a:ext uri="{AF507438-7753-43E0-B8FC-AC1667EBCBE1}">
+              <a14:hiddenEffects xmlns:a14="http://schemas.microsoft.com/office/drawing/2010/main">
+                <a:effectLst>
+                  <a:outerShdw dist="35921" dir="2700000" algn="ctr" rotWithShape="0">
+                    <a:schemeClr val="bg2"/>
+                  </a:outerShdw>
+                </a:effectLst>
+              </a14:hiddenEffects>
+            </a:ext>
+          </a:extLst>
+        </p:spPr>
+      </p:pic>
+      <p:sp>
+        <p:nvSpPr>
+          <p:cNvPr id="4" name="TextBox 3"/>
+          <p:cNvSpPr txBox="1"/>
+          <p:nvPr/>
+        </p:nvSpPr>
+        <p:spPr>
+          <a:xfrm>
+            <a:off x="35496" y="4365104"/>
+            <a:ext cx="14185576" cy="1273169"/>
+          </a:xfrm>
+          <a:prstGeom prst="rect">
+            <a:avLst/>
+          </a:prstGeom>
+          <a:solidFill>
+            <a:srgbClr val="FFFF66"/>
+          </a:solidFill>
+          <a:ln>
+            <a:solidFill>
+              <a:schemeClr val="accent1">
+                <a:shade val="50000"/>
+              </a:schemeClr>
+            </a:solidFill>
+          </a:ln>
+        </p:spPr>
+        <p:txBody>
+          <a:bodyPr wrap="square" rtlCol="0">
+            <a:spAutoFit/>
+          </a:bodyPr>
+          <a:lstStyle/>
+          <a:p>
+            <a:pPr>
+              <a:lnSpc>
+                <a:spcPts val="1400"/>
+              </a:lnSpc>
+              <a:spcAft>
+                <a:spcPts val="0"/>
+              </a:spcAft>
+              <a:tabLst>
+                <a:tab pos="581660" algn="l"/>
+                <a:tab pos="1163320" algn="l"/>
+                <a:tab pos="1744980" algn="l"/>
+                <a:tab pos="2326640" algn="l"/>
+                <a:tab pos="2908300" algn="l"/>
+                <a:tab pos="3489960" algn="l"/>
+                <a:tab pos="4071620" algn="l"/>
+                <a:tab pos="4653280" algn="l"/>
+                <a:tab pos="5234940" algn="l"/>
+                <a:tab pos="5816600" algn="l"/>
+                <a:tab pos="6398260" algn="l"/>
+                <a:tab pos="6979920" algn="l"/>
+                <a:tab pos="7561580" algn="l"/>
+                <a:tab pos="8143240" algn="l"/>
+                <a:tab pos="8724900" algn="l"/>
+                <a:tab pos="9306560" algn="l"/>
+              </a:tabLst>
+            </a:pPr>
+            <a:r>
+              <a:rPr lang="en-US" sz="1600" dirty="0">
+                <a:solidFill>
+                  <a:srgbClr val="000000"/>
+                </a:solidFill>
+                <a:latin typeface="Consolas"/>
+                <a:ea typeface="Times New Roman"/>
+                <a:cs typeface="Times New Roman"/>
+              </a:rPr>
+              <a:t>[</a:t>
+            </a:r>
+            <a:r>
+              <a:rPr lang="en-US" sz="1600" dirty="0" err="1">
+                <a:solidFill>
+                  <a:srgbClr val="000000"/>
+                </a:solidFill>
+                <a:latin typeface="Consolas"/>
+                <a:ea typeface="Times New Roman"/>
+                <a:cs typeface="Times New Roman"/>
+              </a:rPr>
+              <a:t>InvalidOperationException</a:t>
+            </a:r>
+            <a:r>
+              <a:rPr lang="en-US" sz="1600" dirty="0">
+                <a:solidFill>
+                  <a:srgbClr val="000000"/>
+                </a:solidFill>
+                <a:latin typeface="Consolas"/>
+                <a:ea typeface="Times New Roman"/>
+                <a:cs typeface="Times New Roman"/>
+              </a:rPr>
+              <a:t>: </a:t>
+            </a:r>
+            <a:r>
+              <a:rPr lang="en-US" sz="1600" b="1" dirty="0">
+                <a:solidFill>
+                  <a:srgbClr val="000000"/>
+                </a:solidFill>
+                <a:latin typeface="Consolas"/>
+                <a:ea typeface="Times New Roman"/>
+                <a:cs typeface="Times New Roman"/>
+              </a:rPr>
+              <a:t>An error occurred when trying to create a controller of type '</a:t>
+            </a:r>
+            <a:r>
+              <a:rPr lang="en-US" sz="1600" b="1" dirty="0" err="1">
+                <a:solidFill>
+                  <a:srgbClr val="000000"/>
+                </a:solidFill>
+                <a:latin typeface="Consolas"/>
+                <a:ea typeface="Times New Roman"/>
+                <a:cs typeface="Times New Roman"/>
+              </a:rPr>
+              <a:t>BoringBank.WebPortal.Controllers.AccountController</a:t>
+            </a:r>
+            <a:r>
+              <a:rPr lang="en-US" sz="1600" b="1" dirty="0">
+                <a:solidFill>
+                  <a:srgbClr val="000000"/>
+                </a:solidFill>
+                <a:latin typeface="Consolas"/>
+                <a:ea typeface="Times New Roman"/>
+                <a:cs typeface="Times New Roman"/>
+              </a:rPr>
+              <a:t>'</a:t>
+            </a:r>
+            <a:r>
+              <a:rPr lang="en-US" sz="1600" dirty="0">
+                <a:solidFill>
+                  <a:srgbClr val="000000"/>
+                </a:solidFill>
+                <a:latin typeface="Consolas"/>
+                <a:ea typeface="Times New Roman"/>
+                <a:cs typeface="Times New Roman"/>
+              </a:rPr>
+              <a:t>. Make sure that the controller has a </a:t>
+            </a:r>
+            <a:r>
+              <a:rPr lang="en-US" sz="1600" dirty="0" err="1">
+                <a:solidFill>
+                  <a:srgbClr val="000000"/>
+                </a:solidFill>
+                <a:latin typeface="Consolas"/>
+                <a:ea typeface="Times New Roman"/>
+                <a:cs typeface="Times New Roman"/>
+              </a:rPr>
+              <a:t>parameterless</a:t>
+            </a:r>
+            <a:r>
+              <a:rPr lang="en-US" sz="1600" dirty="0">
+                <a:solidFill>
+                  <a:srgbClr val="000000"/>
+                </a:solidFill>
+                <a:latin typeface="Consolas"/>
+                <a:ea typeface="Times New Roman"/>
+                <a:cs typeface="Times New Roman"/>
+              </a:rPr>
+              <a:t> public constructor.]</a:t>
+            </a:r>
+            <a:endParaRPr lang="en-US" sz="1600" dirty="0">
+              <a:ea typeface="Calibri"/>
+              <a:cs typeface="Times New Roman"/>
+            </a:endParaRPr>
+          </a:p>
+          <a:p>
+            <a:pPr>
+              <a:lnSpc>
+                <a:spcPts val="1400"/>
+              </a:lnSpc>
+              <a:spcAft>
+                <a:spcPts val="0"/>
+              </a:spcAft>
+              <a:tabLst>
+                <a:tab pos="581660" algn="l"/>
+                <a:tab pos="1163320" algn="l"/>
+                <a:tab pos="1744980" algn="l"/>
+                <a:tab pos="2326640" algn="l"/>
+                <a:tab pos="2908300" algn="l"/>
+                <a:tab pos="3489960" algn="l"/>
+                <a:tab pos="4071620" algn="l"/>
+                <a:tab pos="4653280" algn="l"/>
+                <a:tab pos="5234940" algn="l"/>
+                <a:tab pos="5816600" algn="l"/>
+                <a:tab pos="6398260" algn="l"/>
+                <a:tab pos="6979920" algn="l"/>
+                <a:tab pos="7561580" algn="l"/>
+                <a:tab pos="8143240" algn="l"/>
+                <a:tab pos="8724900" algn="l"/>
+                <a:tab pos="9306560" algn="l"/>
+              </a:tabLst>
+            </a:pPr>
+            <a:r>
+              <a:rPr lang="en-US" sz="1600" dirty="0">
+                <a:solidFill>
+                  <a:srgbClr val="000000"/>
+                </a:solidFill>
+                <a:latin typeface="Consolas"/>
+                <a:ea typeface="Times New Roman"/>
+                <a:cs typeface="Times New Roman"/>
+              </a:rPr>
+              <a:t>   </a:t>
+            </a:r>
+            <a:r>
+              <a:rPr lang="en-US" sz="1600" dirty="0" err="1">
+                <a:solidFill>
+                  <a:srgbClr val="000000"/>
+                </a:solidFill>
+                <a:latin typeface="Consolas"/>
+                <a:ea typeface="Times New Roman"/>
+                <a:cs typeface="Times New Roman"/>
+              </a:rPr>
+              <a:t>System.Web.Mvc.DefaultControllerActivator.Create</a:t>
+            </a:r>
+            <a:r>
+              <a:rPr lang="en-US" sz="1600" dirty="0">
+                <a:solidFill>
+                  <a:srgbClr val="000000"/>
+                </a:solidFill>
+                <a:latin typeface="Consolas"/>
+                <a:ea typeface="Times New Roman"/>
+                <a:cs typeface="Times New Roman"/>
+              </a:rPr>
+              <a:t>(</a:t>
+            </a:r>
+            <a:r>
+              <a:rPr lang="en-US" sz="1600" dirty="0" err="1">
+                <a:solidFill>
+                  <a:srgbClr val="000000"/>
+                </a:solidFill>
+                <a:latin typeface="Consolas"/>
+                <a:ea typeface="Times New Roman"/>
+                <a:cs typeface="Times New Roman"/>
+              </a:rPr>
+              <a:t>RequestContext</a:t>
+            </a:r>
+            <a:r>
+              <a:rPr lang="en-US" sz="1600" dirty="0">
+                <a:solidFill>
+                  <a:srgbClr val="000000"/>
+                </a:solidFill>
+                <a:latin typeface="Consolas"/>
+                <a:ea typeface="Times New Roman"/>
+                <a:cs typeface="Times New Roman"/>
+              </a:rPr>
+              <a:t> </a:t>
+            </a:r>
+            <a:r>
+              <a:rPr lang="en-US" sz="1600" dirty="0" err="1">
+                <a:solidFill>
+                  <a:srgbClr val="000000"/>
+                </a:solidFill>
+                <a:latin typeface="Consolas"/>
+                <a:ea typeface="Times New Roman"/>
+                <a:cs typeface="Times New Roman"/>
+              </a:rPr>
+              <a:t>requestContext</a:t>
+            </a:r>
+            <a:r>
+              <a:rPr lang="en-US" sz="1600" dirty="0">
+                <a:solidFill>
+                  <a:srgbClr val="000000"/>
+                </a:solidFill>
+                <a:latin typeface="Consolas"/>
+                <a:ea typeface="Times New Roman"/>
+                <a:cs typeface="Times New Roman"/>
+              </a:rPr>
+              <a:t>, Type </a:t>
+            </a:r>
+            <a:r>
+              <a:rPr lang="en-US" sz="1600" dirty="0" err="1">
+                <a:solidFill>
+                  <a:srgbClr val="000000"/>
+                </a:solidFill>
+                <a:latin typeface="Consolas"/>
+                <a:ea typeface="Times New Roman"/>
+                <a:cs typeface="Times New Roman"/>
+              </a:rPr>
+              <a:t>controllerType</a:t>
+            </a:r>
+            <a:r>
+              <a:rPr lang="en-US" sz="1600" dirty="0">
+                <a:solidFill>
+                  <a:srgbClr val="000000"/>
+                </a:solidFill>
+                <a:latin typeface="Consolas"/>
+                <a:ea typeface="Times New Roman"/>
+                <a:cs typeface="Times New Roman"/>
+              </a:rPr>
+              <a:t>) +178</a:t>
+            </a:r>
+            <a:endParaRPr lang="en-US" sz="1600" dirty="0">
+              <a:ea typeface="Calibri"/>
+              <a:cs typeface="Times New Roman"/>
+            </a:endParaRPr>
+          </a:p>
+          <a:p>
+            <a:pPr>
+              <a:lnSpc>
+                <a:spcPts val="1400"/>
+              </a:lnSpc>
+              <a:spcAft>
+                <a:spcPts val="0"/>
+              </a:spcAft>
+              <a:tabLst>
+                <a:tab pos="581660" algn="l"/>
+                <a:tab pos="1163320" algn="l"/>
+                <a:tab pos="1744980" algn="l"/>
+                <a:tab pos="2326640" algn="l"/>
+                <a:tab pos="2908300" algn="l"/>
+                <a:tab pos="3489960" algn="l"/>
+                <a:tab pos="4071620" algn="l"/>
+                <a:tab pos="4653280" algn="l"/>
+                <a:tab pos="5234940" algn="l"/>
+                <a:tab pos="5816600" algn="l"/>
+                <a:tab pos="6398260" algn="l"/>
+                <a:tab pos="6979920" algn="l"/>
+                <a:tab pos="7561580" algn="l"/>
+                <a:tab pos="8143240" algn="l"/>
+                <a:tab pos="8724900" algn="l"/>
+                <a:tab pos="9306560" algn="l"/>
+              </a:tabLst>
+            </a:pPr>
+            <a:r>
+              <a:rPr lang="en-US" sz="1600" dirty="0">
+                <a:solidFill>
+                  <a:srgbClr val="000000"/>
+                </a:solidFill>
+                <a:latin typeface="Consolas"/>
+                <a:ea typeface="Times New Roman"/>
+                <a:cs typeface="Times New Roman"/>
+              </a:rPr>
+              <a:t>   </a:t>
+            </a:r>
+            <a:r>
+              <a:rPr lang="en-US" sz="1600" dirty="0" err="1">
+                <a:solidFill>
+                  <a:srgbClr val="000000"/>
+                </a:solidFill>
+                <a:latin typeface="Consolas"/>
+                <a:ea typeface="Times New Roman"/>
+                <a:cs typeface="Times New Roman"/>
+              </a:rPr>
+              <a:t>System.Web.Mvc.DefaultControllerFactory.GetControllerInstance</a:t>
+            </a:r>
+            <a:r>
+              <a:rPr lang="en-US" sz="1600" dirty="0">
+                <a:solidFill>
+                  <a:srgbClr val="000000"/>
+                </a:solidFill>
+                <a:latin typeface="Consolas"/>
+                <a:ea typeface="Times New Roman"/>
+                <a:cs typeface="Times New Roman"/>
+              </a:rPr>
+              <a:t>(</a:t>
+            </a:r>
+            <a:r>
+              <a:rPr lang="en-US" sz="1600" dirty="0" err="1">
+                <a:solidFill>
+                  <a:srgbClr val="000000"/>
+                </a:solidFill>
+                <a:latin typeface="Consolas"/>
+                <a:ea typeface="Times New Roman"/>
+                <a:cs typeface="Times New Roman"/>
+              </a:rPr>
+              <a:t>RequestContext</a:t>
+            </a:r>
+            <a:r>
+              <a:rPr lang="en-US" sz="1600" dirty="0">
+                <a:solidFill>
+                  <a:srgbClr val="000000"/>
+                </a:solidFill>
+                <a:latin typeface="Consolas"/>
+                <a:ea typeface="Times New Roman"/>
+                <a:cs typeface="Times New Roman"/>
+              </a:rPr>
+              <a:t> </a:t>
+            </a:r>
+            <a:r>
+              <a:rPr lang="en-US" sz="1600" dirty="0" err="1">
+                <a:solidFill>
+                  <a:srgbClr val="000000"/>
+                </a:solidFill>
+                <a:latin typeface="Consolas"/>
+                <a:ea typeface="Times New Roman"/>
+                <a:cs typeface="Times New Roman"/>
+              </a:rPr>
+              <a:t>requestContext</a:t>
+            </a:r>
+            <a:r>
+              <a:rPr lang="en-US" sz="1600" dirty="0">
+                <a:solidFill>
+                  <a:srgbClr val="000000"/>
+                </a:solidFill>
+                <a:latin typeface="Consolas"/>
+                <a:ea typeface="Times New Roman"/>
+                <a:cs typeface="Times New Roman"/>
+              </a:rPr>
+              <a:t>, Type </a:t>
+            </a:r>
+            <a:r>
+              <a:rPr lang="en-US" sz="1600" dirty="0" err="1">
+                <a:solidFill>
+                  <a:srgbClr val="000000"/>
+                </a:solidFill>
+                <a:latin typeface="Consolas"/>
+                <a:ea typeface="Times New Roman"/>
+                <a:cs typeface="Times New Roman"/>
+              </a:rPr>
+              <a:t>controllerType</a:t>
+            </a:r>
+            <a:r>
+              <a:rPr lang="en-US" sz="1600" dirty="0">
+                <a:solidFill>
+                  <a:srgbClr val="000000"/>
+                </a:solidFill>
+                <a:latin typeface="Consolas"/>
+                <a:ea typeface="Times New Roman"/>
+                <a:cs typeface="Times New Roman"/>
+              </a:rPr>
+              <a:t>) +77</a:t>
+            </a:r>
+            <a:endParaRPr lang="en-US" sz="1600" dirty="0">
+              <a:ea typeface="Calibri"/>
+              <a:cs typeface="Times New Roman"/>
+            </a:endParaRPr>
+          </a:p>
+          <a:p>
+            <a:pPr>
+              <a:lnSpc>
+                <a:spcPts val="1400"/>
+              </a:lnSpc>
+              <a:spcAft>
+                <a:spcPts val="0"/>
+              </a:spcAft>
+              <a:tabLst>
+                <a:tab pos="581660" algn="l"/>
+                <a:tab pos="1163320" algn="l"/>
+                <a:tab pos="1744980" algn="l"/>
+                <a:tab pos="2326640" algn="l"/>
+                <a:tab pos="2908300" algn="l"/>
+                <a:tab pos="3489960" algn="l"/>
+                <a:tab pos="4071620" algn="l"/>
+                <a:tab pos="4653280" algn="l"/>
+                <a:tab pos="5234940" algn="l"/>
+                <a:tab pos="5816600" algn="l"/>
+                <a:tab pos="6398260" algn="l"/>
+                <a:tab pos="6979920" algn="l"/>
+                <a:tab pos="7561580" algn="l"/>
+                <a:tab pos="8143240" algn="l"/>
+                <a:tab pos="8724900" algn="l"/>
+                <a:tab pos="9306560" algn="l"/>
+              </a:tabLst>
+            </a:pPr>
+            <a:r>
+              <a:rPr lang="en-US" sz="1600" dirty="0">
+                <a:solidFill>
+                  <a:srgbClr val="000000"/>
+                </a:solidFill>
+                <a:latin typeface="Consolas"/>
+                <a:ea typeface="Times New Roman"/>
+                <a:cs typeface="Times New Roman"/>
+              </a:rPr>
+              <a:t>   </a:t>
+            </a:r>
+            <a:r>
+              <a:rPr lang="en-US" sz="1600" dirty="0" err="1">
+                <a:solidFill>
+                  <a:srgbClr val="000000"/>
+                </a:solidFill>
+                <a:latin typeface="Consolas"/>
+                <a:ea typeface="Times New Roman"/>
+                <a:cs typeface="Times New Roman"/>
+              </a:rPr>
+              <a:t>System.Web.Mvc.DefaultControllerFactory.CreateController</a:t>
+            </a:r>
+            <a:r>
+              <a:rPr lang="en-US" sz="1600" dirty="0">
+                <a:solidFill>
+                  <a:srgbClr val="000000"/>
+                </a:solidFill>
+                <a:latin typeface="Consolas"/>
+                <a:ea typeface="Times New Roman"/>
+                <a:cs typeface="Times New Roman"/>
+              </a:rPr>
+              <a:t>(</a:t>
+            </a:r>
+            <a:r>
+              <a:rPr lang="en-US" sz="1600" dirty="0" err="1">
+                <a:solidFill>
+                  <a:srgbClr val="000000"/>
+                </a:solidFill>
+                <a:latin typeface="Consolas"/>
+                <a:ea typeface="Times New Roman"/>
+                <a:cs typeface="Times New Roman"/>
+              </a:rPr>
+              <a:t>RequestContext</a:t>
+            </a:r>
+            <a:r>
+              <a:rPr lang="en-US" sz="1600" dirty="0">
+                <a:solidFill>
+                  <a:srgbClr val="000000"/>
+                </a:solidFill>
+                <a:latin typeface="Consolas"/>
+                <a:ea typeface="Times New Roman"/>
+                <a:cs typeface="Times New Roman"/>
+              </a:rPr>
+              <a:t> </a:t>
+            </a:r>
+            <a:r>
+              <a:rPr lang="en-US" sz="1600" dirty="0" err="1">
+                <a:solidFill>
+                  <a:srgbClr val="000000"/>
+                </a:solidFill>
+                <a:latin typeface="Consolas"/>
+                <a:ea typeface="Times New Roman"/>
+                <a:cs typeface="Times New Roman"/>
+              </a:rPr>
+              <a:t>requestContext</a:t>
+            </a:r>
+            <a:r>
+              <a:rPr lang="en-US" sz="1600" dirty="0">
+                <a:solidFill>
+                  <a:srgbClr val="000000"/>
+                </a:solidFill>
+                <a:latin typeface="Consolas"/>
+                <a:ea typeface="Times New Roman"/>
+                <a:cs typeface="Times New Roman"/>
+              </a:rPr>
+              <a:t>, String </a:t>
+            </a:r>
+            <a:r>
+              <a:rPr lang="en-US" sz="1600" dirty="0" err="1">
+                <a:solidFill>
+                  <a:srgbClr val="000000"/>
+                </a:solidFill>
+                <a:latin typeface="Consolas"/>
+                <a:ea typeface="Times New Roman"/>
+                <a:cs typeface="Times New Roman"/>
+              </a:rPr>
+              <a:t>controllerName</a:t>
+            </a:r>
+            <a:r>
+              <a:rPr lang="en-US" sz="1600" dirty="0">
+                <a:solidFill>
+                  <a:srgbClr val="000000"/>
+                </a:solidFill>
+                <a:latin typeface="Consolas"/>
+                <a:ea typeface="Times New Roman"/>
+                <a:cs typeface="Times New Roman"/>
+              </a:rPr>
+              <a:t>) +88</a:t>
+            </a:r>
+            <a:endParaRPr lang="en-US" sz="1600" dirty="0">
+              <a:ea typeface="Calibri"/>
+              <a:cs typeface="Times New Roman"/>
+            </a:endParaRPr>
+          </a:p>
+          <a:p>
+            <a:pPr>
+              <a:lnSpc>
+                <a:spcPct val="115000"/>
+              </a:lnSpc>
+              <a:spcAft>
+                <a:spcPts val="1000"/>
+              </a:spcAft>
+            </a:pPr>
+            <a:r>
+              <a:rPr lang="en-US" sz="1600" dirty="0">
+                <a:ea typeface="Calibri"/>
+                <a:cs typeface="Times New Roman"/>
+              </a:rPr>
+              <a:t> </a:t>
+            </a:r>
+          </a:p>
+        </p:txBody>
+      </p:sp>
     </p:spTree>
     <p:extLst>
       <p:ext uri="{BB962C8B-B14F-4D97-AF65-F5344CB8AC3E}">
@@ -28665,9 +29492,125 @@
   <p:timing>
     <p:tnLst>
       <p:par>
-        <p:cTn id="1" dur="indefinite" restart="never" nodeType="tmRoot"/>
+        <p:cTn id="1" dur="indefinite" restart="never" nodeType="tmRoot">
+          <p:childTnLst>
+            <p:seq concurrent="1" nextAc="seek">
+              <p:cTn id="2" dur="indefinite" nodeType="mainSeq">
+                <p:childTnLst>
+                  <p:par>
+                    <p:cTn id="3" fill="hold">
+                      <p:stCondLst>
+                        <p:cond delay="indefinite"/>
+                      </p:stCondLst>
+                      <p:childTnLst>
+                        <p:par>
+                          <p:cTn id="4" fill="hold">
+                            <p:stCondLst>
+                              <p:cond delay="0"/>
+                            </p:stCondLst>
+                            <p:childTnLst>
+                              <p:par>
+                                <p:cTn id="5" presetID="1" presetClass="entr" presetSubtype="0" fill="hold" nodeType="clickEffect">
+                                  <p:stCondLst>
+                                    <p:cond delay="0"/>
+                                  </p:stCondLst>
+                                  <p:childTnLst>
+                                    <p:set>
+                                      <p:cBhvr>
+                                        <p:cTn id="6" dur="1" fill="hold">
+                                          <p:stCondLst>
+                                            <p:cond delay="0"/>
+                                          </p:stCondLst>
+                                        </p:cTn>
+                                        <p:tgtEl>
+                                          <p:spTgt spid="7170"/>
+                                        </p:tgtEl>
+                                        <p:attrNameLst>
+                                          <p:attrName>style.visibility</p:attrName>
+                                        </p:attrNameLst>
+                                      </p:cBhvr>
+                                      <p:to>
+                                        <p:strVal val="visible"/>
+                                      </p:to>
+                                    </p:set>
+                                  </p:childTnLst>
+                                </p:cTn>
+                              </p:par>
+                            </p:childTnLst>
+                          </p:cTn>
+                        </p:par>
+                      </p:childTnLst>
+                    </p:cTn>
+                  </p:par>
+                  <p:par>
+                    <p:cTn id="7" fill="hold">
+                      <p:stCondLst>
+                        <p:cond delay="indefinite"/>
+                      </p:stCondLst>
+                      <p:childTnLst>
+                        <p:par>
+                          <p:cTn id="8" fill="hold">
+                            <p:stCondLst>
+                              <p:cond delay="0"/>
+                            </p:stCondLst>
+                            <p:childTnLst>
+                              <p:par>
+                                <p:cTn id="9" presetID="1" presetClass="entr" presetSubtype="0" fill="hold" grpId="0" nodeType="clickEffect">
+                                  <p:stCondLst>
+                                    <p:cond delay="0"/>
+                                  </p:stCondLst>
+                                  <p:childTnLst>
+                                    <p:set>
+                                      <p:cBhvr>
+                                        <p:cTn id="10" dur="1" fill="hold">
+                                          <p:stCondLst>
+                                            <p:cond delay="0"/>
+                                          </p:stCondLst>
+                                        </p:cTn>
+                                        <p:tgtEl>
+                                          <p:spTgt spid="4"/>
+                                        </p:tgtEl>
+                                        <p:attrNameLst>
+                                          <p:attrName>style.visibility</p:attrName>
+                                        </p:attrNameLst>
+                                      </p:cBhvr>
+                                      <p:to>
+                                        <p:strVal val="visible"/>
+                                      </p:to>
+                                    </p:set>
+                                  </p:childTnLst>
+                                </p:cTn>
+                              </p:par>
+                            </p:childTnLst>
+                          </p:cTn>
+                        </p:par>
+                      </p:childTnLst>
+                    </p:cTn>
+                  </p:par>
+                </p:childTnLst>
+              </p:cTn>
+              <p:prevCondLst>
+                <p:cond evt="onPrev" delay="0">
+                  <p:tgtEl>
+                    <p:sldTgt/>
+                  </p:tgtEl>
+                </p:cond>
+              </p:prevCondLst>
+              <p:nextCondLst>
+                <p:cond evt="onNext" delay="0">
+                  <p:tgtEl>
+                    <p:sldTgt/>
+                  </p:tgtEl>
+                </p:cond>
+              </p:nextCondLst>
+            </p:seq>
+          </p:childTnLst>
+        </p:cTn>
       </p:par>
     </p:tnLst>
+    <p:bldLst>
+      <p:bldP spid="4" grpId="0" animBg="1"/>
+    </p:bldLst>
   </p:timing>
 </p:sld>
 </file>
@@ -28705,8 +29648,20 @@
           <a:lstStyle/>
           <a:p>
             <a:r>
-              <a:rPr lang="en-US" dirty="0" smtClean="0"/>
-              <a:t>It’s viral !</a:t>
+              <a:rPr lang="fr-FR" dirty="0" smtClean="0"/>
+              <a:t>The </a:t>
+            </a:r>
+            <a:r>
+              <a:rPr lang="fr-FR" dirty="0" err="1" smtClean="0"/>
+              <a:t>chicken</a:t>
+            </a:r>
+            <a:r>
+              <a:rPr lang="fr-FR" dirty="0" smtClean="0"/>
+              <a:t> and the </a:t>
+            </a:r>
+            <a:r>
+              <a:rPr lang="fr-FR" dirty="0" err="1" smtClean="0"/>
+              <a:t>egg</a:t>
             </a:r>
             <a:endParaRPr lang="en-US" dirty="0"/>
           </a:p>
@@ -28728,9 +29683,124 @@
           <a:lstStyle/>
           <a:p>
             <a:r>
-              <a:rPr lang="en-US" dirty="0" smtClean="0"/>
-              <a:t>Composition Root</a:t>
-            </a:r>
+              <a:rPr lang="fr-FR" dirty="0" smtClean="0"/>
+              <a:t>Applications do not </a:t>
+            </a:r>
+            <a:r>
+              <a:rPr lang="fr-FR" dirty="0" err="1" smtClean="0"/>
+              <a:t>work</a:t>
+            </a:r>
+            <a:r>
+              <a:rPr lang="fr-FR" dirty="0" smtClean="0"/>
+              <a:t> </a:t>
+            </a:r>
+            <a:r>
+              <a:rPr lang="fr-FR" dirty="0" err="1" smtClean="0"/>
+              <a:t>with</a:t>
+            </a:r>
+            <a:r>
+              <a:rPr lang="fr-FR" dirty="0" smtClean="0"/>
+              <a:t> </a:t>
+            </a:r>
+            <a:r>
+              <a:rPr lang="fr-FR" dirty="0" err="1" smtClean="0"/>
+              <a:t>only</a:t>
+            </a:r>
+            <a:r>
+              <a:rPr lang="fr-FR" dirty="0" smtClean="0"/>
+              <a:t> interfaces</a:t>
+            </a:r>
+          </a:p>
+          <a:p>
+            <a:r>
+              <a:rPr lang="fr-FR" dirty="0" smtClean="0"/>
+              <a:t>Class instances have to </a:t>
+            </a:r>
+            <a:r>
+              <a:rPr lang="fr-FR" dirty="0" err="1" smtClean="0"/>
+              <a:t>be</a:t>
+            </a:r>
+            <a:r>
+              <a:rPr lang="fr-FR" dirty="0" smtClean="0"/>
+              <a:t> </a:t>
+            </a:r>
+            <a:r>
+              <a:rPr lang="fr-FR" dirty="0" err="1" smtClean="0"/>
+              <a:t>created</a:t>
+            </a:r>
+            <a:r>
+              <a:rPr lang="fr-FR" dirty="0" smtClean="0"/>
+              <a:t> and </a:t>
+            </a:r>
+            <a:r>
+              <a:rPr lang="fr-FR" dirty="0" err="1" smtClean="0"/>
+              <a:t>assembled</a:t>
+            </a:r>
+            <a:r>
+              <a:rPr lang="fr-FR" dirty="0" smtClean="0"/>
+              <a:t> (=</a:t>
+            </a:r>
+            <a:r>
+              <a:rPr lang="fr-FR" dirty="0" err="1" smtClean="0"/>
+              <a:t>composed</a:t>
+            </a:r>
+            <a:r>
+              <a:rPr lang="fr-FR" dirty="0" smtClean="0"/>
+              <a:t>) at </a:t>
+            </a:r>
+            <a:r>
+              <a:rPr lang="fr-FR" dirty="0" err="1" smtClean="0"/>
+              <a:t>some</a:t>
+            </a:r>
+            <a:r>
+              <a:rPr lang="fr-FR" dirty="0" smtClean="0"/>
+              <a:t> point</a:t>
+            </a:r>
+          </a:p>
+          <a:p>
+            <a:r>
+              <a:rPr lang="fr-FR" dirty="0" smtClean="0"/>
+              <a:t>This </a:t>
+            </a:r>
+            <a:r>
+              <a:rPr lang="fr-FR" dirty="0" err="1" smtClean="0"/>
+              <a:t>happens</a:t>
+            </a:r>
+            <a:r>
+              <a:rPr lang="fr-FR" dirty="0" smtClean="0"/>
+              <a:t> </a:t>
+            </a:r>
+            <a:r>
+              <a:rPr lang="fr-FR" dirty="0" err="1" smtClean="0"/>
+              <a:t>only</a:t>
+            </a:r>
+            <a:r>
+              <a:rPr lang="fr-FR" dirty="0" smtClean="0"/>
+              <a:t> in one place in an </a:t>
+            </a:r>
+            <a:r>
+              <a:rPr lang="fr-FR" dirty="0" err="1" smtClean="0"/>
+              <a:t>app</a:t>
+            </a:r>
+            <a:r>
+              <a:rPr lang="fr-FR" dirty="0" smtClean="0"/>
+              <a:t> / web </a:t>
+            </a:r>
+            <a:r>
+              <a:rPr lang="fr-FR" dirty="0" err="1" smtClean="0"/>
+              <a:t>app</a:t>
+            </a:r>
+            <a:r>
+              <a:rPr lang="fr-FR" dirty="0" smtClean="0"/>
+              <a:t> / service / console </a:t>
+            </a:r>
+            <a:r>
+              <a:rPr lang="fr-FR" dirty="0" err="1" smtClean="0"/>
+              <a:t>app</a:t>
+            </a:r>
+            <a:endParaRPr lang="fr-FR" dirty="0" smtClean="0"/>
+          </a:p>
+          <a:p>
             <a:endParaRPr lang="en-US" dirty="0"/>
           </a:p>
         </p:txBody>
@@ -28738,7 +29808,7 @@
     </p:spTree>
     <p:extLst>
       <p:ext uri="{BB962C8B-B14F-4D97-AF65-F5344CB8AC3E}">
-        <p14:creationId xmlns:p14="http://schemas.microsoft.com/office/powerpoint/2010/main" val="1394666143"/>
+        <p14:creationId xmlns:p14="http://schemas.microsoft.com/office/powerpoint/2010/main" val="4027064824"/>
       </p:ext>
     </p:extLst>
   </p:cSld>
@@ -28788,10 +29858,22 @@
           <a:lstStyle/>
           <a:p>
             <a:r>
-              <a:rPr lang="en-US" dirty="0" smtClean="0"/>
-              <a:t>Pure DI aka Poor Man’s DI</a:t>
-            </a:r>
-            <a:endParaRPr lang="en-US" dirty="0"/>
+              <a:rPr lang="fr-FR" dirty="0"/>
+              <a:t>p</a:t>
+            </a:r>
+            <a:r>
+              <a:rPr lang="fr-FR" dirty="0" smtClean="0"/>
+              <a:t>attern : </a:t>
+            </a:r>
+            <a:r>
+              <a:rPr lang="fr-FR" b="1" dirty="0" smtClean="0"/>
+              <a:t>Composition </a:t>
+            </a:r>
+            <a:r>
+              <a:rPr lang="fr-FR" b="1" dirty="0" err="1" smtClean="0"/>
+              <a:t>Root</a:t>
+            </a:r>
+            <a:endParaRPr lang="en-US" b="1" dirty="0"/>
           </a:p>
         </p:txBody>
       </p:sp>
@@ -28807,17 +29889,238 @@
         </p:nvSpPr>
         <p:spPr/>
         <p:txBody>
-          <a:bodyPr/>
+          <a:bodyPr>
+            <a:normAutofit fontScale="92500" lnSpcReduction="20000"/>
+          </a:bodyPr>
           <a:lstStyle/>
           <a:p>
-            <a:endParaRPr lang="en-US"/>
+            <a:pPr marL="0" indent="0" algn="ctr">
+              <a:buNone/>
+            </a:pPr>
+            <a:r>
+              <a:rPr lang="fr-FR" i="1" dirty="0" smtClean="0"/>
+              <a:t>Composition of classes </a:t>
+            </a:r>
+            <a:r>
+              <a:rPr lang="fr-FR" i="1" dirty="0" err="1" smtClean="0"/>
+              <a:t>into</a:t>
+            </a:r>
+            <a:r>
+              <a:rPr lang="fr-FR" i="1" dirty="0" smtClean="0"/>
+              <a:t> a </a:t>
+            </a:r>
+            <a:r>
+              <a:rPr lang="fr-FR" i="1" dirty="0" err="1" smtClean="0"/>
+              <a:t>larger</a:t>
+            </a:r>
+            <a:r>
+              <a:rPr lang="fr-FR" i="1" dirty="0" smtClean="0"/>
+              <a:t> system </a:t>
+            </a:r>
+            <a:r>
+              <a:rPr lang="fr-FR" i="1" dirty="0" err="1" smtClean="0"/>
+              <a:t>should</a:t>
+            </a:r>
+            <a:r>
+              <a:rPr lang="fr-FR" i="1" dirty="0" smtClean="0"/>
+              <a:t> </a:t>
+            </a:r>
+            <a:r>
+              <a:rPr lang="fr-FR" i="1" dirty="0" err="1" smtClean="0"/>
+              <a:t>happen</a:t>
+            </a:r>
+            <a:r>
+              <a:rPr lang="fr-FR" i="1" dirty="0" smtClean="0"/>
+              <a:t> </a:t>
+            </a:r>
+            <a:r>
+              <a:rPr lang="fr-FR" i="1" dirty="0" err="1" smtClean="0"/>
+              <a:t>only</a:t>
+            </a:r>
+            <a:r>
+              <a:rPr lang="fr-FR" i="1" dirty="0" smtClean="0"/>
+              <a:t> in one place</a:t>
+            </a:r>
+          </a:p>
+          <a:p>
+            <a:endParaRPr lang="fr-FR" dirty="0" smtClean="0"/>
+          </a:p>
+          <a:p>
+            <a:r>
+              <a:rPr lang="fr-FR" dirty="0" err="1" smtClean="0"/>
+              <a:t>Create</a:t>
+            </a:r>
+            <a:r>
+              <a:rPr lang="fr-FR" dirty="0" smtClean="0"/>
+              <a:t> one</a:t>
+            </a:r>
+            <a:r>
+              <a:rPr lang="fr-FR" sz="2400" dirty="0" smtClean="0"/>
+              <a:t>*</a:t>
+            </a:r>
+            <a:r>
+              <a:rPr lang="fr-FR" dirty="0" smtClean="0"/>
+              <a:t> </a:t>
+            </a:r>
+            <a:r>
+              <a:rPr lang="fr-FR" dirty="0" err="1" smtClean="0"/>
+              <a:t>object</a:t>
+            </a:r>
+            <a:r>
+              <a:rPr lang="fr-FR" dirty="0" smtClean="0"/>
+              <a:t>-graph</a:t>
+            </a:r>
+          </a:p>
+          <a:p>
+            <a:r>
+              <a:rPr lang="fr-FR" dirty="0" smtClean="0"/>
+              <a:t>There </a:t>
+            </a:r>
+            <a:r>
+              <a:rPr lang="fr-FR" dirty="0" err="1" smtClean="0"/>
+              <a:t>is</a:t>
+            </a:r>
+            <a:r>
+              <a:rPr lang="fr-FR" dirty="0" smtClean="0"/>
+              <a:t> no composition </a:t>
+            </a:r>
+            <a:r>
+              <a:rPr lang="fr-FR" dirty="0" err="1" smtClean="0"/>
+              <a:t>root</a:t>
+            </a:r>
+            <a:r>
+              <a:rPr lang="fr-FR" dirty="0" smtClean="0"/>
+              <a:t> in a </a:t>
+            </a:r>
+            <a:r>
+              <a:rPr lang="fr-FR" dirty="0" err="1" smtClean="0"/>
+              <a:t>library</a:t>
+            </a:r>
+            <a:endParaRPr lang="fr-FR" dirty="0" smtClean="0"/>
+          </a:p>
+          <a:p>
+            <a:r>
+              <a:rPr lang="fr-FR" dirty="0" err="1" smtClean="0"/>
+              <a:t>Only</a:t>
+            </a:r>
+            <a:r>
+              <a:rPr lang="fr-FR" dirty="0" smtClean="0"/>
+              <a:t> « applications » have a Composition </a:t>
+            </a:r>
+            <a:r>
+              <a:rPr lang="fr-FR" dirty="0" err="1" smtClean="0"/>
+              <a:t>Root</a:t>
+            </a:r>
+            <a:endParaRPr lang="fr-FR" dirty="0" smtClean="0"/>
+          </a:p>
+          <a:p>
+            <a:r>
+              <a:rPr lang="fr-FR" dirty="0" err="1" smtClean="0"/>
+              <a:t>Where</a:t>
+            </a:r>
+            <a:r>
+              <a:rPr lang="fr-FR" dirty="0" smtClean="0"/>
+              <a:t> the Composition </a:t>
+            </a:r>
+            <a:r>
+              <a:rPr lang="fr-FR" dirty="0" err="1" smtClean="0"/>
+              <a:t>Root</a:t>
+            </a:r>
+            <a:r>
+              <a:rPr lang="fr-FR" dirty="0" smtClean="0"/>
+              <a:t> </a:t>
+            </a:r>
+            <a:r>
+              <a:rPr lang="fr-FR" dirty="0" err="1" smtClean="0"/>
+              <a:t>can</a:t>
+            </a:r>
+            <a:r>
+              <a:rPr lang="fr-FR" dirty="0" smtClean="0"/>
+              <a:t> </a:t>
+            </a:r>
+            <a:r>
+              <a:rPr lang="fr-FR" dirty="0" err="1" smtClean="0"/>
+              <a:t>be</a:t>
+            </a:r>
+            <a:r>
+              <a:rPr lang="fr-FR" dirty="0" smtClean="0"/>
+              <a:t> </a:t>
+            </a:r>
+            <a:r>
+              <a:rPr lang="fr-FR" dirty="0" err="1" smtClean="0"/>
+              <a:t>plugged</a:t>
+            </a:r>
+            <a:r>
+              <a:rPr lang="fr-FR" dirty="0" smtClean="0"/>
+              <a:t> </a:t>
+            </a:r>
+            <a:r>
+              <a:rPr lang="fr-FR" dirty="0" err="1" smtClean="0"/>
+              <a:t>depends</a:t>
+            </a:r>
+            <a:r>
+              <a:rPr lang="fr-FR" dirty="0" smtClean="0"/>
+              <a:t> on the </a:t>
+            </a:r>
+            <a:r>
+              <a:rPr lang="fr-FR" dirty="0" err="1" smtClean="0"/>
+              <a:t>kind</a:t>
+            </a:r>
+            <a:r>
+              <a:rPr lang="fr-FR" dirty="0" smtClean="0"/>
+              <a:t> of </a:t>
+            </a:r>
+            <a:r>
+              <a:rPr lang="fr-FR" dirty="0" err="1" smtClean="0"/>
+              <a:t>app</a:t>
+            </a:r>
+            <a:endParaRPr lang="fr-FR" dirty="0" smtClean="0"/>
+          </a:p>
+          <a:p>
+            <a:r>
+              <a:rPr lang="fr-FR" dirty="0" smtClean="0"/>
+              <a:t>The Composition </a:t>
+            </a:r>
+            <a:r>
+              <a:rPr lang="fr-FR" dirty="0" err="1" smtClean="0"/>
+              <a:t>Root</a:t>
+            </a:r>
+            <a:r>
+              <a:rPr lang="fr-FR" dirty="0" smtClean="0"/>
+              <a:t> </a:t>
+            </a:r>
+            <a:r>
+              <a:rPr lang="fr-FR" dirty="0" err="1" smtClean="0"/>
+              <a:t>needs</a:t>
+            </a:r>
+            <a:r>
+              <a:rPr lang="fr-FR" dirty="0" smtClean="0"/>
+              <a:t> </a:t>
+            </a:r>
+            <a:r>
+              <a:rPr lang="fr-FR" dirty="0" err="1" smtClean="0"/>
+              <a:t>access</a:t>
+            </a:r>
+            <a:r>
+              <a:rPr lang="fr-FR" dirty="0" smtClean="0"/>
+              <a:t> to all </a:t>
+            </a:r>
+            <a:r>
+              <a:rPr lang="fr-FR" dirty="0" err="1" smtClean="0"/>
+              <a:t>concrete</a:t>
+            </a:r>
+            <a:r>
+              <a:rPr lang="fr-FR" dirty="0" smtClean="0"/>
+              <a:t> types</a:t>
+            </a:r>
+            <a:endParaRPr lang="en-US" dirty="0"/>
           </a:p>
         </p:txBody>
       </p:sp>
     </p:spTree>
     <p:extLst>
       <p:ext uri="{BB962C8B-B14F-4D97-AF65-F5344CB8AC3E}">
-        <p14:creationId xmlns:p14="http://schemas.microsoft.com/office/powerpoint/2010/main" val="550091921"/>
+        <p14:creationId xmlns:p14="http://schemas.microsoft.com/office/powerpoint/2010/main" val="993896906"/>
       </p:ext>
     </p:extLst>
   </p:cSld>
@@ -28867,8 +30170,12 @@
           <a:lstStyle/>
           <a:p>
             <a:r>
-              <a:rPr lang="en-US" dirty="0" smtClean="0"/>
-              <a:t>Extensibility with DI</a:t>
+              <a:rPr lang="fr-FR" dirty="0" smtClean="0"/>
+              <a:t>ASP.NET MVC Composition </a:t>
+            </a:r>
+            <a:r>
+              <a:rPr lang="fr-FR" dirty="0" err="1" smtClean="0"/>
+              <a:t>Root</a:t>
             </a:r>
             <a:endParaRPr lang="en-US" dirty="0"/>
           </a:p>
@@ -28890,53 +30197,2510 @@
           <a:lstStyle/>
           <a:p>
             <a:r>
-              <a:rPr lang="en-US" dirty="0" err="1" smtClean="0"/>
-              <a:t>Composability</a:t>
-            </a:r>
-            <a:r>
-              <a:rPr lang="en-US" dirty="0" smtClean="0"/>
+              <a:rPr lang="fr-FR" sz="2800" dirty="0" err="1" smtClean="0">
+                <a:latin typeface="Consolas" panose="020B0609020204030204" pitchFamily="49" charset="0"/>
+                <a:cs typeface="Consolas" panose="020B0609020204030204" pitchFamily="49" charset="0"/>
+              </a:rPr>
+              <a:t>IControllerFactory</a:t>
+            </a:r>
+            <a:endParaRPr lang="fr-FR" dirty="0" smtClean="0">
+              <a:latin typeface="Consolas" panose="020B0609020204030204" pitchFamily="49" charset="0"/>
+              <a:cs typeface="Consolas" panose="020B0609020204030204" pitchFamily="49" charset="0"/>
+            </a:endParaRPr>
+          </a:p>
+          <a:p>
+            <a:r>
+              <a:rPr lang="fr-FR" dirty="0" err="1" smtClean="0"/>
+              <a:t>Called</a:t>
+            </a:r>
+            <a:r>
+              <a:rPr lang="fr-FR" dirty="0" smtClean="0"/>
+              <a:t> on </a:t>
+            </a:r>
+            <a:r>
+              <a:rPr lang="fr-FR" dirty="0" err="1" smtClean="0"/>
+              <a:t>each</a:t>
+            </a:r>
+            <a:r>
+              <a:rPr lang="fr-FR" dirty="0" smtClean="0"/>
               <a:t> </a:t>
             </a:r>
-          </a:p>
-          <a:p>
-            <a:r>
-              <a:rPr lang="en-US" dirty="0" smtClean="0"/>
-              <a:t>Testability</a:t>
-            </a:r>
-          </a:p>
-          <a:p>
-            <a:r>
-              <a:rPr lang="en-US" dirty="0" smtClean="0"/>
-              <a:t>Decorator</a:t>
-            </a:r>
-          </a:p>
-          <a:p>
+            <a:r>
+              <a:rPr lang="fr-FR" dirty="0" err="1" smtClean="0"/>
+              <a:t>request</a:t>
+            </a:r>
+            <a:r>
+              <a:rPr lang="fr-FR" dirty="0" smtClean="0"/>
+              <a:t> to </a:t>
+            </a:r>
+            <a:r>
+              <a:rPr lang="fr-FR" dirty="0" err="1" smtClean="0"/>
+              <a:t>create</a:t>
+            </a:r>
+            <a:r>
+              <a:rPr lang="fr-FR" dirty="0" smtClean="0"/>
+              <a:t> an instance of a </a:t>
+            </a:r>
+            <a:r>
+              <a:rPr lang="fr-FR" dirty="0" err="1" smtClean="0"/>
+              <a:t>controller</a:t>
+            </a:r>
+            <a:r>
+              <a:rPr lang="fr-FR" dirty="0" smtClean="0"/>
+              <a:t> </a:t>
+            </a:r>
+            <a:r>
+              <a:rPr lang="fr-FR" dirty="0" err="1" smtClean="0"/>
+              <a:t>matching</a:t>
+            </a:r>
+            <a:r>
+              <a:rPr lang="fr-FR" dirty="0" smtClean="0"/>
+              <a:t> URL</a:t>
+            </a:r>
+          </a:p>
+          <a:p>
+            <a:r>
+              <a:rPr lang="fr-FR" dirty="0" err="1" smtClean="0"/>
+              <a:t>DefaultControllerFactory</a:t>
+            </a:r>
+            <a:r>
+              <a:rPr lang="fr-FR" dirty="0" smtClean="0"/>
+              <a:t> </a:t>
+            </a:r>
+            <a:r>
+              <a:rPr lang="fr-FR" dirty="0" err="1" smtClean="0"/>
+              <a:t>expects</a:t>
+            </a:r>
+            <a:r>
+              <a:rPr lang="fr-FR" dirty="0" smtClean="0"/>
+              <a:t> default </a:t>
+            </a:r>
+            <a:r>
+              <a:rPr lang="fr-FR" dirty="0" err="1" smtClean="0"/>
+              <a:t>constructor</a:t>
+            </a:r>
+            <a:r>
+              <a:rPr lang="fr-FR" dirty="0" smtClean="0"/>
+              <a:t> on Controller</a:t>
+            </a:r>
+          </a:p>
+          <a:p>
+            <a:r>
+              <a:rPr lang="fr-FR" dirty="0" smtClean="0"/>
+              <a:t>But </a:t>
+            </a:r>
+            <a:r>
+              <a:rPr lang="fr-FR" dirty="0" err="1" smtClean="0"/>
+              <a:t>it</a:t>
+            </a:r>
+            <a:r>
+              <a:rPr lang="fr-FR" dirty="0" smtClean="0"/>
+              <a:t> </a:t>
+            </a:r>
+            <a:r>
+              <a:rPr lang="fr-FR" dirty="0" err="1" smtClean="0"/>
+              <a:t>can</a:t>
+            </a:r>
+            <a:r>
+              <a:rPr lang="fr-FR" dirty="0" smtClean="0"/>
+              <a:t> </a:t>
+            </a:r>
+            <a:r>
+              <a:rPr lang="fr-FR" dirty="0" err="1" smtClean="0"/>
+              <a:t>be</a:t>
+            </a:r>
+            <a:r>
+              <a:rPr lang="fr-FR" dirty="0" smtClean="0"/>
+              <a:t> </a:t>
+            </a:r>
+            <a:r>
+              <a:rPr lang="fr-FR" dirty="0" err="1" smtClean="0"/>
+              <a:t>changed</a:t>
+            </a:r>
+            <a:r>
+              <a:rPr lang="fr-FR" dirty="0" smtClean="0"/>
+              <a:t> !</a:t>
+            </a:r>
             <a:endParaRPr lang="en-US" dirty="0"/>
           </a:p>
-          <a:p>
-            <a:r>
-              <a:rPr lang="en-US" dirty="0" smtClean="0"/>
-              <a:t>Late binding</a:t>
-            </a:r>
-          </a:p>
-          <a:p>
-            <a:endParaRPr lang="en-US" dirty="0"/>
-          </a:p>
-          <a:p>
-            <a:r>
-              <a:rPr lang="en-US" dirty="0" smtClean="0"/>
-              <a:t>Examples ? </a:t>
-            </a:r>
-          </a:p>
-          <a:p>
-            <a:endParaRPr lang="en-US" dirty="0"/>
+        </p:txBody>
+      </p:sp>
+      <p:sp>
+        <p:nvSpPr>
+          <p:cNvPr id="4" name="TextBox 3"/>
+          <p:cNvSpPr txBox="1"/>
+          <p:nvPr/>
+        </p:nvSpPr>
+        <p:spPr>
+          <a:xfrm>
+            <a:off x="-396552" y="536269"/>
+            <a:ext cx="10297144" cy="5755422"/>
+          </a:xfrm>
+          <a:prstGeom prst="rect">
+            <a:avLst/>
+          </a:prstGeom>
+          <a:solidFill>
+            <a:schemeClr val="bg1"/>
+          </a:solidFill>
+          <a:ln>
+            <a:solidFill>
+              <a:schemeClr val="accent1"/>
+            </a:solidFill>
+          </a:ln>
+        </p:spPr>
+        <p:txBody>
+          <a:bodyPr wrap="square" rtlCol="0">
+            <a:spAutoFit/>
+          </a:bodyPr>
+          <a:lstStyle/>
+          <a:p>
+            <a:pPr>
+              <a:lnSpc>
+                <a:spcPct val="115000"/>
+              </a:lnSpc>
+              <a:spcAft>
+                <a:spcPts val="0"/>
+              </a:spcAft>
+            </a:pPr>
+            <a:r>
+              <a:rPr lang="en-US" sz="1600" dirty="0">
+                <a:solidFill>
+                  <a:srgbClr val="0000FF"/>
+                </a:solidFill>
+                <a:highlight>
+                  <a:srgbClr val="FFFFFF"/>
+                </a:highlight>
+                <a:latin typeface="Consolas"/>
+                <a:ea typeface="Calibri"/>
+                <a:cs typeface="Times New Roman"/>
+              </a:rPr>
+              <a:t>public</a:t>
+            </a:r>
+            <a:r>
+              <a:rPr lang="en-US" sz="1600" dirty="0">
+                <a:solidFill>
+                  <a:srgbClr val="000000"/>
+                </a:solidFill>
+                <a:highlight>
+                  <a:srgbClr val="FFFFFF"/>
+                </a:highlight>
+                <a:latin typeface="Consolas"/>
+                <a:ea typeface="Calibri"/>
+                <a:cs typeface="Times New Roman"/>
+              </a:rPr>
+              <a:t> </a:t>
+            </a:r>
+            <a:r>
+              <a:rPr lang="en-US" sz="1600" dirty="0">
+                <a:solidFill>
+                  <a:srgbClr val="0000FF"/>
+                </a:solidFill>
+                <a:highlight>
+                  <a:srgbClr val="FFFFFF"/>
+                </a:highlight>
+                <a:latin typeface="Consolas"/>
+                <a:ea typeface="Calibri"/>
+                <a:cs typeface="Times New Roman"/>
+              </a:rPr>
+              <a:t>class</a:t>
+            </a:r>
+            <a:r>
+              <a:rPr lang="en-US" sz="1600" dirty="0">
+                <a:solidFill>
+                  <a:srgbClr val="000000"/>
+                </a:solidFill>
+                <a:highlight>
+                  <a:srgbClr val="FFFFFF"/>
+                </a:highlight>
+                <a:latin typeface="Consolas"/>
+                <a:ea typeface="Calibri"/>
+                <a:cs typeface="Times New Roman"/>
+              </a:rPr>
+              <a:t> </a:t>
+            </a:r>
+            <a:r>
+              <a:rPr lang="en-US" sz="1600" dirty="0" err="1">
+                <a:solidFill>
+                  <a:srgbClr val="2B91AF"/>
+                </a:solidFill>
+                <a:highlight>
+                  <a:srgbClr val="FFFFFF"/>
+                </a:highlight>
+                <a:latin typeface="Consolas"/>
+                <a:ea typeface="Calibri"/>
+                <a:cs typeface="Times New Roman"/>
+              </a:rPr>
+              <a:t>AppCompositionRoot</a:t>
+            </a:r>
+            <a:r>
+              <a:rPr lang="en-US" sz="1600" dirty="0">
+                <a:solidFill>
+                  <a:srgbClr val="000000"/>
+                </a:solidFill>
+                <a:highlight>
+                  <a:srgbClr val="FFFFFF"/>
+                </a:highlight>
+                <a:latin typeface="Consolas"/>
+                <a:ea typeface="Calibri"/>
+                <a:cs typeface="Times New Roman"/>
+              </a:rPr>
+              <a:t> : </a:t>
+            </a:r>
+            <a:r>
+              <a:rPr lang="en-US" sz="1600" dirty="0" err="1">
+                <a:solidFill>
+                  <a:srgbClr val="2B91AF"/>
+                </a:solidFill>
+                <a:highlight>
+                  <a:srgbClr val="FFFFFF"/>
+                </a:highlight>
+                <a:latin typeface="Consolas"/>
+                <a:ea typeface="Calibri"/>
+                <a:cs typeface="Times New Roman"/>
+              </a:rPr>
+              <a:t>DefaultControllerFactory</a:t>
+            </a:r>
+            <a:endParaRPr lang="en-US" sz="2000" dirty="0">
+              <a:ea typeface="Calibri"/>
+              <a:cs typeface="Times New Roman"/>
+            </a:endParaRPr>
+          </a:p>
+          <a:p>
+            <a:pPr>
+              <a:lnSpc>
+                <a:spcPct val="115000"/>
+              </a:lnSpc>
+              <a:spcAft>
+                <a:spcPts val="0"/>
+              </a:spcAft>
+            </a:pPr>
+            <a:r>
+              <a:rPr lang="en-US" sz="1600" dirty="0">
+                <a:solidFill>
+                  <a:srgbClr val="000000"/>
+                </a:solidFill>
+                <a:highlight>
+                  <a:srgbClr val="FFFFFF"/>
+                </a:highlight>
+                <a:latin typeface="Consolas"/>
+                <a:ea typeface="Calibri"/>
+                <a:cs typeface="Times New Roman"/>
+              </a:rPr>
+              <a:t>    {</a:t>
+            </a:r>
+            <a:endParaRPr lang="en-US" sz="2000" dirty="0">
+              <a:ea typeface="Calibri"/>
+              <a:cs typeface="Times New Roman"/>
+            </a:endParaRPr>
+          </a:p>
+          <a:p>
+            <a:pPr>
+              <a:lnSpc>
+                <a:spcPct val="115000"/>
+              </a:lnSpc>
+              <a:spcAft>
+                <a:spcPts val="0"/>
+              </a:spcAft>
+            </a:pPr>
+            <a:r>
+              <a:rPr lang="en-US" sz="1600" dirty="0">
+                <a:solidFill>
+                  <a:srgbClr val="000000"/>
+                </a:solidFill>
+                <a:highlight>
+                  <a:srgbClr val="FFFFFF"/>
+                </a:highlight>
+                <a:latin typeface="Consolas"/>
+                <a:ea typeface="Calibri"/>
+                <a:cs typeface="Times New Roman"/>
+              </a:rPr>
+              <a:t>        </a:t>
+            </a:r>
+            <a:r>
+              <a:rPr lang="en-US" sz="1600" dirty="0">
+                <a:solidFill>
+                  <a:srgbClr val="0000FF"/>
+                </a:solidFill>
+                <a:highlight>
+                  <a:srgbClr val="FFFFFF"/>
+                </a:highlight>
+                <a:latin typeface="Consolas"/>
+                <a:ea typeface="Calibri"/>
+                <a:cs typeface="Times New Roman"/>
+              </a:rPr>
+              <a:t>protected</a:t>
+            </a:r>
+            <a:r>
+              <a:rPr lang="en-US" sz="1600" dirty="0">
+                <a:solidFill>
+                  <a:srgbClr val="000000"/>
+                </a:solidFill>
+                <a:highlight>
+                  <a:srgbClr val="FFFFFF"/>
+                </a:highlight>
+                <a:latin typeface="Consolas"/>
+                <a:ea typeface="Calibri"/>
+                <a:cs typeface="Times New Roman"/>
+              </a:rPr>
+              <a:t> </a:t>
+            </a:r>
+            <a:r>
+              <a:rPr lang="en-US" sz="1600" dirty="0">
+                <a:solidFill>
+                  <a:srgbClr val="0000FF"/>
+                </a:solidFill>
+                <a:highlight>
+                  <a:srgbClr val="FFFFFF"/>
+                </a:highlight>
+                <a:latin typeface="Consolas"/>
+                <a:ea typeface="Calibri"/>
+                <a:cs typeface="Times New Roman"/>
+              </a:rPr>
+              <a:t>override</a:t>
+            </a:r>
+            <a:r>
+              <a:rPr lang="en-US" sz="1600" dirty="0">
+                <a:solidFill>
+                  <a:srgbClr val="000000"/>
+                </a:solidFill>
+                <a:highlight>
+                  <a:srgbClr val="FFFFFF"/>
+                </a:highlight>
+                <a:latin typeface="Consolas"/>
+                <a:ea typeface="Calibri"/>
+                <a:cs typeface="Times New Roman"/>
+              </a:rPr>
+              <a:t> </a:t>
+            </a:r>
+            <a:r>
+              <a:rPr lang="en-US" sz="1600" dirty="0" err="1">
+                <a:solidFill>
+                  <a:srgbClr val="2B91AF"/>
+                </a:solidFill>
+                <a:highlight>
+                  <a:srgbClr val="FFFFFF"/>
+                </a:highlight>
+                <a:latin typeface="Consolas"/>
+                <a:ea typeface="Calibri"/>
+                <a:cs typeface="Times New Roman"/>
+              </a:rPr>
+              <a:t>IController</a:t>
+            </a:r>
+            <a:r>
+              <a:rPr lang="en-US" sz="1600" dirty="0">
+                <a:solidFill>
+                  <a:srgbClr val="000000"/>
+                </a:solidFill>
+                <a:highlight>
+                  <a:srgbClr val="FFFFFF"/>
+                </a:highlight>
+                <a:latin typeface="Consolas"/>
+                <a:ea typeface="Calibri"/>
+                <a:cs typeface="Times New Roman"/>
+              </a:rPr>
+              <a:t> </a:t>
+            </a:r>
+            <a:r>
+              <a:rPr lang="en-US" sz="1600" dirty="0" err="1">
+                <a:solidFill>
+                  <a:srgbClr val="000000"/>
+                </a:solidFill>
+                <a:highlight>
+                  <a:srgbClr val="FFFFFF"/>
+                </a:highlight>
+                <a:latin typeface="Consolas"/>
+                <a:ea typeface="Calibri"/>
+                <a:cs typeface="Times New Roman"/>
+              </a:rPr>
+              <a:t>GetControllerInstance</a:t>
+            </a:r>
+            <a:r>
+              <a:rPr lang="en-US" sz="1600" dirty="0">
+                <a:solidFill>
+                  <a:srgbClr val="000000"/>
+                </a:solidFill>
+                <a:highlight>
+                  <a:srgbClr val="FFFFFF"/>
+                </a:highlight>
+                <a:latin typeface="Consolas"/>
+                <a:ea typeface="Calibri"/>
+                <a:cs typeface="Times New Roman"/>
+              </a:rPr>
+              <a:t>(</a:t>
+            </a:r>
+            <a:r>
+              <a:rPr lang="en-US" sz="1600" dirty="0" err="1">
+                <a:solidFill>
+                  <a:srgbClr val="2B91AF"/>
+                </a:solidFill>
+                <a:highlight>
+                  <a:srgbClr val="FFFFFF"/>
+                </a:highlight>
+                <a:latin typeface="Consolas"/>
+                <a:ea typeface="Calibri"/>
+                <a:cs typeface="Times New Roman"/>
+              </a:rPr>
+              <a:t>RequestContext</a:t>
+            </a:r>
+            <a:r>
+              <a:rPr lang="en-US" sz="1600" dirty="0">
+                <a:solidFill>
+                  <a:srgbClr val="000000"/>
+                </a:solidFill>
+                <a:highlight>
+                  <a:srgbClr val="FFFFFF"/>
+                </a:highlight>
+                <a:latin typeface="Consolas"/>
+                <a:ea typeface="Calibri"/>
+                <a:cs typeface="Times New Roman"/>
+              </a:rPr>
+              <a:t> </a:t>
+            </a:r>
+            <a:r>
+              <a:rPr lang="en-US" sz="1600" dirty="0" err="1">
+                <a:solidFill>
+                  <a:srgbClr val="000000"/>
+                </a:solidFill>
+                <a:highlight>
+                  <a:srgbClr val="FFFFFF"/>
+                </a:highlight>
+                <a:latin typeface="Consolas"/>
+                <a:ea typeface="Calibri"/>
+                <a:cs typeface="Times New Roman"/>
+              </a:rPr>
+              <a:t>requestContext</a:t>
+            </a:r>
+            <a:r>
+              <a:rPr lang="en-US" sz="1600" dirty="0">
+                <a:solidFill>
+                  <a:srgbClr val="000000"/>
+                </a:solidFill>
+                <a:highlight>
+                  <a:srgbClr val="FFFFFF"/>
+                </a:highlight>
+                <a:latin typeface="Consolas"/>
+                <a:ea typeface="Calibri"/>
+                <a:cs typeface="Times New Roman"/>
+              </a:rPr>
+              <a:t>, </a:t>
+            </a:r>
+            <a:endParaRPr lang="en-US" sz="1600" dirty="0" smtClean="0">
+              <a:solidFill>
+                <a:srgbClr val="000000"/>
+              </a:solidFill>
+              <a:highlight>
+                <a:srgbClr val="FFFFFF"/>
+              </a:highlight>
+              <a:latin typeface="Consolas"/>
+              <a:ea typeface="Calibri"/>
+              <a:cs typeface="Times New Roman"/>
+            </a:endParaRPr>
+          </a:p>
+          <a:p>
+            <a:pPr>
+              <a:lnSpc>
+                <a:spcPct val="115000"/>
+              </a:lnSpc>
+              <a:spcAft>
+                <a:spcPts val="0"/>
+              </a:spcAft>
+            </a:pPr>
+            <a:r>
+              <a:rPr lang="en-US" sz="1600" dirty="0">
+                <a:solidFill>
+                  <a:srgbClr val="000000"/>
+                </a:solidFill>
+                <a:highlight>
+                  <a:srgbClr val="FFFFFF"/>
+                </a:highlight>
+                <a:latin typeface="Consolas"/>
+                <a:ea typeface="Calibri"/>
+                <a:cs typeface="Times New Roman"/>
+              </a:rPr>
+              <a:t>	</a:t>
+            </a:r>
+            <a:r>
+              <a:rPr lang="en-US" sz="1600" dirty="0" smtClean="0">
+                <a:solidFill>
+                  <a:srgbClr val="000000"/>
+                </a:solidFill>
+                <a:highlight>
+                  <a:srgbClr val="FFFFFF"/>
+                </a:highlight>
+                <a:latin typeface="Consolas"/>
+                <a:ea typeface="Calibri"/>
+                <a:cs typeface="Times New Roman"/>
+              </a:rPr>
+              <a:t>						   </a:t>
+            </a:r>
+            <a:r>
+              <a:rPr lang="en-US" sz="1600" dirty="0" smtClean="0">
+                <a:solidFill>
+                  <a:srgbClr val="2B91AF"/>
+                </a:solidFill>
+                <a:highlight>
+                  <a:srgbClr val="FFFFFF"/>
+                </a:highlight>
+                <a:latin typeface="Consolas"/>
+                <a:ea typeface="Calibri"/>
+                <a:cs typeface="Times New Roman"/>
+              </a:rPr>
+              <a:t>Type</a:t>
+            </a:r>
+            <a:r>
+              <a:rPr lang="en-US" sz="1600" dirty="0" smtClean="0">
+                <a:solidFill>
+                  <a:srgbClr val="000000"/>
+                </a:solidFill>
+                <a:highlight>
+                  <a:srgbClr val="FFFFFF"/>
+                </a:highlight>
+                <a:latin typeface="Consolas"/>
+                <a:ea typeface="Calibri"/>
+                <a:cs typeface="Times New Roman"/>
+              </a:rPr>
+              <a:t> </a:t>
+            </a:r>
+            <a:r>
+              <a:rPr lang="en-US" sz="1600" dirty="0" err="1">
+                <a:solidFill>
+                  <a:srgbClr val="000000"/>
+                </a:solidFill>
+                <a:highlight>
+                  <a:srgbClr val="FFFFFF"/>
+                </a:highlight>
+                <a:latin typeface="Consolas"/>
+                <a:ea typeface="Calibri"/>
+                <a:cs typeface="Times New Roman"/>
+              </a:rPr>
+              <a:t>controllerType</a:t>
+            </a:r>
+            <a:r>
+              <a:rPr lang="en-US" sz="1600" dirty="0">
+                <a:solidFill>
+                  <a:srgbClr val="000000"/>
+                </a:solidFill>
+                <a:highlight>
+                  <a:srgbClr val="FFFFFF"/>
+                </a:highlight>
+                <a:latin typeface="Consolas"/>
+                <a:ea typeface="Calibri"/>
+                <a:cs typeface="Times New Roman"/>
+              </a:rPr>
+              <a:t>)</a:t>
+            </a:r>
+            <a:endParaRPr lang="en-US" sz="2000" dirty="0">
+              <a:ea typeface="Calibri"/>
+              <a:cs typeface="Times New Roman"/>
+            </a:endParaRPr>
+          </a:p>
+          <a:p>
+            <a:pPr>
+              <a:lnSpc>
+                <a:spcPct val="115000"/>
+              </a:lnSpc>
+              <a:spcAft>
+                <a:spcPts val="0"/>
+              </a:spcAft>
+            </a:pPr>
+            <a:r>
+              <a:rPr lang="en-US" sz="1600" dirty="0">
+                <a:solidFill>
+                  <a:srgbClr val="000000"/>
+                </a:solidFill>
+                <a:highlight>
+                  <a:srgbClr val="FFFFFF"/>
+                </a:highlight>
+                <a:latin typeface="Consolas"/>
+                <a:ea typeface="Calibri"/>
+                <a:cs typeface="Times New Roman"/>
+              </a:rPr>
+              <a:t>        {</a:t>
+            </a:r>
+            <a:endParaRPr lang="en-US" sz="2000" dirty="0">
+              <a:ea typeface="Calibri"/>
+              <a:cs typeface="Times New Roman"/>
+            </a:endParaRPr>
+          </a:p>
+          <a:p>
+            <a:pPr>
+              <a:lnSpc>
+                <a:spcPct val="115000"/>
+              </a:lnSpc>
+              <a:spcAft>
+                <a:spcPts val="0"/>
+              </a:spcAft>
+            </a:pPr>
+            <a:r>
+              <a:rPr lang="en-US" sz="1600" dirty="0">
+                <a:solidFill>
+                  <a:srgbClr val="000000"/>
+                </a:solidFill>
+                <a:highlight>
+                  <a:srgbClr val="FFFFFF"/>
+                </a:highlight>
+                <a:latin typeface="Consolas"/>
+                <a:ea typeface="Calibri"/>
+                <a:cs typeface="Times New Roman"/>
+              </a:rPr>
+              <a:t>            </a:t>
+            </a:r>
+            <a:r>
+              <a:rPr lang="en-US" sz="1600" dirty="0">
+                <a:solidFill>
+                  <a:srgbClr val="008000"/>
+                </a:solidFill>
+                <a:highlight>
+                  <a:srgbClr val="FFFFFF"/>
+                </a:highlight>
+                <a:latin typeface="Consolas"/>
+                <a:ea typeface="Calibri"/>
+                <a:cs typeface="Times New Roman"/>
+              </a:rPr>
+              <a:t>// how to compose an </a:t>
+            </a:r>
+            <a:r>
+              <a:rPr lang="en-US" sz="1600" dirty="0" err="1">
+                <a:solidFill>
+                  <a:srgbClr val="008000"/>
+                </a:solidFill>
+                <a:highlight>
+                  <a:srgbClr val="FFFFFF"/>
+                </a:highlight>
+                <a:latin typeface="Consolas"/>
+                <a:ea typeface="Calibri"/>
+                <a:cs typeface="Times New Roman"/>
+              </a:rPr>
+              <a:t>AccountController</a:t>
+            </a:r>
+            <a:r>
+              <a:rPr lang="en-US" sz="1600" dirty="0">
+                <a:solidFill>
+                  <a:srgbClr val="008000"/>
+                </a:solidFill>
+                <a:highlight>
+                  <a:srgbClr val="FFFFFF"/>
+                </a:highlight>
+                <a:latin typeface="Consolas"/>
+                <a:ea typeface="Calibri"/>
+                <a:cs typeface="Times New Roman"/>
+              </a:rPr>
+              <a:t> ?</a:t>
+            </a:r>
+            <a:endParaRPr lang="en-US" sz="2000" dirty="0">
+              <a:ea typeface="Calibri"/>
+              <a:cs typeface="Times New Roman"/>
+            </a:endParaRPr>
+          </a:p>
+          <a:p>
+            <a:pPr>
+              <a:lnSpc>
+                <a:spcPct val="115000"/>
+              </a:lnSpc>
+              <a:spcAft>
+                <a:spcPts val="0"/>
+              </a:spcAft>
+            </a:pPr>
+            <a:r>
+              <a:rPr lang="en-US" sz="1600" dirty="0">
+                <a:solidFill>
+                  <a:srgbClr val="000000"/>
+                </a:solidFill>
+                <a:highlight>
+                  <a:srgbClr val="FFFFFF"/>
+                </a:highlight>
+                <a:latin typeface="Consolas"/>
+                <a:ea typeface="Calibri"/>
+                <a:cs typeface="Times New Roman"/>
+              </a:rPr>
+              <a:t>            </a:t>
+            </a:r>
+            <a:r>
+              <a:rPr lang="en-US" sz="1600" dirty="0">
+                <a:solidFill>
+                  <a:srgbClr val="0000FF"/>
+                </a:solidFill>
+                <a:highlight>
+                  <a:srgbClr val="FFFFFF"/>
+                </a:highlight>
+                <a:latin typeface="Consolas"/>
+                <a:ea typeface="Calibri"/>
+                <a:cs typeface="Times New Roman"/>
+              </a:rPr>
+              <a:t>if</a:t>
+            </a:r>
+            <a:r>
+              <a:rPr lang="en-US" sz="1600" dirty="0">
+                <a:solidFill>
+                  <a:srgbClr val="000000"/>
+                </a:solidFill>
+                <a:highlight>
+                  <a:srgbClr val="FFFFFF"/>
+                </a:highlight>
+                <a:latin typeface="Consolas"/>
+                <a:ea typeface="Calibri"/>
+                <a:cs typeface="Times New Roman"/>
+              </a:rPr>
+              <a:t> (</a:t>
+            </a:r>
+            <a:r>
+              <a:rPr lang="en-US" sz="1600" dirty="0" err="1">
+                <a:solidFill>
+                  <a:srgbClr val="000000"/>
+                </a:solidFill>
+                <a:highlight>
+                  <a:srgbClr val="FFFFFF"/>
+                </a:highlight>
+                <a:latin typeface="Consolas"/>
+                <a:ea typeface="Calibri"/>
+                <a:cs typeface="Times New Roman"/>
+              </a:rPr>
+              <a:t>controllerType</a:t>
+            </a:r>
+            <a:r>
+              <a:rPr lang="en-US" sz="1600" dirty="0">
+                <a:solidFill>
+                  <a:srgbClr val="000000"/>
+                </a:solidFill>
+                <a:highlight>
+                  <a:srgbClr val="FFFFFF"/>
+                </a:highlight>
+                <a:latin typeface="Consolas"/>
+                <a:ea typeface="Calibri"/>
+                <a:cs typeface="Times New Roman"/>
+              </a:rPr>
+              <a:t> == </a:t>
+            </a:r>
+            <a:r>
+              <a:rPr lang="en-US" sz="1600" dirty="0" err="1">
+                <a:solidFill>
+                  <a:srgbClr val="0000FF"/>
+                </a:solidFill>
+                <a:highlight>
+                  <a:srgbClr val="FFFFFF"/>
+                </a:highlight>
+                <a:latin typeface="Consolas"/>
+                <a:ea typeface="Calibri"/>
+                <a:cs typeface="Times New Roman"/>
+              </a:rPr>
+              <a:t>typeof</a:t>
+            </a:r>
+            <a:r>
+              <a:rPr lang="en-US" sz="1600" dirty="0">
+                <a:solidFill>
+                  <a:srgbClr val="000000"/>
+                </a:solidFill>
+                <a:highlight>
+                  <a:srgbClr val="FFFFFF"/>
+                </a:highlight>
+                <a:latin typeface="Consolas"/>
+                <a:ea typeface="Calibri"/>
+                <a:cs typeface="Times New Roman"/>
+              </a:rPr>
+              <a:t>(</a:t>
+            </a:r>
+            <a:r>
+              <a:rPr lang="en-US" sz="1600" dirty="0" err="1">
+                <a:solidFill>
+                  <a:srgbClr val="2B91AF"/>
+                </a:solidFill>
+                <a:highlight>
+                  <a:srgbClr val="FFFFFF"/>
+                </a:highlight>
+                <a:latin typeface="Consolas"/>
+                <a:ea typeface="Calibri"/>
+                <a:cs typeface="Times New Roman"/>
+              </a:rPr>
+              <a:t>AccountController</a:t>
+            </a:r>
+            <a:r>
+              <a:rPr lang="en-US" sz="1600" dirty="0">
+                <a:solidFill>
+                  <a:srgbClr val="000000"/>
+                </a:solidFill>
+                <a:highlight>
+                  <a:srgbClr val="FFFFFF"/>
+                </a:highlight>
+                <a:latin typeface="Consolas"/>
+                <a:ea typeface="Calibri"/>
+                <a:cs typeface="Times New Roman"/>
+              </a:rPr>
+              <a:t>))</a:t>
+            </a:r>
+            <a:endParaRPr lang="en-US" sz="2000" dirty="0">
+              <a:ea typeface="Calibri"/>
+              <a:cs typeface="Times New Roman"/>
+            </a:endParaRPr>
+          </a:p>
+          <a:p>
+            <a:pPr>
+              <a:lnSpc>
+                <a:spcPct val="115000"/>
+              </a:lnSpc>
+              <a:spcAft>
+                <a:spcPts val="0"/>
+              </a:spcAft>
+            </a:pPr>
+            <a:r>
+              <a:rPr lang="en-US" sz="1600" dirty="0">
+                <a:solidFill>
+                  <a:srgbClr val="000000"/>
+                </a:solidFill>
+                <a:highlight>
+                  <a:srgbClr val="FFFFFF"/>
+                </a:highlight>
+                <a:latin typeface="Consolas"/>
+                <a:ea typeface="Calibri"/>
+                <a:cs typeface="Times New Roman"/>
+              </a:rPr>
+              <a:t>            {</a:t>
+            </a:r>
+            <a:endParaRPr lang="en-US" sz="2000" dirty="0">
+              <a:ea typeface="Calibri"/>
+              <a:cs typeface="Times New Roman"/>
+            </a:endParaRPr>
+          </a:p>
+          <a:p>
+            <a:pPr>
+              <a:lnSpc>
+                <a:spcPct val="115000"/>
+              </a:lnSpc>
+              <a:spcAft>
+                <a:spcPts val="0"/>
+              </a:spcAft>
+            </a:pPr>
+            <a:r>
+              <a:rPr lang="en-US" sz="1600" dirty="0">
+                <a:solidFill>
+                  <a:srgbClr val="000000"/>
+                </a:solidFill>
+                <a:highlight>
+                  <a:srgbClr val="FFFFFF"/>
+                </a:highlight>
+                <a:latin typeface="Consolas"/>
+                <a:ea typeface="Calibri"/>
+                <a:cs typeface="Times New Roman"/>
+              </a:rPr>
+              <a:t>                </a:t>
+            </a:r>
+            <a:r>
+              <a:rPr lang="en-US" sz="1600" dirty="0" err="1">
+                <a:solidFill>
+                  <a:srgbClr val="0000FF"/>
+                </a:solidFill>
+                <a:highlight>
+                  <a:srgbClr val="FFFFFF"/>
+                </a:highlight>
+                <a:latin typeface="Consolas"/>
+                <a:ea typeface="Calibri"/>
+                <a:cs typeface="Times New Roman"/>
+              </a:rPr>
+              <a:t>var</a:t>
+            </a:r>
+            <a:r>
+              <a:rPr lang="en-US" sz="1600" dirty="0">
+                <a:solidFill>
+                  <a:srgbClr val="000000"/>
+                </a:solidFill>
+                <a:highlight>
+                  <a:srgbClr val="FFFFFF"/>
+                </a:highlight>
+                <a:latin typeface="Consolas"/>
+                <a:ea typeface="Calibri"/>
+                <a:cs typeface="Times New Roman"/>
+              </a:rPr>
+              <a:t> </a:t>
+            </a:r>
+            <a:r>
+              <a:rPr lang="en-US" sz="1600" dirty="0" err="1">
+                <a:solidFill>
+                  <a:srgbClr val="000000"/>
+                </a:solidFill>
+                <a:highlight>
+                  <a:srgbClr val="FFFFFF"/>
+                </a:highlight>
+                <a:latin typeface="Consolas"/>
+                <a:ea typeface="Calibri"/>
+                <a:cs typeface="Times New Roman"/>
+              </a:rPr>
+              <a:t>connectionString</a:t>
+            </a:r>
+            <a:r>
+              <a:rPr lang="en-US" sz="1600" dirty="0">
+                <a:solidFill>
+                  <a:srgbClr val="000000"/>
+                </a:solidFill>
+                <a:highlight>
+                  <a:srgbClr val="FFFFFF"/>
+                </a:highlight>
+                <a:latin typeface="Consolas"/>
+                <a:ea typeface="Calibri"/>
+                <a:cs typeface="Times New Roman"/>
+              </a:rPr>
+              <a:t> = </a:t>
+            </a:r>
+            <a:r>
+              <a:rPr lang="en-US" sz="1600" dirty="0" err="1" smtClean="0">
+                <a:solidFill>
+                  <a:srgbClr val="2B91AF"/>
+                </a:solidFill>
+                <a:highlight>
+                  <a:srgbClr val="FFFFFF"/>
+                </a:highlight>
+                <a:latin typeface="Consolas"/>
+                <a:ea typeface="Calibri"/>
+                <a:cs typeface="Times New Roman"/>
+              </a:rPr>
+              <a:t>ConfigurationManager</a:t>
+            </a:r>
+            <a:endParaRPr lang="en-US" sz="1600" dirty="0" smtClean="0">
+              <a:solidFill>
+                <a:srgbClr val="2B91AF"/>
+              </a:solidFill>
+              <a:highlight>
+                <a:srgbClr val="FFFFFF"/>
+              </a:highlight>
+              <a:latin typeface="Consolas"/>
+              <a:ea typeface="Calibri"/>
+              <a:cs typeface="Times New Roman"/>
+            </a:endParaRPr>
+          </a:p>
+          <a:p>
+            <a:pPr>
+              <a:lnSpc>
+                <a:spcPct val="115000"/>
+              </a:lnSpc>
+              <a:spcAft>
+                <a:spcPts val="0"/>
+              </a:spcAft>
+            </a:pPr>
+            <a:r>
+              <a:rPr lang="en-US" sz="1600" dirty="0">
+                <a:solidFill>
+                  <a:srgbClr val="2B91AF"/>
+                </a:solidFill>
+                <a:highlight>
+                  <a:srgbClr val="FFFFFF"/>
+                </a:highlight>
+                <a:latin typeface="Consolas"/>
+                <a:ea typeface="Calibri"/>
+                <a:cs typeface="Times New Roman"/>
+              </a:rPr>
+              <a:t>		</a:t>
+            </a:r>
+            <a:r>
+              <a:rPr lang="en-US" sz="1600" dirty="0" smtClean="0">
+                <a:solidFill>
+                  <a:srgbClr val="2B91AF"/>
+                </a:solidFill>
+                <a:highlight>
+                  <a:srgbClr val="FFFFFF"/>
+                </a:highlight>
+                <a:latin typeface="Consolas"/>
+                <a:ea typeface="Calibri"/>
+                <a:cs typeface="Times New Roman"/>
+              </a:rPr>
+              <a:t>    </a:t>
+            </a:r>
+            <a:r>
+              <a:rPr lang="en-US" sz="1600" dirty="0" smtClean="0">
+                <a:solidFill>
+                  <a:srgbClr val="000000"/>
+                </a:solidFill>
+                <a:highlight>
+                  <a:srgbClr val="FFFFFF"/>
+                </a:highlight>
+                <a:latin typeface="Consolas"/>
+                <a:ea typeface="Calibri"/>
+                <a:cs typeface="Times New Roman"/>
+              </a:rPr>
+              <a:t>.</a:t>
+            </a:r>
+            <a:r>
+              <a:rPr lang="en-US" sz="1600" dirty="0" err="1">
+                <a:solidFill>
+                  <a:srgbClr val="000000"/>
+                </a:solidFill>
+                <a:highlight>
+                  <a:srgbClr val="FFFFFF"/>
+                </a:highlight>
+                <a:latin typeface="Consolas"/>
+                <a:ea typeface="Calibri"/>
+                <a:cs typeface="Times New Roman"/>
+              </a:rPr>
+              <a:t>ConnectionStrings</a:t>
+            </a:r>
+            <a:r>
+              <a:rPr lang="en-US" sz="1600" dirty="0">
+                <a:solidFill>
+                  <a:srgbClr val="000000"/>
+                </a:solidFill>
+                <a:highlight>
+                  <a:srgbClr val="FFFFFF"/>
+                </a:highlight>
+                <a:latin typeface="Consolas"/>
+                <a:ea typeface="Calibri"/>
+                <a:cs typeface="Times New Roman"/>
+              </a:rPr>
+              <a:t>[</a:t>
+            </a:r>
+            <a:r>
+              <a:rPr lang="en-US" sz="1600" dirty="0">
+                <a:solidFill>
+                  <a:srgbClr val="A31515"/>
+                </a:solidFill>
+                <a:highlight>
+                  <a:srgbClr val="FFFFFF"/>
+                </a:highlight>
+                <a:latin typeface="Consolas"/>
+                <a:ea typeface="Calibri"/>
+                <a:cs typeface="Times New Roman"/>
+              </a:rPr>
+              <a:t>"</a:t>
+            </a:r>
+            <a:r>
+              <a:rPr lang="en-US" sz="1600" dirty="0" err="1">
+                <a:solidFill>
+                  <a:srgbClr val="A31515"/>
+                </a:solidFill>
+                <a:highlight>
+                  <a:srgbClr val="FFFFFF"/>
+                </a:highlight>
+                <a:latin typeface="Consolas"/>
+                <a:ea typeface="Calibri"/>
+                <a:cs typeface="Times New Roman"/>
+              </a:rPr>
+              <a:t>BankingDbContext</a:t>
+            </a:r>
+            <a:r>
+              <a:rPr lang="en-US" sz="1600" dirty="0" smtClean="0">
+                <a:solidFill>
+                  <a:srgbClr val="A31515"/>
+                </a:solidFill>
+                <a:highlight>
+                  <a:srgbClr val="FFFFFF"/>
+                </a:highlight>
+                <a:latin typeface="Consolas"/>
+                <a:ea typeface="Calibri"/>
+                <a:cs typeface="Times New Roman"/>
+              </a:rPr>
+              <a:t>"</a:t>
+            </a:r>
+            <a:r>
+              <a:rPr lang="en-US" sz="1600" dirty="0" smtClean="0">
+                <a:solidFill>
+                  <a:srgbClr val="000000"/>
+                </a:solidFill>
+                <a:highlight>
+                  <a:srgbClr val="FFFFFF"/>
+                </a:highlight>
+                <a:latin typeface="Consolas"/>
+                <a:ea typeface="Calibri"/>
+                <a:cs typeface="Times New Roman"/>
+              </a:rPr>
+              <a:t>].</a:t>
+            </a:r>
+            <a:r>
+              <a:rPr lang="en-US" sz="1600" dirty="0" err="1">
+                <a:solidFill>
+                  <a:srgbClr val="000000"/>
+                </a:solidFill>
+                <a:highlight>
+                  <a:srgbClr val="FFFFFF"/>
+                </a:highlight>
+                <a:latin typeface="Consolas"/>
+                <a:ea typeface="Calibri"/>
+                <a:cs typeface="Times New Roman"/>
+              </a:rPr>
+              <a:t>ConnectionString</a:t>
+            </a:r>
+            <a:r>
+              <a:rPr lang="en-US" sz="1600" dirty="0" smtClean="0">
+                <a:solidFill>
+                  <a:srgbClr val="000000"/>
+                </a:solidFill>
+                <a:highlight>
+                  <a:srgbClr val="FFFFFF"/>
+                </a:highlight>
+                <a:latin typeface="Consolas"/>
+                <a:ea typeface="Calibri"/>
+                <a:cs typeface="Times New Roman"/>
+              </a:rPr>
+              <a:t>;</a:t>
+            </a:r>
+            <a:endParaRPr lang="en-US" sz="2000" dirty="0">
+              <a:ea typeface="Calibri"/>
+              <a:cs typeface="Times New Roman"/>
+            </a:endParaRPr>
+          </a:p>
+          <a:p>
+            <a:pPr>
+              <a:lnSpc>
+                <a:spcPct val="115000"/>
+              </a:lnSpc>
+              <a:spcAft>
+                <a:spcPts val="0"/>
+              </a:spcAft>
+            </a:pPr>
+            <a:r>
+              <a:rPr lang="en-US" sz="1600" dirty="0">
+                <a:solidFill>
+                  <a:srgbClr val="000000"/>
+                </a:solidFill>
+                <a:highlight>
+                  <a:srgbClr val="FFFFFF"/>
+                </a:highlight>
+                <a:latin typeface="Consolas"/>
+                <a:ea typeface="Calibri"/>
+                <a:cs typeface="Times New Roman"/>
+              </a:rPr>
+              <a:t>                </a:t>
+            </a:r>
+            <a:r>
+              <a:rPr lang="en-US" sz="1600" dirty="0" err="1">
+                <a:solidFill>
+                  <a:srgbClr val="0000FF"/>
+                </a:solidFill>
+                <a:highlight>
+                  <a:srgbClr val="FFFFFF"/>
+                </a:highlight>
+                <a:latin typeface="Consolas"/>
+                <a:ea typeface="Calibri"/>
+                <a:cs typeface="Times New Roman"/>
+              </a:rPr>
+              <a:t>var</a:t>
+            </a:r>
+            <a:r>
+              <a:rPr lang="en-US" sz="1600" dirty="0">
+                <a:solidFill>
+                  <a:srgbClr val="000000"/>
+                </a:solidFill>
+                <a:highlight>
+                  <a:srgbClr val="FFFFFF"/>
+                </a:highlight>
+                <a:latin typeface="Consolas"/>
+                <a:ea typeface="Calibri"/>
+                <a:cs typeface="Times New Roman"/>
+              </a:rPr>
+              <a:t> repo = </a:t>
+            </a:r>
+            <a:r>
+              <a:rPr lang="en-US" sz="1600" dirty="0">
+                <a:solidFill>
+                  <a:srgbClr val="0000FF"/>
+                </a:solidFill>
+                <a:highlight>
+                  <a:srgbClr val="FFFFFF"/>
+                </a:highlight>
+                <a:latin typeface="Consolas"/>
+                <a:ea typeface="Calibri"/>
+                <a:cs typeface="Times New Roman"/>
+              </a:rPr>
+              <a:t>new</a:t>
+            </a:r>
+            <a:r>
+              <a:rPr lang="en-US" sz="1600" dirty="0">
+                <a:solidFill>
+                  <a:srgbClr val="000000"/>
+                </a:solidFill>
+                <a:highlight>
+                  <a:srgbClr val="FFFFFF"/>
+                </a:highlight>
+                <a:latin typeface="Consolas"/>
+                <a:ea typeface="Calibri"/>
+                <a:cs typeface="Times New Roman"/>
+              </a:rPr>
+              <a:t> </a:t>
+            </a:r>
+            <a:r>
+              <a:rPr lang="en-US" sz="1600" dirty="0" err="1">
+                <a:solidFill>
+                  <a:srgbClr val="2B91AF"/>
+                </a:solidFill>
+                <a:highlight>
+                  <a:srgbClr val="FFFFFF"/>
+                </a:highlight>
+                <a:latin typeface="Consolas"/>
+                <a:ea typeface="Calibri"/>
+                <a:cs typeface="Times New Roman"/>
+              </a:rPr>
+              <a:t>AccountRepository</a:t>
+            </a:r>
+            <a:r>
+              <a:rPr lang="en-US" sz="1600" dirty="0">
+                <a:solidFill>
+                  <a:srgbClr val="000000"/>
+                </a:solidFill>
+                <a:highlight>
+                  <a:srgbClr val="FFFFFF"/>
+                </a:highlight>
+                <a:latin typeface="Consolas"/>
+                <a:ea typeface="Calibri"/>
+                <a:cs typeface="Times New Roman"/>
+              </a:rPr>
+              <a:t>(</a:t>
+            </a:r>
+            <a:r>
+              <a:rPr lang="en-US" sz="1600" dirty="0" err="1">
+                <a:solidFill>
+                  <a:srgbClr val="000000"/>
+                </a:solidFill>
+                <a:highlight>
+                  <a:srgbClr val="FFFFFF"/>
+                </a:highlight>
+                <a:latin typeface="Consolas"/>
+                <a:ea typeface="Calibri"/>
+                <a:cs typeface="Times New Roman"/>
+              </a:rPr>
+              <a:t>connectionString</a:t>
+            </a:r>
+            <a:r>
+              <a:rPr lang="en-US" sz="1600" dirty="0" smtClean="0">
+                <a:solidFill>
+                  <a:srgbClr val="000000"/>
+                </a:solidFill>
+                <a:highlight>
+                  <a:srgbClr val="FFFFFF"/>
+                </a:highlight>
+                <a:latin typeface="Consolas"/>
+                <a:ea typeface="Calibri"/>
+                <a:cs typeface="Times New Roman"/>
+              </a:rPr>
+              <a:t>);</a:t>
+            </a:r>
+            <a:endParaRPr lang="en-US" sz="2000" dirty="0">
+              <a:ea typeface="Calibri"/>
+              <a:cs typeface="Times New Roman"/>
+            </a:endParaRPr>
+          </a:p>
+          <a:p>
+            <a:pPr>
+              <a:lnSpc>
+                <a:spcPct val="115000"/>
+              </a:lnSpc>
+              <a:spcAft>
+                <a:spcPts val="0"/>
+              </a:spcAft>
+            </a:pPr>
+            <a:r>
+              <a:rPr lang="en-US" sz="1600" dirty="0">
+                <a:solidFill>
+                  <a:srgbClr val="000000"/>
+                </a:solidFill>
+                <a:highlight>
+                  <a:srgbClr val="FFFFFF"/>
+                </a:highlight>
+                <a:latin typeface="Consolas"/>
+                <a:ea typeface="Calibri"/>
+                <a:cs typeface="Times New Roman"/>
+              </a:rPr>
+              <a:t>                </a:t>
+            </a:r>
+            <a:r>
+              <a:rPr lang="en-US" sz="1600" dirty="0" err="1">
+                <a:solidFill>
+                  <a:srgbClr val="0000FF"/>
+                </a:solidFill>
+                <a:highlight>
+                  <a:srgbClr val="FFFFFF"/>
+                </a:highlight>
+                <a:latin typeface="Consolas"/>
+                <a:ea typeface="Calibri"/>
+                <a:cs typeface="Times New Roman"/>
+              </a:rPr>
+              <a:t>var</a:t>
+            </a:r>
+            <a:r>
+              <a:rPr lang="en-US" sz="1600" dirty="0">
+                <a:solidFill>
+                  <a:srgbClr val="000000"/>
+                </a:solidFill>
+                <a:highlight>
+                  <a:srgbClr val="FFFFFF"/>
+                </a:highlight>
+                <a:latin typeface="Consolas"/>
+                <a:ea typeface="Calibri"/>
+                <a:cs typeface="Times New Roman"/>
+              </a:rPr>
+              <a:t> service = </a:t>
+            </a:r>
+            <a:r>
+              <a:rPr lang="en-US" sz="1600" dirty="0">
+                <a:solidFill>
+                  <a:srgbClr val="0000FF"/>
+                </a:solidFill>
+                <a:highlight>
+                  <a:srgbClr val="FFFFFF"/>
+                </a:highlight>
+                <a:latin typeface="Consolas"/>
+                <a:ea typeface="Calibri"/>
+                <a:cs typeface="Times New Roman"/>
+              </a:rPr>
+              <a:t>new</a:t>
+            </a:r>
+            <a:r>
+              <a:rPr lang="en-US" sz="1600" dirty="0">
+                <a:solidFill>
+                  <a:srgbClr val="000000"/>
+                </a:solidFill>
+                <a:highlight>
+                  <a:srgbClr val="FFFFFF"/>
+                </a:highlight>
+                <a:latin typeface="Consolas"/>
+                <a:ea typeface="Calibri"/>
+                <a:cs typeface="Times New Roman"/>
+              </a:rPr>
+              <a:t> </a:t>
+            </a:r>
+            <a:r>
+              <a:rPr lang="en-US" sz="1600" dirty="0" err="1">
+                <a:solidFill>
+                  <a:srgbClr val="2B91AF"/>
+                </a:solidFill>
+                <a:highlight>
+                  <a:srgbClr val="FFFFFF"/>
+                </a:highlight>
+                <a:latin typeface="Consolas"/>
+                <a:ea typeface="Calibri"/>
+                <a:cs typeface="Times New Roman"/>
+              </a:rPr>
+              <a:t>UserAccountService</a:t>
+            </a:r>
+            <a:r>
+              <a:rPr lang="en-US" sz="1600" dirty="0">
+                <a:solidFill>
+                  <a:srgbClr val="000000"/>
+                </a:solidFill>
+                <a:highlight>
+                  <a:srgbClr val="FFFFFF"/>
+                </a:highlight>
+                <a:latin typeface="Consolas"/>
+                <a:ea typeface="Calibri"/>
+                <a:cs typeface="Times New Roman"/>
+              </a:rPr>
+              <a:t>(repo);</a:t>
+            </a:r>
+            <a:endParaRPr lang="en-US" sz="2000" dirty="0">
+              <a:ea typeface="Calibri"/>
+              <a:cs typeface="Times New Roman"/>
+            </a:endParaRPr>
+          </a:p>
+          <a:p>
+            <a:pPr>
+              <a:lnSpc>
+                <a:spcPct val="115000"/>
+              </a:lnSpc>
+              <a:spcAft>
+                <a:spcPts val="0"/>
+              </a:spcAft>
+            </a:pPr>
+            <a:r>
+              <a:rPr lang="en-US" sz="1600" dirty="0">
+                <a:solidFill>
+                  <a:srgbClr val="000000"/>
+                </a:solidFill>
+                <a:highlight>
+                  <a:srgbClr val="FFFFFF"/>
+                </a:highlight>
+                <a:latin typeface="Consolas"/>
+                <a:ea typeface="Calibri"/>
+                <a:cs typeface="Times New Roman"/>
+              </a:rPr>
+              <a:t> </a:t>
+            </a:r>
+            <a:endParaRPr lang="en-US" sz="2000" dirty="0">
+              <a:ea typeface="Calibri"/>
+              <a:cs typeface="Times New Roman"/>
+            </a:endParaRPr>
+          </a:p>
+          <a:p>
+            <a:pPr>
+              <a:lnSpc>
+                <a:spcPct val="115000"/>
+              </a:lnSpc>
+              <a:spcAft>
+                <a:spcPts val="0"/>
+              </a:spcAft>
+            </a:pPr>
+            <a:r>
+              <a:rPr lang="en-US" sz="1600" dirty="0">
+                <a:solidFill>
+                  <a:srgbClr val="000000"/>
+                </a:solidFill>
+                <a:highlight>
+                  <a:srgbClr val="FFFFFF"/>
+                </a:highlight>
+                <a:latin typeface="Consolas"/>
+                <a:ea typeface="Calibri"/>
+                <a:cs typeface="Times New Roman"/>
+              </a:rPr>
+              <a:t>                </a:t>
+            </a:r>
+            <a:r>
+              <a:rPr lang="en-US" sz="1600" dirty="0">
+                <a:solidFill>
+                  <a:srgbClr val="0000FF"/>
+                </a:solidFill>
+                <a:highlight>
+                  <a:srgbClr val="FFFFFF"/>
+                </a:highlight>
+                <a:latin typeface="Consolas"/>
+                <a:ea typeface="Calibri"/>
+                <a:cs typeface="Times New Roman"/>
+              </a:rPr>
+              <a:t>return</a:t>
+            </a:r>
+            <a:r>
+              <a:rPr lang="en-US" sz="1600" dirty="0">
+                <a:solidFill>
+                  <a:srgbClr val="000000"/>
+                </a:solidFill>
+                <a:highlight>
+                  <a:srgbClr val="FFFFFF"/>
+                </a:highlight>
+                <a:latin typeface="Consolas"/>
+                <a:ea typeface="Calibri"/>
+                <a:cs typeface="Times New Roman"/>
+              </a:rPr>
+              <a:t> </a:t>
+            </a:r>
+            <a:r>
+              <a:rPr lang="en-US" sz="1600" dirty="0">
+                <a:solidFill>
+                  <a:srgbClr val="0000FF"/>
+                </a:solidFill>
+                <a:highlight>
+                  <a:srgbClr val="FFFFFF"/>
+                </a:highlight>
+                <a:latin typeface="Consolas"/>
+                <a:ea typeface="Calibri"/>
+                <a:cs typeface="Times New Roman"/>
+              </a:rPr>
+              <a:t>new</a:t>
+            </a:r>
+            <a:r>
+              <a:rPr lang="en-US" sz="1600" dirty="0">
+                <a:solidFill>
+                  <a:srgbClr val="000000"/>
+                </a:solidFill>
+                <a:highlight>
+                  <a:srgbClr val="FFFFFF"/>
+                </a:highlight>
+                <a:latin typeface="Consolas"/>
+                <a:ea typeface="Calibri"/>
+                <a:cs typeface="Times New Roman"/>
+              </a:rPr>
+              <a:t> </a:t>
+            </a:r>
+            <a:r>
+              <a:rPr lang="en-US" sz="1600" dirty="0" err="1">
+                <a:solidFill>
+                  <a:srgbClr val="2B91AF"/>
+                </a:solidFill>
+                <a:highlight>
+                  <a:srgbClr val="FFFFFF"/>
+                </a:highlight>
+                <a:latin typeface="Consolas"/>
+                <a:ea typeface="Calibri"/>
+                <a:cs typeface="Times New Roman"/>
+              </a:rPr>
+              <a:t>AccountController</a:t>
+            </a:r>
+            <a:r>
+              <a:rPr lang="en-US" sz="1600" dirty="0">
+                <a:solidFill>
+                  <a:srgbClr val="000000"/>
+                </a:solidFill>
+                <a:highlight>
+                  <a:srgbClr val="FFFFFF"/>
+                </a:highlight>
+                <a:latin typeface="Consolas"/>
+                <a:ea typeface="Calibri"/>
+                <a:cs typeface="Times New Roman"/>
+              </a:rPr>
+              <a:t>(service);</a:t>
+            </a:r>
+            <a:endParaRPr lang="en-US" sz="2000" dirty="0">
+              <a:ea typeface="Calibri"/>
+              <a:cs typeface="Times New Roman"/>
+            </a:endParaRPr>
+          </a:p>
+          <a:p>
+            <a:pPr>
+              <a:lnSpc>
+                <a:spcPct val="115000"/>
+              </a:lnSpc>
+              <a:spcAft>
+                <a:spcPts val="0"/>
+              </a:spcAft>
+            </a:pPr>
+            <a:r>
+              <a:rPr lang="en-US" sz="1600" dirty="0">
+                <a:solidFill>
+                  <a:srgbClr val="000000"/>
+                </a:solidFill>
+                <a:highlight>
+                  <a:srgbClr val="FFFFFF"/>
+                </a:highlight>
+                <a:latin typeface="Consolas"/>
+                <a:ea typeface="Calibri"/>
+                <a:cs typeface="Times New Roman"/>
+              </a:rPr>
+              <a:t>            }</a:t>
+            </a:r>
+            <a:endParaRPr lang="en-US" sz="2000" dirty="0">
+              <a:ea typeface="Calibri"/>
+              <a:cs typeface="Times New Roman"/>
+            </a:endParaRPr>
+          </a:p>
+          <a:p>
+            <a:pPr>
+              <a:lnSpc>
+                <a:spcPct val="115000"/>
+              </a:lnSpc>
+              <a:spcAft>
+                <a:spcPts val="0"/>
+              </a:spcAft>
+            </a:pPr>
+            <a:r>
+              <a:rPr lang="en-US" sz="1600" dirty="0">
+                <a:solidFill>
+                  <a:srgbClr val="000000"/>
+                </a:solidFill>
+                <a:highlight>
+                  <a:srgbClr val="FFFFFF"/>
+                </a:highlight>
+                <a:latin typeface="Consolas"/>
+                <a:ea typeface="Calibri"/>
+                <a:cs typeface="Times New Roman"/>
+              </a:rPr>
+              <a:t> </a:t>
+            </a:r>
+            <a:endParaRPr lang="en-US" sz="2000" dirty="0">
+              <a:ea typeface="Calibri"/>
+              <a:cs typeface="Times New Roman"/>
+            </a:endParaRPr>
+          </a:p>
+          <a:p>
+            <a:pPr>
+              <a:lnSpc>
+                <a:spcPct val="115000"/>
+              </a:lnSpc>
+              <a:spcAft>
+                <a:spcPts val="0"/>
+              </a:spcAft>
+            </a:pPr>
+            <a:r>
+              <a:rPr lang="en-US" sz="1600" dirty="0">
+                <a:solidFill>
+                  <a:srgbClr val="000000"/>
+                </a:solidFill>
+                <a:highlight>
+                  <a:srgbClr val="FFFFFF"/>
+                </a:highlight>
+                <a:latin typeface="Consolas"/>
+                <a:ea typeface="Calibri"/>
+                <a:cs typeface="Times New Roman"/>
+              </a:rPr>
+              <a:t>            </a:t>
+            </a:r>
+            <a:r>
+              <a:rPr lang="en-US" sz="1600" dirty="0">
+                <a:solidFill>
+                  <a:srgbClr val="008000"/>
+                </a:solidFill>
+                <a:highlight>
+                  <a:srgbClr val="FFFFFF"/>
+                </a:highlight>
+                <a:latin typeface="Consolas"/>
+                <a:ea typeface="Calibri"/>
+                <a:cs typeface="Times New Roman"/>
+              </a:rPr>
+              <a:t>// standard way in MVC to use default strategy</a:t>
+            </a:r>
+            <a:endParaRPr lang="en-US" sz="2000" dirty="0">
+              <a:ea typeface="Calibri"/>
+              <a:cs typeface="Times New Roman"/>
+            </a:endParaRPr>
+          </a:p>
+          <a:p>
+            <a:pPr>
+              <a:lnSpc>
+                <a:spcPct val="115000"/>
+              </a:lnSpc>
+              <a:spcAft>
+                <a:spcPts val="0"/>
+              </a:spcAft>
+            </a:pPr>
+            <a:r>
+              <a:rPr lang="en-US" sz="1600" dirty="0">
+                <a:solidFill>
+                  <a:srgbClr val="000000"/>
+                </a:solidFill>
+                <a:highlight>
+                  <a:srgbClr val="FFFFFF"/>
+                </a:highlight>
+                <a:latin typeface="Consolas"/>
+                <a:ea typeface="Calibri"/>
+                <a:cs typeface="Times New Roman"/>
+              </a:rPr>
+              <a:t>            </a:t>
+            </a:r>
+            <a:r>
+              <a:rPr lang="en-US" sz="1600" dirty="0">
+                <a:solidFill>
+                  <a:srgbClr val="0000FF"/>
+                </a:solidFill>
+                <a:highlight>
+                  <a:srgbClr val="FFFFFF"/>
+                </a:highlight>
+                <a:latin typeface="Consolas"/>
+                <a:ea typeface="Calibri"/>
+                <a:cs typeface="Times New Roman"/>
+              </a:rPr>
+              <a:t>return</a:t>
+            </a:r>
+            <a:r>
+              <a:rPr lang="en-US" sz="1600" dirty="0">
+                <a:solidFill>
+                  <a:srgbClr val="000000"/>
+                </a:solidFill>
+                <a:highlight>
+                  <a:srgbClr val="FFFFFF"/>
+                </a:highlight>
+                <a:latin typeface="Consolas"/>
+                <a:ea typeface="Calibri"/>
+                <a:cs typeface="Times New Roman"/>
+              </a:rPr>
+              <a:t> </a:t>
+            </a:r>
+            <a:r>
+              <a:rPr lang="en-US" sz="1600" dirty="0">
+                <a:solidFill>
+                  <a:srgbClr val="0000FF"/>
+                </a:solidFill>
+                <a:highlight>
+                  <a:srgbClr val="FFFFFF"/>
+                </a:highlight>
+                <a:latin typeface="Consolas"/>
+                <a:ea typeface="Calibri"/>
+                <a:cs typeface="Times New Roman"/>
+              </a:rPr>
+              <a:t>null</a:t>
+            </a:r>
+            <a:r>
+              <a:rPr lang="en-US" sz="1600" dirty="0">
+                <a:solidFill>
+                  <a:srgbClr val="000000"/>
+                </a:solidFill>
+                <a:highlight>
+                  <a:srgbClr val="FFFFFF"/>
+                </a:highlight>
+                <a:latin typeface="Consolas"/>
+                <a:ea typeface="Calibri"/>
+                <a:cs typeface="Times New Roman"/>
+              </a:rPr>
+              <a:t>;</a:t>
+            </a:r>
+            <a:endParaRPr lang="en-US" sz="2000" dirty="0">
+              <a:ea typeface="Calibri"/>
+              <a:cs typeface="Times New Roman"/>
+            </a:endParaRPr>
+          </a:p>
+          <a:p>
+            <a:pPr>
+              <a:lnSpc>
+                <a:spcPct val="115000"/>
+              </a:lnSpc>
+              <a:spcAft>
+                <a:spcPts val="0"/>
+              </a:spcAft>
+            </a:pPr>
+            <a:r>
+              <a:rPr lang="en-US" sz="1600" dirty="0">
+                <a:solidFill>
+                  <a:srgbClr val="000000"/>
+                </a:solidFill>
+                <a:highlight>
+                  <a:srgbClr val="FFFFFF"/>
+                </a:highlight>
+                <a:latin typeface="Consolas"/>
+                <a:ea typeface="Calibri"/>
+                <a:cs typeface="Times New Roman"/>
+              </a:rPr>
+              <a:t>        }</a:t>
+            </a:r>
+            <a:endParaRPr lang="en-US" sz="2000" dirty="0">
+              <a:ea typeface="Calibri"/>
+              <a:cs typeface="Times New Roman"/>
+            </a:endParaRPr>
+          </a:p>
+          <a:p>
+            <a:pPr>
+              <a:lnSpc>
+                <a:spcPct val="115000"/>
+              </a:lnSpc>
+              <a:spcAft>
+                <a:spcPts val="1000"/>
+              </a:spcAft>
+            </a:pPr>
+            <a:r>
+              <a:rPr lang="en-US" sz="1600" dirty="0">
+                <a:solidFill>
+                  <a:srgbClr val="000000"/>
+                </a:solidFill>
+                <a:highlight>
+                  <a:srgbClr val="FFFFFF"/>
+                </a:highlight>
+                <a:latin typeface="Consolas"/>
+                <a:ea typeface="Calibri"/>
+                <a:cs typeface="Times New Roman"/>
+              </a:rPr>
+              <a:t>    }</a:t>
+            </a:r>
+            <a:endParaRPr lang="en-US" sz="2000" dirty="0">
+              <a:ea typeface="Calibri"/>
+              <a:cs typeface="Times New Roman"/>
+            </a:endParaRPr>
+          </a:p>
+        </p:txBody>
+      </p:sp>
+      <p:grpSp>
+        <p:nvGrpSpPr>
+          <p:cNvPr id="7" name="Group 6"/>
+          <p:cNvGrpSpPr/>
+          <p:nvPr/>
+        </p:nvGrpSpPr>
+        <p:grpSpPr>
+          <a:xfrm>
+            <a:off x="35496" y="2868460"/>
+            <a:ext cx="1379944" cy="1712668"/>
+            <a:chOff x="35496" y="2868460"/>
+            <a:chExt cx="1379944" cy="1712668"/>
+          </a:xfrm>
+        </p:grpSpPr>
+        <p:sp>
+          <p:nvSpPr>
+            <p:cNvPr id="5" name="Left Brace 4"/>
+            <p:cNvSpPr/>
+            <p:nvPr/>
+          </p:nvSpPr>
+          <p:spPr>
+            <a:xfrm>
+              <a:off x="971599" y="2868460"/>
+              <a:ext cx="443841" cy="1712668"/>
+            </a:xfrm>
+            <a:prstGeom prst="leftBrace">
+              <a:avLst/>
+            </a:prstGeom>
+            <a:noFill/>
+            <a:ln w="25400">
+              <a:solidFill>
+                <a:srgbClr val="FF0000"/>
+              </a:solidFill>
+            </a:ln>
+          </p:spPr>
+          <p:style>
+            <a:lnRef idx="1">
+              <a:schemeClr val="accent1"/>
+            </a:lnRef>
+            <a:fillRef idx="0">
+              <a:schemeClr val="accent1"/>
+            </a:fillRef>
+            <a:effectRef idx="0">
+              <a:schemeClr val="accent1"/>
+            </a:effectRef>
+            <a:fontRef idx="minor">
+              <a:schemeClr val="tx1"/>
+            </a:fontRef>
+          </p:style>
+          <p:txBody>
+            <a:bodyPr rtlCol="0" anchor="ctr"/>
+            <a:lstStyle/>
+            <a:p>
+              <a:pPr algn="ctr"/>
+              <a:endParaRPr lang="en-US"/>
+            </a:p>
+          </p:txBody>
+        </p:sp>
+        <p:sp>
+          <p:nvSpPr>
+            <p:cNvPr id="6" name="TextBox 5"/>
+            <p:cNvSpPr txBox="1"/>
+            <p:nvPr/>
+          </p:nvSpPr>
+          <p:spPr>
+            <a:xfrm>
+              <a:off x="35496" y="3430741"/>
+              <a:ext cx="1368131" cy="646331"/>
+            </a:xfrm>
+            <a:prstGeom prst="rect">
+              <a:avLst/>
+            </a:prstGeom>
+            <a:noFill/>
+          </p:spPr>
+          <p:txBody>
+            <a:bodyPr wrap="none" rtlCol="0">
+              <a:spAutoFit/>
+            </a:bodyPr>
+            <a:lstStyle/>
+            <a:p>
+              <a:r>
+                <a:rPr lang="fr-FR" b="1" dirty="0" smtClean="0">
+                  <a:solidFill>
+                    <a:srgbClr val="FF0000"/>
+                  </a:solidFill>
+                </a:rPr>
+                <a:t>Controller</a:t>
+              </a:r>
+            </a:p>
+            <a:p>
+              <a:r>
+                <a:rPr lang="fr-FR" b="1" dirty="0" smtClean="0">
+                  <a:solidFill>
+                    <a:srgbClr val="FF0000"/>
+                  </a:solidFill>
+                </a:rPr>
+                <a:t>composition</a:t>
+              </a:r>
+              <a:endParaRPr lang="en-US" b="1" dirty="0">
+                <a:solidFill>
+                  <a:srgbClr val="FF0000"/>
+                </a:solidFill>
+              </a:endParaRPr>
+            </a:p>
+          </p:txBody>
+        </p:sp>
+      </p:grpSp>
+      <p:sp>
+        <p:nvSpPr>
+          <p:cNvPr id="8" name="TextBox 7"/>
+          <p:cNvSpPr txBox="1"/>
+          <p:nvPr/>
+        </p:nvSpPr>
+        <p:spPr>
+          <a:xfrm>
+            <a:off x="179512" y="2110674"/>
+            <a:ext cx="8640960" cy="2606611"/>
+          </a:xfrm>
+          <a:prstGeom prst="rect">
+            <a:avLst/>
+          </a:prstGeom>
+          <a:solidFill>
+            <a:schemeClr val="bg1"/>
+          </a:solidFill>
+          <a:ln>
+            <a:solidFill>
+              <a:schemeClr val="accent1"/>
+            </a:solidFill>
+          </a:ln>
+        </p:spPr>
+        <p:txBody>
+          <a:bodyPr wrap="square" rtlCol="0">
+            <a:spAutoFit/>
+          </a:bodyPr>
+          <a:lstStyle/>
+          <a:p>
+            <a:pPr>
+              <a:lnSpc>
+                <a:spcPct val="115000"/>
+              </a:lnSpc>
+              <a:spcAft>
+                <a:spcPts val="0"/>
+              </a:spcAft>
+            </a:pPr>
+            <a:r>
+              <a:rPr lang="en-US" sz="1600" dirty="0">
+                <a:solidFill>
+                  <a:srgbClr val="0000FF"/>
+                </a:solidFill>
+                <a:highlight>
+                  <a:srgbClr val="FFFFFF"/>
+                </a:highlight>
+                <a:latin typeface="Consolas"/>
+                <a:ea typeface="Calibri"/>
+                <a:cs typeface="Times New Roman"/>
+              </a:rPr>
+              <a:t>public</a:t>
+            </a:r>
+            <a:r>
+              <a:rPr lang="en-US" sz="1600" dirty="0">
+                <a:solidFill>
+                  <a:srgbClr val="000000"/>
+                </a:solidFill>
+                <a:highlight>
+                  <a:srgbClr val="FFFFFF"/>
+                </a:highlight>
+                <a:latin typeface="Consolas"/>
+                <a:ea typeface="Calibri"/>
+                <a:cs typeface="Times New Roman"/>
+              </a:rPr>
+              <a:t> </a:t>
+            </a:r>
+            <a:r>
+              <a:rPr lang="en-US" sz="1600" dirty="0">
+                <a:solidFill>
+                  <a:srgbClr val="0000FF"/>
+                </a:solidFill>
+                <a:highlight>
+                  <a:srgbClr val="FFFFFF"/>
+                </a:highlight>
+                <a:latin typeface="Consolas"/>
+                <a:ea typeface="Calibri"/>
+                <a:cs typeface="Times New Roman"/>
+              </a:rPr>
+              <a:t>class</a:t>
+            </a:r>
+            <a:r>
+              <a:rPr lang="en-US" sz="1600" dirty="0">
+                <a:solidFill>
+                  <a:srgbClr val="000000"/>
+                </a:solidFill>
+                <a:highlight>
+                  <a:srgbClr val="FFFFFF"/>
+                </a:highlight>
+                <a:latin typeface="Consolas"/>
+                <a:ea typeface="Calibri"/>
+                <a:cs typeface="Times New Roman"/>
+              </a:rPr>
+              <a:t> </a:t>
+            </a:r>
+            <a:r>
+              <a:rPr lang="en-US" sz="1600" dirty="0" err="1">
+                <a:solidFill>
+                  <a:srgbClr val="2B91AF"/>
+                </a:solidFill>
+                <a:highlight>
+                  <a:srgbClr val="FFFFFF"/>
+                </a:highlight>
+                <a:latin typeface="Consolas"/>
+                <a:ea typeface="Calibri"/>
+                <a:cs typeface="Times New Roman"/>
+              </a:rPr>
+              <a:t>MvcApplication</a:t>
+            </a:r>
+            <a:r>
+              <a:rPr lang="en-US" sz="1600" dirty="0">
+                <a:solidFill>
+                  <a:srgbClr val="000000"/>
+                </a:solidFill>
+                <a:highlight>
+                  <a:srgbClr val="FFFFFF"/>
+                </a:highlight>
+                <a:latin typeface="Consolas"/>
+                <a:ea typeface="Calibri"/>
+                <a:cs typeface="Times New Roman"/>
+              </a:rPr>
+              <a:t> : </a:t>
+            </a:r>
+            <a:r>
+              <a:rPr lang="en-US" sz="1600" dirty="0" err="1">
+                <a:solidFill>
+                  <a:srgbClr val="000000"/>
+                </a:solidFill>
+                <a:highlight>
+                  <a:srgbClr val="FFFFFF"/>
+                </a:highlight>
+                <a:latin typeface="Consolas"/>
+                <a:ea typeface="Calibri"/>
+                <a:cs typeface="Times New Roman"/>
+              </a:rPr>
+              <a:t>System.Web.</a:t>
+            </a:r>
+            <a:r>
+              <a:rPr lang="en-US" sz="1600" dirty="0" err="1">
+                <a:solidFill>
+                  <a:srgbClr val="2B91AF"/>
+                </a:solidFill>
+                <a:highlight>
+                  <a:srgbClr val="FFFFFF"/>
+                </a:highlight>
+                <a:latin typeface="Consolas"/>
+                <a:ea typeface="Calibri"/>
+                <a:cs typeface="Times New Roman"/>
+              </a:rPr>
+              <a:t>HttpApplication</a:t>
+            </a:r>
+            <a:endParaRPr lang="en-US" sz="2000" dirty="0">
+              <a:ea typeface="Calibri"/>
+              <a:cs typeface="Times New Roman"/>
+            </a:endParaRPr>
+          </a:p>
+          <a:p>
+            <a:pPr>
+              <a:lnSpc>
+                <a:spcPct val="115000"/>
+              </a:lnSpc>
+              <a:spcAft>
+                <a:spcPts val="0"/>
+              </a:spcAft>
+            </a:pPr>
+            <a:r>
+              <a:rPr lang="en-US" sz="1600" dirty="0">
+                <a:solidFill>
+                  <a:srgbClr val="000000"/>
+                </a:solidFill>
+                <a:highlight>
+                  <a:srgbClr val="FFFFFF"/>
+                </a:highlight>
+                <a:latin typeface="Consolas"/>
+                <a:ea typeface="Calibri"/>
+                <a:cs typeface="Times New Roman"/>
+              </a:rPr>
+              <a:t>    {</a:t>
+            </a:r>
+            <a:endParaRPr lang="en-US" sz="2000" dirty="0">
+              <a:ea typeface="Calibri"/>
+              <a:cs typeface="Times New Roman"/>
+            </a:endParaRPr>
+          </a:p>
+          <a:p>
+            <a:pPr>
+              <a:lnSpc>
+                <a:spcPct val="115000"/>
+              </a:lnSpc>
+              <a:spcAft>
+                <a:spcPts val="0"/>
+              </a:spcAft>
+            </a:pPr>
+            <a:r>
+              <a:rPr lang="en-US" sz="1600" dirty="0">
+                <a:solidFill>
+                  <a:srgbClr val="000000"/>
+                </a:solidFill>
+                <a:highlight>
+                  <a:srgbClr val="FFFFFF"/>
+                </a:highlight>
+                <a:latin typeface="Consolas"/>
+                <a:ea typeface="Calibri"/>
+                <a:cs typeface="Times New Roman"/>
+              </a:rPr>
+              <a:t>        </a:t>
+            </a:r>
+            <a:r>
+              <a:rPr lang="en-US" sz="1600" dirty="0">
+                <a:solidFill>
+                  <a:srgbClr val="0000FF"/>
+                </a:solidFill>
+                <a:highlight>
+                  <a:srgbClr val="FFFFFF"/>
+                </a:highlight>
+                <a:latin typeface="Consolas"/>
+                <a:ea typeface="Calibri"/>
+                <a:cs typeface="Times New Roman"/>
+              </a:rPr>
+              <a:t>protected</a:t>
+            </a:r>
+            <a:r>
+              <a:rPr lang="en-US" sz="1600" dirty="0">
+                <a:solidFill>
+                  <a:srgbClr val="000000"/>
+                </a:solidFill>
+                <a:highlight>
+                  <a:srgbClr val="FFFFFF"/>
+                </a:highlight>
+                <a:latin typeface="Consolas"/>
+                <a:ea typeface="Calibri"/>
+                <a:cs typeface="Times New Roman"/>
+              </a:rPr>
+              <a:t> </a:t>
+            </a:r>
+            <a:r>
+              <a:rPr lang="en-US" sz="1600" dirty="0">
+                <a:solidFill>
+                  <a:srgbClr val="0000FF"/>
+                </a:solidFill>
+                <a:highlight>
+                  <a:srgbClr val="FFFFFF"/>
+                </a:highlight>
+                <a:latin typeface="Consolas"/>
+                <a:ea typeface="Calibri"/>
+                <a:cs typeface="Times New Roman"/>
+              </a:rPr>
+              <a:t>void</a:t>
+            </a:r>
+            <a:r>
+              <a:rPr lang="en-US" sz="1600" dirty="0">
+                <a:solidFill>
+                  <a:srgbClr val="000000"/>
+                </a:solidFill>
+                <a:highlight>
+                  <a:srgbClr val="FFFFFF"/>
+                </a:highlight>
+                <a:latin typeface="Consolas"/>
+                <a:ea typeface="Calibri"/>
+                <a:cs typeface="Times New Roman"/>
+              </a:rPr>
+              <a:t> </a:t>
+            </a:r>
+            <a:r>
+              <a:rPr lang="en-US" sz="1600" dirty="0" err="1">
+                <a:solidFill>
+                  <a:srgbClr val="000000"/>
+                </a:solidFill>
+                <a:highlight>
+                  <a:srgbClr val="FFFFFF"/>
+                </a:highlight>
+                <a:latin typeface="Consolas"/>
+                <a:ea typeface="Calibri"/>
+                <a:cs typeface="Times New Roman"/>
+              </a:rPr>
+              <a:t>Application_Start</a:t>
+            </a:r>
+            <a:r>
+              <a:rPr lang="en-US" sz="1600" dirty="0">
+                <a:solidFill>
+                  <a:srgbClr val="000000"/>
+                </a:solidFill>
+                <a:highlight>
+                  <a:srgbClr val="FFFFFF"/>
+                </a:highlight>
+                <a:latin typeface="Consolas"/>
+                <a:ea typeface="Calibri"/>
+                <a:cs typeface="Times New Roman"/>
+              </a:rPr>
+              <a:t>()</a:t>
+            </a:r>
+            <a:endParaRPr lang="en-US" sz="2000" dirty="0">
+              <a:ea typeface="Calibri"/>
+              <a:cs typeface="Times New Roman"/>
+            </a:endParaRPr>
+          </a:p>
+          <a:p>
+            <a:pPr>
+              <a:lnSpc>
+                <a:spcPct val="115000"/>
+              </a:lnSpc>
+              <a:spcAft>
+                <a:spcPts val="0"/>
+              </a:spcAft>
+            </a:pPr>
+            <a:r>
+              <a:rPr lang="en-US" sz="1600" dirty="0">
+                <a:solidFill>
+                  <a:srgbClr val="000000"/>
+                </a:solidFill>
+                <a:highlight>
+                  <a:srgbClr val="FFFFFF"/>
+                </a:highlight>
+                <a:latin typeface="Consolas"/>
+                <a:ea typeface="Calibri"/>
+                <a:cs typeface="Times New Roman"/>
+              </a:rPr>
+              <a:t>        {</a:t>
+            </a:r>
+            <a:endParaRPr lang="en-US" sz="2000" dirty="0">
+              <a:ea typeface="Calibri"/>
+              <a:cs typeface="Times New Roman"/>
+            </a:endParaRPr>
+          </a:p>
+          <a:p>
+            <a:pPr>
+              <a:lnSpc>
+                <a:spcPct val="115000"/>
+              </a:lnSpc>
+              <a:spcAft>
+                <a:spcPts val="0"/>
+              </a:spcAft>
+            </a:pPr>
+            <a:r>
+              <a:rPr lang="en-US" sz="1600" dirty="0">
+                <a:solidFill>
+                  <a:srgbClr val="000000"/>
+                </a:solidFill>
+                <a:highlight>
+                  <a:srgbClr val="FFFFFF"/>
+                </a:highlight>
+                <a:latin typeface="Consolas"/>
+                <a:ea typeface="Calibri"/>
+                <a:cs typeface="Times New Roman"/>
+              </a:rPr>
+              <a:t>            </a:t>
+            </a:r>
+            <a:r>
+              <a:rPr lang="en-US" sz="1600" dirty="0" err="1">
+                <a:solidFill>
+                  <a:srgbClr val="0000FF"/>
+                </a:solidFill>
+                <a:highlight>
+                  <a:srgbClr val="FFFFFF"/>
+                </a:highlight>
+                <a:latin typeface="Consolas"/>
+                <a:ea typeface="Calibri"/>
+                <a:cs typeface="Times New Roman"/>
+              </a:rPr>
+              <a:t>var</a:t>
+            </a:r>
+            <a:r>
+              <a:rPr lang="en-US" sz="1600" dirty="0">
+                <a:solidFill>
+                  <a:srgbClr val="000000"/>
+                </a:solidFill>
+                <a:highlight>
+                  <a:srgbClr val="FFFFFF"/>
+                </a:highlight>
+                <a:latin typeface="Consolas"/>
+                <a:ea typeface="Calibri"/>
+                <a:cs typeface="Times New Roman"/>
+              </a:rPr>
+              <a:t> factory = </a:t>
+            </a:r>
+            <a:r>
+              <a:rPr lang="en-US" sz="1600" dirty="0">
+                <a:solidFill>
+                  <a:srgbClr val="0000FF"/>
+                </a:solidFill>
+                <a:highlight>
+                  <a:srgbClr val="FFFFFF"/>
+                </a:highlight>
+                <a:latin typeface="Consolas"/>
+                <a:ea typeface="Calibri"/>
+                <a:cs typeface="Times New Roman"/>
+              </a:rPr>
+              <a:t>new</a:t>
+            </a:r>
+            <a:r>
+              <a:rPr lang="en-US" sz="1600" dirty="0">
+                <a:solidFill>
+                  <a:srgbClr val="000000"/>
+                </a:solidFill>
+                <a:highlight>
+                  <a:srgbClr val="FFFFFF"/>
+                </a:highlight>
+                <a:latin typeface="Consolas"/>
+                <a:ea typeface="Calibri"/>
+                <a:cs typeface="Times New Roman"/>
+              </a:rPr>
+              <a:t> </a:t>
+            </a:r>
+            <a:r>
+              <a:rPr lang="en-US" sz="1600" dirty="0" err="1">
+                <a:solidFill>
+                  <a:srgbClr val="2B91AF"/>
+                </a:solidFill>
+                <a:highlight>
+                  <a:srgbClr val="FFFFFF"/>
+                </a:highlight>
+                <a:latin typeface="Consolas"/>
+                <a:ea typeface="Calibri"/>
+                <a:cs typeface="Times New Roman"/>
+              </a:rPr>
+              <a:t>AppCompositionRoot</a:t>
+            </a:r>
+            <a:r>
+              <a:rPr lang="en-US" sz="1600" dirty="0">
+                <a:solidFill>
+                  <a:srgbClr val="000000"/>
+                </a:solidFill>
+                <a:highlight>
+                  <a:srgbClr val="FFFFFF"/>
+                </a:highlight>
+                <a:latin typeface="Consolas"/>
+                <a:ea typeface="Calibri"/>
+                <a:cs typeface="Times New Roman"/>
+              </a:rPr>
+              <a:t>();</a:t>
+            </a:r>
+            <a:endParaRPr lang="en-US" sz="2000" dirty="0">
+              <a:ea typeface="Calibri"/>
+              <a:cs typeface="Times New Roman"/>
+            </a:endParaRPr>
+          </a:p>
+          <a:p>
+            <a:pPr>
+              <a:lnSpc>
+                <a:spcPct val="115000"/>
+              </a:lnSpc>
+              <a:spcAft>
+                <a:spcPts val="0"/>
+              </a:spcAft>
+            </a:pPr>
+            <a:r>
+              <a:rPr lang="en-US" sz="1600" dirty="0">
+                <a:solidFill>
+                  <a:srgbClr val="000000"/>
+                </a:solidFill>
+                <a:highlight>
+                  <a:srgbClr val="FFFFFF"/>
+                </a:highlight>
+                <a:latin typeface="Consolas"/>
+                <a:ea typeface="Calibri"/>
+                <a:cs typeface="Times New Roman"/>
+              </a:rPr>
+              <a:t>            </a:t>
+            </a:r>
+            <a:r>
+              <a:rPr lang="en-US" sz="1600" dirty="0" err="1">
+                <a:solidFill>
+                  <a:srgbClr val="2B91AF"/>
+                </a:solidFill>
+                <a:highlight>
+                  <a:srgbClr val="FFFFFF"/>
+                </a:highlight>
+                <a:latin typeface="Consolas"/>
+                <a:ea typeface="Calibri"/>
+                <a:cs typeface="Times New Roman"/>
+              </a:rPr>
+              <a:t>ControllerBuilder</a:t>
+            </a:r>
+            <a:r>
+              <a:rPr lang="en-US" sz="1600" dirty="0" err="1">
+                <a:solidFill>
+                  <a:srgbClr val="000000"/>
+                </a:solidFill>
+                <a:highlight>
+                  <a:srgbClr val="FFFFFF"/>
+                </a:highlight>
+                <a:latin typeface="Consolas"/>
+                <a:ea typeface="Calibri"/>
+                <a:cs typeface="Times New Roman"/>
+              </a:rPr>
+              <a:t>.Current.SetControllerFactory</a:t>
+            </a:r>
+            <a:r>
+              <a:rPr lang="en-US" sz="1600" dirty="0">
+                <a:solidFill>
+                  <a:srgbClr val="000000"/>
+                </a:solidFill>
+                <a:highlight>
+                  <a:srgbClr val="FFFFFF"/>
+                </a:highlight>
+                <a:latin typeface="Consolas"/>
+                <a:ea typeface="Calibri"/>
+                <a:cs typeface="Times New Roman"/>
+              </a:rPr>
+              <a:t>(factory);</a:t>
+            </a:r>
+            <a:endParaRPr lang="en-US" sz="2000" dirty="0">
+              <a:ea typeface="Calibri"/>
+              <a:cs typeface="Times New Roman"/>
+            </a:endParaRPr>
+          </a:p>
+          <a:p>
+            <a:pPr>
+              <a:lnSpc>
+                <a:spcPct val="115000"/>
+              </a:lnSpc>
+              <a:spcAft>
+                <a:spcPts val="1000"/>
+              </a:spcAft>
+            </a:pPr>
+            <a:r>
+              <a:rPr lang="en-US" sz="2000" dirty="0">
+                <a:ea typeface="Calibri"/>
+                <a:cs typeface="Times New Roman"/>
+              </a:rPr>
+              <a:t> </a:t>
+            </a:r>
+            <a:endParaRPr lang="en-US" sz="2000" dirty="0" smtClean="0">
+              <a:ea typeface="Calibri"/>
+              <a:cs typeface="Times New Roman"/>
+            </a:endParaRPr>
+          </a:p>
+          <a:p>
+            <a:pPr>
+              <a:lnSpc>
+                <a:spcPct val="115000"/>
+              </a:lnSpc>
+              <a:spcAft>
+                <a:spcPts val="1000"/>
+              </a:spcAft>
+            </a:pPr>
+            <a:r>
+              <a:rPr lang="fr-FR" sz="2000" i="1" dirty="0" smtClean="0">
+                <a:ea typeface="Calibri"/>
+                <a:cs typeface="Times New Roman"/>
+              </a:rPr>
+              <a:t>In </a:t>
+            </a:r>
+            <a:r>
+              <a:rPr lang="fr-FR" sz="2000" i="1" dirty="0" err="1" smtClean="0">
+                <a:ea typeface="Calibri"/>
+                <a:cs typeface="Times New Roman"/>
+              </a:rPr>
+              <a:t>Global.asax</a:t>
+            </a:r>
+            <a:endParaRPr lang="en-US" sz="2000" i="1" dirty="0">
+              <a:ea typeface="Calibri"/>
+              <a:cs typeface="Times New Roman"/>
+            </a:endParaRPr>
+          </a:p>
+        </p:txBody>
+      </p:sp>
+      <p:sp>
+        <p:nvSpPr>
+          <p:cNvPr id="9" name="TextBox 8"/>
+          <p:cNvSpPr txBox="1"/>
+          <p:nvPr/>
+        </p:nvSpPr>
+        <p:spPr>
+          <a:xfrm>
+            <a:off x="4427984" y="3892406"/>
+            <a:ext cx="3727221" cy="369332"/>
+          </a:xfrm>
+          <a:prstGeom prst="rect">
+            <a:avLst/>
+          </a:prstGeom>
+          <a:noFill/>
+        </p:spPr>
+        <p:txBody>
+          <a:bodyPr wrap="square" rtlCol="0">
+            <a:spAutoFit/>
+          </a:bodyPr>
+          <a:lstStyle/>
+          <a:p>
+            <a:r>
+              <a:rPr lang="fr-FR" b="1" dirty="0">
+                <a:solidFill>
+                  <a:srgbClr val="FF0000"/>
+                </a:solidFill>
+              </a:rPr>
+              <a:t>t</a:t>
+            </a:r>
+            <a:r>
+              <a:rPr lang="fr-FR" b="1" dirty="0" smtClean="0">
+                <a:solidFill>
+                  <a:srgbClr val="FF0000"/>
+                </a:solidFill>
+              </a:rPr>
+              <a:t>ell MVC to use </a:t>
+            </a:r>
+            <a:r>
+              <a:rPr lang="fr-FR" b="1" dirty="0" err="1" smtClean="0">
+                <a:solidFill>
+                  <a:srgbClr val="FF0000"/>
+                </a:solidFill>
+              </a:rPr>
+              <a:t>our</a:t>
+            </a:r>
+            <a:r>
+              <a:rPr lang="fr-FR" b="1" dirty="0" smtClean="0">
+                <a:solidFill>
+                  <a:srgbClr val="FF0000"/>
+                </a:solidFill>
+              </a:rPr>
+              <a:t> composition </a:t>
+            </a:r>
+            <a:r>
+              <a:rPr lang="fr-FR" b="1" dirty="0" err="1" smtClean="0">
+                <a:solidFill>
+                  <a:srgbClr val="FF0000"/>
+                </a:solidFill>
+              </a:rPr>
+              <a:t>root</a:t>
+            </a:r>
+            <a:endParaRPr lang="en-US" b="1" dirty="0">
+              <a:solidFill>
+                <a:srgbClr val="FF0000"/>
+              </a:solidFill>
+            </a:endParaRPr>
           </a:p>
         </p:txBody>
       </p:sp>
     </p:spTree>
     <p:extLst>
       <p:ext uri="{BB962C8B-B14F-4D97-AF65-F5344CB8AC3E}">
-        <p14:creationId xmlns:p14="http://schemas.microsoft.com/office/powerpoint/2010/main" val="3162647260"/>
+        <p14:creationId xmlns:p14="http://schemas.microsoft.com/office/powerpoint/2010/main" val="1652739496"/>
       </p:ext>
     </p:extLst>
   </p:cSld>
@@ -28946,9 +32710,217 @@
   <p:timing>
     <p:tnLst>
       <p:par>
-        <p:cTn id="1" dur="indefinite" restart="never" nodeType="tmRoot"/>
+        <p:cTn id="1" dur="indefinite" restart="never" nodeType="tmRoot">
+          <p:childTnLst>
+            <p:seq concurrent="1" nextAc="seek">
+              <p:cTn id="2" dur="indefinite" nodeType="mainSeq">
+                <p:childTnLst>
+                  <p:par>
+                    <p:cTn id="3" fill="hold">
+                      <p:stCondLst>
+                        <p:cond delay="indefinite"/>
+                      </p:stCondLst>
+                      <p:childTnLst>
+                        <p:par>
+                          <p:cTn id="4" fill="hold">
+                            <p:stCondLst>
+                              <p:cond delay="0"/>
+                            </p:stCondLst>
+                            <p:childTnLst>
+                              <p:par>
+                                <p:cTn id="5" presetID="1" presetClass="entr" presetSubtype="0" fill="hold" grpId="0" nodeType="clickEffect">
+                                  <p:stCondLst>
+                                    <p:cond delay="0"/>
+                                  </p:stCondLst>
+                                  <p:childTnLst>
+                                    <p:set>
+                                      <p:cBhvr>
+                                        <p:cTn id="6" dur="1" fill="hold">
+                                          <p:stCondLst>
+                                            <p:cond delay="0"/>
+                                          </p:stCondLst>
+                                        </p:cTn>
+                                        <p:tgtEl>
+                                          <p:spTgt spid="4"/>
+                                        </p:tgtEl>
+                                        <p:attrNameLst>
+                                          <p:attrName>style.visibility</p:attrName>
+                                        </p:attrNameLst>
+                                      </p:cBhvr>
+                                      <p:to>
+                                        <p:strVal val="visible"/>
+                                      </p:to>
+                                    </p:set>
+                                  </p:childTnLst>
+                                </p:cTn>
+                              </p:par>
+                            </p:childTnLst>
+                          </p:cTn>
+                        </p:par>
+                      </p:childTnLst>
+                    </p:cTn>
+                  </p:par>
+                  <p:par>
+                    <p:cTn id="7" fill="hold">
+                      <p:stCondLst>
+                        <p:cond delay="indefinite"/>
+                      </p:stCondLst>
+                      <p:childTnLst>
+                        <p:par>
+                          <p:cTn id="8" fill="hold">
+                            <p:stCondLst>
+                              <p:cond delay="0"/>
+                            </p:stCondLst>
+                            <p:childTnLst>
+                              <p:par>
+                                <p:cTn id="9" presetID="1" presetClass="entr" presetSubtype="0" fill="hold" nodeType="clickEffect">
+                                  <p:stCondLst>
+                                    <p:cond delay="0"/>
+                                  </p:stCondLst>
+                                  <p:childTnLst>
+                                    <p:set>
+                                      <p:cBhvr>
+                                        <p:cTn id="10" dur="1" fill="hold">
+                                          <p:stCondLst>
+                                            <p:cond delay="0"/>
+                                          </p:stCondLst>
+                                        </p:cTn>
+                                        <p:tgtEl>
+                                          <p:spTgt spid="7"/>
+                                        </p:tgtEl>
+                                        <p:attrNameLst>
+                                          <p:attrName>style.visibility</p:attrName>
+                                        </p:attrNameLst>
+                                      </p:cBhvr>
+                                      <p:to>
+                                        <p:strVal val="visible"/>
+                                      </p:to>
+                                    </p:set>
+                                  </p:childTnLst>
+                                </p:cTn>
+                              </p:par>
+                            </p:childTnLst>
+                          </p:cTn>
+                        </p:par>
+                      </p:childTnLst>
+                    </p:cTn>
+                  </p:par>
+                  <p:par>
+                    <p:cTn id="11" fill="hold">
+                      <p:stCondLst>
+                        <p:cond delay="indefinite"/>
+                      </p:stCondLst>
+                      <p:childTnLst>
+                        <p:par>
+                          <p:cTn id="12" fill="hold">
+                            <p:stCondLst>
+                              <p:cond delay="0"/>
+                            </p:stCondLst>
+                            <p:childTnLst>
+                              <p:par>
+                                <p:cTn id="13" presetID="1" presetClass="entr" presetSubtype="0" fill="hold" grpId="0" nodeType="clickEffect">
+                                  <p:stCondLst>
+                                    <p:cond delay="0"/>
+                                  </p:stCondLst>
+                                  <p:childTnLst>
+                                    <p:set>
+                                      <p:cBhvr>
+                                        <p:cTn id="14" dur="1" fill="hold">
+                                          <p:stCondLst>
+                                            <p:cond delay="0"/>
+                                          </p:stCondLst>
+                                        </p:cTn>
+                                        <p:tgtEl>
+                                          <p:spTgt spid="8"/>
+                                        </p:tgtEl>
+                                        <p:attrNameLst>
+                                          <p:attrName>style.visibility</p:attrName>
+                                        </p:attrNameLst>
+                                      </p:cBhvr>
+                                      <p:to>
+                                        <p:strVal val="visible"/>
+                                      </p:to>
+                                    </p:set>
+                                  </p:childTnLst>
+                                </p:cTn>
+                              </p:par>
+                            </p:childTnLst>
+                          </p:cTn>
+                        </p:par>
+                      </p:childTnLst>
+                    </p:cTn>
+                  </p:par>
+                  <p:par>
+                    <p:cTn id="15" fill="hold">
+                      <p:stCondLst>
+                        <p:cond delay="indefinite"/>
+                      </p:stCondLst>
+                      <p:childTnLst>
+                        <p:par>
+                          <p:cTn id="16" fill="hold">
+                            <p:stCondLst>
+                              <p:cond delay="0"/>
+                            </p:stCondLst>
+                            <p:childTnLst>
+                              <p:par>
+                                <p:cTn id="17" presetID="1" presetClass="entr" presetSubtype="0" fill="hold" grpId="0" nodeType="clickEffect">
+                                  <p:stCondLst>
+                                    <p:cond delay="0"/>
+                                  </p:stCondLst>
+                                  <p:childTnLst>
+                                    <p:set>
+                                      <p:cBhvr>
+                                        <p:cTn id="18" dur="1" fill="hold">
+                                          <p:stCondLst>
+                                            <p:cond delay="0"/>
+                                          </p:stCondLst>
+                                        </p:cTn>
+                                        <p:tgtEl>
+                                          <p:spTgt spid="9"/>
+                                        </p:tgtEl>
+                                        <p:attrNameLst>
+                                          <p:attrName>style.visibility</p:attrName>
+                                        </p:attrNameLst>
+                                      </p:cBhvr>
+                                      <p:to>
+                                        <p:strVal val="visible"/>
+                                      </p:to>
+                                    </p:set>
+                                  </p:childTnLst>
+                                </p:cTn>
+                              </p:par>
+                            </p:childTnLst>
+                          </p:cTn>
+                        </p:par>
+                      </p:childTnLst>
+                    </p:cTn>
+                  </p:par>
+                </p:childTnLst>
+              </p:cTn>
+              <p:prevCondLst>
+                <p:cond evt="onPrev" delay="0">
+                  <p:tgtEl>
+                    <p:sldTgt/>
+                  </p:tgtEl>
+                </p:cond>
+              </p:prevCondLst>
+              <p:nextCondLst>
+                <p:cond evt="onNext" delay="0">
+                  <p:tgtEl>
+                    <p:sldTgt/>
+                  </p:tgtEl>
+                </p:cond>
+              </p:nextCondLst>
+            </p:seq>
+          </p:childTnLst>
+        </p:cTn>
       </p:par>
     </p:tnLst>
+    <p:bldLst>
+      <p:bldP spid="4" grpId="0" animBg="1"/>
+      <p:bldP spid="8" grpId="0" animBg="1"/>
+      <p:bldP spid="9" grpId="0"/>
+    </p:bldLst>
   </p:timing>
 </p:sld>
 </file>
@@ -29148,7 +33120,7 @@
           <a:p>
             <a:r>
               <a:rPr lang="en-US" dirty="0" smtClean="0"/>
-              <a:t>DI Container</a:t>
+              <a:t>Pure DI aka Poor Man’s DI</a:t>
             </a:r>
             <a:endParaRPr lang="en-US" dirty="0"/>
           </a:p>
@@ -29169,18 +33141,14 @@
           <a:bodyPr/>
           <a:lstStyle/>
           <a:p>
-            <a:r>
-              <a:rPr lang="en-US" dirty="0" smtClean="0"/>
-              <a:t>How it works / what it does</a:t>
-            </a:r>
-            <a:endParaRPr lang="en-US" dirty="0"/>
+            <a:endParaRPr lang="en-US"/>
           </a:p>
         </p:txBody>
       </p:sp>
     </p:spTree>
     <p:extLst>
       <p:ext uri="{BB962C8B-B14F-4D97-AF65-F5344CB8AC3E}">
-        <p14:creationId xmlns:p14="http://schemas.microsoft.com/office/powerpoint/2010/main" val="3753203453"/>
+        <p14:creationId xmlns:p14="http://schemas.microsoft.com/office/powerpoint/2010/main" val="550091921"/>
       </p:ext>
     </p:extLst>
   </p:cSld>
@@ -29226,14 +33194,12 @@
         </p:nvSpPr>
         <p:spPr/>
         <p:txBody>
-          <a:bodyPr>
-            <a:normAutofit fontScale="90000"/>
-          </a:bodyPr>
+          <a:bodyPr/>
           <a:lstStyle/>
           <a:p>
             <a:r>
               <a:rPr lang="en-US" dirty="0" smtClean="0"/>
-              <a:t>Service Locator – DI container misusage</a:t>
+              <a:t>Extensibility with DI</a:t>
             </a:r>
             <a:endParaRPr lang="en-US" dirty="0"/>
           </a:p>
@@ -29254,14 +33220,54 @@
           <a:bodyPr/>
           <a:lstStyle/>
           <a:p>
-            <a:endParaRPr lang="en-US"/>
+            <a:r>
+              <a:rPr lang="en-US" dirty="0" err="1" smtClean="0"/>
+              <a:t>Composability</a:t>
+            </a:r>
+            <a:r>
+              <a:rPr lang="en-US" dirty="0" smtClean="0"/>
+              <a:t> </a:t>
+            </a:r>
+          </a:p>
+          <a:p>
+            <a:r>
+              <a:rPr lang="en-US" dirty="0" smtClean="0"/>
+              <a:t>Testability</a:t>
+            </a:r>
+          </a:p>
+          <a:p>
+            <a:r>
+              <a:rPr lang="en-US" dirty="0" smtClean="0"/>
+              <a:t>Decorator</a:t>
+            </a:r>
+          </a:p>
+          <a:p>
+            <a:endParaRPr lang="en-US" dirty="0"/>
+          </a:p>
+          <a:p>
+            <a:r>
+              <a:rPr lang="en-US" dirty="0" smtClean="0"/>
+              <a:t>Late binding</a:t>
+            </a:r>
+          </a:p>
+          <a:p>
+            <a:endParaRPr lang="en-US" dirty="0"/>
+          </a:p>
+          <a:p>
+            <a:r>
+              <a:rPr lang="en-US" dirty="0" smtClean="0"/>
+              <a:t>Examples ? </a:t>
+            </a:r>
+          </a:p>
+          <a:p>
+            <a:endParaRPr lang="en-US" dirty="0"/>
           </a:p>
         </p:txBody>
       </p:sp>
     </p:spTree>
     <p:extLst>
       <p:ext uri="{BB962C8B-B14F-4D97-AF65-F5344CB8AC3E}">
-        <p14:creationId xmlns:p14="http://schemas.microsoft.com/office/powerpoint/2010/main" val="1148450113"/>
+        <p14:creationId xmlns:p14="http://schemas.microsoft.com/office/powerpoint/2010/main" val="3162647260"/>
       </p:ext>
     </p:extLst>
   </p:cSld>
@@ -29312,7 +33318,7 @@
           <a:p>
             <a:r>
               <a:rPr lang="en-US" dirty="0" smtClean="0"/>
-              <a:t>Composition, but not only</a:t>
+              <a:t>DI Container</a:t>
             </a:r>
             <a:endParaRPr lang="en-US" dirty="0"/>
           </a:p>
@@ -29335,16 +33341,8 @@
           <a:p>
             <a:r>
               <a:rPr lang="en-US" dirty="0" smtClean="0"/>
-              <a:t>Object creation and composition</a:t>
-            </a:r>
-          </a:p>
-          <a:p>
-            <a:r>
-              <a:rPr lang="en-US" dirty="0" smtClean="0"/>
-              <a:t>Other important parts of DI</a:t>
-            </a:r>
-          </a:p>
-          <a:p>
+              <a:t>How it works / what it does</a:t>
+            </a:r>
             <a:endParaRPr lang="en-US" dirty="0"/>
           </a:p>
         </p:txBody>
@@ -29352,7 +33350,7 @@
     </p:spTree>
     <p:extLst>
       <p:ext uri="{BB962C8B-B14F-4D97-AF65-F5344CB8AC3E}">
-        <p14:creationId xmlns:p14="http://schemas.microsoft.com/office/powerpoint/2010/main" val="2294633566"/>
+        <p14:creationId xmlns:p14="http://schemas.microsoft.com/office/powerpoint/2010/main" val="3753203453"/>
       </p:ext>
     </p:extLst>
   </p:cSld>
@@ -29398,16 +33396,14 @@
         </p:nvSpPr>
         <p:spPr/>
         <p:txBody>
-          <a:bodyPr/>
+          <a:bodyPr>
+            <a:normAutofit fontScale="90000"/>
+          </a:bodyPr>
           <a:lstStyle/>
           <a:p>
             <a:r>
-              <a:rPr lang="en-US" dirty="0" err="1" smtClean="0"/>
-              <a:t>LifeTime</a:t>
-            </a:r>
-            <a:r>
               <a:rPr lang="en-US" dirty="0" smtClean="0"/>
-              <a:t> Management</a:t>
+              <a:t>Service Locator – DI container misusage</a:t>
             </a:r>
             <a:endParaRPr lang="en-US" dirty="0"/>
           </a:p>
@@ -29428,14 +33424,14 @@
           <a:bodyPr/>
           <a:lstStyle/>
           <a:p>
-            <a:endParaRPr lang="en-US" dirty="0"/>
+            <a:endParaRPr lang="en-US"/>
           </a:p>
         </p:txBody>
       </p:sp>
     </p:spTree>
     <p:extLst>
       <p:ext uri="{BB962C8B-B14F-4D97-AF65-F5344CB8AC3E}">
-        <p14:creationId xmlns:p14="http://schemas.microsoft.com/office/powerpoint/2010/main" val="3458786066"/>
+        <p14:creationId xmlns:p14="http://schemas.microsoft.com/office/powerpoint/2010/main" val="1148450113"/>
       </p:ext>
     </p:extLst>
   </p:cSld>
@@ -29486,7 +33482,7 @@
           <a:p>
             <a:r>
               <a:rPr lang="en-US" dirty="0" smtClean="0"/>
-              <a:t>Interception</a:t>
+              <a:t>Composition, but not only</a:t>
             </a:r>
             <a:endParaRPr lang="en-US" dirty="0"/>
           </a:p>
@@ -29507,6 +33503,18 @@
           <a:bodyPr/>
           <a:lstStyle/>
           <a:p>
+            <a:r>
+              <a:rPr lang="en-US" dirty="0" smtClean="0"/>
+              <a:t>Object creation and composition</a:t>
+            </a:r>
+          </a:p>
+          <a:p>
+            <a:r>
+              <a:rPr lang="en-US" dirty="0" smtClean="0"/>
+              <a:t>Other important parts of DI</a:t>
+            </a:r>
+          </a:p>
+          <a:p>
             <a:endParaRPr lang="en-US" dirty="0"/>
           </a:p>
         </p:txBody>
@@ -29514,7 +33522,7 @@
     </p:spTree>
     <p:extLst>
       <p:ext uri="{BB962C8B-B14F-4D97-AF65-F5344CB8AC3E}">
-        <p14:creationId xmlns:p14="http://schemas.microsoft.com/office/powerpoint/2010/main" val="4036849652"/>
+        <p14:creationId xmlns:p14="http://schemas.microsoft.com/office/powerpoint/2010/main" val="2294633566"/>
       </p:ext>
     </p:extLst>
   </p:cSld>
@@ -29560,14 +33568,16 @@
         </p:nvSpPr>
         <p:spPr/>
         <p:txBody>
-          <a:bodyPr>
-            <a:normAutofit/>
-          </a:bodyPr>
+          <a:bodyPr/>
           <a:lstStyle/>
           <a:p>
             <a:r>
+              <a:rPr lang="en-US" dirty="0" err="1" smtClean="0"/>
+              <a:t>LifeTime</a:t>
+            </a:r>
+            <a:r>
               <a:rPr lang="en-US" dirty="0" smtClean="0"/>
-              <a:t>Conclusion</a:t>
+              <a:t> Management</a:t>
             </a:r>
             <a:endParaRPr lang="en-US" dirty="0"/>
           </a:p>
@@ -29588,14 +33598,14 @@
           <a:bodyPr/>
           <a:lstStyle/>
           <a:p>
-            <a:endParaRPr lang="en-US"/>
+            <a:endParaRPr lang="en-US" dirty="0"/>
           </a:p>
         </p:txBody>
       </p:sp>
     </p:spTree>
     <p:extLst>
       <p:ext uri="{BB962C8B-B14F-4D97-AF65-F5344CB8AC3E}">
-        <p14:creationId xmlns:p14="http://schemas.microsoft.com/office/powerpoint/2010/main" val="308607750"/>
+        <p14:creationId xmlns:p14="http://schemas.microsoft.com/office/powerpoint/2010/main" val="3458786066"/>
       </p:ext>
     </p:extLst>
   </p:cSld>
@@ -29646,7 +33656,7 @@
           <a:p>
             <a:r>
               <a:rPr lang="en-US" dirty="0" smtClean="0"/>
-              <a:t>Remember</a:t>
+              <a:t>Interception</a:t>
             </a:r>
             <a:endParaRPr lang="en-US" dirty="0"/>
           </a:p>
@@ -29667,14 +33677,14 @@
           <a:bodyPr/>
           <a:lstStyle/>
           <a:p>
-            <a:endParaRPr lang="en-US"/>
+            <a:endParaRPr lang="en-US" dirty="0"/>
           </a:p>
         </p:txBody>
       </p:sp>
     </p:spTree>
     <p:extLst>
       <p:ext uri="{BB962C8B-B14F-4D97-AF65-F5344CB8AC3E}">
-        <p14:creationId xmlns:p14="http://schemas.microsoft.com/office/powerpoint/2010/main" val="1019461660"/>
+        <p14:creationId xmlns:p14="http://schemas.microsoft.com/office/powerpoint/2010/main" val="4036849652"/>
       </p:ext>
     </p:extLst>
   </p:cSld>
@@ -29720,12 +33730,14 @@
         </p:nvSpPr>
         <p:spPr/>
         <p:txBody>
-          <a:bodyPr/>
+          <a:bodyPr>
+            <a:normAutofit/>
+          </a:bodyPr>
           <a:lstStyle/>
           <a:p>
             <a:r>
               <a:rPr lang="en-US" dirty="0" smtClean="0"/>
-              <a:t>Going further …</a:t>
+              <a:t>Conclusion</a:t>
             </a:r>
             <a:endParaRPr lang="en-US" dirty="0"/>
           </a:p>
@@ -29746,6 +33758,164 @@
           <a:bodyPr/>
           <a:lstStyle/>
           <a:p>
+            <a:endParaRPr lang="en-US"/>
+          </a:p>
+        </p:txBody>
+      </p:sp>
+    </p:spTree>
+    <p:extLst>
+      <p:ext uri="{BB962C8B-B14F-4D97-AF65-F5344CB8AC3E}">
+        <p14:creationId xmlns:p14="http://schemas.microsoft.com/office/powerpoint/2010/main" val="308607750"/>
+      </p:ext>
+    </p:extLst>
+  </p:cSld>
+  <p:clrMapOvr>
+    <a:masterClrMapping/>
+  </p:clrMapOvr>
+  <p:timing>
+    <p:tnLst>
+      <p:par>
+        <p:cTn id="1" dur="indefinite" restart="never" nodeType="tmRoot"/>
+      </p:par>
+    </p:tnLst>
+  </p:timing>
+</p:sld>
+</file>
+
+<file path=ppt/slides/slide38.xml><?xml version="1.0" encoding="utf-8"?>
+<p:sld xmlns:a="http://schemas.openxmlformats.org/drawingml/2006/main" xmlns:r="http://schemas.openxmlformats.org/officeDocument/2006/relationships" xmlns:p="http://schemas.openxmlformats.org/presentationml/2006/main">
+  <p:cSld>
+    <p:spTree>
+      <p:nvGrpSpPr>
+        <p:cNvPr id="1" name=""/>
+        <p:cNvGrpSpPr/>
+        <p:nvPr/>
+      </p:nvGrpSpPr>
+      <p:grpSpPr>
+        <a:xfrm>
+          <a:off x="0" y="0"/>
+          <a:ext cx="0" cy="0"/>
+          <a:chOff x="0" y="0"/>
+          <a:chExt cx="0" cy="0"/>
+        </a:xfrm>
+      </p:grpSpPr>
+      <p:sp>
+        <p:nvSpPr>
+          <p:cNvPr id="2" name="Title 1"/>
+          <p:cNvSpPr>
+            <a:spLocks noGrp="1"/>
+          </p:cNvSpPr>
+          <p:nvPr>
+            <p:ph type="title"/>
+          </p:nvPr>
+        </p:nvSpPr>
+        <p:spPr/>
+        <p:txBody>
+          <a:bodyPr/>
+          <a:lstStyle/>
+          <a:p>
+            <a:r>
+              <a:rPr lang="en-US" dirty="0" smtClean="0"/>
+              <a:t>Remember</a:t>
+            </a:r>
+            <a:endParaRPr lang="en-US" dirty="0"/>
+          </a:p>
+        </p:txBody>
+      </p:sp>
+      <p:sp>
+        <p:nvSpPr>
+          <p:cNvPr id="3" name="Content Placeholder 2"/>
+          <p:cNvSpPr>
+            <a:spLocks noGrp="1"/>
+          </p:cNvSpPr>
+          <p:nvPr>
+            <p:ph idx="1"/>
+          </p:nvPr>
+        </p:nvSpPr>
+        <p:spPr/>
+        <p:txBody>
+          <a:bodyPr/>
+          <a:lstStyle/>
+          <a:p>
+            <a:endParaRPr lang="en-US"/>
+          </a:p>
+        </p:txBody>
+      </p:sp>
+    </p:spTree>
+    <p:extLst>
+      <p:ext uri="{BB962C8B-B14F-4D97-AF65-F5344CB8AC3E}">
+        <p14:creationId xmlns:p14="http://schemas.microsoft.com/office/powerpoint/2010/main" val="1019461660"/>
+      </p:ext>
+    </p:extLst>
+  </p:cSld>
+  <p:clrMapOvr>
+    <a:masterClrMapping/>
+  </p:clrMapOvr>
+  <p:timing>
+    <p:tnLst>
+      <p:par>
+        <p:cTn id="1" dur="indefinite" restart="never" nodeType="tmRoot"/>
+      </p:par>
+    </p:tnLst>
+  </p:timing>
+</p:sld>
+</file>
+
+<file path=ppt/slides/slide39.xml><?xml version="1.0" encoding="utf-8"?>
+<p:sld xmlns:a="http://schemas.openxmlformats.org/drawingml/2006/main" xmlns:r="http://schemas.openxmlformats.org/officeDocument/2006/relationships" xmlns:p="http://schemas.openxmlformats.org/presentationml/2006/main">
+  <p:cSld>
+    <p:spTree>
+      <p:nvGrpSpPr>
+        <p:cNvPr id="1" name=""/>
+        <p:cNvGrpSpPr/>
+        <p:nvPr/>
+      </p:nvGrpSpPr>
+      <p:grpSpPr>
+        <a:xfrm>
+          <a:off x="0" y="0"/>
+          <a:ext cx="0" cy="0"/>
+          <a:chOff x="0" y="0"/>
+          <a:chExt cx="0" cy="0"/>
+        </a:xfrm>
+      </p:grpSpPr>
+      <p:sp>
+        <p:nvSpPr>
+          <p:cNvPr id="2" name="Title 1"/>
+          <p:cNvSpPr>
+            <a:spLocks noGrp="1"/>
+          </p:cNvSpPr>
+          <p:nvPr>
+            <p:ph type="title"/>
+          </p:nvPr>
+        </p:nvSpPr>
+        <p:spPr/>
+        <p:txBody>
+          <a:bodyPr/>
+          <a:lstStyle/>
+          <a:p>
+            <a:r>
+              <a:rPr lang="en-US" dirty="0" smtClean="0"/>
+              <a:t>Going further …</a:t>
+            </a:r>
+            <a:endParaRPr lang="en-US" dirty="0"/>
+          </a:p>
+        </p:txBody>
+      </p:sp>
+      <p:sp>
+        <p:nvSpPr>
+          <p:cNvPr id="3" name="Content Placeholder 2"/>
+          <p:cNvSpPr>
+            <a:spLocks noGrp="1"/>
+          </p:cNvSpPr>
+          <p:nvPr>
+            <p:ph idx="1"/>
+          </p:nvPr>
+        </p:nvSpPr>
+        <p:spPr/>
+        <p:txBody>
+          <a:bodyPr/>
+          <a:lstStyle/>
+          <a:p>
             <a:r>
               <a:rPr lang="en-US" dirty="0" smtClean="0"/>
               <a:t>Mark </a:t>
@@ -29797,6 +33967,13 @@
   <p:clrMapOvr>
     <a:masterClrMapping/>
   </p:clrMapOvr>
+  <p:timing>
+    <p:tnLst>
+      <p:par>
+        <p:cTn id="1" dur="indefinite" restart="never" nodeType="tmRoot"/>
+      </p:par>
+    </p:tnLst>
+  </p:timing>
 </p:sld>
 </file>
 

--- a/Dependency Injection - the right way.pptx
+++ b/Dependency Injection - the right way.pptx
@@ -5,7 +5,7 @@
     <p:sldMasterId id="2147483648" r:id="rId1"/>
   </p:sldMasterIdLst>
   <p:notesMasterIdLst>
-    <p:notesMasterId r:id="rId41"/>
+    <p:notesMasterId r:id="rId48"/>
   </p:notesMasterIdLst>
   <p:sldIdLst>
     <p:sldId id="258" r:id="rId2"/>
@@ -38,15 +38,22 @@
     <p:sldId id="295" r:id="rId29"/>
     <p:sldId id="296" r:id="rId30"/>
     <p:sldId id="271" r:id="rId31"/>
-    <p:sldId id="272" r:id="rId32"/>
-    <p:sldId id="273" r:id="rId33"/>
-    <p:sldId id="274" r:id="rId34"/>
-    <p:sldId id="275" r:id="rId35"/>
-    <p:sldId id="276" r:id="rId36"/>
-    <p:sldId id="277" r:id="rId37"/>
-    <p:sldId id="278" r:id="rId38"/>
-    <p:sldId id="279" r:id="rId39"/>
-    <p:sldId id="259" r:id="rId40"/>
+    <p:sldId id="297" r:id="rId32"/>
+    <p:sldId id="301" r:id="rId33"/>
+    <p:sldId id="299" r:id="rId34"/>
+    <p:sldId id="300" r:id="rId35"/>
+    <p:sldId id="298" r:id="rId36"/>
+    <p:sldId id="302" r:id="rId37"/>
+    <p:sldId id="273" r:id="rId38"/>
+    <p:sldId id="304" r:id="rId39"/>
+    <p:sldId id="275" r:id="rId40"/>
+    <p:sldId id="276" r:id="rId41"/>
+    <p:sldId id="277" r:id="rId42"/>
+    <p:sldId id="278" r:id="rId43"/>
+    <p:sldId id="279" r:id="rId44"/>
+    <p:sldId id="259" r:id="rId45"/>
+    <p:sldId id="303" r:id="rId46"/>
+    <p:sldId id="274" r:id="rId47"/>
   </p:sldIdLst>
   <p:sldSz cx="9144000" cy="6858000" type="screen4x3"/>
   <p:notesSz cx="6858000" cy="9144000"/>
@@ -184,9 +191,14 @@
             <p14:sldId id="295"/>
             <p14:sldId id="296"/>
             <p14:sldId id="271"/>
-            <p14:sldId id="272"/>
+            <p14:sldId id="297"/>
+            <p14:sldId id="301"/>
+            <p14:sldId id="299"/>
+            <p14:sldId id="300"/>
+            <p14:sldId id="298"/>
+            <p14:sldId id="302"/>
             <p14:sldId id="273"/>
-            <p14:sldId id="274"/>
+            <p14:sldId id="304"/>
             <p14:sldId id="275"/>
             <p14:sldId id="276"/>
             <p14:sldId id="277"/>
@@ -197,6 +209,8 @@
             <p14:sldId id="278"/>
             <p14:sldId id="279"/>
             <p14:sldId id="259"/>
+            <p14:sldId id="303"/>
+            <p14:sldId id="274"/>
           </p14:sldIdLst>
         </p14:section>
       </p14:sectionLst>
@@ -1037,6 +1051,234 @@
     <p:extLst>
       <p:ext uri="{BB962C8B-B14F-4D97-AF65-F5344CB8AC3E}">
         <p14:creationId xmlns:p14="http://schemas.microsoft.com/office/powerpoint/2010/main" val="2061991369"/>
+      </p:ext>
+    </p:extLst>
+  </p:cSld>
+  <p:clrMapOvr>
+    <a:masterClrMapping/>
+  </p:clrMapOvr>
+</p:notes>
+</file>
+
+<file path=ppt/notesSlides/notesSlide13.xml><?xml version="1.0" encoding="utf-8"?>
+<p:notes xmlns:a="http://schemas.openxmlformats.org/drawingml/2006/main" xmlns:r="http://schemas.openxmlformats.org/officeDocument/2006/relationships" xmlns:p="http://schemas.openxmlformats.org/presentationml/2006/main">
+  <p:cSld>
+    <p:spTree>
+      <p:nvGrpSpPr>
+        <p:cNvPr id="1" name=""/>
+        <p:cNvGrpSpPr/>
+        <p:nvPr/>
+      </p:nvGrpSpPr>
+      <p:grpSpPr>
+        <a:xfrm>
+          <a:off x="0" y="0"/>
+          <a:ext cx="0" cy="0"/>
+          <a:chOff x="0" y="0"/>
+          <a:chExt cx="0" cy="0"/>
+        </a:xfrm>
+      </p:grpSpPr>
+      <p:sp>
+        <p:nvSpPr>
+          <p:cNvPr id="2" name="Slide Image Placeholder 1"/>
+          <p:cNvSpPr>
+            <a:spLocks noGrp="1" noRot="1" noChangeAspect="1"/>
+          </p:cNvSpPr>
+          <p:nvPr>
+            <p:ph type="sldImg"/>
+          </p:nvPr>
+        </p:nvSpPr>
+        <p:spPr/>
+      </p:sp>
+      <p:sp>
+        <p:nvSpPr>
+          <p:cNvPr id="3" name="Notes Placeholder 2"/>
+          <p:cNvSpPr>
+            <a:spLocks noGrp="1"/>
+          </p:cNvSpPr>
+          <p:nvPr>
+            <p:ph type="body" idx="1"/>
+          </p:nvPr>
+        </p:nvSpPr>
+        <p:spPr/>
+        <p:txBody>
+          <a:bodyPr/>
+          <a:lstStyle/>
+          <a:p>
+            <a:r>
+              <a:rPr lang="fr-FR" dirty="0" err="1" smtClean="0"/>
+              <a:t>Traditionnal</a:t>
+            </a:r>
+            <a:r>
+              <a:rPr lang="fr-FR" dirty="0" smtClean="0"/>
+              <a:t> </a:t>
+            </a:r>
+            <a:r>
+              <a:rPr lang="fr-FR" dirty="0" err="1" smtClean="0"/>
+              <a:t>approach</a:t>
+            </a:r>
+            <a:r>
+              <a:rPr lang="fr-FR" dirty="0" smtClean="0"/>
+              <a:t> </a:t>
+            </a:r>
+            <a:r>
+              <a:rPr lang="fr-FR" dirty="0" err="1" smtClean="0"/>
+              <a:t>would</a:t>
+            </a:r>
+            <a:r>
+              <a:rPr lang="fr-FR" dirty="0" smtClean="0"/>
+              <a:t> </a:t>
+            </a:r>
+            <a:r>
+              <a:rPr lang="fr-FR" dirty="0" err="1" smtClean="0"/>
+              <a:t>be</a:t>
+            </a:r>
+            <a:r>
+              <a:rPr lang="fr-FR" dirty="0" smtClean="0"/>
+              <a:t> :</a:t>
+            </a:r>
+          </a:p>
+          <a:p>
+            <a:pPr marL="171450" indent="-171450">
+              <a:buFontTx/>
+              <a:buChar char="-"/>
+            </a:pPr>
+            <a:r>
+              <a:rPr lang="fr-FR" dirty="0" err="1" smtClean="0"/>
+              <a:t>Modify</a:t>
+            </a:r>
+            <a:r>
+              <a:rPr lang="fr-FR" dirty="0" smtClean="0"/>
+              <a:t> code</a:t>
+            </a:r>
+          </a:p>
+          <a:p>
+            <a:pPr marL="171450" indent="-171450">
+              <a:buFontTx/>
+              <a:buChar char="-"/>
+            </a:pPr>
+            <a:r>
+              <a:rPr lang="fr-FR" dirty="0" err="1" smtClean="0"/>
+              <a:t>Subclass</a:t>
+            </a:r>
+            <a:r>
+              <a:rPr lang="fr-FR" dirty="0" smtClean="0"/>
+              <a:t>..</a:t>
+            </a:r>
+            <a:endParaRPr lang="en-US" dirty="0"/>
+          </a:p>
+        </p:txBody>
+      </p:sp>
+      <p:sp>
+        <p:nvSpPr>
+          <p:cNvPr id="4" name="Slide Number Placeholder 3"/>
+          <p:cNvSpPr>
+            <a:spLocks noGrp="1"/>
+          </p:cNvSpPr>
+          <p:nvPr>
+            <p:ph type="sldNum" sz="quarter" idx="10"/>
+          </p:nvPr>
+        </p:nvSpPr>
+        <p:spPr/>
+        <p:txBody>
+          <a:bodyPr/>
+          <a:lstStyle/>
+          <a:p>
+            <a:fld id="{33F0961A-48D7-4871-86EB-F9831811C96F}" type="slidenum">
+              <a:rPr lang="en-US" smtClean="0"/>
+              <a:t>35</a:t>
+            </a:fld>
+            <a:endParaRPr lang="en-US"/>
+          </a:p>
+        </p:txBody>
+      </p:sp>
+    </p:spTree>
+    <p:extLst>
+      <p:ext uri="{BB962C8B-B14F-4D97-AF65-F5344CB8AC3E}">
+        <p14:creationId xmlns:p14="http://schemas.microsoft.com/office/powerpoint/2010/main" val="506006699"/>
+      </p:ext>
+    </p:extLst>
+  </p:cSld>
+  <p:clrMapOvr>
+    <a:masterClrMapping/>
+  </p:clrMapOvr>
+</p:notes>
+</file>
+
+<file path=ppt/notesSlides/notesSlide14.xml><?xml version="1.0" encoding="utf-8"?>
+<p:notes xmlns:a="http://schemas.openxmlformats.org/drawingml/2006/main" xmlns:r="http://schemas.openxmlformats.org/officeDocument/2006/relationships" xmlns:p="http://schemas.openxmlformats.org/presentationml/2006/main">
+  <p:cSld>
+    <p:spTree>
+      <p:nvGrpSpPr>
+        <p:cNvPr id="1" name=""/>
+        <p:cNvGrpSpPr/>
+        <p:nvPr/>
+      </p:nvGrpSpPr>
+      <p:grpSpPr>
+        <a:xfrm>
+          <a:off x="0" y="0"/>
+          <a:ext cx="0" cy="0"/>
+          <a:chOff x="0" y="0"/>
+          <a:chExt cx="0" cy="0"/>
+        </a:xfrm>
+      </p:grpSpPr>
+      <p:sp>
+        <p:nvSpPr>
+          <p:cNvPr id="2" name="Slide Image Placeholder 1"/>
+          <p:cNvSpPr>
+            <a:spLocks noGrp="1" noRot="1" noChangeAspect="1"/>
+          </p:cNvSpPr>
+          <p:nvPr>
+            <p:ph type="sldImg"/>
+          </p:nvPr>
+        </p:nvSpPr>
+        <p:spPr/>
+      </p:sp>
+      <p:sp>
+        <p:nvSpPr>
+          <p:cNvPr id="3" name="Notes Placeholder 2"/>
+          <p:cNvSpPr>
+            <a:spLocks noGrp="1"/>
+          </p:cNvSpPr>
+          <p:nvPr>
+            <p:ph type="body" idx="1"/>
+          </p:nvPr>
+        </p:nvSpPr>
+        <p:spPr/>
+        <p:txBody>
+          <a:bodyPr/>
+          <a:lstStyle/>
+          <a:p>
+            <a:endParaRPr lang="en-US" dirty="0"/>
+          </a:p>
+        </p:txBody>
+      </p:sp>
+      <p:sp>
+        <p:nvSpPr>
+          <p:cNvPr id="4" name="Slide Number Placeholder 3"/>
+          <p:cNvSpPr>
+            <a:spLocks noGrp="1"/>
+          </p:cNvSpPr>
+          <p:nvPr>
+            <p:ph type="sldNum" sz="quarter" idx="10"/>
+          </p:nvPr>
+        </p:nvSpPr>
+        <p:spPr/>
+        <p:txBody>
+          <a:bodyPr/>
+          <a:lstStyle/>
+          <a:p>
+            <a:fld id="{33F0961A-48D7-4871-86EB-F9831811C96F}" type="slidenum">
+              <a:rPr lang="en-US" smtClean="0"/>
+              <a:t>37</a:t>
+            </a:fld>
+            <a:endParaRPr lang="en-US"/>
+          </a:p>
+        </p:txBody>
+      </p:sp>
+    </p:spTree>
+    <p:extLst>
+      <p:ext uri="{BB962C8B-B14F-4D97-AF65-F5344CB8AC3E}">
+        <p14:creationId xmlns:p14="http://schemas.microsoft.com/office/powerpoint/2010/main" val="1776673194"/>
       </p:ext>
     </p:extLst>
   </p:cSld>
@@ -30334,7 +30576,7 @@
         <p:spPr>
           <a:xfrm>
             <a:off x="-396552" y="536269"/>
-            <a:ext cx="10297144" cy="5755422"/>
+            <a:ext cx="10297144" cy="5883662"/>
           </a:xfrm>
           <a:prstGeom prst="rect">
             <a:avLst/>
@@ -31829,11 +32071,11 @@
                 <a:spcPct val="115000"/>
               </a:lnSpc>
               <a:spcAft>
-                <a:spcPts val="0"/>
+                <a:spcPts val="1000"/>
               </a:spcAft>
             </a:pPr>
             <a:r>
-              <a:rPr lang="en-US" sz="1600" dirty="0">
+              <a:rPr lang="en-US" sz="1600" dirty="0" smtClean="0">
                 <a:solidFill>
                   <a:srgbClr val="000000"/>
                 </a:solidFill>
@@ -31875,7 +32117,7 @@
               <a:t> </a:t>
             </a:r>
             <a:r>
-              <a:rPr lang="en-US" sz="1600" dirty="0">
+              <a:rPr lang="en-US" sz="1600" dirty="0" err="1">
                 <a:solidFill>
                   <a:srgbClr val="0000FF"/>
                 </a:solidFill>
@@ -31886,23 +32128,93 @@
                 <a:ea typeface="Calibri"/>
                 <a:cs typeface="Times New Roman"/>
               </a:rPr>
-              <a:t>null</a:t>
-            </a:r>
-            <a:r>
-              <a:rPr lang="en-US" sz="1600" dirty="0">
-                <a:solidFill>
-                  <a:srgbClr val="000000"/>
-                </a:solidFill>
-                <a:highlight>
-                  <a:srgbClr val="FFFFFF"/>
-                </a:highlight>
-                <a:latin typeface="Consolas"/>
-                <a:ea typeface="Calibri"/>
-                <a:cs typeface="Times New Roman"/>
-              </a:rPr>
-              <a:t>;</a:t>
-            </a:r>
-            <a:endParaRPr lang="en-US" sz="2000" dirty="0">
+              <a:t>base</a:t>
+            </a:r>
+            <a:r>
+              <a:rPr lang="en-US" sz="1600" dirty="0" err="1">
+                <a:solidFill>
+                  <a:srgbClr val="000000"/>
+                </a:solidFill>
+                <a:highlight>
+                  <a:srgbClr val="FFFFFF"/>
+                </a:highlight>
+                <a:latin typeface="Consolas"/>
+                <a:ea typeface="Calibri"/>
+                <a:cs typeface="Times New Roman"/>
+              </a:rPr>
+              <a:t>.GetControllerInstance</a:t>
+            </a:r>
+            <a:r>
+              <a:rPr lang="en-US" sz="1600" dirty="0">
+                <a:solidFill>
+                  <a:srgbClr val="000000"/>
+                </a:solidFill>
+                <a:highlight>
+                  <a:srgbClr val="FFFFFF"/>
+                </a:highlight>
+                <a:latin typeface="Consolas"/>
+                <a:ea typeface="Calibri"/>
+                <a:cs typeface="Times New Roman"/>
+              </a:rPr>
+              <a:t>(</a:t>
+            </a:r>
+            <a:r>
+              <a:rPr lang="en-US" sz="1600" dirty="0" err="1">
+                <a:solidFill>
+                  <a:srgbClr val="000000"/>
+                </a:solidFill>
+                <a:highlight>
+                  <a:srgbClr val="FFFFFF"/>
+                </a:highlight>
+                <a:latin typeface="Consolas"/>
+                <a:ea typeface="Calibri"/>
+                <a:cs typeface="Times New Roman"/>
+              </a:rPr>
+              <a:t>requestContext</a:t>
+            </a:r>
+            <a:r>
+              <a:rPr lang="en-US" sz="1600" dirty="0">
+                <a:solidFill>
+                  <a:srgbClr val="000000"/>
+                </a:solidFill>
+                <a:highlight>
+                  <a:srgbClr val="FFFFFF"/>
+                </a:highlight>
+                <a:latin typeface="Consolas"/>
+                <a:ea typeface="Calibri"/>
+                <a:cs typeface="Times New Roman"/>
+              </a:rPr>
+              <a:t>, </a:t>
+            </a:r>
+            <a:r>
+              <a:rPr lang="en-US" sz="1600" dirty="0" err="1">
+                <a:solidFill>
+                  <a:srgbClr val="000000"/>
+                </a:solidFill>
+                <a:highlight>
+                  <a:srgbClr val="FFFFFF"/>
+                </a:highlight>
+                <a:latin typeface="Consolas"/>
+                <a:ea typeface="Calibri"/>
+                <a:cs typeface="Times New Roman"/>
+              </a:rPr>
+              <a:t>controllerType</a:t>
+            </a:r>
+            <a:r>
+              <a:rPr lang="en-US" sz="1600" dirty="0" smtClean="0">
+                <a:solidFill>
+                  <a:srgbClr val="000000"/>
+                </a:solidFill>
+                <a:highlight>
+                  <a:srgbClr val="FFFFFF"/>
+                </a:highlight>
+                <a:latin typeface="Consolas"/>
+                <a:ea typeface="Calibri"/>
+                <a:cs typeface="Times New Roman"/>
+              </a:rPr>
+              <a:t>);</a:t>
+            </a:r>
+            <a:endParaRPr lang="en-US" sz="2000" dirty="0" smtClean="0">
               <a:ea typeface="Calibri"/>
               <a:cs typeface="Times New Roman"/>
             </a:endParaRPr>
@@ -31917,18 +32229,32 @@
               </a:spcAft>
             </a:pPr>
             <a:r>
-              <a:rPr lang="en-US" sz="1600" dirty="0">
-                <a:solidFill>
-                  <a:srgbClr val="000000"/>
-                </a:solidFill>
-                <a:highlight>
-                  <a:srgbClr val="FFFFFF"/>
-                </a:highlight>
-                <a:latin typeface="Consolas"/>
-                <a:ea typeface="Calibri"/>
-                <a:cs typeface="Times New Roman"/>
-              </a:rPr>
-              <a:t>        }</a:t>
+              <a:rPr lang="en-US" sz="1600" dirty="0" smtClean="0">
+                <a:solidFill>
+                  <a:srgbClr val="000000"/>
+                </a:solidFill>
+                <a:highlight>
+                  <a:srgbClr val="FFFFFF"/>
+                </a:highlight>
+                <a:latin typeface="Consolas"/>
+                <a:ea typeface="Calibri"/>
+                <a:cs typeface="Times New Roman"/>
+              </a:rPr>
+              <a:t>        </a:t>
+            </a:r>
+            <a:r>
+              <a:rPr lang="en-US" sz="1600" dirty="0">
+                <a:solidFill>
+                  <a:srgbClr val="000000"/>
+                </a:solidFill>
+                <a:highlight>
+                  <a:srgbClr val="FFFFFF"/>
+                </a:highlight>
+                <a:latin typeface="Consolas"/>
+                <a:ea typeface="Calibri"/>
+                <a:cs typeface="Times New Roman"/>
+              </a:rPr>
+              <a:t>}</a:t>
             </a:r>
             <a:endParaRPr lang="en-US" sz="2000" dirty="0">
               <a:ea typeface="Calibri"/>
@@ -33119,10 +33445,14 @@
           <a:lstStyle/>
           <a:p>
             <a:r>
-              <a:rPr lang="en-US" dirty="0" smtClean="0"/>
-              <a:t>Pure DI aka Poor Man’s DI</a:t>
-            </a:r>
-            <a:endParaRPr lang="en-US" dirty="0"/>
+              <a:rPr lang="en-US" b="1" i="1" dirty="0" smtClean="0"/>
+              <a:t>Pure </a:t>
+            </a:r>
+            <a:r>
+              <a:rPr lang="en-US" b="1" i="1" dirty="0" smtClean="0"/>
+              <a:t>DI</a:t>
+            </a:r>
+            <a:endParaRPr lang="en-US" b="1" i="1" dirty="0"/>
           </a:p>
         </p:txBody>
       </p:sp>
@@ -33141,7 +33471,88 @@
           <a:bodyPr/>
           <a:lstStyle/>
           <a:p>
-            <a:endParaRPr lang="en-US"/>
+            <a:pPr marL="0" indent="0" algn="ctr">
+              <a:buNone/>
+            </a:pPr>
+            <a:r>
+              <a:rPr lang="fr-FR" i="1" dirty="0" err="1" smtClean="0"/>
+              <a:t>Manual</a:t>
+            </a:r>
+            <a:r>
+              <a:rPr lang="fr-FR" i="1" dirty="0" smtClean="0"/>
+              <a:t> </a:t>
+            </a:r>
+            <a:r>
+              <a:rPr lang="fr-FR" i="1" dirty="0" err="1" smtClean="0"/>
+              <a:t>wiring</a:t>
+            </a:r>
+            <a:r>
+              <a:rPr lang="fr-FR" i="1" dirty="0" smtClean="0"/>
+              <a:t> of </a:t>
+            </a:r>
+            <a:r>
+              <a:rPr lang="fr-FR" i="1" dirty="0" err="1" smtClean="0"/>
+              <a:t>dependencies</a:t>
+            </a:r>
+            <a:endParaRPr lang="fr-FR" i="1" dirty="0" smtClean="0"/>
+          </a:p>
+          <a:p>
+            <a:r>
+              <a:rPr lang="fr-FR" dirty="0" err="1" smtClean="0"/>
+              <a:t>Also</a:t>
+            </a:r>
+            <a:r>
+              <a:rPr lang="fr-FR" dirty="0" smtClean="0"/>
+              <a:t> </a:t>
+            </a:r>
+            <a:r>
+              <a:rPr lang="fr-FR" dirty="0" err="1" smtClean="0"/>
+              <a:t>known</a:t>
+            </a:r>
+            <a:r>
+              <a:rPr lang="fr-FR" dirty="0" smtClean="0"/>
+              <a:t> as Poor Man’s DI</a:t>
+            </a:r>
+          </a:p>
+          <a:p>
+            <a:r>
+              <a:rPr lang="fr-FR" dirty="0" err="1" smtClean="0"/>
+              <a:t>Very</a:t>
+            </a:r>
+            <a:r>
+              <a:rPr lang="fr-FR" dirty="0" smtClean="0"/>
+              <a:t> explicit</a:t>
+            </a:r>
+          </a:p>
+          <a:p>
+            <a:r>
+              <a:rPr lang="fr-FR" dirty="0" smtClean="0"/>
+              <a:t>Type-</a:t>
+            </a:r>
+            <a:r>
+              <a:rPr lang="fr-FR" dirty="0" err="1" smtClean="0"/>
+              <a:t>safe</a:t>
+            </a:r>
+            <a:endParaRPr lang="fr-FR" dirty="0" smtClean="0"/>
+          </a:p>
+          <a:p>
+            <a:r>
+              <a:rPr lang="fr-FR" dirty="0" smtClean="0"/>
+              <a:t>… but </a:t>
+            </a:r>
+            <a:r>
+              <a:rPr lang="fr-FR" dirty="0" err="1" smtClean="0"/>
+              <a:t>repetitive</a:t>
+            </a:r>
+            <a:r>
+              <a:rPr lang="fr-FR" dirty="0" smtClean="0"/>
+              <a:t> and </a:t>
+            </a:r>
+            <a:r>
+              <a:rPr lang="fr-FR" dirty="0" err="1" smtClean="0"/>
+              <a:t>boring</a:t>
+            </a:r>
+            <a:endParaRPr lang="en-US" dirty="0"/>
           </a:p>
         </p:txBody>
       </p:sp>
@@ -33184,7 +33595,7 @@
       </p:grpSpPr>
       <p:sp>
         <p:nvSpPr>
-          <p:cNvPr id="2" name="Title 1"/>
+          <p:cNvPr id="4" name="Title 3"/>
           <p:cNvSpPr>
             <a:spLocks noGrp="1"/>
           </p:cNvSpPr>
@@ -33198,8 +33609,16 @@
           <a:lstStyle/>
           <a:p>
             <a:r>
-              <a:rPr lang="en-US" dirty="0" smtClean="0"/>
-              <a:t>Extensibility with DI</a:t>
+              <a:rPr lang="fr-FR" dirty="0" smtClean="0"/>
+              <a:t>So </a:t>
+            </a:r>
+            <a:r>
+              <a:rPr lang="fr-FR" dirty="0" err="1" smtClean="0"/>
+              <a:t>what</a:t>
+            </a:r>
+            <a:r>
+              <a:rPr lang="fr-FR" dirty="0" smtClean="0"/>
+              <a:t> ?</a:t>
             </a:r>
             <a:endParaRPr lang="en-US" dirty="0"/>
           </a:p>
@@ -33207,12 +33626,12 @@
       </p:sp>
       <p:sp>
         <p:nvSpPr>
-          <p:cNvPr id="3" name="Content Placeholder 2"/>
+          <p:cNvPr id="5" name="Text Placeholder 4"/>
           <p:cNvSpPr>
             <a:spLocks noGrp="1"/>
           </p:cNvSpPr>
           <p:nvPr>
-            <p:ph idx="1"/>
+            <p:ph type="body" idx="1"/>
           </p:nvPr>
         </p:nvSpPr>
         <p:spPr/>
@@ -33221,45 +33640,41 @@
           <a:lstStyle/>
           <a:p>
             <a:r>
-              <a:rPr lang="en-US" dirty="0" err="1" smtClean="0"/>
-              <a:t>Composability</a:t>
-            </a:r>
-            <a:r>
-              <a:rPr lang="en-US" dirty="0" smtClean="0"/>
+              <a:rPr lang="fr-FR" dirty="0" smtClean="0"/>
+              <a:t>And </a:t>
+            </a:r>
+            <a:r>
+              <a:rPr lang="fr-FR" dirty="0" err="1" smtClean="0"/>
+              <a:t>we</a:t>
+            </a:r>
+            <a:r>
+              <a:rPr lang="fr-FR" dirty="0" smtClean="0"/>
               <a:t> </a:t>
             </a:r>
-          </a:p>
-          <a:p>
-            <a:r>
-              <a:rPr lang="en-US" dirty="0" smtClean="0"/>
-              <a:t>Testability</a:t>
-            </a:r>
-          </a:p>
-          <a:p>
-            <a:r>
-              <a:rPr lang="en-US" dirty="0" smtClean="0"/>
-              <a:t>Decorator</a:t>
-            </a:r>
-          </a:p>
-          <a:p>
-            <a:endParaRPr lang="en-US" dirty="0"/>
-          </a:p>
-          <a:p>
-            <a:r>
-              <a:rPr lang="en-US" dirty="0" smtClean="0"/>
-              <a:t>Late binding</a:t>
-            </a:r>
-          </a:p>
-          <a:p>
-            <a:endParaRPr lang="en-US" dirty="0"/>
-          </a:p>
-          <a:p>
-            <a:r>
-              <a:rPr lang="en-US" dirty="0" smtClean="0"/>
-              <a:t>Examples ? </a:t>
-            </a:r>
-          </a:p>
-          <a:p>
+            <a:r>
+              <a:rPr lang="fr-FR" dirty="0" err="1" smtClean="0"/>
+              <a:t>did</a:t>
+            </a:r>
+            <a:r>
+              <a:rPr lang="fr-FR" dirty="0" smtClean="0"/>
+              <a:t> </a:t>
+            </a:r>
+            <a:r>
+              <a:rPr lang="fr-FR" dirty="0" err="1" smtClean="0"/>
+              <a:t>that</a:t>
+            </a:r>
+            <a:r>
+              <a:rPr lang="fr-FR" dirty="0" smtClean="0"/>
+              <a:t> </a:t>
+            </a:r>
+            <a:r>
+              <a:rPr lang="fr-FR" dirty="0" err="1" smtClean="0"/>
+              <a:t>because</a:t>
+            </a:r>
+            <a:r>
+              <a:rPr lang="fr-FR" dirty="0" smtClean="0"/>
+              <a:t> … ?</a:t>
+            </a:r>
             <a:endParaRPr lang="en-US" dirty="0"/>
           </a:p>
         </p:txBody>
@@ -33267,7 +33682,7 @@
     </p:spTree>
     <p:extLst>
       <p:ext uri="{BB962C8B-B14F-4D97-AF65-F5344CB8AC3E}">
-        <p14:creationId xmlns:p14="http://schemas.microsoft.com/office/powerpoint/2010/main" val="3162647260"/>
+        <p14:creationId xmlns:p14="http://schemas.microsoft.com/office/powerpoint/2010/main" val="1192282453"/>
       </p:ext>
     </p:extLst>
   </p:cSld>
@@ -33303,7 +33718,7 @@
       </p:grpSpPr>
       <p:sp>
         <p:nvSpPr>
-          <p:cNvPr id="2" name="Title 1"/>
+          <p:cNvPr id="4" name="Title 3"/>
           <p:cNvSpPr>
             <a:spLocks noGrp="1"/>
           </p:cNvSpPr>
@@ -33313,12 +33728,38 @@
         </p:nvSpPr>
         <p:spPr/>
         <p:txBody>
-          <a:bodyPr/>
+          <a:bodyPr>
+            <a:normAutofit fontScale="90000"/>
+          </a:bodyPr>
           <a:lstStyle/>
           <a:p>
             <a:r>
-              <a:rPr lang="en-US" dirty="0" smtClean="0"/>
-              <a:t>DI Container</a:t>
+              <a:rPr lang="fr-FR" dirty="0" err="1" smtClean="0"/>
+              <a:t>Many</a:t>
+            </a:r>
+            <a:r>
+              <a:rPr lang="fr-FR" dirty="0" smtClean="0"/>
+              <a:t> </a:t>
+            </a:r>
+            <a:r>
+              <a:rPr lang="fr-FR" dirty="0" err="1" smtClean="0"/>
+              <a:t>benefits</a:t>
+            </a:r>
+            <a:r>
+              <a:rPr lang="fr-FR" dirty="0" smtClean="0"/>
+              <a:t> of full DI-</a:t>
+            </a:r>
+            <a:r>
+              <a:rPr lang="fr-FR" dirty="0" err="1" smtClean="0"/>
+              <a:t>friendly</a:t>
+            </a:r>
+            <a:r>
+              <a:rPr lang="fr-FR" dirty="0" smtClean="0"/>
+              <a:t> </a:t>
+            </a:r>
+            <a:r>
+              <a:rPr lang="fr-FR" dirty="0" err="1" smtClean="0"/>
+              <a:t>codebase</a:t>
             </a:r>
             <a:endParaRPr lang="en-US" dirty="0"/>
           </a:p>
@@ -33326,7 +33767,7 @@
       </p:sp>
       <p:sp>
         <p:nvSpPr>
-          <p:cNvPr id="3" name="Content Placeholder 2"/>
+          <p:cNvPr id="5" name="Content Placeholder 4"/>
           <p:cNvSpPr>
             <a:spLocks noGrp="1"/>
           </p:cNvSpPr>
@@ -33340,8 +33781,45 @@
           <a:lstStyle/>
           <a:p>
             <a:r>
-              <a:rPr lang="en-US" dirty="0" smtClean="0"/>
-              <a:t>How it works / what it does</a:t>
+              <a:rPr lang="fr-FR" dirty="0" err="1" smtClean="0"/>
+              <a:t>Testability</a:t>
+            </a:r>
+            <a:endParaRPr lang="fr-FR" dirty="0" smtClean="0"/>
+          </a:p>
+          <a:p>
+            <a:r>
+              <a:rPr lang="fr-FR" dirty="0" err="1" smtClean="0"/>
+              <a:t>Maintainability</a:t>
+            </a:r>
+            <a:endParaRPr lang="fr-FR" dirty="0"/>
+          </a:p>
+          <a:p>
+            <a:r>
+              <a:rPr lang="fr-FR" dirty="0" err="1" smtClean="0"/>
+              <a:t>Allows</a:t>
+            </a:r>
+            <a:r>
+              <a:rPr lang="fr-FR" dirty="0" smtClean="0"/>
+              <a:t> </a:t>
+            </a:r>
+            <a:r>
+              <a:rPr lang="fr-FR" dirty="0" err="1" smtClean="0"/>
+              <a:t>parallel</a:t>
+            </a:r>
+            <a:r>
+              <a:rPr lang="fr-FR" dirty="0" smtClean="0"/>
+              <a:t> </a:t>
+            </a:r>
+            <a:r>
+              <a:rPr lang="fr-FR" dirty="0" err="1" smtClean="0"/>
+              <a:t>work</a:t>
+            </a:r>
+            <a:endParaRPr lang="fr-FR" dirty="0" smtClean="0"/>
+          </a:p>
+          <a:p>
+            <a:r>
+              <a:rPr lang="fr-FR" dirty="0" smtClean="0"/>
+              <a:t>… and more !</a:t>
             </a:r>
             <a:endParaRPr lang="en-US" dirty="0"/>
           </a:p>
@@ -33350,7 +33828,7 @@
     </p:spTree>
     <p:extLst>
       <p:ext uri="{BB962C8B-B14F-4D97-AF65-F5344CB8AC3E}">
-        <p14:creationId xmlns:p14="http://schemas.microsoft.com/office/powerpoint/2010/main" val="3753203453"/>
+        <p14:creationId xmlns:p14="http://schemas.microsoft.com/office/powerpoint/2010/main" val="950350864"/>
       </p:ext>
     </p:extLst>
   </p:cSld>
@@ -33386,7 +33864,7 @@
       </p:grpSpPr>
       <p:sp>
         <p:nvSpPr>
-          <p:cNvPr id="2" name="Title 1"/>
+          <p:cNvPr id="4" name="Title 3"/>
           <p:cNvSpPr>
             <a:spLocks noGrp="1"/>
           </p:cNvSpPr>
@@ -33396,14 +33874,12 @@
         </p:nvSpPr>
         <p:spPr/>
         <p:txBody>
-          <a:bodyPr>
-            <a:normAutofit fontScale="90000"/>
-          </a:bodyPr>
+          <a:bodyPr/>
           <a:lstStyle/>
           <a:p>
             <a:r>
-              <a:rPr lang="en-US" dirty="0" smtClean="0"/>
-              <a:t>Service Locator – DI container misusage</a:t>
+              <a:rPr lang="fr-FR" dirty="0" err="1" smtClean="0"/>
+              <a:t>Reusability</a:t>
             </a:r>
             <a:endParaRPr lang="en-US" dirty="0"/>
           </a:p>
@@ -33411,7 +33887,7 @@
       </p:sp>
       <p:sp>
         <p:nvSpPr>
-          <p:cNvPr id="3" name="Content Placeholder 2"/>
+          <p:cNvPr id="5" name="Content Placeholder 4"/>
           <p:cNvSpPr>
             <a:spLocks noGrp="1"/>
           </p:cNvSpPr>
@@ -33424,14 +33900,378 @@
           <a:bodyPr/>
           <a:lstStyle/>
           <a:p>
-            <a:endParaRPr lang="en-US"/>
+            <a:r>
+              <a:rPr lang="fr-FR" dirty="0" err="1" smtClean="0"/>
+              <a:t>Keep</a:t>
+            </a:r>
+            <a:r>
+              <a:rPr lang="fr-FR" dirty="0" smtClean="0"/>
+              <a:t> Business but</a:t>
+            </a:r>
+          </a:p>
+          <a:p>
+            <a:pPr lvl="1"/>
+            <a:r>
+              <a:rPr lang="fr-FR" dirty="0" smtClean="0"/>
+              <a:t>Change UI</a:t>
+            </a:r>
+          </a:p>
+          <a:p>
+            <a:pPr lvl="1"/>
+            <a:r>
+              <a:rPr lang="fr-FR" dirty="0" smtClean="0"/>
+              <a:t>Change Storage</a:t>
+            </a:r>
+            <a:endParaRPr lang="en-US" dirty="0"/>
+          </a:p>
+        </p:txBody>
+      </p:sp>
+      <p:pic>
+        <p:nvPicPr>
+          <p:cNvPr id="8194" name="Picture 2"/>
+          <p:cNvPicPr>
+            <a:picLocks noChangeAspect="1" noChangeArrowheads="1"/>
+          </p:cNvPicPr>
+          <p:nvPr/>
+        </p:nvPicPr>
+        <p:blipFill>
+          <a:blip r:embed="rId2">
+            <a:extLst>
+              <a:ext uri="{28A0092B-C50C-407E-A947-70E740481C1C}">
+                <a14:useLocalDpi xmlns:a14="http://schemas.microsoft.com/office/drawing/2010/main" val="0"/>
+              </a:ext>
+            </a:extLst>
+          </a:blip>
+          <a:srcRect/>
+          <a:stretch>
+            <a:fillRect/>
+          </a:stretch>
+        </p:blipFill>
+        <p:spPr bwMode="auto">
+          <a:xfrm>
+            <a:off x="-157039" y="3212976"/>
+            <a:ext cx="9553575" cy="2924175"/>
+          </a:xfrm>
+          <a:prstGeom prst="rect">
+            <a:avLst/>
+          </a:prstGeom>
+          <a:noFill/>
+          <a:ln>
+            <a:noFill/>
+          </a:ln>
+          <a:extLst>
+            <a:ext uri="{909E8E84-426E-40DD-AFC4-6F175D3DCCD1}">
+              <a14:hiddenFill xmlns:a14="http://schemas.microsoft.com/office/drawing/2010/main">
+                <a:solidFill>
+                  <a:schemeClr val="accent1"/>
+                </a:solidFill>
+              </a14:hiddenFill>
+            </a:ext>
+            <a:ext uri="{91240B29-F687-4F45-9708-019B960494DF}">
+              <a14:hiddenLine xmlns:a14="http://schemas.microsoft.com/office/drawing/2010/main" w="9525">
+                <a:solidFill>
+                  <a:schemeClr val="tx1"/>
+                </a:solidFill>
+                <a:miter lim="800000"/>
+                <a:headEnd/>
+                <a:tailEnd/>
+              </a14:hiddenLine>
+            </a:ext>
+          </a:extLst>
+        </p:spPr>
+      </p:pic>
+      <p:sp>
+        <p:nvSpPr>
+          <p:cNvPr id="6" name="TextBox 5"/>
+          <p:cNvSpPr txBox="1"/>
+          <p:nvPr/>
+        </p:nvSpPr>
+        <p:spPr>
+          <a:xfrm>
+            <a:off x="755576" y="4869160"/>
+            <a:ext cx="1260089" cy="1477328"/>
+          </a:xfrm>
+          <a:prstGeom prst="rect">
+            <a:avLst/>
+          </a:prstGeom>
+          <a:noFill/>
+        </p:spPr>
+        <p:txBody>
+          <a:bodyPr wrap="none" rtlCol="0">
+            <a:spAutoFit/>
+          </a:bodyPr>
+          <a:lstStyle/>
+          <a:p>
+            <a:r>
+              <a:rPr lang="fr-FR" b="1" dirty="0">
+                <a:solidFill>
+                  <a:schemeClr val="tx2">
+                    <a:lumMod val="60000"/>
+                    <a:lumOff val="40000"/>
+                  </a:schemeClr>
+                </a:solidFill>
+              </a:rPr>
+              <a:t>o</a:t>
+            </a:r>
+            <a:r>
+              <a:rPr lang="fr-FR" b="1" dirty="0" smtClean="0">
+                <a:solidFill>
+                  <a:schemeClr val="tx2">
+                    <a:lumMod val="60000"/>
+                    <a:lumOff val="40000"/>
+                  </a:schemeClr>
+                </a:solidFill>
+              </a:rPr>
+              <a:t>r CLI</a:t>
+            </a:r>
+          </a:p>
+          <a:p>
+            <a:r>
+              <a:rPr lang="fr-FR" b="1" dirty="0">
+                <a:solidFill>
+                  <a:schemeClr val="tx2">
+                    <a:lumMod val="60000"/>
+                    <a:lumOff val="40000"/>
+                  </a:schemeClr>
+                </a:solidFill>
+              </a:rPr>
+              <a:t>o</a:t>
+            </a:r>
+            <a:r>
+              <a:rPr lang="fr-FR" b="1" dirty="0" smtClean="0">
+                <a:solidFill>
+                  <a:schemeClr val="tx2">
+                    <a:lumMod val="60000"/>
+                    <a:lumOff val="40000"/>
+                  </a:schemeClr>
+                </a:solidFill>
+              </a:rPr>
+              <a:t>r WPF</a:t>
+            </a:r>
+          </a:p>
+          <a:p>
+            <a:r>
+              <a:rPr lang="fr-FR" b="1" dirty="0">
+                <a:solidFill>
+                  <a:schemeClr val="tx2">
+                    <a:lumMod val="60000"/>
+                    <a:lumOff val="40000"/>
+                  </a:schemeClr>
+                </a:solidFill>
+              </a:rPr>
+              <a:t>o</a:t>
+            </a:r>
+            <a:r>
+              <a:rPr lang="fr-FR" b="1" dirty="0" smtClean="0">
+                <a:solidFill>
+                  <a:schemeClr val="tx2">
+                    <a:lumMod val="60000"/>
+                    <a:lumOff val="40000"/>
+                  </a:schemeClr>
+                </a:solidFill>
+              </a:rPr>
+              <a:t>r Web API</a:t>
+            </a:r>
+          </a:p>
+          <a:p>
+            <a:r>
+              <a:rPr lang="fr-FR" b="1" dirty="0">
+                <a:solidFill>
+                  <a:schemeClr val="tx2">
+                    <a:lumMod val="60000"/>
+                    <a:lumOff val="40000"/>
+                  </a:schemeClr>
+                </a:solidFill>
+              </a:rPr>
+              <a:t>o</a:t>
+            </a:r>
+            <a:r>
+              <a:rPr lang="fr-FR" b="1" dirty="0" smtClean="0">
+                <a:solidFill>
+                  <a:schemeClr val="tx2">
+                    <a:lumMod val="60000"/>
+                    <a:lumOff val="40000"/>
+                  </a:schemeClr>
+                </a:solidFill>
+              </a:rPr>
+              <a:t>r WCF</a:t>
+            </a:r>
+          </a:p>
+          <a:p>
+            <a:r>
+              <a:rPr lang="fr-FR" b="1" dirty="0" smtClean="0">
+                <a:solidFill>
+                  <a:schemeClr val="tx2">
+                    <a:lumMod val="60000"/>
+                    <a:lumOff val="40000"/>
+                  </a:schemeClr>
+                </a:solidFill>
+              </a:rPr>
+              <a:t>…</a:t>
+            </a:r>
+            <a:endParaRPr lang="en-US" b="1" dirty="0">
+              <a:solidFill>
+                <a:schemeClr val="tx2">
+                  <a:lumMod val="60000"/>
+                  <a:lumOff val="40000"/>
+                </a:schemeClr>
+              </a:solidFill>
+            </a:endParaRPr>
+          </a:p>
+        </p:txBody>
+      </p:sp>
+      <p:sp>
+        <p:nvSpPr>
+          <p:cNvPr id="8" name="TextBox 7"/>
+          <p:cNvSpPr txBox="1"/>
+          <p:nvPr/>
+        </p:nvSpPr>
+        <p:spPr>
+          <a:xfrm>
+            <a:off x="7452320" y="5229200"/>
+            <a:ext cx="1473480" cy="1477328"/>
+          </a:xfrm>
+          <a:prstGeom prst="rect">
+            <a:avLst/>
+          </a:prstGeom>
+          <a:noFill/>
+        </p:spPr>
+        <p:txBody>
+          <a:bodyPr wrap="none" rtlCol="0">
+            <a:spAutoFit/>
+          </a:bodyPr>
+          <a:lstStyle/>
+          <a:p>
+            <a:r>
+              <a:rPr lang="fr-FR" b="1" dirty="0">
+                <a:solidFill>
+                  <a:schemeClr val="tx2">
+                    <a:lumMod val="60000"/>
+                    <a:lumOff val="40000"/>
+                  </a:schemeClr>
+                </a:solidFill>
+              </a:rPr>
+              <a:t>o</a:t>
+            </a:r>
+            <a:r>
+              <a:rPr lang="fr-FR" b="1" dirty="0" smtClean="0">
+                <a:solidFill>
+                  <a:schemeClr val="tx2">
+                    <a:lumMod val="60000"/>
+                    <a:lumOff val="40000"/>
+                  </a:schemeClr>
+                </a:solidFill>
+              </a:rPr>
+              <a:t>r files</a:t>
+            </a:r>
+          </a:p>
+          <a:p>
+            <a:r>
+              <a:rPr lang="fr-FR" b="1" dirty="0">
+                <a:solidFill>
+                  <a:schemeClr val="tx2">
+                    <a:lumMod val="60000"/>
+                    <a:lumOff val="40000"/>
+                  </a:schemeClr>
+                </a:solidFill>
+              </a:rPr>
+              <a:t>o</a:t>
+            </a:r>
+            <a:r>
+              <a:rPr lang="fr-FR" b="1" dirty="0" smtClean="0">
+                <a:solidFill>
+                  <a:schemeClr val="tx2">
+                    <a:lumMod val="60000"/>
+                    <a:lumOff val="40000"/>
+                  </a:schemeClr>
+                </a:solidFill>
+              </a:rPr>
+              <a:t>r </a:t>
+            </a:r>
+            <a:r>
+              <a:rPr lang="fr-FR" b="1" dirty="0" err="1" smtClean="0">
+                <a:solidFill>
+                  <a:schemeClr val="tx2">
+                    <a:lumMod val="60000"/>
+                    <a:lumOff val="40000"/>
+                  </a:schemeClr>
+                </a:solidFill>
+              </a:rPr>
+              <a:t>NoSQL</a:t>
+            </a:r>
+            <a:endParaRPr lang="fr-FR" b="1" dirty="0" smtClean="0">
+              <a:solidFill>
+                <a:schemeClr val="tx2">
+                  <a:lumMod val="60000"/>
+                  <a:lumOff val="40000"/>
+                </a:schemeClr>
+              </a:solidFill>
+            </a:endParaRPr>
+          </a:p>
+          <a:p>
+            <a:r>
+              <a:rPr lang="fr-FR" b="1" dirty="0" smtClean="0">
+                <a:solidFill>
+                  <a:schemeClr val="tx2">
+                    <a:lumMod val="60000"/>
+                    <a:lumOff val="40000"/>
+                  </a:schemeClr>
+                </a:solidFill>
+              </a:rPr>
+              <a:t>or Azure </a:t>
+            </a:r>
+          </a:p>
+          <a:p>
+            <a:r>
+              <a:rPr lang="fr-FR" b="1" dirty="0">
+                <a:solidFill>
+                  <a:schemeClr val="tx2">
+                    <a:lumMod val="60000"/>
+                    <a:lumOff val="40000"/>
+                  </a:schemeClr>
+                </a:solidFill>
+              </a:rPr>
+              <a:t>o</a:t>
+            </a:r>
+            <a:r>
+              <a:rPr lang="fr-FR" b="1" dirty="0" smtClean="0">
+                <a:solidFill>
+                  <a:schemeClr val="tx2">
+                    <a:lumMod val="60000"/>
+                    <a:lumOff val="40000"/>
+                  </a:schemeClr>
+                </a:solidFill>
+              </a:rPr>
+              <a:t>r Http Client</a:t>
+            </a:r>
+          </a:p>
+          <a:p>
+            <a:r>
+              <a:rPr lang="fr-FR" b="1" dirty="0" smtClean="0">
+                <a:solidFill>
+                  <a:schemeClr val="tx2">
+                    <a:lumMod val="60000"/>
+                    <a:lumOff val="40000"/>
+                  </a:schemeClr>
+                </a:solidFill>
+              </a:rPr>
+              <a:t>…</a:t>
+            </a:r>
+            <a:endParaRPr lang="en-US" b="1" dirty="0">
+              <a:solidFill>
+                <a:schemeClr val="tx2">
+                  <a:lumMod val="60000"/>
+                  <a:lumOff val="40000"/>
+                </a:schemeClr>
+              </a:solidFill>
+            </a:endParaRPr>
           </a:p>
         </p:txBody>
       </p:sp>
     </p:spTree>
     <p:extLst>
       <p:ext uri="{BB962C8B-B14F-4D97-AF65-F5344CB8AC3E}">
-        <p14:creationId xmlns:p14="http://schemas.microsoft.com/office/powerpoint/2010/main" val="1148450113"/>
+        <p14:creationId xmlns:p14="http://schemas.microsoft.com/office/powerpoint/2010/main" val="1727800307"/>
       </p:ext>
     </p:extLst>
   </p:cSld>
@@ -33481,8 +34321,12 @@
           <a:lstStyle/>
           <a:p>
             <a:r>
-              <a:rPr lang="en-US" dirty="0" smtClean="0"/>
-              <a:t>Composition, but not only</a:t>
+              <a:rPr lang="fr-FR" dirty="0" err="1" smtClean="0"/>
+              <a:t>Late</a:t>
+            </a:r>
+            <a:r>
+              <a:rPr lang="fr-FR" dirty="0" smtClean="0"/>
+              <a:t>-binding</a:t>
             </a:r>
             <a:endParaRPr lang="en-US" dirty="0"/>
           </a:p>
@@ -33504,14 +34348,36 @@
           <a:lstStyle/>
           <a:p>
             <a:r>
-              <a:rPr lang="en-US" dirty="0" smtClean="0"/>
-              <a:t>Object creation and composition</a:t>
-            </a:r>
-          </a:p>
-          <a:p>
-            <a:r>
-              <a:rPr lang="en-US" dirty="0" smtClean="0"/>
-              <a:t>Other important parts of DI</a:t>
+              <a:rPr lang="fr-FR" dirty="0" err="1" smtClean="0"/>
+              <a:t>Dynamically</a:t>
+            </a:r>
+            <a:r>
+              <a:rPr lang="fr-FR" dirty="0" smtClean="0"/>
+              <a:t> </a:t>
+            </a:r>
+            <a:r>
+              <a:rPr lang="fr-FR" dirty="0" err="1" smtClean="0"/>
+              <a:t>decide</a:t>
+            </a:r>
+            <a:r>
+              <a:rPr lang="fr-FR" dirty="0" smtClean="0"/>
+              <a:t> </a:t>
+            </a:r>
+            <a:r>
+              <a:rPr lang="fr-FR" dirty="0" err="1" smtClean="0"/>
+              <a:t>which</a:t>
+            </a:r>
+            <a:r>
+              <a:rPr lang="fr-FR" dirty="0" smtClean="0"/>
+              <a:t> </a:t>
+            </a:r>
+            <a:r>
+              <a:rPr lang="fr-FR" dirty="0" err="1" smtClean="0"/>
+              <a:t>implementation</a:t>
+            </a:r>
+            <a:r>
+              <a:rPr lang="fr-FR" dirty="0" smtClean="0"/>
+              <a:t> to use</a:t>
             </a:r>
           </a:p>
           <a:p>
@@ -33519,10 +34385,1367 @@
           </a:p>
         </p:txBody>
       </p:sp>
+      <p:sp>
+        <p:nvSpPr>
+          <p:cNvPr id="4" name="TextBox 3"/>
+          <p:cNvSpPr txBox="1"/>
+          <p:nvPr/>
+        </p:nvSpPr>
+        <p:spPr>
+          <a:xfrm>
+            <a:off x="35496" y="2262580"/>
+            <a:ext cx="9577064" cy="4751044"/>
+          </a:xfrm>
+          <a:prstGeom prst="rect">
+            <a:avLst/>
+          </a:prstGeom>
+          <a:solidFill>
+            <a:schemeClr val="bg1"/>
+          </a:solidFill>
+          <a:ln>
+            <a:solidFill>
+              <a:schemeClr val="accent1"/>
+            </a:solidFill>
+          </a:ln>
+        </p:spPr>
+        <p:txBody>
+          <a:bodyPr wrap="square" rtlCol="0">
+            <a:spAutoFit/>
+          </a:bodyPr>
+          <a:lstStyle/>
+          <a:p>
+            <a:pPr>
+              <a:lnSpc>
+                <a:spcPct val="115000"/>
+              </a:lnSpc>
+              <a:spcAft>
+                <a:spcPts val="0"/>
+              </a:spcAft>
+            </a:pPr>
+            <a:r>
+              <a:rPr lang="en-US" sz="1600" dirty="0">
+                <a:solidFill>
+                  <a:srgbClr val="0000FF"/>
+                </a:solidFill>
+                <a:highlight>
+                  <a:srgbClr val="FFFFFF"/>
+                </a:highlight>
+                <a:latin typeface="Consolas"/>
+                <a:ea typeface="Calibri"/>
+                <a:cs typeface="Times New Roman"/>
+              </a:rPr>
+              <a:t>protected</a:t>
+            </a:r>
+            <a:r>
+              <a:rPr lang="en-US" sz="1600" dirty="0">
+                <a:solidFill>
+                  <a:srgbClr val="000000"/>
+                </a:solidFill>
+                <a:highlight>
+                  <a:srgbClr val="FFFFFF"/>
+                </a:highlight>
+                <a:latin typeface="Consolas"/>
+                <a:ea typeface="Calibri"/>
+                <a:cs typeface="Times New Roman"/>
+              </a:rPr>
+              <a:t> </a:t>
+            </a:r>
+            <a:r>
+              <a:rPr lang="en-US" sz="1600" dirty="0">
+                <a:solidFill>
+                  <a:srgbClr val="0000FF"/>
+                </a:solidFill>
+                <a:highlight>
+                  <a:srgbClr val="FFFFFF"/>
+                </a:highlight>
+                <a:latin typeface="Consolas"/>
+                <a:ea typeface="Calibri"/>
+                <a:cs typeface="Times New Roman"/>
+              </a:rPr>
+              <a:t>override</a:t>
+            </a:r>
+            <a:r>
+              <a:rPr lang="en-US" sz="1600" dirty="0">
+                <a:solidFill>
+                  <a:srgbClr val="000000"/>
+                </a:solidFill>
+                <a:highlight>
+                  <a:srgbClr val="FFFFFF"/>
+                </a:highlight>
+                <a:latin typeface="Consolas"/>
+                <a:ea typeface="Calibri"/>
+                <a:cs typeface="Times New Roman"/>
+              </a:rPr>
+              <a:t> </a:t>
+            </a:r>
+            <a:r>
+              <a:rPr lang="en-US" sz="1600" dirty="0" err="1">
+                <a:solidFill>
+                  <a:srgbClr val="2B91AF"/>
+                </a:solidFill>
+                <a:highlight>
+                  <a:srgbClr val="FFFFFF"/>
+                </a:highlight>
+                <a:latin typeface="Consolas"/>
+                <a:ea typeface="Calibri"/>
+                <a:cs typeface="Times New Roman"/>
+              </a:rPr>
+              <a:t>IController</a:t>
+            </a:r>
+            <a:r>
+              <a:rPr lang="en-US" sz="1600" dirty="0">
+                <a:solidFill>
+                  <a:srgbClr val="000000"/>
+                </a:solidFill>
+                <a:highlight>
+                  <a:srgbClr val="FFFFFF"/>
+                </a:highlight>
+                <a:latin typeface="Consolas"/>
+                <a:ea typeface="Calibri"/>
+                <a:cs typeface="Times New Roman"/>
+              </a:rPr>
+              <a:t> </a:t>
+            </a:r>
+            <a:r>
+              <a:rPr lang="en-US" sz="1600" dirty="0" err="1">
+                <a:solidFill>
+                  <a:srgbClr val="000000"/>
+                </a:solidFill>
+                <a:highlight>
+                  <a:srgbClr val="FFFFFF"/>
+                </a:highlight>
+                <a:latin typeface="Consolas"/>
+                <a:ea typeface="Calibri"/>
+                <a:cs typeface="Times New Roman"/>
+              </a:rPr>
+              <a:t>GetControllerInstance</a:t>
+            </a:r>
+            <a:r>
+              <a:rPr lang="en-US" sz="1600" dirty="0">
+                <a:solidFill>
+                  <a:srgbClr val="000000"/>
+                </a:solidFill>
+                <a:highlight>
+                  <a:srgbClr val="FFFFFF"/>
+                </a:highlight>
+                <a:latin typeface="Consolas"/>
+                <a:ea typeface="Calibri"/>
+                <a:cs typeface="Times New Roman"/>
+              </a:rPr>
+              <a:t>(</a:t>
+            </a:r>
+            <a:r>
+              <a:rPr lang="en-US" sz="1600" dirty="0" err="1">
+                <a:solidFill>
+                  <a:srgbClr val="2B91AF"/>
+                </a:solidFill>
+                <a:highlight>
+                  <a:srgbClr val="FFFFFF"/>
+                </a:highlight>
+                <a:latin typeface="Consolas"/>
+                <a:ea typeface="Calibri"/>
+                <a:cs typeface="Times New Roman"/>
+              </a:rPr>
+              <a:t>RequestContext</a:t>
+            </a:r>
+            <a:r>
+              <a:rPr lang="en-US" sz="1600" dirty="0">
+                <a:solidFill>
+                  <a:srgbClr val="000000"/>
+                </a:solidFill>
+                <a:highlight>
+                  <a:srgbClr val="FFFFFF"/>
+                </a:highlight>
+                <a:latin typeface="Consolas"/>
+                <a:ea typeface="Calibri"/>
+                <a:cs typeface="Times New Roman"/>
+              </a:rPr>
+              <a:t> </a:t>
+            </a:r>
+            <a:r>
+              <a:rPr lang="en-US" sz="1600" dirty="0" err="1">
+                <a:solidFill>
+                  <a:srgbClr val="000000"/>
+                </a:solidFill>
+                <a:highlight>
+                  <a:srgbClr val="FFFFFF"/>
+                </a:highlight>
+                <a:latin typeface="Consolas"/>
+                <a:ea typeface="Calibri"/>
+                <a:cs typeface="Times New Roman"/>
+              </a:rPr>
+              <a:t>requestContext</a:t>
+            </a:r>
+            <a:r>
+              <a:rPr lang="en-US" sz="1600" dirty="0" smtClean="0">
+                <a:solidFill>
+                  <a:srgbClr val="000000"/>
+                </a:solidFill>
+                <a:highlight>
+                  <a:srgbClr val="FFFFFF"/>
+                </a:highlight>
+                <a:latin typeface="Consolas"/>
+                <a:ea typeface="Calibri"/>
+                <a:cs typeface="Times New Roman"/>
+              </a:rPr>
+              <a:t>,</a:t>
+            </a:r>
+          </a:p>
+          <a:p>
+            <a:pPr>
+              <a:lnSpc>
+                <a:spcPct val="115000"/>
+              </a:lnSpc>
+              <a:spcAft>
+                <a:spcPts val="0"/>
+              </a:spcAft>
+            </a:pPr>
+            <a:r>
+              <a:rPr lang="en-US" sz="1600" dirty="0">
+                <a:solidFill>
+                  <a:srgbClr val="000000"/>
+                </a:solidFill>
+                <a:highlight>
+                  <a:srgbClr val="FFFFFF"/>
+                </a:highlight>
+                <a:latin typeface="Consolas"/>
+                <a:ea typeface="Calibri"/>
+                <a:cs typeface="Times New Roman"/>
+              </a:rPr>
+              <a:t>	</a:t>
+            </a:r>
+            <a:r>
+              <a:rPr lang="en-US" sz="1600" dirty="0" smtClean="0">
+                <a:solidFill>
+                  <a:srgbClr val="000000"/>
+                </a:solidFill>
+                <a:highlight>
+                  <a:srgbClr val="FFFFFF"/>
+                </a:highlight>
+                <a:latin typeface="Consolas"/>
+                <a:ea typeface="Calibri"/>
+                <a:cs typeface="Times New Roman"/>
+              </a:rPr>
+              <a:t>					   </a:t>
+            </a:r>
+            <a:r>
+              <a:rPr lang="en-US" sz="1600" dirty="0">
+                <a:solidFill>
+                  <a:srgbClr val="2B91AF"/>
+                </a:solidFill>
+                <a:highlight>
+                  <a:srgbClr val="FFFFFF"/>
+                </a:highlight>
+                <a:latin typeface="Consolas"/>
+                <a:ea typeface="Calibri"/>
+                <a:cs typeface="Times New Roman"/>
+              </a:rPr>
+              <a:t>Type</a:t>
+            </a:r>
+            <a:r>
+              <a:rPr lang="en-US" sz="1600" dirty="0">
+                <a:solidFill>
+                  <a:srgbClr val="000000"/>
+                </a:solidFill>
+                <a:highlight>
+                  <a:srgbClr val="FFFFFF"/>
+                </a:highlight>
+                <a:latin typeface="Consolas"/>
+                <a:ea typeface="Calibri"/>
+                <a:cs typeface="Times New Roman"/>
+              </a:rPr>
+              <a:t> </a:t>
+            </a:r>
+            <a:r>
+              <a:rPr lang="en-US" sz="1600" dirty="0" err="1">
+                <a:solidFill>
+                  <a:srgbClr val="000000"/>
+                </a:solidFill>
+                <a:highlight>
+                  <a:srgbClr val="FFFFFF"/>
+                </a:highlight>
+                <a:latin typeface="Consolas"/>
+                <a:ea typeface="Calibri"/>
+                <a:cs typeface="Times New Roman"/>
+              </a:rPr>
+              <a:t>controllerType</a:t>
+            </a:r>
+            <a:r>
+              <a:rPr lang="en-US" sz="1600" dirty="0">
+                <a:solidFill>
+                  <a:srgbClr val="000000"/>
+                </a:solidFill>
+                <a:highlight>
+                  <a:srgbClr val="FFFFFF"/>
+                </a:highlight>
+                <a:latin typeface="Consolas"/>
+                <a:ea typeface="Calibri"/>
+                <a:cs typeface="Times New Roman"/>
+              </a:rPr>
+              <a:t>)</a:t>
+            </a:r>
+            <a:endParaRPr lang="en-US" sz="2000" dirty="0">
+              <a:ea typeface="Calibri"/>
+              <a:cs typeface="Times New Roman"/>
+            </a:endParaRPr>
+          </a:p>
+          <a:p>
+            <a:pPr>
+              <a:lnSpc>
+                <a:spcPct val="115000"/>
+              </a:lnSpc>
+              <a:spcAft>
+                <a:spcPts val="0"/>
+              </a:spcAft>
+            </a:pPr>
+            <a:r>
+              <a:rPr lang="en-US" sz="1600" dirty="0">
+                <a:solidFill>
+                  <a:srgbClr val="000000"/>
+                </a:solidFill>
+                <a:highlight>
+                  <a:srgbClr val="FFFFFF"/>
+                </a:highlight>
+                <a:latin typeface="Consolas"/>
+                <a:ea typeface="Calibri"/>
+                <a:cs typeface="Times New Roman"/>
+              </a:rPr>
+              <a:t>        {</a:t>
+            </a:r>
+            <a:endParaRPr lang="en-US" sz="2000" dirty="0">
+              <a:ea typeface="Calibri"/>
+              <a:cs typeface="Times New Roman"/>
+            </a:endParaRPr>
+          </a:p>
+          <a:p>
+            <a:pPr>
+              <a:lnSpc>
+                <a:spcPct val="115000"/>
+              </a:lnSpc>
+              <a:spcAft>
+                <a:spcPts val="0"/>
+              </a:spcAft>
+            </a:pPr>
+            <a:r>
+              <a:rPr lang="en-US" sz="1600" dirty="0">
+                <a:solidFill>
+                  <a:srgbClr val="000000"/>
+                </a:solidFill>
+                <a:highlight>
+                  <a:srgbClr val="FFFFFF"/>
+                </a:highlight>
+                <a:latin typeface="Consolas"/>
+                <a:ea typeface="Calibri"/>
+                <a:cs typeface="Times New Roman"/>
+              </a:rPr>
+              <a:t>            </a:t>
+            </a:r>
+            <a:r>
+              <a:rPr lang="en-US" sz="1600" dirty="0">
+                <a:solidFill>
+                  <a:srgbClr val="008000"/>
+                </a:solidFill>
+                <a:highlight>
+                  <a:srgbClr val="FFFFFF"/>
+                </a:highlight>
+                <a:latin typeface="Consolas"/>
+                <a:ea typeface="Calibri"/>
+                <a:cs typeface="Times New Roman"/>
+              </a:rPr>
+              <a:t>// how to compose an </a:t>
+            </a:r>
+            <a:r>
+              <a:rPr lang="en-US" sz="1600" dirty="0" err="1">
+                <a:solidFill>
+                  <a:srgbClr val="008000"/>
+                </a:solidFill>
+                <a:highlight>
+                  <a:srgbClr val="FFFFFF"/>
+                </a:highlight>
+                <a:latin typeface="Consolas"/>
+                <a:ea typeface="Calibri"/>
+                <a:cs typeface="Times New Roman"/>
+              </a:rPr>
+              <a:t>AccountController</a:t>
+            </a:r>
+            <a:r>
+              <a:rPr lang="en-US" sz="1600" dirty="0">
+                <a:solidFill>
+                  <a:srgbClr val="008000"/>
+                </a:solidFill>
+                <a:highlight>
+                  <a:srgbClr val="FFFFFF"/>
+                </a:highlight>
+                <a:latin typeface="Consolas"/>
+                <a:ea typeface="Calibri"/>
+                <a:cs typeface="Times New Roman"/>
+              </a:rPr>
+              <a:t> ?</a:t>
+            </a:r>
+            <a:endParaRPr lang="en-US" sz="2000" dirty="0">
+              <a:ea typeface="Calibri"/>
+              <a:cs typeface="Times New Roman"/>
+            </a:endParaRPr>
+          </a:p>
+          <a:p>
+            <a:pPr>
+              <a:lnSpc>
+                <a:spcPct val="115000"/>
+              </a:lnSpc>
+              <a:spcAft>
+                <a:spcPts val="0"/>
+              </a:spcAft>
+            </a:pPr>
+            <a:r>
+              <a:rPr lang="en-US" sz="1600" dirty="0">
+                <a:solidFill>
+                  <a:srgbClr val="000000"/>
+                </a:solidFill>
+                <a:highlight>
+                  <a:srgbClr val="FFFFFF"/>
+                </a:highlight>
+                <a:latin typeface="Consolas"/>
+                <a:ea typeface="Calibri"/>
+                <a:cs typeface="Times New Roman"/>
+              </a:rPr>
+              <a:t>            </a:t>
+            </a:r>
+            <a:r>
+              <a:rPr lang="en-US" sz="1600" dirty="0">
+                <a:solidFill>
+                  <a:srgbClr val="0000FF"/>
+                </a:solidFill>
+                <a:highlight>
+                  <a:srgbClr val="FFFFFF"/>
+                </a:highlight>
+                <a:latin typeface="Consolas"/>
+                <a:ea typeface="Calibri"/>
+                <a:cs typeface="Times New Roman"/>
+              </a:rPr>
+              <a:t>if</a:t>
+            </a:r>
+            <a:r>
+              <a:rPr lang="en-US" sz="1600" dirty="0">
+                <a:solidFill>
+                  <a:srgbClr val="000000"/>
+                </a:solidFill>
+                <a:highlight>
+                  <a:srgbClr val="FFFFFF"/>
+                </a:highlight>
+                <a:latin typeface="Consolas"/>
+                <a:ea typeface="Calibri"/>
+                <a:cs typeface="Times New Roman"/>
+              </a:rPr>
+              <a:t> (</a:t>
+            </a:r>
+            <a:r>
+              <a:rPr lang="en-US" sz="1600" dirty="0" err="1">
+                <a:solidFill>
+                  <a:srgbClr val="000000"/>
+                </a:solidFill>
+                <a:highlight>
+                  <a:srgbClr val="FFFFFF"/>
+                </a:highlight>
+                <a:latin typeface="Consolas"/>
+                <a:ea typeface="Calibri"/>
+                <a:cs typeface="Times New Roman"/>
+              </a:rPr>
+              <a:t>controllerType</a:t>
+            </a:r>
+            <a:r>
+              <a:rPr lang="en-US" sz="1600" dirty="0">
+                <a:solidFill>
+                  <a:srgbClr val="000000"/>
+                </a:solidFill>
+                <a:highlight>
+                  <a:srgbClr val="FFFFFF"/>
+                </a:highlight>
+                <a:latin typeface="Consolas"/>
+                <a:ea typeface="Calibri"/>
+                <a:cs typeface="Times New Roman"/>
+              </a:rPr>
+              <a:t> == </a:t>
+            </a:r>
+            <a:r>
+              <a:rPr lang="en-US" sz="1600" dirty="0" err="1">
+                <a:solidFill>
+                  <a:srgbClr val="0000FF"/>
+                </a:solidFill>
+                <a:highlight>
+                  <a:srgbClr val="FFFFFF"/>
+                </a:highlight>
+                <a:latin typeface="Consolas"/>
+                <a:ea typeface="Calibri"/>
+                <a:cs typeface="Times New Roman"/>
+              </a:rPr>
+              <a:t>typeof</a:t>
+            </a:r>
+            <a:r>
+              <a:rPr lang="en-US" sz="1600" dirty="0">
+                <a:solidFill>
+                  <a:srgbClr val="000000"/>
+                </a:solidFill>
+                <a:highlight>
+                  <a:srgbClr val="FFFFFF"/>
+                </a:highlight>
+                <a:latin typeface="Consolas"/>
+                <a:ea typeface="Calibri"/>
+                <a:cs typeface="Times New Roman"/>
+              </a:rPr>
+              <a:t>(</a:t>
+            </a:r>
+            <a:r>
+              <a:rPr lang="en-US" sz="1600" dirty="0" err="1">
+                <a:solidFill>
+                  <a:srgbClr val="2B91AF"/>
+                </a:solidFill>
+                <a:highlight>
+                  <a:srgbClr val="FFFFFF"/>
+                </a:highlight>
+                <a:latin typeface="Consolas"/>
+                <a:ea typeface="Calibri"/>
+                <a:cs typeface="Times New Roman"/>
+              </a:rPr>
+              <a:t>AccountController</a:t>
+            </a:r>
+            <a:r>
+              <a:rPr lang="en-US" sz="1600" dirty="0">
+                <a:solidFill>
+                  <a:srgbClr val="000000"/>
+                </a:solidFill>
+                <a:highlight>
+                  <a:srgbClr val="FFFFFF"/>
+                </a:highlight>
+                <a:latin typeface="Consolas"/>
+                <a:ea typeface="Calibri"/>
+                <a:cs typeface="Times New Roman"/>
+              </a:rPr>
+              <a:t>))</a:t>
+            </a:r>
+            <a:endParaRPr lang="en-US" sz="2000" dirty="0">
+              <a:ea typeface="Calibri"/>
+              <a:cs typeface="Times New Roman"/>
+            </a:endParaRPr>
+          </a:p>
+          <a:p>
+            <a:pPr>
+              <a:lnSpc>
+                <a:spcPct val="115000"/>
+              </a:lnSpc>
+              <a:spcAft>
+                <a:spcPts val="0"/>
+              </a:spcAft>
+            </a:pPr>
+            <a:r>
+              <a:rPr lang="en-US" sz="1600" dirty="0">
+                <a:solidFill>
+                  <a:srgbClr val="000000"/>
+                </a:solidFill>
+                <a:highlight>
+                  <a:srgbClr val="FFFFFF"/>
+                </a:highlight>
+                <a:latin typeface="Consolas"/>
+                <a:ea typeface="Calibri"/>
+                <a:cs typeface="Times New Roman"/>
+              </a:rPr>
+              <a:t>            {</a:t>
+            </a:r>
+            <a:endParaRPr lang="en-US" sz="2000" dirty="0">
+              <a:ea typeface="Calibri"/>
+              <a:cs typeface="Times New Roman"/>
+            </a:endParaRPr>
+          </a:p>
+          <a:p>
+            <a:pPr>
+              <a:lnSpc>
+                <a:spcPct val="115000"/>
+              </a:lnSpc>
+              <a:spcAft>
+                <a:spcPts val="0"/>
+              </a:spcAft>
+            </a:pPr>
+            <a:r>
+              <a:rPr lang="en-US" sz="1600" dirty="0">
+                <a:solidFill>
+                  <a:srgbClr val="000000"/>
+                </a:solidFill>
+                <a:highlight>
+                  <a:srgbClr val="FFFFFF"/>
+                </a:highlight>
+                <a:latin typeface="Consolas"/>
+                <a:ea typeface="Calibri"/>
+                <a:cs typeface="Times New Roman"/>
+              </a:rPr>
+              <a:t>                </a:t>
+            </a:r>
+            <a:r>
+              <a:rPr lang="en-US" sz="1600" dirty="0" err="1">
+                <a:solidFill>
+                  <a:srgbClr val="0000FF"/>
+                </a:solidFill>
+                <a:highlight>
+                  <a:srgbClr val="FFFFFF"/>
+                </a:highlight>
+                <a:latin typeface="Consolas"/>
+                <a:ea typeface="Calibri"/>
+                <a:cs typeface="Times New Roman"/>
+              </a:rPr>
+              <a:t>var</a:t>
+            </a:r>
+            <a:r>
+              <a:rPr lang="en-US" sz="1600" dirty="0">
+                <a:solidFill>
+                  <a:srgbClr val="000000"/>
+                </a:solidFill>
+                <a:highlight>
+                  <a:srgbClr val="FFFFFF"/>
+                </a:highlight>
+                <a:latin typeface="Consolas"/>
+                <a:ea typeface="Calibri"/>
+                <a:cs typeface="Times New Roman"/>
+              </a:rPr>
+              <a:t> repo = </a:t>
+            </a:r>
+            <a:r>
+              <a:rPr lang="en-US" sz="1600" dirty="0" err="1">
+                <a:solidFill>
+                  <a:srgbClr val="000000"/>
+                </a:solidFill>
+                <a:highlight>
+                  <a:srgbClr val="FFFFFF"/>
+                </a:highlight>
+                <a:latin typeface="Consolas"/>
+                <a:ea typeface="Calibri"/>
+                <a:cs typeface="Times New Roman"/>
+              </a:rPr>
+              <a:t>LoadInstanceFromPluginFolder</a:t>
+            </a:r>
+            <a:r>
+              <a:rPr lang="en-US" sz="1600" dirty="0">
+                <a:solidFill>
+                  <a:srgbClr val="000000"/>
+                </a:solidFill>
+                <a:highlight>
+                  <a:srgbClr val="FFFFFF"/>
+                </a:highlight>
+                <a:latin typeface="Consolas"/>
+                <a:ea typeface="Calibri"/>
+                <a:cs typeface="Times New Roman"/>
+              </a:rPr>
+              <a:t>&lt;</a:t>
+            </a:r>
+            <a:r>
+              <a:rPr lang="en-US" sz="1600" dirty="0" err="1">
+                <a:solidFill>
+                  <a:srgbClr val="2B91AF"/>
+                </a:solidFill>
+                <a:highlight>
+                  <a:srgbClr val="FFFFFF"/>
+                </a:highlight>
+                <a:latin typeface="Consolas"/>
+                <a:ea typeface="Calibri"/>
+                <a:cs typeface="Times New Roman"/>
+              </a:rPr>
+              <a:t>IAccountRepository</a:t>
+            </a:r>
+            <a:r>
+              <a:rPr lang="en-US" sz="1600" dirty="0">
+                <a:solidFill>
+                  <a:srgbClr val="000000"/>
+                </a:solidFill>
+                <a:highlight>
+                  <a:srgbClr val="FFFFFF"/>
+                </a:highlight>
+                <a:latin typeface="Consolas"/>
+                <a:ea typeface="Calibri"/>
+                <a:cs typeface="Times New Roman"/>
+              </a:rPr>
+              <a:t>&gt;();</a:t>
+            </a:r>
+            <a:endParaRPr lang="en-US" sz="2000" dirty="0">
+              <a:ea typeface="Calibri"/>
+              <a:cs typeface="Times New Roman"/>
+            </a:endParaRPr>
+          </a:p>
+          <a:p>
+            <a:pPr>
+              <a:lnSpc>
+                <a:spcPct val="115000"/>
+              </a:lnSpc>
+              <a:spcAft>
+                <a:spcPts val="0"/>
+              </a:spcAft>
+            </a:pPr>
+            <a:r>
+              <a:rPr lang="en-US" sz="1600" dirty="0">
+                <a:solidFill>
+                  <a:srgbClr val="000000"/>
+                </a:solidFill>
+                <a:highlight>
+                  <a:srgbClr val="FFFFFF"/>
+                </a:highlight>
+                <a:latin typeface="Consolas"/>
+                <a:ea typeface="Calibri"/>
+                <a:cs typeface="Times New Roman"/>
+              </a:rPr>
+              <a:t> </a:t>
+            </a:r>
+            <a:endParaRPr lang="en-US" sz="2000" dirty="0">
+              <a:ea typeface="Calibri"/>
+              <a:cs typeface="Times New Roman"/>
+            </a:endParaRPr>
+          </a:p>
+          <a:p>
+            <a:pPr>
+              <a:lnSpc>
+                <a:spcPct val="115000"/>
+              </a:lnSpc>
+              <a:spcAft>
+                <a:spcPts val="0"/>
+              </a:spcAft>
+            </a:pPr>
+            <a:r>
+              <a:rPr lang="en-US" sz="1600" dirty="0">
+                <a:solidFill>
+                  <a:srgbClr val="000000"/>
+                </a:solidFill>
+                <a:highlight>
+                  <a:srgbClr val="FFFFFF"/>
+                </a:highlight>
+                <a:latin typeface="Consolas"/>
+                <a:ea typeface="Calibri"/>
+                <a:cs typeface="Times New Roman"/>
+              </a:rPr>
+              <a:t>                </a:t>
+            </a:r>
+            <a:r>
+              <a:rPr lang="en-US" sz="1600" dirty="0" err="1">
+                <a:solidFill>
+                  <a:srgbClr val="0000FF"/>
+                </a:solidFill>
+                <a:highlight>
+                  <a:srgbClr val="FFFFFF"/>
+                </a:highlight>
+                <a:latin typeface="Consolas"/>
+                <a:ea typeface="Calibri"/>
+                <a:cs typeface="Times New Roman"/>
+              </a:rPr>
+              <a:t>var</a:t>
+            </a:r>
+            <a:r>
+              <a:rPr lang="en-US" sz="1600" dirty="0">
+                <a:solidFill>
+                  <a:srgbClr val="000000"/>
+                </a:solidFill>
+                <a:highlight>
+                  <a:srgbClr val="FFFFFF"/>
+                </a:highlight>
+                <a:latin typeface="Consolas"/>
+                <a:ea typeface="Calibri"/>
+                <a:cs typeface="Times New Roman"/>
+              </a:rPr>
+              <a:t> service = </a:t>
+            </a:r>
+            <a:r>
+              <a:rPr lang="en-US" sz="1600" dirty="0">
+                <a:solidFill>
+                  <a:srgbClr val="0000FF"/>
+                </a:solidFill>
+                <a:highlight>
+                  <a:srgbClr val="FFFFFF"/>
+                </a:highlight>
+                <a:latin typeface="Consolas"/>
+                <a:ea typeface="Calibri"/>
+                <a:cs typeface="Times New Roman"/>
+              </a:rPr>
+              <a:t>new</a:t>
+            </a:r>
+            <a:r>
+              <a:rPr lang="en-US" sz="1600" dirty="0">
+                <a:solidFill>
+                  <a:srgbClr val="000000"/>
+                </a:solidFill>
+                <a:highlight>
+                  <a:srgbClr val="FFFFFF"/>
+                </a:highlight>
+                <a:latin typeface="Consolas"/>
+                <a:ea typeface="Calibri"/>
+                <a:cs typeface="Times New Roman"/>
+              </a:rPr>
+              <a:t> </a:t>
+            </a:r>
+            <a:r>
+              <a:rPr lang="en-US" sz="1600" dirty="0" err="1">
+                <a:solidFill>
+                  <a:srgbClr val="2B91AF"/>
+                </a:solidFill>
+                <a:highlight>
+                  <a:srgbClr val="FFFFFF"/>
+                </a:highlight>
+                <a:latin typeface="Consolas"/>
+                <a:ea typeface="Calibri"/>
+                <a:cs typeface="Times New Roman"/>
+              </a:rPr>
+              <a:t>UserAccountService</a:t>
+            </a:r>
+            <a:r>
+              <a:rPr lang="en-US" sz="1600" dirty="0">
+                <a:solidFill>
+                  <a:srgbClr val="000000"/>
+                </a:solidFill>
+                <a:highlight>
+                  <a:srgbClr val="FFFFFF"/>
+                </a:highlight>
+                <a:latin typeface="Consolas"/>
+                <a:ea typeface="Calibri"/>
+                <a:cs typeface="Times New Roman"/>
+              </a:rPr>
+              <a:t>(repo);</a:t>
+            </a:r>
+            <a:endParaRPr lang="en-US" sz="2000" dirty="0">
+              <a:ea typeface="Calibri"/>
+              <a:cs typeface="Times New Roman"/>
+            </a:endParaRPr>
+          </a:p>
+          <a:p>
+            <a:pPr>
+              <a:lnSpc>
+                <a:spcPct val="115000"/>
+              </a:lnSpc>
+              <a:spcAft>
+                <a:spcPts val="0"/>
+              </a:spcAft>
+            </a:pPr>
+            <a:r>
+              <a:rPr lang="en-US" sz="1600" dirty="0">
+                <a:solidFill>
+                  <a:srgbClr val="000000"/>
+                </a:solidFill>
+                <a:highlight>
+                  <a:srgbClr val="FFFFFF"/>
+                </a:highlight>
+                <a:latin typeface="Consolas"/>
+                <a:ea typeface="Calibri"/>
+                <a:cs typeface="Times New Roman"/>
+              </a:rPr>
+              <a:t> </a:t>
+            </a:r>
+            <a:endParaRPr lang="en-US" sz="2000" dirty="0">
+              <a:ea typeface="Calibri"/>
+              <a:cs typeface="Times New Roman"/>
+            </a:endParaRPr>
+          </a:p>
+          <a:p>
+            <a:pPr>
+              <a:lnSpc>
+                <a:spcPct val="115000"/>
+              </a:lnSpc>
+              <a:spcAft>
+                <a:spcPts val="0"/>
+              </a:spcAft>
+            </a:pPr>
+            <a:r>
+              <a:rPr lang="en-US" sz="1600" dirty="0">
+                <a:solidFill>
+                  <a:srgbClr val="000000"/>
+                </a:solidFill>
+                <a:highlight>
+                  <a:srgbClr val="FFFFFF"/>
+                </a:highlight>
+                <a:latin typeface="Consolas"/>
+                <a:ea typeface="Calibri"/>
+                <a:cs typeface="Times New Roman"/>
+              </a:rPr>
+              <a:t>                </a:t>
+            </a:r>
+            <a:r>
+              <a:rPr lang="en-US" sz="1600" dirty="0">
+                <a:solidFill>
+                  <a:srgbClr val="0000FF"/>
+                </a:solidFill>
+                <a:highlight>
+                  <a:srgbClr val="FFFFFF"/>
+                </a:highlight>
+                <a:latin typeface="Consolas"/>
+                <a:ea typeface="Calibri"/>
+                <a:cs typeface="Times New Roman"/>
+              </a:rPr>
+              <a:t>return</a:t>
+            </a:r>
+            <a:r>
+              <a:rPr lang="en-US" sz="1600" dirty="0">
+                <a:solidFill>
+                  <a:srgbClr val="000000"/>
+                </a:solidFill>
+                <a:highlight>
+                  <a:srgbClr val="FFFFFF"/>
+                </a:highlight>
+                <a:latin typeface="Consolas"/>
+                <a:ea typeface="Calibri"/>
+                <a:cs typeface="Times New Roman"/>
+              </a:rPr>
+              <a:t> </a:t>
+            </a:r>
+            <a:r>
+              <a:rPr lang="en-US" sz="1600" dirty="0">
+                <a:solidFill>
+                  <a:srgbClr val="0000FF"/>
+                </a:solidFill>
+                <a:highlight>
+                  <a:srgbClr val="FFFFFF"/>
+                </a:highlight>
+                <a:latin typeface="Consolas"/>
+                <a:ea typeface="Calibri"/>
+                <a:cs typeface="Times New Roman"/>
+              </a:rPr>
+              <a:t>new</a:t>
+            </a:r>
+            <a:r>
+              <a:rPr lang="en-US" sz="1600" dirty="0">
+                <a:solidFill>
+                  <a:srgbClr val="000000"/>
+                </a:solidFill>
+                <a:highlight>
+                  <a:srgbClr val="FFFFFF"/>
+                </a:highlight>
+                <a:latin typeface="Consolas"/>
+                <a:ea typeface="Calibri"/>
+                <a:cs typeface="Times New Roman"/>
+              </a:rPr>
+              <a:t> </a:t>
+            </a:r>
+            <a:r>
+              <a:rPr lang="en-US" sz="1600" dirty="0" err="1">
+                <a:solidFill>
+                  <a:srgbClr val="2B91AF"/>
+                </a:solidFill>
+                <a:highlight>
+                  <a:srgbClr val="FFFFFF"/>
+                </a:highlight>
+                <a:latin typeface="Consolas"/>
+                <a:ea typeface="Calibri"/>
+                <a:cs typeface="Times New Roman"/>
+              </a:rPr>
+              <a:t>AccountController</a:t>
+            </a:r>
+            <a:r>
+              <a:rPr lang="en-US" sz="1600" dirty="0">
+                <a:solidFill>
+                  <a:srgbClr val="000000"/>
+                </a:solidFill>
+                <a:highlight>
+                  <a:srgbClr val="FFFFFF"/>
+                </a:highlight>
+                <a:latin typeface="Consolas"/>
+                <a:ea typeface="Calibri"/>
+                <a:cs typeface="Times New Roman"/>
+              </a:rPr>
+              <a:t>(service);</a:t>
+            </a:r>
+            <a:endParaRPr lang="en-US" sz="2000" dirty="0">
+              <a:ea typeface="Calibri"/>
+              <a:cs typeface="Times New Roman"/>
+            </a:endParaRPr>
+          </a:p>
+          <a:p>
+            <a:pPr>
+              <a:lnSpc>
+                <a:spcPct val="115000"/>
+              </a:lnSpc>
+              <a:spcAft>
+                <a:spcPts val="0"/>
+              </a:spcAft>
+            </a:pPr>
+            <a:r>
+              <a:rPr lang="en-US" sz="1600" dirty="0">
+                <a:solidFill>
+                  <a:srgbClr val="000000"/>
+                </a:solidFill>
+                <a:highlight>
+                  <a:srgbClr val="FFFFFF"/>
+                </a:highlight>
+                <a:latin typeface="Consolas"/>
+                <a:ea typeface="Calibri"/>
+                <a:cs typeface="Times New Roman"/>
+              </a:rPr>
+              <a:t>            }</a:t>
+            </a:r>
+            <a:endParaRPr lang="en-US" sz="2000" dirty="0">
+              <a:ea typeface="Calibri"/>
+              <a:cs typeface="Times New Roman"/>
+            </a:endParaRPr>
+          </a:p>
+          <a:p>
+            <a:pPr>
+              <a:lnSpc>
+                <a:spcPct val="115000"/>
+              </a:lnSpc>
+              <a:spcAft>
+                <a:spcPts val="0"/>
+              </a:spcAft>
+            </a:pPr>
+            <a:r>
+              <a:rPr lang="en-US" sz="1600" dirty="0">
+                <a:solidFill>
+                  <a:srgbClr val="000000"/>
+                </a:solidFill>
+                <a:highlight>
+                  <a:srgbClr val="FFFFFF"/>
+                </a:highlight>
+                <a:latin typeface="Consolas"/>
+                <a:ea typeface="Calibri"/>
+                <a:cs typeface="Times New Roman"/>
+              </a:rPr>
+              <a:t> </a:t>
+            </a:r>
+            <a:endParaRPr lang="en-US" sz="2000" dirty="0">
+              <a:ea typeface="Calibri"/>
+              <a:cs typeface="Times New Roman"/>
+            </a:endParaRPr>
+          </a:p>
+          <a:p>
+            <a:pPr>
+              <a:lnSpc>
+                <a:spcPct val="115000"/>
+              </a:lnSpc>
+              <a:spcAft>
+                <a:spcPts val="0"/>
+              </a:spcAft>
+            </a:pPr>
+            <a:r>
+              <a:rPr lang="en-US" sz="1600" dirty="0">
+                <a:solidFill>
+                  <a:srgbClr val="000000"/>
+                </a:solidFill>
+                <a:highlight>
+                  <a:srgbClr val="FFFFFF"/>
+                </a:highlight>
+                <a:latin typeface="Consolas"/>
+                <a:ea typeface="Calibri"/>
+                <a:cs typeface="Times New Roman"/>
+              </a:rPr>
+              <a:t>            </a:t>
+            </a:r>
+            <a:r>
+              <a:rPr lang="en-US" sz="1600" dirty="0">
+                <a:solidFill>
+                  <a:srgbClr val="008000"/>
+                </a:solidFill>
+                <a:highlight>
+                  <a:srgbClr val="FFFFFF"/>
+                </a:highlight>
+                <a:latin typeface="Consolas"/>
+                <a:ea typeface="Calibri"/>
+                <a:cs typeface="Times New Roman"/>
+              </a:rPr>
+              <a:t>// standard way in MVC to use default strategy</a:t>
+            </a:r>
+            <a:endParaRPr lang="en-US" sz="2000" dirty="0">
+              <a:ea typeface="Calibri"/>
+              <a:cs typeface="Times New Roman"/>
+            </a:endParaRPr>
+          </a:p>
+          <a:p>
+            <a:pPr>
+              <a:lnSpc>
+                <a:spcPct val="115000"/>
+              </a:lnSpc>
+              <a:spcAft>
+                <a:spcPts val="1000"/>
+              </a:spcAft>
+            </a:pPr>
+            <a:r>
+              <a:rPr lang="en-US" sz="1600" dirty="0" smtClean="0">
+                <a:solidFill>
+                  <a:srgbClr val="000000"/>
+                </a:solidFill>
+                <a:highlight>
+                  <a:srgbClr val="FFFFFF"/>
+                </a:highlight>
+                <a:latin typeface="Consolas"/>
+                <a:ea typeface="Calibri"/>
+                <a:cs typeface="Times New Roman"/>
+              </a:rPr>
+              <a:t>            </a:t>
+            </a:r>
+            <a:r>
+              <a:rPr lang="en-US" sz="1600" dirty="0">
+                <a:solidFill>
+                  <a:srgbClr val="0000FF"/>
+                </a:solidFill>
+                <a:highlight>
+                  <a:srgbClr val="FFFFFF"/>
+                </a:highlight>
+                <a:latin typeface="Consolas"/>
+                <a:ea typeface="Calibri"/>
+                <a:cs typeface="Times New Roman"/>
+              </a:rPr>
+              <a:t>return</a:t>
+            </a:r>
+            <a:r>
+              <a:rPr lang="en-US" sz="1600" dirty="0">
+                <a:solidFill>
+                  <a:srgbClr val="000000"/>
+                </a:solidFill>
+                <a:highlight>
+                  <a:srgbClr val="FFFFFF"/>
+                </a:highlight>
+                <a:latin typeface="Consolas"/>
+                <a:ea typeface="Calibri"/>
+                <a:cs typeface="Times New Roman"/>
+              </a:rPr>
+              <a:t> </a:t>
+            </a:r>
+            <a:r>
+              <a:rPr lang="en-US" sz="1600" dirty="0" err="1">
+                <a:solidFill>
+                  <a:srgbClr val="0000FF"/>
+                </a:solidFill>
+                <a:highlight>
+                  <a:srgbClr val="FFFFFF"/>
+                </a:highlight>
+                <a:latin typeface="Consolas"/>
+                <a:ea typeface="Calibri"/>
+                <a:cs typeface="Times New Roman"/>
+              </a:rPr>
+              <a:t>base</a:t>
+            </a:r>
+            <a:r>
+              <a:rPr lang="en-US" sz="1600" dirty="0" err="1">
+                <a:solidFill>
+                  <a:srgbClr val="000000"/>
+                </a:solidFill>
+                <a:highlight>
+                  <a:srgbClr val="FFFFFF"/>
+                </a:highlight>
+                <a:latin typeface="Consolas"/>
+                <a:ea typeface="Calibri"/>
+                <a:cs typeface="Times New Roman"/>
+              </a:rPr>
+              <a:t>.GetControllerInstance</a:t>
+            </a:r>
+            <a:r>
+              <a:rPr lang="en-US" sz="1600" dirty="0">
+                <a:solidFill>
+                  <a:srgbClr val="000000"/>
+                </a:solidFill>
+                <a:highlight>
+                  <a:srgbClr val="FFFFFF"/>
+                </a:highlight>
+                <a:latin typeface="Consolas"/>
+                <a:ea typeface="Calibri"/>
+                <a:cs typeface="Times New Roman"/>
+              </a:rPr>
+              <a:t>(</a:t>
+            </a:r>
+            <a:r>
+              <a:rPr lang="en-US" sz="1600" dirty="0" err="1">
+                <a:solidFill>
+                  <a:srgbClr val="000000"/>
+                </a:solidFill>
+                <a:highlight>
+                  <a:srgbClr val="FFFFFF"/>
+                </a:highlight>
+                <a:latin typeface="Consolas"/>
+                <a:ea typeface="Calibri"/>
+                <a:cs typeface="Times New Roman"/>
+              </a:rPr>
+              <a:t>requestContext</a:t>
+            </a:r>
+            <a:r>
+              <a:rPr lang="en-US" sz="1600" dirty="0">
+                <a:solidFill>
+                  <a:srgbClr val="000000"/>
+                </a:solidFill>
+                <a:highlight>
+                  <a:srgbClr val="FFFFFF"/>
+                </a:highlight>
+                <a:latin typeface="Consolas"/>
+                <a:ea typeface="Calibri"/>
+                <a:cs typeface="Times New Roman"/>
+              </a:rPr>
+              <a:t>, </a:t>
+            </a:r>
+            <a:r>
+              <a:rPr lang="en-US" sz="1600" dirty="0" err="1">
+                <a:solidFill>
+                  <a:srgbClr val="000000"/>
+                </a:solidFill>
+                <a:highlight>
+                  <a:srgbClr val="FFFFFF"/>
+                </a:highlight>
+                <a:latin typeface="Consolas"/>
+                <a:ea typeface="Calibri"/>
+                <a:cs typeface="Times New Roman"/>
+              </a:rPr>
+              <a:t>controllerType</a:t>
+            </a:r>
+            <a:r>
+              <a:rPr lang="en-US" sz="1600" dirty="0" smtClean="0">
+                <a:solidFill>
+                  <a:srgbClr val="000000"/>
+                </a:solidFill>
+                <a:highlight>
+                  <a:srgbClr val="FFFFFF"/>
+                </a:highlight>
+                <a:latin typeface="Consolas"/>
+                <a:ea typeface="Calibri"/>
+                <a:cs typeface="Times New Roman"/>
+              </a:rPr>
+              <a:t>);</a:t>
+            </a:r>
+            <a:endParaRPr lang="en-US" sz="2000" dirty="0" smtClean="0">
+              <a:ea typeface="Calibri"/>
+              <a:cs typeface="Times New Roman"/>
+            </a:endParaRPr>
+          </a:p>
+          <a:p>
+            <a:pPr>
+              <a:lnSpc>
+                <a:spcPct val="115000"/>
+              </a:lnSpc>
+              <a:spcAft>
+                <a:spcPts val="1000"/>
+              </a:spcAft>
+            </a:pPr>
+            <a:r>
+              <a:rPr lang="en-US" sz="1600" dirty="0" smtClean="0">
+                <a:solidFill>
+                  <a:srgbClr val="000000"/>
+                </a:solidFill>
+                <a:highlight>
+                  <a:srgbClr val="FFFFFF"/>
+                </a:highlight>
+                <a:latin typeface="Consolas"/>
+                <a:ea typeface="Calibri"/>
+                <a:cs typeface="Times New Roman"/>
+              </a:rPr>
+              <a:t>        </a:t>
+            </a:r>
+            <a:r>
+              <a:rPr lang="en-US" sz="1600" dirty="0">
+                <a:solidFill>
+                  <a:srgbClr val="000000"/>
+                </a:solidFill>
+                <a:highlight>
+                  <a:srgbClr val="FFFFFF"/>
+                </a:highlight>
+                <a:latin typeface="Consolas"/>
+                <a:ea typeface="Calibri"/>
+                <a:cs typeface="Times New Roman"/>
+              </a:rPr>
+              <a:t>}</a:t>
+            </a:r>
+            <a:endParaRPr lang="en-US" sz="2000" dirty="0">
+              <a:ea typeface="Calibri"/>
+              <a:cs typeface="Times New Roman"/>
+            </a:endParaRPr>
+          </a:p>
+        </p:txBody>
+      </p:sp>
+      <p:grpSp>
+        <p:nvGrpSpPr>
+          <p:cNvPr id="5" name="Group 4"/>
+          <p:cNvGrpSpPr/>
+          <p:nvPr/>
+        </p:nvGrpSpPr>
+        <p:grpSpPr>
+          <a:xfrm>
+            <a:off x="2879812" y="3949025"/>
+            <a:ext cx="6012668" cy="801787"/>
+            <a:chOff x="611560" y="4349135"/>
+            <a:chExt cx="6012668" cy="801787"/>
+          </a:xfrm>
+        </p:grpSpPr>
+        <p:sp>
+          <p:nvSpPr>
+            <p:cNvPr id="6" name="Rounded Rectangle 5"/>
+            <p:cNvSpPr/>
+            <p:nvPr/>
+          </p:nvSpPr>
+          <p:spPr>
+            <a:xfrm>
+              <a:off x="611560" y="4349135"/>
+              <a:ext cx="6012668" cy="414046"/>
+            </a:xfrm>
+            <a:prstGeom prst="roundRect">
+              <a:avLst/>
+            </a:prstGeom>
+            <a:noFill/>
+            <a:ln>
+              <a:solidFill>
+                <a:srgbClr val="FF0000"/>
+              </a:solidFill>
+            </a:ln>
+          </p:spPr>
+          <p:style>
+            <a:lnRef idx="2">
+              <a:schemeClr val="accent1">
+                <a:shade val="50000"/>
+              </a:schemeClr>
+            </a:lnRef>
+            <a:fillRef idx="1">
+              <a:schemeClr val="accent1"/>
+            </a:fillRef>
+            <a:effectRef idx="0">
+              <a:schemeClr val="accent1"/>
+            </a:effectRef>
+            <a:fontRef idx="minor">
+              <a:schemeClr val="lt1"/>
+            </a:fontRef>
+          </p:style>
+          <p:txBody>
+            <a:bodyPr rtlCol="0" anchor="ctr"/>
+            <a:lstStyle/>
+            <a:p>
+              <a:pPr algn="ctr"/>
+              <a:endParaRPr lang="en-US"/>
+            </a:p>
+          </p:txBody>
+        </p:sp>
+        <p:sp>
+          <p:nvSpPr>
+            <p:cNvPr id="7" name="TextBox 6"/>
+            <p:cNvSpPr txBox="1"/>
+            <p:nvPr/>
+          </p:nvSpPr>
+          <p:spPr>
+            <a:xfrm>
+              <a:off x="4549538" y="4750812"/>
+              <a:ext cx="1899879" cy="400110"/>
+            </a:xfrm>
+            <a:prstGeom prst="rect">
+              <a:avLst/>
+            </a:prstGeom>
+            <a:noFill/>
+          </p:spPr>
+          <p:txBody>
+            <a:bodyPr wrap="none" rtlCol="0">
+              <a:spAutoFit/>
+            </a:bodyPr>
+            <a:lstStyle/>
+            <a:p>
+              <a:r>
+                <a:rPr lang="en-US" sz="2000" b="1" dirty="0" smtClean="0">
+                  <a:solidFill>
+                    <a:srgbClr val="FF0000"/>
+                  </a:solidFill>
+                </a:rPr>
+                <a:t>Plugin scenarios</a:t>
+              </a:r>
+              <a:endParaRPr lang="en-US" sz="2000" b="1" dirty="0">
+                <a:solidFill>
+                  <a:srgbClr val="FF0000"/>
+                </a:solidFill>
+              </a:endParaRPr>
+            </a:p>
+          </p:txBody>
+        </p:sp>
+      </p:grpSp>
     </p:spTree>
     <p:extLst>
       <p:ext uri="{BB962C8B-B14F-4D97-AF65-F5344CB8AC3E}">
-        <p14:creationId xmlns:p14="http://schemas.microsoft.com/office/powerpoint/2010/main" val="2294633566"/>
+        <p14:creationId xmlns:p14="http://schemas.microsoft.com/office/powerpoint/2010/main" val="2833717111"/>
       </p:ext>
     </p:extLst>
   </p:cSld>
@@ -33532,9 +35755,80 @@
   <p:timing>
     <p:tnLst>
       <p:par>
-        <p:cTn id="1" dur="indefinite" restart="never" nodeType="tmRoot"/>
+        <p:cTn id="1" dur="indefinite" restart="never" nodeType="tmRoot">
+          <p:childTnLst>
+            <p:seq concurrent="1" nextAc="seek">
+              <p:cTn id="2" dur="indefinite" nodeType="mainSeq">
+                <p:childTnLst>
+                  <p:par>
+                    <p:cTn id="3" fill="hold">
+                      <p:stCondLst>
+                        <p:cond delay="indefinite"/>
+                      </p:stCondLst>
+                      <p:childTnLst>
+                        <p:par>
+                          <p:cTn id="4" fill="hold">
+                            <p:stCondLst>
+                              <p:cond delay="0"/>
+                            </p:stCondLst>
+                            <p:childTnLst>
+                              <p:par>
+                                <p:cTn id="5" presetID="1" presetClass="entr" presetSubtype="0" fill="hold" grpId="0" nodeType="clickEffect">
+                                  <p:stCondLst>
+                                    <p:cond delay="0"/>
+                                  </p:stCondLst>
+                                  <p:childTnLst>
+                                    <p:set>
+                                      <p:cBhvr>
+                                        <p:cTn id="6" dur="1" fill="hold">
+                                          <p:stCondLst>
+                                            <p:cond delay="0"/>
+                                          </p:stCondLst>
+                                        </p:cTn>
+                                        <p:tgtEl>
+                                          <p:spTgt spid="4"/>
+                                        </p:tgtEl>
+                                        <p:attrNameLst>
+                                          <p:attrName>style.visibility</p:attrName>
+                                        </p:attrNameLst>
+                                      </p:cBhvr>
+                                      <p:to>
+                                        <p:strVal val="visible"/>
+                                      </p:to>
+                                    </p:set>
+                                  </p:childTnLst>
+                                </p:cTn>
+                              </p:par>
+                            </p:childTnLst>
+                          </p:cTn>
+                        </p:par>
+                      </p:childTnLst>
+                    </p:cTn>
+                  </p:par>
+                </p:childTnLst>
+              </p:cTn>
+              <p:prevCondLst>
+                <p:cond evt="onPrev" delay="0">
+                  <p:tgtEl>
+                    <p:sldTgt/>
+                  </p:tgtEl>
+                </p:cond>
+              </p:prevCondLst>
+              <p:nextCondLst>
+                <p:cond evt="onNext" delay="0">
+                  <p:tgtEl>
+                    <p:sldTgt/>
+                  </p:tgtEl>
+                </p:cond>
+              </p:nextCondLst>
+            </p:seq>
+          </p:childTnLst>
+        </p:cTn>
       </p:par>
     </p:tnLst>
+    <p:bldLst>
+      <p:bldP spid="4" grpId="0" animBg="1"/>
+    </p:bldLst>
   </p:timing>
 </p:sld>
 </file>
@@ -33572,12 +35866,8 @@
           <a:lstStyle/>
           <a:p>
             <a:r>
-              <a:rPr lang="en-US" dirty="0" err="1" smtClean="0"/>
-              <a:t>LifeTime</a:t>
-            </a:r>
-            <a:r>
-              <a:rPr lang="en-US" dirty="0" smtClean="0"/>
-              <a:t> Management</a:t>
+              <a:rPr lang="fr-FR" dirty="0" err="1" smtClean="0"/>
+              <a:t>Extensibility</a:t>
             </a:r>
             <a:endParaRPr lang="en-US" dirty="0"/>
           </a:p>
@@ -33595,17 +35885,2807 @@
         </p:nvSpPr>
         <p:spPr/>
         <p:txBody>
-          <a:bodyPr/>
+          <a:bodyPr>
+            <a:normAutofit/>
+          </a:bodyPr>
           <a:lstStyle/>
           <a:p>
+            <a:r>
+              <a:rPr lang="fr-FR" b="1" dirty="0" err="1" smtClean="0"/>
+              <a:t>Decorator</a:t>
+            </a:r>
+            <a:r>
+              <a:rPr lang="fr-FR" dirty="0" smtClean="0"/>
+              <a:t> Pattern</a:t>
+            </a:r>
+          </a:p>
+          <a:p>
+            <a:pPr lvl="1"/>
+            <a:r>
+              <a:rPr lang="fr-FR" dirty="0" err="1" smtClean="0"/>
+              <a:t>Very</a:t>
+            </a:r>
+            <a:r>
+              <a:rPr lang="fr-FR" dirty="0" smtClean="0"/>
+              <a:t> DI-</a:t>
+            </a:r>
+            <a:r>
+              <a:rPr lang="fr-FR" dirty="0" err="1" smtClean="0"/>
+              <a:t>friendly</a:t>
+            </a:r>
+            <a:r>
+              <a:rPr lang="fr-FR" dirty="0" smtClean="0"/>
+              <a:t> pattern</a:t>
+            </a:r>
+          </a:p>
+          <a:p>
+            <a:pPr lvl="1"/>
+            <a:endParaRPr lang="fr-FR" dirty="0"/>
+          </a:p>
+          <a:p>
+            <a:r>
+              <a:rPr lang="fr-FR" dirty="0" err="1" smtClean="0"/>
+              <a:t>Example</a:t>
+            </a:r>
+            <a:r>
+              <a:rPr lang="fr-FR" dirty="0" smtClean="0"/>
+              <a:t> : </a:t>
+            </a:r>
+            <a:r>
+              <a:rPr lang="fr-FR" dirty="0" err="1" smtClean="0"/>
+              <a:t>caching</a:t>
+            </a:r>
+            <a:endParaRPr lang="en-US" dirty="0" smtClean="0"/>
+          </a:p>
+          <a:p>
+            <a:pPr marL="0" indent="0">
+              <a:buNone/>
+            </a:pPr>
+            <a:endParaRPr lang="en-US" dirty="0" smtClean="0"/>
+          </a:p>
+          <a:p>
             <a:endParaRPr lang="en-US" dirty="0"/>
+          </a:p>
+        </p:txBody>
+      </p:sp>
+      <p:sp>
+        <p:nvSpPr>
+          <p:cNvPr id="4" name="TextBox 3"/>
+          <p:cNvSpPr txBox="1"/>
+          <p:nvPr/>
+        </p:nvSpPr>
+        <p:spPr>
+          <a:xfrm>
+            <a:off x="35496" y="769922"/>
+            <a:ext cx="9577064" cy="5755422"/>
+          </a:xfrm>
+          <a:prstGeom prst="rect">
+            <a:avLst/>
+          </a:prstGeom>
+          <a:solidFill>
+            <a:schemeClr val="bg1"/>
+          </a:solidFill>
+          <a:ln>
+            <a:solidFill>
+              <a:schemeClr val="accent1"/>
+            </a:solidFill>
+          </a:ln>
+        </p:spPr>
+        <p:txBody>
+          <a:bodyPr wrap="square" rtlCol="0">
+            <a:spAutoFit/>
+          </a:bodyPr>
+          <a:lstStyle/>
+          <a:p>
+            <a:pPr>
+              <a:lnSpc>
+                <a:spcPct val="115000"/>
+              </a:lnSpc>
+              <a:spcAft>
+                <a:spcPts val="0"/>
+              </a:spcAft>
+            </a:pPr>
+            <a:r>
+              <a:rPr lang="en-US" sz="1600" dirty="0">
+                <a:solidFill>
+                  <a:srgbClr val="0000FF"/>
+                </a:solidFill>
+                <a:highlight>
+                  <a:srgbClr val="FFFFFF"/>
+                </a:highlight>
+                <a:latin typeface="Consolas"/>
+                <a:ea typeface="Calibri"/>
+                <a:cs typeface="Times New Roman"/>
+              </a:rPr>
+              <a:t>public</a:t>
+            </a:r>
+            <a:r>
+              <a:rPr lang="en-US" sz="1600" dirty="0">
+                <a:solidFill>
+                  <a:srgbClr val="000000"/>
+                </a:solidFill>
+                <a:highlight>
+                  <a:srgbClr val="FFFFFF"/>
+                </a:highlight>
+                <a:latin typeface="Consolas"/>
+                <a:ea typeface="Calibri"/>
+                <a:cs typeface="Times New Roman"/>
+              </a:rPr>
+              <a:t> </a:t>
+            </a:r>
+            <a:r>
+              <a:rPr lang="en-US" sz="1600" dirty="0">
+                <a:solidFill>
+                  <a:srgbClr val="0000FF"/>
+                </a:solidFill>
+                <a:highlight>
+                  <a:srgbClr val="FFFFFF"/>
+                </a:highlight>
+                <a:latin typeface="Consolas"/>
+                <a:ea typeface="Calibri"/>
+                <a:cs typeface="Times New Roman"/>
+              </a:rPr>
+              <a:t>class</a:t>
+            </a:r>
+            <a:r>
+              <a:rPr lang="en-US" sz="1600" dirty="0">
+                <a:solidFill>
+                  <a:srgbClr val="000000"/>
+                </a:solidFill>
+                <a:highlight>
+                  <a:srgbClr val="FFFFFF"/>
+                </a:highlight>
+                <a:latin typeface="Consolas"/>
+                <a:ea typeface="Calibri"/>
+                <a:cs typeface="Times New Roman"/>
+              </a:rPr>
+              <a:t> </a:t>
+            </a:r>
+            <a:r>
+              <a:rPr lang="en-US" sz="1600" dirty="0" err="1">
+                <a:solidFill>
+                  <a:srgbClr val="2B91AF"/>
+                </a:solidFill>
+                <a:highlight>
+                  <a:srgbClr val="FFFFFF"/>
+                </a:highlight>
+                <a:latin typeface="Consolas"/>
+                <a:ea typeface="Calibri"/>
+                <a:cs typeface="Times New Roman"/>
+              </a:rPr>
+              <a:t>CachedAccountRepository</a:t>
+            </a:r>
+            <a:r>
+              <a:rPr lang="en-US" sz="1600" dirty="0">
+                <a:solidFill>
+                  <a:srgbClr val="000000"/>
+                </a:solidFill>
+                <a:highlight>
+                  <a:srgbClr val="FFFFFF"/>
+                </a:highlight>
+                <a:latin typeface="Consolas"/>
+                <a:ea typeface="Calibri"/>
+                <a:cs typeface="Times New Roman"/>
+              </a:rPr>
+              <a:t> : </a:t>
+            </a:r>
+            <a:r>
+              <a:rPr lang="en-US" sz="1600" dirty="0" err="1">
+                <a:solidFill>
+                  <a:srgbClr val="2B91AF"/>
+                </a:solidFill>
+                <a:highlight>
+                  <a:srgbClr val="FFFFFF"/>
+                </a:highlight>
+                <a:latin typeface="Consolas"/>
+                <a:ea typeface="Calibri"/>
+                <a:cs typeface="Times New Roman"/>
+              </a:rPr>
+              <a:t>IAccountRepository</a:t>
+            </a:r>
+            <a:endParaRPr lang="en-US" sz="2000" dirty="0">
+              <a:ea typeface="Calibri"/>
+              <a:cs typeface="Times New Roman"/>
+            </a:endParaRPr>
+          </a:p>
+          <a:p>
+            <a:pPr>
+              <a:lnSpc>
+                <a:spcPct val="115000"/>
+              </a:lnSpc>
+              <a:spcAft>
+                <a:spcPts val="0"/>
+              </a:spcAft>
+            </a:pPr>
+            <a:r>
+              <a:rPr lang="en-US" sz="1600" dirty="0">
+                <a:solidFill>
+                  <a:srgbClr val="000000"/>
+                </a:solidFill>
+                <a:highlight>
+                  <a:srgbClr val="FFFFFF"/>
+                </a:highlight>
+                <a:latin typeface="Consolas"/>
+                <a:ea typeface="Calibri"/>
+                <a:cs typeface="Times New Roman"/>
+              </a:rPr>
+              <a:t>    {</a:t>
+            </a:r>
+            <a:endParaRPr lang="en-US" sz="2000" dirty="0">
+              <a:ea typeface="Calibri"/>
+              <a:cs typeface="Times New Roman"/>
+            </a:endParaRPr>
+          </a:p>
+          <a:p>
+            <a:pPr>
+              <a:lnSpc>
+                <a:spcPct val="115000"/>
+              </a:lnSpc>
+              <a:spcAft>
+                <a:spcPts val="0"/>
+              </a:spcAft>
+            </a:pPr>
+            <a:r>
+              <a:rPr lang="en-US" sz="1600" dirty="0">
+                <a:solidFill>
+                  <a:srgbClr val="000000"/>
+                </a:solidFill>
+                <a:highlight>
+                  <a:srgbClr val="FFFFFF"/>
+                </a:highlight>
+                <a:latin typeface="Consolas"/>
+                <a:ea typeface="Calibri"/>
+                <a:cs typeface="Times New Roman"/>
+              </a:rPr>
+              <a:t>        </a:t>
+            </a:r>
+            <a:r>
+              <a:rPr lang="en-US" sz="1600" dirty="0">
+                <a:solidFill>
+                  <a:srgbClr val="0000FF"/>
+                </a:solidFill>
+                <a:highlight>
+                  <a:srgbClr val="FFFFFF"/>
+                </a:highlight>
+                <a:latin typeface="Consolas"/>
+                <a:ea typeface="Calibri"/>
+                <a:cs typeface="Times New Roman"/>
+              </a:rPr>
+              <a:t>private</a:t>
+            </a:r>
+            <a:r>
+              <a:rPr lang="en-US" sz="1600" dirty="0">
+                <a:solidFill>
+                  <a:srgbClr val="000000"/>
+                </a:solidFill>
+                <a:highlight>
+                  <a:srgbClr val="FFFFFF"/>
+                </a:highlight>
+                <a:latin typeface="Consolas"/>
+                <a:ea typeface="Calibri"/>
+                <a:cs typeface="Times New Roman"/>
+              </a:rPr>
+              <a:t> </a:t>
+            </a:r>
+            <a:r>
+              <a:rPr lang="en-US" sz="1600" dirty="0" err="1">
+                <a:solidFill>
+                  <a:srgbClr val="0000FF"/>
+                </a:solidFill>
+                <a:highlight>
+                  <a:srgbClr val="FFFFFF"/>
+                </a:highlight>
+                <a:latin typeface="Consolas"/>
+                <a:ea typeface="Calibri"/>
+                <a:cs typeface="Times New Roman"/>
+              </a:rPr>
+              <a:t>readonly</a:t>
+            </a:r>
+            <a:r>
+              <a:rPr lang="en-US" sz="1600" dirty="0">
+                <a:solidFill>
+                  <a:srgbClr val="000000"/>
+                </a:solidFill>
+                <a:highlight>
+                  <a:srgbClr val="FFFFFF"/>
+                </a:highlight>
+                <a:latin typeface="Consolas"/>
+                <a:ea typeface="Calibri"/>
+                <a:cs typeface="Times New Roman"/>
+              </a:rPr>
+              <a:t> </a:t>
+            </a:r>
+            <a:r>
+              <a:rPr lang="en-US" sz="1600" dirty="0" err="1">
+                <a:solidFill>
+                  <a:srgbClr val="2B91AF"/>
+                </a:solidFill>
+                <a:highlight>
+                  <a:srgbClr val="FFFFFF"/>
+                </a:highlight>
+                <a:latin typeface="Consolas"/>
+                <a:ea typeface="Calibri"/>
+                <a:cs typeface="Times New Roman"/>
+              </a:rPr>
+              <a:t>ICache</a:t>
+            </a:r>
+            <a:r>
+              <a:rPr lang="en-US" sz="1600" dirty="0">
+                <a:solidFill>
+                  <a:srgbClr val="000000"/>
+                </a:solidFill>
+                <a:highlight>
+                  <a:srgbClr val="FFFFFF"/>
+                </a:highlight>
+                <a:latin typeface="Consolas"/>
+                <a:ea typeface="Calibri"/>
+                <a:cs typeface="Times New Roman"/>
+              </a:rPr>
+              <a:t> _cache;</a:t>
+            </a:r>
+            <a:endParaRPr lang="en-US" sz="2000" dirty="0">
+              <a:ea typeface="Calibri"/>
+              <a:cs typeface="Times New Roman"/>
+            </a:endParaRPr>
+          </a:p>
+          <a:p>
+            <a:pPr>
+              <a:lnSpc>
+                <a:spcPct val="115000"/>
+              </a:lnSpc>
+              <a:spcAft>
+                <a:spcPts val="0"/>
+              </a:spcAft>
+            </a:pPr>
+            <a:r>
+              <a:rPr lang="en-US" sz="1600" dirty="0">
+                <a:solidFill>
+                  <a:srgbClr val="000000"/>
+                </a:solidFill>
+                <a:highlight>
+                  <a:srgbClr val="FFFFFF"/>
+                </a:highlight>
+                <a:latin typeface="Consolas"/>
+                <a:ea typeface="Calibri"/>
+                <a:cs typeface="Times New Roman"/>
+              </a:rPr>
+              <a:t>        </a:t>
+            </a:r>
+            <a:r>
+              <a:rPr lang="en-US" sz="1600" dirty="0">
+                <a:solidFill>
+                  <a:srgbClr val="0000FF"/>
+                </a:solidFill>
+                <a:highlight>
+                  <a:srgbClr val="FFFFFF"/>
+                </a:highlight>
+                <a:latin typeface="Consolas"/>
+                <a:ea typeface="Calibri"/>
+                <a:cs typeface="Times New Roman"/>
+              </a:rPr>
+              <a:t>private</a:t>
+            </a:r>
+            <a:r>
+              <a:rPr lang="en-US" sz="1600" dirty="0">
+                <a:solidFill>
+                  <a:srgbClr val="000000"/>
+                </a:solidFill>
+                <a:highlight>
+                  <a:srgbClr val="FFFFFF"/>
+                </a:highlight>
+                <a:latin typeface="Consolas"/>
+                <a:ea typeface="Calibri"/>
+                <a:cs typeface="Times New Roman"/>
+              </a:rPr>
+              <a:t> </a:t>
+            </a:r>
+            <a:r>
+              <a:rPr lang="en-US" sz="1600" dirty="0" err="1">
+                <a:solidFill>
+                  <a:srgbClr val="0000FF"/>
+                </a:solidFill>
+                <a:highlight>
+                  <a:srgbClr val="FFFFFF"/>
+                </a:highlight>
+                <a:latin typeface="Consolas"/>
+                <a:ea typeface="Calibri"/>
+                <a:cs typeface="Times New Roman"/>
+              </a:rPr>
+              <a:t>readonly</a:t>
+            </a:r>
+            <a:r>
+              <a:rPr lang="en-US" sz="1600" dirty="0">
+                <a:solidFill>
+                  <a:srgbClr val="000000"/>
+                </a:solidFill>
+                <a:highlight>
+                  <a:srgbClr val="FFFFFF"/>
+                </a:highlight>
+                <a:latin typeface="Consolas"/>
+                <a:ea typeface="Calibri"/>
+                <a:cs typeface="Times New Roman"/>
+              </a:rPr>
+              <a:t> </a:t>
+            </a:r>
+            <a:r>
+              <a:rPr lang="en-US" sz="1600" dirty="0" err="1">
+                <a:solidFill>
+                  <a:srgbClr val="2B91AF"/>
+                </a:solidFill>
+                <a:highlight>
+                  <a:srgbClr val="FFFFFF"/>
+                </a:highlight>
+                <a:latin typeface="Consolas"/>
+                <a:ea typeface="Calibri"/>
+                <a:cs typeface="Times New Roman"/>
+              </a:rPr>
+              <a:t>IAccountRepository</a:t>
+            </a:r>
+            <a:r>
+              <a:rPr lang="en-US" sz="1600" dirty="0">
+                <a:solidFill>
+                  <a:srgbClr val="000000"/>
+                </a:solidFill>
+                <a:highlight>
+                  <a:srgbClr val="FFFFFF"/>
+                </a:highlight>
+                <a:latin typeface="Consolas"/>
+                <a:ea typeface="Calibri"/>
+                <a:cs typeface="Times New Roman"/>
+              </a:rPr>
+              <a:t> _decorated;</a:t>
+            </a:r>
+            <a:endParaRPr lang="en-US" sz="2000" dirty="0">
+              <a:ea typeface="Calibri"/>
+              <a:cs typeface="Times New Roman"/>
+            </a:endParaRPr>
+          </a:p>
+          <a:p>
+            <a:pPr>
+              <a:lnSpc>
+                <a:spcPct val="115000"/>
+              </a:lnSpc>
+              <a:spcAft>
+                <a:spcPts val="0"/>
+              </a:spcAft>
+            </a:pPr>
+            <a:r>
+              <a:rPr lang="en-US" sz="1600" dirty="0">
+                <a:solidFill>
+                  <a:srgbClr val="000000"/>
+                </a:solidFill>
+                <a:highlight>
+                  <a:srgbClr val="FFFFFF"/>
+                </a:highlight>
+                <a:latin typeface="Consolas"/>
+                <a:ea typeface="Calibri"/>
+                <a:cs typeface="Times New Roman"/>
+              </a:rPr>
+              <a:t> </a:t>
+            </a:r>
+            <a:endParaRPr lang="en-US" sz="2000" dirty="0">
+              <a:ea typeface="Calibri"/>
+              <a:cs typeface="Times New Roman"/>
+            </a:endParaRPr>
+          </a:p>
+          <a:p>
+            <a:pPr>
+              <a:lnSpc>
+                <a:spcPct val="115000"/>
+              </a:lnSpc>
+              <a:spcAft>
+                <a:spcPts val="0"/>
+              </a:spcAft>
+            </a:pPr>
+            <a:r>
+              <a:rPr lang="en-US" sz="1600" dirty="0">
+                <a:solidFill>
+                  <a:srgbClr val="000000"/>
+                </a:solidFill>
+                <a:highlight>
+                  <a:srgbClr val="FFFFFF"/>
+                </a:highlight>
+                <a:latin typeface="Consolas"/>
+                <a:ea typeface="Calibri"/>
+                <a:cs typeface="Times New Roman"/>
+              </a:rPr>
+              <a:t>        </a:t>
+            </a:r>
+            <a:r>
+              <a:rPr lang="en-US" sz="1600" dirty="0">
+                <a:solidFill>
+                  <a:srgbClr val="0000FF"/>
+                </a:solidFill>
+                <a:highlight>
+                  <a:srgbClr val="FFFFFF"/>
+                </a:highlight>
+                <a:latin typeface="Consolas"/>
+                <a:ea typeface="Calibri"/>
+                <a:cs typeface="Times New Roman"/>
+              </a:rPr>
+              <a:t>public</a:t>
+            </a:r>
+            <a:r>
+              <a:rPr lang="en-US" sz="1600" dirty="0">
+                <a:solidFill>
+                  <a:srgbClr val="000000"/>
+                </a:solidFill>
+                <a:highlight>
+                  <a:srgbClr val="FFFFFF"/>
+                </a:highlight>
+                <a:latin typeface="Consolas"/>
+                <a:ea typeface="Calibri"/>
+                <a:cs typeface="Times New Roman"/>
+              </a:rPr>
+              <a:t> </a:t>
+            </a:r>
+            <a:r>
+              <a:rPr lang="en-US" sz="1600" dirty="0" err="1">
+                <a:solidFill>
+                  <a:srgbClr val="000000"/>
+                </a:solidFill>
+                <a:highlight>
+                  <a:srgbClr val="FFFFFF"/>
+                </a:highlight>
+                <a:latin typeface="Consolas"/>
+                <a:ea typeface="Calibri"/>
+                <a:cs typeface="Times New Roman"/>
+              </a:rPr>
+              <a:t>CachedAccountRepository</a:t>
+            </a:r>
+            <a:r>
+              <a:rPr lang="en-US" sz="1600" dirty="0">
+                <a:solidFill>
+                  <a:srgbClr val="000000"/>
+                </a:solidFill>
+                <a:highlight>
+                  <a:srgbClr val="FFFFFF"/>
+                </a:highlight>
+                <a:latin typeface="Consolas"/>
+                <a:ea typeface="Calibri"/>
+                <a:cs typeface="Times New Roman"/>
+              </a:rPr>
+              <a:t>(</a:t>
+            </a:r>
+            <a:r>
+              <a:rPr lang="en-US" sz="1600" dirty="0" err="1">
+                <a:solidFill>
+                  <a:srgbClr val="2B91AF"/>
+                </a:solidFill>
+                <a:highlight>
+                  <a:srgbClr val="FFFFFF"/>
+                </a:highlight>
+                <a:latin typeface="Consolas"/>
+                <a:ea typeface="Calibri"/>
+                <a:cs typeface="Times New Roman"/>
+              </a:rPr>
+              <a:t>ICache</a:t>
+            </a:r>
+            <a:r>
+              <a:rPr lang="en-US" sz="1600" dirty="0">
+                <a:solidFill>
+                  <a:srgbClr val="000000"/>
+                </a:solidFill>
+                <a:highlight>
+                  <a:srgbClr val="FFFFFF"/>
+                </a:highlight>
+                <a:latin typeface="Consolas"/>
+                <a:ea typeface="Calibri"/>
+                <a:cs typeface="Times New Roman"/>
+              </a:rPr>
+              <a:t> cache, </a:t>
+            </a:r>
+            <a:r>
+              <a:rPr lang="en-US" sz="1600" dirty="0" err="1">
+                <a:solidFill>
+                  <a:srgbClr val="2B91AF"/>
+                </a:solidFill>
+                <a:highlight>
+                  <a:srgbClr val="FFFFFF"/>
+                </a:highlight>
+                <a:latin typeface="Consolas"/>
+                <a:ea typeface="Calibri"/>
+                <a:cs typeface="Times New Roman"/>
+              </a:rPr>
+              <a:t>IAccountRepository</a:t>
+            </a:r>
+            <a:r>
+              <a:rPr lang="en-US" sz="1600" dirty="0">
+                <a:solidFill>
+                  <a:srgbClr val="000000"/>
+                </a:solidFill>
+                <a:highlight>
+                  <a:srgbClr val="FFFFFF"/>
+                </a:highlight>
+                <a:latin typeface="Consolas"/>
+                <a:ea typeface="Calibri"/>
+                <a:cs typeface="Times New Roman"/>
+              </a:rPr>
+              <a:t> decorated)</a:t>
+            </a:r>
+            <a:endParaRPr lang="en-US" sz="2000" dirty="0">
+              <a:ea typeface="Calibri"/>
+              <a:cs typeface="Times New Roman"/>
+            </a:endParaRPr>
+          </a:p>
+          <a:p>
+            <a:pPr>
+              <a:lnSpc>
+                <a:spcPct val="115000"/>
+              </a:lnSpc>
+              <a:spcAft>
+                <a:spcPts val="0"/>
+              </a:spcAft>
+            </a:pPr>
+            <a:r>
+              <a:rPr lang="en-US" sz="1600" dirty="0">
+                <a:solidFill>
+                  <a:srgbClr val="000000"/>
+                </a:solidFill>
+                <a:highlight>
+                  <a:srgbClr val="FFFFFF"/>
+                </a:highlight>
+                <a:latin typeface="Consolas"/>
+                <a:ea typeface="Calibri"/>
+                <a:cs typeface="Times New Roman"/>
+              </a:rPr>
+              <a:t>        {</a:t>
+            </a:r>
+            <a:endParaRPr lang="en-US" sz="2000" dirty="0">
+              <a:ea typeface="Calibri"/>
+              <a:cs typeface="Times New Roman"/>
+            </a:endParaRPr>
+          </a:p>
+          <a:p>
+            <a:pPr>
+              <a:lnSpc>
+                <a:spcPct val="115000"/>
+              </a:lnSpc>
+              <a:spcAft>
+                <a:spcPts val="0"/>
+              </a:spcAft>
+            </a:pPr>
+            <a:r>
+              <a:rPr lang="en-US" sz="1600" dirty="0">
+                <a:solidFill>
+                  <a:srgbClr val="000000"/>
+                </a:solidFill>
+                <a:highlight>
+                  <a:srgbClr val="FFFFFF"/>
+                </a:highlight>
+                <a:latin typeface="Consolas"/>
+                <a:ea typeface="Calibri"/>
+                <a:cs typeface="Times New Roman"/>
+              </a:rPr>
+              <a:t>            </a:t>
+            </a:r>
+            <a:r>
+              <a:rPr lang="en-US" sz="1600" dirty="0">
+                <a:solidFill>
+                  <a:srgbClr val="0000FF"/>
+                </a:solidFill>
+                <a:highlight>
+                  <a:srgbClr val="FFFFFF"/>
+                </a:highlight>
+                <a:latin typeface="Consolas"/>
+                <a:ea typeface="Calibri"/>
+                <a:cs typeface="Times New Roman"/>
+              </a:rPr>
+              <a:t>if</a:t>
+            </a:r>
+            <a:r>
+              <a:rPr lang="en-US" sz="1600" dirty="0">
+                <a:solidFill>
+                  <a:srgbClr val="000000"/>
+                </a:solidFill>
+                <a:highlight>
+                  <a:srgbClr val="FFFFFF"/>
+                </a:highlight>
+                <a:latin typeface="Consolas"/>
+                <a:ea typeface="Calibri"/>
+                <a:cs typeface="Times New Roman"/>
+              </a:rPr>
+              <a:t> (cache == </a:t>
+            </a:r>
+            <a:r>
+              <a:rPr lang="en-US" sz="1600" dirty="0">
+                <a:solidFill>
+                  <a:srgbClr val="0000FF"/>
+                </a:solidFill>
+                <a:highlight>
+                  <a:srgbClr val="FFFFFF"/>
+                </a:highlight>
+                <a:latin typeface="Consolas"/>
+                <a:ea typeface="Calibri"/>
+                <a:cs typeface="Times New Roman"/>
+              </a:rPr>
+              <a:t>null</a:t>
+            </a:r>
+            <a:r>
+              <a:rPr lang="en-US" sz="1600" dirty="0">
+                <a:solidFill>
+                  <a:srgbClr val="000000"/>
+                </a:solidFill>
+                <a:highlight>
+                  <a:srgbClr val="FFFFFF"/>
+                </a:highlight>
+                <a:latin typeface="Consolas"/>
+                <a:ea typeface="Calibri"/>
+                <a:cs typeface="Times New Roman"/>
+              </a:rPr>
+              <a:t>) </a:t>
+            </a:r>
+            <a:r>
+              <a:rPr lang="en-US" sz="1600" dirty="0">
+                <a:solidFill>
+                  <a:srgbClr val="0000FF"/>
+                </a:solidFill>
+                <a:highlight>
+                  <a:srgbClr val="FFFFFF"/>
+                </a:highlight>
+                <a:latin typeface="Consolas"/>
+                <a:ea typeface="Calibri"/>
+                <a:cs typeface="Times New Roman"/>
+              </a:rPr>
+              <a:t>throw</a:t>
+            </a:r>
+            <a:r>
+              <a:rPr lang="en-US" sz="1600" dirty="0">
+                <a:solidFill>
+                  <a:srgbClr val="000000"/>
+                </a:solidFill>
+                <a:highlight>
+                  <a:srgbClr val="FFFFFF"/>
+                </a:highlight>
+                <a:latin typeface="Consolas"/>
+                <a:ea typeface="Calibri"/>
+                <a:cs typeface="Times New Roman"/>
+              </a:rPr>
+              <a:t> </a:t>
+            </a:r>
+            <a:r>
+              <a:rPr lang="en-US" sz="1600" dirty="0">
+                <a:solidFill>
+                  <a:srgbClr val="0000FF"/>
+                </a:solidFill>
+                <a:highlight>
+                  <a:srgbClr val="FFFFFF"/>
+                </a:highlight>
+                <a:latin typeface="Consolas"/>
+                <a:ea typeface="Calibri"/>
+                <a:cs typeface="Times New Roman"/>
+              </a:rPr>
+              <a:t>new</a:t>
+            </a:r>
+            <a:r>
+              <a:rPr lang="en-US" sz="1600" dirty="0">
+                <a:solidFill>
+                  <a:srgbClr val="000000"/>
+                </a:solidFill>
+                <a:highlight>
+                  <a:srgbClr val="FFFFFF"/>
+                </a:highlight>
+                <a:latin typeface="Consolas"/>
+                <a:ea typeface="Calibri"/>
+                <a:cs typeface="Times New Roman"/>
+              </a:rPr>
+              <a:t> </a:t>
+            </a:r>
+            <a:r>
+              <a:rPr lang="en-US" sz="1600" dirty="0" err="1">
+                <a:solidFill>
+                  <a:srgbClr val="2B91AF"/>
+                </a:solidFill>
+                <a:highlight>
+                  <a:srgbClr val="FFFFFF"/>
+                </a:highlight>
+                <a:latin typeface="Consolas"/>
+                <a:ea typeface="Calibri"/>
+                <a:cs typeface="Times New Roman"/>
+              </a:rPr>
+              <a:t>ArgumentNullException</a:t>
+            </a:r>
+            <a:r>
+              <a:rPr lang="en-US" sz="1600" dirty="0">
+                <a:solidFill>
+                  <a:srgbClr val="000000"/>
+                </a:solidFill>
+                <a:highlight>
+                  <a:srgbClr val="FFFFFF"/>
+                </a:highlight>
+                <a:latin typeface="Consolas"/>
+                <a:ea typeface="Calibri"/>
+                <a:cs typeface="Times New Roman"/>
+              </a:rPr>
+              <a:t>(</a:t>
+            </a:r>
+            <a:r>
+              <a:rPr lang="en-US" sz="1600" dirty="0">
+                <a:solidFill>
+                  <a:srgbClr val="A31515"/>
+                </a:solidFill>
+                <a:highlight>
+                  <a:srgbClr val="FFFFFF"/>
+                </a:highlight>
+                <a:latin typeface="Consolas"/>
+                <a:ea typeface="Calibri"/>
+                <a:cs typeface="Times New Roman"/>
+              </a:rPr>
+              <a:t>"cache"</a:t>
+            </a:r>
+            <a:r>
+              <a:rPr lang="en-US" sz="1600" dirty="0">
+                <a:solidFill>
+                  <a:srgbClr val="000000"/>
+                </a:solidFill>
+                <a:highlight>
+                  <a:srgbClr val="FFFFFF"/>
+                </a:highlight>
+                <a:latin typeface="Consolas"/>
+                <a:ea typeface="Calibri"/>
+                <a:cs typeface="Times New Roman"/>
+              </a:rPr>
+              <a:t>);</a:t>
+            </a:r>
+            <a:endParaRPr lang="en-US" sz="2000" dirty="0">
+              <a:ea typeface="Calibri"/>
+              <a:cs typeface="Times New Roman"/>
+            </a:endParaRPr>
+          </a:p>
+          <a:p>
+            <a:pPr>
+              <a:lnSpc>
+                <a:spcPct val="115000"/>
+              </a:lnSpc>
+              <a:spcAft>
+                <a:spcPts val="0"/>
+              </a:spcAft>
+            </a:pPr>
+            <a:r>
+              <a:rPr lang="en-US" sz="1600" dirty="0">
+                <a:solidFill>
+                  <a:srgbClr val="000000"/>
+                </a:solidFill>
+                <a:highlight>
+                  <a:srgbClr val="FFFFFF"/>
+                </a:highlight>
+                <a:latin typeface="Consolas"/>
+                <a:ea typeface="Calibri"/>
+                <a:cs typeface="Times New Roman"/>
+              </a:rPr>
+              <a:t>            </a:t>
+            </a:r>
+            <a:r>
+              <a:rPr lang="en-US" sz="1600" dirty="0">
+                <a:solidFill>
+                  <a:srgbClr val="0000FF"/>
+                </a:solidFill>
+                <a:highlight>
+                  <a:srgbClr val="FFFFFF"/>
+                </a:highlight>
+                <a:latin typeface="Consolas"/>
+                <a:ea typeface="Calibri"/>
+                <a:cs typeface="Times New Roman"/>
+              </a:rPr>
+              <a:t>if</a:t>
+            </a:r>
+            <a:r>
+              <a:rPr lang="en-US" sz="1600" dirty="0">
+                <a:solidFill>
+                  <a:srgbClr val="000000"/>
+                </a:solidFill>
+                <a:highlight>
+                  <a:srgbClr val="FFFFFF"/>
+                </a:highlight>
+                <a:latin typeface="Consolas"/>
+                <a:ea typeface="Calibri"/>
+                <a:cs typeface="Times New Roman"/>
+              </a:rPr>
+              <a:t> (decorated == </a:t>
+            </a:r>
+            <a:r>
+              <a:rPr lang="en-US" sz="1600" dirty="0">
+                <a:solidFill>
+                  <a:srgbClr val="0000FF"/>
+                </a:solidFill>
+                <a:highlight>
+                  <a:srgbClr val="FFFFFF"/>
+                </a:highlight>
+                <a:latin typeface="Consolas"/>
+                <a:ea typeface="Calibri"/>
+                <a:cs typeface="Times New Roman"/>
+              </a:rPr>
+              <a:t>null</a:t>
+            </a:r>
+            <a:r>
+              <a:rPr lang="en-US" sz="1600" dirty="0">
+                <a:solidFill>
+                  <a:srgbClr val="000000"/>
+                </a:solidFill>
+                <a:highlight>
+                  <a:srgbClr val="FFFFFF"/>
+                </a:highlight>
+                <a:latin typeface="Consolas"/>
+                <a:ea typeface="Calibri"/>
+                <a:cs typeface="Times New Roman"/>
+              </a:rPr>
+              <a:t>) </a:t>
+            </a:r>
+            <a:r>
+              <a:rPr lang="en-US" sz="1600" dirty="0">
+                <a:solidFill>
+                  <a:srgbClr val="0000FF"/>
+                </a:solidFill>
+                <a:highlight>
+                  <a:srgbClr val="FFFFFF"/>
+                </a:highlight>
+                <a:latin typeface="Consolas"/>
+                <a:ea typeface="Calibri"/>
+                <a:cs typeface="Times New Roman"/>
+              </a:rPr>
+              <a:t>throw</a:t>
+            </a:r>
+            <a:r>
+              <a:rPr lang="en-US" sz="1600" dirty="0">
+                <a:solidFill>
+                  <a:srgbClr val="000000"/>
+                </a:solidFill>
+                <a:highlight>
+                  <a:srgbClr val="FFFFFF"/>
+                </a:highlight>
+                <a:latin typeface="Consolas"/>
+                <a:ea typeface="Calibri"/>
+                <a:cs typeface="Times New Roman"/>
+              </a:rPr>
+              <a:t> </a:t>
+            </a:r>
+            <a:r>
+              <a:rPr lang="en-US" sz="1600" dirty="0">
+                <a:solidFill>
+                  <a:srgbClr val="0000FF"/>
+                </a:solidFill>
+                <a:highlight>
+                  <a:srgbClr val="FFFFFF"/>
+                </a:highlight>
+                <a:latin typeface="Consolas"/>
+                <a:ea typeface="Calibri"/>
+                <a:cs typeface="Times New Roman"/>
+              </a:rPr>
+              <a:t>new</a:t>
+            </a:r>
+            <a:r>
+              <a:rPr lang="en-US" sz="1600" dirty="0">
+                <a:solidFill>
+                  <a:srgbClr val="000000"/>
+                </a:solidFill>
+                <a:highlight>
+                  <a:srgbClr val="FFFFFF"/>
+                </a:highlight>
+                <a:latin typeface="Consolas"/>
+                <a:ea typeface="Calibri"/>
+                <a:cs typeface="Times New Roman"/>
+              </a:rPr>
+              <a:t> </a:t>
+            </a:r>
+            <a:r>
+              <a:rPr lang="en-US" sz="1600" dirty="0" err="1">
+                <a:solidFill>
+                  <a:srgbClr val="2B91AF"/>
+                </a:solidFill>
+                <a:highlight>
+                  <a:srgbClr val="FFFFFF"/>
+                </a:highlight>
+                <a:latin typeface="Consolas"/>
+                <a:ea typeface="Calibri"/>
+                <a:cs typeface="Times New Roman"/>
+              </a:rPr>
+              <a:t>ArgumentNullException</a:t>
+            </a:r>
+            <a:r>
+              <a:rPr lang="en-US" sz="1600" dirty="0">
+                <a:solidFill>
+                  <a:srgbClr val="000000"/>
+                </a:solidFill>
+                <a:highlight>
+                  <a:srgbClr val="FFFFFF"/>
+                </a:highlight>
+                <a:latin typeface="Consolas"/>
+                <a:ea typeface="Calibri"/>
+                <a:cs typeface="Times New Roman"/>
+              </a:rPr>
+              <a:t>(</a:t>
+            </a:r>
+            <a:r>
+              <a:rPr lang="en-US" sz="1600" dirty="0">
+                <a:solidFill>
+                  <a:srgbClr val="A31515"/>
+                </a:solidFill>
+                <a:highlight>
+                  <a:srgbClr val="FFFFFF"/>
+                </a:highlight>
+                <a:latin typeface="Consolas"/>
+                <a:ea typeface="Calibri"/>
+                <a:cs typeface="Times New Roman"/>
+              </a:rPr>
+              <a:t>"decorated"</a:t>
+            </a:r>
+            <a:r>
+              <a:rPr lang="en-US" sz="1600" dirty="0">
+                <a:solidFill>
+                  <a:srgbClr val="000000"/>
+                </a:solidFill>
+                <a:highlight>
+                  <a:srgbClr val="FFFFFF"/>
+                </a:highlight>
+                <a:latin typeface="Consolas"/>
+                <a:ea typeface="Calibri"/>
+                <a:cs typeface="Times New Roman"/>
+              </a:rPr>
+              <a:t>);</a:t>
+            </a:r>
+            <a:endParaRPr lang="en-US" sz="2000" dirty="0">
+              <a:ea typeface="Calibri"/>
+              <a:cs typeface="Times New Roman"/>
+            </a:endParaRPr>
+          </a:p>
+          <a:p>
+            <a:pPr>
+              <a:lnSpc>
+                <a:spcPct val="115000"/>
+              </a:lnSpc>
+              <a:spcAft>
+                <a:spcPts val="0"/>
+              </a:spcAft>
+            </a:pPr>
+            <a:r>
+              <a:rPr lang="en-US" sz="1600" dirty="0">
+                <a:solidFill>
+                  <a:srgbClr val="000000"/>
+                </a:solidFill>
+                <a:highlight>
+                  <a:srgbClr val="FFFFFF"/>
+                </a:highlight>
+                <a:latin typeface="Consolas"/>
+                <a:ea typeface="Calibri"/>
+                <a:cs typeface="Times New Roman"/>
+              </a:rPr>
+              <a:t>            _cache = cache;</a:t>
+            </a:r>
+            <a:endParaRPr lang="en-US" sz="2000" dirty="0">
+              <a:ea typeface="Calibri"/>
+              <a:cs typeface="Times New Roman"/>
+            </a:endParaRPr>
+          </a:p>
+          <a:p>
+            <a:pPr>
+              <a:lnSpc>
+                <a:spcPct val="115000"/>
+              </a:lnSpc>
+              <a:spcAft>
+                <a:spcPts val="0"/>
+              </a:spcAft>
+            </a:pPr>
+            <a:r>
+              <a:rPr lang="en-US" sz="1600" dirty="0">
+                <a:solidFill>
+                  <a:srgbClr val="000000"/>
+                </a:solidFill>
+                <a:highlight>
+                  <a:srgbClr val="FFFFFF"/>
+                </a:highlight>
+                <a:latin typeface="Consolas"/>
+                <a:ea typeface="Calibri"/>
+                <a:cs typeface="Times New Roman"/>
+              </a:rPr>
+              <a:t>            _decorated = decorated;</a:t>
+            </a:r>
+            <a:endParaRPr lang="en-US" sz="2000" dirty="0">
+              <a:ea typeface="Calibri"/>
+              <a:cs typeface="Times New Roman"/>
+            </a:endParaRPr>
+          </a:p>
+          <a:p>
+            <a:pPr>
+              <a:lnSpc>
+                <a:spcPct val="115000"/>
+              </a:lnSpc>
+              <a:spcAft>
+                <a:spcPts val="0"/>
+              </a:spcAft>
+            </a:pPr>
+            <a:r>
+              <a:rPr lang="en-US" sz="1600" dirty="0">
+                <a:solidFill>
+                  <a:srgbClr val="000000"/>
+                </a:solidFill>
+                <a:highlight>
+                  <a:srgbClr val="FFFFFF"/>
+                </a:highlight>
+                <a:latin typeface="Consolas"/>
+                <a:ea typeface="Calibri"/>
+                <a:cs typeface="Times New Roman"/>
+              </a:rPr>
+              <a:t>        }</a:t>
+            </a:r>
+            <a:endParaRPr lang="en-US" sz="2000" dirty="0">
+              <a:ea typeface="Calibri"/>
+              <a:cs typeface="Times New Roman"/>
+            </a:endParaRPr>
+          </a:p>
+          <a:p>
+            <a:pPr>
+              <a:lnSpc>
+                <a:spcPct val="115000"/>
+              </a:lnSpc>
+              <a:spcAft>
+                <a:spcPts val="0"/>
+              </a:spcAft>
+            </a:pPr>
+            <a:r>
+              <a:rPr lang="en-US" sz="1600" dirty="0">
+                <a:solidFill>
+                  <a:srgbClr val="000000"/>
+                </a:solidFill>
+                <a:highlight>
+                  <a:srgbClr val="FFFFFF"/>
+                </a:highlight>
+                <a:latin typeface="Consolas"/>
+                <a:ea typeface="Calibri"/>
+                <a:cs typeface="Times New Roman"/>
+              </a:rPr>
+              <a:t> </a:t>
+            </a:r>
+            <a:endParaRPr lang="en-US" sz="2000" dirty="0">
+              <a:ea typeface="Calibri"/>
+              <a:cs typeface="Times New Roman"/>
+            </a:endParaRPr>
+          </a:p>
+          <a:p>
+            <a:pPr>
+              <a:lnSpc>
+                <a:spcPct val="115000"/>
+              </a:lnSpc>
+              <a:spcAft>
+                <a:spcPts val="0"/>
+              </a:spcAft>
+            </a:pPr>
+            <a:r>
+              <a:rPr lang="en-US" sz="1600" dirty="0">
+                <a:solidFill>
+                  <a:srgbClr val="000000"/>
+                </a:solidFill>
+                <a:highlight>
+                  <a:srgbClr val="FFFFFF"/>
+                </a:highlight>
+                <a:latin typeface="Consolas"/>
+                <a:ea typeface="Calibri"/>
+                <a:cs typeface="Times New Roman"/>
+              </a:rPr>
+              <a:t>        </a:t>
+            </a:r>
+            <a:r>
+              <a:rPr lang="en-US" sz="1600" dirty="0">
+                <a:solidFill>
+                  <a:srgbClr val="0000FF"/>
+                </a:solidFill>
+                <a:highlight>
+                  <a:srgbClr val="FFFFFF"/>
+                </a:highlight>
+                <a:latin typeface="Consolas"/>
+                <a:ea typeface="Calibri"/>
+                <a:cs typeface="Times New Roman"/>
+              </a:rPr>
+              <a:t>public</a:t>
+            </a:r>
+            <a:r>
+              <a:rPr lang="en-US" sz="1600" dirty="0">
+                <a:solidFill>
+                  <a:srgbClr val="000000"/>
+                </a:solidFill>
+                <a:highlight>
+                  <a:srgbClr val="FFFFFF"/>
+                </a:highlight>
+                <a:latin typeface="Consolas"/>
+                <a:ea typeface="Calibri"/>
+                <a:cs typeface="Times New Roman"/>
+              </a:rPr>
+              <a:t> </a:t>
+            </a:r>
+            <a:r>
+              <a:rPr lang="en-US" sz="1600" dirty="0" err="1">
+                <a:solidFill>
+                  <a:srgbClr val="2B91AF"/>
+                </a:solidFill>
+                <a:highlight>
+                  <a:srgbClr val="FFFFFF"/>
+                </a:highlight>
+                <a:latin typeface="Consolas"/>
+                <a:ea typeface="Calibri"/>
+                <a:cs typeface="Times New Roman"/>
+              </a:rPr>
+              <a:t>IReadOnlyList</a:t>
+            </a:r>
+            <a:r>
+              <a:rPr lang="en-US" sz="1600" dirty="0">
+                <a:solidFill>
+                  <a:srgbClr val="000000"/>
+                </a:solidFill>
+                <a:highlight>
+                  <a:srgbClr val="FFFFFF"/>
+                </a:highlight>
+                <a:latin typeface="Consolas"/>
+                <a:ea typeface="Calibri"/>
+                <a:cs typeface="Times New Roman"/>
+              </a:rPr>
+              <a:t>&lt;</a:t>
+            </a:r>
+            <a:r>
+              <a:rPr lang="en-US" sz="1600" dirty="0">
+                <a:solidFill>
+                  <a:srgbClr val="2B91AF"/>
+                </a:solidFill>
+                <a:highlight>
+                  <a:srgbClr val="FFFFFF"/>
+                </a:highlight>
+                <a:latin typeface="Consolas"/>
+                <a:ea typeface="Calibri"/>
+                <a:cs typeface="Times New Roman"/>
+              </a:rPr>
+              <a:t>Account</a:t>
+            </a:r>
+            <a:r>
+              <a:rPr lang="en-US" sz="1600" dirty="0">
+                <a:solidFill>
+                  <a:srgbClr val="000000"/>
+                </a:solidFill>
+                <a:highlight>
+                  <a:srgbClr val="FFFFFF"/>
+                </a:highlight>
+                <a:latin typeface="Consolas"/>
+                <a:ea typeface="Calibri"/>
+                <a:cs typeface="Times New Roman"/>
+              </a:rPr>
+              <a:t>&gt; </a:t>
+            </a:r>
+            <a:r>
+              <a:rPr lang="en-US" sz="1600" dirty="0" err="1">
+                <a:solidFill>
+                  <a:srgbClr val="000000"/>
+                </a:solidFill>
+                <a:highlight>
+                  <a:srgbClr val="FFFFFF"/>
+                </a:highlight>
+                <a:latin typeface="Consolas"/>
+                <a:ea typeface="Calibri"/>
+                <a:cs typeface="Times New Roman"/>
+              </a:rPr>
+              <a:t>GetAccountsForCustomer</a:t>
+            </a:r>
+            <a:r>
+              <a:rPr lang="en-US" sz="1600" dirty="0">
+                <a:solidFill>
+                  <a:srgbClr val="000000"/>
+                </a:solidFill>
+                <a:highlight>
+                  <a:srgbClr val="FFFFFF"/>
+                </a:highlight>
+                <a:latin typeface="Consolas"/>
+                <a:ea typeface="Calibri"/>
+                <a:cs typeface="Times New Roman"/>
+              </a:rPr>
+              <a:t>(</a:t>
+            </a:r>
+            <a:r>
+              <a:rPr lang="en-US" sz="1600" dirty="0" err="1">
+                <a:solidFill>
+                  <a:srgbClr val="0000FF"/>
+                </a:solidFill>
+                <a:highlight>
+                  <a:srgbClr val="FFFFFF"/>
+                </a:highlight>
+                <a:latin typeface="Consolas"/>
+                <a:ea typeface="Calibri"/>
+                <a:cs typeface="Times New Roman"/>
+              </a:rPr>
+              <a:t>int</a:t>
+            </a:r>
+            <a:r>
+              <a:rPr lang="en-US" sz="1600" dirty="0">
+                <a:solidFill>
+                  <a:srgbClr val="000000"/>
+                </a:solidFill>
+                <a:highlight>
+                  <a:srgbClr val="FFFFFF"/>
+                </a:highlight>
+                <a:latin typeface="Consolas"/>
+                <a:ea typeface="Calibri"/>
+                <a:cs typeface="Times New Roman"/>
+              </a:rPr>
+              <a:t> </a:t>
+            </a:r>
+            <a:r>
+              <a:rPr lang="en-US" sz="1600" dirty="0" err="1">
+                <a:solidFill>
+                  <a:srgbClr val="000000"/>
+                </a:solidFill>
+                <a:highlight>
+                  <a:srgbClr val="FFFFFF"/>
+                </a:highlight>
+                <a:latin typeface="Consolas"/>
+                <a:ea typeface="Calibri"/>
+                <a:cs typeface="Times New Roman"/>
+              </a:rPr>
+              <a:t>userId</a:t>
+            </a:r>
+            <a:r>
+              <a:rPr lang="en-US" sz="1600" dirty="0">
+                <a:solidFill>
+                  <a:srgbClr val="000000"/>
+                </a:solidFill>
+                <a:highlight>
+                  <a:srgbClr val="FFFFFF"/>
+                </a:highlight>
+                <a:latin typeface="Consolas"/>
+                <a:ea typeface="Calibri"/>
+                <a:cs typeface="Times New Roman"/>
+              </a:rPr>
+              <a:t>)</a:t>
+            </a:r>
+            <a:endParaRPr lang="en-US" sz="2000" dirty="0">
+              <a:ea typeface="Calibri"/>
+              <a:cs typeface="Times New Roman"/>
+            </a:endParaRPr>
+          </a:p>
+          <a:p>
+            <a:pPr>
+              <a:lnSpc>
+                <a:spcPct val="115000"/>
+              </a:lnSpc>
+              <a:spcAft>
+                <a:spcPts val="0"/>
+              </a:spcAft>
+            </a:pPr>
+            <a:r>
+              <a:rPr lang="en-US" sz="1600" dirty="0">
+                <a:solidFill>
+                  <a:srgbClr val="000000"/>
+                </a:solidFill>
+                <a:highlight>
+                  <a:srgbClr val="FFFFFF"/>
+                </a:highlight>
+                <a:latin typeface="Consolas"/>
+                <a:ea typeface="Calibri"/>
+                <a:cs typeface="Times New Roman"/>
+              </a:rPr>
+              <a:t>        {</a:t>
+            </a:r>
+            <a:endParaRPr lang="en-US" sz="2000" dirty="0">
+              <a:ea typeface="Calibri"/>
+              <a:cs typeface="Times New Roman"/>
+            </a:endParaRPr>
+          </a:p>
+          <a:p>
+            <a:pPr>
+              <a:lnSpc>
+                <a:spcPct val="115000"/>
+              </a:lnSpc>
+              <a:spcAft>
+                <a:spcPts val="0"/>
+              </a:spcAft>
+            </a:pPr>
+            <a:r>
+              <a:rPr lang="en-US" sz="1600" dirty="0">
+                <a:solidFill>
+                  <a:srgbClr val="000000"/>
+                </a:solidFill>
+                <a:highlight>
+                  <a:srgbClr val="FFFFFF"/>
+                </a:highlight>
+                <a:latin typeface="Consolas"/>
+                <a:ea typeface="Calibri"/>
+                <a:cs typeface="Times New Roman"/>
+              </a:rPr>
+              <a:t>            </a:t>
+            </a:r>
+            <a:r>
+              <a:rPr lang="en-US" sz="1600" dirty="0" err="1">
+                <a:solidFill>
+                  <a:srgbClr val="0000FF"/>
+                </a:solidFill>
+                <a:highlight>
+                  <a:srgbClr val="FFFFFF"/>
+                </a:highlight>
+                <a:latin typeface="Consolas"/>
+                <a:ea typeface="Calibri"/>
+                <a:cs typeface="Times New Roman"/>
+              </a:rPr>
+              <a:t>var</a:t>
+            </a:r>
+            <a:r>
+              <a:rPr lang="en-US" sz="1600" dirty="0">
+                <a:solidFill>
+                  <a:srgbClr val="000000"/>
+                </a:solidFill>
+                <a:highlight>
+                  <a:srgbClr val="FFFFFF"/>
+                </a:highlight>
+                <a:latin typeface="Consolas"/>
+                <a:ea typeface="Calibri"/>
+                <a:cs typeface="Times New Roman"/>
+              </a:rPr>
+              <a:t> accounts = _</a:t>
+            </a:r>
+            <a:r>
+              <a:rPr lang="en-US" sz="1600" dirty="0" err="1">
+                <a:solidFill>
+                  <a:srgbClr val="000000"/>
+                </a:solidFill>
+                <a:highlight>
+                  <a:srgbClr val="FFFFFF"/>
+                </a:highlight>
+                <a:latin typeface="Consolas"/>
+                <a:ea typeface="Calibri"/>
+                <a:cs typeface="Times New Roman"/>
+              </a:rPr>
+              <a:t>cache.GetOrAdd</a:t>
+            </a:r>
+            <a:r>
+              <a:rPr lang="en-US" sz="1600" dirty="0">
+                <a:solidFill>
+                  <a:srgbClr val="000000"/>
+                </a:solidFill>
+                <a:highlight>
+                  <a:srgbClr val="FFFFFF"/>
+                </a:highlight>
+                <a:latin typeface="Consolas"/>
+                <a:ea typeface="Calibri"/>
+                <a:cs typeface="Times New Roman"/>
+              </a:rPr>
+              <a:t>(</a:t>
+            </a:r>
+            <a:r>
+              <a:rPr lang="en-US" sz="1600" dirty="0">
+                <a:solidFill>
+                  <a:srgbClr val="A31515"/>
+                </a:solidFill>
+                <a:highlight>
+                  <a:srgbClr val="FFFFFF"/>
+                </a:highlight>
+                <a:latin typeface="Consolas"/>
+                <a:ea typeface="Calibri"/>
+                <a:cs typeface="Times New Roman"/>
+              </a:rPr>
+              <a:t>"accounts_"</a:t>
+            </a:r>
+            <a:r>
+              <a:rPr lang="en-US" sz="1600" dirty="0">
+                <a:solidFill>
+                  <a:srgbClr val="000000"/>
+                </a:solidFill>
+                <a:highlight>
+                  <a:srgbClr val="FFFFFF"/>
+                </a:highlight>
+                <a:latin typeface="Consolas"/>
+                <a:ea typeface="Calibri"/>
+                <a:cs typeface="Times New Roman"/>
+              </a:rPr>
+              <a:t> + </a:t>
+            </a:r>
+            <a:r>
+              <a:rPr lang="en-US" sz="1600" dirty="0" err="1">
+                <a:solidFill>
+                  <a:srgbClr val="000000"/>
+                </a:solidFill>
+                <a:highlight>
+                  <a:srgbClr val="FFFFFF"/>
+                </a:highlight>
+                <a:latin typeface="Consolas"/>
+                <a:ea typeface="Calibri"/>
+                <a:cs typeface="Times New Roman"/>
+              </a:rPr>
+              <a:t>userId</a:t>
+            </a:r>
+            <a:r>
+              <a:rPr lang="en-US" sz="1600" dirty="0">
+                <a:solidFill>
+                  <a:srgbClr val="000000"/>
+                </a:solidFill>
+                <a:highlight>
+                  <a:srgbClr val="FFFFFF"/>
+                </a:highlight>
+                <a:latin typeface="Consolas"/>
+                <a:ea typeface="Calibri"/>
+                <a:cs typeface="Times New Roman"/>
+              </a:rPr>
+              <a:t>,</a:t>
+            </a:r>
+            <a:endParaRPr lang="en-US" sz="2000" dirty="0">
+              <a:ea typeface="Calibri"/>
+              <a:cs typeface="Times New Roman"/>
+            </a:endParaRPr>
+          </a:p>
+          <a:p>
+            <a:pPr>
+              <a:lnSpc>
+                <a:spcPct val="115000"/>
+              </a:lnSpc>
+              <a:spcAft>
+                <a:spcPts val="0"/>
+              </a:spcAft>
+            </a:pPr>
+            <a:r>
+              <a:rPr lang="en-US" sz="1600" dirty="0">
+                <a:solidFill>
+                  <a:srgbClr val="000000"/>
+                </a:solidFill>
+                <a:highlight>
+                  <a:srgbClr val="FFFFFF"/>
+                </a:highlight>
+                <a:latin typeface="Consolas"/>
+                <a:ea typeface="Calibri"/>
+                <a:cs typeface="Times New Roman"/>
+              </a:rPr>
+              <a:t>                () =&gt; _</a:t>
+            </a:r>
+            <a:r>
+              <a:rPr lang="en-US" sz="1600" dirty="0" err="1">
+                <a:solidFill>
+                  <a:srgbClr val="000000"/>
+                </a:solidFill>
+                <a:highlight>
+                  <a:srgbClr val="FFFFFF"/>
+                </a:highlight>
+                <a:latin typeface="Consolas"/>
+                <a:ea typeface="Calibri"/>
+                <a:cs typeface="Times New Roman"/>
+              </a:rPr>
+              <a:t>decorated.GetAccountsForCustomer</a:t>
+            </a:r>
+            <a:r>
+              <a:rPr lang="en-US" sz="1600" dirty="0">
+                <a:solidFill>
+                  <a:srgbClr val="000000"/>
+                </a:solidFill>
+                <a:highlight>
+                  <a:srgbClr val="FFFFFF"/>
+                </a:highlight>
+                <a:latin typeface="Consolas"/>
+                <a:ea typeface="Calibri"/>
+                <a:cs typeface="Times New Roman"/>
+              </a:rPr>
+              <a:t>(</a:t>
+            </a:r>
+            <a:r>
+              <a:rPr lang="en-US" sz="1600" dirty="0" err="1">
+                <a:solidFill>
+                  <a:srgbClr val="000000"/>
+                </a:solidFill>
+                <a:highlight>
+                  <a:srgbClr val="FFFFFF"/>
+                </a:highlight>
+                <a:latin typeface="Consolas"/>
+                <a:ea typeface="Calibri"/>
+                <a:cs typeface="Times New Roman"/>
+              </a:rPr>
+              <a:t>userId</a:t>
+            </a:r>
+            <a:r>
+              <a:rPr lang="en-US" sz="1600" dirty="0">
+                <a:solidFill>
+                  <a:srgbClr val="000000"/>
+                </a:solidFill>
+                <a:highlight>
+                  <a:srgbClr val="FFFFFF"/>
+                </a:highlight>
+                <a:latin typeface="Consolas"/>
+                <a:ea typeface="Calibri"/>
+                <a:cs typeface="Times New Roman"/>
+              </a:rPr>
+              <a:t>));</a:t>
+            </a:r>
+            <a:endParaRPr lang="en-US" sz="2000" dirty="0">
+              <a:ea typeface="Calibri"/>
+              <a:cs typeface="Times New Roman"/>
+            </a:endParaRPr>
+          </a:p>
+          <a:p>
+            <a:pPr>
+              <a:lnSpc>
+                <a:spcPct val="115000"/>
+              </a:lnSpc>
+              <a:spcAft>
+                <a:spcPts val="0"/>
+              </a:spcAft>
+            </a:pPr>
+            <a:r>
+              <a:rPr lang="en-US" sz="1600" dirty="0">
+                <a:solidFill>
+                  <a:srgbClr val="000000"/>
+                </a:solidFill>
+                <a:highlight>
+                  <a:srgbClr val="FFFFFF"/>
+                </a:highlight>
+                <a:latin typeface="Consolas"/>
+                <a:ea typeface="Calibri"/>
+                <a:cs typeface="Times New Roman"/>
+              </a:rPr>
+              <a:t> </a:t>
+            </a:r>
+            <a:endParaRPr lang="en-US" sz="2000" dirty="0">
+              <a:ea typeface="Calibri"/>
+              <a:cs typeface="Times New Roman"/>
+            </a:endParaRPr>
+          </a:p>
+          <a:p>
+            <a:pPr>
+              <a:lnSpc>
+                <a:spcPct val="115000"/>
+              </a:lnSpc>
+              <a:spcAft>
+                <a:spcPts val="0"/>
+              </a:spcAft>
+            </a:pPr>
+            <a:r>
+              <a:rPr lang="en-US" sz="1600" dirty="0">
+                <a:solidFill>
+                  <a:srgbClr val="000000"/>
+                </a:solidFill>
+                <a:highlight>
+                  <a:srgbClr val="FFFFFF"/>
+                </a:highlight>
+                <a:latin typeface="Consolas"/>
+                <a:ea typeface="Calibri"/>
+                <a:cs typeface="Times New Roman"/>
+              </a:rPr>
+              <a:t>            </a:t>
+            </a:r>
+            <a:r>
+              <a:rPr lang="en-US" sz="1600" dirty="0">
+                <a:solidFill>
+                  <a:srgbClr val="0000FF"/>
+                </a:solidFill>
+                <a:highlight>
+                  <a:srgbClr val="FFFFFF"/>
+                </a:highlight>
+                <a:latin typeface="Consolas"/>
+                <a:ea typeface="Calibri"/>
+                <a:cs typeface="Times New Roman"/>
+              </a:rPr>
+              <a:t>return</a:t>
+            </a:r>
+            <a:r>
+              <a:rPr lang="en-US" sz="1600" dirty="0">
+                <a:solidFill>
+                  <a:srgbClr val="000000"/>
+                </a:solidFill>
+                <a:highlight>
+                  <a:srgbClr val="FFFFFF"/>
+                </a:highlight>
+                <a:latin typeface="Consolas"/>
+                <a:ea typeface="Calibri"/>
+                <a:cs typeface="Times New Roman"/>
+              </a:rPr>
+              <a:t> accounts;</a:t>
+            </a:r>
+            <a:endParaRPr lang="en-US" sz="2000" dirty="0">
+              <a:ea typeface="Calibri"/>
+              <a:cs typeface="Times New Roman"/>
+            </a:endParaRPr>
+          </a:p>
+          <a:p>
+            <a:pPr>
+              <a:lnSpc>
+                <a:spcPct val="115000"/>
+              </a:lnSpc>
+              <a:spcAft>
+                <a:spcPts val="1000"/>
+              </a:spcAft>
+            </a:pPr>
+            <a:r>
+              <a:rPr lang="en-US" sz="1600" dirty="0">
+                <a:solidFill>
+                  <a:srgbClr val="000000"/>
+                </a:solidFill>
+                <a:highlight>
+                  <a:srgbClr val="FFFFFF"/>
+                </a:highlight>
+                <a:latin typeface="Consolas"/>
+                <a:ea typeface="Calibri"/>
+                <a:cs typeface="Times New Roman"/>
+              </a:rPr>
+              <a:t>        }</a:t>
+            </a:r>
+            <a:endParaRPr lang="en-US" sz="2000" dirty="0">
+              <a:ea typeface="Calibri"/>
+              <a:cs typeface="Times New Roman"/>
+            </a:endParaRPr>
+          </a:p>
+        </p:txBody>
+      </p:sp>
+      <p:grpSp>
+        <p:nvGrpSpPr>
+          <p:cNvPr id="9" name="Group 8"/>
+          <p:cNvGrpSpPr/>
+          <p:nvPr/>
+        </p:nvGrpSpPr>
+        <p:grpSpPr>
+          <a:xfrm>
+            <a:off x="4355976" y="769922"/>
+            <a:ext cx="4887916" cy="1866990"/>
+            <a:chOff x="4355976" y="769922"/>
+            <a:chExt cx="4887916" cy="1866990"/>
+          </a:xfrm>
+        </p:grpSpPr>
+        <p:grpSp>
+          <p:nvGrpSpPr>
+            <p:cNvPr id="5" name="Group 4"/>
+            <p:cNvGrpSpPr/>
+            <p:nvPr/>
+          </p:nvGrpSpPr>
+          <p:grpSpPr>
+            <a:xfrm>
+              <a:off x="4355976" y="769922"/>
+              <a:ext cx="3531382" cy="1001842"/>
+              <a:chOff x="611560" y="4349135"/>
+              <a:chExt cx="3531382" cy="1001842"/>
+            </a:xfrm>
+          </p:grpSpPr>
+          <p:sp>
+            <p:nvSpPr>
+              <p:cNvPr id="6" name="Rounded Rectangle 5"/>
+              <p:cNvSpPr/>
+              <p:nvPr/>
+            </p:nvSpPr>
+            <p:spPr>
+              <a:xfrm>
+                <a:off x="611560" y="4349135"/>
+                <a:ext cx="2232248" cy="414046"/>
+              </a:xfrm>
+              <a:prstGeom prst="roundRect">
+                <a:avLst/>
+              </a:prstGeom>
+              <a:noFill/>
+              <a:ln>
+                <a:solidFill>
+                  <a:srgbClr val="FF0000"/>
+                </a:solidFill>
+              </a:ln>
+            </p:spPr>
+            <p:style>
+              <a:lnRef idx="2">
+                <a:schemeClr val="accent1">
+                  <a:shade val="50000"/>
+                </a:schemeClr>
+              </a:lnRef>
+              <a:fillRef idx="1">
+                <a:schemeClr val="accent1"/>
+              </a:fillRef>
+              <a:effectRef idx="0">
+                <a:schemeClr val="accent1"/>
+              </a:effectRef>
+              <a:fontRef idx="minor">
+                <a:schemeClr val="lt1"/>
+              </a:fontRef>
+            </p:style>
+            <p:txBody>
+              <a:bodyPr rtlCol="0" anchor="ctr"/>
+              <a:lstStyle/>
+              <a:p>
+                <a:pPr algn="ctr"/>
+                <a:endParaRPr lang="en-US"/>
+              </a:p>
+            </p:txBody>
+          </p:sp>
+          <p:sp>
+            <p:nvSpPr>
+              <p:cNvPr id="7" name="TextBox 6"/>
+              <p:cNvSpPr txBox="1"/>
+              <p:nvPr/>
+            </p:nvSpPr>
+            <p:spPr>
+              <a:xfrm>
+                <a:off x="2897665" y="4950867"/>
+                <a:ext cx="1245277" cy="400110"/>
+              </a:xfrm>
+              <a:prstGeom prst="rect">
+                <a:avLst/>
+              </a:prstGeom>
+              <a:noFill/>
+            </p:spPr>
+            <p:txBody>
+              <a:bodyPr wrap="none" rtlCol="0">
+                <a:spAutoFit/>
+              </a:bodyPr>
+              <a:lstStyle/>
+              <a:p>
+                <a:r>
+                  <a:rPr lang="en-US" sz="2000" b="1" dirty="0" smtClean="0">
+                    <a:solidFill>
+                      <a:srgbClr val="FF0000"/>
+                    </a:solidFill>
+                  </a:rPr>
+                  <a:t>Decorator</a:t>
+                </a:r>
+                <a:endParaRPr lang="en-US" sz="2000" b="1" dirty="0">
+                  <a:solidFill>
+                    <a:srgbClr val="FF0000"/>
+                  </a:solidFill>
+                </a:endParaRPr>
+              </a:p>
+            </p:txBody>
+          </p:sp>
+        </p:grpSp>
+        <p:sp>
+          <p:nvSpPr>
+            <p:cNvPr id="8" name="Rounded Rectangle 7"/>
+            <p:cNvSpPr/>
+            <p:nvPr/>
+          </p:nvSpPr>
+          <p:spPr>
+            <a:xfrm>
+              <a:off x="5940151" y="2132856"/>
+              <a:ext cx="3303741" cy="504056"/>
+            </a:xfrm>
+            <a:prstGeom prst="roundRect">
+              <a:avLst/>
+            </a:prstGeom>
+            <a:noFill/>
+            <a:ln>
+              <a:solidFill>
+                <a:srgbClr val="FF0000"/>
+              </a:solidFill>
+            </a:ln>
+          </p:spPr>
+          <p:style>
+            <a:lnRef idx="2">
+              <a:schemeClr val="accent1">
+                <a:shade val="50000"/>
+              </a:schemeClr>
+            </a:lnRef>
+            <a:fillRef idx="1">
+              <a:schemeClr val="accent1"/>
+            </a:fillRef>
+            <a:effectRef idx="0">
+              <a:schemeClr val="accent1"/>
+            </a:effectRef>
+            <a:fontRef idx="minor">
+              <a:schemeClr val="lt1"/>
+            </a:fontRef>
+          </p:style>
+          <p:txBody>
+            <a:bodyPr rtlCol="0" anchor="ctr"/>
+            <a:lstStyle/>
+            <a:p>
+              <a:pPr algn="ctr"/>
+              <a:endParaRPr lang="en-US"/>
+            </a:p>
+          </p:txBody>
+        </p:sp>
+      </p:grpSp>
+      <p:sp>
+        <p:nvSpPr>
+          <p:cNvPr id="10" name="Rounded Rectangle 9"/>
+          <p:cNvSpPr/>
+          <p:nvPr/>
+        </p:nvSpPr>
+        <p:spPr>
+          <a:xfrm>
+            <a:off x="3707904" y="5229200"/>
+            <a:ext cx="3456384" cy="504056"/>
+          </a:xfrm>
+          <a:prstGeom prst="roundRect">
+            <a:avLst/>
+          </a:prstGeom>
+          <a:noFill/>
+          <a:ln>
+            <a:solidFill>
+              <a:srgbClr val="FF0000"/>
+            </a:solidFill>
+          </a:ln>
+        </p:spPr>
+        <p:style>
+          <a:lnRef idx="2">
+            <a:schemeClr val="accent1">
+              <a:shade val="50000"/>
+            </a:schemeClr>
+          </a:lnRef>
+          <a:fillRef idx="1">
+            <a:schemeClr val="accent1"/>
+          </a:fillRef>
+          <a:effectRef idx="0">
+            <a:schemeClr val="accent1"/>
+          </a:effectRef>
+          <a:fontRef idx="minor">
+            <a:schemeClr val="lt1"/>
+          </a:fontRef>
+        </p:style>
+        <p:txBody>
+          <a:bodyPr rtlCol="0" anchor="ctr"/>
+          <a:lstStyle/>
+          <a:p>
+            <a:pPr algn="ctr"/>
+            <a:endParaRPr lang="en-US"/>
+          </a:p>
+        </p:txBody>
+      </p:sp>
+      <p:sp>
+        <p:nvSpPr>
+          <p:cNvPr id="11" name="TextBox 10"/>
+          <p:cNvSpPr txBox="1"/>
+          <p:nvPr/>
+        </p:nvSpPr>
+        <p:spPr>
+          <a:xfrm>
+            <a:off x="3747153" y="5748347"/>
+            <a:ext cx="3517566" cy="400110"/>
+          </a:xfrm>
+          <a:prstGeom prst="rect">
+            <a:avLst/>
+          </a:prstGeom>
+          <a:noFill/>
+        </p:spPr>
+        <p:txBody>
+          <a:bodyPr wrap="none" rtlCol="0">
+            <a:spAutoFit/>
+          </a:bodyPr>
+          <a:lstStyle/>
+          <a:p>
+            <a:r>
+              <a:rPr lang="en-US" sz="2000" b="1" dirty="0">
+                <a:solidFill>
+                  <a:srgbClr val="FF0000"/>
+                </a:solidFill>
+              </a:rPr>
+              <a:t>d</a:t>
+            </a:r>
+            <a:r>
+              <a:rPr lang="en-US" sz="2000" b="1" dirty="0" smtClean="0">
+                <a:solidFill>
+                  <a:srgbClr val="FF0000"/>
+                </a:solidFill>
+              </a:rPr>
+              <a:t>elegate to decorated instance </a:t>
+            </a:r>
+            <a:endParaRPr lang="en-US" sz="2000" b="1" dirty="0">
+              <a:solidFill>
+                <a:srgbClr val="FF0000"/>
+              </a:solidFill>
+            </a:endParaRPr>
+          </a:p>
+        </p:txBody>
+      </p:sp>
+      <p:sp>
+        <p:nvSpPr>
+          <p:cNvPr id="12" name="TextBox 11"/>
+          <p:cNvSpPr txBox="1"/>
+          <p:nvPr/>
+        </p:nvSpPr>
+        <p:spPr>
+          <a:xfrm>
+            <a:off x="187896" y="2384884"/>
+            <a:ext cx="9784704" cy="2039020"/>
+          </a:xfrm>
+          <a:prstGeom prst="rect">
+            <a:avLst/>
+          </a:prstGeom>
+          <a:solidFill>
+            <a:schemeClr val="bg1"/>
+          </a:solidFill>
+          <a:ln>
+            <a:solidFill>
+              <a:schemeClr val="accent1"/>
+            </a:solidFill>
+          </a:ln>
+        </p:spPr>
+        <p:txBody>
+          <a:bodyPr wrap="square" rtlCol="0">
+            <a:spAutoFit/>
+          </a:bodyPr>
+          <a:lstStyle/>
+          <a:p>
+            <a:pPr>
+              <a:lnSpc>
+                <a:spcPct val="115000"/>
+              </a:lnSpc>
+              <a:spcAft>
+                <a:spcPts val="0"/>
+              </a:spcAft>
+            </a:pPr>
+            <a:r>
+              <a:rPr lang="en-US" dirty="0">
+                <a:solidFill>
+                  <a:srgbClr val="000000"/>
+                </a:solidFill>
+                <a:highlight>
+                  <a:srgbClr val="FFFFFF"/>
+                </a:highlight>
+                <a:latin typeface="Consolas"/>
+                <a:ea typeface="Calibri"/>
+                <a:cs typeface="Times New Roman"/>
+              </a:rPr>
+              <a:t> </a:t>
+            </a:r>
+            <a:r>
+              <a:rPr lang="en-US" dirty="0" err="1">
+                <a:solidFill>
+                  <a:srgbClr val="0000FF"/>
+                </a:solidFill>
+                <a:highlight>
+                  <a:srgbClr val="FFFFFF"/>
+                </a:highlight>
+                <a:latin typeface="Consolas"/>
+                <a:ea typeface="Calibri"/>
+                <a:cs typeface="Times New Roman"/>
+              </a:rPr>
+              <a:t>var</a:t>
+            </a:r>
+            <a:r>
+              <a:rPr lang="en-US" dirty="0">
+                <a:solidFill>
+                  <a:srgbClr val="000000"/>
+                </a:solidFill>
+                <a:highlight>
+                  <a:srgbClr val="FFFFFF"/>
+                </a:highlight>
+                <a:latin typeface="Consolas"/>
+                <a:ea typeface="Calibri"/>
+                <a:cs typeface="Times New Roman"/>
+              </a:rPr>
+              <a:t> </a:t>
+            </a:r>
+            <a:r>
+              <a:rPr lang="en-US" dirty="0" err="1">
+                <a:solidFill>
+                  <a:srgbClr val="000000"/>
+                </a:solidFill>
+                <a:highlight>
+                  <a:srgbClr val="FFFFFF"/>
+                </a:highlight>
+                <a:latin typeface="Consolas"/>
+                <a:ea typeface="Calibri"/>
+                <a:cs typeface="Times New Roman"/>
+              </a:rPr>
+              <a:t>nakedRepo</a:t>
+            </a:r>
+            <a:r>
+              <a:rPr lang="en-US" dirty="0">
+                <a:solidFill>
+                  <a:srgbClr val="000000"/>
+                </a:solidFill>
+                <a:highlight>
+                  <a:srgbClr val="FFFFFF"/>
+                </a:highlight>
+                <a:latin typeface="Consolas"/>
+                <a:ea typeface="Calibri"/>
+                <a:cs typeface="Times New Roman"/>
+              </a:rPr>
+              <a:t> = </a:t>
+            </a:r>
+            <a:r>
+              <a:rPr lang="en-US" dirty="0">
+                <a:solidFill>
+                  <a:srgbClr val="0000FF"/>
+                </a:solidFill>
+                <a:highlight>
+                  <a:srgbClr val="FFFFFF"/>
+                </a:highlight>
+                <a:latin typeface="Consolas"/>
+                <a:ea typeface="Calibri"/>
+                <a:cs typeface="Times New Roman"/>
+              </a:rPr>
+              <a:t>new</a:t>
+            </a:r>
+            <a:r>
+              <a:rPr lang="en-US" dirty="0">
+                <a:solidFill>
+                  <a:srgbClr val="000000"/>
+                </a:solidFill>
+                <a:highlight>
+                  <a:srgbClr val="FFFFFF"/>
+                </a:highlight>
+                <a:latin typeface="Consolas"/>
+                <a:ea typeface="Calibri"/>
+                <a:cs typeface="Times New Roman"/>
+              </a:rPr>
+              <a:t> </a:t>
+            </a:r>
+            <a:r>
+              <a:rPr lang="en-US" dirty="0" err="1">
+                <a:solidFill>
+                  <a:srgbClr val="2B91AF"/>
+                </a:solidFill>
+                <a:highlight>
+                  <a:srgbClr val="FFFFFF"/>
+                </a:highlight>
+                <a:latin typeface="Consolas"/>
+                <a:ea typeface="Calibri"/>
+                <a:cs typeface="Times New Roman"/>
+              </a:rPr>
+              <a:t>AccountRepository</a:t>
+            </a:r>
+            <a:r>
+              <a:rPr lang="en-US" dirty="0">
+                <a:solidFill>
+                  <a:srgbClr val="000000"/>
+                </a:solidFill>
+                <a:highlight>
+                  <a:srgbClr val="FFFFFF"/>
+                </a:highlight>
+                <a:latin typeface="Consolas"/>
+                <a:ea typeface="Calibri"/>
+                <a:cs typeface="Times New Roman"/>
+              </a:rPr>
+              <a:t>(</a:t>
+            </a:r>
+            <a:r>
+              <a:rPr lang="en-US" dirty="0" err="1">
+                <a:solidFill>
+                  <a:srgbClr val="000000"/>
+                </a:solidFill>
+                <a:highlight>
+                  <a:srgbClr val="FFFFFF"/>
+                </a:highlight>
+                <a:latin typeface="Consolas"/>
+                <a:ea typeface="Calibri"/>
+                <a:cs typeface="Times New Roman"/>
+              </a:rPr>
+              <a:t>connectionString</a:t>
+            </a:r>
+            <a:r>
+              <a:rPr lang="en-US" dirty="0">
+                <a:solidFill>
+                  <a:srgbClr val="000000"/>
+                </a:solidFill>
+                <a:highlight>
+                  <a:srgbClr val="FFFFFF"/>
+                </a:highlight>
+                <a:latin typeface="Consolas"/>
+                <a:ea typeface="Calibri"/>
+                <a:cs typeface="Times New Roman"/>
+              </a:rPr>
+              <a:t>);</a:t>
+            </a:r>
+            <a:endParaRPr lang="en-US" sz="2400" dirty="0">
+              <a:ea typeface="Calibri"/>
+              <a:cs typeface="Times New Roman"/>
+            </a:endParaRPr>
+          </a:p>
+          <a:p>
+            <a:pPr>
+              <a:lnSpc>
+                <a:spcPct val="115000"/>
+              </a:lnSpc>
+              <a:spcAft>
+                <a:spcPts val="0"/>
+              </a:spcAft>
+            </a:pPr>
+            <a:r>
+              <a:rPr lang="en-US" dirty="0">
+                <a:solidFill>
+                  <a:srgbClr val="000000"/>
+                </a:solidFill>
+                <a:highlight>
+                  <a:srgbClr val="FFFFFF"/>
+                </a:highlight>
+                <a:latin typeface="Consolas"/>
+                <a:ea typeface="Calibri"/>
+                <a:cs typeface="Times New Roman"/>
+              </a:rPr>
+              <a:t> </a:t>
+            </a:r>
+            <a:endParaRPr lang="en-US" sz="2400" dirty="0">
+              <a:ea typeface="Calibri"/>
+              <a:cs typeface="Times New Roman"/>
+            </a:endParaRPr>
+          </a:p>
+          <a:p>
+            <a:pPr>
+              <a:lnSpc>
+                <a:spcPct val="115000"/>
+              </a:lnSpc>
+              <a:spcAft>
+                <a:spcPts val="0"/>
+              </a:spcAft>
+            </a:pPr>
+            <a:r>
+              <a:rPr lang="en-US" dirty="0">
+                <a:solidFill>
+                  <a:srgbClr val="000000"/>
+                </a:solidFill>
+                <a:highlight>
+                  <a:srgbClr val="FFFFFF"/>
+                </a:highlight>
+                <a:latin typeface="Consolas"/>
+                <a:ea typeface="Calibri"/>
+                <a:cs typeface="Times New Roman"/>
+              </a:rPr>
+              <a:t> </a:t>
+            </a:r>
+            <a:r>
+              <a:rPr lang="en-US" dirty="0" smtClean="0">
+                <a:solidFill>
+                  <a:srgbClr val="008000"/>
+                </a:solidFill>
+                <a:highlight>
+                  <a:srgbClr val="FFFFFF"/>
+                </a:highlight>
+                <a:latin typeface="Consolas"/>
+                <a:ea typeface="Calibri"/>
+                <a:cs typeface="Times New Roman"/>
+              </a:rPr>
+              <a:t>// </a:t>
+            </a:r>
+            <a:r>
+              <a:rPr lang="en-US" dirty="0">
+                <a:solidFill>
+                  <a:srgbClr val="008000"/>
+                </a:solidFill>
+                <a:highlight>
+                  <a:srgbClr val="FFFFFF"/>
+                </a:highlight>
+                <a:latin typeface="Consolas"/>
+                <a:ea typeface="Calibri"/>
+                <a:cs typeface="Times New Roman"/>
+              </a:rPr>
+              <a:t>decorate the </a:t>
+            </a:r>
+            <a:r>
+              <a:rPr lang="en-US" dirty="0" err="1">
+                <a:solidFill>
+                  <a:srgbClr val="008000"/>
+                </a:solidFill>
+                <a:highlight>
+                  <a:srgbClr val="FFFFFF"/>
+                </a:highlight>
+                <a:latin typeface="Consolas"/>
+                <a:ea typeface="Calibri"/>
+                <a:cs typeface="Times New Roman"/>
+              </a:rPr>
+              <a:t>nakedRepository</a:t>
+            </a:r>
+            <a:r>
+              <a:rPr lang="en-US" dirty="0">
+                <a:solidFill>
+                  <a:srgbClr val="008000"/>
+                </a:solidFill>
+                <a:highlight>
+                  <a:srgbClr val="FFFFFF"/>
+                </a:highlight>
+                <a:latin typeface="Consolas"/>
+                <a:ea typeface="Calibri"/>
+                <a:cs typeface="Times New Roman"/>
+              </a:rPr>
+              <a:t> with caching features</a:t>
+            </a:r>
+            <a:endParaRPr lang="en-US" sz="2400" dirty="0">
+              <a:ea typeface="Calibri"/>
+              <a:cs typeface="Times New Roman"/>
+            </a:endParaRPr>
+          </a:p>
+          <a:p>
+            <a:pPr>
+              <a:lnSpc>
+                <a:spcPct val="115000"/>
+              </a:lnSpc>
+              <a:spcAft>
+                <a:spcPts val="0"/>
+              </a:spcAft>
+            </a:pPr>
+            <a:r>
+              <a:rPr lang="en-US" dirty="0" smtClean="0">
+                <a:solidFill>
+                  <a:srgbClr val="0000FF"/>
+                </a:solidFill>
+                <a:highlight>
+                  <a:srgbClr val="FFFFFF"/>
+                </a:highlight>
+                <a:latin typeface="Consolas"/>
+                <a:ea typeface="Calibri"/>
+                <a:cs typeface="Times New Roman"/>
+              </a:rPr>
+              <a:t> </a:t>
+            </a:r>
+            <a:r>
+              <a:rPr lang="en-US" dirty="0" err="1" smtClean="0">
+                <a:solidFill>
+                  <a:srgbClr val="0000FF"/>
+                </a:solidFill>
+                <a:highlight>
+                  <a:srgbClr val="FFFFFF"/>
+                </a:highlight>
+                <a:latin typeface="Consolas"/>
+                <a:ea typeface="Calibri"/>
+                <a:cs typeface="Times New Roman"/>
+              </a:rPr>
+              <a:t>var</a:t>
+            </a:r>
+            <a:r>
+              <a:rPr lang="en-US" dirty="0" smtClean="0">
+                <a:solidFill>
+                  <a:srgbClr val="000000"/>
+                </a:solidFill>
+                <a:highlight>
+                  <a:srgbClr val="FFFFFF"/>
+                </a:highlight>
+                <a:latin typeface="Consolas"/>
+                <a:ea typeface="Calibri"/>
+                <a:cs typeface="Times New Roman"/>
+              </a:rPr>
+              <a:t> </a:t>
+            </a:r>
+            <a:r>
+              <a:rPr lang="en-US" dirty="0" err="1">
+                <a:solidFill>
+                  <a:srgbClr val="000000"/>
+                </a:solidFill>
+                <a:highlight>
+                  <a:srgbClr val="FFFFFF"/>
+                </a:highlight>
+                <a:latin typeface="Consolas"/>
+                <a:ea typeface="Calibri"/>
+                <a:cs typeface="Times New Roman"/>
+              </a:rPr>
+              <a:t>longCache</a:t>
+            </a:r>
+            <a:r>
+              <a:rPr lang="en-US" dirty="0">
+                <a:solidFill>
+                  <a:srgbClr val="000000"/>
+                </a:solidFill>
+                <a:highlight>
+                  <a:srgbClr val="FFFFFF"/>
+                </a:highlight>
+                <a:latin typeface="Consolas"/>
+                <a:ea typeface="Calibri"/>
+                <a:cs typeface="Times New Roman"/>
+              </a:rPr>
+              <a:t> = </a:t>
+            </a:r>
+            <a:r>
+              <a:rPr lang="en-US" dirty="0">
+                <a:solidFill>
+                  <a:srgbClr val="0000FF"/>
+                </a:solidFill>
+                <a:highlight>
+                  <a:srgbClr val="FFFFFF"/>
+                </a:highlight>
+                <a:latin typeface="Consolas"/>
+                <a:ea typeface="Calibri"/>
+                <a:cs typeface="Times New Roman"/>
+              </a:rPr>
+              <a:t>new</a:t>
+            </a:r>
+            <a:r>
+              <a:rPr lang="en-US" dirty="0">
+                <a:solidFill>
+                  <a:srgbClr val="000000"/>
+                </a:solidFill>
+                <a:highlight>
+                  <a:srgbClr val="FFFFFF"/>
+                </a:highlight>
+                <a:latin typeface="Consolas"/>
+                <a:ea typeface="Calibri"/>
+                <a:cs typeface="Times New Roman"/>
+              </a:rPr>
+              <a:t> </a:t>
+            </a:r>
+            <a:r>
+              <a:rPr lang="en-US" dirty="0" err="1">
+                <a:solidFill>
+                  <a:srgbClr val="2B91AF"/>
+                </a:solidFill>
+                <a:highlight>
+                  <a:srgbClr val="FFFFFF"/>
+                </a:highlight>
+                <a:latin typeface="Consolas"/>
+                <a:ea typeface="Calibri"/>
+                <a:cs typeface="Times New Roman"/>
+              </a:rPr>
+              <a:t>DotNetCache</a:t>
+            </a:r>
+            <a:r>
+              <a:rPr lang="en-US" dirty="0">
+                <a:solidFill>
+                  <a:srgbClr val="000000"/>
+                </a:solidFill>
+                <a:highlight>
+                  <a:srgbClr val="FFFFFF"/>
+                </a:highlight>
+                <a:latin typeface="Consolas"/>
+                <a:ea typeface="Calibri"/>
+                <a:cs typeface="Times New Roman"/>
+              </a:rPr>
+              <a:t>(</a:t>
+            </a:r>
+            <a:r>
+              <a:rPr lang="en-US" dirty="0" err="1">
+                <a:solidFill>
+                  <a:srgbClr val="2B91AF"/>
+                </a:solidFill>
+                <a:highlight>
+                  <a:srgbClr val="FFFFFF"/>
+                </a:highlight>
+                <a:latin typeface="Consolas"/>
+                <a:ea typeface="Calibri"/>
+                <a:cs typeface="Times New Roman"/>
+              </a:rPr>
+              <a:t>TimeSpan</a:t>
+            </a:r>
+            <a:r>
+              <a:rPr lang="en-US" dirty="0" err="1">
+                <a:solidFill>
+                  <a:srgbClr val="000000"/>
+                </a:solidFill>
+                <a:highlight>
+                  <a:srgbClr val="FFFFFF"/>
+                </a:highlight>
+                <a:latin typeface="Consolas"/>
+                <a:ea typeface="Calibri"/>
+                <a:cs typeface="Times New Roman"/>
+              </a:rPr>
+              <a:t>.FromHours</a:t>
+            </a:r>
+            <a:r>
+              <a:rPr lang="en-US" dirty="0">
+                <a:solidFill>
+                  <a:srgbClr val="000000"/>
+                </a:solidFill>
+                <a:highlight>
+                  <a:srgbClr val="FFFFFF"/>
+                </a:highlight>
+                <a:latin typeface="Consolas"/>
+                <a:ea typeface="Calibri"/>
+                <a:cs typeface="Times New Roman"/>
+              </a:rPr>
+              <a:t>(1));</a:t>
+            </a:r>
+            <a:endParaRPr lang="en-US" sz="2400" dirty="0">
+              <a:ea typeface="Calibri"/>
+              <a:cs typeface="Times New Roman"/>
+            </a:endParaRPr>
+          </a:p>
+          <a:p>
+            <a:pPr>
+              <a:lnSpc>
+                <a:spcPct val="115000"/>
+              </a:lnSpc>
+              <a:spcAft>
+                <a:spcPts val="0"/>
+              </a:spcAft>
+            </a:pPr>
+            <a:r>
+              <a:rPr lang="en-US" dirty="0">
+                <a:solidFill>
+                  <a:srgbClr val="000000"/>
+                </a:solidFill>
+                <a:highlight>
+                  <a:srgbClr val="FFFFFF"/>
+                </a:highlight>
+                <a:latin typeface="Consolas"/>
+                <a:ea typeface="Calibri"/>
+                <a:cs typeface="Times New Roman"/>
+              </a:rPr>
+              <a:t> </a:t>
+            </a:r>
+            <a:r>
+              <a:rPr lang="en-US" dirty="0" err="1" smtClean="0">
+                <a:solidFill>
+                  <a:srgbClr val="0000FF"/>
+                </a:solidFill>
+                <a:highlight>
+                  <a:srgbClr val="FFFFFF"/>
+                </a:highlight>
+                <a:latin typeface="Consolas"/>
+                <a:ea typeface="Calibri"/>
+                <a:cs typeface="Times New Roman"/>
+              </a:rPr>
+              <a:t>var</a:t>
+            </a:r>
+            <a:r>
+              <a:rPr lang="en-US" dirty="0" smtClean="0">
+                <a:solidFill>
+                  <a:srgbClr val="000000"/>
+                </a:solidFill>
+                <a:highlight>
+                  <a:srgbClr val="FFFFFF"/>
+                </a:highlight>
+                <a:latin typeface="Consolas"/>
+                <a:ea typeface="Calibri"/>
+                <a:cs typeface="Times New Roman"/>
+              </a:rPr>
+              <a:t> </a:t>
+            </a:r>
+            <a:r>
+              <a:rPr lang="en-US" dirty="0" err="1">
+                <a:solidFill>
+                  <a:srgbClr val="000000"/>
+                </a:solidFill>
+                <a:highlight>
+                  <a:srgbClr val="FFFFFF"/>
+                </a:highlight>
+                <a:latin typeface="Consolas"/>
+                <a:ea typeface="Calibri"/>
+                <a:cs typeface="Times New Roman"/>
+              </a:rPr>
+              <a:t>cachedRepo</a:t>
+            </a:r>
+            <a:r>
+              <a:rPr lang="en-US" dirty="0">
+                <a:solidFill>
+                  <a:srgbClr val="000000"/>
+                </a:solidFill>
+                <a:highlight>
+                  <a:srgbClr val="FFFFFF"/>
+                </a:highlight>
+                <a:latin typeface="Consolas"/>
+                <a:ea typeface="Calibri"/>
+                <a:cs typeface="Times New Roman"/>
+              </a:rPr>
+              <a:t> = </a:t>
+            </a:r>
+            <a:r>
+              <a:rPr lang="en-US" dirty="0">
+                <a:solidFill>
+                  <a:srgbClr val="0000FF"/>
+                </a:solidFill>
+                <a:highlight>
+                  <a:srgbClr val="FFFFFF"/>
+                </a:highlight>
+                <a:latin typeface="Consolas"/>
+                <a:ea typeface="Calibri"/>
+                <a:cs typeface="Times New Roman"/>
+              </a:rPr>
+              <a:t>new</a:t>
+            </a:r>
+            <a:r>
+              <a:rPr lang="en-US" dirty="0">
+                <a:solidFill>
+                  <a:srgbClr val="000000"/>
+                </a:solidFill>
+                <a:highlight>
+                  <a:srgbClr val="FFFFFF"/>
+                </a:highlight>
+                <a:latin typeface="Consolas"/>
+                <a:ea typeface="Calibri"/>
+                <a:cs typeface="Times New Roman"/>
+              </a:rPr>
+              <a:t> </a:t>
+            </a:r>
+            <a:r>
+              <a:rPr lang="en-US" dirty="0" err="1">
+                <a:solidFill>
+                  <a:srgbClr val="2B91AF"/>
+                </a:solidFill>
+                <a:highlight>
+                  <a:srgbClr val="FFFFFF"/>
+                </a:highlight>
+                <a:latin typeface="Consolas"/>
+                <a:ea typeface="Calibri"/>
+                <a:cs typeface="Times New Roman"/>
+              </a:rPr>
+              <a:t>CachedAccountRepository</a:t>
+            </a:r>
+            <a:r>
+              <a:rPr lang="en-US" dirty="0">
+                <a:solidFill>
+                  <a:srgbClr val="000000"/>
+                </a:solidFill>
+                <a:highlight>
+                  <a:srgbClr val="FFFFFF"/>
+                </a:highlight>
+                <a:latin typeface="Consolas"/>
+                <a:ea typeface="Calibri"/>
+                <a:cs typeface="Times New Roman"/>
+              </a:rPr>
+              <a:t>(</a:t>
+            </a:r>
+            <a:r>
+              <a:rPr lang="en-US" dirty="0" err="1">
+                <a:solidFill>
+                  <a:srgbClr val="000000"/>
+                </a:solidFill>
+                <a:highlight>
+                  <a:srgbClr val="FFFFFF"/>
+                </a:highlight>
+                <a:latin typeface="Consolas"/>
+                <a:ea typeface="Calibri"/>
+                <a:cs typeface="Times New Roman"/>
+              </a:rPr>
+              <a:t>longCache</a:t>
+            </a:r>
+            <a:r>
+              <a:rPr lang="en-US" dirty="0">
+                <a:solidFill>
+                  <a:srgbClr val="000000"/>
+                </a:solidFill>
+                <a:highlight>
+                  <a:srgbClr val="FFFFFF"/>
+                </a:highlight>
+                <a:latin typeface="Consolas"/>
+                <a:ea typeface="Calibri"/>
+                <a:cs typeface="Times New Roman"/>
+              </a:rPr>
+              <a:t>, </a:t>
+            </a:r>
+            <a:r>
+              <a:rPr lang="en-US" dirty="0" err="1">
+                <a:solidFill>
+                  <a:srgbClr val="000000"/>
+                </a:solidFill>
+                <a:highlight>
+                  <a:srgbClr val="FFFFFF"/>
+                </a:highlight>
+                <a:latin typeface="Consolas"/>
+                <a:ea typeface="Calibri"/>
+                <a:cs typeface="Times New Roman"/>
+              </a:rPr>
+              <a:t>nakedRepo</a:t>
+            </a:r>
+            <a:r>
+              <a:rPr lang="en-US" dirty="0">
+                <a:solidFill>
+                  <a:srgbClr val="000000"/>
+                </a:solidFill>
+                <a:highlight>
+                  <a:srgbClr val="FFFFFF"/>
+                </a:highlight>
+                <a:latin typeface="Consolas"/>
+                <a:ea typeface="Calibri"/>
+                <a:cs typeface="Times New Roman"/>
+              </a:rPr>
+              <a:t>);</a:t>
+            </a:r>
+            <a:endParaRPr lang="en-US" sz="2400" dirty="0">
+              <a:ea typeface="Calibri"/>
+              <a:cs typeface="Times New Roman"/>
+            </a:endParaRPr>
+          </a:p>
+          <a:p>
+            <a:pPr>
+              <a:lnSpc>
+                <a:spcPct val="115000"/>
+              </a:lnSpc>
+              <a:spcAft>
+                <a:spcPts val="1000"/>
+              </a:spcAft>
+            </a:pPr>
+            <a:r>
+              <a:rPr lang="en-US" dirty="0" err="1" smtClean="0">
+                <a:solidFill>
+                  <a:srgbClr val="0000FF"/>
+                </a:solidFill>
+                <a:highlight>
+                  <a:srgbClr val="FFFFFF"/>
+                </a:highlight>
+                <a:latin typeface="Consolas"/>
+                <a:ea typeface="Calibri"/>
+                <a:cs typeface="Times New Roman"/>
+              </a:rPr>
+              <a:t>var</a:t>
+            </a:r>
+            <a:r>
+              <a:rPr lang="en-US" dirty="0" smtClean="0">
+                <a:solidFill>
+                  <a:srgbClr val="000000"/>
+                </a:solidFill>
+                <a:highlight>
+                  <a:srgbClr val="FFFFFF"/>
+                </a:highlight>
+                <a:latin typeface="Consolas"/>
+                <a:ea typeface="Calibri"/>
+                <a:cs typeface="Times New Roman"/>
+              </a:rPr>
+              <a:t> </a:t>
+            </a:r>
+            <a:r>
+              <a:rPr lang="en-US" dirty="0">
+                <a:solidFill>
+                  <a:srgbClr val="000000"/>
+                </a:solidFill>
+                <a:highlight>
+                  <a:srgbClr val="FFFFFF"/>
+                </a:highlight>
+                <a:latin typeface="Consolas"/>
+                <a:ea typeface="Calibri"/>
+                <a:cs typeface="Times New Roman"/>
+              </a:rPr>
+              <a:t>service = </a:t>
+            </a:r>
+            <a:r>
+              <a:rPr lang="en-US" dirty="0">
+                <a:solidFill>
+                  <a:srgbClr val="0000FF"/>
+                </a:solidFill>
+                <a:highlight>
+                  <a:srgbClr val="FFFFFF"/>
+                </a:highlight>
+                <a:latin typeface="Consolas"/>
+                <a:ea typeface="Calibri"/>
+                <a:cs typeface="Times New Roman"/>
+              </a:rPr>
+              <a:t>new</a:t>
+            </a:r>
+            <a:r>
+              <a:rPr lang="en-US" dirty="0">
+                <a:solidFill>
+                  <a:srgbClr val="000000"/>
+                </a:solidFill>
+                <a:highlight>
+                  <a:srgbClr val="FFFFFF"/>
+                </a:highlight>
+                <a:latin typeface="Consolas"/>
+                <a:ea typeface="Calibri"/>
+                <a:cs typeface="Times New Roman"/>
+              </a:rPr>
+              <a:t> </a:t>
+            </a:r>
+            <a:r>
+              <a:rPr lang="en-US" dirty="0" err="1">
+                <a:solidFill>
+                  <a:srgbClr val="2B91AF"/>
+                </a:solidFill>
+                <a:highlight>
+                  <a:srgbClr val="FFFFFF"/>
+                </a:highlight>
+                <a:latin typeface="Consolas"/>
+                <a:ea typeface="Calibri"/>
+                <a:cs typeface="Times New Roman"/>
+              </a:rPr>
+              <a:t>UserAccountService</a:t>
+            </a:r>
+            <a:r>
+              <a:rPr lang="en-US" dirty="0">
+                <a:solidFill>
+                  <a:srgbClr val="000000"/>
+                </a:solidFill>
+                <a:highlight>
+                  <a:srgbClr val="FFFFFF"/>
+                </a:highlight>
+                <a:latin typeface="Consolas"/>
+                <a:ea typeface="Calibri"/>
+                <a:cs typeface="Times New Roman"/>
+              </a:rPr>
+              <a:t>(</a:t>
+            </a:r>
+            <a:r>
+              <a:rPr lang="en-US" dirty="0" err="1">
+                <a:solidFill>
+                  <a:srgbClr val="000000"/>
+                </a:solidFill>
+                <a:highlight>
+                  <a:srgbClr val="FFFFFF"/>
+                </a:highlight>
+                <a:latin typeface="Consolas"/>
+                <a:ea typeface="Calibri"/>
+                <a:cs typeface="Times New Roman"/>
+              </a:rPr>
+              <a:t>cachedRepo</a:t>
+            </a:r>
+            <a:r>
+              <a:rPr lang="en-US" dirty="0">
+                <a:solidFill>
+                  <a:srgbClr val="000000"/>
+                </a:solidFill>
+                <a:highlight>
+                  <a:srgbClr val="FFFFFF"/>
+                </a:highlight>
+                <a:latin typeface="Consolas"/>
+                <a:ea typeface="Calibri"/>
+                <a:cs typeface="Times New Roman"/>
+              </a:rPr>
+              <a:t>);</a:t>
+            </a:r>
+            <a:endParaRPr lang="en-US" sz="2400" dirty="0">
+              <a:ea typeface="Calibri"/>
+              <a:cs typeface="Times New Roman"/>
+            </a:endParaRPr>
           </a:p>
         </p:txBody>
       </p:sp>
     </p:spTree>
     <p:extLst>
       <p:ext uri="{BB962C8B-B14F-4D97-AF65-F5344CB8AC3E}">
-        <p14:creationId xmlns:p14="http://schemas.microsoft.com/office/powerpoint/2010/main" val="3458786066"/>
+        <p14:creationId xmlns:p14="http://schemas.microsoft.com/office/powerpoint/2010/main" val="1013028417"/>
       </p:ext>
     </p:extLst>
   </p:cSld>
@@ -33615,9 +38695,126 @@
   <p:timing>
     <p:tnLst>
       <p:par>
-        <p:cTn id="1" dur="indefinite" restart="never" nodeType="tmRoot"/>
+        <p:cTn id="1" dur="indefinite" restart="never" nodeType="tmRoot">
+          <p:childTnLst>
+            <p:seq concurrent="1" nextAc="seek">
+              <p:cTn id="2" dur="indefinite" nodeType="mainSeq">
+                <p:childTnLst>
+                  <p:par>
+                    <p:cTn id="3" fill="hold">
+                      <p:stCondLst>
+                        <p:cond delay="indefinite"/>
+                      </p:stCondLst>
+                      <p:childTnLst>
+                        <p:par>
+                          <p:cTn id="4" fill="hold">
+                            <p:stCondLst>
+                              <p:cond delay="0"/>
+                            </p:stCondLst>
+                            <p:childTnLst>
+                              <p:par>
+                                <p:cTn id="5" presetID="1" presetClass="entr" presetSubtype="0" fill="hold" grpId="0" nodeType="clickEffect">
+                                  <p:stCondLst>
+                                    <p:cond delay="0"/>
+                                  </p:stCondLst>
+                                  <p:childTnLst>
+                                    <p:set>
+                                      <p:cBhvr>
+                                        <p:cTn id="6" dur="1" fill="hold">
+                                          <p:stCondLst>
+                                            <p:cond delay="0"/>
+                                          </p:stCondLst>
+                                        </p:cTn>
+                                        <p:tgtEl>
+                                          <p:spTgt spid="4"/>
+                                        </p:tgtEl>
+                                        <p:attrNameLst>
+                                          <p:attrName>style.visibility</p:attrName>
+                                        </p:attrNameLst>
+                                      </p:cBhvr>
+                                      <p:to>
+                                        <p:strVal val="visible"/>
+                                      </p:to>
+                                    </p:set>
+                                  </p:childTnLst>
+                                </p:cTn>
+                              </p:par>
+                            </p:childTnLst>
+                          </p:cTn>
+                        </p:par>
+                      </p:childTnLst>
+                    </p:cTn>
+                  </p:par>
+                  <p:par>
+                    <p:cTn id="7" fill="hold">
+                      <p:stCondLst>
+                        <p:cond delay="indefinite"/>
+                      </p:stCondLst>
+                      <p:childTnLst>
+                        <p:par>
+                          <p:cTn id="8" fill="hold">
+                            <p:stCondLst>
+                              <p:cond delay="0"/>
+                            </p:stCondLst>
+                            <p:childTnLst>
+                              <p:par>
+                                <p:cTn id="9" presetID="1" presetClass="entr" presetSubtype="0" fill="hold" grpId="0" nodeType="clickEffect">
+                                  <p:stCondLst>
+                                    <p:cond delay="0"/>
+                                  </p:stCondLst>
+                                  <p:childTnLst>
+                                    <p:set>
+                                      <p:cBhvr>
+                                        <p:cTn id="10" dur="1" fill="hold">
+                                          <p:stCondLst>
+                                            <p:cond delay="0"/>
+                                          </p:stCondLst>
+                                        </p:cTn>
+                                        <p:tgtEl>
+                                          <p:spTgt spid="12"/>
+                                        </p:tgtEl>
+                                        <p:attrNameLst>
+                                          <p:attrName>style.visibility</p:attrName>
+                                        </p:attrNameLst>
+                                      </p:cBhvr>
+                                      <p:to>
+                                        <p:strVal val="visible"/>
+                                      </p:to>
+                                    </p:set>
+                                  </p:childTnLst>
+                                </p:cTn>
+                              </p:par>
+                            </p:childTnLst>
+                          </p:cTn>
+                        </p:par>
+                      </p:childTnLst>
+                    </p:cTn>
+                  </p:par>
+                </p:childTnLst>
+              </p:cTn>
+              <p:prevCondLst>
+                <p:cond evt="onPrev" delay="0">
+                  <p:tgtEl>
+                    <p:sldTgt/>
+                  </p:tgtEl>
+                </p:cond>
+              </p:prevCondLst>
+              <p:nextCondLst>
+                <p:cond evt="onNext" delay="0">
+                  <p:tgtEl>
+                    <p:sldTgt/>
+                  </p:tgtEl>
+                </p:cond>
+              </p:nextCondLst>
+            </p:seq>
+          </p:childTnLst>
+        </p:cTn>
       </p:par>
     </p:tnLst>
+    <p:bldLst>
+      <p:bldP spid="4" grpId="0" animBg="1"/>
+      <p:bldP spid="12" grpId="0" animBg="1"/>
+    </p:bldLst>
   </p:timing>
 </p:sld>
 </file>
@@ -33641,7 +38838,7 @@
       </p:grpSpPr>
       <p:sp>
         <p:nvSpPr>
-          <p:cNvPr id="2" name="Title 1"/>
+          <p:cNvPr id="4" name="Title 3"/>
           <p:cNvSpPr>
             <a:spLocks noGrp="1"/>
           </p:cNvSpPr>
@@ -33655,8 +38852,12 @@
           <a:lstStyle/>
           <a:p>
             <a:r>
-              <a:rPr lang="en-US" dirty="0" smtClean="0"/>
-              <a:t>Interception</a:t>
+              <a:rPr lang="fr-FR" dirty="0" smtClean="0"/>
+              <a:t>DI </a:t>
+            </a:r>
+            <a:r>
+              <a:rPr lang="fr-FR" dirty="0" err="1" smtClean="0"/>
+              <a:t>COntainers</a:t>
             </a:r>
             <a:endParaRPr lang="en-US" dirty="0"/>
           </a:p>
@@ -33664,12 +38865,12 @@
       </p:sp>
       <p:sp>
         <p:nvSpPr>
-          <p:cNvPr id="3" name="Content Placeholder 2"/>
+          <p:cNvPr id="5" name="Text Placeholder 4"/>
           <p:cNvSpPr>
             <a:spLocks noGrp="1"/>
           </p:cNvSpPr>
           <p:nvPr>
-            <p:ph idx="1"/>
+            <p:ph type="body" idx="1"/>
           </p:nvPr>
         </p:nvSpPr>
         <p:spPr/>
@@ -33684,7 +38885,7 @@
     </p:spTree>
     <p:extLst>
       <p:ext uri="{BB962C8B-B14F-4D97-AF65-F5344CB8AC3E}">
-        <p14:creationId xmlns:p14="http://schemas.microsoft.com/office/powerpoint/2010/main" val="4036849652"/>
+        <p14:creationId xmlns:p14="http://schemas.microsoft.com/office/powerpoint/2010/main" val="1781707786"/>
       </p:ext>
     </p:extLst>
   </p:cSld>
@@ -33730,14 +38931,16 @@
         </p:nvSpPr>
         <p:spPr/>
         <p:txBody>
-          <a:bodyPr>
-            <a:normAutofit/>
-          </a:bodyPr>
+          <a:bodyPr/>
           <a:lstStyle/>
           <a:p>
             <a:r>
               <a:rPr lang="en-US" dirty="0" smtClean="0"/>
-              <a:t>Conclusion</a:t>
+              <a:t>DI </a:t>
+            </a:r>
+            <a:r>
+              <a:rPr lang="en-US" dirty="0" smtClean="0"/>
+              <a:t>Container – how they work</a:t>
             </a:r>
             <a:endParaRPr lang="en-US" dirty="0"/>
           </a:p>
@@ -33758,14 +38961,216 @@
           <a:bodyPr/>
           <a:lstStyle/>
           <a:p>
-            <a:endParaRPr lang="en-US"/>
+            <a:r>
+              <a:rPr lang="fr-FR" dirty="0" err="1" smtClean="0"/>
+              <a:t>Maintain</a:t>
+            </a:r>
+            <a:r>
+              <a:rPr lang="fr-FR" dirty="0" smtClean="0"/>
+              <a:t> a </a:t>
+            </a:r>
+            <a:r>
+              <a:rPr lang="fr-FR" dirty="0" err="1" smtClean="0"/>
+              <a:t>mapping</a:t>
+            </a:r>
+            <a:r>
+              <a:rPr lang="fr-FR" dirty="0" smtClean="0"/>
+              <a:t> </a:t>
+            </a:r>
+            <a:r>
+              <a:rPr lang="fr-FR" dirty="0" err="1" smtClean="0"/>
+              <a:t>between</a:t>
+            </a:r>
+            <a:r>
+              <a:rPr lang="fr-FR" dirty="0" smtClean="0"/>
+              <a:t> Abstraction and </a:t>
+            </a:r>
+            <a:r>
+              <a:rPr lang="fr-FR" dirty="0" err="1" smtClean="0"/>
+              <a:t>Concrete</a:t>
+            </a:r>
+            <a:r>
+              <a:rPr lang="fr-FR" dirty="0" smtClean="0"/>
+              <a:t> Type</a:t>
+            </a:r>
+          </a:p>
+          <a:p>
+            <a:pPr lvl="1"/>
+            <a:r>
+              <a:rPr lang="fr-FR" dirty="0" err="1" smtClean="0"/>
+              <a:t>Usually</a:t>
+            </a:r>
+            <a:r>
+              <a:rPr lang="fr-FR" dirty="0" smtClean="0"/>
+              <a:t> </a:t>
+            </a:r>
+            <a:r>
+              <a:rPr lang="fr-FR" dirty="0" err="1" smtClean="0"/>
+              <a:t>initialized</a:t>
+            </a:r>
+            <a:r>
+              <a:rPr lang="fr-FR" dirty="0" smtClean="0"/>
+              <a:t> on </a:t>
+            </a:r>
+            <a:r>
+              <a:rPr lang="fr-FR" dirty="0" err="1" smtClean="0"/>
+              <a:t>app</a:t>
+            </a:r>
+            <a:r>
+              <a:rPr lang="fr-FR" dirty="0" smtClean="0"/>
+              <a:t> </a:t>
+            </a:r>
+            <a:r>
+              <a:rPr lang="fr-FR" dirty="0" err="1" smtClean="0"/>
+              <a:t>start</a:t>
+            </a:r>
+            <a:endParaRPr lang="fr-FR" dirty="0" smtClean="0"/>
+          </a:p>
+          <a:p>
+            <a:pPr lvl="1"/>
+            <a:r>
+              <a:rPr lang="fr-FR" dirty="0" err="1" smtClean="0"/>
+              <a:t>Methods</a:t>
+            </a:r>
+            <a:r>
+              <a:rPr lang="fr-FR" dirty="0" smtClean="0"/>
+              <a:t> </a:t>
+            </a:r>
+            <a:r>
+              <a:rPr lang="fr-FR" dirty="0" err="1" smtClean="0"/>
+              <a:t>like</a:t>
+            </a:r>
+            <a:r>
+              <a:rPr lang="fr-FR" dirty="0" smtClean="0"/>
+              <a:t> </a:t>
+            </a:r>
+            <a:r>
+              <a:rPr lang="fr-FR" sz="2400" dirty="0" err="1" smtClean="0">
+                <a:latin typeface="Consolas" panose="020B0609020204030204" pitchFamily="49" charset="0"/>
+                <a:cs typeface="Consolas" panose="020B0609020204030204" pitchFamily="49" charset="0"/>
+              </a:rPr>
+              <a:t>Register</a:t>
+            </a:r>
+            <a:r>
+              <a:rPr lang="fr-FR" sz="2400" dirty="0" smtClean="0">
+                <a:latin typeface="Consolas" panose="020B0609020204030204" pitchFamily="49" charset="0"/>
+                <a:cs typeface="Consolas" panose="020B0609020204030204" pitchFamily="49" charset="0"/>
+              </a:rPr>
+              <a:t>&lt;</a:t>
+            </a:r>
+            <a:r>
+              <a:rPr lang="fr-FR" sz="2400" dirty="0" err="1" smtClean="0">
+                <a:latin typeface="Consolas" panose="020B0609020204030204" pitchFamily="49" charset="0"/>
+                <a:cs typeface="Consolas" panose="020B0609020204030204" pitchFamily="49" charset="0"/>
+              </a:rPr>
+              <a:t>IAbstraction,ConcreteType</a:t>
+            </a:r>
+            <a:r>
+              <a:rPr lang="fr-FR" sz="2400" dirty="0" smtClean="0">
+                <a:latin typeface="Consolas" panose="020B0609020204030204" pitchFamily="49" charset="0"/>
+                <a:cs typeface="Consolas" panose="020B0609020204030204" pitchFamily="49" charset="0"/>
+              </a:rPr>
+              <a:t>&gt;()</a:t>
+            </a:r>
+            <a:endParaRPr lang="fr-FR" dirty="0" smtClean="0">
+              <a:latin typeface="Consolas" panose="020B0609020204030204" pitchFamily="49" charset="0"/>
+              <a:cs typeface="Consolas" panose="020B0609020204030204" pitchFamily="49" charset="0"/>
+            </a:endParaRPr>
+          </a:p>
+          <a:p>
+            <a:r>
+              <a:rPr lang="fr-FR" dirty="0" smtClean="0"/>
+              <a:t>Method </a:t>
+            </a:r>
+            <a:r>
+              <a:rPr lang="fr-FR" sz="2800" dirty="0" err="1" smtClean="0">
+                <a:latin typeface="Consolas" panose="020B0609020204030204" pitchFamily="49" charset="0"/>
+                <a:cs typeface="Consolas" panose="020B0609020204030204" pitchFamily="49" charset="0"/>
+              </a:rPr>
+              <a:t>Resolve</a:t>
+            </a:r>
+            <a:r>
+              <a:rPr lang="fr-FR" sz="2800" dirty="0" smtClean="0">
+                <a:latin typeface="Consolas" panose="020B0609020204030204" pitchFamily="49" charset="0"/>
+                <a:cs typeface="Consolas" panose="020B0609020204030204" pitchFamily="49" charset="0"/>
+              </a:rPr>
+              <a:t>&lt;</a:t>
+            </a:r>
+            <a:r>
+              <a:rPr lang="fr-FR" sz="2800" dirty="0" err="1" smtClean="0">
+                <a:latin typeface="Consolas" panose="020B0609020204030204" pitchFamily="49" charset="0"/>
+                <a:cs typeface="Consolas" panose="020B0609020204030204" pitchFamily="49" charset="0"/>
+              </a:rPr>
+              <a:t>TRequired</a:t>
+            </a:r>
+            <a:r>
+              <a:rPr lang="fr-FR" sz="2800" dirty="0" smtClean="0">
+                <a:latin typeface="Consolas" panose="020B0609020204030204" pitchFamily="49" charset="0"/>
+                <a:cs typeface="Consolas" panose="020B0609020204030204" pitchFamily="49" charset="0"/>
+              </a:rPr>
+              <a:t>&gt;()</a:t>
+            </a:r>
+            <a:endParaRPr lang="fr-FR" dirty="0" smtClean="0">
+              <a:latin typeface="Consolas" panose="020B0609020204030204" pitchFamily="49" charset="0"/>
+              <a:cs typeface="Consolas" panose="020B0609020204030204" pitchFamily="49" charset="0"/>
+            </a:endParaRPr>
+          </a:p>
+          <a:p>
+            <a:r>
+              <a:rPr lang="fr-FR" dirty="0" err="1" smtClean="0"/>
+              <a:t>Recursively</a:t>
+            </a:r>
+            <a:r>
+              <a:rPr lang="fr-FR" dirty="0" smtClean="0"/>
+              <a:t> </a:t>
+            </a:r>
+            <a:r>
+              <a:rPr lang="fr-FR" dirty="0" err="1" smtClean="0"/>
+              <a:t>resolves</a:t>
+            </a:r>
+            <a:r>
+              <a:rPr lang="fr-FR" dirty="0" smtClean="0"/>
+              <a:t> </a:t>
+            </a:r>
+            <a:r>
+              <a:rPr lang="fr-FR" dirty="0" err="1" smtClean="0"/>
+              <a:t>dependencies</a:t>
+            </a:r>
+            <a:r>
+              <a:rPr lang="fr-FR" dirty="0" smtClean="0"/>
+              <a:t> </a:t>
+            </a:r>
+            <a:r>
+              <a:rPr lang="fr-FR" dirty="0" err="1" smtClean="0"/>
+              <a:t>reading</a:t>
+            </a:r>
+            <a:r>
+              <a:rPr lang="fr-FR" dirty="0" smtClean="0"/>
+              <a:t> </a:t>
+            </a:r>
+            <a:r>
+              <a:rPr lang="fr-FR" dirty="0" err="1" smtClean="0"/>
+              <a:t>constructor</a:t>
+            </a:r>
+            <a:r>
+              <a:rPr lang="fr-FR" dirty="0" smtClean="0"/>
+              <a:t> </a:t>
+            </a:r>
+            <a:r>
+              <a:rPr lang="fr-FR" dirty="0" err="1" smtClean="0"/>
+              <a:t>parameters</a:t>
+            </a:r>
+            <a:endParaRPr lang="fr-FR" dirty="0" smtClean="0"/>
+          </a:p>
+          <a:p>
+            <a:endParaRPr lang="en-US" dirty="0"/>
           </a:p>
         </p:txBody>
       </p:sp>
     </p:spTree>
     <p:extLst>
       <p:ext uri="{BB962C8B-B14F-4D97-AF65-F5344CB8AC3E}">
-        <p14:creationId xmlns:p14="http://schemas.microsoft.com/office/powerpoint/2010/main" val="308607750"/>
+        <p14:creationId xmlns:p14="http://schemas.microsoft.com/office/powerpoint/2010/main" val="3753203453"/>
       </p:ext>
     </p:extLst>
   </p:cSld>
@@ -33815,8 +39220,8 @@
           <a:lstStyle/>
           <a:p>
             <a:r>
-              <a:rPr lang="en-US" dirty="0" smtClean="0"/>
-              <a:t>Remember</a:t>
+              <a:rPr lang="fr-FR" dirty="0" err="1" smtClean="0"/>
+              <a:t>Example</a:t>
             </a:r>
             <a:endParaRPr lang="en-US" dirty="0"/>
           </a:p>
@@ -33844,7 +39249,7 @@
     </p:spTree>
     <p:extLst>
       <p:ext uri="{BB962C8B-B14F-4D97-AF65-F5344CB8AC3E}">
-        <p14:creationId xmlns:p14="http://schemas.microsoft.com/office/powerpoint/2010/main" val="1019461660"/>
+        <p14:creationId xmlns:p14="http://schemas.microsoft.com/office/powerpoint/2010/main" val="2018460250"/>
       </p:ext>
     </p:extLst>
   </p:cSld>
@@ -33895,7 +39300,7 @@
           <a:p>
             <a:r>
               <a:rPr lang="en-US" dirty="0" smtClean="0"/>
-              <a:t>Going further …</a:t>
+              <a:t>Composition, but not only</a:t>
             </a:r>
             <a:endParaRPr lang="en-US" dirty="0"/>
           </a:p>
@@ -33918,41 +39323,16 @@
           <a:p>
             <a:r>
               <a:rPr lang="en-US" dirty="0" smtClean="0"/>
-              <a:t>Mark </a:t>
-            </a:r>
-            <a:r>
-              <a:rPr lang="en-US" dirty="0" err="1" smtClean="0"/>
-              <a:t>Seemann’s</a:t>
-            </a:r>
+              <a:t>Object creation and composition</a:t>
+            </a:r>
+          </a:p>
+          <a:p>
             <a:r>
               <a:rPr lang="en-US" dirty="0" smtClean="0"/>
-              <a:t> book and blog posts</a:t>
-            </a:r>
-          </a:p>
-          <a:p>
-            <a:r>
-              <a:rPr lang="en-US" dirty="0" smtClean="0"/>
-              <a:t>Conversation about DI in </a:t>
-            </a:r>
-            <a:r>
-              <a:rPr lang="en-US" dirty="0" err="1" smtClean="0"/>
-              <a:t>aspnet</a:t>
-            </a:r>
-            <a:r>
-              <a:rPr lang="en-US" dirty="0" smtClean="0"/>
-              <a:t> </a:t>
-            </a:r>
-            <a:r>
-              <a:rPr lang="en-US" dirty="0" err="1" smtClean="0"/>
-              <a:t>vNext</a:t>
-            </a:r>
-            <a:endParaRPr lang="en-US" dirty="0" smtClean="0"/>
-          </a:p>
-          <a:p>
-            <a:r>
-              <a:rPr lang="en-US" dirty="0" smtClean="0"/>
-              <a:t>SOLID</a:t>
-            </a:r>
+              <a:t>Other important parts of DI</a:t>
+            </a:r>
+          </a:p>
+          <a:p>
             <a:endParaRPr lang="en-US" dirty="0"/>
           </a:p>
         </p:txBody>
@@ -33960,7 +39340,7 @@
     </p:spTree>
     <p:extLst>
       <p:ext uri="{BB962C8B-B14F-4D97-AF65-F5344CB8AC3E}">
-        <p14:creationId xmlns:p14="http://schemas.microsoft.com/office/powerpoint/2010/main" val="3179521032"/>
+        <p14:creationId xmlns:p14="http://schemas.microsoft.com/office/powerpoint/2010/main" val="2294633566"/>
       </p:ext>
     </p:extLst>
   </p:cSld>
@@ -34039,6 +39419,624 @@
     <p:extLst>
       <p:ext uri="{BB962C8B-B14F-4D97-AF65-F5344CB8AC3E}">
         <p14:creationId xmlns:p14="http://schemas.microsoft.com/office/powerpoint/2010/main" val="3195109615"/>
+      </p:ext>
+    </p:extLst>
+  </p:cSld>
+  <p:clrMapOvr>
+    <a:masterClrMapping/>
+  </p:clrMapOvr>
+  <p:timing>
+    <p:tnLst>
+      <p:par>
+        <p:cTn id="1" dur="indefinite" restart="never" nodeType="tmRoot"/>
+      </p:par>
+    </p:tnLst>
+  </p:timing>
+</p:sld>
+</file>
+
+<file path=ppt/slides/slide40.xml><?xml version="1.0" encoding="utf-8"?>
+<p:sld xmlns:a="http://schemas.openxmlformats.org/drawingml/2006/main" xmlns:r="http://schemas.openxmlformats.org/officeDocument/2006/relationships" xmlns:p="http://schemas.openxmlformats.org/presentationml/2006/main">
+  <p:cSld>
+    <p:spTree>
+      <p:nvGrpSpPr>
+        <p:cNvPr id="1" name=""/>
+        <p:cNvGrpSpPr/>
+        <p:nvPr/>
+      </p:nvGrpSpPr>
+      <p:grpSpPr>
+        <a:xfrm>
+          <a:off x="0" y="0"/>
+          <a:ext cx="0" cy="0"/>
+          <a:chOff x="0" y="0"/>
+          <a:chExt cx="0" cy="0"/>
+        </a:xfrm>
+      </p:grpSpPr>
+      <p:sp>
+        <p:nvSpPr>
+          <p:cNvPr id="2" name="Title 1"/>
+          <p:cNvSpPr>
+            <a:spLocks noGrp="1"/>
+          </p:cNvSpPr>
+          <p:nvPr>
+            <p:ph type="title"/>
+          </p:nvPr>
+        </p:nvSpPr>
+        <p:spPr/>
+        <p:txBody>
+          <a:bodyPr/>
+          <a:lstStyle/>
+          <a:p>
+            <a:r>
+              <a:rPr lang="en-US" dirty="0" err="1" smtClean="0"/>
+              <a:t>LifeTime</a:t>
+            </a:r>
+            <a:r>
+              <a:rPr lang="en-US" dirty="0" smtClean="0"/>
+              <a:t> Management</a:t>
+            </a:r>
+            <a:endParaRPr lang="en-US" dirty="0"/>
+          </a:p>
+        </p:txBody>
+      </p:sp>
+      <p:sp>
+        <p:nvSpPr>
+          <p:cNvPr id="3" name="Content Placeholder 2"/>
+          <p:cNvSpPr>
+            <a:spLocks noGrp="1"/>
+          </p:cNvSpPr>
+          <p:nvPr>
+            <p:ph idx="1"/>
+          </p:nvPr>
+        </p:nvSpPr>
+        <p:spPr/>
+        <p:txBody>
+          <a:bodyPr/>
+          <a:lstStyle/>
+          <a:p>
+            <a:endParaRPr lang="en-US" dirty="0"/>
+          </a:p>
+        </p:txBody>
+      </p:sp>
+    </p:spTree>
+    <p:extLst>
+      <p:ext uri="{BB962C8B-B14F-4D97-AF65-F5344CB8AC3E}">
+        <p14:creationId xmlns:p14="http://schemas.microsoft.com/office/powerpoint/2010/main" val="3458786066"/>
+      </p:ext>
+    </p:extLst>
+  </p:cSld>
+  <p:clrMapOvr>
+    <a:masterClrMapping/>
+  </p:clrMapOvr>
+  <p:timing>
+    <p:tnLst>
+      <p:par>
+        <p:cTn id="1" dur="indefinite" restart="never" nodeType="tmRoot"/>
+      </p:par>
+    </p:tnLst>
+  </p:timing>
+</p:sld>
+</file>
+
+<file path=ppt/slides/slide41.xml><?xml version="1.0" encoding="utf-8"?>
+<p:sld xmlns:a="http://schemas.openxmlformats.org/drawingml/2006/main" xmlns:r="http://schemas.openxmlformats.org/officeDocument/2006/relationships" xmlns:p="http://schemas.openxmlformats.org/presentationml/2006/main">
+  <p:cSld>
+    <p:spTree>
+      <p:nvGrpSpPr>
+        <p:cNvPr id="1" name=""/>
+        <p:cNvGrpSpPr/>
+        <p:nvPr/>
+      </p:nvGrpSpPr>
+      <p:grpSpPr>
+        <a:xfrm>
+          <a:off x="0" y="0"/>
+          <a:ext cx="0" cy="0"/>
+          <a:chOff x="0" y="0"/>
+          <a:chExt cx="0" cy="0"/>
+        </a:xfrm>
+      </p:grpSpPr>
+      <p:sp>
+        <p:nvSpPr>
+          <p:cNvPr id="2" name="Title 1"/>
+          <p:cNvSpPr>
+            <a:spLocks noGrp="1"/>
+          </p:cNvSpPr>
+          <p:nvPr>
+            <p:ph type="title"/>
+          </p:nvPr>
+        </p:nvSpPr>
+        <p:spPr/>
+        <p:txBody>
+          <a:bodyPr/>
+          <a:lstStyle/>
+          <a:p>
+            <a:r>
+              <a:rPr lang="en-US" dirty="0" smtClean="0"/>
+              <a:t>Interception</a:t>
+            </a:r>
+            <a:endParaRPr lang="en-US" dirty="0"/>
+          </a:p>
+        </p:txBody>
+      </p:sp>
+      <p:sp>
+        <p:nvSpPr>
+          <p:cNvPr id="3" name="Content Placeholder 2"/>
+          <p:cNvSpPr>
+            <a:spLocks noGrp="1"/>
+          </p:cNvSpPr>
+          <p:nvPr>
+            <p:ph idx="1"/>
+          </p:nvPr>
+        </p:nvSpPr>
+        <p:spPr/>
+        <p:txBody>
+          <a:bodyPr/>
+          <a:lstStyle/>
+          <a:p>
+            <a:endParaRPr lang="en-US" dirty="0"/>
+          </a:p>
+        </p:txBody>
+      </p:sp>
+    </p:spTree>
+    <p:extLst>
+      <p:ext uri="{BB962C8B-B14F-4D97-AF65-F5344CB8AC3E}">
+        <p14:creationId xmlns:p14="http://schemas.microsoft.com/office/powerpoint/2010/main" val="4036849652"/>
+      </p:ext>
+    </p:extLst>
+  </p:cSld>
+  <p:clrMapOvr>
+    <a:masterClrMapping/>
+  </p:clrMapOvr>
+  <p:timing>
+    <p:tnLst>
+      <p:par>
+        <p:cTn id="1" dur="indefinite" restart="never" nodeType="tmRoot"/>
+      </p:par>
+    </p:tnLst>
+  </p:timing>
+</p:sld>
+</file>
+
+<file path=ppt/slides/slide42.xml><?xml version="1.0" encoding="utf-8"?>
+<p:sld xmlns:a="http://schemas.openxmlformats.org/drawingml/2006/main" xmlns:r="http://schemas.openxmlformats.org/officeDocument/2006/relationships" xmlns:p="http://schemas.openxmlformats.org/presentationml/2006/main">
+  <p:cSld>
+    <p:spTree>
+      <p:nvGrpSpPr>
+        <p:cNvPr id="1" name=""/>
+        <p:cNvGrpSpPr/>
+        <p:nvPr/>
+      </p:nvGrpSpPr>
+      <p:grpSpPr>
+        <a:xfrm>
+          <a:off x="0" y="0"/>
+          <a:ext cx="0" cy="0"/>
+          <a:chOff x="0" y="0"/>
+          <a:chExt cx="0" cy="0"/>
+        </a:xfrm>
+      </p:grpSpPr>
+      <p:sp>
+        <p:nvSpPr>
+          <p:cNvPr id="2" name="Title 1"/>
+          <p:cNvSpPr>
+            <a:spLocks noGrp="1"/>
+          </p:cNvSpPr>
+          <p:nvPr>
+            <p:ph type="title"/>
+          </p:nvPr>
+        </p:nvSpPr>
+        <p:spPr/>
+        <p:txBody>
+          <a:bodyPr>
+            <a:normAutofit/>
+          </a:bodyPr>
+          <a:lstStyle/>
+          <a:p>
+            <a:r>
+              <a:rPr lang="en-US" dirty="0" smtClean="0"/>
+              <a:t>Conclusion</a:t>
+            </a:r>
+            <a:endParaRPr lang="en-US" dirty="0"/>
+          </a:p>
+        </p:txBody>
+      </p:sp>
+      <p:sp>
+        <p:nvSpPr>
+          <p:cNvPr id="3" name="Content Placeholder 2"/>
+          <p:cNvSpPr>
+            <a:spLocks noGrp="1"/>
+          </p:cNvSpPr>
+          <p:nvPr>
+            <p:ph idx="1"/>
+          </p:nvPr>
+        </p:nvSpPr>
+        <p:spPr/>
+        <p:txBody>
+          <a:bodyPr/>
+          <a:lstStyle/>
+          <a:p>
+            <a:endParaRPr lang="en-US"/>
+          </a:p>
+        </p:txBody>
+      </p:sp>
+    </p:spTree>
+    <p:extLst>
+      <p:ext uri="{BB962C8B-B14F-4D97-AF65-F5344CB8AC3E}">
+        <p14:creationId xmlns:p14="http://schemas.microsoft.com/office/powerpoint/2010/main" val="308607750"/>
+      </p:ext>
+    </p:extLst>
+  </p:cSld>
+  <p:clrMapOvr>
+    <a:masterClrMapping/>
+  </p:clrMapOvr>
+  <p:timing>
+    <p:tnLst>
+      <p:par>
+        <p:cTn id="1" dur="indefinite" restart="never" nodeType="tmRoot"/>
+      </p:par>
+    </p:tnLst>
+  </p:timing>
+</p:sld>
+</file>
+
+<file path=ppt/slides/slide43.xml><?xml version="1.0" encoding="utf-8"?>
+<p:sld xmlns:a="http://schemas.openxmlformats.org/drawingml/2006/main" xmlns:r="http://schemas.openxmlformats.org/officeDocument/2006/relationships" xmlns:p="http://schemas.openxmlformats.org/presentationml/2006/main">
+  <p:cSld>
+    <p:spTree>
+      <p:nvGrpSpPr>
+        <p:cNvPr id="1" name=""/>
+        <p:cNvGrpSpPr/>
+        <p:nvPr/>
+      </p:nvGrpSpPr>
+      <p:grpSpPr>
+        <a:xfrm>
+          <a:off x="0" y="0"/>
+          <a:ext cx="0" cy="0"/>
+          <a:chOff x="0" y="0"/>
+          <a:chExt cx="0" cy="0"/>
+        </a:xfrm>
+      </p:grpSpPr>
+      <p:sp>
+        <p:nvSpPr>
+          <p:cNvPr id="2" name="Title 1"/>
+          <p:cNvSpPr>
+            <a:spLocks noGrp="1"/>
+          </p:cNvSpPr>
+          <p:nvPr>
+            <p:ph type="title"/>
+          </p:nvPr>
+        </p:nvSpPr>
+        <p:spPr/>
+        <p:txBody>
+          <a:bodyPr/>
+          <a:lstStyle/>
+          <a:p>
+            <a:r>
+              <a:rPr lang="en-US" dirty="0" smtClean="0"/>
+              <a:t>Remember</a:t>
+            </a:r>
+            <a:endParaRPr lang="en-US" dirty="0"/>
+          </a:p>
+        </p:txBody>
+      </p:sp>
+      <p:sp>
+        <p:nvSpPr>
+          <p:cNvPr id="3" name="Content Placeholder 2"/>
+          <p:cNvSpPr>
+            <a:spLocks noGrp="1"/>
+          </p:cNvSpPr>
+          <p:nvPr>
+            <p:ph idx="1"/>
+          </p:nvPr>
+        </p:nvSpPr>
+        <p:spPr/>
+        <p:txBody>
+          <a:bodyPr/>
+          <a:lstStyle/>
+          <a:p>
+            <a:endParaRPr lang="en-US"/>
+          </a:p>
+        </p:txBody>
+      </p:sp>
+    </p:spTree>
+    <p:extLst>
+      <p:ext uri="{BB962C8B-B14F-4D97-AF65-F5344CB8AC3E}">
+        <p14:creationId xmlns:p14="http://schemas.microsoft.com/office/powerpoint/2010/main" val="1019461660"/>
+      </p:ext>
+    </p:extLst>
+  </p:cSld>
+  <p:clrMapOvr>
+    <a:masterClrMapping/>
+  </p:clrMapOvr>
+  <p:timing>
+    <p:tnLst>
+      <p:par>
+        <p:cTn id="1" dur="indefinite" restart="never" nodeType="tmRoot"/>
+      </p:par>
+    </p:tnLst>
+  </p:timing>
+</p:sld>
+</file>
+
+<file path=ppt/slides/slide44.xml><?xml version="1.0" encoding="utf-8"?>
+<p:sld xmlns:a="http://schemas.openxmlformats.org/drawingml/2006/main" xmlns:r="http://schemas.openxmlformats.org/officeDocument/2006/relationships" xmlns:p="http://schemas.openxmlformats.org/presentationml/2006/main">
+  <p:cSld>
+    <p:spTree>
+      <p:nvGrpSpPr>
+        <p:cNvPr id="1" name=""/>
+        <p:cNvGrpSpPr/>
+        <p:nvPr/>
+      </p:nvGrpSpPr>
+      <p:grpSpPr>
+        <a:xfrm>
+          <a:off x="0" y="0"/>
+          <a:ext cx="0" cy="0"/>
+          <a:chOff x="0" y="0"/>
+          <a:chExt cx="0" cy="0"/>
+        </a:xfrm>
+      </p:grpSpPr>
+      <p:sp>
+        <p:nvSpPr>
+          <p:cNvPr id="2" name="Title 1"/>
+          <p:cNvSpPr>
+            <a:spLocks noGrp="1"/>
+          </p:cNvSpPr>
+          <p:nvPr>
+            <p:ph type="title"/>
+          </p:nvPr>
+        </p:nvSpPr>
+        <p:spPr/>
+        <p:txBody>
+          <a:bodyPr/>
+          <a:lstStyle/>
+          <a:p>
+            <a:r>
+              <a:rPr lang="en-US" dirty="0" smtClean="0"/>
+              <a:t>Going further …</a:t>
+            </a:r>
+            <a:endParaRPr lang="en-US" dirty="0"/>
+          </a:p>
+        </p:txBody>
+      </p:sp>
+      <p:sp>
+        <p:nvSpPr>
+          <p:cNvPr id="3" name="Content Placeholder 2"/>
+          <p:cNvSpPr>
+            <a:spLocks noGrp="1"/>
+          </p:cNvSpPr>
+          <p:nvPr>
+            <p:ph idx="1"/>
+          </p:nvPr>
+        </p:nvSpPr>
+        <p:spPr/>
+        <p:txBody>
+          <a:bodyPr/>
+          <a:lstStyle/>
+          <a:p>
+            <a:r>
+              <a:rPr lang="en-US" dirty="0" smtClean="0"/>
+              <a:t>Mark </a:t>
+            </a:r>
+            <a:r>
+              <a:rPr lang="en-US" dirty="0" err="1" smtClean="0"/>
+              <a:t>Seemann’s</a:t>
+            </a:r>
+            <a:r>
+              <a:rPr lang="en-US" dirty="0" smtClean="0"/>
+              <a:t> book and blog posts</a:t>
+            </a:r>
+          </a:p>
+          <a:p>
+            <a:r>
+              <a:rPr lang="en-US" dirty="0" smtClean="0"/>
+              <a:t>Conversation about DI in </a:t>
+            </a:r>
+            <a:r>
+              <a:rPr lang="en-US" dirty="0" err="1" smtClean="0"/>
+              <a:t>aspnet</a:t>
+            </a:r>
+            <a:r>
+              <a:rPr lang="en-US" dirty="0" smtClean="0"/>
+              <a:t> </a:t>
+            </a:r>
+            <a:r>
+              <a:rPr lang="en-US" dirty="0" err="1" smtClean="0"/>
+              <a:t>vNext</a:t>
+            </a:r>
+            <a:endParaRPr lang="en-US" dirty="0" smtClean="0"/>
+          </a:p>
+          <a:p>
+            <a:r>
+              <a:rPr lang="en-US" dirty="0" smtClean="0"/>
+              <a:t>SOLID</a:t>
+            </a:r>
+            <a:endParaRPr lang="en-US" dirty="0"/>
+          </a:p>
+        </p:txBody>
+      </p:sp>
+    </p:spTree>
+    <p:extLst>
+      <p:ext uri="{BB962C8B-B14F-4D97-AF65-F5344CB8AC3E}">
+        <p14:creationId xmlns:p14="http://schemas.microsoft.com/office/powerpoint/2010/main" val="3179521032"/>
+      </p:ext>
+    </p:extLst>
+  </p:cSld>
+  <p:clrMapOvr>
+    <a:masterClrMapping/>
+  </p:clrMapOvr>
+  <p:timing>
+    <p:tnLst>
+      <p:par>
+        <p:cTn id="1" dur="indefinite" restart="never" nodeType="tmRoot"/>
+      </p:par>
+    </p:tnLst>
+  </p:timing>
+</p:sld>
+</file>
+
+<file path=ppt/slides/slide45.xml><?xml version="1.0" encoding="utf-8"?>
+<p:sld xmlns:a="http://schemas.openxmlformats.org/drawingml/2006/main" xmlns:r="http://schemas.openxmlformats.org/officeDocument/2006/relationships" xmlns:p="http://schemas.openxmlformats.org/presentationml/2006/main">
+  <p:cSld>
+    <p:spTree>
+      <p:nvGrpSpPr>
+        <p:cNvPr id="1" name=""/>
+        <p:cNvGrpSpPr/>
+        <p:nvPr/>
+      </p:nvGrpSpPr>
+      <p:grpSpPr>
+        <a:xfrm>
+          <a:off x="0" y="0"/>
+          <a:ext cx="0" cy="0"/>
+          <a:chOff x="0" y="0"/>
+          <a:chExt cx="0" cy="0"/>
+        </a:xfrm>
+      </p:grpSpPr>
+      <p:sp>
+        <p:nvSpPr>
+          <p:cNvPr id="4" name="Title 3"/>
+          <p:cNvSpPr>
+            <a:spLocks noGrp="1"/>
+          </p:cNvSpPr>
+          <p:nvPr>
+            <p:ph type="title"/>
+          </p:nvPr>
+        </p:nvSpPr>
+        <p:spPr/>
+        <p:txBody>
+          <a:bodyPr/>
+          <a:lstStyle/>
+          <a:p>
+            <a:r>
+              <a:rPr lang="fr-FR" dirty="0" smtClean="0"/>
+              <a:t>EXTRAS</a:t>
+            </a:r>
+            <a:endParaRPr lang="en-US" dirty="0"/>
+          </a:p>
+        </p:txBody>
+      </p:sp>
+      <p:sp>
+        <p:nvSpPr>
+          <p:cNvPr id="5" name="Text Placeholder 4"/>
+          <p:cNvSpPr>
+            <a:spLocks noGrp="1"/>
+          </p:cNvSpPr>
+          <p:nvPr>
+            <p:ph type="body" idx="1"/>
+          </p:nvPr>
+        </p:nvSpPr>
+        <p:spPr/>
+        <p:txBody>
+          <a:bodyPr/>
+          <a:lstStyle/>
+          <a:p>
+            <a:r>
+              <a:rPr lang="fr-FR" dirty="0" smtClean="0"/>
+              <a:t>You </a:t>
+            </a:r>
+            <a:r>
+              <a:rPr lang="fr-FR" dirty="0" err="1" smtClean="0"/>
+              <a:t>want</a:t>
+            </a:r>
+            <a:r>
+              <a:rPr lang="fr-FR" dirty="0" smtClean="0"/>
+              <a:t> more ?</a:t>
+            </a:r>
+            <a:endParaRPr lang="en-US" dirty="0"/>
+          </a:p>
+        </p:txBody>
+      </p:sp>
+    </p:spTree>
+    <p:extLst>
+      <p:ext uri="{BB962C8B-B14F-4D97-AF65-F5344CB8AC3E}">
+        <p14:creationId xmlns:p14="http://schemas.microsoft.com/office/powerpoint/2010/main" val="2518618604"/>
+      </p:ext>
+    </p:extLst>
+  </p:cSld>
+  <p:clrMapOvr>
+    <a:masterClrMapping/>
+  </p:clrMapOvr>
+  <p:timing>
+    <p:tnLst>
+      <p:par>
+        <p:cTn id="1" dur="indefinite" restart="never" nodeType="tmRoot"/>
+      </p:par>
+    </p:tnLst>
+  </p:timing>
+</p:sld>
+</file>
+
+<file path=ppt/slides/slide46.xml><?xml version="1.0" encoding="utf-8"?>
+<p:sld xmlns:a="http://schemas.openxmlformats.org/drawingml/2006/main" xmlns:r="http://schemas.openxmlformats.org/officeDocument/2006/relationships" xmlns:p="http://schemas.openxmlformats.org/presentationml/2006/main">
+  <p:cSld>
+    <p:spTree>
+      <p:nvGrpSpPr>
+        <p:cNvPr id="1" name=""/>
+        <p:cNvGrpSpPr/>
+        <p:nvPr/>
+      </p:nvGrpSpPr>
+      <p:grpSpPr>
+        <a:xfrm>
+          <a:off x="0" y="0"/>
+          <a:ext cx="0" cy="0"/>
+          <a:chOff x="0" y="0"/>
+          <a:chExt cx="0" cy="0"/>
+        </a:xfrm>
+      </p:grpSpPr>
+      <p:sp>
+        <p:nvSpPr>
+          <p:cNvPr id="2" name="Title 1"/>
+          <p:cNvSpPr>
+            <a:spLocks noGrp="1"/>
+          </p:cNvSpPr>
+          <p:nvPr>
+            <p:ph type="title"/>
+          </p:nvPr>
+        </p:nvSpPr>
+        <p:spPr/>
+        <p:txBody>
+          <a:bodyPr>
+            <a:normAutofit/>
+          </a:bodyPr>
+          <a:lstStyle/>
+          <a:p>
+            <a:r>
+              <a:rPr lang="en-US" dirty="0"/>
+              <a:t>a</a:t>
+            </a:r>
+            <a:r>
+              <a:rPr lang="en-US" dirty="0" smtClean="0"/>
+              <a:t>nti-pattern : </a:t>
+            </a:r>
+            <a:r>
+              <a:rPr lang="en-US" b="1" dirty="0" smtClean="0"/>
+              <a:t>Service Locator</a:t>
+            </a:r>
+            <a:endParaRPr lang="en-US" b="1" dirty="0"/>
+          </a:p>
+        </p:txBody>
+      </p:sp>
+      <p:sp>
+        <p:nvSpPr>
+          <p:cNvPr id="3" name="Content Placeholder 2"/>
+          <p:cNvSpPr>
+            <a:spLocks noGrp="1"/>
+          </p:cNvSpPr>
+          <p:nvPr>
+            <p:ph idx="1"/>
+          </p:nvPr>
+        </p:nvSpPr>
+        <p:spPr/>
+        <p:txBody>
+          <a:bodyPr/>
+          <a:lstStyle/>
+          <a:p>
+            <a:endParaRPr lang="en-US"/>
+          </a:p>
+        </p:txBody>
+      </p:sp>
+    </p:spTree>
+    <p:extLst>
+      <p:ext uri="{BB962C8B-B14F-4D97-AF65-F5344CB8AC3E}">
+        <p14:creationId xmlns:p14="http://schemas.microsoft.com/office/powerpoint/2010/main" val="1148450113"/>
       </p:ext>
     </p:extLst>
   </p:cSld>

--- a/Dependency Injection - the right way.pptx
+++ b/Dependency Injection - the right way.pptx
@@ -39045,7 +39045,7 @@
               <a:t> </a:t>
             </a:r>
             <a:r>
-              <a:rPr lang="fr-FR" sz="2400" dirty="0" err="1" smtClean="0">
+              <a:rPr lang="fr-FR" sz="2400" b="1" dirty="0" err="1" smtClean="0">
                 <a:latin typeface="Consolas" panose="020B0609020204030204" pitchFamily="49" charset="0"/>
                 <a:cs typeface="Consolas" panose="020B0609020204030204" pitchFamily="49" charset="0"/>
               </a:rPr>
@@ -39083,7 +39083,7 @@
               <a:t>Method </a:t>
             </a:r>
             <a:r>
-              <a:rPr lang="fr-FR" sz="2800" dirty="0" err="1" smtClean="0">
+              <a:rPr lang="fr-FR" sz="2800" b="1" dirty="0" err="1" smtClean="0">
                 <a:latin typeface="Consolas" panose="020B0609020204030204" pitchFamily="49" charset="0"/>
                 <a:cs typeface="Consolas" panose="020B0609020204030204" pitchFamily="49" charset="0"/>
               </a:rPr>
@@ -39242,7 +39242,3483 @@
           <a:bodyPr/>
           <a:lstStyle/>
           <a:p>
-            <a:endParaRPr lang="en-US"/>
+            <a:endParaRPr lang="en-US" dirty="0"/>
+          </a:p>
+        </p:txBody>
+      </p:sp>
+      <p:sp>
+        <p:nvSpPr>
+          <p:cNvPr id="4" name="TextBox 3"/>
+          <p:cNvSpPr txBox="1"/>
+          <p:nvPr/>
+        </p:nvSpPr>
+        <p:spPr>
+          <a:xfrm>
+            <a:off x="0" y="188640"/>
+            <a:ext cx="9784704" cy="3168753"/>
+          </a:xfrm>
+          <a:prstGeom prst="rect">
+            <a:avLst/>
+          </a:prstGeom>
+          <a:solidFill>
+            <a:schemeClr val="bg1"/>
+          </a:solidFill>
+          <a:ln>
+            <a:solidFill>
+              <a:schemeClr val="accent1"/>
+            </a:solidFill>
+          </a:ln>
+        </p:spPr>
+        <p:txBody>
+          <a:bodyPr wrap="square" rtlCol="0">
+            <a:spAutoFit/>
+          </a:bodyPr>
+          <a:lstStyle/>
+          <a:p>
+            <a:pPr>
+              <a:lnSpc>
+                <a:spcPct val="115000"/>
+              </a:lnSpc>
+              <a:spcAft>
+                <a:spcPts val="0"/>
+              </a:spcAft>
+            </a:pPr>
+            <a:r>
+              <a:rPr lang="en-US" dirty="0">
+                <a:solidFill>
+                  <a:srgbClr val="0000FF"/>
+                </a:solidFill>
+                <a:highlight>
+                  <a:srgbClr val="FFFFFF"/>
+                </a:highlight>
+                <a:latin typeface="Consolas"/>
+                <a:ea typeface="Calibri"/>
+                <a:cs typeface="Times New Roman"/>
+              </a:rPr>
+              <a:t>public</a:t>
+            </a:r>
+            <a:r>
+              <a:rPr lang="en-US" dirty="0">
+                <a:solidFill>
+                  <a:srgbClr val="000000"/>
+                </a:solidFill>
+                <a:highlight>
+                  <a:srgbClr val="FFFFFF"/>
+                </a:highlight>
+                <a:latin typeface="Consolas"/>
+                <a:ea typeface="Calibri"/>
+                <a:cs typeface="Times New Roman"/>
+              </a:rPr>
+              <a:t> </a:t>
+            </a:r>
+            <a:r>
+              <a:rPr lang="en-US" dirty="0">
+                <a:solidFill>
+                  <a:srgbClr val="0000FF"/>
+                </a:solidFill>
+                <a:highlight>
+                  <a:srgbClr val="FFFFFF"/>
+                </a:highlight>
+                <a:latin typeface="Consolas"/>
+                <a:ea typeface="Calibri"/>
+                <a:cs typeface="Times New Roman"/>
+              </a:rPr>
+              <a:t>class</a:t>
+            </a:r>
+            <a:r>
+              <a:rPr lang="en-US" dirty="0">
+                <a:solidFill>
+                  <a:srgbClr val="000000"/>
+                </a:solidFill>
+                <a:highlight>
+                  <a:srgbClr val="FFFFFF"/>
+                </a:highlight>
+                <a:latin typeface="Consolas"/>
+                <a:ea typeface="Calibri"/>
+                <a:cs typeface="Times New Roman"/>
+              </a:rPr>
+              <a:t> </a:t>
+            </a:r>
+            <a:r>
+              <a:rPr lang="en-US" dirty="0" err="1">
+                <a:solidFill>
+                  <a:srgbClr val="2B91AF"/>
+                </a:solidFill>
+                <a:highlight>
+                  <a:srgbClr val="FFFFFF"/>
+                </a:highlight>
+                <a:latin typeface="Consolas"/>
+                <a:ea typeface="Calibri"/>
+                <a:cs typeface="Times New Roman"/>
+              </a:rPr>
+              <a:t>MvcApplication</a:t>
+            </a:r>
+            <a:r>
+              <a:rPr lang="en-US" dirty="0">
+                <a:solidFill>
+                  <a:srgbClr val="000000"/>
+                </a:solidFill>
+                <a:highlight>
+                  <a:srgbClr val="FFFFFF"/>
+                </a:highlight>
+                <a:latin typeface="Consolas"/>
+                <a:ea typeface="Calibri"/>
+                <a:cs typeface="Times New Roman"/>
+              </a:rPr>
+              <a:t> : </a:t>
+            </a:r>
+            <a:r>
+              <a:rPr lang="en-US" dirty="0" err="1">
+                <a:solidFill>
+                  <a:srgbClr val="000000"/>
+                </a:solidFill>
+                <a:highlight>
+                  <a:srgbClr val="FFFFFF"/>
+                </a:highlight>
+                <a:latin typeface="Consolas"/>
+                <a:ea typeface="Calibri"/>
+                <a:cs typeface="Times New Roman"/>
+              </a:rPr>
+              <a:t>System.Web.</a:t>
+            </a:r>
+            <a:r>
+              <a:rPr lang="en-US" dirty="0" err="1">
+                <a:solidFill>
+                  <a:srgbClr val="2B91AF"/>
+                </a:solidFill>
+                <a:highlight>
+                  <a:srgbClr val="FFFFFF"/>
+                </a:highlight>
+                <a:latin typeface="Consolas"/>
+                <a:ea typeface="Calibri"/>
+                <a:cs typeface="Times New Roman"/>
+              </a:rPr>
+              <a:t>HttpApplication</a:t>
+            </a:r>
+            <a:endParaRPr lang="en-US" sz="2400" dirty="0">
+              <a:ea typeface="Calibri"/>
+              <a:cs typeface="Times New Roman"/>
+            </a:endParaRPr>
+          </a:p>
+          <a:p>
+            <a:pPr>
+              <a:lnSpc>
+                <a:spcPct val="115000"/>
+              </a:lnSpc>
+              <a:spcAft>
+                <a:spcPts val="0"/>
+              </a:spcAft>
+            </a:pPr>
+            <a:r>
+              <a:rPr lang="en-US" dirty="0">
+                <a:solidFill>
+                  <a:srgbClr val="000000"/>
+                </a:solidFill>
+                <a:highlight>
+                  <a:srgbClr val="FFFFFF"/>
+                </a:highlight>
+                <a:latin typeface="Consolas"/>
+                <a:ea typeface="Calibri"/>
+                <a:cs typeface="Times New Roman"/>
+              </a:rPr>
+              <a:t>    {</a:t>
+            </a:r>
+            <a:endParaRPr lang="en-US" sz="2400" dirty="0">
+              <a:ea typeface="Calibri"/>
+              <a:cs typeface="Times New Roman"/>
+            </a:endParaRPr>
+          </a:p>
+          <a:p>
+            <a:pPr>
+              <a:lnSpc>
+                <a:spcPct val="115000"/>
+              </a:lnSpc>
+              <a:spcAft>
+                <a:spcPts val="0"/>
+              </a:spcAft>
+            </a:pPr>
+            <a:r>
+              <a:rPr lang="en-US" dirty="0">
+                <a:solidFill>
+                  <a:srgbClr val="000000"/>
+                </a:solidFill>
+                <a:highlight>
+                  <a:srgbClr val="FFFFFF"/>
+                </a:highlight>
+                <a:latin typeface="Consolas"/>
+                <a:ea typeface="Calibri"/>
+                <a:cs typeface="Times New Roman"/>
+              </a:rPr>
+              <a:t>        </a:t>
+            </a:r>
+            <a:r>
+              <a:rPr lang="en-US" dirty="0">
+                <a:solidFill>
+                  <a:srgbClr val="0000FF"/>
+                </a:solidFill>
+                <a:highlight>
+                  <a:srgbClr val="FFFFFF"/>
+                </a:highlight>
+                <a:latin typeface="Consolas"/>
+                <a:ea typeface="Calibri"/>
+                <a:cs typeface="Times New Roman"/>
+              </a:rPr>
+              <a:t>protected</a:t>
+            </a:r>
+            <a:r>
+              <a:rPr lang="en-US" dirty="0">
+                <a:solidFill>
+                  <a:srgbClr val="000000"/>
+                </a:solidFill>
+                <a:highlight>
+                  <a:srgbClr val="FFFFFF"/>
+                </a:highlight>
+                <a:latin typeface="Consolas"/>
+                <a:ea typeface="Calibri"/>
+                <a:cs typeface="Times New Roman"/>
+              </a:rPr>
+              <a:t> </a:t>
+            </a:r>
+            <a:r>
+              <a:rPr lang="en-US" dirty="0">
+                <a:solidFill>
+                  <a:srgbClr val="0000FF"/>
+                </a:solidFill>
+                <a:highlight>
+                  <a:srgbClr val="FFFFFF"/>
+                </a:highlight>
+                <a:latin typeface="Consolas"/>
+                <a:ea typeface="Calibri"/>
+                <a:cs typeface="Times New Roman"/>
+              </a:rPr>
+              <a:t>void</a:t>
+            </a:r>
+            <a:r>
+              <a:rPr lang="en-US" dirty="0">
+                <a:solidFill>
+                  <a:srgbClr val="000000"/>
+                </a:solidFill>
+                <a:highlight>
+                  <a:srgbClr val="FFFFFF"/>
+                </a:highlight>
+                <a:latin typeface="Consolas"/>
+                <a:ea typeface="Calibri"/>
+                <a:cs typeface="Times New Roman"/>
+              </a:rPr>
+              <a:t> </a:t>
+            </a:r>
+            <a:r>
+              <a:rPr lang="en-US" dirty="0" err="1">
+                <a:solidFill>
+                  <a:srgbClr val="000000"/>
+                </a:solidFill>
+                <a:highlight>
+                  <a:srgbClr val="FFFFFF"/>
+                </a:highlight>
+                <a:latin typeface="Consolas"/>
+                <a:ea typeface="Calibri"/>
+                <a:cs typeface="Times New Roman"/>
+              </a:rPr>
+              <a:t>Application_Start</a:t>
+            </a:r>
+            <a:r>
+              <a:rPr lang="en-US" dirty="0">
+                <a:solidFill>
+                  <a:srgbClr val="000000"/>
+                </a:solidFill>
+                <a:highlight>
+                  <a:srgbClr val="FFFFFF"/>
+                </a:highlight>
+                <a:latin typeface="Consolas"/>
+                <a:ea typeface="Calibri"/>
+                <a:cs typeface="Times New Roman"/>
+              </a:rPr>
+              <a:t>()</a:t>
+            </a:r>
+            <a:endParaRPr lang="en-US" sz="2400" dirty="0">
+              <a:ea typeface="Calibri"/>
+              <a:cs typeface="Times New Roman"/>
+            </a:endParaRPr>
+          </a:p>
+          <a:p>
+            <a:pPr>
+              <a:lnSpc>
+                <a:spcPct val="115000"/>
+              </a:lnSpc>
+              <a:spcAft>
+                <a:spcPts val="0"/>
+              </a:spcAft>
+            </a:pPr>
+            <a:r>
+              <a:rPr lang="en-US" dirty="0">
+                <a:solidFill>
+                  <a:srgbClr val="000000"/>
+                </a:solidFill>
+                <a:highlight>
+                  <a:srgbClr val="FFFFFF"/>
+                </a:highlight>
+                <a:latin typeface="Consolas"/>
+                <a:ea typeface="Calibri"/>
+                <a:cs typeface="Times New Roman"/>
+              </a:rPr>
+              <a:t>        {</a:t>
+            </a:r>
+            <a:endParaRPr lang="en-US" sz="2400" dirty="0">
+              <a:ea typeface="Calibri"/>
+              <a:cs typeface="Times New Roman"/>
+            </a:endParaRPr>
+          </a:p>
+          <a:p>
+            <a:pPr>
+              <a:lnSpc>
+                <a:spcPct val="115000"/>
+              </a:lnSpc>
+              <a:spcAft>
+                <a:spcPts val="0"/>
+              </a:spcAft>
+            </a:pPr>
+            <a:r>
+              <a:rPr lang="en-US" dirty="0">
+                <a:solidFill>
+                  <a:srgbClr val="000000"/>
+                </a:solidFill>
+                <a:highlight>
+                  <a:srgbClr val="FFFFFF"/>
+                </a:highlight>
+                <a:latin typeface="Consolas"/>
+                <a:ea typeface="Calibri"/>
+                <a:cs typeface="Times New Roman"/>
+              </a:rPr>
+              <a:t>            </a:t>
+            </a:r>
+            <a:r>
+              <a:rPr lang="en-US" dirty="0" err="1">
+                <a:solidFill>
+                  <a:srgbClr val="0000FF"/>
+                </a:solidFill>
+                <a:highlight>
+                  <a:srgbClr val="FFFFFF"/>
+                </a:highlight>
+                <a:latin typeface="Consolas"/>
+                <a:ea typeface="Calibri"/>
+                <a:cs typeface="Times New Roman"/>
+              </a:rPr>
+              <a:t>var</a:t>
+            </a:r>
+            <a:r>
+              <a:rPr lang="en-US" dirty="0">
+                <a:solidFill>
+                  <a:srgbClr val="000000"/>
+                </a:solidFill>
+                <a:highlight>
+                  <a:srgbClr val="FFFFFF"/>
+                </a:highlight>
+                <a:latin typeface="Consolas"/>
+                <a:ea typeface="Calibri"/>
+                <a:cs typeface="Times New Roman"/>
+              </a:rPr>
+              <a:t> container = </a:t>
+            </a:r>
+            <a:r>
+              <a:rPr lang="en-US" dirty="0">
+                <a:solidFill>
+                  <a:srgbClr val="0000FF"/>
+                </a:solidFill>
+                <a:highlight>
+                  <a:srgbClr val="FFFFFF"/>
+                </a:highlight>
+                <a:latin typeface="Consolas"/>
+                <a:ea typeface="Calibri"/>
+                <a:cs typeface="Times New Roman"/>
+              </a:rPr>
+              <a:t>new</a:t>
+            </a:r>
+            <a:r>
+              <a:rPr lang="en-US" dirty="0">
+                <a:solidFill>
+                  <a:srgbClr val="000000"/>
+                </a:solidFill>
+                <a:highlight>
+                  <a:srgbClr val="FFFFFF"/>
+                </a:highlight>
+                <a:latin typeface="Consolas"/>
+                <a:ea typeface="Calibri"/>
+                <a:cs typeface="Times New Roman"/>
+              </a:rPr>
+              <a:t> </a:t>
+            </a:r>
+            <a:r>
+              <a:rPr lang="en-US" dirty="0" err="1">
+                <a:solidFill>
+                  <a:srgbClr val="2B91AF"/>
+                </a:solidFill>
+                <a:highlight>
+                  <a:srgbClr val="FFFFFF"/>
+                </a:highlight>
+                <a:latin typeface="Consolas"/>
+                <a:ea typeface="Calibri"/>
+                <a:cs typeface="Times New Roman"/>
+              </a:rPr>
+              <a:t>UnityContainer</a:t>
+            </a:r>
+            <a:r>
+              <a:rPr lang="en-US" dirty="0">
+                <a:solidFill>
+                  <a:srgbClr val="000000"/>
+                </a:solidFill>
+                <a:highlight>
+                  <a:srgbClr val="FFFFFF"/>
+                </a:highlight>
+                <a:latin typeface="Consolas"/>
+                <a:ea typeface="Calibri"/>
+                <a:cs typeface="Times New Roman"/>
+              </a:rPr>
+              <a:t>();</a:t>
+            </a:r>
+            <a:endParaRPr lang="en-US" sz="2400" dirty="0">
+              <a:ea typeface="Calibri"/>
+              <a:cs typeface="Times New Roman"/>
+            </a:endParaRPr>
+          </a:p>
+          <a:p>
+            <a:pPr>
+              <a:lnSpc>
+                <a:spcPct val="115000"/>
+              </a:lnSpc>
+              <a:spcAft>
+                <a:spcPts val="0"/>
+              </a:spcAft>
+            </a:pPr>
+            <a:r>
+              <a:rPr lang="en-US" dirty="0">
+                <a:solidFill>
+                  <a:srgbClr val="000000"/>
+                </a:solidFill>
+                <a:highlight>
+                  <a:srgbClr val="FFFFFF"/>
+                </a:highlight>
+                <a:latin typeface="Consolas"/>
+                <a:ea typeface="Calibri"/>
+                <a:cs typeface="Times New Roman"/>
+              </a:rPr>
+              <a:t>            </a:t>
+            </a:r>
+            <a:r>
+              <a:rPr lang="en-US" dirty="0" err="1">
+                <a:solidFill>
+                  <a:srgbClr val="2B91AF"/>
+                </a:solidFill>
+                <a:highlight>
+                  <a:srgbClr val="FFFFFF"/>
+                </a:highlight>
+                <a:latin typeface="Consolas"/>
+                <a:ea typeface="Calibri"/>
+                <a:cs typeface="Times New Roman"/>
+              </a:rPr>
+              <a:t>DependencyConfig</a:t>
+            </a:r>
+            <a:r>
+              <a:rPr lang="en-US" dirty="0" err="1">
+                <a:solidFill>
+                  <a:srgbClr val="000000"/>
+                </a:solidFill>
+                <a:highlight>
+                  <a:srgbClr val="FFFFFF"/>
+                </a:highlight>
+                <a:latin typeface="Consolas"/>
+                <a:ea typeface="Calibri"/>
+                <a:cs typeface="Times New Roman"/>
+              </a:rPr>
+              <a:t>.Configure</a:t>
+            </a:r>
+            <a:r>
+              <a:rPr lang="en-US" dirty="0">
+                <a:solidFill>
+                  <a:srgbClr val="000000"/>
+                </a:solidFill>
+                <a:highlight>
+                  <a:srgbClr val="FFFFFF"/>
+                </a:highlight>
+                <a:latin typeface="Consolas"/>
+                <a:ea typeface="Calibri"/>
+                <a:cs typeface="Times New Roman"/>
+              </a:rPr>
+              <a:t>(container);</a:t>
+            </a:r>
+            <a:endParaRPr lang="en-US" sz="2400" dirty="0">
+              <a:ea typeface="Calibri"/>
+              <a:cs typeface="Times New Roman"/>
+            </a:endParaRPr>
+          </a:p>
+          <a:p>
+            <a:pPr>
+              <a:lnSpc>
+                <a:spcPct val="115000"/>
+              </a:lnSpc>
+              <a:spcAft>
+                <a:spcPts val="0"/>
+              </a:spcAft>
+            </a:pPr>
+            <a:r>
+              <a:rPr lang="en-US" dirty="0">
+                <a:solidFill>
+                  <a:srgbClr val="000000"/>
+                </a:solidFill>
+                <a:highlight>
+                  <a:srgbClr val="FFFFFF"/>
+                </a:highlight>
+                <a:latin typeface="Consolas"/>
+                <a:ea typeface="Calibri"/>
+                <a:cs typeface="Times New Roman"/>
+              </a:rPr>
+              <a:t>            </a:t>
+            </a:r>
+            <a:r>
+              <a:rPr lang="en-US" dirty="0" err="1">
+                <a:solidFill>
+                  <a:srgbClr val="0000FF"/>
+                </a:solidFill>
+                <a:highlight>
+                  <a:srgbClr val="FFFFFF"/>
+                </a:highlight>
+                <a:latin typeface="Consolas"/>
+                <a:ea typeface="Calibri"/>
+                <a:cs typeface="Times New Roman"/>
+              </a:rPr>
+              <a:t>var</a:t>
+            </a:r>
+            <a:r>
+              <a:rPr lang="en-US" dirty="0">
+                <a:solidFill>
+                  <a:srgbClr val="000000"/>
+                </a:solidFill>
+                <a:highlight>
+                  <a:srgbClr val="FFFFFF"/>
+                </a:highlight>
+                <a:latin typeface="Consolas"/>
+                <a:ea typeface="Calibri"/>
+                <a:cs typeface="Times New Roman"/>
+              </a:rPr>
+              <a:t> </a:t>
+            </a:r>
+            <a:r>
+              <a:rPr lang="en-US" dirty="0" err="1">
+                <a:solidFill>
+                  <a:srgbClr val="000000"/>
+                </a:solidFill>
+                <a:highlight>
+                  <a:srgbClr val="FFFFFF"/>
+                </a:highlight>
+                <a:latin typeface="Consolas"/>
+                <a:ea typeface="Calibri"/>
+                <a:cs typeface="Times New Roman"/>
+              </a:rPr>
+              <a:t>compositionRoot</a:t>
+            </a:r>
+            <a:r>
+              <a:rPr lang="en-US" dirty="0">
+                <a:solidFill>
+                  <a:srgbClr val="000000"/>
+                </a:solidFill>
+                <a:highlight>
+                  <a:srgbClr val="FFFFFF"/>
+                </a:highlight>
+                <a:latin typeface="Consolas"/>
+                <a:ea typeface="Calibri"/>
+                <a:cs typeface="Times New Roman"/>
+              </a:rPr>
+              <a:t> = </a:t>
+            </a:r>
+            <a:r>
+              <a:rPr lang="en-US" dirty="0">
+                <a:solidFill>
+                  <a:srgbClr val="0000FF"/>
+                </a:solidFill>
+                <a:highlight>
+                  <a:srgbClr val="FFFFFF"/>
+                </a:highlight>
+                <a:latin typeface="Consolas"/>
+                <a:ea typeface="Calibri"/>
+                <a:cs typeface="Times New Roman"/>
+              </a:rPr>
+              <a:t>new</a:t>
+            </a:r>
+            <a:r>
+              <a:rPr lang="en-US" dirty="0">
+                <a:solidFill>
+                  <a:srgbClr val="000000"/>
+                </a:solidFill>
+                <a:highlight>
+                  <a:srgbClr val="FFFFFF"/>
+                </a:highlight>
+                <a:latin typeface="Consolas"/>
+                <a:ea typeface="Calibri"/>
+                <a:cs typeface="Times New Roman"/>
+              </a:rPr>
+              <a:t> </a:t>
+            </a:r>
+            <a:r>
+              <a:rPr lang="en-US" dirty="0" err="1">
+                <a:solidFill>
+                  <a:srgbClr val="2B91AF"/>
+                </a:solidFill>
+                <a:highlight>
+                  <a:srgbClr val="FFFFFF"/>
+                </a:highlight>
+                <a:latin typeface="Consolas"/>
+                <a:ea typeface="Calibri"/>
+                <a:cs typeface="Times New Roman"/>
+              </a:rPr>
+              <a:t>AppCompositionRoot</a:t>
+            </a:r>
+            <a:r>
+              <a:rPr lang="en-US" dirty="0">
+                <a:solidFill>
+                  <a:srgbClr val="000000"/>
+                </a:solidFill>
+                <a:highlight>
+                  <a:srgbClr val="FFFFFF"/>
+                </a:highlight>
+                <a:latin typeface="Consolas"/>
+                <a:ea typeface="Calibri"/>
+                <a:cs typeface="Times New Roman"/>
+              </a:rPr>
+              <a:t>(container);</a:t>
+            </a:r>
+            <a:endParaRPr lang="en-US" sz="2400" dirty="0">
+              <a:ea typeface="Calibri"/>
+              <a:cs typeface="Times New Roman"/>
+            </a:endParaRPr>
+          </a:p>
+          <a:p>
+            <a:pPr>
+              <a:lnSpc>
+                <a:spcPct val="115000"/>
+              </a:lnSpc>
+              <a:spcAft>
+                <a:spcPts val="1000"/>
+              </a:spcAft>
+            </a:pPr>
+            <a:r>
+              <a:rPr lang="en-US" dirty="0">
+                <a:solidFill>
+                  <a:srgbClr val="000000"/>
+                </a:solidFill>
+                <a:highlight>
+                  <a:srgbClr val="FFFFFF"/>
+                </a:highlight>
+                <a:latin typeface="Consolas"/>
+                <a:ea typeface="Calibri"/>
+                <a:cs typeface="Times New Roman"/>
+              </a:rPr>
+              <a:t>            </a:t>
+            </a:r>
+            <a:r>
+              <a:rPr lang="en-US" dirty="0" err="1">
+                <a:solidFill>
+                  <a:srgbClr val="2B91AF"/>
+                </a:solidFill>
+                <a:highlight>
+                  <a:srgbClr val="FFFFFF"/>
+                </a:highlight>
+                <a:latin typeface="Consolas"/>
+                <a:ea typeface="Calibri"/>
+                <a:cs typeface="Times New Roman"/>
+              </a:rPr>
+              <a:t>ControllerBuilder</a:t>
+            </a:r>
+            <a:r>
+              <a:rPr lang="en-US" dirty="0" err="1">
+                <a:solidFill>
+                  <a:srgbClr val="000000"/>
+                </a:solidFill>
+                <a:highlight>
+                  <a:srgbClr val="FFFFFF"/>
+                </a:highlight>
+                <a:latin typeface="Consolas"/>
+                <a:ea typeface="Calibri"/>
+                <a:cs typeface="Times New Roman"/>
+              </a:rPr>
+              <a:t>.Current.SetControllerFactory</a:t>
+            </a:r>
+            <a:r>
+              <a:rPr lang="en-US" dirty="0">
+                <a:solidFill>
+                  <a:srgbClr val="000000"/>
+                </a:solidFill>
+                <a:highlight>
+                  <a:srgbClr val="FFFFFF"/>
+                </a:highlight>
+                <a:latin typeface="Consolas"/>
+                <a:ea typeface="Calibri"/>
+                <a:cs typeface="Times New Roman"/>
+              </a:rPr>
+              <a:t>(</a:t>
+            </a:r>
+            <a:r>
+              <a:rPr lang="en-US" dirty="0" err="1">
+                <a:solidFill>
+                  <a:srgbClr val="000000"/>
+                </a:solidFill>
+                <a:highlight>
+                  <a:srgbClr val="FFFFFF"/>
+                </a:highlight>
+                <a:latin typeface="Consolas"/>
+                <a:ea typeface="Calibri"/>
+                <a:cs typeface="Times New Roman"/>
+              </a:rPr>
+              <a:t>compositionRoot</a:t>
+            </a:r>
+            <a:r>
+              <a:rPr lang="en-US" dirty="0" smtClean="0">
+                <a:solidFill>
+                  <a:srgbClr val="000000"/>
+                </a:solidFill>
+                <a:highlight>
+                  <a:srgbClr val="FFFFFF"/>
+                </a:highlight>
+                <a:latin typeface="Consolas"/>
+                <a:ea typeface="Calibri"/>
+                <a:cs typeface="Times New Roman"/>
+              </a:rPr>
+              <a:t>);</a:t>
+            </a:r>
+          </a:p>
+          <a:p>
+            <a:pPr>
+              <a:lnSpc>
+                <a:spcPct val="115000"/>
+              </a:lnSpc>
+              <a:spcAft>
+                <a:spcPts val="1000"/>
+              </a:spcAft>
+            </a:pPr>
+            <a:r>
+              <a:rPr lang="fr-FR" sz="2000" i="1" dirty="0" smtClean="0">
+                <a:solidFill>
+                  <a:srgbClr val="000000"/>
+                </a:solidFill>
+                <a:highlight>
+                  <a:srgbClr val="FFFFFF"/>
+                </a:highlight>
+                <a:ea typeface="Calibri"/>
+                <a:cs typeface="Times New Roman"/>
+              </a:rPr>
+              <a:t>In </a:t>
+            </a:r>
+            <a:r>
+              <a:rPr lang="fr-FR" sz="2000" i="1" dirty="0" err="1" smtClean="0">
+                <a:solidFill>
+                  <a:srgbClr val="000000"/>
+                </a:solidFill>
+                <a:highlight>
+                  <a:srgbClr val="FFFFFF"/>
+                </a:highlight>
+                <a:ea typeface="Calibri"/>
+                <a:cs typeface="Times New Roman"/>
+              </a:rPr>
+              <a:t>Global.asax</a:t>
+            </a:r>
+            <a:endParaRPr lang="en-US" sz="2400" i="1" dirty="0">
+              <a:ea typeface="Calibri"/>
+              <a:cs typeface="Times New Roman"/>
+            </a:endParaRPr>
+          </a:p>
+        </p:txBody>
+      </p:sp>
+      <p:sp>
+        <p:nvSpPr>
+          <p:cNvPr id="5" name="TextBox 4"/>
+          <p:cNvSpPr txBox="1"/>
+          <p:nvPr/>
+        </p:nvSpPr>
+        <p:spPr>
+          <a:xfrm>
+            <a:off x="-189106" y="-27384"/>
+            <a:ext cx="9784704" cy="3760004"/>
+          </a:xfrm>
+          <a:prstGeom prst="rect">
+            <a:avLst/>
+          </a:prstGeom>
+          <a:solidFill>
+            <a:schemeClr val="bg1"/>
+          </a:solidFill>
+          <a:ln>
+            <a:solidFill>
+              <a:schemeClr val="accent1"/>
+            </a:solidFill>
+          </a:ln>
+        </p:spPr>
+        <p:txBody>
+          <a:bodyPr wrap="square" rtlCol="0">
+            <a:spAutoFit/>
+          </a:bodyPr>
+          <a:lstStyle/>
+          <a:p>
+            <a:pPr>
+              <a:lnSpc>
+                <a:spcPct val="115000"/>
+              </a:lnSpc>
+              <a:spcAft>
+                <a:spcPts val="0"/>
+              </a:spcAft>
+            </a:pPr>
+            <a:r>
+              <a:rPr lang="en-US" sz="1400" dirty="0">
+                <a:solidFill>
+                  <a:srgbClr val="000000"/>
+                </a:solidFill>
+                <a:highlight>
+                  <a:srgbClr val="FFFFFF"/>
+                </a:highlight>
+                <a:latin typeface="Consolas"/>
+                <a:ea typeface="Calibri"/>
+                <a:cs typeface="Times New Roman"/>
+              </a:rPr>
+              <a:t> </a:t>
+            </a:r>
+            <a:r>
+              <a:rPr lang="en-US" sz="1400" dirty="0">
+                <a:solidFill>
+                  <a:srgbClr val="0000FF"/>
+                </a:solidFill>
+                <a:highlight>
+                  <a:srgbClr val="FFFFFF"/>
+                </a:highlight>
+                <a:latin typeface="Consolas"/>
+                <a:ea typeface="Calibri"/>
+                <a:cs typeface="Times New Roman"/>
+              </a:rPr>
+              <a:t>public</a:t>
+            </a:r>
+            <a:r>
+              <a:rPr lang="en-US" sz="1400" dirty="0">
+                <a:solidFill>
+                  <a:srgbClr val="000000"/>
+                </a:solidFill>
+                <a:highlight>
+                  <a:srgbClr val="FFFFFF"/>
+                </a:highlight>
+                <a:latin typeface="Consolas"/>
+                <a:ea typeface="Calibri"/>
+                <a:cs typeface="Times New Roman"/>
+              </a:rPr>
+              <a:t> </a:t>
+            </a:r>
+            <a:r>
+              <a:rPr lang="en-US" sz="1400" dirty="0">
+                <a:solidFill>
+                  <a:srgbClr val="0000FF"/>
+                </a:solidFill>
+                <a:highlight>
+                  <a:srgbClr val="FFFFFF"/>
+                </a:highlight>
+                <a:latin typeface="Consolas"/>
+                <a:ea typeface="Calibri"/>
+                <a:cs typeface="Times New Roman"/>
+              </a:rPr>
+              <a:t>class</a:t>
+            </a:r>
+            <a:r>
+              <a:rPr lang="en-US" sz="1400" dirty="0">
+                <a:solidFill>
+                  <a:srgbClr val="000000"/>
+                </a:solidFill>
+                <a:highlight>
+                  <a:srgbClr val="FFFFFF"/>
+                </a:highlight>
+                <a:latin typeface="Consolas"/>
+                <a:ea typeface="Calibri"/>
+                <a:cs typeface="Times New Roman"/>
+              </a:rPr>
+              <a:t> </a:t>
+            </a:r>
+            <a:r>
+              <a:rPr lang="en-US" sz="1400" dirty="0" err="1">
+                <a:solidFill>
+                  <a:srgbClr val="2B91AF"/>
+                </a:solidFill>
+                <a:highlight>
+                  <a:srgbClr val="FFFFFF"/>
+                </a:highlight>
+                <a:latin typeface="Consolas"/>
+                <a:ea typeface="Calibri"/>
+                <a:cs typeface="Times New Roman"/>
+              </a:rPr>
+              <a:t>DependencyConfig</a:t>
+            </a:r>
+            <a:endParaRPr lang="en-US" dirty="0">
+              <a:ea typeface="Calibri"/>
+              <a:cs typeface="Times New Roman"/>
+            </a:endParaRPr>
+          </a:p>
+          <a:p>
+            <a:pPr>
+              <a:lnSpc>
+                <a:spcPct val="115000"/>
+              </a:lnSpc>
+              <a:spcAft>
+                <a:spcPts val="0"/>
+              </a:spcAft>
+            </a:pPr>
+            <a:r>
+              <a:rPr lang="en-US" sz="1400" dirty="0">
+                <a:solidFill>
+                  <a:srgbClr val="000000"/>
+                </a:solidFill>
+                <a:highlight>
+                  <a:srgbClr val="FFFFFF"/>
+                </a:highlight>
+                <a:latin typeface="Consolas"/>
+                <a:ea typeface="Calibri"/>
+                <a:cs typeface="Times New Roman"/>
+              </a:rPr>
+              <a:t>    {</a:t>
+            </a:r>
+            <a:endParaRPr lang="en-US" dirty="0">
+              <a:ea typeface="Calibri"/>
+              <a:cs typeface="Times New Roman"/>
+            </a:endParaRPr>
+          </a:p>
+          <a:p>
+            <a:pPr>
+              <a:lnSpc>
+                <a:spcPct val="115000"/>
+              </a:lnSpc>
+              <a:spcAft>
+                <a:spcPts val="0"/>
+              </a:spcAft>
+            </a:pPr>
+            <a:r>
+              <a:rPr lang="en-US" sz="1400" dirty="0">
+                <a:solidFill>
+                  <a:srgbClr val="000000"/>
+                </a:solidFill>
+                <a:highlight>
+                  <a:srgbClr val="FFFFFF"/>
+                </a:highlight>
+                <a:latin typeface="Consolas"/>
+                <a:ea typeface="Calibri"/>
+                <a:cs typeface="Times New Roman"/>
+              </a:rPr>
+              <a:t> </a:t>
+            </a:r>
+            <a:endParaRPr lang="en-US" dirty="0">
+              <a:ea typeface="Calibri"/>
+              <a:cs typeface="Times New Roman"/>
+            </a:endParaRPr>
+          </a:p>
+          <a:p>
+            <a:pPr>
+              <a:lnSpc>
+                <a:spcPct val="115000"/>
+              </a:lnSpc>
+              <a:spcAft>
+                <a:spcPts val="0"/>
+              </a:spcAft>
+            </a:pPr>
+            <a:r>
+              <a:rPr lang="en-US" sz="1400" dirty="0">
+                <a:solidFill>
+                  <a:srgbClr val="000000"/>
+                </a:solidFill>
+                <a:highlight>
+                  <a:srgbClr val="FFFFFF"/>
+                </a:highlight>
+                <a:latin typeface="Consolas"/>
+                <a:ea typeface="Calibri"/>
+                <a:cs typeface="Times New Roman"/>
+              </a:rPr>
+              <a:t>        </a:t>
+            </a:r>
+            <a:r>
+              <a:rPr lang="en-US" sz="1400" dirty="0">
+                <a:solidFill>
+                  <a:srgbClr val="0000FF"/>
+                </a:solidFill>
+                <a:highlight>
+                  <a:srgbClr val="FFFFFF"/>
+                </a:highlight>
+                <a:latin typeface="Consolas"/>
+                <a:ea typeface="Calibri"/>
+                <a:cs typeface="Times New Roman"/>
+              </a:rPr>
+              <a:t>public</a:t>
+            </a:r>
+            <a:r>
+              <a:rPr lang="en-US" sz="1400" dirty="0">
+                <a:solidFill>
+                  <a:srgbClr val="000000"/>
+                </a:solidFill>
+                <a:highlight>
+                  <a:srgbClr val="FFFFFF"/>
+                </a:highlight>
+                <a:latin typeface="Consolas"/>
+                <a:ea typeface="Calibri"/>
+                <a:cs typeface="Times New Roman"/>
+              </a:rPr>
+              <a:t> </a:t>
+            </a:r>
+            <a:r>
+              <a:rPr lang="en-US" sz="1400" dirty="0">
+                <a:solidFill>
+                  <a:srgbClr val="0000FF"/>
+                </a:solidFill>
+                <a:highlight>
+                  <a:srgbClr val="FFFFFF"/>
+                </a:highlight>
+                <a:latin typeface="Consolas"/>
+                <a:ea typeface="Calibri"/>
+                <a:cs typeface="Times New Roman"/>
+              </a:rPr>
+              <a:t>static</a:t>
+            </a:r>
+            <a:r>
+              <a:rPr lang="en-US" sz="1400" dirty="0">
+                <a:solidFill>
+                  <a:srgbClr val="000000"/>
+                </a:solidFill>
+                <a:highlight>
+                  <a:srgbClr val="FFFFFF"/>
+                </a:highlight>
+                <a:latin typeface="Consolas"/>
+                <a:ea typeface="Calibri"/>
+                <a:cs typeface="Times New Roman"/>
+              </a:rPr>
+              <a:t> </a:t>
+            </a:r>
+            <a:r>
+              <a:rPr lang="en-US" sz="1400" dirty="0">
+                <a:solidFill>
+                  <a:srgbClr val="0000FF"/>
+                </a:solidFill>
+                <a:highlight>
+                  <a:srgbClr val="FFFFFF"/>
+                </a:highlight>
+                <a:latin typeface="Consolas"/>
+                <a:ea typeface="Calibri"/>
+                <a:cs typeface="Times New Roman"/>
+              </a:rPr>
+              <a:t>void</a:t>
+            </a:r>
+            <a:r>
+              <a:rPr lang="en-US" sz="1400" dirty="0">
+                <a:solidFill>
+                  <a:srgbClr val="000000"/>
+                </a:solidFill>
+                <a:highlight>
+                  <a:srgbClr val="FFFFFF"/>
+                </a:highlight>
+                <a:latin typeface="Consolas"/>
+                <a:ea typeface="Calibri"/>
+                <a:cs typeface="Times New Roman"/>
+              </a:rPr>
+              <a:t> Configure(</a:t>
+            </a:r>
+            <a:r>
+              <a:rPr lang="en-US" sz="1400" dirty="0" err="1">
+                <a:solidFill>
+                  <a:srgbClr val="2B91AF"/>
+                </a:solidFill>
+                <a:highlight>
+                  <a:srgbClr val="FFFFFF"/>
+                </a:highlight>
+                <a:latin typeface="Consolas"/>
+                <a:ea typeface="Calibri"/>
+                <a:cs typeface="Times New Roman"/>
+              </a:rPr>
+              <a:t>IUnityContainer</a:t>
+            </a:r>
+            <a:r>
+              <a:rPr lang="en-US" sz="1400" dirty="0">
+                <a:solidFill>
+                  <a:srgbClr val="000000"/>
+                </a:solidFill>
+                <a:highlight>
+                  <a:srgbClr val="FFFFFF"/>
+                </a:highlight>
+                <a:latin typeface="Consolas"/>
+                <a:ea typeface="Calibri"/>
+                <a:cs typeface="Times New Roman"/>
+              </a:rPr>
+              <a:t> container)</a:t>
+            </a:r>
+            <a:endParaRPr lang="en-US" dirty="0">
+              <a:ea typeface="Calibri"/>
+              <a:cs typeface="Times New Roman"/>
+            </a:endParaRPr>
+          </a:p>
+          <a:p>
+            <a:pPr>
+              <a:lnSpc>
+                <a:spcPct val="115000"/>
+              </a:lnSpc>
+              <a:spcAft>
+                <a:spcPts val="0"/>
+              </a:spcAft>
+            </a:pPr>
+            <a:r>
+              <a:rPr lang="en-US" sz="1400" dirty="0">
+                <a:solidFill>
+                  <a:srgbClr val="000000"/>
+                </a:solidFill>
+                <a:highlight>
+                  <a:srgbClr val="FFFFFF"/>
+                </a:highlight>
+                <a:latin typeface="Consolas"/>
+                <a:ea typeface="Calibri"/>
+                <a:cs typeface="Times New Roman"/>
+              </a:rPr>
+              <a:t>        {</a:t>
+            </a:r>
+            <a:endParaRPr lang="en-US" dirty="0">
+              <a:ea typeface="Calibri"/>
+              <a:cs typeface="Times New Roman"/>
+            </a:endParaRPr>
+          </a:p>
+          <a:p>
+            <a:pPr>
+              <a:lnSpc>
+                <a:spcPct val="115000"/>
+              </a:lnSpc>
+              <a:spcAft>
+                <a:spcPts val="0"/>
+              </a:spcAft>
+            </a:pPr>
+            <a:r>
+              <a:rPr lang="en-US" sz="1400" dirty="0">
+                <a:solidFill>
+                  <a:srgbClr val="000000"/>
+                </a:solidFill>
+                <a:highlight>
+                  <a:srgbClr val="FFFFFF"/>
+                </a:highlight>
+                <a:latin typeface="Consolas"/>
+                <a:ea typeface="Calibri"/>
+                <a:cs typeface="Times New Roman"/>
+              </a:rPr>
+              <a:t>            </a:t>
+            </a:r>
+            <a:r>
+              <a:rPr lang="en-US" sz="1400" dirty="0" err="1">
+                <a:solidFill>
+                  <a:srgbClr val="0000FF"/>
+                </a:solidFill>
+                <a:highlight>
+                  <a:srgbClr val="FFFFFF"/>
+                </a:highlight>
+                <a:latin typeface="Consolas"/>
+                <a:ea typeface="Calibri"/>
+                <a:cs typeface="Times New Roman"/>
+              </a:rPr>
+              <a:t>var</a:t>
+            </a:r>
+            <a:r>
+              <a:rPr lang="en-US" sz="1400" dirty="0">
+                <a:solidFill>
+                  <a:srgbClr val="000000"/>
+                </a:solidFill>
+                <a:highlight>
+                  <a:srgbClr val="FFFFFF"/>
+                </a:highlight>
+                <a:latin typeface="Consolas"/>
+                <a:ea typeface="Calibri"/>
+                <a:cs typeface="Times New Roman"/>
+              </a:rPr>
+              <a:t> </a:t>
+            </a:r>
+            <a:r>
+              <a:rPr lang="en-US" sz="1400" dirty="0" err="1">
+                <a:solidFill>
+                  <a:srgbClr val="000000"/>
+                </a:solidFill>
+                <a:highlight>
+                  <a:srgbClr val="FFFFFF"/>
+                </a:highlight>
+                <a:latin typeface="Consolas"/>
+                <a:ea typeface="Calibri"/>
+                <a:cs typeface="Times New Roman"/>
+              </a:rPr>
+              <a:t>connectionString</a:t>
+            </a:r>
+            <a:r>
+              <a:rPr lang="en-US" sz="1400" dirty="0">
+                <a:solidFill>
+                  <a:srgbClr val="000000"/>
+                </a:solidFill>
+                <a:highlight>
+                  <a:srgbClr val="FFFFFF"/>
+                </a:highlight>
+                <a:latin typeface="Consolas"/>
+                <a:ea typeface="Calibri"/>
+                <a:cs typeface="Times New Roman"/>
+              </a:rPr>
+              <a:t> = </a:t>
+            </a:r>
+            <a:r>
+              <a:rPr lang="en-US" sz="1400" dirty="0" err="1">
+                <a:solidFill>
+                  <a:srgbClr val="2B91AF"/>
+                </a:solidFill>
+                <a:highlight>
+                  <a:srgbClr val="FFFFFF"/>
+                </a:highlight>
+                <a:latin typeface="Consolas"/>
+                <a:ea typeface="Calibri"/>
+                <a:cs typeface="Times New Roman"/>
+              </a:rPr>
+              <a:t>ConfigurationManager</a:t>
+            </a:r>
+            <a:r>
+              <a:rPr lang="en-US" sz="1400" dirty="0" err="1">
+                <a:solidFill>
+                  <a:srgbClr val="000000"/>
+                </a:solidFill>
+                <a:highlight>
+                  <a:srgbClr val="FFFFFF"/>
+                </a:highlight>
+                <a:latin typeface="Consolas"/>
+                <a:ea typeface="Calibri"/>
+                <a:cs typeface="Times New Roman"/>
+              </a:rPr>
+              <a:t>.ConnectionStrings</a:t>
+            </a:r>
+            <a:r>
+              <a:rPr lang="en-US" sz="1400" dirty="0">
+                <a:solidFill>
+                  <a:srgbClr val="000000"/>
+                </a:solidFill>
+                <a:highlight>
+                  <a:srgbClr val="FFFFFF"/>
+                </a:highlight>
+                <a:latin typeface="Consolas"/>
+                <a:ea typeface="Calibri"/>
+                <a:cs typeface="Times New Roman"/>
+              </a:rPr>
+              <a:t>[</a:t>
+            </a:r>
+            <a:r>
+              <a:rPr lang="en-US" sz="1400" dirty="0">
+                <a:solidFill>
+                  <a:srgbClr val="A31515"/>
+                </a:solidFill>
+                <a:highlight>
+                  <a:srgbClr val="FFFFFF"/>
+                </a:highlight>
+                <a:latin typeface="Consolas"/>
+                <a:ea typeface="Calibri"/>
+                <a:cs typeface="Times New Roman"/>
+              </a:rPr>
+              <a:t>"</a:t>
+            </a:r>
+            <a:r>
+              <a:rPr lang="en-US" sz="1400" dirty="0" err="1">
+                <a:solidFill>
+                  <a:srgbClr val="A31515"/>
+                </a:solidFill>
+                <a:highlight>
+                  <a:srgbClr val="FFFFFF"/>
+                </a:highlight>
+                <a:latin typeface="Consolas"/>
+                <a:ea typeface="Calibri"/>
+                <a:cs typeface="Times New Roman"/>
+              </a:rPr>
+              <a:t>BankingDbContext</a:t>
+            </a:r>
+            <a:r>
+              <a:rPr lang="en-US" sz="1400" dirty="0">
+                <a:solidFill>
+                  <a:srgbClr val="A31515"/>
+                </a:solidFill>
+                <a:highlight>
+                  <a:srgbClr val="FFFFFF"/>
+                </a:highlight>
+                <a:latin typeface="Consolas"/>
+                <a:ea typeface="Calibri"/>
+                <a:cs typeface="Times New Roman"/>
+              </a:rPr>
+              <a:t>"</a:t>
+            </a:r>
+            <a:r>
+              <a:rPr lang="en-US" sz="1400" dirty="0">
+                <a:solidFill>
+                  <a:srgbClr val="000000"/>
+                </a:solidFill>
+                <a:highlight>
+                  <a:srgbClr val="FFFFFF"/>
+                </a:highlight>
+                <a:latin typeface="Consolas"/>
+                <a:ea typeface="Calibri"/>
+                <a:cs typeface="Times New Roman"/>
+              </a:rPr>
+              <a:t>]</a:t>
+            </a:r>
+            <a:endParaRPr lang="en-US" dirty="0">
+              <a:ea typeface="Calibri"/>
+              <a:cs typeface="Times New Roman"/>
+            </a:endParaRPr>
+          </a:p>
+          <a:p>
+            <a:pPr>
+              <a:lnSpc>
+                <a:spcPct val="115000"/>
+              </a:lnSpc>
+              <a:spcAft>
+                <a:spcPts val="0"/>
+              </a:spcAft>
+            </a:pPr>
+            <a:r>
+              <a:rPr lang="en-US" sz="1400" dirty="0">
+                <a:solidFill>
+                  <a:srgbClr val="000000"/>
+                </a:solidFill>
+                <a:highlight>
+                  <a:srgbClr val="FFFFFF"/>
+                </a:highlight>
+                <a:latin typeface="Consolas"/>
+                <a:ea typeface="Calibri"/>
+                <a:cs typeface="Times New Roman"/>
+              </a:rPr>
+              <a:t>                    .</a:t>
+            </a:r>
+            <a:r>
+              <a:rPr lang="en-US" sz="1400" dirty="0" err="1">
+                <a:solidFill>
+                  <a:srgbClr val="000000"/>
+                </a:solidFill>
+                <a:highlight>
+                  <a:srgbClr val="FFFFFF"/>
+                </a:highlight>
+                <a:latin typeface="Consolas"/>
+                <a:ea typeface="Calibri"/>
+                <a:cs typeface="Times New Roman"/>
+              </a:rPr>
+              <a:t>ConnectionString</a:t>
+            </a:r>
+            <a:r>
+              <a:rPr lang="en-US" sz="1400" dirty="0">
+                <a:solidFill>
+                  <a:srgbClr val="000000"/>
+                </a:solidFill>
+                <a:highlight>
+                  <a:srgbClr val="FFFFFF"/>
+                </a:highlight>
+                <a:latin typeface="Consolas"/>
+                <a:ea typeface="Calibri"/>
+                <a:cs typeface="Times New Roman"/>
+              </a:rPr>
+              <a:t>;</a:t>
+            </a:r>
+            <a:endParaRPr lang="en-US" dirty="0">
+              <a:ea typeface="Calibri"/>
+              <a:cs typeface="Times New Roman"/>
+            </a:endParaRPr>
+          </a:p>
+          <a:p>
+            <a:pPr>
+              <a:lnSpc>
+                <a:spcPct val="115000"/>
+              </a:lnSpc>
+              <a:spcAft>
+                <a:spcPts val="0"/>
+              </a:spcAft>
+            </a:pPr>
+            <a:r>
+              <a:rPr lang="en-US" sz="1400" dirty="0">
+                <a:solidFill>
+                  <a:srgbClr val="000000"/>
+                </a:solidFill>
+                <a:highlight>
+                  <a:srgbClr val="FFFFFF"/>
+                </a:highlight>
+                <a:latin typeface="Consolas"/>
+                <a:ea typeface="Calibri"/>
+                <a:cs typeface="Times New Roman"/>
+              </a:rPr>
+              <a:t>            </a:t>
+            </a:r>
+            <a:r>
+              <a:rPr lang="en-US" sz="1400" dirty="0" err="1">
+                <a:solidFill>
+                  <a:srgbClr val="000000"/>
+                </a:solidFill>
+                <a:highlight>
+                  <a:srgbClr val="FFFFFF"/>
+                </a:highlight>
+                <a:latin typeface="Consolas"/>
+                <a:ea typeface="Calibri"/>
+                <a:cs typeface="Times New Roman"/>
+              </a:rPr>
+              <a:t>container.RegisterType</a:t>
+            </a:r>
+            <a:r>
+              <a:rPr lang="en-US" sz="1400" dirty="0">
+                <a:solidFill>
+                  <a:srgbClr val="000000"/>
+                </a:solidFill>
+                <a:highlight>
+                  <a:srgbClr val="FFFFFF"/>
+                </a:highlight>
+                <a:latin typeface="Consolas"/>
+                <a:ea typeface="Calibri"/>
+                <a:cs typeface="Times New Roman"/>
+              </a:rPr>
+              <a:t>&lt;</a:t>
+            </a:r>
+            <a:r>
+              <a:rPr lang="en-US" sz="1400" dirty="0" err="1">
+                <a:solidFill>
+                  <a:srgbClr val="2B91AF"/>
+                </a:solidFill>
+                <a:highlight>
+                  <a:srgbClr val="FFFFFF"/>
+                </a:highlight>
+                <a:latin typeface="Consolas"/>
+                <a:ea typeface="Calibri"/>
+                <a:cs typeface="Times New Roman"/>
+              </a:rPr>
+              <a:t>IAccountRepository</a:t>
+            </a:r>
+            <a:r>
+              <a:rPr lang="en-US" sz="1400" dirty="0">
+                <a:solidFill>
+                  <a:srgbClr val="000000"/>
+                </a:solidFill>
+                <a:highlight>
+                  <a:srgbClr val="FFFFFF"/>
+                </a:highlight>
+                <a:latin typeface="Consolas"/>
+                <a:ea typeface="Calibri"/>
+                <a:cs typeface="Times New Roman"/>
+              </a:rPr>
+              <a:t>, </a:t>
+            </a:r>
+            <a:r>
+              <a:rPr lang="en-US" sz="1400" dirty="0" err="1">
+                <a:solidFill>
+                  <a:srgbClr val="2B91AF"/>
+                </a:solidFill>
+                <a:highlight>
+                  <a:srgbClr val="FFFFFF"/>
+                </a:highlight>
+                <a:latin typeface="Consolas"/>
+                <a:ea typeface="Calibri"/>
+                <a:cs typeface="Times New Roman"/>
+              </a:rPr>
+              <a:t>AccountRepository</a:t>
+            </a:r>
+            <a:r>
+              <a:rPr lang="en-US" sz="1400" dirty="0">
+                <a:solidFill>
+                  <a:srgbClr val="000000"/>
+                </a:solidFill>
+                <a:highlight>
+                  <a:srgbClr val="FFFFFF"/>
+                </a:highlight>
+                <a:latin typeface="Consolas"/>
+                <a:ea typeface="Calibri"/>
+                <a:cs typeface="Times New Roman"/>
+              </a:rPr>
+              <a:t>&gt;(</a:t>
+            </a:r>
+            <a:endParaRPr lang="en-US" dirty="0">
+              <a:ea typeface="Calibri"/>
+              <a:cs typeface="Times New Roman"/>
+            </a:endParaRPr>
+          </a:p>
+          <a:p>
+            <a:pPr>
+              <a:lnSpc>
+                <a:spcPct val="115000"/>
+              </a:lnSpc>
+              <a:spcAft>
+                <a:spcPts val="0"/>
+              </a:spcAft>
+            </a:pPr>
+            <a:r>
+              <a:rPr lang="en-US" sz="1400" dirty="0">
+                <a:solidFill>
+                  <a:srgbClr val="000000"/>
+                </a:solidFill>
+                <a:highlight>
+                  <a:srgbClr val="FFFFFF"/>
+                </a:highlight>
+                <a:latin typeface="Consolas"/>
+                <a:ea typeface="Calibri"/>
+                <a:cs typeface="Times New Roman"/>
+              </a:rPr>
+              <a:t>                </a:t>
+            </a:r>
+            <a:r>
+              <a:rPr lang="en-US" sz="1400" dirty="0">
+                <a:solidFill>
+                  <a:srgbClr val="0000FF"/>
+                </a:solidFill>
+                <a:highlight>
+                  <a:srgbClr val="FFFFFF"/>
+                </a:highlight>
+                <a:latin typeface="Consolas"/>
+                <a:ea typeface="Calibri"/>
+                <a:cs typeface="Times New Roman"/>
+              </a:rPr>
+              <a:t>new</a:t>
+            </a:r>
+            <a:r>
+              <a:rPr lang="en-US" sz="1400" dirty="0">
+                <a:solidFill>
+                  <a:srgbClr val="000000"/>
+                </a:solidFill>
+                <a:highlight>
+                  <a:srgbClr val="FFFFFF"/>
+                </a:highlight>
+                <a:latin typeface="Consolas"/>
+                <a:ea typeface="Calibri"/>
+                <a:cs typeface="Times New Roman"/>
+              </a:rPr>
+              <a:t> </a:t>
+            </a:r>
+            <a:r>
+              <a:rPr lang="en-US" sz="1400" dirty="0" err="1">
+                <a:solidFill>
+                  <a:srgbClr val="2B91AF"/>
+                </a:solidFill>
+                <a:highlight>
+                  <a:srgbClr val="FFFFFF"/>
+                </a:highlight>
+                <a:latin typeface="Consolas"/>
+                <a:ea typeface="Calibri"/>
+                <a:cs typeface="Times New Roman"/>
+              </a:rPr>
+              <a:t>InjectionConstructor</a:t>
+            </a:r>
+            <a:r>
+              <a:rPr lang="en-US" sz="1400" dirty="0">
+                <a:solidFill>
+                  <a:srgbClr val="000000"/>
+                </a:solidFill>
+                <a:highlight>
+                  <a:srgbClr val="FFFFFF"/>
+                </a:highlight>
+                <a:latin typeface="Consolas"/>
+                <a:ea typeface="Calibri"/>
+                <a:cs typeface="Times New Roman"/>
+              </a:rPr>
+              <a:t>(</a:t>
+            </a:r>
+            <a:r>
+              <a:rPr lang="en-US" sz="1400" dirty="0" err="1">
+                <a:solidFill>
+                  <a:srgbClr val="000000"/>
+                </a:solidFill>
+                <a:highlight>
+                  <a:srgbClr val="FFFFFF"/>
+                </a:highlight>
+                <a:latin typeface="Consolas"/>
+                <a:ea typeface="Calibri"/>
+                <a:cs typeface="Times New Roman"/>
+              </a:rPr>
+              <a:t>connectionString</a:t>
+            </a:r>
+            <a:r>
+              <a:rPr lang="en-US" sz="1400" dirty="0">
+                <a:solidFill>
+                  <a:srgbClr val="000000"/>
+                </a:solidFill>
+                <a:highlight>
+                  <a:srgbClr val="FFFFFF"/>
+                </a:highlight>
+                <a:latin typeface="Consolas"/>
+                <a:ea typeface="Calibri"/>
+                <a:cs typeface="Times New Roman"/>
+              </a:rPr>
+              <a:t>));</a:t>
+            </a:r>
+            <a:endParaRPr lang="en-US" dirty="0">
+              <a:ea typeface="Calibri"/>
+              <a:cs typeface="Times New Roman"/>
+            </a:endParaRPr>
+          </a:p>
+          <a:p>
+            <a:pPr>
+              <a:lnSpc>
+                <a:spcPct val="115000"/>
+              </a:lnSpc>
+              <a:spcAft>
+                <a:spcPts val="0"/>
+              </a:spcAft>
+            </a:pPr>
+            <a:r>
+              <a:rPr lang="en-US" sz="1400" dirty="0">
+                <a:solidFill>
+                  <a:srgbClr val="000000"/>
+                </a:solidFill>
+                <a:highlight>
+                  <a:srgbClr val="FFFFFF"/>
+                </a:highlight>
+                <a:latin typeface="Consolas"/>
+                <a:ea typeface="Calibri"/>
+                <a:cs typeface="Times New Roman"/>
+              </a:rPr>
+              <a:t>            </a:t>
+            </a:r>
+            <a:r>
+              <a:rPr lang="en-US" sz="1400" dirty="0" err="1">
+                <a:solidFill>
+                  <a:srgbClr val="000000"/>
+                </a:solidFill>
+                <a:highlight>
+                  <a:srgbClr val="FFFFFF"/>
+                </a:highlight>
+                <a:latin typeface="Consolas"/>
+                <a:ea typeface="Calibri"/>
+                <a:cs typeface="Times New Roman"/>
+              </a:rPr>
+              <a:t>container.RegisterType</a:t>
+            </a:r>
+            <a:r>
+              <a:rPr lang="en-US" sz="1400" dirty="0">
+                <a:solidFill>
+                  <a:srgbClr val="000000"/>
+                </a:solidFill>
+                <a:highlight>
+                  <a:srgbClr val="FFFFFF"/>
+                </a:highlight>
+                <a:latin typeface="Consolas"/>
+                <a:ea typeface="Calibri"/>
+                <a:cs typeface="Times New Roman"/>
+              </a:rPr>
+              <a:t>&lt;</a:t>
+            </a:r>
+            <a:r>
+              <a:rPr lang="en-US" sz="1400" dirty="0" err="1">
+                <a:solidFill>
+                  <a:srgbClr val="2B91AF"/>
+                </a:solidFill>
+                <a:highlight>
+                  <a:srgbClr val="FFFFFF"/>
+                </a:highlight>
+                <a:latin typeface="Consolas"/>
+                <a:ea typeface="Calibri"/>
+                <a:cs typeface="Times New Roman"/>
+              </a:rPr>
+              <a:t>IUserAccountService</a:t>
+            </a:r>
+            <a:r>
+              <a:rPr lang="en-US" sz="1400" dirty="0">
+                <a:solidFill>
+                  <a:srgbClr val="000000"/>
+                </a:solidFill>
+                <a:highlight>
+                  <a:srgbClr val="FFFFFF"/>
+                </a:highlight>
+                <a:latin typeface="Consolas"/>
+                <a:ea typeface="Calibri"/>
+                <a:cs typeface="Times New Roman"/>
+              </a:rPr>
+              <a:t>, </a:t>
+            </a:r>
+            <a:r>
+              <a:rPr lang="en-US" sz="1400" dirty="0" err="1">
+                <a:solidFill>
+                  <a:srgbClr val="2B91AF"/>
+                </a:solidFill>
+                <a:highlight>
+                  <a:srgbClr val="FFFFFF"/>
+                </a:highlight>
+                <a:latin typeface="Consolas"/>
+                <a:ea typeface="Calibri"/>
+                <a:cs typeface="Times New Roman"/>
+              </a:rPr>
+              <a:t>UserAccountService</a:t>
+            </a:r>
+            <a:r>
+              <a:rPr lang="en-US" sz="1400" dirty="0">
+                <a:solidFill>
+                  <a:srgbClr val="000000"/>
+                </a:solidFill>
+                <a:highlight>
+                  <a:srgbClr val="FFFFFF"/>
+                </a:highlight>
+                <a:latin typeface="Consolas"/>
+                <a:ea typeface="Calibri"/>
+                <a:cs typeface="Times New Roman"/>
+              </a:rPr>
+              <a:t>&gt;();</a:t>
+            </a:r>
+            <a:endParaRPr lang="en-US" dirty="0">
+              <a:ea typeface="Calibri"/>
+              <a:cs typeface="Times New Roman"/>
+            </a:endParaRPr>
+          </a:p>
+          <a:p>
+            <a:pPr>
+              <a:lnSpc>
+                <a:spcPct val="115000"/>
+              </a:lnSpc>
+              <a:spcAft>
+                <a:spcPts val="0"/>
+              </a:spcAft>
+            </a:pPr>
+            <a:r>
+              <a:rPr lang="en-US" sz="1400" dirty="0">
+                <a:solidFill>
+                  <a:srgbClr val="000000"/>
+                </a:solidFill>
+                <a:highlight>
+                  <a:srgbClr val="FFFFFF"/>
+                </a:highlight>
+                <a:latin typeface="Consolas"/>
+                <a:ea typeface="Calibri"/>
+                <a:cs typeface="Times New Roman"/>
+              </a:rPr>
+              <a:t>        }</a:t>
+            </a:r>
+            <a:endParaRPr lang="en-US" dirty="0">
+              <a:ea typeface="Calibri"/>
+              <a:cs typeface="Times New Roman"/>
+            </a:endParaRPr>
+          </a:p>
+          <a:p>
+            <a:pPr>
+              <a:lnSpc>
+                <a:spcPct val="115000"/>
+              </a:lnSpc>
+              <a:spcAft>
+                <a:spcPts val="0"/>
+              </a:spcAft>
+            </a:pPr>
+            <a:r>
+              <a:rPr lang="en-US" sz="1400" dirty="0">
+                <a:solidFill>
+                  <a:srgbClr val="000000"/>
+                </a:solidFill>
+                <a:highlight>
+                  <a:srgbClr val="FFFFFF"/>
+                </a:highlight>
+                <a:latin typeface="Consolas"/>
+                <a:ea typeface="Calibri"/>
+                <a:cs typeface="Times New Roman"/>
+              </a:rPr>
+              <a:t> </a:t>
+            </a:r>
+            <a:endParaRPr lang="en-US" dirty="0">
+              <a:ea typeface="Calibri"/>
+              <a:cs typeface="Times New Roman"/>
+            </a:endParaRPr>
+          </a:p>
+          <a:p>
+            <a:pPr>
+              <a:lnSpc>
+                <a:spcPct val="115000"/>
+              </a:lnSpc>
+              <a:spcAft>
+                <a:spcPts val="1000"/>
+              </a:spcAft>
+            </a:pPr>
+            <a:r>
+              <a:rPr lang="en-US" sz="1400" dirty="0">
+                <a:solidFill>
+                  <a:srgbClr val="000000"/>
+                </a:solidFill>
+                <a:highlight>
+                  <a:srgbClr val="FFFFFF"/>
+                </a:highlight>
+                <a:latin typeface="Consolas"/>
+                <a:ea typeface="Calibri"/>
+                <a:cs typeface="Times New Roman"/>
+              </a:rPr>
+              <a:t>    </a:t>
+            </a:r>
+            <a:r>
+              <a:rPr lang="en-US" sz="1400" dirty="0" smtClean="0">
+                <a:solidFill>
+                  <a:srgbClr val="000000"/>
+                </a:solidFill>
+                <a:highlight>
+                  <a:srgbClr val="FFFFFF"/>
+                </a:highlight>
+                <a:latin typeface="Consolas"/>
+                <a:ea typeface="Calibri"/>
+                <a:cs typeface="Times New Roman"/>
+              </a:rPr>
+              <a:t>}</a:t>
+            </a:r>
+          </a:p>
+          <a:p>
+            <a:pPr>
+              <a:lnSpc>
+                <a:spcPct val="115000"/>
+              </a:lnSpc>
+              <a:spcAft>
+                <a:spcPts val="1000"/>
+              </a:spcAft>
+            </a:pPr>
+            <a:r>
+              <a:rPr lang="fr-FR" sz="1400" i="1" dirty="0" smtClean="0">
+                <a:solidFill>
+                  <a:srgbClr val="000000"/>
+                </a:solidFill>
+                <a:highlight>
+                  <a:srgbClr val="FFFFFF"/>
+                </a:highlight>
+                <a:latin typeface="Consolas"/>
+                <a:ea typeface="Calibri"/>
+                <a:cs typeface="Times New Roman"/>
+              </a:rPr>
+              <a:t>In </a:t>
+            </a:r>
+            <a:r>
+              <a:rPr lang="fr-FR" sz="1400" i="1" dirty="0" err="1" smtClean="0">
+                <a:solidFill>
+                  <a:srgbClr val="000000"/>
+                </a:solidFill>
+                <a:highlight>
+                  <a:srgbClr val="FFFFFF"/>
+                </a:highlight>
+                <a:latin typeface="Consolas"/>
+                <a:ea typeface="Calibri"/>
+                <a:cs typeface="Times New Roman"/>
+              </a:rPr>
+              <a:t>DependencyConfig</a:t>
+            </a:r>
+            <a:endParaRPr lang="en-US" i="1" dirty="0">
+              <a:ea typeface="Calibri"/>
+              <a:cs typeface="Times New Roman"/>
+            </a:endParaRPr>
+          </a:p>
+        </p:txBody>
+      </p:sp>
+      <p:sp>
+        <p:nvSpPr>
+          <p:cNvPr id="6" name="TextBox 5"/>
+          <p:cNvSpPr txBox="1"/>
+          <p:nvPr/>
+        </p:nvSpPr>
+        <p:spPr>
+          <a:xfrm>
+            <a:off x="827584" y="2492896"/>
+            <a:ext cx="9784704" cy="4484561"/>
+          </a:xfrm>
+          <a:prstGeom prst="rect">
+            <a:avLst/>
+          </a:prstGeom>
+          <a:solidFill>
+            <a:schemeClr val="bg1"/>
+          </a:solidFill>
+          <a:ln>
+            <a:solidFill>
+              <a:schemeClr val="accent1"/>
+            </a:solidFill>
+          </a:ln>
+        </p:spPr>
+        <p:txBody>
+          <a:bodyPr wrap="square" rtlCol="0">
+            <a:spAutoFit/>
+          </a:bodyPr>
+          <a:lstStyle/>
+          <a:p>
+            <a:pPr>
+              <a:lnSpc>
+                <a:spcPct val="115000"/>
+              </a:lnSpc>
+              <a:spcAft>
+                <a:spcPts val="0"/>
+              </a:spcAft>
+            </a:pPr>
+            <a:r>
+              <a:rPr lang="en-US" sz="1400" dirty="0">
+                <a:solidFill>
+                  <a:srgbClr val="000000"/>
+                </a:solidFill>
+                <a:highlight>
+                  <a:srgbClr val="FFFFFF"/>
+                </a:highlight>
+                <a:latin typeface="Consolas"/>
+                <a:ea typeface="Calibri"/>
+                <a:cs typeface="Times New Roman"/>
+              </a:rPr>
+              <a:t> </a:t>
+            </a:r>
+            <a:r>
+              <a:rPr lang="en-US" sz="1400" dirty="0">
+                <a:solidFill>
+                  <a:srgbClr val="0000FF"/>
+                </a:solidFill>
+                <a:highlight>
+                  <a:srgbClr val="FFFFFF"/>
+                </a:highlight>
+                <a:latin typeface="Consolas"/>
+                <a:ea typeface="Calibri"/>
+                <a:cs typeface="Times New Roman"/>
+              </a:rPr>
+              <a:t>public</a:t>
+            </a:r>
+            <a:r>
+              <a:rPr lang="en-US" sz="1400" dirty="0">
+                <a:solidFill>
+                  <a:srgbClr val="000000"/>
+                </a:solidFill>
+                <a:highlight>
+                  <a:srgbClr val="FFFFFF"/>
+                </a:highlight>
+                <a:latin typeface="Consolas"/>
+                <a:ea typeface="Calibri"/>
+                <a:cs typeface="Times New Roman"/>
+              </a:rPr>
+              <a:t> </a:t>
+            </a:r>
+            <a:r>
+              <a:rPr lang="en-US" sz="1400" dirty="0">
+                <a:solidFill>
+                  <a:srgbClr val="0000FF"/>
+                </a:solidFill>
+                <a:highlight>
+                  <a:srgbClr val="FFFFFF"/>
+                </a:highlight>
+                <a:latin typeface="Consolas"/>
+                <a:ea typeface="Calibri"/>
+                <a:cs typeface="Times New Roman"/>
+              </a:rPr>
+              <a:t>class</a:t>
+            </a:r>
+            <a:r>
+              <a:rPr lang="en-US" sz="1400" dirty="0">
+                <a:solidFill>
+                  <a:srgbClr val="000000"/>
+                </a:solidFill>
+                <a:highlight>
+                  <a:srgbClr val="FFFFFF"/>
+                </a:highlight>
+                <a:latin typeface="Consolas"/>
+                <a:ea typeface="Calibri"/>
+                <a:cs typeface="Times New Roman"/>
+              </a:rPr>
+              <a:t> </a:t>
+            </a:r>
+            <a:r>
+              <a:rPr lang="en-US" sz="1400" dirty="0" err="1">
+                <a:solidFill>
+                  <a:srgbClr val="2B91AF"/>
+                </a:solidFill>
+                <a:highlight>
+                  <a:srgbClr val="FFFFFF"/>
+                </a:highlight>
+                <a:latin typeface="Consolas"/>
+                <a:ea typeface="Calibri"/>
+                <a:cs typeface="Times New Roman"/>
+              </a:rPr>
+              <a:t>AppCompositionRoot</a:t>
+            </a:r>
+            <a:r>
+              <a:rPr lang="en-US" sz="1400" dirty="0">
+                <a:solidFill>
+                  <a:srgbClr val="000000"/>
+                </a:solidFill>
+                <a:highlight>
+                  <a:srgbClr val="FFFFFF"/>
+                </a:highlight>
+                <a:latin typeface="Consolas"/>
+                <a:ea typeface="Calibri"/>
+                <a:cs typeface="Times New Roman"/>
+              </a:rPr>
+              <a:t> : </a:t>
+            </a:r>
+            <a:r>
+              <a:rPr lang="en-US" sz="1400" dirty="0" err="1">
+                <a:solidFill>
+                  <a:srgbClr val="2B91AF"/>
+                </a:solidFill>
+                <a:highlight>
+                  <a:srgbClr val="FFFFFF"/>
+                </a:highlight>
+                <a:latin typeface="Consolas"/>
+                <a:ea typeface="Calibri"/>
+                <a:cs typeface="Times New Roman"/>
+              </a:rPr>
+              <a:t>DefaultControllerFactory</a:t>
+            </a:r>
+            <a:endParaRPr lang="en-US" sz="1400" dirty="0">
+              <a:ea typeface="Calibri"/>
+              <a:cs typeface="Times New Roman"/>
+            </a:endParaRPr>
+          </a:p>
+          <a:p>
+            <a:pPr>
+              <a:lnSpc>
+                <a:spcPct val="115000"/>
+              </a:lnSpc>
+              <a:spcAft>
+                <a:spcPts val="0"/>
+              </a:spcAft>
+            </a:pPr>
+            <a:r>
+              <a:rPr lang="en-US" sz="1400" dirty="0">
+                <a:solidFill>
+                  <a:srgbClr val="000000"/>
+                </a:solidFill>
+                <a:highlight>
+                  <a:srgbClr val="FFFFFF"/>
+                </a:highlight>
+                <a:latin typeface="Consolas"/>
+                <a:ea typeface="Calibri"/>
+                <a:cs typeface="Times New Roman"/>
+              </a:rPr>
+              <a:t>    {</a:t>
+            </a:r>
+            <a:endParaRPr lang="en-US" sz="1400" dirty="0">
+              <a:ea typeface="Calibri"/>
+              <a:cs typeface="Times New Roman"/>
+            </a:endParaRPr>
+          </a:p>
+          <a:p>
+            <a:pPr>
+              <a:lnSpc>
+                <a:spcPct val="115000"/>
+              </a:lnSpc>
+              <a:spcAft>
+                <a:spcPts val="0"/>
+              </a:spcAft>
+            </a:pPr>
+            <a:r>
+              <a:rPr lang="en-US" sz="1400" dirty="0">
+                <a:solidFill>
+                  <a:srgbClr val="000000"/>
+                </a:solidFill>
+                <a:highlight>
+                  <a:srgbClr val="FFFFFF"/>
+                </a:highlight>
+                <a:latin typeface="Consolas"/>
+                <a:ea typeface="Calibri"/>
+                <a:cs typeface="Times New Roman"/>
+              </a:rPr>
+              <a:t>        </a:t>
+            </a:r>
+            <a:r>
+              <a:rPr lang="en-US" sz="1400" dirty="0">
+                <a:solidFill>
+                  <a:srgbClr val="0000FF"/>
+                </a:solidFill>
+                <a:highlight>
+                  <a:srgbClr val="FFFFFF"/>
+                </a:highlight>
+                <a:latin typeface="Consolas"/>
+                <a:ea typeface="Calibri"/>
+                <a:cs typeface="Times New Roman"/>
+              </a:rPr>
+              <a:t>private</a:t>
+            </a:r>
+            <a:r>
+              <a:rPr lang="en-US" sz="1400" dirty="0">
+                <a:solidFill>
+                  <a:srgbClr val="000000"/>
+                </a:solidFill>
+                <a:highlight>
+                  <a:srgbClr val="FFFFFF"/>
+                </a:highlight>
+                <a:latin typeface="Consolas"/>
+                <a:ea typeface="Calibri"/>
+                <a:cs typeface="Times New Roman"/>
+              </a:rPr>
+              <a:t> </a:t>
+            </a:r>
+            <a:r>
+              <a:rPr lang="en-US" sz="1400" dirty="0" err="1">
+                <a:solidFill>
+                  <a:srgbClr val="0000FF"/>
+                </a:solidFill>
+                <a:highlight>
+                  <a:srgbClr val="FFFFFF"/>
+                </a:highlight>
+                <a:latin typeface="Consolas"/>
+                <a:ea typeface="Calibri"/>
+                <a:cs typeface="Times New Roman"/>
+              </a:rPr>
+              <a:t>readonly</a:t>
+            </a:r>
+            <a:r>
+              <a:rPr lang="en-US" sz="1400" dirty="0">
+                <a:solidFill>
+                  <a:srgbClr val="000000"/>
+                </a:solidFill>
+                <a:highlight>
+                  <a:srgbClr val="FFFFFF"/>
+                </a:highlight>
+                <a:latin typeface="Consolas"/>
+                <a:ea typeface="Calibri"/>
+                <a:cs typeface="Times New Roman"/>
+              </a:rPr>
+              <a:t> </a:t>
+            </a:r>
+            <a:r>
+              <a:rPr lang="en-US" sz="1400" dirty="0" err="1">
+                <a:solidFill>
+                  <a:srgbClr val="2B91AF"/>
+                </a:solidFill>
+                <a:highlight>
+                  <a:srgbClr val="FFFFFF"/>
+                </a:highlight>
+                <a:latin typeface="Consolas"/>
+                <a:ea typeface="Calibri"/>
+                <a:cs typeface="Times New Roman"/>
+              </a:rPr>
+              <a:t>IUnityContainer</a:t>
+            </a:r>
+            <a:r>
+              <a:rPr lang="en-US" sz="1400" dirty="0">
+                <a:solidFill>
+                  <a:srgbClr val="000000"/>
+                </a:solidFill>
+                <a:highlight>
+                  <a:srgbClr val="FFFFFF"/>
+                </a:highlight>
+                <a:latin typeface="Consolas"/>
+                <a:ea typeface="Calibri"/>
+                <a:cs typeface="Times New Roman"/>
+              </a:rPr>
+              <a:t> _</a:t>
+            </a:r>
+            <a:r>
+              <a:rPr lang="en-US" sz="1400" dirty="0" err="1">
+                <a:solidFill>
+                  <a:srgbClr val="000000"/>
+                </a:solidFill>
+                <a:highlight>
+                  <a:srgbClr val="FFFFFF"/>
+                </a:highlight>
+                <a:latin typeface="Consolas"/>
+                <a:ea typeface="Calibri"/>
+                <a:cs typeface="Times New Roman"/>
+              </a:rPr>
+              <a:t>unityContainer</a:t>
+            </a:r>
+            <a:r>
+              <a:rPr lang="en-US" sz="1400" dirty="0">
+                <a:solidFill>
+                  <a:srgbClr val="000000"/>
+                </a:solidFill>
+                <a:highlight>
+                  <a:srgbClr val="FFFFFF"/>
+                </a:highlight>
+                <a:latin typeface="Consolas"/>
+                <a:ea typeface="Calibri"/>
+                <a:cs typeface="Times New Roman"/>
+              </a:rPr>
+              <a:t>;</a:t>
+            </a:r>
+            <a:endParaRPr lang="en-US" sz="1400" dirty="0">
+              <a:ea typeface="Calibri"/>
+              <a:cs typeface="Times New Roman"/>
+            </a:endParaRPr>
+          </a:p>
+          <a:p>
+            <a:pPr>
+              <a:lnSpc>
+                <a:spcPct val="115000"/>
+              </a:lnSpc>
+              <a:spcAft>
+                <a:spcPts val="0"/>
+              </a:spcAft>
+            </a:pPr>
+            <a:r>
+              <a:rPr lang="en-US" sz="1400" dirty="0">
+                <a:solidFill>
+                  <a:srgbClr val="000000"/>
+                </a:solidFill>
+                <a:highlight>
+                  <a:srgbClr val="FFFFFF"/>
+                </a:highlight>
+                <a:latin typeface="Consolas"/>
+                <a:ea typeface="Calibri"/>
+                <a:cs typeface="Times New Roman"/>
+              </a:rPr>
+              <a:t> </a:t>
+            </a:r>
+            <a:endParaRPr lang="en-US" sz="1400" dirty="0">
+              <a:ea typeface="Calibri"/>
+              <a:cs typeface="Times New Roman"/>
+            </a:endParaRPr>
+          </a:p>
+          <a:p>
+            <a:pPr>
+              <a:lnSpc>
+                <a:spcPct val="115000"/>
+              </a:lnSpc>
+              <a:spcAft>
+                <a:spcPts val="0"/>
+              </a:spcAft>
+            </a:pPr>
+            <a:r>
+              <a:rPr lang="en-US" sz="1400" dirty="0">
+                <a:solidFill>
+                  <a:srgbClr val="000000"/>
+                </a:solidFill>
+                <a:highlight>
+                  <a:srgbClr val="FFFFFF"/>
+                </a:highlight>
+                <a:latin typeface="Consolas"/>
+                <a:ea typeface="Calibri"/>
+                <a:cs typeface="Times New Roman"/>
+              </a:rPr>
+              <a:t>        </a:t>
+            </a:r>
+            <a:r>
+              <a:rPr lang="en-US" sz="1400" dirty="0">
+                <a:solidFill>
+                  <a:srgbClr val="0000FF"/>
+                </a:solidFill>
+                <a:highlight>
+                  <a:srgbClr val="FFFFFF"/>
+                </a:highlight>
+                <a:latin typeface="Consolas"/>
+                <a:ea typeface="Calibri"/>
+                <a:cs typeface="Times New Roman"/>
+              </a:rPr>
+              <a:t>public</a:t>
+            </a:r>
+            <a:r>
+              <a:rPr lang="en-US" sz="1400" dirty="0">
+                <a:solidFill>
+                  <a:srgbClr val="000000"/>
+                </a:solidFill>
+                <a:highlight>
+                  <a:srgbClr val="FFFFFF"/>
+                </a:highlight>
+                <a:latin typeface="Consolas"/>
+                <a:ea typeface="Calibri"/>
+                <a:cs typeface="Times New Roman"/>
+              </a:rPr>
+              <a:t> </a:t>
+            </a:r>
+            <a:r>
+              <a:rPr lang="en-US" sz="1400" dirty="0" err="1">
+                <a:solidFill>
+                  <a:srgbClr val="000000"/>
+                </a:solidFill>
+                <a:highlight>
+                  <a:srgbClr val="FFFFFF"/>
+                </a:highlight>
+                <a:latin typeface="Consolas"/>
+                <a:ea typeface="Calibri"/>
+                <a:cs typeface="Times New Roman"/>
+              </a:rPr>
+              <a:t>AppCompositionRoot</a:t>
+            </a:r>
+            <a:r>
+              <a:rPr lang="en-US" sz="1400" dirty="0">
+                <a:solidFill>
+                  <a:srgbClr val="000000"/>
+                </a:solidFill>
+                <a:highlight>
+                  <a:srgbClr val="FFFFFF"/>
+                </a:highlight>
+                <a:latin typeface="Consolas"/>
+                <a:ea typeface="Calibri"/>
+                <a:cs typeface="Times New Roman"/>
+              </a:rPr>
+              <a:t>(</a:t>
+            </a:r>
+            <a:r>
+              <a:rPr lang="en-US" sz="1400" dirty="0" err="1">
+                <a:solidFill>
+                  <a:srgbClr val="2B91AF"/>
+                </a:solidFill>
+                <a:highlight>
+                  <a:srgbClr val="FFFFFF"/>
+                </a:highlight>
+                <a:latin typeface="Consolas"/>
+                <a:ea typeface="Calibri"/>
+                <a:cs typeface="Times New Roman"/>
+              </a:rPr>
+              <a:t>IUnityContainer</a:t>
+            </a:r>
+            <a:r>
+              <a:rPr lang="en-US" sz="1400" dirty="0">
+                <a:solidFill>
+                  <a:srgbClr val="000000"/>
+                </a:solidFill>
+                <a:highlight>
+                  <a:srgbClr val="FFFFFF"/>
+                </a:highlight>
+                <a:latin typeface="Consolas"/>
+                <a:ea typeface="Calibri"/>
+                <a:cs typeface="Times New Roman"/>
+              </a:rPr>
+              <a:t> </a:t>
+            </a:r>
+            <a:r>
+              <a:rPr lang="en-US" sz="1400" dirty="0" err="1">
+                <a:solidFill>
+                  <a:srgbClr val="000000"/>
+                </a:solidFill>
+                <a:highlight>
+                  <a:srgbClr val="FFFFFF"/>
+                </a:highlight>
+                <a:latin typeface="Consolas"/>
+                <a:ea typeface="Calibri"/>
+                <a:cs typeface="Times New Roman"/>
+              </a:rPr>
+              <a:t>unityContainer</a:t>
+            </a:r>
+            <a:r>
+              <a:rPr lang="en-US" sz="1400" dirty="0">
+                <a:solidFill>
+                  <a:srgbClr val="000000"/>
+                </a:solidFill>
+                <a:highlight>
+                  <a:srgbClr val="FFFFFF"/>
+                </a:highlight>
+                <a:latin typeface="Consolas"/>
+                <a:ea typeface="Calibri"/>
+                <a:cs typeface="Times New Roman"/>
+              </a:rPr>
+              <a:t>)</a:t>
+            </a:r>
+            <a:endParaRPr lang="en-US" sz="1400" dirty="0">
+              <a:ea typeface="Calibri"/>
+              <a:cs typeface="Times New Roman"/>
+            </a:endParaRPr>
+          </a:p>
+          <a:p>
+            <a:pPr>
+              <a:lnSpc>
+                <a:spcPct val="115000"/>
+              </a:lnSpc>
+              <a:spcAft>
+                <a:spcPts val="0"/>
+              </a:spcAft>
+            </a:pPr>
+            <a:r>
+              <a:rPr lang="en-US" sz="1400" dirty="0">
+                <a:solidFill>
+                  <a:srgbClr val="000000"/>
+                </a:solidFill>
+                <a:highlight>
+                  <a:srgbClr val="FFFFFF"/>
+                </a:highlight>
+                <a:latin typeface="Consolas"/>
+                <a:ea typeface="Calibri"/>
+                <a:cs typeface="Times New Roman"/>
+              </a:rPr>
+              <a:t>        {</a:t>
+            </a:r>
+            <a:endParaRPr lang="en-US" sz="1400" dirty="0">
+              <a:ea typeface="Calibri"/>
+              <a:cs typeface="Times New Roman"/>
+            </a:endParaRPr>
+          </a:p>
+          <a:p>
+            <a:pPr>
+              <a:lnSpc>
+                <a:spcPct val="115000"/>
+              </a:lnSpc>
+              <a:spcAft>
+                <a:spcPts val="0"/>
+              </a:spcAft>
+            </a:pPr>
+            <a:r>
+              <a:rPr lang="en-US" sz="1400" dirty="0">
+                <a:solidFill>
+                  <a:srgbClr val="000000"/>
+                </a:solidFill>
+                <a:highlight>
+                  <a:srgbClr val="FFFFFF"/>
+                </a:highlight>
+                <a:latin typeface="Consolas"/>
+                <a:ea typeface="Calibri"/>
+                <a:cs typeface="Times New Roman"/>
+              </a:rPr>
+              <a:t>            </a:t>
+            </a:r>
+            <a:r>
+              <a:rPr lang="en-US" sz="1400" dirty="0">
+                <a:solidFill>
+                  <a:srgbClr val="0000FF"/>
+                </a:solidFill>
+                <a:highlight>
+                  <a:srgbClr val="FFFFFF"/>
+                </a:highlight>
+                <a:latin typeface="Consolas"/>
+                <a:ea typeface="Calibri"/>
+                <a:cs typeface="Times New Roman"/>
+              </a:rPr>
+              <a:t>if</a:t>
+            </a:r>
+            <a:r>
+              <a:rPr lang="en-US" sz="1400" dirty="0">
+                <a:solidFill>
+                  <a:srgbClr val="000000"/>
+                </a:solidFill>
+                <a:highlight>
+                  <a:srgbClr val="FFFFFF"/>
+                </a:highlight>
+                <a:latin typeface="Consolas"/>
+                <a:ea typeface="Calibri"/>
+                <a:cs typeface="Times New Roman"/>
+              </a:rPr>
+              <a:t> (</a:t>
+            </a:r>
+            <a:r>
+              <a:rPr lang="en-US" sz="1400" dirty="0" err="1">
+                <a:solidFill>
+                  <a:srgbClr val="000000"/>
+                </a:solidFill>
+                <a:highlight>
+                  <a:srgbClr val="FFFFFF"/>
+                </a:highlight>
+                <a:latin typeface="Consolas"/>
+                <a:ea typeface="Calibri"/>
+                <a:cs typeface="Times New Roman"/>
+              </a:rPr>
+              <a:t>unityContainer</a:t>
+            </a:r>
+            <a:r>
+              <a:rPr lang="en-US" sz="1400" dirty="0">
+                <a:solidFill>
+                  <a:srgbClr val="000000"/>
+                </a:solidFill>
+                <a:highlight>
+                  <a:srgbClr val="FFFFFF"/>
+                </a:highlight>
+                <a:latin typeface="Consolas"/>
+                <a:ea typeface="Calibri"/>
+                <a:cs typeface="Times New Roman"/>
+              </a:rPr>
+              <a:t> == </a:t>
+            </a:r>
+            <a:r>
+              <a:rPr lang="en-US" sz="1400" dirty="0">
+                <a:solidFill>
+                  <a:srgbClr val="0000FF"/>
+                </a:solidFill>
+                <a:highlight>
+                  <a:srgbClr val="FFFFFF"/>
+                </a:highlight>
+                <a:latin typeface="Consolas"/>
+                <a:ea typeface="Calibri"/>
+                <a:cs typeface="Times New Roman"/>
+              </a:rPr>
+              <a:t>null</a:t>
+            </a:r>
+            <a:r>
+              <a:rPr lang="en-US" sz="1400" dirty="0">
+                <a:solidFill>
+                  <a:srgbClr val="000000"/>
+                </a:solidFill>
+                <a:highlight>
+                  <a:srgbClr val="FFFFFF"/>
+                </a:highlight>
+                <a:latin typeface="Consolas"/>
+                <a:ea typeface="Calibri"/>
+                <a:cs typeface="Times New Roman"/>
+              </a:rPr>
+              <a:t>) </a:t>
+            </a:r>
+            <a:r>
+              <a:rPr lang="en-US" sz="1400" dirty="0">
+                <a:solidFill>
+                  <a:srgbClr val="0000FF"/>
+                </a:solidFill>
+                <a:highlight>
+                  <a:srgbClr val="FFFFFF"/>
+                </a:highlight>
+                <a:latin typeface="Consolas"/>
+                <a:ea typeface="Calibri"/>
+                <a:cs typeface="Times New Roman"/>
+              </a:rPr>
+              <a:t>throw</a:t>
+            </a:r>
+            <a:r>
+              <a:rPr lang="en-US" sz="1400" dirty="0">
+                <a:solidFill>
+                  <a:srgbClr val="000000"/>
+                </a:solidFill>
+                <a:highlight>
+                  <a:srgbClr val="FFFFFF"/>
+                </a:highlight>
+                <a:latin typeface="Consolas"/>
+                <a:ea typeface="Calibri"/>
+                <a:cs typeface="Times New Roman"/>
+              </a:rPr>
+              <a:t> </a:t>
+            </a:r>
+            <a:r>
+              <a:rPr lang="en-US" sz="1400" dirty="0">
+                <a:solidFill>
+                  <a:srgbClr val="0000FF"/>
+                </a:solidFill>
+                <a:highlight>
+                  <a:srgbClr val="FFFFFF"/>
+                </a:highlight>
+                <a:latin typeface="Consolas"/>
+                <a:ea typeface="Calibri"/>
+                <a:cs typeface="Times New Roman"/>
+              </a:rPr>
+              <a:t>new</a:t>
+            </a:r>
+            <a:r>
+              <a:rPr lang="en-US" sz="1400" dirty="0">
+                <a:solidFill>
+                  <a:srgbClr val="000000"/>
+                </a:solidFill>
+                <a:highlight>
+                  <a:srgbClr val="FFFFFF"/>
+                </a:highlight>
+                <a:latin typeface="Consolas"/>
+                <a:ea typeface="Calibri"/>
+                <a:cs typeface="Times New Roman"/>
+              </a:rPr>
+              <a:t> </a:t>
+            </a:r>
+            <a:r>
+              <a:rPr lang="en-US" sz="1400" dirty="0" err="1">
+                <a:solidFill>
+                  <a:srgbClr val="2B91AF"/>
+                </a:solidFill>
+                <a:highlight>
+                  <a:srgbClr val="FFFFFF"/>
+                </a:highlight>
+                <a:latin typeface="Consolas"/>
+                <a:ea typeface="Calibri"/>
+                <a:cs typeface="Times New Roman"/>
+              </a:rPr>
+              <a:t>ArgumentNullException</a:t>
+            </a:r>
+            <a:r>
+              <a:rPr lang="en-US" sz="1400" dirty="0">
+                <a:solidFill>
+                  <a:srgbClr val="000000"/>
+                </a:solidFill>
+                <a:highlight>
+                  <a:srgbClr val="FFFFFF"/>
+                </a:highlight>
+                <a:latin typeface="Consolas"/>
+                <a:ea typeface="Calibri"/>
+                <a:cs typeface="Times New Roman"/>
+              </a:rPr>
+              <a:t>(</a:t>
+            </a:r>
+            <a:r>
+              <a:rPr lang="en-US" sz="1400" dirty="0">
+                <a:solidFill>
+                  <a:srgbClr val="A31515"/>
+                </a:solidFill>
+                <a:highlight>
+                  <a:srgbClr val="FFFFFF"/>
+                </a:highlight>
+                <a:latin typeface="Consolas"/>
+                <a:ea typeface="Calibri"/>
+                <a:cs typeface="Times New Roman"/>
+              </a:rPr>
+              <a:t>"</a:t>
+            </a:r>
+            <a:r>
+              <a:rPr lang="en-US" sz="1400" dirty="0" err="1">
+                <a:solidFill>
+                  <a:srgbClr val="A31515"/>
+                </a:solidFill>
+                <a:highlight>
+                  <a:srgbClr val="FFFFFF"/>
+                </a:highlight>
+                <a:latin typeface="Consolas"/>
+                <a:ea typeface="Calibri"/>
+                <a:cs typeface="Times New Roman"/>
+              </a:rPr>
+              <a:t>unityContainer</a:t>
+            </a:r>
+            <a:r>
+              <a:rPr lang="en-US" sz="1400" dirty="0">
+                <a:solidFill>
+                  <a:srgbClr val="A31515"/>
+                </a:solidFill>
+                <a:highlight>
+                  <a:srgbClr val="FFFFFF"/>
+                </a:highlight>
+                <a:latin typeface="Consolas"/>
+                <a:ea typeface="Calibri"/>
+                <a:cs typeface="Times New Roman"/>
+              </a:rPr>
+              <a:t>"</a:t>
+            </a:r>
+            <a:r>
+              <a:rPr lang="en-US" sz="1400" dirty="0">
+                <a:solidFill>
+                  <a:srgbClr val="000000"/>
+                </a:solidFill>
+                <a:highlight>
+                  <a:srgbClr val="FFFFFF"/>
+                </a:highlight>
+                <a:latin typeface="Consolas"/>
+                <a:ea typeface="Calibri"/>
+                <a:cs typeface="Times New Roman"/>
+              </a:rPr>
+              <a:t>);</a:t>
+            </a:r>
+            <a:endParaRPr lang="en-US" sz="1400" dirty="0">
+              <a:ea typeface="Calibri"/>
+              <a:cs typeface="Times New Roman"/>
+            </a:endParaRPr>
+          </a:p>
+          <a:p>
+            <a:pPr>
+              <a:lnSpc>
+                <a:spcPct val="115000"/>
+              </a:lnSpc>
+              <a:spcAft>
+                <a:spcPts val="0"/>
+              </a:spcAft>
+            </a:pPr>
+            <a:r>
+              <a:rPr lang="en-US" sz="1400" dirty="0">
+                <a:solidFill>
+                  <a:srgbClr val="000000"/>
+                </a:solidFill>
+                <a:highlight>
+                  <a:srgbClr val="FFFFFF"/>
+                </a:highlight>
+                <a:latin typeface="Consolas"/>
+                <a:ea typeface="Calibri"/>
+                <a:cs typeface="Times New Roman"/>
+              </a:rPr>
+              <a:t>            _</a:t>
+            </a:r>
+            <a:r>
+              <a:rPr lang="en-US" sz="1400" dirty="0" err="1">
+                <a:solidFill>
+                  <a:srgbClr val="000000"/>
+                </a:solidFill>
+                <a:highlight>
+                  <a:srgbClr val="FFFFFF"/>
+                </a:highlight>
+                <a:latin typeface="Consolas"/>
+                <a:ea typeface="Calibri"/>
+                <a:cs typeface="Times New Roman"/>
+              </a:rPr>
+              <a:t>unityContainer</a:t>
+            </a:r>
+            <a:r>
+              <a:rPr lang="en-US" sz="1400" dirty="0">
+                <a:solidFill>
+                  <a:srgbClr val="000000"/>
+                </a:solidFill>
+                <a:highlight>
+                  <a:srgbClr val="FFFFFF"/>
+                </a:highlight>
+                <a:latin typeface="Consolas"/>
+                <a:ea typeface="Calibri"/>
+                <a:cs typeface="Times New Roman"/>
+              </a:rPr>
+              <a:t> = </a:t>
+            </a:r>
+            <a:r>
+              <a:rPr lang="en-US" sz="1400" dirty="0" err="1">
+                <a:solidFill>
+                  <a:srgbClr val="000000"/>
+                </a:solidFill>
+                <a:highlight>
+                  <a:srgbClr val="FFFFFF"/>
+                </a:highlight>
+                <a:latin typeface="Consolas"/>
+                <a:ea typeface="Calibri"/>
+                <a:cs typeface="Times New Roman"/>
+              </a:rPr>
+              <a:t>unityContainer</a:t>
+            </a:r>
+            <a:r>
+              <a:rPr lang="en-US" sz="1400" dirty="0">
+                <a:solidFill>
+                  <a:srgbClr val="000000"/>
+                </a:solidFill>
+                <a:highlight>
+                  <a:srgbClr val="FFFFFF"/>
+                </a:highlight>
+                <a:latin typeface="Consolas"/>
+                <a:ea typeface="Calibri"/>
+                <a:cs typeface="Times New Roman"/>
+              </a:rPr>
+              <a:t>;</a:t>
+            </a:r>
+            <a:endParaRPr lang="en-US" sz="1400" dirty="0">
+              <a:ea typeface="Calibri"/>
+              <a:cs typeface="Times New Roman"/>
+            </a:endParaRPr>
+          </a:p>
+          <a:p>
+            <a:pPr>
+              <a:lnSpc>
+                <a:spcPct val="115000"/>
+              </a:lnSpc>
+              <a:spcAft>
+                <a:spcPts val="0"/>
+              </a:spcAft>
+            </a:pPr>
+            <a:r>
+              <a:rPr lang="en-US" sz="1400" dirty="0">
+                <a:solidFill>
+                  <a:srgbClr val="000000"/>
+                </a:solidFill>
+                <a:highlight>
+                  <a:srgbClr val="FFFFFF"/>
+                </a:highlight>
+                <a:latin typeface="Consolas"/>
+                <a:ea typeface="Calibri"/>
+                <a:cs typeface="Times New Roman"/>
+              </a:rPr>
+              <a:t>        }</a:t>
+            </a:r>
+            <a:endParaRPr lang="en-US" sz="1400" dirty="0">
+              <a:ea typeface="Calibri"/>
+              <a:cs typeface="Times New Roman"/>
+            </a:endParaRPr>
+          </a:p>
+          <a:p>
+            <a:pPr>
+              <a:lnSpc>
+                <a:spcPct val="115000"/>
+              </a:lnSpc>
+              <a:spcAft>
+                <a:spcPts val="0"/>
+              </a:spcAft>
+            </a:pPr>
+            <a:r>
+              <a:rPr lang="en-US" sz="1400" dirty="0">
+                <a:solidFill>
+                  <a:srgbClr val="000000"/>
+                </a:solidFill>
+                <a:highlight>
+                  <a:srgbClr val="FFFFFF"/>
+                </a:highlight>
+                <a:latin typeface="Consolas"/>
+                <a:ea typeface="Calibri"/>
+                <a:cs typeface="Times New Roman"/>
+              </a:rPr>
+              <a:t> </a:t>
+            </a:r>
+            <a:endParaRPr lang="en-US" sz="1400" dirty="0">
+              <a:ea typeface="Calibri"/>
+              <a:cs typeface="Times New Roman"/>
+            </a:endParaRPr>
+          </a:p>
+          <a:p>
+            <a:pPr>
+              <a:lnSpc>
+                <a:spcPct val="115000"/>
+              </a:lnSpc>
+              <a:spcAft>
+                <a:spcPts val="0"/>
+              </a:spcAft>
+            </a:pPr>
+            <a:r>
+              <a:rPr lang="en-US" sz="1400" dirty="0">
+                <a:solidFill>
+                  <a:srgbClr val="000000"/>
+                </a:solidFill>
+                <a:highlight>
+                  <a:srgbClr val="FFFFFF"/>
+                </a:highlight>
+                <a:latin typeface="Consolas"/>
+                <a:ea typeface="Calibri"/>
+                <a:cs typeface="Times New Roman"/>
+              </a:rPr>
+              <a:t>        </a:t>
+            </a:r>
+            <a:r>
+              <a:rPr lang="en-US" sz="1400" dirty="0">
+                <a:solidFill>
+                  <a:srgbClr val="0000FF"/>
+                </a:solidFill>
+                <a:highlight>
+                  <a:srgbClr val="FFFFFF"/>
+                </a:highlight>
+                <a:latin typeface="Consolas"/>
+                <a:ea typeface="Calibri"/>
+                <a:cs typeface="Times New Roman"/>
+              </a:rPr>
+              <a:t>protected</a:t>
+            </a:r>
+            <a:r>
+              <a:rPr lang="en-US" sz="1400" dirty="0">
+                <a:solidFill>
+                  <a:srgbClr val="000000"/>
+                </a:solidFill>
+                <a:highlight>
+                  <a:srgbClr val="FFFFFF"/>
+                </a:highlight>
+                <a:latin typeface="Consolas"/>
+                <a:ea typeface="Calibri"/>
+                <a:cs typeface="Times New Roman"/>
+              </a:rPr>
+              <a:t> </a:t>
+            </a:r>
+            <a:r>
+              <a:rPr lang="en-US" sz="1400" dirty="0">
+                <a:solidFill>
+                  <a:srgbClr val="0000FF"/>
+                </a:solidFill>
+                <a:highlight>
+                  <a:srgbClr val="FFFFFF"/>
+                </a:highlight>
+                <a:latin typeface="Consolas"/>
+                <a:ea typeface="Calibri"/>
+                <a:cs typeface="Times New Roman"/>
+              </a:rPr>
+              <a:t>override</a:t>
+            </a:r>
+            <a:r>
+              <a:rPr lang="en-US" sz="1400" dirty="0">
+                <a:solidFill>
+                  <a:srgbClr val="000000"/>
+                </a:solidFill>
+                <a:highlight>
+                  <a:srgbClr val="FFFFFF"/>
+                </a:highlight>
+                <a:latin typeface="Consolas"/>
+                <a:ea typeface="Calibri"/>
+                <a:cs typeface="Times New Roman"/>
+              </a:rPr>
+              <a:t> </a:t>
+            </a:r>
+            <a:r>
+              <a:rPr lang="en-US" sz="1400" dirty="0" err="1">
+                <a:solidFill>
+                  <a:srgbClr val="2B91AF"/>
+                </a:solidFill>
+                <a:highlight>
+                  <a:srgbClr val="FFFFFF"/>
+                </a:highlight>
+                <a:latin typeface="Consolas"/>
+                <a:ea typeface="Calibri"/>
+                <a:cs typeface="Times New Roman"/>
+              </a:rPr>
+              <a:t>IController</a:t>
+            </a:r>
+            <a:r>
+              <a:rPr lang="en-US" sz="1400" dirty="0">
+                <a:solidFill>
+                  <a:srgbClr val="000000"/>
+                </a:solidFill>
+                <a:highlight>
+                  <a:srgbClr val="FFFFFF"/>
+                </a:highlight>
+                <a:latin typeface="Consolas"/>
+                <a:ea typeface="Calibri"/>
+                <a:cs typeface="Times New Roman"/>
+              </a:rPr>
+              <a:t> </a:t>
+            </a:r>
+            <a:r>
+              <a:rPr lang="en-US" sz="1400" dirty="0" err="1">
+                <a:solidFill>
+                  <a:srgbClr val="000000"/>
+                </a:solidFill>
+                <a:highlight>
+                  <a:srgbClr val="FFFFFF"/>
+                </a:highlight>
+                <a:latin typeface="Consolas"/>
+                <a:ea typeface="Calibri"/>
+                <a:cs typeface="Times New Roman"/>
+              </a:rPr>
+              <a:t>GetControllerInstance</a:t>
+            </a:r>
+            <a:r>
+              <a:rPr lang="en-US" sz="1400" dirty="0">
+                <a:solidFill>
+                  <a:srgbClr val="000000"/>
+                </a:solidFill>
+                <a:highlight>
+                  <a:srgbClr val="FFFFFF"/>
+                </a:highlight>
+                <a:latin typeface="Consolas"/>
+                <a:ea typeface="Calibri"/>
+                <a:cs typeface="Times New Roman"/>
+              </a:rPr>
+              <a:t>(</a:t>
+            </a:r>
+            <a:r>
+              <a:rPr lang="en-US" sz="1400" dirty="0" err="1">
+                <a:solidFill>
+                  <a:srgbClr val="2B91AF"/>
+                </a:solidFill>
+                <a:highlight>
+                  <a:srgbClr val="FFFFFF"/>
+                </a:highlight>
+                <a:latin typeface="Consolas"/>
+                <a:ea typeface="Calibri"/>
+                <a:cs typeface="Times New Roman"/>
+              </a:rPr>
+              <a:t>RequestContext</a:t>
+            </a:r>
+            <a:r>
+              <a:rPr lang="en-US" sz="1400" dirty="0">
+                <a:solidFill>
+                  <a:srgbClr val="000000"/>
+                </a:solidFill>
+                <a:highlight>
+                  <a:srgbClr val="FFFFFF"/>
+                </a:highlight>
+                <a:latin typeface="Consolas"/>
+                <a:ea typeface="Calibri"/>
+                <a:cs typeface="Times New Roman"/>
+              </a:rPr>
+              <a:t> </a:t>
+            </a:r>
+            <a:r>
+              <a:rPr lang="en-US" sz="1400" dirty="0" err="1">
+                <a:solidFill>
+                  <a:srgbClr val="000000"/>
+                </a:solidFill>
+                <a:highlight>
+                  <a:srgbClr val="FFFFFF"/>
+                </a:highlight>
+                <a:latin typeface="Consolas"/>
+                <a:ea typeface="Calibri"/>
+                <a:cs typeface="Times New Roman"/>
+              </a:rPr>
+              <a:t>requestContext</a:t>
+            </a:r>
+            <a:r>
+              <a:rPr lang="en-US" sz="1400" dirty="0">
+                <a:solidFill>
+                  <a:srgbClr val="000000"/>
+                </a:solidFill>
+                <a:highlight>
+                  <a:srgbClr val="FFFFFF"/>
+                </a:highlight>
+                <a:latin typeface="Consolas"/>
+                <a:ea typeface="Calibri"/>
+                <a:cs typeface="Times New Roman"/>
+              </a:rPr>
+              <a:t>, </a:t>
+            </a:r>
+            <a:r>
+              <a:rPr lang="en-US" sz="1400" dirty="0">
+                <a:solidFill>
+                  <a:srgbClr val="2B91AF"/>
+                </a:solidFill>
+                <a:highlight>
+                  <a:srgbClr val="FFFFFF"/>
+                </a:highlight>
+                <a:latin typeface="Consolas"/>
+                <a:ea typeface="Calibri"/>
+                <a:cs typeface="Times New Roman"/>
+              </a:rPr>
+              <a:t>Type</a:t>
+            </a:r>
+            <a:r>
+              <a:rPr lang="en-US" sz="1400" dirty="0">
+                <a:solidFill>
+                  <a:srgbClr val="000000"/>
+                </a:solidFill>
+                <a:highlight>
+                  <a:srgbClr val="FFFFFF"/>
+                </a:highlight>
+                <a:latin typeface="Consolas"/>
+                <a:ea typeface="Calibri"/>
+                <a:cs typeface="Times New Roman"/>
+              </a:rPr>
+              <a:t> </a:t>
+            </a:r>
+            <a:r>
+              <a:rPr lang="en-US" sz="1400" dirty="0" err="1">
+                <a:solidFill>
+                  <a:srgbClr val="000000"/>
+                </a:solidFill>
+                <a:highlight>
+                  <a:srgbClr val="FFFFFF"/>
+                </a:highlight>
+                <a:latin typeface="Consolas"/>
+                <a:ea typeface="Calibri"/>
+                <a:cs typeface="Times New Roman"/>
+              </a:rPr>
+              <a:t>controllerType</a:t>
+            </a:r>
+            <a:r>
+              <a:rPr lang="en-US" sz="1400" dirty="0">
+                <a:solidFill>
+                  <a:srgbClr val="000000"/>
+                </a:solidFill>
+                <a:highlight>
+                  <a:srgbClr val="FFFFFF"/>
+                </a:highlight>
+                <a:latin typeface="Consolas"/>
+                <a:ea typeface="Calibri"/>
+                <a:cs typeface="Times New Roman"/>
+              </a:rPr>
+              <a:t>)</a:t>
+            </a:r>
+            <a:endParaRPr lang="en-US" sz="1400" dirty="0">
+              <a:ea typeface="Calibri"/>
+              <a:cs typeface="Times New Roman"/>
+            </a:endParaRPr>
+          </a:p>
+          <a:p>
+            <a:pPr>
+              <a:lnSpc>
+                <a:spcPct val="115000"/>
+              </a:lnSpc>
+              <a:spcAft>
+                <a:spcPts val="0"/>
+              </a:spcAft>
+            </a:pPr>
+            <a:r>
+              <a:rPr lang="en-US" sz="1400" dirty="0">
+                <a:solidFill>
+                  <a:srgbClr val="000000"/>
+                </a:solidFill>
+                <a:highlight>
+                  <a:srgbClr val="FFFFFF"/>
+                </a:highlight>
+                <a:latin typeface="Consolas"/>
+                <a:ea typeface="Calibri"/>
+                <a:cs typeface="Times New Roman"/>
+              </a:rPr>
+              <a:t>        {</a:t>
+            </a:r>
+            <a:endParaRPr lang="en-US" sz="1400" dirty="0">
+              <a:ea typeface="Calibri"/>
+              <a:cs typeface="Times New Roman"/>
+            </a:endParaRPr>
+          </a:p>
+          <a:p>
+            <a:pPr>
+              <a:lnSpc>
+                <a:spcPct val="115000"/>
+              </a:lnSpc>
+              <a:spcAft>
+                <a:spcPts val="0"/>
+              </a:spcAft>
+            </a:pPr>
+            <a:r>
+              <a:rPr lang="en-US" sz="1400" dirty="0">
+                <a:solidFill>
+                  <a:srgbClr val="000000"/>
+                </a:solidFill>
+                <a:highlight>
+                  <a:srgbClr val="FFFFFF"/>
+                </a:highlight>
+                <a:latin typeface="Consolas"/>
+                <a:ea typeface="Calibri"/>
+                <a:cs typeface="Times New Roman"/>
+              </a:rPr>
+              <a:t>            </a:t>
+            </a:r>
+            <a:r>
+              <a:rPr lang="en-US" sz="1400" dirty="0">
+                <a:solidFill>
+                  <a:srgbClr val="0000FF"/>
+                </a:solidFill>
+                <a:highlight>
+                  <a:srgbClr val="FFFFFF"/>
+                </a:highlight>
+                <a:latin typeface="Consolas"/>
+                <a:ea typeface="Calibri"/>
+                <a:cs typeface="Times New Roman"/>
+              </a:rPr>
+              <a:t>return</a:t>
+            </a:r>
+            <a:r>
+              <a:rPr lang="en-US" sz="1400" dirty="0">
+                <a:solidFill>
+                  <a:srgbClr val="000000"/>
+                </a:solidFill>
+                <a:highlight>
+                  <a:srgbClr val="FFFFFF"/>
+                </a:highlight>
+                <a:latin typeface="Consolas"/>
+                <a:ea typeface="Calibri"/>
+                <a:cs typeface="Times New Roman"/>
+              </a:rPr>
+              <a:t> (</a:t>
+            </a:r>
+            <a:r>
+              <a:rPr lang="en-US" sz="1400" dirty="0" err="1">
+                <a:solidFill>
+                  <a:srgbClr val="2B91AF"/>
+                </a:solidFill>
+                <a:highlight>
+                  <a:srgbClr val="FFFFFF"/>
+                </a:highlight>
+                <a:latin typeface="Consolas"/>
+                <a:ea typeface="Calibri"/>
+                <a:cs typeface="Times New Roman"/>
+              </a:rPr>
+              <a:t>IController</a:t>
+            </a:r>
+            <a:r>
+              <a:rPr lang="en-US" sz="1400" dirty="0">
+                <a:solidFill>
+                  <a:srgbClr val="000000"/>
+                </a:solidFill>
+                <a:highlight>
+                  <a:srgbClr val="FFFFFF"/>
+                </a:highlight>
+                <a:latin typeface="Consolas"/>
+                <a:ea typeface="Calibri"/>
+                <a:cs typeface="Times New Roman"/>
+              </a:rPr>
+              <a:t>) _</a:t>
+            </a:r>
+            <a:r>
+              <a:rPr lang="en-US" sz="1400" dirty="0" err="1">
+                <a:solidFill>
+                  <a:srgbClr val="000000"/>
+                </a:solidFill>
+                <a:highlight>
+                  <a:srgbClr val="FFFFFF"/>
+                </a:highlight>
+                <a:latin typeface="Consolas"/>
+                <a:ea typeface="Calibri"/>
+                <a:cs typeface="Times New Roman"/>
+              </a:rPr>
+              <a:t>unityContainer.Resolve</a:t>
+            </a:r>
+            <a:r>
+              <a:rPr lang="en-US" sz="1400" dirty="0">
+                <a:solidFill>
+                  <a:srgbClr val="000000"/>
+                </a:solidFill>
+                <a:highlight>
+                  <a:srgbClr val="FFFFFF"/>
+                </a:highlight>
+                <a:latin typeface="Consolas"/>
+                <a:ea typeface="Calibri"/>
+                <a:cs typeface="Times New Roman"/>
+              </a:rPr>
+              <a:t>(</a:t>
+            </a:r>
+            <a:r>
+              <a:rPr lang="en-US" sz="1400" dirty="0" err="1">
+                <a:solidFill>
+                  <a:srgbClr val="000000"/>
+                </a:solidFill>
+                <a:highlight>
+                  <a:srgbClr val="FFFFFF"/>
+                </a:highlight>
+                <a:latin typeface="Consolas"/>
+                <a:ea typeface="Calibri"/>
+                <a:cs typeface="Times New Roman"/>
+              </a:rPr>
+              <a:t>controllerType</a:t>
+            </a:r>
+            <a:r>
+              <a:rPr lang="en-US" sz="1400" dirty="0">
+                <a:solidFill>
+                  <a:srgbClr val="000000"/>
+                </a:solidFill>
+                <a:highlight>
+                  <a:srgbClr val="FFFFFF"/>
+                </a:highlight>
+                <a:latin typeface="Consolas"/>
+                <a:ea typeface="Calibri"/>
+                <a:cs typeface="Times New Roman"/>
+              </a:rPr>
+              <a:t>);</a:t>
+            </a:r>
+            <a:endParaRPr lang="en-US" sz="1400" dirty="0">
+              <a:ea typeface="Calibri"/>
+              <a:cs typeface="Times New Roman"/>
+            </a:endParaRPr>
+          </a:p>
+          <a:p>
+            <a:pPr>
+              <a:lnSpc>
+                <a:spcPct val="115000"/>
+              </a:lnSpc>
+              <a:spcAft>
+                <a:spcPts val="0"/>
+              </a:spcAft>
+            </a:pPr>
+            <a:r>
+              <a:rPr lang="en-US" sz="1400" dirty="0">
+                <a:solidFill>
+                  <a:srgbClr val="000000"/>
+                </a:solidFill>
+                <a:highlight>
+                  <a:srgbClr val="FFFFFF"/>
+                </a:highlight>
+                <a:latin typeface="Consolas"/>
+                <a:ea typeface="Calibri"/>
+                <a:cs typeface="Times New Roman"/>
+              </a:rPr>
+              <a:t>        }</a:t>
+            </a:r>
+            <a:endParaRPr lang="en-US" sz="1400" dirty="0">
+              <a:ea typeface="Calibri"/>
+              <a:cs typeface="Times New Roman"/>
+            </a:endParaRPr>
+          </a:p>
+          <a:p>
+            <a:pPr>
+              <a:lnSpc>
+                <a:spcPct val="115000"/>
+              </a:lnSpc>
+              <a:spcAft>
+                <a:spcPts val="1000"/>
+              </a:spcAft>
+            </a:pPr>
+            <a:r>
+              <a:rPr lang="en-US" sz="1400" dirty="0">
+                <a:solidFill>
+                  <a:srgbClr val="000000"/>
+                </a:solidFill>
+                <a:highlight>
+                  <a:srgbClr val="FFFFFF"/>
+                </a:highlight>
+                <a:latin typeface="Consolas"/>
+                <a:ea typeface="Calibri"/>
+                <a:cs typeface="Times New Roman"/>
+              </a:rPr>
+              <a:t>    </a:t>
+            </a:r>
+            <a:r>
+              <a:rPr lang="en-US" sz="1400" dirty="0" smtClean="0">
+                <a:solidFill>
+                  <a:srgbClr val="000000"/>
+                </a:solidFill>
+                <a:highlight>
+                  <a:srgbClr val="FFFFFF"/>
+                </a:highlight>
+                <a:latin typeface="Consolas"/>
+                <a:ea typeface="Calibri"/>
+                <a:cs typeface="Times New Roman"/>
+              </a:rPr>
+              <a:t>}</a:t>
+            </a:r>
+          </a:p>
+          <a:p>
+            <a:pPr>
+              <a:lnSpc>
+                <a:spcPct val="115000"/>
+              </a:lnSpc>
+              <a:spcAft>
+                <a:spcPts val="1000"/>
+              </a:spcAft>
+            </a:pPr>
+            <a:r>
+              <a:rPr lang="fr-FR" sz="1400" i="1" dirty="0" smtClean="0">
+                <a:solidFill>
+                  <a:srgbClr val="000000"/>
+                </a:solidFill>
+                <a:highlight>
+                  <a:srgbClr val="FFFFFF"/>
+                </a:highlight>
+                <a:latin typeface="Consolas"/>
+                <a:ea typeface="Calibri"/>
+                <a:cs typeface="Times New Roman"/>
+              </a:rPr>
+              <a:t>In </a:t>
+            </a:r>
+            <a:r>
+              <a:rPr lang="fr-FR" sz="1400" i="1" dirty="0" err="1" smtClean="0">
+                <a:solidFill>
+                  <a:srgbClr val="000000"/>
+                </a:solidFill>
+                <a:highlight>
+                  <a:srgbClr val="FFFFFF"/>
+                </a:highlight>
+                <a:latin typeface="Consolas"/>
+                <a:ea typeface="Calibri"/>
+                <a:cs typeface="Times New Roman"/>
+              </a:rPr>
+              <a:t>CompositionRoot</a:t>
+            </a:r>
+            <a:endParaRPr lang="en-US" i="1" dirty="0">
+              <a:ea typeface="Calibri"/>
+              <a:cs typeface="Times New Roman"/>
+            </a:endParaRPr>
+          </a:p>
+        </p:txBody>
+      </p:sp>
+      <p:sp>
+        <p:nvSpPr>
+          <p:cNvPr id="7" name="TextBox 6"/>
+          <p:cNvSpPr txBox="1"/>
+          <p:nvPr/>
+        </p:nvSpPr>
+        <p:spPr>
+          <a:xfrm>
+            <a:off x="2843808" y="6133862"/>
+            <a:ext cx="5067156" cy="584775"/>
+          </a:xfrm>
+          <a:prstGeom prst="rect">
+            <a:avLst/>
+          </a:prstGeom>
+          <a:noFill/>
+        </p:spPr>
+        <p:txBody>
+          <a:bodyPr wrap="none" rtlCol="0">
+            <a:spAutoFit/>
+          </a:bodyPr>
+          <a:lstStyle/>
+          <a:p>
+            <a:r>
+              <a:rPr lang="fr-FR" sz="3200" b="1" dirty="0" err="1" smtClean="0">
+                <a:solidFill>
+                  <a:srgbClr val="C00000"/>
+                </a:solidFill>
+              </a:rPr>
+              <a:t>R</a:t>
+            </a:r>
+            <a:r>
+              <a:rPr lang="fr-FR" sz="3200" dirty="0" err="1" smtClean="0">
+                <a:solidFill>
+                  <a:srgbClr val="C00000"/>
+                </a:solidFill>
+              </a:rPr>
+              <a:t>egister</a:t>
+            </a:r>
+            <a:r>
+              <a:rPr lang="fr-FR" sz="3200" dirty="0" smtClean="0">
+                <a:solidFill>
+                  <a:srgbClr val="C00000"/>
+                </a:solidFill>
+              </a:rPr>
+              <a:t> / </a:t>
+            </a:r>
+            <a:r>
+              <a:rPr lang="fr-FR" sz="3200" b="1" dirty="0" err="1" smtClean="0">
+                <a:solidFill>
+                  <a:srgbClr val="C00000"/>
+                </a:solidFill>
+              </a:rPr>
+              <a:t>R</a:t>
+            </a:r>
+            <a:r>
+              <a:rPr lang="fr-FR" sz="3200" dirty="0" err="1" smtClean="0">
+                <a:solidFill>
+                  <a:srgbClr val="C00000"/>
+                </a:solidFill>
+              </a:rPr>
+              <a:t>esolve</a:t>
+            </a:r>
+            <a:r>
+              <a:rPr lang="fr-FR" sz="3200" dirty="0" smtClean="0">
+                <a:solidFill>
+                  <a:srgbClr val="C00000"/>
+                </a:solidFill>
+              </a:rPr>
+              <a:t> (/ </a:t>
+            </a:r>
+            <a:r>
+              <a:rPr lang="fr-FR" sz="3200" b="1" dirty="0" smtClean="0">
+                <a:solidFill>
+                  <a:srgbClr val="C00000"/>
+                </a:solidFill>
+              </a:rPr>
+              <a:t>R</a:t>
+            </a:r>
+            <a:r>
+              <a:rPr lang="fr-FR" sz="3200" dirty="0" smtClean="0">
+                <a:solidFill>
+                  <a:srgbClr val="C00000"/>
+                </a:solidFill>
+              </a:rPr>
+              <a:t>elease)</a:t>
+            </a:r>
+            <a:endParaRPr lang="en-US" sz="3200" dirty="0">
+              <a:solidFill>
+                <a:srgbClr val="C00000"/>
+              </a:solidFill>
+            </a:endParaRPr>
+          </a:p>
+        </p:txBody>
+      </p:sp>
+      <p:sp>
+        <p:nvSpPr>
+          <p:cNvPr id="9" name="Rounded Rectangle 8"/>
+          <p:cNvSpPr/>
+          <p:nvPr/>
+        </p:nvSpPr>
+        <p:spPr>
+          <a:xfrm>
+            <a:off x="1835696" y="1645595"/>
+            <a:ext cx="5400600" cy="414046"/>
+          </a:xfrm>
+          <a:prstGeom prst="roundRect">
+            <a:avLst/>
+          </a:prstGeom>
+          <a:noFill/>
+          <a:ln>
+            <a:solidFill>
+              <a:srgbClr val="FF0000"/>
+            </a:solidFill>
+          </a:ln>
+        </p:spPr>
+        <p:style>
+          <a:lnRef idx="2">
+            <a:schemeClr val="accent1">
+              <a:shade val="50000"/>
+            </a:schemeClr>
+          </a:lnRef>
+          <a:fillRef idx="1">
+            <a:schemeClr val="accent1"/>
+          </a:fillRef>
+          <a:effectRef idx="0">
+            <a:schemeClr val="accent1"/>
+          </a:effectRef>
+          <a:fontRef idx="minor">
+            <a:schemeClr val="lt1"/>
+          </a:fontRef>
+        </p:style>
+        <p:txBody>
+          <a:bodyPr rtlCol="0" anchor="ctr"/>
+          <a:lstStyle/>
+          <a:p>
+            <a:pPr algn="ctr"/>
+            <a:endParaRPr lang="en-US">
+              <a:solidFill>
+                <a:srgbClr val="C00000"/>
+              </a:solidFill>
+            </a:endParaRPr>
+          </a:p>
+        </p:txBody>
+      </p:sp>
+      <p:sp>
+        <p:nvSpPr>
+          <p:cNvPr id="10" name="Rounded Rectangle 9"/>
+          <p:cNvSpPr/>
+          <p:nvPr/>
+        </p:nvSpPr>
+        <p:spPr>
+          <a:xfrm>
+            <a:off x="4211960" y="5589240"/>
+            <a:ext cx="4032448" cy="544622"/>
+          </a:xfrm>
+          <a:prstGeom prst="roundRect">
+            <a:avLst/>
+          </a:prstGeom>
+          <a:noFill/>
+          <a:ln>
+            <a:solidFill>
+              <a:srgbClr val="FF0000"/>
+            </a:solidFill>
+          </a:ln>
+        </p:spPr>
+        <p:style>
+          <a:lnRef idx="2">
+            <a:schemeClr val="accent1">
+              <a:shade val="50000"/>
+            </a:schemeClr>
+          </a:lnRef>
+          <a:fillRef idx="1">
+            <a:schemeClr val="accent1"/>
+          </a:fillRef>
+          <a:effectRef idx="0">
+            <a:schemeClr val="accent1"/>
+          </a:effectRef>
+          <a:fontRef idx="minor">
+            <a:schemeClr val="lt1"/>
+          </a:fontRef>
+        </p:style>
+        <p:txBody>
+          <a:bodyPr rtlCol="0" anchor="ctr"/>
+          <a:lstStyle/>
+          <a:p>
+            <a:pPr algn="ctr"/>
+            <a:endParaRPr lang="en-US">
+              <a:solidFill>
+                <a:srgbClr val="C00000"/>
+              </a:solidFill>
+            </a:endParaRPr>
           </a:p>
         </p:txBody>
       </p:sp>
@@ -39259,9 +42735,172 @@
   <p:timing>
     <p:tnLst>
       <p:par>
-        <p:cTn id="1" dur="indefinite" restart="never" nodeType="tmRoot"/>
+        <p:cTn id="1" dur="indefinite" restart="never" nodeType="tmRoot">
+          <p:childTnLst>
+            <p:seq concurrent="1" nextAc="seek">
+              <p:cTn id="2" dur="indefinite" nodeType="mainSeq">
+                <p:childTnLst>
+                  <p:par>
+                    <p:cTn id="3" fill="hold">
+                      <p:stCondLst>
+                        <p:cond delay="indefinite"/>
+                      </p:stCondLst>
+                      <p:childTnLst>
+                        <p:par>
+                          <p:cTn id="4" fill="hold">
+                            <p:stCondLst>
+                              <p:cond delay="0"/>
+                            </p:stCondLst>
+                            <p:childTnLst>
+                              <p:par>
+                                <p:cTn id="5" presetID="1" presetClass="entr" presetSubtype="0" fill="hold" grpId="0" nodeType="clickEffect">
+                                  <p:stCondLst>
+                                    <p:cond delay="0"/>
+                                  </p:stCondLst>
+                                  <p:childTnLst>
+                                    <p:set>
+                                      <p:cBhvr>
+                                        <p:cTn id="6" dur="1" fill="hold">
+                                          <p:stCondLst>
+                                            <p:cond delay="0"/>
+                                          </p:stCondLst>
+                                        </p:cTn>
+                                        <p:tgtEl>
+                                          <p:spTgt spid="4"/>
+                                        </p:tgtEl>
+                                        <p:attrNameLst>
+                                          <p:attrName>style.visibility</p:attrName>
+                                        </p:attrNameLst>
+                                      </p:cBhvr>
+                                      <p:to>
+                                        <p:strVal val="visible"/>
+                                      </p:to>
+                                    </p:set>
+                                  </p:childTnLst>
+                                </p:cTn>
+                              </p:par>
+                            </p:childTnLst>
+                          </p:cTn>
+                        </p:par>
+                      </p:childTnLst>
+                    </p:cTn>
+                  </p:par>
+                  <p:par>
+                    <p:cTn id="7" fill="hold">
+                      <p:stCondLst>
+                        <p:cond delay="indefinite"/>
+                      </p:stCondLst>
+                      <p:childTnLst>
+                        <p:par>
+                          <p:cTn id="8" fill="hold">
+                            <p:stCondLst>
+                              <p:cond delay="0"/>
+                            </p:stCondLst>
+                            <p:childTnLst>
+                              <p:par>
+                                <p:cTn id="9" presetID="1" presetClass="entr" presetSubtype="0" fill="hold" grpId="0" nodeType="clickEffect">
+                                  <p:stCondLst>
+                                    <p:cond delay="0"/>
+                                  </p:stCondLst>
+                                  <p:childTnLst>
+                                    <p:set>
+                                      <p:cBhvr>
+                                        <p:cTn id="10" dur="1" fill="hold">
+                                          <p:stCondLst>
+                                            <p:cond delay="0"/>
+                                          </p:stCondLst>
+                                        </p:cTn>
+                                        <p:tgtEl>
+                                          <p:spTgt spid="5"/>
+                                        </p:tgtEl>
+                                        <p:attrNameLst>
+                                          <p:attrName>style.visibility</p:attrName>
+                                        </p:attrNameLst>
+                                      </p:cBhvr>
+                                      <p:to>
+                                        <p:strVal val="visible"/>
+                                      </p:to>
+                                    </p:set>
+                                  </p:childTnLst>
+                                </p:cTn>
+                              </p:par>
+                            </p:childTnLst>
+                          </p:cTn>
+                        </p:par>
+                      </p:childTnLst>
+                    </p:cTn>
+                  </p:par>
+                  <p:par>
+                    <p:cTn id="11" fill="hold">
+                      <p:stCondLst>
+                        <p:cond delay="indefinite"/>
+                      </p:stCondLst>
+                      <p:childTnLst>
+                        <p:par>
+                          <p:cTn id="12" fill="hold">
+                            <p:stCondLst>
+                              <p:cond delay="0"/>
+                            </p:stCondLst>
+                            <p:childTnLst>
+                              <p:par>
+                                <p:cTn id="13" presetID="1" presetClass="entr" presetSubtype="0" fill="hold" grpId="0" nodeType="clickEffect">
+                                  <p:stCondLst>
+                                    <p:cond delay="0"/>
+                                  </p:stCondLst>
+                                  <p:childTnLst>
+                                    <p:set>
+                                      <p:cBhvr>
+                                        <p:cTn id="14" dur="1" fill="hold">
+                                          <p:stCondLst>
+                                            <p:cond delay="0"/>
+                                          </p:stCondLst>
+                                        </p:cTn>
+                                        <p:tgtEl>
+                                          <p:spTgt spid="6"/>
+                                        </p:tgtEl>
+                                        <p:attrNameLst>
+                                          <p:attrName>style.visibility</p:attrName>
+                                        </p:attrNameLst>
+                                      </p:cBhvr>
+                                      <p:to>
+                                        <p:strVal val="visible"/>
+                                      </p:to>
+                                    </p:set>
+                                  </p:childTnLst>
+                                </p:cTn>
+                              </p:par>
+                            </p:childTnLst>
+                          </p:cTn>
+                        </p:par>
+                      </p:childTnLst>
+                    </p:cTn>
+                  </p:par>
+                </p:childTnLst>
+              </p:cTn>
+              <p:prevCondLst>
+                <p:cond evt="onPrev" delay="0">
+                  <p:tgtEl>
+                    <p:sldTgt/>
+                  </p:tgtEl>
+                </p:cond>
+              </p:prevCondLst>
+              <p:nextCondLst>
+                <p:cond evt="onNext" delay="0">
+                  <p:tgtEl>
+                    <p:sldTgt/>
+                  </p:tgtEl>
+                </p:cond>
+              </p:nextCondLst>
+            </p:seq>
+          </p:childTnLst>
+        </p:cTn>
       </p:par>
     </p:tnLst>
+    <p:bldLst>
+      <p:bldP spid="4" grpId="0" animBg="1"/>
+      <p:bldP spid="5" grpId="0" animBg="1"/>
+      <p:bldP spid="6" grpId="0" animBg="1"/>
+    </p:bldLst>
   </p:timing>
 </p:sld>
 </file>
@@ -39300,7 +42939,7 @@
           <a:p>
             <a:r>
               <a:rPr lang="en-US" dirty="0" smtClean="0"/>
-              <a:t>Composition, but not only</a:t>
+              <a:t>Aspects of DI</a:t>
             </a:r>
             <a:endParaRPr lang="en-US" dirty="0"/>
           </a:p>
@@ -39322,17 +42961,25 @@
           <a:lstStyle/>
           <a:p>
             <a:r>
-              <a:rPr lang="en-US" dirty="0" smtClean="0"/>
-              <a:t>Object creation and composition</a:t>
-            </a:r>
-          </a:p>
-          <a:p>
-            <a:r>
-              <a:rPr lang="en-US" dirty="0" smtClean="0"/>
-              <a:t>Other important parts of DI</a:t>
-            </a:r>
-          </a:p>
-          <a:p>
+              <a:rPr lang="fr-FR" dirty="0" smtClean="0"/>
+              <a:t>Composition</a:t>
+            </a:r>
+          </a:p>
+          <a:p>
+            <a:r>
+              <a:rPr lang="fr-FR" dirty="0" err="1" smtClean="0"/>
+              <a:t>Lifetime</a:t>
+            </a:r>
+            <a:r>
+              <a:rPr lang="fr-FR" dirty="0" smtClean="0"/>
+              <a:t> Management</a:t>
+            </a:r>
+          </a:p>
+          <a:p>
+            <a:r>
+              <a:rPr lang="fr-FR" dirty="0" smtClean="0"/>
+              <a:t>Interception</a:t>
+            </a:r>
             <a:endParaRPr lang="en-US" dirty="0"/>
           </a:p>
         </p:txBody>
@@ -39436,7 +43083,7 @@
 </file>
 
 <file path=ppt/slides/slide40.xml><?xml version="1.0" encoding="utf-8"?>
-<p:sld xmlns:a="http://schemas.openxmlformats.org/drawingml/2006/main" xmlns:r="http://schemas.openxmlformats.org/officeDocument/2006/relationships" xmlns:p="http://schemas.openxmlformats.org/presentationml/2006/main">
+<p:sld xmlns:a="http://schemas.openxmlformats.org/drawingml/2006/main" xmlns:r="http://schemas.openxmlformats.org/officeDocument/2006/relationships" xmlns:p="http://schemas.openxmlformats.org/presentationml/2006/main" show="0">
   <p:cSld>
     <p:spTree>
       <p:nvGrpSpPr>
@@ -39508,6 +43155,14 @@
   <p:clrMapOvr>
     <a:masterClrMapping/>
   </p:clrMapOvr>
+  <mc:AlternateContent xmlns:mc="http://schemas.openxmlformats.org/markup-compatibility/2006">
+    <mc:Choice xmlns:p14="http://schemas.microsoft.com/office/powerpoint/2010/main" Requires="p14">
+      <p:transition spd="slow" p14:dur="2000"/>
+    </mc:Choice>
+    <mc:Fallback>
+      <p:transition spd="slow"/>
+    </mc:Fallback>
+  </mc:AlternateContent>
   <p:timing>
     <p:tnLst>
       <p:par>
@@ -39573,6 +43228,69 @@
           <a:bodyPr/>
           <a:lstStyle/>
           <a:p>
+            <a:r>
+              <a:rPr lang="fr-FR" dirty="0" smtClean="0"/>
+              <a:t>~ </a:t>
+            </a:r>
+            <a:r>
+              <a:rPr lang="fr-FR" dirty="0" err="1" smtClean="0"/>
+              <a:t>Dynamic</a:t>
+            </a:r>
+            <a:r>
+              <a:rPr lang="fr-FR" dirty="0" smtClean="0"/>
+              <a:t> </a:t>
+            </a:r>
+            <a:r>
+              <a:rPr lang="fr-FR" dirty="0" err="1" smtClean="0"/>
+              <a:t>Decorators</a:t>
+            </a:r>
+            <a:endParaRPr lang="fr-FR" dirty="0" smtClean="0"/>
+          </a:p>
+          <a:p>
+            <a:r>
+              <a:rPr lang="fr-FR" dirty="0" smtClean="0"/>
+              <a:t>Cross-</a:t>
+            </a:r>
+            <a:r>
+              <a:rPr lang="fr-FR" dirty="0" err="1" smtClean="0"/>
+              <a:t>cutting</a:t>
+            </a:r>
+            <a:r>
+              <a:rPr lang="fr-FR" dirty="0" smtClean="0"/>
+              <a:t> </a:t>
+            </a:r>
+            <a:r>
+              <a:rPr lang="fr-FR" dirty="0" err="1" smtClean="0"/>
+              <a:t>concerns</a:t>
+            </a:r>
+            <a:endParaRPr lang="fr-FR" dirty="0" smtClean="0"/>
+          </a:p>
+          <a:p>
+            <a:pPr lvl="1"/>
+            <a:r>
+              <a:rPr lang="fr-FR" dirty="0" err="1" smtClean="0"/>
+              <a:t>Logging</a:t>
+            </a:r>
+            <a:endParaRPr lang="fr-FR" dirty="0" smtClean="0"/>
+          </a:p>
+          <a:p>
+            <a:pPr lvl="1"/>
+            <a:r>
+              <a:rPr lang="fr-FR" dirty="0" err="1" smtClean="0"/>
+              <a:t>Auditing</a:t>
+            </a:r>
+            <a:endParaRPr lang="fr-FR" dirty="0" smtClean="0"/>
+          </a:p>
+          <a:p>
+            <a:pPr lvl="1"/>
+            <a:r>
+              <a:rPr lang="fr-FR" dirty="0" err="1" smtClean="0"/>
+              <a:t>Profiling</a:t>
+            </a:r>
+            <a:r>
+              <a:rPr lang="fr-FR" dirty="0" smtClean="0"/>
+              <a:t> …</a:t>
+            </a:r>
             <a:endParaRPr lang="en-US" dirty="0"/>
           </a:p>
         </p:txBody>

--- a/Dependency Injection - the right way.pptx
+++ b/Dependency Injection - the right way.pptx
@@ -5,7 +5,7 @@
     <p:sldMasterId id="2147483648" r:id="rId1"/>
   </p:sldMasterIdLst>
   <p:notesMasterIdLst>
-    <p:notesMasterId r:id="rId48"/>
+    <p:notesMasterId r:id="rId51"/>
   </p:notesMasterIdLst>
   <p:sldIdLst>
     <p:sldId id="258" r:id="rId2"/>
@@ -49,11 +49,14 @@
     <p:sldId id="275" r:id="rId40"/>
     <p:sldId id="276" r:id="rId41"/>
     <p:sldId id="277" r:id="rId42"/>
-    <p:sldId id="278" r:id="rId43"/>
-    <p:sldId id="279" r:id="rId44"/>
-    <p:sldId id="259" r:id="rId45"/>
-    <p:sldId id="303" r:id="rId46"/>
-    <p:sldId id="274" r:id="rId47"/>
+    <p:sldId id="305" r:id="rId43"/>
+    <p:sldId id="278" r:id="rId44"/>
+    <p:sldId id="279" r:id="rId45"/>
+    <p:sldId id="259" r:id="rId46"/>
+    <p:sldId id="306" r:id="rId47"/>
+    <p:sldId id="307" r:id="rId48"/>
+    <p:sldId id="303" r:id="rId49"/>
+    <p:sldId id="274" r:id="rId50"/>
   </p:sldIdLst>
   <p:sldSz cx="9144000" cy="6858000" type="screen4x3"/>
   <p:notesSz cx="6858000" cy="9144000"/>
@@ -202,6 +205,7 @@
             <p14:sldId id="275"/>
             <p14:sldId id="276"/>
             <p14:sldId id="277"/>
+            <p14:sldId id="305"/>
           </p14:sldIdLst>
         </p14:section>
         <p14:section name="Ending" id="{ABFE2192-66D0-45D8-95C8-D54249131523}">
@@ -209,6 +213,8 @@
             <p14:sldId id="278"/>
             <p14:sldId id="279"/>
             <p14:sldId id="259"/>
+            <p14:sldId id="306"/>
+            <p14:sldId id="307"/>
             <p14:sldId id="303"/>
             <p14:sldId id="274"/>
           </p14:sldIdLst>
@@ -37762,98 +37768,113 @@
           </p:txBody>
         </p:sp>
       </p:grpSp>
-      <p:sp>
-        <p:nvSpPr>
-          <p:cNvPr id="10" name="Rounded Rectangle 9"/>
-          <p:cNvSpPr/>
+      <p:grpSp>
+        <p:nvGrpSpPr>
+          <p:cNvPr id="13" name="Group 12"/>
+          <p:cNvGrpSpPr/>
           <p:nvPr/>
-        </p:nvSpPr>
-        <p:spPr>
+        </p:nvGrpSpPr>
+        <p:grpSpPr>
           <a:xfrm>
             <a:off x="3707904" y="5229200"/>
-            <a:ext cx="3456384" cy="504056"/>
+            <a:ext cx="3556815" cy="919257"/>
+            <a:chOff x="3707904" y="5229200"/>
+            <a:chExt cx="3556815" cy="919257"/>
           </a:xfrm>
-          <a:prstGeom prst="roundRect">
-            <a:avLst/>
-          </a:prstGeom>
-          <a:noFill/>
-          <a:ln>
-            <a:solidFill>
-              <a:srgbClr val="FF0000"/>
-            </a:solidFill>
-          </a:ln>
-        </p:spPr>
-        <p:style>
-          <a:lnRef idx="2">
-            <a:schemeClr val="accent1">
-              <a:shade val="50000"/>
-            </a:schemeClr>
-          </a:lnRef>
-          <a:fillRef idx="1">
-            <a:schemeClr val="accent1"/>
-          </a:fillRef>
-          <a:effectRef idx="0">
-            <a:schemeClr val="accent1"/>
-          </a:effectRef>
-          <a:fontRef idx="minor">
-            <a:schemeClr val="lt1"/>
-          </a:fontRef>
-        </p:style>
-        <p:txBody>
-          <a:bodyPr rtlCol="0" anchor="ctr"/>
-          <a:lstStyle/>
-          <a:p>
-            <a:pPr algn="ctr"/>
-            <a:endParaRPr lang="en-US"/>
-          </a:p>
-        </p:txBody>
-      </p:sp>
-      <p:sp>
-        <p:nvSpPr>
-          <p:cNvPr id="11" name="TextBox 10"/>
-          <p:cNvSpPr txBox="1"/>
-          <p:nvPr/>
-        </p:nvSpPr>
-        <p:spPr>
-          <a:xfrm>
-            <a:off x="3747153" y="5748347"/>
-            <a:ext cx="3517566" cy="400110"/>
-          </a:xfrm>
-          <a:prstGeom prst="rect">
-            <a:avLst/>
-          </a:prstGeom>
-          <a:noFill/>
-        </p:spPr>
-        <p:txBody>
-          <a:bodyPr wrap="none" rtlCol="0">
-            <a:spAutoFit/>
-          </a:bodyPr>
-          <a:lstStyle/>
-          <a:p>
-            <a:r>
-              <a:rPr lang="en-US" sz="2000" b="1" dirty="0">
-                <a:solidFill>
-                  <a:srgbClr val="FF0000"/>
-                </a:solidFill>
-              </a:rPr>
-              <a:t>d</a:t>
-            </a:r>
-            <a:r>
-              <a:rPr lang="en-US" sz="2000" b="1" dirty="0" smtClean="0">
-                <a:solidFill>
-                  <a:srgbClr val="FF0000"/>
-                </a:solidFill>
-              </a:rPr>
-              <a:t>elegate to decorated instance </a:t>
-            </a:r>
-            <a:endParaRPr lang="en-US" sz="2000" b="1" dirty="0">
+        </p:grpSpPr>
+        <p:sp>
+          <p:nvSpPr>
+            <p:cNvPr id="10" name="Rounded Rectangle 9"/>
+            <p:cNvSpPr/>
+            <p:nvPr/>
+          </p:nvSpPr>
+          <p:spPr>
+            <a:xfrm>
+              <a:off x="3707904" y="5229200"/>
+              <a:ext cx="3456384" cy="504056"/>
+            </a:xfrm>
+            <a:prstGeom prst="roundRect">
+              <a:avLst/>
+            </a:prstGeom>
+            <a:noFill/>
+            <a:ln>
               <a:solidFill>
                 <a:srgbClr val="FF0000"/>
               </a:solidFill>
-            </a:endParaRPr>
-          </a:p>
-        </p:txBody>
-      </p:sp>
+            </a:ln>
+          </p:spPr>
+          <p:style>
+            <a:lnRef idx="2">
+              <a:schemeClr val="accent1">
+                <a:shade val="50000"/>
+              </a:schemeClr>
+            </a:lnRef>
+            <a:fillRef idx="1">
+              <a:schemeClr val="accent1"/>
+            </a:fillRef>
+            <a:effectRef idx="0">
+              <a:schemeClr val="accent1"/>
+            </a:effectRef>
+            <a:fontRef idx="minor">
+              <a:schemeClr val="lt1"/>
+            </a:fontRef>
+          </p:style>
+          <p:txBody>
+            <a:bodyPr rtlCol="0" anchor="ctr"/>
+            <a:lstStyle/>
+            <a:p>
+              <a:pPr algn="ctr"/>
+              <a:endParaRPr lang="en-US"/>
+            </a:p>
+          </p:txBody>
+        </p:sp>
+        <p:sp>
+          <p:nvSpPr>
+            <p:cNvPr id="11" name="TextBox 10"/>
+            <p:cNvSpPr txBox="1"/>
+            <p:nvPr/>
+          </p:nvSpPr>
+          <p:spPr>
+            <a:xfrm>
+              <a:off x="3747153" y="5748347"/>
+              <a:ext cx="3517566" cy="400110"/>
+            </a:xfrm>
+            <a:prstGeom prst="rect">
+              <a:avLst/>
+            </a:prstGeom>
+            <a:noFill/>
+          </p:spPr>
+          <p:txBody>
+            <a:bodyPr wrap="none" rtlCol="0">
+              <a:spAutoFit/>
+            </a:bodyPr>
+            <a:lstStyle/>
+            <a:p>
+              <a:r>
+                <a:rPr lang="en-US" sz="2000" b="1" dirty="0">
+                  <a:solidFill>
+                    <a:srgbClr val="FF0000"/>
+                  </a:solidFill>
+                </a:rPr>
+                <a:t>d</a:t>
+              </a:r>
+              <a:r>
+                <a:rPr lang="en-US" sz="2000" b="1" dirty="0" smtClean="0">
+                  <a:solidFill>
+                    <a:srgbClr val="FF0000"/>
+                  </a:solidFill>
+                </a:rPr>
+                <a:t>elegate to decorated instance </a:t>
+              </a:r>
+              <a:endParaRPr lang="en-US" sz="2000" b="1" dirty="0">
+                <a:solidFill>
+                  <a:srgbClr val="FF0000"/>
+                </a:solidFill>
+              </a:endParaRPr>
+            </a:p>
+          </p:txBody>
+        </p:sp>
+      </p:grpSp>
       <p:sp>
         <p:nvSpPr>
           <p:cNvPr id="12" name="TextBox 11"/>
@@ -43291,6 +43312,20 @@
               <a:rPr lang="fr-FR" dirty="0" smtClean="0"/>
               <a:t> …</a:t>
             </a:r>
+          </a:p>
+          <a:p>
+            <a:r>
+              <a:rPr lang="fr-FR" dirty="0" smtClean="0"/>
+              <a:t>AOP-</a:t>
+            </a:r>
+            <a:r>
+              <a:rPr lang="fr-FR" dirty="0" err="1" smtClean="0"/>
+              <a:t>like</a:t>
+            </a:r>
+            <a:r>
+              <a:rPr lang="fr-FR" dirty="0" smtClean="0"/>
+              <a:t> !</a:t>
+            </a:r>
             <a:endParaRPr lang="en-US" dirty="0"/>
           </a:p>
         </p:txBody>
@@ -43344,14 +43379,28 @@
         </p:nvSpPr>
         <p:spPr/>
         <p:txBody>
-          <a:bodyPr>
-            <a:normAutofit/>
-          </a:bodyPr>
+          <a:bodyPr/>
           <a:lstStyle/>
           <a:p>
             <a:r>
-              <a:rPr lang="en-US" dirty="0" smtClean="0"/>
-              <a:t>Conclusion</a:t>
+              <a:rPr lang="fr-FR" dirty="0" err="1" smtClean="0"/>
+              <a:t>Example</a:t>
+            </a:r>
+            <a:r>
+              <a:rPr lang="fr-FR" dirty="0" smtClean="0"/>
+              <a:t> </a:t>
+            </a:r>
+            <a:r>
+              <a:rPr lang="fr-FR" dirty="0" err="1" smtClean="0"/>
+              <a:t>with</a:t>
+            </a:r>
+            <a:r>
+              <a:rPr lang="fr-FR" dirty="0" smtClean="0"/>
+              <a:t> </a:t>
+            </a:r>
+            <a:r>
+              <a:rPr lang="fr-FR" dirty="0" err="1" smtClean="0"/>
+              <a:t>Unity</a:t>
             </a:r>
             <a:endParaRPr lang="en-US" dirty="0"/>
           </a:p>
@@ -43376,10 +43425,3795 @@
           </a:p>
         </p:txBody>
       </p:sp>
+      <p:sp>
+        <p:nvSpPr>
+          <p:cNvPr id="4" name="TextBox 3"/>
+          <p:cNvSpPr txBox="1"/>
+          <p:nvPr/>
+        </p:nvSpPr>
+        <p:spPr>
+          <a:xfrm>
+            <a:off x="-252536" y="44624"/>
+            <a:ext cx="10873208" cy="7772897"/>
+          </a:xfrm>
+          <a:prstGeom prst="rect">
+            <a:avLst/>
+          </a:prstGeom>
+          <a:solidFill>
+            <a:schemeClr val="bg1"/>
+          </a:solidFill>
+          <a:ln>
+            <a:solidFill>
+              <a:schemeClr val="accent1"/>
+            </a:solidFill>
+          </a:ln>
+        </p:spPr>
+        <p:txBody>
+          <a:bodyPr wrap="square" rtlCol="0">
+            <a:spAutoFit/>
+          </a:bodyPr>
+          <a:lstStyle/>
+          <a:p>
+            <a:pPr>
+              <a:lnSpc>
+                <a:spcPct val="115000"/>
+              </a:lnSpc>
+              <a:spcAft>
+                <a:spcPts val="0"/>
+              </a:spcAft>
+            </a:pPr>
+            <a:r>
+              <a:rPr lang="en-US" sz="1400" dirty="0">
+                <a:solidFill>
+                  <a:srgbClr val="0000FF"/>
+                </a:solidFill>
+                <a:highlight>
+                  <a:srgbClr val="FFFFFF"/>
+                </a:highlight>
+                <a:latin typeface="Consolas"/>
+                <a:ea typeface="Calibri"/>
+                <a:cs typeface="Times New Roman"/>
+              </a:rPr>
+              <a:t>public</a:t>
+            </a:r>
+            <a:r>
+              <a:rPr lang="en-US" sz="1400" dirty="0">
+                <a:solidFill>
+                  <a:srgbClr val="000000"/>
+                </a:solidFill>
+                <a:highlight>
+                  <a:srgbClr val="FFFFFF"/>
+                </a:highlight>
+                <a:latin typeface="Consolas"/>
+                <a:ea typeface="Calibri"/>
+                <a:cs typeface="Times New Roman"/>
+              </a:rPr>
+              <a:t> </a:t>
+            </a:r>
+            <a:r>
+              <a:rPr lang="en-US" sz="1400" dirty="0">
+                <a:solidFill>
+                  <a:srgbClr val="0000FF"/>
+                </a:solidFill>
+                <a:highlight>
+                  <a:srgbClr val="FFFFFF"/>
+                </a:highlight>
+                <a:latin typeface="Consolas"/>
+                <a:ea typeface="Calibri"/>
+                <a:cs typeface="Times New Roman"/>
+              </a:rPr>
+              <a:t>class</a:t>
+            </a:r>
+            <a:r>
+              <a:rPr lang="en-US" sz="1400" dirty="0">
+                <a:solidFill>
+                  <a:srgbClr val="000000"/>
+                </a:solidFill>
+                <a:highlight>
+                  <a:srgbClr val="FFFFFF"/>
+                </a:highlight>
+                <a:latin typeface="Consolas"/>
+                <a:ea typeface="Calibri"/>
+                <a:cs typeface="Times New Roman"/>
+              </a:rPr>
+              <a:t> </a:t>
+            </a:r>
+            <a:r>
+              <a:rPr lang="en-US" sz="1400" dirty="0" err="1">
+                <a:solidFill>
+                  <a:srgbClr val="2B91AF"/>
+                </a:solidFill>
+                <a:highlight>
+                  <a:srgbClr val="FFFFFF"/>
+                </a:highlight>
+                <a:latin typeface="Consolas"/>
+                <a:ea typeface="Calibri"/>
+                <a:cs typeface="Times New Roman"/>
+              </a:rPr>
+              <a:t>TimingBehavior</a:t>
+            </a:r>
+            <a:r>
+              <a:rPr lang="en-US" sz="1400" dirty="0">
+                <a:solidFill>
+                  <a:srgbClr val="000000"/>
+                </a:solidFill>
+                <a:highlight>
+                  <a:srgbClr val="FFFFFF"/>
+                </a:highlight>
+                <a:latin typeface="Consolas"/>
+                <a:ea typeface="Calibri"/>
+                <a:cs typeface="Times New Roman"/>
+              </a:rPr>
+              <a:t> : </a:t>
+            </a:r>
+            <a:r>
+              <a:rPr lang="en-US" sz="1400" dirty="0" err="1">
+                <a:solidFill>
+                  <a:srgbClr val="2B91AF"/>
+                </a:solidFill>
+                <a:highlight>
+                  <a:srgbClr val="FFFFFF"/>
+                </a:highlight>
+                <a:latin typeface="Consolas"/>
+                <a:ea typeface="Calibri"/>
+                <a:cs typeface="Times New Roman"/>
+              </a:rPr>
+              <a:t>IInterceptionBehavior</a:t>
+            </a:r>
+            <a:endParaRPr lang="en-US" sz="1400" dirty="0">
+              <a:ea typeface="Calibri"/>
+              <a:cs typeface="Times New Roman"/>
+            </a:endParaRPr>
+          </a:p>
+          <a:p>
+            <a:pPr>
+              <a:lnSpc>
+                <a:spcPct val="115000"/>
+              </a:lnSpc>
+              <a:spcAft>
+                <a:spcPts val="0"/>
+              </a:spcAft>
+            </a:pPr>
+            <a:r>
+              <a:rPr lang="en-US" sz="1400" dirty="0">
+                <a:solidFill>
+                  <a:srgbClr val="000000"/>
+                </a:solidFill>
+                <a:highlight>
+                  <a:srgbClr val="FFFFFF"/>
+                </a:highlight>
+                <a:latin typeface="Consolas"/>
+                <a:ea typeface="Calibri"/>
+                <a:cs typeface="Times New Roman"/>
+              </a:rPr>
+              <a:t>    {</a:t>
+            </a:r>
+            <a:endParaRPr lang="en-US" sz="1400" dirty="0">
+              <a:ea typeface="Calibri"/>
+              <a:cs typeface="Times New Roman"/>
+            </a:endParaRPr>
+          </a:p>
+          <a:p>
+            <a:pPr>
+              <a:lnSpc>
+                <a:spcPct val="115000"/>
+              </a:lnSpc>
+              <a:spcAft>
+                <a:spcPts val="0"/>
+              </a:spcAft>
+            </a:pPr>
+            <a:r>
+              <a:rPr lang="en-US" sz="1400" dirty="0">
+                <a:solidFill>
+                  <a:srgbClr val="000000"/>
+                </a:solidFill>
+                <a:highlight>
+                  <a:srgbClr val="FFFFFF"/>
+                </a:highlight>
+                <a:latin typeface="Consolas"/>
+                <a:ea typeface="Calibri"/>
+                <a:cs typeface="Times New Roman"/>
+              </a:rPr>
+              <a:t>        </a:t>
+            </a:r>
+            <a:r>
+              <a:rPr lang="en-US" sz="1400" dirty="0">
+                <a:solidFill>
+                  <a:srgbClr val="0000FF"/>
+                </a:solidFill>
+                <a:highlight>
+                  <a:srgbClr val="FFFFFF"/>
+                </a:highlight>
+                <a:latin typeface="Consolas"/>
+                <a:ea typeface="Calibri"/>
+                <a:cs typeface="Times New Roman"/>
+              </a:rPr>
+              <a:t>public</a:t>
+            </a:r>
+            <a:r>
+              <a:rPr lang="en-US" sz="1400" dirty="0">
+                <a:solidFill>
+                  <a:srgbClr val="000000"/>
+                </a:solidFill>
+                <a:highlight>
+                  <a:srgbClr val="FFFFFF"/>
+                </a:highlight>
+                <a:latin typeface="Consolas"/>
+                <a:ea typeface="Calibri"/>
+                <a:cs typeface="Times New Roman"/>
+              </a:rPr>
+              <a:t> </a:t>
+            </a:r>
+            <a:r>
+              <a:rPr lang="en-US" sz="1400" dirty="0" err="1">
+                <a:solidFill>
+                  <a:srgbClr val="2B91AF"/>
+                </a:solidFill>
+                <a:highlight>
+                  <a:srgbClr val="FFFFFF"/>
+                </a:highlight>
+                <a:latin typeface="Consolas"/>
+                <a:ea typeface="Calibri"/>
+                <a:cs typeface="Times New Roman"/>
+              </a:rPr>
+              <a:t>IMethodReturn</a:t>
+            </a:r>
+            <a:r>
+              <a:rPr lang="en-US" sz="1400" dirty="0">
+                <a:solidFill>
+                  <a:srgbClr val="000000"/>
+                </a:solidFill>
+                <a:highlight>
+                  <a:srgbClr val="FFFFFF"/>
+                </a:highlight>
+                <a:latin typeface="Consolas"/>
+                <a:ea typeface="Calibri"/>
+                <a:cs typeface="Times New Roman"/>
+              </a:rPr>
+              <a:t> Invoke(</a:t>
+            </a:r>
+            <a:r>
+              <a:rPr lang="en-US" sz="1400" dirty="0" err="1">
+                <a:solidFill>
+                  <a:srgbClr val="2B91AF"/>
+                </a:solidFill>
+                <a:highlight>
+                  <a:srgbClr val="FFFFFF"/>
+                </a:highlight>
+                <a:latin typeface="Consolas"/>
+                <a:ea typeface="Calibri"/>
+                <a:cs typeface="Times New Roman"/>
+              </a:rPr>
+              <a:t>IMethodInvocation</a:t>
+            </a:r>
+            <a:r>
+              <a:rPr lang="en-US" sz="1400" dirty="0">
+                <a:solidFill>
+                  <a:srgbClr val="000000"/>
+                </a:solidFill>
+                <a:highlight>
+                  <a:srgbClr val="FFFFFF"/>
+                </a:highlight>
+                <a:latin typeface="Consolas"/>
+                <a:ea typeface="Calibri"/>
+                <a:cs typeface="Times New Roman"/>
+              </a:rPr>
+              <a:t> input, </a:t>
+            </a:r>
+            <a:r>
+              <a:rPr lang="en-US" sz="1400" dirty="0" err="1">
+                <a:solidFill>
+                  <a:srgbClr val="2B91AF"/>
+                </a:solidFill>
+                <a:highlight>
+                  <a:srgbClr val="FFFFFF"/>
+                </a:highlight>
+                <a:latin typeface="Consolas"/>
+                <a:ea typeface="Calibri"/>
+                <a:cs typeface="Times New Roman"/>
+              </a:rPr>
+              <a:t>GetNextInterceptionBehaviorDelegate</a:t>
+            </a:r>
+            <a:r>
+              <a:rPr lang="en-US" sz="1400" dirty="0">
+                <a:solidFill>
+                  <a:srgbClr val="000000"/>
+                </a:solidFill>
+                <a:highlight>
+                  <a:srgbClr val="FFFFFF"/>
+                </a:highlight>
+                <a:latin typeface="Consolas"/>
+                <a:ea typeface="Calibri"/>
+                <a:cs typeface="Times New Roman"/>
+              </a:rPr>
+              <a:t> </a:t>
+            </a:r>
+            <a:r>
+              <a:rPr lang="en-US" sz="1400" dirty="0" err="1">
+                <a:solidFill>
+                  <a:srgbClr val="000000"/>
+                </a:solidFill>
+                <a:highlight>
+                  <a:srgbClr val="FFFFFF"/>
+                </a:highlight>
+                <a:latin typeface="Consolas"/>
+                <a:ea typeface="Calibri"/>
+                <a:cs typeface="Times New Roman"/>
+              </a:rPr>
+              <a:t>getNext</a:t>
+            </a:r>
+            <a:r>
+              <a:rPr lang="en-US" sz="1400" dirty="0">
+                <a:solidFill>
+                  <a:srgbClr val="000000"/>
+                </a:solidFill>
+                <a:highlight>
+                  <a:srgbClr val="FFFFFF"/>
+                </a:highlight>
+                <a:latin typeface="Consolas"/>
+                <a:ea typeface="Calibri"/>
+                <a:cs typeface="Times New Roman"/>
+              </a:rPr>
+              <a:t>)</a:t>
+            </a:r>
+            <a:endParaRPr lang="en-US" sz="1400" dirty="0">
+              <a:ea typeface="Calibri"/>
+              <a:cs typeface="Times New Roman"/>
+            </a:endParaRPr>
+          </a:p>
+          <a:p>
+            <a:pPr>
+              <a:lnSpc>
+                <a:spcPct val="115000"/>
+              </a:lnSpc>
+              <a:spcAft>
+                <a:spcPts val="0"/>
+              </a:spcAft>
+            </a:pPr>
+            <a:r>
+              <a:rPr lang="en-US" sz="1400" dirty="0">
+                <a:solidFill>
+                  <a:srgbClr val="000000"/>
+                </a:solidFill>
+                <a:highlight>
+                  <a:srgbClr val="FFFFFF"/>
+                </a:highlight>
+                <a:latin typeface="Consolas"/>
+                <a:ea typeface="Calibri"/>
+                <a:cs typeface="Times New Roman"/>
+              </a:rPr>
+              <a:t>        {</a:t>
+            </a:r>
+            <a:endParaRPr lang="en-US" sz="1400" dirty="0">
+              <a:ea typeface="Calibri"/>
+              <a:cs typeface="Times New Roman"/>
+            </a:endParaRPr>
+          </a:p>
+          <a:p>
+            <a:pPr>
+              <a:lnSpc>
+                <a:spcPct val="115000"/>
+              </a:lnSpc>
+              <a:spcAft>
+                <a:spcPts val="0"/>
+              </a:spcAft>
+            </a:pPr>
+            <a:r>
+              <a:rPr lang="en-US" sz="1400" dirty="0">
+                <a:solidFill>
+                  <a:srgbClr val="000000"/>
+                </a:solidFill>
+                <a:highlight>
+                  <a:srgbClr val="FFFFFF"/>
+                </a:highlight>
+                <a:latin typeface="Consolas"/>
+                <a:ea typeface="Calibri"/>
+                <a:cs typeface="Times New Roman"/>
+              </a:rPr>
+              <a:t>            </a:t>
+            </a:r>
+            <a:r>
+              <a:rPr lang="en-US" sz="1400" dirty="0" err="1">
+                <a:solidFill>
+                  <a:srgbClr val="0000FF"/>
+                </a:solidFill>
+                <a:highlight>
+                  <a:srgbClr val="FFFFFF"/>
+                </a:highlight>
+                <a:latin typeface="Consolas"/>
+                <a:ea typeface="Calibri"/>
+                <a:cs typeface="Times New Roman"/>
+              </a:rPr>
+              <a:t>var</a:t>
+            </a:r>
+            <a:r>
+              <a:rPr lang="en-US" sz="1400" dirty="0">
+                <a:solidFill>
+                  <a:srgbClr val="000000"/>
+                </a:solidFill>
+                <a:highlight>
+                  <a:srgbClr val="FFFFFF"/>
+                </a:highlight>
+                <a:latin typeface="Consolas"/>
+                <a:ea typeface="Calibri"/>
+                <a:cs typeface="Times New Roman"/>
+              </a:rPr>
+              <a:t> stopwatch = </a:t>
+            </a:r>
+            <a:r>
+              <a:rPr lang="en-US" sz="1400" dirty="0">
+                <a:solidFill>
+                  <a:srgbClr val="0000FF"/>
+                </a:solidFill>
+                <a:highlight>
+                  <a:srgbClr val="FFFFFF"/>
+                </a:highlight>
+                <a:latin typeface="Consolas"/>
+                <a:ea typeface="Calibri"/>
+                <a:cs typeface="Times New Roman"/>
+              </a:rPr>
+              <a:t>new</a:t>
+            </a:r>
+            <a:r>
+              <a:rPr lang="en-US" sz="1400" dirty="0">
+                <a:solidFill>
+                  <a:srgbClr val="000000"/>
+                </a:solidFill>
+                <a:highlight>
+                  <a:srgbClr val="FFFFFF"/>
+                </a:highlight>
+                <a:latin typeface="Consolas"/>
+                <a:ea typeface="Calibri"/>
+                <a:cs typeface="Times New Roman"/>
+              </a:rPr>
+              <a:t> </a:t>
+            </a:r>
+            <a:r>
+              <a:rPr lang="en-US" sz="1400" dirty="0">
+                <a:solidFill>
+                  <a:srgbClr val="2B91AF"/>
+                </a:solidFill>
+                <a:highlight>
+                  <a:srgbClr val="FFFFFF"/>
+                </a:highlight>
+                <a:latin typeface="Consolas"/>
+                <a:ea typeface="Calibri"/>
+                <a:cs typeface="Times New Roman"/>
+              </a:rPr>
+              <a:t>Stopwatch</a:t>
+            </a:r>
+            <a:r>
+              <a:rPr lang="en-US" sz="1400" dirty="0">
+                <a:solidFill>
+                  <a:srgbClr val="000000"/>
+                </a:solidFill>
+                <a:highlight>
+                  <a:srgbClr val="FFFFFF"/>
+                </a:highlight>
+                <a:latin typeface="Consolas"/>
+                <a:ea typeface="Calibri"/>
+                <a:cs typeface="Times New Roman"/>
+              </a:rPr>
+              <a:t>();</a:t>
+            </a:r>
+            <a:endParaRPr lang="en-US" sz="1400" dirty="0">
+              <a:ea typeface="Calibri"/>
+              <a:cs typeface="Times New Roman"/>
+            </a:endParaRPr>
+          </a:p>
+          <a:p>
+            <a:pPr>
+              <a:lnSpc>
+                <a:spcPct val="115000"/>
+              </a:lnSpc>
+              <a:spcAft>
+                <a:spcPts val="0"/>
+              </a:spcAft>
+            </a:pPr>
+            <a:r>
+              <a:rPr lang="en-US" sz="1400" dirty="0">
+                <a:solidFill>
+                  <a:srgbClr val="000000"/>
+                </a:solidFill>
+                <a:highlight>
+                  <a:srgbClr val="FFFFFF"/>
+                </a:highlight>
+                <a:latin typeface="Consolas"/>
+                <a:ea typeface="Calibri"/>
+                <a:cs typeface="Times New Roman"/>
+              </a:rPr>
+              <a:t>            </a:t>
+            </a:r>
+            <a:r>
+              <a:rPr lang="en-US" sz="1400" dirty="0">
+                <a:solidFill>
+                  <a:srgbClr val="008000"/>
+                </a:solidFill>
+                <a:highlight>
+                  <a:srgbClr val="FFFFFF"/>
+                </a:highlight>
+                <a:latin typeface="Consolas"/>
+                <a:ea typeface="Calibri"/>
+                <a:cs typeface="Times New Roman"/>
+              </a:rPr>
+              <a:t>// Before invoking the method on the original target.</a:t>
+            </a:r>
+            <a:endParaRPr lang="en-US" sz="1400" dirty="0">
+              <a:ea typeface="Calibri"/>
+              <a:cs typeface="Times New Roman"/>
+            </a:endParaRPr>
+          </a:p>
+          <a:p>
+            <a:pPr>
+              <a:lnSpc>
+                <a:spcPct val="115000"/>
+              </a:lnSpc>
+              <a:spcAft>
+                <a:spcPts val="0"/>
+              </a:spcAft>
+            </a:pPr>
+            <a:r>
+              <a:rPr lang="en-US" sz="1400" dirty="0">
+                <a:solidFill>
+                  <a:srgbClr val="000000"/>
+                </a:solidFill>
+                <a:highlight>
+                  <a:srgbClr val="FFFFFF"/>
+                </a:highlight>
+                <a:latin typeface="Consolas"/>
+                <a:ea typeface="Calibri"/>
+                <a:cs typeface="Times New Roman"/>
+              </a:rPr>
+              <a:t>            </a:t>
+            </a:r>
+            <a:r>
+              <a:rPr lang="en-US" sz="1400" dirty="0" err="1">
+                <a:solidFill>
+                  <a:srgbClr val="2B91AF"/>
+                </a:solidFill>
+                <a:highlight>
+                  <a:srgbClr val="FFFFFF"/>
+                </a:highlight>
+                <a:latin typeface="Consolas"/>
+                <a:ea typeface="Calibri"/>
+                <a:cs typeface="Times New Roman"/>
+              </a:rPr>
+              <a:t>Debug</a:t>
+            </a:r>
+            <a:r>
+              <a:rPr lang="en-US" sz="1400" dirty="0" err="1">
+                <a:solidFill>
+                  <a:srgbClr val="000000"/>
+                </a:solidFill>
+                <a:highlight>
+                  <a:srgbClr val="FFFFFF"/>
+                </a:highlight>
+                <a:latin typeface="Consolas"/>
+                <a:ea typeface="Calibri"/>
+                <a:cs typeface="Times New Roman"/>
+              </a:rPr>
+              <a:t>.WriteLine</a:t>
+            </a:r>
+            <a:r>
+              <a:rPr lang="en-US" sz="1400" dirty="0">
+                <a:solidFill>
+                  <a:srgbClr val="000000"/>
+                </a:solidFill>
+                <a:highlight>
+                  <a:srgbClr val="FFFFFF"/>
+                </a:highlight>
+                <a:latin typeface="Consolas"/>
+                <a:ea typeface="Calibri"/>
+                <a:cs typeface="Times New Roman"/>
+              </a:rPr>
+              <a:t>(</a:t>
+            </a:r>
+            <a:r>
+              <a:rPr lang="en-US" sz="1400" dirty="0">
+                <a:solidFill>
+                  <a:srgbClr val="A31515"/>
+                </a:solidFill>
+                <a:highlight>
+                  <a:srgbClr val="FFFFFF"/>
+                </a:highlight>
+                <a:latin typeface="Consolas"/>
+                <a:ea typeface="Calibri"/>
+                <a:cs typeface="Times New Roman"/>
+              </a:rPr>
+              <a:t>"&gt; </a:t>
+            </a:r>
+            <a:r>
+              <a:rPr lang="en-US" sz="1400" dirty="0">
+                <a:solidFill>
+                  <a:srgbClr val="3CB371"/>
+                </a:solidFill>
+                <a:highlight>
+                  <a:srgbClr val="FFFFFF"/>
+                </a:highlight>
+                <a:latin typeface="Consolas"/>
+                <a:ea typeface="Calibri"/>
+                <a:cs typeface="Times New Roman"/>
+              </a:rPr>
+              <a:t>{0}</a:t>
+            </a:r>
+            <a:r>
+              <a:rPr lang="en-US" sz="1400" dirty="0">
+                <a:solidFill>
+                  <a:srgbClr val="A31515"/>
+                </a:solidFill>
+                <a:highlight>
+                  <a:srgbClr val="FFFFFF"/>
+                </a:highlight>
+                <a:latin typeface="Consolas"/>
+                <a:ea typeface="Calibri"/>
+                <a:cs typeface="Times New Roman"/>
+              </a:rPr>
+              <a:t>.</a:t>
+            </a:r>
+            <a:r>
+              <a:rPr lang="en-US" sz="1400" dirty="0">
+                <a:solidFill>
+                  <a:srgbClr val="3CB371"/>
+                </a:solidFill>
+                <a:highlight>
+                  <a:srgbClr val="FFFFFF"/>
+                </a:highlight>
+                <a:latin typeface="Consolas"/>
+                <a:ea typeface="Calibri"/>
+                <a:cs typeface="Times New Roman"/>
+              </a:rPr>
+              <a:t>{1}</a:t>
+            </a:r>
+            <a:r>
+              <a:rPr lang="en-US" sz="1400" dirty="0">
+                <a:solidFill>
+                  <a:srgbClr val="A31515"/>
+                </a:solidFill>
+                <a:highlight>
+                  <a:srgbClr val="FFFFFF"/>
+                </a:highlight>
+                <a:latin typeface="Consolas"/>
+                <a:ea typeface="Calibri"/>
+                <a:cs typeface="Times New Roman"/>
+              </a:rPr>
+              <a:t>"</a:t>
+            </a:r>
+            <a:r>
+              <a:rPr lang="en-US" sz="1400" dirty="0">
+                <a:solidFill>
+                  <a:srgbClr val="000000"/>
+                </a:solidFill>
+                <a:highlight>
+                  <a:srgbClr val="FFFFFF"/>
+                </a:highlight>
+                <a:latin typeface="Consolas"/>
+                <a:ea typeface="Calibri"/>
+                <a:cs typeface="Times New Roman"/>
+              </a:rPr>
+              <a:t>, </a:t>
+            </a:r>
+            <a:r>
+              <a:rPr lang="en-US" sz="1400" dirty="0" err="1">
+                <a:solidFill>
+                  <a:srgbClr val="000000"/>
+                </a:solidFill>
+                <a:highlight>
+                  <a:srgbClr val="FFFFFF"/>
+                </a:highlight>
+                <a:latin typeface="Consolas"/>
+                <a:ea typeface="Calibri"/>
+                <a:cs typeface="Times New Roman"/>
+              </a:rPr>
+              <a:t>input.MethodBase.DeclaringType</a:t>
+            </a:r>
+            <a:r>
+              <a:rPr lang="en-US" sz="1400" dirty="0">
+                <a:solidFill>
+                  <a:srgbClr val="000000"/>
+                </a:solidFill>
+                <a:highlight>
+                  <a:srgbClr val="FFFFFF"/>
+                </a:highlight>
+                <a:latin typeface="Consolas"/>
+                <a:ea typeface="Calibri"/>
+                <a:cs typeface="Times New Roman"/>
+              </a:rPr>
+              <a:t>, </a:t>
+            </a:r>
+            <a:r>
+              <a:rPr lang="en-US" sz="1400" dirty="0" err="1">
+                <a:solidFill>
+                  <a:srgbClr val="000000"/>
+                </a:solidFill>
+                <a:highlight>
+                  <a:srgbClr val="FFFFFF"/>
+                </a:highlight>
+                <a:latin typeface="Consolas"/>
+                <a:ea typeface="Calibri"/>
+                <a:cs typeface="Times New Roman"/>
+              </a:rPr>
+              <a:t>input.MethodBase.Name</a:t>
+            </a:r>
+            <a:r>
+              <a:rPr lang="en-US" sz="1400" dirty="0">
+                <a:solidFill>
+                  <a:srgbClr val="000000"/>
+                </a:solidFill>
+                <a:highlight>
+                  <a:srgbClr val="FFFFFF"/>
+                </a:highlight>
+                <a:latin typeface="Consolas"/>
+                <a:ea typeface="Calibri"/>
+                <a:cs typeface="Times New Roman"/>
+              </a:rPr>
+              <a:t>);</a:t>
+            </a:r>
+            <a:endParaRPr lang="en-US" sz="1400" dirty="0">
+              <a:ea typeface="Calibri"/>
+              <a:cs typeface="Times New Roman"/>
+            </a:endParaRPr>
+          </a:p>
+          <a:p>
+            <a:pPr>
+              <a:lnSpc>
+                <a:spcPct val="115000"/>
+              </a:lnSpc>
+              <a:spcAft>
+                <a:spcPts val="0"/>
+              </a:spcAft>
+            </a:pPr>
+            <a:r>
+              <a:rPr lang="en-US" sz="1400" dirty="0">
+                <a:solidFill>
+                  <a:srgbClr val="000000"/>
+                </a:solidFill>
+                <a:highlight>
+                  <a:srgbClr val="FFFFFF"/>
+                </a:highlight>
+                <a:latin typeface="Consolas"/>
+                <a:ea typeface="Calibri"/>
+                <a:cs typeface="Times New Roman"/>
+              </a:rPr>
+              <a:t> </a:t>
+            </a:r>
+            <a:endParaRPr lang="en-US" sz="1400" dirty="0">
+              <a:ea typeface="Calibri"/>
+              <a:cs typeface="Times New Roman"/>
+            </a:endParaRPr>
+          </a:p>
+          <a:p>
+            <a:pPr>
+              <a:lnSpc>
+                <a:spcPct val="115000"/>
+              </a:lnSpc>
+              <a:spcAft>
+                <a:spcPts val="0"/>
+              </a:spcAft>
+            </a:pPr>
+            <a:r>
+              <a:rPr lang="en-US" sz="1400" dirty="0">
+                <a:solidFill>
+                  <a:srgbClr val="000000"/>
+                </a:solidFill>
+                <a:highlight>
+                  <a:srgbClr val="FFFFFF"/>
+                </a:highlight>
+                <a:latin typeface="Consolas"/>
+                <a:ea typeface="Calibri"/>
+                <a:cs typeface="Times New Roman"/>
+              </a:rPr>
+              <a:t>            </a:t>
+            </a:r>
+            <a:r>
+              <a:rPr lang="en-US" sz="1400" dirty="0" err="1">
+                <a:solidFill>
+                  <a:srgbClr val="000000"/>
+                </a:solidFill>
+                <a:highlight>
+                  <a:srgbClr val="FFFFFF"/>
+                </a:highlight>
+                <a:latin typeface="Consolas"/>
+                <a:ea typeface="Calibri"/>
+                <a:cs typeface="Times New Roman"/>
+              </a:rPr>
+              <a:t>stopwatch.Start</a:t>
+            </a:r>
+            <a:r>
+              <a:rPr lang="en-US" sz="1400" dirty="0">
+                <a:solidFill>
+                  <a:srgbClr val="000000"/>
+                </a:solidFill>
+                <a:highlight>
+                  <a:srgbClr val="FFFFFF"/>
+                </a:highlight>
+                <a:latin typeface="Consolas"/>
+                <a:ea typeface="Calibri"/>
+                <a:cs typeface="Times New Roman"/>
+              </a:rPr>
+              <a:t>();</a:t>
+            </a:r>
+            <a:endParaRPr lang="en-US" sz="1400" dirty="0">
+              <a:ea typeface="Calibri"/>
+              <a:cs typeface="Times New Roman"/>
+            </a:endParaRPr>
+          </a:p>
+          <a:p>
+            <a:pPr>
+              <a:lnSpc>
+                <a:spcPct val="115000"/>
+              </a:lnSpc>
+              <a:spcAft>
+                <a:spcPts val="0"/>
+              </a:spcAft>
+            </a:pPr>
+            <a:r>
+              <a:rPr lang="en-US" sz="1400" dirty="0">
+                <a:solidFill>
+                  <a:srgbClr val="000000"/>
+                </a:solidFill>
+                <a:highlight>
+                  <a:srgbClr val="FFFFFF"/>
+                </a:highlight>
+                <a:latin typeface="Consolas"/>
+                <a:ea typeface="Calibri"/>
+                <a:cs typeface="Times New Roman"/>
+              </a:rPr>
+              <a:t>            </a:t>
+            </a:r>
+            <a:r>
+              <a:rPr lang="en-US" sz="1400" dirty="0">
+                <a:solidFill>
+                  <a:srgbClr val="008000"/>
+                </a:solidFill>
+                <a:highlight>
+                  <a:srgbClr val="FFFFFF"/>
+                </a:highlight>
+                <a:latin typeface="Consolas"/>
+                <a:ea typeface="Calibri"/>
+                <a:cs typeface="Times New Roman"/>
+              </a:rPr>
+              <a:t>// Invoke the next behavior in the chain.</a:t>
+            </a:r>
+            <a:endParaRPr lang="en-US" sz="1400" dirty="0">
+              <a:ea typeface="Calibri"/>
+              <a:cs typeface="Times New Roman"/>
+            </a:endParaRPr>
+          </a:p>
+          <a:p>
+            <a:pPr>
+              <a:lnSpc>
+                <a:spcPct val="115000"/>
+              </a:lnSpc>
+              <a:spcAft>
+                <a:spcPts val="0"/>
+              </a:spcAft>
+            </a:pPr>
+            <a:r>
+              <a:rPr lang="en-US" sz="1400" dirty="0">
+                <a:solidFill>
+                  <a:srgbClr val="000000"/>
+                </a:solidFill>
+                <a:highlight>
+                  <a:srgbClr val="FFFFFF"/>
+                </a:highlight>
+                <a:latin typeface="Consolas"/>
+                <a:ea typeface="Calibri"/>
+                <a:cs typeface="Times New Roman"/>
+              </a:rPr>
+              <a:t>            </a:t>
+            </a:r>
+            <a:r>
+              <a:rPr lang="en-US" sz="1400" dirty="0" err="1">
+                <a:solidFill>
+                  <a:srgbClr val="0000FF"/>
+                </a:solidFill>
+                <a:highlight>
+                  <a:srgbClr val="FFFFFF"/>
+                </a:highlight>
+                <a:latin typeface="Consolas"/>
+                <a:ea typeface="Calibri"/>
+                <a:cs typeface="Times New Roman"/>
+              </a:rPr>
+              <a:t>var</a:t>
+            </a:r>
+            <a:r>
+              <a:rPr lang="en-US" sz="1400" dirty="0">
+                <a:solidFill>
+                  <a:srgbClr val="000000"/>
+                </a:solidFill>
+                <a:highlight>
+                  <a:srgbClr val="FFFFFF"/>
+                </a:highlight>
+                <a:latin typeface="Consolas"/>
+                <a:ea typeface="Calibri"/>
+                <a:cs typeface="Times New Roman"/>
+              </a:rPr>
+              <a:t> result = </a:t>
+            </a:r>
+            <a:r>
+              <a:rPr lang="en-US" sz="1400" dirty="0" err="1">
+                <a:solidFill>
+                  <a:srgbClr val="000000"/>
+                </a:solidFill>
+                <a:highlight>
+                  <a:srgbClr val="FFFFFF"/>
+                </a:highlight>
+                <a:latin typeface="Consolas"/>
+                <a:ea typeface="Calibri"/>
+                <a:cs typeface="Times New Roman"/>
+              </a:rPr>
+              <a:t>getNext</a:t>
+            </a:r>
+            <a:r>
+              <a:rPr lang="en-US" sz="1400" dirty="0">
+                <a:solidFill>
+                  <a:srgbClr val="000000"/>
+                </a:solidFill>
+                <a:highlight>
+                  <a:srgbClr val="FFFFFF"/>
+                </a:highlight>
+                <a:latin typeface="Consolas"/>
+                <a:ea typeface="Calibri"/>
+                <a:cs typeface="Times New Roman"/>
+              </a:rPr>
+              <a:t>()(input, </a:t>
+            </a:r>
+            <a:r>
+              <a:rPr lang="en-US" sz="1400" dirty="0" err="1">
+                <a:solidFill>
+                  <a:srgbClr val="000000"/>
+                </a:solidFill>
+                <a:highlight>
+                  <a:srgbClr val="FFFFFF"/>
+                </a:highlight>
+                <a:latin typeface="Consolas"/>
+                <a:ea typeface="Calibri"/>
+                <a:cs typeface="Times New Roman"/>
+              </a:rPr>
+              <a:t>getNext</a:t>
+            </a:r>
+            <a:r>
+              <a:rPr lang="en-US" sz="1400" dirty="0">
+                <a:solidFill>
+                  <a:srgbClr val="000000"/>
+                </a:solidFill>
+                <a:highlight>
+                  <a:srgbClr val="FFFFFF"/>
+                </a:highlight>
+                <a:latin typeface="Consolas"/>
+                <a:ea typeface="Calibri"/>
+                <a:cs typeface="Times New Roman"/>
+              </a:rPr>
+              <a:t>);</a:t>
+            </a:r>
+            <a:endParaRPr lang="en-US" sz="1400" dirty="0">
+              <a:ea typeface="Calibri"/>
+              <a:cs typeface="Times New Roman"/>
+            </a:endParaRPr>
+          </a:p>
+          <a:p>
+            <a:pPr>
+              <a:lnSpc>
+                <a:spcPct val="115000"/>
+              </a:lnSpc>
+              <a:spcAft>
+                <a:spcPts val="0"/>
+              </a:spcAft>
+            </a:pPr>
+            <a:r>
+              <a:rPr lang="en-US" sz="1400" dirty="0">
+                <a:solidFill>
+                  <a:srgbClr val="000000"/>
+                </a:solidFill>
+                <a:highlight>
+                  <a:srgbClr val="FFFFFF"/>
+                </a:highlight>
+                <a:latin typeface="Consolas"/>
+                <a:ea typeface="Calibri"/>
+                <a:cs typeface="Times New Roman"/>
+              </a:rPr>
+              <a:t> </a:t>
+            </a:r>
+            <a:endParaRPr lang="en-US" sz="1400" dirty="0">
+              <a:ea typeface="Calibri"/>
+              <a:cs typeface="Times New Roman"/>
+            </a:endParaRPr>
+          </a:p>
+          <a:p>
+            <a:pPr>
+              <a:lnSpc>
+                <a:spcPct val="115000"/>
+              </a:lnSpc>
+              <a:spcAft>
+                <a:spcPts val="0"/>
+              </a:spcAft>
+            </a:pPr>
+            <a:r>
+              <a:rPr lang="en-US" sz="1400" dirty="0">
+                <a:solidFill>
+                  <a:srgbClr val="000000"/>
+                </a:solidFill>
+                <a:highlight>
+                  <a:srgbClr val="FFFFFF"/>
+                </a:highlight>
+                <a:latin typeface="Consolas"/>
+                <a:ea typeface="Calibri"/>
+                <a:cs typeface="Times New Roman"/>
+              </a:rPr>
+              <a:t>            </a:t>
+            </a:r>
+            <a:r>
+              <a:rPr lang="en-US" sz="1400" dirty="0" err="1">
+                <a:solidFill>
+                  <a:srgbClr val="000000"/>
+                </a:solidFill>
+                <a:highlight>
+                  <a:srgbClr val="FFFFFF"/>
+                </a:highlight>
+                <a:latin typeface="Consolas"/>
+                <a:ea typeface="Calibri"/>
+                <a:cs typeface="Times New Roman"/>
+              </a:rPr>
+              <a:t>stopwatch.Stop</a:t>
+            </a:r>
+            <a:r>
+              <a:rPr lang="en-US" sz="1400" dirty="0">
+                <a:solidFill>
+                  <a:srgbClr val="000000"/>
+                </a:solidFill>
+                <a:highlight>
+                  <a:srgbClr val="FFFFFF"/>
+                </a:highlight>
+                <a:latin typeface="Consolas"/>
+                <a:ea typeface="Calibri"/>
+                <a:cs typeface="Times New Roman"/>
+              </a:rPr>
+              <a:t>();</a:t>
+            </a:r>
+            <a:endParaRPr lang="en-US" sz="1400" dirty="0">
+              <a:ea typeface="Calibri"/>
+              <a:cs typeface="Times New Roman"/>
+            </a:endParaRPr>
+          </a:p>
+          <a:p>
+            <a:pPr>
+              <a:lnSpc>
+                <a:spcPct val="115000"/>
+              </a:lnSpc>
+              <a:spcAft>
+                <a:spcPts val="0"/>
+              </a:spcAft>
+            </a:pPr>
+            <a:r>
+              <a:rPr lang="en-US" sz="1400" dirty="0">
+                <a:solidFill>
+                  <a:srgbClr val="000000"/>
+                </a:solidFill>
+                <a:highlight>
+                  <a:srgbClr val="FFFFFF"/>
+                </a:highlight>
+                <a:latin typeface="Consolas"/>
+                <a:ea typeface="Calibri"/>
+                <a:cs typeface="Times New Roman"/>
+              </a:rPr>
+              <a:t>            </a:t>
+            </a:r>
+            <a:r>
+              <a:rPr lang="en-US" sz="1400" dirty="0">
+                <a:solidFill>
+                  <a:srgbClr val="008000"/>
+                </a:solidFill>
+                <a:highlight>
+                  <a:srgbClr val="FFFFFF"/>
+                </a:highlight>
+                <a:latin typeface="Consolas"/>
+                <a:ea typeface="Calibri"/>
+                <a:cs typeface="Times New Roman"/>
+              </a:rPr>
+              <a:t>// After invoking the method on the original target.</a:t>
+            </a:r>
+            <a:endParaRPr lang="en-US" sz="1400" dirty="0">
+              <a:ea typeface="Calibri"/>
+              <a:cs typeface="Times New Roman"/>
+            </a:endParaRPr>
+          </a:p>
+          <a:p>
+            <a:pPr>
+              <a:lnSpc>
+                <a:spcPct val="115000"/>
+              </a:lnSpc>
+              <a:spcAft>
+                <a:spcPts val="0"/>
+              </a:spcAft>
+            </a:pPr>
+            <a:r>
+              <a:rPr lang="en-US" sz="1400" dirty="0">
+                <a:solidFill>
+                  <a:srgbClr val="000000"/>
+                </a:solidFill>
+                <a:highlight>
+                  <a:srgbClr val="FFFFFF"/>
+                </a:highlight>
+                <a:latin typeface="Consolas"/>
+                <a:ea typeface="Calibri"/>
+                <a:cs typeface="Times New Roman"/>
+              </a:rPr>
+              <a:t>            </a:t>
+            </a:r>
+            <a:r>
+              <a:rPr lang="en-US" sz="1400" dirty="0">
+                <a:solidFill>
+                  <a:srgbClr val="0000FF"/>
+                </a:solidFill>
+                <a:highlight>
+                  <a:srgbClr val="FFFFFF"/>
+                </a:highlight>
+                <a:latin typeface="Consolas"/>
+                <a:ea typeface="Calibri"/>
+                <a:cs typeface="Times New Roman"/>
+              </a:rPr>
+              <a:t>if</a:t>
+            </a:r>
+            <a:r>
+              <a:rPr lang="en-US" sz="1400" dirty="0">
+                <a:solidFill>
+                  <a:srgbClr val="000000"/>
+                </a:solidFill>
+                <a:highlight>
+                  <a:srgbClr val="FFFFFF"/>
+                </a:highlight>
+                <a:latin typeface="Consolas"/>
+                <a:ea typeface="Calibri"/>
+                <a:cs typeface="Times New Roman"/>
+              </a:rPr>
+              <a:t> (</a:t>
+            </a:r>
+            <a:r>
+              <a:rPr lang="en-US" sz="1400" dirty="0" err="1">
+                <a:solidFill>
+                  <a:srgbClr val="000000"/>
+                </a:solidFill>
+                <a:highlight>
+                  <a:srgbClr val="FFFFFF"/>
+                </a:highlight>
+                <a:latin typeface="Consolas"/>
+                <a:ea typeface="Calibri"/>
+                <a:cs typeface="Times New Roman"/>
+              </a:rPr>
+              <a:t>result.Exception</a:t>
+            </a:r>
+            <a:r>
+              <a:rPr lang="en-US" sz="1400" dirty="0">
+                <a:solidFill>
+                  <a:srgbClr val="000000"/>
+                </a:solidFill>
+                <a:highlight>
+                  <a:srgbClr val="FFFFFF"/>
+                </a:highlight>
+                <a:latin typeface="Consolas"/>
+                <a:ea typeface="Calibri"/>
+                <a:cs typeface="Times New Roman"/>
+              </a:rPr>
+              <a:t> != </a:t>
+            </a:r>
+            <a:r>
+              <a:rPr lang="en-US" sz="1400" dirty="0">
+                <a:solidFill>
+                  <a:srgbClr val="0000FF"/>
+                </a:solidFill>
+                <a:highlight>
+                  <a:srgbClr val="FFFFFF"/>
+                </a:highlight>
+                <a:latin typeface="Consolas"/>
+                <a:ea typeface="Calibri"/>
+                <a:cs typeface="Times New Roman"/>
+              </a:rPr>
+              <a:t>null</a:t>
+            </a:r>
+            <a:r>
+              <a:rPr lang="en-US" sz="1400" dirty="0">
+                <a:solidFill>
+                  <a:srgbClr val="000000"/>
+                </a:solidFill>
+                <a:highlight>
+                  <a:srgbClr val="FFFFFF"/>
+                </a:highlight>
+                <a:latin typeface="Consolas"/>
+                <a:ea typeface="Calibri"/>
+                <a:cs typeface="Times New Roman"/>
+              </a:rPr>
+              <a:t>)</a:t>
+            </a:r>
+            <a:endParaRPr lang="en-US" sz="1400" dirty="0">
+              <a:ea typeface="Calibri"/>
+              <a:cs typeface="Times New Roman"/>
+            </a:endParaRPr>
+          </a:p>
+          <a:p>
+            <a:pPr>
+              <a:lnSpc>
+                <a:spcPct val="115000"/>
+              </a:lnSpc>
+              <a:spcAft>
+                <a:spcPts val="0"/>
+              </a:spcAft>
+            </a:pPr>
+            <a:r>
+              <a:rPr lang="en-US" sz="1400" dirty="0">
+                <a:solidFill>
+                  <a:srgbClr val="000000"/>
+                </a:solidFill>
+                <a:highlight>
+                  <a:srgbClr val="FFFFFF"/>
+                </a:highlight>
+                <a:latin typeface="Consolas"/>
+                <a:ea typeface="Calibri"/>
+                <a:cs typeface="Times New Roman"/>
+              </a:rPr>
+              <a:t>            {</a:t>
+            </a:r>
+            <a:endParaRPr lang="en-US" sz="1400" dirty="0">
+              <a:ea typeface="Calibri"/>
+              <a:cs typeface="Times New Roman"/>
+            </a:endParaRPr>
+          </a:p>
+          <a:p>
+            <a:pPr>
+              <a:lnSpc>
+                <a:spcPct val="115000"/>
+              </a:lnSpc>
+              <a:spcAft>
+                <a:spcPts val="0"/>
+              </a:spcAft>
+            </a:pPr>
+            <a:r>
+              <a:rPr lang="en-US" sz="1400" dirty="0">
+                <a:solidFill>
+                  <a:srgbClr val="000000"/>
+                </a:solidFill>
+                <a:highlight>
+                  <a:srgbClr val="FFFFFF"/>
+                </a:highlight>
+                <a:latin typeface="Consolas"/>
+                <a:ea typeface="Calibri"/>
+                <a:cs typeface="Times New Roman"/>
+              </a:rPr>
+              <a:t>                </a:t>
+            </a:r>
+            <a:r>
+              <a:rPr lang="en-US" sz="1400" dirty="0" err="1">
+                <a:solidFill>
+                  <a:srgbClr val="2B91AF"/>
+                </a:solidFill>
+                <a:highlight>
+                  <a:srgbClr val="FFFFFF"/>
+                </a:highlight>
+                <a:latin typeface="Consolas"/>
+                <a:ea typeface="Calibri"/>
+                <a:cs typeface="Times New Roman"/>
+              </a:rPr>
+              <a:t>Debug</a:t>
+            </a:r>
+            <a:r>
+              <a:rPr lang="en-US" sz="1400" dirty="0" err="1">
+                <a:solidFill>
+                  <a:srgbClr val="000000"/>
+                </a:solidFill>
+                <a:highlight>
+                  <a:srgbClr val="FFFFFF"/>
+                </a:highlight>
+                <a:latin typeface="Consolas"/>
+                <a:ea typeface="Calibri"/>
+                <a:cs typeface="Times New Roman"/>
+              </a:rPr>
+              <a:t>.WriteLine</a:t>
+            </a:r>
+            <a:r>
+              <a:rPr lang="en-US" sz="1400" dirty="0">
+                <a:solidFill>
+                  <a:srgbClr val="000000"/>
+                </a:solidFill>
+                <a:highlight>
+                  <a:srgbClr val="FFFFFF"/>
+                </a:highlight>
+                <a:latin typeface="Consolas"/>
+                <a:ea typeface="Calibri"/>
+                <a:cs typeface="Times New Roman"/>
+              </a:rPr>
+              <a:t>(</a:t>
+            </a:r>
+            <a:endParaRPr lang="en-US" sz="1400" dirty="0">
+              <a:ea typeface="Calibri"/>
+              <a:cs typeface="Times New Roman"/>
+            </a:endParaRPr>
+          </a:p>
+          <a:p>
+            <a:pPr>
+              <a:lnSpc>
+                <a:spcPct val="115000"/>
+              </a:lnSpc>
+              <a:spcAft>
+                <a:spcPts val="0"/>
+              </a:spcAft>
+            </a:pPr>
+            <a:r>
+              <a:rPr lang="en-US" sz="1400" dirty="0">
+                <a:solidFill>
+                  <a:srgbClr val="000000"/>
+                </a:solidFill>
+                <a:highlight>
+                  <a:srgbClr val="FFFFFF"/>
+                </a:highlight>
+                <a:latin typeface="Consolas"/>
+                <a:ea typeface="Calibri"/>
+                <a:cs typeface="Times New Roman"/>
+              </a:rPr>
+              <a:t>                  </a:t>
+            </a:r>
+            <a:r>
+              <a:rPr lang="en-US" sz="1400" dirty="0">
+                <a:solidFill>
+                  <a:srgbClr val="A31515"/>
+                </a:solidFill>
+                <a:highlight>
+                  <a:srgbClr val="FFFFFF"/>
+                </a:highlight>
+                <a:latin typeface="Consolas"/>
+                <a:ea typeface="Calibri"/>
+                <a:cs typeface="Times New Roman"/>
+              </a:rPr>
+              <a:t>"&lt; </a:t>
+            </a:r>
+            <a:r>
+              <a:rPr lang="en-US" sz="1400" dirty="0">
+                <a:solidFill>
+                  <a:srgbClr val="3CB371"/>
+                </a:solidFill>
+                <a:highlight>
+                  <a:srgbClr val="FFFFFF"/>
+                </a:highlight>
+                <a:latin typeface="Consolas"/>
+                <a:ea typeface="Calibri"/>
+                <a:cs typeface="Times New Roman"/>
+              </a:rPr>
+              <a:t>{0}</a:t>
+            </a:r>
+            <a:r>
+              <a:rPr lang="en-US" sz="1400" dirty="0">
+                <a:solidFill>
+                  <a:srgbClr val="A31515"/>
+                </a:solidFill>
+                <a:highlight>
+                  <a:srgbClr val="FFFFFF"/>
+                </a:highlight>
+                <a:latin typeface="Consolas"/>
+                <a:ea typeface="Calibri"/>
+                <a:cs typeface="Times New Roman"/>
+              </a:rPr>
+              <a:t>.</a:t>
+            </a:r>
+            <a:r>
+              <a:rPr lang="en-US" sz="1400" dirty="0">
+                <a:solidFill>
+                  <a:srgbClr val="3CB371"/>
+                </a:solidFill>
+                <a:highlight>
+                  <a:srgbClr val="FFFFFF"/>
+                </a:highlight>
+                <a:latin typeface="Consolas"/>
+                <a:ea typeface="Calibri"/>
+                <a:cs typeface="Times New Roman"/>
+              </a:rPr>
+              <a:t>{1}</a:t>
+            </a:r>
+            <a:r>
+              <a:rPr lang="en-US" sz="1400" dirty="0">
+                <a:solidFill>
+                  <a:srgbClr val="A31515"/>
+                </a:solidFill>
+                <a:highlight>
+                  <a:srgbClr val="FFFFFF"/>
+                </a:highlight>
+                <a:latin typeface="Consolas"/>
+                <a:ea typeface="Calibri"/>
+                <a:cs typeface="Times New Roman"/>
+              </a:rPr>
+              <a:t> failed - after </a:t>
+            </a:r>
+            <a:r>
+              <a:rPr lang="en-US" sz="1400" dirty="0">
+                <a:solidFill>
+                  <a:srgbClr val="3CB371"/>
+                </a:solidFill>
+                <a:highlight>
+                  <a:srgbClr val="FFFFFF"/>
+                </a:highlight>
+                <a:latin typeface="Consolas"/>
+                <a:ea typeface="Calibri"/>
+                <a:cs typeface="Times New Roman"/>
+              </a:rPr>
+              <a:t>{3}</a:t>
+            </a:r>
+            <a:r>
+              <a:rPr lang="en-US" sz="1400" dirty="0">
+                <a:solidFill>
+                  <a:srgbClr val="A31515"/>
+                </a:solidFill>
+                <a:highlight>
+                  <a:srgbClr val="FFFFFF"/>
+                </a:highlight>
+                <a:latin typeface="Consolas"/>
+                <a:ea typeface="Calibri"/>
+                <a:cs typeface="Times New Roman"/>
+              </a:rPr>
+              <a:t> </a:t>
+            </a:r>
+            <a:r>
+              <a:rPr lang="en-US" sz="1400" dirty="0" err="1">
+                <a:solidFill>
+                  <a:srgbClr val="A31515"/>
+                </a:solidFill>
+                <a:highlight>
+                  <a:srgbClr val="FFFFFF"/>
+                </a:highlight>
+                <a:latin typeface="Consolas"/>
+                <a:ea typeface="Calibri"/>
+                <a:cs typeface="Times New Roman"/>
+              </a:rPr>
+              <a:t>ms</a:t>
+            </a:r>
+            <a:r>
+              <a:rPr lang="en-US" sz="1400" dirty="0">
+                <a:solidFill>
+                  <a:srgbClr val="A31515"/>
+                </a:solidFill>
+                <a:highlight>
+                  <a:srgbClr val="FFFFFF"/>
+                </a:highlight>
+                <a:latin typeface="Consolas"/>
+                <a:ea typeface="Calibri"/>
+                <a:cs typeface="Times New Roman"/>
+              </a:rPr>
+              <a:t>"</a:t>
+            </a:r>
+            <a:r>
+              <a:rPr lang="en-US" sz="1400" dirty="0">
+                <a:solidFill>
+                  <a:srgbClr val="000000"/>
+                </a:solidFill>
+                <a:highlight>
+                  <a:srgbClr val="FFFFFF"/>
+                </a:highlight>
+                <a:latin typeface="Consolas"/>
+                <a:ea typeface="Calibri"/>
+                <a:cs typeface="Times New Roman"/>
+              </a:rPr>
+              <a:t>,</a:t>
+            </a:r>
+            <a:endParaRPr lang="en-US" sz="1400" dirty="0">
+              <a:ea typeface="Calibri"/>
+              <a:cs typeface="Times New Roman"/>
+            </a:endParaRPr>
+          </a:p>
+          <a:p>
+            <a:pPr>
+              <a:lnSpc>
+                <a:spcPct val="115000"/>
+              </a:lnSpc>
+              <a:spcAft>
+                <a:spcPts val="0"/>
+              </a:spcAft>
+            </a:pPr>
+            <a:r>
+              <a:rPr lang="en-US" sz="1400" dirty="0">
+                <a:solidFill>
+                  <a:srgbClr val="000000"/>
+                </a:solidFill>
+                <a:highlight>
+                  <a:srgbClr val="FFFFFF"/>
+                </a:highlight>
+                <a:latin typeface="Consolas"/>
+                <a:ea typeface="Calibri"/>
+                <a:cs typeface="Times New Roman"/>
+              </a:rPr>
+              <a:t>                  </a:t>
+            </a:r>
+            <a:r>
+              <a:rPr lang="en-US" sz="1400" dirty="0" err="1">
+                <a:solidFill>
+                  <a:srgbClr val="000000"/>
+                </a:solidFill>
+                <a:highlight>
+                  <a:srgbClr val="FFFFFF"/>
+                </a:highlight>
+                <a:latin typeface="Consolas"/>
+                <a:ea typeface="Calibri"/>
+                <a:cs typeface="Times New Roman"/>
+              </a:rPr>
+              <a:t>input.MethodBase.DeclaringType</a:t>
+            </a:r>
+            <a:r>
+              <a:rPr lang="en-US" sz="1400" dirty="0">
+                <a:solidFill>
+                  <a:srgbClr val="000000"/>
+                </a:solidFill>
+                <a:highlight>
+                  <a:srgbClr val="FFFFFF"/>
+                </a:highlight>
+                <a:latin typeface="Consolas"/>
+                <a:ea typeface="Calibri"/>
+                <a:cs typeface="Times New Roman"/>
+              </a:rPr>
+              <a:t>, </a:t>
+            </a:r>
+            <a:r>
+              <a:rPr lang="en-US" sz="1400" dirty="0" err="1">
+                <a:solidFill>
+                  <a:srgbClr val="000000"/>
+                </a:solidFill>
+                <a:highlight>
+                  <a:srgbClr val="FFFFFF"/>
+                </a:highlight>
+                <a:latin typeface="Consolas"/>
+                <a:ea typeface="Calibri"/>
+                <a:cs typeface="Times New Roman"/>
+              </a:rPr>
+              <a:t>input.MethodBase.Name</a:t>
+            </a:r>
+            <a:r>
+              <a:rPr lang="en-US" sz="1400" dirty="0">
+                <a:solidFill>
+                  <a:srgbClr val="000000"/>
+                </a:solidFill>
+                <a:highlight>
+                  <a:srgbClr val="FFFFFF"/>
+                </a:highlight>
+                <a:latin typeface="Consolas"/>
+                <a:ea typeface="Calibri"/>
+                <a:cs typeface="Times New Roman"/>
+              </a:rPr>
+              <a:t>, </a:t>
+            </a:r>
+            <a:r>
+              <a:rPr lang="en-US" sz="1400" dirty="0" err="1">
+                <a:solidFill>
+                  <a:srgbClr val="000000"/>
+                </a:solidFill>
+                <a:highlight>
+                  <a:srgbClr val="FFFFFF"/>
+                </a:highlight>
+                <a:latin typeface="Consolas"/>
+                <a:ea typeface="Calibri"/>
+                <a:cs typeface="Times New Roman"/>
+              </a:rPr>
+              <a:t>result.Exception.GetType</a:t>
+            </a:r>
+            <a:r>
+              <a:rPr lang="en-US" sz="1400" dirty="0">
+                <a:solidFill>
+                  <a:srgbClr val="000000"/>
+                </a:solidFill>
+                <a:highlight>
+                  <a:srgbClr val="FFFFFF"/>
+                </a:highlight>
+                <a:latin typeface="Consolas"/>
+                <a:ea typeface="Calibri"/>
+                <a:cs typeface="Times New Roman"/>
+              </a:rPr>
+              <a:t>(), </a:t>
+            </a:r>
+            <a:r>
+              <a:rPr lang="en-US" sz="1400" dirty="0" err="1">
+                <a:solidFill>
+                  <a:srgbClr val="000000"/>
+                </a:solidFill>
+                <a:highlight>
+                  <a:srgbClr val="FFFFFF"/>
+                </a:highlight>
+                <a:latin typeface="Consolas"/>
+                <a:ea typeface="Calibri"/>
+                <a:cs typeface="Times New Roman"/>
+              </a:rPr>
+              <a:t>stopwatch.ElapsedMilliseconds</a:t>
+            </a:r>
+            <a:r>
+              <a:rPr lang="en-US" sz="1400" dirty="0">
+                <a:solidFill>
+                  <a:srgbClr val="000000"/>
+                </a:solidFill>
+                <a:highlight>
+                  <a:srgbClr val="FFFFFF"/>
+                </a:highlight>
+                <a:latin typeface="Consolas"/>
+                <a:ea typeface="Calibri"/>
+                <a:cs typeface="Times New Roman"/>
+              </a:rPr>
+              <a:t>);</a:t>
+            </a:r>
+            <a:endParaRPr lang="en-US" sz="1400" dirty="0">
+              <a:ea typeface="Calibri"/>
+              <a:cs typeface="Times New Roman"/>
+            </a:endParaRPr>
+          </a:p>
+          <a:p>
+            <a:pPr>
+              <a:lnSpc>
+                <a:spcPct val="115000"/>
+              </a:lnSpc>
+              <a:spcAft>
+                <a:spcPts val="0"/>
+              </a:spcAft>
+            </a:pPr>
+            <a:r>
+              <a:rPr lang="en-US" sz="1400" dirty="0">
+                <a:solidFill>
+                  <a:srgbClr val="000000"/>
+                </a:solidFill>
+                <a:highlight>
+                  <a:srgbClr val="FFFFFF"/>
+                </a:highlight>
+                <a:latin typeface="Consolas"/>
+                <a:ea typeface="Calibri"/>
+                <a:cs typeface="Times New Roman"/>
+              </a:rPr>
+              <a:t>            }</a:t>
+            </a:r>
+            <a:endParaRPr lang="en-US" sz="1400" dirty="0">
+              <a:ea typeface="Calibri"/>
+              <a:cs typeface="Times New Roman"/>
+            </a:endParaRPr>
+          </a:p>
+          <a:p>
+            <a:pPr>
+              <a:lnSpc>
+                <a:spcPct val="115000"/>
+              </a:lnSpc>
+              <a:spcAft>
+                <a:spcPts val="0"/>
+              </a:spcAft>
+            </a:pPr>
+            <a:r>
+              <a:rPr lang="en-US" sz="1400" dirty="0">
+                <a:solidFill>
+                  <a:srgbClr val="000000"/>
+                </a:solidFill>
+                <a:highlight>
+                  <a:srgbClr val="FFFFFF"/>
+                </a:highlight>
+                <a:latin typeface="Consolas"/>
+                <a:ea typeface="Calibri"/>
+                <a:cs typeface="Times New Roman"/>
+              </a:rPr>
+              <a:t>            </a:t>
+            </a:r>
+            <a:r>
+              <a:rPr lang="en-US" sz="1400" dirty="0">
+                <a:solidFill>
+                  <a:srgbClr val="0000FF"/>
+                </a:solidFill>
+                <a:highlight>
+                  <a:srgbClr val="FFFFFF"/>
+                </a:highlight>
+                <a:latin typeface="Consolas"/>
+                <a:ea typeface="Calibri"/>
+                <a:cs typeface="Times New Roman"/>
+              </a:rPr>
+              <a:t>else</a:t>
+            </a:r>
+            <a:endParaRPr lang="en-US" sz="1400" dirty="0">
+              <a:ea typeface="Calibri"/>
+              <a:cs typeface="Times New Roman"/>
+            </a:endParaRPr>
+          </a:p>
+          <a:p>
+            <a:pPr>
+              <a:lnSpc>
+                <a:spcPct val="115000"/>
+              </a:lnSpc>
+              <a:spcAft>
+                <a:spcPts val="0"/>
+              </a:spcAft>
+            </a:pPr>
+            <a:r>
+              <a:rPr lang="en-US" sz="1400" dirty="0">
+                <a:solidFill>
+                  <a:srgbClr val="000000"/>
+                </a:solidFill>
+                <a:highlight>
+                  <a:srgbClr val="FFFFFF"/>
+                </a:highlight>
+                <a:latin typeface="Consolas"/>
+                <a:ea typeface="Calibri"/>
+                <a:cs typeface="Times New Roman"/>
+              </a:rPr>
+              <a:t>            {</a:t>
+            </a:r>
+            <a:endParaRPr lang="en-US" sz="1400" dirty="0">
+              <a:ea typeface="Calibri"/>
+              <a:cs typeface="Times New Roman"/>
+            </a:endParaRPr>
+          </a:p>
+          <a:p>
+            <a:pPr>
+              <a:lnSpc>
+                <a:spcPct val="115000"/>
+              </a:lnSpc>
+              <a:spcAft>
+                <a:spcPts val="0"/>
+              </a:spcAft>
+            </a:pPr>
+            <a:r>
+              <a:rPr lang="en-US" sz="1400" dirty="0">
+                <a:solidFill>
+                  <a:srgbClr val="000000"/>
+                </a:solidFill>
+                <a:highlight>
+                  <a:srgbClr val="FFFFFF"/>
+                </a:highlight>
+                <a:latin typeface="Consolas"/>
+                <a:ea typeface="Calibri"/>
+                <a:cs typeface="Times New Roman"/>
+              </a:rPr>
+              <a:t>                </a:t>
+            </a:r>
+            <a:r>
+              <a:rPr lang="en-US" sz="1400" dirty="0" err="1">
+                <a:solidFill>
+                  <a:srgbClr val="2B91AF"/>
+                </a:solidFill>
+                <a:highlight>
+                  <a:srgbClr val="FFFFFF"/>
+                </a:highlight>
+                <a:latin typeface="Consolas"/>
+                <a:ea typeface="Calibri"/>
+                <a:cs typeface="Times New Roman"/>
+              </a:rPr>
+              <a:t>Debug</a:t>
+            </a:r>
+            <a:r>
+              <a:rPr lang="en-US" sz="1400" dirty="0" err="1">
+                <a:solidFill>
+                  <a:srgbClr val="000000"/>
+                </a:solidFill>
+                <a:highlight>
+                  <a:srgbClr val="FFFFFF"/>
+                </a:highlight>
+                <a:latin typeface="Consolas"/>
+                <a:ea typeface="Calibri"/>
+                <a:cs typeface="Times New Roman"/>
+              </a:rPr>
+              <a:t>.WriteLine</a:t>
+            </a:r>
+            <a:r>
+              <a:rPr lang="en-US" sz="1400" dirty="0">
+                <a:solidFill>
+                  <a:srgbClr val="000000"/>
+                </a:solidFill>
+                <a:highlight>
+                  <a:srgbClr val="FFFFFF"/>
+                </a:highlight>
+                <a:latin typeface="Consolas"/>
+                <a:ea typeface="Calibri"/>
+                <a:cs typeface="Times New Roman"/>
+              </a:rPr>
+              <a:t>(</a:t>
+            </a:r>
+            <a:r>
+              <a:rPr lang="en-US" sz="1400" dirty="0">
+                <a:solidFill>
+                  <a:srgbClr val="A31515"/>
+                </a:solidFill>
+                <a:highlight>
+                  <a:srgbClr val="FFFFFF"/>
+                </a:highlight>
+                <a:latin typeface="Consolas"/>
+                <a:ea typeface="Calibri"/>
+                <a:cs typeface="Times New Roman"/>
+              </a:rPr>
+              <a:t>"&lt; </a:t>
+            </a:r>
+            <a:r>
+              <a:rPr lang="en-US" sz="1400" dirty="0">
+                <a:solidFill>
+                  <a:srgbClr val="3CB371"/>
+                </a:solidFill>
+                <a:highlight>
+                  <a:srgbClr val="FFFFFF"/>
+                </a:highlight>
+                <a:latin typeface="Consolas"/>
+                <a:ea typeface="Calibri"/>
+                <a:cs typeface="Times New Roman"/>
+              </a:rPr>
+              <a:t>{0}</a:t>
+            </a:r>
+            <a:r>
+              <a:rPr lang="en-US" sz="1400" dirty="0">
+                <a:solidFill>
+                  <a:srgbClr val="A31515"/>
+                </a:solidFill>
+                <a:highlight>
+                  <a:srgbClr val="FFFFFF"/>
+                </a:highlight>
+                <a:latin typeface="Consolas"/>
+                <a:ea typeface="Calibri"/>
+                <a:cs typeface="Times New Roman"/>
+              </a:rPr>
+              <a:t>.</a:t>
+            </a:r>
+            <a:r>
+              <a:rPr lang="en-US" sz="1400" dirty="0">
+                <a:solidFill>
+                  <a:srgbClr val="3CB371"/>
+                </a:solidFill>
+                <a:highlight>
+                  <a:srgbClr val="FFFFFF"/>
+                </a:highlight>
+                <a:latin typeface="Consolas"/>
+                <a:ea typeface="Calibri"/>
+                <a:cs typeface="Times New Roman"/>
+              </a:rPr>
+              <a:t>{1}</a:t>
+            </a:r>
+            <a:r>
+              <a:rPr lang="en-US" sz="1400" dirty="0">
+                <a:solidFill>
+                  <a:srgbClr val="A31515"/>
+                </a:solidFill>
+                <a:highlight>
+                  <a:srgbClr val="FFFFFF"/>
+                </a:highlight>
+                <a:latin typeface="Consolas"/>
+                <a:ea typeface="Calibri"/>
+                <a:cs typeface="Times New Roman"/>
+              </a:rPr>
+              <a:t> - after </a:t>
+            </a:r>
+            <a:r>
+              <a:rPr lang="en-US" sz="1400" dirty="0">
+                <a:solidFill>
+                  <a:srgbClr val="3CB371"/>
+                </a:solidFill>
+                <a:highlight>
+                  <a:srgbClr val="FFFFFF"/>
+                </a:highlight>
+                <a:latin typeface="Consolas"/>
+                <a:ea typeface="Calibri"/>
+                <a:cs typeface="Times New Roman"/>
+              </a:rPr>
+              <a:t>{2}</a:t>
+            </a:r>
+            <a:r>
+              <a:rPr lang="en-US" sz="1400" dirty="0">
+                <a:solidFill>
+                  <a:srgbClr val="A31515"/>
+                </a:solidFill>
+                <a:highlight>
+                  <a:srgbClr val="FFFFFF"/>
+                </a:highlight>
+                <a:latin typeface="Consolas"/>
+                <a:ea typeface="Calibri"/>
+                <a:cs typeface="Times New Roman"/>
+              </a:rPr>
+              <a:t> </a:t>
+            </a:r>
+            <a:r>
+              <a:rPr lang="en-US" sz="1400" dirty="0" err="1">
+                <a:solidFill>
+                  <a:srgbClr val="A31515"/>
+                </a:solidFill>
+                <a:highlight>
+                  <a:srgbClr val="FFFFFF"/>
+                </a:highlight>
+                <a:latin typeface="Consolas"/>
+                <a:ea typeface="Calibri"/>
+                <a:cs typeface="Times New Roman"/>
+              </a:rPr>
+              <a:t>ms</a:t>
+            </a:r>
+            <a:r>
+              <a:rPr lang="en-US" sz="1400" dirty="0">
+                <a:solidFill>
+                  <a:srgbClr val="A31515"/>
+                </a:solidFill>
+                <a:highlight>
+                  <a:srgbClr val="FFFFFF"/>
+                </a:highlight>
+                <a:latin typeface="Consolas"/>
+                <a:ea typeface="Calibri"/>
+                <a:cs typeface="Times New Roman"/>
+              </a:rPr>
+              <a:t>"</a:t>
+            </a:r>
+            <a:r>
+              <a:rPr lang="en-US" sz="1400" dirty="0">
+                <a:solidFill>
+                  <a:srgbClr val="000000"/>
+                </a:solidFill>
+                <a:highlight>
+                  <a:srgbClr val="FFFFFF"/>
+                </a:highlight>
+                <a:latin typeface="Consolas"/>
+                <a:ea typeface="Calibri"/>
+                <a:cs typeface="Times New Roman"/>
+              </a:rPr>
+              <a:t>,</a:t>
+            </a:r>
+            <a:endParaRPr lang="en-US" sz="1400" dirty="0">
+              <a:ea typeface="Calibri"/>
+              <a:cs typeface="Times New Roman"/>
+            </a:endParaRPr>
+          </a:p>
+          <a:p>
+            <a:pPr>
+              <a:lnSpc>
+                <a:spcPct val="115000"/>
+              </a:lnSpc>
+              <a:spcAft>
+                <a:spcPts val="0"/>
+              </a:spcAft>
+            </a:pPr>
+            <a:r>
+              <a:rPr lang="en-US" sz="1400" dirty="0">
+                <a:solidFill>
+                  <a:srgbClr val="000000"/>
+                </a:solidFill>
+                <a:highlight>
+                  <a:srgbClr val="FFFFFF"/>
+                </a:highlight>
+                <a:latin typeface="Consolas"/>
+                <a:ea typeface="Calibri"/>
+                <a:cs typeface="Times New Roman"/>
+              </a:rPr>
+              <a:t>                  </a:t>
+            </a:r>
+            <a:r>
+              <a:rPr lang="en-US" sz="1400" dirty="0" err="1">
+                <a:solidFill>
+                  <a:srgbClr val="000000"/>
+                </a:solidFill>
+                <a:highlight>
+                  <a:srgbClr val="FFFFFF"/>
+                </a:highlight>
+                <a:latin typeface="Consolas"/>
+                <a:ea typeface="Calibri"/>
+                <a:cs typeface="Times New Roman"/>
+              </a:rPr>
+              <a:t>input.MethodBase.DeclaringType</a:t>
+            </a:r>
+            <a:r>
+              <a:rPr lang="en-US" sz="1400" dirty="0">
+                <a:solidFill>
+                  <a:srgbClr val="000000"/>
+                </a:solidFill>
+                <a:highlight>
+                  <a:srgbClr val="FFFFFF"/>
+                </a:highlight>
+                <a:latin typeface="Consolas"/>
+                <a:ea typeface="Calibri"/>
+                <a:cs typeface="Times New Roman"/>
+              </a:rPr>
+              <a:t>, </a:t>
+            </a:r>
+            <a:r>
+              <a:rPr lang="en-US" sz="1400" dirty="0" err="1">
+                <a:solidFill>
+                  <a:srgbClr val="000000"/>
+                </a:solidFill>
+                <a:highlight>
+                  <a:srgbClr val="FFFFFF"/>
+                </a:highlight>
+                <a:latin typeface="Consolas"/>
+                <a:ea typeface="Calibri"/>
+                <a:cs typeface="Times New Roman"/>
+              </a:rPr>
+              <a:t>input.MethodBase.Name</a:t>
+            </a:r>
+            <a:r>
+              <a:rPr lang="en-US" sz="1400" dirty="0">
+                <a:solidFill>
+                  <a:srgbClr val="000000"/>
+                </a:solidFill>
+                <a:highlight>
+                  <a:srgbClr val="FFFFFF"/>
+                </a:highlight>
+                <a:latin typeface="Consolas"/>
+                <a:ea typeface="Calibri"/>
+                <a:cs typeface="Times New Roman"/>
+              </a:rPr>
+              <a:t>,</a:t>
+            </a:r>
+            <a:endParaRPr lang="en-US" sz="1400" dirty="0">
+              <a:ea typeface="Calibri"/>
+              <a:cs typeface="Times New Roman"/>
+            </a:endParaRPr>
+          </a:p>
+          <a:p>
+            <a:pPr>
+              <a:lnSpc>
+                <a:spcPct val="115000"/>
+              </a:lnSpc>
+              <a:spcAft>
+                <a:spcPts val="0"/>
+              </a:spcAft>
+            </a:pPr>
+            <a:r>
+              <a:rPr lang="en-US" sz="1400" dirty="0">
+                <a:solidFill>
+                  <a:srgbClr val="000000"/>
+                </a:solidFill>
+                <a:highlight>
+                  <a:srgbClr val="FFFFFF"/>
+                </a:highlight>
+                <a:latin typeface="Consolas"/>
+                <a:ea typeface="Calibri"/>
+                <a:cs typeface="Times New Roman"/>
+              </a:rPr>
+              <a:t>                  </a:t>
+            </a:r>
+            <a:r>
+              <a:rPr lang="en-US" sz="1400" dirty="0" err="1">
+                <a:solidFill>
+                  <a:srgbClr val="000000"/>
+                </a:solidFill>
+                <a:highlight>
+                  <a:srgbClr val="FFFFFF"/>
+                </a:highlight>
+                <a:latin typeface="Consolas"/>
+                <a:ea typeface="Calibri"/>
+                <a:cs typeface="Times New Roman"/>
+              </a:rPr>
+              <a:t>stopwatch.ElapsedMilliseconds</a:t>
+            </a:r>
+            <a:r>
+              <a:rPr lang="en-US" sz="1400" dirty="0">
+                <a:solidFill>
+                  <a:srgbClr val="000000"/>
+                </a:solidFill>
+                <a:highlight>
+                  <a:srgbClr val="FFFFFF"/>
+                </a:highlight>
+                <a:latin typeface="Consolas"/>
+                <a:ea typeface="Calibri"/>
+                <a:cs typeface="Times New Roman"/>
+              </a:rPr>
+              <a:t>);</a:t>
+            </a:r>
+            <a:endParaRPr lang="en-US" sz="1400" dirty="0">
+              <a:ea typeface="Calibri"/>
+              <a:cs typeface="Times New Roman"/>
+            </a:endParaRPr>
+          </a:p>
+          <a:p>
+            <a:pPr>
+              <a:lnSpc>
+                <a:spcPct val="115000"/>
+              </a:lnSpc>
+              <a:spcAft>
+                <a:spcPts val="0"/>
+              </a:spcAft>
+            </a:pPr>
+            <a:r>
+              <a:rPr lang="en-US" sz="1400" dirty="0">
+                <a:solidFill>
+                  <a:srgbClr val="000000"/>
+                </a:solidFill>
+                <a:highlight>
+                  <a:srgbClr val="FFFFFF"/>
+                </a:highlight>
+                <a:latin typeface="Consolas"/>
+                <a:ea typeface="Calibri"/>
+                <a:cs typeface="Times New Roman"/>
+              </a:rPr>
+              <a:t>            }</a:t>
+            </a:r>
+            <a:endParaRPr lang="en-US" sz="1400" dirty="0">
+              <a:ea typeface="Calibri"/>
+              <a:cs typeface="Times New Roman"/>
+            </a:endParaRPr>
+          </a:p>
+          <a:p>
+            <a:pPr>
+              <a:lnSpc>
+                <a:spcPct val="115000"/>
+              </a:lnSpc>
+              <a:spcAft>
+                <a:spcPts val="0"/>
+              </a:spcAft>
+            </a:pPr>
+            <a:r>
+              <a:rPr lang="en-US" sz="1400" dirty="0">
+                <a:solidFill>
+                  <a:srgbClr val="000000"/>
+                </a:solidFill>
+                <a:highlight>
+                  <a:srgbClr val="FFFFFF"/>
+                </a:highlight>
+                <a:latin typeface="Consolas"/>
+                <a:ea typeface="Calibri"/>
+                <a:cs typeface="Times New Roman"/>
+              </a:rPr>
+              <a:t> </a:t>
+            </a:r>
+            <a:endParaRPr lang="en-US" sz="1400" dirty="0">
+              <a:ea typeface="Calibri"/>
+              <a:cs typeface="Times New Roman"/>
+            </a:endParaRPr>
+          </a:p>
+          <a:p>
+            <a:pPr>
+              <a:lnSpc>
+                <a:spcPct val="115000"/>
+              </a:lnSpc>
+              <a:spcAft>
+                <a:spcPts val="0"/>
+              </a:spcAft>
+            </a:pPr>
+            <a:r>
+              <a:rPr lang="en-US" sz="1400" dirty="0">
+                <a:solidFill>
+                  <a:srgbClr val="000000"/>
+                </a:solidFill>
+                <a:highlight>
+                  <a:srgbClr val="FFFFFF"/>
+                </a:highlight>
+                <a:latin typeface="Consolas"/>
+                <a:ea typeface="Calibri"/>
+                <a:cs typeface="Times New Roman"/>
+              </a:rPr>
+              <a:t>            </a:t>
+            </a:r>
+            <a:r>
+              <a:rPr lang="en-US" sz="1400" dirty="0">
+                <a:solidFill>
+                  <a:srgbClr val="0000FF"/>
+                </a:solidFill>
+                <a:highlight>
+                  <a:srgbClr val="FFFFFF"/>
+                </a:highlight>
+                <a:latin typeface="Consolas"/>
+                <a:ea typeface="Calibri"/>
+                <a:cs typeface="Times New Roman"/>
+              </a:rPr>
+              <a:t>return</a:t>
+            </a:r>
+            <a:r>
+              <a:rPr lang="en-US" sz="1400" dirty="0">
+                <a:solidFill>
+                  <a:srgbClr val="000000"/>
+                </a:solidFill>
+                <a:highlight>
+                  <a:srgbClr val="FFFFFF"/>
+                </a:highlight>
+                <a:latin typeface="Consolas"/>
+                <a:ea typeface="Calibri"/>
+                <a:cs typeface="Times New Roman"/>
+              </a:rPr>
+              <a:t> result;</a:t>
+            </a:r>
+            <a:endParaRPr lang="en-US" sz="1400" dirty="0">
+              <a:ea typeface="Calibri"/>
+              <a:cs typeface="Times New Roman"/>
+            </a:endParaRPr>
+          </a:p>
+          <a:p>
+            <a:pPr>
+              <a:lnSpc>
+                <a:spcPct val="115000"/>
+              </a:lnSpc>
+              <a:spcAft>
+                <a:spcPts val="1000"/>
+              </a:spcAft>
+            </a:pPr>
+            <a:r>
+              <a:rPr lang="en-US" sz="1400" dirty="0">
+                <a:solidFill>
+                  <a:srgbClr val="000000"/>
+                </a:solidFill>
+                <a:highlight>
+                  <a:srgbClr val="FFFFFF"/>
+                </a:highlight>
+                <a:latin typeface="Consolas"/>
+                <a:ea typeface="Calibri"/>
+                <a:cs typeface="Times New Roman"/>
+              </a:rPr>
+              <a:t>        }</a:t>
+            </a:r>
+            <a:endParaRPr lang="en-US" sz="1400" dirty="0">
+              <a:ea typeface="Calibri"/>
+              <a:cs typeface="Times New Roman"/>
+            </a:endParaRPr>
+          </a:p>
+        </p:txBody>
+      </p:sp>
+      <p:grpSp>
+        <p:nvGrpSpPr>
+          <p:cNvPr id="5" name="Group 4"/>
+          <p:cNvGrpSpPr/>
+          <p:nvPr/>
+        </p:nvGrpSpPr>
+        <p:grpSpPr>
+          <a:xfrm>
+            <a:off x="2123728" y="2420888"/>
+            <a:ext cx="6515938" cy="504056"/>
+            <a:chOff x="3707904" y="5157192"/>
+            <a:chExt cx="6515938" cy="504056"/>
+          </a:xfrm>
+        </p:grpSpPr>
+        <p:sp>
+          <p:nvSpPr>
+            <p:cNvPr id="6" name="Rounded Rectangle 5"/>
+            <p:cNvSpPr/>
+            <p:nvPr/>
+          </p:nvSpPr>
+          <p:spPr>
+            <a:xfrm>
+              <a:off x="3707904" y="5157192"/>
+              <a:ext cx="3456384" cy="504056"/>
+            </a:xfrm>
+            <a:prstGeom prst="roundRect">
+              <a:avLst/>
+            </a:prstGeom>
+            <a:noFill/>
+            <a:ln>
+              <a:solidFill>
+                <a:srgbClr val="FF0000"/>
+              </a:solidFill>
+            </a:ln>
+          </p:spPr>
+          <p:style>
+            <a:lnRef idx="2">
+              <a:schemeClr val="accent1">
+                <a:shade val="50000"/>
+              </a:schemeClr>
+            </a:lnRef>
+            <a:fillRef idx="1">
+              <a:schemeClr val="accent1"/>
+            </a:fillRef>
+            <a:effectRef idx="0">
+              <a:schemeClr val="accent1"/>
+            </a:effectRef>
+            <a:fontRef idx="minor">
+              <a:schemeClr val="lt1"/>
+            </a:fontRef>
+          </p:style>
+          <p:txBody>
+            <a:bodyPr rtlCol="0" anchor="ctr"/>
+            <a:lstStyle/>
+            <a:p>
+              <a:pPr algn="ctr"/>
+              <a:endParaRPr lang="en-US"/>
+            </a:p>
+          </p:txBody>
+        </p:sp>
+        <p:sp>
+          <p:nvSpPr>
+            <p:cNvPr id="7" name="TextBox 6"/>
+            <p:cNvSpPr txBox="1"/>
+            <p:nvPr/>
+          </p:nvSpPr>
+          <p:spPr>
+            <a:xfrm>
+              <a:off x="7292719" y="5229200"/>
+              <a:ext cx="2931123" cy="400110"/>
+            </a:xfrm>
+            <a:prstGeom prst="rect">
+              <a:avLst/>
+            </a:prstGeom>
+            <a:noFill/>
+          </p:spPr>
+          <p:txBody>
+            <a:bodyPr wrap="none" rtlCol="0">
+              <a:spAutoFit/>
+            </a:bodyPr>
+            <a:lstStyle/>
+            <a:p>
+              <a:r>
+                <a:rPr lang="en-US" sz="2000" b="1" dirty="0" smtClean="0">
+                  <a:solidFill>
+                    <a:srgbClr val="FF0000"/>
+                  </a:solidFill>
+                </a:rPr>
+                <a:t>Call to decorated instance</a:t>
+              </a:r>
+              <a:endParaRPr lang="en-US" sz="2000" b="1" dirty="0">
+                <a:solidFill>
+                  <a:srgbClr val="FF0000"/>
+                </a:solidFill>
+              </a:endParaRPr>
+            </a:p>
+          </p:txBody>
+        </p:sp>
+      </p:grpSp>
+      <p:sp>
+        <p:nvSpPr>
+          <p:cNvPr id="8" name="TextBox 7"/>
+          <p:cNvSpPr txBox="1"/>
+          <p:nvPr/>
+        </p:nvSpPr>
+        <p:spPr>
+          <a:xfrm>
+            <a:off x="359532" y="2132856"/>
+            <a:ext cx="9649071" cy="4056495"/>
+          </a:xfrm>
+          <a:prstGeom prst="rect">
+            <a:avLst/>
+          </a:prstGeom>
+          <a:solidFill>
+            <a:schemeClr val="bg1"/>
+          </a:solidFill>
+          <a:ln>
+            <a:solidFill>
+              <a:schemeClr val="accent1"/>
+            </a:solidFill>
+          </a:ln>
+        </p:spPr>
+        <p:txBody>
+          <a:bodyPr wrap="square" rtlCol="0">
+            <a:spAutoFit/>
+          </a:bodyPr>
+          <a:lstStyle/>
+          <a:p>
+            <a:pPr>
+              <a:lnSpc>
+                <a:spcPct val="115000"/>
+              </a:lnSpc>
+              <a:spcAft>
+                <a:spcPts val="0"/>
+              </a:spcAft>
+            </a:pPr>
+            <a:r>
+              <a:rPr lang="en-US" sz="1400" dirty="0">
+                <a:solidFill>
+                  <a:srgbClr val="000000"/>
+                </a:solidFill>
+                <a:highlight>
+                  <a:srgbClr val="FFFFFF"/>
+                </a:highlight>
+                <a:latin typeface="Consolas"/>
+                <a:ea typeface="Calibri"/>
+                <a:cs typeface="Times New Roman"/>
+              </a:rPr>
+              <a:t> </a:t>
+            </a:r>
+            <a:r>
+              <a:rPr lang="en-US" sz="1400" dirty="0">
+                <a:solidFill>
+                  <a:srgbClr val="0000FF"/>
+                </a:solidFill>
+                <a:highlight>
+                  <a:srgbClr val="FFFFFF"/>
+                </a:highlight>
+                <a:latin typeface="Consolas"/>
+                <a:ea typeface="Calibri"/>
+                <a:cs typeface="Times New Roman"/>
+              </a:rPr>
+              <a:t>public</a:t>
+            </a:r>
+            <a:r>
+              <a:rPr lang="en-US" sz="1400" dirty="0">
+                <a:solidFill>
+                  <a:srgbClr val="000000"/>
+                </a:solidFill>
+                <a:highlight>
+                  <a:srgbClr val="FFFFFF"/>
+                </a:highlight>
+                <a:latin typeface="Consolas"/>
+                <a:ea typeface="Calibri"/>
+                <a:cs typeface="Times New Roman"/>
+              </a:rPr>
+              <a:t> </a:t>
+            </a:r>
+            <a:r>
+              <a:rPr lang="en-US" sz="1400" dirty="0">
+                <a:solidFill>
+                  <a:srgbClr val="0000FF"/>
+                </a:solidFill>
+                <a:highlight>
+                  <a:srgbClr val="FFFFFF"/>
+                </a:highlight>
+                <a:latin typeface="Consolas"/>
+                <a:ea typeface="Calibri"/>
+                <a:cs typeface="Times New Roman"/>
+              </a:rPr>
+              <a:t>class</a:t>
+            </a:r>
+            <a:r>
+              <a:rPr lang="en-US" sz="1400" dirty="0">
+                <a:solidFill>
+                  <a:srgbClr val="000000"/>
+                </a:solidFill>
+                <a:highlight>
+                  <a:srgbClr val="FFFFFF"/>
+                </a:highlight>
+                <a:latin typeface="Consolas"/>
+                <a:ea typeface="Calibri"/>
+                <a:cs typeface="Times New Roman"/>
+              </a:rPr>
+              <a:t> </a:t>
+            </a:r>
+            <a:r>
+              <a:rPr lang="en-US" sz="1400" dirty="0" err="1">
+                <a:solidFill>
+                  <a:srgbClr val="2B91AF"/>
+                </a:solidFill>
+                <a:highlight>
+                  <a:srgbClr val="FFFFFF"/>
+                </a:highlight>
+                <a:latin typeface="Consolas"/>
+                <a:ea typeface="Calibri"/>
+                <a:cs typeface="Times New Roman"/>
+              </a:rPr>
+              <a:t>DependencyConfig</a:t>
+            </a:r>
+            <a:endParaRPr lang="en-US" sz="1400" dirty="0">
+              <a:ea typeface="Calibri"/>
+              <a:cs typeface="Times New Roman"/>
+            </a:endParaRPr>
+          </a:p>
+          <a:p>
+            <a:pPr>
+              <a:lnSpc>
+                <a:spcPct val="115000"/>
+              </a:lnSpc>
+              <a:spcAft>
+                <a:spcPts val="0"/>
+              </a:spcAft>
+            </a:pPr>
+            <a:r>
+              <a:rPr lang="en-US" sz="1400" dirty="0">
+                <a:solidFill>
+                  <a:srgbClr val="000000"/>
+                </a:solidFill>
+                <a:highlight>
+                  <a:srgbClr val="FFFFFF"/>
+                </a:highlight>
+                <a:latin typeface="Consolas"/>
+                <a:ea typeface="Calibri"/>
+                <a:cs typeface="Times New Roman"/>
+              </a:rPr>
+              <a:t>    {</a:t>
+            </a:r>
+            <a:endParaRPr lang="en-US" sz="1400" dirty="0">
+              <a:ea typeface="Calibri"/>
+              <a:cs typeface="Times New Roman"/>
+            </a:endParaRPr>
+          </a:p>
+          <a:p>
+            <a:pPr>
+              <a:lnSpc>
+                <a:spcPct val="115000"/>
+              </a:lnSpc>
+              <a:spcAft>
+                <a:spcPts val="0"/>
+              </a:spcAft>
+            </a:pPr>
+            <a:r>
+              <a:rPr lang="en-US" sz="1400" dirty="0">
+                <a:solidFill>
+                  <a:srgbClr val="000000"/>
+                </a:solidFill>
+                <a:highlight>
+                  <a:srgbClr val="FFFFFF"/>
+                </a:highlight>
+                <a:latin typeface="Consolas"/>
+                <a:ea typeface="Calibri"/>
+                <a:cs typeface="Times New Roman"/>
+              </a:rPr>
+              <a:t>        </a:t>
+            </a:r>
+            <a:r>
+              <a:rPr lang="en-US" sz="1400" dirty="0">
+                <a:solidFill>
+                  <a:srgbClr val="0000FF"/>
+                </a:solidFill>
+                <a:highlight>
+                  <a:srgbClr val="FFFFFF"/>
+                </a:highlight>
+                <a:latin typeface="Consolas"/>
+                <a:ea typeface="Calibri"/>
+                <a:cs typeface="Times New Roman"/>
+              </a:rPr>
+              <a:t>public</a:t>
+            </a:r>
+            <a:r>
+              <a:rPr lang="en-US" sz="1400" dirty="0">
+                <a:solidFill>
+                  <a:srgbClr val="000000"/>
+                </a:solidFill>
+                <a:highlight>
+                  <a:srgbClr val="FFFFFF"/>
+                </a:highlight>
+                <a:latin typeface="Consolas"/>
+                <a:ea typeface="Calibri"/>
+                <a:cs typeface="Times New Roman"/>
+              </a:rPr>
+              <a:t> </a:t>
+            </a:r>
+            <a:r>
+              <a:rPr lang="en-US" sz="1400" dirty="0">
+                <a:solidFill>
+                  <a:srgbClr val="0000FF"/>
+                </a:solidFill>
+                <a:highlight>
+                  <a:srgbClr val="FFFFFF"/>
+                </a:highlight>
+                <a:latin typeface="Consolas"/>
+                <a:ea typeface="Calibri"/>
+                <a:cs typeface="Times New Roman"/>
+              </a:rPr>
+              <a:t>static</a:t>
+            </a:r>
+            <a:r>
+              <a:rPr lang="en-US" sz="1400" dirty="0">
+                <a:solidFill>
+                  <a:srgbClr val="000000"/>
+                </a:solidFill>
+                <a:highlight>
+                  <a:srgbClr val="FFFFFF"/>
+                </a:highlight>
+                <a:latin typeface="Consolas"/>
+                <a:ea typeface="Calibri"/>
+                <a:cs typeface="Times New Roman"/>
+              </a:rPr>
+              <a:t> </a:t>
+            </a:r>
+            <a:r>
+              <a:rPr lang="en-US" sz="1400" dirty="0">
+                <a:solidFill>
+                  <a:srgbClr val="0000FF"/>
+                </a:solidFill>
+                <a:highlight>
+                  <a:srgbClr val="FFFFFF"/>
+                </a:highlight>
+                <a:latin typeface="Consolas"/>
+                <a:ea typeface="Calibri"/>
+                <a:cs typeface="Times New Roman"/>
+              </a:rPr>
+              <a:t>void</a:t>
+            </a:r>
+            <a:r>
+              <a:rPr lang="en-US" sz="1400" dirty="0">
+                <a:solidFill>
+                  <a:srgbClr val="000000"/>
+                </a:solidFill>
+                <a:highlight>
+                  <a:srgbClr val="FFFFFF"/>
+                </a:highlight>
+                <a:latin typeface="Consolas"/>
+                <a:ea typeface="Calibri"/>
+                <a:cs typeface="Times New Roman"/>
+              </a:rPr>
+              <a:t> Configure(</a:t>
+            </a:r>
+            <a:r>
+              <a:rPr lang="en-US" sz="1400" dirty="0" err="1">
+                <a:solidFill>
+                  <a:srgbClr val="2B91AF"/>
+                </a:solidFill>
+                <a:highlight>
+                  <a:srgbClr val="FFFFFF"/>
+                </a:highlight>
+                <a:latin typeface="Consolas"/>
+                <a:ea typeface="Calibri"/>
+                <a:cs typeface="Times New Roman"/>
+              </a:rPr>
+              <a:t>IUnityContainer</a:t>
+            </a:r>
+            <a:r>
+              <a:rPr lang="en-US" sz="1400" dirty="0">
+                <a:solidFill>
+                  <a:srgbClr val="000000"/>
+                </a:solidFill>
+                <a:highlight>
+                  <a:srgbClr val="FFFFFF"/>
+                </a:highlight>
+                <a:latin typeface="Consolas"/>
+                <a:ea typeface="Calibri"/>
+                <a:cs typeface="Times New Roman"/>
+              </a:rPr>
+              <a:t> container)</a:t>
+            </a:r>
+            <a:endParaRPr lang="en-US" sz="1400" dirty="0">
+              <a:ea typeface="Calibri"/>
+              <a:cs typeface="Times New Roman"/>
+            </a:endParaRPr>
+          </a:p>
+          <a:p>
+            <a:pPr>
+              <a:lnSpc>
+                <a:spcPct val="115000"/>
+              </a:lnSpc>
+              <a:spcAft>
+                <a:spcPts val="0"/>
+              </a:spcAft>
+            </a:pPr>
+            <a:r>
+              <a:rPr lang="en-US" sz="1400" dirty="0">
+                <a:solidFill>
+                  <a:srgbClr val="000000"/>
+                </a:solidFill>
+                <a:highlight>
+                  <a:srgbClr val="FFFFFF"/>
+                </a:highlight>
+                <a:latin typeface="Consolas"/>
+                <a:ea typeface="Calibri"/>
+                <a:cs typeface="Times New Roman"/>
+              </a:rPr>
+              <a:t>        {</a:t>
+            </a:r>
+            <a:endParaRPr lang="en-US" sz="1400" dirty="0">
+              <a:ea typeface="Calibri"/>
+              <a:cs typeface="Times New Roman"/>
+            </a:endParaRPr>
+          </a:p>
+          <a:p>
+            <a:pPr>
+              <a:lnSpc>
+                <a:spcPct val="115000"/>
+              </a:lnSpc>
+              <a:spcAft>
+                <a:spcPts val="0"/>
+              </a:spcAft>
+            </a:pPr>
+            <a:r>
+              <a:rPr lang="en-US" sz="1400" dirty="0">
+                <a:solidFill>
+                  <a:srgbClr val="000000"/>
+                </a:solidFill>
+                <a:highlight>
+                  <a:srgbClr val="FFFFFF"/>
+                </a:highlight>
+                <a:latin typeface="Consolas"/>
+                <a:ea typeface="Calibri"/>
+                <a:cs typeface="Times New Roman"/>
+              </a:rPr>
+              <a:t>            </a:t>
+            </a:r>
+            <a:r>
+              <a:rPr lang="en-US" sz="1400" dirty="0" err="1">
+                <a:solidFill>
+                  <a:srgbClr val="000000"/>
+                </a:solidFill>
+                <a:highlight>
+                  <a:srgbClr val="FFFFFF"/>
+                </a:highlight>
+                <a:latin typeface="Consolas"/>
+                <a:ea typeface="Calibri"/>
+                <a:cs typeface="Times New Roman"/>
+              </a:rPr>
+              <a:t>container.AddNewExtension</a:t>
+            </a:r>
+            <a:r>
+              <a:rPr lang="en-US" sz="1400" dirty="0">
+                <a:solidFill>
+                  <a:srgbClr val="000000"/>
+                </a:solidFill>
+                <a:highlight>
+                  <a:srgbClr val="FFFFFF"/>
+                </a:highlight>
+                <a:latin typeface="Consolas"/>
+                <a:ea typeface="Calibri"/>
+                <a:cs typeface="Times New Roman"/>
+              </a:rPr>
+              <a:t>&lt;</a:t>
+            </a:r>
+            <a:r>
+              <a:rPr lang="en-US" sz="1400" dirty="0">
+                <a:solidFill>
+                  <a:srgbClr val="2B91AF"/>
+                </a:solidFill>
+                <a:highlight>
+                  <a:srgbClr val="FFFFFF"/>
+                </a:highlight>
+                <a:latin typeface="Consolas"/>
+                <a:ea typeface="Calibri"/>
+                <a:cs typeface="Times New Roman"/>
+              </a:rPr>
+              <a:t>Interception</a:t>
+            </a:r>
+            <a:r>
+              <a:rPr lang="en-US" sz="1400" dirty="0">
+                <a:solidFill>
+                  <a:srgbClr val="000000"/>
+                </a:solidFill>
+                <a:highlight>
+                  <a:srgbClr val="FFFFFF"/>
+                </a:highlight>
+                <a:latin typeface="Consolas"/>
+                <a:ea typeface="Calibri"/>
+                <a:cs typeface="Times New Roman"/>
+              </a:rPr>
+              <a:t>&gt;();</a:t>
+            </a:r>
+            <a:endParaRPr lang="en-US" sz="1400" dirty="0">
+              <a:ea typeface="Calibri"/>
+              <a:cs typeface="Times New Roman"/>
+            </a:endParaRPr>
+          </a:p>
+          <a:p>
+            <a:pPr>
+              <a:lnSpc>
+                <a:spcPct val="115000"/>
+              </a:lnSpc>
+              <a:spcAft>
+                <a:spcPts val="0"/>
+              </a:spcAft>
+            </a:pPr>
+            <a:r>
+              <a:rPr lang="en-US" sz="1400" dirty="0">
+                <a:solidFill>
+                  <a:srgbClr val="000000"/>
+                </a:solidFill>
+                <a:highlight>
+                  <a:srgbClr val="FFFFFF"/>
+                </a:highlight>
+                <a:latin typeface="Consolas"/>
+                <a:ea typeface="Calibri"/>
+                <a:cs typeface="Times New Roman"/>
+              </a:rPr>
+              <a:t>            </a:t>
+            </a:r>
+            <a:r>
+              <a:rPr lang="en-US" sz="1400" dirty="0" err="1">
+                <a:solidFill>
+                  <a:srgbClr val="0000FF"/>
+                </a:solidFill>
+                <a:highlight>
+                  <a:srgbClr val="FFFFFF"/>
+                </a:highlight>
+                <a:latin typeface="Consolas"/>
+                <a:ea typeface="Calibri"/>
+                <a:cs typeface="Times New Roman"/>
+              </a:rPr>
+              <a:t>var</a:t>
+            </a:r>
+            <a:r>
+              <a:rPr lang="en-US" sz="1400" dirty="0">
+                <a:solidFill>
+                  <a:srgbClr val="000000"/>
+                </a:solidFill>
+                <a:highlight>
+                  <a:srgbClr val="FFFFFF"/>
+                </a:highlight>
+                <a:latin typeface="Consolas"/>
+                <a:ea typeface="Calibri"/>
+                <a:cs typeface="Times New Roman"/>
+              </a:rPr>
+              <a:t> </a:t>
+            </a:r>
+            <a:r>
+              <a:rPr lang="en-US" sz="1400" dirty="0" err="1">
+                <a:solidFill>
+                  <a:srgbClr val="000000"/>
+                </a:solidFill>
+                <a:highlight>
+                  <a:srgbClr val="FFFFFF"/>
+                </a:highlight>
+                <a:latin typeface="Consolas"/>
+                <a:ea typeface="Calibri"/>
+                <a:cs typeface="Times New Roman"/>
+              </a:rPr>
+              <a:t>connectionString</a:t>
+            </a:r>
+            <a:r>
+              <a:rPr lang="en-US" sz="1400" dirty="0">
+                <a:solidFill>
+                  <a:srgbClr val="000000"/>
+                </a:solidFill>
+                <a:highlight>
+                  <a:srgbClr val="FFFFFF"/>
+                </a:highlight>
+                <a:latin typeface="Consolas"/>
+                <a:ea typeface="Calibri"/>
+                <a:cs typeface="Times New Roman"/>
+              </a:rPr>
+              <a:t> = </a:t>
+            </a:r>
+            <a:r>
+              <a:rPr lang="en-US" sz="1400" dirty="0" err="1">
+                <a:solidFill>
+                  <a:srgbClr val="2B91AF"/>
+                </a:solidFill>
+                <a:highlight>
+                  <a:srgbClr val="FFFFFF"/>
+                </a:highlight>
+                <a:latin typeface="Consolas"/>
+                <a:ea typeface="Calibri"/>
+                <a:cs typeface="Times New Roman"/>
+              </a:rPr>
+              <a:t>ConfigurationManager</a:t>
+            </a:r>
+            <a:r>
+              <a:rPr lang="en-US" sz="1400" dirty="0" err="1">
+                <a:solidFill>
+                  <a:srgbClr val="000000"/>
+                </a:solidFill>
+                <a:highlight>
+                  <a:srgbClr val="FFFFFF"/>
+                </a:highlight>
+                <a:latin typeface="Consolas"/>
+                <a:ea typeface="Calibri"/>
+                <a:cs typeface="Times New Roman"/>
+              </a:rPr>
+              <a:t>.ConnectionStrings</a:t>
+            </a:r>
+            <a:r>
+              <a:rPr lang="en-US" sz="1400" dirty="0">
+                <a:solidFill>
+                  <a:srgbClr val="000000"/>
+                </a:solidFill>
+                <a:highlight>
+                  <a:srgbClr val="FFFFFF"/>
+                </a:highlight>
+                <a:latin typeface="Consolas"/>
+                <a:ea typeface="Calibri"/>
+                <a:cs typeface="Times New Roman"/>
+              </a:rPr>
+              <a:t>[</a:t>
+            </a:r>
+            <a:r>
+              <a:rPr lang="en-US" sz="1400" dirty="0">
+                <a:solidFill>
+                  <a:srgbClr val="A31515"/>
+                </a:solidFill>
+                <a:highlight>
+                  <a:srgbClr val="FFFFFF"/>
+                </a:highlight>
+                <a:latin typeface="Consolas"/>
+                <a:ea typeface="Calibri"/>
+                <a:cs typeface="Times New Roman"/>
+              </a:rPr>
+              <a:t>"</a:t>
+            </a:r>
+            <a:r>
+              <a:rPr lang="en-US" sz="1400" dirty="0" err="1">
+                <a:solidFill>
+                  <a:srgbClr val="A31515"/>
+                </a:solidFill>
+                <a:highlight>
+                  <a:srgbClr val="FFFFFF"/>
+                </a:highlight>
+                <a:latin typeface="Consolas"/>
+                <a:ea typeface="Calibri"/>
+                <a:cs typeface="Times New Roman"/>
+              </a:rPr>
+              <a:t>BankingDbContext</a:t>
+            </a:r>
+            <a:r>
+              <a:rPr lang="en-US" sz="1400" dirty="0">
+                <a:solidFill>
+                  <a:srgbClr val="A31515"/>
+                </a:solidFill>
+                <a:highlight>
+                  <a:srgbClr val="FFFFFF"/>
+                </a:highlight>
+                <a:latin typeface="Consolas"/>
+                <a:ea typeface="Calibri"/>
+                <a:cs typeface="Times New Roman"/>
+              </a:rPr>
+              <a:t>"</a:t>
+            </a:r>
+            <a:r>
+              <a:rPr lang="en-US" sz="1400" dirty="0">
+                <a:solidFill>
+                  <a:srgbClr val="000000"/>
+                </a:solidFill>
+                <a:highlight>
+                  <a:srgbClr val="FFFFFF"/>
+                </a:highlight>
+                <a:latin typeface="Consolas"/>
+                <a:ea typeface="Calibri"/>
+                <a:cs typeface="Times New Roman"/>
+              </a:rPr>
+              <a:t>]</a:t>
+            </a:r>
+            <a:endParaRPr lang="en-US" sz="1400" dirty="0">
+              <a:ea typeface="Calibri"/>
+              <a:cs typeface="Times New Roman"/>
+            </a:endParaRPr>
+          </a:p>
+          <a:p>
+            <a:pPr>
+              <a:lnSpc>
+                <a:spcPct val="115000"/>
+              </a:lnSpc>
+              <a:spcAft>
+                <a:spcPts val="0"/>
+              </a:spcAft>
+            </a:pPr>
+            <a:r>
+              <a:rPr lang="en-US" sz="1400" dirty="0">
+                <a:solidFill>
+                  <a:srgbClr val="000000"/>
+                </a:solidFill>
+                <a:highlight>
+                  <a:srgbClr val="FFFFFF"/>
+                </a:highlight>
+                <a:latin typeface="Consolas"/>
+                <a:ea typeface="Calibri"/>
+                <a:cs typeface="Times New Roman"/>
+              </a:rPr>
+              <a:t>                    .</a:t>
+            </a:r>
+            <a:r>
+              <a:rPr lang="en-US" sz="1400" dirty="0" err="1">
+                <a:solidFill>
+                  <a:srgbClr val="000000"/>
+                </a:solidFill>
+                <a:highlight>
+                  <a:srgbClr val="FFFFFF"/>
+                </a:highlight>
+                <a:latin typeface="Consolas"/>
+                <a:ea typeface="Calibri"/>
+                <a:cs typeface="Times New Roman"/>
+              </a:rPr>
+              <a:t>ConnectionString</a:t>
+            </a:r>
+            <a:r>
+              <a:rPr lang="en-US" sz="1400" dirty="0">
+                <a:solidFill>
+                  <a:srgbClr val="000000"/>
+                </a:solidFill>
+                <a:highlight>
+                  <a:srgbClr val="FFFFFF"/>
+                </a:highlight>
+                <a:latin typeface="Consolas"/>
+                <a:ea typeface="Calibri"/>
+                <a:cs typeface="Times New Roman"/>
+              </a:rPr>
+              <a:t>;</a:t>
+            </a:r>
+            <a:endParaRPr lang="en-US" sz="1400" dirty="0">
+              <a:ea typeface="Calibri"/>
+              <a:cs typeface="Times New Roman"/>
+            </a:endParaRPr>
+          </a:p>
+          <a:p>
+            <a:pPr>
+              <a:lnSpc>
+                <a:spcPct val="115000"/>
+              </a:lnSpc>
+              <a:spcAft>
+                <a:spcPts val="0"/>
+              </a:spcAft>
+            </a:pPr>
+            <a:r>
+              <a:rPr lang="en-US" sz="1400" dirty="0">
+                <a:solidFill>
+                  <a:srgbClr val="000000"/>
+                </a:solidFill>
+                <a:highlight>
+                  <a:srgbClr val="FFFFFF"/>
+                </a:highlight>
+                <a:latin typeface="Consolas"/>
+                <a:ea typeface="Calibri"/>
+                <a:cs typeface="Times New Roman"/>
+              </a:rPr>
+              <a:t>            </a:t>
+            </a:r>
+            <a:r>
+              <a:rPr lang="en-US" sz="1400" dirty="0" err="1">
+                <a:solidFill>
+                  <a:srgbClr val="000000"/>
+                </a:solidFill>
+                <a:highlight>
+                  <a:srgbClr val="FFFFFF"/>
+                </a:highlight>
+                <a:latin typeface="Consolas"/>
+                <a:ea typeface="Calibri"/>
+                <a:cs typeface="Times New Roman"/>
+              </a:rPr>
+              <a:t>container.RegisterType</a:t>
+            </a:r>
+            <a:r>
+              <a:rPr lang="en-US" sz="1400" dirty="0">
+                <a:solidFill>
+                  <a:srgbClr val="000000"/>
+                </a:solidFill>
+                <a:highlight>
+                  <a:srgbClr val="FFFFFF"/>
+                </a:highlight>
+                <a:latin typeface="Consolas"/>
+                <a:ea typeface="Calibri"/>
+                <a:cs typeface="Times New Roman"/>
+              </a:rPr>
+              <a:t>&lt;</a:t>
+            </a:r>
+            <a:r>
+              <a:rPr lang="en-US" sz="1400" dirty="0" err="1">
+                <a:solidFill>
+                  <a:srgbClr val="2B91AF"/>
+                </a:solidFill>
+                <a:highlight>
+                  <a:srgbClr val="FFFFFF"/>
+                </a:highlight>
+                <a:latin typeface="Consolas"/>
+                <a:ea typeface="Calibri"/>
+                <a:cs typeface="Times New Roman"/>
+              </a:rPr>
+              <a:t>IAccountRepository</a:t>
+            </a:r>
+            <a:r>
+              <a:rPr lang="en-US" sz="1400" dirty="0">
+                <a:solidFill>
+                  <a:srgbClr val="000000"/>
+                </a:solidFill>
+                <a:highlight>
+                  <a:srgbClr val="FFFFFF"/>
+                </a:highlight>
+                <a:latin typeface="Consolas"/>
+                <a:ea typeface="Calibri"/>
+                <a:cs typeface="Times New Roman"/>
+              </a:rPr>
+              <a:t>, </a:t>
+            </a:r>
+            <a:r>
+              <a:rPr lang="en-US" sz="1400" dirty="0" err="1">
+                <a:solidFill>
+                  <a:srgbClr val="2B91AF"/>
+                </a:solidFill>
+                <a:highlight>
+                  <a:srgbClr val="FFFFFF"/>
+                </a:highlight>
+                <a:latin typeface="Consolas"/>
+                <a:ea typeface="Calibri"/>
+                <a:cs typeface="Times New Roman"/>
+              </a:rPr>
+              <a:t>AccountRepository</a:t>
+            </a:r>
+            <a:r>
+              <a:rPr lang="en-US" sz="1400" dirty="0">
+                <a:solidFill>
+                  <a:srgbClr val="000000"/>
+                </a:solidFill>
+                <a:highlight>
+                  <a:srgbClr val="FFFFFF"/>
+                </a:highlight>
+                <a:latin typeface="Consolas"/>
+                <a:ea typeface="Calibri"/>
+                <a:cs typeface="Times New Roman"/>
+              </a:rPr>
+              <a:t>&gt;(</a:t>
+            </a:r>
+            <a:endParaRPr lang="en-US" sz="1400" dirty="0">
+              <a:ea typeface="Calibri"/>
+              <a:cs typeface="Times New Roman"/>
+            </a:endParaRPr>
+          </a:p>
+          <a:p>
+            <a:pPr>
+              <a:lnSpc>
+                <a:spcPct val="115000"/>
+              </a:lnSpc>
+              <a:spcAft>
+                <a:spcPts val="0"/>
+              </a:spcAft>
+            </a:pPr>
+            <a:r>
+              <a:rPr lang="en-US" sz="1400" dirty="0">
+                <a:solidFill>
+                  <a:srgbClr val="000000"/>
+                </a:solidFill>
+                <a:highlight>
+                  <a:srgbClr val="FFFFFF"/>
+                </a:highlight>
+                <a:latin typeface="Consolas"/>
+                <a:ea typeface="Calibri"/>
+                <a:cs typeface="Times New Roman"/>
+              </a:rPr>
+              <a:t>                </a:t>
+            </a:r>
+            <a:r>
+              <a:rPr lang="en-US" sz="1400" dirty="0">
+                <a:solidFill>
+                  <a:srgbClr val="0000FF"/>
+                </a:solidFill>
+                <a:highlight>
+                  <a:srgbClr val="FFFFFF"/>
+                </a:highlight>
+                <a:latin typeface="Consolas"/>
+                <a:ea typeface="Calibri"/>
+                <a:cs typeface="Times New Roman"/>
+              </a:rPr>
+              <a:t>new</a:t>
+            </a:r>
+            <a:r>
+              <a:rPr lang="en-US" sz="1400" dirty="0">
+                <a:solidFill>
+                  <a:srgbClr val="000000"/>
+                </a:solidFill>
+                <a:highlight>
+                  <a:srgbClr val="FFFFFF"/>
+                </a:highlight>
+                <a:latin typeface="Consolas"/>
+                <a:ea typeface="Calibri"/>
+                <a:cs typeface="Times New Roman"/>
+              </a:rPr>
+              <a:t> </a:t>
+            </a:r>
+            <a:r>
+              <a:rPr lang="en-US" sz="1400" dirty="0" err="1">
+                <a:solidFill>
+                  <a:srgbClr val="2B91AF"/>
+                </a:solidFill>
+                <a:highlight>
+                  <a:srgbClr val="FFFFFF"/>
+                </a:highlight>
+                <a:latin typeface="Consolas"/>
+                <a:ea typeface="Calibri"/>
+                <a:cs typeface="Times New Roman"/>
+              </a:rPr>
+              <a:t>InjectionConstructor</a:t>
+            </a:r>
+            <a:r>
+              <a:rPr lang="en-US" sz="1400" dirty="0">
+                <a:solidFill>
+                  <a:srgbClr val="000000"/>
+                </a:solidFill>
+                <a:highlight>
+                  <a:srgbClr val="FFFFFF"/>
+                </a:highlight>
+                <a:latin typeface="Consolas"/>
+                <a:ea typeface="Calibri"/>
+                <a:cs typeface="Times New Roman"/>
+              </a:rPr>
+              <a:t>(</a:t>
+            </a:r>
+            <a:r>
+              <a:rPr lang="en-US" sz="1400" dirty="0" err="1">
+                <a:solidFill>
+                  <a:srgbClr val="000000"/>
+                </a:solidFill>
+                <a:highlight>
+                  <a:srgbClr val="FFFFFF"/>
+                </a:highlight>
+                <a:latin typeface="Consolas"/>
+                <a:ea typeface="Calibri"/>
+                <a:cs typeface="Times New Roman"/>
+              </a:rPr>
+              <a:t>connectionString</a:t>
+            </a:r>
+            <a:r>
+              <a:rPr lang="en-US" sz="1400" dirty="0">
+                <a:solidFill>
+                  <a:srgbClr val="000000"/>
+                </a:solidFill>
+                <a:highlight>
+                  <a:srgbClr val="FFFFFF"/>
+                </a:highlight>
+                <a:latin typeface="Consolas"/>
+                <a:ea typeface="Calibri"/>
+                <a:cs typeface="Times New Roman"/>
+              </a:rPr>
+              <a:t>),</a:t>
+            </a:r>
+            <a:endParaRPr lang="en-US" sz="1400" dirty="0">
+              <a:ea typeface="Calibri"/>
+              <a:cs typeface="Times New Roman"/>
+            </a:endParaRPr>
+          </a:p>
+          <a:p>
+            <a:pPr>
+              <a:lnSpc>
+                <a:spcPct val="115000"/>
+              </a:lnSpc>
+              <a:spcAft>
+                <a:spcPts val="0"/>
+              </a:spcAft>
+            </a:pPr>
+            <a:r>
+              <a:rPr lang="en-US" sz="1400" dirty="0">
+                <a:solidFill>
+                  <a:srgbClr val="000000"/>
+                </a:solidFill>
+                <a:highlight>
+                  <a:srgbClr val="FFFFFF"/>
+                </a:highlight>
+                <a:latin typeface="Consolas"/>
+                <a:ea typeface="Calibri"/>
+                <a:cs typeface="Times New Roman"/>
+              </a:rPr>
+              <a:t>                </a:t>
+            </a:r>
+            <a:r>
+              <a:rPr lang="en-US" sz="1400" dirty="0">
+                <a:solidFill>
+                  <a:srgbClr val="0000FF"/>
+                </a:solidFill>
+                <a:highlight>
+                  <a:srgbClr val="FFFFFF"/>
+                </a:highlight>
+                <a:latin typeface="Consolas"/>
+                <a:ea typeface="Calibri"/>
+                <a:cs typeface="Times New Roman"/>
+              </a:rPr>
+              <a:t>new</a:t>
+            </a:r>
+            <a:r>
+              <a:rPr lang="en-US" sz="1400" dirty="0">
+                <a:solidFill>
+                  <a:srgbClr val="000000"/>
+                </a:solidFill>
+                <a:highlight>
+                  <a:srgbClr val="FFFFFF"/>
+                </a:highlight>
+                <a:latin typeface="Consolas"/>
+                <a:ea typeface="Calibri"/>
+                <a:cs typeface="Times New Roman"/>
+              </a:rPr>
+              <a:t> </a:t>
+            </a:r>
+            <a:r>
+              <a:rPr lang="en-US" sz="1400" dirty="0">
+                <a:solidFill>
+                  <a:srgbClr val="2B91AF"/>
+                </a:solidFill>
+                <a:highlight>
+                  <a:srgbClr val="FFFFFF"/>
+                </a:highlight>
+                <a:latin typeface="Consolas"/>
+                <a:ea typeface="Calibri"/>
+                <a:cs typeface="Times New Roman"/>
+              </a:rPr>
+              <a:t>Interceptor</a:t>
+            </a:r>
+            <a:r>
+              <a:rPr lang="en-US" sz="1400" dirty="0">
+                <a:solidFill>
+                  <a:srgbClr val="000000"/>
+                </a:solidFill>
+                <a:highlight>
+                  <a:srgbClr val="FFFFFF"/>
+                </a:highlight>
+                <a:latin typeface="Consolas"/>
+                <a:ea typeface="Calibri"/>
+                <a:cs typeface="Times New Roman"/>
+              </a:rPr>
+              <a:t>&lt;</a:t>
+            </a:r>
+            <a:r>
+              <a:rPr lang="en-US" sz="1400" dirty="0" err="1">
+                <a:solidFill>
+                  <a:srgbClr val="2B91AF"/>
+                </a:solidFill>
+                <a:highlight>
+                  <a:srgbClr val="FFFFFF"/>
+                </a:highlight>
+                <a:latin typeface="Consolas"/>
+                <a:ea typeface="Calibri"/>
+                <a:cs typeface="Times New Roman"/>
+              </a:rPr>
+              <a:t>InterfaceInterceptor</a:t>
+            </a:r>
+            <a:r>
+              <a:rPr lang="en-US" sz="1400" dirty="0">
+                <a:solidFill>
+                  <a:srgbClr val="000000"/>
+                </a:solidFill>
+                <a:highlight>
+                  <a:srgbClr val="FFFFFF"/>
+                </a:highlight>
+                <a:latin typeface="Consolas"/>
+                <a:ea typeface="Calibri"/>
+                <a:cs typeface="Times New Roman"/>
+              </a:rPr>
+              <a:t>&gt;(),</a:t>
+            </a:r>
+            <a:endParaRPr lang="en-US" sz="1400" dirty="0">
+              <a:ea typeface="Calibri"/>
+              <a:cs typeface="Times New Roman"/>
+            </a:endParaRPr>
+          </a:p>
+          <a:p>
+            <a:pPr>
+              <a:lnSpc>
+                <a:spcPct val="115000"/>
+              </a:lnSpc>
+              <a:spcAft>
+                <a:spcPts val="0"/>
+              </a:spcAft>
+            </a:pPr>
+            <a:r>
+              <a:rPr lang="en-US" sz="1400" dirty="0">
+                <a:solidFill>
+                  <a:srgbClr val="000000"/>
+                </a:solidFill>
+                <a:highlight>
+                  <a:srgbClr val="FFFFFF"/>
+                </a:highlight>
+                <a:latin typeface="Consolas"/>
+                <a:ea typeface="Calibri"/>
+                <a:cs typeface="Times New Roman"/>
+              </a:rPr>
+              <a:t>                </a:t>
+            </a:r>
+            <a:r>
+              <a:rPr lang="en-US" sz="1400" dirty="0">
+                <a:solidFill>
+                  <a:srgbClr val="0000FF"/>
+                </a:solidFill>
+                <a:highlight>
+                  <a:srgbClr val="FFFFFF"/>
+                </a:highlight>
+                <a:latin typeface="Consolas"/>
+                <a:ea typeface="Calibri"/>
+                <a:cs typeface="Times New Roman"/>
+              </a:rPr>
+              <a:t>new</a:t>
+            </a:r>
+            <a:r>
+              <a:rPr lang="en-US" sz="1400" dirty="0">
+                <a:solidFill>
+                  <a:srgbClr val="000000"/>
+                </a:solidFill>
+                <a:highlight>
+                  <a:srgbClr val="FFFFFF"/>
+                </a:highlight>
+                <a:latin typeface="Consolas"/>
+                <a:ea typeface="Calibri"/>
+                <a:cs typeface="Times New Roman"/>
+              </a:rPr>
+              <a:t> </a:t>
+            </a:r>
+            <a:r>
+              <a:rPr lang="en-US" sz="1400" dirty="0" err="1">
+                <a:solidFill>
+                  <a:srgbClr val="2B91AF"/>
+                </a:solidFill>
+                <a:highlight>
+                  <a:srgbClr val="FFFFFF"/>
+                </a:highlight>
+                <a:latin typeface="Consolas"/>
+                <a:ea typeface="Calibri"/>
+                <a:cs typeface="Times New Roman"/>
+              </a:rPr>
+              <a:t>InterceptionBehavior</a:t>
+            </a:r>
+            <a:r>
+              <a:rPr lang="en-US" sz="1400" dirty="0">
+                <a:solidFill>
+                  <a:srgbClr val="000000"/>
+                </a:solidFill>
+                <a:highlight>
+                  <a:srgbClr val="FFFFFF"/>
+                </a:highlight>
+                <a:latin typeface="Consolas"/>
+                <a:ea typeface="Calibri"/>
+                <a:cs typeface="Times New Roman"/>
+              </a:rPr>
+              <a:t>&lt;</a:t>
+            </a:r>
+            <a:r>
+              <a:rPr lang="en-US" sz="1400" dirty="0" err="1">
+                <a:solidFill>
+                  <a:srgbClr val="2B91AF"/>
+                </a:solidFill>
+                <a:highlight>
+                  <a:srgbClr val="FFFFFF"/>
+                </a:highlight>
+                <a:latin typeface="Consolas"/>
+                <a:ea typeface="Calibri"/>
+                <a:cs typeface="Times New Roman"/>
+              </a:rPr>
+              <a:t>TimingBehavior</a:t>
+            </a:r>
+            <a:r>
+              <a:rPr lang="en-US" sz="1400" dirty="0">
+                <a:solidFill>
+                  <a:srgbClr val="000000"/>
+                </a:solidFill>
+                <a:highlight>
+                  <a:srgbClr val="FFFFFF"/>
+                </a:highlight>
+                <a:latin typeface="Consolas"/>
+                <a:ea typeface="Calibri"/>
+                <a:cs typeface="Times New Roman"/>
+              </a:rPr>
+              <a:t>&gt;());</a:t>
+            </a:r>
+            <a:endParaRPr lang="en-US" sz="1400" dirty="0">
+              <a:ea typeface="Calibri"/>
+              <a:cs typeface="Times New Roman"/>
+            </a:endParaRPr>
+          </a:p>
+          <a:p>
+            <a:pPr>
+              <a:lnSpc>
+                <a:spcPct val="115000"/>
+              </a:lnSpc>
+              <a:spcAft>
+                <a:spcPts val="0"/>
+              </a:spcAft>
+            </a:pPr>
+            <a:r>
+              <a:rPr lang="en-US" sz="1400" dirty="0">
+                <a:solidFill>
+                  <a:srgbClr val="000000"/>
+                </a:solidFill>
+                <a:highlight>
+                  <a:srgbClr val="FFFFFF"/>
+                </a:highlight>
+                <a:latin typeface="Consolas"/>
+                <a:ea typeface="Calibri"/>
+                <a:cs typeface="Times New Roman"/>
+              </a:rPr>
+              <a:t>            </a:t>
+            </a:r>
+            <a:r>
+              <a:rPr lang="en-US" sz="1400" dirty="0" err="1">
+                <a:solidFill>
+                  <a:srgbClr val="000000"/>
+                </a:solidFill>
+                <a:highlight>
+                  <a:srgbClr val="FFFFFF"/>
+                </a:highlight>
+                <a:latin typeface="Consolas"/>
+                <a:ea typeface="Calibri"/>
+                <a:cs typeface="Times New Roman"/>
+              </a:rPr>
+              <a:t>container.RegisterType</a:t>
+            </a:r>
+            <a:r>
+              <a:rPr lang="en-US" sz="1400" dirty="0">
+                <a:solidFill>
+                  <a:srgbClr val="000000"/>
+                </a:solidFill>
+                <a:highlight>
+                  <a:srgbClr val="FFFFFF"/>
+                </a:highlight>
+                <a:latin typeface="Consolas"/>
+                <a:ea typeface="Calibri"/>
+                <a:cs typeface="Times New Roman"/>
+              </a:rPr>
+              <a:t>&lt;</a:t>
+            </a:r>
+            <a:r>
+              <a:rPr lang="en-US" sz="1400" dirty="0" err="1">
+                <a:solidFill>
+                  <a:srgbClr val="2B91AF"/>
+                </a:solidFill>
+                <a:highlight>
+                  <a:srgbClr val="FFFFFF"/>
+                </a:highlight>
+                <a:latin typeface="Consolas"/>
+                <a:ea typeface="Calibri"/>
+                <a:cs typeface="Times New Roman"/>
+              </a:rPr>
+              <a:t>IUserAccountService</a:t>
+            </a:r>
+            <a:r>
+              <a:rPr lang="en-US" sz="1400" dirty="0">
+                <a:solidFill>
+                  <a:srgbClr val="000000"/>
+                </a:solidFill>
+                <a:highlight>
+                  <a:srgbClr val="FFFFFF"/>
+                </a:highlight>
+                <a:latin typeface="Consolas"/>
+                <a:ea typeface="Calibri"/>
+                <a:cs typeface="Times New Roman"/>
+              </a:rPr>
+              <a:t>, </a:t>
+            </a:r>
+            <a:r>
+              <a:rPr lang="en-US" sz="1400" dirty="0" err="1">
+                <a:solidFill>
+                  <a:srgbClr val="2B91AF"/>
+                </a:solidFill>
+                <a:highlight>
+                  <a:srgbClr val="FFFFFF"/>
+                </a:highlight>
+                <a:latin typeface="Consolas"/>
+                <a:ea typeface="Calibri"/>
+                <a:cs typeface="Times New Roman"/>
+              </a:rPr>
+              <a:t>UserAccountService</a:t>
+            </a:r>
+            <a:r>
+              <a:rPr lang="en-US" sz="1400" dirty="0">
+                <a:solidFill>
+                  <a:srgbClr val="000000"/>
+                </a:solidFill>
+                <a:highlight>
+                  <a:srgbClr val="FFFFFF"/>
+                </a:highlight>
+                <a:latin typeface="Consolas"/>
+                <a:ea typeface="Calibri"/>
+                <a:cs typeface="Times New Roman"/>
+              </a:rPr>
+              <a:t>&gt;(</a:t>
+            </a:r>
+            <a:endParaRPr lang="en-US" sz="1400" dirty="0">
+              <a:ea typeface="Calibri"/>
+              <a:cs typeface="Times New Roman"/>
+            </a:endParaRPr>
+          </a:p>
+          <a:p>
+            <a:pPr>
+              <a:lnSpc>
+                <a:spcPct val="115000"/>
+              </a:lnSpc>
+              <a:spcAft>
+                <a:spcPts val="0"/>
+              </a:spcAft>
+            </a:pPr>
+            <a:r>
+              <a:rPr lang="en-US" sz="1400" dirty="0">
+                <a:solidFill>
+                  <a:srgbClr val="000000"/>
+                </a:solidFill>
+                <a:highlight>
+                  <a:srgbClr val="FFFFFF"/>
+                </a:highlight>
+                <a:latin typeface="Consolas"/>
+                <a:ea typeface="Calibri"/>
+                <a:cs typeface="Times New Roman"/>
+              </a:rPr>
+              <a:t>                </a:t>
+            </a:r>
+            <a:r>
+              <a:rPr lang="en-US" sz="1400" dirty="0">
+                <a:solidFill>
+                  <a:srgbClr val="0000FF"/>
+                </a:solidFill>
+                <a:highlight>
+                  <a:srgbClr val="FFFFFF"/>
+                </a:highlight>
+                <a:latin typeface="Consolas"/>
+                <a:ea typeface="Calibri"/>
+                <a:cs typeface="Times New Roman"/>
+              </a:rPr>
+              <a:t>new</a:t>
+            </a:r>
+            <a:r>
+              <a:rPr lang="en-US" sz="1400" dirty="0">
+                <a:solidFill>
+                  <a:srgbClr val="000000"/>
+                </a:solidFill>
+                <a:highlight>
+                  <a:srgbClr val="FFFFFF"/>
+                </a:highlight>
+                <a:latin typeface="Consolas"/>
+                <a:ea typeface="Calibri"/>
+                <a:cs typeface="Times New Roman"/>
+              </a:rPr>
+              <a:t> </a:t>
+            </a:r>
+            <a:r>
+              <a:rPr lang="en-US" sz="1400" dirty="0">
+                <a:solidFill>
+                  <a:srgbClr val="2B91AF"/>
+                </a:solidFill>
+                <a:highlight>
+                  <a:srgbClr val="FFFFFF"/>
+                </a:highlight>
+                <a:latin typeface="Consolas"/>
+                <a:ea typeface="Calibri"/>
+                <a:cs typeface="Times New Roman"/>
+              </a:rPr>
+              <a:t>Interceptor</a:t>
+            </a:r>
+            <a:r>
+              <a:rPr lang="en-US" sz="1400" dirty="0">
+                <a:solidFill>
+                  <a:srgbClr val="000000"/>
+                </a:solidFill>
+                <a:highlight>
+                  <a:srgbClr val="FFFFFF"/>
+                </a:highlight>
+                <a:latin typeface="Consolas"/>
+                <a:ea typeface="Calibri"/>
+                <a:cs typeface="Times New Roman"/>
+              </a:rPr>
+              <a:t>&lt;</a:t>
+            </a:r>
+            <a:r>
+              <a:rPr lang="en-US" sz="1400" dirty="0" err="1">
+                <a:solidFill>
+                  <a:srgbClr val="2B91AF"/>
+                </a:solidFill>
+                <a:highlight>
+                  <a:srgbClr val="FFFFFF"/>
+                </a:highlight>
+                <a:latin typeface="Consolas"/>
+                <a:ea typeface="Calibri"/>
+                <a:cs typeface="Times New Roman"/>
+              </a:rPr>
+              <a:t>InterfaceInterceptor</a:t>
+            </a:r>
+            <a:r>
+              <a:rPr lang="en-US" sz="1400" dirty="0">
+                <a:solidFill>
+                  <a:srgbClr val="000000"/>
+                </a:solidFill>
+                <a:highlight>
+                  <a:srgbClr val="FFFFFF"/>
+                </a:highlight>
+                <a:latin typeface="Consolas"/>
+                <a:ea typeface="Calibri"/>
+                <a:cs typeface="Times New Roman"/>
+              </a:rPr>
+              <a:t>&gt;(),</a:t>
+            </a:r>
+            <a:endParaRPr lang="en-US" sz="1400" dirty="0">
+              <a:ea typeface="Calibri"/>
+              <a:cs typeface="Times New Roman"/>
+            </a:endParaRPr>
+          </a:p>
+          <a:p>
+            <a:pPr>
+              <a:lnSpc>
+                <a:spcPct val="115000"/>
+              </a:lnSpc>
+              <a:spcAft>
+                <a:spcPts val="0"/>
+              </a:spcAft>
+            </a:pPr>
+            <a:r>
+              <a:rPr lang="en-US" sz="1400" dirty="0">
+                <a:solidFill>
+                  <a:srgbClr val="000000"/>
+                </a:solidFill>
+                <a:highlight>
+                  <a:srgbClr val="FFFFFF"/>
+                </a:highlight>
+                <a:latin typeface="Consolas"/>
+                <a:ea typeface="Calibri"/>
+                <a:cs typeface="Times New Roman"/>
+              </a:rPr>
+              <a:t>                </a:t>
+            </a:r>
+            <a:r>
+              <a:rPr lang="en-US" sz="1400" dirty="0">
+                <a:solidFill>
+                  <a:srgbClr val="0000FF"/>
+                </a:solidFill>
+                <a:highlight>
+                  <a:srgbClr val="FFFFFF"/>
+                </a:highlight>
+                <a:latin typeface="Consolas"/>
+                <a:ea typeface="Calibri"/>
+                <a:cs typeface="Times New Roman"/>
+              </a:rPr>
+              <a:t>new</a:t>
+            </a:r>
+            <a:r>
+              <a:rPr lang="en-US" sz="1400" dirty="0">
+                <a:solidFill>
+                  <a:srgbClr val="000000"/>
+                </a:solidFill>
+                <a:highlight>
+                  <a:srgbClr val="FFFFFF"/>
+                </a:highlight>
+                <a:latin typeface="Consolas"/>
+                <a:ea typeface="Calibri"/>
+                <a:cs typeface="Times New Roman"/>
+              </a:rPr>
+              <a:t> </a:t>
+            </a:r>
+            <a:r>
+              <a:rPr lang="en-US" sz="1400" dirty="0" err="1">
+                <a:solidFill>
+                  <a:srgbClr val="2B91AF"/>
+                </a:solidFill>
+                <a:highlight>
+                  <a:srgbClr val="FFFFFF"/>
+                </a:highlight>
+                <a:latin typeface="Consolas"/>
+                <a:ea typeface="Calibri"/>
+                <a:cs typeface="Times New Roman"/>
+              </a:rPr>
+              <a:t>InterceptionBehavior</a:t>
+            </a:r>
+            <a:r>
+              <a:rPr lang="en-US" sz="1400" dirty="0">
+                <a:solidFill>
+                  <a:srgbClr val="000000"/>
+                </a:solidFill>
+                <a:highlight>
+                  <a:srgbClr val="FFFFFF"/>
+                </a:highlight>
+                <a:latin typeface="Consolas"/>
+                <a:ea typeface="Calibri"/>
+                <a:cs typeface="Times New Roman"/>
+              </a:rPr>
+              <a:t>&lt;</a:t>
+            </a:r>
+            <a:r>
+              <a:rPr lang="en-US" sz="1400" dirty="0" err="1">
+                <a:solidFill>
+                  <a:srgbClr val="2B91AF"/>
+                </a:solidFill>
+                <a:highlight>
+                  <a:srgbClr val="FFFFFF"/>
+                </a:highlight>
+                <a:latin typeface="Consolas"/>
+                <a:ea typeface="Calibri"/>
+                <a:cs typeface="Times New Roman"/>
+              </a:rPr>
+              <a:t>TimingBehavior</a:t>
+            </a:r>
+            <a:r>
+              <a:rPr lang="en-US" sz="1400" dirty="0">
+                <a:solidFill>
+                  <a:srgbClr val="000000"/>
+                </a:solidFill>
+                <a:highlight>
+                  <a:srgbClr val="FFFFFF"/>
+                </a:highlight>
+                <a:latin typeface="Consolas"/>
+                <a:ea typeface="Calibri"/>
+                <a:cs typeface="Times New Roman"/>
+              </a:rPr>
+              <a:t>&gt;());</a:t>
+            </a:r>
+            <a:endParaRPr lang="en-US" sz="1400" dirty="0">
+              <a:ea typeface="Calibri"/>
+              <a:cs typeface="Times New Roman"/>
+            </a:endParaRPr>
+          </a:p>
+          <a:p>
+            <a:pPr>
+              <a:lnSpc>
+                <a:spcPct val="115000"/>
+              </a:lnSpc>
+              <a:spcAft>
+                <a:spcPts val="0"/>
+              </a:spcAft>
+            </a:pPr>
+            <a:r>
+              <a:rPr lang="en-US" sz="1400" dirty="0">
+                <a:solidFill>
+                  <a:srgbClr val="000000"/>
+                </a:solidFill>
+                <a:highlight>
+                  <a:srgbClr val="FFFFFF"/>
+                </a:highlight>
+                <a:latin typeface="Consolas"/>
+                <a:ea typeface="Calibri"/>
+                <a:cs typeface="Times New Roman"/>
+              </a:rPr>
+              <a:t>        }</a:t>
+            </a:r>
+            <a:endParaRPr lang="en-US" sz="1400" dirty="0">
+              <a:ea typeface="Calibri"/>
+              <a:cs typeface="Times New Roman"/>
+            </a:endParaRPr>
+          </a:p>
+          <a:p>
+            <a:pPr>
+              <a:lnSpc>
+                <a:spcPct val="115000"/>
+              </a:lnSpc>
+              <a:spcAft>
+                <a:spcPts val="1000"/>
+              </a:spcAft>
+            </a:pPr>
+            <a:r>
+              <a:rPr lang="en-US" sz="1400" dirty="0">
+                <a:solidFill>
+                  <a:srgbClr val="000000"/>
+                </a:solidFill>
+                <a:highlight>
+                  <a:srgbClr val="FFFFFF"/>
+                </a:highlight>
+                <a:latin typeface="Consolas"/>
+                <a:ea typeface="Calibri"/>
+                <a:cs typeface="Times New Roman"/>
+              </a:rPr>
+              <a:t>    }</a:t>
+            </a:r>
+            <a:endParaRPr lang="en-US" sz="1400" dirty="0">
+              <a:ea typeface="Calibri"/>
+              <a:cs typeface="Times New Roman"/>
+            </a:endParaRPr>
+          </a:p>
+        </p:txBody>
+      </p:sp>
     </p:spTree>
     <p:extLst>
       <p:ext uri="{BB962C8B-B14F-4D97-AF65-F5344CB8AC3E}">
-        <p14:creationId xmlns:p14="http://schemas.microsoft.com/office/powerpoint/2010/main" val="308607750"/>
+        <p14:creationId xmlns:p14="http://schemas.microsoft.com/office/powerpoint/2010/main" val="3509099350"/>
       </p:ext>
     </p:extLst>
   </p:cSld>
@@ -43389,9 +47223,126 @@
   <p:timing>
     <p:tnLst>
       <p:par>
-        <p:cTn id="1" dur="indefinite" restart="never" nodeType="tmRoot"/>
+        <p:cTn id="1" dur="indefinite" restart="never" nodeType="tmRoot">
+          <p:childTnLst>
+            <p:seq concurrent="1" nextAc="seek">
+              <p:cTn id="2" dur="indefinite" nodeType="mainSeq">
+                <p:childTnLst>
+                  <p:par>
+                    <p:cTn id="3" fill="hold">
+                      <p:stCondLst>
+                        <p:cond delay="indefinite"/>
+                      </p:stCondLst>
+                      <p:childTnLst>
+                        <p:par>
+                          <p:cTn id="4" fill="hold">
+                            <p:stCondLst>
+                              <p:cond delay="0"/>
+                            </p:stCondLst>
+                            <p:childTnLst>
+                              <p:par>
+                                <p:cTn id="5" presetID="1" presetClass="entr" presetSubtype="0" fill="hold" grpId="0" nodeType="clickEffect">
+                                  <p:stCondLst>
+                                    <p:cond delay="0"/>
+                                  </p:stCondLst>
+                                  <p:childTnLst>
+                                    <p:set>
+                                      <p:cBhvr>
+                                        <p:cTn id="6" dur="1" fill="hold">
+                                          <p:stCondLst>
+                                            <p:cond delay="0"/>
+                                          </p:stCondLst>
+                                        </p:cTn>
+                                        <p:tgtEl>
+                                          <p:spTgt spid="4"/>
+                                        </p:tgtEl>
+                                        <p:attrNameLst>
+                                          <p:attrName>style.visibility</p:attrName>
+                                        </p:attrNameLst>
+                                      </p:cBhvr>
+                                      <p:to>
+                                        <p:strVal val="visible"/>
+                                      </p:to>
+                                    </p:set>
+                                  </p:childTnLst>
+                                </p:cTn>
+                              </p:par>
+                            </p:childTnLst>
+                          </p:cTn>
+                        </p:par>
+                      </p:childTnLst>
+                    </p:cTn>
+                  </p:par>
+                  <p:par>
+                    <p:cTn id="7" fill="hold">
+                      <p:stCondLst>
+                        <p:cond delay="indefinite"/>
+                      </p:stCondLst>
+                      <p:childTnLst>
+                        <p:par>
+                          <p:cTn id="8" fill="hold">
+                            <p:stCondLst>
+                              <p:cond delay="0"/>
+                            </p:stCondLst>
+                            <p:childTnLst>
+                              <p:par>
+                                <p:cTn id="9" presetID="1" presetClass="entr" presetSubtype="0" fill="hold" grpId="0" nodeType="clickEffect">
+                                  <p:stCondLst>
+                                    <p:cond delay="0"/>
+                                  </p:stCondLst>
+                                  <p:childTnLst>
+                                    <p:set>
+                                      <p:cBhvr>
+                                        <p:cTn id="10" dur="1" fill="hold">
+                                          <p:stCondLst>
+                                            <p:cond delay="0"/>
+                                          </p:stCondLst>
+                                        </p:cTn>
+                                        <p:tgtEl>
+                                          <p:spTgt spid="8"/>
+                                        </p:tgtEl>
+                                        <p:attrNameLst>
+                                          <p:attrName>style.visibility</p:attrName>
+                                        </p:attrNameLst>
+                                      </p:cBhvr>
+                                      <p:to>
+                                        <p:strVal val="visible"/>
+                                      </p:to>
+                                    </p:set>
+                                  </p:childTnLst>
+                                </p:cTn>
+                              </p:par>
+                            </p:childTnLst>
+                          </p:cTn>
+                        </p:par>
+                      </p:childTnLst>
+                    </p:cTn>
+                  </p:par>
+                </p:childTnLst>
+              </p:cTn>
+              <p:prevCondLst>
+                <p:cond evt="onPrev" delay="0">
+                  <p:tgtEl>
+                    <p:sldTgt/>
+                  </p:tgtEl>
+                </p:cond>
+              </p:prevCondLst>
+              <p:nextCondLst>
+                <p:cond evt="onNext" delay="0">
+                  <p:tgtEl>
+                    <p:sldTgt/>
+                  </p:tgtEl>
+                </p:cond>
+              </p:nextCondLst>
+            </p:seq>
+          </p:childTnLst>
+        </p:cTn>
       </p:par>
     </p:tnLst>
+    <p:bldLst>
+      <p:bldP spid="4" grpId="0" animBg="1"/>
+      <p:bldP spid="8" grpId="0" animBg="1"/>
+    </p:bldLst>
   </p:timing>
 </p:sld>
 </file>
@@ -43425,12 +47376,14 @@
         </p:nvSpPr>
         <p:spPr/>
         <p:txBody>
-          <a:bodyPr/>
+          <a:bodyPr>
+            <a:normAutofit/>
+          </a:bodyPr>
           <a:lstStyle/>
           <a:p>
             <a:r>
               <a:rPr lang="en-US" dirty="0" smtClean="0"/>
-              <a:t>Remember</a:t>
+              <a:t>Conclusion</a:t>
             </a:r>
             <a:endParaRPr lang="en-US" dirty="0"/>
           </a:p>
@@ -43451,14 +47404,24 @@
           <a:bodyPr/>
           <a:lstStyle/>
           <a:p>
-            <a:endParaRPr lang="en-US"/>
+            <a:r>
+              <a:rPr lang="fr-FR" dirty="0" smtClean="0"/>
+              <a:t>TODO </a:t>
+            </a:r>
+            <a:r>
+              <a:rPr lang="fr-FR" dirty="0" smtClean="0">
+                <a:sym typeface="Wingdings" panose="05000000000000000000" pitchFamily="2" charset="2"/>
+              </a:rPr>
+              <a:t></a:t>
+            </a:r>
+            <a:endParaRPr lang="en-US" dirty="0"/>
           </a:p>
         </p:txBody>
       </p:sp>
     </p:spTree>
     <p:extLst>
       <p:ext uri="{BB962C8B-B14F-4D97-AF65-F5344CB8AC3E}">
-        <p14:creationId xmlns:p14="http://schemas.microsoft.com/office/powerpoint/2010/main" val="1019461660"/>
+        <p14:creationId xmlns:p14="http://schemas.microsoft.com/office/powerpoint/2010/main" val="308607750"/>
       </p:ext>
     </p:extLst>
   </p:cSld>
@@ -43509,7 +47472,7 @@
           <a:p>
             <a:r>
               <a:rPr lang="en-US" dirty="0" smtClean="0"/>
-              <a:t>Going further …</a:t>
+              <a:t>Remember</a:t>
             </a:r>
             <a:endParaRPr lang="en-US" dirty="0"/>
           </a:p>
@@ -43531,41 +47494,86 @@
           <a:lstStyle/>
           <a:p>
             <a:r>
-              <a:rPr lang="en-US" dirty="0" smtClean="0"/>
-              <a:t>Mark </a:t>
-            </a:r>
-            <a:r>
-              <a:rPr lang="en-US" dirty="0" err="1" smtClean="0"/>
-              <a:t>Seemann’s</a:t>
-            </a:r>
-            <a:r>
-              <a:rPr lang="en-US" dirty="0" smtClean="0"/>
-              <a:t> book and blog posts</a:t>
-            </a:r>
-          </a:p>
-          <a:p>
-            <a:r>
-              <a:rPr lang="en-US" dirty="0" smtClean="0"/>
-              <a:t>Conversation about DI in </a:t>
-            </a:r>
-            <a:r>
-              <a:rPr lang="en-US" dirty="0" err="1" smtClean="0"/>
-              <a:t>aspnet</a:t>
-            </a:r>
-            <a:r>
-              <a:rPr lang="en-US" dirty="0" smtClean="0"/>
+              <a:rPr lang="fr-FR" dirty="0" err="1" smtClean="0"/>
+              <a:t>Constructor</a:t>
+            </a:r>
+            <a:r>
+              <a:rPr lang="fr-FR" dirty="0" smtClean="0"/>
+              <a:t> Injection </a:t>
+            </a:r>
+            <a:r>
+              <a:rPr lang="fr-FR" dirty="0" err="1" smtClean="0"/>
+              <a:t>is</a:t>
+            </a:r>
+            <a:r>
+              <a:rPr lang="fr-FR" dirty="0" smtClean="0"/>
               <a:t> </a:t>
             </a:r>
             <a:r>
-              <a:rPr lang="en-US" dirty="0" err="1" smtClean="0"/>
-              <a:t>vNext</a:t>
-            </a:r>
-            <a:endParaRPr lang="en-US" dirty="0" smtClean="0"/>
-          </a:p>
-          <a:p>
-            <a:r>
-              <a:rPr lang="en-US" dirty="0" smtClean="0"/>
-              <a:t>SOLID</a:t>
+              <a:rPr lang="fr-FR" dirty="0" err="1" smtClean="0"/>
+              <a:t>your</a:t>
+            </a:r>
+            <a:r>
+              <a:rPr lang="fr-FR" dirty="0" smtClean="0"/>
+              <a:t> </a:t>
+            </a:r>
+            <a:r>
+              <a:rPr lang="fr-FR" dirty="0" err="1" smtClean="0"/>
+              <a:t>friend</a:t>
+            </a:r>
+            <a:endParaRPr lang="fr-FR" dirty="0" smtClean="0"/>
+          </a:p>
+          <a:p>
+            <a:r>
+              <a:rPr lang="fr-FR" dirty="0" smtClean="0"/>
+              <a:t>DI-</a:t>
+            </a:r>
+            <a:r>
+              <a:rPr lang="fr-FR" dirty="0" err="1" smtClean="0"/>
+              <a:t>friendly</a:t>
+            </a:r>
+            <a:r>
+              <a:rPr lang="fr-FR" dirty="0" smtClean="0"/>
+              <a:t> </a:t>
+            </a:r>
+            <a:r>
+              <a:rPr lang="fr-FR" dirty="0" err="1" smtClean="0"/>
+              <a:t>everywhere</a:t>
+            </a:r>
+            <a:endParaRPr lang="fr-FR" dirty="0" smtClean="0"/>
+          </a:p>
+          <a:p>
+            <a:r>
+              <a:rPr lang="fr-FR" dirty="0" smtClean="0"/>
+              <a:t>DI Container </a:t>
+            </a:r>
+            <a:r>
+              <a:rPr lang="fr-FR" dirty="0" err="1" smtClean="0"/>
+              <a:t>should</a:t>
+            </a:r>
+            <a:r>
+              <a:rPr lang="fr-FR" dirty="0" smtClean="0"/>
+              <a:t> </a:t>
+            </a:r>
+            <a:r>
+              <a:rPr lang="fr-FR" dirty="0" err="1" smtClean="0"/>
+              <a:t>be</a:t>
+            </a:r>
+            <a:r>
+              <a:rPr lang="fr-FR" dirty="0" smtClean="0"/>
+              <a:t> visible </a:t>
+            </a:r>
+            <a:r>
+              <a:rPr lang="fr-FR" dirty="0" err="1" smtClean="0"/>
+              <a:t>only</a:t>
+            </a:r>
+            <a:r>
+              <a:rPr lang="fr-FR" dirty="0" smtClean="0"/>
+              <a:t> in Composition </a:t>
+            </a:r>
+            <a:r>
+              <a:rPr lang="fr-FR" dirty="0" err="1" smtClean="0"/>
+              <a:t>Root</a:t>
             </a:r>
             <a:endParaRPr lang="en-US" dirty="0"/>
           </a:p>
@@ -43574,7 +47582,7 @@
     </p:spTree>
     <p:extLst>
       <p:ext uri="{BB962C8B-B14F-4D97-AF65-F5344CB8AC3E}">
-        <p14:creationId xmlns:p14="http://schemas.microsoft.com/office/powerpoint/2010/main" val="3179521032"/>
+        <p14:creationId xmlns:p14="http://schemas.microsoft.com/office/powerpoint/2010/main" val="1019461660"/>
       </p:ext>
     </p:extLst>
   </p:cSld>
@@ -43610,6 +47618,310 @@
       </p:grpSpPr>
       <p:sp>
         <p:nvSpPr>
+          <p:cNvPr id="2" name="Title 1"/>
+          <p:cNvSpPr>
+            <a:spLocks noGrp="1"/>
+          </p:cNvSpPr>
+          <p:nvPr>
+            <p:ph type="title"/>
+          </p:nvPr>
+        </p:nvSpPr>
+        <p:spPr/>
+        <p:txBody>
+          <a:bodyPr/>
+          <a:lstStyle/>
+          <a:p>
+            <a:r>
+              <a:rPr lang="en-US" dirty="0" smtClean="0"/>
+              <a:t>Going further …</a:t>
+            </a:r>
+            <a:endParaRPr lang="en-US" dirty="0"/>
+          </a:p>
+        </p:txBody>
+      </p:sp>
+      <p:sp>
+        <p:nvSpPr>
+          <p:cNvPr id="3" name="Content Placeholder 2"/>
+          <p:cNvSpPr>
+            <a:spLocks noGrp="1"/>
+          </p:cNvSpPr>
+          <p:nvPr>
+            <p:ph idx="1"/>
+          </p:nvPr>
+        </p:nvSpPr>
+        <p:spPr/>
+        <p:txBody>
+          <a:bodyPr/>
+          <a:lstStyle/>
+          <a:p>
+            <a:r>
+              <a:rPr lang="en-US" dirty="0" smtClean="0"/>
+              <a:t>Mark </a:t>
+            </a:r>
+            <a:r>
+              <a:rPr lang="en-US" dirty="0" err="1" smtClean="0"/>
+              <a:t>Seemann’s</a:t>
+            </a:r>
+            <a:r>
+              <a:rPr lang="en-US" dirty="0" smtClean="0"/>
+              <a:t> book and blog posts</a:t>
+            </a:r>
+          </a:p>
+          <a:p>
+            <a:r>
+              <a:rPr lang="en-US" dirty="0" smtClean="0"/>
+              <a:t>Conversation about DI in </a:t>
+            </a:r>
+            <a:r>
+              <a:rPr lang="en-US" dirty="0" err="1" smtClean="0"/>
+              <a:t>aspnet</a:t>
+            </a:r>
+            <a:r>
+              <a:rPr lang="en-US" dirty="0" smtClean="0"/>
+              <a:t> </a:t>
+            </a:r>
+            <a:r>
+              <a:rPr lang="en-US" dirty="0" err="1" smtClean="0"/>
+              <a:t>vNext</a:t>
+            </a:r>
+            <a:endParaRPr lang="en-US" dirty="0" smtClean="0"/>
+          </a:p>
+          <a:p>
+            <a:r>
+              <a:rPr lang="en-US" dirty="0" smtClean="0"/>
+              <a:t>SOLID</a:t>
+            </a:r>
+          </a:p>
+          <a:p>
+            <a:r>
+              <a:rPr lang="fr-FR" dirty="0" smtClean="0"/>
+              <a:t>TODO</a:t>
+            </a:r>
+            <a:endParaRPr lang="en-US" dirty="0"/>
+          </a:p>
+        </p:txBody>
+      </p:sp>
+    </p:spTree>
+    <p:extLst>
+      <p:ext uri="{BB962C8B-B14F-4D97-AF65-F5344CB8AC3E}">
+        <p14:creationId xmlns:p14="http://schemas.microsoft.com/office/powerpoint/2010/main" val="3179521032"/>
+      </p:ext>
+    </p:extLst>
+  </p:cSld>
+  <p:clrMapOvr>
+    <a:masterClrMapping/>
+  </p:clrMapOvr>
+  <p:timing>
+    <p:tnLst>
+      <p:par>
+        <p:cTn id="1" dur="indefinite" restart="never" nodeType="tmRoot"/>
+      </p:par>
+    </p:tnLst>
+  </p:timing>
+</p:sld>
+</file>
+
+<file path=ppt/slides/slide46.xml><?xml version="1.0" encoding="utf-8"?>
+<p:sld xmlns:a="http://schemas.openxmlformats.org/drawingml/2006/main" xmlns:r="http://schemas.openxmlformats.org/officeDocument/2006/relationships" xmlns:p="http://schemas.openxmlformats.org/presentationml/2006/main">
+  <p:cSld>
+    <p:spTree>
+      <p:nvGrpSpPr>
+        <p:cNvPr id="1" name=""/>
+        <p:cNvGrpSpPr/>
+        <p:nvPr/>
+      </p:nvGrpSpPr>
+      <p:grpSpPr>
+        <a:xfrm>
+          <a:off x="0" y="0"/>
+          <a:ext cx="0" cy="0"/>
+          <a:chOff x="0" y="0"/>
+          <a:chExt cx="0" cy="0"/>
+        </a:xfrm>
+      </p:grpSpPr>
+      <p:sp>
+        <p:nvSpPr>
+          <p:cNvPr id="4" name="Title 3"/>
+          <p:cNvSpPr>
+            <a:spLocks noGrp="1"/>
+          </p:cNvSpPr>
+          <p:nvPr>
+            <p:ph type="title"/>
+          </p:nvPr>
+        </p:nvSpPr>
+        <p:spPr/>
+        <p:txBody>
+          <a:bodyPr/>
+          <a:lstStyle/>
+          <a:p>
+            <a:r>
+              <a:rPr lang="fr-FR" dirty="0" err="1" smtClean="0"/>
+              <a:t>Q&amp;a</a:t>
+            </a:r>
+            <a:endParaRPr lang="en-US" dirty="0"/>
+          </a:p>
+        </p:txBody>
+      </p:sp>
+      <p:sp>
+        <p:nvSpPr>
+          <p:cNvPr id="5" name="Text Placeholder 4"/>
+          <p:cNvSpPr>
+            <a:spLocks noGrp="1"/>
+          </p:cNvSpPr>
+          <p:nvPr>
+            <p:ph type="body" idx="1"/>
+          </p:nvPr>
+        </p:nvSpPr>
+        <p:spPr/>
+        <p:txBody>
+          <a:bodyPr/>
+          <a:lstStyle/>
+          <a:p>
+            <a:r>
+              <a:rPr lang="fr-FR" dirty="0" smtClean="0"/>
+              <a:t>Shoot !</a:t>
+            </a:r>
+            <a:endParaRPr lang="en-US" dirty="0"/>
+          </a:p>
+        </p:txBody>
+      </p:sp>
+    </p:spTree>
+    <p:extLst>
+      <p:ext uri="{BB962C8B-B14F-4D97-AF65-F5344CB8AC3E}">
+        <p14:creationId xmlns:p14="http://schemas.microsoft.com/office/powerpoint/2010/main" val="660623375"/>
+      </p:ext>
+    </p:extLst>
+  </p:cSld>
+  <p:clrMapOvr>
+    <a:masterClrMapping/>
+  </p:clrMapOvr>
+  <p:timing>
+    <p:tnLst>
+      <p:par>
+        <p:cTn id="1" dur="indefinite" restart="never" nodeType="tmRoot"/>
+      </p:par>
+    </p:tnLst>
+  </p:timing>
+</p:sld>
+</file>
+
+<file path=ppt/slides/slide47.xml><?xml version="1.0" encoding="utf-8"?>
+<p:sld xmlns:a="http://schemas.openxmlformats.org/drawingml/2006/main" xmlns:r="http://schemas.openxmlformats.org/officeDocument/2006/relationships" xmlns:p="http://schemas.openxmlformats.org/presentationml/2006/main">
+  <p:cSld>
+    <p:spTree>
+      <p:nvGrpSpPr>
+        <p:cNvPr id="1" name=""/>
+        <p:cNvGrpSpPr/>
+        <p:nvPr/>
+      </p:nvGrpSpPr>
+      <p:grpSpPr>
+        <a:xfrm>
+          <a:off x="0" y="0"/>
+          <a:ext cx="0" cy="0"/>
+          <a:chOff x="0" y="0"/>
+          <a:chExt cx="0" cy="0"/>
+        </a:xfrm>
+      </p:grpSpPr>
+      <p:sp>
+        <p:nvSpPr>
+          <p:cNvPr id="2" name="Title 1"/>
+          <p:cNvSpPr>
+            <a:spLocks noGrp="1"/>
+          </p:cNvSpPr>
+          <p:nvPr>
+            <p:ph type="title"/>
+          </p:nvPr>
+        </p:nvSpPr>
+        <p:spPr/>
+        <p:txBody>
+          <a:bodyPr/>
+          <a:lstStyle/>
+          <a:p>
+            <a:r>
+              <a:rPr lang="fr-FR" dirty="0" err="1" smtClean="0"/>
+              <a:t>Thanks</a:t>
+            </a:r>
+            <a:r>
+              <a:rPr lang="fr-FR" dirty="0" smtClean="0"/>
+              <a:t> for </a:t>
+            </a:r>
+            <a:r>
+              <a:rPr lang="fr-FR" dirty="0" err="1" smtClean="0"/>
+              <a:t>attending</a:t>
+            </a:r>
+            <a:r>
+              <a:rPr lang="fr-FR" dirty="0" smtClean="0"/>
+              <a:t> !</a:t>
+            </a:r>
+            <a:endParaRPr lang="en-US" dirty="0"/>
+          </a:p>
+        </p:txBody>
+      </p:sp>
+      <p:sp>
+        <p:nvSpPr>
+          <p:cNvPr id="3" name="Text Placeholder 2"/>
+          <p:cNvSpPr>
+            <a:spLocks noGrp="1"/>
+          </p:cNvSpPr>
+          <p:nvPr>
+            <p:ph type="body" idx="1"/>
+          </p:nvPr>
+        </p:nvSpPr>
+        <p:spPr/>
+        <p:txBody>
+          <a:bodyPr/>
+          <a:lstStyle/>
+          <a:p>
+            <a:r>
+              <a:rPr lang="fr-FR" dirty="0" smtClean="0"/>
+              <a:t>Contact : @</a:t>
+            </a:r>
+            <a:r>
+              <a:rPr lang="fr-FR" dirty="0" err="1" smtClean="0"/>
+              <a:t>tsimbalar</a:t>
+            </a:r>
+            <a:endParaRPr lang="en-US" dirty="0"/>
+          </a:p>
+        </p:txBody>
+      </p:sp>
+    </p:spTree>
+    <p:extLst>
+      <p:ext uri="{BB962C8B-B14F-4D97-AF65-F5344CB8AC3E}">
+        <p14:creationId xmlns:p14="http://schemas.microsoft.com/office/powerpoint/2010/main" val="1114269859"/>
+      </p:ext>
+    </p:extLst>
+  </p:cSld>
+  <p:clrMapOvr>
+    <a:masterClrMapping/>
+  </p:clrMapOvr>
+  <p:timing>
+    <p:tnLst>
+      <p:par>
+        <p:cTn id="1" dur="indefinite" restart="never" nodeType="tmRoot"/>
+      </p:par>
+    </p:tnLst>
+  </p:timing>
+</p:sld>
+</file>
+
+<file path=ppt/slides/slide48.xml><?xml version="1.0" encoding="utf-8"?>
+<p:sld xmlns:a="http://schemas.openxmlformats.org/drawingml/2006/main" xmlns:r="http://schemas.openxmlformats.org/officeDocument/2006/relationships" xmlns:p="http://schemas.openxmlformats.org/presentationml/2006/main">
+  <p:cSld>
+    <p:spTree>
+      <p:nvGrpSpPr>
+        <p:cNvPr id="1" name=""/>
+        <p:cNvGrpSpPr/>
+        <p:nvPr/>
+      </p:nvGrpSpPr>
+      <p:grpSpPr>
+        <a:xfrm>
+          <a:off x="0" y="0"/>
+          <a:ext cx="0" cy="0"/>
+          <a:chOff x="0" y="0"/>
+          <a:chExt cx="0" cy="0"/>
+        </a:xfrm>
+      </p:grpSpPr>
+      <p:sp>
+        <p:nvSpPr>
           <p:cNvPr id="4" name="Title 3"/>
           <p:cNvSpPr>
             <a:spLocks noGrp="1"/>
@@ -43682,7 +47994,7 @@
 </p:sld>
 </file>
 
-<file path=ppt/slides/slide46.xml><?xml version="1.0" encoding="utf-8"?>
+<file path=ppt/slides/slide49.xml><?xml version="1.0" encoding="utf-8"?>
 <p:sld xmlns:a="http://schemas.openxmlformats.org/drawingml/2006/main" xmlns:r="http://schemas.openxmlformats.org/officeDocument/2006/relationships" xmlns:p="http://schemas.openxmlformats.org/presentationml/2006/main">
   <p:cSld>
     <p:spTree>

--- a/Dependency Injection - the right way.pptx
+++ b/Dependency Injection - the right way.pptx
@@ -5,7 +5,7 @@
     <p:sldMasterId id="2147483648" r:id="rId1"/>
   </p:sldMasterIdLst>
   <p:notesMasterIdLst>
-    <p:notesMasterId r:id="rId51"/>
+    <p:notesMasterId r:id="rId50"/>
   </p:notesMasterIdLst>
   <p:sldIdLst>
     <p:sldId id="258" r:id="rId2"/>
@@ -16,47 +16,46 @@
     <p:sldId id="280" r:id="rId7"/>
     <p:sldId id="261" r:id="rId8"/>
     <p:sldId id="282" r:id="rId9"/>
-    <p:sldId id="262" r:id="rId10"/>
-    <p:sldId id="283" r:id="rId11"/>
-    <p:sldId id="263" r:id="rId12"/>
-    <p:sldId id="264" r:id="rId13"/>
-    <p:sldId id="284" r:id="rId14"/>
-    <p:sldId id="265" r:id="rId15"/>
-    <p:sldId id="286" r:id="rId16"/>
-    <p:sldId id="285" r:id="rId17"/>
-    <p:sldId id="287" r:id="rId18"/>
-    <p:sldId id="266" r:id="rId19"/>
-    <p:sldId id="267" r:id="rId20"/>
-    <p:sldId id="288" r:id="rId21"/>
-    <p:sldId id="289" r:id="rId22"/>
-    <p:sldId id="268" r:id="rId23"/>
-    <p:sldId id="291" r:id="rId24"/>
-    <p:sldId id="269" r:id="rId25"/>
-    <p:sldId id="292" r:id="rId26"/>
-    <p:sldId id="293" r:id="rId27"/>
-    <p:sldId id="294" r:id="rId28"/>
-    <p:sldId id="295" r:id="rId29"/>
-    <p:sldId id="296" r:id="rId30"/>
-    <p:sldId id="271" r:id="rId31"/>
-    <p:sldId id="297" r:id="rId32"/>
-    <p:sldId id="301" r:id="rId33"/>
-    <p:sldId id="299" r:id="rId34"/>
-    <p:sldId id="300" r:id="rId35"/>
-    <p:sldId id="298" r:id="rId36"/>
-    <p:sldId id="302" r:id="rId37"/>
-    <p:sldId id="273" r:id="rId38"/>
-    <p:sldId id="304" r:id="rId39"/>
-    <p:sldId id="275" r:id="rId40"/>
-    <p:sldId id="276" r:id="rId41"/>
-    <p:sldId id="277" r:id="rId42"/>
-    <p:sldId id="305" r:id="rId43"/>
-    <p:sldId id="278" r:id="rId44"/>
-    <p:sldId id="279" r:id="rId45"/>
-    <p:sldId id="259" r:id="rId46"/>
-    <p:sldId id="306" r:id="rId47"/>
-    <p:sldId id="307" r:id="rId48"/>
-    <p:sldId id="303" r:id="rId49"/>
-    <p:sldId id="274" r:id="rId50"/>
+    <p:sldId id="283" r:id="rId10"/>
+    <p:sldId id="263" r:id="rId11"/>
+    <p:sldId id="264" r:id="rId12"/>
+    <p:sldId id="284" r:id="rId13"/>
+    <p:sldId id="265" r:id="rId14"/>
+    <p:sldId id="286" r:id="rId15"/>
+    <p:sldId id="285" r:id="rId16"/>
+    <p:sldId id="287" r:id="rId17"/>
+    <p:sldId id="266" r:id="rId18"/>
+    <p:sldId id="267" r:id="rId19"/>
+    <p:sldId id="288" r:id="rId20"/>
+    <p:sldId id="289" r:id="rId21"/>
+    <p:sldId id="268" r:id="rId22"/>
+    <p:sldId id="291" r:id="rId23"/>
+    <p:sldId id="269" r:id="rId24"/>
+    <p:sldId id="292" r:id="rId25"/>
+    <p:sldId id="293" r:id="rId26"/>
+    <p:sldId id="294" r:id="rId27"/>
+    <p:sldId id="295" r:id="rId28"/>
+    <p:sldId id="296" r:id="rId29"/>
+    <p:sldId id="271" r:id="rId30"/>
+    <p:sldId id="297" r:id="rId31"/>
+    <p:sldId id="301" r:id="rId32"/>
+    <p:sldId id="299" r:id="rId33"/>
+    <p:sldId id="300" r:id="rId34"/>
+    <p:sldId id="298" r:id="rId35"/>
+    <p:sldId id="302" r:id="rId36"/>
+    <p:sldId id="273" r:id="rId37"/>
+    <p:sldId id="304" r:id="rId38"/>
+    <p:sldId id="275" r:id="rId39"/>
+    <p:sldId id="276" r:id="rId40"/>
+    <p:sldId id="277" r:id="rId41"/>
+    <p:sldId id="305" r:id="rId42"/>
+    <p:sldId id="278" r:id="rId43"/>
+    <p:sldId id="279" r:id="rId44"/>
+    <p:sldId id="259" r:id="rId45"/>
+    <p:sldId id="306" r:id="rId46"/>
+    <p:sldId id="307" r:id="rId47"/>
+    <p:sldId id="303" r:id="rId48"/>
+    <p:sldId id="274" r:id="rId49"/>
   </p:sldIdLst>
   <p:sldSz cx="9144000" cy="6858000" type="screen4x3"/>
   <p:notesSz cx="6858000" cy="9144000"/>
@@ -172,7 +171,6 @@
             <p14:sldId id="280"/>
             <p14:sldId id="261"/>
             <p14:sldId id="282"/>
-            <p14:sldId id="262"/>
             <p14:sldId id="283"/>
             <p14:sldId id="263"/>
             <p14:sldId id="264"/>
@@ -307,7 +305,7 @@
           <a:p>
             <a:fld id="{6A832646-E780-4C51-894A-E10A6307E83D}" type="datetimeFigureOut">
               <a:rPr lang="en-US" smtClean="0"/>
-              <a:t>10/20/2014</a:t>
+              <a:t>10/21/2014</a:t>
             </a:fld>
             <a:endParaRPr lang="en-US"/>
           </a:p>
@@ -704,79 +702,40 @@
           <a:lstStyle/>
           <a:p>
             <a:r>
-              <a:rPr lang="en-US" dirty="0" smtClean="0"/>
-              <a:t>Interface of abstract class ….</a:t>
-            </a:r>
-          </a:p>
-          <a:p>
-            <a:endParaRPr lang="fr-FR" dirty="0" smtClean="0"/>
-          </a:p>
-          <a:p>
-            <a:r>
-              <a:rPr lang="fr-FR" dirty="0" smtClean="0"/>
-              <a:t>I </a:t>
-            </a:r>
-            <a:r>
               <a:rPr lang="fr-FR" dirty="0" err="1" smtClean="0"/>
-              <a:t>can’t</a:t>
-            </a:r>
-            <a:r>
-              <a:rPr lang="fr-FR" dirty="0" smtClean="0"/>
-              <a:t> do new I….. </a:t>
-            </a:r>
-          </a:p>
-          <a:p>
-            <a:r>
-              <a:rPr lang="fr-FR" dirty="0" smtClean="0"/>
-              <a:t>The </a:t>
-            </a:r>
-            <a:r>
-              <a:rPr lang="fr-FR" dirty="0" err="1" smtClean="0"/>
-              <a:t>closest</a:t>
-            </a:r>
-            <a:r>
-              <a:rPr lang="fr-FR" dirty="0" smtClean="0"/>
+              <a:t>Used</a:t>
+            </a:r>
+            <a:r>
+              <a:rPr lang="fr-FR" baseline="0" dirty="0" smtClean="0"/>
+              <a:t> in default Visual Studio Template for MVC </a:t>
+            </a:r>
+            <a:r>
+              <a:rPr lang="fr-FR" baseline="0" dirty="0" err="1" smtClean="0"/>
+              <a:t>apps</a:t>
+            </a:r>
+            <a:r>
+              <a:rPr lang="fr-FR" baseline="0" dirty="0" smtClean="0"/>
               <a:t> </a:t>
             </a:r>
             <a:r>
-              <a:rPr lang="fr-FR" dirty="0" err="1" smtClean="0"/>
-              <a:t>we</a:t>
-            </a:r>
-            <a:r>
-              <a:rPr lang="fr-FR" dirty="0" smtClean="0"/>
-              <a:t> </a:t>
-            </a:r>
-            <a:r>
-              <a:rPr lang="fr-FR" dirty="0" err="1" smtClean="0"/>
-              <a:t>can</a:t>
-            </a:r>
-            <a:r>
-              <a:rPr lang="fr-FR" dirty="0" smtClean="0"/>
-              <a:t> </a:t>
-            </a:r>
-            <a:r>
-              <a:rPr lang="fr-FR" dirty="0" err="1" smtClean="0"/>
-              <a:t>get</a:t>
-            </a:r>
-            <a:r>
-              <a:rPr lang="fr-FR" dirty="0" smtClean="0"/>
-              <a:t> </a:t>
-            </a:r>
-            <a:r>
-              <a:rPr lang="fr-FR" dirty="0" err="1" smtClean="0"/>
-              <a:t>is</a:t>
-            </a:r>
-            <a:r>
-              <a:rPr lang="fr-FR" dirty="0" smtClean="0"/>
-              <a:t> </a:t>
-            </a:r>
-            <a:r>
-              <a:rPr lang="fr-FR" dirty="0" err="1" smtClean="0"/>
-              <a:t>this</a:t>
-            </a:r>
-            <a:r>
-              <a:rPr lang="fr-FR" dirty="0" smtClean="0"/>
-              <a:t> ….</a:t>
+              <a:rPr lang="fr-FR" baseline="0" dirty="0" err="1" smtClean="0"/>
+              <a:t>until</a:t>
+            </a:r>
+            <a:r>
+              <a:rPr lang="fr-FR" baseline="0" dirty="0" smtClean="0"/>
+              <a:t> not </a:t>
+            </a:r>
+            <a:r>
+              <a:rPr lang="fr-FR" baseline="0" dirty="0" err="1" smtClean="0"/>
+              <a:t>so</a:t>
+            </a:r>
+            <a:r>
+              <a:rPr lang="fr-FR" baseline="0" dirty="0" smtClean="0"/>
+              <a:t> long </a:t>
+            </a:r>
+            <a:r>
+              <a:rPr lang="fr-FR" baseline="0" dirty="0" err="1" smtClean="0"/>
+              <a:t>ago</a:t>
             </a:r>
             <a:endParaRPr lang="en-US" dirty="0"/>
           </a:p>
@@ -799,7 +758,7 @@
           <a:p>
             <a:fld id="{33F0961A-48D7-4871-86EB-F9831811C96F}" type="slidenum">
               <a:rPr lang="en-US" smtClean="0"/>
-              <a:t>20</a:t>
+              <a:t>22</a:t>
             </a:fld>
             <a:endParaRPr lang="en-US"/>
           </a:p>
@@ -808,7 +767,7 @@
     </p:spTree>
     <p:extLst>
       <p:ext uri="{BB962C8B-B14F-4D97-AF65-F5344CB8AC3E}">
-        <p14:creationId xmlns:p14="http://schemas.microsoft.com/office/powerpoint/2010/main" val="1594396032"/>
+        <p14:creationId xmlns:p14="http://schemas.microsoft.com/office/powerpoint/2010/main" val="1926364492"/>
       </p:ext>
     </p:extLst>
   </p:cSld>
@@ -863,40 +822,26 @@
           <a:lstStyle/>
           <a:p>
             <a:r>
-              <a:rPr lang="fr-FR" dirty="0" err="1" smtClean="0"/>
-              <a:t>Used</a:t>
-            </a:r>
-            <a:r>
-              <a:rPr lang="fr-FR" baseline="0" dirty="0" smtClean="0"/>
-              <a:t> in default Visual Studio Template for MVC </a:t>
-            </a:r>
-            <a:r>
-              <a:rPr lang="fr-FR" baseline="0" dirty="0" err="1" smtClean="0"/>
-              <a:t>apps</a:t>
-            </a:r>
-            <a:r>
-              <a:rPr lang="fr-FR" baseline="0" dirty="0" smtClean="0"/>
-              <a:t> </a:t>
-            </a:r>
-            <a:r>
-              <a:rPr lang="fr-FR" baseline="0" dirty="0" err="1" smtClean="0"/>
-              <a:t>until</a:t>
-            </a:r>
-            <a:r>
-              <a:rPr lang="fr-FR" baseline="0" dirty="0" smtClean="0"/>
-              <a:t> not </a:t>
-            </a:r>
-            <a:r>
-              <a:rPr lang="fr-FR" baseline="0" dirty="0" err="1" smtClean="0"/>
-              <a:t>so</a:t>
-            </a:r>
-            <a:r>
-              <a:rPr lang="fr-FR" baseline="0" dirty="0" smtClean="0"/>
-              <a:t> long </a:t>
-            </a:r>
-            <a:r>
-              <a:rPr lang="fr-FR" baseline="0" dirty="0" err="1" smtClean="0"/>
-              <a:t>ago</a:t>
+              <a:rPr lang="en-US" dirty="0" smtClean="0"/>
+              <a:t>Comment</a:t>
+            </a:r>
+            <a:r>
+              <a:rPr lang="en-US" baseline="0" dirty="0" smtClean="0"/>
+              <a:t> about moving the interface into business</a:t>
+            </a:r>
+          </a:p>
+          <a:p>
+            <a:r>
+              <a:rPr lang="en-US" baseline="0" dirty="0" smtClean="0"/>
+              <a:t>Where to put the interface ? Separate project “Abstractions” ? </a:t>
+            </a:r>
+            <a:r>
+              <a:rPr lang="en-US" baseline="0" dirty="0" err="1" smtClean="0"/>
+              <a:t>The</a:t>
+            </a:r>
+            <a:r>
+              <a:rPr lang="en-US" baseline="0" dirty="0" smtClean="0"/>
+              <a:t> consumer owns the interface</a:t>
             </a:r>
             <a:endParaRPr lang="en-US" dirty="0"/>
           </a:p>
@@ -928,7 +873,7 @@
     </p:spTree>
     <p:extLst>
       <p:ext uri="{BB962C8B-B14F-4D97-AF65-F5344CB8AC3E}">
-        <p14:creationId xmlns:p14="http://schemas.microsoft.com/office/powerpoint/2010/main" val="1926364492"/>
+        <p14:creationId xmlns:p14="http://schemas.microsoft.com/office/powerpoint/2010/main" val="338662702"/>
       </p:ext>
     </p:extLst>
   </p:cSld>
@@ -1047,7 +992,7 @@
           <a:p>
             <a:fld id="{33F0961A-48D7-4871-86EB-F9831811C96F}" type="slidenum">
               <a:rPr lang="en-US" smtClean="0"/>
-              <a:t>25</a:t>
+              <a:t>24</a:t>
             </a:fld>
             <a:endParaRPr lang="en-US"/>
           </a:p>
@@ -1191,7 +1136,7 @@
           <a:p>
             <a:fld id="{33F0961A-48D7-4871-86EB-F9831811C96F}" type="slidenum">
               <a:rPr lang="en-US" smtClean="0"/>
-              <a:t>35</a:t>
+              <a:t>34</a:t>
             </a:fld>
             <a:endParaRPr lang="en-US"/>
           </a:p>
@@ -1275,7 +1220,7 @@
           <a:p>
             <a:fld id="{33F0961A-48D7-4871-86EB-F9831811C96F}" type="slidenum">
               <a:rPr lang="en-US" smtClean="0"/>
-              <a:t>37</a:t>
+              <a:t>36</a:t>
             </a:fld>
             <a:endParaRPr lang="en-US"/>
           </a:p>
@@ -1678,34 +1623,43 @@
           <a:p>
             <a:r>
               <a:rPr lang="en-US" dirty="0" smtClean="0"/>
-              <a:t>Comment : </a:t>
+              <a:t>Let’s see …</a:t>
             </a:r>
           </a:p>
           <a:p>
             <a:r>
               <a:rPr lang="en-US" dirty="0" smtClean="0"/>
-              <a:t>First encounter with need for loosely coupled code</a:t>
+              <a:t>Inside a controller</a:t>
+            </a:r>
+          </a:p>
+          <a:p>
+            <a:r>
+              <a:rPr lang="en-US" dirty="0" smtClean="0"/>
+              <a:t>Creating a </a:t>
+            </a:r>
+            <a:r>
+              <a:rPr lang="en-US" dirty="0" err="1" smtClean="0"/>
+              <a:t>dbcontext</a:t>
+            </a:r>
+            <a:r>
+              <a:rPr lang="en-US" dirty="0" smtClean="0"/>
+              <a:t> (Entity</a:t>
             </a:r>
             <a:r>
               <a:rPr lang="en-US" baseline="0" dirty="0" smtClean="0"/>
-              <a:t> came from unit tests</a:t>
+              <a:t> Framework) … imagine if that was ADO .NET</a:t>
             </a:r>
           </a:p>
           <a:p>
             <a:r>
               <a:rPr lang="en-US" baseline="0" dirty="0" smtClean="0"/>
-              <a:t>Who write unit tests here ? Anybody who writes unit tests first ? </a:t>
-            </a:r>
-            <a:endParaRPr lang="en-US" dirty="0" smtClean="0"/>
-          </a:p>
-          <a:p>
-            <a:r>
-              <a:rPr lang="en-US" dirty="0" smtClean="0"/>
-              <a:t>First encounter where you code MUST</a:t>
-            </a:r>
+              <a:t>Selecting a few things</a:t>
+            </a:r>
+          </a:p>
+          <a:p>
             <a:r>
               <a:rPr lang="en-US" baseline="0" dirty="0" smtClean="0"/>
-              <a:t> BE loosely coupled : unit tests ! Actually consume components out of the scope of the application</a:t>
+              <a:t>Passing it to the view…</a:t>
             </a:r>
           </a:p>
           <a:p>
@@ -1714,9 +1668,41 @@
           <a:p>
             <a:r>
               <a:rPr lang="en-US" baseline="0" dirty="0" smtClean="0"/>
-              <a:t>Tightly coupled code is hard to test or not testable at all … if it’s testable it’s not too tightly coupled</a:t>
-            </a:r>
-            <a:endParaRPr lang="en-US" dirty="0"/>
+              <a:t>Has anybody ever written code like that ?</a:t>
+            </a:r>
+          </a:p>
+          <a:p>
+            <a:endParaRPr lang="en-US" baseline="0" dirty="0" smtClean="0"/>
+          </a:p>
+          <a:p>
+            <a:r>
+              <a:rPr lang="en-US" baseline="0" dirty="0" smtClean="0"/>
+              <a:t>That’s only a read page … imagine action with side effects…</a:t>
+            </a:r>
+          </a:p>
+          <a:p>
+            <a:endParaRPr lang="en-US" baseline="0" dirty="0" smtClean="0"/>
+          </a:p>
+          <a:p>
+            <a:r>
+              <a:rPr lang="en-US" baseline="0" dirty="0" smtClean="0"/>
+              <a:t>Simplified, no error handling whatsoever</a:t>
+            </a:r>
+          </a:p>
+          <a:p>
+            <a:endParaRPr lang="en-US" baseline="0" dirty="0" smtClean="0"/>
+          </a:p>
+          <a:p>
+            <a:r>
+              <a:rPr lang="en-US" baseline="0" dirty="0" smtClean="0"/>
+              <a:t>You may argue that it is loosely coupled … there’s only one class … but what a class !</a:t>
+            </a:r>
+          </a:p>
+          <a:p>
+            <a:endParaRPr lang="en-US" baseline="0" dirty="0" smtClean="0"/>
+          </a:p>
+          <a:p>
+            <a:endParaRPr lang="en-US" baseline="0" dirty="0" smtClean="0"/>
           </a:p>
         </p:txBody>
       </p:sp>
@@ -1737,7 +1723,7 @@
           <a:p>
             <a:fld id="{33F0961A-48D7-4871-86EB-F9831811C96F}" type="slidenum">
               <a:rPr lang="en-US" smtClean="0"/>
-              <a:t>9</a:t>
+              <a:t>11</a:t>
             </a:fld>
             <a:endParaRPr lang="en-US"/>
           </a:p>
@@ -1746,7 +1732,7 @@
     </p:spTree>
     <p:extLst>
       <p:ext uri="{BB962C8B-B14F-4D97-AF65-F5344CB8AC3E}">
-        <p14:creationId xmlns:p14="http://schemas.microsoft.com/office/powerpoint/2010/main" val="421099581"/>
+        <p14:creationId xmlns:p14="http://schemas.microsoft.com/office/powerpoint/2010/main" val="3394803346"/>
       </p:ext>
     </p:extLst>
   </p:cSld>
@@ -1802,86 +1788,19 @@
           <a:p>
             <a:r>
               <a:rPr lang="en-US" dirty="0" smtClean="0"/>
-              <a:t>Let’s see …</a:t>
-            </a:r>
-          </a:p>
-          <a:p>
-            <a:r>
-              <a:rPr lang="en-US" dirty="0" smtClean="0"/>
-              <a:t>Inside a controller</a:t>
-            </a:r>
-          </a:p>
-          <a:p>
-            <a:r>
-              <a:rPr lang="en-US" dirty="0" smtClean="0"/>
-              <a:t>Creating a </a:t>
-            </a:r>
-            <a:r>
-              <a:rPr lang="en-US" dirty="0" err="1" smtClean="0"/>
-              <a:t>dbcontext</a:t>
-            </a:r>
-            <a:r>
-              <a:rPr lang="en-US" dirty="0" smtClean="0"/>
-              <a:t> (Entity</a:t>
+              <a:t>Turned</a:t>
             </a:r>
             <a:r>
               <a:rPr lang="en-US" baseline="0" dirty="0" smtClean="0"/>
-              <a:t> Framework) … imagine if that was ADO .NET</a:t>
-            </a:r>
-          </a:p>
-          <a:p>
-            <a:r>
-              <a:rPr lang="en-US" baseline="0" dirty="0" smtClean="0"/>
-              <a:t>Selecting a few things</a:t>
-            </a:r>
-          </a:p>
-          <a:p>
-            <a:r>
-              <a:rPr lang="en-US" baseline="0" dirty="0" smtClean="0"/>
-              <a:t>Passing it to the view…</a:t>
-            </a:r>
-          </a:p>
-          <a:p>
-            <a:endParaRPr lang="en-US" baseline="0" dirty="0" smtClean="0"/>
-          </a:p>
-          <a:p>
-            <a:r>
-              <a:rPr lang="en-US" baseline="0" dirty="0" smtClean="0"/>
-              <a:t>Has anybody ever written code like that ?</a:t>
-            </a:r>
-          </a:p>
-          <a:p>
-            <a:endParaRPr lang="en-US" baseline="0" dirty="0" smtClean="0"/>
-          </a:p>
-          <a:p>
-            <a:r>
-              <a:rPr lang="en-US" baseline="0" dirty="0" smtClean="0"/>
-              <a:t>That’s only a read page … imagine action with side effects…</a:t>
-            </a:r>
-          </a:p>
-          <a:p>
-            <a:endParaRPr lang="en-US" baseline="0" dirty="0" smtClean="0"/>
-          </a:p>
-          <a:p>
-            <a:r>
-              <a:rPr lang="en-US" baseline="0" dirty="0" smtClean="0"/>
-              <a:t>Simplified, no error handling whatsoever</a:t>
-            </a:r>
-          </a:p>
-          <a:p>
-            <a:endParaRPr lang="en-US" baseline="0" dirty="0" smtClean="0"/>
-          </a:p>
-          <a:p>
-            <a:r>
-              <a:rPr lang="en-US" baseline="0" dirty="0" smtClean="0"/>
-              <a:t>You may argue that it is loosely coupled … there’s only one class … but what a class !</a:t>
-            </a:r>
-          </a:p>
-          <a:p>
-            <a:endParaRPr lang="en-US" baseline="0" dirty="0" smtClean="0"/>
-          </a:p>
-          <a:p>
-            <a:endParaRPr lang="en-US" baseline="0" dirty="0" smtClean="0"/>
+              <a:t> spaghetti into lasagna </a:t>
+            </a:r>
+            <a:r>
+              <a:rPr lang="en-US" baseline="0" dirty="0" smtClean="0">
+                <a:sym typeface="Wingdings" panose="05000000000000000000" pitchFamily="2" charset="2"/>
+              </a:rPr>
+              <a:t></a:t>
+            </a:r>
+            <a:endParaRPr lang="en-US" dirty="0"/>
           </a:p>
         </p:txBody>
       </p:sp>
@@ -1902,7 +1821,7 @@
           <a:p>
             <a:fld id="{33F0961A-48D7-4871-86EB-F9831811C96F}" type="slidenum">
               <a:rPr lang="en-US" smtClean="0"/>
-              <a:t>12</a:t>
+              <a:t>13</a:t>
             </a:fld>
             <a:endParaRPr lang="en-US"/>
           </a:p>
@@ -1911,7 +1830,7 @@
     </p:spTree>
     <p:extLst>
       <p:ext uri="{BB962C8B-B14F-4D97-AF65-F5344CB8AC3E}">
-        <p14:creationId xmlns:p14="http://schemas.microsoft.com/office/powerpoint/2010/main" val="3394803346"/>
+        <p14:creationId xmlns:p14="http://schemas.microsoft.com/office/powerpoint/2010/main" val="1327829723"/>
       </p:ext>
     </p:extLst>
   </p:cSld>
@@ -1967,19 +1886,30 @@
           <a:p>
             <a:r>
               <a:rPr lang="en-US" dirty="0" smtClean="0"/>
-              <a:t>Turned</a:t>
+              <a:t>Business depends on Data</a:t>
             </a:r>
             <a:r>
               <a:rPr lang="en-US" baseline="0" dirty="0" smtClean="0"/>
-              <a:t> spaghetti into lasagna </a:t>
-            </a:r>
-            <a:r>
-              <a:rPr lang="en-US" baseline="0" dirty="0" smtClean="0">
-                <a:sym typeface="Wingdings" panose="05000000000000000000" pitchFamily="2" charset="2"/>
-              </a:rPr>
-              <a:t></a:t>
-            </a:r>
-            <a:endParaRPr lang="en-US" dirty="0"/>
+              <a:t> layer … it should be an implementation detail</a:t>
+            </a:r>
+          </a:p>
+          <a:p>
+            <a:endParaRPr lang="en-US" baseline="0" dirty="0" smtClean="0"/>
+          </a:p>
+          <a:p>
+            <a:r>
+              <a:rPr lang="en-US" baseline="0" dirty="0" smtClean="0"/>
+              <a:t>Presentation depends on Business which depends on Data … which depends on EF … we’ll see that a bit later</a:t>
+            </a:r>
+          </a:p>
+          <a:p>
+            <a:endParaRPr lang="en-US" baseline="0" dirty="0" smtClean="0"/>
+          </a:p>
+          <a:p>
+            <a:r>
+              <a:rPr lang="en-US" baseline="0" dirty="0" smtClean="0"/>
+              <a:t>But mostly about using components in isolation … this is not testable right now</a:t>
+            </a:r>
           </a:p>
         </p:txBody>
       </p:sp>
@@ -2000,7 +1930,7 @@
           <a:p>
             <a:fld id="{33F0961A-48D7-4871-86EB-F9831811C96F}" type="slidenum">
               <a:rPr lang="en-US" smtClean="0"/>
-              <a:t>14</a:t>
+              <a:t>15</a:t>
             </a:fld>
             <a:endParaRPr lang="en-US"/>
           </a:p>
@@ -2009,7 +1939,7 @@
     </p:spTree>
     <p:extLst>
       <p:ext uri="{BB962C8B-B14F-4D97-AF65-F5344CB8AC3E}">
-        <p14:creationId xmlns:p14="http://schemas.microsoft.com/office/powerpoint/2010/main" val="1327829723"/>
+        <p14:creationId xmlns:p14="http://schemas.microsoft.com/office/powerpoint/2010/main" val="2955305723"/>
       </p:ext>
     </p:extLst>
   </p:cSld>
@@ -2063,32 +1993,10 @@
           <a:bodyPr/>
           <a:lstStyle/>
           <a:p>
-            <a:r>
-              <a:rPr lang="en-US" dirty="0" smtClean="0"/>
-              <a:t>Business depends on Data</a:t>
-            </a:r>
-            <a:r>
-              <a:rPr lang="en-US" baseline="0" dirty="0" smtClean="0"/>
-              <a:t> layer … it should be an implementation detail</a:t>
-            </a:r>
-          </a:p>
-          <a:p>
-            <a:endParaRPr lang="en-US" baseline="0" dirty="0" smtClean="0"/>
-          </a:p>
-          <a:p>
-            <a:r>
-              <a:rPr lang="en-US" baseline="0" dirty="0" smtClean="0"/>
-              <a:t>Presentation depends on Business which depends on Data … which depends on EF … we’ll see that a bit later</a:t>
-            </a:r>
-          </a:p>
-          <a:p>
-            <a:endParaRPr lang="en-US" baseline="0" dirty="0" smtClean="0"/>
-          </a:p>
-          <a:p>
-            <a:r>
-              <a:rPr lang="en-US" baseline="0" dirty="0" smtClean="0"/>
-              <a:t>But mostly about using components in isolation … this is not testable right now</a:t>
-            </a:r>
+            <a:endParaRPr lang="en-US" dirty="0" smtClean="0"/>
+          </a:p>
+          <a:p>
+            <a:endParaRPr lang="en-US" dirty="0"/>
           </a:p>
         </p:txBody>
       </p:sp>
@@ -2109,7 +2017,7 @@
           <a:p>
             <a:fld id="{33F0961A-48D7-4871-86EB-F9831811C96F}" type="slidenum">
               <a:rPr lang="en-US" smtClean="0"/>
-              <a:t>16</a:t>
+              <a:t>18</a:t>
             </a:fld>
             <a:endParaRPr lang="en-US"/>
           </a:p>
@@ -2118,7 +2026,7 @@
     </p:spTree>
     <p:extLst>
       <p:ext uri="{BB962C8B-B14F-4D97-AF65-F5344CB8AC3E}">
-        <p14:creationId xmlns:p14="http://schemas.microsoft.com/office/powerpoint/2010/main" val="2955305723"/>
+        <p14:creationId xmlns:p14="http://schemas.microsoft.com/office/powerpoint/2010/main" val="914723511"/>
       </p:ext>
     </p:extLst>
   </p:cSld>
@@ -2174,10 +2082,92 @@
           <a:p>
             <a:r>
               <a:rPr lang="en-US" dirty="0" smtClean="0"/>
+              <a:t>Interface of abstract class ….</a:t>
+            </a:r>
+          </a:p>
+          <a:p>
+            <a:endParaRPr lang="fr-FR" dirty="0" smtClean="0"/>
+          </a:p>
+          <a:p>
+            <a:r>
+              <a:rPr lang="fr-FR" dirty="0" smtClean="0"/>
+              <a:t>I </a:t>
+            </a:r>
+            <a:r>
+              <a:rPr lang="fr-FR" dirty="0" err="1" smtClean="0"/>
+              <a:t>can’t</a:t>
+            </a:r>
+            <a:r>
+              <a:rPr lang="fr-FR" dirty="0" smtClean="0"/>
+              <a:t> do new I….. </a:t>
+            </a:r>
+          </a:p>
+          <a:p>
+            <a:r>
+              <a:rPr lang="fr-FR" dirty="0" smtClean="0"/>
+              <a:t>The </a:t>
+            </a:r>
+            <a:r>
+              <a:rPr lang="fr-FR" dirty="0" err="1" smtClean="0"/>
+              <a:t>closest</a:t>
+            </a:r>
+            <a:r>
+              <a:rPr lang="fr-FR" dirty="0" smtClean="0"/>
+              <a:t> </a:t>
+            </a:r>
+            <a:r>
+              <a:rPr lang="fr-FR" dirty="0" err="1" smtClean="0"/>
+              <a:t>we</a:t>
+            </a:r>
+            <a:r>
+              <a:rPr lang="fr-FR" dirty="0" smtClean="0"/>
+              <a:t> </a:t>
+            </a:r>
+            <a:r>
+              <a:rPr lang="fr-FR" dirty="0" err="1" smtClean="0"/>
+              <a:t>can</a:t>
+            </a:r>
+            <a:r>
+              <a:rPr lang="fr-FR" dirty="0" smtClean="0"/>
+              <a:t> </a:t>
+            </a:r>
+            <a:r>
+              <a:rPr lang="fr-FR" dirty="0" err="1" smtClean="0"/>
+              <a:t>get</a:t>
+            </a:r>
+            <a:r>
+              <a:rPr lang="fr-FR" dirty="0" smtClean="0"/>
+              <a:t> </a:t>
+            </a:r>
+            <a:r>
+              <a:rPr lang="fr-FR" dirty="0" err="1" smtClean="0"/>
+              <a:t>is</a:t>
+            </a:r>
+            <a:r>
+              <a:rPr lang="fr-FR" dirty="0" smtClean="0"/>
+              <a:t> </a:t>
+            </a:r>
+            <a:r>
+              <a:rPr lang="fr-FR" dirty="0" err="1" smtClean="0"/>
+              <a:t>this</a:t>
+            </a:r>
+            <a:r>
+              <a:rPr lang="fr-FR" dirty="0" smtClean="0"/>
+              <a:t> </a:t>
+            </a:r>
+            <a:r>
+              <a:rPr lang="fr-FR" dirty="0" smtClean="0"/>
+              <a:t>….</a:t>
+            </a:r>
+          </a:p>
+          <a:p>
+            <a:endParaRPr lang="fr-FR" dirty="0" smtClean="0"/>
+          </a:p>
+          <a:p>
+            <a:r>
+              <a:rPr lang="en-US" dirty="0" smtClean="0"/>
               <a:t>Note that even though we introduced interfaces, we still have a hard reference between all projects</a:t>
             </a:r>
-          </a:p>
-          <a:p>
             <a:endParaRPr lang="en-US" dirty="0"/>
           </a:p>
         </p:txBody>
@@ -2208,7 +2198,7 @@
     </p:spTree>
     <p:extLst>
       <p:ext uri="{BB962C8B-B14F-4D97-AF65-F5344CB8AC3E}">
-        <p14:creationId xmlns:p14="http://schemas.microsoft.com/office/powerpoint/2010/main" val="914723511"/>
+        <p14:creationId xmlns:p14="http://schemas.microsoft.com/office/powerpoint/2010/main" val="1594396032"/>
       </p:ext>
     </p:extLst>
   </p:cSld>
@@ -2399,7 +2389,7 @@
           <a:p>
             <a:fld id="{3206313D-9189-437E-85E6-0FAD01F6BF8A}" type="datetimeFigureOut">
               <a:rPr lang="en-US" smtClean="0"/>
-              <a:t>10/20/2014</a:t>
+              <a:t>10/21/2014</a:t>
             </a:fld>
             <a:endParaRPr lang="en-US"/>
           </a:p>
@@ -2576,7 +2566,7 @@
           <a:p>
             <a:fld id="{3206313D-9189-437E-85E6-0FAD01F6BF8A}" type="datetimeFigureOut">
               <a:rPr lang="en-US" smtClean="0"/>
-              <a:t>10/20/2014</a:t>
+              <a:t>10/21/2014</a:t>
             </a:fld>
             <a:endParaRPr lang="en-US"/>
           </a:p>
@@ -2756,7 +2746,7 @@
           <a:p>
             <a:fld id="{3206313D-9189-437E-85E6-0FAD01F6BF8A}" type="datetimeFigureOut">
               <a:rPr lang="en-US" smtClean="0"/>
-              <a:t>10/20/2014</a:t>
+              <a:t>10/21/2014</a:t>
             </a:fld>
             <a:endParaRPr lang="en-US"/>
           </a:p>
@@ -2926,7 +2916,7 @@
           <a:p>
             <a:fld id="{3206313D-9189-437E-85E6-0FAD01F6BF8A}" type="datetimeFigureOut">
               <a:rPr lang="en-US" smtClean="0"/>
-              <a:t>10/20/2014</a:t>
+              <a:t>10/21/2014</a:t>
             </a:fld>
             <a:endParaRPr lang="en-US"/>
           </a:p>
@@ -3536,7 +3526,7 @@
           <a:p>
             <a:fld id="{3206313D-9189-437E-85E6-0FAD01F6BF8A}" type="datetimeFigureOut">
               <a:rPr lang="en-US" smtClean="0"/>
-              <a:t>10/20/2014</a:t>
+              <a:t>10/21/2014</a:t>
             </a:fld>
             <a:endParaRPr lang="en-US"/>
           </a:p>
@@ -3824,7 +3814,7 @@
           <a:p>
             <a:fld id="{3206313D-9189-437E-85E6-0FAD01F6BF8A}" type="datetimeFigureOut">
               <a:rPr lang="en-US" smtClean="0"/>
-              <a:t>10/20/2014</a:t>
+              <a:t>10/21/2014</a:t>
             </a:fld>
             <a:endParaRPr lang="en-US"/>
           </a:p>
@@ -4942,7 +4932,7 @@
           <a:p>
             <a:fld id="{3206313D-9189-437E-85E6-0FAD01F6BF8A}" type="datetimeFigureOut">
               <a:rPr lang="en-US" smtClean="0"/>
-              <a:t>10/20/2014</a:t>
+              <a:t>10/21/2014</a:t>
             </a:fld>
             <a:endParaRPr lang="en-US"/>
           </a:p>
@@ -5060,7 +5050,7 @@
           <a:p>
             <a:fld id="{3206313D-9189-437E-85E6-0FAD01F6BF8A}" type="datetimeFigureOut">
               <a:rPr lang="en-US" smtClean="0"/>
-              <a:t>10/20/2014</a:t>
+              <a:t>10/21/2014</a:t>
             </a:fld>
             <a:endParaRPr lang="en-US"/>
           </a:p>
@@ -5155,7 +5145,7 @@
           <a:p>
             <a:fld id="{3206313D-9189-437E-85E6-0FAD01F6BF8A}" type="datetimeFigureOut">
               <a:rPr lang="en-US" smtClean="0"/>
-              <a:t>10/20/2014</a:t>
+              <a:t>10/21/2014</a:t>
             </a:fld>
             <a:endParaRPr lang="en-US"/>
           </a:p>
@@ -5432,7 +5422,7 @@
           <a:p>
             <a:fld id="{3206313D-9189-437E-85E6-0FAD01F6BF8A}" type="datetimeFigureOut">
               <a:rPr lang="en-US" smtClean="0"/>
-              <a:t>10/20/2014</a:t>
+              <a:t>10/21/2014</a:t>
             </a:fld>
             <a:endParaRPr lang="en-US"/>
           </a:p>
@@ -5685,7 +5675,7 @@
           <a:p>
             <a:fld id="{3206313D-9189-437E-85E6-0FAD01F6BF8A}" type="datetimeFigureOut">
               <a:rPr lang="en-US" smtClean="0"/>
-              <a:t>10/20/2014</a:t>
+              <a:t>10/21/2014</a:t>
             </a:fld>
             <a:endParaRPr lang="en-US"/>
           </a:p>
@@ -5898,7 +5888,7 @@
           <a:p>
             <a:fld id="{3206313D-9189-437E-85E6-0FAD01F6BF8A}" type="datetimeFigureOut">
               <a:rPr lang="en-US" smtClean="0"/>
-              <a:t>10/20/2014</a:t>
+              <a:t>10/21/2014</a:t>
             </a:fld>
             <a:endParaRPr lang="en-US"/>
           </a:p>
@@ -6467,89 +6457,6 @@
 </file>
 
 <file path=ppt/slides/slide10.xml><?xml version="1.0" encoding="utf-8"?>
-<p:sld xmlns:a="http://schemas.openxmlformats.org/drawingml/2006/main" xmlns:r="http://schemas.openxmlformats.org/officeDocument/2006/relationships" xmlns:p="http://schemas.openxmlformats.org/presentationml/2006/main">
-  <p:cSld>
-    <p:spTree>
-      <p:nvGrpSpPr>
-        <p:cNvPr id="1" name=""/>
-        <p:cNvGrpSpPr/>
-        <p:nvPr/>
-      </p:nvGrpSpPr>
-      <p:grpSpPr>
-        <a:xfrm>
-          <a:off x="0" y="0"/>
-          <a:ext cx="0" cy="0"/>
-          <a:chOff x="0" y="0"/>
-          <a:chExt cx="0" cy="0"/>
-        </a:xfrm>
-      </p:grpSpPr>
-      <p:sp>
-        <p:nvSpPr>
-          <p:cNvPr id="2" name="Title 1"/>
-          <p:cNvSpPr>
-            <a:spLocks noGrp="1"/>
-          </p:cNvSpPr>
-          <p:nvPr>
-            <p:ph type="title"/>
-          </p:nvPr>
-        </p:nvSpPr>
-        <p:spPr/>
-        <p:txBody>
-          <a:bodyPr/>
-          <a:lstStyle/>
-          <a:p>
-            <a:r>
-              <a:rPr lang="en-US" dirty="0" smtClean="0"/>
-              <a:t>From Tightly to Loosely Coupled</a:t>
-            </a:r>
-            <a:endParaRPr lang="en-US" dirty="0"/>
-          </a:p>
-        </p:txBody>
-      </p:sp>
-      <p:sp>
-        <p:nvSpPr>
-          <p:cNvPr id="3" name="Text Placeholder 2"/>
-          <p:cNvSpPr>
-            <a:spLocks noGrp="1"/>
-          </p:cNvSpPr>
-          <p:nvPr>
-            <p:ph type="body" idx="1"/>
-          </p:nvPr>
-        </p:nvSpPr>
-        <p:spPr/>
-        <p:txBody>
-          <a:bodyPr/>
-          <a:lstStyle/>
-          <a:p>
-            <a:r>
-              <a:rPr lang="en-US" dirty="0" smtClean="0"/>
-              <a:t>Show me the code !</a:t>
-            </a:r>
-            <a:endParaRPr lang="en-US" dirty="0"/>
-          </a:p>
-        </p:txBody>
-      </p:sp>
-    </p:spTree>
-    <p:extLst>
-      <p:ext uri="{BB962C8B-B14F-4D97-AF65-F5344CB8AC3E}">
-        <p14:creationId xmlns:p14="http://schemas.microsoft.com/office/powerpoint/2010/main" val="2941395999"/>
-      </p:ext>
-    </p:extLst>
-  </p:cSld>
-  <p:clrMapOvr>
-    <a:masterClrMapping/>
-  </p:clrMapOvr>
-  <p:timing>
-    <p:tnLst>
-      <p:par>
-        <p:cTn id="1" dur="indefinite" restart="never" nodeType="tmRoot"/>
-      </p:par>
-    </p:tnLst>
-  </p:timing>
-</p:sld>
-</file>
-
-<file path=ppt/slides/slide11.xml><?xml version="1.0" encoding="utf-8"?>
 <p:sld xmlns:a="http://schemas.openxmlformats.org/drawingml/2006/main" xmlns:r="http://schemas.openxmlformats.org/officeDocument/2006/relationships" xmlns:p="http://schemas.openxmlformats.org/presentationml/2006/main" showMasterPhAnim="0">
   <p:cSld>
     <p:spTree>
@@ -6620,11 +6527,7 @@
             <a:pPr lvl="1"/>
             <a:r>
               <a:rPr lang="en-US" sz="2400" dirty="0" smtClean="0"/>
-              <a:t>User </a:t>
-            </a:r>
-            <a:r>
-              <a:rPr lang="en-US" sz="2400" dirty="0" smtClean="0"/>
-              <a:t>can list his accounts</a:t>
+              <a:t>User can list his accounts</a:t>
             </a:r>
           </a:p>
           <a:p>
@@ -6638,11 +6541,7 @@
             <a:pPr lvl="1"/>
             <a:r>
               <a:rPr lang="en-US" sz="2400" dirty="0" smtClean="0"/>
-              <a:t>User can transfer money from an account to the </a:t>
-            </a:r>
-            <a:r>
-              <a:rPr lang="en-US" sz="2400" dirty="0" smtClean="0"/>
-              <a:t>other</a:t>
+              <a:t>User can transfer money from an account to the other</a:t>
             </a:r>
           </a:p>
           <a:p>
@@ -6668,7 +6567,6 @@
               <a:rPr lang="en-US" sz="2400" dirty="0" smtClean="0"/>
               <a:t>Relational database</a:t>
             </a:r>
-            <a:endParaRPr lang="en-US" sz="2400" dirty="0" smtClean="0"/>
           </a:p>
         </p:txBody>
       </p:sp>
@@ -7125,7 +7023,7 @@
 </p:sld>
 </file>
 
-<file path=ppt/slides/slide12.xml><?xml version="1.0" encoding="utf-8"?>
+<file path=ppt/slides/slide11.xml><?xml version="1.0" encoding="utf-8"?>
 <p:sld xmlns:a="http://schemas.openxmlformats.org/drawingml/2006/main" xmlns:r="http://schemas.openxmlformats.org/officeDocument/2006/relationships" xmlns:p="http://schemas.openxmlformats.org/presentationml/2006/main">
   <p:cSld>
     <p:spTree>
@@ -10325,7 +10223,7 @@
 </p:sld>
 </file>
 
-<file path=ppt/slides/slide13.xml><?xml version="1.0" encoding="utf-8"?>
+<file path=ppt/slides/slide12.xml><?xml version="1.0" encoding="utf-8"?>
 <p:sld xmlns:a="http://schemas.openxmlformats.org/drawingml/2006/main" xmlns:r="http://schemas.openxmlformats.org/officeDocument/2006/relationships" xmlns:p="http://schemas.openxmlformats.org/presentationml/2006/main">
   <p:cSld>
     <p:spTree>
@@ -10426,7 +10324,7 @@
 </p:sld>
 </file>
 
-<file path=ppt/slides/slide14.xml><?xml version="1.0" encoding="utf-8"?>
+<file path=ppt/slides/slide13.xml><?xml version="1.0" encoding="utf-8"?>
 <p:sld xmlns:a="http://schemas.openxmlformats.org/drawingml/2006/main" xmlns:r="http://schemas.openxmlformats.org/officeDocument/2006/relationships" xmlns:p="http://schemas.openxmlformats.org/presentationml/2006/main">
   <p:cSld>
     <p:spTree>
@@ -10462,15 +10360,7 @@
           <a:p>
             <a:r>
               <a:rPr lang="en-US" dirty="0" smtClean="0"/>
-              <a:t>Separation </a:t>
-            </a:r>
-            <a:r>
-              <a:rPr lang="en-US" dirty="0" smtClean="0"/>
-              <a:t>of </a:t>
-            </a:r>
-            <a:r>
-              <a:rPr lang="en-US" dirty="0" smtClean="0"/>
-              <a:t>Concerns</a:t>
+              <a:t>Separation of Concerns</a:t>
             </a:r>
             <a:endParaRPr lang="en-US" dirty="0"/>
           </a:p>
@@ -10511,13 +10401,15 @@
               <a:rPr lang="en-US" dirty="0" smtClean="0"/>
               <a:t>Business</a:t>
             </a:r>
+            <a:endParaRPr lang="en-US" dirty="0" smtClean="0"/>
           </a:p>
           <a:p>
             <a:pPr lvl="1"/>
             <a:r>
               <a:rPr lang="en-US" dirty="0" smtClean="0"/>
-              <a:t>Data-access</a:t>
-            </a:r>
+              <a:t>Data-access (Repository)</a:t>
+            </a:r>
+            <a:endParaRPr lang="en-US" dirty="0" smtClean="0"/>
           </a:p>
           <a:p>
             <a:r>
@@ -10571,7 +10463,7 @@
 </p:sld>
 </file>
 
-<file path=ppt/slides/slide15.xml><?xml version="1.0" encoding="utf-8"?>
+<file path=ppt/slides/slide14.xml><?xml version="1.0" encoding="utf-8"?>
 <p:sld xmlns:a="http://schemas.openxmlformats.org/drawingml/2006/main" xmlns:r="http://schemas.openxmlformats.org/officeDocument/2006/relationships" xmlns:p="http://schemas.openxmlformats.org/presentationml/2006/main">
   <p:cSld>
     <p:spTree>
@@ -15969,7 +15861,7 @@
 </p:sld>
 </file>
 
-<file path=ppt/slides/slide16.xml><?xml version="1.0" encoding="utf-8"?>
+<file path=ppt/slides/slide15.xml><?xml version="1.0" encoding="utf-8"?>
 <p:sld xmlns:a="http://schemas.openxmlformats.org/drawingml/2006/main" xmlns:r="http://schemas.openxmlformats.org/officeDocument/2006/relationships" xmlns:p="http://schemas.openxmlformats.org/presentationml/2006/main">
   <p:cSld>
     <p:spTree>
@@ -16091,6 +15983,3248 @@
 </p:sld>
 </file>
 
+<file path=ppt/slides/slide16.xml><?xml version="1.0" encoding="utf-8"?>
+<p:sld xmlns:a="http://schemas.openxmlformats.org/drawingml/2006/main" xmlns:r="http://schemas.openxmlformats.org/officeDocument/2006/relationships" xmlns:p="http://schemas.openxmlformats.org/presentationml/2006/main">
+  <p:cSld>
+    <p:spTree>
+      <p:nvGrpSpPr>
+        <p:cNvPr id="1" name=""/>
+        <p:cNvGrpSpPr/>
+        <p:nvPr/>
+      </p:nvGrpSpPr>
+      <p:grpSpPr>
+        <a:xfrm>
+          <a:off x="0" y="0"/>
+          <a:ext cx="0" cy="0"/>
+          <a:chOff x="0" y="0"/>
+          <a:chExt cx="0" cy="0"/>
+        </a:xfrm>
+      </p:grpSpPr>
+      <p:sp>
+        <p:nvSpPr>
+          <p:cNvPr id="2" name="Title 1"/>
+          <p:cNvSpPr>
+            <a:spLocks noGrp="1"/>
+          </p:cNvSpPr>
+          <p:nvPr>
+            <p:ph type="title"/>
+          </p:nvPr>
+        </p:nvSpPr>
+        <p:spPr/>
+        <p:txBody>
+          <a:bodyPr/>
+          <a:lstStyle/>
+          <a:p>
+            <a:r>
+              <a:rPr lang="en-US" dirty="0"/>
+              <a:t>a</a:t>
+            </a:r>
+            <a:r>
+              <a:rPr lang="en-US" dirty="0" smtClean="0"/>
+              <a:t>nti-pattern : </a:t>
+            </a:r>
+            <a:r>
+              <a:rPr lang="en-US" b="1" dirty="0" smtClean="0"/>
+              <a:t>Control Freak</a:t>
+            </a:r>
+            <a:endParaRPr lang="en-US" b="1" dirty="0"/>
+          </a:p>
+        </p:txBody>
+      </p:sp>
+      <p:sp>
+        <p:nvSpPr>
+          <p:cNvPr id="3" name="Content Placeholder 2"/>
+          <p:cNvSpPr>
+            <a:spLocks noGrp="1"/>
+          </p:cNvSpPr>
+          <p:nvPr>
+            <p:ph idx="1"/>
+          </p:nvPr>
+        </p:nvSpPr>
+        <p:spPr/>
+        <p:txBody>
+          <a:bodyPr/>
+          <a:lstStyle/>
+          <a:p>
+            <a:r>
+              <a:rPr lang="en-US" dirty="0" smtClean="0"/>
+              <a:t>Symptoms:</a:t>
+            </a:r>
+            <a:endParaRPr lang="en-US" dirty="0" smtClean="0"/>
+          </a:p>
+          <a:p>
+            <a:pPr lvl="1"/>
+            <a:r>
+              <a:rPr lang="en-US" dirty="0" smtClean="0"/>
+              <a:t>Code insists on how the dependencies are built</a:t>
+            </a:r>
+          </a:p>
+          <a:p>
+            <a:pPr lvl="1"/>
+            <a:r>
+              <a:rPr lang="en-US" dirty="0" smtClean="0"/>
+              <a:t>Makes it impossible to use component in isolation</a:t>
+            </a:r>
+          </a:p>
+          <a:p>
+            <a:pPr lvl="1"/>
+            <a:r>
+              <a:rPr lang="en-US" dirty="0" smtClean="0"/>
+              <a:t>Not testable without full </a:t>
+            </a:r>
+            <a:r>
+              <a:rPr lang="en-US" dirty="0" smtClean="0"/>
+              <a:t>stack</a:t>
+            </a:r>
+            <a:endParaRPr lang="en-US" dirty="0"/>
+          </a:p>
+          <a:p>
+            <a:r>
+              <a:rPr lang="en-US" dirty="0" smtClean="0"/>
+              <a:t>Easy to spot : </a:t>
+            </a:r>
+            <a:r>
+              <a:rPr lang="en-US" b="1" dirty="0" smtClean="0">
+                <a:solidFill>
+                  <a:srgbClr val="C00000"/>
+                </a:solidFill>
+                <a:latin typeface="Consolas" panose="020B0609020204030204" pitchFamily="49" charset="0"/>
+                <a:cs typeface="Consolas" panose="020B0609020204030204" pitchFamily="49" charset="0"/>
+              </a:rPr>
+              <a:t>new</a:t>
+            </a:r>
+            <a:r>
+              <a:rPr lang="en-US" dirty="0" smtClean="0"/>
+              <a:t> </a:t>
+            </a:r>
+            <a:r>
+              <a:rPr lang="en-US" dirty="0" smtClean="0"/>
+              <a:t>everywhere</a:t>
+            </a:r>
+            <a:endParaRPr lang="en-US" dirty="0"/>
+          </a:p>
+        </p:txBody>
+      </p:sp>
+      <p:sp>
+        <p:nvSpPr>
+          <p:cNvPr id="4" name="TextBox 3"/>
+          <p:cNvSpPr txBox="1"/>
+          <p:nvPr/>
+        </p:nvSpPr>
+        <p:spPr>
+          <a:xfrm>
+            <a:off x="-1188640" y="4368637"/>
+            <a:ext cx="9001000" cy="4604979"/>
+          </a:xfrm>
+          <a:prstGeom prst="rect">
+            <a:avLst/>
+          </a:prstGeom>
+          <a:solidFill>
+            <a:schemeClr val="bg1"/>
+          </a:solidFill>
+          <a:ln>
+            <a:solidFill>
+              <a:schemeClr val="accent1"/>
+            </a:solidFill>
+          </a:ln>
+        </p:spPr>
+        <p:txBody>
+          <a:bodyPr wrap="square" rtlCol="0">
+            <a:spAutoFit/>
+          </a:bodyPr>
+          <a:lstStyle/>
+          <a:p>
+            <a:pPr>
+              <a:lnSpc>
+                <a:spcPct val="115000"/>
+              </a:lnSpc>
+              <a:spcAft>
+                <a:spcPts val="0"/>
+              </a:spcAft>
+            </a:pPr>
+            <a:r>
+              <a:rPr lang="en-US" sz="1000" dirty="0">
+                <a:solidFill>
+                  <a:srgbClr val="000000"/>
+                </a:solidFill>
+                <a:highlight>
+                  <a:srgbClr val="FFFFFF"/>
+                </a:highlight>
+                <a:latin typeface="Consolas"/>
+                <a:ea typeface="Calibri"/>
+                <a:cs typeface="Times New Roman"/>
+              </a:rPr>
+              <a:t> </a:t>
+            </a:r>
+            <a:r>
+              <a:rPr lang="en-US" sz="1000" dirty="0">
+                <a:solidFill>
+                  <a:srgbClr val="0000FF"/>
+                </a:solidFill>
+                <a:highlight>
+                  <a:srgbClr val="FFFFFF"/>
+                </a:highlight>
+                <a:latin typeface="Consolas"/>
+                <a:ea typeface="Calibri"/>
+                <a:cs typeface="Times New Roman"/>
+              </a:rPr>
+              <a:t>public</a:t>
+            </a:r>
+            <a:r>
+              <a:rPr lang="en-US" sz="1000" dirty="0">
+                <a:solidFill>
+                  <a:srgbClr val="000000"/>
+                </a:solidFill>
+                <a:highlight>
+                  <a:srgbClr val="FFFFFF"/>
+                </a:highlight>
+                <a:latin typeface="Consolas"/>
+                <a:ea typeface="Calibri"/>
+                <a:cs typeface="Times New Roman"/>
+              </a:rPr>
+              <a:t> </a:t>
+            </a:r>
+            <a:r>
+              <a:rPr lang="en-US" sz="1000" dirty="0">
+                <a:solidFill>
+                  <a:srgbClr val="0000FF"/>
+                </a:solidFill>
+                <a:highlight>
+                  <a:srgbClr val="FFFFFF"/>
+                </a:highlight>
+                <a:latin typeface="Consolas"/>
+                <a:ea typeface="Calibri"/>
+                <a:cs typeface="Times New Roman"/>
+              </a:rPr>
+              <a:t>class</a:t>
+            </a:r>
+            <a:r>
+              <a:rPr lang="en-US" sz="1000" dirty="0">
+                <a:solidFill>
+                  <a:srgbClr val="000000"/>
+                </a:solidFill>
+                <a:highlight>
+                  <a:srgbClr val="FFFFFF"/>
+                </a:highlight>
+                <a:latin typeface="Consolas"/>
+                <a:ea typeface="Calibri"/>
+                <a:cs typeface="Times New Roman"/>
+              </a:rPr>
+              <a:t> </a:t>
+            </a:r>
+            <a:r>
+              <a:rPr lang="en-US" sz="1000" dirty="0" err="1">
+                <a:solidFill>
+                  <a:srgbClr val="2B91AF"/>
+                </a:solidFill>
+                <a:highlight>
+                  <a:srgbClr val="FFFFFF"/>
+                </a:highlight>
+                <a:latin typeface="Consolas"/>
+                <a:ea typeface="Calibri"/>
+                <a:cs typeface="Times New Roman"/>
+              </a:rPr>
+              <a:t>AccountController</a:t>
+            </a:r>
+            <a:r>
+              <a:rPr lang="en-US" sz="1000" dirty="0">
+                <a:solidFill>
+                  <a:srgbClr val="000000"/>
+                </a:solidFill>
+                <a:highlight>
+                  <a:srgbClr val="FFFFFF"/>
+                </a:highlight>
+                <a:latin typeface="Consolas"/>
+                <a:ea typeface="Calibri"/>
+                <a:cs typeface="Times New Roman"/>
+              </a:rPr>
+              <a:t> : </a:t>
+            </a:r>
+            <a:r>
+              <a:rPr lang="en-US" sz="1000" dirty="0" err="1">
+                <a:solidFill>
+                  <a:srgbClr val="2B91AF"/>
+                </a:solidFill>
+                <a:highlight>
+                  <a:srgbClr val="FFFFFF"/>
+                </a:highlight>
+                <a:latin typeface="Consolas"/>
+                <a:ea typeface="Calibri"/>
+                <a:cs typeface="Times New Roman"/>
+              </a:rPr>
+              <a:t>BaseController</a:t>
+            </a:r>
+            <a:endParaRPr lang="en-US" sz="1100" dirty="0">
+              <a:ea typeface="Calibri"/>
+              <a:cs typeface="Times New Roman"/>
+            </a:endParaRPr>
+          </a:p>
+          <a:p>
+            <a:pPr>
+              <a:lnSpc>
+                <a:spcPct val="115000"/>
+              </a:lnSpc>
+              <a:spcAft>
+                <a:spcPts val="0"/>
+              </a:spcAft>
+            </a:pPr>
+            <a:r>
+              <a:rPr lang="en-US" sz="1000" dirty="0">
+                <a:solidFill>
+                  <a:srgbClr val="000000"/>
+                </a:solidFill>
+                <a:highlight>
+                  <a:srgbClr val="FFFFFF"/>
+                </a:highlight>
+                <a:latin typeface="Consolas"/>
+                <a:ea typeface="Calibri"/>
+                <a:cs typeface="Times New Roman"/>
+              </a:rPr>
+              <a:t>    {</a:t>
+            </a:r>
+            <a:endParaRPr lang="en-US" sz="1100" dirty="0">
+              <a:ea typeface="Calibri"/>
+              <a:cs typeface="Times New Roman"/>
+            </a:endParaRPr>
+          </a:p>
+          <a:p>
+            <a:pPr>
+              <a:lnSpc>
+                <a:spcPct val="115000"/>
+              </a:lnSpc>
+              <a:spcAft>
+                <a:spcPts val="0"/>
+              </a:spcAft>
+            </a:pPr>
+            <a:r>
+              <a:rPr lang="en-US" sz="1000" dirty="0">
+                <a:solidFill>
+                  <a:srgbClr val="000000"/>
+                </a:solidFill>
+                <a:highlight>
+                  <a:srgbClr val="FFFFFF"/>
+                </a:highlight>
+                <a:latin typeface="Consolas"/>
+                <a:ea typeface="Calibri"/>
+                <a:cs typeface="Times New Roman"/>
+              </a:rPr>
+              <a:t>        </a:t>
+            </a:r>
+            <a:r>
+              <a:rPr lang="en-US" sz="1000" dirty="0">
+                <a:solidFill>
+                  <a:srgbClr val="008000"/>
+                </a:solidFill>
+                <a:highlight>
+                  <a:srgbClr val="FFFFFF"/>
+                </a:highlight>
+                <a:latin typeface="Consolas"/>
+                <a:ea typeface="Calibri"/>
+                <a:cs typeface="Times New Roman"/>
+              </a:rPr>
+              <a:t>// GET: Account</a:t>
+            </a:r>
+            <a:endParaRPr lang="en-US" sz="1100" dirty="0">
+              <a:ea typeface="Calibri"/>
+              <a:cs typeface="Times New Roman"/>
+            </a:endParaRPr>
+          </a:p>
+          <a:p>
+            <a:pPr>
+              <a:lnSpc>
+                <a:spcPct val="115000"/>
+              </a:lnSpc>
+              <a:spcAft>
+                <a:spcPts val="0"/>
+              </a:spcAft>
+            </a:pPr>
+            <a:r>
+              <a:rPr lang="en-US" sz="1000" dirty="0">
+                <a:solidFill>
+                  <a:srgbClr val="000000"/>
+                </a:solidFill>
+                <a:highlight>
+                  <a:srgbClr val="FFFFFF"/>
+                </a:highlight>
+                <a:latin typeface="Consolas"/>
+                <a:ea typeface="Calibri"/>
+                <a:cs typeface="Times New Roman"/>
+              </a:rPr>
+              <a:t>        [</a:t>
+            </a:r>
+            <a:r>
+              <a:rPr lang="en-US" sz="1000" dirty="0" err="1">
+                <a:solidFill>
+                  <a:srgbClr val="2B91AF"/>
+                </a:solidFill>
+                <a:highlight>
+                  <a:srgbClr val="FFFFFF"/>
+                </a:highlight>
+                <a:latin typeface="Consolas"/>
+                <a:ea typeface="Calibri"/>
+                <a:cs typeface="Times New Roman"/>
+              </a:rPr>
+              <a:t>HttpGet</a:t>
+            </a:r>
+            <a:r>
+              <a:rPr lang="en-US" sz="1000" dirty="0">
+                <a:solidFill>
+                  <a:srgbClr val="000000"/>
+                </a:solidFill>
+                <a:highlight>
+                  <a:srgbClr val="FFFFFF"/>
+                </a:highlight>
+                <a:latin typeface="Consolas"/>
+                <a:ea typeface="Calibri"/>
+                <a:cs typeface="Times New Roman"/>
+              </a:rPr>
+              <a:t>]</a:t>
+            </a:r>
+            <a:endParaRPr lang="en-US" sz="1100" dirty="0">
+              <a:ea typeface="Calibri"/>
+              <a:cs typeface="Times New Roman"/>
+            </a:endParaRPr>
+          </a:p>
+          <a:p>
+            <a:pPr>
+              <a:lnSpc>
+                <a:spcPct val="115000"/>
+              </a:lnSpc>
+              <a:spcAft>
+                <a:spcPts val="0"/>
+              </a:spcAft>
+            </a:pPr>
+            <a:r>
+              <a:rPr lang="en-US" sz="1000" dirty="0">
+                <a:solidFill>
+                  <a:srgbClr val="000000"/>
+                </a:solidFill>
+                <a:highlight>
+                  <a:srgbClr val="FFFFFF"/>
+                </a:highlight>
+                <a:latin typeface="Consolas"/>
+                <a:ea typeface="Calibri"/>
+                <a:cs typeface="Times New Roman"/>
+              </a:rPr>
+              <a:t>        </a:t>
+            </a:r>
+            <a:r>
+              <a:rPr lang="en-US" sz="1000" dirty="0">
+                <a:solidFill>
+                  <a:srgbClr val="0000FF"/>
+                </a:solidFill>
+                <a:highlight>
+                  <a:srgbClr val="FFFFFF"/>
+                </a:highlight>
+                <a:latin typeface="Consolas"/>
+                <a:ea typeface="Calibri"/>
+                <a:cs typeface="Times New Roman"/>
+              </a:rPr>
+              <a:t>public</a:t>
+            </a:r>
+            <a:r>
+              <a:rPr lang="en-US" sz="1000" dirty="0">
+                <a:solidFill>
+                  <a:srgbClr val="000000"/>
+                </a:solidFill>
+                <a:highlight>
+                  <a:srgbClr val="FFFFFF"/>
+                </a:highlight>
+                <a:latin typeface="Consolas"/>
+                <a:ea typeface="Calibri"/>
+                <a:cs typeface="Times New Roman"/>
+              </a:rPr>
+              <a:t> </a:t>
+            </a:r>
+            <a:r>
+              <a:rPr lang="en-US" sz="1000" dirty="0" err="1">
+                <a:solidFill>
+                  <a:srgbClr val="2B91AF"/>
+                </a:solidFill>
+                <a:highlight>
+                  <a:srgbClr val="FFFFFF"/>
+                </a:highlight>
+                <a:latin typeface="Consolas"/>
+                <a:ea typeface="Calibri"/>
+                <a:cs typeface="Times New Roman"/>
+              </a:rPr>
+              <a:t>ActionResult</a:t>
+            </a:r>
+            <a:r>
+              <a:rPr lang="en-US" sz="1000" dirty="0">
+                <a:solidFill>
+                  <a:srgbClr val="000000"/>
+                </a:solidFill>
+                <a:highlight>
+                  <a:srgbClr val="FFFFFF"/>
+                </a:highlight>
+                <a:latin typeface="Consolas"/>
+                <a:ea typeface="Calibri"/>
+                <a:cs typeface="Times New Roman"/>
+              </a:rPr>
+              <a:t> Index()</a:t>
+            </a:r>
+            <a:endParaRPr lang="en-US" sz="1100" dirty="0">
+              <a:ea typeface="Calibri"/>
+              <a:cs typeface="Times New Roman"/>
+            </a:endParaRPr>
+          </a:p>
+          <a:p>
+            <a:pPr>
+              <a:lnSpc>
+                <a:spcPct val="115000"/>
+              </a:lnSpc>
+              <a:spcAft>
+                <a:spcPts val="0"/>
+              </a:spcAft>
+            </a:pPr>
+            <a:r>
+              <a:rPr lang="en-US" sz="1000" dirty="0">
+                <a:solidFill>
+                  <a:srgbClr val="000000"/>
+                </a:solidFill>
+                <a:highlight>
+                  <a:srgbClr val="FFFFFF"/>
+                </a:highlight>
+                <a:latin typeface="Consolas"/>
+                <a:ea typeface="Calibri"/>
+                <a:cs typeface="Times New Roman"/>
+              </a:rPr>
+              <a:t>        {</a:t>
+            </a:r>
+            <a:endParaRPr lang="en-US" sz="1100" dirty="0">
+              <a:ea typeface="Calibri"/>
+              <a:cs typeface="Times New Roman"/>
+            </a:endParaRPr>
+          </a:p>
+          <a:p>
+            <a:pPr>
+              <a:lnSpc>
+                <a:spcPct val="115000"/>
+              </a:lnSpc>
+              <a:spcAft>
+                <a:spcPts val="0"/>
+              </a:spcAft>
+            </a:pPr>
+            <a:r>
+              <a:rPr lang="en-US" sz="1000" dirty="0">
+                <a:solidFill>
+                  <a:srgbClr val="000000"/>
+                </a:solidFill>
+                <a:highlight>
+                  <a:srgbClr val="FFFFFF"/>
+                </a:highlight>
+                <a:latin typeface="Consolas"/>
+                <a:ea typeface="Calibri"/>
+                <a:cs typeface="Times New Roman"/>
+              </a:rPr>
+              <a:t>            </a:t>
+            </a:r>
+            <a:r>
+              <a:rPr lang="en-US" sz="1000" dirty="0" err="1">
+                <a:solidFill>
+                  <a:srgbClr val="0000FF"/>
+                </a:solidFill>
+                <a:highlight>
+                  <a:srgbClr val="FFFFFF"/>
+                </a:highlight>
+                <a:latin typeface="Consolas"/>
+                <a:ea typeface="Calibri"/>
+                <a:cs typeface="Times New Roman"/>
+              </a:rPr>
+              <a:t>var</a:t>
+            </a:r>
+            <a:r>
+              <a:rPr lang="en-US" sz="1000" dirty="0">
+                <a:solidFill>
+                  <a:srgbClr val="000000"/>
+                </a:solidFill>
+                <a:highlight>
+                  <a:srgbClr val="FFFFFF"/>
+                </a:highlight>
+                <a:latin typeface="Consolas"/>
+                <a:ea typeface="Calibri"/>
+                <a:cs typeface="Times New Roman"/>
+              </a:rPr>
+              <a:t> </a:t>
+            </a:r>
+            <a:r>
+              <a:rPr lang="en-US" sz="1000" dirty="0" err="1">
+                <a:solidFill>
+                  <a:srgbClr val="000000"/>
+                </a:solidFill>
+                <a:highlight>
+                  <a:srgbClr val="FFFFFF"/>
+                </a:highlight>
+                <a:latin typeface="Consolas"/>
+                <a:ea typeface="Calibri"/>
+                <a:cs typeface="Times New Roman"/>
+              </a:rPr>
+              <a:t>userId</a:t>
+            </a:r>
+            <a:r>
+              <a:rPr lang="en-US" sz="1000" dirty="0">
+                <a:solidFill>
+                  <a:srgbClr val="000000"/>
+                </a:solidFill>
+                <a:highlight>
+                  <a:srgbClr val="FFFFFF"/>
+                </a:highlight>
+                <a:latin typeface="Consolas"/>
+                <a:ea typeface="Calibri"/>
+                <a:cs typeface="Times New Roman"/>
+              </a:rPr>
+              <a:t> = </a:t>
+            </a:r>
+            <a:r>
+              <a:rPr lang="en-US" sz="1000" dirty="0" err="1">
+                <a:solidFill>
+                  <a:srgbClr val="0000FF"/>
+                </a:solidFill>
+                <a:highlight>
+                  <a:srgbClr val="FFFFFF"/>
+                </a:highlight>
+                <a:latin typeface="Consolas"/>
+                <a:ea typeface="Calibri"/>
+                <a:cs typeface="Times New Roman"/>
+              </a:rPr>
+              <a:t>this</a:t>
+            </a:r>
+            <a:r>
+              <a:rPr lang="en-US" sz="1000" dirty="0" err="1">
+                <a:solidFill>
+                  <a:srgbClr val="000000"/>
+                </a:solidFill>
+                <a:highlight>
+                  <a:srgbClr val="FFFFFF"/>
+                </a:highlight>
+                <a:latin typeface="Consolas"/>
+                <a:ea typeface="Calibri"/>
+                <a:cs typeface="Times New Roman"/>
+              </a:rPr>
+              <a:t>.User.AsClaimsPrincipal</a:t>
+            </a:r>
+            <a:r>
+              <a:rPr lang="en-US" sz="1000" dirty="0">
+                <a:solidFill>
+                  <a:srgbClr val="000000"/>
+                </a:solidFill>
+                <a:highlight>
+                  <a:srgbClr val="FFFFFF"/>
+                </a:highlight>
+                <a:latin typeface="Consolas"/>
+                <a:ea typeface="Calibri"/>
+                <a:cs typeface="Times New Roman"/>
+              </a:rPr>
+              <a:t>().</a:t>
+            </a:r>
+            <a:r>
+              <a:rPr lang="en-US" sz="1000" dirty="0" err="1">
+                <a:solidFill>
+                  <a:srgbClr val="000000"/>
+                </a:solidFill>
+                <a:highlight>
+                  <a:srgbClr val="FFFFFF"/>
+                </a:highlight>
+                <a:latin typeface="Consolas"/>
+                <a:ea typeface="Calibri"/>
+                <a:cs typeface="Times New Roman"/>
+              </a:rPr>
+              <a:t>UserId</a:t>
+            </a:r>
+            <a:r>
+              <a:rPr lang="en-US" sz="1000" dirty="0">
+                <a:solidFill>
+                  <a:srgbClr val="000000"/>
+                </a:solidFill>
+                <a:highlight>
+                  <a:srgbClr val="FFFFFF"/>
+                </a:highlight>
+                <a:latin typeface="Consolas"/>
+                <a:ea typeface="Calibri"/>
+                <a:cs typeface="Times New Roman"/>
+              </a:rPr>
+              <a:t>();</a:t>
+            </a:r>
+            <a:endParaRPr lang="en-US" sz="1100" dirty="0">
+              <a:ea typeface="Calibri"/>
+              <a:cs typeface="Times New Roman"/>
+            </a:endParaRPr>
+          </a:p>
+          <a:p>
+            <a:pPr>
+              <a:lnSpc>
+                <a:spcPct val="115000"/>
+              </a:lnSpc>
+              <a:spcAft>
+                <a:spcPts val="0"/>
+              </a:spcAft>
+            </a:pPr>
+            <a:r>
+              <a:rPr lang="en-US" sz="1000" dirty="0">
+                <a:solidFill>
+                  <a:srgbClr val="000000"/>
+                </a:solidFill>
+                <a:highlight>
+                  <a:srgbClr val="FFFFFF"/>
+                </a:highlight>
+                <a:latin typeface="Consolas"/>
+                <a:ea typeface="Calibri"/>
+                <a:cs typeface="Times New Roman"/>
+              </a:rPr>
+              <a:t> </a:t>
+            </a:r>
+            <a:endParaRPr lang="en-US" sz="1100" dirty="0">
+              <a:ea typeface="Calibri"/>
+              <a:cs typeface="Times New Roman"/>
+            </a:endParaRPr>
+          </a:p>
+          <a:p>
+            <a:pPr>
+              <a:lnSpc>
+                <a:spcPct val="115000"/>
+              </a:lnSpc>
+              <a:spcAft>
+                <a:spcPts val="0"/>
+              </a:spcAft>
+            </a:pPr>
+            <a:r>
+              <a:rPr lang="en-US" sz="1000" dirty="0">
+                <a:solidFill>
+                  <a:srgbClr val="000000"/>
+                </a:solidFill>
+                <a:highlight>
+                  <a:srgbClr val="FFFFFF"/>
+                </a:highlight>
+                <a:latin typeface="Consolas"/>
+                <a:ea typeface="Calibri"/>
+                <a:cs typeface="Times New Roman"/>
+              </a:rPr>
+              <a:t>            </a:t>
+            </a:r>
+            <a:r>
+              <a:rPr lang="en-US" sz="1000" dirty="0" err="1">
+                <a:solidFill>
+                  <a:srgbClr val="0000FF"/>
+                </a:solidFill>
+                <a:highlight>
+                  <a:srgbClr val="FFFFFF"/>
+                </a:highlight>
+                <a:latin typeface="Consolas"/>
+                <a:ea typeface="Calibri"/>
+                <a:cs typeface="Times New Roman"/>
+              </a:rPr>
+              <a:t>var</a:t>
+            </a:r>
+            <a:r>
+              <a:rPr lang="en-US" sz="1000" dirty="0">
+                <a:solidFill>
+                  <a:srgbClr val="000000"/>
+                </a:solidFill>
+                <a:highlight>
+                  <a:srgbClr val="FFFFFF"/>
+                </a:highlight>
+                <a:latin typeface="Consolas"/>
+                <a:ea typeface="Calibri"/>
+                <a:cs typeface="Times New Roman"/>
+              </a:rPr>
+              <a:t> </a:t>
+            </a:r>
+            <a:r>
+              <a:rPr lang="en-US" sz="1000" dirty="0" err="1">
+                <a:solidFill>
+                  <a:srgbClr val="000000"/>
+                </a:solidFill>
+                <a:highlight>
+                  <a:srgbClr val="FFFFFF"/>
+                </a:highlight>
+                <a:latin typeface="Consolas"/>
+                <a:ea typeface="Calibri"/>
+                <a:cs typeface="Times New Roman"/>
+              </a:rPr>
+              <a:t>userAccountService</a:t>
+            </a:r>
+            <a:r>
+              <a:rPr lang="en-US" sz="1000" dirty="0">
+                <a:solidFill>
+                  <a:srgbClr val="000000"/>
+                </a:solidFill>
+                <a:highlight>
+                  <a:srgbClr val="FFFFFF"/>
+                </a:highlight>
+                <a:latin typeface="Consolas"/>
+                <a:ea typeface="Calibri"/>
+                <a:cs typeface="Times New Roman"/>
+              </a:rPr>
+              <a:t> = </a:t>
+            </a:r>
+            <a:r>
+              <a:rPr lang="en-US" sz="1000" b="1" u="sng" dirty="0">
+                <a:solidFill>
+                  <a:srgbClr val="C00000"/>
+                </a:solidFill>
+                <a:highlight>
+                  <a:srgbClr val="FFFFFF"/>
+                </a:highlight>
+                <a:latin typeface="Consolas"/>
+                <a:ea typeface="Calibri"/>
+                <a:cs typeface="Times New Roman"/>
+              </a:rPr>
+              <a:t>new</a:t>
+            </a:r>
+            <a:r>
+              <a:rPr lang="en-US" sz="1000" dirty="0">
+                <a:solidFill>
+                  <a:srgbClr val="000000"/>
+                </a:solidFill>
+                <a:highlight>
+                  <a:srgbClr val="FFFFFF"/>
+                </a:highlight>
+                <a:latin typeface="Consolas"/>
+                <a:ea typeface="Calibri"/>
+                <a:cs typeface="Times New Roman"/>
+              </a:rPr>
+              <a:t> </a:t>
+            </a:r>
+            <a:r>
+              <a:rPr lang="en-US" sz="1000" dirty="0" err="1">
+                <a:solidFill>
+                  <a:srgbClr val="2B91AF"/>
+                </a:solidFill>
+                <a:highlight>
+                  <a:srgbClr val="FFFFFF"/>
+                </a:highlight>
+                <a:latin typeface="Consolas"/>
+                <a:ea typeface="Calibri"/>
+                <a:cs typeface="Times New Roman"/>
+              </a:rPr>
+              <a:t>UserAccountService</a:t>
+            </a:r>
+            <a:r>
+              <a:rPr lang="en-US" sz="1000" dirty="0">
+                <a:solidFill>
+                  <a:srgbClr val="000000"/>
+                </a:solidFill>
+                <a:highlight>
+                  <a:srgbClr val="FFFFFF"/>
+                </a:highlight>
+                <a:latin typeface="Consolas"/>
+                <a:ea typeface="Calibri"/>
+                <a:cs typeface="Times New Roman"/>
+              </a:rPr>
+              <a:t>();</a:t>
+            </a:r>
+            <a:endParaRPr lang="en-US" sz="1100" dirty="0">
+              <a:ea typeface="Calibri"/>
+              <a:cs typeface="Times New Roman"/>
+            </a:endParaRPr>
+          </a:p>
+          <a:p>
+            <a:pPr>
+              <a:lnSpc>
+                <a:spcPct val="115000"/>
+              </a:lnSpc>
+              <a:spcAft>
+                <a:spcPts val="0"/>
+              </a:spcAft>
+            </a:pPr>
+            <a:r>
+              <a:rPr lang="en-US" sz="1000" dirty="0">
+                <a:solidFill>
+                  <a:srgbClr val="000000"/>
+                </a:solidFill>
+                <a:highlight>
+                  <a:srgbClr val="FFFFFF"/>
+                </a:highlight>
+                <a:latin typeface="Consolas"/>
+                <a:ea typeface="Calibri"/>
+                <a:cs typeface="Times New Roman"/>
+              </a:rPr>
+              <a:t>            </a:t>
+            </a:r>
+            <a:r>
+              <a:rPr lang="en-US" sz="1000" dirty="0" err="1">
+                <a:solidFill>
+                  <a:srgbClr val="0000FF"/>
+                </a:solidFill>
+                <a:highlight>
+                  <a:srgbClr val="FFFFFF"/>
+                </a:highlight>
+                <a:latin typeface="Consolas"/>
+                <a:ea typeface="Calibri"/>
+                <a:cs typeface="Times New Roman"/>
+              </a:rPr>
+              <a:t>var</a:t>
+            </a:r>
+            <a:r>
+              <a:rPr lang="en-US" sz="1000" dirty="0">
+                <a:solidFill>
+                  <a:srgbClr val="000000"/>
+                </a:solidFill>
+                <a:highlight>
+                  <a:srgbClr val="FFFFFF"/>
+                </a:highlight>
+                <a:latin typeface="Consolas"/>
+                <a:ea typeface="Calibri"/>
+                <a:cs typeface="Times New Roman"/>
+              </a:rPr>
+              <a:t> accounts = </a:t>
+            </a:r>
+            <a:r>
+              <a:rPr lang="en-US" sz="1000" dirty="0" err="1">
+                <a:solidFill>
+                  <a:srgbClr val="000000"/>
+                </a:solidFill>
+                <a:highlight>
+                  <a:srgbClr val="FFFFFF"/>
+                </a:highlight>
+                <a:latin typeface="Consolas"/>
+                <a:ea typeface="Calibri"/>
+                <a:cs typeface="Times New Roman"/>
+              </a:rPr>
+              <a:t>userAccountService.GetAccountsForCustomer</a:t>
+            </a:r>
+            <a:r>
+              <a:rPr lang="en-US" sz="1000" dirty="0">
+                <a:solidFill>
+                  <a:srgbClr val="000000"/>
+                </a:solidFill>
+                <a:highlight>
+                  <a:srgbClr val="FFFFFF"/>
+                </a:highlight>
+                <a:latin typeface="Consolas"/>
+                <a:ea typeface="Calibri"/>
+                <a:cs typeface="Times New Roman"/>
+              </a:rPr>
+              <a:t>(</a:t>
+            </a:r>
+            <a:r>
+              <a:rPr lang="en-US" sz="1000" dirty="0" err="1">
+                <a:solidFill>
+                  <a:srgbClr val="000000"/>
+                </a:solidFill>
+                <a:highlight>
+                  <a:srgbClr val="FFFFFF"/>
+                </a:highlight>
+                <a:latin typeface="Consolas"/>
+                <a:ea typeface="Calibri"/>
+                <a:cs typeface="Times New Roman"/>
+              </a:rPr>
+              <a:t>userId</a:t>
+            </a:r>
+            <a:r>
+              <a:rPr lang="en-US" sz="1000" dirty="0">
+                <a:solidFill>
+                  <a:srgbClr val="000000"/>
+                </a:solidFill>
+                <a:highlight>
+                  <a:srgbClr val="FFFFFF"/>
+                </a:highlight>
+                <a:latin typeface="Consolas"/>
+                <a:ea typeface="Calibri"/>
+                <a:cs typeface="Times New Roman"/>
+              </a:rPr>
+              <a:t>);</a:t>
+            </a:r>
+            <a:endParaRPr lang="en-US" sz="1100" dirty="0">
+              <a:ea typeface="Calibri"/>
+              <a:cs typeface="Times New Roman"/>
+            </a:endParaRPr>
+          </a:p>
+          <a:p>
+            <a:pPr>
+              <a:lnSpc>
+                <a:spcPct val="115000"/>
+              </a:lnSpc>
+              <a:spcAft>
+                <a:spcPts val="0"/>
+              </a:spcAft>
+            </a:pPr>
+            <a:r>
+              <a:rPr lang="en-US" sz="1000" dirty="0">
+                <a:solidFill>
+                  <a:srgbClr val="000000"/>
+                </a:solidFill>
+                <a:highlight>
+                  <a:srgbClr val="FFFFFF"/>
+                </a:highlight>
+                <a:latin typeface="Consolas"/>
+                <a:ea typeface="Calibri"/>
+                <a:cs typeface="Times New Roman"/>
+              </a:rPr>
+              <a:t> </a:t>
+            </a:r>
+            <a:endParaRPr lang="en-US" sz="1100" dirty="0">
+              <a:ea typeface="Calibri"/>
+              <a:cs typeface="Times New Roman"/>
+            </a:endParaRPr>
+          </a:p>
+          <a:p>
+            <a:pPr>
+              <a:lnSpc>
+                <a:spcPct val="115000"/>
+              </a:lnSpc>
+              <a:spcAft>
+                <a:spcPts val="0"/>
+              </a:spcAft>
+            </a:pPr>
+            <a:r>
+              <a:rPr lang="en-US" sz="1000" dirty="0">
+                <a:solidFill>
+                  <a:srgbClr val="000000"/>
+                </a:solidFill>
+                <a:highlight>
+                  <a:srgbClr val="FFFFFF"/>
+                </a:highlight>
+                <a:latin typeface="Consolas"/>
+                <a:ea typeface="Calibri"/>
+                <a:cs typeface="Times New Roman"/>
+              </a:rPr>
+              <a:t>            </a:t>
+            </a:r>
+            <a:r>
+              <a:rPr lang="en-US" sz="1000" dirty="0">
+                <a:solidFill>
+                  <a:srgbClr val="0000FF"/>
+                </a:solidFill>
+                <a:highlight>
+                  <a:srgbClr val="FFFFFF"/>
+                </a:highlight>
+                <a:latin typeface="Consolas"/>
+                <a:ea typeface="Calibri"/>
+                <a:cs typeface="Times New Roman"/>
+              </a:rPr>
+              <a:t>return</a:t>
+            </a:r>
+            <a:r>
+              <a:rPr lang="en-US" sz="1000" dirty="0">
+                <a:solidFill>
+                  <a:srgbClr val="000000"/>
+                </a:solidFill>
+                <a:highlight>
+                  <a:srgbClr val="FFFFFF"/>
+                </a:highlight>
+                <a:latin typeface="Consolas"/>
+                <a:ea typeface="Calibri"/>
+                <a:cs typeface="Times New Roman"/>
+              </a:rPr>
+              <a:t> View(</a:t>
+            </a:r>
+            <a:r>
+              <a:rPr lang="en-US" sz="1000" dirty="0" err="1">
+                <a:solidFill>
+                  <a:srgbClr val="000000"/>
+                </a:solidFill>
+                <a:highlight>
+                  <a:srgbClr val="FFFFFF"/>
+                </a:highlight>
+                <a:latin typeface="Consolas"/>
+                <a:ea typeface="Calibri"/>
+                <a:cs typeface="Times New Roman"/>
+              </a:rPr>
+              <a:t>ToViewModel</a:t>
+            </a:r>
+            <a:r>
+              <a:rPr lang="en-US" sz="1000" dirty="0">
+                <a:solidFill>
+                  <a:srgbClr val="000000"/>
+                </a:solidFill>
+                <a:highlight>
+                  <a:srgbClr val="FFFFFF"/>
+                </a:highlight>
+                <a:latin typeface="Consolas"/>
+                <a:ea typeface="Calibri"/>
+                <a:cs typeface="Times New Roman"/>
+              </a:rPr>
+              <a:t>(accounts));</a:t>
+            </a:r>
+            <a:endParaRPr lang="en-US" sz="1100" dirty="0">
+              <a:ea typeface="Calibri"/>
+              <a:cs typeface="Times New Roman"/>
+            </a:endParaRPr>
+          </a:p>
+          <a:p>
+            <a:pPr>
+              <a:lnSpc>
+                <a:spcPct val="115000"/>
+              </a:lnSpc>
+              <a:spcAft>
+                <a:spcPts val="1000"/>
+              </a:spcAft>
+            </a:pPr>
+            <a:r>
+              <a:rPr lang="en-US" sz="1000" dirty="0">
+                <a:solidFill>
+                  <a:srgbClr val="000000"/>
+                </a:solidFill>
+                <a:highlight>
+                  <a:srgbClr val="FFFFFF"/>
+                </a:highlight>
+                <a:latin typeface="Consolas"/>
+                <a:ea typeface="Calibri"/>
+                <a:cs typeface="Times New Roman"/>
+              </a:rPr>
+              <a:t>        }</a:t>
+            </a:r>
+            <a:endParaRPr lang="en-US" sz="1100" dirty="0">
+              <a:ea typeface="Calibri"/>
+              <a:cs typeface="Times New Roman"/>
+            </a:endParaRPr>
+          </a:p>
+          <a:p>
+            <a:pPr>
+              <a:lnSpc>
+                <a:spcPct val="115000"/>
+              </a:lnSpc>
+              <a:spcAft>
+                <a:spcPts val="0"/>
+              </a:spcAft>
+            </a:pPr>
+            <a:r>
+              <a:rPr lang="en-US" sz="1000" dirty="0">
+                <a:solidFill>
+                  <a:srgbClr val="000000"/>
+                </a:solidFill>
+                <a:highlight>
+                  <a:srgbClr val="FFFFFF"/>
+                </a:highlight>
+                <a:latin typeface="Consolas"/>
+                <a:ea typeface="Calibri"/>
+                <a:cs typeface="Times New Roman"/>
+              </a:rPr>
+              <a:t>        [</a:t>
+            </a:r>
+            <a:r>
+              <a:rPr lang="en-US" sz="1000" dirty="0" err="1">
+                <a:solidFill>
+                  <a:srgbClr val="2B91AF"/>
+                </a:solidFill>
+                <a:highlight>
+                  <a:srgbClr val="FFFFFF"/>
+                </a:highlight>
+                <a:latin typeface="Consolas"/>
+                <a:ea typeface="Calibri"/>
+                <a:cs typeface="Times New Roman"/>
+              </a:rPr>
+              <a:t>HttpPost</a:t>
+            </a:r>
+            <a:r>
+              <a:rPr lang="en-US" sz="1000" dirty="0">
+                <a:solidFill>
+                  <a:srgbClr val="000000"/>
+                </a:solidFill>
+                <a:highlight>
+                  <a:srgbClr val="FFFFFF"/>
+                </a:highlight>
+                <a:latin typeface="Consolas"/>
+                <a:ea typeface="Calibri"/>
+                <a:cs typeface="Times New Roman"/>
+              </a:rPr>
+              <a:t>]</a:t>
+            </a:r>
+            <a:endParaRPr lang="en-US" sz="1100" dirty="0">
+              <a:ea typeface="Calibri"/>
+              <a:cs typeface="Times New Roman"/>
+            </a:endParaRPr>
+          </a:p>
+          <a:p>
+            <a:pPr>
+              <a:lnSpc>
+                <a:spcPct val="115000"/>
+              </a:lnSpc>
+              <a:spcAft>
+                <a:spcPts val="0"/>
+              </a:spcAft>
+            </a:pPr>
+            <a:r>
+              <a:rPr lang="en-US" sz="1000" dirty="0">
+                <a:solidFill>
+                  <a:srgbClr val="000000"/>
+                </a:solidFill>
+                <a:highlight>
+                  <a:srgbClr val="FFFFFF"/>
+                </a:highlight>
+                <a:latin typeface="Consolas"/>
+                <a:ea typeface="Calibri"/>
+                <a:cs typeface="Times New Roman"/>
+              </a:rPr>
+              <a:t>        </a:t>
+            </a:r>
+            <a:r>
+              <a:rPr lang="en-US" sz="1000" dirty="0">
+                <a:solidFill>
+                  <a:srgbClr val="0000FF"/>
+                </a:solidFill>
+                <a:highlight>
+                  <a:srgbClr val="FFFFFF"/>
+                </a:highlight>
+                <a:latin typeface="Consolas"/>
+                <a:ea typeface="Calibri"/>
+                <a:cs typeface="Times New Roman"/>
+              </a:rPr>
+              <a:t>public</a:t>
+            </a:r>
+            <a:r>
+              <a:rPr lang="en-US" sz="1000" dirty="0">
+                <a:solidFill>
+                  <a:srgbClr val="000000"/>
+                </a:solidFill>
+                <a:highlight>
+                  <a:srgbClr val="FFFFFF"/>
+                </a:highlight>
+                <a:latin typeface="Consolas"/>
+                <a:ea typeface="Calibri"/>
+                <a:cs typeface="Times New Roman"/>
+              </a:rPr>
+              <a:t> </a:t>
+            </a:r>
+            <a:r>
+              <a:rPr lang="en-US" sz="1000" dirty="0" err="1">
+                <a:solidFill>
+                  <a:srgbClr val="2B91AF"/>
+                </a:solidFill>
+                <a:highlight>
+                  <a:srgbClr val="FFFFFF"/>
+                </a:highlight>
+                <a:latin typeface="Consolas"/>
+                <a:ea typeface="Calibri"/>
+                <a:cs typeface="Times New Roman"/>
+              </a:rPr>
+              <a:t>ActionResult</a:t>
+            </a:r>
+            <a:r>
+              <a:rPr lang="en-US" sz="1000" dirty="0">
+                <a:solidFill>
+                  <a:srgbClr val="000000"/>
+                </a:solidFill>
+                <a:highlight>
+                  <a:srgbClr val="FFFFFF"/>
+                </a:highlight>
+                <a:latin typeface="Consolas"/>
+                <a:ea typeface="Calibri"/>
+                <a:cs typeface="Times New Roman"/>
+              </a:rPr>
+              <a:t> </a:t>
+            </a:r>
+            <a:r>
+              <a:rPr lang="en-US" sz="1000" dirty="0" err="1">
+                <a:solidFill>
+                  <a:srgbClr val="000000"/>
+                </a:solidFill>
+                <a:highlight>
+                  <a:srgbClr val="FFFFFF"/>
+                </a:highlight>
+                <a:latin typeface="Consolas"/>
+                <a:ea typeface="Calibri"/>
+                <a:cs typeface="Times New Roman"/>
+              </a:rPr>
+              <a:t>TransferPost</a:t>
+            </a:r>
+            <a:r>
+              <a:rPr lang="en-US" sz="1000" dirty="0">
+                <a:solidFill>
+                  <a:srgbClr val="000000"/>
+                </a:solidFill>
+                <a:highlight>
+                  <a:srgbClr val="FFFFFF"/>
+                </a:highlight>
+                <a:latin typeface="Consolas"/>
+                <a:ea typeface="Calibri"/>
+                <a:cs typeface="Times New Roman"/>
+              </a:rPr>
+              <a:t>(</a:t>
+            </a:r>
+            <a:r>
+              <a:rPr lang="en-US" sz="1000" dirty="0" err="1">
+                <a:solidFill>
+                  <a:srgbClr val="0000FF"/>
+                </a:solidFill>
+                <a:highlight>
+                  <a:srgbClr val="FFFFFF"/>
+                </a:highlight>
+                <a:latin typeface="Consolas"/>
+                <a:ea typeface="Calibri"/>
+                <a:cs typeface="Times New Roman"/>
+              </a:rPr>
+              <a:t>int</a:t>
+            </a:r>
+            <a:r>
+              <a:rPr lang="en-US" sz="1000" dirty="0">
+                <a:solidFill>
+                  <a:srgbClr val="000000"/>
+                </a:solidFill>
+                <a:highlight>
+                  <a:srgbClr val="FFFFFF"/>
+                </a:highlight>
+                <a:latin typeface="Consolas"/>
+                <a:ea typeface="Calibri"/>
+                <a:cs typeface="Times New Roman"/>
+              </a:rPr>
+              <a:t> from, </a:t>
+            </a:r>
+            <a:r>
+              <a:rPr lang="en-US" sz="1000" dirty="0" err="1">
+                <a:solidFill>
+                  <a:srgbClr val="0000FF"/>
+                </a:solidFill>
+                <a:highlight>
+                  <a:srgbClr val="FFFFFF"/>
+                </a:highlight>
+                <a:latin typeface="Consolas"/>
+                <a:ea typeface="Calibri"/>
+                <a:cs typeface="Times New Roman"/>
+              </a:rPr>
+              <a:t>int</a:t>
+            </a:r>
+            <a:r>
+              <a:rPr lang="en-US" sz="1000" dirty="0">
+                <a:solidFill>
+                  <a:srgbClr val="000000"/>
+                </a:solidFill>
+                <a:highlight>
+                  <a:srgbClr val="FFFFFF"/>
+                </a:highlight>
+                <a:latin typeface="Consolas"/>
+                <a:ea typeface="Calibri"/>
+                <a:cs typeface="Times New Roman"/>
+              </a:rPr>
+              <a:t> to, </a:t>
+            </a:r>
+            <a:r>
+              <a:rPr lang="en-US" sz="1000" dirty="0">
+                <a:solidFill>
+                  <a:srgbClr val="0000FF"/>
+                </a:solidFill>
+                <a:highlight>
+                  <a:srgbClr val="FFFFFF"/>
+                </a:highlight>
+                <a:latin typeface="Consolas"/>
+                <a:ea typeface="Calibri"/>
+                <a:cs typeface="Times New Roman"/>
+              </a:rPr>
+              <a:t>decimal</a:t>
+            </a:r>
+            <a:r>
+              <a:rPr lang="en-US" sz="1000" dirty="0">
+                <a:solidFill>
+                  <a:srgbClr val="000000"/>
+                </a:solidFill>
+                <a:highlight>
+                  <a:srgbClr val="FFFFFF"/>
+                </a:highlight>
+                <a:latin typeface="Consolas"/>
+                <a:ea typeface="Calibri"/>
+                <a:cs typeface="Times New Roman"/>
+              </a:rPr>
+              <a:t> amount)</a:t>
+            </a:r>
+            <a:endParaRPr lang="en-US" sz="1100" dirty="0">
+              <a:ea typeface="Calibri"/>
+              <a:cs typeface="Times New Roman"/>
+            </a:endParaRPr>
+          </a:p>
+          <a:p>
+            <a:pPr>
+              <a:lnSpc>
+                <a:spcPct val="115000"/>
+              </a:lnSpc>
+              <a:spcAft>
+                <a:spcPts val="0"/>
+              </a:spcAft>
+            </a:pPr>
+            <a:r>
+              <a:rPr lang="en-US" sz="1000" dirty="0">
+                <a:solidFill>
+                  <a:srgbClr val="000000"/>
+                </a:solidFill>
+                <a:highlight>
+                  <a:srgbClr val="FFFFFF"/>
+                </a:highlight>
+                <a:latin typeface="Consolas"/>
+                <a:ea typeface="Calibri"/>
+                <a:cs typeface="Times New Roman"/>
+              </a:rPr>
+              <a:t>        {</a:t>
+            </a:r>
+            <a:endParaRPr lang="en-US" sz="1100" dirty="0">
+              <a:ea typeface="Calibri"/>
+              <a:cs typeface="Times New Roman"/>
+            </a:endParaRPr>
+          </a:p>
+          <a:p>
+            <a:pPr>
+              <a:lnSpc>
+                <a:spcPct val="115000"/>
+              </a:lnSpc>
+              <a:spcAft>
+                <a:spcPts val="0"/>
+              </a:spcAft>
+            </a:pPr>
+            <a:r>
+              <a:rPr lang="en-US" sz="1000" dirty="0">
+                <a:solidFill>
+                  <a:srgbClr val="000000"/>
+                </a:solidFill>
+                <a:highlight>
+                  <a:srgbClr val="FFFFFF"/>
+                </a:highlight>
+                <a:latin typeface="Consolas"/>
+                <a:ea typeface="Calibri"/>
+                <a:cs typeface="Times New Roman"/>
+              </a:rPr>
+              <a:t>            </a:t>
+            </a:r>
+            <a:r>
+              <a:rPr lang="en-US" sz="1000" dirty="0" err="1">
+                <a:solidFill>
+                  <a:srgbClr val="0000FF"/>
+                </a:solidFill>
+                <a:highlight>
+                  <a:srgbClr val="FFFFFF"/>
+                </a:highlight>
+                <a:latin typeface="Consolas"/>
+                <a:ea typeface="Calibri"/>
+                <a:cs typeface="Times New Roman"/>
+              </a:rPr>
+              <a:t>var</a:t>
+            </a:r>
+            <a:r>
+              <a:rPr lang="en-US" sz="1000" dirty="0">
+                <a:solidFill>
+                  <a:srgbClr val="000000"/>
+                </a:solidFill>
+                <a:highlight>
+                  <a:srgbClr val="FFFFFF"/>
+                </a:highlight>
+                <a:latin typeface="Consolas"/>
+                <a:ea typeface="Calibri"/>
+                <a:cs typeface="Times New Roman"/>
+              </a:rPr>
+              <a:t> </a:t>
+            </a:r>
+            <a:r>
+              <a:rPr lang="en-US" sz="1000" dirty="0" err="1">
+                <a:solidFill>
+                  <a:srgbClr val="000000"/>
+                </a:solidFill>
+                <a:highlight>
+                  <a:srgbClr val="FFFFFF"/>
+                </a:highlight>
+                <a:latin typeface="Consolas"/>
+                <a:ea typeface="Calibri"/>
+                <a:cs typeface="Times New Roman"/>
+              </a:rPr>
+              <a:t>userId</a:t>
+            </a:r>
+            <a:r>
+              <a:rPr lang="en-US" sz="1000" dirty="0">
+                <a:solidFill>
+                  <a:srgbClr val="000000"/>
+                </a:solidFill>
+                <a:highlight>
+                  <a:srgbClr val="FFFFFF"/>
+                </a:highlight>
+                <a:latin typeface="Consolas"/>
+                <a:ea typeface="Calibri"/>
+                <a:cs typeface="Times New Roman"/>
+              </a:rPr>
+              <a:t> = </a:t>
+            </a:r>
+            <a:r>
+              <a:rPr lang="en-US" sz="1000" dirty="0" err="1">
+                <a:solidFill>
+                  <a:srgbClr val="0000FF"/>
+                </a:solidFill>
+                <a:highlight>
+                  <a:srgbClr val="FFFFFF"/>
+                </a:highlight>
+                <a:latin typeface="Consolas"/>
+                <a:ea typeface="Calibri"/>
+                <a:cs typeface="Times New Roman"/>
+              </a:rPr>
+              <a:t>this</a:t>
+            </a:r>
+            <a:r>
+              <a:rPr lang="en-US" sz="1000" dirty="0" err="1">
+                <a:solidFill>
+                  <a:srgbClr val="000000"/>
+                </a:solidFill>
+                <a:highlight>
+                  <a:srgbClr val="FFFFFF"/>
+                </a:highlight>
+                <a:latin typeface="Consolas"/>
+                <a:ea typeface="Calibri"/>
+                <a:cs typeface="Times New Roman"/>
+              </a:rPr>
+              <a:t>.User.AsClaimsPrincipal</a:t>
+            </a:r>
+            <a:r>
+              <a:rPr lang="en-US" sz="1000" dirty="0">
+                <a:solidFill>
+                  <a:srgbClr val="000000"/>
+                </a:solidFill>
+                <a:highlight>
+                  <a:srgbClr val="FFFFFF"/>
+                </a:highlight>
+                <a:latin typeface="Consolas"/>
+                <a:ea typeface="Calibri"/>
+                <a:cs typeface="Times New Roman"/>
+              </a:rPr>
+              <a:t>().</a:t>
+            </a:r>
+            <a:r>
+              <a:rPr lang="en-US" sz="1000" dirty="0" err="1">
+                <a:solidFill>
+                  <a:srgbClr val="000000"/>
+                </a:solidFill>
+                <a:highlight>
+                  <a:srgbClr val="FFFFFF"/>
+                </a:highlight>
+                <a:latin typeface="Consolas"/>
+                <a:ea typeface="Calibri"/>
+                <a:cs typeface="Times New Roman"/>
+              </a:rPr>
+              <a:t>UserId</a:t>
+            </a:r>
+            <a:r>
+              <a:rPr lang="en-US" sz="1000" dirty="0">
+                <a:solidFill>
+                  <a:srgbClr val="000000"/>
+                </a:solidFill>
+                <a:highlight>
+                  <a:srgbClr val="FFFFFF"/>
+                </a:highlight>
+                <a:latin typeface="Consolas"/>
+                <a:ea typeface="Calibri"/>
+                <a:cs typeface="Times New Roman"/>
+              </a:rPr>
+              <a:t>();</a:t>
+            </a:r>
+            <a:endParaRPr lang="en-US" sz="1100" dirty="0">
+              <a:ea typeface="Calibri"/>
+              <a:cs typeface="Times New Roman"/>
+            </a:endParaRPr>
+          </a:p>
+          <a:p>
+            <a:pPr>
+              <a:lnSpc>
+                <a:spcPct val="115000"/>
+              </a:lnSpc>
+              <a:spcAft>
+                <a:spcPts val="0"/>
+              </a:spcAft>
+            </a:pPr>
+            <a:r>
+              <a:rPr lang="en-US" sz="1000" dirty="0">
+                <a:solidFill>
+                  <a:srgbClr val="000000"/>
+                </a:solidFill>
+                <a:highlight>
+                  <a:srgbClr val="FFFFFF"/>
+                </a:highlight>
+                <a:latin typeface="Consolas"/>
+                <a:ea typeface="Calibri"/>
+                <a:cs typeface="Times New Roman"/>
+              </a:rPr>
+              <a:t> </a:t>
+            </a:r>
+            <a:endParaRPr lang="en-US" sz="1100" dirty="0">
+              <a:ea typeface="Calibri"/>
+              <a:cs typeface="Times New Roman"/>
+            </a:endParaRPr>
+          </a:p>
+          <a:p>
+            <a:pPr>
+              <a:lnSpc>
+                <a:spcPct val="115000"/>
+              </a:lnSpc>
+              <a:spcAft>
+                <a:spcPts val="0"/>
+              </a:spcAft>
+            </a:pPr>
+            <a:r>
+              <a:rPr lang="en-US" sz="1000" dirty="0">
+                <a:solidFill>
+                  <a:srgbClr val="000000"/>
+                </a:solidFill>
+                <a:highlight>
+                  <a:srgbClr val="FFFFFF"/>
+                </a:highlight>
+                <a:latin typeface="Consolas"/>
+                <a:ea typeface="Calibri"/>
+                <a:cs typeface="Times New Roman"/>
+              </a:rPr>
+              <a:t>            </a:t>
+            </a:r>
+            <a:r>
+              <a:rPr lang="en-US" sz="1000" dirty="0" err="1">
+                <a:solidFill>
+                  <a:srgbClr val="0000FF"/>
+                </a:solidFill>
+                <a:highlight>
+                  <a:srgbClr val="FFFFFF"/>
+                </a:highlight>
+                <a:latin typeface="Consolas"/>
+                <a:ea typeface="Calibri"/>
+                <a:cs typeface="Times New Roman"/>
+              </a:rPr>
+              <a:t>var</a:t>
+            </a:r>
+            <a:r>
+              <a:rPr lang="en-US" sz="1000" dirty="0">
+                <a:solidFill>
+                  <a:srgbClr val="000000"/>
+                </a:solidFill>
+                <a:highlight>
+                  <a:srgbClr val="FFFFFF"/>
+                </a:highlight>
+                <a:latin typeface="Consolas"/>
+                <a:ea typeface="Calibri"/>
+                <a:cs typeface="Times New Roman"/>
+              </a:rPr>
+              <a:t> </a:t>
+            </a:r>
+            <a:r>
+              <a:rPr lang="en-US" sz="1000" dirty="0" err="1">
+                <a:solidFill>
+                  <a:srgbClr val="000000"/>
+                </a:solidFill>
+                <a:highlight>
+                  <a:srgbClr val="FFFFFF"/>
+                </a:highlight>
+                <a:latin typeface="Consolas"/>
+                <a:ea typeface="Calibri"/>
+                <a:cs typeface="Times New Roman"/>
+              </a:rPr>
+              <a:t>userAccountService</a:t>
+            </a:r>
+            <a:r>
+              <a:rPr lang="en-US" sz="1000" dirty="0">
+                <a:solidFill>
+                  <a:srgbClr val="000000"/>
+                </a:solidFill>
+                <a:highlight>
+                  <a:srgbClr val="FFFFFF"/>
+                </a:highlight>
+                <a:latin typeface="Consolas"/>
+                <a:ea typeface="Calibri"/>
+                <a:cs typeface="Times New Roman"/>
+              </a:rPr>
+              <a:t> = </a:t>
+            </a:r>
+            <a:r>
+              <a:rPr lang="en-US" sz="1000" b="1" u="sng" dirty="0">
+                <a:solidFill>
+                  <a:srgbClr val="C00000"/>
+                </a:solidFill>
+                <a:highlight>
+                  <a:srgbClr val="FFFFFF"/>
+                </a:highlight>
+                <a:latin typeface="Consolas"/>
+                <a:ea typeface="Calibri"/>
+                <a:cs typeface="Times New Roman"/>
+              </a:rPr>
+              <a:t>new</a:t>
+            </a:r>
+            <a:r>
+              <a:rPr lang="en-US" sz="1000" dirty="0">
+                <a:solidFill>
+                  <a:srgbClr val="000000"/>
+                </a:solidFill>
+                <a:highlight>
+                  <a:srgbClr val="FFFFFF"/>
+                </a:highlight>
+                <a:latin typeface="Consolas"/>
+                <a:ea typeface="Calibri"/>
+                <a:cs typeface="Times New Roman"/>
+              </a:rPr>
+              <a:t> </a:t>
+            </a:r>
+            <a:r>
+              <a:rPr lang="en-US" sz="1000" dirty="0" err="1">
+                <a:solidFill>
+                  <a:srgbClr val="2B91AF"/>
+                </a:solidFill>
+                <a:highlight>
+                  <a:srgbClr val="FFFFFF"/>
+                </a:highlight>
+                <a:latin typeface="Consolas"/>
+                <a:ea typeface="Calibri"/>
+                <a:cs typeface="Times New Roman"/>
+              </a:rPr>
+              <a:t>UserAccountService</a:t>
+            </a:r>
+            <a:r>
+              <a:rPr lang="en-US" sz="1000" dirty="0">
+                <a:solidFill>
+                  <a:srgbClr val="000000"/>
+                </a:solidFill>
+                <a:highlight>
+                  <a:srgbClr val="FFFFFF"/>
+                </a:highlight>
+                <a:latin typeface="Consolas"/>
+                <a:ea typeface="Calibri"/>
+                <a:cs typeface="Times New Roman"/>
+              </a:rPr>
+              <a:t>();</a:t>
+            </a:r>
+            <a:endParaRPr lang="en-US" sz="1100" dirty="0">
+              <a:ea typeface="Calibri"/>
+              <a:cs typeface="Times New Roman"/>
+            </a:endParaRPr>
+          </a:p>
+          <a:p>
+            <a:pPr>
+              <a:lnSpc>
+                <a:spcPct val="115000"/>
+              </a:lnSpc>
+              <a:spcAft>
+                <a:spcPts val="0"/>
+              </a:spcAft>
+            </a:pPr>
+            <a:r>
+              <a:rPr lang="en-US" sz="1000" dirty="0">
+                <a:solidFill>
+                  <a:srgbClr val="000000"/>
+                </a:solidFill>
+                <a:highlight>
+                  <a:srgbClr val="FFFFFF"/>
+                </a:highlight>
+                <a:latin typeface="Consolas"/>
+                <a:ea typeface="Calibri"/>
+                <a:cs typeface="Times New Roman"/>
+              </a:rPr>
+              <a:t>            </a:t>
+            </a:r>
+            <a:r>
+              <a:rPr lang="en-US" sz="1000" dirty="0" err="1">
+                <a:solidFill>
+                  <a:srgbClr val="000000"/>
+                </a:solidFill>
+                <a:highlight>
+                  <a:srgbClr val="FFFFFF"/>
+                </a:highlight>
+                <a:latin typeface="Consolas"/>
+                <a:ea typeface="Calibri"/>
+                <a:cs typeface="Times New Roman"/>
+              </a:rPr>
+              <a:t>userAccountService.Transfer</a:t>
+            </a:r>
+            <a:r>
+              <a:rPr lang="en-US" sz="1000" dirty="0">
+                <a:solidFill>
+                  <a:srgbClr val="000000"/>
+                </a:solidFill>
+                <a:highlight>
+                  <a:srgbClr val="FFFFFF"/>
+                </a:highlight>
+                <a:latin typeface="Consolas"/>
+                <a:ea typeface="Calibri"/>
+                <a:cs typeface="Times New Roman"/>
+              </a:rPr>
+              <a:t>(</a:t>
+            </a:r>
+            <a:r>
+              <a:rPr lang="en-US" sz="1000" dirty="0" err="1">
+                <a:solidFill>
+                  <a:srgbClr val="000000"/>
+                </a:solidFill>
+                <a:highlight>
+                  <a:srgbClr val="FFFFFF"/>
+                </a:highlight>
+                <a:latin typeface="Consolas"/>
+                <a:ea typeface="Calibri"/>
+                <a:cs typeface="Times New Roman"/>
+              </a:rPr>
+              <a:t>userId</a:t>
+            </a:r>
+            <a:r>
+              <a:rPr lang="en-US" sz="1000" dirty="0">
+                <a:solidFill>
+                  <a:srgbClr val="000000"/>
+                </a:solidFill>
+                <a:highlight>
+                  <a:srgbClr val="FFFFFF"/>
+                </a:highlight>
+                <a:latin typeface="Consolas"/>
+                <a:ea typeface="Calibri"/>
+                <a:cs typeface="Times New Roman"/>
+              </a:rPr>
+              <a:t>, from, to, amount);</a:t>
+            </a:r>
+            <a:endParaRPr lang="en-US" sz="1100" dirty="0">
+              <a:ea typeface="Calibri"/>
+              <a:cs typeface="Times New Roman"/>
+            </a:endParaRPr>
+          </a:p>
+          <a:p>
+            <a:pPr>
+              <a:lnSpc>
+                <a:spcPct val="115000"/>
+              </a:lnSpc>
+              <a:spcAft>
+                <a:spcPts val="0"/>
+              </a:spcAft>
+            </a:pPr>
+            <a:r>
+              <a:rPr lang="en-US" sz="1000" dirty="0">
+                <a:solidFill>
+                  <a:srgbClr val="000000"/>
+                </a:solidFill>
+                <a:highlight>
+                  <a:srgbClr val="FFFFFF"/>
+                </a:highlight>
+                <a:latin typeface="Consolas"/>
+                <a:ea typeface="Calibri"/>
+                <a:cs typeface="Times New Roman"/>
+              </a:rPr>
+              <a:t> </a:t>
+            </a:r>
+            <a:endParaRPr lang="en-US" sz="1100" dirty="0">
+              <a:ea typeface="Calibri"/>
+              <a:cs typeface="Times New Roman"/>
+            </a:endParaRPr>
+          </a:p>
+          <a:p>
+            <a:pPr>
+              <a:lnSpc>
+                <a:spcPct val="115000"/>
+              </a:lnSpc>
+              <a:spcAft>
+                <a:spcPts val="0"/>
+              </a:spcAft>
+            </a:pPr>
+            <a:r>
+              <a:rPr lang="en-US" sz="1000" dirty="0">
+                <a:solidFill>
+                  <a:srgbClr val="000000"/>
+                </a:solidFill>
+                <a:highlight>
+                  <a:srgbClr val="FFFFFF"/>
+                </a:highlight>
+                <a:latin typeface="Consolas"/>
+                <a:ea typeface="Calibri"/>
+                <a:cs typeface="Times New Roman"/>
+              </a:rPr>
+              <a:t>            </a:t>
+            </a:r>
+            <a:r>
+              <a:rPr lang="en-US" sz="1000" dirty="0">
+                <a:solidFill>
+                  <a:srgbClr val="0000FF"/>
+                </a:solidFill>
+                <a:highlight>
+                  <a:srgbClr val="FFFFFF"/>
+                </a:highlight>
+                <a:latin typeface="Consolas"/>
+                <a:ea typeface="Calibri"/>
+                <a:cs typeface="Times New Roman"/>
+              </a:rPr>
+              <a:t>return</a:t>
+            </a:r>
+            <a:r>
+              <a:rPr lang="en-US" sz="1000" dirty="0">
+                <a:solidFill>
+                  <a:srgbClr val="000000"/>
+                </a:solidFill>
+                <a:highlight>
+                  <a:srgbClr val="FFFFFF"/>
+                </a:highlight>
+                <a:latin typeface="Consolas"/>
+                <a:ea typeface="Calibri"/>
+                <a:cs typeface="Times New Roman"/>
+              </a:rPr>
+              <a:t> </a:t>
+            </a:r>
+            <a:r>
+              <a:rPr lang="en-US" sz="1000" dirty="0" err="1">
+                <a:solidFill>
+                  <a:srgbClr val="000000"/>
+                </a:solidFill>
+                <a:highlight>
+                  <a:srgbClr val="FFFFFF"/>
+                </a:highlight>
+                <a:latin typeface="Consolas"/>
+                <a:ea typeface="Calibri"/>
+                <a:cs typeface="Times New Roman"/>
+              </a:rPr>
+              <a:t>RedirectToAction</a:t>
+            </a:r>
+            <a:r>
+              <a:rPr lang="en-US" sz="1000" dirty="0">
+                <a:solidFill>
+                  <a:srgbClr val="000000"/>
+                </a:solidFill>
+                <a:highlight>
+                  <a:srgbClr val="FFFFFF"/>
+                </a:highlight>
+                <a:latin typeface="Consolas"/>
+                <a:ea typeface="Calibri"/>
+                <a:cs typeface="Times New Roman"/>
+              </a:rPr>
+              <a:t>(</a:t>
+            </a:r>
+            <a:r>
+              <a:rPr lang="en-US" sz="1000" dirty="0">
+                <a:solidFill>
+                  <a:srgbClr val="A31515"/>
+                </a:solidFill>
+                <a:highlight>
+                  <a:srgbClr val="FFFFFF"/>
+                </a:highlight>
+                <a:latin typeface="Consolas"/>
+                <a:ea typeface="Calibri"/>
+                <a:cs typeface="Times New Roman"/>
+              </a:rPr>
+              <a:t>"Index"</a:t>
+            </a:r>
+            <a:r>
+              <a:rPr lang="en-US" sz="1000" dirty="0">
+                <a:solidFill>
+                  <a:srgbClr val="000000"/>
+                </a:solidFill>
+                <a:highlight>
+                  <a:srgbClr val="FFFFFF"/>
+                </a:highlight>
+                <a:latin typeface="Consolas"/>
+                <a:ea typeface="Calibri"/>
+                <a:cs typeface="Times New Roman"/>
+              </a:rPr>
+              <a:t>);</a:t>
+            </a:r>
+            <a:endParaRPr lang="en-US" sz="1100" dirty="0">
+              <a:ea typeface="Calibri"/>
+              <a:cs typeface="Times New Roman"/>
+            </a:endParaRPr>
+          </a:p>
+          <a:p>
+            <a:pPr>
+              <a:lnSpc>
+                <a:spcPct val="115000"/>
+              </a:lnSpc>
+              <a:spcAft>
+                <a:spcPts val="1000"/>
+              </a:spcAft>
+            </a:pPr>
+            <a:r>
+              <a:rPr lang="en-US" sz="1000" dirty="0">
+                <a:solidFill>
+                  <a:srgbClr val="000000"/>
+                </a:solidFill>
+                <a:highlight>
+                  <a:srgbClr val="FFFFFF"/>
+                </a:highlight>
+                <a:latin typeface="Consolas"/>
+                <a:ea typeface="Calibri"/>
+                <a:cs typeface="Times New Roman"/>
+              </a:rPr>
+              <a:t>        </a:t>
+            </a:r>
+            <a:r>
+              <a:rPr lang="en-US" sz="1000" dirty="0" smtClean="0">
+                <a:solidFill>
+                  <a:srgbClr val="000000"/>
+                </a:solidFill>
+                <a:highlight>
+                  <a:srgbClr val="FFFFFF"/>
+                </a:highlight>
+                <a:latin typeface="Consolas"/>
+                <a:ea typeface="Calibri"/>
+                <a:cs typeface="Times New Roman"/>
+              </a:rPr>
+              <a:t>}</a:t>
+            </a:r>
+          </a:p>
+          <a:p>
+            <a:pPr>
+              <a:lnSpc>
+                <a:spcPct val="115000"/>
+              </a:lnSpc>
+              <a:spcAft>
+                <a:spcPts val="1000"/>
+              </a:spcAft>
+            </a:pPr>
+            <a:r>
+              <a:rPr lang="en-US" sz="1100" i="1" dirty="0" err="1" smtClean="0">
+                <a:highlight>
+                  <a:srgbClr val="FFFFFF"/>
+                </a:highlight>
+                <a:ea typeface="Calibri"/>
+                <a:cs typeface="Times New Roman"/>
+              </a:rPr>
+              <a:t>AccountController.cs</a:t>
+            </a:r>
+            <a:r>
+              <a:rPr lang="en-US" sz="1100" i="1" dirty="0" smtClean="0">
+                <a:highlight>
+                  <a:srgbClr val="FFFFFF"/>
+                </a:highlight>
+                <a:ea typeface="Calibri"/>
+                <a:cs typeface="Times New Roman"/>
+              </a:rPr>
+              <a:t> (</a:t>
+            </a:r>
+            <a:r>
+              <a:rPr lang="en-US" sz="1100" i="1" dirty="0" err="1" smtClean="0">
+                <a:highlight>
+                  <a:srgbClr val="FFFFFF"/>
+                </a:highlight>
+                <a:ea typeface="Calibri"/>
+                <a:cs typeface="Times New Roman"/>
+              </a:rPr>
+              <a:t>WebPortal</a:t>
+            </a:r>
+            <a:r>
+              <a:rPr lang="en-US" sz="1100" i="1" dirty="0" smtClean="0">
+                <a:highlight>
+                  <a:srgbClr val="FFFFFF"/>
+                </a:highlight>
+                <a:ea typeface="Calibri"/>
+                <a:cs typeface="Times New Roman"/>
+              </a:rPr>
+              <a:t>)</a:t>
+            </a:r>
+            <a:endParaRPr lang="en-US" sz="1000" i="1" dirty="0">
+              <a:solidFill>
+                <a:srgbClr val="000000"/>
+              </a:solidFill>
+              <a:highlight>
+                <a:srgbClr val="FFFFFF"/>
+              </a:highlight>
+              <a:latin typeface="Consolas"/>
+              <a:ea typeface="Calibri"/>
+              <a:cs typeface="Times New Roman"/>
+            </a:endParaRPr>
+          </a:p>
+        </p:txBody>
+      </p:sp>
+      <p:sp>
+        <p:nvSpPr>
+          <p:cNvPr id="5" name="TextBox 4"/>
+          <p:cNvSpPr txBox="1"/>
+          <p:nvPr/>
+        </p:nvSpPr>
+        <p:spPr>
+          <a:xfrm>
+            <a:off x="4427984" y="4581128"/>
+            <a:ext cx="9433048" cy="2731517"/>
+          </a:xfrm>
+          <a:prstGeom prst="rect">
+            <a:avLst/>
+          </a:prstGeom>
+          <a:solidFill>
+            <a:schemeClr val="bg1"/>
+          </a:solidFill>
+          <a:ln>
+            <a:solidFill>
+              <a:schemeClr val="accent1"/>
+            </a:solidFill>
+          </a:ln>
+        </p:spPr>
+        <p:txBody>
+          <a:bodyPr wrap="square" rtlCol="0">
+            <a:spAutoFit/>
+          </a:bodyPr>
+          <a:lstStyle/>
+          <a:p>
+            <a:r>
+              <a:rPr lang="en-US" sz="1050" dirty="0">
+                <a:solidFill>
+                  <a:srgbClr val="000000"/>
+                </a:solidFill>
+                <a:highlight>
+                  <a:srgbClr val="FFFFFF"/>
+                </a:highlight>
+                <a:latin typeface="Consolas"/>
+              </a:rPr>
+              <a:t> </a:t>
+            </a:r>
+            <a:r>
+              <a:rPr lang="en-US" sz="1050" dirty="0">
+                <a:solidFill>
+                  <a:srgbClr val="0000FF"/>
+                </a:solidFill>
+                <a:highlight>
+                  <a:srgbClr val="FFFFFF"/>
+                </a:highlight>
+                <a:latin typeface="Consolas"/>
+              </a:rPr>
+              <a:t>public</a:t>
+            </a:r>
+            <a:r>
+              <a:rPr lang="en-US" sz="1050" dirty="0">
+                <a:solidFill>
+                  <a:srgbClr val="000000"/>
+                </a:solidFill>
+                <a:highlight>
+                  <a:srgbClr val="FFFFFF"/>
+                </a:highlight>
+                <a:latin typeface="Consolas"/>
+              </a:rPr>
+              <a:t> </a:t>
+            </a:r>
+            <a:r>
+              <a:rPr lang="en-US" sz="1050" dirty="0">
+                <a:solidFill>
+                  <a:srgbClr val="0000FF"/>
+                </a:solidFill>
+                <a:highlight>
+                  <a:srgbClr val="FFFFFF"/>
+                </a:highlight>
+                <a:latin typeface="Consolas"/>
+              </a:rPr>
+              <a:t>void</a:t>
+            </a:r>
+            <a:r>
+              <a:rPr lang="en-US" sz="1050" dirty="0">
+                <a:solidFill>
+                  <a:srgbClr val="000000"/>
+                </a:solidFill>
+                <a:highlight>
+                  <a:srgbClr val="FFFFFF"/>
+                </a:highlight>
+                <a:latin typeface="Consolas"/>
+              </a:rPr>
+              <a:t> Transfer(</a:t>
+            </a:r>
+            <a:r>
+              <a:rPr lang="en-US" sz="1050" dirty="0" err="1">
+                <a:solidFill>
+                  <a:srgbClr val="0000FF"/>
+                </a:solidFill>
+                <a:highlight>
+                  <a:srgbClr val="FFFFFF"/>
+                </a:highlight>
+                <a:latin typeface="Consolas"/>
+              </a:rPr>
+              <a:t>int</a:t>
+            </a:r>
+            <a:r>
+              <a:rPr lang="en-US" sz="1050" dirty="0">
+                <a:solidFill>
+                  <a:srgbClr val="000000"/>
+                </a:solidFill>
+                <a:highlight>
+                  <a:srgbClr val="FFFFFF"/>
+                </a:highlight>
+                <a:latin typeface="Consolas"/>
+              </a:rPr>
+              <a:t> </a:t>
+            </a:r>
+            <a:r>
+              <a:rPr lang="en-US" sz="1050" dirty="0" err="1">
+                <a:solidFill>
+                  <a:srgbClr val="000000"/>
+                </a:solidFill>
+                <a:highlight>
+                  <a:srgbClr val="FFFFFF"/>
+                </a:highlight>
+                <a:latin typeface="Consolas"/>
+              </a:rPr>
+              <a:t>userId</a:t>
+            </a:r>
+            <a:r>
+              <a:rPr lang="en-US" sz="1050" dirty="0">
+                <a:solidFill>
+                  <a:srgbClr val="000000"/>
+                </a:solidFill>
+                <a:highlight>
+                  <a:srgbClr val="FFFFFF"/>
+                </a:highlight>
+                <a:latin typeface="Consolas"/>
+              </a:rPr>
+              <a:t>, </a:t>
+            </a:r>
+            <a:r>
+              <a:rPr lang="en-US" sz="1050" dirty="0" err="1">
+                <a:solidFill>
+                  <a:srgbClr val="0000FF"/>
+                </a:solidFill>
+                <a:highlight>
+                  <a:srgbClr val="FFFFFF"/>
+                </a:highlight>
+                <a:latin typeface="Consolas"/>
+              </a:rPr>
+              <a:t>int</a:t>
+            </a:r>
+            <a:r>
+              <a:rPr lang="en-US" sz="1050" dirty="0">
+                <a:solidFill>
+                  <a:srgbClr val="000000"/>
+                </a:solidFill>
+                <a:highlight>
+                  <a:srgbClr val="FFFFFF"/>
+                </a:highlight>
+                <a:latin typeface="Consolas"/>
+              </a:rPr>
+              <a:t> </a:t>
+            </a:r>
+            <a:r>
+              <a:rPr lang="en-US" sz="1050" dirty="0" err="1">
+                <a:solidFill>
+                  <a:srgbClr val="000000"/>
+                </a:solidFill>
+                <a:highlight>
+                  <a:srgbClr val="FFFFFF"/>
+                </a:highlight>
+                <a:latin typeface="Consolas"/>
+              </a:rPr>
+              <a:t>fromAccountId</a:t>
+            </a:r>
+            <a:r>
+              <a:rPr lang="en-US" sz="1050" dirty="0">
+                <a:solidFill>
+                  <a:srgbClr val="000000"/>
+                </a:solidFill>
+                <a:highlight>
+                  <a:srgbClr val="FFFFFF"/>
+                </a:highlight>
+                <a:latin typeface="Consolas"/>
+              </a:rPr>
+              <a:t>, </a:t>
+            </a:r>
+            <a:r>
+              <a:rPr lang="en-US" sz="1050" dirty="0" err="1">
+                <a:solidFill>
+                  <a:srgbClr val="0000FF"/>
+                </a:solidFill>
+                <a:highlight>
+                  <a:srgbClr val="FFFFFF"/>
+                </a:highlight>
+                <a:latin typeface="Consolas"/>
+              </a:rPr>
+              <a:t>int</a:t>
+            </a:r>
+            <a:r>
+              <a:rPr lang="en-US" sz="1050" dirty="0">
+                <a:solidFill>
+                  <a:srgbClr val="000000"/>
+                </a:solidFill>
+                <a:highlight>
+                  <a:srgbClr val="FFFFFF"/>
+                </a:highlight>
+                <a:latin typeface="Consolas"/>
+              </a:rPr>
+              <a:t> </a:t>
+            </a:r>
+            <a:r>
+              <a:rPr lang="en-US" sz="1050" dirty="0" err="1">
+                <a:solidFill>
+                  <a:srgbClr val="000000"/>
+                </a:solidFill>
+                <a:highlight>
+                  <a:srgbClr val="FFFFFF"/>
+                </a:highlight>
+                <a:latin typeface="Consolas"/>
+              </a:rPr>
+              <a:t>toAccountId</a:t>
+            </a:r>
+            <a:r>
+              <a:rPr lang="en-US" sz="1050" dirty="0">
+                <a:solidFill>
+                  <a:srgbClr val="000000"/>
+                </a:solidFill>
+                <a:highlight>
+                  <a:srgbClr val="FFFFFF"/>
+                </a:highlight>
+                <a:latin typeface="Consolas"/>
+              </a:rPr>
+              <a:t>, </a:t>
+            </a:r>
+            <a:r>
+              <a:rPr lang="en-US" sz="1050" dirty="0">
+                <a:solidFill>
+                  <a:srgbClr val="0000FF"/>
+                </a:solidFill>
+                <a:highlight>
+                  <a:srgbClr val="FFFFFF"/>
+                </a:highlight>
+                <a:latin typeface="Consolas"/>
+              </a:rPr>
+              <a:t>decimal</a:t>
+            </a:r>
+            <a:r>
+              <a:rPr lang="en-US" sz="1050" dirty="0">
+                <a:solidFill>
+                  <a:srgbClr val="000000"/>
+                </a:solidFill>
+                <a:highlight>
+                  <a:srgbClr val="FFFFFF"/>
+                </a:highlight>
+                <a:latin typeface="Consolas"/>
+              </a:rPr>
+              <a:t> </a:t>
+            </a:r>
+            <a:r>
+              <a:rPr lang="en-US" sz="1050" dirty="0" err="1">
+                <a:solidFill>
+                  <a:srgbClr val="000000"/>
+                </a:solidFill>
+                <a:highlight>
+                  <a:srgbClr val="FFFFFF"/>
+                </a:highlight>
+                <a:latin typeface="Consolas"/>
+              </a:rPr>
+              <a:t>amountToTransfer</a:t>
+            </a:r>
+            <a:r>
+              <a:rPr lang="en-US" sz="1050" dirty="0">
+                <a:solidFill>
+                  <a:srgbClr val="000000"/>
+                </a:solidFill>
+                <a:highlight>
+                  <a:srgbClr val="FFFFFF"/>
+                </a:highlight>
+                <a:latin typeface="Consolas"/>
+              </a:rPr>
+              <a:t>)</a:t>
+            </a:r>
+          </a:p>
+          <a:p>
+            <a:r>
+              <a:rPr lang="en-US" sz="1050" dirty="0">
+                <a:solidFill>
+                  <a:srgbClr val="000000"/>
+                </a:solidFill>
+                <a:highlight>
+                  <a:srgbClr val="FFFFFF"/>
+                </a:highlight>
+                <a:latin typeface="Consolas"/>
+              </a:rPr>
+              <a:t>        {</a:t>
+            </a:r>
+          </a:p>
+          <a:p>
+            <a:r>
+              <a:rPr lang="en-US" sz="1050" dirty="0">
+                <a:solidFill>
+                  <a:srgbClr val="000000"/>
+                </a:solidFill>
+                <a:highlight>
+                  <a:srgbClr val="FFFFFF"/>
+                </a:highlight>
+                <a:latin typeface="Consolas"/>
+              </a:rPr>
+              <a:t>            </a:t>
+            </a:r>
+            <a:r>
+              <a:rPr lang="en-US" sz="1050" dirty="0">
+                <a:solidFill>
+                  <a:srgbClr val="008000"/>
+                </a:solidFill>
+                <a:highlight>
+                  <a:srgbClr val="FFFFFF"/>
+                </a:highlight>
+                <a:latin typeface="Consolas"/>
+              </a:rPr>
+              <a:t>// </a:t>
+            </a:r>
+            <a:r>
+              <a:rPr lang="en-US" sz="1050" b="1" dirty="0">
+                <a:solidFill>
+                  <a:srgbClr val="00008B"/>
+                </a:solidFill>
+                <a:highlight>
+                  <a:srgbClr val="FFFFFF"/>
+                </a:highlight>
+                <a:latin typeface="Consolas"/>
+              </a:rPr>
+              <a:t>TODO : validate arguments</a:t>
+            </a:r>
+            <a:endParaRPr lang="en-US" sz="1050" dirty="0">
+              <a:solidFill>
+                <a:srgbClr val="000000"/>
+              </a:solidFill>
+              <a:highlight>
+                <a:srgbClr val="FFFFFF"/>
+              </a:highlight>
+              <a:latin typeface="Consolas"/>
+            </a:endParaRPr>
+          </a:p>
+          <a:p>
+            <a:r>
+              <a:rPr lang="en-US" sz="1050" dirty="0">
+                <a:solidFill>
+                  <a:srgbClr val="000000"/>
+                </a:solidFill>
+                <a:highlight>
+                  <a:srgbClr val="FFFFFF"/>
+                </a:highlight>
+                <a:latin typeface="Consolas"/>
+              </a:rPr>
+              <a:t>            </a:t>
+            </a:r>
+            <a:r>
+              <a:rPr lang="en-US" sz="1050" dirty="0" err="1">
+                <a:solidFill>
+                  <a:srgbClr val="0000FF"/>
+                </a:solidFill>
+                <a:highlight>
+                  <a:srgbClr val="FFFFFF"/>
+                </a:highlight>
+                <a:latin typeface="Consolas"/>
+              </a:rPr>
+              <a:t>var</a:t>
+            </a:r>
+            <a:r>
+              <a:rPr lang="en-US" sz="1050" dirty="0">
+                <a:solidFill>
+                  <a:srgbClr val="000000"/>
+                </a:solidFill>
+                <a:highlight>
+                  <a:srgbClr val="FFFFFF"/>
+                </a:highlight>
+                <a:latin typeface="Consolas"/>
+              </a:rPr>
+              <a:t> </a:t>
+            </a:r>
+            <a:r>
+              <a:rPr lang="en-US" sz="1050" dirty="0" err="1">
+                <a:solidFill>
+                  <a:srgbClr val="000000"/>
+                </a:solidFill>
+                <a:highlight>
+                  <a:srgbClr val="FFFFFF"/>
+                </a:highlight>
+                <a:latin typeface="Consolas"/>
+              </a:rPr>
+              <a:t>accountRepository</a:t>
+            </a:r>
+            <a:r>
+              <a:rPr lang="en-US" sz="1050" dirty="0">
+                <a:solidFill>
+                  <a:srgbClr val="000000"/>
+                </a:solidFill>
+                <a:highlight>
+                  <a:srgbClr val="FFFFFF"/>
+                </a:highlight>
+                <a:latin typeface="Consolas"/>
+              </a:rPr>
+              <a:t> = </a:t>
+            </a:r>
+            <a:r>
+              <a:rPr lang="en-US" sz="1050" b="1" u="sng" dirty="0">
+                <a:solidFill>
+                  <a:srgbClr val="C00000"/>
+                </a:solidFill>
+                <a:highlight>
+                  <a:srgbClr val="FFFFFF"/>
+                </a:highlight>
+                <a:latin typeface="Consolas"/>
+              </a:rPr>
+              <a:t>new</a:t>
+            </a:r>
+            <a:r>
+              <a:rPr lang="en-US" sz="1050" dirty="0">
+                <a:solidFill>
+                  <a:srgbClr val="000000"/>
+                </a:solidFill>
+                <a:highlight>
+                  <a:srgbClr val="FFFFFF"/>
+                </a:highlight>
+                <a:latin typeface="Consolas"/>
+              </a:rPr>
+              <a:t> </a:t>
+            </a:r>
+            <a:r>
+              <a:rPr lang="en-US" sz="1050" dirty="0" err="1">
+                <a:solidFill>
+                  <a:srgbClr val="2B91AF"/>
+                </a:solidFill>
+                <a:highlight>
+                  <a:srgbClr val="FFFFFF"/>
+                </a:highlight>
+                <a:latin typeface="Consolas"/>
+              </a:rPr>
+              <a:t>AccountRepository</a:t>
+            </a:r>
+            <a:r>
+              <a:rPr lang="en-US" sz="1050" dirty="0">
+                <a:solidFill>
+                  <a:srgbClr val="000000"/>
+                </a:solidFill>
+                <a:highlight>
+                  <a:srgbClr val="FFFFFF"/>
+                </a:highlight>
+                <a:latin typeface="Consolas"/>
+              </a:rPr>
+              <a:t>();</a:t>
+            </a:r>
+          </a:p>
+          <a:p>
+            <a:r>
+              <a:rPr lang="en-US" sz="1050" dirty="0">
+                <a:solidFill>
+                  <a:srgbClr val="000000"/>
+                </a:solidFill>
+                <a:highlight>
+                  <a:srgbClr val="FFFFFF"/>
+                </a:highlight>
+                <a:latin typeface="Consolas"/>
+              </a:rPr>
+              <a:t>            </a:t>
+            </a:r>
+            <a:r>
+              <a:rPr lang="en-US" sz="1050" dirty="0" err="1">
+                <a:solidFill>
+                  <a:srgbClr val="0000FF"/>
+                </a:solidFill>
+                <a:highlight>
+                  <a:srgbClr val="FFFFFF"/>
+                </a:highlight>
+                <a:latin typeface="Consolas"/>
+              </a:rPr>
+              <a:t>var</a:t>
+            </a:r>
+            <a:r>
+              <a:rPr lang="en-US" sz="1050" dirty="0">
+                <a:solidFill>
+                  <a:srgbClr val="000000"/>
+                </a:solidFill>
+                <a:highlight>
+                  <a:srgbClr val="FFFFFF"/>
+                </a:highlight>
+                <a:latin typeface="Consolas"/>
+              </a:rPr>
+              <a:t> </a:t>
+            </a:r>
+            <a:r>
+              <a:rPr lang="en-US" sz="1050" dirty="0" err="1">
+                <a:solidFill>
+                  <a:srgbClr val="000000"/>
+                </a:solidFill>
+                <a:highlight>
+                  <a:srgbClr val="FFFFFF"/>
+                </a:highlight>
+                <a:latin typeface="Consolas"/>
+              </a:rPr>
+              <a:t>fromAccount</a:t>
+            </a:r>
+            <a:r>
+              <a:rPr lang="en-US" sz="1050" dirty="0">
+                <a:solidFill>
+                  <a:srgbClr val="000000"/>
+                </a:solidFill>
+                <a:highlight>
+                  <a:srgbClr val="FFFFFF"/>
+                </a:highlight>
+                <a:latin typeface="Consolas"/>
+              </a:rPr>
+              <a:t> = </a:t>
+            </a:r>
+            <a:r>
+              <a:rPr lang="en-US" sz="1050" dirty="0" err="1">
+                <a:solidFill>
+                  <a:srgbClr val="000000"/>
+                </a:solidFill>
+                <a:highlight>
+                  <a:srgbClr val="FFFFFF"/>
+                </a:highlight>
+                <a:latin typeface="Consolas"/>
+              </a:rPr>
+              <a:t>accountRepository.GetAccountForCustomer</a:t>
+            </a:r>
+            <a:r>
+              <a:rPr lang="en-US" sz="1050" dirty="0">
+                <a:solidFill>
+                  <a:srgbClr val="000000"/>
+                </a:solidFill>
+                <a:highlight>
+                  <a:srgbClr val="FFFFFF"/>
+                </a:highlight>
+                <a:latin typeface="Consolas"/>
+              </a:rPr>
+              <a:t>(</a:t>
+            </a:r>
+            <a:r>
+              <a:rPr lang="en-US" sz="1050" dirty="0" err="1">
+                <a:solidFill>
+                  <a:srgbClr val="000000"/>
+                </a:solidFill>
+                <a:highlight>
+                  <a:srgbClr val="FFFFFF"/>
+                </a:highlight>
+                <a:latin typeface="Consolas"/>
+              </a:rPr>
+              <a:t>userId</a:t>
+            </a:r>
+            <a:r>
+              <a:rPr lang="en-US" sz="1050" dirty="0">
+                <a:solidFill>
+                  <a:srgbClr val="000000"/>
+                </a:solidFill>
+                <a:highlight>
+                  <a:srgbClr val="FFFFFF"/>
+                </a:highlight>
+                <a:latin typeface="Consolas"/>
+              </a:rPr>
+              <a:t>, </a:t>
+            </a:r>
+            <a:r>
+              <a:rPr lang="en-US" sz="1050" dirty="0" err="1">
+                <a:solidFill>
+                  <a:srgbClr val="000000"/>
+                </a:solidFill>
+                <a:highlight>
+                  <a:srgbClr val="FFFFFF"/>
+                </a:highlight>
+                <a:latin typeface="Consolas"/>
+              </a:rPr>
+              <a:t>fromAccountId</a:t>
+            </a:r>
+            <a:r>
+              <a:rPr lang="en-US" sz="1050" dirty="0">
+                <a:solidFill>
+                  <a:srgbClr val="000000"/>
+                </a:solidFill>
+                <a:highlight>
+                  <a:srgbClr val="FFFFFF"/>
+                </a:highlight>
+                <a:latin typeface="Consolas"/>
+              </a:rPr>
+              <a:t>);</a:t>
+            </a:r>
+          </a:p>
+          <a:p>
+            <a:r>
+              <a:rPr lang="en-US" sz="1050" dirty="0">
+                <a:solidFill>
+                  <a:srgbClr val="000000"/>
+                </a:solidFill>
+                <a:highlight>
+                  <a:srgbClr val="FFFFFF"/>
+                </a:highlight>
+                <a:latin typeface="Consolas"/>
+              </a:rPr>
+              <a:t>            </a:t>
+            </a:r>
+            <a:r>
+              <a:rPr lang="en-US" sz="1050" dirty="0" err="1">
+                <a:solidFill>
+                  <a:srgbClr val="0000FF"/>
+                </a:solidFill>
+                <a:highlight>
+                  <a:srgbClr val="FFFFFF"/>
+                </a:highlight>
+                <a:latin typeface="Consolas"/>
+              </a:rPr>
+              <a:t>var</a:t>
+            </a:r>
+            <a:r>
+              <a:rPr lang="en-US" sz="1050" dirty="0">
+                <a:solidFill>
+                  <a:srgbClr val="000000"/>
+                </a:solidFill>
+                <a:highlight>
+                  <a:srgbClr val="FFFFFF"/>
+                </a:highlight>
+                <a:latin typeface="Consolas"/>
+              </a:rPr>
+              <a:t> </a:t>
+            </a:r>
+            <a:r>
+              <a:rPr lang="en-US" sz="1050" dirty="0" err="1">
+                <a:solidFill>
+                  <a:srgbClr val="000000"/>
+                </a:solidFill>
+                <a:highlight>
+                  <a:srgbClr val="FFFFFF"/>
+                </a:highlight>
+                <a:latin typeface="Consolas"/>
+              </a:rPr>
+              <a:t>toAccount</a:t>
+            </a:r>
+            <a:r>
+              <a:rPr lang="en-US" sz="1050" dirty="0">
+                <a:solidFill>
+                  <a:srgbClr val="000000"/>
+                </a:solidFill>
+                <a:highlight>
+                  <a:srgbClr val="FFFFFF"/>
+                </a:highlight>
+                <a:latin typeface="Consolas"/>
+              </a:rPr>
+              <a:t> = </a:t>
+            </a:r>
+            <a:r>
+              <a:rPr lang="en-US" sz="1050" dirty="0" err="1">
+                <a:solidFill>
+                  <a:srgbClr val="000000"/>
+                </a:solidFill>
+                <a:highlight>
+                  <a:srgbClr val="FFFFFF"/>
+                </a:highlight>
+                <a:latin typeface="Consolas"/>
+              </a:rPr>
+              <a:t>accountRepository.GetAccountForCustomer</a:t>
+            </a:r>
+            <a:r>
+              <a:rPr lang="en-US" sz="1050" dirty="0">
+                <a:solidFill>
+                  <a:srgbClr val="000000"/>
+                </a:solidFill>
+                <a:highlight>
+                  <a:srgbClr val="FFFFFF"/>
+                </a:highlight>
+                <a:latin typeface="Consolas"/>
+              </a:rPr>
+              <a:t>(</a:t>
+            </a:r>
+            <a:r>
+              <a:rPr lang="en-US" sz="1050" dirty="0" err="1">
+                <a:solidFill>
+                  <a:srgbClr val="000000"/>
+                </a:solidFill>
+                <a:highlight>
+                  <a:srgbClr val="FFFFFF"/>
+                </a:highlight>
+                <a:latin typeface="Consolas"/>
+              </a:rPr>
+              <a:t>userId</a:t>
+            </a:r>
+            <a:r>
+              <a:rPr lang="en-US" sz="1050" dirty="0">
+                <a:solidFill>
+                  <a:srgbClr val="000000"/>
+                </a:solidFill>
+                <a:highlight>
+                  <a:srgbClr val="FFFFFF"/>
+                </a:highlight>
+                <a:latin typeface="Consolas"/>
+              </a:rPr>
+              <a:t>, </a:t>
+            </a:r>
+            <a:r>
+              <a:rPr lang="en-US" sz="1050" dirty="0" err="1">
+                <a:solidFill>
+                  <a:srgbClr val="000000"/>
+                </a:solidFill>
+                <a:highlight>
+                  <a:srgbClr val="FFFFFF"/>
+                </a:highlight>
+                <a:latin typeface="Consolas"/>
+              </a:rPr>
+              <a:t>toAccountId</a:t>
+            </a:r>
+            <a:r>
+              <a:rPr lang="en-US" sz="1050" dirty="0">
+                <a:solidFill>
+                  <a:srgbClr val="000000"/>
+                </a:solidFill>
+                <a:highlight>
+                  <a:srgbClr val="FFFFFF"/>
+                </a:highlight>
+                <a:latin typeface="Consolas"/>
+              </a:rPr>
+              <a:t>);</a:t>
+            </a:r>
+          </a:p>
+          <a:p>
+            <a:endParaRPr lang="en-US" sz="1050" dirty="0">
+              <a:solidFill>
+                <a:srgbClr val="000000"/>
+              </a:solidFill>
+              <a:highlight>
+                <a:srgbClr val="FFFFFF"/>
+              </a:highlight>
+              <a:latin typeface="Consolas"/>
+            </a:endParaRPr>
+          </a:p>
+          <a:p>
+            <a:r>
+              <a:rPr lang="en-US" sz="1050" dirty="0">
+                <a:solidFill>
+                  <a:srgbClr val="000000"/>
+                </a:solidFill>
+                <a:highlight>
+                  <a:srgbClr val="FFFFFF"/>
+                </a:highlight>
+                <a:latin typeface="Consolas"/>
+              </a:rPr>
+              <a:t>            </a:t>
+            </a:r>
+            <a:r>
+              <a:rPr lang="en-US" sz="1050" dirty="0">
+                <a:solidFill>
+                  <a:srgbClr val="008000"/>
+                </a:solidFill>
+                <a:highlight>
+                  <a:srgbClr val="FFFFFF"/>
+                </a:highlight>
+                <a:latin typeface="Consolas"/>
+              </a:rPr>
+              <a:t>// </a:t>
+            </a:r>
+            <a:r>
+              <a:rPr lang="en-US" sz="1050" b="1" dirty="0">
+                <a:solidFill>
+                  <a:srgbClr val="00008B"/>
+                </a:solidFill>
+                <a:highlight>
+                  <a:srgbClr val="FFFFFF"/>
+                </a:highlight>
+                <a:latin typeface="Consolas"/>
+              </a:rPr>
+              <a:t>TODO : verify that there is enough money</a:t>
+            </a:r>
+            <a:endParaRPr lang="en-US" sz="1050" dirty="0">
+              <a:solidFill>
+                <a:srgbClr val="000000"/>
+              </a:solidFill>
+              <a:highlight>
+                <a:srgbClr val="FFFFFF"/>
+              </a:highlight>
+              <a:latin typeface="Consolas"/>
+            </a:endParaRPr>
+          </a:p>
+          <a:p>
+            <a:r>
+              <a:rPr lang="en-US" sz="1050" dirty="0">
+                <a:solidFill>
+                  <a:srgbClr val="000000"/>
+                </a:solidFill>
+                <a:highlight>
+                  <a:srgbClr val="FFFFFF"/>
+                </a:highlight>
+                <a:latin typeface="Consolas"/>
+              </a:rPr>
+              <a:t>            </a:t>
+            </a:r>
+            <a:r>
+              <a:rPr lang="en-US" sz="1050" dirty="0" err="1">
+                <a:solidFill>
+                  <a:srgbClr val="000000"/>
+                </a:solidFill>
+                <a:highlight>
+                  <a:srgbClr val="FFFFFF"/>
+                </a:highlight>
+                <a:latin typeface="Consolas"/>
+              </a:rPr>
+              <a:t>fromAccount.Balance</a:t>
+            </a:r>
+            <a:r>
+              <a:rPr lang="en-US" sz="1050" dirty="0">
+                <a:solidFill>
+                  <a:srgbClr val="000000"/>
+                </a:solidFill>
+                <a:highlight>
+                  <a:srgbClr val="FFFFFF"/>
+                </a:highlight>
+                <a:latin typeface="Consolas"/>
+              </a:rPr>
+              <a:t> -= </a:t>
+            </a:r>
+            <a:r>
+              <a:rPr lang="en-US" sz="1050" dirty="0" err="1">
+                <a:solidFill>
+                  <a:srgbClr val="000000"/>
+                </a:solidFill>
+                <a:highlight>
+                  <a:srgbClr val="FFFFFF"/>
+                </a:highlight>
+                <a:latin typeface="Consolas"/>
+              </a:rPr>
+              <a:t>amountToTransfer</a:t>
+            </a:r>
+            <a:r>
+              <a:rPr lang="en-US" sz="1050" dirty="0">
+                <a:solidFill>
+                  <a:srgbClr val="000000"/>
+                </a:solidFill>
+                <a:highlight>
+                  <a:srgbClr val="FFFFFF"/>
+                </a:highlight>
+                <a:latin typeface="Consolas"/>
+              </a:rPr>
+              <a:t>;</a:t>
+            </a:r>
+          </a:p>
+          <a:p>
+            <a:r>
+              <a:rPr lang="en-US" sz="1050" dirty="0">
+                <a:solidFill>
+                  <a:srgbClr val="000000"/>
+                </a:solidFill>
+                <a:highlight>
+                  <a:srgbClr val="FFFFFF"/>
+                </a:highlight>
+                <a:latin typeface="Consolas"/>
+              </a:rPr>
+              <a:t>            </a:t>
+            </a:r>
+            <a:r>
+              <a:rPr lang="en-US" sz="1050" dirty="0" err="1">
+                <a:solidFill>
+                  <a:srgbClr val="000000"/>
+                </a:solidFill>
+                <a:highlight>
+                  <a:srgbClr val="FFFFFF"/>
+                </a:highlight>
+                <a:latin typeface="Consolas"/>
+              </a:rPr>
+              <a:t>toAccount.Balance</a:t>
+            </a:r>
+            <a:r>
+              <a:rPr lang="en-US" sz="1050" dirty="0">
+                <a:solidFill>
+                  <a:srgbClr val="000000"/>
+                </a:solidFill>
+                <a:highlight>
+                  <a:srgbClr val="FFFFFF"/>
+                </a:highlight>
+                <a:latin typeface="Consolas"/>
+              </a:rPr>
+              <a:t> += </a:t>
+            </a:r>
+            <a:r>
+              <a:rPr lang="en-US" sz="1050" dirty="0" err="1">
+                <a:solidFill>
+                  <a:srgbClr val="000000"/>
+                </a:solidFill>
+                <a:highlight>
+                  <a:srgbClr val="FFFFFF"/>
+                </a:highlight>
+                <a:latin typeface="Consolas"/>
+              </a:rPr>
+              <a:t>amountToTransfer</a:t>
+            </a:r>
+            <a:r>
+              <a:rPr lang="en-US" sz="1050" dirty="0">
+                <a:solidFill>
+                  <a:srgbClr val="000000"/>
+                </a:solidFill>
+                <a:highlight>
+                  <a:srgbClr val="FFFFFF"/>
+                </a:highlight>
+                <a:latin typeface="Consolas"/>
+              </a:rPr>
+              <a:t>;</a:t>
+            </a:r>
+          </a:p>
+          <a:p>
+            <a:endParaRPr lang="en-US" sz="1050" dirty="0">
+              <a:solidFill>
+                <a:srgbClr val="000000"/>
+              </a:solidFill>
+              <a:highlight>
+                <a:srgbClr val="FFFFFF"/>
+              </a:highlight>
+              <a:latin typeface="Consolas"/>
+            </a:endParaRPr>
+          </a:p>
+          <a:p>
+            <a:r>
+              <a:rPr lang="en-US" sz="1050" dirty="0">
+                <a:solidFill>
+                  <a:srgbClr val="000000"/>
+                </a:solidFill>
+                <a:highlight>
+                  <a:srgbClr val="FFFFFF"/>
+                </a:highlight>
+                <a:latin typeface="Consolas"/>
+              </a:rPr>
+              <a:t>            </a:t>
+            </a:r>
+            <a:r>
+              <a:rPr lang="en-US" sz="1050" dirty="0" err="1">
+                <a:solidFill>
+                  <a:srgbClr val="000000"/>
+                </a:solidFill>
+                <a:highlight>
+                  <a:srgbClr val="FFFFFF"/>
+                </a:highlight>
+                <a:latin typeface="Consolas"/>
+              </a:rPr>
+              <a:t>accountRepository.Update</a:t>
+            </a:r>
+            <a:r>
+              <a:rPr lang="en-US" sz="1050" dirty="0">
+                <a:solidFill>
+                  <a:srgbClr val="000000"/>
+                </a:solidFill>
+                <a:highlight>
+                  <a:srgbClr val="FFFFFF"/>
+                </a:highlight>
+                <a:latin typeface="Consolas"/>
+              </a:rPr>
+              <a:t>(</a:t>
+            </a:r>
+            <a:r>
+              <a:rPr lang="en-US" sz="1050" dirty="0" err="1">
+                <a:solidFill>
+                  <a:srgbClr val="000000"/>
+                </a:solidFill>
+                <a:highlight>
+                  <a:srgbClr val="FFFFFF"/>
+                </a:highlight>
+                <a:latin typeface="Consolas"/>
+              </a:rPr>
+              <a:t>fromAccount</a:t>
+            </a:r>
+            <a:r>
+              <a:rPr lang="en-US" sz="1050" dirty="0">
+                <a:solidFill>
+                  <a:srgbClr val="000000"/>
+                </a:solidFill>
+                <a:highlight>
+                  <a:srgbClr val="FFFFFF"/>
+                </a:highlight>
+                <a:latin typeface="Consolas"/>
+              </a:rPr>
+              <a:t>);</a:t>
+            </a:r>
+          </a:p>
+          <a:p>
+            <a:r>
+              <a:rPr lang="en-US" sz="1050" dirty="0">
+                <a:solidFill>
+                  <a:srgbClr val="000000"/>
+                </a:solidFill>
+                <a:highlight>
+                  <a:srgbClr val="FFFFFF"/>
+                </a:highlight>
+                <a:latin typeface="Consolas"/>
+              </a:rPr>
+              <a:t>            </a:t>
+            </a:r>
+            <a:r>
+              <a:rPr lang="en-US" sz="1050" dirty="0" err="1">
+                <a:solidFill>
+                  <a:srgbClr val="000000"/>
+                </a:solidFill>
+                <a:highlight>
+                  <a:srgbClr val="FFFFFF"/>
+                </a:highlight>
+                <a:latin typeface="Consolas"/>
+              </a:rPr>
+              <a:t>accountRepository.Update</a:t>
+            </a:r>
+            <a:r>
+              <a:rPr lang="en-US" sz="1050" dirty="0">
+                <a:solidFill>
+                  <a:srgbClr val="000000"/>
+                </a:solidFill>
+                <a:highlight>
+                  <a:srgbClr val="FFFFFF"/>
+                </a:highlight>
+                <a:latin typeface="Consolas"/>
+              </a:rPr>
+              <a:t>(</a:t>
+            </a:r>
+            <a:r>
+              <a:rPr lang="en-US" sz="1050" dirty="0" err="1">
+                <a:solidFill>
+                  <a:srgbClr val="000000"/>
+                </a:solidFill>
+                <a:highlight>
+                  <a:srgbClr val="FFFFFF"/>
+                </a:highlight>
+                <a:latin typeface="Consolas"/>
+              </a:rPr>
+              <a:t>toAccount</a:t>
+            </a:r>
+            <a:r>
+              <a:rPr lang="en-US" sz="1050" dirty="0">
+                <a:solidFill>
+                  <a:srgbClr val="000000"/>
+                </a:solidFill>
+                <a:highlight>
+                  <a:srgbClr val="FFFFFF"/>
+                </a:highlight>
+                <a:latin typeface="Consolas"/>
+              </a:rPr>
+              <a:t>);</a:t>
+            </a:r>
+          </a:p>
+          <a:p>
+            <a:r>
+              <a:rPr lang="en-US" sz="1050" dirty="0">
+                <a:solidFill>
+                  <a:srgbClr val="000000"/>
+                </a:solidFill>
+                <a:highlight>
+                  <a:srgbClr val="FFFFFF"/>
+                </a:highlight>
+                <a:latin typeface="Consolas"/>
+              </a:rPr>
+              <a:t>        </a:t>
+            </a:r>
+            <a:r>
+              <a:rPr lang="en-US" sz="1050" dirty="0" smtClean="0">
+                <a:solidFill>
+                  <a:srgbClr val="000000"/>
+                </a:solidFill>
+                <a:highlight>
+                  <a:srgbClr val="FFFFFF"/>
+                </a:highlight>
+                <a:latin typeface="Consolas"/>
+              </a:rPr>
+              <a:t>}</a:t>
+            </a:r>
+          </a:p>
+          <a:p>
+            <a:endParaRPr lang="en-US" sz="1050" dirty="0">
+              <a:solidFill>
+                <a:srgbClr val="000000"/>
+              </a:solidFill>
+              <a:highlight>
+                <a:srgbClr val="FFFFFF"/>
+              </a:highlight>
+              <a:latin typeface="Consolas"/>
+              <a:ea typeface="Calibri"/>
+              <a:cs typeface="Times New Roman"/>
+            </a:endParaRPr>
+          </a:p>
+          <a:p>
+            <a:r>
+              <a:rPr lang="en-US" sz="1200" i="1" dirty="0" err="1" smtClean="0">
+                <a:highlight>
+                  <a:srgbClr val="FFFFFF"/>
+                </a:highlight>
+                <a:ea typeface="Calibri"/>
+                <a:cs typeface="Times New Roman"/>
+              </a:rPr>
+              <a:t>UserAccountService.cs</a:t>
+            </a:r>
+            <a:r>
+              <a:rPr lang="en-US" sz="1200" i="1" dirty="0" smtClean="0">
+                <a:highlight>
+                  <a:srgbClr val="FFFFFF"/>
+                </a:highlight>
+                <a:ea typeface="Calibri"/>
+                <a:cs typeface="Times New Roman"/>
+              </a:rPr>
+              <a:t> (Business)</a:t>
+            </a:r>
+            <a:endParaRPr lang="en-US" sz="1200" i="1" dirty="0">
+              <a:ea typeface="Calibri"/>
+              <a:cs typeface="Times New Roman"/>
+            </a:endParaRPr>
+          </a:p>
+        </p:txBody>
+      </p:sp>
+    </p:spTree>
+    <p:extLst>
+      <p:ext uri="{BB962C8B-B14F-4D97-AF65-F5344CB8AC3E}">
+        <p14:creationId xmlns:p14="http://schemas.microsoft.com/office/powerpoint/2010/main" val="2783332498"/>
+      </p:ext>
+    </p:extLst>
+  </p:cSld>
+  <p:clrMapOvr>
+    <a:masterClrMapping/>
+  </p:clrMapOvr>
+  <p:timing>
+    <p:tnLst>
+      <p:par>
+        <p:cTn id="1" dur="indefinite" restart="never" nodeType="tmRoot">
+          <p:childTnLst>
+            <p:seq concurrent="1" nextAc="seek">
+              <p:cTn id="2" dur="indefinite" nodeType="mainSeq">
+                <p:childTnLst>
+                  <p:par>
+                    <p:cTn id="3" fill="hold">
+                      <p:stCondLst>
+                        <p:cond delay="indefinite"/>
+                        <p:cond evt="onBegin" delay="0">
+                          <p:tn val="2"/>
+                        </p:cond>
+                      </p:stCondLst>
+                      <p:childTnLst>
+                        <p:par>
+                          <p:cTn id="4" fill="hold">
+                            <p:stCondLst>
+                              <p:cond delay="0"/>
+                            </p:stCondLst>
+                            <p:childTnLst>
+                              <p:par>
+                                <p:cTn id="5" presetID="1" presetClass="entr" presetSubtype="0" fill="hold" grpId="0" nodeType="withEffect">
+                                  <p:stCondLst>
+                                    <p:cond delay="0"/>
+                                  </p:stCondLst>
+                                  <p:childTnLst>
+                                    <p:set>
+                                      <p:cBhvr>
+                                        <p:cTn id="6" dur="1" fill="hold">
+                                          <p:stCondLst>
+                                            <p:cond delay="0"/>
+                                          </p:stCondLst>
+                                        </p:cTn>
+                                        <p:tgtEl>
+                                          <p:spTgt spid="4"/>
+                                        </p:tgtEl>
+                                        <p:attrNameLst>
+                                          <p:attrName>style.visibility</p:attrName>
+                                        </p:attrNameLst>
+                                      </p:cBhvr>
+                                      <p:to>
+                                        <p:strVal val="visible"/>
+                                      </p:to>
+                                    </p:set>
+                                  </p:childTnLst>
+                                </p:cTn>
+                              </p:par>
+                              <p:par>
+                                <p:cTn id="7" presetID="1" presetClass="entr" presetSubtype="0" fill="hold" grpId="0" nodeType="withEffect">
+                                  <p:stCondLst>
+                                    <p:cond delay="0"/>
+                                  </p:stCondLst>
+                                  <p:childTnLst>
+                                    <p:set>
+                                      <p:cBhvr>
+                                        <p:cTn id="8" dur="1" fill="hold">
+                                          <p:stCondLst>
+                                            <p:cond delay="0"/>
+                                          </p:stCondLst>
+                                        </p:cTn>
+                                        <p:tgtEl>
+                                          <p:spTgt spid="5"/>
+                                        </p:tgtEl>
+                                        <p:attrNameLst>
+                                          <p:attrName>style.visibility</p:attrName>
+                                        </p:attrNameLst>
+                                      </p:cBhvr>
+                                      <p:to>
+                                        <p:strVal val="visible"/>
+                                      </p:to>
+                                    </p:set>
+                                  </p:childTnLst>
+                                </p:cTn>
+                              </p:par>
+                            </p:childTnLst>
+                          </p:cTn>
+                        </p:par>
+                      </p:childTnLst>
+                    </p:cTn>
+                  </p:par>
+                </p:childTnLst>
+              </p:cTn>
+              <p:prevCondLst>
+                <p:cond evt="onPrev" delay="0">
+                  <p:tgtEl>
+                    <p:sldTgt/>
+                  </p:tgtEl>
+                </p:cond>
+              </p:prevCondLst>
+              <p:nextCondLst>
+                <p:cond evt="onNext" delay="0">
+                  <p:tgtEl>
+                    <p:sldTgt/>
+                  </p:tgtEl>
+                </p:cond>
+              </p:nextCondLst>
+            </p:seq>
+          </p:childTnLst>
+        </p:cTn>
+      </p:par>
+    </p:tnLst>
+    <p:bldLst>
+      <p:bldP spid="4" grpId="0" animBg="1"/>
+      <p:bldP spid="5" grpId="0" animBg="1"/>
+    </p:bldLst>
+  </p:timing>
+</p:sld>
+</file>
+
 <file path=ppt/slides/slide17.xml><?xml version="1.0" encoding="utf-8"?>
 <p:sld xmlns:a="http://schemas.openxmlformats.org/drawingml/2006/main" xmlns:r="http://schemas.openxmlformats.org/officeDocument/2006/relationships" xmlns:p="http://schemas.openxmlformats.org/presentationml/2006/main">
   <p:cSld>
@@ -16124,18 +19258,10 @@
           <a:lstStyle/>
           <a:p>
             <a:r>
-              <a:rPr lang="en-US" dirty="0"/>
-              <a:t>a</a:t>
-            </a:r>
-            <a:r>
               <a:rPr lang="en-US" dirty="0" smtClean="0"/>
-              <a:t>nti-pattern : </a:t>
-            </a:r>
-            <a:r>
-              <a:rPr lang="en-US" b="1" dirty="0" smtClean="0"/>
-              <a:t>Control Freak</a:t>
-            </a:r>
-            <a:endParaRPr lang="en-US" b="1" dirty="0"/>
+              <a:t>Unit tests as a Coupling Detector</a:t>
+            </a:r>
+            <a:endParaRPr lang="en-US" dirty="0"/>
           </a:p>
         </p:txBody>
       </p:sp>
@@ -16156,137 +19282,25 @@
           <a:p>
             <a:r>
               <a:rPr lang="en-US" dirty="0" smtClean="0"/>
-              <a:t>“Control-Freak” anti-pattern</a:t>
-            </a:r>
-          </a:p>
-          <a:p>
-            <a:pPr lvl="1"/>
+              <a:t>Unit tests </a:t>
+            </a:r>
             <a:r>
               <a:rPr lang="en-US" dirty="0" smtClean="0"/>
-              <a:t>Code insists on how the dependencies are built</a:t>
-            </a:r>
-          </a:p>
-          <a:p>
-            <a:pPr lvl="1"/>
+              <a:t>are “just another client” for your code</a:t>
+            </a:r>
+          </a:p>
+          <a:p>
             <a:r>
               <a:rPr lang="en-US" dirty="0" smtClean="0"/>
-              <a:t>Makes it impossible to use component in isolation</a:t>
-            </a:r>
-          </a:p>
-          <a:p>
-            <a:pPr lvl="1"/>
+              <a:t>If </a:t>
+            </a:r>
             <a:r>
               <a:rPr lang="en-US" dirty="0" smtClean="0"/>
-              <a:t>Not testable without full stack</a:t>
-            </a:r>
-          </a:p>
-          <a:p>
-            <a:endParaRPr lang="en-US" dirty="0"/>
-          </a:p>
-          <a:p>
+              <a:t>unit tests </a:t>
+            </a:r>
             <a:r>
               <a:rPr lang="en-US" dirty="0" smtClean="0"/>
-              <a:t>Easy to spot : “</a:t>
-            </a:r>
-            <a:r>
-              <a:rPr lang="en-US" b="1" dirty="0" smtClean="0">
-                <a:latin typeface="Consolas" panose="020B0609020204030204" pitchFamily="49" charset="0"/>
-                <a:cs typeface="Consolas" panose="020B0609020204030204" pitchFamily="49" charset="0"/>
-              </a:rPr>
-              <a:t>new</a:t>
-            </a:r>
-            <a:r>
-              <a:rPr lang="en-US" dirty="0" smtClean="0"/>
-              <a:t>” everywhere</a:t>
-            </a:r>
-            <a:endParaRPr lang="en-US" dirty="0"/>
-          </a:p>
-        </p:txBody>
-      </p:sp>
-    </p:spTree>
-    <p:extLst>
-      <p:ext uri="{BB962C8B-B14F-4D97-AF65-F5344CB8AC3E}">
-        <p14:creationId xmlns:p14="http://schemas.microsoft.com/office/powerpoint/2010/main" val="2783332498"/>
-      </p:ext>
-    </p:extLst>
-  </p:cSld>
-  <p:clrMapOvr>
-    <a:masterClrMapping/>
-  </p:clrMapOvr>
-  <p:timing>
-    <p:tnLst>
-      <p:par>
-        <p:cTn id="1" dur="indefinite" restart="never" nodeType="tmRoot"/>
-      </p:par>
-    </p:tnLst>
-  </p:timing>
-</p:sld>
-</file>
-
-<file path=ppt/slides/slide18.xml><?xml version="1.0" encoding="utf-8"?>
-<p:sld xmlns:a="http://schemas.openxmlformats.org/drawingml/2006/main" xmlns:r="http://schemas.openxmlformats.org/officeDocument/2006/relationships" xmlns:p="http://schemas.openxmlformats.org/presentationml/2006/main">
-  <p:cSld>
-    <p:spTree>
-      <p:nvGrpSpPr>
-        <p:cNvPr id="1" name=""/>
-        <p:cNvGrpSpPr/>
-        <p:nvPr/>
-      </p:nvGrpSpPr>
-      <p:grpSpPr>
-        <a:xfrm>
-          <a:off x="0" y="0"/>
-          <a:ext cx="0" cy="0"/>
-          <a:chOff x="0" y="0"/>
-          <a:chExt cx="0" cy="0"/>
-        </a:xfrm>
-      </p:grpSpPr>
-      <p:sp>
-        <p:nvSpPr>
-          <p:cNvPr id="2" name="Title 1"/>
-          <p:cNvSpPr>
-            <a:spLocks noGrp="1"/>
-          </p:cNvSpPr>
-          <p:nvPr>
-            <p:ph type="title"/>
-          </p:nvPr>
-        </p:nvSpPr>
-        <p:spPr/>
-        <p:txBody>
-          <a:bodyPr/>
-          <a:lstStyle/>
-          <a:p>
-            <a:r>
-              <a:rPr lang="en-US" dirty="0" smtClean="0"/>
-              <a:t>Unit tests as a Coupling Detector</a:t>
-            </a:r>
-            <a:endParaRPr lang="en-US" dirty="0"/>
-          </a:p>
-        </p:txBody>
-      </p:sp>
-      <p:sp>
-        <p:nvSpPr>
-          <p:cNvPr id="3" name="Content Placeholder 2"/>
-          <p:cNvSpPr>
-            <a:spLocks noGrp="1"/>
-          </p:cNvSpPr>
-          <p:nvPr>
-            <p:ph idx="1"/>
-          </p:nvPr>
-        </p:nvSpPr>
-        <p:spPr/>
-        <p:txBody>
-          <a:bodyPr/>
-          <a:lstStyle/>
-          <a:p>
-            <a:r>
-              <a:rPr lang="en-US" dirty="0" smtClean="0"/>
-              <a:t>Unit-tests are “just another client” for your code</a:t>
-            </a:r>
-          </a:p>
-          <a:p>
-            <a:r>
-              <a:rPr lang="en-US" dirty="0" smtClean="0"/>
-              <a:t>If unit-tests are hard to write, the code is probably too tightly coupled</a:t>
+              <a:t>are hard to write, the code is probably too tightly coupled</a:t>
             </a:r>
             <a:endParaRPr lang="en-US" dirty="0"/>
           </a:p>
@@ -16312,7 +19326,7 @@
 </p:sld>
 </file>
 
-<file path=ppt/slides/slide19.xml><?xml version="1.0" encoding="utf-8"?>
+<file path=ppt/slides/slide18.xml><?xml version="1.0" encoding="utf-8"?>
 <p:sld xmlns:a="http://schemas.openxmlformats.org/drawingml/2006/main" xmlns:r="http://schemas.openxmlformats.org/officeDocument/2006/relationships" xmlns:p="http://schemas.openxmlformats.org/presentationml/2006/main">
   <p:cSld>
     <p:spTree>
@@ -17258,7 +20272,7 @@
         </p:nvSpPr>
         <p:spPr>
           <a:xfrm>
-            <a:off x="179512" y="1124744"/>
+            <a:off x="107504" y="1135983"/>
             <a:ext cx="8784976" cy="5317353"/>
           </a:xfrm>
           <a:prstGeom prst="rect">
@@ -18543,7 +21557,7 @@
                             </p:stCondLst>
                             <p:childTnLst>
                               <p:par>
-                                <p:cTn id="9" presetID="1" presetClass="entr" presetSubtype="0" fill="hold" grpId="0" nodeType="clickEffect">
+                                <p:cTn id="9" presetID="1" presetClass="entr" presetSubtype="0" fill="hold" nodeType="clickEffect">
                                   <p:stCondLst>
                                     <p:cond delay="0"/>
                                   </p:stCondLst>
@@ -18551,6 +21565,51 @@
                                     <p:set>
                                       <p:cBhvr>
                                         <p:cTn id="10" dur="1" fill="hold">
+                                          <p:stCondLst>
+                                            <p:cond delay="0"/>
+                                          </p:stCondLst>
+                                        </p:cTn>
+                                        <p:tgtEl>
+                                          <p:spTgt spid="8"/>
+                                        </p:tgtEl>
+                                        <p:attrNameLst>
+                                          <p:attrName>style.visibility</p:attrName>
+                                        </p:attrNameLst>
+                                      </p:cBhvr>
+                                      <p:to>
+                                        <p:strVal val="visible"/>
+                                      </p:to>
+                                    </p:set>
+                                  </p:childTnLst>
+                                </p:cTn>
+                              </p:par>
+                            </p:childTnLst>
+                          </p:cTn>
+                        </p:par>
+                      </p:childTnLst>
+                    </p:cTn>
+                  </p:par>
+                  <p:par>
+                    <p:cTn id="11" fill="hold">
+                      <p:stCondLst>
+                        <p:cond delay="indefinite"/>
+                      </p:stCondLst>
+                      <p:childTnLst>
+                        <p:par>
+                          <p:cTn id="12" fill="hold">
+                            <p:stCondLst>
+                              <p:cond delay="0"/>
+                            </p:stCondLst>
+                            <p:childTnLst>
+                              <p:par>
+                                <p:cTn id="13" presetID="1" presetClass="entr" presetSubtype="0" fill="hold" grpId="0" nodeType="clickEffect">
+                                  <p:stCondLst>
+                                    <p:cond delay="0"/>
+                                  </p:stCondLst>
+                                  <p:childTnLst>
+                                    <p:set>
+                                      <p:cBhvr>
+                                        <p:cTn id="14" dur="1" fill="hold">
                                           <p:stCondLst>
                                             <p:cond delay="0"/>
                                           </p:stCondLst>
@@ -18604,217 +21663,7 @@
 </p:sld>
 </file>
 
-<file path=ppt/slides/slide2.xml><?xml version="1.0" encoding="utf-8"?>
-<p:sld xmlns:a="http://schemas.openxmlformats.org/drawingml/2006/main" xmlns:r="http://schemas.openxmlformats.org/officeDocument/2006/relationships" xmlns:p="http://schemas.openxmlformats.org/presentationml/2006/main">
-  <p:cSld>
-    <p:spTree>
-      <p:nvGrpSpPr>
-        <p:cNvPr id="1" name=""/>
-        <p:cNvGrpSpPr/>
-        <p:nvPr/>
-      </p:nvGrpSpPr>
-      <p:grpSpPr>
-        <a:xfrm>
-          <a:off x="0" y="0"/>
-          <a:ext cx="0" cy="0"/>
-          <a:chOff x="0" y="0"/>
-          <a:chExt cx="0" cy="0"/>
-        </a:xfrm>
-      </p:grpSpPr>
-      <p:sp>
-        <p:nvSpPr>
-          <p:cNvPr id="2" name="Title 1"/>
-          <p:cNvSpPr>
-            <a:spLocks noGrp="1"/>
-          </p:cNvSpPr>
-          <p:nvPr>
-            <p:ph type="ctrTitle"/>
-          </p:nvPr>
-        </p:nvSpPr>
-        <p:spPr>
-          <a:xfrm>
-            <a:off x="0" y="2348880"/>
-            <a:ext cx="9144000" cy="1470025"/>
-          </a:xfrm>
-        </p:spPr>
-        <p:txBody>
-          <a:bodyPr>
-            <a:normAutofit/>
-          </a:bodyPr>
-          <a:lstStyle/>
-          <a:p>
-            <a:r>
-              <a:rPr lang="en-US" b="1" dirty="0" smtClean="0">
-                <a:latin typeface="Arial" panose="020B0604020202020204" pitchFamily="34" charset="0"/>
-                <a:cs typeface="Arial" panose="020B0604020202020204" pitchFamily="34" charset="0"/>
-              </a:rPr>
-              <a:t>Dependency Injection</a:t>
-            </a:r>
-            <a:r>
-              <a:rPr lang="en-US" dirty="0" smtClean="0">
-                <a:latin typeface="Arial" panose="020B0604020202020204" pitchFamily="34" charset="0"/>
-                <a:cs typeface="Arial" panose="020B0604020202020204" pitchFamily="34" charset="0"/>
-              </a:rPr>
-              <a:t>, </a:t>
-            </a:r>
-            <a:br>
-              <a:rPr lang="en-US" dirty="0" smtClean="0">
-                <a:latin typeface="Arial" panose="020B0604020202020204" pitchFamily="34" charset="0"/>
-                <a:cs typeface="Arial" panose="020B0604020202020204" pitchFamily="34" charset="0"/>
-              </a:rPr>
-            </a:br>
-            <a:r>
-              <a:rPr lang="en-US" dirty="0" smtClean="0">
-                <a:latin typeface="Arial" panose="020B0604020202020204" pitchFamily="34" charset="0"/>
-                <a:cs typeface="Arial" panose="020B0604020202020204" pitchFamily="34" charset="0"/>
-              </a:rPr>
-              <a:t>the right way</a:t>
-            </a:r>
-            <a:endParaRPr lang="en-US" dirty="0">
-              <a:latin typeface="Arial" panose="020B0604020202020204" pitchFamily="34" charset="0"/>
-              <a:cs typeface="Arial" panose="020B0604020202020204" pitchFamily="34" charset="0"/>
-            </a:endParaRPr>
-          </a:p>
-        </p:txBody>
-      </p:sp>
-      <p:sp>
-        <p:nvSpPr>
-          <p:cNvPr id="3" name="Subtitle 2"/>
-          <p:cNvSpPr>
-            <a:spLocks noGrp="1"/>
-          </p:cNvSpPr>
-          <p:nvPr>
-            <p:ph type="subTitle" idx="1"/>
-          </p:nvPr>
-        </p:nvSpPr>
-        <p:spPr>
-          <a:xfrm>
-            <a:off x="323528" y="4005064"/>
-            <a:ext cx="8496944" cy="648072"/>
-          </a:xfrm>
-        </p:spPr>
-        <p:txBody>
-          <a:bodyPr>
-            <a:normAutofit fontScale="92500" lnSpcReduction="20000"/>
-          </a:bodyPr>
-          <a:lstStyle/>
-          <a:p>
-            <a:pPr algn="r"/>
-            <a:r>
-              <a:rPr lang="en-US" sz="2400" dirty="0" err="1" smtClean="0">
-                <a:solidFill>
-                  <a:schemeClr val="bg1">
-                    <a:lumMod val="50000"/>
-                  </a:schemeClr>
-                </a:solidFill>
-              </a:rPr>
-              <a:t>Thibaud</a:t>
-            </a:r>
-            <a:r>
-              <a:rPr lang="en-US" sz="2400" dirty="0" smtClean="0">
-                <a:solidFill>
-                  <a:schemeClr val="bg1">
-                    <a:lumMod val="50000"/>
-                  </a:schemeClr>
-                </a:solidFill>
-              </a:rPr>
-              <a:t> DESODT</a:t>
-            </a:r>
-          </a:p>
-          <a:p>
-            <a:pPr algn="r"/>
-            <a:r>
-              <a:rPr lang="en-US" sz="1700" dirty="0" smtClean="0">
-                <a:solidFill>
-                  <a:schemeClr val="bg1">
-                    <a:lumMod val="50000"/>
-                  </a:schemeClr>
-                </a:solidFill>
-              </a:rPr>
-              <a:t>@</a:t>
-            </a:r>
-            <a:r>
-              <a:rPr lang="en-US" sz="1700" dirty="0" err="1" smtClean="0">
-                <a:solidFill>
-                  <a:schemeClr val="bg1">
-                    <a:lumMod val="50000"/>
-                  </a:schemeClr>
-                </a:solidFill>
-              </a:rPr>
-              <a:t>tsimbalar</a:t>
-            </a:r>
-            <a:endParaRPr lang="en-US" sz="2400" dirty="0">
-              <a:solidFill>
-                <a:schemeClr val="bg1">
-                  <a:lumMod val="50000"/>
-                </a:schemeClr>
-              </a:solidFill>
-            </a:endParaRPr>
-          </a:p>
-        </p:txBody>
-      </p:sp>
-      <p:pic>
-        <p:nvPicPr>
-          <p:cNvPr id="3074" name="Picture 2" descr="C:\Users\tibal\Downloads\sos14-slide-banner.png"/>
-          <p:cNvPicPr>
-            <a:picLocks noChangeAspect="1" noChangeArrowheads="1"/>
-          </p:cNvPicPr>
-          <p:nvPr/>
-        </p:nvPicPr>
-        <p:blipFill>
-          <a:blip r:embed="rId3">
-            <a:extLst>
-              <a:ext uri="{28A0092B-C50C-407E-A947-70E740481C1C}">
-                <a14:useLocalDpi xmlns:a14="http://schemas.microsoft.com/office/drawing/2010/main" val="0"/>
-              </a:ext>
-            </a:extLst>
-          </a:blip>
-          <a:srcRect/>
-          <a:stretch>
-            <a:fillRect/>
-          </a:stretch>
-        </p:blipFill>
-        <p:spPr bwMode="auto">
-          <a:xfrm>
-            <a:off x="-1" y="5513784"/>
-            <a:ext cx="9144001" cy="1371600"/>
-          </a:xfrm>
-          <a:prstGeom prst="rect">
-            <a:avLst/>
-          </a:prstGeom>
-          <a:noFill/>
-          <a:extLst>
-            <a:ext uri="{909E8E84-426E-40DD-AFC4-6F175D3DCCD1}">
-              <a14:hiddenFill xmlns:a14="http://schemas.microsoft.com/office/drawing/2010/main">
-                <a:solidFill>
-                  <a:srgbClr val="FFFFFF"/>
-                </a:solidFill>
-              </a14:hiddenFill>
-            </a:ext>
-          </a:extLst>
-        </p:spPr>
-      </p:pic>
-    </p:spTree>
-    <p:extLst>
-      <p:ext uri="{BB962C8B-B14F-4D97-AF65-F5344CB8AC3E}">
-        <p14:creationId xmlns:p14="http://schemas.microsoft.com/office/powerpoint/2010/main" val="2322596108"/>
-      </p:ext>
-    </p:extLst>
-  </p:cSld>
-  <p:clrMapOvr>
-    <a:masterClrMapping/>
-  </p:clrMapOvr>
-  <p:timing>
-    <p:tnLst>
-      <p:par>
-        <p:cTn id="1" dur="indefinite" restart="never" nodeType="tmRoot"/>
-      </p:par>
-    </p:tnLst>
-  </p:timing>
-</p:sld>
-</file>
-
-<file path=ppt/slides/slide20.xml><?xml version="1.0" encoding="utf-8"?>
+<file path=ppt/slides/slide19.xml><?xml version="1.0" encoding="utf-8"?>
 <p:sld xmlns:a="http://schemas.openxmlformats.org/drawingml/2006/main" xmlns:r="http://schemas.openxmlformats.org/officeDocument/2006/relationships" xmlns:p="http://schemas.openxmlformats.org/presentationml/2006/main">
   <p:cSld>
     <p:spTree>
@@ -19863,7 +22712,7 @@
         </p:nvSpPr>
         <p:spPr>
           <a:xfrm>
-            <a:off x="-756592" y="1197093"/>
+            <a:off x="-756592" y="1269101"/>
             <a:ext cx="10656868" cy="5472267"/>
           </a:xfrm>
           <a:prstGeom prst="rect">
@@ -21856,7 +24705,7 @@
                             </p:stCondLst>
                             <p:childTnLst>
                               <p:par>
-                                <p:cTn id="13" presetID="1" presetClass="entr" presetSubtype="0" fill="hold" grpId="0" nodeType="clickEffect">
+                                <p:cTn id="13" presetID="1" presetClass="entr" presetSubtype="0" fill="hold" nodeType="clickEffect">
                                   <p:stCondLst>
                                     <p:cond delay="0"/>
                                   </p:stCondLst>
@@ -21869,7 +24718,97 @@
                                           </p:stCondLst>
                                         </p:cTn>
                                         <p:tgtEl>
+                                          <p:spTgt spid="8"/>
+                                        </p:tgtEl>
+                                        <p:attrNameLst>
+                                          <p:attrName>style.visibility</p:attrName>
+                                        </p:attrNameLst>
+                                      </p:cBhvr>
+                                      <p:to>
+                                        <p:strVal val="visible"/>
+                                      </p:to>
+                                    </p:set>
+                                  </p:childTnLst>
+                                </p:cTn>
+                              </p:par>
+                            </p:childTnLst>
+                          </p:cTn>
+                        </p:par>
+                      </p:childTnLst>
+                    </p:cTn>
+                  </p:par>
+                  <p:par>
+                    <p:cTn id="15" fill="hold">
+                      <p:stCondLst>
+                        <p:cond delay="indefinite"/>
+                      </p:stCondLst>
+                      <p:childTnLst>
+                        <p:par>
+                          <p:cTn id="16" fill="hold">
+                            <p:stCondLst>
+                              <p:cond delay="0"/>
+                            </p:stCondLst>
+                            <p:childTnLst>
+                              <p:par>
+                                <p:cTn id="17" presetID="1" presetClass="entr" presetSubtype="0" fill="hold" grpId="0" nodeType="clickEffect">
+                                  <p:stCondLst>
+                                    <p:cond delay="0"/>
+                                  </p:stCondLst>
+                                  <p:childTnLst>
+                                    <p:set>
+                                      <p:cBhvr>
+                                        <p:cTn id="18" dur="1" fill="hold">
+                                          <p:stCondLst>
+                                            <p:cond delay="0"/>
+                                          </p:stCondLst>
+                                        </p:cTn>
+                                        <p:tgtEl>
                                           <p:spTgt spid="6"/>
+                                        </p:tgtEl>
+                                        <p:attrNameLst>
+                                          <p:attrName>style.visibility</p:attrName>
+                                        </p:attrNameLst>
+                                      </p:cBhvr>
+                                      <p:to>
+                                        <p:strVal val="visible"/>
+                                      </p:to>
+                                    </p:set>
+                                  </p:childTnLst>
+                                </p:cTn>
+                              </p:par>
+                            </p:childTnLst>
+                          </p:cTn>
+                        </p:par>
+                      </p:childTnLst>
+                    </p:cTn>
+                  </p:par>
+                  <p:par>
+                    <p:cTn id="19" fill="hold">
+                      <p:stCondLst>
+                        <p:cond delay="indefinite"/>
+                      </p:stCondLst>
+                      <p:childTnLst>
+                        <p:par>
+                          <p:cTn id="20" fill="hold">
+                            <p:stCondLst>
+                              <p:cond delay="0"/>
+                            </p:stCondLst>
+                            <p:childTnLst>
+                              <p:par>
+                                <p:cTn id="21" presetID="1" presetClass="entr" presetSubtype="0" fill="hold" nodeType="clickEffect">
+                                  <p:stCondLst>
+                                    <p:cond delay="0"/>
+                                  </p:stCondLst>
+                                  <p:childTnLst>
+                                    <p:set>
+                                      <p:cBhvr>
+                                        <p:cTn id="22" dur="1" fill="hold">
+                                          <p:stCondLst>
+                                            <p:cond delay="0"/>
+                                          </p:stCondLst>
+                                        </p:cTn>
+                                        <p:tgtEl>
+                                          <p:spTgt spid="11"/>
                                         </p:tgtEl>
                                         <p:attrNameLst>
                                           <p:attrName>style.visibility</p:attrName>
@@ -21917,7 +24856,217 @@
 </p:sld>
 </file>
 
-<file path=ppt/slides/slide21.xml><?xml version="1.0" encoding="utf-8"?>
+<file path=ppt/slides/slide2.xml><?xml version="1.0" encoding="utf-8"?>
+<p:sld xmlns:a="http://schemas.openxmlformats.org/drawingml/2006/main" xmlns:r="http://schemas.openxmlformats.org/officeDocument/2006/relationships" xmlns:p="http://schemas.openxmlformats.org/presentationml/2006/main">
+  <p:cSld>
+    <p:spTree>
+      <p:nvGrpSpPr>
+        <p:cNvPr id="1" name=""/>
+        <p:cNvGrpSpPr/>
+        <p:nvPr/>
+      </p:nvGrpSpPr>
+      <p:grpSpPr>
+        <a:xfrm>
+          <a:off x="0" y="0"/>
+          <a:ext cx="0" cy="0"/>
+          <a:chOff x="0" y="0"/>
+          <a:chExt cx="0" cy="0"/>
+        </a:xfrm>
+      </p:grpSpPr>
+      <p:sp>
+        <p:nvSpPr>
+          <p:cNvPr id="2" name="Title 1"/>
+          <p:cNvSpPr>
+            <a:spLocks noGrp="1"/>
+          </p:cNvSpPr>
+          <p:nvPr>
+            <p:ph type="ctrTitle"/>
+          </p:nvPr>
+        </p:nvSpPr>
+        <p:spPr>
+          <a:xfrm>
+            <a:off x="0" y="2348880"/>
+            <a:ext cx="9144000" cy="1470025"/>
+          </a:xfrm>
+        </p:spPr>
+        <p:txBody>
+          <a:bodyPr>
+            <a:normAutofit/>
+          </a:bodyPr>
+          <a:lstStyle/>
+          <a:p>
+            <a:r>
+              <a:rPr lang="en-US" b="1" dirty="0" smtClean="0">
+                <a:latin typeface="Arial" panose="020B0604020202020204" pitchFamily="34" charset="0"/>
+                <a:cs typeface="Arial" panose="020B0604020202020204" pitchFamily="34" charset="0"/>
+              </a:rPr>
+              <a:t>Dependency Injection</a:t>
+            </a:r>
+            <a:r>
+              <a:rPr lang="en-US" dirty="0" smtClean="0">
+                <a:latin typeface="Arial" panose="020B0604020202020204" pitchFamily="34" charset="0"/>
+                <a:cs typeface="Arial" panose="020B0604020202020204" pitchFamily="34" charset="0"/>
+              </a:rPr>
+              <a:t>, </a:t>
+            </a:r>
+            <a:br>
+              <a:rPr lang="en-US" dirty="0" smtClean="0">
+                <a:latin typeface="Arial" panose="020B0604020202020204" pitchFamily="34" charset="0"/>
+                <a:cs typeface="Arial" panose="020B0604020202020204" pitchFamily="34" charset="0"/>
+              </a:rPr>
+            </a:br>
+            <a:r>
+              <a:rPr lang="en-US" dirty="0" smtClean="0">
+                <a:latin typeface="Arial" panose="020B0604020202020204" pitchFamily="34" charset="0"/>
+                <a:cs typeface="Arial" panose="020B0604020202020204" pitchFamily="34" charset="0"/>
+              </a:rPr>
+              <a:t>the right way</a:t>
+            </a:r>
+            <a:endParaRPr lang="en-US" dirty="0">
+              <a:latin typeface="Arial" panose="020B0604020202020204" pitchFamily="34" charset="0"/>
+              <a:cs typeface="Arial" panose="020B0604020202020204" pitchFamily="34" charset="0"/>
+            </a:endParaRPr>
+          </a:p>
+        </p:txBody>
+      </p:sp>
+      <p:sp>
+        <p:nvSpPr>
+          <p:cNvPr id="3" name="Subtitle 2"/>
+          <p:cNvSpPr>
+            <a:spLocks noGrp="1"/>
+          </p:cNvSpPr>
+          <p:nvPr>
+            <p:ph type="subTitle" idx="1"/>
+          </p:nvPr>
+        </p:nvSpPr>
+        <p:spPr>
+          <a:xfrm>
+            <a:off x="323528" y="4005064"/>
+            <a:ext cx="8496944" cy="648072"/>
+          </a:xfrm>
+        </p:spPr>
+        <p:txBody>
+          <a:bodyPr>
+            <a:normAutofit fontScale="92500" lnSpcReduction="20000"/>
+          </a:bodyPr>
+          <a:lstStyle/>
+          <a:p>
+            <a:pPr algn="r"/>
+            <a:r>
+              <a:rPr lang="en-US" sz="2400" dirty="0" err="1" smtClean="0">
+                <a:solidFill>
+                  <a:schemeClr val="bg1">
+                    <a:lumMod val="50000"/>
+                  </a:schemeClr>
+                </a:solidFill>
+              </a:rPr>
+              <a:t>Thibaud</a:t>
+            </a:r>
+            <a:r>
+              <a:rPr lang="en-US" sz="2400" dirty="0" smtClean="0">
+                <a:solidFill>
+                  <a:schemeClr val="bg1">
+                    <a:lumMod val="50000"/>
+                  </a:schemeClr>
+                </a:solidFill>
+              </a:rPr>
+              <a:t> DESODT</a:t>
+            </a:r>
+          </a:p>
+          <a:p>
+            <a:pPr algn="r"/>
+            <a:r>
+              <a:rPr lang="en-US" sz="1700" dirty="0" smtClean="0">
+                <a:solidFill>
+                  <a:schemeClr val="bg1">
+                    <a:lumMod val="50000"/>
+                  </a:schemeClr>
+                </a:solidFill>
+              </a:rPr>
+              <a:t>@</a:t>
+            </a:r>
+            <a:r>
+              <a:rPr lang="en-US" sz="1700" dirty="0" err="1" smtClean="0">
+                <a:solidFill>
+                  <a:schemeClr val="bg1">
+                    <a:lumMod val="50000"/>
+                  </a:schemeClr>
+                </a:solidFill>
+              </a:rPr>
+              <a:t>tsimbalar</a:t>
+            </a:r>
+            <a:endParaRPr lang="en-US" sz="2400" dirty="0">
+              <a:solidFill>
+                <a:schemeClr val="bg1">
+                  <a:lumMod val="50000"/>
+                </a:schemeClr>
+              </a:solidFill>
+            </a:endParaRPr>
+          </a:p>
+        </p:txBody>
+      </p:sp>
+      <p:pic>
+        <p:nvPicPr>
+          <p:cNvPr id="3074" name="Picture 2" descr="C:\Users\tibal\Downloads\sos14-slide-banner.png"/>
+          <p:cNvPicPr>
+            <a:picLocks noChangeAspect="1" noChangeArrowheads="1"/>
+          </p:cNvPicPr>
+          <p:nvPr/>
+        </p:nvPicPr>
+        <p:blipFill>
+          <a:blip r:embed="rId3">
+            <a:extLst>
+              <a:ext uri="{28A0092B-C50C-407E-A947-70E740481C1C}">
+                <a14:useLocalDpi xmlns:a14="http://schemas.microsoft.com/office/drawing/2010/main" val="0"/>
+              </a:ext>
+            </a:extLst>
+          </a:blip>
+          <a:srcRect/>
+          <a:stretch>
+            <a:fillRect/>
+          </a:stretch>
+        </p:blipFill>
+        <p:spPr bwMode="auto">
+          <a:xfrm>
+            <a:off x="-1" y="5513784"/>
+            <a:ext cx="9144001" cy="1371600"/>
+          </a:xfrm>
+          <a:prstGeom prst="rect">
+            <a:avLst/>
+          </a:prstGeom>
+          <a:noFill/>
+          <a:extLst>
+            <a:ext uri="{909E8E84-426E-40DD-AFC4-6F175D3DCCD1}">
+              <a14:hiddenFill xmlns:a14="http://schemas.microsoft.com/office/drawing/2010/main">
+                <a:solidFill>
+                  <a:srgbClr val="FFFFFF"/>
+                </a:solidFill>
+              </a14:hiddenFill>
+            </a:ext>
+          </a:extLst>
+        </p:spPr>
+      </p:pic>
+    </p:spTree>
+    <p:extLst>
+      <p:ext uri="{BB962C8B-B14F-4D97-AF65-F5344CB8AC3E}">
+        <p14:creationId xmlns:p14="http://schemas.microsoft.com/office/powerpoint/2010/main" val="2322596108"/>
+      </p:ext>
+    </p:extLst>
+  </p:cSld>
+  <p:clrMapOvr>
+    <a:masterClrMapping/>
+  </p:clrMapOvr>
+  <p:timing>
+    <p:tnLst>
+      <p:par>
+        <p:cTn id="1" dur="indefinite" restart="never" nodeType="tmRoot"/>
+      </p:par>
+    </p:tnLst>
+  </p:timing>
+</p:sld>
+</file>
+
+<file path=ppt/slides/slide20.xml><?xml version="1.0" encoding="utf-8"?>
 <p:sld xmlns:a="http://schemas.openxmlformats.org/drawingml/2006/main" xmlns:r="http://schemas.openxmlformats.org/officeDocument/2006/relationships" xmlns:p="http://schemas.openxmlformats.org/presentationml/2006/main">
   <p:cSld>
     <p:spTree>
@@ -22117,7 +25266,7 @@
 </p:sld>
 </file>
 
-<file path=ppt/slides/slide22.xml><?xml version="1.0" encoding="utf-8"?>
+<file path=ppt/slides/slide21.xml><?xml version="1.0" encoding="utf-8"?>
 <p:sld xmlns:a="http://schemas.openxmlformats.org/drawingml/2006/main" xmlns:r="http://schemas.openxmlformats.org/officeDocument/2006/relationships" xmlns:p="http://schemas.openxmlformats.org/presentationml/2006/main">
   <p:cSld>
     <p:spTree>
@@ -22153,15 +25302,7 @@
           <a:p>
             <a:r>
               <a:rPr lang="en-US" dirty="0" smtClean="0"/>
-              <a:t>Making it </a:t>
-            </a:r>
-            <a:r>
-              <a:rPr lang="en-US" dirty="0" smtClean="0"/>
-              <a:t>more explicit </a:t>
-            </a:r>
-            <a:r>
-              <a:rPr lang="en-US" dirty="0" smtClean="0"/>
-              <a:t>- Constructor</a:t>
+              <a:t>Making it more explicit - Constructor</a:t>
             </a:r>
             <a:endParaRPr lang="en-US" dirty="0"/>
           </a:p>
@@ -26305,6 +29446,206 @@
 </p:sld>
 </file>
 
+<file path=ppt/slides/slide22.xml><?xml version="1.0" encoding="utf-8"?>
+<p:sld xmlns:a="http://schemas.openxmlformats.org/drawingml/2006/main" xmlns:r="http://schemas.openxmlformats.org/officeDocument/2006/relationships" xmlns:p="http://schemas.openxmlformats.org/presentationml/2006/main">
+  <p:cSld>
+    <p:spTree>
+      <p:nvGrpSpPr>
+        <p:cNvPr id="1" name=""/>
+        <p:cNvGrpSpPr/>
+        <p:nvPr/>
+      </p:nvGrpSpPr>
+      <p:grpSpPr>
+        <a:xfrm>
+          <a:off x="0" y="0"/>
+          <a:ext cx="0" cy="0"/>
+          <a:chOff x="0" y="0"/>
+          <a:chExt cx="0" cy="0"/>
+        </a:xfrm>
+      </p:grpSpPr>
+      <p:sp>
+        <p:nvSpPr>
+          <p:cNvPr id="2" name="Title 1"/>
+          <p:cNvSpPr>
+            <a:spLocks noGrp="1"/>
+          </p:cNvSpPr>
+          <p:nvPr>
+            <p:ph type="title"/>
+          </p:nvPr>
+        </p:nvSpPr>
+        <p:spPr/>
+        <p:txBody>
+          <a:bodyPr/>
+          <a:lstStyle/>
+          <a:p>
+            <a:r>
+              <a:rPr lang="fr-FR" dirty="0"/>
+              <a:t>anti-pattern : </a:t>
+            </a:r>
+            <a:r>
+              <a:rPr lang="fr-FR" b="1" dirty="0" err="1"/>
+              <a:t>Bastard</a:t>
+            </a:r>
+            <a:r>
+              <a:rPr lang="fr-FR" b="1" dirty="0"/>
+              <a:t> Injection</a:t>
+            </a:r>
+            <a:endParaRPr lang="en-US" dirty="0"/>
+          </a:p>
+        </p:txBody>
+      </p:sp>
+      <p:sp>
+        <p:nvSpPr>
+          <p:cNvPr id="3" name="Content Placeholder 2"/>
+          <p:cNvSpPr>
+            <a:spLocks noGrp="1"/>
+          </p:cNvSpPr>
+          <p:nvPr>
+            <p:ph idx="1"/>
+          </p:nvPr>
+        </p:nvSpPr>
+        <p:spPr/>
+        <p:txBody>
+          <a:bodyPr/>
+          <a:lstStyle/>
+          <a:p>
+            <a:r>
+              <a:rPr lang="fr-FR" dirty="0" err="1" smtClean="0"/>
+              <a:t>Paradox</a:t>
+            </a:r>
+            <a:r>
+              <a:rPr lang="fr-FR" dirty="0" smtClean="0"/>
+              <a:t>:</a:t>
+            </a:r>
+          </a:p>
+          <a:p>
+            <a:pPr lvl="1"/>
+            <a:r>
+              <a:rPr lang="fr-FR" dirty="0" smtClean="0"/>
+              <a:t>Lots of efforts to </a:t>
+            </a:r>
+            <a:r>
+              <a:rPr lang="fr-FR" dirty="0" err="1" smtClean="0"/>
+              <a:t>reduce</a:t>
+            </a:r>
+            <a:r>
+              <a:rPr lang="fr-FR" dirty="0" smtClean="0"/>
+              <a:t> </a:t>
+            </a:r>
+            <a:r>
+              <a:rPr lang="fr-FR" dirty="0" err="1" smtClean="0"/>
+              <a:t>coupling</a:t>
+            </a:r>
+            <a:endParaRPr lang="fr-FR" dirty="0"/>
+          </a:p>
+          <a:p>
+            <a:pPr lvl="1"/>
+            <a:r>
+              <a:rPr lang="fr-FR" dirty="0" smtClean="0"/>
+              <a:t>… but forcing a hard-</a:t>
+            </a:r>
+            <a:r>
+              <a:rPr lang="fr-FR" dirty="0" err="1" smtClean="0"/>
+              <a:t>coded</a:t>
+            </a:r>
+            <a:r>
+              <a:rPr lang="fr-FR" dirty="0" smtClean="0"/>
+              <a:t> value</a:t>
+            </a:r>
+          </a:p>
+          <a:p>
+            <a:r>
+              <a:rPr lang="fr-FR" dirty="0" smtClean="0"/>
+              <a:t>Code </a:t>
+            </a:r>
+            <a:r>
+              <a:rPr lang="fr-FR" dirty="0" err="1" smtClean="0"/>
+              <a:t>just</a:t>
+            </a:r>
+            <a:r>
+              <a:rPr lang="fr-FR" dirty="0" smtClean="0"/>
+              <a:t> </a:t>
+            </a:r>
+            <a:r>
+              <a:rPr lang="fr-FR" dirty="0" err="1" smtClean="0"/>
+              <a:t>there</a:t>
+            </a:r>
+            <a:r>
+              <a:rPr lang="fr-FR" dirty="0" smtClean="0"/>
+              <a:t> for tests but not use in </a:t>
+            </a:r>
+            <a:r>
+              <a:rPr lang="fr-FR" dirty="0" smtClean="0"/>
+              <a:t>production</a:t>
+            </a:r>
+          </a:p>
+          <a:p>
+            <a:r>
+              <a:rPr lang="fr-FR" dirty="0" err="1" smtClean="0"/>
+              <a:t>Ambiguity</a:t>
+            </a:r>
+            <a:r>
+              <a:rPr lang="fr-FR" dirty="0" smtClean="0"/>
+              <a:t> : 2 </a:t>
+            </a:r>
+            <a:r>
+              <a:rPr lang="fr-FR" dirty="0" err="1" smtClean="0"/>
+              <a:t>constructors</a:t>
+            </a:r>
+            <a:r>
+              <a:rPr lang="fr-FR" dirty="0" smtClean="0"/>
+              <a:t> … </a:t>
+            </a:r>
+            <a:r>
+              <a:rPr lang="fr-FR" dirty="0" err="1" smtClean="0"/>
+              <a:t>which</a:t>
+            </a:r>
+            <a:r>
+              <a:rPr lang="fr-FR" dirty="0" smtClean="0"/>
+              <a:t> one </a:t>
+            </a:r>
+            <a:r>
+              <a:rPr lang="fr-FR" dirty="0" err="1" smtClean="0"/>
+              <a:t>should</a:t>
+            </a:r>
+            <a:r>
+              <a:rPr lang="fr-FR" dirty="0" smtClean="0"/>
+              <a:t> I use</a:t>
+            </a:r>
+            <a:endParaRPr lang="fr-FR" dirty="0" smtClean="0"/>
+          </a:p>
+          <a:p>
+            <a:endParaRPr lang="fr-FR" dirty="0" smtClean="0"/>
+          </a:p>
+          <a:p>
+            <a:endParaRPr lang="fr-FR" dirty="0" smtClean="0"/>
+          </a:p>
+          <a:p>
+            <a:pPr lvl="1"/>
+            <a:endParaRPr lang="en-US" dirty="0"/>
+          </a:p>
+        </p:txBody>
+      </p:sp>
+    </p:spTree>
+    <p:extLst>
+      <p:ext uri="{BB962C8B-B14F-4D97-AF65-F5344CB8AC3E}">
+        <p14:creationId xmlns:p14="http://schemas.microsoft.com/office/powerpoint/2010/main" val="3099214086"/>
+      </p:ext>
+    </p:extLst>
+  </p:cSld>
+  <p:clrMapOvr>
+    <a:masterClrMapping/>
+  </p:clrMapOvr>
+  <p:timing>
+    <p:tnLst>
+      <p:par>
+        <p:cTn id="1" dur="indefinite" restart="never" nodeType="tmRoot"/>
+      </p:par>
+    </p:tnLst>
+  </p:timing>
+</p:sld>
+</file>
+
 <file path=ppt/slides/slide23.xml><?xml version="1.0" encoding="utf-8"?>
 <p:sld xmlns:a="http://schemas.openxmlformats.org/drawingml/2006/main" xmlns:r="http://schemas.openxmlformats.org/officeDocument/2006/relationships" xmlns:p="http://schemas.openxmlformats.org/presentationml/2006/main">
   <p:cSld>
@@ -26338,16 +29679,8 @@
           <a:lstStyle/>
           <a:p>
             <a:r>
-              <a:rPr lang="fr-FR" dirty="0"/>
-              <a:t>anti-pattern : </a:t>
-            </a:r>
-            <a:r>
-              <a:rPr lang="fr-FR" b="1" dirty="0" err="1"/>
-              <a:t>Bastard</a:t>
-            </a:r>
-            <a:r>
-              <a:rPr lang="fr-FR" b="1" dirty="0"/>
-              <a:t> Injection</a:t>
+              <a:rPr lang="en-US" dirty="0" smtClean="0"/>
+              <a:t>Cutting the dependency chain</a:t>
             </a:r>
             <a:endParaRPr lang="en-US" dirty="0"/>
           </a:p>
@@ -26368,159 +29701,6 @@
           <a:bodyPr/>
           <a:lstStyle/>
           <a:p>
-            <a:r>
-              <a:rPr lang="fr-FR" dirty="0" err="1" smtClean="0"/>
-              <a:t>Paradox</a:t>
-            </a:r>
-            <a:r>
-              <a:rPr lang="fr-FR" dirty="0" smtClean="0"/>
-              <a:t>:</a:t>
-            </a:r>
-          </a:p>
-          <a:p>
-            <a:pPr lvl="1"/>
-            <a:r>
-              <a:rPr lang="fr-FR" dirty="0" smtClean="0"/>
-              <a:t>Lots of efforts to </a:t>
-            </a:r>
-            <a:r>
-              <a:rPr lang="fr-FR" dirty="0" err="1" smtClean="0"/>
-              <a:t>reduce</a:t>
-            </a:r>
-            <a:r>
-              <a:rPr lang="fr-FR" dirty="0" smtClean="0"/>
-              <a:t> </a:t>
-            </a:r>
-            <a:r>
-              <a:rPr lang="fr-FR" dirty="0" err="1" smtClean="0"/>
-              <a:t>coupling</a:t>
-            </a:r>
-            <a:endParaRPr lang="fr-FR" dirty="0"/>
-          </a:p>
-          <a:p>
-            <a:pPr lvl="1"/>
-            <a:r>
-              <a:rPr lang="fr-FR" dirty="0" smtClean="0"/>
-              <a:t>… but forcing a hard-</a:t>
-            </a:r>
-            <a:r>
-              <a:rPr lang="fr-FR" dirty="0" err="1" smtClean="0"/>
-              <a:t>coded</a:t>
-            </a:r>
-            <a:r>
-              <a:rPr lang="fr-FR" dirty="0" smtClean="0"/>
-              <a:t> value</a:t>
-            </a:r>
-          </a:p>
-          <a:p>
-            <a:r>
-              <a:rPr lang="fr-FR" dirty="0" smtClean="0"/>
-              <a:t>Code </a:t>
-            </a:r>
-            <a:r>
-              <a:rPr lang="fr-FR" dirty="0" err="1" smtClean="0"/>
-              <a:t>just</a:t>
-            </a:r>
-            <a:r>
-              <a:rPr lang="fr-FR" dirty="0" smtClean="0"/>
-              <a:t> </a:t>
-            </a:r>
-            <a:r>
-              <a:rPr lang="fr-FR" dirty="0" err="1" smtClean="0"/>
-              <a:t>there</a:t>
-            </a:r>
-            <a:r>
-              <a:rPr lang="fr-FR" dirty="0" smtClean="0"/>
-              <a:t> for tests but not use in production</a:t>
-            </a:r>
-          </a:p>
-          <a:p>
-            <a:endParaRPr lang="fr-FR" dirty="0" smtClean="0"/>
-          </a:p>
-          <a:p>
-            <a:endParaRPr lang="fr-FR" dirty="0" smtClean="0"/>
-          </a:p>
-          <a:p>
-            <a:pPr lvl="1"/>
-            <a:endParaRPr lang="en-US" dirty="0"/>
-          </a:p>
-        </p:txBody>
-      </p:sp>
-    </p:spTree>
-    <p:extLst>
-      <p:ext uri="{BB962C8B-B14F-4D97-AF65-F5344CB8AC3E}">
-        <p14:creationId xmlns:p14="http://schemas.microsoft.com/office/powerpoint/2010/main" val="3099214086"/>
-      </p:ext>
-    </p:extLst>
-  </p:cSld>
-  <p:clrMapOvr>
-    <a:masterClrMapping/>
-  </p:clrMapOvr>
-  <p:timing>
-    <p:tnLst>
-      <p:par>
-        <p:cTn id="1" dur="indefinite" restart="never" nodeType="tmRoot"/>
-      </p:par>
-    </p:tnLst>
-  </p:timing>
-</p:sld>
-</file>
-
-<file path=ppt/slides/slide24.xml><?xml version="1.0" encoding="utf-8"?>
-<p:sld xmlns:a="http://schemas.openxmlformats.org/drawingml/2006/main" xmlns:r="http://schemas.openxmlformats.org/officeDocument/2006/relationships" xmlns:p="http://schemas.openxmlformats.org/presentationml/2006/main">
-  <p:cSld>
-    <p:spTree>
-      <p:nvGrpSpPr>
-        <p:cNvPr id="1" name=""/>
-        <p:cNvGrpSpPr/>
-        <p:nvPr/>
-      </p:nvGrpSpPr>
-      <p:grpSpPr>
-        <a:xfrm>
-          <a:off x="0" y="0"/>
-          <a:ext cx="0" cy="0"/>
-          <a:chOff x="0" y="0"/>
-          <a:chExt cx="0" cy="0"/>
-        </a:xfrm>
-      </p:grpSpPr>
-      <p:sp>
-        <p:nvSpPr>
-          <p:cNvPr id="2" name="Title 1"/>
-          <p:cNvSpPr>
-            <a:spLocks noGrp="1"/>
-          </p:cNvSpPr>
-          <p:nvPr>
-            <p:ph type="title"/>
-          </p:nvPr>
-        </p:nvSpPr>
-        <p:spPr/>
-        <p:txBody>
-          <a:bodyPr/>
-          <a:lstStyle/>
-          <a:p>
-            <a:r>
-              <a:rPr lang="en-US" dirty="0" smtClean="0"/>
-              <a:t>Cutting the dependency chain</a:t>
-            </a:r>
-            <a:endParaRPr lang="en-US" dirty="0"/>
-          </a:p>
-        </p:txBody>
-      </p:sp>
-      <p:sp>
-        <p:nvSpPr>
-          <p:cNvPr id="3" name="Content Placeholder 2"/>
-          <p:cNvSpPr>
-            <a:spLocks noGrp="1"/>
-          </p:cNvSpPr>
-          <p:nvPr>
-            <p:ph idx="1"/>
-          </p:nvPr>
-        </p:nvSpPr>
-        <p:spPr/>
-        <p:txBody>
-          <a:bodyPr/>
-          <a:lstStyle/>
-          <a:p>
             <a:endParaRPr lang="en-US"/>
           </a:p>
         </p:txBody>
@@ -26534,7 +29714,7 @@
           <p:nvPr/>
         </p:nvPicPr>
         <p:blipFill>
-          <a:blip r:embed="rId2">
+          <a:blip r:embed="rId3">
             <a:extLst>
               <a:ext uri="{28A0092B-C50C-407E-A947-70E740481C1C}">
                 <a14:useLocalDpi xmlns:a14="http://schemas.microsoft.com/office/drawing/2010/main" val="0"/>
@@ -26687,7 +29867,7 @@
         </p:nvSpPr>
         <p:spPr>
           <a:xfrm>
-            <a:off x="-468560" y="1268760"/>
+            <a:off x="-468560" y="1340768"/>
             <a:ext cx="12241360" cy="2973891"/>
           </a:xfrm>
           <a:prstGeom prst="rect">
@@ -27619,6 +30799,113 @@
           </a:p>
         </p:txBody>
       </p:sp>
+      <p:grpSp>
+        <p:nvGrpSpPr>
+          <p:cNvPr id="10" name="Group 9"/>
+          <p:cNvGrpSpPr/>
+          <p:nvPr/>
+        </p:nvGrpSpPr>
+        <p:grpSpPr>
+          <a:xfrm>
+            <a:off x="1835696" y="2132856"/>
+            <a:ext cx="7294754" cy="741331"/>
+            <a:chOff x="323528" y="4021850"/>
+            <a:chExt cx="7294754" cy="741331"/>
+          </a:xfrm>
+        </p:grpSpPr>
+        <p:sp>
+          <p:nvSpPr>
+            <p:cNvPr id="11" name="Rounded Rectangle 10"/>
+            <p:cNvSpPr/>
+            <p:nvPr/>
+          </p:nvSpPr>
+          <p:spPr>
+            <a:xfrm>
+              <a:off x="1619672" y="4349135"/>
+              <a:ext cx="4536504" cy="414046"/>
+            </a:xfrm>
+            <a:prstGeom prst="roundRect">
+              <a:avLst/>
+            </a:prstGeom>
+            <a:noFill/>
+            <a:ln>
+              <a:solidFill>
+                <a:srgbClr val="FF0000"/>
+              </a:solidFill>
+            </a:ln>
+          </p:spPr>
+          <p:style>
+            <a:lnRef idx="2">
+              <a:schemeClr val="accent1">
+                <a:shade val="50000"/>
+              </a:schemeClr>
+            </a:lnRef>
+            <a:fillRef idx="1">
+              <a:schemeClr val="accent1"/>
+            </a:fillRef>
+            <a:effectRef idx="0">
+              <a:schemeClr val="accent1"/>
+            </a:effectRef>
+            <a:fontRef idx="minor">
+              <a:schemeClr val="lt1"/>
+            </a:fontRef>
+          </p:style>
+          <p:txBody>
+            <a:bodyPr rtlCol="0" anchor="ctr"/>
+            <a:lstStyle/>
+            <a:p>
+              <a:pPr algn="ctr"/>
+              <a:endParaRPr lang="en-US"/>
+            </a:p>
+          </p:txBody>
+        </p:sp>
+        <p:sp>
+          <p:nvSpPr>
+            <p:cNvPr id="12" name="TextBox 11"/>
+            <p:cNvSpPr txBox="1"/>
+            <p:nvPr/>
+          </p:nvSpPr>
+          <p:spPr>
+            <a:xfrm>
+              <a:off x="323528" y="4021850"/>
+              <a:ext cx="7294754" cy="400110"/>
+            </a:xfrm>
+            <a:prstGeom prst="rect">
+              <a:avLst/>
+            </a:prstGeom>
+            <a:noFill/>
+          </p:spPr>
+          <p:txBody>
+            <a:bodyPr wrap="none" rtlCol="0">
+              <a:spAutoFit/>
+            </a:bodyPr>
+            <a:lstStyle/>
+            <a:p>
+              <a:r>
+                <a:rPr lang="en-US" sz="2000" b="1" dirty="0" smtClean="0">
+                  <a:solidFill>
+                    <a:srgbClr val="FF0000"/>
+                  </a:solidFill>
+                </a:rPr>
+                <a:t>Only 1 constructor </a:t>
+              </a:r>
+              <a:r>
+                <a:rPr lang="en-US" sz="2000" dirty="0" smtClean="0">
+                  <a:solidFill>
+                    <a:srgbClr val="FF0000"/>
+                  </a:solidFill>
+                </a:rPr>
+                <a:t>- dependencies passed as constructor arguments</a:t>
+              </a:r>
+              <a:endParaRPr lang="en-US" sz="2000" dirty="0">
+                <a:solidFill>
+                  <a:srgbClr val="FF0000"/>
+                </a:solidFill>
+              </a:endParaRPr>
+            </a:p>
+          </p:txBody>
+        </p:sp>
+      </p:grpSp>
       <p:sp>
         <p:nvSpPr>
           <p:cNvPr id="8" name="TextBox 7"/>
@@ -27627,7 +30914,7 @@
         </p:nvSpPr>
         <p:spPr>
           <a:xfrm>
-            <a:off x="107504" y="2880491"/>
+            <a:off x="107504" y="1772816"/>
             <a:ext cx="12241360" cy="3068789"/>
           </a:xfrm>
           <a:prstGeom prst="rect">
@@ -28564,7 +31851,7 @@
           <p:nvPr/>
         </p:nvPicPr>
         <p:blipFill>
-          <a:blip r:embed="rId3">
+          <a:blip r:embed="rId4">
             <a:extLst>
               <a:ext uri="{28A0092B-C50C-407E-A947-70E740481C1C}">
                 <a14:useLocalDpi xmlns:a14="http://schemas.microsoft.com/office/drawing/2010/main" val="0"/>
@@ -28578,7 +31865,7 @@
         </p:blipFill>
         <p:spPr bwMode="auto">
           <a:xfrm>
-            <a:off x="0" y="1966913"/>
+            <a:off x="-252536" y="2016993"/>
             <a:ext cx="9553575" cy="2924175"/>
           </a:xfrm>
           <a:prstGeom prst="rect">
@@ -28640,7 +31927,7 @@
                             </p:stCondLst>
                             <p:childTnLst>
                               <p:par>
-                                <p:cTn id="5" presetID="1" presetClass="entr" presetSubtype="0" fill="hold" grpId="0" nodeType="clickEffect">
+                                <p:cTn id="5" presetID="1" presetClass="entr" presetSubtype="0" fill="hold" nodeType="clickEffect">
                                   <p:stCondLst>
                                     <p:cond delay="0"/>
                                   </p:stCondLst>
@@ -28653,7 +31940,7 @@
                                           </p:stCondLst>
                                         </p:cTn>
                                         <p:tgtEl>
-                                          <p:spTgt spid="7"/>
+                                          <p:spTgt spid="4"/>
                                         </p:tgtEl>
                                         <p:attrNameLst>
                                           <p:attrName>style.visibility</p:attrName>
@@ -28698,7 +31985,232 @@
                                           </p:stCondLst>
                                         </p:cTn>
                                         <p:tgtEl>
+                                          <p:spTgt spid="6"/>
+                                        </p:tgtEl>
+                                        <p:attrNameLst>
+                                          <p:attrName>style.visibility</p:attrName>
+                                        </p:attrNameLst>
+                                      </p:cBhvr>
+                                      <p:to>
+                                        <p:strVal val="visible"/>
+                                      </p:to>
+                                    </p:set>
+                                  </p:childTnLst>
+                                </p:cTn>
+                              </p:par>
+                            </p:childTnLst>
+                          </p:cTn>
+                        </p:par>
+                      </p:childTnLst>
+                    </p:cTn>
+                  </p:par>
+                  <p:par>
+                    <p:cTn id="11" fill="hold">
+                      <p:stCondLst>
+                        <p:cond delay="indefinite"/>
+                      </p:stCondLst>
+                      <p:childTnLst>
+                        <p:par>
+                          <p:cTn id="12" fill="hold">
+                            <p:stCondLst>
+                              <p:cond delay="0"/>
+                            </p:stCondLst>
+                            <p:childTnLst>
+                              <p:par>
+                                <p:cTn id="13" presetID="1" presetClass="entr" presetSubtype="0" fill="hold" grpId="0" nodeType="clickEffect">
+                                  <p:stCondLst>
+                                    <p:cond delay="0"/>
+                                  </p:stCondLst>
+                                  <p:childTnLst>
+                                    <p:set>
+                                      <p:cBhvr>
+                                        <p:cTn id="14" dur="1" fill="hold">
+                                          <p:stCondLst>
+                                            <p:cond delay="0"/>
+                                          </p:stCondLst>
+                                        </p:cTn>
+                                        <p:tgtEl>
+                                          <p:spTgt spid="5"/>
+                                        </p:tgtEl>
+                                        <p:attrNameLst>
+                                          <p:attrName>style.visibility</p:attrName>
+                                        </p:attrNameLst>
+                                      </p:cBhvr>
+                                      <p:to>
+                                        <p:strVal val="visible"/>
+                                      </p:to>
+                                    </p:set>
+                                  </p:childTnLst>
+                                </p:cTn>
+                              </p:par>
+                            </p:childTnLst>
+                          </p:cTn>
+                        </p:par>
+                      </p:childTnLst>
+                    </p:cTn>
+                  </p:par>
+                  <p:par>
+                    <p:cTn id="15" fill="hold">
+                      <p:stCondLst>
+                        <p:cond delay="indefinite"/>
+                      </p:stCondLst>
+                      <p:childTnLst>
+                        <p:par>
+                          <p:cTn id="16" fill="hold">
+                            <p:stCondLst>
+                              <p:cond delay="0"/>
+                            </p:stCondLst>
+                            <p:childTnLst>
+                              <p:par>
+                                <p:cTn id="17" presetID="1" presetClass="entr" presetSubtype="0" fill="hold" grpId="0" nodeType="clickEffect">
+                                  <p:stCondLst>
+                                    <p:cond delay="0"/>
+                                  </p:stCondLst>
+                                  <p:childTnLst>
+                                    <p:set>
+                                      <p:cBhvr>
+                                        <p:cTn id="18" dur="1" fill="hold">
+                                          <p:stCondLst>
+                                            <p:cond delay="0"/>
+                                          </p:stCondLst>
+                                        </p:cTn>
+                                        <p:tgtEl>
+                                          <p:spTgt spid="7"/>
+                                        </p:tgtEl>
+                                        <p:attrNameLst>
+                                          <p:attrName>style.visibility</p:attrName>
+                                        </p:attrNameLst>
+                                      </p:cBhvr>
+                                      <p:to>
+                                        <p:strVal val="visible"/>
+                                      </p:to>
+                                    </p:set>
+                                  </p:childTnLst>
+                                </p:cTn>
+                              </p:par>
+                            </p:childTnLst>
+                          </p:cTn>
+                        </p:par>
+                      </p:childTnLst>
+                    </p:cTn>
+                  </p:par>
+                  <p:par>
+                    <p:cTn id="19" fill="hold">
+                      <p:stCondLst>
+                        <p:cond delay="indefinite"/>
+                      </p:stCondLst>
+                      <p:childTnLst>
+                        <p:par>
+                          <p:cTn id="20" fill="hold">
+                            <p:stCondLst>
+                              <p:cond delay="0"/>
+                            </p:stCondLst>
+                            <p:childTnLst>
+                              <p:par>
+                                <p:cTn id="21" presetID="1" presetClass="entr" presetSubtype="0" fill="hold" nodeType="clickEffect">
+                                  <p:stCondLst>
+                                    <p:cond delay="0"/>
+                                  </p:stCondLst>
+                                  <p:childTnLst>
+                                    <p:set>
+                                      <p:cBhvr>
+                                        <p:cTn id="22" dur="1" fill="hold">
+                                          <p:stCondLst>
+                                            <p:cond delay="0"/>
+                                          </p:stCondLst>
+                                        </p:cTn>
+                                        <p:tgtEl>
+                                          <p:spTgt spid="10"/>
+                                        </p:tgtEl>
+                                        <p:attrNameLst>
+                                          <p:attrName>style.visibility</p:attrName>
+                                        </p:attrNameLst>
+                                      </p:cBhvr>
+                                      <p:to>
+                                        <p:strVal val="visible"/>
+                                      </p:to>
+                                    </p:set>
+                                  </p:childTnLst>
+                                </p:cTn>
+                              </p:par>
+                            </p:childTnLst>
+                          </p:cTn>
+                        </p:par>
+                      </p:childTnLst>
+                    </p:cTn>
+                  </p:par>
+                  <p:par>
+                    <p:cTn id="23" fill="hold">
+                      <p:stCondLst>
+                        <p:cond delay="indefinite"/>
+                      </p:stCondLst>
+                      <p:childTnLst>
+                        <p:par>
+                          <p:cTn id="24" fill="hold">
+                            <p:stCondLst>
+                              <p:cond delay="0"/>
+                            </p:stCondLst>
+                            <p:childTnLst>
+                              <p:par>
+                                <p:cTn id="25" presetID="1" presetClass="entr" presetSubtype="0" fill="hold" grpId="0" nodeType="clickEffect">
+                                  <p:stCondLst>
+                                    <p:cond delay="0"/>
+                                  </p:stCondLst>
+                                  <p:childTnLst>
+                                    <p:set>
+                                      <p:cBhvr>
+                                        <p:cTn id="26" dur="1" fill="hold">
+                                          <p:stCondLst>
+                                            <p:cond delay="0"/>
+                                          </p:stCondLst>
+                                        </p:cTn>
+                                        <p:tgtEl>
                                           <p:spTgt spid="8"/>
+                                        </p:tgtEl>
+                                        <p:attrNameLst>
+                                          <p:attrName>style.visibility</p:attrName>
+                                        </p:attrNameLst>
+                                      </p:cBhvr>
+                                      <p:to>
+                                        <p:strVal val="visible"/>
+                                      </p:to>
+                                    </p:set>
+                                  </p:childTnLst>
+                                </p:cTn>
+                              </p:par>
+                            </p:childTnLst>
+                          </p:cTn>
+                        </p:par>
+                      </p:childTnLst>
+                    </p:cTn>
+                  </p:par>
+                  <p:par>
+                    <p:cTn id="27" fill="hold">
+                      <p:stCondLst>
+                        <p:cond delay="indefinite"/>
+                      </p:stCondLst>
+                      <p:childTnLst>
+                        <p:par>
+                          <p:cTn id="28" fill="hold">
+                            <p:stCondLst>
+                              <p:cond delay="0"/>
+                            </p:stCondLst>
+                            <p:childTnLst>
+                              <p:par>
+                                <p:cTn id="29" presetID="1" presetClass="entr" presetSubtype="0" fill="hold" nodeType="clickEffect">
+                                  <p:stCondLst>
+                                    <p:cond delay="0"/>
+                                  </p:stCondLst>
+                                  <p:childTnLst>
+                                    <p:set>
+                                      <p:cBhvr>
+                                        <p:cTn id="30" dur="1" fill="hold">
+                                          <p:stCondLst>
+                                            <p:cond delay="0"/>
+                                          </p:stCondLst>
+                                        </p:cTn>
+                                        <p:tgtEl>
+                                          <p:spTgt spid="6146"/>
                                         </p:tgtEl>
                                         <p:attrNameLst>
                                           <p:attrName>style.visibility</p:attrName>
@@ -28739,6 +32251,8 @@
       </p:par>
     </p:tnLst>
     <p:bldLst>
+      <p:bldP spid="5" grpId="0" animBg="1"/>
+      <p:bldP spid="6" grpId="0" animBg="1"/>
       <p:bldP spid="7" grpId="0" animBg="1"/>
       <p:bldP spid="8" grpId="0" animBg="1"/>
     </p:bldLst>
@@ -28746,7 +32260,7 @@
 </p:sld>
 </file>
 
-<file path=ppt/slides/slide25.xml><?xml version="1.0" encoding="utf-8"?>
+<file path=ppt/slides/slide24.xml><?xml version="1.0" encoding="utf-8"?>
 <p:sld xmlns:a="http://schemas.openxmlformats.org/drawingml/2006/main" xmlns:r="http://schemas.openxmlformats.org/officeDocument/2006/relationships" xmlns:p="http://schemas.openxmlformats.org/presentationml/2006/main">
   <p:cSld>
     <p:spTree>
@@ -28811,7 +32325,7 @@
         <p:spPr/>
         <p:txBody>
           <a:bodyPr>
-            <a:normAutofit lnSpcReduction="10000"/>
+            <a:normAutofit fontScale="92500" lnSpcReduction="20000"/>
           </a:bodyPr>
           <a:lstStyle/>
           <a:p>
@@ -28870,11 +32384,19 @@
             </a:r>
             <a:r>
               <a:rPr lang="fr-FR" dirty="0" smtClean="0"/>
-              <a:t> (</a:t>
+              <a:t> </a:t>
+            </a:r>
+            <a:r>
+              <a:rPr lang="fr-FR" dirty="0" smtClean="0"/>
+              <a:t>(</a:t>
+            </a:r>
+            <a:r>
+              <a:rPr lang="fr-FR" dirty="0" err="1"/>
+              <a:t>I</a:t>
             </a:r>
             <a:r>
               <a:rPr lang="fr-FR" dirty="0" err="1" smtClean="0"/>
-              <a:t>intellisense</a:t>
+              <a:t>ntellisense</a:t>
             </a:r>
             <a:r>
               <a:rPr lang="fr-FR" dirty="0" smtClean="0"/>
@@ -28915,8 +32437,27 @@
             </a:r>
             <a:r>
               <a:rPr lang="fr-FR" dirty="0" smtClean="0"/>
-              <a:t> in 99.9% of cases</a:t>
-            </a:r>
+              <a:t> in 99.9% of </a:t>
+            </a:r>
+            <a:r>
+              <a:rPr lang="fr-FR" dirty="0" smtClean="0"/>
+              <a:t>cases</a:t>
+            </a:r>
+          </a:p>
+          <a:p>
+            <a:r>
+              <a:rPr lang="fr-FR" dirty="0" err="1" smtClean="0"/>
+              <a:t>Easy</a:t>
+            </a:r>
+            <a:r>
+              <a:rPr lang="fr-FR" dirty="0" smtClean="0"/>
+              <a:t> to </a:t>
+            </a:r>
+            <a:r>
+              <a:rPr lang="fr-FR" dirty="0" err="1" smtClean="0"/>
+              <a:t>implement</a:t>
+            </a:r>
+            <a:endParaRPr lang="fr-FR" dirty="0" smtClean="0"/>
           </a:p>
           <a:p>
             <a:endParaRPr lang="fr-FR" dirty="0"/>
@@ -28997,7 +32538,7 @@
 </p:sld>
 </file>
 
-<file path=ppt/slides/slide26.xml><?xml version="1.0" encoding="utf-8"?>
+<file path=ppt/slides/slide25.xml><?xml version="1.0" encoding="utf-8"?>
 <p:sld xmlns:a="http://schemas.openxmlformats.org/drawingml/2006/main" xmlns:r="http://schemas.openxmlformats.org/officeDocument/2006/relationships" xmlns:p="http://schemas.openxmlformats.org/presentationml/2006/main">
   <p:cSld>
     <p:spTree>
@@ -29863,6 +33404,716 @@
 </p:sld>
 </file>
 
+<file path=ppt/slides/slide26.xml><?xml version="1.0" encoding="utf-8"?>
+<p:sld xmlns:a="http://schemas.openxmlformats.org/drawingml/2006/main" xmlns:r="http://schemas.openxmlformats.org/officeDocument/2006/relationships" xmlns:p="http://schemas.openxmlformats.org/presentationml/2006/main" showMasterPhAnim="0">
+  <p:cSld>
+    <p:spTree>
+      <p:nvGrpSpPr>
+        <p:cNvPr id="1" name=""/>
+        <p:cNvGrpSpPr/>
+        <p:nvPr/>
+      </p:nvGrpSpPr>
+      <p:grpSpPr>
+        <a:xfrm>
+          <a:off x="0" y="0"/>
+          <a:ext cx="0" cy="0"/>
+          <a:chOff x="0" y="0"/>
+          <a:chExt cx="0" cy="0"/>
+        </a:xfrm>
+      </p:grpSpPr>
+      <p:sp>
+        <p:nvSpPr>
+          <p:cNvPr id="2" name="Title 1"/>
+          <p:cNvSpPr>
+            <a:spLocks noGrp="1"/>
+          </p:cNvSpPr>
+          <p:nvPr>
+            <p:ph type="title"/>
+          </p:nvPr>
+        </p:nvSpPr>
+        <p:spPr/>
+        <p:txBody>
+          <a:bodyPr/>
+          <a:lstStyle/>
+          <a:p>
+            <a:r>
+              <a:rPr lang="fr-FR" dirty="0" smtClean="0"/>
+              <a:t>The </a:t>
+            </a:r>
+            <a:r>
+              <a:rPr lang="fr-FR" dirty="0" err="1" smtClean="0"/>
+              <a:t>chicken</a:t>
+            </a:r>
+            <a:r>
+              <a:rPr lang="fr-FR" dirty="0" smtClean="0"/>
+              <a:t> and the </a:t>
+            </a:r>
+            <a:r>
+              <a:rPr lang="fr-FR" dirty="0" err="1" smtClean="0"/>
+              <a:t>egg</a:t>
+            </a:r>
+            <a:endParaRPr lang="en-US" dirty="0"/>
+          </a:p>
+        </p:txBody>
+      </p:sp>
+      <p:sp>
+        <p:nvSpPr>
+          <p:cNvPr id="3" name="Content Placeholder 2"/>
+          <p:cNvSpPr>
+            <a:spLocks noGrp="1"/>
+          </p:cNvSpPr>
+          <p:nvPr>
+            <p:ph idx="1"/>
+          </p:nvPr>
+        </p:nvSpPr>
+        <p:spPr>
+          <a:xfrm>
+            <a:off x="457200" y="1927373"/>
+            <a:ext cx="8229600" cy="4525963"/>
+          </a:xfrm>
+        </p:spPr>
+        <p:txBody>
+          <a:bodyPr>
+            <a:normAutofit fontScale="92500"/>
+          </a:bodyPr>
+          <a:lstStyle/>
+          <a:p>
+            <a:r>
+              <a:rPr lang="fr-FR" dirty="0" err="1" smtClean="0"/>
+              <a:t>Programming</a:t>
+            </a:r>
+            <a:r>
+              <a:rPr lang="fr-FR" dirty="0" smtClean="0"/>
+              <a:t> to interfaces </a:t>
+            </a:r>
+          </a:p>
+          <a:p>
+            <a:pPr marL="0" indent="0">
+              <a:buNone/>
+            </a:pPr>
+            <a:r>
+              <a:rPr lang="fr-FR" dirty="0"/>
+              <a:t>	</a:t>
+            </a:r>
+            <a:r>
+              <a:rPr lang="fr-FR" dirty="0" smtClean="0"/>
+              <a:t>vs </a:t>
+            </a:r>
+          </a:p>
+          <a:p>
+            <a:r>
+              <a:rPr lang="fr-FR" dirty="0" err="1" smtClean="0"/>
+              <a:t>Referencing</a:t>
+            </a:r>
+            <a:r>
+              <a:rPr lang="fr-FR" dirty="0" smtClean="0"/>
+              <a:t> </a:t>
+            </a:r>
+            <a:r>
+              <a:rPr lang="fr-FR" dirty="0" err="1" smtClean="0"/>
+              <a:t>concrete</a:t>
+            </a:r>
+            <a:r>
+              <a:rPr lang="fr-FR" dirty="0" smtClean="0"/>
+              <a:t> types</a:t>
+            </a:r>
+          </a:p>
+          <a:p>
+            <a:pPr marL="0" indent="0">
+              <a:buNone/>
+            </a:pPr>
+            <a:endParaRPr lang="fr-FR" dirty="0" smtClean="0"/>
+          </a:p>
+          <a:p>
+            <a:r>
+              <a:rPr lang="fr-FR" dirty="0" smtClean="0"/>
+              <a:t>Applications </a:t>
+            </a:r>
+            <a:r>
+              <a:rPr lang="fr-FR" dirty="0" smtClean="0"/>
+              <a:t>do not </a:t>
+            </a:r>
+            <a:r>
+              <a:rPr lang="fr-FR" dirty="0" err="1" smtClean="0"/>
+              <a:t>work</a:t>
+            </a:r>
+            <a:r>
+              <a:rPr lang="fr-FR" dirty="0" smtClean="0"/>
+              <a:t> </a:t>
+            </a:r>
+            <a:r>
+              <a:rPr lang="fr-FR" dirty="0" err="1" smtClean="0"/>
+              <a:t>with</a:t>
+            </a:r>
+            <a:r>
+              <a:rPr lang="fr-FR" dirty="0" smtClean="0"/>
+              <a:t> </a:t>
+            </a:r>
+            <a:r>
+              <a:rPr lang="fr-FR" dirty="0" err="1" smtClean="0"/>
+              <a:t>only</a:t>
+            </a:r>
+            <a:r>
+              <a:rPr lang="fr-FR" dirty="0" smtClean="0"/>
+              <a:t> interfaces</a:t>
+            </a:r>
+          </a:p>
+          <a:p>
+            <a:r>
+              <a:rPr lang="fr-FR" dirty="0" smtClean="0"/>
+              <a:t>Class instances have to </a:t>
+            </a:r>
+            <a:r>
+              <a:rPr lang="fr-FR" dirty="0" err="1" smtClean="0"/>
+              <a:t>be</a:t>
+            </a:r>
+            <a:r>
+              <a:rPr lang="fr-FR" dirty="0" smtClean="0"/>
+              <a:t> </a:t>
+            </a:r>
+            <a:r>
+              <a:rPr lang="fr-FR" dirty="0" err="1" smtClean="0"/>
+              <a:t>created</a:t>
+            </a:r>
+            <a:r>
+              <a:rPr lang="fr-FR" dirty="0" smtClean="0"/>
+              <a:t> and </a:t>
+            </a:r>
+            <a:r>
+              <a:rPr lang="fr-FR" dirty="0" err="1" smtClean="0"/>
+              <a:t>assembled</a:t>
+            </a:r>
+            <a:r>
+              <a:rPr lang="fr-FR" dirty="0" smtClean="0"/>
+              <a:t> (=</a:t>
+            </a:r>
+            <a:r>
+              <a:rPr lang="fr-FR" dirty="0" err="1" smtClean="0"/>
+              <a:t>composed</a:t>
+            </a:r>
+            <a:r>
+              <a:rPr lang="fr-FR" dirty="0" smtClean="0"/>
+              <a:t>) at </a:t>
+            </a:r>
+            <a:r>
+              <a:rPr lang="fr-FR" dirty="0" err="1" smtClean="0"/>
+              <a:t>some</a:t>
+            </a:r>
+            <a:r>
+              <a:rPr lang="fr-FR" dirty="0" smtClean="0"/>
+              <a:t> point</a:t>
+            </a:r>
+          </a:p>
+          <a:p>
+            <a:r>
+              <a:rPr lang="fr-FR" dirty="0" smtClean="0"/>
+              <a:t>This </a:t>
+            </a:r>
+            <a:r>
+              <a:rPr lang="fr-FR" dirty="0" err="1" smtClean="0"/>
+              <a:t>happens</a:t>
+            </a:r>
+            <a:r>
+              <a:rPr lang="fr-FR" dirty="0" smtClean="0"/>
+              <a:t> </a:t>
+            </a:r>
+            <a:r>
+              <a:rPr lang="fr-FR" dirty="0" err="1" smtClean="0"/>
+              <a:t>only</a:t>
+            </a:r>
+            <a:r>
+              <a:rPr lang="fr-FR" dirty="0" smtClean="0"/>
+              <a:t> in one place in an </a:t>
+            </a:r>
+            <a:r>
+              <a:rPr lang="fr-FR" dirty="0" smtClean="0"/>
+              <a:t>application</a:t>
+            </a:r>
+            <a:endParaRPr lang="fr-FR" dirty="0" smtClean="0"/>
+          </a:p>
+          <a:p>
+            <a:endParaRPr lang="en-US" dirty="0"/>
+          </a:p>
+        </p:txBody>
+      </p:sp>
+      <p:sp>
+        <p:nvSpPr>
+          <p:cNvPr id="4" name="TextBox 3"/>
+          <p:cNvSpPr txBox="1"/>
+          <p:nvPr/>
+        </p:nvSpPr>
+        <p:spPr>
+          <a:xfrm>
+            <a:off x="683568" y="1289926"/>
+            <a:ext cx="7704856" cy="410882"/>
+          </a:xfrm>
+          <a:prstGeom prst="rect">
+            <a:avLst/>
+          </a:prstGeom>
+          <a:solidFill>
+            <a:schemeClr val="bg1"/>
+          </a:solidFill>
+          <a:ln>
+            <a:solidFill>
+              <a:schemeClr val="accent1"/>
+            </a:solidFill>
+          </a:ln>
+        </p:spPr>
+        <p:txBody>
+          <a:bodyPr wrap="square" rtlCol="0">
+            <a:spAutoFit/>
+          </a:bodyPr>
+          <a:lstStyle/>
+          <a:p>
+            <a:pPr>
+              <a:lnSpc>
+                <a:spcPct val="115000"/>
+              </a:lnSpc>
+              <a:spcAft>
+                <a:spcPts val="1000"/>
+              </a:spcAft>
+            </a:pPr>
+            <a:r>
+              <a:rPr lang="en-US" dirty="0" err="1">
+                <a:solidFill>
+                  <a:srgbClr val="2B91AF"/>
+                </a:solidFill>
+                <a:highlight>
+                  <a:srgbClr val="FFFFFF"/>
+                </a:highlight>
+                <a:latin typeface="Consolas"/>
+                <a:ea typeface="Calibri"/>
+                <a:cs typeface="Times New Roman"/>
+              </a:rPr>
+              <a:t>IAccountRepository</a:t>
+            </a:r>
+            <a:r>
+              <a:rPr lang="en-US" dirty="0">
+                <a:solidFill>
+                  <a:srgbClr val="000000"/>
+                </a:solidFill>
+                <a:highlight>
+                  <a:srgbClr val="FFFFFF"/>
+                </a:highlight>
+                <a:latin typeface="Consolas"/>
+                <a:ea typeface="Calibri"/>
+                <a:cs typeface="Times New Roman"/>
+              </a:rPr>
+              <a:t> repo = </a:t>
+            </a:r>
+            <a:r>
+              <a:rPr lang="en-US" dirty="0">
+                <a:solidFill>
+                  <a:srgbClr val="0000FF"/>
+                </a:solidFill>
+                <a:highlight>
+                  <a:srgbClr val="FFFFFF"/>
+                </a:highlight>
+                <a:latin typeface="Consolas"/>
+                <a:ea typeface="Calibri"/>
+                <a:cs typeface="Times New Roman"/>
+              </a:rPr>
+              <a:t>new</a:t>
+            </a:r>
+            <a:r>
+              <a:rPr lang="en-US" dirty="0">
+                <a:solidFill>
+                  <a:srgbClr val="000000"/>
+                </a:solidFill>
+                <a:highlight>
+                  <a:srgbClr val="FFFFFF"/>
+                </a:highlight>
+                <a:latin typeface="Consolas"/>
+                <a:ea typeface="Calibri"/>
+                <a:cs typeface="Times New Roman"/>
+              </a:rPr>
+              <a:t> </a:t>
+            </a:r>
+            <a:r>
+              <a:rPr lang="en-US" dirty="0" err="1">
+                <a:solidFill>
+                  <a:srgbClr val="2B91AF"/>
+                </a:solidFill>
+                <a:highlight>
+                  <a:srgbClr val="FFFFFF"/>
+                </a:highlight>
+                <a:latin typeface="Consolas"/>
+                <a:ea typeface="Calibri"/>
+                <a:cs typeface="Times New Roman"/>
+              </a:rPr>
+              <a:t>IAccountRepository</a:t>
+            </a:r>
+            <a:r>
+              <a:rPr lang="en-US" dirty="0">
+                <a:solidFill>
+                  <a:srgbClr val="000000"/>
+                </a:solidFill>
+                <a:highlight>
+                  <a:srgbClr val="FFFFFF"/>
+                </a:highlight>
+                <a:latin typeface="Consolas"/>
+                <a:ea typeface="Calibri"/>
+                <a:cs typeface="Times New Roman"/>
+              </a:rPr>
+              <a:t>();</a:t>
+            </a:r>
+            <a:endParaRPr lang="en-US" sz="2400" dirty="0">
+              <a:ea typeface="Calibri"/>
+              <a:cs typeface="Times New Roman"/>
+            </a:endParaRPr>
+          </a:p>
+        </p:txBody>
+      </p:sp>
+    </p:spTree>
+    <p:extLst>
+      <p:ext uri="{BB962C8B-B14F-4D97-AF65-F5344CB8AC3E}">
+        <p14:creationId xmlns:p14="http://schemas.microsoft.com/office/powerpoint/2010/main" val="4027064824"/>
+      </p:ext>
+    </p:extLst>
+  </p:cSld>
+  <p:clrMapOvr>
+    <a:masterClrMapping/>
+  </p:clrMapOvr>
+  <p:timing>
+    <p:tnLst>
+      <p:par>
+        <p:cTn id="1" dur="indefinite" restart="never" nodeType="tmRoot">
+          <p:childTnLst>
+            <p:seq concurrent="1" nextAc="seek">
+              <p:cTn id="2" dur="indefinite" nodeType="mainSeq">
+                <p:childTnLst>
+                  <p:par>
+                    <p:cTn id="3" fill="hold">
+                      <p:stCondLst>
+                        <p:cond delay="indefinite"/>
+                      </p:stCondLst>
+                      <p:childTnLst>
+                        <p:par>
+                          <p:cTn id="4" fill="hold">
+                            <p:stCondLst>
+                              <p:cond delay="0"/>
+                            </p:stCondLst>
+                            <p:childTnLst>
+                              <p:par>
+                                <p:cTn id="5" presetID="1" presetClass="entr" presetSubtype="0" fill="hold" grpId="0" nodeType="clickEffect">
+                                  <p:stCondLst>
+                                    <p:cond delay="0"/>
+                                  </p:stCondLst>
+                                  <p:childTnLst>
+                                    <p:set>
+                                      <p:cBhvr>
+                                        <p:cTn id="6" dur="1" fill="hold">
+                                          <p:stCondLst>
+                                            <p:cond delay="0"/>
+                                          </p:stCondLst>
+                                        </p:cTn>
+                                        <p:tgtEl>
+                                          <p:spTgt spid="4"/>
+                                        </p:tgtEl>
+                                        <p:attrNameLst>
+                                          <p:attrName>style.visibility</p:attrName>
+                                        </p:attrNameLst>
+                                      </p:cBhvr>
+                                      <p:to>
+                                        <p:strVal val="visible"/>
+                                      </p:to>
+                                    </p:set>
+                                  </p:childTnLst>
+                                </p:cTn>
+                              </p:par>
+                            </p:childTnLst>
+                          </p:cTn>
+                        </p:par>
+                      </p:childTnLst>
+                    </p:cTn>
+                  </p:par>
+                  <p:par>
+                    <p:cTn id="7" fill="hold">
+                      <p:stCondLst>
+                        <p:cond delay="indefinite"/>
+                      </p:stCondLst>
+                      <p:childTnLst>
+                        <p:par>
+                          <p:cTn id="8" fill="hold">
+                            <p:stCondLst>
+                              <p:cond delay="0"/>
+                            </p:stCondLst>
+                            <p:childTnLst>
+                              <p:par>
+                                <p:cTn id="9" presetID="1" presetClass="entr" presetSubtype="0" fill="hold" grpId="0" nodeType="clickEffect">
+                                  <p:stCondLst>
+                                    <p:cond delay="0"/>
+                                  </p:stCondLst>
+                                  <p:childTnLst>
+                                    <p:set>
+                                      <p:cBhvr>
+                                        <p:cTn id="10" dur="1" fill="hold">
+                                          <p:stCondLst>
+                                            <p:cond delay="0"/>
+                                          </p:stCondLst>
+                                        </p:cTn>
+                                        <p:tgtEl>
+                                          <p:spTgt spid="3">
+                                            <p:txEl>
+                                              <p:pRg st="0" end="0"/>
+                                            </p:txEl>
+                                          </p:spTgt>
+                                        </p:tgtEl>
+                                        <p:attrNameLst>
+                                          <p:attrName>style.visibility</p:attrName>
+                                        </p:attrNameLst>
+                                      </p:cBhvr>
+                                      <p:to>
+                                        <p:strVal val="visible"/>
+                                      </p:to>
+                                    </p:set>
+                                  </p:childTnLst>
+                                </p:cTn>
+                              </p:par>
+                              <p:par>
+                                <p:cTn id="11" presetID="1" presetClass="entr" presetSubtype="0" fill="hold" grpId="0" nodeType="withEffect">
+                                  <p:stCondLst>
+                                    <p:cond delay="0"/>
+                                  </p:stCondLst>
+                                  <p:childTnLst>
+                                    <p:set>
+                                      <p:cBhvr>
+                                        <p:cTn id="12" dur="1" fill="hold">
+                                          <p:stCondLst>
+                                            <p:cond delay="0"/>
+                                          </p:stCondLst>
+                                        </p:cTn>
+                                        <p:tgtEl>
+                                          <p:spTgt spid="3">
+                                            <p:txEl>
+                                              <p:pRg st="1" end="1"/>
+                                            </p:txEl>
+                                          </p:spTgt>
+                                        </p:tgtEl>
+                                        <p:attrNameLst>
+                                          <p:attrName>style.visibility</p:attrName>
+                                        </p:attrNameLst>
+                                      </p:cBhvr>
+                                      <p:to>
+                                        <p:strVal val="visible"/>
+                                      </p:to>
+                                    </p:set>
+                                  </p:childTnLst>
+                                </p:cTn>
+                              </p:par>
+                              <p:par>
+                                <p:cTn id="13" presetID="1" presetClass="entr" presetSubtype="0" fill="hold" grpId="0" nodeType="withEffect">
+                                  <p:stCondLst>
+                                    <p:cond delay="0"/>
+                                  </p:stCondLst>
+                                  <p:childTnLst>
+                                    <p:set>
+                                      <p:cBhvr>
+                                        <p:cTn id="14" dur="1" fill="hold">
+                                          <p:stCondLst>
+                                            <p:cond delay="0"/>
+                                          </p:stCondLst>
+                                        </p:cTn>
+                                        <p:tgtEl>
+                                          <p:spTgt spid="3">
+                                            <p:txEl>
+                                              <p:pRg st="2" end="2"/>
+                                            </p:txEl>
+                                          </p:spTgt>
+                                        </p:tgtEl>
+                                        <p:attrNameLst>
+                                          <p:attrName>style.visibility</p:attrName>
+                                        </p:attrNameLst>
+                                      </p:cBhvr>
+                                      <p:to>
+                                        <p:strVal val="visible"/>
+                                      </p:to>
+                                    </p:set>
+                                  </p:childTnLst>
+                                </p:cTn>
+                              </p:par>
+                            </p:childTnLst>
+                          </p:cTn>
+                        </p:par>
+                      </p:childTnLst>
+                    </p:cTn>
+                  </p:par>
+                  <p:par>
+                    <p:cTn id="15" fill="hold">
+                      <p:stCondLst>
+                        <p:cond delay="indefinite"/>
+                      </p:stCondLst>
+                      <p:childTnLst>
+                        <p:par>
+                          <p:cTn id="16" fill="hold">
+                            <p:stCondLst>
+                              <p:cond delay="0"/>
+                            </p:stCondLst>
+                            <p:childTnLst>
+                              <p:par>
+                                <p:cTn id="17" presetID="1" presetClass="entr" presetSubtype="0" fill="hold" grpId="0" nodeType="clickEffect">
+                                  <p:stCondLst>
+                                    <p:cond delay="0"/>
+                                  </p:stCondLst>
+                                  <p:childTnLst>
+                                    <p:set>
+                                      <p:cBhvr>
+                                        <p:cTn id="18" dur="1" fill="hold">
+                                          <p:stCondLst>
+                                            <p:cond delay="0"/>
+                                          </p:stCondLst>
+                                        </p:cTn>
+                                        <p:tgtEl>
+                                          <p:spTgt spid="3">
+                                            <p:txEl>
+                                              <p:pRg st="4" end="4"/>
+                                            </p:txEl>
+                                          </p:spTgt>
+                                        </p:tgtEl>
+                                        <p:attrNameLst>
+                                          <p:attrName>style.visibility</p:attrName>
+                                        </p:attrNameLst>
+                                      </p:cBhvr>
+                                      <p:to>
+                                        <p:strVal val="visible"/>
+                                      </p:to>
+                                    </p:set>
+                                  </p:childTnLst>
+                                </p:cTn>
+                              </p:par>
+                            </p:childTnLst>
+                          </p:cTn>
+                        </p:par>
+                      </p:childTnLst>
+                    </p:cTn>
+                  </p:par>
+                  <p:par>
+                    <p:cTn id="19" fill="hold">
+                      <p:stCondLst>
+                        <p:cond delay="indefinite"/>
+                      </p:stCondLst>
+                      <p:childTnLst>
+                        <p:par>
+                          <p:cTn id="20" fill="hold">
+                            <p:stCondLst>
+                              <p:cond delay="0"/>
+                            </p:stCondLst>
+                            <p:childTnLst>
+                              <p:par>
+                                <p:cTn id="21" presetID="1" presetClass="entr" presetSubtype="0" fill="hold" grpId="0" nodeType="clickEffect">
+                                  <p:stCondLst>
+                                    <p:cond delay="0"/>
+                                  </p:stCondLst>
+                                  <p:childTnLst>
+                                    <p:set>
+                                      <p:cBhvr>
+                                        <p:cTn id="22" dur="1" fill="hold">
+                                          <p:stCondLst>
+                                            <p:cond delay="0"/>
+                                          </p:stCondLst>
+                                        </p:cTn>
+                                        <p:tgtEl>
+                                          <p:spTgt spid="3">
+                                            <p:txEl>
+                                              <p:pRg st="5" end="5"/>
+                                            </p:txEl>
+                                          </p:spTgt>
+                                        </p:tgtEl>
+                                        <p:attrNameLst>
+                                          <p:attrName>style.visibility</p:attrName>
+                                        </p:attrNameLst>
+                                      </p:cBhvr>
+                                      <p:to>
+                                        <p:strVal val="visible"/>
+                                      </p:to>
+                                    </p:set>
+                                  </p:childTnLst>
+                                </p:cTn>
+                              </p:par>
+                            </p:childTnLst>
+                          </p:cTn>
+                        </p:par>
+                      </p:childTnLst>
+                    </p:cTn>
+                  </p:par>
+                  <p:par>
+                    <p:cTn id="23" fill="hold">
+                      <p:stCondLst>
+                        <p:cond delay="indefinite"/>
+                      </p:stCondLst>
+                      <p:childTnLst>
+                        <p:par>
+                          <p:cTn id="24" fill="hold">
+                            <p:stCondLst>
+                              <p:cond delay="0"/>
+                            </p:stCondLst>
+                            <p:childTnLst>
+                              <p:par>
+                                <p:cTn id="25" presetID="1" presetClass="entr" presetSubtype="0" fill="hold" grpId="0" nodeType="clickEffect">
+                                  <p:stCondLst>
+                                    <p:cond delay="0"/>
+                                  </p:stCondLst>
+                                  <p:childTnLst>
+                                    <p:set>
+                                      <p:cBhvr>
+                                        <p:cTn id="26" dur="1" fill="hold">
+                                          <p:stCondLst>
+                                            <p:cond delay="0"/>
+                                          </p:stCondLst>
+                                        </p:cTn>
+                                        <p:tgtEl>
+                                          <p:spTgt spid="3">
+                                            <p:txEl>
+                                              <p:pRg st="6" end="6"/>
+                                            </p:txEl>
+                                          </p:spTgt>
+                                        </p:tgtEl>
+                                        <p:attrNameLst>
+                                          <p:attrName>style.visibility</p:attrName>
+                                        </p:attrNameLst>
+                                      </p:cBhvr>
+                                      <p:to>
+                                        <p:strVal val="visible"/>
+                                      </p:to>
+                                    </p:set>
+                                  </p:childTnLst>
+                                </p:cTn>
+                              </p:par>
+                            </p:childTnLst>
+                          </p:cTn>
+                        </p:par>
+                      </p:childTnLst>
+                    </p:cTn>
+                  </p:par>
+                </p:childTnLst>
+              </p:cTn>
+              <p:prevCondLst>
+                <p:cond evt="onPrev" delay="0">
+                  <p:tgtEl>
+                    <p:sldTgt/>
+                  </p:tgtEl>
+                </p:cond>
+              </p:prevCondLst>
+              <p:nextCondLst>
+                <p:cond evt="onNext" delay="0">
+                  <p:tgtEl>
+                    <p:sldTgt/>
+                  </p:tgtEl>
+                </p:cond>
+              </p:nextCondLst>
+            </p:seq>
+          </p:childTnLst>
+        </p:cTn>
+      </p:par>
+    </p:tnLst>
+    <p:bldLst>
+      <p:bldP spid="3" grpId="0" uiExpand="1" build="p"/>
+      <p:bldP spid="4" grpId="0" animBg="1"/>
+    </p:bldLst>
+  </p:timing>
+</p:sld>
+</file>
+
 <file path=ppt/slides/slide27.xml><?xml version="1.0" encoding="utf-8"?>
 <p:sld xmlns:a="http://schemas.openxmlformats.org/drawingml/2006/main" xmlns:r="http://schemas.openxmlformats.org/officeDocument/2006/relationships" xmlns:p="http://schemas.openxmlformats.org/presentationml/2006/main">
   <p:cSld>
@@ -29896,22 +34147,22 @@
           <a:lstStyle/>
           <a:p>
             <a:r>
+              <a:rPr lang="fr-FR" dirty="0"/>
+              <a:t>p</a:t>
+            </a:r>
+            <a:r>
               <a:rPr lang="fr-FR" dirty="0" smtClean="0"/>
-              <a:t>The </a:t>
-            </a:r>
-            <a:r>
-              <a:rPr lang="fr-FR" dirty="0" err="1" smtClean="0"/>
-              <a:t>chicken</a:t>
-            </a:r>
-            <a:r>
-              <a:rPr lang="fr-FR" dirty="0" smtClean="0"/>
-              <a:t> and the </a:t>
-            </a:r>
-            <a:r>
-              <a:rPr lang="fr-FR" dirty="0" err="1" smtClean="0"/>
-              <a:t>egg</a:t>
-            </a:r>
-            <a:endParaRPr lang="en-US" dirty="0"/>
+              <a:t>attern : </a:t>
+            </a:r>
+            <a:r>
+              <a:rPr lang="fr-FR" b="1" dirty="0" smtClean="0"/>
+              <a:t>Composition </a:t>
+            </a:r>
+            <a:r>
+              <a:rPr lang="fr-FR" b="1" dirty="0" err="1" smtClean="0"/>
+              <a:t>Root</a:t>
+            </a:r>
+            <a:endParaRPr lang="en-US" b="1" dirty="0"/>
           </a:p>
         </p:txBody>
       </p:sp>
@@ -29927,24 +34178,78 @@
         </p:nvSpPr>
         <p:spPr/>
         <p:txBody>
-          <a:bodyPr/>
+          <a:bodyPr>
+            <a:normAutofit fontScale="85000" lnSpcReduction="20000"/>
+          </a:bodyPr>
           <a:lstStyle/>
           <a:p>
-            <a:r>
-              <a:rPr lang="fr-FR" dirty="0" smtClean="0"/>
-              <a:t>Applications do not </a:t>
-            </a:r>
+            <a:pPr marL="0" indent="0" algn="ctr">
+              <a:buNone/>
+            </a:pPr>
+            <a:r>
+              <a:rPr lang="fr-FR" i="1" dirty="0" smtClean="0"/>
+              <a:t>Composition of classes </a:t>
+            </a:r>
+            <a:r>
+              <a:rPr lang="fr-FR" i="1" dirty="0" err="1" smtClean="0"/>
+              <a:t>into</a:t>
+            </a:r>
+            <a:r>
+              <a:rPr lang="fr-FR" i="1" dirty="0" smtClean="0"/>
+              <a:t> a </a:t>
+            </a:r>
+            <a:r>
+              <a:rPr lang="fr-FR" i="1" dirty="0" err="1" smtClean="0"/>
+              <a:t>larger</a:t>
+            </a:r>
+            <a:r>
+              <a:rPr lang="fr-FR" i="1" dirty="0" smtClean="0"/>
+              <a:t> system </a:t>
+            </a:r>
+            <a:r>
+              <a:rPr lang="fr-FR" i="1" dirty="0" err="1" smtClean="0"/>
+              <a:t>should</a:t>
+            </a:r>
+            <a:r>
+              <a:rPr lang="fr-FR" i="1" dirty="0" smtClean="0"/>
+              <a:t> </a:t>
+            </a:r>
+            <a:r>
+              <a:rPr lang="fr-FR" i="1" dirty="0" err="1" smtClean="0"/>
+              <a:t>happen</a:t>
+            </a:r>
+            <a:r>
+              <a:rPr lang="fr-FR" i="1" dirty="0" smtClean="0"/>
+              <a:t> </a:t>
+            </a:r>
+            <a:r>
+              <a:rPr lang="fr-FR" i="1" dirty="0" err="1" smtClean="0"/>
+              <a:t>only</a:t>
+            </a:r>
+            <a:r>
+              <a:rPr lang="fr-FR" i="1" dirty="0" smtClean="0"/>
+              <a:t> in one place</a:t>
+            </a:r>
+          </a:p>
+          <a:p>
+            <a:endParaRPr lang="fr-FR" dirty="0" smtClean="0"/>
+          </a:p>
+          <a:p>
             <a:r>
               <a:rPr lang="fr-FR" dirty="0" err="1" smtClean="0"/>
-              <a:t>work</a:t>
+              <a:t>Create</a:t>
             </a:r>
             <a:r>
               <a:rPr lang="fr-FR" dirty="0" smtClean="0"/>
               <a:t> </a:t>
             </a:r>
             <a:r>
-              <a:rPr lang="fr-FR" dirty="0" err="1" smtClean="0"/>
-              <a:t>with</a:t>
+              <a:rPr lang="fr-FR" dirty="0" smtClean="0"/>
+              <a:t>one</a:t>
+            </a:r>
+            <a:r>
+              <a:rPr lang="fr-FR" sz="2400" dirty="0" smtClean="0"/>
+              <a:t>*</a:t>
             </a:r>
             <a:r>
               <a:rPr lang="fr-FR" dirty="0" smtClean="0"/>
@@ -29952,21 +34257,39 @@
             </a:r>
             <a:r>
               <a:rPr lang="fr-FR" dirty="0" err="1" smtClean="0"/>
-              <a:t>only</a:t>
+              <a:t>object</a:t>
             </a:r>
             <a:r>
               <a:rPr lang="fr-FR" dirty="0" smtClean="0"/>
-              <a:t> interfaces</a:t>
+              <a:t>-graph</a:t>
             </a:r>
           </a:p>
           <a:p>
             <a:r>
               <a:rPr lang="fr-FR" dirty="0" smtClean="0"/>
-              <a:t>Class instances have to </a:t>
+              <a:t>As </a:t>
             </a:r>
             <a:r>
               <a:rPr lang="fr-FR" dirty="0" err="1" smtClean="0"/>
-              <a:t>be</a:t>
+              <a:t>late</a:t>
+            </a:r>
+            <a:r>
+              <a:rPr lang="fr-FR" dirty="0" smtClean="0"/>
+              <a:t> as possible</a:t>
+            </a:r>
+          </a:p>
+          <a:p>
+            <a:r>
+              <a:rPr lang="fr-FR" dirty="0" err="1" smtClean="0"/>
+              <a:t>Only</a:t>
+            </a:r>
+            <a:r>
+              <a:rPr lang="fr-FR" dirty="0" smtClean="0"/>
+              <a:t> part of the code </a:t>
+            </a:r>
+            <a:r>
+              <a:rPr lang="fr-FR" dirty="0" err="1" smtClean="0"/>
+              <a:t>that</a:t>
             </a:r>
             <a:r>
               <a:rPr lang="fr-FR" dirty="0" smtClean="0"/>
@@ -29974,45 +34297,7 @@
             </a:r>
             <a:r>
               <a:rPr lang="fr-FR" dirty="0" err="1" smtClean="0"/>
-              <a:t>created</a:t>
-            </a:r>
-            <a:r>
-              <a:rPr lang="fr-FR" dirty="0" smtClean="0"/>
-              <a:t> and </a:t>
-            </a:r>
-            <a:r>
-              <a:rPr lang="fr-FR" dirty="0" err="1" smtClean="0"/>
-              <a:t>assembled</a:t>
-            </a:r>
-            <a:r>
-              <a:rPr lang="fr-FR" dirty="0" smtClean="0"/>
-              <a:t> (=</a:t>
-            </a:r>
-            <a:r>
-              <a:rPr lang="fr-FR" dirty="0" err="1" smtClean="0"/>
-              <a:t>composed</a:t>
-            </a:r>
-            <a:r>
-              <a:rPr lang="fr-FR" dirty="0" smtClean="0"/>
-              <a:t>) at </a:t>
-            </a:r>
-            <a:r>
-              <a:rPr lang="fr-FR" dirty="0" err="1" smtClean="0"/>
-              <a:t>some</a:t>
-            </a:r>
-            <a:r>
-              <a:rPr lang="fr-FR" dirty="0" smtClean="0"/>
-              <a:t> point</a:t>
-            </a:r>
-          </a:p>
-          <a:p>
-            <a:r>
-              <a:rPr lang="fr-FR" dirty="0" smtClean="0"/>
-              <a:t>This </a:t>
-            </a:r>
-            <a:r>
-              <a:rPr lang="fr-FR" dirty="0" err="1" smtClean="0"/>
-              <a:t>happens</a:t>
+              <a:t>can</a:t>
             </a:r>
             <a:r>
               <a:rPr lang="fr-FR" dirty="0" smtClean="0"/>
@@ -30020,43 +34305,137 @@
             </a:r>
             <a:r>
               <a:rPr lang="fr-FR" dirty="0" err="1" smtClean="0"/>
-              <a:t>only</a:t>
+              <a:t>reference</a:t>
             </a:r>
             <a:r>
               <a:rPr lang="fr-FR" dirty="0" smtClean="0"/>
-              <a:t> in one place in an </a:t>
+              <a:t> </a:t>
+            </a:r>
+            <a:r>
+              <a:rPr lang="fr-FR" dirty="0" err="1" smtClean="0"/>
+              <a:t>concrete</a:t>
+            </a:r>
+            <a:r>
+              <a:rPr lang="fr-FR" dirty="0" smtClean="0"/>
+              <a:t> types</a:t>
+            </a:r>
+          </a:p>
+          <a:p>
+            <a:endParaRPr lang="fr-FR" dirty="0"/>
+          </a:p>
+          <a:p>
+            <a:pPr marL="0" indent="0">
+              <a:buNone/>
+            </a:pPr>
+            <a:r>
+              <a:rPr lang="fr-FR" dirty="0" err="1" smtClean="0"/>
+              <a:t>Where</a:t>
+            </a:r>
+            <a:r>
+              <a:rPr lang="fr-FR" dirty="0" smtClean="0"/>
+              <a:t> ? </a:t>
+            </a:r>
+            <a:endParaRPr lang="fr-FR" dirty="0" smtClean="0"/>
+          </a:p>
+          <a:p>
+            <a:r>
+              <a:rPr lang="fr-FR" dirty="0" err="1"/>
+              <a:t>Only</a:t>
+            </a:r>
+            <a:r>
+              <a:rPr lang="fr-FR" dirty="0"/>
+              <a:t> </a:t>
+            </a:r>
+            <a:r>
+              <a:rPr lang="fr-FR" dirty="0" smtClean="0"/>
+              <a:t>applications </a:t>
+            </a:r>
+            <a:r>
+              <a:rPr lang="fr-FR" dirty="0"/>
+              <a:t>have a Composition </a:t>
+            </a:r>
+            <a:r>
+              <a:rPr lang="fr-FR" dirty="0" err="1"/>
+              <a:t>Root</a:t>
+            </a:r>
+            <a:endParaRPr lang="fr-FR" dirty="0" smtClean="0"/>
+          </a:p>
+          <a:p>
+            <a:r>
+              <a:rPr lang="fr-FR" dirty="0" smtClean="0"/>
+              <a:t>There </a:t>
+            </a:r>
+            <a:r>
+              <a:rPr lang="fr-FR" dirty="0" err="1" smtClean="0"/>
+              <a:t>is</a:t>
+            </a:r>
+            <a:r>
+              <a:rPr lang="fr-FR" dirty="0" smtClean="0"/>
+              <a:t> no </a:t>
+            </a:r>
+            <a:r>
+              <a:rPr lang="fr-FR" dirty="0" smtClean="0"/>
+              <a:t>Composition </a:t>
+            </a:r>
+            <a:r>
+              <a:rPr lang="fr-FR" dirty="0" err="1"/>
+              <a:t>R</a:t>
+            </a:r>
+            <a:r>
+              <a:rPr lang="fr-FR" dirty="0" err="1" smtClean="0"/>
+              <a:t>oot</a:t>
+            </a:r>
+            <a:r>
+              <a:rPr lang="fr-FR" dirty="0" smtClean="0"/>
+              <a:t> </a:t>
+            </a:r>
+            <a:r>
+              <a:rPr lang="fr-FR" dirty="0" smtClean="0"/>
+              <a:t>in a </a:t>
+            </a:r>
+            <a:r>
+              <a:rPr lang="fr-FR" dirty="0" smtClean="0"/>
+              <a:t>class </a:t>
+            </a:r>
+            <a:r>
+              <a:rPr lang="fr-FR" dirty="0" err="1" smtClean="0"/>
+              <a:t>library</a:t>
+            </a:r>
+            <a:endParaRPr lang="fr-FR" dirty="0" smtClean="0"/>
+          </a:p>
+          <a:p>
+            <a:r>
+              <a:rPr lang="fr-FR" dirty="0" smtClean="0"/>
+              <a:t>Extension point </a:t>
+            </a:r>
+            <a:r>
+              <a:rPr lang="fr-FR" dirty="0" err="1" smtClean="0"/>
+              <a:t>depends</a:t>
+            </a:r>
+            <a:r>
+              <a:rPr lang="fr-FR" dirty="0" smtClean="0"/>
+              <a:t> on the </a:t>
+            </a:r>
+            <a:r>
+              <a:rPr lang="fr-FR" dirty="0" err="1" smtClean="0"/>
+              <a:t>kind</a:t>
+            </a:r>
+            <a:r>
+              <a:rPr lang="fr-FR" dirty="0" smtClean="0"/>
+              <a:t> of </a:t>
             </a:r>
             <a:r>
               <a:rPr lang="fr-FR" dirty="0" err="1" smtClean="0"/>
               <a:t>app</a:t>
             </a:r>
-            <a:r>
-              <a:rPr lang="fr-FR" dirty="0" smtClean="0"/>
-              <a:t> / web </a:t>
-            </a:r>
-            <a:r>
-              <a:rPr lang="fr-FR" dirty="0" err="1" smtClean="0"/>
-              <a:t>app</a:t>
-            </a:r>
-            <a:r>
-              <a:rPr lang="fr-FR" dirty="0" smtClean="0"/>
-              <a:t> / service / console </a:t>
-            </a:r>
-            <a:r>
-              <a:rPr lang="fr-FR" dirty="0" err="1" smtClean="0"/>
-              <a:t>app</a:t>
-            </a:r>
             <a:endParaRPr lang="fr-FR" dirty="0" smtClean="0"/>
-          </a:p>
-          <a:p>
-            <a:endParaRPr lang="en-US" dirty="0"/>
           </a:p>
         </p:txBody>
       </p:sp>
     </p:spTree>
     <p:extLst>
       <p:ext uri="{BB962C8B-B14F-4D97-AF65-F5344CB8AC3E}">
-        <p14:creationId xmlns:p14="http://schemas.microsoft.com/office/powerpoint/2010/main" val="4027064824"/>
+        <p14:creationId xmlns:p14="http://schemas.microsoft.com/office/powerpoint/2010/main" val="993896906"/>
       </p:ext>
     </p:extLst>
   </p:cSld>
@@ -30106,318 +34485,6 @@
           <a:lstStyle/>
           <a:p>
             <a:r>
-              <a:rPr lang="fr-FR" dirty="0"/>
-              <a:t>p</a:t>
-            </a:r>
-            <a:r>
-              <a:rPr lang="fr-FR" dirty="0" smtClean="0"/>
-              <a:t>attern : </a:t>
-            </a:r>
-            <a:r>
-              <a:rPr lang="fr-FR" b="1" dirty="0" smtClean="0"/>
-              <a:t>Composition </a:t>
-            </a:r>
-            <a:r>
-              <a:rPr lang="fr-FR" b="1" dirty="0" err="1" smtClean="0"/>
-              <a:t>Root</a:t>
-            </a:r>
-            <a:endParaRPr lang="en-US" b="1" dirty="0"/>
-          </a:p>
-        </p:txBody>
-      </p:sp>
-      <p:sp>
-        <p:nvSpPr>
-          <p:cNvPr id="3" name="Content Placeholder 2"/>
-          <p:cNvSpPr>
-            <a:spLocks noGrp="1"/>
-          </p:cNvSpPr>
-          <p:nvPr>
-            <p:ph idx="1"/>
-          </p:nvPr>
-        </p:nvSpPr>
-        <p:spPr/>
-        <p:txBody>
-          <a:bodyPr>
-            <a:normAutofit fontScale="92500" lnSpcReduction="20000"/>
-          </a:bodyPr>
-          <a:lstStyle/>
-          <a:p>
-            <a:pPr marL="0" indent="0" algn="ctr">
-              <a:buNone/>
-            </a:pPr>
-            <a:r>
-              <a:rPr lang="fr-FR" i="1" dirty="0" smtClean="0"/>
-              <a:t>Composition of classes </a:t>
-            </a:r>
-            <a:r>
-              <a:rPr lang="fr-FR" i="1" dirty="0" err="1" smtClean="0"/>
-              <a:t>into</a:t>
-            </a:r>
-            <a:r>
-              <a:rPr lang="fr-FR" i="1" dirty="0" smtClean="0"/>
-              <a:t> a </a:t>
-            </a:r>
-            <a:r>
-              <a:rPr lang="fr-FR" i="1" dirty="0" err="1" smtClean="0"/>
-              <a:t>larger</a:t>
-            </a:r>
-            <a:r>
-              <a:rPr lang="fr-FR" i="1" dirty="0" smtClean="0"/>
-              <a:t> system </a:t>
-            </a:r>
-            <a:r>
-              <a:rPr lang="fr-FR" i="1" dirty="0" err="1" smtClean="0"/>
-              <a:t>should</a:t>
-            </a:r>
-            <a:r>
-              <a:rPr lang="fr-FR" i="1" dirty="0" smtClean="0"/>
-              <a:t> </a:t>
-            </a:r>
-            <a:r>
-              <a:rPr lang="fr-FR" i="1" dirty="0" err="1" smtClean="0"/>
-              <a:t>happen</a:t>
-            </a:r>
-            <a:r>
-              <a:rPr lang="fr-FR" i="1" dirty="0" smtClean="0"/>
-              <a:t> </a:t>
-            </a:r>
-            <a:r>
-              <a:rPr lang="fr-FR" i="1" dirty="0" err="1" smtClean="0"/>
-              <a:t>only</a:t>
-            </a:r>
-            <a:r>
-              <a:rPr lang="fr-FR" i="1" dirty="0" smtClean="0"/>
-              <a:t> in one place</a:t>
-            </a:r>
-          </a:p>
-          <a:p>
-            <a:endParaRPr lang="fr-FR" dirty="0" smtClean="0"/>
-          </a:p>
-          <a:p>
-            <a:r>
-              <a:rPr lang="fr-FR" dirty="0" err="1" smtClean="0"/>
-              <a:t>Create</a:t>
-            </a:r>
-            <a:r>
-              <a:rPr lang="fr-FR" dirty="0" smtClean="0"/>
-              <a:t> one</a:t>
-            </a:r>
-            <a:r>
-              <a:rPr lang="fr-FR" sz="2400" dirty="0" smtClean="0"/>
-              <a:t>*</a:t>
-            </a:r>
-            <a:r>
-              <a:rPr lang="fr-FR" dirty="0" smtClean="0"/>
-              <a:t> </a:t>
-            </a:r>
-            <a:r>
-              <a:rPr lang="fr-FR" dirty="0" err="1" smtClean="0"/>
-              <a:t>object</a:t>
-            </a:r>
-            <a:r>
-              <a:rPr lang="fr-FR" dirty="0" smtClean="0"/>
-              <a:t>-graph</a:t>
-            </a:r>
-          </a:p>
-          <a:p>
-            <a:r>
-              <a:rPr lang="fr-FR" dirty="0" smtClean="0"/>
-              <a:t>There </a:t>
-            </a:r>
-            <a:r>
-              <a:rPr lang="fr-FR" dirty="0" err="1" smtClean="0"/>
-              <a:t>is</a:t>
-            </a:r>
-            <a:r>
-              <a:rPr lang="fr-FR" dirty="0" smtClean="0"/>
-              <a:t> no composition </a:t>
-            </a:r>
-            <a:r>
-              <a:rPr lang="fr-FR" dirty="0" err="1" smtClean="0"/>
-              <a:t>root</a:t>
-            </a:r>
-            <a:r>
-              <a:rPr lang="fr-FR" dirty="0" smtClean="0"/>
-              <a:t> in a </a:t>
-            </a:r>
-            <a:r>
-              <a:rPr lang="fr-FR" dirty="0" err="1" smtClean="0"/>
-              <a:t>library</a:t>
-            </a:r>
-            <a:endParaRPr lang="fr-FR" dirty="0" smtClean="0"/>
-          </a:p>
-          <a:p>
-            <a:r>
-              <a:rPr lang="fr-FR" dirty="0" err="1" smtClean="0"/>
-              <a:t>Only</a:t>
-            </a:r>
-            <a:r>
-              <a:rPr lang="fr-FR" dirty="0" smtClean="0"/>
-              <a:t> « applications » have a Composition </a:t>
-            </a:r>
-            <a:r>
-              <a:rPr lang="fr-FR" dirty="0" err="1" smtClean="0"/>
-              <a:t>Root</a:t>
-            </a:r>
-            <a:endParaRPr lang="fr-FR" dirty="0" smtClean="0"/>
-          </a:p>
-          <a:p>
-            <a:r>
-              <a:rPr lang="fr-FR" dirty="0" err="1" smtClean="0"/>
-              <a:t>Where</a:t>
-            </a:r>
-            <a:r>
-              <a:rPr lang="fr-FR" dirty="0" smtClean="0"/>
-              <a:t> the Composition </a:t>
-            </a:r>
-            <a:r>
-              <a:rPr lang="fr-FR" dirty="0" err="1" smtClean="0"/>
-              <a:t>Root</a:t>
-            </a:r>
-            <a:r>
-              <a:rPr lang="fr-FR" dirty="0" smtClean="0"/>
-              <a:t> </a:t>
-            </a:r>
-            <a:r>
-              <a:rPr lang="fr-FR" dirty="0" err="1" smtClean="0"/>
-              <a:t>can</a:t>
-            </a:r>
-            <a:r>
-              <a:rPr lang="fr-FR" dirty="0" smtClean="0"/>
-              <a:t> </a:t>
-            </a:r>
-            <a:r>
-              <a:rPr lang="fr-FR" dirty="0" err="1" smtClean="0"/>
-              <a:t>be</a:t>
-            </a:r>
-            <a:r>
-              <a:rPr lang="fr-FR" dirty="0" smtClean="0"/>
-              <a:t> </a:t>
-            </a:r>
-            <a:r>
-              <a:rPr lang="fr-FR" dirty="0" err="1" smtClean="0"/>
-              <a:t>plugged</a:t>
-            </a:r>
-            <a:r>
-              <a:rPr lang="fr-FR" dirty="0" smtClean="0"/>
-              <a:t> </a:t>
-            </a:r>
-            <a:r>
-              <a:rPr lang="fr-FR" dirty="0" err="1" smtClean="0"/>
-              <a:t>depends</a:t>
-            </a:r>
-            <a:r>
-              <a:rPr lang="fr-FR" dirty="0" smtClean="0"/>
-              <a:t> on the </a:t>
-            </a:r>
-            <a:r>
-              <a:rPr lang="fr-FR" dirty="0" err="1" smtClean="0"/>
-              <a:t>kind</a:t>
-            </a:r>
-            <a:r>
-              <a:rPr lang="fr-FR" dirty="0" smtClean="0"/>
-              <a:t> of </a:t>
-            </a:r>
-            <a:r>
-              <a:rPr lang="fr-FR" dirty="0" err="1" smtClean="0"/>
-              <a:t>app</a:t>
-            </a:r>
-            <a:endParaRPr lang="fr-FR" dirty="0" smtClean="0"/>
-          </a:p>
-          <a:p>
-            <a:r>
-              <a:rPr lang="fr-FR" dirty="0" smtClean="0"/>
-              <a:t>The Composition </a:t>
-            </a:r>
-            <a:r>
-              <a:rPr lang="fr-FR" dirty="0" err="1" smtClean="0"/>
-              <a:t>Root</a:t>
-            </a:r>
-            <a:r>
-              <a:rPr lang="fr-FR" dirty="0" smtClean="0"/>
-              <a:t> </a:t>
-            </a:r>
-            <a:r>
-              <a:rPr lang="fr-FR" dirty="0" err="1" smtClean="0"/>
-              <a:t>needs</a:t>
-            </a:r>
-            <a:r>
-              <a:rPr lang="fr-FR" dirty="0" smtClean="0"/>
-              <a:t> </a:t>
-            </a:r>
-            <a:r>
-              <a:rPr lang="fr-FR" dirty="0" err="1" smtClean="0"/>
-              <a:t>access</a:t>
-            </a:r>
-            <a:r>
-              <a:rPr lang="fr-FR" dirty="0" smtClean="0"/>
-              <a:t> to all </a:t>
-            </a:r>
-            <a:r>
-              <a:rPr lang="fr-FR" dirty="0" err="1" smtClean="0"/>
-              <a:t>concrete</a:t>
-            </a:r>
-            <a:r>
-              <a:rPr lang="fr-FR" dirty="0" smtClean="0"/>
-              <a:t> types</a:t>
-            </a:r>
-            <a:endParaRPr lang="en-US" dirty="0"/>
-          </a:p>
-        </p:txBody>
-      </p:sp>
-    </p:spTree>
-    <p:extLst>
-      <p:ext uri="{BB962C8B-B14F-4D97-AF65-F5344CB8AC3E}">
-        <p14:creationId xmlns:p14="http://schemas.microsoft.com/office/powerpoint/2010/main" val="993896906"/>
-      </p:ext>
-    </p:extLst>
-  </p:cSld>
-  <p:clrMapOvr>
-    <a:masterClrMapping/>
-  </p:clrMapOvr>
-  <p:timing>
-    <p:tnLst>
-      <p:par>
-        <p:cTn id="1" dur="indefinite" restart="never" nodeType="tmRoot"/>
-      </p:par>
-    </p:tnLst>
-  </p:timing>
-</p:sld>
-</file>
-
-<file path=ppt/slides/slide29.xml><?xml version="1.0" encoding="utf-8"?>
-<p:sld xmlns:a="http://schemas.openxmlformats.org/drawingml/2006/main" xmlns:r="http://schemas.openxmlformats.org/officeDocument/2006/relationships" xmlns:p="http://schemas.openxmlformats.org/presentationml/2006/main">
-  <p:cSld>
-    <p:spTree>
-      <p:nvGrpSpPr>
-        <p:cNvPr id="1" name=""/>
-        <p:cNvGrpSpPr/>
-        <p:nvPr/>
-      </p:nvGrpSpPr>
-      <p:grpSpPr>
-        <a:xfrm>
-          <a:off x="0" y="0"/>
-          <a:ext cx="0" cy="0"/>
-          <a:chOff x="0" y="0"/>
-          <a:chExt cx="0" cy="0"/>
-        </a:xfrm>
-      </p:grpSpPr>
-      <p:sp>
-        <p:nvSpPr>
-          <p:cNvPr id="2" name="Title 1"/>
-          <p:cNvSpPr>
-            <a:spLocks noGrp="1"/>
-          </p:cNvSpPr>
-          <p:nvPr>
-            <p:ph type="title"/>
-          </p:nvPr>
-        </p:nvSpPr>
-        <p:spPr/>
-        <p:txBody>
-          <a:bodyPr/>
-          <a:lstStyle/>
-          <a:p>
-            <a:r>
               <a:rPr lang="fr-FR" dirty="0" smtClean="0"/>
               <a:t>ASP.NET MVC Composition </a:t>
             </a:r>
@@ -30463,7 +34530,11 @@
             </a:r>
             <a:r>
               <a:rPr lang="fr-FR" dirty="0" smtClean="0"/>
-              <a:t> on </a:t>
+              <a:t> </a:t>
+            </a:r>
+            <a:r>
+              <a:rPr lang="fr-FR" dirty="0" smtClean="0"/>
+              <a:t>on </a:t>
             </a:r>
             <a:r>
               <a:rPr lang="fr-FR" dirty="0" err="1" smtClean="0"/>
@@ -33257,6 +37328,170 @@
 </p:sld>
 </file>
 
+<file path=ppt/slides/slide29.xml><?xml version="1.0" encoding="utf-8"?>
+<p:sld xmlns:a="http://schemas.openxmlformats.org/drawingml/2006/main" xmlns:r="http://schemas.openxmlformats.org/officeDocument/2006/relationships" xmlns:p="http://schemas.openxmlformats.org/presentationml/2006/main">
+  <p:cSld>
+    <p:spTree>
+      <p:nvGrpSpPr>
+        <p:cNvPr id="1" name=""/>
+        <p:cNvGrpSpPr/>
+        <p:nvPr/>
+      </p:nvGrpSpPr>
+      <p:grpSpPr>
+        <a:xfrm>
+          <a:off x="0" y="0"/>
+          <a:ext cx="0" cy="0"/>
+          <a:chOff x="0" y="0"/>
+          <a:chExt cx="0" cy="0"/>
+        </a:xfrm>
+      </p:grpSpPr>
+      <p:sp>
+        <p:nvSpPr>
+          <p:cNvPr id="2" name="Title 1"/>
+          <p:cNvSpPr>
+            <a:spLocks noGrp="1"/>
+          </p:cNvSpPr>
+          <p:nvPr>
+            <p:ph type="title"/>
+          </p:nvPr>
+        </p:nvSpPr>
+        <p:spPr/>
+        <p:txBody>
+          <a:bodyPr/>
+          <a:lstStyle/>
+          <a:p>
+            <a:r>
+              <a:rPr lang="en-US" b="1" i="1" dirty="0" smtClean="0"/>
+              <a:t>Pure DI</a:t>
+            </a:r>
+            <a:endParaRPr lang="en-US" b="1" i="1" dirty="0"/>
+          </a:p>
+        </p:txBody>
+      </p:sp>
+      <p:sp>
+        <p:nvSpPr>
+          <p:cNvPr id="3" name="Content Placeholder 2"/>
+          <p:cNvSpPr>
+            <a:spLocks noGrp="1"/>
+          </p:cNvSpPr>
+          <p:nvPr>
+            <p:ph idx="1"/>
+          </p:nvPr>
+        </p:nvSpPr>
+        <p:spPr/>
+        <p:txBody>
+          <a:bodyPr/>
+          <a:lstStyle/>
+          <a:p>
+            <a:pPr marL="0" indent="0" algn="ctr">
+              <a:buNone/>
+            </a:pPr>
+            <a:r>
+              <a:rPr lang="fr-FR" i="1" dirty="0" err="1" smtClean="0"/>
+              <a:t>Manual</a:t>
+            </a:r>
+            <a:r>
+              <a:rPr lang="fr-FR" i="1" dirty="0" smtClean="0"/>
+              <a:t> </a:t>
+            </a:r>
+            <a:r>
+              <a:rPr lang="fr-FR" i="1" dirty="0" err="1" smtClean="0"/>
+              <a:t>wiring</a:t>
+            </a:r>
+            <a:r>
+              <a:rPr lang="fr-FR" i="1" dirty="0" smtClean="0"/>
+              <a:t> of </a:t>
+            </a:r>
+            <a:r>
+              <a:rPr lang="fr-FR" i="1" dirty="0" err="1" smtClean="0"/>
+              <a:t>dependencies</a:t>
+            </a:r>
+            <a:endParaRPr lang="fr-FR" i="1" dirty="0" smtClean="0"/>
+          </a:p>
+          <a:p>
+            <a:r>
+              <a:rPr lang="fr-FR" dirty="0" err="1" smtClean="0"/>
+              <a:t>Also</a:t>
+            </a:r>
+            <a:r>
+              <a:rPr lang="fr-FR" dirty="0" smtClean="0"/>
+              <a:t> </a:t>
+            </a:r>
+            <a:r>
+              <a:rPr lang="fr-FR" dirty="0" err="1" smtClean="0"/>
+              <a:t>known</a:t>
+            </a:r>
+            <a:r>
+              <a:rPr lang="fr-FR" dirty="0" smtClean="0"/>
+              <a:t> as </a:t>
+            </a:r>
+            <a:r>
+              <a:rPr lang="fr-FR" b="1" i="1" dirty="0" smtClean="0"/>
+              <a:t>Poor Man’s DI</a:t>
+            </a:r>
+          </a:p>
+          <a:p>
+            <a:r>
+              <a:rPr lang="fr-FR" dirty="0" err="1" smtClean="0"/>
+              <a:t>Very</a:t>
+            </a:r>
+            <a:r>
+              <a:rPr lang="fr-FR" dirty="0" smtClean="0"/>
+              <a:t> explicit</a:t>
+            </a:r>
+          </a:p>
+          <a:p>
+            <a:r>
+              <a:rPr lang="fr-FR" dirty="0" smtClean="0"/>
+              <a:t>Type-</a:t>
+            </a:r>
+            <a:r>
+              <a:rPr lang="fr-FR" dirty="0" err="1" smtClean="0"/>
+              <a:t>safe</a:t>
+            </a:r>
+            <a:endParaRPr lang="fr-FR" dirty="0" smtClean="0"/>
+          </a:p>
+          <a:p>
+            <a:r>
+              <a:rPr lang="fr-FR" dirty="0" smtClean="0"/>
+              <a:t>… but </a:t>
+            </a:r>
+            <a:r>
+              <a:rPr lang="fr-FR" dirty="0" err="1" smtClean="0"/>
+              <a:t>repetitive</a:t>
+            </a:r>
+            <a:r>
+              <a:rPr lang="fr-FR" dirty="0" smtClean="0"/>
+              <a:t> and </a:t>
+            </a:r>
+            <a:r>
+              <a:rPr lang="fr-FR" dirty="0" err="1" smtClean="0"/>
+              <a:t>boring</a:t>
+            </a:r>
+            <a:endParaRPr lang="en-US" dirty="0"/>
+          </a:p>
+        </p:txBody>
+      </p:sp>
+    </p:spTree>
+    <p:extLst>
+      <p:ext uri="{BB962C8B-B14F-4D97-AF65-F5344CB8AC3E}">
+        <p14:creationId xmlns:p14="http://schemas.microsoft.com/office/powerpoint/2010/main" val="550091921"/>
+      </p:ext>
+    </p:extLst>
+  </p:cSld>
+  <p:clrMapOvr>
+    <a:masterClrMapping/>
+  </p:clrMapOvr>
+  <p:timing>
+    <p:tnLst>
+      <p:par>
+        <p:cTn id="1" dur="indefinite" restart="never" nodeType="tmRoot"/>
+      </p:par>
+    </p:tnLst>
+  </p:timing>
+</p:sld>
+</file>
+
 <file path=ppt/slides/slide3.xml><?xml version="1.0" encoding="utf-8"?>
 <p:sld xmlns:a="http://schemas.openxmlformats.org/drawingml/2006/main" xmlns:r="http://schemas.openxmlformats.org/officeDocument/2006/relationships" xmlns:p="http://schemas.openxmlformats.org/presentationml/2006/main">
   <p:cSld>
@@ -33323,7 +37558,7 @@
             <a:pPr lvl="1"/>
             <a:r>
               <a:rPr lang="en-US" dirty="0" smtClean="0"/>
-              <a:t>Dependency Injection patterns</a:t>
+              <a:t>Dependency Injection (DI) patterns</a:t>
             </a:r>
           </a:p>
           <a:p>
@@ -33437,7 +37672,7 @@
       </p:grpSpPr>
       <p:sp>
         <p:nvSpPr>
-          <p:cNvPr id="2" name="Title 1"/>
+          <p:cNvPr id="4" name="Title 3"/>
           <p:cNvSpPr>
             <a:spLocks noGrp="1"/>
           </p:cNvSpPr>
@@ -33451,25 +37686,29 @@
           <a:lstStyle/>
           <a:p>
             <a:r>
-              <a:rPr lang="en-US" b="1" i="1" dirty="0" smtClean="0"/>
-              <a:t>Pure </a:t>
-            </a:r>
-            <a:r>
-              <a:rPr lang="en-US" b="1" i="1" dirty="0" smtClean="0"/>
-              <a:t>DI</a:t>
-            </a:r>
-            <a:endParaRPr lang="en-US" b="1" i="1" dirty="0"/>
+              <a:rPr lang="fr-FR" dirty="0" smtClean="0"/>
+              <a:t>So </a:t>
+            </a:r>
+            <a:r>
+              <a:rPr lang="fr-FR" dirty="0" err="1" smtClean="0"/>
+              <a:t>what</a:t>
+            </a:r>
+            <a:r>
+              <a:rPr lang="fr-FR" dirty="0" smtClean="0"/>
+              <a:t> ?</a:t>
+            </a:r>
+            <a:endParaRPr lang="en-US" dirty="0"/>
           </a:p>
         </p:txBody>
       </p:sp>
       <p:sp>
         <p:nvSpPr>
-          <p:cNvPr id="3" name="Content Placeholder 2"/>
+          <p:cNvPr id="5" name="Text Placeholder 4"/>
           <p:cNvSpPr>
             <a:spLocks noGrp="1"/>
           </p:cNvSpPr>
           <p:nvPr>
-            <p:ph idx="1"/>
+            <p:ph type="body" idx="1"/>
           </p:nvPr>
         </p:nvSpPr>
         <p:spPr/>
@@ -33477,35 +37716,13 @@
           <a:bodyPr/>
           <a:lstStyle/>
           <a:p>
-            <a:pPr marL="0" indent="0" algn="ctr">
-              <a:buNone/>
-            </a:pPr>
-            <a:r>
-              <a:rPr lang="fr-FR" i="1" dirty="0" err="1" smtClean="0"/>
-              <a:t>Manual</a:t>
-            </a:r>
-            <a:r>
-              <a:rPr lang="fr-FR" i="1" dirty="0" smtClean="0"/>
-              <a:t> </a:t>
-            </a:r>
-            <a:r>
-              <a:rPr lang="fr-FR" i="1" dirty="0" err="1" smtClean="0"/>
-              <a:t>wiring</a:t>
-            </a:r>
-            <a:r>
-              <a:rPr lang="fr-FR" i="1" dirty="0" smtClean="0"/>
-              <a:t> of </a:t>
-            </a:r>
-            <a:r>
-              <a:rPr lang="fr-FR" i="1" dirty="0" err="1" smtClean="0"/>
-              <a:t>dependencies</a:t>
-            </a:r>
-            <a:endParaRPr lang="fr-FR" i="1" dirty="0" smtClean="0"/>
-          </a:p>
-          <a:p>
+            <a:r>
+              <a:rPr lang="fr-FR" dirty="0" smtClean="0"/>
+              <a:t>And </a:t>
+            </a:r>
             <a:r>
               <a:rPr lang="fr-FR" dirty="0" err="1" smtClean="0"/>
-              <a:t>Also</a:t>
+              <a:t>we</a:t>
             </a:r>
             <a:r>
               <a:rPr lang="fr-FR" dirty="0" smtClean="0"/>
@@ -33513,50 +37730,27 @@
             </a:r>
             <a:r>
               <a:rPr lang="fr-FR" dirty="0" err="1" smtClean="0"/>
-              <a:t>known</a:t>
+              <a:t>did</a:t>
             </a:r>
             <a:r>
               <a:rPr lang="fr-FR" dirty="0" smtClean="0"/>
-              <a:t> as Poor Man’s DI</a:t>
-            </a:r>
-          </a:p>
-          <a:p>
+              <a:t> </a:t>
+            </a:r>
             <a:r>
               <a:rPr lang="fr-FR" dirty="0" err="1" smtClean="0"/>
-              <a:t>Very</a:t>
+              <a:t>that</a:t>
             </a:r>
             <a:r>
               <a:rPr lang="fr-FR" dirty="0" smtClean="0"/>
-              <a:t> explicit</a:t>
-            </a:r>
-          </a:p>
-          <a:p>
+              <a:t> </a:t>
+            </a:r>
+            <a:r>
+              <a:rPr lang="fr-FR" dirty="0" err="1" smtClean="0"/>
+              <a:t>because</a:t>
+            </a:r>
             <a:r>
               <a:rPr lang="fr-FR" dirty="0" smtClean="0"/>
-              <a:t>Type-</a:t>
-            </a:r>
-            <a:r>
-              <a:rPr lang="fr-FR" dirty="0" err="1" smtClean="0"/>
-              <a:t>safe</a:t>
-            </a:r>
-            <a:endParaRPr lang="fr-FR" dirty="0" smtClean="0"/>
-          </a:p>
-          <a:p>
-            <a:r>
-              <a:rPr lang="fr-FR" dirty="0" smtClean="0"/>
-              <a:t>… but </a:t>
-            </a:r>
-            <a:r>
-              <a:rPr lang="fr-FR" dirty="0" err="1" smtClean="0"/>
-              <a:t>repetitive</a:t>
-            </a:r>
-            <a:r>
-              <a:rPr lang="fr-FR" dirty="0" smtClean="0"/>
-              <a:t> and </a:t>
-            </a:r>
-            <a:r>
-              <a:rPr lang="fr-FR" dirty="0" err="1" smtClean="0"/>
-              <a:t>boring</a:t>
+              <a:t> … ?</a:t>
             </a:r>
             <a:endParaRPr lang="en-US" dirty="0"/>
           </a:p>
@@ -33565,7 +37759,7 @@
     </p:spTree>
     <p:extLst>
       <p:ext uri="{BB962C8B-B14F-4D97-AF65-F5344CB8AC3E}">
-        <p14:creationId xmlns:p14="http://schemas.microsoft.com/office/powerpoint/2010/main" val="550091921"/>
+        <p14:creationId xmlns:p14="http://schemas.microsoft.com/office/powerpoint/2010/main" val="1192282453"/>
       </p:ext>
     </p:extLst>
   </p:cSld>
@@ -33611,20 +37805,38 @@
         </p:nvSpPr>
         <p:spPr/>
         <p:txBody>
-          <a:bodyPr/>
+          <a:bodyPr>
+            <a:normAutofit fontScale="90000"/>
+          </a:bodyPr>
           <a:lstStyle/>
           <a:p>
             <a:r>
+              <a:rPr lang="fr-FR" dirty="0" err="1" smtClean="0"/>
+              <a:t>Many</a:t>
+            </a:r>
+            <a:r>
               <a:rPr lang="fr-FR" dirty="0" smtClean="0"/>
-              <a:t>So </a:t>
+              <a:t> </a:t>
             </a:r>
             <a:r>
               <a:rPr lang="fr-FR" dirty="0" err="1" smtClean="0"/>
-              <a:t>what</a:t>
+              <a:t>benefits</a:t>
             </a:r>
             <a:r>
               <a:rPr lang="fr-FR" dirty="0" smtClean="0"/>
-              <a:t> ?</a:t>
+              <a:t> of full DI-</a:t>
+            </a:r>
+            <a:r>
+              <a:rPr lang="fr-FR" dirty="0" err="1" smtClean="0"/>
+              <a:t>friendly</a:t>
+            </a:r>
+            <a:r>
+              <a:rPr lang="fr-FR" dirty="0" smtClean="0"/>
+              <a:t> </a:t>
+            </a:r>
+            <a:r>
+              <a:rPr lang="fr-FR" dirty="0" err="1" smtClean="0"/>
+              <a:t>codebase</a:t>
             </a:r>
             <a:endParaRPr lang="en-US" dirty="0"/>
           </a:p>
@@ -33632,12 +37844,12 @@
       </p:sp>
       <p:sp>
         <p:nvSpPr>
-          <p:cNvPr id="5" name="Text Placeholder 4"/>
+          <p:cNvPr id="5" name="Content Placeholder 4"/>
           <p:cNvSpPr>
             <a:spLocks noGrp="1"/>
           </p:cNvSpPr>
           <p:nvPr>
-            <p:ph type="body" idx="1"/>
+            <p:ph idx="1"/>
           </p:nvPr>
         </p:nvSpPr>
         <p:spPr/>
@@ -33646,12 +37858,22 @@
           <a:lstStyle/>
           <a:p>
             <a:r>
-              <a:rPr lang="fr-FR" dirty="0" smtClean="0"/>
-              <a:t>And </a:t>
-            </a:r>
-            <a:r>
               <a:rPr lang="fr-FR" dirty="0" err="1" smtClean="0"/>
-              <a:t>we</a:t>
+              <a:t>Testability</a:t>
+            </a:r>
+            <a:endParaRPr lang="fr-FR" dirty="0" smtClean="0"/>
+          </a:p>
+          <a:p>
+            <a:r>
+              <a:rPr lang="fr-FR" dirty="0" err="1" smtClean="0"/>
+              <a:t>Maintainability</a:t>
+            </a:r>
+            <a:endParaRPr lang="fr-FR" dirty="0"/>
+          </a:p>
+          <a:p>
+            <a:r>
+              <a:rPr lang="fr-FR" dirty="0" err="1" smtClean="0"/>
+              <a:t>Allows</a:t>
             </a:r>
             <a:r>
               <a:rPr lang="fr-FR" dirty="0" smtClean="0"/>
@@ -33659,7 +37881,7 @@
             </a:r>
             <a:r>
               <a:rPr lang="fr-FR" dirty="0" err="1" smtClean="0"/>
-              <a:t>did</a:t>
+              <a:t>parallel</a:t>
             </a:r>
             <a:r>
               <a:rPr lang="fr-FR" dirty="0" smtClean="0"/>
@@ -33667,19 +37889,14 @@
             </a:r>
             <a:r>
               <a:rPr lang="fr-FR" dirty="0" err="1" smtClean="0"/>
-              <a:t>that</a:t>
-            </a:r>
+              <a:t>work</a:t>
+            </a:r>
+            <a:endParaRPr lang="fr-FR" dirty="0" smtClean="0"/>
+          </a:p>
+          <a:p>
             <a:r>
               <a:rPr lang="fr-FR" dirty="0" smtClean="0"/>
-              <a:t> </a:t>
-            </a:r>
-            <a:r>
-              <a:rPr lang="fr-FR" dirty="0" err="1" smtClean="0"/>
-              <a:t>because</a:t>
-            </a:r>
-            <a:r>
-              <a:rPr lang="fr-FR" dirty="0" smtClean="0"/>
-              <a:t> … ?</a:t>
+              <a:t>… and more !</a:t>
             </a:r>
             <a:endParaRPr lang="en-US" dirty="0"/>
           </a:p>
@@ -33688,7 +37905,7 @@
     </p:spTree>
     <p:extLst>
       <p:ext uri="{BB962C8B-B14F-4D97-AF65-F5344CB8AC3E}">
-        <p14:creationId xmlns:p14="http://schemas.microsoft.com/office/powerpoint/2010/main" val="1192282453"/>
+        <p14:creationId xmlns:p14="http://schemas.microsoft.com/office/powerpoint/2010/main" val="950350864"/>
       </p:ext>
     </p:extLst>
   </p:cSld>
@@ -33734,152 +37951,6 @@
         </p:nvSpPr>
         <p:spPr/>
         <p:txBody>
-          <a:bodyPr>
-            <a:normAutofit fontScale="90000"/>
-          </a:bodyPr>
-          <a:lstStyle/>
-          <a:p>
-            <a:r>
-              <a:rPr lang="fr-FR" dirty="0" err="1" smtClean="0"/>
-              <a:t>Many</a:t>
-            </a:r>
-            <a:r>
-              <a:rPr lang="fr-FR" dirty="0" smtClean="0"/>
-              <a:t> </a:t>
-            </a:r>
-            <a:r>
-              <a:rPr lang="fr-FR" dirty="0" err="1" smtClean="0"/>
-              <a:t>benefits</a:t>
-            </a:r>
-            <a:r>
-              <a:rPr lang="fr-FR" dirty="0" smtClean="0"/>
-              <a:t> of full DI-</a:t>
-            </a:r>
-            <a:r>
-              <a:rPr lang="fr-FR" dirty="0" err="1" smtClean="0"/>
-              <a:t>friendly</a:t>
-            </a:r>
-            <a:r>
-              <a:rPr lang="fr-FR" dirty="0" smtClean="0"/>
-              <a:t> </a:t>
-            </a:r>
-            <a:r>
-              <a:rPr lang="fr-FR" dirty="0" err="1" smtClean="0"/>
-              <a:t>codebase</a:t>
-            </a:r>
-            <a:endParaRPr lang="en-US" dirty="0"/>
-          </a:p>
-        </p:txBody>
-      </p:sp>
-      <p:sp>
-        <p:nvSpPr>
-          <p:cNvPr id="5" name="Content Placeholder 4"/>
-          <p:cNvSpPr>
-            <a:spLocks noGrp="1"/>
-          </p:cNvSpPr>
-          <p:nvPr>
-            <p:ph idx="1"/>
-          </p:nvPr>
-        </p:nvSpPr>
-        <p:spPr/>
-        <p:txBody>
-          <a:bodyPr/>
-          <a:lstStyle/>
-          <a:p>
-            <a:r>
-              <a:rPr lang="fr-FR" dirty="0" err="1" smtClean="0"/>
-              <a:t>Testability</a:t>
-            </a:r>
-            <a:endParaRPr lang="fr-FR" dirty="0" smtClean="0"/>
-          </a:p>
-          <a:p>
-            <a:r>
-              <a:rPr lang="fr-FR" dirty="0" err="1" smtClean="0"/>
-              <a:t>Maintainability</a:t>
-            </a:r>
-            <a:endParaRPr lang="fr-FR" dirty="0"/>
-          </a:p>
-          <a:p>
-            <a:r>
-              <a:rPr lang="fr-FR" dirty="0" err="1" smtClean="0"/>
-              <a:t>Allows</a:t>
-            </a:r>
-            <a:r>
-              <a:rPr lang="fr-FR" dirty="0" smtClean="0"/>
-              <a:t> </a:t>
-            </a:r>
-            <a:r>
-              <a:rPr lang="fr-FR" dirty="0" err="1" smtClean="0"/>
-              <a:t>parallel</a:t>
-            </a:r>
-            <a:r>
-              <a:rPr lang="fr-FR" dirty="0" smtClean="0"/>
-              <a:t> </a:t>
-            </a:r>
-            <a:r>
-              <a:rPr lang="fr-FR" dirty="0" err="1" smtClean="0"/>
-              <a:t>work</a:t>
-            </a:r>
-            <a:endParaRPr lang="fr-FR" dirty="0" smtClean="0"/>
-          </a:p>
-          <a:p>
-            <a:r>
-              <a:rPr lang="fr-FR" dirty="0" smtClean="0"/>
-              <a:t>… and more !</a:t>
-            </a:r>
-            <a:endParaRPr lang="en-US" dirty="0"/>
-          </a:p>
-        </p:txBody>
-      </p:sp>
-    </p:spTree>
-    <p:extLst>
-      <p:ext uri="{BB962C8B-B14F-4D97-AF65-F5344CB8AC3E}">
-        <p14:creationId xmlns:p14="http://schemas.microsoft.com/office/powerpoint/2010/main" val="950350864"/>
-      </p:ext>
-    </p:extLst>
-  </p:cSld>
-  <p:clrMapOvr>
-    <a:masterClrMapping/>
-  </p:clrMapOvr>
-  <p:timing>
-    <p:tnLst>
-      <p:par>
-        <p:cTn id="1" dur="indefinite" restart="never" nodeType="tmRoot"/>
-      </p:par>
-    </p:tnLst>
-  </p:timing>
-</p:sld>
-</file>
-
-<file path=ppt/slides/slide33.xml><?xml version="1.0" encoding="utf-8"?>
-<p:sld xmlns:a="http://schemas.openxmlformats.org/drawingml/2006/main" xmlns:r="http://schemas.openxmlformats.org/officeDocument/2006/relationships" xmlns:p="http://schemas.openxmlformats.org/presentationml/2006/main">
-  <p:cSld>
-    <p:spTree>
-      <p:nvGrpSpPr>
-        <p:cNvPr id="1" name=""/>
-        <p:cNvGrpSpPr/>
-        <p:nvPr/>
-      </p:nvGrpSpPr>
-      <p:grpSpPr>
-        <a:xfrm>
-          <a:off x="0" y="0"/>
-          <a:ext cx="0" cy="0"/>
-          <a:chOff x="0" y="0"/>
-          <a:chExt cx="0" cy="0"/>
-        </a:xfrm>
-      </p:grpSpPr>
-      <p:sp>
-        <p:nvSpPr>
-          <p:cNvPr id="4" name="Title 3"/>
-          <p:cNvSpPr>
-            <a:spLocks noGrp="1"/>
-          </p:cNvSpPr>
-          <p:nvPr>
-            <p:ph type="title"/>
-          </p:nvPr>
-        </p:nvSpPr>
-        <p:spPr/>
-        <p:txBody>
           <a:bodyPr/>
           <a:lstStyle/>
           <a:p>
@@ -34294,7 +38365,7 @@
 </p:sld>
 </file>
 
-<file path=ppt/slides/slide34.xml><?xml version="1.0" encoding="utf-8"?>
+<file path=ppt/slides/slide33.xml><?xml version="1.0" encoding="utf-8"?>
 <p:sld xmlns:a="http://schemas.openxmlformats.org/drawingml/2006/main" xmlns:r="http://schemas.openxmlformats.org/officeDocument/2006/relationships" xmlns:p="http://schemas.openxmlformats.org/presentationml/2006/main">
   <p:cSld>
     <p:spTree>
@@ -35839,7 +39910,7 @@
 </p:sld>
 </file>
 
-<file path=ppt/slides/slide35.xml><?xml version="1.0" encoding="utf-8"?>
+<file path=ppt/slides/slide34.xml><?xml version="1.0" encoding="utf-8"?>
 <p:sld xmlns:a="http://schemas.openxmlformats.org/drawingml/2006/main" xmlns:r="http://schemas.openxmlformats.org/officeDocument/2006/relationships" xmlns:p="http://schemas.openxmlformats.org/presentationml/2006/main">
   <p:cSld>
     <p:spTree>
@@ -38840,7 +42911,7 @@
 </p:sld>
 </file>
 
-<file path=ppt/slides/slide36.xml><?xml version="1.0" encoding="utf-8"?>
+<file path=ppt/slides/slide35.xml><?xml version="1.0" encoding="utf-8"?>
 <p:sld xmlns:a="http://schemas.openxmlformats.org/drawingml/2006/main" xmlns:r="http://schemas.openxmlformats.org/officeDocument/2006/relationships" xmlns:p="http://schemas.openxmlformats.org/presentationml/2006/main">
   <p:cSld>
     <p:spTree>
@@ -38923,7 +42994,7 @@
 </p:sld>
 </file>
 
-<file path=ppt/slides/slide37.xml><?xml version="1.0" encoding="utf-8"?>
+<file path=ppt/slides/slide36.xml><?xml version="1.0" encoding="utf-8"?>
 <p:sld xmlns:a="http://schemas.openxmlformats.org/drawingml/2006/main" xmlns:r="http://schemas.openxmlformats.org/officeDocument/2006/relationships" xmlns:p="http://schemas.openxmlformats.org/presentationml/2006/main">
   <p:cSld>
     <p:spTree>
@@ -38957,11 +43028,7 @@
           <a:p>
             <a:r>
               <a:rPr lang="en-US" dirty="0" smtClean="0"/>
-              <a:t>DI </a:t>
-            </a:r>
-            <a:r>
-              <a:rPr lang="en-US" dirty="0" smtClean="0"/>
-              <a:t>Container – how they work</a:t>
+              <a:t>DI Container – how they work</a:t>
             </a:r>
             <a:endParaRPr lang="en-US" dirty="0"/>
           </a:p>
@@ -39208,7 +43275,7 @@
 </p:sld>
 </file>
 
-<file path=ppt/slides/slide38.xml><?xml version="1.0" encoding="utf-8"?>
+<file path=ppt/slides/slide37.xml><?xml version="1.0" encoding="utf-8"?>
 <p:sld xmlns:a="http://schemas.openxmlformats.org/drawingml/2006/main" xmlns:r="http://schemas.openxmlformats.org/officeDocument/2006/relationships" xmlns:p="http://schemas.openxmlformats.org/presentationml/2006/main">
   <p:cSld>
     <p:spTree>
@@ -42926,7 +46993,7 @@
 </p:sld>
 </file>
 
-<file path=ppt/slides/slide39.xml><?xml version="1.0" encoding="utf-8"?>
+<file path=ppt/slides/slide38.xml><?xml version="1.0" encoding="utf-8"?>
 <p:sld xmlns:a="http://schemas.openxmlformats.org/drawingml/2006/main" xmlns:r="http://schemas.openxmlformats.org/officeDocument/2006/relationships" xmlns:p="http://schemas.openxmlformats.org/presentationml/2006/main">
   <p:cSld>
     <p:spTree>
@@ -43015,6 +47082,97 @@
   <p:clrMapOvr>
     <a:masterClrMapping/>
   </p:clrMapOvr>
+  <p:timing>
+    <p:tnLst>
+      <p:par>
+        <p:cTn id="1" dur="indefinite" restart="never" nodeType="tmRoot"/>
+      </p:par>
+    </p:tnLst>
+  </p:timing>
+</p:sld>
+</file>
+
+<file path=ppt/slides/slide39.xml><?xml version="1.0" encoding="utf-8"?>
+<p:sld xmlns:a="http://schemas.openxmlformats.org/drawingml/2006/main" xmlns:r="http://schemas.openxmlformats.org/officeDocument/2006/relationships" xmlns:p="http://schemas.openxmlformats.org/presentationml/2006/main" show="0">
+  <p:cSld>
+    <p:spTree>
+      <p:nvGrpSpPr>
+        <p:cNvPr id="1" name=""/>
+        <p:cNvGrpSpPr/>
+        <p:nvPr/>
+      </p:nvGrpSpPr>
+      <p:grpSpPr>
+        <a:xfrm>
+          <a:off x="0" y="0"/>
+          <a:ext cx="0" cy="0"/>
+          <a:chOff x="0" y="0"/>
+          <a:chExt cx="0" cy="0"/>
+        </a:xfrm>
+      </p:grpSpPr>
+      <p:sp>
+        <p:nvSpPr>
+          <p:cNvPr id="2" name="Title 1"/>
+          <p:cNvSpPr>
+            <a:spLocks noGrp="1"/>
+          </p:cNvSpPr>
+          <p:nvPr>
+            <p:ph type="title"/>
+          </p:nvPr>
+        </p:nvSpPr>
+        <p:spPr/>
+        <p:txBody>
+          <a:bodyPr/>
+          <a:lstStyle/>
+          <a:p>
+            <a:r>
+              <a:rPr lang="en-US" dirty="0" err="1" smtClean="0"/>
+              <a:t>LifeTime</a:t>
+            </a:r>
+            <a:r>
+              <a:rPr lang="en-US" dirty="0" smtClean="0"/>
+              <a:t> Management</a:t>
+            </a:r>
+            <a:endParaRPr lang="en-US" dirty="0"/>
+          </a:p>
+        </p:txBody>
+      </p:sp>
+      <p:sp>
+        <p:nvSpPr>
+          <p:cNvPr id="3" name="Content Placeholder 2"/>
+          <p:cNvSpPr>
+            <a:spLocks noGrp="1"/>
+          </p:cNvSpPr>
+          <p:nvPr>
+            <p:ph idx="1"/>
+          </p:nvPr>
+        </p:nvSpPr>
+        <p:spPr/>
+        <p:txBody>
+          <a:bodyPr/>
+          <a:lstStyle/>
+          <a:p>
+            <a:endParaRPr lang="en-US" dirty="0"/>
+          </a:p>
+        </p:txBody>
+      </p:sp>
+    </p:spTree>
+    <p:extLst>
+      <p:ext uri="{BB962C8B-B14F-4D97-AF65-F5344CB8AC3E}">
+        <p14:creationId xmlns:p14="http://schemas.microsoft.com/office/powerpoint/2010/main" val="3458786066"/>
+      </p:ext>
+    </p:extLst>
+  </p:cSld>
+  <p:clrMapOvr>
+    <a:masterClrMapping/>
+  </p:clrMapOvr>
+  <mc:AlternateContent xmlns:mc="http://schemas.openxmlformats.org/markup-compatibility/2006" xmlns:p14="http://schemas.microsoft.com/office/powerpoint/2010/main">
+    <mc:Choice Requires="p14">
+      <p:transition spd="slow" p14:dur="2000"/>
+    </mc:Choice>
+    <mc:Fallback xmlns="">
+      <p:transition spd="slow"/>
+    </mc:Fallback>
+  </mc:AlternateContent>
   <p:timing>
     <p:tnLst>
       <p:par>
@@ -43104,97 +47262,6 @@
 </file>
 
 <file path=ppt/slides/slide40.xml><?xml version="1.0" encoding="utf-8"?>
-<p:sld xmlns:a="http://schemas.openxmlformats.org/drawingml/2006/main" xmlns:r="http://schemas.openxmlformats.org/officeDocument/2006/relationships" xmlns:p="http://schemas.openxmlformats.org/presentationml/2006/main" show="0">
-  <p:cSld>
-    <p:spTree>
-      <p:nvGrpSpPr>
-        <p:cNvPr id="1" name=""/>
-        <p:cNvGrpSpPr/>
-        <p:nvPr/>
-      </p:nvGrpSpPr>
-      <p:grpSpPr>
-        <a:xfrm>
-          <a:off x="0" y="0"/>
-          <a:ext cx="0" cy="0"/>
-          <a:chOff x="0" y="0"/>
-          <a:chExt cx="0" cy="0"/>
-        </a:xfrm>
-      </p:grpSpPr>
-      <p:sp>
-        <p:nvSpPr>
-          <p:cNvPr id="2" name="Title 1"/>
-          <p:cNvSpPr>
-            <a:spLocks noGrp="1"/>
-          </p:cNvSpPr>
-          <p:nvPr>
-            <p:ph type="title"/>
-          </p:nvPr>
-        </p:nvSpPr>
-        <p:spPr/>
-        <p:txBody>
-          <a:bodyPr/>
-          <a:lstStyle/>
-          <a:p>
-            <a:r>
-              <a:rPr lang="en-US" dirty="0" err="1" smtClean="0"/>
-              <a:t>LifeTime</a:t>
-            </a:r>
-            <a:r>
-              <a:rPr lang="en-US" dirty="0" smtClean="0"/>
-              <a:t> Management</a:t>
-            </a:r>
-            <a:endParaRPr lang="en-US" dirty="0"/>
-          </a:p>
-        </p:txBody>
-      </p:sp>
-      <p:sp>
-        <p:nvSpPr>
-          <p:cNvPr id="3" name="Content Placeholder 2"/>
-          <p:cNvSpPr>
-            <a:spLocks noGrp="1"/>
-          </p:cNvSpPr>
-          <p:nvPr>
-            <p:ph idx="1"/>
-          </p:nvPr>
-        </p:nvSpPr>
-        <p:spPr/>
-        <p:txBody>
-          <a:bodyPr/>
-          <a:lstStyle/>
-          <a:p>
-            <a:endParaRPr lang="en-US" dirty="0"/>
-          </a:p>
-        </p:txBody>
-      </p:sp>
-    </p:spTree>
-    <p:extLst>
-      <p:ext uri="{BB962C8B-B14F-4D97-AF65-F5344CB8AC3E}">
-        <p14:creationId xmlns:p14="http://schemas.microsoft.com/office/powerpoint/2010/main" val="3458786066"/>
-      </p:ext>
-    </p:extLst>
-  </p:cSld>
-  <p:clrMapOvr>
-    <a:masterClrMapping/>
-  </p:clrMapOvr>
-  <mc:AlternateContent xmlns:mc="http://schemas.openxmlformats.org/markup-compatibility/2006">
-    <mc:Choice xmlns:p14="http://schemas.microsoft.com/office/powerpoint/2010/main" Requires="p14">
-      <p:transition spd="slow" p14:dur="2000"/>
-    </mc:Choice>
-    <mc:Fallback>
-      <p:transition spd="slow"/>
-    </mc:Fallback>
-  </mc:AlternateContent>
-  <p:timing>
-    <p:tnLst>
-      <p:par>
-        <p:cTn id="1" dur="indefinite" restart="never" nodeType="tmRoot"/>
-      </p:par>
-    </p:tnLst>
-  </p:timing>
-</p:sld>
-</file>
-
-<file path=ppt/slides/slide41.xml><?xml version="1.0" encoding="utf-8"?>
 <p:sld xmlns:a="http://schemas.openxmlformats.org/drawingml/2006/main" xmlns:r="http://schemas.openxmlformats.org/officeDocument/2006/relationships" xmlns:p="http://schemas.openxmlformats.org/presentationml/2006/main">
   <p:cSld>
     <p:spTree>
@@ -43350,7 +47417,7 @@
 </p:sld>
 </file>
 
-<file path=ppt/slides/slide42.xml><?xml version="1.0" encoding="utf-8"?>
+<file path=ppt/slides/slide41.xml><?xml version="1.0" encoding="utf-8"?>
 <p:sld xmlns:a="http://schemas.openxmlformats.org/drawingml/2006/main" xmlns:r="http://schemas.openxmlformats.org/officeDocument/2006/relationships" xmlns:p="http://schemas.openxmlformats.org/presentationml/2006/main">
   <p:cSld>
     <p:spTree>
@@ -47347,7 +51414,7 @@
 </p:sld>
 </file>
 
-<file path=ppt/slides/slide43.xml><?xml version="1.0" encoding="utf-8"?>
+<file path=ppt/slides/slide42.xml><?xml version="1.0" encoding="utf-8"?>
 <p:sld xmlns:a="http://schemas.openxmlformats.org/drawingml/2006/main" xmlns:r="http://schemas.openxmlformats.org/officeDocument/2006/relationships" xmlns:p="http://schemas.openxmlformats.org/presentationml/2006/main">
   <p:cSld>
     <p:spTree>
@@ -47422,6 +51489,167 @@
     <p:extLst>
       <p:ext uri="{BB962C8B-B14F-4D97-AF65-F5344CB8AC3E}">
         <p14:creationId xmlns:p14="http://schemas.microsoft.com/office/powerpoint/2010/main" val="308607750"/>
+      </p:ext>
+    </p:extLst>
+  </p:cSld>
+  <p:clrMapOvr>
+    <a:masterClrMapping/>
+  </p:clrMapOvr>
+  <p:timing>
+    <p:tnLst>
+      <p:par>
+        <p:cTn id="1" dur="indefinite" restart="never" nodeType="tmRoot"/>
+      </p:par>
+    </p:tnLst>
+  </p:timing>
+</p:sld>
+</file>
+
+<file path=ppt/slides/slide43.xml><?xml version="1.0" encoding="utf-8"?>
+<p:sld xmlns:a="http://schemas.openxmlformats.org/drawingml/2006/main" xmlns:r="http://schemas.openxmlformats.org/officeDocument/2006/relationships" xmlns:p="http://schemas.openxmlformats.org/presentationml/2006/main">
+  <p:cSld>
+    <p:spTree>
+      <p:nvGrpSpPr>
+        <p:cNvPr id="1" name=""/>
+        <p:cNvGrpSpPr/>
+        <p:nvPr/>
+      </p:nvGrpSpPr>
+      <p:grpSpPr>
+        <a:xfrm>
+          <a:off x="0" y="0"/>
+          <a:ext cx="0" cy="0"/>
+          <a:chOff x="0" y="0"/>
+          <a:chExt cx="0" cy="0"/>
+        </a:xfrm>
+      </p:grpSpPr>
+      <p:sp>
+        <p:nvSpPr>
+          <p:cNvPr id="2" name="Title 1"/>
+          <p:cNvSpPr>
+            <a:spLocks noGrp="1"/>
+          </p:cNvSpPr>
+          <p:nvPr>
+            <p:ph type="title"/>
+          </p:nvPr>
+        </p:nvSpPr>
+        <p:spPr/>
+        <p:txBody>
+          <a:bodyPr/>
+          <a:lstStyle/>
+          <a:p>
+            <a:r>
+              <a:rPr lang="en-US" dirty="0" smtClean="0"/>
+              <a:t>Remember</a:t>
+            </a:r>
+            <a:endParaRPr lang="en-US" dirty="0"/>
+          </a:p>
+        </p:txBody>
+      </p:sp>
+      <p:sp>
+        <p:nvSpPr>
+          <p:cNvPr id="3" name="Content Placeholder 2"/>
+          <p:cNvSpPr>
+            <a:spLocks noGrp="1"/>
+          </p:cNvSpPr>
+          <p:nvPr>
+            <p:ph idx="1"/>
+          </p:nvPr>
+        </p:nvSpPr>
+        <p:spPr/>
+        <p:txBody>
+          <a:bodyPr/>
+          <a:lstStyle/>
+          <a:p>
+            <a:r>
+              <a:rPr lang="fr-FR" dirty="0" err="1" smtClean="0"/>
+              <a:t>Constructor</a:t>
+            </a:r>
+            <a:r>
+              <a:rPr lang="fr-FR" dirty="0" smtClean="0"/>
+              <a:t> Injection </a:t>
+            </a:r>
+            <a:r>
+              <a:rPr lang="fr-FR" dirty="0" err="1" smtClean="0"/>
+              <a:t>is</a:t>
+            </a:r>
+            <a:r>
+              <a:rPr lang="fr-FR" dirty="0" smtClean="0"/>
+              <a:t> </a:t>
+            </a:r>
+            <a:r>
+              <a:rPr lang="fr-FR" dirty="0" err="1" smtClean="0"/>
+              <a:t>your</a:t>
+            </a:r>
+            <a:r>
+              <a:rPr lang="fr-FR" dirty="0" smtClean="0"/>
+              <a:t> </a:t>
+            </a:r>
+            <a:r>
+              <a:rPr lang="fr-FR" dirty="0" err="1" smtClean="0"/>
+              <a:t>friend</a:t>
+            </a:r>
+            <a:endParaRPr lang="fr-FR" dirty="0" smtClean="0"/>
+          </a:p>
+          <a:p>
+            <a:r>
+              <a:rPr lang="fr-FR" dirty="0" smtClean="0"/>
+              <a:t>DI-</a:t>
+            </a:r>
+            <a:r>
+              <a:rPr lang="fr-FR" dirty="0" err="1" smtClean="0"/>
+              <a:t>friendly</a:t>
+            </a:r>
+            <a:r>
+              <a:rPr lang="fr-FR" dirty="0" smtClean="0"/>
+              <a:t> </a:t>
+            </a:r>
+            <a:r>
+              <a:rPr lang="fr-FR" dirty="0" err="1" smtClean="0"/>
+              <a:t>everywhere</a:t>
+            </a:r>
+            <a:endParaRPr lang="fr-FR" dirty="0" smtClean="0"/>
+          </a:p>
+          <a:p>
+            <a:r>
+              <a:rPr lang="fr-FR" dirty="0" smtClean="0"/>
+              <a:t>DI Container </a:t>
+            </a:r>
+            <a:r>
+              <a:rPr lang="fr-FR" dirty="0" err="1" smtClean="0"/>
+              <a:t>should</a:t>
+            </a:r>
+            <a:r>
+              <a:rPr lang="fr-FR" dirty="0" smtClean="0"/>
+              <a:t> </a:t>
+            </a:r>
+            <a:r>
+              <a:rPr lang="fr-FR" dirty="0" err="1" smtClean="0"/>
+              <a:t>be</a:t>
+            </a:r>
+            <a:r>
+              <a:rPr lang="fr-FR" dirty="0" smtClean="0"/>
+              <a:t> visible </a:t>
+            </a:r>
+            <a:r>
+              <a:rPr lang="fr-FR" dirty="0" err="1" smtClean="0"/>
+              <a:t>only</a:t>
+            </a:r>
+            <a:r>
+              <a:rPr lang="fr-FR" dirty="0" smtClean="0"/>
+              <a:t> in Composition </a:t>
+            </a:r>
+            <a:r>
+              <a:rPr lang="fr-FR" dirty="0" err="1" smtClean="0"/>
+              <a:t>Root</a:t>
+            </a:r>
+            <a:endParaRPr lang="en-US" dirty="0"/>
+          </a:p>
+        </p:txBody>
+      </p:sp>
+    </p:spTree>
+    <p:extLst>
+      <p:ext uri="{BB962C8B-B14F-4D97-AF65-F5344CB8AC3E}">
+        <p14:creationId xmlns:p14="http://schemas.microsoft.com/office/powerpoint/2010/main" val="1019461660"/>
       </p:ext>
     </p:extLst>
   </p:cSld>
@@ -47472,7 +51700,7 @@
           <a:p>
             <a:r>
               <a:rPr lang="en-US" dirty="0" smtClean="0"/>
-              <a:t>Remember</a:t>
+              <a:t>Going further …</a:t>
             </a:r>
             <a:endParaRPr lang="en-US" dirty="0"/>
           </a:p>
@@ -47494,86 +51722,47 @@
           <a:lstStyle/>
           <a:p>
             <a:r>
-              <a:rPr lang="fr-FR" dirty="0" err="1" smtClean="0"/>
-              <a:t>Constructor</a:t>
-            </a:r>
+              <a:rPr lang="en-US" dirty="0" smtClean="0"/>
+              <a:t>Mark </a:t>
+            </a:r>
+            <a:r>
+              <a:rPr lang="en-US" dirty="0" err="1" smtClean="0"/>
+              <a:t>Seemann’s</a:t>
+            </a:r>
+            <a:r>
+              <a:rPr lang="en-US" dirty="0" smtClean="0"/>
+              <a:t> book and blog posts</a:t>
+            </a:r>
+          </a:p>
+          <a:p>
+            <a:r>
+              <a:rPr lang="en-US" dirty="0" smtClean="0"/>
+              <a:t>Conversation about DI in </a:t>
+            </a:r>
+            <a:r>
+              <a:rPr lang="en-US" dirty="0" err="1" smtClean="0"/>
+              <a:t>aspnet</a:t>
+            </a:r>
+            <a:r>
+              <a:rPr lang="en-US" dirty="0" smtClean="0"/>
+              <a:t> </a:t>
+            </a:r>
+            <a:r>
+              <a:rPr lang="en-US" dirty="0" err="1" smtClean="0"/>
+              <a:t>vNext</a:t>
+            </a:r>
+            <a:endParaRPr lang="en-US" dirty="0" smtClean="0"/>
+          </a:p>
+          <a:p>
+            <a:r>
+              <a:rPr lang="en-US" dirty="0" smtClean="0"/>
+              <a:t>SOLID</a:t>
+            </a:r>
+          </a:p>
+          <a:p>
             <a:r>
               <a:rPr lang="fr-FR" dirty="0" smtClean="0"/>
-              <a:t> Injection </a:t>
-            </a:r>
-            <a:r>
-              <a:rPr lang="fr-FR" dirty="0" err="1" smtClean="0"/>
-              <a:t>is</a:t>
-            </a:r>
-            <a:r>
-              <a:rPr lang="fr-FR" dirty="0" smtClean="0"/>
-              <a:t> </a:t>
-            </a:r>
-            <a:r>
-              <a:rPr lang="fr-FR" dirty="0" err="1" smtClean="0"/>
-              <a:t>your</a:t>
-            </a:r>
-            <a:r>
-              <a:rPr lang="fr-FR" dirty="0" smtClean="0"/>
-              <a:t> </a:t>
-            </a:r>
-            <a:r>
-              <a:rPr lang="fr-FR" dirty="0" err="1" smtClean="0"/>
-              <a:t>friend</a:t>
-            </a:r>
-            <a:endParaRPr lang="fr-FR" dirty="0" smtClean="0"/>
-          </a:p>
-          <a:p>
-            <a:r>
-              <a:rPr lang="fr-FR" dirty="0" smtClean="0"/>
-              <a:t>DI-</a:t>
-            </a:r>
-            <a:r>
-              <a:rPr lang="fr-FR" dirty="0" err="1" smtClean="0"/>
-              <a:t>friendly</a:t>
-            </a:r>
-            <a:r>
-              <a:rPr lang="fr-FR" dirty="0" smtClean="0"/>
-              <a:t> </a:t>
-            </a:r>
-            <a:r>
-              <a:rPr lang="fr-FR" dirty="0" err="1" smtClean="0"/>
-              <a:t>everywhere</a:t>
-            </a:r>
-            <a:endParaRPr lang="fr-FR" dirty="0" smtClean="0"/>
-          </a:p>
-          <a:p>
-            <a:r>
-              <a:rPr lang="fr-FR" dirty="0" smtClean="0"/>
-              <a:t>DI Container </a:t>
-            </a:r>
-            <a:r>
-              <a:rPr lang="fr-FR" dirty="0" err="1" smtClean="0"/>
-              <a:t>should</a:t>
-            </a:r>
-            <a:r>
-              <a:rPr lang="fr-FR" dirty="0" smtClean="0"/>
-              <a:t> </a:t>
-            </a:r>
-            <a:r>
-              <a:rPr lang="fr-FR" dirty="0" err="1" smtClean="0"/>
-              <a:t>be</a:t>
-            </a:r>
-            <a:r>
-              <a:rPr lang="fr-FR" dirty="0" smtClean="0"/>
-              <a:t> visible </a:t>
-            </a:r>
-            <a:r>
-              <a:rPr lang="fr-FR" dirty="0" err="1" smtClean="0"/>
-              <a:t>only</a:t>
-            </a:r>
-            <a:r>
-              <a:rPr lang="fr-FR" dirty="0" smtClean="0"/>
-              <a:t> in Composition </a:t>
-            </a:r>
-            <a:r>
-              <a:rPr lang="fr-FR" dirty="0" err="1" smtClean="0"/>
-              <a:t>Root</a:t>
+              <a:t>TODO</a:t>
             </a:r>
             <a:endParaRPr lang="en-US" dirty="0"/>
           </a:p>
@@ -47582,7 +51771,7 @@
     </p:spTree>
     <p:extLst>
       <p:ext uri="{BB962C8B-B14F-4D97-AF65-F5344CB8AC3E}">
-        <p14:creationId xmlns:p14="http://schemas.microsoft.com/office/powerpoint/2010/main" val="1019461660"/>
+        <p14:creationId xmlns:p14="http://schemas.microsoft.com/office/powerpoint/2010/main" val="3179521032"/>
       </p:ext>
     </p:extLst>
   </p:cSld>
@@ -47618,7 +51807,7 @@
       </p:grpSpPr>
       <p:sp>
         <p:nvSpPr>
-          <p:cNvPr id="2" name="Title 1"/>
+          <p:cNvPr id="4" name="Title 3"/>
           <p:cNvSpPr>
             <a:spLocks noGrp="1"/>
           </p:cNvSpPr>
@@ -47632,8 +51821,8 @@
           <a:lstStyle/>
           <a:p>
             <a:r>
-              <a:rPr lang="en-US" dirty="0" smtClean="0"/>
-              <a:t>Going further …</a:t>
+              <a:rPr lang="fr-FR" dirty="0" err="1" smtClean="0"/>
+              <a:t>Q&amp;a</a:t>
             </a:r>
             <a:endParaRPr lang="en-US" dirty="0"/>
           </a:p>
@@ -47641,12 +51830,12 @@
       </p:sp>
       <p:sp>
         <p:nvSpPr>
-          <p:cNvPr id="3" name="Content Placeholder 2"/>
+          <p:cNvPr id="5" name="Text Placeholder 4"/>
           <p:cNvSpPr>
             <a:spLocks noGrp="1"/>
           </p:cNvSpPr>
           <p:nvPr>
-            <p:ph idx="1"/>
+            <p:ph type="body" idx="1"/>
           </p:nvPr>
         </p:nvSpPr>
         <p:spPr/>
@@ -47655,47 +51844,8 @@
           <a:lstStyle/>
           <a:p>
             <a:r>
-              <a:rPr lang="en-US" dirty="0" smtClean="0"/>
-              <a:t>Mark </a:t>
-            </a:r>
-            <a:r>
-              <a:rPr lang="en-US" dirty="0" err="1" smtClean="0"/>
-              <a:t>Seemann’s</a:t>
-            </a:r>
-            <a:r>
-              <a:rPr lang="en-US" dirty="0" smtClean="0"/>
-              <a:t> book and blog posts</a:t>
-            </a:r>
-          </a:p>
-          <a:p>
-            <a:r>
-              <a:rPr lang="en-US" dirty="0" smtClean="0"/>
-              <a:t>Conversation about DI in </a:t>
-            </a:r>
-            <a:r>
-              <a:rPr lang="en-US" dirty="0" err="1" smtClean="0"/>
-              <a:t>aspnet</a:t>
-            </a:r>
-            <a:r>
-              <a:rPr lang="en-US" dirty="0" smtClean="0"/>
-              <a:t> </a:t>
-            </a:r>
-            <a:r>
-              <a:rPr lang="en-US" dirty="0" err="1" smtClean="0"/>
-              <a:t>vNext</a:t>
-            </a:r>
-            <a:endParaRPr lang="en-US" dirty="0" smtClean="0"/>
-          </a:p>
-          <a:p>
-            <a:r>
-              <a:rPr lang="en-US" dirty="0" smtClean="0"/>
-              <a:t>SOLID</a:t>
-            </a:r>
-          </a:p>
-          <a:p>
-            <a:r>
               <a:rPr lang="fr-FR" dirty="0" smtClean="0"/>
-              <a:t>TODO</a:t>
+              <a:t>Shoot !</a:t>
             </a:r>
             <a:endParaRPr lang="en-US" dirty="0"/>
           </a:p>
@@ -47704,7 +51854,7 @@
     </p:spTree>
     <p:extLst>
       <p:ext uri="{BB962C8B-B14F-4D97-AF65-F5344CB8AC3E}">
-        <p14:creationId xmlns:p14="http://schemas.microsoft.com/office/powerpoint/2010/main" val="3179521032"/>
+        <p14:creationId xmlns:p14="http://schemas.microsoft.com/office/powerpoint/2010/main" val="660623375"/>
       </p:ext>
     </p:extLst>
   </p:cSld>
@@ -47740,7 +51890,7 @@
       </p:grpSpPr>
       <p:sp>
         <p:nvSpPr>
-          <p:cNvPr id="4" name="Title 3"/>
+          <p:cNvPr id="2" name="Title 1"/>
           <p:cNvSpPr>
             <a:spLocks noGrp="1"/>
           </p:cNvSpPr>
@@ -47755,7 +51905,19 @@
           <a:p>
             <a:r>
               <a:rPr lang="fr-FR" dirty="0" err="1" smtClean="0"/>
-              <a:t>Q&amp;a</a:t>
+              <a:t>Thanks</a:t>
+            </a:r>
+            <a:r>
+              <a:rPr lang="fr-FR" dirty="0" smtClean="0"/>
+              <a:t> for </a:t>
+            </a:r>
+            <a:r>
+              <a:rPr lang="fr-FR" dirty="0" err="1" smtClean="0"/>
+              <a:t>attending</a:t>
+            </a:r>
+            <a:r>
+              <a:rPr lang="fr-FR" dirty="0" smtClean="0"/>
+              <a:t> !</a:t>
             </a:r>
             <a:endParaRPr lang="en-US" dirty="0"/>
           </a:p>
@@ -47763,7 +51925,7 @@
       </p:sp>
       <p:sp>
         <p:nvSpPr>
-          <p:cNvPr id="5" name="Text Placeholder 4"/>
+          <p:cNvPr id="3" name="Text Placeholder 2"/>
           <p:cNvSpPr>
             <a:spLocks noGrp="1"/>
           </p:cNvSpPr>
@@ -47778,7 +51940,11 @@
           <a:p>
             <a:r>
               <a:rPr lang="fr-FR" dirty="0" smtClean="0"/>
-              <a:t>Shoot !</a:t>
+              <a:t>Contact : @</a:t>
+            </a:r>
+            <a:r>
+              <a:rPr lang="fr-FR" dirty="0" err="1" smtClean="0"/>
+              <a:t>tsimbalar</a:t>
             </a:r>
             <a:endParaRPr lang="en-US" dirty="0"/>
           </a:p>
@@ -47787,7 +51953,7 @@
     </p:spTree>
     <p:extLst>
       <p:ext uri="{BB962C8B-B14F-4D97-AF65-F5344CB8AC3E}">
-        <p14:creationId xmlns:p14="http://schemas.microsoft.com/office/powerpoint/2010/main" val="660623375"/>
+        <p14:creationId xmlns:p14="http://schemas.microsoft.com/office/powerpoint/2010/main" val="1114269859"/>
       </p:ext>
     </p:extLst>
   </p:cSld>
@@ -47823,105 +51989,6 @@
       </p:grpSpPr>
       <p:sp>
         <p:nvSpPr>
-          <p:cNvPr id="2" name="Title 1"/>
-          <p:cNvSpPr>
-            <a:spLocks noGrp="1"/>
-          </p:cNvSpPr>
-          <p:nvPr>
-            <p:ph type="title"/>
-          </p:nvPr>
-        </p:nvSpPr>
-        <p:spPr/>
-        <p:txBody>
-          <a:bodyPr/>
-          <a:lstStyle/>
-          <a:p>
-            <a:r>
-              <a:rPr lang="fr-FR" dirty="0" err="1" smtClean="0"/>
-              <a:t>Thanks</a:t>
-            </a:r>
-            <a:r>
-              <a:rPr lang="fr-FR" dirty="0" smtClean="0"/>
-              <a:t> for </a:t>
-            </a:r>
-            <a:r>
-              <a:rPr lang="fr-FR" dirty="0" err="1" smtClean="0"/>
-              <a:t>attending</a:t>
-            </a:r>
-            <a:r>
-              <a:rPr lang="fr-FR" dirty="0" smtClean="0"/>
-              <a:t> !</a:t>
-            </a:r>
-            <a:endParaRPr lang="en-US" dirty="0"/>
-          </a:p>
-        </p:txBody>
-      </p:sp>
-      <p:sp>
-        <p:nvSpPr>
-          <p:cNvPr id="3" name="Text Placeholder 2"/>
-          <p:cNvSpPr>
-            <a:spLocks noGrp="1"/>
-          </p:cNvSpPr>
-          <p:nvPr>
-            <p:ph type="body" idx="1"/>
-          </p:nvPr>
-        </p:nvSpPr>
-        <p:spPr/>
-        <p:txBody>
-          <a:bodyPr/>
-          <a:lstStyle/>
-          <a:p>
-            <a:r>
-              <a:rPr lang="fr-FR" dirty="0" smtClean="0"/>
-              <a:t>Contact : @</a:t>
-            </a:r>
-            <a:r>
-              <a:rPr lang="fr-FR" dirty="0" err="1" smtClean="0"/>
-              <a:t>tsimbalar</a:t>
-            </a:r>
-            <a:endParaRPr lang="en-US" dirty="0"/>
-          </a:p>
-        </p:txBody>
-      </p:sp>
-    </p:spTree>
-    <p:extLst>
-      <p:ext uri="{BB962C8B-B14F-4D97-AF65-F5344CB8AC3E}">
-        <p14:creationId xmlns:p14="http://schemas.microsoft.com/office/powerpoint/2010/main" val="1114269859"/>
-      </p:ext>
-    </p:extLst>
-  </p:cSld>
-  <p:clrMapOvr>
-    <a:masterClrMapping/>
-  </p:clrMapOvr>
-  <p:timing>
-    <p:tnLst>
-      <p:par>
-        <p:cTn id="1" dur="indefinite" restart="never" nodeType="tmRoot"/>
-      </p:par>
-    </p:tnLst>
-  </p:timing>
-</p:sld>
-</file>
-
-<file path=ppt/slides/slide48.xml><?xml version="1.0" encoding="utf-8"?>
-<p:sld xmlns:a="http://schemas.openxmlformats.org/drawingml/2006/main" xmlns:r="http://schemas.openxmlformats.org/officeDocument/2006/relationships" xmlns:p="http://schemas.openxmlformats.org/presentationml/2006/main">
-  <p:cSld>
-    <p:spTree>
-      <p:nvGrpSpPr>
-        <p:cNvPr id="1" name=""/>
-        <p:cNvGrpSpPr/>
-        <p:nvPr/>
-      </p:nvGrpSpPr>
-      <p:grpSpPr>
-        <a:xfrm>
-          <a:off x="0" y="0"/>
-          <a:ext cx="0" cy="0"/>
-          <a:chOff x="0" y="0"/>
-          <a:chExt cx="0" cy="0"/>
-        </a:xfrm>
-      </p:grpSpPr>
-      <p:sp>
-        <p:nvSpPr>
           <p:cNvPr id="4" name="Title 3"/>
           <p:cNvSpPr>
             <a:spLocks noGrp="1"/>
@@ -47994,7 +52061,7 @@
 </p:sld>
 </file>
 
-<file path=ppt/slides/slide49.xml><?xml version="1.0" encoding="utf-8"?>
+<file path=ppt/slides/slide48.xml><?xml version="1.0" encoding="utf-8"?>
 <p:sld xmlns:a="http://schemas.openxmlformats.org/drawingml/2006/main" xmlns:r="http://schemas.openxmlformats.org/officeDocument/2006/relationships" xmlns:p="http://schemas.openxmlformats.org/presentationml/2006/main">
   <p:cSld>
     <p:spTree>
@@ -48200,11 +52267,7 @@
           <a:p>
             <a:r>
               <a:rPr lang="en-US" dirty="0" smtClean="0"/>
-              <a:t>Dependency </a:t>
-            </a:r>
-            <a:r>
-              <a:rPr lang="en-US" dirty="0" smtClean="0"/>
-              <a:t>Injection (DI)</a:t>
+              <a:t>Dependency Injection</a:t>
             </a:r>
             <a:endParaRPr lang="en-US" dirty="0"/>
           </a:p>
@@ -48534,11 +52597,7 @@
             </a:pPr>
             <a:r>
               <a:rPr lang="fr-FR" sz="2400" dirty="0" smtClean="0"/>
-              <a:t>General </a:t>
-            </a:r>
-            <a:r>
-              <a:rPr lang="fr-FR" sz="2400" dirty="0" smtClean="0"/>
-              <a:t>guidelines</a:t>
+              <a:t>General guidelines</a:t>
             </a:r>
             <a:endParaRPr lang="en-US" sz="2400" dirty="0"/>
           </a:p>
@@ -48595,7 +52654,11 @@
               <a:t> a </a:t>
             </a:r>
             <a:r>
-              <a:rPr lang="fr-FR" sz="3200" b="1" i="1" dirty="0"/>
+              <a:rPr lang="fr-FR" sz="3200" b="1" i="1" dirty="0">
+                <a:solidFill>
+                  <a:srgbClr val="C00000"/>
+                </a:solidFill>
+              </a:rPr>
               <a:t>set of practices</a:t>
             </a:r>
             <a:r>
@@ -49307,26 +53370,50 @@
               <a:t> </a:t>
             </a:r>
             <a:r>
-              <a:rPr lang="fr-FR" sz="3200" b="1" i="1" dirty="0" err="1"/>
+              <a:rPr lang="fr-FR" sz="3200" b="1" i="1" dirty="0" err="1">
+                <a:solidFill>
+                  <a:srgbClr val="C00000"/>
+                </a:solidFill>
+              </a:rPr>
               <a:t>loosely</a:t>
             </a:r>
             <a:r>
-              <a:rPr lang="fr-FR" sz="3200" b="1" i="1" dirty="0"/>
+              <a:rPr lang="fr-FR" sz="3200" b="1" i="1" dirty="0">
+                <a:solidFill>
+                  <a:srgbClr val="C00000"/>
+                </a:solidFill>
+              </a:rPr>
               <a:t> </a:t>
             </a:r>
             <a:r>
-              <a:rPr lang="fr-FR" sz="3200" b="1" i="1" dirty="0" err="1"/>
+              <a:rPr lang="fr-FR" sz="3200" b="1" i="1" dirty="0" err="1">
+                <a:solidFill>
+                  <a:srgbClr val="C00000"/>
+                </a:solidFill>
+              </a:rPr>
               <a:t>coupled</a:t>
             </a:r>
             <a:r>
-              <a:rPr lang="fr-FR" sz="3200" b="1" i="1" dirty="0"/>
+              <a:rPr lang="fr-FR" sz="3200" b="1" i="1" dirty="0">
+                <a:solidFill>
+                  <a:srgbClr val="C00000"/>
+                </a:solidFill>
+              </a:rPr>
               <a:t> </a:t>
             </a:r>
             <a:r>
-              <a:rPr lang="fr-FR" sz="3200" b="1" i="1" dirty="0" smtClean="0"/>
+              <a:rPr lang="fr-FR" sz="3200" b="1" i="1" dirty="0" smtClean="0">
+                <a:solidFill>
+                  <a:srgbClr val="C00000"/>
+                </a:solidFill>
+              </a:rPr>
               <a:t>applications</a:t>
             </a:r>
-            <a:endParaRPr lang="fr-FR" sz="3200" b="1" i="1" dirty="0"/>
+            <a:endParaRPr lang="fr-FR" sz="3200" b="1" i="1" dirty="0">
+              <a:solidFill>
+                <a:srgbClr val="C00000"/>
+              </a:solidFill>
+            </a:endParaRPr>
           </a:p>
         </p:txBody>
       </p:sp>
@@ -49351,7 +53438,7 @@
 </file>
 
 <file path=ppt/slides/slide9.xml><?xml version="1.0" encoding="utf-8"?>
-<p:sld xmlns:a="http://schemas.openxmlformats.org/drawingml/2006/main" xmlns:r="http://schemas.openxmlformats.org/officeDocument/2006/relationships" xmlns:p="http://schemas.openxmlformats.org/presentationml/2006/main" show="0">
+<p:sld xmlns:a="http://schemas.openxmlformats.org/drawingml/2006/main" xmlns:r="http://schemas.openxmlformats.org/officeDocument/2006/relationships" xmlns:p="http://schemas.openxmlformats.org/presentationml/2006/main">
   <p:cSld>
     <p:spTree>
       <p:nvGrpSpPr>
@@ -49384,7 +53471,7 @@
           <a:p>
             <a:r>
               <a:rPr lang="en-US" dirty="0" smtClean="0"/>
-              <a:t>Loosely coupled code</a:t>
+              <a:t>From Tightly to Loosely Coupled</a:t>
             </a:r>
             <a:endParaRPr lang="en-US" dirty="0"/>
           </a:p>
@@ -49392,71 +53479,22 @@
       </p:sp>
       <p:sp>
         <p:nvSpPr>
-          <p:cNvPr id="3" name="Content Placeholder 2"/>
+          <p:cNvPr id="3" name="Text Placeholder 2"/>
           <p:cNvSpPr>
             <a:spLocks noGrp="1"/>
           </p:cNvSpPr>
           <p:nvPr>
-            <p:ph idx="1"/>
+            <p:ph type="body" idx="1"/>
           </p:nvPr>
         </p:nvSpPr>
         <p:spPr/>
         <p:txBody>
-          <a:bodyPr>
-            <a:normAutofit fontScale="85000" lnSpcReduction="20000"/>
-          </a:bodyPr>
+          <a:bodyPr/>
           <a:lstStyle/>
           <a:p>
-            <a:endParaRPr lang="en-US" dirty="0" smtClean="0"/>
-          </a:p>
-          <a:p>
             <a:r>
               <a:rPr lang="en-US" dirty="0" smtClean="0"/>
-              <a:t>Independent components</a:t>
-            </a:r>
-          </a:p>
-          <a:p>
-            <a:r>
-              <a:rPr lang="en-US" dirty="0" smtClean="0"/>
-              <a:t>Reusable</a:t>
-            </a:r>
-          </a:p>
-          <a:p>
-            <a:r>
-              <a:rPr lang="en-US" dirty="0" smtClean="0"/>
-              <a:t>Interchangeable</a:t>
-            </a:r>
-          </a:p>
-          <a:p>
-            <a:r>
-              <a:rPr lang="en-US" dirty="0" smtClean="0"/>
-              <a:t>Glued together to form a bigger system</a:t>
-            </a:r>
-          </a:p>
-          <a:p>
-            <a:r>
-              <a:rPr lang="en-US" dirty="0" smtClean="0"/>
-              <a:t> TODO: image ? Big containing application + components that do not really know each other’s internals</a:t>
-            </a:r>
-          </a:p>
-          <a:p>
-            <a:r>
-              <a:rPr lang="en-US" dirty="0" smtClean="0"/>
-              <a:t>Ultimate goal : </a:t>
-            </a:r>
-          </a:p>
-          <a:p>
-            <a:pPr lvl="1"/>
-            <a:r>
-              <a:rPr lang="en-US" dirty="0" smtClean="0"/>
-              <a:t>Maintainability : change should impact only a module</a:t>
-            </a:r>
-          </a:p>
-          <a:p>
-            <a:pPr lvl="1"/>
-            <a:r>
-              <a:rPr lang="en-US" dirty="0" smtClean="0"/>
-              <a:t>Make the system evolve without pain</a:t>
+              <a:t>Show me the code !</a:t>
             </a:r>
             <a:endParaRPr lang="en-US" dirty="0"/>
           </a:p>
@@ -49465,21 +53503,13 @@
     </p:spTree>
     <p:extLst>
       <p:ext uri="{BB962C8B-B14F-4D97-AF65-F5344CB8AC3E}">
-        <p14:creationId xmlns:p14="http://schemas.microsoft.com/office/powerpoint/2010/main" val="155522706"/>
+        <p14:creationId xmlns:p14="http://schemas.microsoft.com/office/powerpoint/2010/main" val="2941395999"/>
       </p:ext>
     </p:extLst>
   </p:cSld>
   <p:clrMapOvr>
     <a:masterClrMapping/>
   </p:clrMapOvr>
-  <mc:AlternateContent xmlns:mc="http://schemas.openxmlformats.org/markup-compatibility/2006" xmlns:p14="http://schemas.microsoft.com/office/powerpoint/2010/main">
-    <mc:Choice Requires="p14">
-      <p:transition spd="slow" p14:dur="2000"/>
-    </mc:Choice>
-    <mc:Fallback xmlns="">
-      <p:transition spd="slow"/>
-    </mc:Fallback>
-  </mc:AlternateContent>
   <p:timing>
     <p:tnLst>
       <p:par>

--- a/Dependency Injection - the right way.pptx
+++ b/Dependency Injection - the right way.pptx
@@ -2153,11 +2153,7 @@
             </a:r>
             <a:r>
               <a:rPr lang="fr-FR" dirty="0" smtClean="0"/>
-              <a:t> </a:t>
-            </a:r>
-            <a:r>
-              <a:rPr lang="fr-FR" dirty="0" smtClean="0"/>
-              <a:t>….</a:t>
+              <a:t> ….</a:t>
             </a:r>
           </a:p>
           <a:p>
@@ -10401,7 +10397,6 @@
               <a:rPr lang="en-US" dirty="0" smtClean="0"/>
               <a:t>Business</a:t>
             </a:r>
-            <a:endParaRPr lang="en-US" dirty="0" smtClean="0"/>
           </a:p>
           <a:p>
             <a:pPr lvl="1"/>
@@ -10409,7 +10404,6 @@
               <a:rPr lang="en-US" dirty="0" smtClean="0"/>
               <a:t>Data-access (Repository)</a:t>
             </a:r>
-            <a:endParaRPr lang="en-US" dirty="0" smtClean="0"/>
           </a:p>
           <a:p>
             <a:r>
@@ -16050,7 +16044,6 @@
               <a:rPr lang="en-US" dirty="0" smtClean="0"/>
               <a:t>Symptoms:</a:t>
             </a:r>
-            <a:endParaRPr lang="en-US" dirty="0" smtClean="0"/>
           </a:p>
           <a:p>
             <a:pPr lvl="1"/>
@@ -16070,11 +16063,7 @@
             <a:pPr lvl="1"/>
             <a:r>
               <a:rPr lang="en-US" dirty="0" smtClean="0"/>
-              <a:t>Not testable without full </a:t>
-            </a:r>
-            <a:r>
-              <a:rPr lang="en-US" dirty="0" smtClean="0"/>
-              <a:t>stack</a:t>
+              <a:t>Not testable without full stack</a:t>
             </a:r>
             <a:endParaRPr lang="en-US" dirty="0"/>
           </a:p>
@@ -16095,11 +16084,7 @@
             </a:r>
             <a:r>
               <a:rPr lang="en-US" dirty="0" smtClean="0"/>
-              <a:t> </a:t>
-            </a:r>
-            <a:r>
-              <a:rPr lang="en-US" dirty="0" smtClean="0"/>
-              <a:t>everywhere</a:t>
+              <a:t> everywhere</a:t>
             </a:r>
             <a:endParaRPr lang="en-US" dirty="0"/>
           </a:p>
@@ -19282,25 +19267,13 @@
           <a:p>
             <a:r>
               <a:rPr lang="en-US" dirty="0" smtClean="0"/>
-              <a:t>Unit tests </a:t>
-            </a:r>
+              <a:t>Unit tests are “just another client” for your code</a:t>
+            </a:r>
+          </a:p>
+          <a:p>
             <a:r>
               <a:rPr lang="en-US" dirty="0" smtClean="0"/>
-              <a:t>are “just another client” for your code</a:t>
-            </a:r>
-          </a:p>
-          <a:p>
-            <a:r>
-              <a:rPr lang="en-US" dirty="0" smtClean="0"/>
-              <a:t>If </a:t>
-            </a:r>
-            <a:r>
-              <a:rPr lang="en-US" dirty="0" smtClean="0"/>
-              <a:t>unit tests </a:t>
-            </a:r>
-            <a:r>
-              <a:rPr lang="en-US" dirty="0" smtClean="0"/>
-              <a:t>are hard to write, the code is probably too tightly coupled</a:t>
+              <a:t>If unit tests are hard to write, the code is probably too tightly coupled</a:t>
             </a:r>
             <a:endParaRPr lang="en-US" dirty="0"/>
           </a:p>
@@ -29572,11 +29545,7 @@
             </a:r>
             <a:r>
               <a:rPr lang="fr-FR" dirty="0" smtClean="0"/>
-              <a:t> for tests but not use in </a:t>
-            </a:r>
-            <a:r>
-              <a:rPr lang="fr-FR" dirty="0" smtClean="0"/>
-              <a:t>production</a:t>
+              <a:t> for tests but not use in production</a:t>
             </a:r>
           </a:p>
           <a:p>
@@ -29612,7 +29581,6 @@
               <a:rPr lang="fr-FR" dirty="0" smtClean="0"/>
               <a:t> I use</a:t>
             </a:r>
-            <a:endParaRPr lang="fr-FR" dirty="0" smtClean="0"/>
           </a:p>
           <a:p>
             <a:endParaRPr lang="fr-FR" dirty="0" smtClean="0"/>
@@ -32384,11 +32352,7 @@
             </a:r>
             <a:r>
               <a:rPr lang="fr-FR" dirty="0" smtClean="0"/>
-              <a:t> </a:t>
-            </a:r>
-            <a:r>
-              <a:rPr lang="fr-FR" dirty="0" smtClean="0"/>
-              <a:t>(</a:t>
+              <a:t> (</a:t>
             </a:r>
             <a:r>
               <a:rPr lang="fr-FR" dirty="0" err="1"/>
@@ -32437,11 +32401,7 @@
             </a:r>
             <a:r>
               <a:rPr lang="fr-FR" dirty="0" smtClean="0"/>
-              <a:t> in 99.9% of </a:t>
-            </a:r>
-            <a:r>
-              <a:rPr lang="fr-FR" dirty="0" smtClean="0"/>
-              <a:t>cases</a:t>
+              <a:t> in 99.9% of cases</a:t>
             </a:r>
           </a:p>
           <a:p>
@@ -33527,11 +33487,7 @@
           <a:p>
             <a:r>
               <a:rPr lang="fr-FR" dirty="0" smtClean="0"/>
-              <a:t>Applications </a:t>
-            </a:r>
-            <a:r>
-              <a:rPr lang="fr-FR" dirty="0" smtClean="0"/>
-              <a:t>do not </a:t>
+              <a:t>Applications do not </a:t>
             </a:r>
             <a:r>
               <a:rPr lang="fr-FR" dirty="0" err="1" smtClean="0"/>
@@ -33623,13 +33579,8 @@
             </a:r>
             <a:r>
               <a:rPr lang="fr-FR" dirty="0" smtClean="0"/>
-              <a:t> in one place in an </a:t>
-            </a:r>
-            <a:r>
-              <a:rPr lang="fr-FR" dirty="0" smtClean="0"/>
-              <a:t>application</a:t>
-            </a:r>
-            <a:endParaRPr lang="fr-FR" dirty="0" smtClean="0"/>
+              <a:t> in one place in an application</a:t>
+            </a:r>
           </a:p>
           <a:p>
             <a:endParaRPr lang="en-US" dirty="0"/>
@@ -34241,11 +34192,7 @@
             </a:r>
             <a:r>
               <a:rPr lang="fr-FR" dirty="0" smtClean="0"/>
-              <a:t> </a:t>
-            </a:r>
-            <a:r>
-              <a:rPr lang="fr-FR" dirty="0" smtClean="0"/>
-              <a:t>one</a:t>
+              <a:t> one</a:t>
             </a:r>
             <a:r>
               <a:rPr lang="fr-FR" sz="2400" dirty="0" smtClean="0"/>
@@ -34335,7 +34282,6 @@
               <a:rPr lang="fr-FR" dirty="0" smtClean="0"/>
               <a:t> ? </a:t>
             </a:r>
-            <a:endParaRPr lang="fr-FR" dirty="0" smtClean="0"/>
           </a:p>
           <a:p>
             <a:r>
@@ -34371,11 +34317,7 @@
             </a:r>
             <a:r>
               <a:rPr lang="fr-FR" dirty="0" smtClean="0"/>
-              <a:t> no </a:t>
-            </a:r>
-            <a:r>
-              <a:rPr lang="fr-FR" dirty="0" smtClean="0"/>
-              <a:t>Composition </a:t>
+              <a:t> no Composition </a:t>
             </a:r>
             <a:r>
               <a:rPr lang="fr-FR" dirty="0" err="1"/>
@@ -34387,15 +34329,7 @@
             </a:r>
             <a:r>
               <a:rPr lang="fr-FR" dirty="0" smtClean="0"/>
-              <a:t> </a:t>
-            </a:r>
-            <a:r>
-              <a:rPr lang="fr-FR" dirty="0" smtClean="0"/>
-              <a:t>in a </a:t>
-            </a:r>
-            <a:r>
-              <a:rPr lang="fr-FR" dirty="0" smtClean="0"/>
-              <a:t>class </a:t>
+              <a:t> in a class </a:t>
             </a:r>
             <a:r>
               <a:rPr lang="fr-FR" dirty="0" err="1" smtClean="0"/>
@@ -34530,11 +34464,7 @@
             </a:r>
             <a:r>
               <a:rPr lang="fr-FR" dirty="0" smtClean="0"/>
-              <a:t> </a:t>
-            </a:r>
-            <a:r>
-              <a:rPr lang="fr-FR" dirty="0" smtClean="0"/>
-              <a:t>on </a:t>
+              <a:t> on </a:t>
             </a:r>
             <a:r>
               <a:rPr lang="fr-FR" dirty="0" err="1" smtClean="0"/>
